--- a/trunk/Presentazione/Atsilo3/Atsilo_H_PresentazioneFinale.pptx
+++ b/trunk/Presentazione/Atsilo3/Atsilo_H_PresentazioneFinale.pptx
@@ -193,7 +193,7 @@
           <a:p>
             <a:fld id="{38D78F4D-402C-46E0-A4BB-DF91EA86B14C}" type="datetimeFigureOut">
               <a:rPr lang="it-IT" smtClean="0"/>
-              <a:t>23/12/2012</a:t>
+              <a:t>27/12/2012</a:t>
             </a:fld>
             <a:endParaRPr lang="it-IT"/>
           </a:p>
@@ -352,7 +352,7 @@
           <a:p>
             <a:fld id="{D70604CA-7593-4640-8FA1-5523937B8510}" type="slidenum">
               <a:rPr lang="it-IT" smtClean="0"/>
-              <a:t>‹N›</a:t>
+              <a:t>‹#›</a:t>
             </a:fld>
             <a:endParaRPr lang="it-IT"/>
           </a:p>
@@ -626,7 +626,7 @@
           <a:p>
             <a:fld id="{63CABBC0-75E4-43BB-A6A6-84C2A96BDB82}" type="datetimeFigureOut">
               <a:rPr lang="it-IT" smtClean="0"/>
-              <a:t>23/12/2012</a:t>
+              <a:t>27/12/2012</a:t>
             </a:fld>
             <a:endParaRPr lang="it-IT"/>
           </a:p>
@@ -668,7 +668,7 @@
           <a:p>
             <a:fld id="{F89AEA99-3E91-4C58-9AD4-045DB5619AC3}" type="slidenum">
               <a:rPr lang="it-IT" smtClean="0"/>
-              <a:t>‹N›</a:t>
+              <a:t>‹#›</a:t>
             </a:fld>
             <a:endParaRPr lang="it-IT"/>
           </a:p>
@@ -806,7 +806,7 @@
           <a:p>
             <a:fld id="{63CABBC0-75E4-43BB-A6A6-84C2A96BDB82}" type="datetimeFigureOut">
               <a:rPr lang="it-IT" smtClean="0"/>
-              <a:t>23/12/2012</a:t>
+              <a:t>27/12/2012</a:t>
             </a:fld>
             <a:endParaRPr lang="it-IT"/>
           </a:p>
@@ -848,7 +848,7 @@
           <a:p>
             <a:fld id="{F89AEA99-3E91-4C58-9AD4-045DB5619AC3}" type="slidenum">
               <a:rPr lang="it-IT" smtClean="0"/>
-              <a:t>‹N›</a:t>
+              <a:t>‹#›</a:t>
             </a:fld>
             <a:endParaRPr lang="it-IT"/>
           </a:p>
@@ -996,7 +996,7 @@
           <a:p>
             <a:fld id="{63CABBC0-75E4-43BB-A6A6-84C2A96BDB82}" type="datetimeFigureOut">
               <a:rPr lang="it-IT" smtClean="0"/>
-              <a:t>23/12/2012</a:t>
+              <a:t>27/12/2012</a:t>
             </a:fld>
             <a:endParaRPr lang="it-IT"/>
           </a:p>
@@ -1038,7 +1038,7 @@
           <a:p>
             <a:fld id="{F89AEA99-3E91-4C58-9AD4-045DB5619AC3}" type="slidenum">
               <a:rPr lang="it-IT" smtClean="0"/>
-              <a:t>‹N›</a:t>
+              <a:t>‹#›</a:t>
             </a:fld>
             <a:endParaRPr lang="it-IT"/>
           </a:p>
@@ -1176,7 +1176,7 @@
           <a:p>
             <a:fld id="{63CABBC0-75E4-43BB-A6A6-84C2A96BDB82}" type="datetimeFigureOut">
               <a:rPr lang="it-IT" smtClean="0"/>
-              <a:t>23/12/2012</a:t>
+              <a:t>27/12/2012</a:t>
             </a:fld>
             <a:endParaRPr lang="it-IT"/>
           </a:p>
@@ -1218,7 +1218,7 @@
           <a:p>
             <a:fld id="{F89AEA99-3E91-4C58-9AD4-045DB5619AC3}" type="slidenum">
               <a:rPr lang="it-IT" smtClean="0"/>
-              <a:t>‹N›</a:t>
+              <a:t>‹#›</a:t>
             </a:fld>
             <a:endParaRPr lang="it-IT"/>
           </a:p>
@@ -1417,7 +1417,7 @@
           <a:p>
             <a:fld id="{63CABBC0-75E4-43BB-A6A6-84C2A96BDB82}" type="datetimeFigureOut">
               <a:rPr lang="it-IT" smtClean="0"/>
-              <a:t>23/12/2012</a:t>
+              <a:t>27/12/2012</a:t>
             </a:fld>
             <a:endParaRPr lang="it-IT"/>
           </a:p>
@@ -1459,7 +1459,7 @@
           <a:p>
             <a:fld id="{F89AEA99-3E91-4C58-9AD4-045DB5619AC3}" type="slidenum">
               <a:rPr lang="it-IT" smtClean="0"/>
-              <a:t>‹N›</a:t>
+              <a:t>‹#›</a:t>
             </a:fld>
             <a:endParaRPr lang="it-IT"/>
           </a:p>
@@ -1696,7 +1696,7 @@
           <a:p>
             <a:fld id="{63CABBC0-75E4-43BB-A6A6-84C2A96BDB82}" type="datetimeFigureOut">
               <a:rPr lang="it-IT" smtClean="0"/>
-              <a:t>23/12/2012</a:t>
+              <a:t>27/12/2012</a:t>
             </a:fld>
             <a:endParaRPr lang="it-IT"/>
           </a:p>
@@ -1738,7 +1738,7 @@
           <a:p>
             <a:fld id="{F89AEA99-3E91-4C58-9AD4-045DB5619AC3}" type="slidenum">
               <a:rPr lang="it-IT" smtClean="0"/>
-              <a:t>‹N›</a:t>
+              <a:t>‹#›</a:t>
             </a:fld>
             <a:endParaRPr lang="it-IT"/>
           </a:p>
@@ -2085,7 +2085,7 @@
           <a:p>
             <a:fld id="{63CABBC0-75E4-43BB-A6A6-84C2A96BDB82}" type="datetimeFigureOut">
               <a:rPr lang="it-IT" smtClean="0"/>
-              <a:t>23/12/2012</a:t>
+              <a:t>27/12/2012</a:t>
             </a:fld>
             <a:endParaRPr lang="it-IT"/>
           </a:p>
@@ -2127,7 +2127,7 @@
           <a:p>
             <a:fld id="{F89AEA99-3E91-4C58-9AD4-045DB5619AC3}" type="slidenum">
               <a:rPr lang="it-IT" smtClean="0"/>
-              <a:t>‹N›</a:t>
+              <a:t>‹#›</a:t>
             </a:fld>
             <a:endParaRPr lang="it-IT"/>
           </a:p>
@@ -2242,7 +2242,7 @@
           <a:p>
             <a:fld id="{63CABBC0-75E4-43BB-A6A6-84C2A96BDB82}" type="datetimeFigureOut">
               <a:rPr lang="it-IT" smtClean="0"/>
-              <a:t>23/12/2012</a:t>
+              <a:t>27/12/2012</a:t>
             </a:fld>
             <a:endParaRPr lang="it-IT"/>
           </a:p>
@@ -2284,7 +2284,7 @@
           <a:p>
             <a:fld id="{F89AEA99-3E91-4C58-9AD4-045DB5619AC3}" type="slidenum">
               <a:rPr lang="it-IT" smtClean="0"/>
-              <a:t>‹N›</a:t>
+              <a:t>‹#›</a:t>
             </a:fld>
             <a:endParaRPr lang="it-IT"/>
           </a:p>
@@ -2339,7 +2339,7 @@
           <a:p>
             <a:fld id="{63CABBC0-75E4-43BB-A6A6-84C2A96BDB82}" type="datetimeFigureOut">
               <a:rPr lang="it-IT" smtClean="0"/>
-              <a:t>23/12/2012</a:t>
+              <a:t>27/12/2012</a:t>
             </a:fld>
             <a:endParaRPr lang="it-IT"/>
           </a:p>
@@ -2381,7 +2381,7 @@
           <a:p>
             <a:fld id="{F89AEA99-3E91-4C58-9AD4-045DB5619AC3}" type="slidenum">
               <a:rPr lang="it-IT" smtClean="0"/>
-              <a:t>‹N›</a:t>
+              <a:t>‹#›</a:t>
             </a:fld>
             <a:endParaRPr lang="it-IT"/>
           </a:p>
@@ -2607,7 +2607,7 @@
           <a:p>
             <a:fld id="{63CABBC0-75E4-43BB-A6A6-84C2A96BDB82}" type="datetimeFigureOut">
               <a:rPr lang="it-IT" smtClean="0"/>
-              <a:t>23/12/2012</a:t>
+              <a:t>27/12/2012</a:t>
             </a:fld>
             <a:endParaRPr lang="it-IT"/>
           </a:p>
@@ -2649,7 +2649,7 @@
           <a:p>
             <a:fld id="{F89AEA99-3E91-4C58-9AD4-045DB5619AC3}" type="slidenum">
               <a:rPr lang="it-IT" smtClean="0"/>
-              <a:t>‹N›</a:t>
+              <a:t>‹#›</a:t>
             </a:fld>
             <a:endParaRPr lang="it-IT"/>
           </a:p>
@@ -2902,7 +2902,7 @@
           <a:p>
             <a:fld id="{63CABBC0-75E4-43BB-A6A6-84C2A96BDB82}" type="datetimeFigureOut">
               <a:rPr lang="it-IT" smtClean="0"/>
-              <a:t>23/12/2012</a:t>
+              <a:t>27/12/2012</a:t>
             </a:fld>
             <a:endParaRPr lang="it-IT"/>
           </a:p>
@@ -2949,7 +2949,7 @@
           <a:p>
             <a:fld id="{F89AEA99-3E91-4C58-9AD4-045DB5619AC3}" type="slidenum">
               <a:rPr lang="it-IT" smtClean="0"/>
-              <a:t>‹N›</a:t>
+              <a:t>‹#›</a:t>
             </a:fld>
             <a:endParaRPr lang="it-IT"/>
           </a:p>
@@ -3680,7 +3680,7 @@
           <a:p>
             <a:fld id="{63CABBC0-75E4-43BB-A6A6-84C2A96BDB82}" type="datetimeFigureOut">
               <a:rPr lang="it-IT" smtClean="0"/>
-              <a:t>23/12/2012</a:t>
+              <a:t>27/12/2012</a:t>
             </a:fld>
             <a:endParaRPr lang="it-IT"/>
           </a:p>
@@ -3758,7 +3758,7 @@
           <a:p>
             <a:fld id="{F89AEA99-3E91-4C58-9AD4-045DB5619AC3}" type="slidenum">
               <a:rPr lang="it-IT" smtClean="0"/>
-              <a:t>‹N›</a:t>
+              <a:t>‹#›</a:t>
             </a:fld>
             <a:endParaRPr lang="it-IT"/>
           </a:p>
@@ -4426,14 +4426,14 @@
           <p:nvPr>
             <p:extLst>
               <p:ext uri="{D42A27DB-BD31-4B8C-83A1-F6EECF244321}">
-                <p14:modId xmlns:p14="http://schemas.microsoft.com/office/powerpoint/2010/main" val="669990601"/>
+                <p14:modId xmlns:p14="http://schemas.microsoft.com/office/powerpoint/2010/main" val="3935031944"/>
               </p:ext>
             </p:extLst>
           </p:nvPr>
         </p:nvGraphicFramePr>
         <p:xfrm>
-          <a:off x="29313" y="5042215"/>
-          <a:ext cx="2051720" cy="1815785"/>
+          <a:off x="0" y="4876800"/>
+          <a:ext cx="2051720" cy="1981200"/>
         </p:xfrm>
         <a:graphic>
           <a:graphicData uri="http://schemas.openxmlformats.org/drawingml/2006/table">
@@ -4610,7 +4610,7 @@
         </p:nvGraphicFramePr>
         <p:xfrm>
           <a:off x="7092280" y="6060793"/>
-          <a:ext cx="2051720" cy="726314"/>
+          <a:ext cx="2051720" cy="792480"/>
         </p:xfrm>
         <a:graphic>
           <a:graphicData uri="http://schemas.openxmlformats.org/drawingml/2006/table">
@@ -4747,9 +4747,6 @@
               </a:rPr>
               <a:t>Titolo </a:t>
             </a:r>
-            <a:endParaRPr lang="it-IT" sz="4800" b="1" dirty="0" smtClean="0">
-              <a:latin typeface="+mj-lt"/>
-            </a:endParaRPr>
           </a:p>
           <a:p>
             <a:pPr algn="ctr"/>
@@ -4759,9 +4756,6 @@
               </a:rPr>
               <a:t>Sotto Titolo</a:t>
             </a:r>
-            <a:endParaRPr lang="it-IT" sz="2800" b="1" dirty="0" smtClean="0">
-              <a:latin typeface="+mj-lt"/>
-            </a:endParaRPr>
           </a:p>
           <a:p>
             <a:pPr algn="ctr"/>
@@ -5249,11 +5243,11 @@
   <p:clrMapOvr>
     <a:masterClrMapping/>
   </p:clrMapOvr>
-  <mc:AlternateContent xmlns:mc="http://schemas.openxmlformats.org/markup-compatibility/2006">
-    <mc:Choice xmlns:p14="http://schemas.microsoft.com/office/powerpoint/2010/main" Requires="p14">
+  <mc:AlternateContent xmlns:mc="http://schemas.openxmlformats.org/markup-compatibility/2006" xmlns:p14="http://schemas.microsoft.com/office/powerpoint/2010/main">
+    <mc:Choice Requires="p14">
       <p:transition spd="slow" p14:dur="2000"/>
     </mc:Choice>
-    <mc:Fallback>
+    <mc:Fallback xmlns="">
       <p:transition spd="slow"/>
     </mc:Fallback>
   </mc:AlternateContent>

--- a/trunk/Presentazione/Atsilo3/Atsilo_H_PresentazioneFinale.pptx
+++ b/trunk/Presentazione/Atsilo3/Atsilo_H_PresentazioneFinale.pptx
@@ -5,7 +5,7 @@
     <p:sldMasterId id="2147483684" r:id="rId1"/>
   </p:sldMasterIdLst>
   <p:notesMasterIdLst>
-    <p:notesMasterId r:id="rId40"/>
+    <p:notesMasterId r:id="rId41"/>
   </p:notesMasterIdLst>
   <p:sldIdLst>
     <p:sldId id="256" r:id="rId2"/>
@@ -31,21 +31,22 @@
     <p:sldId id="289" r:id="rId22"/>
     <p:sldId id="290" r:id="rId23"/>
     <p:sldId id="291" r:id="rId24"/>
-    <p:sldId id="260" r:id="rId25"/>
-    <p:sldId id="261" r:id="rId26"/>
-    <p:sldId id="262" r:id="rId27"/>
-    <p:sldId id="265" r:id="rId28"/>
-    <p:sldId id="263" r:id="rId29"/>
-    <p:sldId id="264" r:id="rId30"/>
-    <p:sldId id="266" r:id="rId31"/>
-    <p:sldId id="267" r:id="rId32"/>
-    <p:sldId id="268" r:id="rId33"/>
-    <p:sldId id="269" r:id="rId34"/>
-    <p:sldId id="270" r:id="rId35"/>
-    <p:sldId id="292" r:id="rId36"/>
-    <p:sldId id="293" r:id="rId37"/>
-    <p:sldId id="294" r:id="rId38"/>
-    <p:sldId id="295" r:id="rId39"/>
+    <p:sldId id="296" r:id="rId25"/>
+    <p:sldId id="260" r:id="rId26"/>
+    <p:sldId id="261" r:id="rId27"/>
+    <p:sldId id="262" r:id="rId28"/>
+    <p:sldId id="265" r:id="rId29"/>
+    <p:sldId id="263" r:id="rId30"/>
+    <p:sldId id="264" r:id="rId31"/>
+    <p:sldId id="266" r:id="rId32"/>
+    <p:sldId id="267" r:id="rId33"/>
+    <p:sldId id="268" r:id="rId34"/>
+    <p:sldId id="269" r:id="rId35"/>
+    <p:sldId id="270" r:id="rId36"/>
+    <p:sldId id="292" r:id="rId37"/>
+    <p:sldId id="293" r:id="rId38"/>
+    <p:sldId id="294" r:id="rId39"/>
+    <p:sldId id="295" r:id="rId40"/>
   </p:sldIdLst>
   <p:sldSz cx="9144000" cy="6858000" type="screen4x3"/>
   <p:notesSz cx="6858000" cy="9144000"/>
@@ -399,7 +400,7 @@
     </p:spTree>
     <p:extLst>
       <p:ext uri="{BB962C8B-B14F-4D97-AF65-F5344CB8AC3E}">
-        <p14:creationId xmlns="" xmlns:p14="http://schemas.microsoft.com/office/powerpoint/2010/main" val="2126419590"/>
+        <p14:creationId xmlns:p14="http://schemas.microsoft.com/office/powerpoint/2010/main" xmlns="" val="2126419590"/>
       </p:ext>
     </p:extLst>
   </p:cSld>
@@ -4427,7 +4428,7 @@
           <a:blip r:embed="rId2">
             <a:extLst>
               <a:ext uri="{28A0092B-C50C-407E-A947-70E740481C1C}">
-                <a14:useLocalDpi xmlns="" xmlns:a14="http://schemas.microsoft.com/office/drawing/2010/main" val="0"/>
+                <a14:useLocalDpi xmlns:a14="http://schemas.microsoft.com/office/drawing/2010/main" xmlns="" val="0"/>
               </a:ext>
             </a:extLst>
           </a:blip>
@@ -4451,14 +4452,14 @@
           <a:effectLst/>
           <a:extLst>
             <a:ext uri="{909E8E84-426E-40DD-AFC4-6F175D3DCCD1}">
-              <a14:hiddenFill xmlns="" xmlns:a14="http://schemas.microsoft.com/office/drawing/2010/main">
+              <a14:hiddenFill xmlns:a14="http://schemas.microsoft.com/office/drawing/2010/main" xmlns="">
                 <a:solidFill>
                   <a:schemeClr val="accent1"/>
                 </a:solidFill>
               </a14:hiddenFill>
             </a:ext>
             <a:ext uri="{91240B29-F687-4F45-9708-019B960494DF}">
-              <a14:hiddenLine xmlns="" xmlns:a14="http://schemas.microsoft.com/office/drawing/2010/main" w="9525">
+              <a14:hiddenLine xmlns:a14="http://schemas.microsoft.com/office/drawing/2010/main" xmlns="" w="9525">
                 <a:solidFill>
                   <a:schemeClr val="tx1"/>
                 </a:solidFill>
@@ -4468,7 +4469,7 @@
               </a14:hiddenLine>
             </a:ext>
             <a:ext uri="{AF507438-7753-43E0-B8FC-AC1667EBCBE1}">
-              <a14:hiddenEffects xmlns="" xmlns:a14="http://schemas.microsoft.com/office/drawing/2010/main">
+              <a14:hiddenEffects xmlns:a14="http://schemas.microsoft.com/office/drawing/2010/main" xmlns="">
                 <a:effectLst>
                   <a:outerShdw dist="35921" dir="2700000" algn="ctr" rotWithShape="0">
                     <a:schemeClr val="bg2"/>
@@ -4488,7 +4489,7 @@
           <p:nvPr>
             <p:extLst>
               <p:ext uri="{D42A27DB-BD31-4B8C-83A1-F6EECF244321}">
-                <p14:modId xmlns="" xmlns:p14="http://schemas.microsoft.com/office/powerpoint/2010/main" val="669990601"/>
+                <p14:modId xmlns:p14="http://schemas.microsoft.com/office/powerpoint/2010/main" xmlns="" val="669990601"/>
               </p:ext>
             </p:extLst>
           </p:nvPr>
@@ -4665,7 +4666,7 @@
           <p:nvPr>
             <p:extLst>
               <p:ext uri="{D42A27DB-BD31-4B8C-83A1-F6EECF244321}">
-                <p14:modId xmlns="" xmlns:p14="http://schemas.microsoft.com/office/powerpoint/2010/main" val="3027425847"/>
+                <p14:modId xmlns:p14="http://schemas.microsoft.com/office/powerpoint/2010/main" xmlns="" val="3027425847"/>
               </p:ext>
             </p:extLst>
           </p:nvPr>
@@ -4746,7 +4747,7 @@
     </p:spTree>
     <p:extLst>
       <p:ext uri="{BB962C8B-B14F-4D97-AF65-F5344CB8AC3E}">
-        <p14:creationId xmlns="" xmlns:p14="http://schemas.microsoft.com/office/powerpoint/2010/main" val="4165334171"/>
+        <p14:creationId xmlns:p14="http://schemas.microsoft.com/office/powerpoint/2010/main" xmlns="" val="4165334171"/>
       </p:ext>
     </p:extLst>
   </p:cSld>
@@ -4809,9 +4810,6 @@
               </a:rPr>
               <a:t>Sequence Diagram – Inserimento Evento</a:t>
             </a:r>
-            <a:endParaRPr lang="it-IT" sz="3400" b="1" dirty="0" smtClean="0">
-              <a:latin typeface="+mj-lt"/>
-            </a:endParaRPr>
           </a:p>
           <a:p>
             <a:pPr algn="ctr"/>
@@ -4908,9 +4906,6 @@
               </a:rPr>
               <a:t>Tracciabilità</a:t>
             </a:r>
-            <a:endParaRPr lang="it-IT" sz="4800" b="1" dirty="0" smtClean="0">
-              <a:latin typeface="+mj-lt"/>
-            </a:endParaRPr>
           </a:p>
           <a:p>
             <a:pPr algn="ctr"/>
@@ -4974,9 +4969,6 @@
               </a:rPr>
               <a:t>Difetti del RAD</a:t>
             </a:r>
-            <a:endParaRPr lang="it-IT" sz="4800" b="1" dirty="0" smtClean="0">
-              <a:latin typeface="+mj-lt"/>
-            </a:endParaRPr>
           </a:p>
           <a:p>
             <a:pPr algn="ctr"/>
@@ -5040,9 +5032,6 @@
               </a:rPr>
               <a:t>Obiettivi di Design</a:t>
             </a:r>
-            <a:endParaRPr lang="it-IT" sz="5400" b="1" dirty="0" smtClean="0">
-              <a:latin typeface="+mj-lt"/>
-            </a:endParaRPr>
           </a:p>
           <a:p>
             <a:pPr algn="ctr"/>
@@ -5080,11 +5069,7 @@
             </a:pPr>
             <a:r>
               <a:rPr lang="it-IT" sz="2800" dirty="0" smtClean="0"/>
-              <a:t>Adattabilità e </a:t>
-            </a:r>
-            <a:r>
-              <a:rPr lang="it-IT" sz="2800" dirty="0" smtClean="0"/>
-              <a:t>Portabilità</a:t>
+              <a:t>Adattabilità e Portabilità</a:t>
             </a:r>
           </a:p>
           <a:p>
@@ -5138,7 +5123,6 @@
               <a:rPr lang="it-IT" sz="2800" dirty="0" smtClean="0"/>
               <a:t>Facilità di apprendimento</a:t>
             </a:r>
-            <a:endParaRPr lang="it-IT" sz="2800" dirty="0" smtClean="0"/>
           </a:p>
         </p:txBody>
       </p:sp>
@@ -5196,9 +5180,6 @@
               </a:rPr>
               <a:t>Trade-Off</a:t>
             </a:r>
-            <a:endParaRPr lang="it-IT" sz="4800" b="1" dirty="0" smtClean="0">
-              <a:latin typeface="+mj-lt"/>
-            </a:endParaRPr>
           </a:p>
           <a:p>
             <a:pPr algn="ctr"/>
@@ -5390,11 +5371,16 @@
           <a:p>
             <a:r>
               <a:rPr lang="it-IT" i="1" dirty="0" smtClean="0"/>
-              <a:t>Interfaccia vs </a:t>
+              <a:t>Interfaccia vs Usabilità</a:t>
             </a:r>
+          </a:p>
+          <a:p>
+            <a:endParaRPr lang="it-IT" i="1" dirty="0" smtClean="0"/>
+          </a:p>
+          <a:p>
             <a:r>
               <a:rPr lang="it-IT" i="1" dirty="0" smtClean="0"/>
-              <a:t>Usabilità</a:t>
+              <a:t> Comprensibilità vs Tempo</a:t>
             </a:r>
           </a:p>
           <a:p>
@@ -5403,41 +5389,16 @@
           <a:p>
             <a:r>
               <a:rPr lang="it-IT" i="1" dirty="0" smtClean="0"/>
-              <a:t> Comprensibilità vs </a:t>
+              <a:t> Build vs Buy</a:t>
             </a:r>
+          </a:p>
+          <a:p>
+            <a:endParaRPr lang="it-IT" i="1" dirty="0" smtClean="0"/>
+          </a:p>
+          <a:p>
             <a:r>
               <a:rPr lang="it-IT" i="1" dirty="0" smtClean="0"/>
-              <a:t>Tempo</a:t>
-            </a:r>
-          </a:p>
-          <a:p>
-            <a:endParaRPr lang="it-IT" i="1" dirty="0" smtClean="0"/>
-          </a:p>
-          <a:p>
-            <a:r>
-              <a:rPr lang="it-IT" i="1" dirty="0" smtClean="0"/>
-              <a:t> Build vs </a:t>
-            </a:r>
-            <a:r>
-              <a:rPr lang="it-IT" i="1" dirty="0" smtClean="0"/>
-              <a:t>Buy</a:t>
-            </a:r>
-          </a:p>
-          <a:p>
-            <a:endParaRPr lang="it-IT" i="1" dirty="0" smtClean="0"/>
-          </a:p>
-          <a:p>
-            <a:r>
-              <a:rPr lang="it-IT" i="1" dirty="0" smtClean="0"/>
-              <a:t> Spazio di </a:t>
-            </a:r>
-            <a:r>
-              <a:rPr lang="it-IT" i="1" dirty="0" smtClean="0"/>
-              <a:t>memoria </a:t>
-            </a:r>
-            <a:r>
-              <a:rPr lang="it-IT" i="1" dirty="0" smtClean="0"/>
-              <a:t>vs Velocità</a:t>
+              <a:t> Spazio di memoria vs Velocità</a:t>
             </a:r>
             <a:endParaRPr lang="en-US" dirty="0"/>
           </a:p>
@@ -5446,7 +5407,7 @@
     </p:spTree>
     <p:extLst>
       <p:ext uri="{BB962C8B-B14F-4D97-AF65-F5344CB8AC3E}">
-        <p14:creationId xmlns="" xmlns:p14="http://schemas.microsoft.com/office/powerpoint/2010/main" val="155874689"/>
+        <p14:creationId xmlns:p14="http://schemas.microsoft.com/office/powerpoint/2010/main" xmlns="" val="155874689"/>
       </p:ext>
     </p:extLst>
   </p:cSld>
@@ -5454,7 +5415,7 @@
     <a:masterClrMapping/>
   </p:clrMapOvr>
   <mc:AlternateContent xmlns:mc="http://schemas.openxmlformats.org/markup-compatibility/2006">
-    <mc:Choice xmlns="" xmlns:p14="http://schemas.microsoft.com/office/powerpoint/2010/main" Requires="p14">
+    <mc:Choice xmlns:p14="http://schemas.microsoft.com/office/powerpoint/2010/main" xmlns="" Requires="p14">
       <p:transition spd="slow" p14:dur="2000"/>
     </mc:Choice>
     <mc:Fallback>
@@ -5988,9 +5949,6 @@
               </a:rPr>
               <a:t>Divisione in sottosistemi</a:t>
             </a:r>
-            <a:endParaRPr lang="it-IT" sz="4800" b="1" dirty="0" smtClean="0">
-              <a:latin typeface="+mj-lt"/>
-            </a:endParaRPr>
           </a:p>
           <a:p>
             <a:pPr algn="ctr"/>
@@ -6187,7 +6145,7 @@
     </p:spTree>
     <p:extLst>
       <p:ext uri="{BB962C8B-B14F-4D97-AF65-F5344CB8AC3E}">
-        <p14:creationId xmlns="" xmlns:p14="http://schemas.microsoft.com/office/powerpoint/2010/main" val="155874689"/>
+        <p14:creationId xmlns:p14="http://schemas.microsoft.com/office/powerpoint/2010/main" xmlns="" val="155874689"/>
       </p:ext>
     </p:extLst>
   </p:cSld>
@@ -6195,7 +6153,7 @@
     <a:masterClrMapping/>
   </p:clrMapOvr>
   <mc:AlternateContent xmlns:mc="http://schemas.openxmlformats.org/markup-compatibility/2006">
-    <mc:Choice xmlns="" xmlns:p14="http://schemas.microsoft.com/office/powerpoint/2010/main" Requires="p14">
+    <mc:Choice xmlns:p14="http://schemas.microsoft.com/office/powerpoint/2010/main" xmlns="" Requires="p14">
       <p:transition spd="slow" p14:dur="2000"/>
     </mc:Choice>
     <mc:Fallback>
@@ -6291,9 +6249,6 @@
               </a:rPr>
               <a:t>Component Diagram</a:t>
             </a:r>
-            <a:endParaRPr lang="it-IT" sz="4800" b="1" dirty="0" smtClean="0">
-              <a:latin typeface="+mj-lt"/>
-            </a:endParaRPr>
           </a:p>
           <a:p>
             <a:pPr algn="ctr"/>
@@ -6490,7 +6445,7 @@
     </p:spTree>
     <p:extLst>
       <p:ext uri="{BB962C8B-B14F-4D97-AF65-F5344CB8AC3E}">
-        <p14:creationId xmlns="" xmlns:p14="http://schemas.microsoft.com/office/powerpoint/2010/main" val="155874689"/>
+        <p14:creationId xmlns:p14="http://schemas.microsoft.com/office/powerpoint/2010/main" xmlns="" val="155874689"/>
       </p:ext>
     </p:extLst>
   </p:cSld>
@@ -6498,7 +6453,7 @@
     <a:masterClrMapping/>
   </p:clrMapOvr>
   <mc:AlternateContent xmlns:mc="http://schemas.openxmlformats.org/markup-compatibility/2006">
-    <mc:Choice xmlns="" xmlns:p14="http://schemas.microsoft.com/office/powerpoint/2010/main" Requires="p14">
+    <mc:Choice xmlns:p14="http://schemas.microsoft.com/office/powerpoint/2010/main" xmlns="" Requires="p14">
       <p:transition spd="slow" p14:dur="2000"/>
     </mc:Choice>
     <mc:Fallback>
@@ -6561,9 +6516,6 @@
               </a:rPr>
               <a:t>Gestione dei dati persistenti</a:t>
             </a:r>
-            <a:endParaRPr lang="it-IT" sz="4800" b="1" dirty="0" smtClean="0">
-              <a:latin typeface="+mj-lt"/>
-            </a:endParaRPr>
           </a:p>
           <a:p>
             <a:pPr algn="ctr"/>
@@ -6758,13 +6710,8 @@
             </a:pPr>
             <a:r>
               <a:rPr lang="it-IT" dirty="0" smtClean="0"/>
-              <a:t>Il sistema @silo usa, per la gestione dei dati </a:t>
+              <a:t>Il sistema @silo usa, per la gestione dei dati persistenti, un Database relazionale. Il DBMS scelto è MySql.</a:t>
             </a:r>
-            <a:r>
-              <a:rPr lang="it-IT" dirty="0" smtClean="0"/>
-              <a:t>persistenti, un Database relazionale. Il DBMS scelto è MySql.</a:t>
-            </a:r>
-            <a:endParaRPr lang="it-IT" dirty="0" smtClean="0"/>
           </a:p>
           <a:p>
             <a:endParaRPr lang="it-IT" dirty="0" smtClean="0"/>
@@ -6775,13 +6722,8 @@
             </a:pPr>
             <a:r>
               <a:rPr lang="it-IT" dirty="0" smtClean="0"/>
-              <a:t>L'utilizzo di MySQL ha facilitato l'integrazione del sistema col database anche grazie a componenti esistenti come </a:t>
+              <a:t>L'utilizzo di MySQL ha facilitato l'integrazione del sistema col database anche grazie a componenti esistenti come JDBC.</a:t>
             </a:r>
-            <a:r>
-              <a:rPr lang="it-IT" dirty="0" smtClean="0"/>
-              <a:t>JDBC.</a:t>
-            </a:r>
-            <a:endParaRPr lang="it-IT" dirty="0" smtClean="0"/>
           </a:p>
         </p:txBody>
       </p:sp>
@@ -6821,7 +6763,7 @@
     </p:spTree>
     <p:extLst>
       <p:ext uri="{BB962C8B-B14F-4D97-AF65-F5344CB8AC3E}">
-        <p14:creationId xmlns="" xmlns:p14="http://schemas.microsoft.com/office/powerpoint/2010/main" val="155874689"/>
+        <p14:creationId xmlns:p14="http://schemas.microsoft.com/office/powerpoint/2010/main" xmlns="" val="155874689"/>
       </p:ext>
     </p:extLst>
   </p:cSld>
@@ -6829,7 +6771,7 @@
     <a:masterClrMapping/>
   </p:clrMapOvr>
   <mc:AlternateContent xmlns:mc="http://schemas.openxmlformats.org/markup-compatibility/2006">
-    <mc:Choice xmlns="" xmlns:p14="http://schemas.microsoft.com/office/powerpoint/2010/main" Requires="p14">
+    <mc:Choice xmlns:p14="http://schemas.microsoft.com/office/powerpoint/2010/main" xmlns="" Requires="p14">
       <p:transition spd="slow" p14:dur="2000"/>
     </mc:Choice>
     <mc:Fallback>
@@ -7182,9 +7124,6 @@
               </a:rPr>
               <a:t>Difetti del SDD</a:t>
             </a:r>
-            <a:endParaRPr lang="it-IT" sz="4800" b="1" dirty="0" smtClean="0">
-              <a:latin typeface="+mj-lt"/>
-            </a:endParaRPr>
           </a:p>
           <a:p>
             <a:pPr algn="ctr"/>
@@ -7523,7 +7462,7 @@
     </p:spTree>
     <p:extLst>
       <p:ext uri="{BB962C8B-B14F-4D97-AF65-F5344CB8AC3E}">
-        <p14:creationId xmlns="" xmlns:p14="http://schemas.microsoft.com/office/powerpoint/2010/main" val="155874689"/>
+        <p14:creationId xmlns:p14="http://schemas.microsoft.com/office/powerpoint/2010/main" xmlns="" val="155874689"/>
       </p:ext>
     </p:extLst>
   </p:cSld>
@@ -7531,7 +7470,7 @@
     <a:masterClrMapping/>
   </p:clrMapOvr>
   <mc:AlternateContent xmlns:mc="http://schemas.openxmlformats.org/markup-compatibility/2006">
-    <mc:Choice xmlns="" xmlns:p14="http://schemas.microsoft.com/office/powerpoint/2010/main" Requires="p14">
+    <mc:Choice xmlns:p14="http://schemas.microsoft.com/office/powerpoint/2010/main" xmlns="" Requires="p14">
       <p:transition spd="slow" p14:dur="2000"/>
     </mc:Choice>
     <mc:Fallback>
@@ -7594,9 +7533,6 @@
               </a:rPr>
               <a:t>Riuso – Design Pattern</a:t>
             </a:r>
-            <a:endParaRPr lang="it-IT" sz="4800" b="1" dirty="0" smtClean="0">
-              <a:latin typeface="+mj-lt"/>
-            </a:endParaRPr>
           </a:p>
           <a:p>
             <a:pPr algn="ctr"/>
@@ -7791,37 +7727,8 @@
             </a:pPr>
             <a:r>
               <a:rPr lang="it-IT" dirty="0" smtClean="0"/>
-              <a:t>    Per </a:t>
+              <a:t>    Per l'implementazione del sistema è stato usato il design pattern Adapter per integrare con il sistema @silo la componente esterna: il Forum phpbb.  </a:t>
             </a:r>
-            <a:r>
-              <a:rPr lang="it-IT" dirty="0" smtClean="0"/>
-              <a:t>l'implementazione del sistema è stato usato il design pattern Adapter per integrare </a:t>
-            </a:r>
-            <a:r>
-              <a:rPr lang="it-IT" dirty="0" smtClean="0"/>
-              <a:t>con il </a:t>
-            </a:r>
-            <a:r>
-              <a:rPr lang="it-IT" dirty="0" smtClean="0"/>
-              <a:t>sistema @silo </a:t>
-            </a:r>
-            <a:r>
-              <a:rPr lang="it-IT" dirty="0" smtClean="0"/>
-              <a:t>la </a:t>
-            </a:r>
-            <a:r>
-              <a:rPr lang="it-IT" dirty="0" smtClean="0"/>
-              <a:t>c</a:t>
-            </a:r>
-            <a:r>
-              <a:rPr lang="it-IT" dirty="0" smtClean="0"/>
-              <a:t>omponente esterna: il Forum </a:t>
-            </a:r>
-            <a:r>
-              <a:rPr lang="it-IT" dirty="0" smtClean="0"/>
-              <a:t>phpbb.  </a:t>
-            </a:r>
-            <a:endParaRPr lang="it-IT" dirty="0" smtClean="0"/>
           </a:p>
         </p:txBody>
       </p:sp>
@@ -8081,9 +7988,6 @@
               </a:rPr>
               <a:t>Riuso – Design Pattern</a:t>
             </a:r>
-            <a:endParaRPr lang="it-IT" sz="4800" b="1" dirty="0" smtClean="0">
-              <a:latin typeface="+mj-lt"/>
-            </a:endParaRPr>
           </a:p>
           <a:p>
             <a:pPr algn="ctr"/>
@@ -8278,17 +8182,8 @@
             </a:pPr>
             <a:r>
               <a:rPr lang="it-IT" dirty="0" smtClean="0"/>
-              <a:t>    Per </a:t>
+              <a:t>    Per l'implementazione dello strato Application si è ricorsi al design patter Singleton.</a:t>
             </a:r>
-            <a:r>
-              <a:rPr lang="it-IT" dirty="0" smtClean="0"/>
-              <a:t>l'implementazione </a:t>
-            </a:r>
-            <a:r>
-              <a:rPr lang="it-IT" dirty="0" smtClean="0"/>
-              <a:t>dello strato Application si è ricorsi al design patter Singleton.</a:t>
-            </a:r>
-            <a:endParaRPr lang="it-IT" dirty="0" smtClean="0"/>
           </a:p>
         </p:txBody>
       </p:sp>
@@ -8482,9 +8377,6 @@
               </a:rPr>
               <a:t>Componenti Off-The-Shelf</a:t>
             </a:r>
-            <a:endParaRPr lang="it-IT" sz="4800" b="1" dirty="0" smtClean="0">
-              <a:latin typeface="+mj-lt"/>
-            </a:endParaRPr>
           </a:p>
           <a:p>
             <a:pPr algn="ctr"/>
@@ -9050,9 +8942,6 @@
               </a:rPr>
               <a:t>Difetti del ODD</a:t>
             </a:r>
-            <a:endParaRPr lang="it-IT" sz="4800" b="1" dirty="0" smtClean="0">
-              <a:latin typeface="+mj-lt"/>
-            </a:endParaRPr>
           </a:p>
           <a:p>
             <a:pPr algn="ctr"/>
@@ -9071,6 +8960,466 @@
 </file>
 
 <file path=ppt/slides/slide24.xml><?xml version="1.0" encoding="utf-8"?>
+<p:sld xmlns:a="http://schemas.openxmlformats.org/drawingml/2006/main" xmlns:r="http://schemas.openxmlformats.org/officeDocument/2006/relationships" xmlns:p="http://schemas.openxmlformats.org/presentationml/2006/main">
+  <p:cSld>
+    <p:spTree>
+      <p:nvGrpSpPr>
+        <p:cNvPr id="1" name=""/>
+        <p:cNvGrpSpPr/>
+        <p:nvPr/>
+      </p:nvGrpSpPr>
+      <p:grpSpPr>
+        <a:xfrm>
+          <a:off x="0" y="0"/>
+          <a:ext cx="0" cy="0"/>
+          <a:chOff x="0" y="0"/>
+          <a:chExt cx="0" cy="0"/>
+        </a:xfrm>
+      </p:grpSpPr>
+      <p:sp>
+        <p:nvSpPr>
+          <p:cNvPr id="2" name="CasellaDiTesto 1"/>
+          <p:cNvSpPr txBox="1"/>
+          <p:nvPr/>
+        </p:nvSpPr>
+        <p:spPr>
+          <a:xfrm>
+            <a:off x="285720" y="2143116"/>
+            <a:ext cx="7072313" cy="800219"/>
+          </a:xfrm>
+          <a:prstGeom prst="rect">
+            <a:avLst/>
+          </a:prstGeom>
+          <a:noFill/>
+        </p:spPr>
+        <p:txBody>
+          <a:bodyPr>
+            <a:spAutoFit/>
+          </a:bodyPr>
+          <a:lstStyle/>
+          <a:p>
+            <a:pPr fontAlgn="auto">
+              <a:spcBef>
+                <a:spcPts val="0"/>
+              </a:spcBef>
+              <a:spcAft>
+                <a:spcPts val="0"/>
+              </a:spcAft>
+              <a:defRPr/>
+            </a:pPr>
+            <a:r>
+              <a:rPr lang="it-IT" sz="2800" b="1" dirty="0">
+                <a:latin typeface="+mj-lt"/>
+                <a:cs typeface="+mn-cs"/>
+              </a:rPr>
+              <a:t>Obiettivi del </a:t>
+            </a:r>
+            <a:r>
+              <a:rPr lang="it-IT" sz="2800" b="1" dirty="0" smtClean="0">
+                <a:latin typeface="+mj-lt"/>
+                <a:cs typeface="+mn-cs"/>
+              </a:rPr>
+              <a:t>sottosistema Questionari:</a:t>
+            </a:r>
+            <a:endParaRPr lang="it-IT" sz="2800" b="1" dirty="0">
+              <a:latin typeface="+mj-lt"/>
+              <a:cs typeface="+mn-cs"/>
+            </a:endParaRPr>
+          </a:p>
+          <a:p>
+            <a:pPr algn="ctr" fontAlgn="auto">
+              <a:spcBef>
+                <a:spcPts val="0"/>
+              </a:spcBef>
+              <a:spcAft>
+                <a:spcPts val="0"/>
+              </a:spcAft>
+              <a:defRPr/>
+            </a:pPr>
+            <a:endParaRPr lang="it-IT" dirty="0">
+              <a:latin typeface="+mj-lt"/>
+              <a:cs typeface="+mn-cs"/>
+            </a:endParaRPr>
+          </a:p>
+        </p:txBody>
+      </p:sp>
+      <p:sp>
+        <p:nvSpPr>
+          <p:cNvPr id="10" name="Content Placeholder 3"/>
+          <p:cNvSpPr txBox="1">
+            <a:spLocks/>
+          </p:cNvSpPr>
+          <p:nvPr/>
+        </p:nvSpPr>
+        <p:spPr bwMode="auto">
+          <a:xfrm>
+            <a:off x="714375" y="3214686"/>
+            <a:ext cx="8429625" cy="2357454"/>
+          </a:xfrm>
+          <a:prstGeom prst="rect">
+            <a:avLst/>
+          </a:prstGeom>
+          <a:noFill/>
+          <a:ln w="9525">
+            <a:noFill/>
+            <a:miter lim="800000"/>
+            <a:headEnd/>
+            <a:tailEnd/>
+          </a:ln>
+        </p:spPr>
+        <p:txBody>
+          <a:bodyPr tIns="0"/>
+          <a:lstStyle/>
+          <a:p>
+            <a:pPr>
+              <a:spcBef>
+                <a:spcPct val="20000"/>
+              </a:spcBef>
+              <a:buSzPct val="95000"/>
+              <a:buFont typeface="Wingdings" pitchFamily="2" charset="2"/>
+              <a:buChar char="v"/>
+            </a:pPr>
+            <a:r>
+              <a:rPr lang="it-IT" sz="2800" dirty="0">
+                <a:latin typeface="Calibri" pitchFamily="34" charset="0"/>
+              </a:rPr>
+              <a:t>Accrescere la conoscenza sul soddisfacimento avuto dai servizi offerti a bambini e genitori.</a:t>
+            </a:r>
+          </a:p>
+          <a:p>
+            <a:pPr>
+              <a:spcBef>
+                <a:spcPct val="20000"/>
+              </a:spcBef>
+              <a:buSzPct val="95000"/>
+              <a:buFont typeface="Wingdings" pitchFamily="2" charset="2"/>
+              <a:buNone/>
+            </a:pPr>
+            <a:endParaRPr lang="it-IT" sz="2800" dirty="0">
+              <a:latin typeface="Calibri" pitchFamily="34" charset="0"/>
+            </a:endParaRPr>
+          </a:p>
+          <a:p>
+            <a:pPr>
+              <a:spcBef>
+                <a:spcPct val="20000"/>
+              </a:spcBef>
+              <a:buSzPct val="95000"/>
+              <a:buFont typeface="Wingdings" pitchFamily="2" charset="2"/>
+              <a:buChar char="v"/>
+            </a:pPr>
+            <a:r>
+              <a:rPr lang="it-IT" sz="2800" dirty="0">
+                <a:latin typeface="Calibri" pitchFamily="34" charset="0"/>
+              </a:rPr>
+              <a:t>Raccogliere feedback</a:t>
+            </a:r>
+          </a:p>
+          <a:p>
+            <a:pPr>
+              <a:spcBef>
+                <a:spcPct val="20000"/>
+              </a:spcBef>
+              <a:buSzPct val="95000"/>
+              <a:buFont typeface="Wingdings" pitchFamily="2" charset="2"/>
+              <a:buNone/>
+            </a:pPr>
+            <a:endParaRPr lang="en-US" sz="2800" dirty="0">
+              <a:latin typeface="Calibri" pitchFamily="34" charset="0"/>
+            </a:endParaRPr>
+          </a:p>
+        </p:txBody>
+      </p:sp>
+      <p:sp>
+        <p:nvSpPr>
+          <p:cNvPr id="4" name="CasellaDiTesto 1"/>
+          <p:cNvSpPr txBox="1"/>
+          <p:nvPr/>
+        </p:nvSpPr>
+        <p:spPr>
+          <a:xfrm>
+            <a:off x="0" y="428604"/>
+            <a:ext cx="9144000" cy="1107996"/>
+          </a:xfrm>
+          <a:prstGeom prst="rect">
+            <a:avLst/>
+          </a:prstGeom>
+          <a:noFill/>
+        </p:spPr>
+        <p:txBody>
+          <a:bodyPr wrap="square" rtlCol="0">
+            <a:spAutoFit/>
+          </a:bodyPr>
+          <a:lstStyle/>
+          <a:p>
+            <a:pPr algn="ctr"/>
+            <a:r>
+              <a:rPr lang="it-IT" sz="4800" b="1" dirty="0" smtClean="0">
+                <a:latin typeface="+mj-lt"/>
+              </a:rPr>
+              <a:t>Implementazione</a:t>
+            </a:r>
+            <a:endParaRPr lang="it-IT" sz="4800" b="1" dirty="0" smtClean="0">
+              <a:latin typeface="+mj-lt"/>
+            </a:endParaRPr>
+          </a:p>
+          <a:p>
+            <a:pPr algn="ctr"/>
+            <a:endParaRPr lang="it-IT" dirty="0">
+              <a:latin typeface="+mj-lt"/>
+            </a:endParaRPr>
+          </a:p>
+        </p:txBody>
+      </p:sp>
+    </p:spTree>
+  </p:cSld>
+  <p:clrMapOvr>
+    <a:masterClrMapping/>
+  </p:clrMapOvr>
+  <p:transition spd="slow"/>
+  <p:timing>
+    <p:tnLst>
+      <p:par>
+        <p:cTn id="1" dur="indefinite" restart="never" nodeType="tmRoot">
+          <p:childTnLst>
+            <p:seq concurrent="1" nextAc="seek">
+              <p:cTn id="2" dur="indefinite" nodeType="mainSeq">
+                <p:childTnLst>
+                  <p:par>
+                    <p:cTn id="3" fill="hold">
+                      <p:stCondLst>
+                        <p:cond delay="indefinite"/>
+                      </p:stCondLst>
+                      <p:childTnLst>
+                        <p:par>
+                          <p:cTn id="4" fill="hold">
+                            <p:stCondLst>
+                              <p:cond delay="0"/>
+                            </p:stCondLst>
+                            <p:childTnLst>
+                              <p:par>
+                                <p:cTn id="5" presetID="2" presetClass="entr" presetSubtype="4" fill="hold" grpId="0" nodeType="clickEffect">
+                                  <p:stCondLst>
+                                    <p:cond delay="0"/>
+                                  </p:stCondLst>
+                                  <p:childTnLst>
+                                    <p:set>
+                                      <p:cBhvr>
+                                        <p:cTn id="6" dur="1" fill="hold">
+                                          <p:stCondLst>
+                                            <p:cond delay="0"/>
+                                          </p:stCondLst>
+                                        </p:cTn>
+                                        <p:tgtEl>
+                                          <p:spTgt spid="10">
+                                            <p:txEl>
+                                              <p:pRg st="0" end="0"/>
+                                            </p:txEl>
+                                          </p:spTgt>
+                                        </p:tgtEl>
+                                        <p:attrNameLst>
+                                          <p:attrName>style.visibility</p:attrName>
+                                        </p:attrNameLst>
+                                      </p:cBhvr>
+                                      <p:to>
+                                        <p:strVal val="visible"/>
+                                      </p:to>
+                                    </p:set>
+                                    <p:anim calcmode="lin" valueType="num">
+                                      <p:cBhvr additive="base">
+                                        <p:cTn id="7" dur="500" fill="hold"/>
+                                        <p:tgtEl>
+                                          <p:spTgt spid="10">
+                                            <p:txEl>
+                                              <p:pRg st="0" end="0"/>
+                                            </p:txEl>
+                                          </p:spTgt>
+                                        </p:tgtEl>
+                                        <p:attrNameLst>
+                                          <p:attrName>ppt_x</p:attrName>
+                                        </p:attrNameLst>
+                                      </p:cBhvr>
+                                      <p:tavLst>
+                                        <p:tav tm="0">
+                                          <p:val>
+                                            <p:strVal val="#ppt_x"/>
+                                          </p:val>
+                                        </p:tav>
+                                        <p:tav tm="100000">
+                                          <p:val>
+                                            <p:strVal val="#ppt_x"/>
+                                          </p:val>
+                                        </p:tav>
+                                      </p:tavLst>
+                                    </p:anim>
+                                    <p:anim calcmode="lin" valueType="num">
+                                      <p:cBhvr additive="base">
+                                        <p:cTn id="8" dur="500" fill="hold"/>
+                                        <p:tgtEl>
+                                          <p:spTgt spid="10">
+                                            <p:txEl>
+                                              <p:pRg st="0" end="0"/>
+                                            </p:txEl>
+                                          </p:spTgt>
+                                        </p:tgtEl>
+                                        <p:attrNameLst>
+                                          <p:attrName>ppt_y</p:attrName>
+                                        </p:attrNameLst>
+                                      </p:cBhvr>
+                                      <p:tavLst>
+                                        <p:tav tm="0">
+                                          <p:val>
+                                            <p:strVal val="1+#ppt_h/2"/>
+                                          </p:val>
+                                        </p:tav>
+                                        <p:tav tm="100000">
+                                          <p:val>
+                                            <p:strVal val="#ppt_y"/>
+                                          </p:val>
+                                        </p:tav>
+                                      </p:tavLst>
+                                    </p:anim>
+                                  </p:childTnLst>
+                                </p:cTn>
+                              </p:par>
+                            </p:childTnLst>
+                          </p:cTn>
+                        </p:par>
+                      </p:childTnLst>
+                    </p:cTn>
+                  </p:par>
+                  <p:par>
+                    <p:cTn id="9" fill="hold">
+                      <p:stCondLst>
+                        <p:cond delay="indefinite"/>
+                      </p:stCondLst>
+                      <p:childTnLst>
+                        <p:par>
+                          <p:cTn id="10" fill="hold">
+                            <p:stCondLst>
+                              <p:cond delay="0"/>
+                            </p:stCondLst>
+                            <p:childTnLst>
+                              <p:par>
+                                <p:cTn id="11" presetID="2" presetClass="entr" presetSubtype="4" fill="hold" grpId="0" nodeType="clickEffect">
+                                  <p:stCondLst>
+                                    <p:cond delay="0"/>
+                                  </p:stCondLst>
+                                  <p:childTnLst>
+                                    <p:set>
+                                      <p:cBhvr>
+                                        <p:cTn id="12" dur="1" fill="hold">
+                                          <p:stCondLst>
+                                            <p:cond delay="0"/>
+                                          </p:stCondLst>
+                                        </p:cTn>
+                                        <p:tgtEl>
+                                          <p:spTgt spid="10">
+                                            <p:txEl>
+                                              <p:pRg st="2" end="2"/>
+                                            </p:txEl>
+                                          </p:spTgt>
+                                        </p:tgtEl>
+                                        <p:attrNameLst>
+                                          <p:attrName>style.visibility</p:attrName>
+                                        </p:attrNameLst>
+                                      </p:cBhvr>
+                                      <p:to>
+                                        <p:strVal val="visible"/>
+                                      </p:to>
+                                    </p:set>
+                                    <p:anim calcmode="lin" valueType="num">
+                                      <p:cBhvr additive="base">
+                                        <p:cTn id="13" dur="500" fill="hold"/>
+                                        <p:tgtEl>
+                                          <p:spTgt spid="10">
+                                            <p:txEl>
+                                              <p:pRg st="2" end="2"/>
+                                            </p:txEl>
+                                          </p:spTgt>
+                                        </p:tgtEl>
+                                        <p:attrNameLst>
+                                          <p:attrName>ppt_x</p:attrName>
+                                        </p:attrNameLst>
+                                      </p:cBhvr>
+                                      <p:tavLst>
+                                        <p:tav tm="0">
+                                          <p:val>
+                                            <p:strVal val="#ppt_x"/>
+                                          </p:val>
+                                        </p:tav>
+                                        <p:tav tm="100000">
+                                          <p:val>
+                                            <p:strVal val="#ppt_x"/>
+                                          </p:val>
+                                        </p:tav>
+                                      </p:tavLst>
+                                    </p:anim>
+                                    <p:anim calcmode="lin" valueType="num">
+                                      <p:cBhvr additive="base">
+                                        <p:cTn id="14" dur="500" fill="hold"/>
+                                        <p:tgtEl>
+                                          <p:spTgt spid="10">
+                                            <p:txEl>
+                                              <p:pRg st="2" end="2"/>
+                                            </p:txEl>
+                                          </p:spTgt>
+                                        </p:tgtEl>
+                                        <p:attrNameLst>
+                                          <p:attrName>ppt_y</p:attrName>
+                                        </p:attrNameLst>
+                                      </p:cBhvr>
+                                      <p:tavLst>
+                                        <p:tav tm="0">
+                                          <p:val>
+                                            <p:strVal val="1+#ppt_h/2"/>
+                                          </p:val>
+                                        </p:tav>
+                                        <p:tav tm="100000">
+                                          <p:val>
+                                            <p:strVal val="#ppt_y"/>
+                                          </p:val>
+                                        </p:tav>
+                                      </p:tavLst>
+                                    </p:anim>
+                                  </p:childTnLst>
+                                </p:cTn>
+                              </p:par>
+                            </p:childTnLst>
+                          </p:cTn>
+                        </p:par>
+                      </p:childTnLst>
+                    </p:cTn>
+                  </p:par>
+                </p:childTnLst>
+              </p:cTn>
+              <p:prevCondLst>
+                <p:cond evt="onPrev" delay="0">
+                  <p:tgtEl>
+                    <p:sldTgt/>
+                  </p:tgtEl>
+                </p:cond>
+              </p:prevCondLst>
+              <p:nextCondLst>
+                <p:cond evt="onNext" delay="0">
+                  <p:tgtEl>
+                    <p:sldTgt/>
+                  </p:tgtEl>
+                </p:cond>
+              </p:nextCondLst>
+            </p:seq>
+          </p:childTnLst>
+        </p:cTn>
+      </p:par>
+    </p:tnLst>
+    <p:bldLst>
+      <p:bldP spid="10" grpId="0" build="p"/>
+    </p:bldLst>
+  </p:timing>
+</p:sld>
+</file>
+
+<file path=ppt/slides/slide25.xml><?xml version="1.0" encoding="utf-8"?>
 <p:sld xmlns:a="http://schemas.openxmlformats.org/drawingml/2006/main" xmlns:r="http://schemas.openxmlformats.org/officeDocument/2006/relationships" xmlns:p="http://schemas.openxmlformats.org/presentationml/2006/main">
   <p:cSld>
     <p:spTree>
@@ -9591,7 +9940,7 @@
     </p:spTree>
     <p:extLst>
       <p:ext uri="{BB962C8B-B14F-4D97-AF65-F5344CB8AC3E}">
-        <p14:creationId xmlns="" xmlns:p14="http://schemas.microsoft.com/office/powerpoint/2010/main" val="155874689"/>
+        <p14:creationId xmlns:p14="http://schemas.microsoft.com/office/powerpoint/2010/main" xmlns="" val="155874689"/>
       </p:ext>
     </p:extLst>
   </p:cSld>
@@ -9599,7 +9948,7 @@
     <a:masterClrMapping/>
   </p:clrMapOvr>
   <mc:AlternateContent xmlns:mc="http://schemas.openxmlformats.org/markup-compatibility/2006">
-    <mc:Choice xmlns="" xmlns:p14="http://schemas.microsoft.com/office/powerpoint/2010/main" Requires="p14">
+    <mc:Choice xmlns:p14="http://schemas.microsoft.com/office/powerpoint/2010/main" xmlns="" Requires="p14">
       <p:transition spd="slow" p14:dur="2000"/>
     </mc:Choice>
     <mc:Fallback>
@@ -10060,7 +10409,7 @@
 </p:sld>
 </file>
 
-<file path=ppt/slides/slide25.xml><?xml version="1.0" encoding="utf-8"?>
+<file path=ppt/slides/slide26.xml><?xml version="1.0" encoding="utf-8"?>
 <p:sld xmlns:a="http://schemas.openxmlformats.org/drawingml/2006/main" xmlns:r="http://schemas.openxmlformats.org/officeDocument/2006/relationships" xmlns:p="http://schemas.openxmlformats.org/presentationml/2006/main">
   <p:cSld>
     <p:spTree>
@@ -10293,7 +10642,7 @@
     </p:spTree>
     <p:extLst>
       <p:ext uri="{BB962C8B-B14F-4D97-AF65-F5344CB8AC3E}">
-        <p14:creationId xmlns="" xmlns:p14="http://schemas.microsoft.com/office/powerpoint/2010/main" val="155874689"/>
+        <p14:creationId xmlns:p14="http://schemas.microsoft.com/office/powerpoint/2010/main" xmlns="" val="155874689"/>
       </p:ext>
     </p:extLst>
   </p:cSld>
@@ -10447,7 +10796,7 @@
 </p:sld>
 </file>
 
-<file path=ppt/slides/slide26.xml><?xml version="1.0" encoding="utf-8"?>
+<file path=ppt/slides/slide27.xml><?xml version="1.0" encoding="utf-8"?>
 <p:sld xmlns:a="http://schemas.openxmlformats.org/drawingml/2006/main" xmlns:r="http://schemas.openxmlformats.org/officeDocument/2006/relationships" xmlns:p="http://schemas.openxmlformats.org/presentationml/2006/main">
   <p:cSld>
     <p:spTree>
@@ -10736,7 +11085,7 @@
     </p:spTree>
     <p:extLst>
       <p:ext uri="{BB962C8B-B14F-4D97-AF65-F5344CB8AC3E}">
-        <p14:creationId xmlns="" xmlns:p14="http://schemas.microsoft.com/office/powerpoint/2010/main" val="155874689"/>
+        <p14:creationId xmlns:p14="http://schemas.microsoft.com/office/powerpoint/2010/main" xmlns="" val="155874689"/>
       </p:ext>
     </p:extLst>
   </p:cSld>
@@ -10744,7 +11093,7 @@
     <a:masterClrMapping/>
   </p:clrMapOvr>
   <mc:AlternateContent xmlns:mc="http://schemas.openxmlformats.org/markup-compatibility/2006">
-    <mc:Choice xmlns="" xmlns:p14="http://schemas.microsoft.com/office/powerpoint/2010/main" Requires="p14">
+    <mc:Choice xmlns:p14="http://schemas.microsoft.com/office/powerpoint/2010/main" xmlns="" Requires="p14">
       <p:transition spd="slow" p14:dur="2000"/>
     </mc:Choice>
     <mc:Fallback>
@@ -11302,7 +11651,7 @@
 </p:sld>
 </file>
 
-<file path=ppt/slides/slide27.xml><?xml version="1.0" encoding="utf-8"?>
+<file path=ppt/slides/slide28.xml><?xml version="1.0" encoding="utf-8"?>
 <p:sld xmlns:a="http://schemas.openxmlformats.org/drawingml/2006/main" xmlns:r="http://schemas.openxmlformats.org/officeDocument/2006/relationships" xmlns:p="http://schemas.openxmlformats.org/presentationml/2006/main">
   <p:cSld>
     <p:spTree>
@@ -11595,7 +11944,7 @@
     </p:spTree>
     <p:extLst>
       <p:ext uri="{BB962C8B-B14F-4D97-AF65-F5344CB8AC3E}">
-        <p14:creationId xmlns="" xmlns:p14="http://schemas.microsoft.com/office/powerpoint/2010/main" val="155874689"/>
+        <p14:creationId xmlns:p14="http://schemas.microsoft.com/office/powerpoint/2010/main" xmlns="" val="155874689"/>
       </p:ext>
     </p:extLst>
   </p:cSld>
@@ -11603,7 +11952,7 @@
     <a:masterClrMapping/>
   </p:clrMapOvr>
   <mc:AlternateContent xmlns:mc="http://schemas.openxmlformats.org/markup-compatibility/2006">
-    <mc:Choice xmlns="" xmlns:p14="http://schemas.microsoft.com/office/powerpoint/2010/main" Requires="p14">
+    <mc:Choice xmlns:p14="http://schemas.microsoft.com/office/powerpoint/2010/main" xmlns="" Requires="p14">
       <p:transition spd="slow" p14:dur="2000"/>
     </mc:Choice>
     <mc:Fallback>
@@ -12264,647 +12613,6 @@
 </p:sld>
 </file>
 
-<file path=ppt/slides/slide28.xml><?xml version="1.0" encoding="utf-8"?>
-<p:sld xmlns:a="http://schemas.openxmlformats.org/drawingml/2006/main" xmlns:r="http://schemas.openxmlformats.org/officeDocument/2006/relationships" xmlns:p="http://schemas.openxmlformats.org/presentationml/2006/main">
-  <p:cSld>
-    <p:spTree>
-      <p:nvGrpSpPr>
-        <p:cNvPr id="1" name=""/>
-        <p:cNvGrpSpPr/>
-        <p:nvPr/>
-      </p:nvGrpSpPr>
-      <p:grpSpPr>
-        <a:xfrm>
-          <a:off x="0" y="0"/>
-          <a:ext cx="0" cy="0"/>
-          <a:chOff x="0" y="0"/>
-          <a:chExt cx="0" cy="0"/>
-        </a:xfrm>
-      </p:grpSpPr>
-      <p:sp>
-        <p:nvSpPr>
-          <p:cNvPr id="2" name="CasellaDiTesto 1"/>
-          <p:cNvSpPr txBox="1"/>
-          <p:nvPr/>
-        </p:nvSpPr>
-        <p:spPr>
-          <a:xfrm>
-            <a:off x="1928794" y="428604"/>
-            <a:ext cx="5214974" cy="1107996"/>
-          </a:xfrm>
-          <a:prstGeom prst="rect">
-            <a:avLst/>
-          </a:prstGeom>
-          <a:noFill/>
-        </p:spPr>
-        <p:txBody>
-          <a:bodyPr wrap="square" rtlCol="0">
-            <a:spAutoFit/>
-          </a:bodyPr>
-          <a:lstStyle/>
-          <a:p>
-            <a:pPr algn="ctr"/>
-            <a:r>
-              <a:rPr lang="it-IT" sz="4800" b="1" dirty="0" smtClean="0">
-                <a:latin typeface="+mj-lt"/>
-              </a:rPr>
-              <a:t>Build VS Buy</a:t>
-            </a:r>
-            <a:endParaRPr lang="it-IT" sz="2800" b="1" dirty="0" smtClean="0">
-              <a:latin typeface="+mj-lt"/>
-            </a:endParaRPr>
-          </a:p>
-          <a:p>
-            <a:pPr algn="ctr"/>
-            <a:endParaRPr lang="it-IT" dirty="0">
-              <a:latin typeface="+mj-lt"/>
-            </a:endParaRPr>
-          </a:p>
-        </p:txBody>
-      </p:sp>
-      <p:sp>
-        <p:nvSpPr>
-          <p:cNvPr id="10" name="Content Placeholder 3"/>
-          <p:cNvSpPr txBox="1">
-            <a:spLocks/>
-          </p:cNvSpPr>
-          <p:nvPr/>
-        </p:nvSpPr>
-        <p:spPr>
-          <a:xfrm>
-            <a:off x="285720" y="2214554"/>
-            <a:ext cx="8429684" cy="3929090"/>
-          </a:xfrm>
-          <a:prstGeom prst="rect">
-            <a:avLst/>
-          </a:prstGeom>
-        </p:spPr>
-        <p:txBody>
-          <a:bodyPr tIns="0"/>
-          <a:lstStyle>
-            <a:lvl1pPr marL="274320" indent="-274320" algn="l" rtl="0" eaLnBrk="1" latinLnBrk="0" hangingPunct="1">
-              <a:spcBef>
-                <a:spcPct val="20000"/>
-              </a:spcBef>
-              <a:buClrTx/>
-              <a:buSzPct val="95000"/>
-              <a:buFont typeface="Wingdings" pitchFamily="2" charset="2"/>
-              <a:buChar char="v"/>
-              <a:defRPr kumimoji="0" sz="2800" kern="1200">
-                <a:solidFill>
-                  <a:schemeClr val="tx1"/>
-                </a:solidFill>
-                <a:latin typeface="+mn-lt"/>
-                <a:ea typeface="+mn-ea"/>
-                <a:cs typeface="+mn-cs"/>
-              </a:defRPr>
-            </a:lvl1pPr>
-            <a:lvl2pPr marL="640080" indent="-246888" algn="l" rtl="0" eaLnBrk="1" latinLnBrk="0" hangingPunct="1">
-              <a:spcBef>
-                <a:spcPct val="20000"/>
-              </a:spcBef>
-              <a:buClrTx/>
-              <a:buSzPct val="85000"/>
-              <a:buFont typeface="Courier New" pitchFamily="49" charset="0"/>
-              <a:buChar char="o"/>
-              <a:defRPr kumimoji="0" sz="2600" kern="1200">
-                <a:solidFill>
-                  <a:schemeClr val="tx1"/>
-                </a:solidFill>
-                <a:latin typeface="+mn-lt"/>
-                <a:ea typeface="+mn-ea"/>
-                <a:cs typeface="+mn-cs"/>
-              </a:defRPr>
-            </a:lvl2pPr>
-            <a:lvl3pPr marL="914400" indent="-246888" algn="l" rtl="0" eaLnBrk="1" latinLnBrk="0" hangingPunct="1">
-              <a:spcBef>
-                <a:spcPct val="20000"/>
-              </a:spcBef>
-              <a:buClrTx/>
-              <a:buSzPct val="70000"/>
-              <a:buFont typeface="Wingdings 2"/>
-              <a:buChar char=""/>
-              <a:defRPr kumimoji="0" sz="2400" kern="1200">
-                <a:solidFill>
-                  <a:schemeClr val="tx1"/>
-                </a:solidFill>
-                <a:latin typeface="+mn-lt"/>
-                <a:ea typeface="+mn-ea"/>
-                <a:cs typeface="+mn-cs"/>
-              </a:defRPr>
-            </a:lvl3pPr>
-            <a:lvl4pPr marL="1188720" indent="-210312" algn="l" rtl="0" eaLnBrk="1" latinLnBrk="0" hangingPunct="1">
-              <a:spcBef>
-                <a:spcPct val="20000"/>
-              </a:spcBef>
-              <a:buClrTx/>
-              <a:buSzPct val="65000"/>
-              <a:buFont typeface="Wingdings 2"/>
-              <a:buChar char=""/>
-              <a:defRPr kumimoji="0" sz="2000" kern="1200">
-                <a:solidFill>
-                  <a:schemeClr val="tx1"/>
-                </a:solidFill>
-                <a:latin typeface="+mn-lt"/>
-                <a:ea typeface="+mn-ea"/>
-                <a:cs typeface="+mn-cs"/>
-              </a:defRPr>
-            </a:lvl4pPr>
-            <a:lvl5pPr marL="1463040" indent="-210312" algn="l" rtl="0" eaLnBrk="1" latinLnBrk="0" hangingPunct="1">
-              <a:spcBef>
-                <a:spcPct val="20000"/>
-              </a:spcBef>
-              <a:buClrTx/>
-              <a:buSzPct val="65000"/>
-              <a:buFont typeface="Wingdings 2"/>
-              <a:buChar char=""/>
-              <a:defRPr kumimoji="0" sz="1800" kern="1200">
-                <a:solidFill>
-                  <a:schemeClr val="tx1"/>
-                </a:solidFill>
-                <a:latin typeface="+mn-lt"/>
-                <a:ea typeface="+mn-ea"/>
-                <a:cs typeface="+mn-cs"/>
-              </a:defRPr>
-            </a:lvl5pPr>
-            <a:lvl6pPr marL="1737360" indent="-210312" algn="l" rtl="0" eaLnBrk="1" latinLnBrk="0" hangingPunct="1">
-              <a:spcBef>
-                <a:spcPct val="20000"/>
-              </a:spcBef>
-              <a:buClr>
-                <a:schemeClr val="accent5"/>
-              </a:buClr>
-              <a:buSzPct val="80000"/>
-              <a:buFont typeface="Wingdings 2"/>
-              <a:buChar char=""/>
-              <a:defRPr kumimoji="0" sz="1800" kern="1200">
-                <a:solidFill>
-                  <a:schemeClr val="tx1"/>
-                </a:solidFill>
-                <a:latin typeface="+mn-lt"/>
-                <a:ea typeface="+mn-ea"/>
-                <a:cs typeface="+mn-cs"/>
-              </a:defRPr>
-            </a:lvl6pPr>
-            <a:lvl7pPr marL="1920240" indent="-182880" algn="l" rtl="0" eaLnBrk="1" latinLnBrk="0" hangingPunct="1">
-              <a:spcBef>
-                <a:spcPct val="20000"/>
-              </a:spcBef>
-              <a:buClr>
-                <a:schemeClr val="accent6"/>
-              </a:buClr>
-              <a:buSzPct val="80000"/>
-              <a:buFont typeface="Wingdings 2"/>
-              <a:buChar char=""/>
-              <a:defRPr kumimoji="0" sz="1600" kern="1200" baseline="0">
-                <a:solidFill>
-                  <a:schemeClr val="tx1"/>
-                </a:solidFill>
-                <a:latin typeface="+mn-lt"/>
-                <a:ea typeface="+mn-ea"/>
-                <a:cs typeface="+mn-cs"/>
-              </a:defRPr>
-            </a:lvl7pPr>
-            <a:lvl8pPr marL="2194560" indent="-182880" algn="l" rtl="0" eaLnBrk="1" latinLnBrk="0" hangingPunct="1">
-              <a:spcBef>
-                <a:spcPct val="20000"/>
-              </a:spcBef>
-              <a:buClr>
-                <a:schemeClr val="tx2"/>
-              </a:buClr>
-              <a:buChar char="•"/>
-              <a:defRPr kumimoji="0" sz="1600" kern="1200">
-                <a:solidFill>
-                  <a:schemeClr val="tx1"/>
-                </a:solidFill>
-                <a:latin typeface="+mn-lt"/>
-                <a:ea typeface="+mn-ea"/>
-                <a:cs typeface="+mn-cs"/>
-              </a:defRPr>
-            </a:lvl8pPr>
-            <a:lvl9pPr marL="2468880" indent="-182880" algn="l" rtl="0" eaLnBrk="1" latinLnBrk="0" hangingPunct="1">
-              <a:spcBef>
-                <a:spcPct val="20000"/>
-              </a:spcBef>
-              <a:buClr>
-                <a:schemeClr val="tx2"/>
-              </a:buClr>
-              <a:buFontTx/>
-              <a:buChar char="•"/>
-              <a:defRPr kumimoji="0" sz="1400" kern="1200" baseline="0">
-                <a:solidFill>
-                  <a:schemeClr val="tx1"/>
-                </a:solidFill>
-                <a:latin typeface="+mn-lt"/>
-                <a:ea typeface="+mn-ea"/>
-                <a:cs typeface="+mn-cs"/>
-              </a:defRPr>
-            </a:lvl9pPr>
-          </a:lstStyle>
-          <a:p>
-            <a:pPr marL="0" indent="0">
-              <a:buNone/>
-            </a:pPr>
-            <a:r>
-              <a:rPr lang="en-US" b="1" dirty="0" smtClean="0"/>
-              <a:t>Build</a:t>
-            </a:r>
-          </a:p>
-          <a:p>
-            <a:pPr marL="0" indent="0">
-              <a:buNone/>
-            </a:pPr>
-            <a:endParaRPr lang="en-US" b="1" dirty="0" smtClean="0"/>
-          </a:p>
-          <a:p>
-            <a:pPr marL="0" indent="0">
-              <a:buNone/>
-            </a:pPr>
-            <a:r>
-              <a:rPr lang="en-US" i="1" dirty="0" smtClean="0"/>
-              <a:t>PRO: progettazione e realizzazione ad hoc del sistema e dell’interfaccia.</a:t>
-            </a:r>
-          </a:p>
-          <a:p>
-            <a:pPr marL="0" indent="0">
-              <a:buNone/>
-            </a:pPr>
-            <a:endParaRPr lang="en-US" dirty="0" smtClean="0"/>
-          </a:p>
-          <a:p>
-            <a:pPr marL="0" indent="0">
-              <a:buNone/>
-            </a:pPr>
-            <a:r>
-              <a:rPr lang="en-US" i="1" dirty="0" smtClean="0"/>
-              <a:t>CONTRO: necessario spendere molte  risorse per la realizzazione. </a:t>
-            </a:r>
-          </a:p>
-        </p:txBody>
-      </p:sp>
-    </p:spTree>
-    <p:extLst>
-      <p:ext uri="{BB962C8B-B14F-4D97-AF65-F5344CB8AC3E}">
-        <p14:creationId xmlns="" xmlns:p14="http://schemas.microsoft.com/office/powerpoint/2010/main" val="155874689"/>
-      </p:ext>
-    </p:extLst>
-  </p:cSld>
-  <p:clrMapOvr>
-    <a:masterClrMapping/>
-  </p:clrMapOvr>
-  <mc:AlternateContent xmlns:mc="http://schemas.openxmlformats.org/markup-compatibility/2006">
-    <mc:Choice xmlns="" xmlns:p14="http://schemas.microsoft.com/office/powerpoint/2010/main" Requires="p14">
-      <p:transition spd="slow" p14:dur="2000"/>
-    </mc:Choice>
-    <mc:Fallback>
-      <p:transition spd="slow"/>
-    </mc:Fallback>
-  </mc:AlternateContent>
-  <p:timing>
-    <p:tnLst>
-      <p:par>
-        <p:cTn id="1" dur="indefinite" restart="never" nodeType="tmRoot">
-          <p:childTnLst>
-            <p:seq concurrent="1" nextAc="seek">
-              <p:cTn id="2" dur="indefinite" nodeType="mainSeq">
-                <p:childTnLst>
-                  <p:par>
-                    <p:cTn id="3" fill="hold">
-                      <p:stCondLst>
-                        <p:cond delay="indefinite"/>
-                      </p:stCondLst>
-                      <p:childTnLst>
-                        <p:par>
-                          <p:cTn id="4" fill="hold">
-                            <p:stCondLst>
-                              <p:cond delay="0"/>
-                            </p:stCondLst>
-                            <p:childTnLst>
-                              <p:par>
-                                <p:cTn id="5" presetID="2" presetClass="entr" presetSubtype="4" fill="hold" grpId="0" nodeType="clickEffect">
-                                  <p:stCondLst>
-                                    <p:cond delay="0"/>
-                                  </p:stCondLst>
-                                  <p:childTnLst>
-                                    <p:set>
-                                      <p:cBhvr>
-                                        <p:cTn id="6" dur="1" fill="hold">
-                                          <p:stCondLst>
-                                            <p:cond delay="0"/>
-                                          </p:stCondLst>
-                                        </p:cTn>
-                                        <p:tgtEl>
-                                          <p:spTgt spid="10">
-                                            <p:txEl>
-                                              <p:pRg st="0" end="0"/>
-                                            </p:txEl>
-                                          </p:spTgt>
-                                        </p:tgtEl>
-                                        <p:attrNameLst>
-                                          <p:attrName>style.visibility</p:attrName>
-                                        </p:attrNameLst>
-                                      </p:cBhvr>
-                                      <p:to>
-                                        <p:strVal val="visible"/>
-                                      </p:to>
-                                    </p:set>
-                                    <p:anim calcmode="lin" valueType="num">
-                                      <p:cBhvr additive="base">
-                                        <p:cTn id="7" dur="500" fill="hold"/>
-                                        <p:tgtEl>
-                                          <p:spTgt spid="10">
-                                            <p:txEl>
-                                              <p:pRg st="0" end="0"/>
-                                            </p:txEl>
-                                          </p:spTgt>
-                                        </p:tgtEl>
-                                        <p:attrNameLst>
-                                          <p:attrName>ppt_x</p:attrName>
-                                        </p:attrNameLst>
-                                      </p:cBhvr>
-                                      <p:tavLst>
-                                        <p:tav tm="0">
-                                          <p:val>
-                                            <p:strVal val="#ppt_x"/>
-                                          </p:val>
-                                        </p:tav>
-                                        <p:tav tm="100000">
-                                          <p:val>
-                                            <p:strVal val="#ppt_x"/>
-                                          </p:val>
-                                        </p:tav>
-                                      </p:tavLst>
-                                    </p:anim>
-                                    <p:anim calcmode="lin" valueType="num">
-                                      <p:cBhvr additive="base">
-                                        <p:cTn id="8" dur="500" fill="hold"/>
-                                        <p:tgtEl>
-                                          <p:spTgt spid="10">
-                                            <p:txEl>
-                                              <p:pRg st="0" end="0"/>
-                                            </p:txEl>
-                                          </p:spTgt>
-                                        </p:tgtEl>
-                                        <p:attrNameLst>
-                                          <p:attrName>ppt_y</p:attrName>
-                                        </p:attrNameLst>
-                                      </p:cBhvr>
-                                      <p:tavLst>
-                                        <p:tav tm="0">
-                                          <p:val>
-                                            <p:strVal val="1+#ppt_h/2"/>
-                                          </p:val>
-                                        </p:tav>
-                                        <p:tav tm="100000">
-                                          <p:val>
-                                            <p:strVal val="#ppt_y"/>
-                                          </p:val>
-                                        </p:tav>
-                                      </p:tavLst>
-                                    </p:anim>
-                                  </p:childTnLst>
-                                </p:cTn>
-                              </p:par>
-                            </p:childTnLst>
-                          </p:cTn>
-                        </p:par>
-                      </p:childTnLst>
-                    </p:cTn>
-                  </p:par>
-                  <p:par>
-                    <p:cTn id="9" fill="hold">
-                      <p:stCondLst>
-                        <p:cond delay="indefinite"/>
-                      </p:stCondLst>
-                      <p:childTnLst>
-                        <p:par>
-                          <p:cTn id="10" fill="hold">
-                            <p:stCondLst>
-                              <p:cond delay="0"/>
-                            </p:stCondLst>
-                            <p:childTnLst>
-                              <p:par>
-                                <p:cTn id="11" presetID="2" presetClass="entr" presetSubtype="4" fill="hold" grpId="0" nodeType="clickEffect">
-                                  <p:stCondLst>
-                                    <p:cond delay="0"/>
-                                  </p:stCondLst>
-                                  <p:childTnLst>
-                                    <p:set>
-                                      <p:cBhvr>
-                                        <p:cTn id="12" dur="1" fill="hold">
-                                          <p:stCondLst>
-                                            <p:cond delay="0"/>
-                                          </p:stCondLst>
-                                        </p:cTn>
-                                        <p:tgtEl>
-                                          <p:spTgt spid="10">
-                                            <p:txEl>
-                                              <p:pRg st="2" end="2"/>
-                                            </p:txEl>
-                                          </p:spTgt>
-                                        </p:tgtEl>
-                                        <p:attrNameLst>
-                                          <p:attrName>style.visibility</p:attrName>
-                                        </p:attrNameLst>
-                                      </p:cBhvr>
-                                      <p:to>
-                                        <p:strVal val="visible"/>
-                                      </p:to>
-                                    </p:set>
-                                    <p:anim calcmode="lin" valueType="num">
-                                      <p:cBhvr additive="base">
-                                        <p:cTn id="13" dur="500" fill="hold"/>
-                                        <p:tgtEl>
-                                          <p:spTgt spid="10">
-                                            <p:txEl>
-                                              <p:pRg st="2" end="2"/>
-                                            </p:txEl>
-                                          </p:spTgt>
-                                        </p:tgtEl>
-                                        <p:attrNameLst>
-                                          <p:attrName>ppt_x</p:attrName>
-                                        </p:attrNameLst>
-                                      </p:cBhvr>
-                                      <p:tavLst>
-                                        <p:tav tm="0">
-                                          <p:val>
-                                            <p:strVal val="#ppt_x"/>
-                                          </p:val>
-                                        </p:tav>
-                                        <p:tav tm="100000">
-                                          <p:val>
-                                            <p:strVal val="#ppt_x"/>
-                                          </p:val>
-                                        </p:tav>
-                                      </p:tavLst>
-                                    </p:anim>
-                                    <p:anim calcmode="lin" valueType="num">
-                                      <p:cBhvr additive="base">
-                                        <p:cTn id="14" dur="500" fill="hold"/>
-                                        <p:tgtEl>
-                                          <p:spTgt spid="10">
-                                            <p:txEl>
-                                              <p:pRg st="2" end="2"/>
-                                            </p:txEl>
-                                          </p:spTgt>
-                                        </p:tgtEl>
-                                        <p:attrNameLst>
-                                          <p:attrName>ppt_y</p:attrName>
-                                        </p:attrNameLst>
-                                      </p:cBhvr>
-                                      <p:tavLst>
-                                        <p:tav tm="0">
-                                          <p:val>
-                                            <p:strVal val="1+#ppt_h/2"/>
-                                          </p:val>
-                                        </p:tav>
-                                        <p:tav tm="100000">
-                                          <p:val>
-                                            <p:strVal val="#ppt_y"/>
-                                          </p:val>
-                                        </p:tav>
-                                      </p:tavLst>
-                                    </p:anim>
-                                  </p:childTnLst>
-                                </p:cTn>
-                              </p:par>
-                            </p:childTnLst>
-                          </p:cTn>
-                        </p:par>
-                      </p:childTnLst>
-                    </p:cTn>
-                  </p:par>
-                  <p:par>
-                    <p:cTn id="15" fill="hold">
-                      <p:stCondLst>
-                        <p:cond delay="indefinite"/>
-                      </p:stCondLst>
-                      <p:childTnLst>
-                        <p:par>
-                          <p:cTn id="16" fill="hold">
-                            <p:stCondLst>
-                              <p:cond delay="0"/>
-                            </p:stCondLst>
-                            <p:childTnLst>
-                              <p:par>
-                                <p:cTn id="17" presetID="2" presetClass="entr" presetSubtype="4" fill="hold" grpId="0" nodeType="clickEffect">
-                                  <p:stCondLst>
-                                    <p:cond delay="0"/>
-                                  </p:stCondLst>
-                                  <p:childTnLst>
-                                    <p:set>
-                                      <p:cBhvr>
-                                        <p:cTn id="18" dur="1" fill="hold">
-                                          <p:stCondLst>
-                                            <p:cond delay="0"/>
-                                          </p:stCondLst>
-                                        </p:cTn>
-                                        <p:tgtEl>
-                                          <p:spTgt spid="10">
-                                            <p:txEl>
-                                              <p:pRg st="4" end="4"/>
-                                            </p:txEl>
-                                          </p:spTgt>
-                                        </p:tgtEl>
-                                        <p:attrNameLst>
-                                          <p:attrName>style.visibility</p:attrName>
-                                        </p:attrNameLst>
-                                      </p:cBhvr>
-                                      <p:to>
-                                        <p:strVal val="visible"/>
-                                      </p:to>
-                                    </p:set>
-                                    <p:anim calcmode="lin" valueType="num">
-                                      <p:cBhvr additive="base">
-                                        <p:cTn id="19" dur="500" fill="hold"/>
-                                        <p:tgtEl>
-                                          <p:spTgt spid="10">
-                                            <p:txEl>
-                                              <p:pRg st="4" end="4"/>
-                                            </p:txEl>
-                                          </p:spTgt>
-                                        </p:tgtEl>
-                                        <p:attrNameLst>
-                                          <p:attrName>ppt_x</p:attrName>
-                                        </p:attrNameLst>
-                                      </p:cBhvr>
-                                      <p:tavLst>
-                                        <p:tav tm="0">
-                                          <p:val>
-                                            <p:strVal val="#ppt_x"/>
-                                          </p:val>
-                                        </p:tav>
-                                        <p:tav tm="100000">
-                                          <p:val>
-                                            <p:strVal val="#ppt_x"/>
-                                          </p:val>
-                                        </p:tav>
-                                      </p:tavLst>
-                                    </p:anim>
-                                    <p:anim calcmode="lin" valueType="num">
-                                      <p:cBhvr additive="base">
-                                        <p:cTn id="20" dur="500" fill="hold"/>
-                                        <p:tgtEl>
-                                          <p:spTgt spid="10">
-                                            <p:txEl>
-                                              <p:pRg st="4" end="4"/>
-                                            </p:txEl>
-                                          </p:spTgt>
-                                        </p:tgtEl>
-                                        <p:attrNameLst>
-                                          <p:attrName>ppt_y</p:attrName>
-                                        </p:attrNameLst>
-                                      </p:cBhvr>
-                                      <p:tavLst>
-                                        <p:tav tm="0">
-                                          <p:val>
-                                            <p:strVal val="1+#ppt_h/2"/>
-                                          </p:val>
-                                        </p:tav>
-                                        <p:tav tm="100000">
-                                          <p:val>
-                                            <p:strVal val="#ppt_y"/>
-                                          </p:val>
-                                        </p:tav>
-                                      </p:tavLst>
-                                    </p:anim>
-                                  </p:childTnLst>
-                                </p:cTn>
-                              </p:par>
-                            </p:childTnLst>
-                          </p:cTn>
-                        </p:par>
-                      </p:childTnLst>
-                    </p:cTn>
-                  </p:par>
-                </p:childTnLst>
-              </p:cTn>
-              <p:prevCondLst>
-                <p:cond evt="onPrev" delay="0">
-                  <p:tgtEl>
-                    <p:sldTgt/>
-                  </p:tgtEl>
-                </p:cond>
-              </p:prevCondLst>
-              <p:nextCondLst>
-                <p:cond evt="onNext" delay="0">
-                  <p:tgtEl>
-                    <p:sldTgt/>
-                  </p:tgtEl>
-                </p:cond>
-              </p:nextCondLst>
-            </p:seq>
-          </p:childTnLst>
-        </p:cTn>
-      </p:par>
-    </p:tnLst>
-    <p:bldLst>
-      <p:bldP spid="10" grpId="0" build="p"/>
-    </p:bldLst>
-  </p:timing>
-</p:sld>
-</file>
-
 <file path=ppt/slides/slide29.xml><?xml version="1.0" encoding="utf-8"?>
 <p:sld xmlns:a="http://schemas.openxmlformats.org/drawingml/2006/main" xmlns:r="http://schemas.openxmlformats.org/officeDocument/2006/relationships" xmlns:p="http://schemas.openxmlformats.org/presentationml/2006/main">
   <p:cSld>
@@ -13148,7 +12856,7 @@
             </a:pPr>
             <a:r>
               <a:rPr lang="en-US" b="1" dirty="0" smtClean="0"/>
-              <a:t>Buy</a:t>
+              <a:t>Build</a:t>
             </a:r>
           </a:p>
           <a:p>
@@ -13163,7 +12871,7 @@
             </a:pPr>
             <a:r>
               <a:rPr lang="en-US" i="1" dirty="0" smtClean="0"/>
-              <a:t>PRO: risultato immediato.</a:t>
+              <a:t>PRO: progettazione e realizzazione ad hoc del sistema e dell’interfaccia.</a:t>
             </a:r>
           </a:p>
           <a:p>
@@ -13178,7 +12886,7 @@
             </a:pPr>
             <a:r>
               <a:rPr lang="en-US" i="1" dirty="0" smtClean="0"/>
-              <a:t>CONTRO: poco personalizzabile, costi, usabilità.  </a:t>
+              <a:t>CONTRO: necessario spendere molte  risorse per la realizzazione. </a:t>
             </a:r>
           </a:p>
         </p:txBody>
@@ -13186,7 +12894,7 @@
     </p:spTree>
     <p:extLst>
       <p:ext uri="{BB962C8B-B14F-4D97-AF65-F5344CB8AC3E}">
-        <p14:creationId xmlns="" xmlns:p14="http://schemas.microsoft.com/office/powerpoint/2010/main" val="155874689"/>
+        <p14:creationId xmlns:p14="http://schemas.microsoft.com/office/powerpoint/2010/main" xmlns="" val="155874689"/>
       </p:ext>
     </p:extLst>
   </p:cSld>
@@ -13194,7 +12902,7 @@
     <a:masterClrMapping/>
   </p:clrMapOvr>
   <mc:AlternateContent xmlns:mc="http://schemas.openxmlformats.org/markup-compatibility/2006">
-    <mc:Choice xmlns="" xmlns:p14="http://schemas.microsoft.com/office/powerpoint/2010/main" Requires="p14">
+    <mc:Choice xmlns:p14="http://schemas.microsoft.com/office/powerpoint/2010/main" xmlns="" Requires="p14">
       <p:transition spd="slow" p14:dur="2000"/>
     </mc:Choice>
     <mc:Fallback>
@@ -13999,7 +13707,7 @@
     </p:spTree>
     <p:extLst>
       <p:ext uri="{BB962C8B-B14F-4D97-AF65-F5344CB8AC3E}">
-        <p14:creationId xmlns="" xmlns:p14="http://schemas.microsoft.com/office/powerpoint/2010/main" val="155874689"/>
+        <p14:creationId xmlns:p14="http://schemas.microsoft.com/office/powerpoint/2010/main" xmlns="" val="155874689"/>
       </p:ext>
     </p:extLst>
   </p:cSld>
@@ -14007,7 +13715,7 @@
     <a:masterClrMapping/>
   </p:clrMapOvr>
   <mc:AlternateContent xmlns:mc="http://schemas.openxmlformats.org/markup-compatibility/2006">
-    <mc:Choice xmlns="" xmlns:p14="http://schemas.microsoft.com/office/powerpoint/2010/main" Requires="p14">
+    <mc:Choice xmlns:p14="http://schemas.microsoft.com/office/powerpoint/2010/main" xmlns="" Requires="p14">
       <p:transition spd="slow" p14:dur="2000"/>
     </mc:Choice>
     <mc:Fallback>
@@ -14050,6 +13758,647 @@
         <p:spPr>
           <a:xfrm>
             <a:off x="1928794" y="428604"/>
+            <a:ext cx="5214974" cy="1107996"/>
+          </a:xfrm>
+          <a:prstGeom prst="rect">
+            <a:avLst/>
+          </a:prstGeom>
+          <a:noFill/>
+        </p:spPr>
+        <p:txBody>
+          <a:bodyPr wrap="square" rtlCol="0">
+            <a:spAutoFit/>
+          </a:bodyPr>
+          <a:lstStyle/>
+          <a:p>
+            <a:pPr algn="ctr"/>
+            <a:r>
+              <a:rPr lang="it-IT" sz="4800" b="1" dirty="0" smtClean="0">
+                <a:latin typeface="+mj-lt"/>
+              </a:rPr>
+              <a:t>Build VS Buy</a:t>
+            </a:r>
+            <a:endParaRPr lang="it-IT" sz="2800" b="1" dirty="0" smtClean="0">
+              <a:latin typeface="+mj-lt"/>
+            </a:endParaRPr>
+          </a:p>
+          <a:p>
+            <a:pPr algn="ctr"/>
+            <a:endParaRPr lang="it-IT" dirty="0">
+              <a:latin typeface="+mj-lt"/>
+            </a:endParaRPr>
+          </a:p>
+        </p:txBody>
+      </p:sp>
+      <p:sp>
+        <p:nvSpPr>
+          <p:cNvPr id="10" name="Content Placeholder 3"/>
+          <p:cNvSpPr txBox="1">
+            <a:spLocks/>
+          </p:cNvSpPr>
+          <p:nvPr/>
+        </p:nvSpPr>
+        <p:spPr>
+          <a:xfrm>
+            <a:off x="285720" y="2214554"/>
+            <a:ext cx="8429684" cy="3929090"/>
+          </a:xfrm>
+          <a:prstGeom prst="rect">
+            <a:avLst/>
+          </a:prstGeom>
+        </p:spPr>
+        <p:txBody>
+          <a:bodyPr tIns="0"/>
+          <a:lstStyle>
+            <a:lvl1pPr marL="274320" indent="-274320" algn="l" rtl="0" eaLnBrk="1" latinLnBrk="0" hangingPunct="1">
+              <a:spcBef>
+                <a:spcPct val="20000"/>
+              </a:spcBef>
+              <a:buClrTx/>
+              <a:buSzPct val="95000"/>
+              <a:buFont typeface="Wingdings" pitchFamily="2" charset="2"/>
+              <a:buChar char="v"/>
+              <a:defRPr kumimoji="0" sz="2800" kern="1200">
+                <a:solidFill>
+                  <a:schemeClr val="tx1"/>
+                </a:solidFill>
+                <a:latin typeface="+mn-lt"/>
+                <a:ea typeface="+mn-ea"/>
+                <a:cs typeface="+mn-cs"/>
+              </a:defRPr>
+            </a:lvl1pPr>
+            <a:lvl2pPr marL="640080" indent="-246888" algn="l" rtl="0" eaLnBrk="1" latinLnBrk="0" hangingPunct="1">
+              <a:spcBef>
+                <a:spcPct val="20000"/>
+              </a:spcBef>
+              <a:buClrTx/>
+              <a:buSzPct val="85000"/>
+              <a:buFont typeface="Courier New" pitchFamily="49" charset="0"/>
+              <a:buChar char="o"/>
+              <a:defRPr kumimoji="0" sz="2600" kern="1200">
+                <a:solidFill>
+                  <a:schemeClr val="tx1"/>
+                </a:solidFill>
+                <a:latin typeface="+mn-lt"/>
+                <a:ea typeface="+mn-ea"/>
+                <a:cs typeface="+mn-cs"/>
+              </a:defRPr>
+            </a:lvl2pPr>
+            <a:lvl3pPr marL="914400" indent="-246888" algn="l" rtl="0" eaLnBrk="1" latinLnBrk="0" hangingPunct="1">
+              <a:spcBef>
+                <a:spcPct val="20000"/>
+              </a:spcBef>
+              <a:buClrTx/>
+              <a:buSzPct val="70000"/>
+              <a:buFont typeface="Wingdings 2"/>
+              <a:buChar char=""/>
+              <a:defRPr kumimoji="0" sz="2400" kern="1200">
+                <a:solidFill>
+                  <a:schemeClr val="tx1"/>
+                </a:solidFill>
+                <a:latin typeface="+mn-lt"/>
+                <a:ea typeface="+mn-ea"/>
+                <a:cs typeface="+mn-cs"/>
+              </a:defRPr>
+            </a:lvl3pPr>
+            <a:lvl4pPr marL="1188720" indent="-210312" algn="l" rtl="0" eaLnBrk="1" latinLnBrk="0" hangingPunct="1">
+              <a:spcBef>
+                <a:spcPct val="20000"/>
+              </a:spcBef>
+              <a:buClrTx/>
+              <a:buSzPct val="65000"/>
+              <a:buFont typeface="Wingdings 2"/>
+              <a:buChar char=""/>
+              <a:defRPr kumimoji="0" sz="2000" kern="1200">
+                <a:solidFill>
+                  <a:schemeClr val="tx1"/>
+                </a:solidFill>
+                <a:latin typeface="+mn-lt"/>
+                <a:ea typeface="+mn-ea"/>
+                <a:cs typeface="+mn-cs"/>
+              </a:defRPr>
+            </a:lvl4pPr>
+            <a:lvl5pPr marL="1463040" indent="-210312" algn="l" rtl="0" eaLnBrk="1" latinLnBrk="0" hangingPunct="1">
+              <a:spcBef>
+                <a:spcPct val="20000"/>
+              </a:spcBef>
+              <a:buClrTx/>
+              <a:buSzPct val="65000"/>
+              <a:buFont typeface="Wingdings 2"/>
+              <a:buChar char=""/>
+              <a:defRPr kumimoji="0" sz="1800" kern="1200">
+                <a:solidFill>
+                  <a:schemeClr val="tx1"/>
+                </a:solidFill>
+                <a:latin typeface="+mn-lt"/>
+                <a:ea typeface="+mn-ea"/>
+                <a:cs typeface="+mn-cs"/>
+              </a:defRPr>
+            </a:lvl5pPr>
+            <a:lvl6pPr marL="1737360" indent="-210312" algn="l" rtl="0" eaLnBrk="1" latinLnBrk="0" hangingPunct="1">
+              <a:spcBef>
+                <a:spcPct val="20000"/>
+              </a:spcBef>
+              <a:buClr>
+                <a:schemeClr val="accent5"/>
+              </a:buClr>
+              <a:buSzPct val="80000"/>
+              <a:buFont typeface="Wingdings 2"/>
+              <a:buChar char=""/>
+              <a:defRPr kumimoji="0" sz="1800" kern="1200">
+                <a:solidFill>
+                  <a:schemeClr val="tx1"/>
+                </a:solidFill>
+                <a:latin typeface="+mn-lt"/>
+                <a:ea typeface="+mn-ea"/>
+                <a:cs typeface="+mn-cs"/>
+              </a:defRPr>
+            </a:lvl6pPr>
+            <a:lvl7pPr marL="1920240" indent="-182880" algn="l" rtl="0" eaLnBrk="1" latinLnBrk="0" hangingPunct="1">
+              <a:spcBef>
+                <a:spcPct val="20000"/>
+              </a:spcBef>
+              <a:buClr>
+                <a:schemeClr val="accent6"/>
+              </a:buClr>
+              <a:buSzPct val="80000"/>
+              <a:buFont typeface="Wingdings 2"/>
+              <a:buChar char=""/>
+              <a:defRPr kumimoji="0" sz="1600" kern="1200" baseline="0">
+                <a:solidFill>
+                  <a:schemeClr val="tx1"/>
+                </a:solidFill>
+                <a:latin typeface="+mn-lt"/>
+                <a:ea typeface="+mn-ea"/>
+                <a:cs typeface="+mn-cs"/>
+              </a:defRPr>
+            </a:lvl7pPr>
+            <a:lvl8pPr marL="2194560" indent="-182880" algn="l" rtl="0" eaLnBrk="1" latinLnBrk="0" hangingPunct="1">
+              <a:spcBef>
+                <a:spcPct val="20000"/>
+              </a:spcBef>
+              <a:buClr>
+                <a:schemeClr val="tx2"/>
+              </a:buClr>
+              <a:buChar char="•"/>
+              <a:defRPr kumimoji="0" sz="1600" kern="1200">
+                <a:solidFill>
+                  <a:schemeClr val="tx1"/>
+                </a:solidFill>
+                <a:latin typeface="+mn-lt"/>
+                <a:ea typeface="+mn-ea"/>
+                <a:cs typeface="+mn-cs"/>
+              </a:defRPr>
+            </a:lvl8pPr>
+            <a:lvl9pPr marL="2468880" indent="-182880" algn="l" rtl="0" eaLnBrk="1" latinLnBrk="0" hangingPunct="1">
+              <a:spcBef>
+                <a:spcPct val="20000"/>
+              </a:spcBef>
+              <a:buClr>
+                <a:schemeClr val="tx2"/>
+              </a:buClr>
+              <a:buFontTx/>
+              <a:buChar char="•"/>
+              <a:defRPr kumimoji="0" sz="1400" kern="1200" baseline="0">
+                <a:solidFill>
+                  <a:schemeClr val="tx1"/>
+                </a:solidFill>
+                <a:latin typeface="+mn-lt"/>
+                <a:ea typeface="+mn-ea"/>
+                <a:cs typeface="+mn-cs"/>
+              </a:defRPr>
+            </a:lvl9pPr>
+          </a:lstStyle>
+          <a:p>
+            <a:pPr marL="0" indent="0">
+              <a:buNone/>
+            </a:pPr>
+            <a:r>
+              <a:rPr lang="en-US" b="1" dirty="0" smtClean="0"/>
+              <a:t>Buy</a:t>
+            </a:r>
+          </a:p>
+          <a:p>
+            <a:pPr marL="0" indent="0">
+              <a:buNone/>
+            </a:pPr>
+            <a:endParaRPr lang="en-US" b="1" dirty="0" smtClean="0"/>
+          </a:p>
+          <a:p>
+            <a:pPr marL="0" indent="0">
+              <a:buNone/>
+            </a:pPr>
+            <a:r>
+              <a:rPr lang="en-US" i="1" dirty="0" smtClean="0"/>
+              <a:t>PRO: risultato immediato.</a:t>
+            </a:r>
+          </a:p>
+          <a:p>
+            <a:pPr marL="0" indent="0">
+              <a:buNone/>
+            </a:pPr>
+            <a:endParaRPr lang="en-US" dirty="0" smtClean="0"/>
+          </a:p>
+          <a:p>
+            <a:pPr marL="0" indent="0">
+              <a:buNone/>
+            </a:pPr>
+            <a:r>
+              <a:rPr lang="en-US" i="1" dirty="0" smtClean="0"/>
+              <a:t>CONTRO: poco personalizzabile, costi, usabilità.  </a:t>
+            </a:r>
+          </a:p>
+        </p:txBody>
+      </p:sp>
+    </p:spTree>
+    <p:extLst>
+      <p:ext uri="{BB962C8B-B14F-4D97-AF65-F5344CB8AC3E}">
+        <p14:creationId xmlns:p14="http://schemas.microsoft.com/office/powerpoint/2010/main" xmlns="" val="155874689"/>
+      </p:ext>
+    </p:extLst>
+  </p:cSld>
+  <p:clrMapOvr>
+    <a:masterClrMapping/>
+  </p:clrMapOvr>
+  <mc:AlternateContent xmlns:mc="http://schemas.openxmlformats.org/markup-compatibility/2006">
+    <mc:Choice xmlns:p14="http://schemas.microsoft.com/office/powerpoint/2010/main" xmlns="" Requires="p14">
+      <p:transition spd="slow" p14:dur="2000"/>
+    </mc:Choice>
+    <mc:Fallback>
+      <p:transition spd="slow"/>
+    </mc:Fallback>
+  </mc:AlternateContent>
+  <p:timing>
+    <p:tnLst>
+      <p:par>
+        <p:cTn id="1" dur="indefinite" restart="never" nodeType="tmRoot">
+          <p:childTnLst>
+            <p:seq concurrent="1" nextAc="seek">
+              <p:cTn id="2" dur="indefinite" nodeType="mainSeq">
+                <p:childTnLst>
+                  <p:par>
+                    <p:cTn id="3" fill="hold">
+                      <p:stCondLst>
+                        <p:cond delay="indefinite"/>
+                      </p:stCondLst>
+                      <p:childTnLst>
+                        <p:par>
+                          <p:cTn id="4" fill="hold">
+                            <p:stCondLst>
+                              <p:cond delay="0"/>
+                            </p:stCondLst>
+                            <p:childTnLst>
+                              <p:par>
+                                <p:cTn id="5" presetID="2" presetClass="entr" presetSubtype="4" fill="hold" grpId="0" nodeType="clickEffect">
+                                  <p:stCondLst>
+                                    <p:cond delay="0"/>
+                                  </p:stCondLst>
+                                  <p:childTnLst>
+                                    <p:set>
+                                      <p:cBhvr>
+                                        <p:cTn id="6" dur="1" fill="hold">
+                                          <p:stCondLst>
+                                            <p:cond delay="0"/>
+                                          </p:stCondLst>
+                                        </p:cTn>
+                                        <p:tgtEl>
+                                          <p:spTgt spid="10">
+                                            <p:txEl>
+                                              <p:pRg st="0" end="0"/>
+                                            </p:txEl>
+                                          </p:spTgt>
+                                        </p:tgtEl>
+                                        <p:attrNameLst>
+                                          <p:attrName>style.visibility</p:attrName>
+                                        </p:attrNameLst>
+                                      </p:cBhvr>
+                                      <p:to>
+                                        <p:strVal val="visible"/>
+                                      </p:to>
+                                    </p:set>
+                                    <p:anim calcmode="lin" valueType="num">
+                                      <p:cBhvr additive="base">
+                                        <p:cTn id="7" dur="500" fill="hold"/>
+                                        <p:tgtEl>
+                                          <p:spTgt spid="10">
+                                            <p:txEl>
+                                              <p:pRg st="0" end="0"/>
+                                            </p:txEl>
+                                          </p:spTgt>
+                                        </p:tgtEl>
+                                        <p:attrNameLst>
+                                          <p:attrName>ppt_x</p:attrName>
+                                        </p:attrNameLst>
+                                      </p:cBhvr>
+                                      <p:tavLst>
+                                        <p:tav tm="0">
+                                          <p:val>
+                                            <p:strVal val="#ppt_x"/>
+                                          </p:val>
+                                        </p:tav>
+                                        <p:tav tm="100000">
+                                          <p:val>
+                                            <p:strVal val="#ppt_x"/>
+                                          </p:val>
+                                        </p:tav>
+                                      </p:tavLst>
+                                    </p:anim>
+                                    <p:anim calcmode="lin" valueType="num">
+                                      <p:cBhvr additive="base">
+                                        <p:cTn id="8" dur="500" fill="hold"/>
+                                        <p:tgtEl>
+                                          <p:spTgt spid="10">
+                                            <p:txEl>
+                                              <p:pRg st="0" end="0"/>
+                                            </p:txEl>
+                                          </p:spTgt>
+                                        </p:tgtEl>
+                                        <p:attrNameLst>
+                                          <p:attrName>ppt_y</p:attrName>
+                                        </p:attrNameLst>
+                                      </p:cBhvr>
+                                      <p:tavLst>
+                                        <p:tav tm="0">
+                                          <p:val>
+                                            <p:strVal val="1+#ppt_h/2"/>
+                                          </p:val>
+                                        </p:tav>
+                                        <p:tav tm="100000">
+                                          <p:val>
+                                            <p:strVal val="#ppt_y"/>
+                                          </p:val>
+                                        </p:tav>
+                                      </p:tavLst>
+                                    </p:anim>
+                                  </p:childTnLst>
+                                </p:cTn>
+                              </p:par>
+                            </p:childTnLst>
+                          </p:cTn>
+                        </p:par>
+                      </p:childTnLst>
+                    </p:cTn>
+                  </p:par>
+                  <p:par>
+                    <p:cTn id="9" fill="hold">
+                      <p:stCondLst>
+                        <p:cond delay="indefinite"/>
+                      </p:stCondLst>
+                      <p:childTnLst>
+                        <p:par>
+                          <p:cTn id="10" fill="hold">
+                            <p:stCondLst>
+                              <p:cond delay="0"/>
+                            </p:stCondLst>
+                            <p:childTnLst>
+                              <p:par>
+                                <p:cTn id="11" presetID="2" presetClass="entr" presetSubtype="4" fill="hold" grpId="0" nodeType="clickEffect">
+                                  <p:stCondLst>
+                                    <p:cond delay="0"/>
+                                  </p:stCondLst>
+                                  <p:childTnLst>
+                                    <p:set>
+                                      <p:cBhvr>
+                                        <p:cTn id="12" dur="1" fill="hold">
+                                          <p:stCondLst>
+                                            <p:cond delay="0"/>
+                                          </p:stCondLst>
+                                        </p:cTn>
+                                        <p:tgtEl>
+                                          <p:spTgt spid="10">
+                                            <p:txEl>
+                                              <p:pRg st="2" end="2"/>
+                                            </p:txEl>
+                                          </p:spTgt>
+                                        </p:tgtEl>
+                                        <p:attrNameLst>
+                                          <p:attrName>style.visibility</p:attrName>
+                                        </p:attrNameLst>
+                                      </p:cBhvr>
+                                      <p:to>
+                                        <p:strVal val="visible"/>
+                                      </p:to>
+                                    </p:set>
+                                    <p:anim calcmode="lin" valueType="num">
+                                      <p:cBhvr additive="base">
+                                        <p:cTn id="13" dur="500" fill="hold"/>
+                                        <p:tgtEl>
+                                          <p:spTgt spid="10">
+                                            <p:txEl>
+                                              <p:pRg st="2" end="2"/>
+                                            </p:txEl>
+                                          </p:spTgt>
+                                        </p:tgtEl>
+                                        <p:attrNameLst>
+                                          <p:attrName>ppt_x</p:attrName>
+                                        </p:attrNameLst>
+                                      </p:cBhvr>
+                                      <p:tavLst>
+                                        <p:tav tm="0">
+                                          <p:val>
+                                            <p:strVal val="#ppt_x"/>
+                                          </p:val>
+                                        </p:tav>
+                                        <p:tav tm="100000">
+                                          <p:val>
+                                            <p:strVal val="#ppt_x"/>
+                                          </p:val>
+                                        </p:tav>
+                                      </p:tavLst>
+                                    </p:anim>
+                                    <p:anim calcmode="lin" valueType="num">
+                                      <p:cBhvr additive="base">
+                                        <p:cTn id="14" dur="500" fill="hold"/>
+                                        <p:tgtEl>
+                                          <p:spTgt spid="10">
+                                            <p:txEl>
+                                              <p:pRg st="2" end="2"/>
+                                            </p:txEl>
+                                          </p:spTgt>
+                                        </p:tgtEl>
+                                        <p:attrNameLst>
+                                          <p:attrName>ppt_y</p:attrName>
+                                        </p:attrNameLst>
+                                      </p:cBhvr>
+                                      <p:tavLst>
+                                        <p:tav tm="0">
+                                          <p:val>
+                                            <p:strVal val="1+#ppt_h/2"/>
+                                          </p:val>
+                                        </p:tav>
+                                        <p:tav tm="100000">
+                                          <p:val>
+                                            <p:strVal val="#ppt_y"/>
+                                          </p:val>
+                                        </p:tav>
+                                      </p:tavLst>
+                                    </p:anim>
+                                  </p:childTnLst>
+                                </p:cTn>
+                              </p:par>
+                            </p:childTnLst>
+                          </p:cTn>
+                        </p:par>
+                      </p:childTnLst>
+                    </p:cTn>
+                  </p:par>
+                  <p:par>
+                    <p:cTn id="15" fill="hold">
+                      <p:stCondLst>
+                        <p:cond delay="indefinite"/>
+                      </p:stCondLst>
+                      <p:childTnLst>
+                        <p:par>
+                          <p:cTn id="16" fill="hold">
+                            <p:stCondLst>
+                              <p:cond delay="0"/>
+                            </p:stCondLst>
+                            <p:childTnLst>
+                              <p:par>
+                                <p:cTn id="17" presetID="2" presetClass="entr" presetSubtype="4" fill="hold" grpId="0" nodeType="clickEffect">
+                                  <p:stCondLst>
+                                    <p:cond delay="0"/>
+                                  </p:stCondLst>
+                                  <p:childTnLst>
+                                    <p:set>
+                                      <p:cBhvr>
+                                        <p:cTn id="18" dur="1" fill="hold">
+                                          <p:stCondLst>
+                                            <p:cond delay="0"/>
+                                          </p:stCondLst>
+                                        </p:cTn>
+                                        <p:tgtEl>
+                                          <p:spTgt spid="10">
+                                            <p:txEl>
+                                              <p:pRg st="4" end="4"/>
+                                            </p:txEl>
+                                          </p:spTgt>
+                                        </p:tgtEl>
+                                        <p:attrNameLst>
+                                          <p:attrName>style.visibility</p:attrName>
+                                        </p:attrNameLst>
+                                      </p:cBhvr>
+                                      <p:to>
+                                        <p:strVal val="visible"/>
+                                      </p:to>
+                                    </p:set>
+                                    <p:anim calcmode="lin" valueType="num">
+                                      <p:cBhvr additive="base">
+                                        <p:cTn id="19" dur="500" fill="hold"/>
+                                        <p:tgtEl>
+                                          <p:spTgt spid="10">
+                                            <p:txEl>
+                                              <p:pRg st="4" end="4"/>
+                                            </p:txEl>
+                                          </p:spTgt>
+                                        </p:tgtEl>
+                                        <p:attrNameLst>
+                                          <p:attrName>ppt_x</p:attrName>
+                                        </p:attrNameLst>
+                                      </p:cBhvr>
+                                      <p:tavLst>
+                                        <p:tav tm="0">
+                                          <p:val>
+                                            <p:strVal val="#ppt_x"/>
+                                          </p:val>
+                                        </p:tav>
+                                        <p:tav tm="100000">
+                                          <p:val>
+                                            <p:strVal val="#ppt_x"/>
+                                          </p:val>
+                                        </p:tav>
+                                      </p:tavLst>
+                                    </p:anim>
+                                    <p:anim calcmode="lin" valueType="num">
+                                      <p:cBhvr additive="base">
+                                        <p:cTn id="20" dur="500" fill="hold"/>
+                                        <p:tgtEl>
+                                          <p:spTgt spid="10">
+                                            <p:txEl>
+                                              <p:pRg st="4" end="4"/>
+                                            </p:txEl>
+                                          </p:spTgt>
+                                        </p:tgtEl>
+                                        <p:attrNameLst>
+                                          <p:attrName>ppt_y</p:attrName>
+                                        </p:attrNameLst>
+                                      </p:cBhvr>
+                                      <p:tavLst>
+                                        <p:tav tm="0">
+                                          <p:val>
+                                            <p:strVal val="1+#ppt_h/2"/>
+                                          </p:val>
+                                        </p:tav>
+                                        <p:tav tm="100000">
+                                          <p:val>
+                                            <p:strVal val="#ppt_y"/>
+                                          </p:val>
+                                        </p:tav>
+                                      </p:tavLst>
+                                    </p:anim>
+                                  </p:childTnLst>
+                                </p:cTn>
+                              </p:par>
+                            </p:childTnLst>
+                          </p:cTn>
+                        </p:par>
+                      </p:childTnLst>
+                    </p:cTn>
+                  </p:par>
+                </p:childTnLst>
+              </p:cTn>
+              <p:prevCondLst>
+                <p:cond evt="onPrev" delay="0">
+                  <p:tgtEl>
+                    <p:sldTgt/>
+                  </p:tgtEl>
+                </p:cond>
+              </p:prevCondLst>
+              <p:nextCondLst>
+                <p:cond evt="onNext" delay="0">
+                  <p:tgtEl>
+                    <p:sldTgt/>
+                  </p:tgtEl>
+                </p:cond>
+              </p:nextCondLst>
+            </p:seq>
+          </p:childTnLst>
+        </p:cTn>
+      </p:par>
+    </p:tnLst>
+    <p:bldLst>
+      <p:bldP spid="10" grpId="0" build="p"/>
+    </p:bldLst>
+  </p:timing>
+</p:sld>
+</file>
+
+<file path=ppt/slides/slide31.xml><?xml version="1.0" encoding="utf-8"?>
+<p:sld xmlns:a="http://schemas.openxmlformats.org/drawingml/2006/main" xmlns:r="http://schemas.openxmlformats.org/officeDocument/2006/relationships" xmlns:p="http://schemas.openxmlformats.org/presentationml/2006/main">
+  <p:cSld>
+    <p:spTree>
+      <p:nvGrpSpPr>
+        <p:cNvPr id="1" name=""/>
+        <p:cNvGrpSpPr/>
+        <p:nvPr/>
+      </p:nvGrpSpPr>
+      <p:grpSpPr>
+        <a:xfrm>
+          <a:off x="0" y="0"/>
+          <a:ext cx="0" cy="0"/>
+          <a:chOff x="0" y="0"/>
+          <a:chExt cx="0" cy="0"/>
+        </a:xfrm>
+      </p:grpSpPr>
+      <p:sp>
+        <p:nvSpPr>
+          <p:cNvPr id="2" name="CasellaDiTesto 1"/>
+          <p:cNvSpPr txBox="1"/>
+          <p:nvPr/>
+        </p:nvSpPr>
+        <p:spPr>
+          <a:xfrm>
+            <a:off x="1928794" y="428604"/>
             <a:ext cx="6000792" cy="1107996"/>
           </a:xfrm>
           <a:prstGeom prst="rect">
@@ -14327,7 +14676,7 @@
     </p:spTree>
     <p:extLst>
       <p:ext uri="{BB962C8B-B14F-4D97-AF65-F5344CB8AC3E}">
-        <p14:creationId xmlns="" xmlns:p14="http://schemas.microsoft.com/office/powerpoint/2010/main" val="155874689"/>
+        <p14:creationId xmlns:p14="http://schemas.microsoft.com/office/powerpoint/2010/main" xmlns="" val="155874689"/>
       </p:ext>
     </p:extLst>
   </p:cSld>
@@ -14335,7 +14684,7 @@
     <a:masterClrMapping/>
   </p:clrMapOvr>
   <mc:AlternateContent xmlns:mc="http://schemas.openxmlformats.org/markup-compatibility/2006">
-    <mc:Choice xmlns="" xmlns:p14="http://schemas.microsoft.com/office/powerpoint/2010/main" Requires="p14">
+    <mc:Choice xmlns:p14="http://schemas.microsoft.com/office/powerpoint/2010/main" xmlns="" Requires="p14">
       <p:transition spd="slow" p14:dur="2000"/>
     </mc:Choice>
     <mc:Fallback>
@@ -14352,7 +14701,7 @@
 </p:sld>
 </file>
 
-<file path=ppt/slides/slide31.xml><?xml version="1.0" encoding="utf-8"?>
+<file path=ppt/slides/slide32.xml><?xml version="1.0" encoding="utf-8"?>
 <p:sld xmlns:a="http://schemas.openxmlformats.org/drawingml/2006/main" xmlns:r="http://schemas.openxmlformats.org/officeDocument/2006/relationships" xmlns:p="http://schemas.openxmlformats.org/presentationml/2006/main">
   <p:cSld>
     <p:spTree>
@@ -14851,79 +15200,6 @@
               <a:rPr lang="en-US" dirty="0" smtClean="0"/>
               <a:t> </a:t>
             </a:r>
-          </a:p>
-        </p:txBody>
-      </p:sp>
-    </p:spTree>
-  </p:cSld>
-  <p:clrMapOvr>
-    <a:masterClrMapping/>
-  </p:clrMapOvr>
-  <p:timing>
-    <p:tnLst>
-      <p:par>
-        <p:cTn id="1" dur="indefinite" restart="never" nodeType="tmRoot"/>
-      </p:par>
-    </p:tnLst>
-  </p:timing>
-</p:sld>
-</file>
-
-<file path=ppt/slides/slide32.xml><?xml version="1.0" encoding="utf-8"?>
-<p:sld xmlns:a="http://schemas.openxmlformats.org/drawingml/2006/main" xmlns:r="http://schemas.openxmlformats.org/officeDocument/2006/relationships" xmlns:p="http://schemas.openxmlformats.org/presentationml/2006/main">
-  <p:cSld>
-    <p:spTree>
-      <p:nvGrpSpPr>
-        <p:cNvPr id="1" name=""/>
-        <p:cNvGrpSpPr/>
-        <p:nvPr/>
-      </p:nvGrpSpPr>
-      <p:grpSpPr>
-        <a:xfrm>
-          <a:off x="0" y="0"/>
-          <a:ext cx="0" cy="0"/>
-          <a:chOff x="0" y="0"/>
-          <a:chExt cx="0" cy="0"/>
-        </a:xfrm>
-      </p:grpSpPr>
-      <p:sp>
-        <p:nvSpPr>
-          <p:cNvPr id="2" name="CasellaDiTesto 1"/>
-          <p:cNvSpPr txBox="1"/>
-          <p:nvPr/>
-        </p:nvSpPr>
-        <p:spPr>
-          <a:xfrm>
-            <a:off x="642910" y="428604"/>
-            <a:ext cx="7715304" cy="1107996"/>
-          </a:xfrm>
-          <a:prstGeom prst="rect">
-            <a:avLst/>
-          </a:prstGeom>
-          <a:noFill/>
-        </p:spPr>
-        <p:txBody>
-          <a:bodyPr wrap="square" rtlCol="0">
-            <a:spAutoFit/>
-          </a:bodyPr>
-          <a:lstStyle/>
-          <a:p>
-            <a:pPr algn="ctr"/>
-            <a:r>
-              <a:rPr lang="it-IT" sz="4800" b="1" dirty="0" smtClean="0">
-                <a:latin typeface="+mj-lt"/>
-              </a:rPr>
-              <a:t>DEMO</a:t>
-            </a:r>
-            <a:endParaRPr lang="it-IT" sz="2800" b="1" dirty="0" smtClean="0">
-              <a:latin typeface="+mj-lt"/>
-            </a:endParaRPr>
-          </a:p>
-          <a:p>
-            <a:pPr algn="ctr"/>
-            <a:endParaRPr lang="it-IT" dirty="0">
-              <a:latin typeface="+mj-lt"/>
-            </a:endParaRPr>
           </a:p>
         </p:txBody>
       </p:sp>
@@ -14986,6 +15262,79 @@
               <a:rPr lang="it-IT" sz="4800" b="1" dirty="0" smtClean="0">
                 <a:latin typeface="+mj-lt"/>
               </a:rPr>
+              <a:t>DEMO</a:t>
+            </a:r>
+            <a:endParaRPr lang="it-IT" sz="2800" b="1" dirty="0" smtClean="0">
+              <a:latin typeface="+mj-lt"/>
+            </a:endParaRPr>
+          </a:p>
+          <a:p>
+            <a:pPr algn="ctr"/>
+            <a:endParaRPr lang="it-IT" dirty="0">
+              <a:latin typeface="+mj-lt"/>
+            </a:endParaRPr>
+          </a:p>
+        </p:txBody>
+      </p:sp>
+    </p:spTree>
+  </p:cSld>
+  <p:clrMapOvr>
+    <a:masterClrMapping/>
+  </p:clrMapOvr>
+  <p:timing>
+    <p:tnLst>
+      <p:par>
+        <p:cTn id="1" dur="indefinite" restart="never" nodeType="tmRoot"/>
+      </p:par>
+    </p:tnLst>
+  </p:timing>
+</p:sld>
+</file>
+
+<file path=ppt/slides/slide34.xml><?xml version="1.0" encoding="utf-8"?>
+<p:sld xmlns:a="http://schemas.openxmlformats.org/drawingml/2006/main" xmlns:r="http://schemas.openxmlformats.org/officeDocument/2006/relationships" xmlns:p="http://schemas.openxmlformats.org/presentationml/2006/main">
+  <p:cSld>
+    <p:spTree>
+      <p:nvGrpSpPr>
+        <p:cNvPr id="1" name=""/>
+        <p:cNvGrpSpPr/>
+        <p:nvPr/>
+      </p:nvGrpSpPr>
+      <p:grpSpPr>
+        <a:xfrm>
+          <a:off x="0" y="0"/>
+          <a:ext cx="0" cy="0"/>
+          <a:chOff x="0" y="0"/>
+          <a:chExt cx="0" cy="0"/>
+        </a:xfrm>
+      </p:grpSpPr>
+      <p:sp>
+        <p:nvSpPr>
+          <p:cNvPr id="2" name="CasellaDiTesto 1"/>
+          <p:cNvSpPr txBox="1"/>
+          <p:nvPr/>
+        </p:nvSpPr>
+        <p:spPr>
+          <a:xfrm>
+            <a:off x="642910" y="428604"/>
+            <a:ext cx="7715304" cy="1107996"/>
+          </a:xfrm>
+          <a:prstGeom prst="rect">
+            <a:avLst/>
+          </a:prstGeom>
+          <a:noFill/>
+        </p:spPr>
+        <p:txBody>
+          <a:bodyPr wrap="square" rtlCol="0">
+            <a:spAutoFit/>
+          </a:bodyPr>
+          <a:lstStyle/>
+          <a:p>
+            <a:pPr algn="ctr"/>
+            <a:r>
+              <a:rPr lang="it-IT" sz="4800" b="1" dirty="0" smtClean="0">
+                <a:latin typeface="+mj-lt"/>
+              </a:rPr>
               <a:t>Testing di unità</a:t>
             </a:r>
             <a:endParaRPr lang="it-IT" sz="2800" b="1" dirty="0" smtClean="0">
@@ -15246,7 +15595,7 @@
 </p:sld>
 </file>
 
-<file path=ppt/slides/slide34.xml><?xml version="1.0" encoding="utf-8"?>
+<file path=ppt/slides/slide35.xml><?xml version="1.0" encoding="utf-8"?>
 <p:sld xmlns:a="http://schemas.openxmlformats.org/drawingml/2006/main" xmlns:r="http://schemas.openxmlformats.org/officeDocument/2006/relationships" xmlns:p="http://schemas.openxmlformats.org/presentationml/2006/main">
   <p:cSld>
     <p:spTree>
@@ -15500,327 +15849,6 @@
           </a:p>
         </p:txBody>
       </p:sp>
-    </p:spTree>
-  </p:cSld>
-  <p:clrMapOvr>
-    <a:masterClrMapping/>
-  </p:clrMapOvr>
-  <p:timing>
-    <p:tnLst>
-      <p:par>
-        <p:cTn id="1" dur="indefinite" restart="never" nodeType="tmRoot"/>
-      </p:par>
-    </p:tnLst>
-  </p:timing>
-</p:sld>
-</file>
-
-<file path=ppt/slides/slide35.xml><?xml version="1.0" encoding="utf-8"?>
-<p:sld xmlns:a="http://schemas.openxmlformats.org/drawingml/2006/main" xmlns:r="http://schemas.openxmlformats.org/officeDocument/2006/relationships" xmlns:p="http://schemas.openxmlformats.org/presentationml/2006/main">
-  <p:cSld>
-    <p:spTree>
-      <p:nvGrpSpPr>
-        <p:cNvPr id="1" name=""/>
-        <p:cNvGrpSpPr/>
-        <p:nvPr/>
-      </p:nvGrpSpPr>
-      <p:grpSpPr>
-        <a:xfrm>
-          <a:off x="0" y="0"/>
-          <a:ext cx="0" cy="0"/>
-          <a:chOff x="0" y="0"/>
-          <a:chExt cx="0" cy="0"/>
-        </a:xfrm>
-      </p:grpSpPr>
-      <p:sp>
-        <p:nvSpPr>
-          <p:cNvPr id="2" name="CasellaDiTesto 1"/>
-          <p:cNvSpPr txBox="1"/>
-          <p:nvPr/>
-        </p:nvSpPr>
-        <p:spPr>
-          <a:xfrm>
-            <a:off x="642910" y="428604"/>
-            <a:ext cx="7715304" cy="1107996"/>
-          </a:xfrm>
-          <a:prstGeom prst="rect">
-            <a:avLst/>
-          </a:prstGeom>
-          <a:noFill/>
-        </p:spPr>
-        <p:txBody>
-          <a:bodyPr wrap="square" rtlCol="0">
-            <a:spAutoFit/>
-          </a:bodyPr>
-          <a:lstStyle/>
-          <a:p>
-            <a:pPr algn="ctr"/>
-            <a:r>
-              <a:rPr lang="it-IT" sz="4800" b="1" dirty="0" smtClean="0">
-                <a:latin typeface="+mj-lt"/>
-              </a:rPr>
-              <a:t>Conclusioni</a:t>
-            </a:r>
-            <a:endParaRPr lang="it-IT" sz="2800" b="1" dirty="0" smtClean="0">
-              <a:latin typeface="+mj-lt"/>
-            </a:endParaRPr>
-          </a:p>
-          <a:p>
-            <a:pPr algn="ctr"/>
-            <a:endParaRPr lang="it-IT" dirty="0">
-              <a:latin typeface="+mj-lt"/>
-            </a:endParaRPr>
-          </a:p>
-        </p:txBody>
-      </p:sp>
-      <p:sp>
-        <p:nvSpPr>
-          <p:cNvPr id="3" name="Content Placeholder 3"/>
-          <p:cNvSpPr txBox="1">
-            <a:spLocks/>
-          </p:cNvSpPr>
-          <p:nvPr/>
-        </p:nvSpPr>
-        <p:spPr>
-          <a:xfrm>
-            <a:off x="357158" y="2500306"/>
-            <a:ext cx="8429684" cy="3286148"/>
-          </a:xfrm>
-          <a:prstGeom prst="rect">
-            <a:avLst/>
-          </a:prstGeom>
-        </p:spPr>
-        <p:txBody>
-          <a:bodyPr tIns="0"/>
-          <a:lstStyle>
-            <a:lvl1pPr marL="274320" indent="-274320" algn="l" rtl="0" eaLnBrk="1" latinLnBrk="0" hangingPunct="1">
-              <a:spcBef>
-                <a:spcPct val="20000"/>
-              </a:spcBef>
-              <a:buClrTx/>
-              <a:buSzPct val="95000"/>
-              <a:buFont typeface="Wingdings" pitchFamily="2" charset="2"/>
-              <a:buChar char="v"/>
-              <a:defRPr kumimoji="0" sz="2800" kern="1200">
-                <a:solidFill>
-                  <a:schemeClr val="tx1"/>
-                </a:solidFill>
-                <a:latin typeface="+mn-lt"/>
-                <a:ea typeface="+mn-ea"/>
-                <a:cs typeface="+mn-cs"/>
-              </a:defRPr>
-            </a:lvl1pPr>
-            <a:lvl2pPr marL="640080" indent="-246888" algn="l" rtl="0" eaLnBrk="1" latinLnBrk="0" hangingPunct="1">
-              <a:spcBef>
-                <a:spcPct val="20000"/>
-              </a:spcBef>
-              <a:buClrTx/>
-              <a:buSzPct val="85000"/>
-              <a:buFont typeface="Courier New" pitchFamily="49" charset="0"/>
-              <a:buChar char="o"/>
-              <a:defRPr kumimoji="0" sz="2600" kern="1200">
-                <a:solidFill>
-                  <a:schemeClr val="tx1"/>
-                </a:solidFill>
-                <a:latin typeface="+mn-lt"/>
-                <a:ea typeface="+mn-ea"/>
-                <a:cs typeface="+mn-cs"/>
-              </a:defRPr>
-            </a:lvl2pPr>
-            <a:lvl3pPr marL="914400" indent="-246888" algn="l" rtl="0" eaLnBrk="1" latinLnBrk="0" hangingPunct="1">
-              <a:spcBef>
-                <a:spcPct val="20000"/>
-              </a:spcBef>
-              <a:buClrTx/>
-              <a:buSzPct val="70000"/>
-              <a:buFont typeface="Wingdings 2"/>
-              <a:buChar char=""/>
-              <a:defRPr kumimoji="0" sz="2400" kern="1200">
-                <a:solidFill>
-                  <a:schemeClr val="tx1"/>
-                </a:solidFill>
-                <a:latin typeface="+mn-lt"/>
-                <a:ea typeface="+mn-ea"/>
-                <a:cs typeface="+mn-cs"/>
-              </a:defRPr>
-            </a:lvl3pPr>
-            <a:lvl4pPr marL="1188720" indent="-210312" algn="l" rtl="0" eaLnBrk="1" latinLnBrk="0" hangingPunct="1">
-              <a:spcBef>
-                <a:spcPct val="20000"/>
-              </a:spcBef>
-              <a:buClrTx/>
-              <a:buSzPct val="65000"/>
-              <a:buFont typeface="Wingdings 2"/>
-              <a:buChar char=""/>
-              <a:defRPr kumimoji="0" sz="2000" kern="1200">
-                <a:solidFill>
-                  <a:schemeClr val="tx1"/>
-                </a:solidFill>
-                <a:latin typeface="+mn-lt"/>
-                <a:ea typeface="+mn-ea"/>
-                <a:cs typeface="+mn-cs"/>
-              </a:defRPr>
-            </a:lvl4pPr>
-            <a:lvl5pPr marL="1463040" indent="-210312" algn="l" rtl="0" eaLnBrk="1" latinLnBrk="0" hangingPunct="1">
-              <a:spcBef>
-                <a:spcPct val="20000"/>
-              </a:spcBef>
-              <a:buClrTx/>
-              <a:buSzPct val="65000"/>
-              <a:buFont typeface="Wingdings 2"/>
-              <a:buChar char=""/>
-              <a:defRPr kumimoji="0" sz="1800" kern="1200">
-                <a:solidFill>
-                  <a:schemeClr val="tx1"/>
-                </a:solidFill>
-                <a:latin typeface="+mn-lt"/>
-                <a:ea typeface="+mn-ea"/>
-                <a:cs typeface="+mn-cs"/>
-              </a:defRPr>
-            </a:lvl5pPr>
-            <a:lvl6pPr marL="1737360" indent="-210312" algn="l" rtl="0" eaLnBrk="1" latinLnBrk="0" hangingPunct="1">
-              <a:spcBef>
-                <a:spcPct val="20000"/>
-              </a:spcBef>
-              <a:buClr>
-                <a:schemeClr val="accent5"/>
-              </a:buClr>
-              <a:buSzPct val="80000"/>
-              <a:buFont typeface="Wingdings 2"/>
-              <a:buChar char=""/>
-              <a:defRPr kumimoji="0" sz="1800" kern="1200">
-                <a:solidFill>
-                  <a:schemeClr val="tx1"/>
-                </a:solidFill>
-                <a:latin typeface="+mn-lt"/>
-                <a:ea typeface="+mn-ea"/>
-                <a:cs typeface="+mn-cs"/>
-              </a:defRPr>
-            </a:lvl6pPr>
-            <a:lvl7pPr marL="1920240" indent="-182880" algn="l" rtl="0" eaLnBrk="1" latinLnBrk="0" hangingPunct="1">
-              <a:spcBef>
-                <a:spcPct val="20000"/>
-              </a:spcBef>
-              <a:buClr>
-                <a:schemeClr val="accent6"/>
-              </a:buClr>
-              <a:buSzPct val="80000"/>
-              <a:buFont typeface="Wingdings 2"/>
-              <a:buChar char=""/>
-              <a:defRPr kumimoji="0" sz="1600" kern="1200" baseline="0">
-                <a:solidFill>
-                  <a:schemeClr val="tx1"/>
-                </a:solidFill>
-                <a:latin typeface="+mn-lt"/>
-                <a:ea typeface="+mn-ea"/>
-                <a:cs typeface="+mn-cs"/>
-              </a:defRPr>
-            </a:lvl7pPr>
-            <a:lvl8pPr marL="2194560" indent="-182880" algn="l" rtl="0" eaLnBrk="1" latinLnBrk="0" hangingPunct="1">
-              <a:spcBef>
-                <a:spcPct val="20000"/>
-              </a:spcBef>
-              <a:buClr>
-                <a:schemeClr val="tx2"/>
-              </a:buClr>
-              <a:buChar char="•"/>
-              <a:defRPr kumimoji="0" sz="1600" kern="1200">
-                <a:solidFill>
-                  <a:schemeClr val="tx1"/>
-                </a:solidFill>
-                <a:latin typeface="+mn-lt"/>
-                <a:ea typeface="+mn-ea"/>
-                <a:cs typeface="+mn-cs"/>
-              </a:defRPr>
-            </a:lvl8pPr>
-            <a:lvl9pPr marL="2468880" indent="-182880" algn="l" rtl="0" eaLnBrk="1" latinLnBrk="0" hangingPunct="1">
-              <a:spcBef>
-                <a:spcPct val="20000"/>
-              </a:spcBef>
-              <a:buClr>
-                <a:schemeClr val="tx2"/>
-              </a:buClr>
-              <a:buFontTx/>
-              <a:buChar char="•"/>
-              <a:defRPr kumimoji="0" sz="1400" kern="1200" baseline="0">
-                <a:solidFill>
-                  <a:schemeClr val="tx1"/>
-                </a:solidFill>
-                <a:latin typeface="+mn-lt"/>
-                <a:ea typeface="+mn-ea"/>
-                <a:cs typeface="+mn-cs"/>
-              </a:defRPr>
-            </a:lvl9pPr>
-          </a:lstStyle>
-          <a:p>
-            <a:pPr marL="365760" lvl="1" indent="0">
-              <a:buNone/>
-            </a:pPr>
-            <a:endParaRPr lang="en-US" dirty="0" smtClean="0"/>
-          </a:p>
-        </p:txBody>
-      </p:sp>
-      <p:sp>
-        <p:nvSpPr>
-          <p:cNvPr id="4" name="TextBox 3"/>
-          <p:cNvSpPr txBox="1"/>
-          <p:nvPr/>
-        </p:nvSpPr>
-        <p:spPr>
-          <a:xfrm>
-            <a:off x="214282" y="1928802"/>
-            <a:ext cx="5715040" cy="492443"/>
-          </a:xfrm>
-          <a:prstGeom prst="rect">
-            <a:avLst/>
-          </a:prstGeom>
-          <a:noFill/>
-        </p:spPr>
-        <p:txBody>
-          <a:bodyPr wrap="square" rtlCol="0">
-            <a:spAutoFit/>
-          </a:bodyPr>
-          <a:lstStyle/>
-          <a:p>
-            <a:r>
-              <a:rPr lang="it-IT" sz="2600" b="1" dirty="0" smtClean="0"/>
-              <a:t>Cosa è andato per il verso giusto </a:t>
-            </a:r>
-            <a:endParaRPr lang="it-IT" sz="2600" b="1" dirty="0"/>
-          </a:p>
-        </p:txBody>
-      </p:sp>
-      <p:pic>
-        <p:nvPicPr>
-          <p:cNvPr id="13314" name="Picture 2" descr="http://whywedoit.files.wordpress.com/2009/04/smile.jpg"/>
-          <p:cNvPicPr>
-            <a:picLocks noChangeAspect="1" noChangeArrowheads="1"/>
-          </p:cNvPicPr>
-          <p:nvPr/>
-        </p:nvPicPr>
-        <p:blipFill>
-          <a:blip r:embed="rId2" cstate="print"/>
-          <a:srcRect/>
-          <a:stretch>
-            <a:fillRect/>
-          </a:stretch>
-        </p:blipFill>
-        <p:spPr bwMode="auto">
-          <a:xfrm>
-            <a:off x="4643438" y="1500174"/>
-            <a:ext cx="1428760" cy="1071570"/>
-          </a:xfrm>
-          <a:prstGeom prst="rect">
-            <a:avLst/>
-          </a:prstGeom>
-          <a:ln>
-            <a:noFill/>
-          </a:ln>
-          <a:effectLst>
-            <a:softEdge rad="112500"/>
-          </a:effectLst>
-        </p:spPr>
-      </p:pic>
     </p:spTree>
   </p:cSld>
   <p:clrMapOvr>
@@ -16105,7 +16133,7 @@
           <a:p>
             <a:r>
               <a:rPr lang="it-IT" sz="2600" b="1" dirty="0" smtClean="0"/>
-              <a:t>Cosa è andato per il verso sbagliato </a:t>
+              <a:t>Cosa è andato per il verso giusto </a:t>
             </a:r>
             <a:endParaRPr lang="it-IT" sz="2600" b="1" dirty="0"/>
           </a:p>
@@ -16113,7 +16141,7 @@
       </p:sp>
       <p:pic>
         <p:nvPicPr>
-          <p:cNvPr id="50178" name="Picture 2" descr="http://newton.logg.it/files/2009/11/Emoticon-Sad-300x300.png"/>
+          <p:cNvPr id="13314" name="Picture 2" descr="http://whywedoit.files.wordpress.com/2009/04/smile.jpg"/>
           <p:cNvPicPr>
             <a:picLocks noChangeAspect="1" noChangeArrowheads="1"/>
           </p:cNvPicPr>
@@ -16128,13 +16156,18 @@
         </p:blipFill>
         <p:spPr bwMode="auto">
           <a:xfrm>
-            <a:off x="5286380" y="1571612"/>
-            <a:ext cx="857256" cy="857256"/>
+            <a:off x="4643438" y="1500174"/>
+            <a:ext cx="1428760" cy="1071570"/>
           </a:xfrm>
           <a:prstGeom prst="rect">
             <a:avLst/>
           </a:prstGeom>
-          <a:noFill/>
+          <a:ln>
+            <a:noFill/>
+          </a:ln>
+          <a:effectLst>
+            <a:softEdge rad="112500"/>
+          </a:effectLst>
         </p:spPr>
       </p:pic>
     </p:spTree>
@@ -16405,6 +16438,322 @@
         </p:nvSpPr>
         <p:spPr>
           <a:xfrm>
+            <a:off x="214282" y="1928802"/>
+            <a:ext cx="5715040" cy="492443"/>
+          </a:xfrm>
+          <a:prstGeom prst="rect">
+            <a:avLst/>
+          </a:prstGeom>
+          <a:noFill/>
+        </p:spPr>
+        <p:txBody>
+          <a:bodyPr wrap="square" rtlCol="0">
+            <a:spAutoFit/>
+          </a:bodyPr>
+          <a:lstStyle/>
+          <a:p>
+            <a:r>
+              <a:rPr lang="it-IT" sz="2600" b="1" dirty="0" smtClean="0"/>
+              <a:t>Cosa è andato per il verso sbagliato </a:t>
+            </a:r>
+            <a:endParaRPr lang="it-IT" sz="2600" b="1" dirty="0"/>
+          </a:p>
+        </p:txBody>
+      </p:sp>
+      <p:pic>
+        <p:nvPicPr>
+          <p:cNvPr id="50178" name="Picture 2" descr="http://newton.logg.it/files/2009/11/Emoticon-Sad-300x300.png"/>
+          <p:cNvPicPr>
+            <a:picLocks noChangeAspect="1" noChangeArrowheads="1"/>
+          </p:cNvPicPr>
+          <p:nvPr/>
+        </p:nvPicPr>
+        <p:blipFill>
+          <a:blip r:embed="rId2" cstate="print"/>
+          <a:srcRect/>
+          <a:stretch>
+            <a:fillRect/>
+          </a:stretch>
+        </p:blipFill>
+        <p:spPr bwMode="auto">
+          <a:xfrm>
+            <a:off x="5286380" y="1571612"/>
+            <a:ext cx="857256" cy="857256"/>
+          </a:xfrm>
+          <a:prstGeom prst="rect">
+            <a:avLst/>
+          </a:prstGeom>
+          <a:noFill/>
+        </p:spPr>
+      </p:pic>
+    </p:spTree>
+  </p:cSld>
+  <p:clrMapOvr>
+    <a:masterClrMapping/>
+  </p:clrMapOvr>
+  <p:timing>
+    <p:tnLst>
+      <p:par>
+        <p:cTn id="1" dur="indefinite" restart="never" nodeType="tmRoot"/>
+      </p:par>
+    </p:tnLst>
+  </p:timing>
+</p:sld>
+</file>
+
+<file path=ppt/slides/slide38.xml><?xml version="1.0" encoding="utf-8"?>
+<p:sld xmlns:a="http://schemas.openxmlformats.org/drawingml/2006/main" xmlns:r="http://schemas.openxmlformats.org/officeDocument/2006/relationships" xmlns:p="http://schemas.openxmlformats.org/presentationml/2006/main">
+  <p:cSld>
+    <p:spTree>
+      <p:nvGrpSpPr>
+        <p:cNvPr id="1" name=""/>
+        <p:cNvGrpSpPr/>
+        <p:nvPr/>
+      </p:nvGrpSpPr>
+      <p:grpSpPr>
+        <a:xfrm>
+          <a:off x="0" y="0"/>
+          <a:ext cx="0" cy="0"/>
+          <a:chOff x="0" y="0"/>
+          <a:chExt cx="0" cy="0"/>
+        </a:xfrm>
+      </p:grpSpPr>
+      <p:sp>
+        <p:nvSpPr>
+          <p:cNvPr id="2" name="CasellaDiTesto 1"/>
+          <p:cNvSpPr txBox="1"/>
+          <p:nvPr/>
+        </p:nvSpPr>
+        <p:spPr>
+          <a:xfrm>
+            <a:off x="642910" y="428604"/>
+            <a:ext cx="7715304" cy="1107996"/>
+          </a:xfrm>
+          <a:prstGeom prst="rect">
+            <a:avLst/>
+          </a:prstGeom>
+          <a:noFill/>
+        </p:spPr>
+        <p:txBody>
+          <a:bodyPr wrap="square" rtlCol="0">
+            <a:spAutoFit/>
+          </a:bodyPr>
+          <a:lstStyle/>
+          <a:p>
+            <a:pPr algn="ctr"/>
+            <a:r>
+              <a:rPr lang="it-IT" sz="4800" b="1" dirty="0" smtClean="0">
+                <a:latin typeface="+mj-lt"/>
+              </a:rPr>
+              <a:t>Conclusioni</a:t>
+            </a:r>
+            <a:endParaRPr lang="it-IT" sz="2800" b="1" dirty="0" smtClean="0">
+              <a:latin typeface="+mj-lt"/>
+            </a:endParaRPr>
+          </a:p>
+          <a:p>
+            <a:pPr algn="ctr"/>
+            <a:endParaRPr lang="it-IT" dirty="0">
+              <a:latin typeface="+mj-lt"/>
+            </a:endParaRPr>
+          </a:p>
+        </p:txBody>
+      </p:sp>
+      <p:sp>
+        <p:nvSpPr>
+          <p:cNvPr id="3" name="Content Placeholder 3"/>
+          <p:cNvSpPr txBox="1">
+            <a:spLocks/>
+          </p:cNvSpPr>
+          <p:nvPr/>
+        </p:nvSpPr>
+        <p:spPr>
+          <a:xfrm>
+            <a:off x="357158" y="2500306"/>
+            <a:ext cx="8429684" cy="3286148"/>
+          </a:xfrm>
+          <a:prstGeom prst="rect">
+            <a:avLst/>
+          </a:prstGeom>
+        </p:spPr>
+        <p:txBody>
+          <a:bodyPr tIns="0"/>
+          <a:lstStyle>
+            <a:lvl1pPr marL="274320" indent="-274320" algn="l" rtl="0" eaLnBrk="1" latinLnBrk="0" hangingPunct="1">
+              <a:spcBef>
+                <a:spcPct val="20000"/>
+              </a:spcBef>
+              <a:buClrTx/>
+              <a:buSzPct val="95000"/>
+              <a:buFont typeface="Wingdings" pitchFamily="2" charset="2"/>
+              <a:buChar char="v"/>
+              <a:defRPr kumimoji="0" sz="2800" kern="1200">
+                <a:solidFill>
+                  <a:schemeClr val="tx1"/>
+                </a:solidFill>
+                <a:latin typeface="+mn-lt"/>
+                <a:ea typeface="+mn-ea"/>
+                <a:cs typeface="+mn-cs"/>
+              </a:defRPr>
+            </a:lvl1pPr>
+            <a:lvl2pPr marL="640080" indent="-246888" algn="l" rtl="0" eaLnBrk="1" latinLnBrk="0" hangingPunct="1">
+              <a:spcBef>
+                <a:spcPct val="20000"/>
+              </a:spcBef>
+              <a:buClrTx/>
+              <a:buSzPct val="85000"/>
+              <a:buFont typeface="Courier New" pitchFamily="49" charset="0"/>
+              <a:buChar char="o"/>
+              <a:defRPr kumimoji="0" sz="2600" kern="1200">
+                <a:solidFill>
+                  <a:schemeClr val="tx1"/>
+                </a:solidFill>
+                <a:latin typeface="+mn-lt"/>
+                <a:ea typeface="+mn-ea"/>
+                <a:cs typeface="+mn-cs"/>
+              </a:defRPr>
+            </a:lvl2pPr>
+            <a:lvl3pPr marL="914400" indent="-246888" algn="l" rtl="0" eaLnBrk="1" latinLnBrk="0" hangingPunct="1">
+              <a:spcBef>
+                <a:spcPct val="20000"/>
+              </a:spcBef>
+              <a:buClrTx/>
+              <a:buSzPct val="70000"/>
+              <a:buFont typeface="Wingdings 2"/>
+              <a:buChar char=""/>
+              <a:defRPr kumimoji="0" sz="2400" kern="1200">
+                <a:solidFill>
+                  <a:schemeClr val="tx1"/>
+                </a:solidFill>
+                <a:latin typeface="+mn-lt"/>
+                <a:ea typeface="+mn-ea"/>
+                <a:cs typeface="+mn-cs"/>
+              </a:defRPr>
+            </a:lvl3pPr>
+            <a:lvl4pPr marL="1188720" indent="-210312" algn="l" rtl="0" eaLnBrk="1" latinLnBrk="0" hangingPunct="1">
+              <a:spcBef>
+                <a:spcPct val="20000"/>
+              </a:spcBef>
+              <a:buClrTx/>
+              <a:buSzPct val="65000"/>
+              <a:buFont typeface="Wingdings 2"/>
+              <a:buChar char=""/>
+              <a:defRPr kumimoji="0" sz="2000" kern="1200">
+                <a:solidFill>
+                  <a:schemeClr val="tx1"/>
+                </a:solidFill>
+                <a:latin typeface="+mn-lt"/>
+                <a:ea typeface="+mn-ea"/>
+                <a:cs typeface="+mn-cs"/>
+              </a:defRPr>
+            </a:lvl4pPr>
+            <a:lvl5pPr marL="1463040" indent="-210312" algn="l" rtl="0" eaLnBrk="1" latinLnBrk="0" hangingPunct="1">
+              <a:spcBef>
+                <a:spcPct val="20000"/>
+              </a:spcBef>
+              <a:buClrTx/>
+              <a:buSzPct val="65000"/>
+              <a:buFont typeface="Wingdings 2"/>
+              <a:buChar char=""/>
+              <a:defRPr kumimoji="0" sz="1800" kern="1200">
+                <a:solidFill>
+                  <a:schemeClr val="tx1"/>
+                </a:solidFill>
+                <a:latin typeface="+mn-lt"/>
+                <a:ea typeface="+mn-ea"/>
+                <a:cs typeface="+mn-cs"/>
+              </a:defRPr>
+            </a:lvl5pPr>
+            <a:lvl6pPr marL="1737360" indent="-210312" algn="l" rtl="0" eaLnBrk="1" latinLnBrk="0" hangingPunct="1">
+              <a:spcBef>
+                <a:spcPct val="20000"/>
+              </a:spcBef>
+              <a:buClr>
+                <a:schemeClr val="accent5"/>
+              </a:buClr>
+              <a:buSzPct val="80000"/>
+              <a:buFont typeface="Wingdings 2"/>
+              <a:buChar char=""/>
+              <a:defRPr kumimoji="0" sz="1800" kern="1200">
+                <a:solidFill>
+                  <a:schemeClr val="tx1"/>
+                </a:solidFill>
+                <a:latin typeface="+mn-lt"/>
+                <a:ea typeface="+mn-ea"/>
+                <a:cs typeface="+mn-cs"/>
+              </a:defRPr>
+            </a:lvl6pPr>
+            <a:lvl7pPr marL="1920240" indent="-182880" algn="l" rtl="0" eaLnBrk="1" latinLnBrk="0" hangingPunct="1">
+              <a:spcBef>
+                <a:spcPct val="20000"/>
+              </a:spcBef>
+              <a:buClr>
+                <a:schemeClr val="accent6"/>
+              </a:buClr>
+              <a:buSzPct val="80000"/>
+              <a:buFont typeface="Wingdings 2"/>
+              <a:buChar char=""/>
+              <a:defRPr kumimoji="0" sz="1600" kern="1200" baseline="0">
+                <a:solidFill>
+                  <a:schemeClr val="tx1"/>
+                </a:solidFill>
+                <a:latin typeface="+mn-lt"/>
+                <a:ea typeface="+mn-ea"/>
+                <a:cs typeface="+mn-cs"/>
+              </a:defRPr>
+            </a:lvl7pPr>
+            <a:lvl8pPr marL="2194560" indent="-182880" algn="l" rtl="0" eaLnBrk="1" latinLnBrk="0" hangingPunct="1">
+              <a:spcBef>
+                <a:spcPct val="20000"/>
+              </a:spcBef>
+              <a:buClr>
+                <a:schemeClr val="tx2"/>
+              </a:buClr>
+              <a:buChar char="•"/>
+              <a:defRPr kumimoji="0" sz="1600" kern="1200">
+                <a:solidFill>
+                  <a:schemeClr val="tx1"/>
+                </a:solidFill>
+                <a:latin typeface="+mn-lt"/>
+                <a:ea typeface="+mn-ea"/>
+                <a:cs typeface="+mn-cs"/>
+              </a:defRPr>
+            </a:lvl8pPr>
+            <a:lvl9pPr marL="2468880" indent="-182880" algn="l" rtl="0" eaLnBrk="1" latinLnBrk="0" hangingPunct="1">
+              <a:spcBef>
+                <a:spcPct val="20000"/>
+              </a:spcBef>
+              <a:buClr>
+                <a:schemeClr val="tx2"/>
+              </a:buClr>
+              <a:buFontTx/>
+              <a:buChar char="•"/>
+              <a:defRPr kumimoji="0" sz="1400" kern="1200" baseline="0">
+                <a:solidFill>
+                  <a:schemeClr val="tx1"/>
+                </a:solidFill>
+                <a:latin typeface="+mn-lt"/>
+                <a:ea typeface="+mn-ea"/>
+                <a:cs typeface="+mn-cs"/>
+              </a:defRPr>
+            </a:lvl9pPr>
+          </a:lstStyle>
+          <a:p>
+            <a:pPr marL="365760" lvl="1" indent="0">
+              <a:buNone/>
+            </a:pPr>
+            <a:endParaRPr lang="en-US" dirty="0" smtClean="0"/>
+          </a:p>
+        </p:txBody>
+      </p:sp>
+      <p:sp>
+        <p:nvSpPr>
+          <p:cNvPr id="4" name="TextBox 3"/>
+          <p:cNvSpPr txBox="1"/>
+          <p:nvPr/>
+        </p:nvSpPr>
+        <p:spPr>
+          <a:xfrm>
             <a:off x="357158" y="1714488"/>
             <a:ext cx="5715040" cy="892552"/>
           </a:xfrm>
@@ -16473,7 +16822,7 @@
 </p:sld>
 </file>
 
-<file path=ppt/slides/slide38.xml><?xml version="1.0" encoding="utf-8"?>
+<file path=ppt/slides/slide39.xml><?xml version="1.0" encoding="utf-8"?>
 <p:sld xmlns:a="http://schemas.openxmlformats.org/drawingml/2006/main" xmlns:r="http://schemas.openxmlformats.org/officeDocument/2006/relationships" xmlns:p="http://schemas.openxmlformats.org/presentationml/2006/main">
   <p:cSld>
     <p:spTree>
@@ -17581,9 +17930,6 @@
               </a:rPr>
               <a:t>Use Case identificativi del sistema 1.0</a:t>
             </a:r>
-            <a:endParaRPr lang="it-IT" sz="4000" b="1" dirty="0" smtClean="0">
-              <a:latin typeface="+mj-lt"/>
-            </a:endParaRPr>
           </a:p>
           <a:p>
             <a:pPr algn="ctr"/>
@@ -18444,9 +18790,6 @@
               </a:rPr>
               <a:t>Use Case identificativi del sistema 4.0</a:t>
             </a:r>
-            <a:endParaRPr lang="it-IT" sz="4000" b="1" dirty="0" smtClean="0">
-              <a:latin typeface="+mj-lt"/>
-            </a:endParaRPr>
           </a:p>
           <a:p>
             <a:pPr algn="ctr"/>
@@ -19351,9 +19694,6 @@
               </a:rPr>
               <a:t>Use Case Diagram Questionari – prima versione</a:t>
             </a:r>
-            <a:endParaRPr lang="it-IT" sz="3400" b="1" dirty="0" smtClean="0">
-              <a:latin typeface="+mj-lt"/>
-            </a:endParaRPr>
           </a:p>
           <a:p>
             <a:pPr algn="ctr"/>
@@ -19366,7 +19706,7 @@
     </p:spTree>
     <p:extLst>
       <p:ext uri="{BB962C8B-B14F-4D97-AF65-F5344CB8AC3E}">
-        <p14:creationId xmlns="" xmlns:p14="http://schemas.microsoft.com/office/powerpoint/2010/main" val="155874689"/>
+        <p14:creationId xmlns:p14="http://schemas.microsoft.com/office/powerpoint/2010/main" xmlns="" val="155874689"/>
       </p:ext>
     </p:extLst>
   </p:cSld>
@@ -19374,7 +19714,7 @@
     <a:masterClrMapping/>
   </p:clrMapOvr>
   <mc:AlternateContent xmlns:mc="http://schemas.openxmlformats.org/markup-compatibility/2006">
-    <mc:Choice xmlns="" xmlns:p14="http://schemas.microsoft.com/office/powerpoint/2010/main" Requires="p14">
+    <mc:Choice xmlns:p14="http://schemas.microsoft.com/office/powerpoint/2010/main" xmlns="" Requires="p14">
       <p:transition spd="slow" p14:dur="2000"/>
     </mc:Choice>
     <mc:Fallback>
@@ -19470,9 +19810,6 @@
               </a:rPr>
               <a:t>Use Case Diagram Questionari – prima versione</a:t>
             </a:r>
-            <a:endParaRPr lang="it-IT" sz="3400" b="1" dirty="0" smtClean="0">
-              <a:latin typeface="+mj-lt"/>
-            </a:endParaRPr>
           </a:p>
           <a:p>
             <a:pPr algn="ctr"/>
@@ -19485,7 +19822,7 @@
     </p:spTree>
     <p:extLst>
       <p:ext uri="{BB962C8B-B14F-4D97-AF65-F5344CB8AC3E}">
-        <p14:creationId xmlns="" xmlns:p14="http://schemas.microsoft.com/office/powerpoint/2010/main" val="155874689"/>
+        <p14:creationId xmlns:p14="http://schemas.microsoft.com/office/powerpoint/2010/main" xmlns="" val="155874689"/>
       </p:ext>
     </p:extLst>
   </p:cSld>
@@ -19493,7 +19830,7 @@
     <a:masterClrMapping/>
   </p:clrMapOvr>
   <mc:AlternateContent xmlns:mc="http://schemas.openxmlformats.org/markup-compatibility/2006">
-    <mc:Choice xmlns="" xmlns:p14="http://schemas.microsoft.com/office/powerpoint/2010/main" Requires="p14">
+    <mc:Choice xmlns:p14="http://schemas.microsoft.com/office/powerpoint/2010/main" xmlns="" Requires="p14">
       <p:transition spd="slow" p14:dur="2000"/>
     </mc:Choice>
     <mc:Fallback>

--- a/trunk/Presentazione/Atsilo3/Atsilo_H_PresentazioneFinale.pptx
+++ b/trunk/Presentazione/Atsilo3/Atsilo_H_PresentazioneFinale.pptx
@@ -5,7 +5,7 @@
     <p:sldMasterId id="2147483684" r:id="rId1"/>
   </p:sldMasterIdLst>
   <p:notesMasterIdLst>
-    <p:notesMasterId r:id="rId39"/>
+    <p:notesMasterId r:id="rId40"/>
   </p:notesMasterIdLst>
   <p:sldIdLst>
     <p:sldId id="256" r:id="rId2"/>
@@ -22,29 +22,30 @@
     <p:sldId id="282" r:id="rId13"/>
     <p:sldId id="283" r:id="rId14"/>
     <p:sldId id="284" r:id="rId15"/>
-    <p:sldId id="287" r:id="rId16"/>
-    <p:sldId id="307" r:id="rId17"/>
-    <p:sldId id="308" r:id="rId18"/>
-    <p:sldId id="301" r:id="rId19"/>
-    <p:sldId id="311" r:id="rId20"/>
-    <p:sldId id="303" r:id="rId21"/>
-    <p:sldId id="304" r:id="rId22"/>
-    <p:sldId id="312" r:id="rId23"/>
-    <p:sldId id="315" r:id="rId24"/>
-    <p:sldId id="314" r:id="rId25"/>
-    <p:sldId id="316" r:id="rId26"/>
-    <p:sldId id="290" r:id="rId27"/>
-    <p:sldId id="288" r:id="rId28"/>
-    <p:sldId id="317" r:id="rId29"/>
-    <p:sldId id="291" r:id="rId30"/>
-    <p:sldId id="265" r:id="rId31"/>
-    <p:sldId id="268" r:id="rId32"/>
-    <p:sldId id="267" r:id="rId33"/>
-    <p:sldId id="270" r:id="rId34"/>
-    <p:sldId id="292" r:id="rId35"/>
-    <p:sldId id="293" r:id="rId36"/>
-    <p:sldId id="294" r:id="rId37"/>
-    <p:sldId id="295" r:id="rId38"/>
+    <p:sldId id="318" r:id="rId16"/>
+    <p:sldId id="287" r:id="rId17"/>
+    <p:sldId id="307" r:id="rId18"/>
+    <p:sldId id="308" r:id="rId19"/>
+    <p:sldId id="301" r:id="rId20"/>
+    <p:sldId id="311" r:id="rId21"/>
+    <p:sldId id="303" r:id="rId22"/>
+    <p:sldId id="304" r:id="rId23"/>
+    <p:sldId id="312" r:id="rId24"/>
+    <p:sldId id="315" r:id="rId25"/>
+    <p:sldId id="314" r:id="rId26"/>
+    <p:sldId id="316" r:id="rId27"/>
+    <p:sldId id="290" r:id="rId28"/>
+    <p:sldId id="288" r:id="rId29"/>
+    <p:sldId id="317" r:id="rId30"/>
+    <p:sldId id="291" r:id="rId31"/>
+    <p:sldId id="265" r:id="rId32"/>
+    <p:sldId id="268" r:id="rId33"/>
+    <p:sldId id="267" r:id="rId34"/>
+    <p:sldId id="270" r:id="rId35"/>
+    <p:sldId id="292" r:id="rId36"/>
+    <p:sldId id="293" r:id="rId37"/>
+    <p:sldId id="294" r:id="rId38"/>
+    <p:sldId id="295" r:id="rId39"/>
   </p:sldIdLst>
   <p:sldSz cx="9144000" cy="6858000" type="screen4x3"/>
   <p:notesSz cx="6858000" cy="9144000"/>
@@ -389,7 +390,7 @@
             <a:fld id="{D70604CA-7593-4640-8FA1-5523937B8510}" type="slidenum">
               <a:rPr lang="it-IT" smtClean="0"/>
               <a:pPr/>
-              <a:t>‹N›</a:t>
+              <a:t>‹#›</a:t>
             </a:fld>
             <a:endParaRPr lang="it-IT"/>
           </a:p>
@@ -398,7 +399,7 @@
     </p:spTree>
     <p:extLst>
       <p:ext uri="{BB962C8B-B14F-4D97-AF65-F5344CB8AC3E}">
-        <p14:creationId xmlns:p14="http://schemas.microsoft.com/office/powerpoint/2010/main" val="2126419590"/>
+        <p14:creationId xmlns:p14="http://schemas.microsoft.com/office/powerpoint/2010/main" xmlns="" val="2126419590"/>
       </p:ext>
     </p:extLst>
   </p:cSld>
@@ -573,7 +574,7 @@
     </p:spTree>
     <p:extLst>
       <p:ext uri="{BB962C8B-B14F-4D97-AF65-F5344CB8AC3E}">
-        <p14:creationId xmlns:p14="http://schemas.microsoft.com/office/powerpoint/2010/main" val="555626785"/>
+        <p14:creationId xmlns:p14="http://schemas.microsoft.com/office/powerpoint/2010/main" xmlns="" val="555626785"/>
       </p:ext>
     </p:extLst>
   </p:cSld>
@@ -657,7 +658,7 @@
             <a:fld id="{D70604CA-7593-4640-8FA1-5523937B8510}" type="slidenum">
               <a:rPr lang="it-IT" smtClean="0"/>
               <a:pPr/>
-              <a:t>24</a:t>
+              <a:t>25</a:t>
             </a:fld>
             <a:endParaRPr lang="it-IT"/>
           </a:p>
@@ -666,7 +667,7 @@
     </p:spTree>
     <p:extLst>
       <p:ext uri="{BB962C8B-B14F-4D97-AF65-F5344CB8AC3E}">
-        <p14:creationId xmlns:p14="http://schemas.microsoft.com/office/powerpoint/2010/main" val="2972088584"/>
+        <p14:creationId xmlns:p14="http://schemas.microsoft.com/office/powerpoint/2010/main" xmlns="" val="2972088584"/>
       </p:ext>
     </p:extLst>
   </p:cSld>
@@ -885,7 +886,7 @@
             <a:fld id="{F89AEA99-3E91-4C58-9AD4-045DB5619AC3}" type="slidenum">
               <a:rPr lang="it-IT" smtClean="0"/>
               <a:pPr/>
-              <a:t>‹N›</a:t>
+              <a:t>‹#›</a:t>
             </a:fld>
             <a:endParaRPr lang="it-IT"/>
           </a:p>
@@ -1067,7 +1068,7 @@
             <a:fld id="{F89AEA99-3E91-4C58-9AD4-045DB5619AC3}" type="slidenum">
               <a:rPr lang="it-IT" smtClean="0"/>
               <a:pPr/>
-              <a:t>‹N›</a:t>
+              <a:t>‹#›</a:t>
             </a:fld>
             <a:endParaRPr lang="it-IT"/>
           </a:p>
@@ -1259,7 +1260,7 @@
             <a:fld id="{F89AEA99-3E91-4C58-9AD4-045DB5619AC3}" type="slidenum">
               <a:rPr lang="it-IT" smtClean="0"/>
               <a:pPr/>
-              <a:t>‹N›</a:t>
+              <a:t>‹#›</a:t>
             </a:fld>
             <a:endParaRPr lang="it-IT"/>
           </a:p>
@@ -1441,7 +1442,7 @@
             <a:fld id="{F89AEA99-3E91-4C58-9AD4-045DB5619AC3}" type="slidenum">
               <a:rPr lang="it-IT" smtClean="0"/>
               <a:pPr/>
-              <a:t>‹N›</a:t>
+              <a:t>‹#›</a:t>
             </a:fld>
             <a:endParaRPr lang="it-IT"/>
           </a:p>
@@ -1684,7 +1685,7 @@
             <a:fld id="{F89AEA99-3E91-4C58-9AD4-045DB5619AC3}" type="slidenum">
               <a:rPr lang="it-IT" smtClean="0"/>
               <a:pPr/>
-              <a:t>‹N›</a:t>
+              <a:t>‹#›</a:t>
             </a:fld>
             <a:endParaRPr lang="it-IT"/>
           </a:p>
@@ -1965,7 +1966,7 @@
             <a:fld id="{F89AEA99-3E91-4C58-9AD4-045DB5619AC3}" type="slidenum">
               <a:rPr lang="it-IT" smtClean="0"/>
               <a:pPr/>
-              <a:t>‹N›</a:t>
+              <a:t>‹#›</a:t>
             </a:fld>
             <a:endParaRPr lang="it-IT"/>
           </a:p>
@@ -2356,7 +2357,7 @@
             <a:fld id="{F89AEA99-3E91-4C58-9AD4-045DB5619AC3}" type="slidenum">
               <a:rPr lang="it-IT" smtClean="0"/>
               <a:pPr/>
-              <a:t>‹N›</a:t>
+              <a:t>‹#›</a:t>
             </a:fld>
             <a:endParaRPr lang="it-IT"/>
           </a:p>
@@ -2515,7 +2516,7 @@
             <a:fld id="{F89AEA99-3E91-4C58-9AD4-045DB5619AC3}" type="slidenum">
               <a:rPr lang="it-IT" smtClean="0"/>
               <a:pPr/>
-              <a:t>‹N›</a:t>
+              <a:t>‹#›</a:t>
             </a:fld>
             <a:endParaRPr lang="it-IT"/>
           </a:p>
@@ -2614,7 +2615,7 @@
             <a:fld id="{F89AEA99-3E91-4C58-9AD4-045DB5619AC3}" type="slidenum">
               <a:rPr lang="it-IT" smtClean="0"/>
               <a:pPr/>
-              <a:t>‹N›</a:t>
+              <a:t>‹#›</a:t>
             </a:fld>
             <a:endParaRPr lang="it-IT"/>
           </a:p>
@@ -2884,7 +2885,7 @@
             <a:fld id="{F89AEA99-3E91-4C58-9AD4-045DB5619AC3}" type="slidenum">
               <a:rPr lang="it-IT" smtClean="0"/>
               <a:pPr/>
-              <a:t>‹N›</a:t>
+              <a:t>‹#›</a:t>
             </a:fld>
             <a:endParaRPr lang="it-IT"/>
           </a:p>
@@ -3186,7 +3187,7 @@
             <a:fld id="{F89AEA99-3E91-4C58-9AD4-045DB5619AC3}" type="slidenum">
               <a:rPr lang="it-IT" smtClean="0"/>
               <a:pPr/>
-              <a:t>‹N›</a:t>
+              <a:t>‹#›</a:t>
             </a:fld>
             <a:endParaRPr lang="it-IT"/>
           </a:p>
@@ -3997,7 +3998,7 @@
             <a:fld id="{F89AEA99-3E91-4C58-9AD4-045DB5619AC3}" type="slidenum">
               <a:rPr lang="it-IT" smtClean="0"/>
               <a:pPr/>
-              <a:t>‹N›</a:t>
+              <a:t>‹#›</a:t>
             </a:fld>
             <a:endParaRPr lang="it-IT"/>
           </a:p>
@@ -4604,7 +4605,7 @@
           <a:blip r:embed="rId2">
             <a:extLst>
               <a:ext uri="{28A0092B-C50C-407E-A947-70E740481C1C}">
-                <a14:useLocalDpi xmlns:a14="http://schemas.microsoft.com/office/drawing/2010/main" val="0"/>
+                <a14:useLocalDpi xmlns:a14="http://schemas.microsoft.com/office/drawing/2010/main" xmlns="" val="0"/>
               </a:ext>
             </a:extLst>
           </a:blip>
@@ -4628,14 +4629,14 @@
           <a:effectLst/>
           <a:extLst>
             <a:ext uri="{909E8E84-426E-40DD-AFC4-6F175D3DCCD1}">
-              <a14:hiddenFill xmlns:a14="http://schemas.microsoft.com/office/drawing/2010/main">
+              <a14:hiddenFill xmlns:a14="http://schemas.microsoft.com/office/drawing/2010/main" xmlns="">
                 <a:solidFill>
                   <a:schemeClr val="accent1"/>
                 </a:solidFill>
               </a14:hiddenFill>
             </a:ext>
             <a:ext uri="{91240B29-F687-4F45-9708-019B960494DF}">
-              <a14:hiddenLine xmlns:a14="http://schemas.microsoft.com/office/drawing/2010/main" w="9525">
+              <a14:hiddenLine xmlns:a14="http://schemas.microsoft.com/office/drawing/2010/main" xmlns="" w="9525">
                 <a:solidFill>
                   <a:schemeClr val="tx1"/>
                 </a:solidFill>
@@ -4645,7 +4646,7 @@
               </a14:hiddenLine>
             </a:ext>
             <a:ext uri="{AF507438-7753-43E0-B8FC-AC1667EBCBE1}">
-              <a14:hiddenEffects xmlns:a14="http://schemas.microsoft.com/office/drawing/2010/main">
+              <a14:hiddenEffects xmlns:a14="http://schemas.microsoft.com/office/drawing/2010/main" xmlns="">
                 <a:effectLst>
                   <a:outerShdw dist="35921" dir="2700000" algn="ctr" rotWithShape="0">
                     <a:schemeClr val="bg2"/>
@@ -4665,14 +4666,14 @@
           <p:nvPr>
             <p:extLst>
               <p:ext uri="{D42A27DB-BD31-4B8C-83A1-F6EECF244321}">
-                <p14:modId xmlns:p14="http://schemas.microsoft.com/office/powerpoint/2010/main" val="669990601"/>
+                <p14:modId xmlns:p14="http://schemas.microsoft.com/office/powerpoint/2010/main" xmlns="" val="669990601"/>
               </p:ext>
             </p:extLst>
           </p:nvPr>
         </p:nvGraphicFramePr>
         <p:xfrm>
           <a:off x="0" y="4876800"/>
-          <a:ext cx="2051720" cy="1981200"/>
+          <a:ext cx="2051720" cy="1815785"/>
         </p:xfrm>
         <a:graphic>
           <a:graphicData uri="http://schemas.openxmlformats.org/drawingml/2006/table">
@@ -4842,14 +4843,14 @@
           <p:nvPr>
             <p:extLst>
               <p:ext uri="{D42A27DB-BD31-4B8C-83A1-F6EECF244321}">
-                <p14:modId xmlns:p14="http://schemas.microsoft.com/office/powerpoint/2010/main" val="3027425847"/>
+                <p14:modId xmlns:p14="http://schemas.microsoft.com/office/powerpoint/2010/main" xmlns="" val="3027425847"/>
               </p:ext>
             </p:extLst>
           </p:nvPr>
         </p:nvGraphicFramePr>
         <p:xfrm>
           <a:off x="7092280" y="6060793"/>
-          <a:ext cx="2051720" cy="792480"/>
+          <a:ext cx="2051720" cy="726314"/>
         </p:xfrm>
         <a:graphic>
           <a:graphicData uri="http://schemas.openxmlformats.org/drawingml/2006/table">
@@ -4923,7 +4924,7 @@
     </p:spTree>
     <p:extLst>
       <p:ext uri="{BB962C8B-B14F-4D97-AF65-F5344CB8AC3E}">
-        <p14:creationId xmlns:p14="http://schemas.microsoft.com/office/powerpoint/2010/main" val="4165334171"/>
+        <p14:creationId xmlns:p14="http://schemas.microsoft.com/office/powerpoint/2010/main" xmlns="" val="4165334171"/>
       </p:ext>
     </p:extLst>
   </p:cSld>
@@ -4986,9 +4987,6 @@
               </a:rPr>
               <a:t>Divisione in Sottosistemi</a:t>
             </a:r>
-            <a:endParaRPr lang="it-IT" sz="4800" b="1" dirty="0" smtClean="0">
-              <a:latin typeface="+mj-lt"/>
-            </a:endParaRPr>
           </a:p>
           <a:p>
             <a:pPr algn="ctr"/>
@@ -5005,7 +5003,7 @@
     </p:spTree>
     <p:extLst>
       <p:ext uri="{BB962C8B-B14F-4D97-AF65-F5344CB8AC3E}">
-        <p14:creationId xmlns:p14="http://schemas.microsoft.com/office/powerpoint/2010/main" val="2769124218"/>
+        <p14:creationId xmlns:p14="http://schemas.microsoft.com/office/powerpoint/2010/main" xmlns="" val="2769124218"/>
       </p:ext>
     </p:extLst>
   </p:cSld>
@@ -5285,9 +5283,6 @@
               </a:rPr>
               <a:t>Divisione in Sottosistemi</a:t>
             </a:r>
-            <a:endParaRPr lang="it-IT" sz="4800" b="1" dirty="0" smtClean="0">
-              <a:latin typeface="+mj-lt"/>
-            </a:endParaRPr>
           </a:p>
           <a:p>
             <a:pPr algn="ctr"/>
@@ -5304,18 +5299,18 @@
     </p:spTree>
     <p:extLst>
       <p:ext uri="{BB962C8B-B14F-4D97-AF65-F5344CB8AC3E}">
-        <p14:creationId xmlns:p14="http://schemas.microsoft.com/office/powerpoint/2010/main" val="155874689"/>
+        <p14:creationId xmlns:p14="http://schemas.microsoft.com/office/powerpoint/2010/main" xmlns="" val="155874689"/>
       </p:ext>
     </p:extLst>
   </p:cSld>
   <p:clrMapOvr>
     <a:masterClrMapping/>
   </p:clrMapOvr>
-  <mc:AlternateContent xmlns:mc="http://schemas.openxmlformats.org/markup-compatibility/2006" xmlns:p14="http://schemas.microsoft.com/office/powerpoint/2010/main">
-    <mc:Choice Requires="p14">
+  <mc:AlternateContent xmlns:mc="http://schemas.openxmlformats.org/markup-compatibility/2006">
+    <mc:Choice xmlns:p14="http://schemas.microsoft.com/office/powerpoint/2010/main" xmlns="" Requires="p14">
       <p:transition spd="slow" p14:dur="2000"/>
     </mc:Choice>
-    <mc:Fallback xmlns="">
+    <mc:Fallback>
       <p:transition spd="slow"/>
     </mc:Fallback>
   </mc:AlternateContent>
@@ -5604,18 +5599,18 @@
     </p:spTree>
     <p:extLst>
       <p:ext uri="{BB962C8B-B14F-4D97-AF65-F5344CB8AC3E}">
-        <p14:creationId xmlns:p14="http://schemas.microsoft.com/office/powerpoint/2010/main" val="155874689"/>
+        <p14:creationId xmlns:p14="http://schemas.microsoft.com/office/powerpoint/2010/main" xmlns="" val="155874689"/>
       </p:ext>
     </p:extLst>
   </p:cSld>
   <p:clrMapOvr>
     <a:masterClrMapping/>
   </p:clrMapOvr>
-  <mc:AlternateContent xmlns:mc="http://schemas.openxmlformats.org/markup-compatibility/2006" xmlns:p14="http://schemas.microsoft.com/office/powerpoint/2010/main">
-    <mc:Choice Requires="p14">
+  <mc:AlternateContent xmlns:mc="http://schemas.openxmlformats.org/markup-compatibility/2006">
+    <mc:Choice xmlns:p14="http://schemas.microsoft.com/office/powerpoint/2010/main" xmlns="" Requires="p14">
       <p:transition spd="slow" p14:dur="2000"/>
     </mc:Choice>
-    <mc:Fallback xmlns="">
+    <mc:Fallback>
       <p:transition spd="slow"/>
     </mc:Fallback>
   </mc:AlternateContent>
@@ -5922,18 +5917,18 @@
     </p:spTree>
     <p:extLst>
       <p:ext uri="{BB962C8B-B14F-4D97-AF65-F5344CB8AC3E}">
-        <p14:creationId xmlns:p14="http://schemas.microsoft.com/office/powerpoint/2010/main" val="155874689"/>
+        <p14:creationId xmlns:p14="http://schemas.microsoft.com/office/powerpoint/2010/main" xmlns="" val="155874689"/>
       </p:ext>
     </p:extLst>
   </p:cSld>
   <p:clrMapOvr>
     <a:masterClrMapping/>
   </p:clrMapOvr>
-  <mc:AlternateContent xmlns:mc="http://schemas.openxmlformats.org/markup-compatibility/2006" xmlns:p14="http://schemas.microsoft.com/office/powerpoint/2010/main">
-    <mc:Choice Requires="p14">
+  <mc:AlternateContent xmlns:mc="http://schemas.openxmlformats.org/markup-compatibility/2006">
+    <mc:Choice xmlns:p14="http://schemas.microsoft.com/office/powerpoint/2010/main" xmlns="" Requires="p14">
       <p:transition spd="slow" p14:dur="2000"/>
     </mc:Choice>
-    <mc:Fallback xmlns="">
+    <mc:Fallback>
       <p:transition spd="slow"/>
     </mc:Fallback>
   </mc:AlternateContent>
@@ -6198,7 +6193,7 @@
       </p:grpSpPr>
       <p:pic>
         <p:nvPicPr>
-          <p:cNvPr id="9218" name="Picture 2"/>
+          <p:cNvPr id="1026" name="Picture 2" descr="D:\Tony\Unisa\IS\PROGETTO\atsilo\Presentazione\Atsilo3\ER_Questionari.png"/>
           <p:cNvPicPr>
             <a:picLocks noChangeAspect="1" noChangeArrowheads="1"/>
           </p:cNvPicPr>
@@ -6213,22 +6208,45 @@
         </p:blipFill>
         <p:spPr bwMode="auto">
           <a:xfrm>
-            <a:off x="755576" y="0"/>
-            <a:ext cx="7504058" cy="6858000"/>
+            <a:off x="0" y="2214554"/>
+            <a:ext cx="9144000" cy="3571900"/>
           </a:xfrm>
           <a:prstGeom prst="rect">
             <a:avLst/>
           </a:prstGeom>
           <a:noFill/>
-          <a:ln w="9525">
-            <a:noFill/>
-            <a:miter lim="800000"/>
-            <a:headEnd/>
-            <a:tailEnd/>
-          </a:ln>
-          <a:effectLst/>
         </p:spPr>
       </p:pic>
+      <p:sp>
+        <p:nvSpPr>
+          <p:cNvPr id="5" name="TextBox 4"/>
+          <p:cNvSpPr txBox="1"/>
+          <p:nvPr/>
+        </p:nvSpPr>
+        <p:spPr>
+          <a:xfrm>
+            <a:off x="2857488" y="642918"/>
+            <a:ext cx="3857652" cy="615553"/>
+          </a:xfrm>
+          <a:prstGeom prst="rect">
+            <a:avLst/>
+          </a:prstGeom>
+          <a:noFill/>
+        </p:spPr>
+        <p:txBody>
+          <a:bodyPr wrap="square" rtlCol="0">
+            <a:spAutoFit/>
+          </a:bodyPr>
+          <a:lstStyle/>
+          <a:p>
+            <a:r>
+              <a:rPr lang="it-IT" sz="3400" b="1" dirty="0" smtClean="0"/>
+              <a:t>ER Questionari</a:t>
+            </a:r>
+            <a:endParaRPr lang="it-IT" sz="3400" b="1" dirty="0"/>
+          </a:p>
+        </p:txBody>
+      </p:sp>
     </p:spTree>
   </p:cSld>
   <p:clrMapOvr>
@@ -6245,6 +6263,87 @@
 </file>
 
 <file path=ppt/slides/slide15.xml><?xml version="1.0" encoding="utf-8"?>
+<p:sld xmlns:a="http://schemas.openxmlformats.org/drawingml/2006/main" xmlns:r="http://schemas.openxmlformats.org/officeDocument/2006/relationships" xmlns:p="http://schemas.openxmlformats.org/presentationml/2006/main">
+  <p:cSld>
+    <p:spTree>
+      <p:nvGrpSpPr>
+        <p:cNvPr id="1" name=""/>
+        <p:cNvGrpSpPr/>
+        <p:nvPr/>
+      </p:nvGrpSpPr>
+      <p:grpSpPr>
+        <a:xfrm>
+          <a:off x="0" y="0"/>
+          <a:ext cx="0" cy="0"/>
+          <a:chOff x="0" y="0"/>
+          <a:chExt cx="0" cy="0"/>
+        </a:xfrm>
+      </p:grpSpPr>
+      <p:pic>
+        <p:nvPicPr>
+          <p:cNvPr id="2" name="Picture 3" descr="D:\Tony\Unisa\IS\PROGETTO\atsilo\Presentazione\Atsilo3\ER_Registro-Eventi.png"/>
+          <p:cNvPicPr>
+            <a:picLocks noChangeAspect="1" noChangeArrowheads="1"/>
+          </p:cNvPicPr>
+          <p:nvPr/>
+        </p:nvPicPr>
+        <p:blipFill>
+          <a:blip r:embed="rId2"/>
+          <a:srcRect/>
+          <a:stretch>
+            <a:fillRect/>
+          </a:stretch>
+        </p:blipFill>
+        <p:spPr bwMode="auto">
+          <a:xfrm>
+            <a:off x="285720" y="1500174"/>
+            <a:ext cx="8490984" cy="4572032"/>
+          </a:xfrm>
+          <a:prstGeom prst="rect">
+            <a:avLst/>
+          </a:prstGeom>
+          <a:noFill/>
+        </p:spPr>
+      </p:pic>
+      <p:sp>
+        <p:nvSpPr>
+          <p:cNvPr id="3" name="TextBox 2"/>
+          <p:cNvSpPr txBox="1"/>
+          <p:nvPr/>
+        </p:nvSpPr>
+        <p:spPr>
+          <a:xfrm>
+            <a:off x="2357422" y="642918"/>
+            <a:ext cx="4786378" cy="615553"/>
+          </a:xfrm>
+          <a:prstGeom prst="rect">
+            <a:avLst/>
+          </a:prstGeom>
+          <a:noFill/>
+        </p:spPr>
+        <p:txBody>
+          <a:bodyPr wrap="square" rtlCol="0">
+            <a:spAutoFit/>
+          </a:bodyPr>
+          <a:lstStyle/>
+          <a:p>
+            <a:r>
+              <a:rPr lang="it-IT" sz="3400" b="1" dirty="0" smtClean="0"/>
+              <a:t>ER Registro – Eventi </a:t>
+            </a:r>
+            <a:endParaRPr lang="it-IT" sz="3400" b="1" dirty="0"/>
+          </a:p>
+        </p:txBody>
+      </p:sp>
+    </p:spTree>
+  </p:cSld>
+  <p:clrMapOvr>
+    <a:masterClrMapping/>
+  </p:clrMapOvr>
+</p:sld>
+</file>
+
+<file path=ppt/slides/slide16.xml><?xml version="1.0" encoding="utf-8"?>
 <p:sld xmlns:a="http://schemas.openxmlformats.org/drawingml/2006/main" xmlns:r="http://schemas.openxmlformats.org/officeDocument/2006/relationships" xmlns:p="http://schemas.openxmlformats.org/presentationml/2006/main">
   <p:cSld>
     <p:spTree>
@@ -6288,13 +6387,7 @@
               <a:rPr lang="it-IT" sz="4800" b="1" dirty="0" smtClean="0">
                 <a:latin typeface="+mj-lt"/>
               </a:rPr>
-              <a:t>Pro\Contro </a:t>
-            </a:r>
-            <a:r>
-              <a:rPr lang="it-IT" sz="4800" b="1" dirty="0" smtClean="0">
-                <a:latin typeface="+mj-lt"/>
-              </a:rPr>
-              <a:t>SDD</a:t>
+              <a:t>Pro\Contro SDD</a:t>
             </a:r>
           </a:p>
           <a:p>
@@ -6320,7 +6413,7 @@
 </p:sld>
 </file>
 
-<file path=ppt/slides/slide16.xml><?xml version="1.0" encoding="utf-8"?>
+<file path=ppt/slides/slide17.xml><?xml version="1.0" encoding="utf-8"?>
 <p:sld xmlns:a="http://schemas.openxmlformats.org/drawingml/2006/main" xmlns:r="http://schemas.openxmlformats.org/officeDocument/2006/relationships" xmlns:p="http://schemas.openxmlformats.org/presentationml/2006/main">
   <p:cSld>
     <p:spTree>
@@ -6364,13 +6457,7 @@
               <a:rPr lang="it-IT" sz="4800" b="1" dirty="0" smtClean="0">
                 <a:latin typeface="+mj-lt"/>
               </a:rPr>
-              <a:t>Obiettivi di </a:t>
-            </a:r>
-            <a:r>
-              <a:rPr lang="it-IT" sz="4800" b="1" dirty="0" smtClean="0">
-                <a:latin typeface="+mj-lt"/>
-              </a:rPr>
-              <a:t>design</a:t>
+              <a:t>Obiettivi di design</a:t>
             </a:r>
           </a:p>
           <a:p>
@@ -6494,7 +6581,7 @@
           <a:blip r:embed="rId2">
             <a:extLst>
               <a:ext uri="{28A0092B-C50C-407E-A947-70E740481C1C}">
-                <a14:useLocalDpi xmlns:a14="http://schemas.microsoft.com/office/drawing/2010/main" val="0"/>
+                <a14:useLocalDpi xmlns:a14="http://schemas.microsoft.com/office/drawing/2010/main" xmlns="" val="0"/>
               </a:ext>
             </a:extLst>
           </a:blip>
@@ -6514,7 +6601,7 @@
           <a:noFill/>
           <a:extLst>
             <a:ext uri="{909E8E84-426E-40DD-AFC4-6F175D3DCCD1}">
-              <a14:hiddenFill xmlns:a14="http://schemas.microsoft.com/office/drawing/2010/main">
+              <a14:hiddenFill xmlns:a14="http://schemas.microsoft.com/office/drawing/2010/main" xmlns="">
                 <a:solidFill>
                   <a:srgbClr val="FFFFFF"/>
                 </a:solidFill>
@@ -6535,7 +6622,7 @@
           <a:blip r:embed="rId3">
             <a:extLst>
               <a:ext uri="{28A0092B-C50C-407E-A947-70E740481C1C}">
-                <a14:useLocalDpi xmlns:a14="http://schemas.microsoft.com/office/drawing/2010/main" val="0"/>
+                <a14:useLocalDpi xmlns:a14="http://schemas.microsoft.com/office/drawing/2010/main" xmlns="" val="0"/>
               </a:ext>
             </a:extLst>
           </a:blip>
@@ -6555,7 +6642,7 @@
           <a:noFill/>
           <a:extLst>
             <a:ext uri="{909E8E84-426E-40DD-AFC4-6F175D3DCCD1}">
-              <a14:hiddenFill xmlns:a14="http://schemas.microsoft.com/office/drawing/2010/main">
+              <a14:hiddenFill xmlns:a14="http://schemas.microsoft.com/office/drawing/2010/main" xmlns="">
                 <a:solidFill>
                   <a:srgbClr val="FFFFFF"/>
                 </a:solidFill>
@@ -6601,7 +6688,7 @@
     </p:spTree>
     <p:extLst>
       <p:ext uri="{BB962C8B-B14F-4D97-AF65-F5344CB8AC3E}">
-        <p14:creationId xmlns:p14="http://schemas.microsoft.com/office/powerpoint/2010/main" val="1277526579"/>
+        <p14:creationId xmlns:p14="http://schemas.microsoft.com/office/powerpoint/2010/main" xmlns="" val="1277526579"/>
       </p:ext>
     </p:extLst>
   </p:cSld>
@@ -6700,7 +6787,7 @@
 </p:sld>
 </file>
 
-<file path=ppt/slides/slide17.xml><?xml version="1.0" encoding="utf-8"?>
+<file path=ppt/slides/slide18.xml><?xml version="1.0" encoding="utf-8"?>
 <p:sld xmlns:a="http://schemas.openxmlformats.org/drawingml/2006/main" xmlns:r="http://schemas.openxmlformats.org/officeDocument/2006/relationships" xmlns:p="http://schemas.openxmlformats.org/presentationml/2006/main">
   <p:cSld>
     <p:spTree>
@@ -6744,13 +6831,7 @@
               <a:rPr lang="it-IT" sz="4800" b="1" dirty="0" smtClean="0">
                 <a:latin typeface="+mj-lt"/>
               </a:rPr>
-              <a:t>Obiettivi di </a:t>
-            </a:r>
-            <a:r>
-              <a:rPr lang="it-IT" sz="4800" b="1" dirty="0" smtClean="0">
-                <a:latin typeface="+mj-lt"/>
-              </a:rPr>
-              <a:t>design</a:t>
+              <a:t>Obiettivi di design</a:t>
             </a:r>
           </a:p>
           <a:p>
@@ -6795,7 +6876,6 @@
               <a:rPr lang="it-IT" dirty="0" smtClean="0"/>
               <a:t>Garantendo:</a:t>
             </a:r>
-            <a:endParaRPr lang="it-IT" dirty="0" smtClean="0"/>
           </a:p>
         </p:txBody>
       </p:sp>
@@ -6811,7 +6891,7 @@
           <a:blip r:embed="rId2">
             <a:extLst>
               <a:ext uri="{28A0092B-C50C-407E-A947-70E740481C1C}">
-                <a14:useLocalDpi xmlns:a14="http://schemas.microsoft.com/office/drawing/2010/main" val="0"/>
+                <a14:useLocalDpi xmlns:a14="http://schemas.microsoft.com/office/drawing/2010/main" xmlns="" val="0"/>
               </a:ext>
             </a:extLst>
           </a:blip>
@@ -6831,7 +6911,7 @@
           <a:noFill/>
           <a:extLst>
             <a:ext uri="{909E8E84-426E-40DD-AFC4-6F175D3DCCD1}">
-              <a14:hiddenFill xmlns:a14="http://schemas.microsoft.com/office/drawing/2010/main">
+              <a14:hiddenFill xmlns:a14="http://schemas.microsoft.com/office/drawing/2010/main" xmlns="">
                 <a:solidFill>
                   <a:srgbClr val="FFFFFF"/>
                 </a:solidFill>
@@ -6852,7 +6932,7 @@
           <a:blip r:embed="rId3" cstate="print">
             <a:extLst>
               <a:ext uri="{28A0092B-C50C-407E-A947-70E740481C1C}">
-                <a14:useLocalDpi xmlns:a14="http://schemas.microsoft.com/office/drawing/2010/main" val="0"/>
+                <a14:useLocalDpi xmlns:a14="http://schemas.microsoft.com/office/drawing/2010/main" xmlns="" val="0"/>
               </a:ext>
             </a:extLst>
           </a:blip>
@@ -6872,7 +6952,7 @@
           <a:noFill/>
           <a:extLst>
             <a:ext uri="{909E8E84-426E-40DD-AFC4-6F175D3DCCD1}">
-              <a14:hiddenFill xmlns:a14="http://schemas.microsoft.com/office/drawing/2010/main">
+              <a14:hiddenFill xmlns:a14="http://schemas.microsoft.com/office/drawing/2010/main" xmlns="">
                 <a:solidFill>
                   <a:srgbClr val="FFFFFF"/>
                 </a:solidFill>
@@ -6893,7 +6973,7 @@
           <a:blip r:embed="rId4">
             <a:extLst>
               <a:ext uri="{28A0092B-C50C-407E-A947-70E740481C1C}">
-                <a14:useLocalDpi xmlns:a14="http://schemas.microsoft.com/office/drawing/2010/main" val="0"/>
+                <a14:useLocalDpi xmlns:a14="http://schemas.microsoft.com/office/drawing/2010/main" xmlns="" val="0"/>
               </a:ext>
             </a:extLst>
           </a:blip>
@@ -6913,7 +6993,7 @@
           <a:noFill/>
           <a:extLst>
             <a:ext uri="{909E8E84-426E-40DD-AFC4-6F175D3DCCD1}">
-              <a14:hiddenFill xmlns:a14="http://schemas.microsoft.com/office/drawing/2010/main">
+              <a14:hiddenFill xmlns:a14="http://schemas.microsoft.com/office/drawing/2010/main" xmlns="">
                 <a:solidFill>
                   <a:srgbClr val="FFFFFF"/>
                 </a:solidFill>
@@ -7015,7 +7095,7 @@
     </p:spTree>
     <p:extLst>
       <p:ext uri="{BB962C8B-B14F-4D97-AF65-F5344CB8AC3E}">
-        <p14:creationId xmlns:p14="http://schemas.microsoft.com/office/powerpoint/2010/main" val="418107373"/>
+        <p14:creationId xmlns:p14="http://schemas.microsoft.com/office/powerpoint/2010/main" xmlns="" val="418107373"/>
       </p:ext>
     </p:extLst>
   </p:cSld>
@@ -7378,7 +7458,7 @@
 </p:sld>
 </file>
 
-<file path=ppt/slides/slide18.xml><?xml version="1.0" encoding="utf-8"?>
+<file path=ppt/slides/slide19.xml><?xml version="1.0" encoding="utf-8"?>
 <p:sld xmlns:a="http://schemas.openxmlformats.org/drawingml/2006/main" xmlns:r="http://schemas.openxmlformats.org/officeDocument/2006/relationships" xmlns:p="http://schemas.openxmlformats.org/presentationml/2006/main">
   <p:cSld>
     <p:spTree>
@@ -7621,13 +7701,7 @@
               <a:rPr lang="it-IT" sz="4800" b="1" dirty="0" smtClean="0">
                 <a:latin typeface="+mj-lt"/>
               </a:rPr>
-              <a:t>Obiettivi di </a:t>
-            </a:r>
-            <a:r>
-              <a:rPr lang="it-IT" sz="4800" b="1" dirty="0" smtClean="0">
-                <a:latin typeface="+mj-lt"/>
-              </a:rPr>
-              <a:t>design</a:t>
+              <a:t>Obiettivi di design</a:t>
             </a:r>
           </a:p>
           <a:p>
@@ -7660,7 +7734,7 @@
           <a:blip r:embed="rId2">
             <a:extLst>
               <a:ext uri="{28A0092B-C50C-407E-A947-70E740481C1C}">
-                <a14:useLocalDpi xmlns:a14="http://schemas.microsoft.com/office/drawing/2010/main" val="0"/>
+                <a14:useLocalDpi xmlns:a14="http://schemas.microsoft.com/office/drawing/2010/main" xmlns="" val="0"/>
               </a:ext>
             </a:extLst>
           </a:blip>
@@ -7680,7 +7754,7 @@
           <a:noFill/>
           <a:extLst>
             <a:ext uri="{909E8E84-426E-40DD-AFC4-6F175D3DCCD1}">
-              <a14:hiddenFill xmlns:a14="http://schemas.microsoft.com/office/drawing/2010/main">
+              <a14:hiddenFill xmlns:a14="http://schemas.microsoft.com/office/drawing/2010/main" xmlns="">
                 <a:solidFill>
                   <a:srgbClr val="FFFFFF"/>
                 </a:solidFill>
@@ -7701,7 +7775,7 @@
           <a:blip r:embed="rId3">
             <a:extLst>
               <a:ext uri="{28A0092B-C50C-407E-A947-70E740481C1C}">
-                <a14:useLocalDpi xmlns:a14="http://schemas.microsoft.com/office/drawing/2010/main" val="0"/>
+                <a14:useLocalDpi xmlns:a14="http://schemas.microsoft.com/office/drawing/2010/main" xmlns="" val="0"/>
               </a:ext>
             </a:extLst>
           </a:blip>
@@ -7721,7 +7795,7 @@
           <a:noFill/>
           <a:extLst>
             <a:ext uri="{909E8E84-426E-40DD-AFC4-6F175D3DCCD1}">
-              <a14:hiddenFill xmlns:a14="http://schemas.microsoft.com/office/drawing/2010/main">
+              <a14:hiddenFill xmlns:a14="http://schemas.microsoft.com/office/drawing/2010/main" xmlns="">
                 <a:solidFill>
                   <a:srgbClr val="FFFFFF"/>
                 </a:solidFill>
@@ -7969,18 +8043,18 @@
     </p:spTree>
     <p:extLst>
       <p:ext uri="{BB962C8B-B14F-4D97-AF65-F5344CB8AC3E}">
-        <p14:creationId xmlns:p14="http://schemas.microsoft.com/office/powerpoint/2010/main" val="2879521852"/>
+        <p14:creationId xmlns:p14="http://schemas.microsoft.com/office/powerpoint/2010/main" xmlns="" val="2879521852"/>
       </p:ext>
     </p:extLst>
   </p:cSld>
   <p:clrMapOvr>
     <a:masterClrMapping/>
   </p:clrMapOvr>
-  <mc:AlternateContent xmlns:mc="http://schemas.openxmlformats.org/markup-compatibility/2006" xmlns:p14="http://schemas.microsoft.com/office/powerpoint/2010/main">
-    <mc:Choice Requires="p14">
+  <mc:AlternateContent xmlns:mc="http://schemas.openxmlformats.org/markup-compatibility/2006">
+    <mc:Choice xmlns:p14="http://schemas.microsoft.com/office/powerpoint/2010/main" xmlns="" Requires="p14">
       <p:transition spd="slow" p14:dur="2000"/>
     </mc:Choice>
-    <mc:Fallback xmlns="">
+    <mc:Fallback>
       <p:transition spd="slow"/>
     </mc:Fallback>
   </mc:AlternateContent>
@@ -8307,7 +8381,576 @@
 </p:sld>
 </file>
 
-<file path=ppt/slides/slide19.xml><?xml version="1.0" encoding="utf-8"?>
+<file path=ppt/slides/slide2.xml><?xml version="1.0" encoding="utf-8"?>
+<p:sld xmlns:a="http://schemas.openxmlformats.org/drawingml/2006/main" xmlns:r="http://schemas.openxmlformats.org/officeDocument/2006/relationships" xmlns:p="http://schemas.openxmlformats.org/presentationml/2006/main">
+  <p:cSld>
+    <p:spTree>
+      <p:nvGrpSpPr>
+        <p:cNvPr id="1" name=""/>
+        <p:cNvGrpSpPr/>
+        <p:nvPr/>
+      </p:nvGrpSpPr>
+      <p:grpSpPr>
+        <a:xfrm>
+          <a:off x="0" y="0"/>
+          <a:ext cx="0" cy="0"/>
+          <a:chOff x="0" y="0"/>
+          <a:chExt cx="0" cy="0"/>
+        </a:xfrm>
+      </p:grpSpPr>
+      <p:pic>
+        <p:nvPicPr>
+          <p:cNvPr id="1026" name="Picture 2"/>
+          <p:cNvPicPr>
+            <a:picLocks noChangeAspect="1" noChangeArrowheads="1"/>
+          </p:cNvPicPr>
+          <p:nvPr/>
+        </p:nvPicPr>
+        <p:blipFill>
+          <a:blip r:embed="rId2"/>
+          <a:srcRect/>
+          <a:stretch>
+            <a:fillRect/>
+          </a:stretch>
+        </p:blipFill>
+        <p:spPr bwMode="auto">
+          <a:xfrm>
+            <a:off x="642911" y="1096963"/>
+            <a:ext cx="7072362" cy="5761037"/>
+          </a:xfrm>
+          <a:prstGeom prst="rect">
+            <a:avLst/>
+          </a:prstGeom>
+          <a:noFill/>
+          <a:ln w="9525">
+            <a:noFill/>
+            <a:miter lim="800000"/>
+            <a:headEnd/>
+            <a:tailEnd/>
+          </a:ln>
+          <a:effectLst/>
+        </p:spPr>
+      </p:pic>
+      <p:sp>
+        <p:nvSpPr>
+          <p:cNvPr id="2" name="CasellaDiTesto 1"/>
+          <p:cNvSpPr txBox="1"/>
+          <p:nvPr/>
+        </p:nvSpPr>
+        <p:spPr>
+          <a:xfrm>
+            <a:off x="1071538" y="500042"/>
+            <a:ext cx="7072362" cy="1107996"/>
+          </a:xfrm>
+          <a:prstGeom prst="rect">
+            <a:avLst/>
+          </a:prstGeom>
+          <a:noFill/>
+        </p:spPr>
+        <p:txBody>
+          <a:bodyPr wrap="square" rtlCol="0">
+            <a:spAutoFit/>
+          </a:bodyPr>
+          <a:lstStyle/>
+          <a:p>
+            <a:pPr algn="ctr"/>
+            <a:r>
+              <a:rPr lang="it-IT" sz="4800" b="1" dirty="0" smtClean="0">
+                <a:latin typeface="+mj-lt"/>
+              </a:rPr>
+              <a:t>Gli attori del sistema</a:t>
+            </a:r>
+          </a:p>
+          <a:p>
+            <a:pPr algn="ctr"/>
+            <a:endParaRPr lang="it-IT" dirty="0">
+              <a:latin typeface="+mj-lt"/>
+            </a:endParaRPr>
+          </a:p>
+        </p:txBody>
+      </p:sp>
+      <p:sp>
+        <p:nvSpPr>
+          <p:cNvPr id="5" name="Oval 4"/>
+          <p:cNvSpPr/>
+          <p:nvPr/>
+        </p:nvSpPr>
+        <p:spPr>
+          <a:xfrm>
+            <a:off x="1035819" y="1500174"/>
+            <a:ext cx="1571636" cy="642942"/>
+          </a:xfrm>
+          <a:prstGeom prst="ellipse">
+            <a:avLst/>
+          </a:prstGeom>
+          <a:noFill/>
+          <a:ln>
+            <a:solidFill>
+              <a:srgbClr val="FF0000"/>
+            </a:solidFill>
+          </a:ln>
+        </p:spPr>
+        <p:style>
+          <a:lnRef idx="2">
+            <a:schemeClr val="accent1">
+              <a:shade val="50000"/>
+            </a:schemeClr>
+          </a:lnRef>
+          <a:fillRef idx="1">
+            <a:schemeClr val="accent1"/>
+          </a:fillRef>
+          <a:effectRef idx="0">
+            <a:schemeClr val="accent1"/>
+          </a:effectRef>
+          <a:fontRef idx="minor">
+            <a:schemeClr val="lt1"/>
+          </a:fontRef>
+        </p:style>
+        <p:txBody>
+          <a:bodyPr rtlCol="0" anchor="ctr"/>
+          <a:lstStyle/>
+          <a:p>
+            <a:pPr algn="ctr"/>
+            <a:endParaRPr lang="it-IT"/>
+          </a:p>
+        </p:txBody>
+      </p:sp>
+      <p:sp>
+        <p:nvSpPr>
+          <p:cNvPr id="6" name="Oval 5"/>
+          <p:cNvSpPr/>
+          <p:nvPr/>
+        </p:nvSpPr>
+        <p:spPr>
+          <a:xfrm>
+            <a:off x="1714480" y="4143380"/>
+            <a:ext cx="2071702" cy="642942"/>
+          </a:xfrm>
+          <a:prstGeom prst="ellipse">
+            <a:avLst/>
+          </a:prstGeom>
+          <a:noFill/>
+          <a:ln>
+            <a:solidFill>
+              <a:srgbClr val="FF0000"/>
+            </a:solidFill>
+          </a:ln>
+        </p:spPr>
+        <p:style>
+          <a:lnRef idx="2">
+            <a:schemeClr val="accent1">
+              <a:shade val="50000"/>
+            </a:schemeClr>
+          </a:lnRef>
+          <a:fillRef idx="1">
+            <a:schemeClr val="accent1"/>
+          </a:fillRef>
+          <a:effectRef idx="0">
+            <a:schemeClr val="accent1"/>
+          </a:effectRef>
+          <a:fontRef idx="minor">
+            <a:schemeClr val="lt1"/>
+          </a:fontRef>
+        </p:style>
+        <p:txBody>
+          <a:bodyPr rtlCol="0" anchor="ctr"/>
+          <a:lstStyle/>
+          <a:p>
+            <a:pPr algn="ctr"/>
+            <a:endParaRPr lang="it-IT"/>
+          </a:p>
+        </p:txBody>
+      </p:sp>
+      <p:sp>
+        <p:nvSpPr>
+          <p:cNvPr id="7" name="Oval 6"/>
+          <p:cNvSpPr/>
+          <p:nvPr/>
+        </p:nvSpPr>
+        <p:spPr>
+          <a:xfrm>
+            <a:off x="2786050" y="3571876"/>
+            <a:ext cx="1571636" cy="642942"/>
+          </a:xfrm>
+          <a:prstGeom prst="ellipse">
+            <a:avLst/>
+          </a:prstGeom>
+          <a:noFill/>
+          <a:ln>
+            <a:solidFill>
+              <a:srgbClr val="FF0000"/>
+            </a:solidFill>
+          </a:ln>
+        </p:spPr>
+        <p:style>
+          <a:lnRef idx="2">
+            <a:schemeClr val="accent1">
+              <a:shade val="50000"/>
+            </a:schemeClr>
+          </a:lnRef>
+          <a:fillRef idx="1">
+            <a:schemeClr val="accent1"/>
+          </a:fillRef>
+          <a:effectRef idx="0">
+            <a:schemeClr val="accent1"/>
+          </a:effectRef>
+          <a:fontRef idx="minor">
+            <a:schemeClr val="lt1"/>
+          </a:fontRef>
+        </p:style>
+        <p:txBody>
+          <a:bodyPr rtlCol="0" anchor="ctr"/>
+          <a:lstStyle/>
+          <a:p>
+            <a:pPr algn="ctr"/>
+            <a:endParaRPr lang="it-IT"/>
+          </a:p>
+        </p:txBody>
+      </p:sp>
+      <p:sp>
+        <p:nvSpPr>
+          <p:cNvPr id="8" name="Oval 7"/>
+          <p:cNvSpPr/>
+          <p:nvPr/>
+        </p:nvSpPr>
+        <p:spPr>
+          <a:xfrm>
+            <a:off x="1714480" y="6215058"/>
+            <a:ext cx="1785950" cy="642942"/>
+          </a:xfrm>
+          <a:prstGeom prst="ellipse">
+            <a:avLst/>
+          </a:prstGeom>
+          <a:noFill/>
+          <a:ln>
+            <a:solidFill>
+              <a:srgbClr val="FF0000"/>
+            </a:solidFill>
+          </a:ln>
+        </p:spPr>
+        <p:style>
+          <a:lnRef idx="2">
+            <a:schemeClr val="accent1">
+              <a:shade val="50000"/>
+            </a:schemeClr>
+          </a:lnRef>
+          <a:fillRef idx="1">
+            <a:schemeClr val="accent1"/>
+          </a:fillRef>
+          <a:effectRef idx="0">
+            <a:schemeClr val="accent1"/>
+          </a:effectRef>
+          <a:fontRef idx="minor">
+            <a:schemeClr val="lt1"/>
+          </a:fontRef>
+        </p:style>
+        <p:txBody>
+          <a:bodyPr rtlCol="0" anchor="ctr"/>
+          <a:lstStyle/>
+          <a:p>
+            <a:pPr algn="ctr"/>
+            <a:endParaRPr lang="it-IT"/>
+          </a:p>
+        </p:txBody>
+      </p:sp>
+      <p:sp>
+        <p:nvSpPr>
+          <p:cNvPr id="9" name="Oval 8"/>
+          <p:cNvSpPr/>
+          <p:nvPr/>
+        </p:nvSpPr>
+        <p:spPr>
+          <a:xfrm>
+            <a:off x="1714480" y="5643578"/>
+            <a:ext cx="1785950" cy="571504"/>
+          </a:xfrm>
+          <a:prstGeom prst="ellipse">
+            <a:avLst/>
+          </a:prstGeom>
+          <a:noFill/>
+          <a:ln>
+            <a:solidFill>
+              <a:srgbClr val="FF0000"/>
+            </a:solidFill>
+          </a:ln>
+        </p:spPr>
+        <p:style>
+          <a:lnRef idx="2">
+            <a:schemeClr val="accent1">
+              <a:shade val="50000"/>
+            </a:schemeClr>
+          </a:lnRef>
+          <a:fillRef idx="1">
+            <a:schemeClr val="accent1"/>
+          </a:fillRef>
+          <a:effectRef idx="0">
+            <a:schemeClr val="accent1"/>
+          </a:effectRef>
+          <a:fontRef idx="minor">
+            <a:schemeClr val="lt1"/>
+          </a:fontRef>
+        </p:style>
+        <p:txBody>
+          <a:bodyPr rtlCol="0" anchor="ctr"/>
+          <a:lstStyle/>
+          <a:p>
+            <a:pPr algn="ctr"/>
+            <a:endParaRPr lang="it-IT"/>
+          </a:p>
+        </p:txBody>
+      </p:sp>
+    </p:spTree>
+    <p:extLst>
+      <p:ext uri="{BB962C8B-B14F-4D97-AF65-F5344CB8AC3E}">
+        <p14:creationId xmlns:p14="http://schemas.microsoft.com/office/powerpoint/2010/main" xmlns="" val="155874689"/>
+      </p:ext>
+    </p:extLst>
+  </p:cSld>
+  <p:clrMapOvr>
+    <a:masterClrMapping/>
+  </p:clrMapOvr>
+  <mc:AlternateContent xmlns:mc="http://schemas.openxmlformats.org/markup-compatibility/2006">
+    <mc:Choice xmlns:p14="http://schemas.microsoft.com/office/powerpoint/2010/main" xmlns="" Requires="p14">
+      <p:transition spd="slow" p14:dur="2000"/>
+    </mc:Choice>
+    <mc:Fallback>
+      <p:transition spd="slow"/>
+    </mc:Fallback>
+  </mc:AlternateContent>
+  <p:timing>
+    <p:tnLst>
+      <p:par>
+        <p:cTn id="1" dur="indefinite" restart="never" nodeType="tmRoot">
+          <p:childTnLst>
+            <p:seq concurrent="1" nextAc="seek">
+              <p:cTn id="2" dur="indefinite" nodeType="mainSeq">
+                <p:childTnLst>
+                  <p:par>
+                    <p:cTn id="3" fill="hold">
+                      <p:stCondLst>
+                        <p:cond delay="indefinite"/>
+                      </p:stCondLst>
+                      <p:childTnLst>
+                        <p:par>
+                          <p:cTn id="4" fill="hold">
+                            <p:stCondLst>
+                              <p:cond delay="0"/>
+                            </p:stCondLst>
+                            <p:childTnLst>
+                              <p:par>
+                                <p:cTn id="5" presetID="10" presetClass="entr" presetSubtype="0" fill="hold" grpId="0" nodeType="clickEffect">
+                                  <p:stCondLst>
+                                    <p:cond delay="0"/>
+                                  </p:stCondLst>
+                                  <p:childTnLst>
+                                    <p:set>
+                                      <p:cBhvr>
+                                        <p:cTn id="6" dur="1" fill="hold">
+                                          <p:stCondLst>
+                                            <p:cond delay="0"/>
+                                          </p:stCondLst>
+                                        </p:cTn>
+                                        <p:tgtEl>
+                                          <p:spTgt spid="5"/>
+                                        </p:tgtEl>
+                                        <p:attrNameLst>
+                                          <p:attrName>style.visibility</p:attrName>
+                                        </p:attrNameLst>
+                                      </p:cBhvr>
+                                      <p:to>
+                                        <p:strVal val="visible"/>
+                                      </p:to>
+                                    </p:set>
+                                    <p:animEffect transition="in" filter="fade">
+                                      <p:cBhvr>
+                                        <p:cTn id="7" dur="500"/>
+                                        <p:tgtEl>
+                                          <p:spTgt spid="5"/>
+                                        </p:tgtEl>
+                                      </p:cBhvr>
+                                    </p:animEffect>
+                                  </p:childTnLst>
+                                </p:cTn>
+                              </p:par>
+                              <p:par>
+                                <p:cTn id="8" presetID="10" presetClass="entr" presetSubtype="0" fill="hold" grpId="0" nodeType="withEffect">
+                                  <p:stCondLst>
+                                    <p:cond delay="0"/>
+                                  </p:stCondLst>
+                                  <p:childTnLst>
+                                    <p:set>
+                                      <p:cBhvr>
+                                        <p:cTn id="9" dur="1" fill="hold">
+                                          <p:stCondLst>
+                                            <p:cond delay="0"/>
+                                          </p:stCondLst>
+                                        </p:cTn>
+                                        <p:tgtEl>
+                                          <p:spTgt spid="7"/>
+                                        </p:tgtEl>
+                                        <p:attrNameLst>
+                                          <p:attrName>style.visibility</p:attrName>
+                                        </p:attrNameLst>
+                                      </p:cBhvr>
+                                      <p:to>
+                                        <p:strVal val="visible"/>
+                                      </p:to>
+                                    </p:set>
+                                    <p:animEffect transition="in" filter="fade">
+                                      <p:cBhvr>
+                                        <p:cTn id="10" dur="500"/>
+                                        <p:tgtEl>
+                                          <p:spTgt spid="7"/>
+                                        </p:tgtEl>
+                                      </p:cBhvr>
+                                    </p:animEffect>
+                                  </p:childTnLst>
+                                </p:cTn>
+                              </p:par>
+                              <p:par>
+                                <p:cTn id="11" presetID="10" presetClass="entr" presetSubtype="0" fill="hold" grpId="0" nodeType="withEffect">
+                                  <p:stCondLst>
+                                    <p:cond delay="0"/>
+                                  </p:stCondLst>
+                                  <p:childTnLst>
+                                    <p:set>
+                                      <p:cBhvr>
+                                        <p:cTn id="12" dur="1" fill="hold">
+                                          <p:stCondLst>
+                                            <p:cond delay="0"/>
+                                          </p:stCondLst>
+                                        </p:cTn>
+                                        <p:tgtEl>
+                                          <p:spTgt spid="6"/>
+                                        </p:tgtEl>
+                                        <p:attrNameLst>
+                                          <p:attrName>style.visibility</p:attrName>
+                                        </p:attrNameLst>
+                                      </p:cBhvr>
+                                      <p:to>
+                                        <p:strVal val="visible"/>
+                                      </p:to>
+                                    </p:set>
+                                    <p:animEffect transition="in" filter="fade">
+                                      <p:cBhvr>
+                                        <p:cTn id="13" dur="500"/>
+                                        <p:tgtEl>
+                                          <p:spTgt spid="6"/>
+                                        </p:tgtEl>
+                                      </p:cBhvr>
+                                    </p:animEffect>
+                                  </p:childTnLst>
+                                </p:cTn>
+                              </p:par>
+                              <p:par>
+                                <p:cTn id="14" presetID="10" presetClass="entr" presetSubtype="0" fill="hold" grpId="0" nodeType="withEffect">
+                                  <p:stCondLst>
+                                    <p:cond delay="0"/>
+                                  </p:stCondLst>
+                                  <p:childTnLst>
+                                    <p:set>
+                                      <p:cBhvr>
+                                        <p:cTn id="15" dur="1" fill="hold">
+                                          <p:stCondLst>
+                                            <p:cond delay="0"/>
+                                          </p:stCondLst>
+                                        </p:cTn>
+                                        <p:tgtEl>
+                                          <p:spTgt spid="9"/>
+                                        </p:tgtEl>
+                                        <p:attrNameLst>
+                                          <p:attrName>style.visibility</p:attrName>
+                                        </p:attrNameLst>
+                                      </p:cBhvr>
+                                      <p:to>
+                                        <p:strVal val="visible"/>
+                                      </p:to>
+                                    </p:set>
+                                    <p:animEffect transition="in" filter="fade">
+                                      <p:cBhvr>
+                                        <p:cTn id="16" dur="500"/>
+                                        <p:tgtEl>
+                                          <p:spTgt spid="9"/>
+                                        </p:tgtEl>
+                                      </p:cBhvr>
+                                    </p:animEffect>
+                                  </p:childTnLst>
+                                </p:cTn>
+                              </p:par>
+                              <p:par>
+                                <p:cTn id="17" presetID="10" presetClass="entr" presetSubtype="0" fill="hold" grpId="0" nodeType="withEffect">
+                                  <p:stCondLst>
+                                    <p:cond delay="0"/>
+                                  </p:stCondLst>
+                                  <p:childTnLst>
+                                    <p:set>
+                                      <p:cBhvr>
+                                        <p:cTn id="18" dur="1" fill="hold">
+                                          <p:stCondLst>
+                                            <p:cond delay="0"/>
+                                          </p:stCondLst>
+                                        </p:cTn>
+                                        <p:tgtEl>
+                                          <p:spTgt spid="8"/>
+                                        </p:tgtEl>
+                                        <p:attrNameLst>
+                                          <p:attrName>style.visibility</p:attrName>
+                                        </p:attrNameLst>
+                                      </p:cBhvr>
+                                      <p:to>
+                                        <p:strVal val="visible"/>
+                                      </p:to>
+                                    </p:set>
+                                    <p:animEffect transition="in" filter="fade">
+                                      <p:cBhvr>
+                                        <p:cTn id="19" dur="500"/>
+                                        <p:tgtEl>
+                                          <p:spTgt spid="8"/>
+                                        </p:tgtEl>
+                                      </p:cBhvr>
+                                    </p:animEffect>
+                                  </p:childTnLst>
+                                </p:cTn>
+                              </p:par>
+                            </p:childTnLst>
+                          </p:cTn>
+                        </p:par>
+                      </p:childTnLst>
+                    </p:cTn>
+                  </p:par>
+                </p:childTnLst>
+              </p:cTn>
+              <p:prevCondLst>
+                <p:cond evt="onPrev" delay="0">
+                  <p:tgtEl>
+                    <p:sldTgt/>
+                  </p:tgtEl>
+                </p:cond>
+              </p:prevCondLst>
+              <p:nextCondLst>
+                <p:cond evt="onNext" delay="0">
+                  <p:tgtEl>
+                    <p:sldTgt/>
+                  </p:tgtEl>
+                </p:cond>
+              </p:nextCondLst>
+            </p:seq>
+          </p:childTnLst>
+        </p:cTn>
+      </p:par>
+    </p:tnLst>
+    <p:bldLst>
+      <p:bldP spid="5" grpId="0" animBg="1"/>
+      <p:bldP spid="6" grpId="0" animBg="1"/>
+      <p:bldP spid="7" grpId="0" animBg="1"/>
+      <p:bldP spid="8" grpId="0" animBg="1"/>
+      <p:bldP spid="9" grpId="0" animBg="1"/>
+    </p:bldLst>
+  </p:timing>
+</p:sld>
+</file>
+
+<file path=ppt/slides/slide20.xml><?xml version="1.0" encoding="utf-8"?>
 <p:sld xmlns:a="http://schemas.openxmlformats.org/drawingml/2006/main" xmlns:r="http://schemas.openxmlformats.org/officeDocument/2006/relationships" xmlns:p="http://schemas.openxmlformats.org/presentationml/2006/main">
   <p:cSld>
     <p:spTree>
@@ -8336,7 +8979,7 @@
           <a:blip r:embed="rId2">
             <a:extLst>
               <a:ext uri="{28A0092B-C50C-407E-A947-70E740481C1C}">
-                <a14:useLocalDpi xmlns:a14="http://schemas.microsoft.com/office/drawing/2010/main" val="0"/>
+                <a14:useLocalDpi xmlns:a14="http://schemas.microsoft.com/office/drawing/2010/main" xmlns="" val="0"/>
               </a:ext>
             </a:extLst>
           </a:blip>
@@ -8356,7 +8999,7 @@
           <a:noFill/>
           <a:extLst>
             <a:ext uri="{909E8E84-426E-40DD-AFC4-6F175D3DCCD1}">
-              <a14:hiddenFill xmlns:a14="http://schemas.microsoft.com/office/drawing/2010/main">
+              <a14:hiddenFill xmlns:a14="http://schemas.microsoft.com/office/drawing/2010/main" xmlns="">
                 <a:solidFill>
                   <a:srgbClr val="FFFFFF"/>
                 </a:solidFill>
@@ -8377,7 +9020,7 @@
           <a:blip r:embed="rId3">
             <a:extLst>
               <a:ext uri="{28A0092B-C50C-407E-A947-70E740481C1C}">
-                <a14:useLocalDpi xmlns:a14="http://schemas.microsoft.com/office/drawing/2010/main" val="0"/>
+                <a14:useLocalDpi xmlns:a14="http://schemas.microsoft.com/office/drawing/2010/main" xmlns="" val="0"/>
               </a:ext>
             </a:extLst>
           </a:blip>
@@ -8397,7 +9040,7 @@
           <a:noFill/>
           <a:extLst>
             <a:ext uri="{909E8E84-426E-40DD-AFC4-6F175D3DCCD1}">
-              <a14:hiddenFill xmlns:a14="http://schemas.microsoft.com/office/drawing/2010/main">
+              <a14:hiddenFill xmlns:a14="http://schemas.microsoft.com/office/drawing/2010/main" xmlns="">
                 <a:solidFill>
                   <a:srgbClr val="FFFFFF"/>
                 </a:solidFill>
@@ -8632,13 +9275,7 @@
               <a:rPr lang="it-IT" sz="4800" b="1" dirty="0" smtClean="0">
                 <a:latin typeface="+mj-lt"/>
               </a:rPr>
-              <a:t>Obiettivi di </a:t>
-            </a:r>
-            <a:r>
-              <a:rPr lang="it-IT" sz="4800" b="1" dirty="0" smtClean="0">
-                <a:latin typeface="+mj-lt"/>
-              </a:rPr>
-              <a:t>design</a:t>
+              <a:t>Obiettivi di design</a:t>
             </a:r>
           </a:p>
           <a:p>
@@ -8898,18 +9535,18 @@
     </p:spTree>
     <p:extLst>
       <p:ext uri="{BB962C8B-B14F-4D97-AF65-F5344CB8AC3E}">
-        <p14:creationId xmlns:p14="http://schemas.microsoft.com/office/powerpoint/2010/main" val="202613363"/>
+        <p14:creationId xmlns:p14="http://schemas.microsoft.com/office/powerpoint/2010/main" xmlns="" val="202613363"/>
       </p:ext>
     </p:extLst>
   </p:cSld>
   <p:clrMapOvr>
     <a:masterClrMapping/>
   </p:clrMapOvr>
-  <mc:AlternateContent xmlns:mc="http://schemas.openxmlformats.org/markup-compatibility/2006" xmlns:p14="http://schemas.microsoft.com/office/powerpoint/2010/main">
-    <mc:Choice Requires="p14">
+  <mc:AlternateContent xmlns:mc="http://schemas.openxmlformats.org/markup-compatibility/2006">
+    <mc:Choice xmlns:p14="http://schemas.microsoft.com/office/powerpoint/2010/main" xmlns="" Requires="p14">
       <p:transition spd="slow" p14:dur="2000"/>
     </mc:Choice>
-    <mc:Fallback xmlns="">
+    <mc:Fallback>
       <p:transition spd="slow"/>
     </mc:Fallback>
   </mc:AlternateContent>
@@ -9217,576 +9854,7 @@
 </p:sld>
 </file>
 
-<file path=ppt/slides/slide2.xml><?xml version="1.0" encoding="utf-8"?>
-<p:sld xmlns:a="http://schemas.openxmlformats.org/drawingml/2006/main" xmlns:r="http://schemas.openxmlformats.org/officeDocument/2006/relationships" xmlns:p="http://schemas.openxmlformats.org/presentationml/2006/main">
-  <p:cSld>
-    <p:spTree>
-      <p:nvGrpSpPr>
-        <p:cNvPr id="1" name=""/>
-        <p:cNvGrpSpPr/>
-        <p:nvPr/>
-      </p:nvGrpSpPr>
-      <p:grpSpPr>
-        <a:xfrm>
-          <a:off x="0" y="0"/>
-          <a:ext cx="0" cy="0"/>
-          <a:chOff x="0" y="0"/>
-          <a:chExt cx="0" cy="0"/>
-        </a:xfrm>
-      </p:grpSpPr>
-      <p:pic>
-        <p:nvPicPr>
-          <p:cNvPr id="1026" name="Picture 2"/>
-          <p:cNvPicPr>
-            <a:picLocks noChangeAspect="1" noChangeArrowheads="1"/>
-          </p:cNvPicPr>
-          <p:nvPr/>
-        </p:nvPicPr>
-        <p:blipFill>
-          <a:blip r:embed="rId2"/>
-          <a:srcRect/>
-          <a:stretch>
-            <a:fillRect/>
-          </a:stretch>
-        </p:blipFill>
-        <p:spPr bwMode="auto">
-          <a:xfrm>
-            <a:off x="642911" y="1096963"/>
-            <a:ext cx="7072362" cy="5761037"/>
-          </a:xfrm>
-          <a:prstGeom prst="rect">
-            <a:avLst/>
-          </a:prstGeom>
-          <a:noFill/>
-          <a:ln w="9525">
-            <a:noFill/>
-            <a:miter lim="800000"/>
-            <a:headEnd/>
-            <a:tailEnd/>
-          </a:ln>
-          <a:effectLst/>
-        </p:spPr>
-      </p:pic>
-      <p:sp>
-        <p:nvSpPr>
-          <p:cNvPr id="2" name="CasellaDiTesto 1"/>
-          <p:cNvSpPr txBox="1"/>
-          <p:nvPr/>
-        </p:nvSpPr>
-        <p:spPr>
-          <a:xfrm>
-            <a:off x="1071538" y="500042"/>
-            <a:ext cx="7072362" cy="1107996"/>
-          </a:xfrm>
-          <a:prstGeom prst="rect">
-            <a:avLst/>
-          </a:prstGeom>
-          <a:noFill/>
-        </p:spPr>
-        <p:txBody>
-          <a:bodyPr wrap="square" rtlCol="0">
-            <a:spAutoFit/>
-          </a:bodyPr>
-          <a:lstStyle/>
-          <a:p>
-            <a:pPr algn="ctr"/>
-            <a:r>
-              <a:rPr lang="it-IT" sz="4800" b="1" dirty="0" smtClean="0">
-                <a:latin typeface="+mj-lt"/>
-              </a:rPr>
-              <a:t>Gli attori del sistema</a:t>
-            </a:r>
-          </a:p>
-          <a:p>
-            <a:pPr algn="ctr"/>
-            <a:endParaRPr lang="it-IT" dirty="0">
-              <a:latin typeface="+mj-lt"/>
-            </a:endParaRPr>
-          </a:p>
-        </p:txBody>
-      </p:sp>
-      <p:sp>
-        <p:nvSpPr>
-          <p:cNvPr id="5" name="Oval 4"/>
-          <p:cNvSpPr/>
-          <p:nvPr/>
-        </p:nvSpPr>
-        <p:spPr>
-          <a:xfrm>
-            <a:off x="1035819" y="1500174"/>
-            <a:ext cx="1571636" cy="642942"/>
-          </a:xfrm>
-          <a:prstGeom prst="ellipse">
-            <a:avLst/>
-          </a:prstGeom>
-          <a:noFill/>
-          <a:ln>
-            <a:solidFill>
-              <a:srgbClr val="FF0000"/>
-            </a:solidFill>
-          </a:ln>
-        </p:spPr>
-        <p:style>
-          <a:lnRef idx="2">
-            <a:schemeClr val="accent1">
-              <a:shade val="50000"/>
-            </a:schemeClr>
-          </a:lnRef>
-          <a:fillRef idx="1">
-            <a:schemeClr val="accent1"/>
-          </a:fillRef>
-          <a:effectRef idx="0">
-            <a:schemeClr val="accent1"/>
-          </a:effectRef>
-          <a:fontRef idx="minor">
-            <a:schemeClr val="lt1"/>
-          </a:fontRef>
-        </p:style>
-        <p:txBody>
-          <a:bodyPr rtlCol="0" anchor="ctr"/>
-          <a:lstStyle/>
-          <a:p>
-            <a:pPr algn="ctr"/>
-            <a:endParaRPr lang="it-IT"/>
-          </a:p>
-        </p:txBody>
-      </p:sp>
-      <p:sp>
-        <p:nvSpPr>
-          <p:cNvPr id="6" name="Oval 5"/>
-          <p:cNvSpPr/>
-          <p:nvPr/>
-        </p:nvSpPr>
-        <p:spPr>
-          <a:xfrm>
-            <a:off x="1714480" y="4143380"/>
-            <a:ext cx="2071702" cy="642942"/>
-          </a:xfrm>
-          <a:prstGeom prst="ellipse">
-            <a:avLst/>
-          </a:prstGeom>
-          <a:noFill/>
-          <a:ln>
-            <a:solidFill>
-              <a:srgbClr val="FF0000"/>
-            </a:solidFill>
-          </a:ln>
-        </p:spPr>
-        <p:style>
-          <a:lnRef idx="2">
-            <a:schemeClr val="accent1">
-              <a:shade val="50000"/>
-            </a:schemeClr>
-          </a:lnRef>
-          <a:fillRef idx="1">
-            <a:schemeClr val="accent1"/>
-          </a:fillRef>
-          <a:effectRef idx="0">
-            <a:schemeClr val="accent1"/>
-          </a:effectRef>
-          <a:fontRef idx="minor">
-            <a:schemeClr val="lt1"/>
-          </a:fontRef>
-        </p:style>
-        <p:txBody>
-          <a:bodyPr rtlCol="0" anchor="ctr"/>
-          <a:lstStyle/>
-          <a:p>
-            <a:pPr algn="ctr"/>
-            <a:endParaRPr lang="it-IT"/>
-          </a:p>
-        </p:txBody>
-      </p:sp>
-      <p:sp>
-        <p:nvSpPr>
-          <p:cNvPr id="7" name="Oval 6"/>
-          <p:cNvSpPr/>
-          <p:nvPr/>
-        </p:nvSpPr>
-        <p:spPr>
-          <a:xfrm>
-            <a:off x="2786050" y="3571876"/>
-            <a:ext cx="1571636" cy="642942"/>
-          </a:xfrm>
-          <a:prstGeom prst="ellipse">
-            <a:avLst/>
-          </a:prstGeom>
-          <a:noFill/>
-          <a:ln>
-            <a:solidFill>
-              <a:srgbClr val="FF0000"/>
-            </a:solidFill>
-          </a:ln>
-        </p:spPr>
-        <p:style>
-          <a:lnRef idx="2">
-            <a:schemeClr val="accent1">
-              <a:shade val="50000"/>
-            </a:schemeClr>
-          </a:lnRef>
-          <a:fillRef idx="1">
-            <a:schemeClr val="accent1"/>
-          </a:fillRef>
-          <a:effectRef idx="0">
-            <a:schemeClr val="accent1"/>
-          </a:effectRef>
-          <a:fontRef idx="minor">
-            <a:schemeClr val="lt1"/>
-          </a:fontRef>
-        </p:style>
-        <p:txBody>
-          <a:bodyPr rtlCol="0" anchor="ctr"/>
-          <a:lstStyle/>
-          <a:p>
-            <a:pPr algn="ctr"/>
-            <a:endParaRPr lang="it-IT"/>
-          </a:p>
-        </p:txBody>
-      </p:sp>
-      <p:sp>
-        <p:nvSpPr>
-          <p:cNvPr id="8" name="Oval 7"/>
-          <p:cNvSpPr/>
-          <p:nvPr/>
-        </p:nvSpPr>
-        <p:spPr>
-          <a:xfrm>
-            <a:off x="1714480" y="6215058"/>
-            <a:ext cx="1785950" cy="642942"/>
-          </a:xfrm>
-          <a:prstGeom prst="ellipse">
-            <a:avLst/>
-          </a:prstGeom>
-          <a:noFill/>
-          <a:ln>
-            <a:solidFill>
-              <a:srgbClr val="FF0000"/>
-            </a:solidFill>
-          </a:ln>
-        </p:spPr>
-        <p:style>
-          <a:lnRef idx="2">
-            <a:schemeClr val="accent1">
-              <a:shade val="50000"/>
-            </a:schemeClr>
-          </a:lnRef>
-          <a:fillRef idx="1">
-            <a:schemeClr val="accent1"/>
-          </a:fillRef>
-          <a:effectRef idx="0">
-            <a:schemeClr val="accent1"/>
-          </a:effectRef>
-          <a:fontRef idx="minor">
-            <a:schemeClr val="lt1"/>
-          </a:fontRef>
-        </p:style>
-        <p:txBody>
-          <a:bodyPr rtlCol="0" anchor="ctr"/>
-          <a:lstStyle/>
-          <a:p>
-            <a:pPr algn="ctr"/>
-            <a:endParaRPr lang="it-IT"/>
-          </a:p>
-        </p:txBody>
-      </p:sp>
-      <p:sp>
-        <p:nvSpPr>
-          <p:cNvPr id="9" name="Oval 8"/>
-          <p:cNvSpPr/>
-          <p:nvPr/>
-        </p:nvSpPr>
-        <p:spPr>
-          <a:xfrm>
-            <a:off x="1714480" y="5643578"/>
-            <a:ext cx="1785950" cy="571504"/>
-          </a:xfrm>
-          <a:prstGeom prst="ellipse">
-            <a:avLst/>
-          </a:prstGeom>
-          <a:noFill/>
-          <a:ln>
-            <a:solidFill>
-              <a:srgbClr val="FF0000"/>
-            </a:solidFill>
-          </a:ln>
-        </p:spPr>
-        <p:style>
-          <a:lnRef idx="2">
-            <a:schemeClr val="accent1">
-              <a:shade val="50000"/>
-            </a:schemeClr>
-          </a:lnRef>
-          <a:fillRef idx="1">
-            <a:schemeClr val="accent1"/>
-          </a:fillRef>
-          <a:effectRef idx="0">
-            <a:schemeClr val="accent1"/>
-          </a:effectRef>
-          <a:fontRef idx="minor">
-            <a:schemeClr val="lt1"/>
-          </a:fontRef>
-        </p:style>
-        <p:txBody>
-          <a:bodyPr rtlCol="0" anchor="ctr"/>
-          <a:lstStyle/>
-          <a:p>
-            <a:pPr algn="ctr"/>
-            <a:endParaRPr lang="it-IT"/>
-          </a:p>
-        </p:txBody>
-      </p:sp>
-    </p:spTree>
-    <p:extLst>
-      <p:ext uri="{BB962C8B-B14F-4D97-AF65-F5344CB8AC3E}">
-        <p14:creationId xmlns:p14="http://schemas.microsoft.com/office/powerpoint/2010/main" val="155874689"/>
-      </p:ext>
-    </p:extLst>
-  </p:cSld>
-  <p:clrMapOvr>
-    <a:masterClrMapping/>
-  </p:clrMapOvr>
-  <mc:AlternateContent xmlns:mc="http://schemas.openxmlformats.org/markup-compatibility/2006" xmlns:p14="http://schemas.microsoft.com/office/powerpoint/2010/main">
-    <mc:Choice Requires="p14">
-      <p:transition spd="slow" p14:dur="2000"/>
-    </mc:Choice>
-    <mc:Fallback xmlns="">
-      <p:transition spd="slow"/>
-    </mc:Fallback>
-  </mc:AlternateContent>
-  <p:timing>
-    <p:tnLst>
-      <p:par>
-        <p:cTn id="1" dur="indefinite" restart="never" nodeType="tmRoot">
-          <p:childTnLst>
-            <p:seq concurrent="1" nextAc="seek">
-              <p:cTn id="2" dur="indefinite" nodeType="mainSeq">
-                <p:childTnLst>
-                  <p:par>
-                    <p:cTn id="3" fill="hold">
-                      <p:stCondLst>
-                        <p:cond delay="indefinite"/>
-                      </p:stCondLst>
-                      <p:childTnLst>
-                        <p:par>
-                          <p:cTn id="4" fill="hold">
-                            <p:stCondLst>
-                              <p:cond delay="0"/>
-                            </p:stCondLst>
-                            <p:childTnLst>
-                              <p:par>
-                                <p:cTn id="5" presetID="10" presetClass="entr" presetSubtype="0" fill="hold" grpId="0" nodeType="clickEffect">
-                                  <p:stCondLst>
-                                    <p:cond delay="0"/>
-                                  </p:stCondLst>
-                                  <p:childTnLst>
-                                    <p:set>
-                                      <p:cBhvr>
-                                        <p:cTn id="6" dur="1" fill="hold">
-                                          <p:stCondLst>
-                                            <p:cond delay="0"/>
-                                          </p:stCondLst>
-                                        </p:cTn>
-                                        <p:tgtEl>
-                                          <p:spTgt spid="5"/>
-                                        </p:tgtEl>
-                                        <p:attrNameLst>
-                                          <p:attrName>style.visibility</p:attrName>
-                                        </p:attrNameLst>
-                                      </p:cBhvr>
-                                      <p:to>
-                                        <p:strVal val="visible"/>
-                                      </p:to>
-                                    </p:set>
-                                    <p:animEffect transition="in" filter="fade">
-                                      <p:cBhvr>
-                                        <p:cTn id="7" dur="500"/>
-                                        <p:tgtEl>
-                                          <p:spTgt spid="5"/>
-                                        </p:tgtEl>
-                                      </p:cBhvr>
-                                    </p:animEffect>
-                                  </p:childTnLst>
-                                </p:cTn>
-                              </p:par>
-                              <p:par>
-                                <p:cTn id="8" presetID="10" presetClass="entr" presetSubtype="0" fill="hold" grpId="0" nodeType="withEffect">
-                                  <p:stCondLst>
-                                    <p:cond delay="0"/>
-                                  </p:stCondLst>
-                                  <p:childTnLst>
-                                    <p:set>
-                                      <p:cBhvr>
-                                        <p:cTn id="9" dur="1" fill="hold">
-                                          <p:stCondLst>
-                                            <p:cond delay="0"/>
-                                          </p:stCondLst>
-                                        </p:cTn>
-                                        <p:tgtEl>
-                                          <p:spTgt spid="7"/>
-                                        </p:tgtEl>
-                                        <p:attrNameLst>
-                                          <p:attrName>style.visibility</p:attrName>
-                                        </p:attrNameLst>
-                                      </p:cBhvr>
-                                      <p:to>
-                                        <p:strVal val="visible"/>
-                                      </p:to>
-                                    </p:set>
-                                    <p:animEffect transition="in" filter="fade">
-                                      <p:cBhvr>
-                                        <p:cTn id="10" dur="500"/>
-                                        <p:tgtEl>
-                                          <p:spTgt spid="7"/>
-                                        </p:tgtEl>
-                                      </p:cBhvr>
-                                    </p:animEffect>
-                                  </p:childTnLst>
-                                </p:cTn>
-                              </p:par>
-                              <p:par>
-                                <p:cTn id="11" presetID="10" presetClass="entr" presetSubtype="0" fill="hold" grpId="0" nodeType="withEffect">
-                                  <p:stCondLst>
-                                    <p:cond delay="0"/>
-                                  </p:stCondLst>
-                                  <p:childTnLst>
-                                    <p:set>
-                                      <p:cBhvr>
-                                        <p:cTn id="12" dur="1" fill="hold">
-                                          <p:stCondLst>
-                                            <p:cond delay="0"/>
-                                          </p:stCondLst>
-                                        </p:cTn>
-                                        <p:tgtEl>
-                                          <p:spTgt spid="6"/>
-                                        </p:tgtEl>
-                                        <p:attrNameLst>
-                                          <p:attrName>style.visibility</p:attrName>
-                                        </p:attrNameLst>
-                                      </p:cBhvr>
-                                      <p:to>
-                                        <p:strVal val="visible"/>
-                                      </p:to>
-                                    </p:set>
-                                    <p:animEffect transition="in" filter="fade">
-                                      <p:cBhvr>
-                                        <p:cTn id="13" dur="500"/>
-                                        <p:tgtEl>
-                                          <p:spTgt spid="6"/>
-                                        </p:tgtEl>
-                                      </p:cBhvr>
-                                    </p:animEffect>
-                                  </p:childTnLst>
-                                </p:cTn>
-                              </p:par>
-                              <p:par>
-                                <p:cTn id="14" presetID="10" presetClass="entr" presetSubtype="0" fill="hold" grpId="0" nodeType="withEffect">
-                                  <p:stCondLst>
-                                    <p:cond delay="0"/>
-                                  </p:stCondLst>
-                                  <p:childTnLst>
-                                    <p:set>
-                                      <p:cBhvr>
-                                        <p:cTn id="15" dur="1" fill="hold">
-                                          <p:stCondLst>
-                                            <p:cond delay="0"/>
-                                          </p:stCondLst>
-                                        </p:cTn>
-                                        <p:tgtEl>
-                                          <p:spTgt spid="9"/>
-                                        </p:tgtEl>
-                                        <p:attrNameLst>
-                                          <p:attrName>style.visibility</p:attrName>
-                                        </p:attrNameLst>
-                                      </p:cBhvr>
-                                      <p:to>
-                                        <p:strVal val="visible"/>
-                                      </p:to>
-                                    </p:set>
-                                    <p:animEffect transition="in" filter="fade">
-                                      <p:cBhvr>
-                                        <p:cTn id="16" dur="500"/>
-                                        <p:tgtEl>
-                                          <p:spTgt spid="9"/>
-                                        </p:tgtEl>
-                                      </p:cBhvr>
-                                    </p:animEffect>
-                                  </p:childTnLst>
-                                </p:cTn>
-                              </p:par>
-                              <p:par>
-                                <p:cTn id="17" presetID="10" presetClass="entr" presetSubtype="0" fill="hold" grpId="0" nodeType="withEffect">
-                                  <p:stCondLst>
-                                    <p:cond delay="0"/>
-                                  </p:stCondLst>
-                                  <p:childTnLst>
-                                    <p:set>
-                                      <p:cBhvr>
-                                        <p:cTn id="18" dur="1" fill="hold">
-                                          <p:stCondLst>
-                                            <p:cond delay="0"/>
-                                          </p:stCondLst>
-                                        </p:cTn>
-                                        <p:tgtEl>
-                                          <p:spTgt spid="8"/>
-                                        </p:tgtEl>
-                                        <p:attrNameLst>
-                                          <p:attrName>style.visibility</p:attrName>
-                                        </p:attrNameLst>
-                                      </p:cBhvr>
-                                      <p:to>
-                                        <p:strVal val="visible"/>
-                                      </p:to>
-                                    </p:set>
-                                    <p:animEffect transition="in" filter="fade">
-                                      <p:cBhvr>
-                                        <p:cTn id="19" dur="500"/>
-                                        <p:tgtEl>
-                                          <p:spTgt spid="8"/>
-                                        </p:tgtEl>
-                                      </p:cBhvr>
-                                    </p:animEffect>
-                                  </p:childTnLst>
-                                </p:cTn>
-                              </p:par>
-                            </p:childTnLst>
-                          </p:cTn>
-                        </p:par>
-                      </p:childTnLst>
-                    </p:cTn>
-                  </p:par>
-                </p:childTnLst>
-              </p:cTn>
-              <p:prevCondLst>
-                <p:cond evt="onPrev" delay="0">
-                  <p:tgtEl>
-                    <p:sldTgt/>
-                  </p:tgtEl>
-                </p:cond>
-              </p:prevCondLst>
-              <p:nextCondLst>
-                <p:cond evt="onNext" delay="0">
-                  <p:tgtEl>
-                    <p:sldTgt/>
-                  </p:tgtEl>
-                </p:cond>
-              </p:nextCondLst>
-            </p:seq>
-          </p:childTnLst>
-        </p:cTn>
-      </p:par>
-    </p:tnLst>
-    <p:bldLst>
-      <p:bldP spid="5" grpId="0" animBg="1"/>
-      <p:bldP spid="6" grpId="0" animBg="1"/>
-      <p:bldP spid="7" grpId="0" animBg="1"/>
-      <p:bldP spid="8" grpId="0" animBg="1"/>
-      <p:bldP spid="9" grpId="0" animBg="1"/>
-    </p:bldLst>
-  </p:timing>
-</p:sld>
-</file>
-
-<file path=ppt/slides/slide20.xml><?xml version="1.0" encoding="utf-8"?>
+<file path=ppt/slides/slide21.xml><?xml version="1.0" encoding="utf-8"?>
 <p:sld xmlns:a="http://schemas.openxmlformats.org/drawingml/2006/main" xmlns:r="http://schemas.openxmlformats.org/officeDocument/2006/relationships" xmlns:p="http://schemas.openxmlformats.org/presentationml/2006/main">
   <p:cSld>
     <p:spTree>
@@ -9815,7 +9883,7 @@
           <a:blip r:embed="rId2">
             <a:extLst>
               <a:ext uri="{28A0092B-C50C-407E-A947-70E740481C1C}">
-                <a14:useLocalDpi xmlns:a14="http://schemas.microsoft.com/office/drawing/2010/main" val="0"/>
+                <a14:useLocalDpi xmlns:a14="http://schemas.microsoft.com/office/drawing/2010/main" xmlns="" val="0"/>
               </a:ext>
             </a:extLst>
           </a:blip>
@@ -9835,7 +9903,7 @@
           <a:noFill/>
           <a:extLst>
             <a:ext uri="{909E8E84-426E-40DD-AFC4-6F175D3DCCD1}">
-              <a14:hiddenFill xmlns:a14="http://schemas.microsoft.com/office/drawing/2010/main">
+              <a14:hiddenFill xmlns:a14="http://schemas.microsoft.com/office/drawing/2010/main" xmlns="">
                 <a:solidFill>
                   <a:srgbClr val="FFFFFF"/>
                 </a:solidFill>
@@ -9856,7 +9924,7 @@
           <a:blip r:embed="rId3">
             <a:extLst>
               <a:ext uri="{28A0092B-C50C-407E-A947-70E740481C1C}">
-                <a14:useLocalDpi xmlns:a14="http://schemas.microsoft.com/office/drawing/2010/main" val="0"/>
+                <a14:useLocalDpi xmlns:a14="http://schemas.microsoft.com/office/drawing/2010/main" xmlns="" val="0"/>
               </a:ext>
             </a:extLst>
           </a:blip>
@@ -9876,7 +9944,7 @@
           <a:noFill/>
           <a:extLst>
             <a:ext uri="{909E8E84-426E-40DD-AFC4-6F175D3DCCD1}">
-              <a14:hiddenFill xmlns:a14="http://schemas.microsoft.com/office/drawing/2010/main">
+              <a14:hiddenFill xmlns:a14="http://schemas.microsoft.com/office/drawing/2010/main" xmlns="">
                 <a:solidFill>
                   <a:srgbClr val="FFFFFF"/>
                 </a:solidFill>
@@ -10085,11 +10153,7 @@
             </a:r>
             <a:r>
               <a:rPr lang="en-US" i="1" dirty="0" smtClean="0"/>
-              <a:t> </a:t>
-            </a:r>
-            <a:r>
-              <a:rPr lang="en-US" i="1" dirty="0" smtClean="0"/>
-              <a:t>e realizzazione ad hoc </a:t>
+              <a:t> e realizzazione ad hoc </a:t>
             </a:r>
             <a:endParaRPr lang="en-US" dirty="0" smtClean="0"/>
           </a:p>
@@ -10126,7 +10190,6 @@
               <a:rPr lang="en-US" i="1" dirty="0" smtClean="0"/>
               <a:t>	</a:t>
             </a:r>
-            <a:endParaRPr lang="en-US" i="1" dirty="0" smtClean="0"/>
           </a:p>
         </p:txBody>
       </p:sp>
@@ -10157,13 +10220,7 @@
               <a:rPr lang="it-IT" sz="4800" b="1" dirty="0" smtClean="0">
                 <a:latin typeface="+mj-lt"/>
               </a:rPr>
-              <a:t>Obiettivi di </a:t>
-            </a:r>
-            <a:r>
-              <a:rPr lang="it-IT" sz="4800" b="1" dirty="0" smtClean="0">
-                <a:latin typeface="+mj-lt"/>
-              </a:rPr>
-              <a:t>design</a:t>
+              <a:t>Obiettivi di design</a:t>
             </a:r>
           </a:p>
           <a:p>
@@ -10211,18 +10268,18 @@
     </p:spTree>
     <p:extLst>
       <p:ext uri="{BB962C8B-B14F-4D97-AF65-F5344CB8AC3E}">
-        <p14:creationId xmlns:p14="http://schemas.microsoft.com/office/powerpoint/2010/main" val="1197112555"/>
+        <p14:creationId xmlns:p14="http://schemas.microsoft.com/office/powerpoint/2010/main" xmlns="" val="1197112555"/>
       </p:ext>
     </p:extLst>
   </p:cSld>
   <p:clrMapOvr>
     <a:masterClrMapping/>
   </p:clrMapOvr>
-  <mc:AlternateContent xmlns:mc="http://schemas.openxmlformats.org/markup-compatibility/2006" xmlns:p14="http://schemas.microsoft.com/office/powerpoint/2010/main">
-    <mc:Choice Requires="p14">
+  <mc:AlternateContent xmlns:mc="http://schemas.openxmlformats.org/markup-compatibility/2006">
+    <mc:Choice xmlns:p14="http://schemas.microsoft.com/office/powerpoint/2010/main" xmlns="" Requires="p14">
       <p:transition spd="slow" p14:dur="2000"/>
     </mc:Choice>
-    <mc:Fallback xmlns="">
+    <mc:Fallback>
       <p:transition spd="slow"/>
     </mc:Fallback>
   </mc:AlternateContent>
@@ -10236,7 +10293,7 @@
 </p:sld>
 </file>
 
-<file path=ppt/slides/slide21.xml><?xml version="1.0" encoding="utf-8"?>
+<file path=ppt/slides/slide22.xml><?xml version="1.0" encoding="utf-8"?>
 <p:sld xmlns:a="http://schemas.openxmlformats.org/drawingml/2006/main" xmlns:r="http://schemas.openxmlformats.org/officeDocument/2006/relationships" xmlns:p="http://schemas.openxmlformats.org/presentationml/2006/main">
   <p:cSld>
     <p:spTree>
@@ -10437,7 +10494,6 @@
               <a:rPr lang="en-US" b="1" dirty="0" smtClean="0"/>
               <a:t>Buy</a:t>
             </a:r>
-            <a:endParaRPr lang="en-US" b="1" dirty="0" smtClean="0"/>
           </a:p>
           <a:p>
             <a:pPr marL="822960" lvl="1" indent="-457200"/>
@@ -10546,13 +10602,7 @@
               <a:rPr lang="it-IT" sz="4800" b="1" dirty="0" smtClean="0">
                 <a:latin typeface="+mj-lt"/>
               </a:rPr>
-              <a:t>Obiettivi di </a:t>
-            </a:r>
-            <a:r>
-              <a:rPr lang="it-IT" sz="4800" b="1" dirty="0" smtClean="0">
-                <a:latin typeface="+mj-lt"/>
-              </a:rPr>
-              <a:t>design</a:t>
+              <a:t>Obiettivi di design</a:t>
             </a:r>
           </a:p>
           <a:p>
@@ -10615,7 +10665,7 @@
           <a:blip r:embed="rId2">
             <a:extLst>
               <a:ext uri="{28A0092B-C50C-407E-A947-70E740481C1C}">
-                <a14:useLocalDpi xmlns:a14="http://schemas.microsoft.com/office/drawing/2010/main" val="0"/>
+                <a14:useLocalDpi xmlns:a14="http://schemas.microsoft.com/office/drawing/2010/main" xmlns="" val="0"/>
               </a:ext>
             </a:extLst>
           </a:blip>
@@ -10635,7 +10685,7 @@
           <a:noFill/>
           <a:extLst>
             <a:ext uri="{909E8E84-426E-40DD-AFC4-6F175D3DCCD1}">
-              <a14:hiddenFill xmlns:a14="http://schemas.microsoft.com/office/drawing/2010/main">
+              <a14:hiddenFill xmlns:a14="http://schemas.microsoft.com/office/drawing/2010/main" xmlns="">
                 <a:solidFill>
                   <a:srgbClr val="FFFFFF"/>
                 </a:solidFill>
@@ -10656,7 +10706,7 @@
           <a:blip r:embed="rId3">
             <a:extLst>
               <a:ext uri="{28A0092B-C50C-407E-A947-70E740481C1C}">
-                <a14:useLocalDpi xmlns:a14="http://schemas.microsoft.com/office/drawing/2010/main" val="0"/>
+                <a14:useLocalDpi xmlns:a14="http://schemas.microsoft.com/office/drawing/2010/main" xmlns="" val="0"/>
               </a:ext>
             </a:extLst>
           </a:blip>
@@ -10676,7 +10726,7 @@
           <a:noFill/>
           <a:extLst>
             <a:ext uri="{909E8E84-426E-40DD-AFC4-6F175D3DCCD1}">
-              <a14:hiddenFill xmlns:a14="http://schemas.microsoft.com/office/drawing/2010/main">
+              <a14:hiddenFill xmlns:a14="http://schemas.microsoft.com/office/drawing/2010/main" xmlns="">
                 <a:solidFill>
                   <a:srgbClr val="FFFFFF"/>
                 </a:solidFill>
@@ -10697,7 +10747,7 @@
           <a:blip r:embed="rId4">
             <a:extLst>
               <a:ext uri="{28A0092B-C50C-407E-A947-70E740481C1C}">
-                <a14:useLocalDpi xmlns:a14="http://schemas.microsoft.com/office/drawing/2010/main" val="0"/>
+                <a14:useLocalDpi xmlns:a14="http://schemas.microsoft.com/office/drawing/2010/main" xmlns="" val="0"/>
               </a:ext>
             </a:extLst>
           </a:blip>
@@ -10726,7 +10776,7 @@
           </a:effectLst>
           <a:extLst>
             <a:ext uri="{909E8E84-426E-40DD-AFC4-6F175D3DCCD1}">
-              <a14:hiddenFill xmlns:a14="http://schemas.microsoft.com/office/drawing/2010/main">
+              <a14:hiddenFill xmlns:a14="http://schemas.microsoft.com/office/drawing/2010/main" xmlns="">
                 <a:solidFill>
                   <a:srgbClr val="FFFFFF"/>
                 </a:solidFill>
@@ -10738,18 +10788,18 @@
     </p:spTree>
     <p:extLst>
       <p:ext uri="{BB962C8B-B14F-4D97-AF65-F5344CB8AC3E}">
-        <p14:creationId xmlns:p14="http://schemas.microsoft.com/office/powerpoint/2010/main" val="700353664"/>
+        <p14:creationId xmlns:p14="http://schemas.microsoft.com/office/powerpoint/2010/main" xmlns="" val="700353664"/>
       </p:ext>
     </p:extLst>
   </p:cSld>
   <p:clrMapOvr>
     <a:masterClrMapping/>
   </p:clrMapOvr>
-  <mc:AlternateContent xmlns:mc="http://schemas.openxmlformats.org/markup-compatibility/2006" xmlns:p14="http://schemas.microsoft.com/office/powerpoint/2010/main">
-    <mc:Choice Requires="p14">
+  <mc:AlternateContent xmlns:mc="http://schemas.openxmlformats.org/markup-compatibility/2006">
+    <mc:Choice xmlns:p14="http://schemas.microsoft.com/office/powerpoint/2010/main" xmlns="" Requires="p14">
       <p:transition spd="slow" p14:dur="2000"/>
     </mc:Choice>
-    <mc:Fallback xmlns="">
+    <mc:Fallback>
       <p:transition spd="slow"/>
     </mc:Fallback>
   </mc:AlternateContent>
@@ -10763,7 +10813,7 @@
 </p:sld>
 </file>
 
-<file path=ppt/slides/slide22.xml><?xml version="1.0" encoding="utf-8"?>
+<file path=ppt/slides/slide23.xml><?xml version="1.0" encoding="utf-8"?>
 <p:sld xmlns:a="http://schemas.openxmlformats.org/drawingml/2006/main" xmlns:r="http://schemas.openxmlformats.org/officeDocument/2006/relationships" xmlns:p="http://schemas.openxmlformats.org/presentationml/2006/main">
   <p:cSld>
     <p:spTree>
@@ -10807,13 +10857,7 @@
               <a:rPr lang="it-IT" sz="4800" b="1" dirty="0" smtClean="0">
                 <a:latin typeface="+mj-lt"/>
               </a:rPr>
-              <a:t>Obiettivi di </a:t>
-            </a:r>
-            <a:r>
-              <a:rPr lang="it-IT" sz="4800" b="1" dirty="0" smtClean="0">
-                <a:latin typeface="+mj-lt"/>
-              </a:rPr>
-              <a:t>design</a:t>
+              <a:t>Obiettivi di design</a:t>
             </a:r>
           </a:p>
           <a:p>
@@ -10899,7 +10943,7 @@
           <a:blip r:embed="rId2">
             <a:extLst>
               <a:ext uri="{28A0092B-C50C-407E-A947-70E740481C1C}">
-                <a14:useLocalDpi xmlns:a14="http://schemas.microsoft.com/office/drawing/2010/main" val="0"/>
+                <a14:useLocalDpi xmlns:a14="http://schemas.microsoft.com/office/drawing/2010/main" xmlns="" val="0"/>
               </a:ext>
             </a:extLst>
           </a:blip>
@@ -10919,7 +10963,7 @@
           <a:noFill/>
           <a:extLst>
             <a:ext uri="{909E8E84-426E-40DD-AFC4-6F175D3DCCD1}">
-              <a14:hiddenFill xmlns:a14="http://schemas.microsoft.com/office/drawing/2010/main">
+              <a14:hiddenFill xmlns:a14="http://schemas.microsoft.com/office/drawing/2010/main" xmlns="">
                 <a:solidFill>
                   <a:srgbClr val="FFFFFF"/>
                 </a:solidFill>
@@ -10974,7 +11018,7 @@
           <a:blip r:embed="rId3">
             <a:extLst>
               <a:ext uri="{28A0092B-C50C-407E-A947-70E740481C1C}">
-                <a14:useLocalDpi xmlns:a14="http://schemas.microsoft.com/office/drawing/2010/main" val="0"/>
+                <a14:useLocalDpi xmlns:a14="http://schemas.microsoft.com/office/drawing/2010/main" xmlns="" val="0"/>
               </a:ext>
             </a:extLst>
           </a:blip>
@@ -10994,7 +11038,7 @@
           <a:noFill/>
           <a:extLst>
             <a:ext uri="{909E8E84-426E-40DD-AFC4-6F175D3DCCD1}">
-              <a14:hiddenFill xmlns:a14="http://schemas.microsoft.com/office/drawing/2010/main">
+              <a14:hiddenFill xmlns:a14="http://schemas.microsoft.com/office/drawing/2010/main" xmlns="">
                 <a:solidFill>
                   <a:srgbClr val="FFFFFF"/>
                 </a:solidFill>
@@ -11006,7 +11050,7 @@
     </p:spTree>
     <p:extLst>
       <p:ext uri="{BB962C8B-B14F-4D97-AF65-F5344CB8AC3E}">
-        <p14:creationId xmlns:p14="http://schemas.microsoft.com/office/powerpoint/2010/main" val="2947224754"/>
+        <p14:creationId xmlns:p14="http://schemas.microsoft.com/office/powerpoint/2010/main" xmlns="" val="2947224754"/>
       </p:ext>
     </p:extLst>
   </p:cSld>
@@ -11187,7 +11231,7 @@
 </p:sld>
 </file>
 
-<file path=ppt/slides/slide23.xml><?xml version="1.0" encoding="utf-8"?>
+<file path=ppt/slides/slide24.xml><?xml version="1.0" encoding="utf-8"?>
 <p:sld xmlns:a="http://schemas.openxmlformats.org/drawingml/2006/main" xmlns:r="http://schemas.openxmlformats.org/officeDocument/2006/relationships" xmlns:p="http://schemas.openxmlformats.org/presentationml/2006/main">
   <p:cSld>
     <p:spTree>
@@ -11216,7 +11260,7 @@
           <a:blip r:embed="rId2">
             <a:extLst>
               <a:ext uri="{28A0092B-C50C-407E-A947-70E740481C1C}">
-                <a14:useLocalDpi xmlns:a14="http://schemas.microsoft.com/office/drawing/2010/main" val="0"/>
+                <a14:useLocalDpi xmlns:a14="http://schemas.microsoft.com/office/drawing/2010/main" xmlns="" val="0"/>
               </a:ext>
             </a:extLst>
           </a:blip>
@@ -11236,7 +11280,7 @@
           <a:noFill/>
           <a:extLst>
             <a:ext uri="{909E8E84-426E-40DD-AFC4-6F175D3DCCD1}">
-              <a14:hiddenFill xmlns:a14="http://schemas.microsoft.com/office/drawing/2010/main">
+              <a14:hiddenFill xmlns:a14="http://schemas.microsoft.com/office/drawing/2010/main" xmlns="">
                 <a:solidFill>
                   <a:srgbClr val="FFFFFF"/>
                 </a:solidFill>
@@ -11257,7 +11301,7 @@
           <a:blip r:embed="rId3">
             <a:extLst>
               <a:ext uri="{28A0092B-C50C-407E-A947-70E740481C1C}">
-                <a14:useLocalDpi xmlns:a14="http://schemas.microsoft.com/office/drawing/2010/main" val="0"/>
+                <a14:useLocalDpi xmlns:a14="http://schemas.microsoft.com/office/drawing/2010/main" xmlns="" val="0"/>
               </a:ext>
             </a:extLst>
           </a:blip>
@@ -11277,7 +11321,7 @@
           <a:noFill/>
           <a:extLst>
             <a:ext uri="{909E8E84-426E-40DD-AFC4-6F175D3DCCD1}">
-              <a14:hiddenFill xmlns:a14="http://schemas.microsoft.com/office/drawing/2010/main">
+              <a14:hiddenFill xmlns:a14="http://schemas.microsoft.com/office/drawing/2010/main" xmlns="">
                 <a:solidFill>
                   <a:srgbClr val="FFFFFF"/>
                 </a:solidFill>
@@ -11512,13 +11556,7 @@
               <a:rPr lang="it-IT" sz="4800" b="1" dirty="0" smtClean="0">
                 <a:latin typeface="+mj-lt"/>
               </a:rPr>
-              <a:t>Obiettivi di </a:t>
-            </a:r>
-            <a:r>
-              <a:rPr lang="it-IT" sz="4800" b="1" dirty="0" smtClean="0">
-                <a:latin typeface="+mj-lt"/>
-              </a:rPr>
-              <a:t>design</a:t>
+              <a:t>Obiettivi di design</a:t>
             </a:r>
           </a:p>
           <a:p>
@@ -11812,18 +11850,18 @@
     </p:spTree>
     <p:extLst>
       <p:ext uri="{BB962C8B-B14F-4D97-AF65-F5344CB8AC3E}">
-        <p14:creationId xmlns:p14="http://schemas.microsoft.com/office/powerpoint/2010/main" val="1111877724"/>
+        <p14:creationId xmlns:p14="http://schemas.microsoft.com/office/powerpoint/2010/main" xmlns="" val="1111877724"/>
       </p:ext>
     </p:extLst>
   </p:cSld>
   <p:clrMapOvr>
     <a:masterClrMapping/>
   </p:clrMapOvr>
-  <mc:AlternateContent xmlns:mc="http://schemas.openxmlformats.org/markup-compatibility/2006" xmlns:p14="http://schemas.microsoft.com/office/powerpoint/2010/main">
-    <mc:Choice Requires="p14">
+  <mc:AlternateContent xmlns:mc="http://schemas.openxmlformats.org/markup-compatibility/2006">
+    <mc:Choice xmlns:p14="http://schemas.microsoft.com/office/powerpoint/2010/main" xmlns="" Requires="p14">
       <p:transition spd="slow" p14:dur="2000"/>
     </mc:Choice>
-    <mc:Fallback xmlns="">
+    <mc:Fallback>
       <p:transition spd="slow"/>
     </mc:Fallback>
   </mc:AlternateContent>
@@ -12131,7 +12169,7 @@
 </p:sld>
 </file>
 
-<file path=ppt/slides/slide24.xml><?xml version="1.0" encoding="utf-8"?>
+<file path=ppt/slides/slide25.xml><?xml version="1.0" encoding="utf-8"?>
 <p:sld xmlns:a="http://schemas.openxmlformats.org/drawingml/2006/main" xmlns:r="http://schemas.openxmlformats.org/officeDocument/2006/relationships" xmlns:p="http://schemas.openxmlformats.org/presentationml/2006/main">
   <p:cSld>
     <p:spTree>
@@ -12175,13 +12213,7 @@
               <a:rPr lang="it-IT" sz="4800" b="1" dirty="0" smtClean="0">
                 <a:latin typeface="+mj-lt"/>
               </a:rPr>
-              <a:t>Obiettivi di </a:t>
-            </a:r>
-            <a:r>
-              <a:rPr lang="it-IT" sz="4800" b="1" dirty="0" smtClean="0">
-                <a:latin typeface="+mj-lt"/>
-              </a:rPr>
-              <a:t>design</a:t>
+              <a:t>Obiettivi di design</a:t>
             </a:r>
           </a:p>
           <a:p>
@@ -12190,19 +12222,7 @@
               <a:rPr lang="it-IT" sz="2800" b="1" dirty="0" smtClean="0">
                 <a:latin typeface="+mj-lt"/>
               </a:rPr>
-              <a:t>Funzionalità </a:t>
-            </a:r>
-            <a:r>
-              <a:rPr lang="it-IT" sz="2800" b="1" dirty="0" smtClean="0">
-                <a:latin typeface="+mj-lt"/>
-              </a:rPr>
-              <a:t>COTS </a:t>
-            </a:r>
-            <a:r>
-              <a:rPr lang="it-IT" sz="2800" b="1" dirty="0" smtClean="0">
-                <a:latin typeface="+mj-lt"/>
-              </a:rPr>
-              <a:t>Forum</a:t>
+              <a:t>Funzionalità COTS Forum</a:t>
             </a:r>
             <a:endParaRPr lang="it-IT" b="1" dirty="0"/>
           </a:p>
@@ -12217,7 +12237,7 @@
           <p:nvPr>
             <p:extLst>
               <p:ext uri="{D42A27DB-BD31-4B8C-83A1-F6EECF244321}">
-                <p14:modId xmlns:p14="http://schemas.microsoft.com/office/powerpoint/2010/main" val="2643884637"/>
+                <p14:modId xmlns:p14="http://schemas.microsoft.com/office/powerpoint/2010/main" xmlns="" val="2643884637"/>
               </p:ext>
             </p:extLst>
           </p:nvPr>
@@ -12658,14 +12678,14 @@
           <a:effectLst/>
           <a:extLst>
             <a:ext uri="{909E8E84-426E-40DD-AFC4-6F175D3DCCD1}">
-              <a14:hiddenFill xmlns:a14="http://schemas.microsoft.com/office/drawing/2010/main">
+              <a14:hiddenFill xmlns:a14="http://schemas.microsoft.com/office/drawing/2010/main" xmlns="">
                 <a:solidFill>
                   <a:schemeClr val="accent1"/>
                 </a:solidFill>
               </a14:hiddenFill>
             </a:ext>
             <a:ext uri="{91240B29-F687-4F45-9708-019B960494DF}">
-              <a14:hiddenLine xmlns:a14="http://schemas.microsoft.com/office/drawing/2010/main" w="9525">
+              <a14:hiddenLine xmlns:a14="http://schemas.microsoft.com/office/drawing/2010/main" xmlns="" w="9525">
                 <a:solidFill>
                   <a:schemeClr val="tx1"/>
                 </a:solidFill>
@@ -12675,7 +12695,7 @@
               </a14:hiddenLine>
             </a:ext>
             <a:ext uri="{AF507438-7753-43E0-B8FC-AC1667EBCBE1}">
-              <a14:hiddenEffects xmlns:a14="http://schemas.microsoft.com/office/drawing/2010/main">
+              <a14:hiddenEffects xmlns:a14="http://schemas.microsoft.com/office/drawing/2010/main" xmlns="">
                 <a:effectLst>
                   <a:outerShdw dist="35921" dir="2700000" algn="ctr" rotWithShape="0">
                     <a:schemeClr val="bg2"/>
@@ -12756,7 +12776,7 @@
     </p:spTree>
     <p:extLst>
       <p:ext uri="{BB962C8B-B14F-4D97-AF65-F5344CB8AC3E}">
-        <p14:creationId xmlns:p14="http://schemas.microsoft.com/office/powerpoint/2010/main" val="503117530"/>
+        <p14:creationId xmlns:p14="http://schemas.microsoft.com/office/powerpoint/2010/main" xmlns="" val="503117530"/>
       </p:ext>
     </p:extLst>
   </p:cSld>
@@ -12773,7 +12793,7 @@
 </p:sld>
 </file>
 
-<file path=ppt/slides/slide25.xml><?xml version="1.0" encoding="utf-8"?>
+<file path=ppt/slides/slide26.xml><?xml version="1.0" encoding="utf-8"?>
 <p:sld xmlns:a="http://schemas.openxmlformats.org/drawingml/2006/main" xmlns:r="http://schemas.openxmlformats.org/officeDocument/2006/relationships" xmlns:p="http://schemas.openxmlformats.org/presentationml/2006/main">
   <p:cSld>
     <p:spTree>
@@ -12817,13 +12837,7 @@
               <a:rPr lang="it-IT" sz="4800" b="1" dirty="0" smtClean="0">
                 <a:latin typeface="+mj-lt"/>
               </a:rPr>
-              <a:t>Obiettivi di </a:t>
-            </a:r>
-            <a:r>
-              <a:rPr lang="it-IT" sz="4800" b="1" dirty="0" smtClean="0">
-                <a:latin typeface="+mj-lt"/>
-              </a:rPr>
-              <a:t>design</a:t>
+              <a:t>Obiettivi di design</a:t>
             </a:r>
           </a:p>
           <a:p>
@@ -12832,19 +12846,7 @@
               <a:rPr lang="it-IT" sz="2800" b="1" dirty="0" smtClean="0">
                 <a:latin typeface="+mj-lt"/>
               </a:rPr>
-              <a:t>Funzionalità </a:t>
-            </a:r>
-            <a:r>
-              <a:rPr lang="it-IT" sz="2800" b="1" dirty="0" smtClean="0">
-                <a:latin typeface="+mj-lt"/>
-              </a:rPr>
-              <a:t>COTS </a:t>
-            </a:r>
-            <a:r>
-              <a:rPr lang="it-IT" sz="2800" b="1" dirty="0" smtClean="0">
-                <a:latin typeface="+mj-lt"/>
-              </a:rPr>
-              <a:t>Forum (2)</a:t>
+              <a:t>Funzionalità COTS Forum (2)</a:t>
             </a:r>
             <a:endParaRPr lang="it-IT" b="1" dirty="0"/>
           </a:p>
@@ -12859,7 +12861,7 @@
           <p:nvPr>
             <p:extLst>
               <p:ext uri="{D42A27DB-BD31-4B8C-83A1-F6EECF244321}">
-                <p14:modId xmlns:p14="http://schemas.microsoft.com/office/powerpoint/2010/main" val="722892891"/>
+                <p14:modId xmlns:p14="http://schemas.microsoft.com/office/powerpoint/2010/main" xmlns="" val="722892891"/>
               </p:ext>
             </p:extLst>
           </p:nvPr>
@@ -13841,7 +13843,7 @@
     </p:spTree>
     <p:extLst>
       <p:ext uri="{BB962C8B-B14F-4D97-AF65-F5344CB8AC3E}">
-        <p14:creationId xmlns:p14="http://schemas.microsoft.com/office/powerpoint/2010/main" val="2473970557"/>
+        <p14:creationId xmlns:p14="http://schemas.microsoft.com/office/powerpoint/2010/main" xmlns="" val="2473970557"/>
       </p:ext>
     </p:extLst>
   </p:cSld>
@@ -13858,7 +13860,7 @@
 </p:sld>
 </file>
 
-<file path=ppt/slides/slide26.xml><?xml version="1.0" encoding="utf-8"?>
+<file path=ppt/slides/slide27.xml><?xml version="1.0" encoding="utf-8"?>
 <p:sld xmlns:a="http://schemas.openxmlformats.org/drawingml/2006/main" xmlns:r="http://schemas.openxmlformats.org/officeDocument/2006/relationships" xmlns:p="http://schemas.openxmlformats.org/presentationml/2006/main">
   <p:cSld>
     <p:spTree>
@@ -13887,7 +13889,7 @@
           <a:blip r:embed="rId2">
             <a:extLst>
               <a:ext uri="{28A0092B-C50C-407E-A947-70E740481C1C}">
-                <a14:useLocalDpi xmlns:a14="http://schemas.microsoft.com/office/drawing/2010/main" val="0"/>
+                <a14:useLocalDpi xmlns:a14="http://schemas.microsoft.com/office/drawing/2010/main" xmlns="" val="0"/>
               </a:ext>
             </a:extLst>
           </a:blip>
@@ -13930,7 +13932,7 @@
           </a:sp3d>
           <a:extLst>
             <a:ext uri="{909E8E84-426E-40DD-AFC4-6F175D3DCCD1}">
-              <a14:hiddenFill xmlns:a14="http://schemas.microsoft.com/office/drawing/2010/main">
+              <a14:hiddenFill xmlns:a14="http://schemas.microsoft.com/office/drawing/2010/main" xmlns="">
                 <a:solidFill>
                   <a:srgbClr val="FFFFFF"/>
                 </a:solidFill>
@@ -14055,13 +14057,7 @@
               <a:rPr lang="it-IT" sz="4800" b="1" dirty="0" smtClean="0">
                 <a:latin typeface="+mj-lt"/>
               </a:rPr>
-              <a:t>Obiettivi di </a:t>
-            </a:r>
-            <a:r>
-              <a:rPr lang="it-IT" sz="4800" b="1" dirty="0" smtClean="0">
-                <a:latin typeface="+mj-lt"/>
-              </a:rPr>
-              <a:t>design</a:t>
+              <a:t>Obiettivi di design</a:t>
             </a:r>
           </a:p>
           <a:p>
@@ -14070,19 +14066,7 @@
               <a:rPr lang="it-IT" sz="2800" b="1" dirty="0" smtClean="0">
                 <a:latin typeface="+mj-lt"/>
               </a:rPr>
-              <a:t>Funzionalità </a:t>
-            </a:r>
-            <a:r>
-              <a:rPr lang="it-IT" sz="2800" b="1" dirty="0" smtClean="0">
-                <a:latin typeface="+mj-lt"/>
-              </a:rPr>
-              <a:t>COTS </a:t>
-            </a:r>
-            <a:r>
-              <a:rPr lang="it-IT" sz="2800" b="1" dirty="0" smtClean="0">
-                <a:latin typeface="+mj-lt"/>
-              </a:rPr>
-              <a:t>Forum (3)</a:t>
+              <a:t>Funzionalità COTS Forum (3)</a:t>
             </a:r>
             <a:endParaRPr lang="it-IT" b="1" dirty="0"/>
           </a:p>
@@ -14103,7 +14087,7 @@
 </p:sld>
 </file>
 
-<file path=ppt/slides/slide27.xml><?xml version="1.0" encoding="utf-8"?>
+<file path=ppt/slides/slide28.xml><?xml version="1.0" encoding="utf-8"?>
 <p:sld xmlns:a="http://schemas.openxmlformats.org/drawingml/2006/main" xmlns:r="http://schemas.openxmlformats.org/officeDocument/2006/relationships" xmlns:p="http://schemas.openxmlformats.org/presentationml/2006/main">
   <p:cSld>
     <p:spTree>
@@ -14176,7 +14160,7 @@
           <a:blip r:embed="rId2">
             <a:extLst>
               <a:ext uri="{28A0092B-C50C-407E-A947-70E740481C1C}">
-                <a14:useLocalDpi xmlns:a14="http://schemas.microsoft.com/office/drawing/2010/main" val="0"/>
+                <a14:useLocalDpi xmlns:a14="http://schemas.microsoft.com/office/drawing/2010/main" xmlns="" val="0"/>
               </a:ext>
             </a:extLst>
           </a:blip>
@@ -14200,14 +14184,14 @@
           <a:effectLst/>
           <a:extLst>
             <a:ext uri="{909E8E84-426E-40DD-AFC4-6F175D3DCCD1}">
-              <a14:hiddenFill xmlns:a14="http://schemas.microsoft.com/office/drawing/2010/main">
+              <a14:hiddenFill xmlns:a14="http://schemas.microsoft.com/office/drawing/2010/main" xmlns="">
                 <a:solidFill>
                   <a:schemeClr val="accent1"/>
                 </a:solidFill>
               </a14:hiddenFill>
             </a:ext>
             <a:ext uri="{91240B29-F687-4F45-9708-019B960494DF}">
-              <a14:hiddenLine xmlns:a14="http://schemas.microsoft.com/office/drawing/2010/main" w="9525">
+              <a14:hiddenLine xmlns:a14="http://schemas.microsoft.com/office/drawing/2010/main" xmlns="" w="9525">
                 <a:solidFill>
                   <a:schemeClr val="tx1"/>
                 </a:solidFill>
@@ -14217,7 +14201,7 @@
               </a14:hiddenLine>
             </a:ext>
             <a:ext uri="{AF507438-7753-43E0-B8FC-AC1667EBCBE1}">
-              <a14:hiddenEffects xmlns:a14="http://schemas.microsoft.com/office/drawing/2010/main">
+              <a14:hiddenEffects xmlns:a14="http://schemas.microsoft.com/office/drawing/2010/main" xmlns="">
                 <a:effectLst>
                   <a:outerShdw dist="35921" dir="2700000" algn="ctr" rotWithShape="0">
                     <a:schemeClr val="bg2"/>
@@ -14243,7 +14227,7 @@
 </p:sld>
 </file>
 
-<file path=ppt/slides/slide28.xml><?xml version="1.0" encoding="utf-8"?>
+<file path=ppt/slides/slide29.xml><?xml version="1.0" encoding="utf-8"?>
 <p:sld xmlns:a="http://schemas.openxmlformats.org/drawingml/2006/main" xmlns:r="http://schemas.openxmlformats.org/officeDocument/2006/relationships" xmlns:p="http://schemas.openxmlformats.org/presentationml/2006/main">
   <p:cSld>
     <p:spTree>
@@ -14318,14 +14302,14 @@
           <a:effectLst/>
           <a:extLst>
             <a:ext uri="{909E8E84-426E-40DD-AFC4-6F175D3DCCD1}">
-              <a14:hiddenFill xmlns:a14="http://schemas.microsoft.com/office/drawing/2010/main">
+              <a14:hiddenFill xmlns:a14="http://schemas.microsoft.com/office/drawing/2010/main" xmlns="">
                 <a:solidFill>
                   <a:schemeClr val="accent1"/>
                 </a:solidFill>
               </a14:hiddenFill>
             </a:ext>
             <a:ext uri="{91240B29-F687-4F45-9708-019B960494DF}">
-              <a14:hiddenLine xmlns:a14="http://schemas.microsoft.com/office/drawing/2010/main" w="9525">
+              <a14:hiddenLine xmlns:a14="http://schemas.microsoft.com/office/drawing/2010/main" xmlns="" w="9525">
                 <a:solidFill>
                   <a:schemeClr val="tx1"/>
                 </a:solidFill>
@@ -14335,7 +14319,7 @@
               </a14:hiddenLine>
             </a:ext>
             <a:ext uri="{AF507438-7753-43E0-B8FC-AC1667EBCBE1}">
-              <a14:hiddenEffects xmlns:a14="http://schemas.microsoft.com/office/drawing/2010/main">
+              <a14:hiddenEffects xmlns:a14="http://schemas.microsoft.com/office/drawing/2010/main" xmlns="">
                 <a:effectLst>
                   <a:outerShdw dist="35921" dir="2700000" algn="ctr" rotWithShape="0">
                     <a:schemeClr val="bg2"/>
@@ -14651,95 +14635,46 @@
                 <a:latin typeface="+mj-lt"/>
                 <a:cs typeface="Arial" pitchFamily="34" charset="0"/>
               </a:rPr>
-              <a:t>Non </a:t>
-            </a:r>
+              <a:t>Non sono state controllate le invarianti</a:t>
+            </a:r>
+          </a:p>
+          <a:p>
+            <a:pPr marL="742950" lvl="1" indent="-285750">
+              <a:buFont typeface="Courier New" pitchFamily="49" charset="0"/>
+              <a:buChar char="o"/>
+            </a:pPr>
             <a:r>
               <a:rPr lang="it-IT" dirty="0" smtClean="0">
                 <a:latin typeface="+mj-lt"/>
                 <a:cs typeface="Arial" pitchFamily="34" charset="0"/>
               </a:rPr>
-              <a:t>sono state controllate </a:t>
-            </a:r>
+              <a:t>Non avrebbe Individuato molti bug perché:</a:t>
+            </a:r>
+          </a:p>
+          <a:p>
+            <a:pPr marL="1200150" lvl="2" indent="-285750">
+              <a:buFont typeface="Arial" pitchFamily="34" charset="0"/>
+              <a:buChar char="•"/>
+            </a:pPr>
             <a:r>
               <a:rPr lang="it-IT" dirty="0" smtClean="0">
                 <a:latin typeface="+mj-lt"/>
                 <a:cs typeface="Arial" pitchFamily="34" charset="0"/>
               </a:rPr>
-              <a:t>le invarianti</a:t>
-            </a:r>
-          </a:p>
-          <a:p>
-            <a:pPr marL="742950" lvl="1" indent="-285750">
-              <a:buFont typeface="Courier New" pitchFamily="49" charset="0"/>
-              <a:buChar char="o"/>
+              <a:t>Il testing di unità è stato eseguito dallo sviluppatore stesso</a:t>
+            </a:r>
+          </a:p>
+          <a:p>
+            <a:pPr marL="1200150" lvl="2" indent="-285750">
+              <a:buFont typeface="Arial" pitchFamily="34" charset="0"/>
+              <a:buChar char="•"/>
             </a:pPr>
             <a:r>
               <a:rPr lang="it-IT" dirty="0" smtClean="0">
                 <a:latin typeface="+mj-lt"/>
                 <a:cs typeface="Arial" pitchFamily="34" charset="0"/>
               </a:rPr>
-              <a:t>Non </a:t>
-            </a:r>
-            <a:r>
-              <a:rPr lang="it-IT" dirty="0" smtClean="0">
-                <a:latin typeface="+mj-lt"/>
-                <a:cs typeface="Arial" pitchFamily="34" charset="0"/>
-              </a:rPr>
-              <a:t>avrebbe Individuato molti </a:t>
-            </a:r>
-            <a:r>
-              <a:rPr lang="it-IT" dirty="0" smtClean="0">
-                <a:latin typeface="+mj-lt"/>
-                <a:cs typeface="Arial" pitchFamily="34" charset="0"/>
-              </a:rPr>
-              <a:t>bug perché:</a:t>
-            </a:r>
-          </a:p>
-          <a:p>
-            <a:pPr marL="1200150" lvl="2" indent="-285750">
-              <a:buFont typeface="Arial" pitchFamily="34" charset="0"/>
-              <a:buChar char="•"/>
-            </a:pPr>
-            <a:r>
-              <a:rPr lang="it-IT" dirty="0" smtClean="0">
-                <a:latin typeface="+mj-lt"/>
-                <a:cs typeface="Arial" pitchFamily="34" charset="0"/>
-              </a:rPr>
-              <a:t>Il </a:t>
-            </a:r>
-            <a:r>
-              <a:rPr lang="it-IT" dirty="0" smtClean="0">
-                <a:latin typeface="+mj-lt"/>
-                <a:cs typeface="Arial" pitchFamily="34" charset="0"/>
-              </a:rPr>
-              <a:t>testing di unità è stato eseguito dallo sviluppatore </a:t>
-            </a:r>
-            <a:r>
-              <a:rPr lang="it-IT" dirty="0" smtClean="0">
-                <a:latin typeface="+mj-lt"/>
-                <a:cs typeface="Arial" pitchFamily="34" charset="0"/>
-              </a:rPr>
-              <a:t>stesso</a:t>
-            </a:r>
-          </a:p>
-          <a:p>
-            <a:pPr marL="1200150" lvl="2" indent="-285750">
-              <a:buFont typeface="Arial" pitchFamily="34" charset="0"/>
-              <a:buChar char="•"/>
-            </a:pPr>
-            <a:r>
-              <a:rPr lang="it-IT" dirty="0" smtClean="0">
-                <a:latin typeface="+mj-lt"/>
-                <a:cs typeface="Arial" pitchFamily="34" charset="0"/>
-              </a:rPr>
-              <a:t>Molto </a:t>
-            </a:r>
-            <a:r>
-              <a:rPr lang="it-IT" dirty="0" smtClean="0">
-                <a:latin typeface="+mj-lt"/>
-                <a:cs typeface="Arial" pitchFamily="34" charset="0"/>
-              </a:rPr>
-              <a:t>ridondate</a:t>
+              <a:t>Molto ridondate</a:t>
             </a:r>
             <a:r>
               <a:rPr lang="it-IT" dirty="0" smtClean="0">
@@ -14832,85 +14767,9 @@
     </p:spTree>
     <p:extLst>
       <p:ext uri="{BB962C8B-B14F-4D97-AF65-F5344CB8AC3E}">
-        <p14:creationId xmlns:p14="http://schemas.microsoft.com/office/powerpoint/2010/main" val="3312797979"/>
+        <p14:creationId xmlns:p14="http://schemas.microsoft.com/office/powerpoint/2010/main" xmlns="" val="3312797979"/>
       </p:ext>
     </p:extLst>
-  </p:cSld>
-  <p:clrMapOvr>
-    <a:masterClrMapping/>
-  </p:clrMapOvr>
-  <p:timing>
-    <p:tnLst>
-      <p:par>
-        <p:cTn id="1" dur="indefinite" restart="never" nodeType="tmRoot"/>
-      </p:par>
-    </p:tnLst>
-  </p:timing>
-</p:sld>
-</file>
-
-<file path=ppt/slides/slide29.xml><?xml version="1.0" encoding="utf-8"?>
-<p:sld xmlns:a="http://schemas.openxmlformats.org/drawingml/2006/main" xmlns:r="http://schemas.openxmlformats.org/officeDocument/2006/relationships" xmlns:p="http://schemas.openxmlformats.org/presentationml/2006/main">
-  <p:cSld>
-    <p:spTree>
-      <p:nvGrpSpPr>
-        <p:cNvPr id="1" name=""/>
-        <p:cNvGrpSpPr/>
-        <p:nvPr/>
-      </p:nvGrpSpPr>
-      <p:grpSpPr>
-        <a:xfrm>
-          <a:off x="0" y="0"/>
-          <a:ext cx="0" cy="0"/>
-          <a:chOff x="0" y="0"/>
-          <a:chExt cx="0" cy="0"/>
-        </a:xfrm>
-      </p:grpSpPr>
-      <p:sp>
-        <p:nvSpPr>
-          <p:cNvPr id="2" name="CasellaDiTesto 1"/>
-          <p:cNvSpPr txBox="1"/>
-          <p:nvPr/>
-        </p:nvSpPr>
-        <p:spPr>
-          <a:xfrm>
-            <a:off x="0" y="428604"/>
-            <a:ext cx="9144000" cy="1107996"/>
-          </a:xfrm>
-          <a:prstGeom prst="rect">
-            <a:avLst/>
-          </a:prstGeom>
-          <a:noFill/>
-        </p:spPr>
-        <p:txBody>
-          <a:bodyPr wrap="square" rtlCol="0">
-            <a:spAutoFit/>
-          </a:bodyPr>
-          <a:lstStyle/>
-          <a:p>
-            <a:pPr algn="ctr"/>
-            <a:r>
-              <a:rPr lang="it-IT" sz="4800" b="1" dirty="0" smtClean="0">
-                <a:latin typeface="+mj-lt"/>
-              </a:rPr>
-              <a:t>Pro\Contro </a:t>
-            </a:r>
-            <a:r>
-              <a:rPr lang="it-IT" sz="4800" b="1" dirty="0" smtClean="0">
-                <a:latin typeface="+mj-lt"/>
-              </a:rPr>
-              <a:t>del ODD</a:t>
-            </a:r>
-          </a:p>
-          <a:p>
-            <a:pPr algn="ctr"/>
-            <a:endParaRPr lang="it-IT" dirty="0">
-              <a:latin typeface="+mj-lt"/>
-            </a:endParaRPr>
-          </a:p>
-        </p:txBody>
-      </p:sp>
-    </p:spTree>
   </p:cSld>
   <p:clrMapOvr>
     <a:masterClrMapping/>
@@ -15378,18 +15237,18 @@
     </p:spTree>
     <p:extLst>
       <p:ext uri="{BB962C8B-B14F-4D97-AF65-F5344CB8AC3E}">
-        <p14:creationId xmlns:p14="http://schemas.microsoft.com/office/powerpoint/2010/main" val="155874689"/>
+        <p14:creationId xmlns:p14="http://schemas.microsoft.com/office/powerpoint/2010/main" xmlns="" val="155874689"/>
       </p:ext>
     </p:extLst>
   </p:cSld>
   <p:clrMapOvr>
     <a:masterClrMapping/>
   </p:clrMapOvr>
-  <mc:AlternateContent xmlns:mc="http://schemas.openxmlformats.org/markup-compatibility/2006" xmlns:p14="http://schemas.microsoft.com/office/powerpoint/2010/main">
-    <mc:Choice Requires="p14">
+  <mc:AlternateContent xmlns:mc="http://schemas.openxmlformats.org/markup-compatibility/2006">
+    <mc:Choice xmlns:p14="http://schemas.microsoft.com/office/powerpoint/2010/main" xmlns="" Requires="p14">
       <p:transition spd="slow" p14:dur="2000"/>
     </mc:Choice>
-    <mc:Fallback xmlns="">
+    <mc:Fallback>
       <p:transition spd="slow"/>
     </mc:Fallback>
   </mc:AlternateContent>
@@ -15428,6 +15287,76 @@
         </p:nvSpPr>
         <p:spPr>
           <a:xfrm>
+            <a:off x="0" y="428604"/>
+            <a:ext cx="9144000" cy="1107996"/>
+          </a:xfrm>
+          <a:prstGeom prst="rect">
+            <a:avLst/>
+          </a:prstGeom>
+          <a:noFill/>
+        </p:spPr>
+        <p:txBody>
+          <a:bodyPr wrap="square" rtlCol="0">
+            <a:spAutoFit/>
+          </a:bodyPr>
+          <a:lstStyle/>
+          <a:p>
+            <a:pPr algn="ctr"/>
+            <a:r>
+              <a:rPr lang="it-IT" sz="4800" b="1" dirty="0" smtClean="0">
+                <a:latin typeface="+mj-lt"/>
+              </a:rPr>
+              <a:t>Pro\Contro del ODD</a:t>
+            </a:r>
+          </a:p>
+          <a:p>
+            <a:pPr algn="ctr"/>
+            <a:endParaRPr lang="it-IT" dirty="0">
+              <a:latin typeface="+mj-lt"/>
+            </a:endParaRPr>
+          </a:p>
+        </p:txBody>
+      </p:sp>
+    </p:spTree>
+  </p:cSld>
+  <p:clrMapOvr>
+    <a:masterClrMapping/>
+  </p:clrMapOvr>
+  <p:timing>
+    <p:tnLst>
+      <p:par>
+        <p:cTn id="1" dur="indefinite" restart="never" nodeType="tmRoot"/>
+      </p:par>
+    </p:tnLst>
+  </p:timing>
+</p:sld>
+</file>
+
+<file path=ppt/slides/slide31.xml><?xml version="1.0" encoding="utf-8"?>
+<p:sld xmlns:a="http://schemas.openxmlformats.org/drawingml/2006/main" xmlns:r="http://schemas.openxmlformats.org/officeDocument/2006/relationships" xmlns:p="http://schemas.openxmlformats.org/presentationml/2006/main">
+  <p:cSld>
+    <p:spTree>
+      <p:nvGrpSpPr>
+        <p:cNvPr id="1" name=""/>
+        <p:cNvGrpSpPr/>
+        <p:nvPr/>
+      </p:nvGrpSpPr>
+      <p:grpSpPr>
+        <a:xfrm>
+          <a:off x="0" y="0"/>
+          <a:ext cx="0" cy="0"/>
+          <a:chOff x="0" y="0"/>
+          <a:chExt cx="0" cy="0"/>
+        </a:xfrm>
+      </p:grpSpPr>
+      <p:sp>
+        <p:nvSpPr>
+          <p:cNvPr id="2" name="CasellaDiTesto 1"/>
+          <p:cNvSpPr txBox="1"/>
+          <p:nvPr/>
+        </p:nvSpPr>
+        <p:spPr>
+          <a:xfrm>
             <a:off x="1928794" y="428604"/>
             <a:ext cx="5214974" cy="1846659"/>
           </a:xfrm>
@@ -15447,13 +15376,7 @@
               <a:rPr lang="it-IT" sz="4800" b="1" dirty="0" smtClean="0">
                 <a:latin typeface="+mj-lt"/>
               </a:rPr>
-              <a:t>Obiettivi di </a:t>
-            </a:r>
-            <a:r>
-              <a:rPr lang="it-IT" sz="4800" b="1" dirty="0" smtClean="0">
-                <a:latin typeface="+mj-lt"/>
-              </a:rPr>
-              <a:t>Implementazione</a:t>
+              <a:t>Obiettivi di Implementazione</a:t>
             </a:r>
             <a:endParaRPr lang="it-IT" sz="2800" b="1" dirty="0" smtClean="0">
               <a:latin typeface="+mj-lt"/>
@@ -15669,18 +15592,18 @@
     </p:spTree>
     <p:extLst>
       <p:ext uri="{BB962C8B-B14F-4D97-AF65-F5344CB8AC3E}">
-        <p14:creationId xmlns:p14="http://schemas.microsoft.com/office/powerpoint/2010/main" val="155874689"/>
+        <p14:creationId xmlns:p14="http://schemas.microsoft.com/office/powerpoint/2010/main" xmlns="" val="155874689"/>
       </p:ext>
     </p:extLst>
   </p:cSld>
   <p:clrMapOvr>
     <a:masterClrMapping/>
   </p:clrMapOvr>
-  <mc:AlternateContent xmlns:mc="http://schemas.openxmlformats.org/markup-compatibility/2006" xmlns:p14="http://schemas.microsoft.com/office/powerpoint/2010/main">
-    <mc:Choice Requires="p14">
+  <mc:AlternateContent xmlns:mc="http://schemas.openxmlformats.org/markup-compatibility/2006">
+    <mc:Choice xmlns:p14="http://schemas.microsoft.com/office/powerpoint/2010/main" xmlns="" Requires="p14">
       <p:transition spd="slow" p14:dur="2000"/>
     </mc:Choice>
-    <mc:Fallback xmlns="">
+    <mc:Fallback>
       <p:transition spd="slow"/>
     </mc:Fallback>
   </mc:AlternateContent>
@@ -15694,7 +15617,7 @@
 </p:sld>
 </file>
 
-<file path=ppt/slides/slide31.xml><?xml version="1.0" encoding="utf-8"?>
+<file path=ppt/slides/slide32.xml><?xml version="1.0" encoding="utf-8"?>
 <p:sld xmlns:a="http://schemas.openxmlformats.org/drawingml/2006/main" xmlns:r="http://schemas.openxmlformats.org/officeDocument/2006/relationships" xmlns:p="http://schemas.openxmlformats.org/presentationml/2006/main">
   <p:cSld>
     <p:spTree>
@@ -15749,523 +15672,6 @@
             <a:endParaRPr lang="it-IT" dirty="0">
               <a:latin typeface="+mj-lt"/>
             </a:endParaRPr>
-          </a:p>
-        </p:txBody>
-      </p:sp>
-    </p:spTree>
-  </p:cSld>
-  <p:clrMapOvr>
-    <a:masterClrMapping/>
-  </p:clrMapOvr>
-  <p:timing>
-    <p:tnLst>
-      <p:par>
-        <p:cTn id="1" dur="indefinite" restart="never" nodeType="tmRoot"/>
-      </p:par>
-    </p:tnLst>
-  </p:timing>
-</p:sld>
-</file>
-
-<file path=ppt/slides/slide32.xml><?xml version="1.0" encoding="utf-8"?>
-<p:sld xmlns:a="http://schemas.openxmlformats.org/drawingml/2006/main" xmlns:r="http://schemas.openxmlformats.org/officeDocument/2006/relationships" xmlns:p="http://schemas.openxmlformats.org/presentationml/2006/main">
-  <p:cSld>
-    <p:spTree>
-      <p:nvGrpSpPr>
-        <p:cNvPr id="1" name=""/>
-        <p:cNvGrpSpPr/>
-        <p:nvPr/>
-      </p:nvGrpSpPr>
-      <p:grpSpPr>
-        <a:xfrm>
-          <a:off x="0" y="0"/>
-          <a:ext cx="0" cy="0"/>
-          <a:chOff x="0" y="0"/>
-          <a:chExt cx="0" cy="0"/>
-        </a:xfrm>
-      </p:grpSpPr>
-      <p:sp>
-        <p:nvSpPr>
-          <p:cNvPr id="2" name="CasellaDiTesto 1"/>
-          <p:cNvSpPr txBox="1"/>
-          <p:nvPr/>
-        </p:nvSpPr>
-        <p:spPr>
-          <a:xfrm>
-            <a:off x="1071538" y="428604"/>
-            <a:ext cx="7715304" cy="1107996"/>
-          </a:xfrm>
-          <a:prstGeom prst="rect">
-            <a:avLst/>
-          </a:prstGeom>
-          <a:noFill/>
-        </p:spPr>
-        <p:txBody>
-          <a:bodyPr wrap="square" rtlCol="0">
-            <a:spAutoFit/>
-          </a:bodyPr>
-          <a:lstStyle/>
-          <a:p>
-            <a:pPr algn="ctr"/>
-            <a:r>
-              <a:rPr lang="it-IT" sz="4800" b="1" dirty="0" smtClean="0">
-                <a:latin typeface="+mj-lt"/>
-              </a:rPr>
-              <a:t>Pro\Contro implementazione</a:t>
-            </a:r>
-            <a:endParaRPr lang="it-IT" sz="2800" b="1" dirty="0" smtClean="0">
-              <a:latin typeface="+mj-lt"/>
-            </a:endParaRPr>
-          </a:p>
-          <a:p>
-            <a:pPr algn="ctr"/>
-            <a:endParaRPr lang="it-IT" dirty="0">
-              <a:latin typeface="+mj-lt"/>
-            </a:endParaRPr>
-          </a:p>
-        </p:txBody>
-      </p:sp>
-      <p:sp>
-        <p:nvSpPr>
-          <p:cNvPr id="3" name="Content Placeholder 3"/>
-          <p:cNvSpPr txBox="1">
-            <a:spLocks/>
-          </p:cNvSpPr>
-          <p:nvPr/>
-        </p:nvSpPr>
-        <p:spPr>
-          <a:xfrm>
-            <a:off x="285720" y="1785926"/>
-            <a:ext cx="8429684" cy="2000264"/>
-          </a:xfrm>
-          <a:prstGeom prst="rect">
-            <a:avLst/>
-          </a:prstGeom>
-        </p:spPr>
-        <p:txBody>
-          <a:bodyPr tIns="0"/>
-          <a:lstStyle>
-            <a:lvl1pPr marL="274320" indent="-274320" algn="l" rtl="0" eaLnBrk="1" latinLnBrk="0" hangingPunct="1">
-              <a:spcBef>
-                <a:spcPct val="20000"/>
-              </a:spcBef>
-              <a:buClrTx/>
-              <a:buSzPct val="95000"/>
-              <a:buFont typeface="Wingdings" pitchFamily="2" charset="2"/>
-              <a:buChar char="v"/>
-              <a:defRPr kumimoji="0" sz="2800" kern="1200">
-                <a:solidFill>
-                  <a:schemeClr val="tx1"/>
-                </a:solidFill>
-                <a:latin typeface="+mn-lt"/>
-                <a:ea typeface="+mn-ea"/>
-                <a:cs typeface="+mn-cs"/>
-              </a:defRPr>
-            </a:lvl1pPr>
-            <a:lvl2pPr marL="640080" indent="-246888" algn="l" rtl="0" eaLnBrk="1" latinLnBrk="0" hangingPunct="1">
-              <a:spcBef>
-                <a:spcPct val="20000"/>
-              </a:spcBef>
-              <a:buClrTx/>
-              <a:buSzPct val="85000"/>
-              <a:buFont typeface="Courier New" pitchFamily="49" charset="0"/>
-              <a:buChar char="o"/>
-              <a:defRPr kumimoji="0" sz="2600" kern="1200">
-                <a:solidFill>
-                  <a:schemeClr val="tx1"/>
-                </a:solidFill>
-                <a:latin typeface="+mn-lt"/>
-                <a:ea typeface="+mn-ea"/>
-                <a:cs typeface="+mn-cs"/>
-              </a:defRPr>
-            </a:lvl2pPr>
-            <a:lvl3pPr marL="914400" indent="-246888" algn="l" rtl="0" eaLnBrk="1" latinLnBrk="0" hangingPunct="1">
-              <a:spcBef>
-                <a:spcPct val="20000"/>
-              </a:spcBef>
-              <a:buClrTx/>
-              <a:buSzPct val="70000"/>
-              <a:buFont typeface="Wingdings 2"/>
-              <a:buChar char=""/>
-              <a:defRPr kumimoji="0" sz="2400" kern="1200">
-                <a:solidFill>
-                  <a:schemeClr val="tx1"/>
-                </a:solidFill>
-                <a:latin typeface="+mn-lt"/>
-                <a:ea typeface="+mn-ea"/>
-                <a:cs typeface="+mn-cs"/>
-              </a:defRPr>
-            </a:lvl3pPr>
-            <a:lvl4pPr marL="1188720" indent="-210312" algn="l" rtl="0" eaLnBrk="1" latinLnBrk="0" hangingPunct="1">
-              <a:spcBef>
-                <a:spcPct val="20000"/>
-              </a:spcBef>
-              <a:buClrTx/>
-              <a:buSzPct val="65000"/>
-              <a:buFont typeface="Wingdings 2"/>
-              <a:buChar char=""/>
-              <a:defRPr kumimoji="0" sz="2000" kern="1200">
-                <a:solidFill>
-                  <a:schemeClr val="tx1"/>
-                </a:solidFill>
-                <a:latin typeface="+mn-lt"/>
-                <a:ea typeface="+mn-ea"/>
-                <a:cs typeface="+mn-cs"/>
-              </a:defRPr>
-            </a:lvl4pPr>
-            <a:lvl5pPr marL="1463040" indent="-210312" algn="l" rtl="0" eaLnBrk="1" latinLnBrk="0" hangingPunct="1">
-              <a:spcBef>
-                <a:spcPct val="20000"/>
-              </a:spcBef>
-              <a:buClrTx/>
-              <a:buSzPct val="65000"/>
-              <a:buFont typeface="Wingdings 2"/>
-              <a:buChar char=""/>
-              <a:defRPr kumimoji="0" sz="1800" kern="1200">
-                <a:solidFill>
-                  <a:schemeClr val="tx1"/>
-                </a:solidFill>
-                <a:latin typeface="+mn-lt"/>
-                <a:ea typeface="+mn-ea"/>
-                <a:cs typeface="+mn-cs"/>
-              </a:defRPr>
-            </a:lvl5pPr>
-            <a:lvl6pPr marL="1737360" indent="-210312" algn="l" rtl="0" eaLnBrk="1" latinLnBrk="0" hangingPunct="1">
-              <a:spcBef>
-                <a:spcPct val="20000"/>
-              </a:spcBef>
-              <a:buClr>
-                <a:schemeClr val="accent5"/>
-              </a:buClr>
-              <a:buSzPct val="80000"/>
-              <a:buFont typeface="Wingdings 2"/>
-              <a:buChar char=""/>
-              <a:defRPr kumimoji="0" sz="1800" kern="1200">
-                <a:solidFill>
-                  <a:schemeClr val="tx1"/>
-                </a:solidFill>
-                <a:latin typeface="+mn-lt"/>
-                <a:ea typeface="+mn-ea"/>
-                <a:cs typeface="+mn-cs"/>
-              </a:defRPr>
-            </a:lvl6pPr>
-            <a:lvl7pPr marL="1920240" indent="-182880" algn="l" rtl="0" eaLnBrk="1" latinLnBrk="0" hangingPunct="1">
-              <a:spcBef>
-                <a:spcPct val="20000"/>
-              </a:spcBef>
-              <a:buClr>
-                <a:schemeClr val="accent6"/>
-              </a:buClr>
-              <a:buSzPct val="80000"/>
-              <a:buFont typeface="Wingdings 2"/>
-              <a:buChar char=""/>
-              <a:defRPr kumimoji="0" sz="1600" kern="1200" baseline="0">
-                <a:solidFill>
-                  <a:schemeClr val="tx1"/>
-                </a:solidFill>
-                <a:latin typeface="+mn-lt"/>
-                <a:ea typeface="+mn-ea"/>
-                <a:cs typeface="+mn-cs"/>
-              </a:defRPr>
-            </a:lvl7pPr>
-            <a:lvl8pPr marL="2194560" indent="-182880" algn="l" rtl="0" eaLnBrk="1" latinLnBrk="0" hangingPunct="1">
-              <a:spcBef>
-                <a:spcPct val="20000"/>
-              </a:spcBef>
-              <a:buClr>
-                <a:schemeClr val="tx2"/>
-              </a:buClr>
-              <a:buChar char="•"/>
-              <a:defRPr kumimoji="0" sz="1600" kern="1200">
-                <a:solidFill>
-                  <a:schemeClr val="tx1"/>
-                </a:solidFill>
-                <a:latin typeface="+mn-lt"/>
-                <a:ea typeface="+mn-ea"/>
-                <a:cs typeface="+mn-cs"/>
-              </a:defRPr>
-            </a:lvl8pPr>
-            <a:lvl9pPr marL="2468880" indent="-182880" algn="l" rtl="0" eaLnBrk="1" latinLnBrk="0" hangingPunct="1">
-              <a:spcBef>
-                <a:spcPct val="20000"/>
-              </a:spcBef>
-              <a:buClr>
-                <a:schemeClr val="tx2"/>
-              </a:buClr>
-              <a:buFontTx/>
-              <a:buChar char="•"/>
-              <a:defRPr kumimoji="0" sz="1400" kern="1200" baseline="0">
-                <a:solidFill>
-                  <a:schemeClr val="tx1"/>
-                </a:solidFill>
-                <a:latin typeface="+mn-lt"/>
-                <a:ea typeface="+mn-ea"/>
-                <a:cs typeface="+mn-cs"/>
-              </a:defRPr>
-            </a:lvl9pPr>
-          </a:lstStyle>
-          <a:p>
-            <a:pPr marL="365760" lvl="1" indent="0">
-              <a:buFont typeface="Wingdings" pitchFamily="2" charset="2"/>
-              <a:buChar char="v"/>
-            </a:pPr>
-            <a:r>
-              <a:rPr lang="en-US" sz="3000" dirty="0" smtClean="0"/>
-              <a:t>Elevata complessità</a:t>
-            </a:r>
-          </a:p>
-          <a:p>
-            <a:pPr marL="365760" lvl="1" indent="0">
-              <a:buFont typeface="Wingdings" pitchFamily="2" charset="2"/>
-              <a:buChar char="v"/>
-            </a:pPr>
-            <a:r>
-              <a:rPr lang="en-US" sz="3000" dirty="0" smtClean="0"/>
-              <a:t>Porzioni di codice poco commentate</a:t>
-            </a:r>
-          </a:p>
-          <a:p>
-            <a:pPr marL="365760" lvl="1" indent="0">
-              <a:buFont typeface="Wingdings" pitchFamily="2" charset="2"/>
-              <a:buChar char="v"/>
-            </a:pPr>
-            <a:r>
-              <a:rPr lang="en-US" dirty="0" smtClean="0"/>
-              <a:t>I sottosistemi con priorità medio/bassa non sono stati implementati</a:t>
-            </a:r>
-          </a:p>
-          <a:p>
-            <a:pPr marL="365760" lvl="1" indent="0">
-              <a:buNone/>
-            </a:pPr>
-            <a:endParaRPr lang="en-US" dirty="0" smtClean="0"/>
-          </a:p>
-          <a:p>
-            <a:pPr marL="365760" lvl="1" indent="0">
-              <a:buNone/>
-            </a:pPr>
-            <a:endParaRPr lang="en-US" dirty="0" smtClean="0"/>
-          </a:p>
-          <a:p>
-            <a:pPr marL="365760" lvl="1" indent="0">
-              <a:buNone/>
-            </a:pPr>
-            <a:r>
-              <a:rPr lang="en-US" dirty="0" smtClean="0"/>
-              <a:t> </a:t>
-            </a:r>
-          </a:p>
-        </p:txBody>
-      </p:sp>
-      <p:sp>
-        <p:nvSpPr>
-          <p:cNvPr id="4" name="Content Placeholder 3"/>
-          <p:cNvSpPr txBox="1">
-            <a:spLocks/>
-          </p:cNvSpPr>
-          <p:nvPr/>
-        </p:nvSpPr>
-        <p:spPr>
-          <a:xfrm>
-            <a:off x="357158" y="4214818"/>
-            <a:ext cx="8429684" cy="2000264"/>
-          </a:xfrm>
-          <a:prstGeom prst="rect">
-            <a:avLst/>
-          </a:prstGeom>
-        </p:spPr>
-        <p:txBody>
-          <a:bodyPr tIns="0"/>
-          <a:lstStyle>
-            <a:lvl1pPr marL="274320" indent="-274320" algn="l" rtl="0" eaLnBrk="1" latinLnBrk="0" hangingPunct="1">
-              <a:spcBef>
-                <a:spcPct val="20000"/>
-              </a:spcBef>
-              <a:buClrTx/>
-              <a:buSzPct val="95000"/>
-              <a:buFont typeface="Wingdings" pitchFamily="2" charset="2"/>
-              <a:buChar char="v"/>
-              <a:defRPr kumimoji="0" sz="2800" kern="1200">
-                <a:solidFill>
-                  <a:schemeClr val="tx1"/>
-                </a:solidFill>
-                <a:latin typeface="+mn-lt"/>
-                <a:ea typeface="+mn-ea"/>
-                <a:cs typeface="+mn-cs"/>
-              </a:defRPr>
-            </a:lvl1pPr>
-            <a:lvl2pPr marL="640080" indent="-246888" algn="l" rtl="0" eaLnBrk="1" latinLnBrk="0" hangingPunct="1">
-              <a:spcBef>
-                <a:spcPct val="20000"/>
-              </a:spcBef>
-              <a:buClrTx/>
-              <a:buSzPct val="85000"/>
-              <a:buFont typeface="Courier New" pitchFamily="49" charset="0"/>
-              <a:buChar char="o"/>
-              <a:defRPr kumimoji="0" sz="2600" kern="1200">
-                <a:solidFill>
-                  <a:schemeClr val="tx1"/>
-                </a:solidFill>
-                <a:latin typeface="+mn-lt"/>
-                <a:ea typeface="+mn-ea"/>
-                <a:cs typeface="+mn-cs"/>
-              </a:defRPr>
-            </a:lvl2pPr>
-            <a:lvl3pPr marL="914400" indent="-246888" algn="l" rtl="0" eaLnBrk="1" latinLnBrk="0" hangingPunct="1">
-              <a:spcBef>
-                <a:spcPct val="20000"/>
-              </a:spcBef>
-              <a:buClrTx/>
-              <a:buSzPct val="70000"/>
-              <a:buFont typeface="Wingdings 2"/>
-              <a:buChar char=""/>
-              <a:defRPr kumimoji="0" sz="2400" kern="1200">
-                <a:solidFill>
-                  <a:schemeClr val="tx1"/>
-                </a:solidFill>
-                <a:latin typeface="+mn-lt"/>
-                <a:ea typeface="+mn-ea"/>
-                <a:cs typeface="+mn-cs"/>
-              </a:defRPr>
-            </a:lvl3pPr>
-            <a:lvl4pPr marL="1188720" indent="-210312" algn="l" rtl="0" eaLnBrk="1" latinLnBrk="0" hangingPunct="1">
-              <a:spcBef>
-                <a:spcPct val="20000"/>
-              </a:spcBef>
-              <a:buClrTx/>
-              <a:buSzPct val="65000"/>
-              <a:buFont typeface="Wingdings 2"/>
-              <a:buChar char=""/>
-              <a:defRPr kumimoji="0" sz="2000" kern="1200">
-                <a:solidFill>
-                  <a:schemeClr val="tx1"/>
-                </a:solidFill>
-                <a:latin typeface="+mn-lt"/>
-                <a:ea typeface="+mn-ea"/>
-                <a:cs typeface="+mn-cs"/>
-              </a:defRPr>
-            </a:lvl4pPr>
-            <a:lvl5pPr marL="1463040" indent="-210312" algn="l" rtl="0" eaLnBrk="1" latinLnBrk="0" hangingPunct="1">
-              <a:spcBef>
-                <a:spcPct val="20000"/>
-              </a:spcBef>
-              <a:buClrTx/>
-              <a:buSzPct val="65000"/>
-              <a:buFont typeface="Wingdings 2"/>
-              <a:buChar char=""/>
-              <a:defRPr kumimoji="0" sz="1800" kern="1200">
-                <a:solidFill>
-                  <a:schemeClr val="tx1"/>
-                </a:solidFill>
-                <a:latin typeface="+mn-lt"/>
-                <a:ea typeface="+mn-ea"/>
-                <a:cs typeface="+mn-cs"/>
-              </a:defRPr>
-            </a:lvl5pPr>
-            <a:lvl6pPr marL="1737360" indent="-210312" algn="l" rtl="0" eaLnBrk="1" latinLnBrk="0" hangingPunct="1">
-              <a:spcBef>
-                <a:spcPct val="20000"/>
-              </a:spcBef>
-              <a:buClr>
-                <a:schemeClr val="accent5"/>
-              </a:buClr>
-              <a:buSzPct val="80000"/>
-              <a:buFont typeface="Wingdings 2"/>
-              <a:buChar char=""/>
-              <a:defRPr kumimoji="0" sz="1800" kern="1200">
-                <a:solidFill>
-                  <a:schemeClr val="tx1"/>
-                </a:solidFill>
-                <a:latin typeface="+mn-lt"/>
-                <a:ea typeface="+mn-ea"/>
-                <a:cs typeface="+mn-cs"/>
-              </a:defRPr>
-            </a:lvl6pPr>
-            <a:lvl7pPr marL="1920240" indent="-182880" algn="l" rtl="0" eaLnBrk="1" latinLnBrk="0" hangingPunct="1">
-              <a:spcBef>
-                <a:spcPct val="20000"/>
-              </a:spcBef>
-              <a:buClr>
-                <a:schemeClr val="accent6"/>
-              </a:buClr>
-              <a:buSzPct val="80000"/>
-              <a:buFont typeface="Wingdings 2"/>
-              <a:buChar char=""/>
-              <a:defRPr kumimoji="0" sz="1600" kern="1200" baseline="0">
-                <a:solidFill>
-                  <a:schemeClr val="tx1"/>
-                </a:solidFill>
-                <a:latin typeface="+mn-lt"/>
-                <a:ea typeface="+mn-ea"/>
-                <a:cs typeface="+mn-cs"/>
-              </a:defRPr>
-            </a:lvl7pPr>
-            <a:lvl8pPr marL="2194560" indent="-182880" algn="l" rtl="0" eaLnBrk="1" latinLnBrk="0" hangingPunct="1">
-              <a:spcBef>
-                <a:spcPct val="20000"/>
-              </a:spcBef>
-              <a:buClr>
-                <a:schemeClr val="tx2"/>
-              </a:buClr>
-              <a:buChar char="•"/>
-              <a:defRPr kumimoji="0" sz="1600" kern="1200">
-                <a:solidFill>
-                  <a:schemeClr val="tx1"/>
-                </a:solidFill>
-                <a:latin typeface="+mn-lt"/>
-                <a:ea typeface="+mn-ea"/>
-                <a:cs typeface="+mn-cs"/>
-              </a:defRPr>
-            </a:lvl8pPr>
-            <a:lvl9pPr marL="2468880" indent="-182880" algn="l" rtl="0" eaLnBrk="1" latinLnBrk="0" hangingPunct="1">
-              <a:spcBef>
-                <a:spcPct val="20000"/>
-              </a:spcBef>
-              <a:buClr>
-                <a:schemeClr val="tx2"/>
-              </a:buClr>
-              <a:buFontTx/>
-              <a:buChar char="•"/>
-              <a:defRPr kumimoji="0" sz="1400" kern="1200" baseline="0">
-                <a:solidFill>
-                  <a:schemeClr val="tx1"/>
-                </a:solidFill>
-                <a:latin typeface="+mn-lt"/>
-                <a:ea typeface="+mn-ea"/>
-                <a:cs typeface="+mn-cs"/>
-              </a:defRPr>
-            </a:lvl9pPr>
-          </a:lstStyle>
-          <a:p>
-            <a:pPr marL="365760" lvl="1" indent="0">
-              <a:buNone/>
-            </a:pPr>
-            <a:r>
-              <a:rPr lang="en-US" sz="3000" dirty="0" smtClean="0"/>
-              <a:t>E’ possibile migliorare il sistema con ulteriori operazioni di refactoring, per migliorarne la leggibilità e la complessità. </a:t>
-            </a:r>
-            <a:endParaRPr lang="en-US" dirty="0" smtClean="0"/>
-          </a:p>
-          <a:p>
-            <a:pPr marL="365760" lvl="1" indent="0">
-              <a:buNone/>
-            </a:pPr>
-            <a:endParaRPr lang="en-US" dirty="0" smtClean="0"/>
-          </a:p>
-          <a:p>
-            <a:pPr marL="365760" lvl="1" indent="0">
-              <a:buNone/>
-            </a:pPr>
-            <a:endParaRPr lang="en-US" dirty="0" smtClean="0"/>
-          </a:p>
-          <a:p>
-            <a:pPr marL="365760" lvl="1" indent="0">
-              <a:buNone/>
-            </a:pPr>
-            <a:r>
-              <a:rPr lang="en-US" dirty="0" smtClean="0"/>
-              <a:t> </a:t>
-            </a:r>
           </a:p>
         </p:txBody>
       </p:sp>
@@ -16309,8 +15715,8 @@
         </p:nvSpPr>
         <p:spPr>
           <a:xfrm>
-            <a:off x="642910" y="428604"/>
-            <a:ext cx="7715304" cy="1846659"/>
+            <a:off x="1071538" y="428604"/>
+            <a:ext cx="7715304" cy="1107996"/>
           </a:xfrm>
           <a:prstGeom prst="rect">
             <a:avLst/>
@@ -16328,16 +15734,7 @@
               <a:rPr lang="it-IT" sz="4800" b="1" dirty="0" smtClean="0">
                 <a:latin typeface="+mj-lt"/>
               </a:rPr>
-              <a:t>Testing di integrazione</a:t>
-            </a:r>
-          </a:p>
-          <a:p>
-            <a:pPr algn="ctr"/>
-            <a:r>
-              <a:rPr lang="it-IT" sz="4800" b="1" dirty="0" smtClean="0">
-                <a:latin typeface="+mj-lt"/>
-              </a:rPr>
-              <a:t>sul sistema Kids</a:t>
+              <a:t>Pro\Contro implementazione</a:t>
             </a:r>
             <a:endParaRPr lang="it-IT" sz="2800" b="1" dirty="0" smtClean="0">
               <a:latin typeface="+mj-lt"/>
@@ -16361,8 +15758,8 @@
         </p:nvSpPr>
         <p:spPr>
           <a:xfrm>
-            <a:off x="357158" y="2500306"/>
-            <a:ext cx="8429684" cy="3286148"/>
+            <a:off x="285720" y="1785926"/>
+            <a:ext cx="8429684" cy="2000264"/>
           </a:xfrm>
           <a:prstGeom prst="rect">
             <a:avLst/>
@@ -16532,9 +15929,266 @@
           </a:lstStyle>
           <a:p>
             <a:pPr marL="365760" lvl="1" indent="0">
+              <a:buFont typeface="Wingdings" pitchFamily="2" charset="2"/>
+              <a:buChar char="v"/>
+            </a:pPr>
+            <a:r>
+              <a:rPr lang="en-US" sz="3000" dirty="0" smtClean="0"/>
+              <a:t>Elevata complessità</a:t>
+            </a:r>
+          </a:p>
+          <a:p>
+            <a:pPr marL="365760" lvl="1" indent="0">
+              <a:buFont typeface="Wingdings" pitchFamily="2" charset="2"/>
+              <a:buChar char="v"/>
+            </a:pPr>
+            <a:r>
+              <a:rPr lang="en-US" sz="3000" dirty="0" smtClean="0"/>
+              <a:t>Porzioni di codice poco commentate</a:t>
+            </a:r>
+          </a:p>
+          <a:p>
+            <a:pPr marL="365760" lvl="1" indent="0">
+              <a:buFont typeface="Wingdings" pitchFamily="2" charset="2"/>
+              <a:buChar char="v"/>
+            </a:pPr>
+            <a:r>
+              <a:rPr lang="en-US" dirty="0" smtClean="0"/>
+              <a:t>I sottosistemi con priorità medio/bassa non sono stati implementati</a:t>
+            </a:r>
+          </a:p>
+          <a:p>
+            <a:pPr marL="365760" lvl="1" indent="0">
               <a:buNone/>
             </a:pPr>
             <a:endParaRPr lang="en-US" dirty="0" smtClean="0"/>
+          </a:p>
+          <a:p>
+            <a:pPr marL="365760" lvl="1" indent="0">
+              <a:buNone/>
+            </a:pPr>
+            <a:endParaRPr lang="en-US" dirty="0" smtClean="0"/>
+          </a:p>
+          <a:p>
+            <a:pPr marL="365760" lvl="1" indent="0">
+              <a:buNone/>
+            </a:pPr>
+            <a:r>
+              <a:rPr lang="en-US" dirty="0" smtClean="0"/>
+              <a:t> </a:t>
+            </a:r>
+          </a:p>
+        </p:txBody>
+      </p:sp>
+      <p:sp>
+        <p:nvSpPr>
+          <p:cNvPr id="4" name="Content Placeholder 3"/>
+          <p:cNvSpPr txBox="1">
+            <a:spLocks/>
+          </p:cNvSpPr>
+          <p:nvPr/>
+        </p:nvSpPr>
+        <p:spPr>
+          <a:xfrm>
+            <a:off x="357158" y="4214818"/>
+            <a:ext cx="8429684" cy="2000264"/>
+          </a:xfrm>
+          <a:prstGeom prst="rect">
+            <a:avLst/>
+          </a:prstGeom>
+        </p:spPr>
+        <p:txBody>
+          <a:bodyPr tIns="0"/>
+          <a:lstStyle>
+            <a:lvl1pPr marL="274320" indent="-274320" algn="l" rtl="0" eaLnBrk="1" latinLnBrk="0" hangingPunct="1">
+              <a:spcBef>
+                <a:spcPct val="20000"/>
+              </a:spcBef>
+              <a:buClrTx/>
+              <a:buSzPct val="95000"/>
+              <a:buFont typeface="Wingdings" pitchFamily="2" charset="2"/>
+              <a:buChar char="v"/>
+              <a:defRPr kumimoji="0" sz="2800" kern="1200">
+                <a:solidFill>
+                  <a:schemeClr val="tx1"/>
+                </a:solidFill>
+                <a:latin typeface="+mn-lt"/>
+                <a:ea typeface="+mn-ea"/>
+                <a:cs typeface="+mn-cs"/>
+              </a:defRPr>
+            </a:lvl1pPr>
+            <a:lvl2pPr marL="640080" indent="-246888" algn="l" rtl="0" eaLnBrk="1" latinLnBrk="0" hangingPunct="1">
+              <a:spcBef>
+                <a:spcPct val="20000"/>
+              </a:spcBef>
+              <a:buClrTx/>
+              <a:buSzPct val="85000"/>
+              <a:buFont typeface="Courier New" pitchFamily="49" charset="0"/>
+              <a:buChar char="o"/>
+              <a:defRPr kumimoji="0" sz="2600" kern="1200">
+                <a:solidFill>
+                  <a:schemeClr val="tx1"/>
+                </a:solidFill>
+                <a:latin typeface="+mn-lt"/>
+                <a:ea typeface="+mn-ea"/>
+                <a:cs typeface="+mn-cs"/>
+              </a:defRPr>
+            </a:lvl2pPr>
+            <a:lvl3pPr marL="914400" indent="-246888" algn="l" rtl="0" eaLnBrk="1" latinLnBrk="0" hangingPunct="1">
+              <a:spcBef>
+                <a:spcPct val="20000"/>
+              </a:spcBef>
+              <a:buClrTx/>
+              <a:buSzPct val="70000"/>
+              <a:buFont typeface="Wingdings 2"/>
+              <a:buChar char=""/>
+              <a:defRPr kumimoji="0" sz="2400" kern="1200">
+                <a:solidFill>
+                  <a:schemeClr val="tx1"/>
+                </a:solidFill>
+                <a:latin typeface="+mn-lt"/>
+                <a:ea typeface="+mn-ea"/>
+                <a:cs typeface="+mn-cs"/>
+              </a:defRPr>
+            </a:lvl3pPr>
+            <a:lvl4pPr marL="1188720" indent="-210312" algn="l" rtl="0" eaLnBrk="1" latinLnBrk="0" hangingPunct="1">
+              <a:spcBef>
+                <a:spcPct val="20000"/>
+              </a:spcBef>
+              <a:buClrTx/>
+              <a:buSzPct val="65000"/>
+              <a:buFont typeface="Wingdings 2"/>
+              <a:buChar char=""/>
+              <a:defRPr kumimoji="0" sz="2000" kern="1200">
+                <a:solidFill>
+                  <a:schemeClr val="tx1"/>
+                </a:solidFill>
+                <a:latin typeface="+mn-lt"/>
+                <a:ea typeface="+mn-ea"/>
+                <a:cs typeface="+mn-cs"/>
+              </a:defRPr>
+            </a:lvl4pPr>
+            <a:lvl5pPr marL="1463040" indent="-210312" algn="l" rtl="0" eaLnBrk="1" latinLnBrk="0" hangingPunct="1">
+              <a:spcBef>
+                <a:spcPct val="20000"/>
+              </a:spcBef>
+              <a:buClrTx/>
+              <a:buSzPct val="65000"/>
+              <a:buFont typeface="Wingdings 2"/>
+              <a:buChar char=""/>
+              <a:defRPr kumimoji="0" sz="1800" kern="1200">
+                <a:solidFill>
+                  <a:schemeClr val="tx1"/>
+                </a:solidFill>
+                <a:latin typeface="+mn-lt"/>
+                <a:ea typeface="+mn-ea"/>
+                <a:cs typeface="+mn-cs"/>
+              </a:defRPr>
+            </a:lvl5pPr>
+            <a:lvl6pPr marL="1737360" indent="-210312" algn="l" rtl="0" eaLnBrk="1" latinLnBrk="0" hangingPunct="1">
+              <a:spcBef>
+                <a:spcPct val="20000"/>
+              </a:spcBef>
+              <a:buClr>
+                <a:schemeClr val="accent5"/>
+              </a:buClr>
+              <a:buSzPct val="80000"/>
+              <a:buFont typeface="Wingdings 2"/>
+              <a:buChar char=""/>
+              <a:defRPr kumimoji="0" sz="1800" kern="1200">
+                <a:solidFill>
+                  <a:schemeClr val="tx1"/>
+                </a:solidFill>
+                <a:latin typeface="+mn-lt"/>
+                <a:ea typeface="+mn-ea"/>
+                <a:cs typeface="+mn-cs"/>
+              </a:defRPr>
+            </a:lvl6pPr>
+            <a:lvl7pPr marL="1920240" indent="-182880" algn="l" rtl="0" eaLnBrk="1" latinLnBrk="0" hangingPunct="1">
+              <a:spcBef>
+                <a:spcPct val="20000"/>
+              </a:spcBef>
+              <a:buClr>
+                <a:schemeClr val="accent6"/>
+              </a:buClr>
+              <a:buSzPct val="80000"/>
+              <a:buFont typeface="Wingdings 2"/>
+              <a:buChar char=""/>
+              <a:defRPr kumimoji="0" sz="1600" kern="1200" baseline="0">
+                <a:solidFill>
+                  <a:schemeClr val="tx1"/>
+                </a:solidFill>
+                <a:latin typeface="+mn-lt"/>
+                <a:ea typeface="+mn-ea"/>
+                <a:cs typeface="+mn-cs"/>
+              </a:defRPr>
+            </a:lvl7pPr>
+            <a:lvl8pPr marL="2194560" indent="-182880" algn="l" rtl="0" eaLnBrk="1" latinLnBrk="0" hangingPunct="1">
+              <a:spcBef>
+                <a:spcPct val="20000"/>
+              </a:spcBef>
+              <a:buClr>
+                <a:schemeClr val="tx2"/>
+              </a:buClr>
+              <a:buChar char="•"/>
+              <a:defRPr kumimoji="0" sz="1600" kern="1200">
+                <a:solidFill>
+                  <a:schemeClr val="tx1"/>
+                </a:solidFill>
+                <a:latin typeface="+mn-lt"/>
+                <a:ea typeface="+mn-ea"/>
+                <a:cs typeface="+mn-cs"/>
+              </a:defRPr>
+            </a:lvl8pPr>
+            <a:lvl9pPr marL="2468880" indent="-182880" algn="l" rtl="0" eaLnBrk="1" latinLnBrk="0" hangingPunct="1">
+              <a:spcBef>
+                <a:spcPct val="20000"/>
+              </a:spcBef>
+              <a:buClr>
+                <a:schemeClr val="tx2"/>
+              </a:buClr>
+              <a:buFontTx/>
+              <a:buChar char="•"/>
+              <a:defRPr kumimoji="0" sz="1400" kern="1200" baseline="0">
+                <a:solidFill>
+                  <a:schemeClr val="tx1"/>
+                </a:solidFill>
+                <a:latin typeface="+mn-lt"/>
+                <a:ea typeface="+mn-ea"/>
+                <a:cs typeface="+mn-cs"/>
+              </a:defRPr>
+            </a:lvl9pPr>
+          </a:lstStyle>
+          <a:p>
+            <a:pPr marL="365760" lvl="1" indent="0">
+              <a:buNone/>
+            </a:pPr>
+            <a:r>
+              <a:rPr lang="en-US" sz="3000" dirty="0" smtClean="0"/>
+              <a:t>E’ possibile migliorare il sistema con ulteriori operazioni di refactoring, per migliorarne la leggibilità e la complessità. </a:t>
+            </a:r>
+            <a:endParaRPr lang="en-US" dirty="0" smtClean="0"/>
+          </a:p>
+          <a:p>
+            <a:pPr marL="365760" lvl="1" indent="0">
+              <a:buNone/>
+            </a:pPr>
+            <a:endParaRPr lang="en-US" dirty="0" smtClean="0"/>
+          </a:p>
+          <a:p>
+            <a:pPr marL="365760" lvl="1" indent="0">
+              <a:buNone/>
+            </a:pPr>
+            <a:endParaRPr lang="en-US" dirty="0" smtClean="0"/>
+          </a:p>
+          <a:p>
+            <a:pPr marL="365760" lvl="1" indent="0">
+              <a:buNone/>
+            </a:pPr>
+            <a:r>
+              <a:rPr lang="en-US" dirty="0" smtClean="0"/>
+              <a:t> </a:t>
+            </a:r>
           </a:p>
         </p:txBody>
       </p:sp>
@@ -16579,7 +16233,7 @@
         <p:spPr>
           <a:xfrm>
             <a:off x="642910" y="428604"/>
-            <a:ext cx="7715304" cy="1107996"/>
+            <a:ext cx="7715304" cy="1846659"/>
           </a:xfrm>
           <a:prstGeom prst="rect">
             <a:avLst/>
@@ -16597,7 +16251,16 @@
               <a:rPr lang="it-IT" sz="4800" b="1" dirty="0" smtClean="0">
                 <a:latin typeface="+mj-lt"/>
               </a:rPr>
-              <a:t>Conclusioni</a:t>
+              <a:t>Testing di integrazione</a:t>
+            </a:r>
+          </a:p>
+          <a:p>
+            <a:pPr algn="ctr"/>
+            <a:r>
+              <a:rPr lang="it-IT" sz="4800" b="1" dirty="0" smtClean="0">
+                <a:latin typeface="+mj-lt"/>
+              </a:rPr>
+              <a:t>sul sistema Kids</a:t>
             </a:r>
             <a:endParaRPr lang="it-IT" sz="2800" b="1" dirty="0" smtClean="0">
               <a:latin typeface="+mj-lt"/>
@@ -16798,67 +16461,6 @@
           </a:p>
         </p:txBody>
       </p:sp>
-      <p:sp>
-        <p:nvSpPr>
-          <p:cNvPr id="4" name="TextBox 3"/>
-          <p:cNvSpPr txBox="1"/>
-          <p:nvPr/>
-        </p:nvSpPr>
-        <p:spPr>
-          <a:xfrm>
-            <a:off x="214282" y="1928802"/>
-            <a:ext cx="5715040" cy="492443"/>
-          </a:xfrm>
-          <a:prstGeom prst="rect">
-            <a:avLst/>
-          </a:prstGeom>
-          <a:noFill/>
-        </p:spPr>
-        <p:txBody>
-          <a:bodyPr wrap="square" rtlCol="0">
-            <a:spAutoFit/>
-          </a:bodyPr>
-          <a:lstStyle/>
-          <a:p>
-            <a:r>
-              <a:rPr lang="it-IT" sz="2600" b="1" dirty="0" smtClean="0"/>
-              <a:t>Cosa è andato per il verso giusto </a:t>
-            </a:r>
-            <a:endParaRPr lang="it-IT" sz="2600" b="1" dirty="0"/>
-          </a:p>
-        </p:txBody>
-      </p:sp>
-      <p:pic>
-        <p:nvPicPr>
-          <p:cNvPr id="13314" name="Picture 2" descr="http://whywedoit.files.wordpress.com/2009/04/smile.jpg"/>
-          <p:cNvPicPr>
-            <a:picLocks noChangeAspect="1" noChangeArrowheads="1"/>
-          </p:cNvPicPr>
-          <p:nvPr/>
-        </p:nvPicPr>
-        <p:blipFill>
-          <a:blip r:embed="rId2" cstate="print"/>
-          <a:srcRect/>
-          <a:stretch>
-            <a:fillRect/>
-          </a:stretch>
-        </p:blipFill>
-        <p:spPr bwMode="auto">
-          <a:xfrm>
-            <a:off x="4643438" y="1500174"/>
-            <a:ext cx="1428760" cy="1071570"/>
-          </a:xfrm>
-          <a:prstGeom prst="rect">
-            <a:avLst/>
-          </a:prstGeom>
-          <a:ln>
-            <a:noFill/>
-          </a:ln>
-          <a:effectLst>
-            <a:softEdge rad="112500"/>
-          </a:effectLst>
-        </p:spPr>
-      </p:pic>
     </p:spTree>
   </p:cSld>
   <p:clrMapOvr>
@@ -17143,7 +16745,7 @@
           <a:p>
             <a:r>
               <a:rPr lang="it-IT" sz="2600" b="1" dirty="0" smtClean="0"/>
-              <a:t>Cosa è andato per il verso sbagliato </a:t>
+              <a:t>Cosa è andato per il verso giusto </a:t>
             </a:r>
             <a:endParaRPr lang="it-IT" sz="2600" b="1" dirty="0"/>
           </a:p>
@@ -17151,7 +16753,7 @@
       </p:sp>
       <p:pic>
         <p:nvPicPr>
-          <p:cNvPr id="50178" name="Picture 2" descr="http://newton.logg.it/files/2009/11/Emoticon-Sad-300x300.png"/>
+          <p:cNvPr id="13314" name="Picture 2" descr="http://whywedoit.files.wordpress.com/2009/04/smile.jpg"/>
           <p:cNvPicPr>
             <a:picLocks noChangeAspect="1" noChangeArrowheads="1"/>
           </p:cNvPicPr>
@@ -17166,13 +16768,18 @@
         </p:blipFill>
         <p:spPr bwMode="auto">
           <a:xfrm>
-            <a:off x="5286380" y="1571612"/>
-            <a:ext cx="857256" cy="857256"/>
+            <a:off x="4643438" y="1500174"/>
+            <a:ext cx="1428760" cy="1071570"/>
           </a:xfrm>
           <a:prstGeom prst="rect">
             <a:avLst/>
           </a:prstGeom>
-          <a:noFill/>
+          <a:ln>
+            <a:noFill/>
+          </a:ln>
+          <a:effectLst>
+            <a:softEdge rad="112500"/>
+          </a:effectLst>
         </p:spPr>
       </p:pic>
     </p:spTree>
@@ -17443,6 +17050,322 @@
         </p:nvSpPr>
         <p:spPr>
           <a:xfrm>
+            <a:off x="214282" y="1928802"/>
+            <a:ext cx="5715040" cy="492443"/>
+          </a:xfrm>
+          <a:prstGeom prst="rect">
+            <a:avLst/>
+          </a:prstGeom>
+          <a:noFill/>
+        </p:spPr>
+        <p:txBody>
+          <a:bodyPr wrap="square" rtlCol="0">
+            <a:spAutoFit/>
+          </a:bodyPr>
+          <a:lstStyle/>
+          <a:p>
+            <a:r>
+              <a:rPr lang="it-IT" sz="2600" b="1" dirty="0" smtClean="0"/>
+              <a:t>Cosa è andato per il verso sbagliato </a:t>
+            </a:r>
+            <a:endParaRPr lang="it-IT" sz="2600" b="1" dirty="0"/>
+          </a:p>
+        </p:txBody>
+      </p:sp>
+      <p:pic>
+        <p:nvPicPr>
+          <p:cNvPr id="50178" name="Picture 2" descr="http://newton.logg.it/files/2009/11/Emoticon-Sad-300x300.png"/>
+          <p:cNvPicPr>
+            <a:picLocks noChangeAspect="1" noChangeArrowheads="1"/>
+          </p:cNvPicPr>
+          <p:nvPr/>
+        </p:nvPicPr>
+        <p:blipFill>
+          <a:blip r:embed="rId2" cstate="print"/>
+          <a:srcRect/>
+          <a:stretch>
+            <a:fillRect/>
+          </a:stretch>
+        </p:blipFill>
+        <p:spPr bwMode="auto">
+          <a:xfrm>
+            <a:off x="5286380" y="1571612"/>
+            <a:ext cx="857256" cy="857256"/>
+          </a:xfrm>
+          <a:prstGeom prst="rect">
+            <a:avLst/>
+          </a:prstGeom>
+          <a:noFill/>
+        </p:spPr>
+      </p:pic>
+    </p:spTree>
+  </p:cSld>
+  <p:clrMapOvr>
+    <a:masterClrMapping/>
+  </p:clrMapOvr>
+  <p:timing>
+    <p:tnLst>
+      <p:par>
+        <p:cTn id="1" dur="indefinite" restart="never" nodeType="tmRoot"/>
+      </p:par>
+    </p:tnLst>
+  </p:timing>
+</p:sld>
+</file>
+
+<file path=ppt/slides/slide37.xml><?xml version="1.0" encoding="utf-8"?>
+<p:sld xmlns:a="http://schemas.openxmlformats.org/drawingml/2006/main" xmlns:r="http://schemas.openxmlformats.org/officeDocument/2006/relationships" xmlns:p="http://schemas.openxmlformats.org/presentationml/2006/main">
+  <p:cSld>
+    <p:spTree>
+      <p:nvGrpSpPr>
+        <p:cNvPr id="1" name=""/>
+        <p:cNvGrpSpPr/>
+        <p:nvPr/>
+      </p:nvGrpSpPr>
+      <p:grpSpPr>
+        <a:xfrm>
+          <a:off x="0" y="0"/>
+          <a:ext cx="0" cy="0"/>
+          <a:chOff x="0" y="0"/>
+          <a:chExt cx="0" cy="0"/>
+        </a:xfrm>
+      </p:grpSpPr>
+      <p:sp>
+        <p:nvSpPr>
+          <p:cNvPr id="2" name="CasellaDiTesto 1"/>
+          <p:cNvSpPr txBox="1"/>
+          <p:nvPr/>
+        </p:nvSpPr>
+        <p:spPr>
+          <a:xfrm>
+            <a:off x="642910" y="428604"/>
+            <a:ext cx="7715304" cy="1107996"/>
+          </a:xfrm>
+          <a:prstGeom prst="rect">
+            <a:avLst/>
+          </a:prstGeom>
+          <a:noFill/>
+        </p:spPr>
+        <p:txBody>
+          <a:bodyPr wrap="square" rtlCol="0">
+            <a:spAutoFit/>
+          </a:bodyPr>
+          <a:lstStyle/>
+          <a:p>
+            <a:pPr algn="ctr"/>
+            <a:r>
+              <a:rPr lang="it-IT" sz="4800" b="1" dirty="0" smtClean="0">
+                <a:latin typeface="+mj-lt"/>
+              </a:rPr>
+              <a:t>Conclusioni</a:t>
+            </a:r>
+            <a:endParaRPr lang="it-IT" sz="2800" b="1" dirty="0" smtClean="0">
+              <a:latin typeface="+mj-lt"/>
+            </a:endParaRPr>
+          </a:p>
+          <a:p>
+            <a:pPr algn="ctr"/>
+            <a:endParaRPr lang="it-IT" dirty="0">
+              <a:latin typeface="+mj-lt"/>
+            </a:endParaRPr>
+          </a:p>
+        </p:txBody>
+      </p:sp>
+      <p:sp>
+        <p:nvSpPr>
+          <p:cNvPr id="3" name="Content Placeholder 3"/>
+          <p:cNvSpPr txBox="1">
+            <a:spLocks/>
+          </p:cNvSpPr>
+          <p:nvPr/>
+        </p:nvSpPr>
+        <p:spPr>
+          <a:xfrm>
+            <a:off x="357158" y="2500306"/>
+            <a:ext cx="8429684" cy="3286148"/>
+          </a:xfrm>
+          <a:prstGeom prst="rect">
+            <a:avLst/>
+          </a:prstGeom>
+        </p:spPr>
+        <p:txBody>
+          <a:bodyPr tIns="0"/>
+          <a:lstStyle>
+            <a:lvl1pPr marL="274320" indent="-274320" algn="l" rtl="0" eaLnBrk="1" latinLnBrk="0" hangingPunct="1">
+              <a:spcBef>
+                <a:spcPct val="20000"/>
+              </a:spcBef>
+              <a:buClrTx/>
+              <a:buSzPct val="95000"/>
+              <a:buFont typeface="Wingdings" pitchFamily="2" charset="2"/>
+              <a:buChar char="v"/>
+              <a:defRPr kumimoji="0" sz="2800" kern="1200">
+                <a:solidFill>
+                  <a:schemeClr val="tx1"/>
+                </a:solidFill>
+                <a:latin typeface="+mn-lt"/>
+                <a:ea typeface="+mn-ea"/>
+                <a:cs typeface="+mn-cs"/>
+              </a:defRPr>
+            </a:lvl1pPr>
+            <a:lvl2pPr marL="640080" indent="-246888" algn="l" rtl="0" eaLnBrk="1" latinLnBrk="0" hangingPunct="1">
+              <a:spcBef>
+                <a:spcPct val="20000"/>
+              </a:spcBef>
+              <a:buClrTx/>
+              <a:buSzPct val="85000"/>
+              <a:buFont typeface="Courier New" pitchFamily="49" charset="0"/>
+              <a:buChar char="o"/>
+              <a:defRPr kumimoji="0" sz="2600" kern="1200">
+                <a:solidFill>
+                  <a:schemeClr val="tx1"/>
+                </a:solidFill>
+                <a:latin typeface="+mn-lt"/>
+                <a:ea typeface="+mn-ea"/>
+                <a:cs typeface="+mn-cs"/>
+              </a:defRPr>
+            </a:lvl2pPr>
+            <a:lvl3pPr marL="914400" indent="-246888" algn="l" rtl="0" eaLnBrk="1" latinLnBrk="0" hangingPunct="1">
+              <a:spcBef>
+                <a:spcPct val="20000"/>
+              </a:spcBef>
+              <a:buClrTx/>
+              <a:buSzPct val="70000"/>
+              <a:buFont typeface="Wingdings 2"/>
+              <a:buChar char=""/>
+              <a:defRPr kumimoji="0" sz="2400" kern="1200">
+                <a:solidFill>
+                  <a:schemeClr val="tx1"/>
+                </a:solidFill>
+                <a:latin typeface="+mn-lt"/>
+                <a:ea typeface="+mn-ea"/>
+                <a:cs typeface="+mn-cs"/>
+              </a:defRPr>
+            </a:lvl3pPr>
+            <a:lvl4pPr marL="1188720" indent="-210312" algn="l" rtl="0" eaLnBrk="1" latinLnBrk="0" hangingPunct="1">
+              <a:spcBef>
+                <a:spcPct val="20000"/>
+              </a:spcBef>
+              <a:buClrTx/>
+              <a:buSzPct val="65000"/>
+              <a:buFont typeface="Wingdings 2"/>
+              <a:buChar char=""/>
+              <a:defRPr kumimoji="0" sz="2000" kern="1200">
+                <a:solidFill>
+                  <a:schemeClr val="tx1"/>
+                </a:solidFill>
+                <a:latin typeface="+mn-lt"/>
+                <a:ea typeface="+mn-ea"/>
+                <a:cs typeface="+mn-cs"/>
+              </a:defRPr>
+            </a:lvl4pPr>
+            <a:lvl5pPr marL="1463040" indent="-210312" algn="l" rtl="0" eaLnBrk="1" latinLnBrk="0" hangingPunct="1">
+              <a:spcBef>
+                <a:spcPct val="20000"/>
+              </a:spcBef>
+              <a:buClrTx/>
+              <a:buSzPct val="65000"/>
+              <a:buFont typeface="Wingdings 2"/>
+              <a:buChar char=""/>
+              <a:defRPr kumimoji="0" sz="1800" kern="1200">
+                <a:solidFill>
+                  <a:schemeClr val="tx1"/>
+                </a:solidFill>
+                <a:latin typeface="+mn-lt"/>
+                <a:ea typeface="+mn-ea"/>
+                <a:cs typeface="+mn-cs"/>
+              </a:defRPr>
+            </a:lvl5pPr>
+            <a:lvl6pPr marL="1737360" indent="-210312" algn="l" rtl="0" eaLnBrk="1" latinLnBrk="0" hangingPunct="1">
+              <a:spcBef>
+                <a:spcPct val="20000"/>
+              </a:spcBef>
+              <a:buClr>
+                <a:schemeClr val="accent5"/>
+              </a:buClr>
+              <a:buSzPct val="80000"/>
+              <a:buFont typeface="Wingdings 2"/>
+              <a:buChar char=""/>
+              <a:defRPr kumimoji="0" sz="1800" kern="1200">
+                <a:solidFill>
+                  <a:schemeClr val="tx1"/>
+                </a:solidFill>
+                <a:latin typeface="+mn-lt"/>
+                <a:ea typeface="+mn-ea"/>
+                <a:cs typeface="+mn-cs"/>
+              </a:defRPr>
+            </a:lvl6pPr>
+            <a:lvl7pPr marL="1920240" indent="-182880" algn="l" rtl="0" eaLnBrk="1" latinLnBrk="0" hangingPunct="1">
+              <a:spcBef>
+                <a:spcPct val="20000"/>
+              </a:spcBef>
+              <a:buClr>
+                <a:schemeClr val="accent6"/>
+              </a:buClr>
+              <a:buSzPct val="80000"/>
+              <a:buFont typeface="Wingdings 2"/>
+              <a:buChar char=""/>
+              <a:defRPr kumimoji="0" sz="1600" kern="1200" baseline="0">
+                <a:solidFill>
+                  <a:schemeClr val="tx1"/>
+                </a:solidFill>
+                <a:latin typeface="+mn-lt"/>
+                <a:ea typeface="+mn-ea"/>
+                <a:cs typeface="+mn-cs"/>
+              </a:defRPr>
+            </a:lvl7pPr>
+            <a:lvl8pPr marL="2194560" indent="-182880" algn="l" rtl="0" eaLnBrk="1" latinLnBrk="0" hangingPunct="1">
+              <a:spcBef>
+                <a:spcPct val="20000"/>
+              </a:spcBef>
+              <a:buClr>
+                <a:schemeClr val="tx2"/>
+              </a:buClr>
+              <a:buChar char="•"/>
+              <a:defRPr kumimoji="0" sz="1600" kern="1200">
+                <a:solidFill>
+                  <a:schemeClr val="tx1"/>
+                </a:solidFill>
+                <a:latin typeface="+mn-lt"/>
+                <a:ea typeface="+mn-ea"/>
+                <a:cs typeface="+mn-cs"/>
+              </a:defRPr>
+            </a:lvl8pPr>
+            <a:lvl9pPr marL="2468880" indent="-182880" algn="l" rtl="0" eaLnBrk="1" latinLnBrk="0" hangingPunct="1">
+              <a:spcBef>
+                <a:spcPct val="20000"/>
+              </a:spcBef>
+              <a:buClr>
+                <a:schemeClr val="tx2"/>
+              </a:buClr>
+              <a:buFontTx/>
+              <a:buChar char="•"/>
+              <a:defRPr kumimoji="0" sz="1400" kern="1200" baseline="0">
+                <a:solidFill>
+                  <a:schemeClr val="tx1"/>
+                </a:solidFill>
+                <a:latin typeface="+mn-lt"/>
+                <a:ea typeface="+mn-ea"/>
+                <a:cs typeface="+mn-cs"/>
+              </a:defRPr>
+            </a:lvl9pPr>
+          </a:lstStyle>
+          <a:p>
+            <a:pPr marL="365760" lvl="1" indent="0">
+              <a:buNone/>
+            </a:pPr>
+            <a:endParaRPr lang="en-US" dirty="0" smtClean="0"/>
+          </a:p>
+        </p:txBody>
+      </p:sp>
+      <p:sp>
+        <p:nvSpPr>
+          <p:cNvPr id="4" name="TextBox 3"/>
+          <p:cNvSpPr txBox="1"/>
+          <p:nvPr/>
+        </p:nvSpPr>
+        <p:spPr>
+          <a:xfrm>
             <a:off x="357158" y="1714488"/>
             <a:ext cx="5715040" cy="892552"/>
           </a:xfrm>
@@ -17511,7 +17434,7 @@
 </p:sld>
 </file>
 
-<file path=ppt/slides/slide37.xml><?xml version="1.0" encoding="utf-8"?>
+<file path=ppt/slides/slide38.xml><?xml version="1.0" encoding="utf-8"?>
 <p:sld xmlns:a="http://schemas.openxmlformats.org/drawingml/2006/main" xmlns:r="http://schemas.openxmlformats.org/officeDocument/2006/relationships" xmlns:p="http://schemas.openxmlformats.org/presentationml/2006/main">
   <p:cSld>
     <p:spTree>
@@ -17899,7 +17822,7 @@
           <p:nvPr>
             <p:extLst>
               <p:ext uri="{D42A27DB-BD31-4B8C-83A1-F6EECF244321}">
-                <p14:modId xmlns:p14="http://schemas.microsoft.com/office/powerpoint/2010/main" val="2486155450"/>
+                <p14:modId xmlns:p14="http://schemas.microsoft.com/office/powerpoint/2010/main" xmlns="" val="2486155450"/>
               </p:ext>
             </p:extLst>
           </p:nvPr>
@@ -17966,14 +17889,6 @@
                         </a:rPr>
                         <a:t>Compilazione Questionario</a:t>
                       </a:r>
-                      <a:endParaRPr kumimoji="0" lang="it-IT" sz="1800" b="0" kern="1200" dirty="0" smtClean="0">
-                        <a:solidFill>
-                          <a:schemeClr val="lt1"/>
-                        </a:solidFill>
-                        <a:latin typeface="+mn-lt"/>
-                        <a:ea typeface="+mn-ea"/>
-                        <a:cs typeface="+mn-cs"/>
-                      </a:endParaRPr>
                     </a:p>
                   </a:txBody>
                   <a:tcPr/>
@@ -18182,17 +18097,8 @@
               <a:rPr lang="it-IT" sz="3400" b="1" dirty="0" smtClean="0">
                 <a:latin typeface="+mj-lt"/>
               </a:rPr>
-              <a:t>Use Case Diagram Questionari – </a:t>
-            </a:r>
-            <a:r>
-              <a:rPr lang="it-IT" sz="3400" b="1" dirty="0" smtClean="0">
-                <a:latin typeface="+mj-lt"/>
-              </a:rPr>
-              <a:t>Prima Versione</a:t>
-            </a:r>
-            <a:endParaRPr lang="it-IT" sz="3400" b="1" dirty="0" smtClean="0">
-              <a:latin typeface="+mj-lt"/>
-            </a:endParaRPr>
+              <a:t>Use Case Diagram Questionari – Prima Versione</a:t>
+            </a:r>
           </a:p>
           <a:p>
             <a:pPr algn="ctr"/>
@@ -18205,18 +18111,18 @@
     </p:spTree>
     <p:extLst>
       <p:ext uri="{BB962C8B-B14F-4D97-AF65-F5344CB8AC3E}">
-        <p14:creationId xmlns:p14="http://schemas.microsoft.com/office/powerpoint/2010/main" val="3888432551"/>
+        <p14:creationId xmlns:p14="http://schemas.microsoft.com/office/powerpoint/2010/main" xmlns="" val="3888432551"/>
       </p:ext>
     </p:extLst>
   </p:cSld>
   <p:clrMapOvr>
     <a:masterClrMapping/>
   </p:clrMapOvr>
-  <mc:AlternateContent xmlns:mc="http://schemas.openxmlformats.org/markup-compatibility/2006" xmlns:p14="http://schemas.microsoft.com/office/powerpoint/2010/main">
-    <mc:Choice Requires="p14">
+  <mc:AlternateContent xmlns:mc="http://schemas.openxmlformats.org/markup-compatibility/2006">
+    <mc:Choice xmlns:p14="http://schemas.microsoft.com/office/powerpoint/2010/main" xmlns="" Requires="p14">
       <p:transition spd="slow" p14:dur="2000"/>
     </mc:Choice>
-    <mc:Fallback xmlns="">
+    <mc:Fallback>
       <p:transition spd="slow"/>
     </mc:Fallback>
   </mc:AlternateContent>
@@ -18307,13 +18213,7 @@
               <a:rPr lang="it-IT" sz="3400" b="1" dirty="0" smtClean="0">
                 <a:latin typeface="+mj-lt"/>
               </a:rPr>
-              <a:t>Use Case Diagram Questionari – </a:t>
-            </a:r>
-            <a:r>
-              <a:rPr lang="it-IT" sz="3400" b="1" dirty="0" smtClean="0">
-                <a:latin typeface="+mj-lt"/>
-              </a:rPr>
-              <a:t>Ultima </a:t>
+              <a:t>Use Case Diagram Questionari – Ultima </a:t>
             </a:r>
             <a:r>
               <a:rPr lang="it-IT" sz="3400" b="1" dirty="0" err="1" smtClean="0">
@@ -18336,18 +18236,18 @@
     </p:spTree>
     <p:extLst>
       <p:ext uri="{BB962C8B-B14F-4D97-AF65-F5344CB8AC3E}">
-        <p14:creationId xmlns:p14="http://schemas.microsoft.com/office/powerpoint/2010/main" val="2532338835"/>
+        <p14:creationId xmlns:p14="http://schemas.microsoft.com/office/powerpoint/2010/main" xmlns="" val="2532338835"/>
       </p:ext>
     </p:extLst>
   </p:cSld>
   <p:clrMapOvr>
     <a:masterClrMapping/>
   </p:clrMapOvr>
-  <mc:AlternateContent xmlns:mc="http://schemas.openxmlformats.org/markup-compatibility/2006" xmlns:p14="http://schemas.microsoft.com/office/powerpoint/2010/main">
-    <mc:Choice Requires="p14">
+  <mc:AlternateContent xmlns:mc="http://schemas.openxmlformats.org/markup-compatibility/2006">
+    <mc:Choice xmlns:p14="http://schemas.microsoft.com/office/powerpoint/2010/main" xmlns="" Requires="p14">
       <p:transition spd="slow" p14:dur="2000"/>
     </mc:Choice>
-    <mc:Fallback xmlns="">
+    <mc:Fallback>
       <p:transition spd="slow"/>
     </mc:Fallback>
   </mc:AlternateContent>
@@ -18425,7 +18325,7 @@
           <p:nvPr>
             <p:extLst>
               <p:ext uri="{D42A27DB-BD31-4B8C-83A1-F6EECF244321}">
-                <p14:modId xmlns:p14="http://schemas.microsoft.com/office/powerpoint/2010/main" val="4285816619"/>
+                <p14:modId xmlns:p14="http://schemas.microsoft.com/office/powerpoint/2010/main" xmlns="" val="4285816619"/>
               </p:ext>
             </p:extLst>
           </p:nvPr>
@@ -18492,14 +18392,6 @@
                         </a:rPr>
                         <a:t>Compilazione questionario</a:t>
                       </a:r>
-                      <a:endParaRPr kumimoji="0" lang="it-IT" sz="1700" b="0" kern="1200" dirty="0" smtClean="0">
-                        <a:solidFill>
-                          <a:schemeClr val="lt1"/>
-                        </a:solidFill>
-                        <a:latin typeface="+mn-lt"/>
-                        <a:ea typeface="+mn-ea"/>
-                        <a:cs typeface="+mn-cs"/>
-                      </a:endParaRPr>
                     </a:p>
                   </a:txBody>
                   <a:tcPr/>
@@ -18900,17 +18792,8 @@
               <a:rPr lang="it-IT" sz="4000" b="1" dirty="0" smtClean="0">
                 <a:latin typeface="+mj-lt"/>
               </a:rPr>
-              <a:t>Use Case identificativi del sistema </a:t>
-            </a:r>
-            <a:r>
-              <a:rPr lang="it-IT" sz="4000" b="1" dirty="0" smtClean="0">
-                <a:latin typeface="+mj-lt"/>
-              </a:rPr>
-              <a:t>4.0</a:t>
-            </a:r>
-            <a:endParaRPr lang="it-IT" sz="4000" b="1" dirty="0" smtClean="0">
-              <a:latin typeface="+mj-lt"/>
-            </a:endParaRPr>
+              <a:t>Use Case identificativi del sistema 4.0</a:t>
+            </a:r>
           </a:p>
           <a:p>
             <a:pPr algn="ctr"/>
@@ -18929,7 +18812,7 @@
           <p:nvPr>
             <p:extLst>
               <p:ext uri="{D42A27DB-BD31-4B8C-83A1-F6EECF244321}">
-                <p14:modId xmlns:p14="http://schemas.microsoft.com/office/powerpoint/2010/main" val="3225553551"/>
+                <p14:modId xmlns:p14="http://schemas.microsoft.com/office/powerpoint/2010/main" xmlns="" val="3225553551"/>
               </p:ext>
             </p:extLst>
           </p:nvPr>
@@ -18996,14 +18879,6 @@
                         </a:rPr>
                         <a:t>Compilazione questionario</a:t>
                       </a:r>
-                      <a:endParaRPr kumimoji="0" lang="it-IT" sz="1700" b="0" kern="1200" dirty="0" smtClean="0">
-                        <a:solidFill>
-                          <a:schemeClr val="lt1"/>
-                        </a:solidFill>
-                        <a:latin typeface="+mn-lt"/>
-                        <a:ea typeface="+mn-ea"/>
-                        <a:cs typeface="+mn-cs"/>
-                      </a:endParaRPr>
                     </a:p>
                   </a:txBody>
                   <a:tcPr/>
@@ -19348,7 +19223,7 @@
     </p:spTree>
     <p:extLst>
       <p:ext uri="{BB962C8B-B14F-4D97-AF65-F5344CB8AC3E}">
-        <p14:creationId xmlns:p14="http://schemas.microsoft.com/office/powerpoint/2010/main" val="1173458281"/>
+        <p14:creationId xmlns:p14="http://schemas.microsoft.com/office/powerpoint/2010/main" xmlns="" val="1173458281"/>
       </p:ext>
     </p:extLst>
   </p:cSld>
@@ -19409,13 +19284,7 @@
               <a:rPr lang="it-IT" sz="4800" b="1" dirty="0" smtClean="0">
                 <a:latin typeface="+mj-lt"/>
               </a:rPr>
-              <a:t>Pro\Contro </a:t>
-            </a:r>
-            <a:r>
-              <a:rPr lang="it-IT" sz="4800" b="1" dirty="0" smtClean="0">
-                <a:latin typeface="+mj-lt"/>
-              </a:rPr>
-              <a:t>del RAD</a:t>
+              <a:t>Pro\Contro del RAD</a:t>
             </a:r>
           </a:p>
           <a:p>

--- a/trunk/Presentazione/Atsilo3/Atsilo_H_PresentazioneFinale.pptx
+++ b/trunk/Presentazione/Atsilo3/Atsilo_H_PresentazioneFinale.pptx
@@ -5,47 +5,48 @@
     <p:sldMasterId id="2147483684" r:id="rId1"/>
   </p:sldMasterIdLst>
   <p:notesMasterIdLst>
-    <p:notesMasterId r:id="rId40"/>
+    <p:notesMasterId r:id="rId41"/>
   </p:notesMasterIdLst>
   <p:sldIdLst>
     <p:sldId id="256" r:id="rId2"/>
     <p:sldId id="259" r:id="rId3"/>
     <p:sldId id="272" r:id="rId4"/>
     <p:sldId id="273" r:id="rId5"/>
-    <p:sldId id="297" r:id="rId6"/>
-    <p:sldId id="298" r:id="rId7"/>
-    <p:sldId id="276" r:id="rId8"/>
-    <p:sldId id="306" r:id="rId9"/>
-    <p:sldId id="286" r:id="rId10"/>
-    <p:sldId id="302" r:id="rId11"/>
-    <p:sldId id="281" r:id="rId12"/>
-    <p:sldId id="282" r:id="rId13"/>
-    <p:sldId id="283" r:id="rId14"/>
-    <p:sldId id="284" r:id="rId15"/>
-    <p:sldId id="318" r:id="rId16"/>
-    <p:sldId id="287" r:id="rId17"/>
-    <p:sldId id="307" r:id="rId18"/>
-    <p:sldId id="308" r:id="rId19"/>
-    <p:sldId id="301" r:id="rId20"/>
-    <p:sldId id="311" r:id="rId21"/>
-    <p:sldId id="303" r:id="rId22"/>
-    <p:sldId id="304" r:id="rId23"/>
-    <p:sldId id="312" r:id="rId24"/>
-    <p:sldId id="315" r:id="rId25"/>
-    <p:sldId id="314" r:id="rId26"/>
-    <p:sldId id="316" r:id="rId27"/>
-    <p:sldId id="290" r:id="rId28"/>
-    <p:sldId id="288" r:id="rId29"/>
-    <p:sldId id="317" r:id="rId30"/>
-    <p:sldId id="291" r:id="rId31"/>
-    <p:sldId id="265" r:id="rId32"/>
-    <p:sldId id="268" r:id="rId33"/>
-    <p:sldId id="267" r:id="rId34"/>
-    <p:sldId id="270" r:id="rId35"/>
-    <p:sldId id="292" r:id="rId36"/>
-    <p:sldId id="293" r:id="rId37"/>
-    <p:sldId id="294" r:id="rId38"/>
-    <p:sldId id="295" r:id="rId39"/>
+    <p:sldId id="319" r:id="rId6"/>
+    <p:sldId id="297" r:id="rId7"/>
+    <p:sldId id="298" r:id="rId8"/>
+    <p:sldId id="276" r:id="rId9"/>
+    <p:sldId id="306" r:id="rId10"/>
+    <p:sldId id="286" r:id="rId11"/>
+    <p:sldId id="302" r:id="rId12"/>
+    <p:sldId id="281" r:id="rId13"/>
+    <p:sldId id="282" r:id="rId14"/>
+    <p:sldId id="283" r:id="rId15"/>
+    <p:sldId id="284" r:id="rId16"/>
+    <p:sldId id="318" r:id="rId17"/>
+    <p:sldId id="287" r:id="rId18"/>
+    <p:sldId id="307" r:id="rId19"/>
+    <p:sldId id="308" r:id="rId20"/>
+    <p:sldId id="301" r:id="rId21"/>
+    <p:sldId id="311" r:id="rId22"/>
+    <p:sldId id="303" r:id="rId23"/>
+    <p:sldId id="304" r:id="rId24"/>
+    <p:sldId id="312" r:id="rId25"/>
+    <p:sldId id="315" r:id="rId26"/>
+    <p:sldId id="314" r:id="rId27"/>
+    <p:sldId id="316" r:id="rId28"/>
+    <p:sldId id="290" r:id="rId29"/>
+    <p:sldId id="288" r:id="rId30"/>
+    <p:sldId id="317" r:id="rId31"/>
+    <p:sldId id="291" r:id="rId32"/>
+    <p:sldId id="265" r:id="rId33"/>
+    <p:sldId id="268" r:id="rId34"/>
+    <p:sldId id="267" r:id="rId35"/>
+    <p:sldId id="270" r:id="rId36"/>
+    <p:sldId id="292" r:id="rId37"/>
+    <p:sldId id="293" r:id="rId38"/>
+    <p:sldId id="294" r:id="rId39"/>
+    <p:sldId id="295" r:id="rId40"/>
   </p:sldIdLst>
   <p:sldSz cx="9144000" cy="6858000" type="screen4x3"/>
   <p:notesSz cx="6858000" cy="9144000"/>
@@ -230,7 +231,7 @@
             <a:fld id="{38D78F4D-402C-46E0-A4BB-DF91EA86B14C}" type="datetimeFigureOut">
               <a:rPr lang="it-IT" smtClean="0"/>
               <a:pPr/>
-              <a:t>28/12/2012</a:t>
+              <a:t>29/12/2012</a:t>
             </a:fld>
             <a:endParaRPr lang="it-IT"/>
           </a:p>
@@ -390,7 +391,7 @@
             <a:fld id="{D70604CA-7593-4640-8FA1-5523937B8510}" type="slidenum">
               <a:rPr lang="it-IT" smtClean="0"/>
               <a:pPr/>
-              <a:t>‹#›</a:t>
+              <a:t>‹N›</a:t>
             </a:fld>
             <a:endParaRPr lang="it-IT"/>
           </a:p>
@@ -399,7 +400,7 @@
     </p:spTree>
     <p:extLst>
       <p:ext uri="{BB962C8B-B14F-4D97-AF65-F5344CB8AC3E}">
-        <p14:creationId xmlns:p14="http://schemas.microsoft.com/office/powerpoint/2010/main" xmlns="" val="2126419590"/>
+        <p14:creationId xmlns:p14="http://schemas.microsoft.com/office/powerpoint/2010/main" val="2126419590"/>
       </p:ext>
     </p:extLst>
   </p:cSld>
@@ -543,6 +544,20 @@
           <a:bodyPr/>
           <a:lstStyle/>
           <a:p>
+            <a:r>
+              <a:rPr lang="it-IT" dirty="0" smtClean="0"/>
+              <a:t>Sottolineate</a:t>
+            </a:r>
+            <a:r>
+              <a:rPr lang="it-IT" baseline="0" dirty="0" smtClean="0"/>
+              <a:t> sono le funzionalità implementate, perché avevano un priorità più elevata rispetto alle altre</a:t>
+            </a:r>
+          </a:p>
+          <a:p>
+            <a:r>
+              <a:rPr lang="it-IT" baseline="0" dirty="0" smtClean="0"/>
+              <a:t>Sottolineate in blu scuro, funzionalità di cui si parlerà nella presentazione perché più rappresentative e migliori dell’intero progetto</a:t>
+            </a:r>
             <a:endParaRPr lang="it-IT" dirty="0"/>
           </a:p>
         </p:txBody>
@@ -565,7 +580,7 @@
             <a:fld id="{D70604CA-7593-4640-8FA1-5523937B8510}" type="slidenum">
               <a:rPr lang="it-IT" smtClean="0"/>
               <a:pPr/>
-              <a:t>9</a:t>
+              <a:t>5</a:t>
             </a:fld>
             <a:endParaRPr lang="it-IT"/>
           </a:p>
@@ -574,7 +589,7 @@
     </p:spTree>
     <p:extLst>
       <p:ext uri="{BB962C8B-B14F-4D97-AF65-F5344CB8AC3E}">
-        <p14:creationId xmlns:p14="http://schemas.microsoft.com/office/powerpoint/2010/main" xmlns="" val="555626785"/>
+        <p14:creationId xmlns:p14="http://schemas.microsoft.com/office/powerpoint/2010/main" val="1025718114"/>
       </p:ext>
     </p:extLst>
   </p:cSld>
@@ -628,14 +643,6 @@
           <a:bodyPr/>
           <a:lstStyle/>
           <a:p>
-            <a:r>
-              <a:rPr lang="it-IT" dirty="0" smtClean="0"/>
-              <a:t>Spiegare</a:t>
-            </a:r>
-            <a:r>
-              <a:rPr lang="it-IT" baseline="0" dirty="0" smtClean="0"/>
-              <a:t> cosa si intende per integrazione account</a:t>
-            </a:r>
             <a:endParaRPr lang="it-IT" dirty="0"/>
           </a:p>
         </p:txBody>
@@ -658,7 +665,7 @@
             <a:fld id="{D70604CA-7593-4640-8FA1-5523937B8510}" type="slidenum">
               <a:rPr lang="it-IT" smtClean="0"/>
               <a:pPr/>
-              <a:t>25</a:t>
+              <a:t>10</a:t>
             </a:fld>
             <a:endParaRPr lang="it-IT"/>
           </a:p>
@@ -667,7 +674,100 @@
     </p:spTree>
     <p:extLst>
       <p:ext uri="{BB962C8B-B14F-4D97-AF65-F5344CB8AC3E}">
-        <p14:creationId xmlns:p14="http://schemas.microsoft.com/office/powerpoint/2010/main" xmlns="" val="2972088584"/>
+        <p14:creationId xmlns:p14="http://schemas.microsoft.com/office/powerpoint/2010/main" val="555626785"/>
+      </p:ext>
+    </p:extLst>
+  </p:cSld>
+  <p:clrMapOvr>
+    <a:masterClrMapping/>
+  </p:clrMapOvr>
+</p:notes>
+</file>
+
+<file path=ppt/notesSlides/notesSlide3.xml><?xml version="1.0" encoding="utf-8"?>
+<p:notes xmlns:a="http://schemas.openxmlformats.org/drawingml/2006/main" xmlns:r="http://schemas.openxmlformats.org/officeDocument/2006/relationships" xmlns:p="http://schemas.openxmlformats.org/presentationml/2006/main">
+  <p:cSld>
+    <p:spTree>
+      <p:nvGrpSpPr>
+        <p:cNvPr id="1" name=""/>
+        <p:cNvGrpSpPr/>
+        <p:nvPr/>
+      </p:nvGrpSpPr>
+      <p:grpSpPr>
+        <a:xfrm>
+          <a:off x="0" y="0"/>
+          <a:ext cx="0" cy="0"/>
+          <a:chOff x="0" y="0"/>
+          <a:chExt cx="0" cy="0"/>
+        </a:xfrm>
+      </p:grpSpPr>
+      <p:sp>
+        <p:nvSpPr>
+          <p:cNvPr id="2" name="Segnaposto immagine diapositiva 1"/>
+          <p:cNvSpPr>
+            <a:spLocks noGrp="1" noRot="1" noChangeAspect="1"/>
+          </p:cNvSpPr>
+          <p:nvPr>
+            <p:ph type="sldImg"/>
+          </p:nvPr>
+        </p:nvSpPr>
+        <p:spPr/>
+      </p:sp>
+      <p:sp>
+        <p:nvSpPr>
+          <p:cNvPr id="3" name="Segnaposto note 2"/>
+          <p:cNvSpPr>
+            <a:spLocks noGrp="1"/>
+          </p:cNvSpPr>
+          <p:nvPr>
+            <p:ph type="body" idx="1"/>
+          </p:nvPr>
+        </p:nvSpPr>
+        <p:spPr/>
+        <p:txBody>
+          <a:bodyPr/>
+          <a:lstStyle/>
+          <a:p>
+            <a:r>
+              <a:rPr lang="it-IT" dirty="0" smtClean="0"/>
+              <a:t>Spiegare</a:t>
+            </a:r>
+            <a:r>
+              <a:rPr lang="it-IT" baseline="0" dirty="0" smtClean="0"/>
+              <a:t> cosa si intende per integrazione account</a:t>
+            </a:r>
+            <a:endParaRPr lang="it-IT" dirty="0"/>
+          </a:p>
+        </p:txBody>
+      </p:sp>
+      <p:sp>
+        <p:nvSpPr>
+          <p:cNvPr id="4" name="Segnaposto numero diapositiva 3"/>
+          <p:cNvSpPr>
+            <a:spLocks noGrp="1"/>
+          </p:cNvSpPr>
+          <p:nvPr>
+            <p:ph type="sldNum" sz="quarter" idx="10"/>
+          </p:nvPr>
+        </p:nvSpPr>
+        <p:spPr/>
+        <p:txBody>
+          <a:bodyPr/>
+          <a:lstStyle/>
+          <a:p>
+            <a:fld id="{D70604CA-7593-4640-8FA1-5523937B8510}" type="slidenum">
+              <a:rPr lang="it-IT" smtClean="0"/>
+              <a:pPr/>
+              <a:t>26</a:t>
+            </a:fld>
+            <a:endParaRPr lang="it-IT"/>
+          </a:p>
+        </p:txBody>
+      </p:sp>
+    </p:spTree>
+    <p:extLst>
+      <p:ext uri="{BB962C8B-B14F-4D97-AF65-F5344CB8AC3E}">
+        <p14:creationId xmlns:p14="http://schemas.microsoft.com/office/powerpoint/2010/main" val="2972088584"/>
       </p:ext>
     </p:extLst>
   </p:cSld>
@@ -843,7 +943,7 @@
             <a:fld id="{63CABBC0-75E4-43BB-A6A6-84C2A96BDB82}" type="datetimeFigureOut">
               <a:rPr lang="it-IT" smtClean="0"/>
               <a:pPr/>
-              <a:t>28/12/2012</a:t>
+              <a:t>29/12/2012</a:t>
             </a:fld>
             <a:endParaRPr lang="it-IT"/>
           </a:p>
@@ -886,7 +986,7 @@
             <a:fld id="{F89AEA99-3E91-4C58-9AD4-045DB5619AC3}" type="slidenum">
               <a:rPr lang="it-IT" smtClean="0"/>
               <a:pPr/>
-              <a:t>‹#›</a:t>
+              <a:t>‹N›</a:t>
             </a:fld>
             <a:endParaRPr lang="it-IT"/>
           </a:p>
@@ -1025,7 +1125,7 @@
             <a:fld id="{63CABBC0-75E4-43BB-A6A6-84C2A96BDB82}" type="datetimeFigureOut">
               <a:rPr lang="it-IT" smtClean="0"/>
               <a:pPr/>
-              <a:t>28/12/2012</a:t>
+              <a:t>29/12/2012</a:t>
             </a:fld>
             <a:endParaRPr lang="it-IT"/>
           </a:p>
@@ -1068,7 +1168,7 @@
             <a:fld id="{F89AEA99-3E91-4C58-9AD4-045DB5619AC3}" type="slidenum">
               <a:rPr lang="it-IT" smtClean="0"/>
               <a:pPr/>
-              <a:t>‹#›</a:t>
+              <a:t>‹N›</a:t>
             </a:fld>
             <a:endParaRPr lang="it-IT"/>
           </a:p>
@@ -1217,7 +1317,7 @@
             <a:fld id="{63CABBC0-75E4-43BB-A6A6-84C2A96BDB82}" type="datetimeFigureOut">
               <a:rPr lang="it-IT" smtClean="0"/>
               <a:pPr/>
-              <a:t>28/12/2012</a:t>
+              <a:t>29/12/2012</a:t>
             </a:fld>
             <a:endParaRPr lang="it-IT"/>
           </a:p>
@@ -1260,7 +1360,7 @@
             <a:fld id="{F89AEA99-3E91-4C58-9AD4-045DB5619AC3}" type="slidenum">
               <a:rPr lang="it-IT" smtClean="0"/>
               <a:pPr/>
-              <a:t>‹#›</a:t>
+              <a:t>‹N›</a:t>
             </a:fld>
             <a:endParaRPr lang="it-IT"/>
           </a:p>
@@ -1399,7 +1499,7 @@
             <a:fld id="{63CABBC0-75E4-43BB-A6A6-84C2A96BDB82}" type="datetimeFigureOut">
               <a:rPr lang="it-IT" smtClean="0"/>
               <a:pPr/>
-              <a:t>28/12/2012</a:t>
+              <a:t>29/12/2012</a:t>
             </a:fld>
             <a:endParaRPr lang="it-IT"/>
           </a:p>
@@ -1442,7 +1542,7 @@
             <a:fld id="{F89AEA99-3E91-4C58-9AD4-045DB5619AC3}" type="slidenum">
               <a:rPr lang="it-IT" smtClean="0"/>
               <a:pPr/>
-              <a:t>‹#›</a:t>
+              <a:t>‹N›</a:t>
             </a:fld>
             <a:endParaRPr lang="it-IT"/>
           </a:p>
@@ -1642,7 +1742,7 @@
             <a:fld id="{63CABBC0-75E4-43BB-A6A6-84C2A96BDB82}" type="datetimeFigureOut">
               <a:rPr lang="it-IT" smtClean="0"/>
               <a:pPr/>
-              <a:t>28/12/2012</a:t>
+              <a:t>29/12/2012</a:t>
             </a:fld>
             <a:endParaRPr lang="it-IT"/>
           </a:p>
@@ -1685,7 +1785,7 @@
             <a:fld id="{F89AEA99-3E91-4C58-9AD4-045DB5619AC3}" type="slidenum">
               <a:rPr lang="it-IT" smtClean="0"/>
               <a:pPr/>
-              <a:t>‹#›</a:t>
+              <a:t>‹N›</a:t>
             </a:fld>
             <a:endParaRPr lang="it-IT"/>
           </a:p>
@@ -1923,7 +2023,7 @@
             <a:fld id="{63CABBC0-75E4-43BB-A6A6-84C2A96BDB82}" type="datetimeFigureOut">
               <a:rPr lang="it-IT" smtClean="0"/>
               <a:pPr/>
-              <a:t>28/12/2012</a:t>
+              <a:t>29/12/2012</a:t>
             </a:fld>
             <a:endParaRPr lang="it-IT"/>
           </a:p>
@@ -1966,7 +2066,7 @@
             <a:fld id="{F89AEA99-3E91-4C58-9AD4-045DB5619AC3}" type="slidenum">
               <a:rPr lang="it-IT" smtClean="0"/>
               <a:pPr/>
-              <a:t>‹#›</a:t>
+              <a:t>‹N›</a:t>
             </a:fld>
             <a:endParaRPr lang="it-IT"/>
           </a:p>
@@ -2314,7 +2414,7 @@
             <a:fld id="{63CABBC0-75E4-43BB-A6A6-84C2A96BDB82}" type="datetimeFigureOut">
               <a:rPr lang="it-IT" smtClean="0"/>
               <a:pPr/>
-              <a:t>28/12/2012</a:t>
+              <a:t>29/12/2012</a:t>
             </a:fld>
             <a:endParaRPr lang="it-IT"/>
           </a:p>
@@ -2357,7 +2457,7 @@
             <a:fld id="{F89AEA99-3E91-4C58-9AD4-045DB5619AC3}" type="slidenum">
               <a:rPr lang="it-IT" smtClean="0"/>
               <a:pPr/>
-              <a:t>‹#›</a:t>
+              <a:t>‹N›</a:t>
             </a:fld>
             <a:endParaRPr lang="it-IT"/>
           </a:p>
@@ -2473,7 +2573,7 @@
             <a:fld id="{63CABBC0-75E4-43BB-A6A6-84C2A96BDB82}" type="datetimeFigureOut">
               <a:rPr lang="it-IT" smtClean="0"/>
               <a:pPr/>
-              <a:t>28/12/2012</a:t>
+              <a:t>29/12/2012</a:t>
             </a:fld>
             <a:endParaRPr lang="it-IT"/>
           </a:p>
@@ -2516,7 +2616,7 @@
             <a:fld id="{F89AEA99-3E91-4C58-9AD4-045DB5619AC3}" type="slidenum">
               <a:rPr lang="it-IT" smtClean="0"/>
               <a:pPr/>
-              <a:t>‹#›</a:t>
+              <a:t>‹N›</a:t>
             </a:fld>
             <a:endParaRPr lang="it-IT"/>
           </a:p>
@@ -2572,7 +2672,7 @@
             <a:fld id="{63CABBC0-75E4-43BB-A6A6-84C2A96BDB82}" type="datetimeFigureOut">
               <a:rPr lang="it-IT" smtClean="0"/>
               <a:pPr/>
-              <a:t>28/12/2012</a:t>
+              <a:t>29/12/2012</a:t>
             </a:fld>
             <a:endParaRPr lang="it-IT"/>
           </a:p>
@@ -2615,7 +2715,7 @@
             <a:fld id="{F89AEA99-3E91-4C58-9AD4-045DB5619AC3}" type="slidenum">
               <a:rPr lang="it-IT" smtClean="0"/>
               <a:pPr/>
-              <a:t>‹#›</a:t>
+              <a:t>‹N›</a:t>
             </a:fld>
             <a:endParaRPr lang="it-IT"/>
           </a:p>
@@ -2842,7 +2942,7 @@
             <a:fld id="{63CABBC0-75E4-43BB-A6A6-84C2A96BDB82}" type="datetimeFigureOut">
               <a:rPr lang="it-IT" smtClean="0"/>
               <a:pPr/>
-              <a:t>28/12/2012</a:t>
+              <a:t>29/12/2012</a:t>
             </a:fld>
             <a:endParaRPr lang="it-IT"/>
           </a:p>
@@ -2885,7 +2985,7 @@
             <a:fld id="{F89AEA99-3E91-4C58-9AD4-045DB5619AC3}" type="slidenum">
               <a:rPr lang="it-IT" smtClean="0"/>
               <a:pPr/>
-              <a:t>‹#›</a:t>
+              <a:t>‹N›</a:t>
             </a:fld>
             <a:endParaRPr lang="it-IT"/>
           </a:p>
@@ -3139,7 +3239,7 @@
             <a:fld id="{63CABBC0-75E4-43BB-A6A6-84C2A96BDB82}" type="datetimeFigureOut">
               <a:rPr lang="it-IT" smtClean="0"/>
               <a:pPr/>
-              <a:t>28/12/2012</a:t>
+              <a:t>29/12/2012</a:t>
             </a:fld>
             <a:endParaRPr lang="it-IT"/>
           </a:p>
@@ -3187,7 +3287,7 @@
             <a:fld id="{F89AEA99-3E91-4C58-9AD4-045DB5619AC3}" type="slidenum">
               <a:rPr lang="it-IT" smtClean="0"/>
               <a:pPr/>
-              <a:t>‹#›</a:t>
+              <a:t>‹N›</a:t>
             </a:fld>
             <a:endParaRPr lang="it-IT"/>
           </a:p>
@@ -3919,7 +4019,7 @@
             <a:fld id="{63CABBC0-75E4-43BB-A6A6-84C2A96BDB82}" type="datetimeFigureOut">
               <a:rPr lang="it-IT" smtClean="0"/>
               <a:pPr/>
-              <a:t>28/12/2012</a:t>
+              <a:t>29/12/2012</a:t>
             </a:fld>
             <a:endParaRPr lang="it-IT"/>
           </a:p>
@@ -3998,7 +4098,7 @@
             <a:fld id="{F89AEA99-3E91-4C58-9AD4-045DB5619AC3}" type="slidenum">
               <a:rPr lang="it-IT" smtClean="0"/>
               <a:pPr/>
-              <a:t>‹#›</a:t>
+              <a:t>‹N›</a:t>
             </a:fld>
             <a:endParaRPr lang="it-IT"/>
           </a:p>
@@ -4605,7 +4705,7 @@
           <a:blip r:embed="rId2">
             <a:extLst>
               <a:ext uri="{28A0092B-C50C-407E-A947-70E740481C1C}">
-                <a14:useLocalDpi xmlns:a14="http://schemas.microsoft.com/office/drawing/2010/main" xmlns="" val="0"/>
+                <a14:useLocalDpi xmlns:a14="http://schemas.microsoft.com/office/drawing/2010/main" val="0"/>
               </a:ext>
             </a:extLst>
           </a:blip>
@@ -4629,14 +4729,14 @@
           <a:effectLst/>
           <a:extLst>
             <a:ext uri="{909E8E84-426E-40DD-AFC4-6F175D3DCCD1}">
-              <a14:hiddenFill xmlns:a14="http://schemas.microsoft.com/office/drawing/2010/main" xmlns="">
+              <a14:hiddenFill xmlns:a14="http://schemas.microsoft.com/office/drawing/2010/main">
                 <a:solidFill>
                   <a:schemeClr val="accent1"/>
                 </a:solidFill>
               </a14:hiddenFill>
             </a:ext>
             <a:ext uri="{91240B29-F687-4F45-9708-019B960494DF}">
-              <a14:hiddenLine xmlns:a14="http://schemas.microsoft.com/office/drawing/2010/main" xmlns="" w="9525">
+              <a14:hiddenLine xmlns:a14="http://schemas.microsoft.com/office/drawing/2010/main" w="9525">
                 <a:solidFill>
                   <a:schemeClr val="tx1"/>
                 </a:solidFill>
@@ -4646,7 +4746,7 @@
               </a14:hiddenLine>
             </a:ext>
             <a:ext uri="{AF507438-7753-43E0-B8FC-AC1667EBCBE1}">
-              <a14:hiddenEffects xmlns:a14="http://schemas.microsoft.com/office/drawing/2010/main" xmlns="">
+              <a14:hiddenEffects xmlns:a14="http://schemas.microsoft.com/office/drawing/2010/main">
                 <a:effectLst>
                   <a:outerShdw dist="35921" dir="2700000" algn="ctr" rotWithShape="0">
                     <a:schemeClr val="bg2"/>
@@ -4666,14 +4766,14 @@
           <p:nvPr>
             <p:extLst>
               <p:ext uri="{D42A27DB-BD31-4B8C-83A1-F6EECF244321}">
-                <p14:modId xmlns:p14="http://schemas.microsoft.com/office/powerpoint/2010/main" xmlns="" val="669990601"/>
+                <p14:modId xmlns:p14="http://schemas.microsoft.com/office/powerpoint/2010/main" val="669990601"/>
               </p:ext>
             </p:extLst>
           </p:nvPr>
         </p:nvGraphicFramePr>
         <p:xfrm>
           <a:off x="0" y="4876800"/>
-          <a:ext cx="2051720" cy="1815785"/>
+          <a:ext cx="2051720" cy="1981200"/>
         </p:xfrm>
         <a:graphic>
           <a:graphicData uri="http://schemas.openxmlformats.org/drawingml/2006/table">
@@ -4843,14 +4943,14 @@
           <p:nvPr>
             <p:extLst>
               <p:ext uri="{D42A27DB-BD31-4B8C-83A1-F6EECF244321}">
-                <p14:modId xmlns:p14="http://schemas.microsoft.com/office/powerpoint/2010/main" xmlns="" val="3027425847"/>
+                <p14:modId xmlns:p14="http://schemas.microsoft.com/office/powerpoint/2010/main" val="3027425847"/>
               </p:ext>
             </p:extLst>
           </p:nvPr>
         </p:nvGraphicFramePr>
         <p:xfrm>
           <a:off x="7092280" y="6060793"/>
-          <a:ext cx="2051720" cy="726314"/>
+          <a:ext cx="2051720" cy="792480"/>
         </p:xfrm>
         <a:graphic>
           <a:graphicData uri="http://schemas.openxmlformats.org/drawingml/2006/table">
@@ -4924,7 +5024,7 @@
     </p:spTree>
     <p:extLst>
       <p:ext uri="{BB962C8B-B14F-4D97-AF65-F5344CB8AC3E}">
-        <p14:creationId xmlns:p14="http://schemas.microsoft.com/office/powerpoint/2010/main" xmlns="" val="4165334171"/>
+        <p14:creationId xmlns:p14="http://schemas.microsoft.com/office/powerpoint/2010/main" val="4165334171"/>
       </p:ext>
     </p:extLst>
   </p:cSld>
@@ -4966,6 +5066,76 @@
         </p:nvSpPr>
         <p:spPr>
           <a:xfrm>
+            <a:off x="0" y="428604"/>
+            <a:ext cx="9144000" cy="1107996"/>
+          </a:xfrm>
+          <a:prstGeom prst="rect">
+            <a:avLst/>
+          </a:prstGeom>
+          <a:noFill/>
+        </p:spPr>
+        <p:txBody>
+          <a:bodyPr wrap="square" rtlCol="0">
+            <a:spAutoFit/>
+          </a:bodyPr>
+          <a:lstStyle/>
+          <a:p>
+            <a:pPr algn="ctr"/>
+            <a:r>
+              <a:rPr lang="it-IT" sz="4800" b="1" dirty="0" smtClean="0">
+                <a:latin typeface="+mj-lt"/>
+              </a:rPr>
+              <a:t>Pro\Contro del RAD</a:t>
+            </a:r>
+          </a:p>
+          <a:p>
+            <a:pPr algn="ctr"/>
+            <a:endParaRPr lang="it-IT" dirty="0">
+              <a:latin typeface="+mj-lt"/>
+            </a:endParaRPr>
+          </a:p>
+        </p:txBody>
+      </p:sp>
+    </p:spTree>
+  </p:cSld>
+  <p:clrMapOvr>
+    <a:masterClrMapping/>
+  </p:clrMapOvr>
+  <p:timing>
+    <p:tnLst>
+      <p:par>
+        <p:cTn id="1" dur="indefinite" restart="never" nodeType="tmRoot"/>
+      </p:par>
+    </p:tnLst>
+  </p:timing>
+</p:sld>
+</file>
+
+<file path=ppt/slides/slide11.xml><?xml version="1.0" encoding="utf-8"?>
+<p:sld xmlns:a="http://schemas.openxmlformats.org/drawingml/2006/main" xmlns:r="http://schemas.openxmlformats.org/officeDocument/2006/relationships" xmlns:p="http://schemas.openxmlformats.org/presentationml/2006/main">
+  <p:cSld>
+    <p:spTree>
+      <p:nvGrpSpPr>
+        <p:cNvPr id="1" name=""/>
+        <p:cNvGrpSpPr/>
+        <p:nvPr/>
+      </p:nvGrpSpPr>
+      <p:grpSpPr>
+        <a:xfrm>
+          <a:off x="0" y="0"/>
+          <a:ext cx="0" cy="0"/>
+          <a:chOff x="0" y="0"/>
+          <a:chExt cx="0" cy="0"/>
+        </a:xfrm>
+      </p:grpSpPr>
+      <p:sp>
+        <p:nvSpPr>
+          <p:cNvPr id="2" name="CasellaDiTesto 1"/>
+          <p:cNvSpPr txBox="1"/>
+          <p:nvPr/>
+        </p:nvSpPr>
+        <p:spPr>
+          <a:xfrm>
             <a:off x="1367984" y="-10060"/>
             <a:ext cx="6456768" cy="1261884"/>
           </a:xfrm>
@@ -5003,7 +5173,7 @@
     </p:spTree>
     <p:extLst>
       <p:ext uri="{BB962C8B-B14F-4D97-AF65-F5344CB8AC3E}">
-        <p14:creationId xmlns:p14="http://schemas.microsoft.com/office/powerpoint/2010/main" xmlns="" val="2769124218"/>
+        <p14:creationId xmlns:p14="http://schemas.microsoft.com/office/powerpoint/2010/main" val="2769124218"/>
       </p:ext>
     </p:extLst>
   </p:cSld>
@@ -5020,7 +5190,7 @@
 </p:sld>
 </file>
 
-<file path=ppt/slides/slide11.xml><?xml version="1.0" encoding="utf-8"?>
+<file path=ppt/slides/slide12.xml><?xml version="1.0" encoding="utf-8"?>
 <p:sld xmlns:a="http://schemas.openxmlformats.org/drawingml/2006/main" xmlns:r="http://schemas.openxmlformats.org/officeDocument/2006/relationships" xmlns:p="http://schemas.openxmlformats.org/presentationml/2006/main">
   <p:cSld>
     <p:spTree>
@@ -5299,18 +5469,18 @@
     </p:spTree>
     <p:extLst>
       <p:ext uri="{BB962C8B-B14F-4D97-AF65-F5344CB8AC3E}">
-        <p14:creationId xmlns:p14="http://schemas.microsoft.com/office/powerpoint/2010/main" xmlns="" val="155874689"/>
+        <p14:creationId xmlns:p14="http://schemas.microsoft.com/office/powerpoint/2010/main" val="155874689"/>
       </p:ext>
     </p:extLst>
   </p:cSld>
   <p:clrMapOvr>
     <a:masterClrMapping/>
   </p:clrMapOvr>
-  <mc:AlternateContent xmlns:mc="http://schemas.openxmlformats.org/markup-compatibility/2006">
-    <mc:Choice xmlns:p14="http://schemas.microsoft.com/office/powerpoint/2010/main" xmlns="" Requires="p14">
+  <mc:AlternateContent xmlns:mc="http://schemas.openxmlformats.org/markup-compatibility/2006" xmlns:p14="http://schemas.microsoft.com/office/powerpoint/2010/main">
+    <mc:Choice Requires="p14">
       <p:transition spd="slow" p14:dur="2000"/>
     </mc:Choice>
-    <mc:Fallback>
+    <mc:Fallback xmlns="">
       <p:transition spd="slow"/>
     </mc:Fallback>
   </mc:AlternateContent>
@@ -5324,7 +5494,7 @@
 </p:sld>
 </file>
 
-<file path=ppt/slides/slide12.xml><?xml version="1.0" encoding="utf-8"?>
+<file path=ppt/slides/slide13.xml><?xml version="1.0" encoding="utf-8"?>
 <p:sld xmlns:a="http://schemas.openxmlformats.org/drawingml/2006/main" xmlns:r="http://schemas.openxmlformats.org/officeDocument/2006/relationships" xmlns:p="http://schemas.openxmlformats.org/presentationml/2006/main">
   <p:cSld>
     <p:spTree>
@@ -5599,18 +5769,18 @@
     </p:spTree>
     <p:extLst>
       <p:ext uri="{BB962C8B-B14F-4D97-AF65-F5344CB8AC3E}">
-        <p14:creationId xmlns:p14="http://schemas.microsoft.com/office/powerpoint/2010/main" xmlns="" val="155874689"/>
+        <p14:creationId xmlns:p14="http://schemas.microsoft.com/office/powerpoint/2010/main" val="155874689"/>
       </p:ext>
     </p:extLst>
   </p:cSld>
   <p:clrMapOvr>
     <a:masterClrMapping/>
   </p:clrMapOvr>
-  <mc:AlternateContent xmlns:mc="http://schemas.openxmlformats.org/markup-compatibility/2006">
-    <mc:Choice xmlns:p14="http://schemas.microsoft.com/office/powerpoint/2010/main" xmlns="" Requires="p14">
+  <mc:AlternateContent xmlns:mc="http://schemas.openxmlformats.org/markup-compatibility/2006" xmlns:p14="http://schemas.microsoft.com/office/powerpoint/2010/main">
+    <mc:Choice Requires="p14">
       <p:transition spd="slow" p14:dur="2000"/>
     </mc:Choice>
-    <mc:Fallback>
+    <mc:Fallback xmlns="">
       <p:transition spd="slow"/>
     </mc:Fallback>
   </mc:AlternateContent>
@@ -5624,7 +5794,7 @@
 </p:sld>
 </file>
 
-<file path=ppt/slides/slide13.xml><?xml version="1.0" encoding="utf-8"?>
+<file path=ppt/slides/slide14.xml><?xml version="1.0" encoding="utf-8"?>
 <p:sld xmlns:a="http://schemas.openxmlformats.org/drawingml/2006/main" xmlns:r="http://schemas.openxmlformats.org/officeDocument/2006/relationships" xmlns:p="http://schemas.openxmlformats.org/presentationml/2006/main">
   <p:cSld>
     <p:spTree>
@@ -5917,18 +6087,18 @@
     </p:spTree>
     <p:extLst>
       <p:ext uri="{BB962C8B-B14F-4D97-AF65-F5344CB8AC3E}">
-        <p14:creationId xmlns:p14="http://schemas.microsoft.com/office/powerpoint/2010/main" xmlns="" val="155874689"/>
+        <p14:creationId xmlns:p14="http://schemas.microsoft.com/office/powerpoint/2010/main" val="155874689"/>
       </p:ext>
     </p:extLst>
   </p:cSld>
   <p:clrMapOvr>
     <a:masterClrMapping/>
   </p:clrMapOvr>
-  <mc:AlternateContent xmlns:mc="http://schemas.openxmlformats.org/markup-compatibility/2006">
-    <mc:Choice xmlns:p14="http://schemas.microsoft.com/office/powerpoint/2010/main" xmlns="" Requires="p14">
+  <mc:AlternateContent xmlns:mc="http://schemas.openxmlformats.org/markup-compatibility/2006" xmlns:p14="http://schemas.microsoft.com/office/powerpoint/2010/main">
+    <mc:Choice Requires="p14">
       <p:transition spd="slow" p14:dur="2000"/>
     </mc:Choice>
-    <mc:Fallback>
+    <mc:Fallback xmlns="">
       <p:transition spd="slow"/>
     </mc:Fallback>
   </mc:AlternateContent>
@@ -6174,7 +6344,7 @@
 </p:sld>
 </file>
 
-<file path=ppt/slides/slide14.xml><?xml version="1.0" encoding="utf-8"?>
+<file path=ppt/slides/slide15.xml><?xml version="1.0" encoding="utf-8"?>
 <p:sld xmlns:a="http://schemas.openxmlformats.org/drawingml/2006/main" xmlns:r="http://schemas.openxmlformats.org/officeDocument/2006/relationships" xmlns:p="http://schemas.openxmlformats.org/presentationml/2006/main">
   <p:cSld>
     <p:spTree>
@@ -6262,7 +6432,7 @@
 </p:sld>
 </file>
 
-<file path=ppt/slides/slide15.xml><?xml version="1.0" encoding="utf-8"?>
+<file path=ppt/slides/slide16.xml><?xml version="1.0" encoding="utf-8"?>
 <p:sld xmlns:a="http://schemas.openxmlformats.org/drawingml/2006/main" xmlns:r="http://schemas.openxmlformats.org/officeDocument/2006/relationships" xmlns:p="http://schemas.openxmlformats.org/presentationml/2006/main">
   <p:cSld>
     <p:spTree>
@@ -6343,7 +6513,7 @@
 </p:sld>
 </file>
 
-<file path=ppt/slides/slide16.xml><?xml version="1.0" encoding="utf-8"?>
+<file path=ppt/slides/slide17.xml><?xml version="1.0" encoding="utf-8"?>
 <p:sld xmlns:a="http://schemas.openxmlformats.org/drawingml/2006/main" xmlns:r="http://schemas.openxmlformats.org/officeDocument/2006/relationships" xmlns:p="http://schemas.openxmlformats.org/presentationml/2006/main">
   <p:cSld>
     <p:spTree>
@@ -6413,7 +6583,7 @@
 </p:sld>
 </file>
 
-<file path=ppt/slides/slide17.xml><?xml version="1.0" encoding="utf-8"?>
+<file path=ppt/slides/slide18.xml><?xml version="1.0" encoding="utf-8"?>
 <p:sld xmlns:a="http://schemas.openxmlformats.org/drawingml/2006/main" xmlns:r="http://schemas.openxmlformats.org/officeDocument/2006/relationships" xmlns:p="http://schemas.openxmlformats.org/presentationml/2006/main">
   <p:cSld>
     <p:spTree>
@@ -6581,7 +6751,7 @@
           <a:blip r:embed="rId2">
             <a:extLst>
               <a:ext uri="{28A0092B-C50C-407E-A947-70E740481C1C}">
-                <a14:useLocalDpi xmlns:a14="http://schemas.microsoft.com/office/drawing/2010/main" xmlns="" val="0"/>
+                <a14:useLocalDpi xmlns:a14="http://schemas.microsoft.com/office/drawing/2010/main" val="0"/>
               </a:ext>
             </a:extLst>
           </a:blip>
@@ -6601,7 +6771,7 @@
           <a:noFill/>
           <a:extLst>
             <a:ext uri="{909E8E84-426E-40DD-AFC4-6F175D3DCCD1}">
-              <a14:hiddenFill xmlns:a14="http://schemas.microsoft.com/office/drawing/2010/main" xmlns="">
+              <a14:hiddenFill xmlns:a14="http://schemas.microsoft.com/office/drawing/2010/main">
                 <a:solidFill>
                   <a:srgbClr val="FFFFFF"/>
                 </a:solidFill>
@@ -6622,7 +6792,7 @@
           <a:blip r:embed="rId3">
             <a:extLst>
               <a:ext uri="{28A0092B-C50C-407E-A947-70E740481C1C}">
-                <a14:useLocalDpi xmlns:a14="http://schemas.microsoft.com/office/drawing/2010/main" xmlns="" val="0"/>
+                <a14:useLocalDpi xmlns:a14="http://schemas.microsoft.com/office/drawing/2010/main" val="0"/>
               </a:ext>
             </a:extLst>
           </a:blip>
@@ -6642,7 +6812,7 @@
           <a:noFill/>
           <a:extLst>
             <a:ext uri="{909E8E84-426E-40DD-AFC4-6F175D3DCCD1}">
-              <a14:hiddenFill xmlns:a14="http://schemas.microsoft.com/office/drawing/2010/main" xmlns="">
+              <a14:hiddenFill xmlns:a14="http://schemas.microsoft.com/office/drawing/2010/main">
                 <a:solidFill>
                   <a:srgbClr val="FFFFFF"/>
                 </a:solidFill>
@@ -6688,7 +6858,7 @@
     </p:spTree>
     <p:extLst>
       <p:ext uri="{BB962C8B-B14F-4D97-AF65-F5344CB8AC3E}">
-        <p14:creationId xmlns:p14="http://schemas.microsoft.com/office/powerpoint/2010/main" xmlns="" val="1277526579"/>
+        <p14:creationId xmlns:p14="http://schemas.microsoft.com/office/powerpoint/2010/main" val="1277526579"/>
       </p:ext>
     </p:extLst>
   </p:cSld>
@@ -6787,7 +6957,7 @@
 </p:sld>
 </file>
 
-<file path=ppt/slides/slide18.xml><?xml version="1.0" encoding="utf-8"?>
+<file path=ppt/slides/slide19.xml><?xml version="1.0" encoding="utf-8"?>
 <p:sld xmlns:a="http://schemas.openxmlformats.org/drawingml/2006/main" xmlns:r="http://schemas.openxmlformats.org/officeDocument/2006/relationships" xmlns:p="http://schemas.openxmlformats.org/presentationml/2006/main">
   <p:cSld>
     <p:spTree>
@@ -6891,7 +7061,7 @@
           <a:blip r:embed="rId2">
             <a:extLst>
               <a:ext uri="{28A0092B-C50C-407E-A947-70E740481C1C}">
-                <a14:useLocalDpi xmlns:a14="http://schemas.microsoft.com/office/drawing/2010/main" xmlns="" val="0"/>
+                <a14:useLocalDpi xmlns:a14="http://schemas.microsoft.com/office/drawing/2010/main" val="0"/>
               </a:ext>
             </a:extLst>
           </a:blip>
@@ -6911,7 +7081,7 @@
           <a:noFill/>
           <a:extLst>
             <a:ext uri="{909E8E84-426E-40DD-AFC4-6F175D3DCCD1}">
-              <a14:hiddenFill xmlns:a14="http://schemas.microsoft.com/office/drawing/2010/main" xmlns="">
+              <a14:hiddenFill xmlns:a14="http://schemas.microsoft.com/office/drawing/2010/main">
                 <a:solidFill>
                   <a:srgbClr val="FFFFFF"/>
                 </a:solidFill>
@@ -6932,7 +7102,7 @@
           <a:blip r:embed="rId3" cstate="print">
             <a:extLst>
               <a:ext uri="{28A0092B-C50C-407E-A947-70E740481C1C}">
-                <a14:useLocalDpi xmlns:a14="http://schemas.microsoft.com/office/drawing/2010/main" xmlns="" val="0"/>
+                <a14:useLocalDpi xmlns:a14="http://schemas.microsoft.com/office/drawing/2010/main" val="0"/>
               </a:ext>
             </a:extLst>
           </a:blip>
@@ -6952,7 +7122,7 @@
           <a:noFill/>
           <a:extLst>
             <a:ext uri="{909E8E84-426E-40DD-AFC4-6F175D3DCCD1}">
-              <a14:hiddenFill xmlns:a14="http://schemas.microsoft.com/office/drawing/2010/main" xmlns="">
+              <a14:hiddenFill xmlns:a14="http://schemas.microsoft.com/office/drawing/2010/main">
                 <a:solidFill>
                   <a:srgbClr val="FFFFFF"/>
                 </a:solidFill>
@@ -6973,7 +7143,7 @@
           <a:blip r:embed="rId4">
             <a:extLst>
               <a:ext uri="{28A0092B-C50C-407E-A947-70E740481C1C}">
-                <a14:useLocalDpi xmlns:a14="http://schemas.microsoft.com/office/drawing/2010/main" xmlns="" val="0"/>
+                <a14:useLocalDpi xmlns:a14="http://schemas.microsoft.com/office/drawing/2010/main" val="0"/>
               </a:ext>
             </a:extLst>
           </a:blip>
@@ -6993,7 +7163,7 @@
           <a:noFill/>
           <a:extLst>
             <a:ext uri="{909E8E84-426E-40DD-AFC4-6F175D3DCCD1}">
-              <a14:hiddenFill xmlns:a14="http://schemas.microsoft.com/office/drawing/2010/main" xmlns="">
+              <a14:hiddenFill xmlns:a14="http://schemas.microsoft.com/office/drawing/2010/main">
                 <a:solidFill>
                   <a:srgbClr val="FFFFFF"/>
                 </a:solidFill>
@@ -7095,7 +7265,7 @@
     </p:spTree>
     <p:extLst>
       <p:ext uri="{BB962C8B-B14F-4D97-AF65-F5344CB8AC3E}">
-        <p14:creationId xmlns:p14="http://schemas.microsoft.com/office/powerpoint/2010/main" xmlns="" val="418107373"/>
+        <p14:creationId xmlns:p14="http://schemas.microsoft.com/office/powerpoint/2010/main" val="418107373"/>
       </p:ext>
     </p:extLst>
   </p:cSld>
@@ -7458,7 +7628,576 @@
 </p:sld>
 </file>
 
-<file path=ppt/slides/slide19.xml><?xml version="1.0" encoding="utf-8"?>
+<file path=ppt/slides/slide2.xml><?xml version="1.0" encoding="utf-8"?>
+<p:sld xmlns:a="http://schemas.openxmlformats.org/drawingml/2006/main" xmlns:r="http://schemas.openxmlformats.org/officeDocument/2006/relationships" xmlns:p="http://schemas.openxmlformats.org/presentationml/2006/main">
+  <p:cSld>
+    <p:spTree>
+      <p:nvGrpSpPr>
+        <p:cNvPr id="1" name=""/>
+        <p:cNvGrpSpPr/>
+        <p:nvPr/>
+      </p:nvGrpSpPr>
+      <p:grpSpPr>
+        <a:xfrm>
+          <a:off x="0" y="0"/>
+          <a:ext cx="0" cy="0"/>
+          <a:chOff x="0" y="0"/>
+          <a:chExt cx="0" cy="0"/>
+        </a:xfrm>
+      </p:grpSpPr>
+      <p:pic>
+        <p:nvPicPr>
+          <p:cNvPr id="1026" name="Picture 2"/>
+          <p:cNvPicPr>
+            <a:picLocks noChangeAspect="1" noChangeArrowheads="1"/>
+          </p:cNvPicPr>
+          <p:nvPr/>
+        </p:nvPicPr>
+        <p:blipFill>
+          <a:blip r:embed="rId2"/>
+          <a:srcRect/>
+          <a:stretch>
+            <a:fillRect/>
+          </a:stretch>
+        </p:blipFill>
+        <p:spPr bwMode="auto">
+          <a:xfrm>
+            <a:off x="642911" y="1096963"/>
+            <a:ext cx="7072362" cy="5761037"/>
+          </a:xfrm>
+          <a:prstGeom prst="rect">
+            <a:avLst/>
+          </a:prstGeom>
+          <a:noFill/>
+          <a:ln w="9525">
+            <a:noFill/>
+            <a:miter lim="800000"/>
+            <a:headEnd/>
+            <a:tailEnd/>
+          </a:ln>
+          <a:effectLst/>
+        </p:spPr>
+      </p:pic>
+      <p:sp>
+        <p:nvSpPr>
+          <p:cNvPr id="2" name="CasellaDiTesto 1"/>
+          <p:cNvSpPr txBox="1"/>
+          <p:nvPr/>
+        </p:nvSpPr>
+        <p:spPr>
+          <a:xfrm>
+            <a:off x="1071538" y="500042"/>
+            <a:ext cx="7072362" cy="1107996"/>
+          </a:xfrm>
+          <a:prstGeom prst="rect">
+            <a:avLst/>
+          </a:prstGeom>
+          <a:noFill/>
+        </p:spPr>
+        <p:txBody>
+          <a:bodyPr wrap="square" rtlCol="0">
+            <a:spAutoFit/>
+          </a:bodyPr>
+          <a:lstStyle/>
+          <a:p>
+            <a:pPr algn="ctr"/>
+            <a:r>
+              <a:rPr lang="it-IT" sz="4800" b="1" dirty="0" smtClean="0">
+                <a:latin typeface="+mj-lt"/>
+              </a:rPr>
+              <a:t>Gli attori del sistema</a:t>
+            </a:r>
+          </a:p>
+          <a:p>
+            <a:pPr algn="ctr"/>
+            <a:endParaRPr lang="it-IT" dirty="0">
+              <a:latin typeface="+mj-lt"/>
+            </a:endParaRPr>
+          </a:p>
+        </p:txBody>
+      </p:sp>
+      <p:sp>
+        <p:nvSpPr>
+          <p:cNvPr id="5" name="Oval 4"/>
+          <p:cNvSpPr/>
+          <p:nvPr/>
+        </p:nvSpPr>
+        <p:spPr>
+          <a:xfrm>
+            <a:off x="1035819" y="1500174"/>
+            <a:ext cx="1571636" cy="642942"/>
+          </a:xfrm>
+          <a:prstGeom prst="ellipse">
+            <a:avLst/>
+          </a:prstGeom>
+          <a:noFill/>
+          <a:ln>
+            <a:solidFill>
+              <a:srgbClr val="FF0000"/>
+            </a:solidFill>
+          </a:ln>
+        </p:spPr>
+        <p:style>
+          <a:lnRef idx="2">
+            <a:schemeClr val="accent1">
+              <a:shade val="50000"/>
+            </a:schemeClr>
+          </a:lnRef>
+          <a:fillRef idx="1">
+            <a:schemeClr val="accent1"/>
+          </a:fillRef>
+          <a:effectRef idx="0">
+            <a:schemeClr val="accent1"/>
+          </a:effectRef>
+          <a:fontRef idx="minor">
+            <a:schemeClr val="lt1"/>
+          </a:fontRef>
+        </p:style>
+        <p:txBody>
+          <a:bodyPr rtlCol="0" anchor="ctr"/>
+          <a:lstStyle/>
+          <a:p>
+            <a:pPr algn="ctr"/>
+            <a:endParaRPr lang="it-IT"/>
+          </a:p>
+        </p:txBody>
+      </p:sp>
+      <p:sp>
+        <p:nvSpPr>
+          <p:cNvPr id="6" name="Oval 5"/>
+          <p:cNvSpPr/>
+          <p:nvPr/>
+        </p:nvSpPr>
+        <p:spPr>
+          <a:xfrm>
+            <a:off x="1714480" y="4143380"/>
+            <a:ext cx="2071702" cy="642942"/>
+          </a:xfrm>
+          <a:prstGeom prst="ellipse">
+            <a:avLst/>
+          </a:prstGeom>
+          <a:noFill/>
+          <a:ln>
+            <a:solidFill>
+              <a:srgbClr val="FF0000"/>
+            </a:solidFill>
+          </a:ln>
+        </p:spPr>
+        <p:style>
+          <a:lnRef idx="2">
+            <a:schemeClr val="accent1">
+              <a:shade val="50000"/>
+            </a:schemeClr>
+          </a:lnRef>
+          <a:fillRef idx="1">
+            <a:schemeClr val="accent1"/>
+          </a:fillRef>
+          <a:effectRef idx="0">
+            <a:schemeClr val="accent1"/>
+          </a:effectRef>
+          <a:fontRef idx="minor">
+            <a:schemeClr val="lt1"/>
+          </a:fontRef>
+        </p:style>
+        <p:txBody>
+          <a:bodyPr rtlCol="0" anchor="ctr"/>
+          <a:lstStyle/>
+          <a:p>
+            <a:pPr algn="ctr"/>
+            <a:endParaRPr lang="it-IT"/>
+          </a:p>
+        </p:txBody>
+      </p:sp>
+      <p:sp>
+        <p:nvSpPr>
+          <p:cNvPr id="7" name="Oval 6"/>
+          <p:cNvSpPr/>
+          <p:nvPr/>
+        </p:nvSpPr>
+        <p:spPr>
+          <a:xfrm>
+            <a:off x="2786050" y="3571876"/>
+            <a:ext cx="1571636" cy="642942"/>
+          </a:xfrm>
+          <a:prstGeom prst="ellipse">
+            <a:avLst/>
+          </a:prstGeom>
+          <a:noFill/>
+          <a:ln>
+            <a:solidFill>
+              <a:srgbClr val="FF0000"/>
+            </a:solidFill>
+          </a:ln>
+        </p:spPr>
+        <p:style>
+          <a:lnRef idx="2">
+            <a:schemeClr val="accent1">
+              <a:shade val="50000"/>
+            </a:schemeClr>
+          </a:lnRef>
+          <a:fillRef idx="1">
+            <a:schemeClr val="accent1"/>
+          </a:fillRef>
+          <a:effectRef idx="0">
+            <a:schemeClr val="accent1"/>
+          </a:effectRef>
+          <a:fontRef idx="minor">
+            <a:schemeClr val="lt1"/>
+          </a:fontRef>
+        </p:style>
+        <p:txBody>
+          <a:bodyPr rtlCol="0" anchor="ctr"/>
+          <a:lstStyle/>
+          <a:p>
+            <a:pPr algn="ctr"/>
+            <a:endParaRPr lang="it-IT"/>
+          </a:p>
+        </p:txBody>
+      </p:sp>
+      <p:sp>
+        <p:nvSpPr>
+          <p:cNvPr id="8" name="Oval 7"/>
+          <p:cNvSpPr/>
+          <p:nvPr/>
+        </p:nvSpPr>
+        <p:spPr>
+          <a:xfrm>
+            <a:off x="1714480" y="6215058"/>
+            <a:ext cx="1785950" cy="642942"/>
+          </a:xfrm>
+          <a:prstGeom prst="ellipse">
+            <a:avLst/>
+          </a:prstGeom>
+          <a:noFill/>
+          <a:ln>
+            <a:solidFill>
+              <a:srgbClr val="FF0000"/>
+            </a:solidFill>
+          </a:ln>
+        </p:spPr>
+        <p:style>
+          <a:lnRef idx="2">
+            <a:schemeClr val="accent1">
+              <a:shade val="50000"/>
+            </a:schemeClr>
+          </a:lnRef>
+          <a:fillRef idx="1">
+            <a:schemeClr val="accent1"/>
+          </a:fillRef>
+          <a:effectRef idx="0">
+            <a:schemeClr val="accent1"/>
+          </a:effectRef>
+          <a:fontRef idx="minor">
+            <a:schemeClr val="lt1"/>
+          </a:fontRef>
+        </p:style>
+        <p:txBody>
+          <a:bodyPr rtlCol="0" anchor="ctr"/>
+          <a:lstStyle/>
+          <a:p>
+            <a:pPr algn="ctr"/>
+            <a:endParaRPr lang="it-IT"/>
+          </a:p>
+        </p:txBody>
+      </p:sp>
+      <p:sp>
+        <p:nvSpPr>
+          <p:cNvPr id="9" name="Oval 8"/>
+          <p:cNvSpPr/>
+          <p:nvPr/>
+        </p:nvSpPr>
+        <p:spPr>
+          <a:xfrm>
+            <a:off x="1714480" y="5643578"/>
+            <a:ext cx="1785950" cy="571504"/>
+          </a:xfrm>
+          <a:prstGeom prst="ellipse">
+            <a:avLst/>
+          </a:prstGeom>
+          <a:noFill/>
+          <a:ln>
+            <a:solidFill>
+              <a:srgbClr val="FF0000"/>
+            </a:solidFill>
+          </a:ln>
+        </p:spPr>
+        <p:style>
+          <a:lnRef idx="2">
+            <a:schemeClr val="accent1">
+              <a:shade val="50000"/>
+            </a:schemeClr>
+          </a:lnRef>
+          <a:fillRef idx="1">
+            <a:schemeClr val="accent1"/>
+          </a:fillRef>
+          <a:effectRef idx="0">
+            <a:schemeClr val="accent1"/>
+          </a:effectRef>
+          <a:fontRef idx="minor">
+            <a:schemeClr val="lt1"/>
+          </a:fontRef>
+        </p:style>
+        <p:txBody>
+          <a:bodyPr rtlCol="0" anchor="ctr"/>
+          <a:lstStyle/>
+          <a:p>
+            <a:pPr algn="ctr"/>
+            <a:endParaRPr lang="it-IT"/>
+          </a:p>
+        </p:txBody>
+      </p:sp>
+    </p:spTree>
+    <p:extLst>
+      <p:ext uri="{BB962C8B-B14F-4D97-AF65-F5344CB8AC3E}">
+        <p14:creationId xmlns:p14="http://schemas.microsoft.com/office/powerpoint/2010/main" val="155874689"/>
+      </p:ext>
+    </p:extLst>
+  </p:cSld>
+  <p:clrMapOvr>
+    <a:masterClrMapping/>
+  </p:clrMapOvr>
+  <mc:AlternateContent xmlns:mc="http://schemas.openxmlformats.org/markup-compatibility/2006" xmlns:p14="http://schemas.microsoft.com/office/powerpoint/2010/main">
+    <mc:Choice Requires="p14">
+      <p:transition spd="slow" p14:dur="2000"/>
+    </mc:Choice>
+    <mc:Fallback xmlns="">
+      <p:transition spd="slow"/>
+    </mc:Fallback>
+  </mc:AlternateContent>
+  <p:timing>
+    <p:tnLst>
+      <p:par>
+        <p:cTn id="1" dur="indefinite" restart="never" nodeType="tmRoot">
+          <p:childTnLst>
+            <p:seq concurrent="1" nextAc="seek">
+              <p:cTn id="2" dur="indefinite" nodeType="mainSeq">
+                <p:childTnLst>
+                  <p:par>
+                    <p:cTn id="3" fill="hold">
+                      <p:stCondLst>
+                        <p:cond delay="indefinite"/>
+                      </p:stCondLst>
+                      <p:childTnLst>
+                        <p:par>
+                          <p:cTn id="4" fill="hold">
+                            <p:stCondLst>
+                              <p:cond delay="0"/>
+                            </p:stCondLst>
+                            <p:childTnLst>
+                              <p:par>
+                                <p:cTn id="5" presetID="10" presetClass="entr" presetSubtype="0" fill="hold" grpId="0" nodeType="clickEffect">
+                                  <p:stCondLst>
+                                    <p:cond delay="0"/>
+                                  </p:stCondLst>
+                                  <p:childTnLst>
+                                    <p:set>
+                                      <p:cBhvr>
+                                        <p:cTn id="6" dur="1" fill="hold">
+                                          <p:stCondLst>
+                                            <p:cond delay="0"/>
+                                          </p:stCondLst>
+                                        </p:cTn>
+                                        <p:tgtEl>
+                                          <p:spTgt spid="5"/>
+                                        </p:tgtEl>
+                                        <p:attrNameLst>
+                                          <p:attrName>style.visibility</p:attrName>
+                                        </p:attrNameLst>
+                                      </p:cBhvr>
+                                      <p:to>
+                                        <p:strVal val="visible"/>
+                                      </p:to>
+                                    </p:set>
+                                    <p:animEffect transition="in" filter="fade">
+                                      <p:cBhvr>
+                                        <p:cTn id="7" dur="500"/>
+                                        <p:tgtEl>
+                                          <p:spTgt spid="5"/>
+                                        </p:tgtEl>
+                                      </p:cBhvr>
+                                    </p:animEffect>
+                                  </p:childTnLst>
+                                </p:cTn>
+                              </p:par>
+                              <p:par>
+                                <p:cTn id="8" presetID="10" presetClass="entr" presetSubtype="0" fill="hold" grpId="0" nodeType="withEffect">
+                                  <p:stCondLst>
+                                    <p:cond delay="0"/>
+                                  </p:stCondLst>
+                                  <p:childTnLst>
+                                    <p:set>
+                                      <p:cBhvr>
+                                        <p:cTn id="9" dur="1" fill="hold">
+                                          <p:stCondLst>
+                                            <p:cond delay="0"/>
+                                          </p:stCondLst>
+                                        </p:cTn>
+                                        <p:tgtEl>
+                                          <p:spTgt spid="7"/>
+                                        </p:tgtEl>
+                                        <p:attrNameLst>
+                                          <p:attrName>style.visibility</p:attrName>
+                                        </p:attrNameLst>
+                                      </p:cBhvr>
+                                      <p:to>
+                                        <p:strVal val="visible"/>
+                                      </p:to>
+                                    </p:set>
+                                    <p:animEffect transition="in" filter="fade">
+                                      <p:cBhvr>
+                                        <p:cTn id="10" dur="500"/>
+                                        <p:tgtEl>
+                                          <p:spTgt spid="7"/>
+                                        </p:tgtEl>
+                                      </p:cBhvr>
+                                    </p:animEffect>
+                                  </p:childTnLst>
+                                </p:cTn>
+                              </p:par>
+                              <p:par>
+                                <p:cTn id="11" presetID="10" presetClass="entr" presetSubtype="0" fill="hold" grpId="0" nodeType="withEffect">
+                                  <p:stCondLst>
+                                    <p:cond delay="0"/>
+                                  </p:stCondLst>
+                                  <p:childTnLst>
+                                    <p:set>
+                                      <p:cBhvr>
+                                        <p:cTn id="12" dur="1" fill="hold">
+                                          <p:stCondLst>
+                                            <p:cond delay="0"/>
+                                          </p:stCondLst>
+                                        </p:cTn>
+                                        <p:tgtEl>
+                                          <p:spTgt spid="6"/>
+                                        </p:tgtEl>
+                                        <p:attrNameLst>
+                                          <p:attrName>style.visibility</p:attrName>
+                                        </p:attrNameLst>
+                                      </p:cBhvr>
+                                      <p:to>
+                                        <p:strVal val="visible"/>
+                                      </p:to>
+                                    </p:set>
+                                    <p:animEffect transition="in" filter="fade">
+                                      <p:cBhvr>
+                                        <p:cTn id="13" dur="500"/>
+                                        <p:tgtEl>
+                                          <p:spTgt spid="6"/>
+                                        </p:tgtEl>
+                                      </p:cBhvr>
+                                    </p:animEffect>
+                                  </p:childTnLst>
+                                </p:cTn>
+                              </p:par>
+                              <p:par>
+                                <p:cTn id="14" presetID="10" presetClass="entr" presetSubtype="0" fill="hold" grpId="0" nodeType="withEffect">
+                                  <p:stCondLst>
+                                    <p:cond delay="0"/>
+                                  </p:stCondLst>
+                                  <p:childTnLst>
+                                    <p:set>
+                                      <p:cBhvr>
+                                        <p:cTn id="15" dur="1" fill="hold">
+                                          <p:stCondLst>
+                                            <p:cond delay="0"/>
+                                          </p:stCondLst>
+                                        </p:cTn>
+                                        <p:tgtEl>
+                                          <p:spTgt spid="9"/>
+                                        </p:tgtEl>
+                                        <p:attrNameLst>
+                                          <p:attrName>style.visibility</p:attrName>
+                                        </p:attrNameLst>
+                                      </p:cBhvr>
+                                      <p:to>
+                                        <p:strVal val="visible"/>
+                                      </p:to>
+                                    </p:set>
+                                    <p:animEffect transition="in" filter="fade">
+                                      <p:cBhvr>
+                                        <p:cTn id="16" dur="500"/>
+                                        <p:tgtEl>
+                                          <p:spTgt spid="9"/>
+                                        </p:tgtEl>
+                                      </p:cBhvr>
+                                    </p:animEffect>
+                                  </p:childTnLst>
+                                </p:cTn>
+                              </p:par>
+                              <p:par>
+                                <p:cTn id="17" presetID="10" presetClass="entr" presetSubtype="0" fill="hold" grpId="0" nodeType="withEffect">
+                                  <p:stCondLst>
+                                    <p:cond delay="0"/>
+                                  </p:stCondLst>
+                                  <p:childTnLst>
+                                    <p:set>
+                                      <p:cBhvr>
+                                        <p:cTn id="18" dur="1" fill="hold">
+                                          <p:stCondLst>
+                                            <p:cond delay="0"/>
+                                          </p:stCondLst>
+                                        </p:cTn>
+                                        <p:tgtEl>
+                                          <p:spTgt spid="8"/>
+                                        </p:tgtEl>
+                                        <p:attrNameLst>
+                                          <p:attrName>style.visibility</p:attrName>
+                                        </p:attrNameLst>
+                                      </p:cBhvr>
+                                      <p:to>
+                                        <p:strVal val="visible"/>
+                                      </p:to>
+                                    </p:set>
+                                    <p:animEffect transition="in" filter="fade">
+                                      <p:cBhvr>
+                                        <p:cTn id="19" dur="500"/>
+                                        <p:tgtEl>
+                                          <p:spTgt spid="8"/>
+                                        </p:tgtEl>
+                                      </p:cBhvr>
+                                    </p:animEffect>
+                                  </p:childTnLst>
+                                </p:cTn>
+                              </p:par>
+                            </p:childTnLst>
+                          </p:cTn>
+                        </p:par>
+                      </p:childTnLst>
+                    </p:cTn>
+                  </p:par>
+                </p:childTnLst>
+              </p:cTn>
+              <p:prevCondLst>
+                <p:cond evt="onPrev" delay="0">
+                  <p:tgtEl>
+                    <p:sldTgt/>
+                  </p:tgtEl>
+                </p:cond>
+              </p:prevCondLst>
+              <p:nextCondLst>
+                <p:cond evt="onNext" delay="0">
+                  <p:tgtEl>
+                    <p:sldTgt/>
+                  </p:tgtEl>
+                </p:cond>
+              </p:nextCondLst>
+            </p:seq>
+          </p:childTnLst>
+        </p:cTn>
+      </p:par>
+    </p:tnLst>
+    <p:bldLst>
+      <p:bldP spid="5" grpId="0" animBg="1"/>
+      <p:bldP spid="6" grpId="0" animBg="1"/>
+      <p:bldP spid="7" grpId="0" animBg="1"/>
+      <p:bldP spid="8" grpId="0" animBg="1"/>
+      <p:bldP spid="9" grpId="0" animBg="1"/>
+    </p:bldLst>
+  </p:timing>
+</p:sld>
+</file>
+
+<file path=ppt/slides/slide20.xml><?xml version="1.0" encoding="utf-8"?>
 <p:sld xmlns:a="http://schemas.openxmlformats.org/drawingml/2006/main" xmlns:r="http://schemas.openxmlformats.org/officeDocument/2006/relationships" xmlns:p="http://schemas.openxmlformats.org/presentationml/2006/main">
   <p:cSld>
     <p:spTree>
@@ -7734,7 +8473,7 @@
           <a:blip r:embed="rId2">
             <a:extLst>
               <a:ext uri="{28A0092B-C50C-407E-A947-70E740481C1C}">
-                <a14:useLocalDpi xmlns:a14="http://schemas.microsoft.com/office/drawing/2010/main" xmlns="" val="0"/>
+                <a14:useLocalDpi xmlns:a14="http://schemas.microsoft.com/office/drawing/2010/main" val="0"/>
               </a:ext>
             </a:extLst>
           </a:blip>
@@ -7754,7 +8493,7 @@
           <a:noFill/>
           <a:extLst>
             <a:ext uri="{909E8E84-426E-40DD-AFC4-6F175D3DCCD1}">
-              <a14:hiddenFill xmlns:a14="http://schemas.microsoft.com/office/drawing/2010/main" xmlns="">
+              <a14:hiddenFill xmlns:a14="http://schemas.microsoft.com/office/drawing/2010/main">
                 <a:solidFill>
                   <a:srgbClr val="FFFFFF"/>
                 </a:solidFill>
@@ -7775,7 +8514,7 @@
           <a:blip r:embed="rId3">
             <a:extLst>
               <a:ext uri="{28A0092B-C50C-407E-A947-70E740481C1C}">
-                <a14:useLocalDpi xmlns:a14="http://schemas.microsoft.com/office/drawing/2010/main" xmlns="" val="0"/>
+                <a14:useLocalDpi xmlns:a14="http://schemas.microsoft.com/office/drawing/2010/main" val="0"/>
               </a:ext>
             </a:extLst>
           </a:blip>
@@ -7795,7 +8534,7 @@
           <a:noFill/>
           <a:extLst>
             <a:ext uri="{909E8E84-426E-40DD-AFC4-6F175D3DCCD1}">
-              <a14:hiddenFill xmlns:a14="http://schemas.microsoft.com/office/drawing/2010/main" xmlns="">
+              <a14:hiddenFill xmlns:a14="http://schemas.microsoft.com/office/drawing/2010/main">
                 <a:solidFill>
                   <a:srgbClr val="FFFFFF"/>
                 </a:solidFill>
@@ -8043,18 +8782,18 @@
     </p:spTree>
     <p:extLst>
       <p:ext uri="{BB962C8B-B14F-4D97-AF65-F5344CB8AC3E}">
-        <p14:creationId xmlns:p14="http://schemas.microsoft.com/office/powerpoint/2010/main" xmlns="" val="2879521852"/>
+        <p14:creationId xmlns:p14="http://schemas.microsoft.com/office/powerpoint/2010/main" val="2879521852"/>
       </p:ext>
     </p:extLst>
   </p:cSld>
   <p:clrMapOvr>
     <a:masterClrMapping/>
   </p:clrMapOvr>
-  <mc:AlternateContent xmlns:mc="http://schemas.openxmlformats.org/markup-compatibility/2006">
-    <mc:Choice xmlns:p14="http://schemas.microsoft.com/office/powerpoint/2010/main" xmlns="" Requires="p14">
+  <mc:AlternateContent xmlns:mc="http://schemas.openxmlformats.org/markup-compatibility/2006" xmlns:p14="http://schemas.microsoft.com/office/powerpoint/2010/main">
+    <mc:Choice Requires="p14">
       <p:transition spd="slow" p14:dur="2000"/>
     </mc:Choice>
-    <mc:Fallback>
+    <mc:Fallback xmlns="">
       <p:transition spd="slow"/>
     </mc:Fallback>
   </mc:AlternateContent>
@@ -8381,576 +9120,7 @@
 </p:sld>
 </file>
 
-<file path=ppt/slides/slide2.xml><?xml version="1.0" encoding="utf-8"?>
-<p:sld xmlns:a="http://schemas.openxmlformats.org/drawingml/2006/main" xmlns:r="http://schemas.openxmlformats.org/officeDocument/2006/relationships" xmlns:p="http://schemas.openxmlformats.org/presentationml/2006/main">
-  <p:cSld>
-    <p:spTree>
-      <p:nvGrpSpPr>
-        <p:cNvPr id="1" name=""/>
-        <p:cNvGrpSpPr/>
-        <p:nvPr/>
-      </p:nvGrpSpPr>
-      <p:grpSpPr>
-        <a:xfrm>
-          <a:off x="0" y="0"/>
-          <a:ext cx="0" cy="0"/>
-          <a:chOff x="0" y="0"/>
-          <a:chExt cx="0" cy="0"/>
-        </a:xfrm>
-      </p:grpSpPr>
-      <p:pic>
-        <p:nvPicPr>
-          <p:cNvPr id="1026" name="Picture 2"/>
-          <p:cNvPicPr>
-            <a:picLocks noChangeAspect="1" noChangeArrowheads="1"/>
-          </p:cNvPicPr>
-          <p:nvPr/>
-        </p:nvPicPr>
-        <p:blipFill>
-          <a:blip r:embed="rId2"/>
-          <a:srcRect/>
-          <a:stretch>
-            <a:fillRect/>
-          </a:stretch>
-        </p:blipFill>
-        <p:spPr bwMode="auto">
-          <a:xfrm>
-            <a:off x="642911" y="1096963"/>
-            <a:ext cx="7072362" cy="5761037"/>
-          </a:xfrm>
-          <a:prstGeom prst="rect">
-            <a:avLst/>
-          </a:prstGeom>
-          <a:noFill/>
-          <a:ln w="9525">
-            <a:noFill/>
-            <a:miter lim="800000"/>
-            <a:headEnd/>
-            <a:tailEnd/>
-          </a:ln>
-          <a:effectLst/>
-        </p:spPr>
-      </p:pic>
-      <p:sp>
-        <p:nvSpPr>
-          <p:cNvPr id="2" name="CasellaDiTesto 1"/>
-          <p:cNvSpPr txBox="1"/>
-          <p:nvPr/>
-        </p:nvSpPr>
-        <p:spPr>
-          <a:xfrm>
-            <a:off x="1071538" y="500042"/>
-            <a:ext cx="7072362" cy="1107996"/>
-          </a:xfrm>
-          <a:prstGeom prst="rect">
-            <a:avLst/>
-          </a:prstGeom>
-          <a:noFill/>
-        </p:spPr>
-        <p:txBody>
-          <a:bodyPr wrap="square" rtlCol="0">
-            <a:spAutoFit/>
-          </a:bodyPr>
-          <a:lstStyle/>
-          <a:p>
-            <a:pPr algn="ctr"/>
-            <a:r>
-              <a:rPr lang="it-IT" sz="4800" b="1" dirty="0" smtClean="0">
-                <a:latin typeface="+mj-lt"/>
-              </a:rPr>
-              <a:t>Gli attori del sistema</a:t>
-            </a:r>
-          </a:p>
-          <a:p>
-            <a:pPr algn="ctr"/>
-            <a:endParaRPr lang="it-IT" dirty="0">
-              <a:latin typeface="+mj-lt"/>
-            </a:endParaRPr>
-          </a:p>
-        </p:txBody>
-      </p:sp>
-      <p:sp>
-        <p:nvSpPr>
-          <p:cNvPr id="5" name="Oval 4"/>
-          <p:cNvSpPr/>
-          <p:nvPr/>
-        </p:nvSpPr>
-        <p:spPr>
-          <a:xfrm>
-            <a:off x="1035819" y="1500174"/>
-            <a:ext cx="1571636" cy="642942"/>
-          </a:xfrm>
-          <a:prstGeom prst="ellipse">
-            <a:avLst/>
-          </a:prstGeom>
-          <a:noFill/>
-          <a:ln>
-            <a:solidFill>
-              <a:srgbClr val="FF0000"/>
-            </a:solidFill>
-          </a:ln>
-        </p:spPr>
-        <p:style>
-          <a:lnRef idx="2">
-            <a:schemeClr val="accent1">
-              <a:shade val="50000"/>
-            </a:schemeClr>
-          </a:lnRef>
-          <a:fillRef idx="1">
-            <a:schemeClr val="accent1"/>
-          </a:fillRef>
-          <a:effectRef idx="0">
-            <a:schemeClr val="accent1"/>
-          </a:effectRef>
-          <a:fontRef idx="minor">
-            <a:schemeClr val="lt1"/>
-          </a:fontRef>
-        </p:style>
-        <p:txBody>
-          <a:bodyPr rtlCol="0" anchor="ctr"/>
-          <a:lstStyle/>
-          <a:p>
-            <a:pPr algn="ctr"/>
-            <a:endParaRPr lang="it-IT"/>
-          </a:p>
-        </p:txBody>
-      </p:sp>
-      <p:sp>
-        <p:nvSpPr>
-          <p:cNvPr id="6" name="Oval 5"/>
-          <p:cNvSpPr/>
-          <p:nvPr/>
-        </p:nvSpPr>
-        <p:spPr>
-          <a:xfrm>
-            <a:off x="1714480" y="4143380"/>
-            <a:ext cx="2071702" cy="642942"/>
-          </a:xfrm>
-          <a:prstGeom prst="ellipse">
-            <a:avLst/>
-          </a:prstGeom>
-          <a:noFill/>
-          <a:ln>
-            <a:solidFill>
-              <a:srgbClr val="FF0000"/>
-            </a:solidFill>
-          </a:ln>
-        </p:spPr>
-        <p:style>
-          <a:lnRef idx="2">
-            <a:schemeClr val="accent1">
-              <a:shade val="50000"/>
-            </a:schemeClr>
-          </a:lnRef>
-          <a:fillRef idx="1">
-            <a:schemeClr val="accent1"/>
-          </a:fillRef>
-          <a:effectRef idx="0">
-            <a:schemeClr val="accent1"/>
-          </a:effectRef>
-          <a:fontRef idx="minor">
-            <a:schemeClr val="lt1"/>
-          </a:fontRef>
-        </p:style>
-        <p:txBody>
-          <a:bodyPr rtlCol="0" anchor="ctr"/>
-          <a:lstStyle/>
-          <a:p>
-            <a:pPr algn="ctr"/>
-            <a:endParaRPr lang="it-IT"/>
-          </a:p>
-        </p:txBody>
-      </p:sp>
-      <p:sp>
-        <p:nvSpPr>
-          <p:cNvPr id="7" name="Oval 6"/>
-          <p:cNvSpPr/>
-          <p:nvPr/>
-        </p:nvSpPr>
-        <p:spPr>
-          <a:xfrm>
-            <a:off x="2786050" y="3571876"/>
-            <a:ext cx="1571636" cy="642942"/>
-          </a:xfrm>
-          <a:prstGeom prst="ellipse">
-            <a:avLst/>
-          </a:prstGeom>
-          <a:noFill/>
-          <a:ln>
-            <a:solidFill>
-              <a:srgbClr val="FF0000"/>
-            </a:solidFill>
-          </a:ln>
-        </p:spPr>
-        <p:style>
-          <a:lnRef idx="2">
-            <a:schemeClr val="accent1">
-              <a:shade val="50000"/>
-            </a:schemeClr>
-          </a:lnRef>
-          <a:fillRef idx="1">
-            <a:schemeClr val="accent1"/>
-          </a:fillRef>
-          <a:effectRef idx="0">
-            <a:schemeClr val="accent1"/>
-          </a:effectRef>
-          <a:fontRef idx="minor">
-            <a:schemeClr val="lt1"/>
-          </a:fontRef>
-        </p:style>
-        <p:txBody>
-          <a:bodyPr rtlCol="0" anchor="ctr"/>
-          <a:lstStyle/>
-          <a:p>
-            <a:pPr algn="ctr"/>
-            <a:endParaRPr lang="it-IT"/>
-          </a:p>
-        </p:txBody>
-      </p:sp>
-      <p:sp>
-        <p:nvSpPr>
-          <p:cNvPr id="8" name="Oval 7"/>
-          <p:cNvSpPr/>
-          <p:nvPr/>
-        </p:nvSpPr>
-        <p:spPr>
-          <a:xfrm>
-            <a:off x="1714480" y="6215058"/>
-            <a:ext cx="1785950" cy="642942"/>
-          </a:xfrm>
-          <a:prstGeom prst="ellipse">
-            <a:avLst/>
-          </a:prstGeom>
-          <a:noFill/>
-          <a:ln>
-            <a:solidFill>
-              <a:srgbClr val="FF0000"/>
-            </a:solidFill>
-          </a:ln>
-        </p:spPr>
-        <p:style>
-          <a:lnRef idx="2">
-            <a:schemeClr val="accent1">
-              <a:shade val="50000"/>
-            </a:schemeClr>
-          </a:lnRef>
-          <a:fillRef idx="1">
-            <a:schemeClr val="accent1"/>
-          </a:fillRef>
-          <a:effectRef idx="0">
-            <a:schemeClr val="accent1"/>
-          </a:effectRef>
-          <a:fontRef idx="minor">
-            <a:schemeClr val="lt1"/>
-          </a:fontRef>
-        </p:style>
-        <p:txBody>
-          <a:bodyPr rtlCol="0" anchor="ctr"/>
-          <a:lstStyle/>
-          <a:p>
-            <a:pPr algn="ctr"/>
-            <a:endParaRPr lang="it-IT"/>
-          </a:p>
-        </p:txBody>
-      </p:sp>
-      <p:sp>
-        <p:nvSpPr>
-          <p:cNvPr id="9" name="Oval 8"/>
-          <p:cNvSpPr/>
-          <p:nvPr/>
-        </p:nvSpPr>
-        <p:spPr>
-          <a:xfrm>
-            <a:off x="1714480" y="5643578"/>
-            <a:ext cx="1785950" cy="571504"/>
-          </a:xfrm>
-          <a:prstGeom prst="ellipse">
-            <a:avLst/>
-          </a:prstGeom>
-          <a:noFill/>
-          <a:ln>
-            <a:solidFill>
-              <a:srgbClr val="FF0000"/>
-            </a:solidFill>
-          </a:ln>
-        </p:spPr>
-        <p:style>
-          <a:lnRef idx="2">
-            <a:schemeClr val="accent1">
-              <a:shade val="50000"/>
-            </a:schemeClr>
-          </a:lnRef>
-          <a:fillRef idx="1">
-            <a:schemeClr val="accent1"/>
-          </a:fillRef>
-          <a:effectRef idx="0">
-            <a:schemeClr val="accent1"/>
-          </a:effectRef>
-          <a:fontRef idx="minor">
-            <a:schemeClr val="lt1"/>
-          </a:fontRef>
-        </p:style>
-        <p:txBody>
-          <a:bodyPr rtlCol="0" anchor="ctr"/>
-          <a:lstStyle/>
-          <a:p>
-            <a:pPr algn="ctr"/>
-            <a:endParaRPr lang="it-IT"/>
-          </a:p>
-        </p:txBody>
-      </p:sp>
-    </p:spTree>
-    <p:extLst>
-      <p:ext uri="{BB962C8B-B14F-4D97-AF65-F5344CB8AC3E}">
-        <p14:creationId xmlns:p14="http://schemas.microsoft.com/office/powerpoint/2010/main" xmlns="" val="155874689"/>
-      </p:ext>
-    </p:extLst>
-  </p:cSld>
-  <p:clrMapOvr>
-    <a:masterClrMapping/>
-  </p:clrMapOvr>
-  <mc:AlternateContent xmlns:mc="http://schemas.openxmlformats.org/markup-compatibility/2006">
-    <mc:Choice xmlns:p14="http://schemas.microsoft.com/office/powerpoint/2010/main" xmlns="" Requires="p14">
-      <p:transition spd="slow" p14:dur="2000"/>
-    </mc:Choice>
-    <mc:Fallback>
-      <p:transition spd="slow"/>
-    </mc:Fallback>
-  </mc:AlternateContent>
-  <p:timing>
-    <p:tnLst>
-      <p:par>
-        <p:cTn id="1" dur="indefinite" restart="never" nodeType="tmRoot">
-          <p:childTnLst>
-            <p:seq concurrent="1" nextAc="seek">
-              <p:cTn id="2" dur="indefinite" nodeType="mainSeq">
-                <p:childTnLst>
-                  <p:par>
-                    <p:cTn id="3" fill="hold">
-                      <p:stCondLst>
-                        <p:cond delay="indefinite"/>
-                      </p:stCondLst>
-                      <p:childTnLst>
-                        <p:par>
-                          <p:cTn id="4" fill="hold">
-                            <p:stCondLst>
-                              <p:cond delay="0"/>
-                            </p:stCondLst>
-                            <p:childTnLst>
-                              <p:par>
-                                <p:cTn id="5" presetID="10" presetClass="entr" presetSubtype="0" fill="hold" grpId="0" nodeType="clickEffect">
-                                  <p:stCondLst>
-                                    <p:cond delay="0"/>
-                                  </p:stCondLst>
-                                  <p:childTnLst>
-                                    <p:set>
-                                      <p:cBhvr>
-                                        <p:cTn id="6" dur="1" fill="hold">
-                                          <p:stCondLst>
-                                            <p:cond delay="0"/>
-                                          </p:stCondLst>
-                                        </p:cTn>
-                                        <p:tgtEl>
-                                          <p:spTgt spid="5"/>
-                                        </p:tgtEl>
-                                        <p:attrNameLst>
-                                          <p:attrName>style.visibility</p:attrName>
-                                        </p:attrNameLst>
-                                      </p:cBhvr>
-                                      <p:to>
-                                        <p:strVal val="visible"/>
-                                      </p:to>
-                                    </p:set>
-                                    <p:animEffect transition="in" filter="fade">
-                                      <p:cBhvr>
-                                        <p:cTn id="7" dur="500"/>
-                                        <p:tgtEl>
-                                          <p:spTgt spid="5"/>
-                                        </p:tgtEl>
-                                      </p:cBhvr>
-                                    </p:animEffect>
-                                  </p:childTnLst>
-                                </p:cTn>
-                              </p:par>
-                              <p:par>
-                                <p:cTn id="8" presetID="10" presetClass="entr" presetSubtype="0" fill="hold" grpId="0" nodeType="withEffect">
-                                  <p:stCondLst>
-                                    <p:cond delay="0"/>
-                                  </p:stCondLst>
-                                  <p:childTnLst>
-                                    <p:set>
-                                      <p:cBhvr>
-                                        <p:cTn id="9" dur="1" fill="hold">
-                                          <p:stCondLst>
-                                            <p:cond delay="0"/>
-                                          </p:stCondLst>
-                                        </p:cTn>
-                                        <p:tgtEl>
-                                          <p:spTgt spid="7"/>
-                                        </p:tgtEl>
-                                        <p:attrNameLst>
-                                          <p:attrName>style.visibility</p:attrName>
-                                        </p:attrNameLst>
-                                      </p:cBhvr>
-                                      <p:to>
-                                        <p:strVal val="visible"/>
-                                      </p:to>
-                                    </p:set>
-                                    <p:animEffect transition="in" filter="fade">
-                                      <p:cBhvr>
-                                        <p:cTn id="10" dur="500"/>
-                                        <p:tgtEl>
-                                          <p:spTgt spid="7"/>
-                                        </p:tgtEl>
-                                      </p:cBhvr>
-                                    </p:animEffect>
-                                  </p:childTnLst>
-                                </p:cTn>
-                              </p:par>
-                              <p:par>
-                                <p:cTn id="11" presetID="10" presetClass="entr" presetSubtype="0" fill="hold" grpId="0" nodeType="withEffect">
-                                  <p:stCondLst>
-                                    <p:cond delay="0"/>
-                                  </p:stCondLst>
-                                  <p:childTnLst>
-                                    <p:set>
-                                      <p:cBhvr>
-                                        <p:cTn id="12" dur="1" fill="hold">
-                                          <p:stCondLst>
-                                            <p:cond delay="0"/>
-                                          </p:stCondLst>
-                                        </p:cTn>
-                                        <p:tgtEl>
-                                          <p:spTgt spid="6"/>
-                                        </p:tgtEl>
-                                        <p:attrNameLst>
-                                          <p:attrName>style.visibility</p:attrName>
-                                        </p:attrNameLst>
-                                      </p:cBhvr>
-                                      <p:to>
-                                        <p:strVal val="visible"/>
-                                      </p:to>
-                                    </p:set>
-                                    <p:animEffect transition="in" filter="fade">
-                                      <p:cBhvr>
-                                        <p:cTn id="13" dur="500"/>
-                                        <p:tgtEl>
-                                          <p:spTgt spid="6"/>
-                                        </p:tgtEl>
-                                      </p:cBhvr>
-                                    </p:animEffect>
-                                  </p:childTnLst>
-                                </p:cTn>
-                              </p:par>
-                              <p:par>
-                                <p:cTn id="14" presetID="10" presetClass="entr" presetSubtype="0" fill="hold" grpId="0" nodeType="withEffect">
-                                  <p:stCondLst>
-                                    <p:cond delay="0"/>
-                                  </p:stCondLst>
-                                  <p:childTnLst>
-                                    <p:set>
-                                      <p:cBhvr>
-                                        <p:cTn id="15" dur="1" fill="hold">
-                                          <p:stCondLst>
-                                            <p:cond delay="0"/>
-                                          </p:stCondLst>
-                                        </p:cTn>
-                                        <p:tgtEl>
-                                          <p:spTgt spid="9"/>
-                                        </p:tgtEl>
-                                        <p:attrNameLst>
-                                          <p:attrName>style.visibility</p:attrName>
-                                        </p:attrNameLst>
-                                      </p:cBhvr>
-                                      <p:to>
-                                        <p:strVal val="visible"/>
-                                      </p:to>
-                                    </p:set>
-                                    <p:animEffect transition="in" filter="fade">
-                                      <p:cBhvr>
-                                        <p:cTn id="16" dur="500"/>
-                                        <p:tgtEl>
-                                          <p:spTgt spid="9"/>
-                                        </p:tgtEl>
-                                      </p:cBhvr>
-                                    </p:animEffect>
-                                  </p:childTnLst>
-                                </p:cTn>
-                              </p:par>
-                              <p:par>
-                                <p:cTn id="17" presetID="10" presetClass="entr" presetSubtype="0" fill="hold" grpId="0" nodeType="withEffect">
-                                  <p:stCondLst>
-                                    <p:cond delay="0"/>
-                                  </p:stCondLst>
-                                  <p:childTnLst>
-                                    <p:set>
-                                      <p:cBhvr>
-                                        <p:cTn id="18" dur="1" fill="hold">
-                                          <p:stCondLst>
-                                            <p:cond delay="0"/>
-                                          </p:stCondLst>
-                                        </p:cTn>
-                                        <p:tgtEl>
-                                          <p:spTgt spid="8"/>
-                                        </p:tgtEl>
-                                        <p:attrNameLst>
-                                          <p:attrName>style.visibility</p:attrName>
-                                        </p:attrNameLst>
-                                      </p:cBhvr>
-                                      <p:to>
-                                        <p:strVal val="visible"/>
-                                      </p:to>
-                                    </p:set>
-                                    <p:animEffect transition="in" filter="fade">
-                                      <p:cBhvr>
-                                        <p:cTn id="19" dur="500"/>
-                                        <p:tgtEl>
-                                          <p:spTgt spid="8"/>
-                                        </p:tgtEl>
-                                      </p:cBhvr>
-                                    </p:animEffect>
-                                  </p:childTnLst>
-                                </p:cTn>
-                              </p:par>
-                            </p:childTnLst>
-                          </p:cTn>
-                        </p:par>
-                      </p:childTnLst>
-                    </p:cTn>
-                  </p:par>
-                </p:childTnLst>
-              </p:cTn>
-              <p:prevCondLst>
-                <p:cond evt="onPrev" delay="0">
-                  <p:tgtEl>
-                    <p:sldTgt/>
-                  </p:tgtEl>
-                </p:cond>
-              </p:prevCondLst>
-              <p:nextCondLst>
-                <p:cond evt="onNext" delay="0">
-                  <p:tgtEl>
-                    <p:sldTgt/>
-                  </p:tgtEl>
-                </p:cond>
-              </p:nextCondLst>
-            </p:seq>
-          </p:childTnLst>
-        </p:cTn>
-      </p:par>
-    </p:tnLst>
-    <p:bldLst>
-      <p:bldP spid="5" grpId="0" animBg="1"/>
-      <p:bldP spid="6" grpId="0" animBg="1"/>
-      <p:bldP spid="7" grpId="0" animBg="1"/>
-      <p:bldP spid="8" grpId="0" animBg="1"/>
-      <p:bldP spid="9" grpId="0" animBg="1"/>
-    </p:bldLst>
-  </p:timing>
-</p:sld>
-</file>
-
-<file path=ppt/slides/slide20.xml><?xml version="1.0" encoding="utf-8"?>
+<file path=ppt/slides/slide21.xml><?xml version="1.0" encoding="utf-8"?>
 <p:sld xmlns:a="http://schemas.openxmlformats.org/drawingml/2006/main" xmlns:r="http://schemas.openxmlformats.org/officeDocument/2006/relationships" xmlns:p="http://schemas.openxmlformats.org/presentationml/2006/main">
   <p:cSld>
     <p:spTree>
@@ -8979,7 +9149,7 @@
           <a:blip r:embed="rId2">
             <a:extLst>
               <a:ext uri="{28A0092B-C50C-407E-A947-70E740481C1C}">
-                <a14:useLocalDpi xmlns:a14="http://schemas.microsoft.com/office/drawing/2010/main" xmlns="" val="0"/>
+                <a14:useLocalDpi xmlns:a14="http://schemas.microsoft.com/office/drawing/2010/main" val="0"/>
               </a:ext>
             </a:extLst>
           </a:blip>
@@ -8999,7 +9169,7 @@
           <a:noFill/>
           <a:extLst>
             <a:ext uri="{909E8E84-426E-40DD-AFC4-6F175D3DCCD1}">
-              <a14:hiddenFill xmlns:a14="http://schemas.microsoft.com/office/drawing/2010/main" xmlns="">
+              <a14:hiddenFill xmlns:a14="http://schemas.microsoft.com/office/drawing/2010/main">
                 <a:solidFill>
                   <a:srgbClr val="FFFFFF"/>
                 </a:solidFill>
@@ -9020,7 +9190,7 @@
           <a:blip r:embed="rId3">
             <a:extLst>
               <a:ext uri="{28A0092B-C50C-407E-A947-70E740481C1C}">
-                <a14:useLocalDpi xmlns:a14="http://schemas.microsoft.com/office/drawing/2010/main" xmlns="" val="0"/>
+                <a14:useLocalDpi xmlns:a14="http://schemas.microsoft.com/office/drawing/2010/main" val="0"/>
               </a:ext>
             </a:extLst>
           </a:blip>
@@ -9040,7 +9210,7 @@
           <a:noFill/>
           <a:extLst>
             <a:ext uri="{909E8E84-426E-40DD-AFC4-6F175D3DCCD1}">
-              <a14:hiddenFill xmlns:a14="http://schemas.microsoft.com/office/drawing/2010/main" xmlns="">
+              <a14:hiddenFill xmlns:a14="http://schemas.microsoft.com/office/drawing/2010/main">
                 <a:solidFill>
                   <a:srgbClr val="FFFFFF"/>
                 </a:solidFill>
@@ -9535,18 +9705,18 @@
     </p:spTree>
     <p:extLst>
       <p:ext uri="{BB962C8B-B14F-4D97-AF65-F5344CB8AC3E}">
-        <p14:creationId xmlns:p14="http://schemas.microsoft.com/office/powerpoint/2010/main" xmlns="" val="202613363"/>
+        <p14:creationId xmlns:p14="http://schemas.microsoft.com/office/powerpoint/2010/main" val="202613363"/>
       </p:ext>
     </p:extLst>
   </p:cSld>
   <p:clrMapOvr>
     <a:masterClrMapping/>
   </p:clrMapOvr>
-  <mc:AlternateContent xmlns:mc="http://schemas.openxmlformats.org/markup-compatibility/2006">
-    <mc:Choice xmlns:p14="http://schemas.microsoft.com/office/powerpoint/2010/main" xmlns="" Requires="p14">
+  <mc:AlternateContent xmlns:mc="http://schemas.openxmlformats.org/markup-compatibility/2006" xmlns:p14="http://schemas.microsoft.com/office/powerpoint/2010/main">
+    <mc:Choice Requires="p14">
       <p:transition spd="slow" p14:dur="2000"/>
     </mc:Choice>
-    <mc:Fallback>
+    <mc:Fallback xmlns="">
       <p:transition spd="slow"/>
     </mc:Fallback>
   </mc:AlternateContent>
@@ -9854,7 +10024,7 @@
 </p:sld>
 </file>
 
-<file path=ppt/slides/slide21.xml><?xml version="1.0" encoding="utf-8"?>
+<file path=ppt/slides/slide22.xml><?xml version="1.0" encoding="utf-8"?>
 <p:sld xmlns:a="http://schemas.openxmlformats.org/drawingml/2006/main" xmlns:r="http://schemas.openxmlformats.org/officeDocument/2006/relationships" xmlns:p="http://schemas.openxmlformats.org/presentationml/2006/main">
   <p:cSld>
     <p:spTree>
@@ -9883,7 +10053,7 @@
           <a:blip r:embed="rId2">
             <a:extLst>
               <a:ext uri="{28A0092B-C50C-407E-A947-70E740481C1C}">
-                <a14:useLocalDpi xmlns:a14="http://schemas.microsoft.com/office/drawing/2010/main" xmlns="" val="0"/>
+                <a14:useLocalDpi xmlns:a14="http://schemas.microsoft.com/office/drawing/2010/main" val="0"/>
               </a:ext>
             </a:extLst>
           </a:blip>
@@ -9903,7 +10073,7 @@
           <a:noFill/>
           <a:extLst>
             <a:ext uri="{909E8E84-426E-40DD-AFC4-6F175D3DCCD1}">
-              <a14:hiddenFill xmlns:a14="http://schemas.microsoft.com/office/drawing/2010/main" xmlns="">
+              <a14:hiddenFill xmlns:a14="http://schemas.microsoft.com/office/drawing/2010/main">
                 <a:solidFill>
                   <a:srgbClr val="FFFFFF"/>
                 </a:solidFill>
@@ -9924,7 +10094,7 @@
           <a:blip r:embed="rId3">
             <a:extLst>
               <a:ext uri="{28A0092B-C50C-407E-A947-70E740481C1C}">
-                <a14:useLocalDpi xmlns:a14="http://schemas.microsoft.com/office/drawing/2010/main" xmlns="" val="0"/>
+                <a14:useLocalDpi xmlns:a14="http://schemas.microsoft.com/office/drawing/2010/main" val="0"/>
               </a:ext>
             </a:extLst>
           </a:blip>
@@ -9944,7 +10114,7 @@
           <a:noFill/>
           <a:extLst>
             <a:ext uri="{909E8E84-426E-40DD-AFC4-6F175D3DCCD1}">
-              <a14:hiddenFill xmlns:a14="http://schemas.microsoft.com/office/drawing/2010/main" xmlns="">
+              <a14:hiddenFill xmlns:a14="http://schemas.microsoft.com/office/drawing/2010/main">
                 <a:solidFill>
                   <a:srgbClr val="FFFFFF"/>
                 </a:solidFill>
@@ -10268,18 +10438,18 @@
     </p:spTree>
     <p:extLst>
       <p:ext uri="{BB962C8B-B14F-4D97-AF65-F5344CB8AC3E}">
-        <p14:creationId xmlns:p14="http://schemas.microsoft.com/office/powerpoint/2010/main" xmlns="" val="1197112555"/>
+        <p14:creationId xmlns:p14="http://schemas.microsoft.com/office/powerpoint/2010/main" val="1197112555"/>
       </p:ext>
     </p:extLst>
   </p:cSld>
   <p:clrMapOvr>
     <a:masterClrMapping/>
   </p:clrMapOvr>
-  <mc:AlternateContent xmlns:mc="http://schemas.openxmlformats.org/markup-compatibility/2006">
-    <mc:Choice xmlns:p14="http://schemas.microsoft.com/office/powerpoint/2010/main" xmlns="" Requires="p14">
+  <mc:AlternateContent xmlns:mc="http://schemas.openxmlformats.org/markup-compatibility/2006" xmlns:p14="http://schemas.microsoft.com/office/powerpoint/2010/main">
+    <mc:Choice Requires="p14">
       <p:transition spd="slow" p14:dur="2000"/>
     </mc:Choice>
-    <mc:Fallback>
+    <mc:Fallback xmlns="">
       <p:transition spd="slow"/>
     </mc:Fallback>
   </mc:AlternateContent>
@@ -10293,7 +10463,7 @@
 </p:sld>
 </file>
 
-<file path=ppt/slides/slide22.xml><?xml version="1.0" encoding="utf-8"?>
+<file path=ppt/slides/slide23.xml><?xml version="1.0" encoding="utf-8"?>
 <p:sld xmlns:a="http://schemas.openxmlformats.org/drawingml/2006/main" xmlns:r="http://schemas.openxmlformats.org/officeDocument/2006/relationships" xmlns:p="http://schemas.openxmlformats.org/presentationml/2006/main">
   <p:cSld>
     <p:spTree>
@@ -10665,7 +10835,7 @@
           <a:blip r:embed="rId2">
             <a:extLst>
               <a:ext uri="{28A0092B-C50C-407E-A947-70E740481C1C}">
-                <a14:useLocalDpi xmlns:a14="http://schemas.microsoft.com/office/drawing/2010/main" xmlns="" val="0"/>
+                <a14:useLocalDpi xmlns:a14="http://schemas.microsoft.com/office/drawing/2010/main" val="0"/>
               </a:ext>
             </a:extLst>
           </a:blip>
@@ -10685,7 +10855,7 @@
           <a:noFill/>
           <a:extLst>
             <a:ext uri="{909E8E84-426E-40DD-AFC4-6F175D3DCCD1}">
-              <a14:hiddenFill xmlns:a14="http://schemas.microsoft.com/office/drawing/2010/main" xmlns="">
+              <a14:hiddenFill xmlns:a14="http://schemas.microsoft.com/office/drawing/2010/main">
                 <a:solidFill>
                   <a:srgbClr val="FFFFFF"/>
                 </a:solidFill>
@@ -10706,7 +10876,7 @@
           <a:blip r:embed="rId3">
             <a:extLst>
               <a:ext uri="{28A0092B-C50C-407E-A947-70E740481C1C}">
-                <a14:useLocalDpi xmlns:a14="http://schemas.microsoft.com/office/drawing/2010/main" xmlns="" val="0"/>
+                <a14:useLocalDpi xmlns:a14="http://schemas.microsoft.com/office/drawing/2010/main" val="0"/>
               </a:ext>
             </a:extLst>
           </a:blip>
@@ -10726,7 +10896,7 @@
           <a:noFill/>
           <a:extLst>
             <a:ext uri="{909E8E84-426E-40DD-AFC4-6F175D3DCCD1}">
-              <a14:hiddenFill xmlns:a14="http://schemas.microsoft.com/office/drawing/2010/main" xmlns="">
+              <a14:hiddenFill xmlns:a14="http://schemas.microsoft.com/office/drawing/2010/main">
                 <a:solidFill>
                   <a:srgbClr val="FFFFFF"/>
                 </a:solidFill>
@@ -10747,7 +10917,7 @@
           <a:blip r:embed="rId4">
             <a:extLst>
               <a:ext uri="{28A0092B-C50C-407E-A947-70E740481C1C}">
-                <a14:useLocalDpi xmlns:a14="http://schemas.microsoft.com/office/drawing/2010/main" xmlns="" val="0"/>
+                <a14:useLocalDpi xmlns:a14="http://schemas.microsoft.com/office/drawing/2010/main" val="0"/>
               </a:ext>
             </a:extLst>
           </a:blip>
@@ -10776,7 +10946,7 @@
           </a:effectLst>
           <a:extLst>
             <a:ext uri="{909E8E84-426E-40DD-AFC4-6F175D3DCCD1}">
-              <a14:hiddenFill xmlns:a14="http://schemas.microsoft.com/office/drawing/2010/main" xmlns="">
+              <a14:hiddenFill xmlns:a14="http://schemas.microsoft.com/office/drawing/2010/main">
                 <a:solidFill>
                   <a:srgbClr val="FFFFFF"/>
                 </a:solidFill>
@@ -10788,18 +10958,18 @@
     </p:spTree>
     <p:extLst>
       <p:ext uri="{BB962C8B-B14F-4D97-AF65-F5344CB8AC3E}">
-        <p14:creationId xmlns:p14="http://schemas.microsoft.com/office/powerpoint/2010/main" xmlns="" val="700353664"/>
+        <p14:creationId xmlns:p14="http://schemas.microsoft.com/office/powerpoint/2010/main" val="700353664"/>
       </p:ext>
     </p:extLst>
   </p:cSld>
   <p:clrMapOvr>
     <a:masterClrMapping/>
   </p:clrMapOvr>
-  <mc:AlternateContent xmlns:mc="http://schemas.openxmlformats.org/markup-compatibility/2006">
-    <mc:Choice xmlns:p14="http://schemas.microsoft.com/office/powerpoint/2010/main" xmlns="" Requires="p14">
+  <mc:AlternateContent xmlns:mc="http://schemas.openxmlformats.org/markup-compatibility/2006" xmlns:p14="http://schemas.microsoft.com/office/powerpoint/2010/main">
+    <mc:Choice Requires="p14">
       <p:transition spd="slow" p14:dur="2000"/>
     </mc:Choice>
-    <mc:Fallback>
+    <mc:Fallback xmlns="">
       <p:transition spd="slow"/>
     </mc:Fallback>
   </mc:AlternateContent>
@@ -10813,7 +10983,7 @@
 </p:sld>
 </file>
 
-<file path=ppt/slides/slide23.xml><?xml version="1.0" encoding="utf-8"?>
+<file path=ppt/slides/slide24.xml><?xml version="1.0" encoding="utf-8"?>
 <p:sld xmlns:a="http://schemas.openxmlformats.org/drawingml/2006/main" xmlns:r="http://schemas.openxmlformats.org/officeDocument/2006/relationships" xmlns:p="http://schemas.openxmlformats.org/presentationml/2006/main">
   <p:cSld>
     <p:spTree>
@@ -10943,7 +11113,7 @@
           <a:blip r:embed="rId2">
             <a:extLst>
               <a:ext uri="{28A0092B-C50C-407E-A947-70E740481C1C}">
-                <a14:useLocalDpi xmlns:a14="http://schemas.microsoft.com/office/drawing/2010/main" xmlns="" val="0"/>
+                <a14:useLocalDpi xmlns:a14="http://schemas.microsoft.com/office/drawing/2010/main" val="0"/>
               </a:ext>
             </a:extLst>
           </a:blip>
@@ -10963,7 +11133,7 @@
           <a:noFill/>
           <a:extLst>
             <a:ext uri="{909E8E84-426E-40DD-AFC4-6F175D3DCCD1}">
-              <a14:hiddenFill xmlns:a14="http://schemas.microsoft.com/office/drawing/2010/main" xmlns="">
+              <a14:hiddenFill xmlns:a14="http://schemas.microsoft.com/office/drawing/2010/main">
                 <a:solidFill>
                   <a:srgbClr val="FFFFFF"/>
                 </a:solidFill>
@@ -11018,7 +11188,7 @@
           <a:blip r:embed="rId3">
             <a:extLst>
               <a:ext uri="{28A0092B-C50C-407E-A947-70E740481C1C}">
-                <a14:useLocalDpi xmlns:a14="http://schemas.microsoft.com/office/drawing/2010/main" xmlns="" val="0"/>
+                <a14:useLocalDpi xmlns:a14="http://schemas.microsoft.com/office/drawing/2010/main" val="0"/>
               </a:ext>
             </a:extLst>
           </a:blip>
@@ -11038,7 +11208,7 @@
           <a:noFill/>
           <a:extLst>
             <a:ext uri="{909E8E84-426E-40DD-AFC4-6F175D3DCCD1}">
-              <a14:hiddenFill xmlns:a14="http://schemas.microsoft.com/office/drawing/2010/main" xmlns="">
+              <a14:hiddenFill xmlns:a14="http://schemas.microsoft.com/office/drawing/2010/main">
                 <a:solidFill>
                   <a:srgbClr val="FFFFFF"/>
                 </a:solidFill>
@@ -11050,7 +11220,7 @@
     </p:spTree>
     <p:extLst>
       <p:ext uri="{BB962C8B-B14F-4D97-AF65-F5344CB8AC3E}">
-        <p14:creationId xmlns:p14="http://schemas.microsoft.com/office/powerpoint/2010/main" xmlns="" val="2947224754"/>
+        <p14:creationId xmlns:p14="http://schemas.microsoft.com/office/powerpoint/2010/main" val="2947224754"/>
       </p:ext>
     </p:extLst>
   </p:cSld>
@@ -11231,7 +11401,7 @@
 </p:sld>
 </file>
 
-<file path=ppt/slides/slide24.xml><?xml version="1.0" encoding="utf-8"?>
+<file path=ppt/slides/slide25.xml><?xml version="1.0" encoding="utf-8"?>
 <p:sld xmlns:a="http://schemas.openxmlformats.org/drawingml/2006/main" xmlns:r="http://schemas.openxmlformats.org/officeDocument/2006/relationships" xmlns:p="http://schemas.openxmlformats.org/presentationml/2006/main">
   <p:cSld>
     <p:spTree>
@@ -11260,7 +11430,7 @@
           <a:blip r:embed="rId2">
             <a:extLst>
               <a:ext uri="{28A0092B-C50C-407E-A947-70E740481C1C}">
-                <a14:useLocalDpi xmlns:a14="http://schemas.microsoft.com/office/drawing/2010/main" xmlns="" val="0"/>
+                <a14:useLocalDpi xmlns:a14="http://schemas.microsoft.com/office/drawing/2010/main" val="0"/>
               </a:ext>
             </a:extLst>
           </a:blip>
@@ -11280,7 +11450,7 @@
           <a:noFill/>
           <a:extLst>
             <a:ext uri="{909E8E84-426E-40DD-AFC4-6F175D3DCCD1}">
-              <a14:hiddenFill xmlns:a14="http://schemas.microsoft.com/office/drawing/2010/main" xmlns="">
+              <a14:hiddenFill xmlns:a14="http://schemas.microsoft.com/office/drawing/2010/main">
                 <a:solidFill>
                   <a:srgbClr val="FFFFFF"/>
                 </a:solidFill>
@@ -11301,7 +11471,7 @@
           <a:blip r:embed="rId3">
             <a:extLst>
               <a:ext uri="{28A0092B-C50C-407E-A947-70E740481C1C}">
-                <a14:useLocalDpi xmlns:a14="http://schemas.microsoft.com/office/drawing/2010/main" xmlns="" val="0"/>
+                <a14:useLocalDpi xmlns:a14="http://schemas.microsoft.com/office/drawing/2010/main" val="0"/>
               </a:ext>
             </a:extLst>
           </a:blip>
@@ -11321,7 +11491,7 @@
           <a:noFill/>
           <a:extLst>
             <a:ext uri="{909E8E84-426E-40DD-AFC4-6F175D3DCCD1}">
-              <a14:hiddenFill xmlns:a14="http://schemas.microsoft.com/office/drawing/2010/main" xmlns="">
+              <a14:hiddenFill xmlns:a14="http://schemas.microsoft.com/office/drawing/2010/main">
                 <a:solidFill>
                   <a:srgbClr val="FFFFFF"/>
                 </a:solidFill>
@@ -11850,18 +12020,18 @@
     </p:spTree>
     <p:extLst>
       <p:ext uri="{BB962C8B-B14F-4D97-AF65-F5344CB8AC3E}">
-        <p14:creationId xmlns:p14="http://schemas.microsoft.com/office/powerpoint/2010/main" xmlns="" val="1111877724"/>
+        <p14:creationId xmlns:p14="http://schemas.microsoft.com/office/powerpoint/2010/main" val="1111877724"/>
       </p:ext>
     </p:extLst>
   </p:cSld>
   <p:clrMapOvr>
     <a:masterClrMapping/>
   </p:clrMapOvr>
-  <mc:AlternateContent xmlns:mc="http://schemas.openxmlformats.org/markup-compatibility/2006">
-    <mc:Choice xmlns:p14="http://schemas.microsoft.com/office/powerpoint/2010/main" xmlns="" Requires="p14">
+  <mc:AlternateContent xmlns:mc="http://schemas.openxmlformats.org/markup-compatibility/2006" xmlns:p14="http://schemas.microsoft.com/office/powerpoint/2010/main">
+    <mc:Choice Requires="p14">
       <p:transition spd="slow" p14:dur="2000"/>
     </mc:Choice>
-    <mc:Fallback>
+    <mc:Fallback xmlns="">
       <p:transition spd="slow"/>
     </mc:Fallback>
   </mc:AlternateContent>
@@ -12169,7 +12339,7 @@
 </p:sld>
 </file>
 
-<file path=ppt/slides/slide25.xml><?xml version="1.0" encoding="utf-8"?>
+<file path=ppt/slides/slide26.xml><?xml version="1.0" encoding="utf-8"?>
 <p:sld xmlns:a="http://schemas.openxmlformats.org/drawingml/2006/main" xmlns:r="http://schemas.openxmlformats.org/officeDocument/2006/relationships" xmlns:p="http://schemas.openxmlformats.org/presentationml/2006/main">
   <p:cSld>
     <p:spTree>
@@ -12237,7 +12407,7 @@
           <p:nvPr>
             <p:extLst>
               <p:ext uri="{D42A27DB-BD31-4B8C-83A1-F6EECF244321}">
-                <p14:modId xmlns:p14="http://schemas.microsoft.com/office/powerpoint/2010/main" xmlns="" val="2643884637"/>
+                <p14:modId xmlns:p14="http://schemas.microsoft.com/office/powerpoint/2010/main" val="2643884637"/>
               </p:ext>
             </p:extLst>
           </p:nvPr>
@@ -12678,14 +12848,14 @@
           <a:effectLst/>
           <a:extLst>
             <a:ext uri="{909E8E84-426E-40DD-AFC4-6F175D3DCCD1}">
-              <a14:hiddenFill xmlns:a14="http://schemas.microsoft.com/office/drawing/2010/main" xmlns="">
+              <a14:hiddenFill xmlns:a14="http://schemas.microsoft.com/office/drawing/2010/main">
                 <a:solidFill>
                   <a:schemeClr val="accent1"/>
                 </a:solidFill>
               </a14:hiddenFill>
             </a:ext>
             <a:ext uri="{91240B29-F687-4F45-9708-019B960494DF}">
-              <a14:hiddenLine xmlns:a14="http://schemas.microsoft.com/office/drawing/2010/main" xmlns="" w="9525">
+              <a14:hiddenLine xmlns:a14="http://schemas.microsoft.com/office/drawing/2010/main" w="9525">
                 <a:solidFill>
                   <a:schemeClr val="tx1"/>
                 </a:solidFill>
@@ -12695,7 +12865,7 @@
               </a14:hiddenLine>
             </a:ext>
             <a:ext uri="{AF507438-7753-43E0-B8FC-AC1667EBCBE1}">
-              <a14:hiddenEffects xmlns:a14="http://schemas.microsoft.com/office/drawing/2010/main" xmlns="">
+              <a14:hiddenEffects xmlns:a14="http://schemas.microsoft.com/office/drawing/2010/main">
                 <a:effectLst>
                   <a:outerShdw dist="35921" dir="2700000" algn="ctr" rotWithShape="0">
                     <a:schemeClr val="bg2"/>
@@ -12776,7 +12946,7 @@
     </p:spTree>
     <p:extLst>
       <p:ext uri="{BB962C8B-B14F-4D97-AF65-F5344CB8AC3E}">
-        <p14:creationId xmlns:p14="http://schemas.microsoft.com/office/powerpoint/2010/main" xmlns="" val="503117530"/>
+        <p14:creationId xmlns:p14="http://schemas.microsoft.com/office/powerpoint/2010/main" val="503117530"/>
       </p:ext>
     </p:extLst>
   </p:cSld>
@@ -12793,7 +12963,7 @@
 </p:sld>
 </file>
 
-<file path=ppt/slides/slide26.xml><?xml version="1.0" encoding="utf-8"?>
+<file path=ppt/slides/slide27.xml><?xml version="1.0" encoding="utf-8"?>
 <p:sld xmlns:a="http://schemas.openxmlformats.org/drawingml/2006/main" xmlns:r="http://schemas.openxmlformats.org/officeDocument/2006/relationships" xmlns:p="http://schemas.openxmlformats.org/presentationml/2006/main">
   <p:cSld>
     <p:spTree>
@@ -12861,7 +13031,7 @@
           <p:nvPr>
             <p:extLst>
               <p:ext uri="{D42A27DB-BD31-4B8C-83A1-F6EECF244321}">
-                <p14:modId xmlns:p14="http://schemas.microsoft.com/office/powerpoint/2010/main" xmlns="" val="722892891"/>
+                <p14:modId xmlns:p14="http://schemas.microsoft.com/office/powerpoint/2010/main" val="722892891"/>
               </p:ext>
             </p:extLst>
           </p:nvPr>
@@ -13843,7 +14013,7 @@
     </p:spTree>
     <p:extLst>
       <p:ext uri="{BB962C8B-B14F-4D97-AF65-F5344CB8AC3E}">
-        <p14:creationId xmlns:p14="http://schemas.microsoft.com/office/powerpoint/2010/main" xmlns="" val="2473970557"/>
+        <p14:creationId xmlns:p14="http://schemas.microsoft.com/office/powerpoint/2010/main" val="2473970557"/>
       </p:ext>
     </p:extLst>
   </p:cSld>
@@ -13860,7 +14030,7 @@
 </p:sld>
 </file>
 
-<file path=ppt/slides/slide27.xml><?xml version="1.0" encoding="utf-8"?>
+<file path=ppt/slides/slide28.xml><?xml version="1.0" encoding="utf-8"?>
 <p:sld xmlns:a="http://schemas.openxmlformats.org/drawingml/2006/main" xmlns:r="http://schemas.openxmlformats.org/officeDocument/2006/relationships" xmlns:p="http://schemas.openxmlformats.org/presentationml/2006/main">
   <p:cSld>
     <p:spTree>
@@ -13889,7 +14059,7 @@
           <a:blip r:embed="rId2">
             <a:extLst>
               <a:ext uri="{28A0092B-C50C-407E-A947-70E740481C1C}">
-                <a14:useLocalDpi xmlns:a14="http://schemas.microsoft.com/office/drawing/2010/main" xmlns="" val="0"/>
+                <a14:useLocalDpi xmlns:a14="http://schemas.microsoft.com/office/drawing/2010/main" val="0"/>
               </a:ext>
             </a:extLst>
           </a:blip>
@@ -13932,7 +14102,7 @@
           </a:sp3d>
           <a:extLst>
             <a:ext uri="{909E8E84-426E-40DD-AFC4-6F175D3DCCD1}">
-              <a14:hiddenFill xmlns:a14="http://schemas.microsoft.com/office/drawing/2010/main" xmlns="">
+              <a14:hiddenFill xmlns:a14="http://schemas.microsoft.com/office/drawing/2010/main">
                 <a:solidFill>
                   <a:srgbClr val="FFFFFF"/>
                 </a:solidFill>
@@ -14087,7 +14257,7 @@
 </p:sld>
 </file>
 
-<file path=ppt/slides/slide28.xml><?xml version="1.0" encoding="utf-8"?>
+<file path=ppt/slides/slide29.xml><?xml version="1.0" encoding="utf-8"?>
 <p:sld xmlns:a="http://schemas.openxmlformats.org/drawingml/2006/main" xmlns:r="http://schemas.openxmlformats.org/officeDocument/2006/relationships" xmlns:p="http://schemas.openxmlformats.org/presentationml/2006/main">
   <p:cSld>
     <p:spTree>
@@ -14160,7 +14330,7 @@
           <a:blip r:embed="rId2">
             <a:extLst>
               <a:ext uri="{28A0092B-C50C-407E-A947-70E740481C1C}">
-                <a14:useLocalDpi xmlns:a14="http://schemas.microsoft.com/office/drawing/2010/main" xmlns="" val="0"/>
+                <a14:useLocalDpi xmlns:a14="http://schemas.microsoft.com/office/drawing/2010/main" val="0"/>
               </a:ext>
             </a:extLst>
           </a:blip>
@@ -14184,14 +14354,14 @@
           <a:effectLst/>
           <a:extLst>
             <a:ext uri="{909E8E84-426E-40DD-AFC4-6F175D3DCCD1}">
-              <a14:hiddenFill xmlns:a14="http://schemas.microsoft.com/office/drawing/2010/main" xmlns="">
+              <a14:hiddenFill xmlns:a14="http://schemas.microsoft.com/office/drawing/2010/main">
                 <a:solidFill>
                   <a:schemeClr val="accent1"/>
                 </a:solidFill>
               </a14:hiddenFill>
             </a:ext>
             <a:ext uri="{91240B29-F687-4F45-9708-019B960494DF}">
-              <a14:hiddenLine xmlns:a14="http://schemas.microsoft.com/office/drawing/2010/main" xmlns="" w="9525">
+              <a14:hiddenLine xmlns:a14="http://schemas.microsoft.com/office/drawing/2010/main" w="9525">
                 <a:solidFill>
                   <a:schemeClr val="tx1"/>
                 </a:solidFill>
@@ -14201,7 +14371,7 @@
               </a14:hiddenLine>
             </a:ext>
             <a:ext uri="{AF507438-7753-43E0-B8FC-AC1667EBCBE1}">
-              <a14:hiddenEffects xmlns:a14="http://schemas.microsoft.com/office/drawing/2010/main" xmlns="">
+              <a14:hiddenEffects xmlns:a14="http://schemas.microsoft.com/office/drawing/2010/main">
                 <a:effectLst>
                   <a:outerShdw dist="35921" dir="2700000" algn="ctr" rotWithShape="0">
                     <a:schemeClr val="bg2"/>
@@ -14213,563 +14383,6 @@
         </p:spPr>
       </p:pic>
     </p:spTree>
-  </p:cSld>
-  <p:clrMapOvr>
-    <a:masterClrMapping/>
-  </p:clrMapOvr>
-  <p:timing>
-    <p:tnLst>
-      <p:par>
-        <p:cTn id="1" dur="indefinite" restart="never" nodeType="tmRoot"/>
-      </p:par>
-    </p:tnLst>
-  </p:timing>
-</p:sld>
-</file>
-
-<file path=ppt/slides/slide29.xml><?xml version="1.0" encoding="utf-8"?>
-<p:sld xmlns:a="http://schemas.openxmlformats.org/drawingml/2006/main" xmlns:r="http://schemas.openxmlformats.org/officeDocument/2006/relationships" xmlns:p="http://schemas.openxmlformats.org/presentationml/2006/main">
-  <p:cSld>
-    <p:spTree>
-      <p:nvGrpSpPr>
-        <p:cNvPr id="1" name=""/>
-        <p:cNvGrpSpPr/>
-        <p:nvPr/>
-      </p:nvGrpSpPr>
-      <p:grpSpPr>
-        <a:xfrm>
-          <a:off x="0" y="0"/>
-          <a:ext cx="0" cy="0"/>
-          <a:chOff x="0" y="0"/>
-          <a:chExt cx="0" cy="0"/>
-        </a:xfrm>
-      </p:grpSpPr>
-      <p:sp>
-        <p:nvSpPr>
-          <p:cNvPr id="4" name="CasellaDiTesto 3"/>
-          <p:cNvSpPr txBox="1"/>
-          <p:nvPr/>
-        </p:nvSpPr>
-        <p:spPr>
-          <a:xfrm>
-            <a:off x="-20464" y="323165"/>
-            <a:ext cx="9144000" cy="646331"/>
-          </a:xfrm>
-          <a:prstGeom prst="rect">
-            <a:avLst/>
-          </a:prstGeom>
-          <a:noFill/>
-        </p:spPr>
-        <p:txBody>
-          <a:bodyPr wrap="square" rtlCol="0">
-            <a:spAutoFit/>
-          </a:bodyPr>
-          <a:lstStyle/>
-          <a:p>
-            <a:pPr algn="ctr"/>
-            <a:r>
-              <a:rPr lang="it-IT" sz="3600" b="1" dirty="0" smtClean="0">
-                <a:latin typeface="+mj-lt"/>
-              </a:rPr>
-              <a:t>Mapping Da Contratti ad Eccezioni</a:t>
-            </a:r>
-            <a:endParaRPr lang="it-IT" sz="1000" dirty="0">
-              <a:latin typeface="+mj-lt"/>
-            </a:endParaRPr>
-          </a:p>
-        </p:txBody>
-      </p:sp>
-      <p:sp>
-        <p:nvSpPr>
-          <p:cNvPr id="5" name="Rectangle 1"/>
-          <p:cNvSpPr>
-            <a:spLocks noChangeArrowheads="1"/>
-          </p:cNvSpPr>
-          <p:nvPr/>
-        </p:nvSpPr>
-        <p:spPr bwMode="auto">
-          <a:xfrm>
-            <a:off x="197886" y="4365104"/>
-            <a:ext cx="9145016" cy="923330"/>
-          </a:xfrm>
-          <a:prstGeom prst="rect">
-            <a:avLst/>
-          </a:prstGeom>
-          <a:noFill/>
-          <a:ln>
-            <a:noFill/>
-          </a:ln>
-          <a:effectLst/>
-          <a:extLst>
-            <a:ext uri="{909E8E84-426E-40DD-AFC4-6F175D3DCCD1}">
-              <a14:hiddenFill xmlns:a14="http://schemas.microsoft.com/office/drawing/2010/main" xmlns="">
-                <a:solidFill>
-                  <a:schemeClr val="accent1"/>
-                </a:solidFill>
-              </a14:hiddenFill>
-            </a:ext>
-            <a:ext uri="{91240B29-F687-4F45-9708-019B960494DF}">
-              <a14:hiddenLine xmlns:a14="http://schemas.microsoft.com/office/drawing/2010/main" xmlns="" w="9525">
-                <a:solidFill>
-                  <a:schemeClr val="tx1"/>
-                </a:solidFill>
-                <a:miter lim="800000"/>
-                <a:headEnd/>
-                <a:tailEnd/>
-              </a14:hiddenLine>
-            </a:ext>
-            <a:ext uri="{AF507438-7753-43E0-B8FC-AC1667EBCBE1}">
-              <a14:hiddenEffects xmlns:a14="http://schemas.microsoft.com/office/drawing/2010/main" xmlns="">
-                <a:effectLst>
-                  <a:outerShdw dist="35921" dir="2700000" algn="ctr" rotWithShape="0">
-                    <a:schemeClr val="bg2"/>
-                  </a:outerShdw>
-                </a:effectLst>
-              </a14:hiddenEffects>
-            </a:ext>
-          </a:extLst>
-        </p:spPr>
-        <p:txBody>
-          <a:bodyPr vert="horz" wrap="square" lIns="91440" tIns="45720" rIns="91440" bIns="45720" numCol="1" anchor="ctr" anchorCtr="0" compatLnSpc="1">
-            <a:prstTxWarp prst="textNoShape">
-              <a:avLst/>
-            </a:prstTxWarp>
-            <a:spAutoFit/>
-          </a:bodyPr>
-          <a:lstStyle/>
-          <a:p>
-            <a:pPr marL="0" marR="0" lvl="0" indent="0" algn="l" defTabSz="914400" rtl="0" eaLnBrk="1" fontAlgn="base" latinLnBrk="0" hangingPunct="1">
-              <a:lnSpc>
-                <a:spcPct val="100000"/>
-              </a:lnSpc>
-              <a:spcBef>
-                <a:spcPct val="0"/>
-              </a:spcBef>
-              <a:spcAft>
-                <a:spcPct val="0"/>
-              </a:spcAft>
-              <a:buClrTx/>
-              <a:buSzTx/>
-              <a:buFontTx/>
-              <a:buNone/>
-              <a:tabLst/>
-            </a:pPr>
-            <a:r>
-              <a:rPr kumimoji="0" lang="it-IT" b="0" i="0" u="none" strike="noStrike" cap="none" normalizeH="0" baseline="0" dirty="0" smtClean="0">
-                <a:ln>
-                  <a:noFill/>
-                </a:ln>
-                <a:solidFill>
-                  <a:srgbClr val="0070C0"/>
-                </a:solidFill>
-                <a:effectLst/>
-                <a:latin typeface="Arial" pitchFamily="34" charset="0"/>
-                <a:cs typeface="Arial" pitchFamily="34" charset="0"/>
-              </a:rPr>
-              <a:t>* @</a:t>
-            </a:r>
-            <a:r>
-              <a:rPr kumimoji="0" lang="it-IT" b="0" i="0" u="none" strike="noStrike" cap="none" normalizeH="0" baseline="0" dirty="0" err="1" smtClean="0">
-                <a:ln>
-                  <a:noFill/>
-                </a:ln>
-                <a:solidFill>
-                  <a:srgbClr val="0070C0"/>
-                </a:solidFill>
-                <a:effectLst/>
-                <a:latin typeface="Arial" pitchFamily="34" charset="0"/>
-                <a:cs typeface="Arial" pitchFamily="34" charset="0"/>
-              </a:rPr>
-              <a:t>pre</a:t>
-            </a:r>
-            <a:r>
-              <a:rPr kumimoji="0" lang="it-IT" b="0" i="0" u="none" strike="noStrike" cap="none" normalizeH="0" baseline="0" dirty="0" smtClean="0">
-                <a:ln>
-                  <a:noFill/>
-                </a:ln>
-                <a:solidFill>
-                  <a:srgbClr val="0070C0"/>
-                </a:solidFill>
-                <a:effectLst/>
-                <a:latin typeface="Arial" pitchFamily="34" charset="0"/>
-                <a:cs typeface="Arial" pitchFamily="34" charset="0"/>
-              </a:rPr>
-              <a:t> </a:t>
-            </a:r>
-            <a:r>
-              <a:rPr kumimoji="0" lang="it-IT" b="0" i="0" u="none" strike="noStrike" cap="none" normalizeH="0" baseline="0" dirty="0" err="1" smtClean="0">
-                <a:ln>
-                  <a:noFill/>
-                </a:ln>
-                <a:solidFill>
-                  <a:srgbClr val="0070C0"/>
-                </a:solidFill>
-                <a:effectLst/>
-                <a:latin typeface="Arial" pitchFamily="34" charset="0"/>
-                <a:cs typeface="Arial" pitchFamily="34" charset="0"/>
-              </a:rPr>
-              <a:t>idQuestionario</a:t>
-            </a:r>
-            <a:r>
-              <a:rPr kumimoji="0" lang="it-IT" b="0" i="0" u="none" strike="noStrike" cap="none" normalizeH="0" baseline="0" dirty="0" smtClean="0">
-                <a:ln>
-                  <a:noFill/>
-                </a:ln>
-                <a:solidFill>
-                  <a:srgbClr val="0070C0"/>
-                </a:solidFill>
-                <a:effectLst/>
-                <a:latin typeface="Arial" pitchFamily="34" charset="0"/>
-                <a:cs typeface="Arial" pitchFamily="34" charset="0"/>
-              </a:rPr>
-              <a:t>&gt;0 AND domanda != </a:t>
-            </a:r>
-            <a:r>
-              <a:rPr kumimoji="0" lang="it-IT" b="0" i="0" u="none" strike="noStrike" cap="none" normalizeH="0" baseline="0" dirty="0" err="1" smtClean="0">
-                <a:ln>
-                  <a:noFill/>
-                </a:ln>
-                <a:solidFill>
-                  <a:srgbClr val="0070C0"/>
-                </a:solidFill>
-                <a:effectLst/>
-                <a:latin typeface="Arial" pitchFamily="34" charset="0"/>
-                <a:cs typeface="Arial" pitchFamily="34" charset="0"/>
-              </a:rPr>
-              <a:t>null</a:t>
-            </a:r>
-            <a:r>
-              <a:rPr kumimoji="0" lang="it-IT" sz="4400" b="0" i="0" u="none" strike="noStrike" cap="none" normalizeH="0" baseline="0" dirty="0" smtClean="0">
-                <a:ln>
-                  <a:noFill/>
-                </a:ln>
-                <a:solidFill>
-                  <a:srgbClr val="0070C0"/>
-                </a:solidFill>
-                <a:effectLst/>
-                <a:latin typeface="Arial" pitchFamily="34" charset="0"/>
-                <a:cs typeface="Arial" pitchFamily="34" charset="0"/>
-              </a:rPr>
-              <a:t/>
-            </a:r>
-            <a:br>
-              <a:rPr kumimoji="0" lang="it-IT" sz="4400" b="0" i="0" u="none" strike="noStrike" cap="none" normalizeH="0" baseline="0" dirty="0" smtClean="0">
-                <a:ln>
-                  <a:noFill/>
-                </a:ln>
-                <a:solidFill>
-                  <a:srgbClr val="0070C0"/>
-                </a:solidFill>
-                <a:effectLst/>
-                <a:latin typeface="Arial" pitchFamily="34" charset="0"/>
-                <a:cs typeface="Arial" pitchFamily="34" charset="0"/>
-              </a:rPr>
-            </a:br>
-            <a:r>
-              <a:rPr kumimoji="0" lang="it-IT" b="0" i="0" u="none" strike="noStrike" cap="none" normalizeH="0" baseline="0" dirty="0" smtClean="0">
-                <a:ln>
-                  <a:noFill/>
-                </a:ln>
-                <a:solidFill>
-                  <a:srgbClr val="0070C0"/>
-                </a:solidFill>
-                <a:effectLst/>
-                <a:latin typeface="Arial" pitchFamily="34" charset="0"/>
-                <a:cs typeface="Arial" pitchFamily="34" charset="0"/>
-              </a:rPr>
-              <a:t>* @post </a:t>
-            </a:r>
-            <a:r>
-              <a:rPr kumimoji="0" lang="it-IT" b="0" i="0" u="none" strike="noStrike" cap="none" normalizeH="0" baseline="0" dirty="0" err="1" smtClean="0">
-                <a:ln>
-                  <a:noFill/>
-                </a:ln>
-                <a:solidFill>
-                  <a:srgbClr val="0070C0"/>
-                </a:solidFill>
-                <a:effectLst/>
-                <a:latin typeface="Arial" pitchFamily="34" charset="0"/>
-                <a:cs typeface="Arial" pitchFamily="34" charset="0"/>
-              </a:rPr>
-              <a:t>questionario.getDomande.size</a:t>
-            </a:r>
-            <a:r>
-              <a:rPr kumimoji="0" lang="it-IT" b="0" i="0" u="none" strike="noStrike" cap="none" normalizeH="0" baseline="0" dirty="0" smtClean="0">
-                <a:ln>
-                  <a:noFill/>
-                </a:ln>
-                <a:solidFill>
-                  <a:srgbClr val="0070C0"/>
-                </a:solidFill>
-                <a:effectLst/>
-                <a:latin typeface="Arial" pitchFamily="34" charset="0"/>
-                <a:cs typeface="Arial" pitchFamily="34" charset="0"/>
-              </a:rPr>
-              <a:t>()=@</a:t>
-            </a:r>
-            <a:r>
-              <a:rPr kumimoji="0" lang="it-IT" b="0" i="0" u="none" strike="noStrike" cap="none" normalizeH="0" baseline="0" dirty="0" err="1" smtClean="0">
-                <a:ln>
-                  <a:noFill/>
-                </a:ln>
-                <a:solidFill>
-                  <a:srgbClr val="0070C0"/>
-                </a:solidFill>
-                <a:effectLst/>
-                <a:latin typeface="Arial" pitchFamily="34" charset="0"/>
-                <a:cs typeface="Arial" pitchFamily="34" charset="0"/>
-              </a:rPr>
-              <a:t>pre</a:t>
-            </a:r>
-            <a:r>
-              <a:rPr kumimoji="0" lang="it-IT" b="0" i="0" u="none" strike="noStrike" cap="none" normalizeH="0" baseline="0" dirty="0" smtClean="0">
-                <a:ln>
-                  <a:noFill/>
-                </a:ln>
-                <a:solidFill>
-                  <a:srgbClr val="0070C0"/>
-                </a:solidFill>
-                <a:effectLst/>
-                <a:latin typeface="Arial" pitchFamily="34" charset="0"/>
-                <a:cs typeface="Arial" pitchFamily="34" charset="0"/>
-              </a:rPr>
-              <a:t> </a:t>
-            </a:r>
-            <a:r>
-              <a:rPr kumimoji="0" lang="it-IT" b="0" i="0" u="none" strike="noStrike" cap="none" normalizeH="0" baseline="0" dirty="0" err="1" smtClean="0">
-                <a:ln>
-                  <a:noFill/>
-                </a:ln>
-                <a:solidFill>
-                  <a:srgbClr val="0070C0"/>
-                </a:solidFill>
-                <a:effectLst/>
-                <a:latin typeface="Arial" pitchFamily="34" charset="0"/>
-                <a:cs typeface="Arial" pitchFamily="34" charset="0"/>
-              </a:rPr>
-              <a:t>questionario.getDomande.size</a:t>
-            </a:r>
-            <a:r>
-              <a:rPr kumimoji="0" lang="it-IT" b="0" i="0" u="none" strike="noStrike" cap="none" normalizeH="0" baseline="0" dirty="0" smtClean="0">
-                <a:ln>
-                  <a:noFill/>
-                </a:ln>
-                <a:solidFill>
-                  <a:srgbClr val="0070C0"/>
-                </a:solidFill>
-                <a:effectLst/>
-                <a:latin typeface="Arial" pitchFamily="34" charset="0"/>
-                <a:cs typeface="Arial" pitchFamily="34" charset="0"/>
-              </a:rPr>
-              <a:t>() +1</a:t>
-            </a:r>
-            <a:r>
-              <a:rPr kumimoji="0" lang="it-IT" sz="800" b="0" i="0" u="none" strike="noStrike" cap="none" normalizeH="0" baseline="0" dirty="0" smtClean="0">
-                <a:ln>
-                  <a:noFill/>
-                </a:ln>
-                <a:solidFill>
-                  <a:srgbClr val="0070C0"/>
-                </a:solidFill>
-                <a:effectLst/>
-                <a:latin typeface="Arial" pitchFamily="34" charset="0"/>
-                <a:cs typeface="Arial" pitchFamily="34" charset="0"/>
-              </a:rPr>
-              <a:t/>
-            </a:r>
-            <a:br>
-              <a:rPr kumimoji="0" lang="it-IT" sz="800" b="0" i="0" u="none" strike="noStrike" cap="none" normalizeH="0" baseline="0" dirty="0" smtClean="0">
-                <a:ln>
-                  <a:noFill/>
-                </a:ln>
-                <a:solidFill>
-                  <a:srgbClr val="0070C0"/>
-                </a:solidFill>
-                <a:effectLst/>
-                <a:latin typeface="Arial" pitchFamily="34" charset="0"/>
-                <a:cs typeface="Arial" pitchFamily="34" charset="0"/>
-              </a:rPr>
-            </a:br>
-            <a:endParaRPr kumimoji="0" lang="it-IT" sz="1800" b="0" i="0" u="none" strike="noStrike" cap="none" normalizeH="0" baseline="0" dirty="0" smtClean="0">
-              <a:ln>
-                <a:noFill/>
-              </a:ln>
-              <a:solidFill>
-                <a:srgbClr val="0070C0"/>
-              </a:solidFill>
-              <a:effectLst/>
-              <a:latin typeface="Arial" pitchFamily="34" charset="0"/>
-              <a:cs typeface="Arial" pitchFamily="34" charset="0"/>
-            </a:endParaRPr>
-          </a:p>
-        </p:txBody>
-      </p:sp>
-      <p:sp>
-        <p:nvSpPr>
-          <p:cNvPr id="6" name="CasellaDiTesto 5"/>
-          <p:cNvSpPr txBox="1"/>
-          <p:nvPr/>
-        </p:nvSpPr>
-        <p:spPr>
-          <a:xfrm>
-            <a:off x="226610" y="1628800"/>
-            <a:ext cx="8358246" cy="1477328"/>
-          </a:xfrm>
-          <a:prstGeom prst="rect">
-            <a:avLst/>
-          </a:prstGeom>
-          <a:noFill/>
-        </p:spPr>
-        <p:txBody>
-          <a:bodyPr wrap="square" rtlCol="0">
-            <a:spAutoFit/>
-          </a:bodyPr>
-          <a:lstStyle/>
-          <a:p>
-            <a:pPr marL="285750" indent="-285750">
-              <a:buFont typeface="Wingdings" pitchFamily="2" charset="2"/>
-              <a:buChar char="v"/>
-            </a:pPr>
-            <a:r>
-              <a:rPr lang="it-IT" dirty="0" smtClean="0">
-                <a:latin typeface="+mj-lt"/>
-                <a:cs typeface="Arial" pitchFamily="34" charset="0"/>
-              </a:rPr>
-              <a:t>Non sono state controllate le invarianti</a:t>
-            </a:r>
-          </a:p>
-          <a:p>
-            <a:pPr marL="742950" lvl="1" indent="-285750">
-              <a:buFont typeface="Courier New" pitchFamily="49" charset="0"/>
-              <a:buChar char="o"/>
-            </a:pPr>
-            <a:r>
-              <a:rPr lang="it-IT" dirty="0" smtClean="0">
-                <a:latin typeface="+mj-lt"/>
-                <a:cs typeface="Arial" pitchFamily="34" charset="0"/>
-              </a:rPr>
-              <a:t>Non avrebbe Individuato molti bug perché:</a:t>
-            </a:r>
-          </a:p>
-          <a:p>
-            <a:pPr marL="1200150" lvl="2" indent="-285750">
-              <a:buFont typeface="Arial" pitchFamily="34" charset="0"/>
-              <a:buChar char="•"/>
-            </a:pPr>
-            <a:r>
-              <a:rPr lang="it-IT" dirty="0" smtClean="0">
-                <a:latin typeface="+mj-lt"/>
-                <a:cs typeface="Arial" pitchFamily="34" charset="0"/>
-              </a:rPr>
-              <a:t>Il testing di unità è stato eseguito dallo sviluppatore stesso</a:t>
-            </a:r>
-          </a:p>
-          <a:p>
-            <a:pPr marL="1200150" lvl="2" indent="-285750">
-              <a:buFont typeface="Arial" pitchFamily="34" charset="0"/>
-              <a:buChar char="•"/>
-            </a:pPr>
-            <a:r>
-              <a:rPr lang="it-IT" dirty="0" smtClean="0">
-                <a:latin typeface="+mj-lt"/>
-                <a:cs typeface="Arial" pitchFamily="34" charset="0"/>
-              </a:rPr>
-              <a:t>Molto ridondate</a:t>
-            </a:r>
-            <a:r>
-              <a:rPr lang="it-IT" dirty="0" smtClean="0">
-                <a:latin typeface="Arial" pitchFamily="34" charset="0"/>
-                <a:cs typeface="Arial" pitchFamily="34" charset="0"/>
-              </a:rPr>
-              <a:t>.</a:t>
-            </a:r>
-          </a:p>
-          <a:p>
-            <a:endParaRPr lang="it-IT" dirty="0" smtClean="0"/>
-          </a:p>
-        </p:txBody>
-      </p:sp>
-      <p:sp>
-        <p:nvSpPr>
-          <p:cNvPr id="2" name="CasellaDiTesto 1"/>
-          <p:cNvSpPr txBox="1"/>
-          <p:nvPr/>
-        </p:nvSpPr>
-        <p:spPr>
-          <a:xfrm>
-            <a:off x="971600" y="3718773"/>
-            <a:ext cx="6571927" cy="646331"/>
-          </a:xfrm>
-          <a:prstGeom prst="rect">
-            <a:avLst/>
-          </a:prstGeom>
-          <a:noFill/>
-        </p:spPr>
-        <p:txBody>
-          <a:bodyPr wrap="none" rtlCol="0">
-            <a:spAutoFit/>
-          </a:bodyPr>
-          <a:lstStyle/>
-          <a:p>
-            <a:pPr algn="ctr"/>
-            <a:r>
-              <a:rPr lang="it-IT" b="1" dirty="0" smtClean="0"/>
-              <a:t>OCL classe </a:t>
-            </a:r>
-            <a:r>
-              <a:rPr lang="it-IT" b="1" dirty="0" err="1" smtClean="0"/>
-              <a:t>ControlQuestionario</a:t>
-            </a:r>
-            <a:endParaRPr lang="it-IT" b="1" dirty="0" smtClean="0"/>
-          </a:p>
-          <a:p>
-            <a:pPr algn="ctr"/>
-            <a:r>
-              <a:rPr lang="it-IT" b="1" dirty="0" smtClean="0"/>
-              <a:t>metodo </a:t>
-            </a:r>
-            <a:r>
-              <a:rPr lang="it-IT" b="1" dirty="0" err="1" smtClean="0"/>
-              <a:t>inserisciDomanda</a:t>
-            </a:r>
-            <a:r>
-              <a:rPr lang="it-IT" b="1" dirty="0" smtClean="0"/>
-              <a:t>(</a:t>
-            </a:r>
-            <a:r>
-              <a:rPr lang="it-IT" b="1" dirty="0" err="1" smtClean="0"/>
-              <a:t>int</a:t>
-            </a:r>
-            <a:r>
-              <a:rPr lang="it-IT" b="1" dirty="0" smtClean="0"/>
-              <a:t> </a:t>
-            </a:r>
-            <a:r>
-              <a:rPr lang="it-IT" b="1" dirty="0" err="1" smtClean="0"/>
-              <a:t>IdQuestionario</a:t>
-            </a:r>
-            <a:r>
-              <a:rPr lang="it-IT" b="1" dirty="0" smtClean="0"/>
-              <a:t>, Domanda </a:t>
-            </a:r>
-            <a:r>
-              <a:rPr lang="it-IT" b="1" dirty="0" err="1" smtClean="0"/>
-              <a:t>domanda</a:t>
-            </a:r>
-            <a:r>
-              <a:rPr lang="it-IT" b="1" dirty="0" smtClean="0"/>
-              <a:t>)</a:t>
-            </a:r>
-            <a:endParaRPr lang="it-IT" b="1" dirty="0"/>
-          </a:p>
-        </p:txBody>
-      </p:sp>
-    </p:spTree>
-    <p:extLst>
-      <p:ext uri="{BB962C8B-B14F-4D97-AF65-F5344CB8AC3E}">
-        <p14:creationId xmlns:p14="http://schemas.microsoft.com/office/powerpoint/2010/main" xmlns="" val="3312797979"/>
-      </p:ext>
-    </p:extLst>
   </p:cSld>
   <p:clrMapOvr>
     <a:masterClrMapping/>
@@ -15237,18 +14850,18 @@
     </p:spTree>
     <p:extLst>
       <p:ext uri="{BB962C8B-B14F-4D97-AF65-F5344CB8AC3E}">
-        <p14:creationId xmlns:p14="http://schemas.microsoft.com/office/powerpoint/2010/main" xmlns="" val="155874689"/>
+        <p14:creationId xmlns:p14="http://schemas.microsoft.com/office/powerpoint/2010/main" val="155874689"/>
       </p:ext>
     </p:extLst>
   </p:cSld>
   <p:clrMapOvr>
     <a:masterClrMapping/>
   </p:clrMapOvr>
-  <mc:AlternateContent xmlns:mc="http://schemas.openxmlformats.org/markup-compatibility/2006">
-    <mc:Choice xmlns:p14="http://schemas.microsoft.com/office/powerpoint/2010/main" xmlns="" Requires="p14">
+  <mc:AlternateContent xmlns:mc="http://schemas.openxmlformats.org/markup-compatibility/2006" xmlns:p14="http://schemas.microsoft.com/office/powerpoint/2010/main">
+    <mc:Choice Requires="p14">
       <p:transition spd="slow" p14:dur="2000"/>
     </mc:Choice>
-    <mc:Fallback>
+    <mc:Fallback xmlns="">
       <p:transition spd="slow"/>
     </mc:Fallback>
   </mc:AlternateContent>
@@ -15281,14 +14894,14 @@
       </p:grpSpPr>
       <p:sp>
         <p:nvSpPr>
-          <p:cNvPr id="2" name="CasellaDiTesto 1"/>
+          <p:cNvPr id="4" name="CasellaDiTesto 3"/>
           <p:cNvSpPr txBox="1"/>
           <p:nvPr/>
         </p:nvSpPr>
         <p:spPr>
           <a:xfrm>
-            <a:off x="0" y="428604"/>
-            <a:ext cx="9144000" cy="1107996"/>
+            <a:off x="-20464" y="323165"/>
+            <a:ext cx="9144000" cy="646331"/>
           </a:xfrm>
           <a:prstGeom prst="rect">
             <a:avLst/>
@@ -15303,21 +14916,508 @@
           <a:p>
             <a:pPr algn="ctr"/>
             <a:r>
-              <a:rPr lang="it-IT" sz="4800" b="1" dirty="0" smtClean="0">
+              <a:rPr lang="it-IT" sz="3600" b="1" dirty="0" smtClean="0">
                 <a:latin typeface="+mj-lt"/>
               </a:rPr>
-              <a:t>Pro\Contro del ODD</a:t>
-            </a:r>
-          </a:p>
-          <a:p>
-            <a:pPr algn="ctr"/>
-            <a:endParaRPr lang="it-IT" dirty="0">
+              <a:t>Mapping Da Contratti ad Eccezioni</a:t>
+            </a:r>
+            <a:endParaRPr lang="it-IT" sz="1000" dirty="0">
               <a:latin typeface="+mj-lt"/>
             </a:endParaRPr>
+          </a:p>
+        </p:txBody>
+      </p:sp>
+      <p:sp>
+        <p:nvSpPr>
+          <p:cNvPr id="5" name="Rectangle 1"/>
+          <p:cNvSpPr>
+            <a:spLocks noChangeArrowheads="1"/>
+          </p:cNvSpPr>
+          <p:nvPr/>
+        </p:nvSpPr>
+        <p:spPr bwMode="auto">
+          <a:xfrm>
+            <a:off x="197886" y="4365104"/>
+            <a:ext cx="9145016" cy="923330"/>
+          </a:xfrm>
+          <a:prstGeom prst="rect">
+            <a:avLst/>
+          </a:prstGeom>
+          <a:noFill/>
+          <a:ln>
+            <a:noFill/>
+          </a:ln>
+          <a:effectLst/>
+          <a:extLst>
+            <a:ext uri="{909E8E84-426E-40DD-AFC4-6F175D3DCCD1}">
+              <a14:hiddenFill xmlns:a14="http://schemas.microsoft.com/office/drawing/2010/main">
+                <a:solidFill>
+                  <a:schemeClr val="accent1"/>
+                </a:solidFill>
+              </a14:hiddenFill>
+            </a:ext>
+            <a:ext uri="{91240B29-F687-4F45-9708-019B960494DF}">
+              <a14:hiddenLine xmlns:a14="http://schemas.microsoft.com/office/drawing/2010/main" w="9525">
+                <a:solidFill>
+                  <a:schemeClr val="tx1"/>
+                </a:solidFill>
+                <a:miter lim="800000"/>
+                <a:headEnd/>
+                <a:tailEnd/>
+              </a14:hiddenLine>
+            </a:ext>
+            <a:ext uri="{AF507438-7753-43E0-B8FC-AC1667EBCBE1}">
+              <a14:hiddenEffects xmlns:a14="http://schemas.microsoft.com/office/drawing/2010/main">
+                <a:effectLst>
+                  <a:outerShdw dist="35921" dir="2700000" algn="ctr" rotWithShape="0">
+                    <a:schemeClr val="bg2"/>
+                  </a:outerShdw>
+                </a:effectLst>
+              </a14:hiddenEffects>
+            </a:ext>
+          </a:extLst>
+        </p:spPr>
+        <p:txBody>
+          <a:bodyPr vert="horz" wrap="square" lIns="91440" tIns="45720" rIns="91440" bIns="45720" numCol="1" anchor="ctr" anchorCtr="0" compatLnSpc="1">
+            <a:prstTxWarp prst="textNoShape">
+              <a:avLst/>
+            </a:prstTxWarp>
+            <a:spAutoFit/>
+          </a:bodyPr>
+          <a:lstStyle/>
+          <a:p>
+            <a:pPr marL="0" marR="0" lvl="0" indent="0" algn="l" defTabSz="914400" rtl="0" eaLnBrk="1" fontAlgn="base" latinLnBrk="0" hangingPunct="1">
+              <a:lnSpc>
+                <a:spcPct val="100000"/>
+              </a:lnSpc>
+              <a:spcBef>
+                <a:spcPct val="0"/>
+              </a:spcBef>
+              <a:spcAft>
+                <a:spcPct val="0"/>
+              </a:spcAft>
+              <a:buClrTx/>
+              <a:buSzTx/>
+              <a:buFontTx/>
+              <a:buNone/>
+              <a:tabLst/>
+            </a:pPr>
+            <a:r>
+              <a:rPr kumimoji="0" lang="it-IT" b="0" i="0" u="none" strike="noStrike" cap="none" normalizeH="0" baseline="0" dirty="0" smtClean="0">
+                <a:ln>
+                  <a:noFill/>
+                </a:ln>
+                <a:solidFill>
+                  <a:srgbClr val="0070C0"/>
+                </a:solidFill>
+                <a:effectLst/>
+                <a:latin typeface="Arial" pitchFamily="34" charset="0"/>
+                <a:cs typeface="Arial" pitchFamily="34" charset="0"/>
+              </a:rPr>
+              <a:t>* @</a:t>
+            </a:r>
+            <a:r>
+              <a:rPr kumimoji="0" lang="it-IT" b="0" i="0" u="none" strike="noStrike" cap="none" normalizeH="0" baseline="0" dirty="0" err="1" smtClean="0">
+                <a:ln>
+                  <a:noFill/>
+                </a:ln>
+                <a:solidFill>
+                  <a:srgbClr val="0070C0"/>
+                </a:solidFill>
+                <a:effectLst/>
+                <a:latin typeface="Arial" pitchFamily="34" charset="0"/>
+                <a:cs typeface="Arial" pitchFamily="34" charset="0"/>
+              </a:rPr>
+              <a:t>pre</a:t>
+            </a:r>
+            <a:r>
+              <a:rPr kumimoji="0" lang="it-IT" b="0" i="0" u="none" strike="noStrike" cap="none" normalizeH="0" baseline="0" dirty="0" smtClean="0">
+                <a:ln>
+                  <a:noFill/>
+                </a:ln>
+                <a:solidFill>
+                  <a:srgbClr val="0070C0"/>
+                </a:solidFill>
+                <a:effectLst/>
+                <a:latin typeface="Arial" pitchFamily="34" charset="0"/>
+                <a:cs typeface="Arial" pitchFamily="34" charset="0"/>
+              </a:rPr>
+              <a:t> </a:t>
+            </a:r>
+            <a:r>
+              <a:rPr kumimoji="0" lang="it-IT" b="0" i="0" u="none" strike="noStrike" cap="none" normalizeH="0" baseline="0" dirty="0" err="1" smtClean="0">
+                <a:ln>
+                  <a:noFill/>
+                </a:ln>
+                <a:solidFill>
+                  <a:srgbClr val="0070C0"/>
+                </a:solidFill>
+                <a:effectLst/>
+                <a:latin typeface="Arial" pitchFamily="34" charset="0"/>
+                <a:cs typeface="Arial" pitchFamily="34" charset="0"/>
+              </a:rPr>
+              <a:t>idQuestionario</a:t>
+            </a:r>
+            <a:r>
+              <a:rPr kumimoji="0" lang="it-IT" b="0" i="0" u="none" strike="noStrike" cap="none" normalizeH="0" baseline="0" dirty="0" smtClean="0">
+                <a:ln>
+                  <a:noFill/>
+                </a:ln>
+                <a:solidFill>
+                  <a:srgbClr val="0070C0"/>
+                </a:solidFill>
+                <a:effectLst/>
+                <a:latin typeface="Arial" pitchFamily="34" charset="0"/>
+                <a:cs typeface="Arial" pitchFamily="34" charset="0"/>
+              </a:rPr>
+              <a:t>&gt;0 AND domanda != </a:t>
+            </a:r>
+            <a:r>
+              <a:rPr kumimoji="0" lang="it-IT" b="0" i="0" u="none" strike="noStrike" cap="none" normalizeH="0" baseline="0" dirty="0" err="1" smtClean="0">
+                <a:ln>
+                  <a:noFill/>
+                </a:ln>
+                <a:solidFill>
+                  <a:srgbClr val="0070C0"/>
+                </a:solidFill>
+                <a:effectLst/>
+                <a:latin typeface="Arial" pitchFamily="34" charset="0"/>
+                <a:cs typeface="Arial" pitchFamily="34" charset="0"/>
+              </a:rPr>
+              <a:t>null</a:t>
+            </a:r>
+            <a:r>
+              <a:rPr kumimoji="0" lang="it-IT" sz="4400" b="0" i="0" u="none" strike="noStrike" cap="none" normalizeH="0" baseline="0" dirty="0" smtClean="0">
+                <a:ln>
+                  <a:noFill/>
+                </a:ln>
+                <a:solidFill>
+                  <a:srgbClr val="0070C0"/>
+                </a:solidFill>
+                <a:effectLst/>
+                <a:latin typeface="Arial" pitchFamily="34" charset="0"/>
+                <a:cs typeface="Arial" pitchFamily="34" charset="0"/>
+              </a:rPr>
+              <a:t/>
+            </a:r>
+            <a:br>
+              <a:rPr kumimoji="0" lang="it-IT" sz="4400" b="0" i="0" u="none" strike="noStrike" cap="none" normalizeH="0" baseline="0" dirty="0" smtClean="0">
+                <a:ln>
+                  <a:noFill/>
+                </a:ln>
+                <a:solidFill>
+                  <a:srgbClr val="0070C0"/>
+                </a:solidFill>
+                <a:effectLst/>
+                <a:latin typeface="Arial" pitchFamily="34" charset="0"/>
+                <a:cs typeface="Arial" pitchFamily="34" charset="0"/>
+              </a:rPr>
+            </a:br>
+            <a:r>
+              <a:rPr kumimoji="0" lang="it-IT" b="0" i="0" u="none" strike="noStrike" cap="none" normalizeH="0" baseline="0" dirty="0" smtClean="0">
+                <a:ln>
+                  <a:noFill/>
+                </a:ln>
+                <a:solidFill>
+                  <a:srgbClr val="0070C0"/>
+                </a:solidFill>
+                <a:effectLst/>
+                <a:latin typeface="Arial" pitchFamily="34" charset="0"/>
+                <a:cs typeface="Arial" pitchFamily="34" charset="0"/>
+              </a:rPr>
+              <a:t>* @post </a:t>
+            </a:r>
+            <a:r>
+              <a:rPr kumimoji="0" lang="it-IT" b="0" i="0" u="none" strike="noStrike" cap="none" normalizeH="0" baseline="0" dirty="0" err="1" smtClean="0">
+                <a:ln>
+                  <a:noFill/>
+                </a:ln>
+                <a:solidFill>
+                  <a:srgbClr val="0070C0"/>
+                </a:solidFill>
+                <a:effectLst/>
+                <a:latin typeface="Arial" pitchFamily="34" charset="0"/>
+                <a:cs typeface="Arial" pitchFamily="34" charset="0"/>
+              </a:rPr>
+              <a:t>questionario.getDomande.size</a:t>
+            </a:r>
+            <a:r>
+              <a:rPr kumimoji="0" lang="it-IT" b="0" i="0" u="none" strike="noStrike" cap="none" normalizeH="0" baseline="0" dirty="0" smtClean="0">
+                <a:ln>
+                  <a:noFill/>
+                </a:ln>
+                <a:solidFill>
+                  <a:srgbClr val="0070C0"/>
+                </a:solidFill>
+                <a:effectLst/>
+                <a:latin typeface="Arial" pitchFamily="34" charset="0"/>
+                <a:cs typeface="Arial" pitchFamily="34" charset="0"/>
+              </a:rPr>
+              <a:t>()=@</a:t>
+            </a:r>
+            <a:r>
+              <a:rPr kumimoji="0" lang="it-IT" b="0" i="0" u="none" strike="noStrike" cap="none" normalizeH="0" baseline="0" dirty="0" err="1" smtClean="0">
+                <a:ln>
+                  <a:noFill/>
+                </a:ln>
+                <a:solidFill>
+                  <a:srgbClr val="0070C0"/>
+                </a:solidFill>
+                <a:effectLst/>
+                <a:latin typeface="Arial" pitchFamily="34" charset="0"/>
+                <a:cs typeface="Arial" pitchFamily="34" charset="0"/>
+              </a:rPr>
+              <a:t>pre</a:t>
+            </a:r>
+            <a:r>
+              <a:rPr kumimoji="0" lang="it-IT" b="0" i="0" u="none" strike="noStrike" cap="none" normalizeH="0" baseline="0" dirty="0" smtClean="0">
+                <a:ln>
+                  <a:noFill/>
+                </a:ln>
+                <a:solidFill>
+                  <a:srgbClr val="0070C0"/>
+                </a:solidFill>
+                <a:effectLst/>
+                <a:latin typeface="Arial" pitchFamily="34" charset="0"/>
+                <a:cs typeface="Arial" pitchFamily="34" charset="0"/>
+              </a:rPr>
+              <a:t> </a:t>
+            </a:r>
+            <a:r>
+              <a:rPr kumimoji="0" lang="it-IT" b="0" i="0" u="none" strike="noStrike" cap="none" normalizeH="0" baseline="0" dirty="0" err="1" smtClean="0">
+                <a:ln>
+                  <a:noFill/>
+                </a:ln>
+                <a:solidFill>
+                  <a:srgbClr val="0070C0"/>
+                </a:solidFill>
+                <a:effectLst/>
+                <a:latin typeface="Arial" pitchFamily="34" charset="0"/>
+                <a:cs typeface="Arial" pitchFamily="34" charset="0"/>
+              </a:rPr>
+              <a:t>questionario.getDomande.size</a:t>
+            </a:r>
+            <a:r>
+              <a:rPr kumimoji="0" lang="it-IT" b="0" i="0" u="none" strike="noStrike" cap="none" normalizeH="0" baseline="0" dirty="0" smtClean="0">
+                <a:ln>
+                  <a:noFill/>
+                </a:ln>
+                <a:solidFill>
+                  <a:srgbClr val="0070C0"/>
+                </a:solidFill>
+                <a:effectLst/>
+                <a:latin typeface="Arial" pitchFamily="34" charset="0"/>
+                <a:cs typeface="Arial" pitchFamily="34" charset="0"/>
+              </a:rPr>
+              <a:t>() +1</a:t>
+            </a:r>
+            <a:r>
+              <a:rPr kumimoji="0" lang="it-IT" sz="800" b="0" i="0" u="none" strike="noStrike" cap="none" normalizeH="0" baseline="0" dirty="0" smtClean="0">
+                <a:ln>
+                  <a:noFill/>
+                </a:ln>
+                <a:solidFill>
+                  <a:srgbClr val="0070C0"/>
+                </a:solidFill>
+                <a:effectLst/>
+                <a:latin typeface="Arial" pitchFamily="34" charset="0"/>
+                <a:cs typeface="Arial" pitchFamily="34" charset="0"/>
+              </a:rPr>
+              <a:t/>
+            </a:r>
+            <a:br>
+              <a:rPr kumimoji="0" lang="it-IT" sz="800" b="0" i="0" u="none" strike="noStrike" cap="none" normalizeH="0" baseline="0" dirty="0" smtClean="0">
+                <a:ln>
+                  <a:noFill/>
+                </a:ln>
+                <a:solidFill>
+                  <a:srgbClr val="0070C0"/>
+                </a:solidFill>
+                <a:effectLst/>
+                <a:latin typeface="Arial" pitchFamily="34" charset="0"/>
+                <a:cs typeface="Arial" pitchFamily="34" charset="0"/>
+              </a:rPr>
+            </a:br>
+            <a:endParaRPr kumimoji="0" lang="it-IT" sz="1800" b="0" i="0" u="none" strike="noStrike" cap="none" normalizeH="0" baseline="0" dirty="0" smtClean="0">
+              <a:ln>
+                <a:noFill/>
+              </a:ln>
+              <a:solidFill>
+                <a:srgbClr val="0070C0"/>
+              </a:solidFill>
+              <a:effectLst/>
+              <a:latin typeface="Arial" pitchFamily="34" charset="0"/>
+              <a:cs typeface="Arial" pitchFamily="34" charset="0"/>
+            </a:endParaRPr>
+          </a:p>
+        </p:txBody>
+      </p:sp>
+      <p:sp>
+        <p:nvSpPr>
+          <p:cNvPr id="6" name="CasellaDiTesto 5"/>
+          <p:cNvSpPr txBox="1"/>
+          <p:nvPr/>
+        </p:nvSpPr>
+        <p:spPr>
+          <a:xfrm>
+            <a:off x="226610" y="1628800"/>
+            <a:ext cx="8358246" cy="1477328"/>
+          </a:xfrm>
+          <a:prstGeom prst="rect">
+            <a:avLst/>
+          </a:prstGeom>
+          <a:noFill/>
+        </p:spPr>
+        <p:txBody>
+          <a:bodyPr wrap="square" rtlCol="0">
+            <a:spAutoFit/>
+          </a:bodyPr>
+          <a:lstStyle/>
+          <a:p>
+            <a:pPr marL="285750" indent="-285750">
+              <a:buFont typeface="Wingdings" pitchFamily="2" charset="2"/>
+              <a:buChar char="v"/>
+            </a:pPr>
+            <a:r>
+              <a:rPr lang="it-IT" dirty="0" smtClean="0">
+                <a:latin typeface="+mj-lt"/>
+                <a:cs typeface="Arial" pitchFamily="34" charset="0"/>
+              </a:rPr>
+              <a:t>Non sono state controllate le invarianti</a:t>
+            </a:r>
+          </a:p>
+          <a:p>
+            <a:pPr marL="742950" lvl="1" indent="-285750">
+              <a:buFont typeface="Courier New" pitchFamily="49" charset="0"/>
+              <a:buChar char="o"/>
+            </a:pPr>
+            <a:r>
+              <a:rPr lang="it-IT" dirty="0" smtClean="0">
+                <a:latin typeface="+mj-lt"/>
+                <a:cs typeface="Arial" pitchFamily="34" charset="0"/>
+              </a:rPr>
+              <a:t>Non avrebbe Individuato molti bug perché:</a:t>
+            </a:r>
+          </a:p>
+          <a:p>
+            <a:pPr marL="1200150" lvl="2" indent="-285750">
+              <a:buFont typeface="Arial" pitchFamily="34" charset="0"/>
+              <a:buChar char="•"/>
+            </a:pPr>
+            <a:r>
+              <a:rPr lang="it-IT" dirty="0" smtClean="0">
+                <a:latin typeface="+mj-lt"/>
+                <a:cs typeface="Arial" pitchFamily="34" charset="0"/>
+              </a:rPr>
+              <a:t>Il testing di unità è stato eseguito dallo sviluppatore stesso</a:t>
+            </a:r>
+          </a:p>
+          <a:p>
+            <a:pPr marL="1200150" lvl="2" indent="-285750">
+              <a:buFont typeface="Arial" pitchFamily="34" charset="0"/>
+              <a:buChar char="•"/>
+            </a:pPr>
+            <a:r>
+              <a:rPr lang="it-IT" dirty="0" smtClean="0">
+                <a:latin typeface="+mj-lt"/>
+                <a:cs typeface="Arial" pitchFamily="34" charset="0"/>
+              </a:rPr>
+              <a:t>Molto ridondate</a:t>
+            </a:r>
+            <a:r>
+              <a:rPr lang="it-IT" dirty="0" smtClean="0">
+                <a:latin typeface="Arial" pitchFamily="34" charset="0"/>
+                <a:cs typeface="Arial" pitchFamily="34" charset="0"/>
+              </a:rPr>
+              <a:t>.</a:t>
+            </a:r>
+          </a:p>
+          <a:p>
+            <a:endParaRPr lang="it-IT" dirty="0" smtClean="0"/>
+          </a:p>
+        </p:txBody>
+      </p:sp>
+      <p:sp>
+        <p:nvSpPr>
+          <p:cNvPr id="2" name="CasellaDiTesto 1"/>
+          <p:cNvSpPr txBox="1"/>
+          <p:nvPr/>
+        </p:nvSpPr>
+        <p:spPr>
+          <a:xfrm>
+            <a:off x="971600" y="3718773"/>
+            <a:ext cx="6571927" cy="646331"/>
+          </a:xfrm>
+          <a:prstGeom prst="rect">
+            <a:avLst/>
+          </a:prstGeom>
+          <a:noFill/>
+        </p:spPr>
+        <p:txBody>
+          <a:bodyPr wrap="none" rtlCol="0">
+            <a:spAutoFit/>
+          </a:bodyPr>
+          <a:lstStyle/>
+          <a:p>
+            <a:pPr algn="ctr"/>
+            <a:r>
+              <a:rPr lang="it-IT" b="1" dirty="0" smtClean="0"/>
+              <a:t>OCL classe </a:t>
+            </a:r>
+            <a:r>
+              <a:rPr lang="it-IT" b="1" dirty="0" err="1" smtClean="0"/>
+              <a:t>ControlQuestionario</a:t>
+            </a:r>
+            <a:endParaRPr lang="it-IT" b="1" dirty="0" smtClean="0"/>
+          </a:p>
+          <a:p>
+            <a:pPr algn="ctr"/>
+            <a:r>
+              <a:rPr lang="it-IT" b="1" dirty="0" smtClean="0"/>
+              <a:t>metodo </a:t>
+            </a:r>
+            <a:r>
+              <a:rPr lang="it-IT" b="1" dirty="0" err="1" smtClean="0"/>
+              <a:t>inserisciDomanda</a:t>
+            </a:r>
+            <a:r>
+              <a:rPr lang="it-IT" b="1" dirty="0" smtClean="0"/>
+              <a:t>(</a:t>
+            </a:r>
+            <a:r>
+              <a:rPr lang="it-IT" b="1" dirty="0" err="1" smtClean="0"/>
+              <a:t>int</a:t>
+            </a:r>
+            <a:r>
+              <a:rPr lang="it-IT" b="1" dirty="0" smtClean="0"/>
+              <a:t> </a:t>
+            </a:r>
+            <a:r>
+              <a:rPr lang="it-IT" b="1" dirty="0" err="1" smtClean="0"/>
+              <a:t>IdQuestionario</a:t>
+            </a:r>
+            <a:r>
+              <a:rPr lang="it-IT" b="1" dirty="0" smtClean="0"/>
+              <a:t>, Domanda </a:t>
+            </a:r>
+            <a:r>
+              <a:rPr lang="it-IT" b="1" dirty="0" err="1" smtClean="0"/>
+              <a:t>domanda</a:t>
+            </a:r>
+            <a:r>
+              <a:rPr lang="it-IT" b="1" dirty="0" smtClean="0"/>
+              <a:t>)</a:t>
+            </a:r>
+            <a:endParaRPr lang="it-IT" b="1" dirty="0"/>
           </a:p>
         </p:txBody>
       </p:sp>
     </p:spTree>
+    <p:extLst>
+      <p:ext uri="{BB962C8B-B14F-4D97-AF65-F5344CB8AC3E}">
+        <p14:creationId xmlns:p14="http://schemas.microsoft.com/office/powerpoint/2010/main" val="3312797979"/>
+      </p:ext>
+    </p:extLst>
   </p:cSld>
   <p:clrMapOvr>
     <a:masterClrMapping/>
@@ -15357,6 +15457,76 @@
         </p:nvSpPr>
         <p:spPr>
           <a:xfrm>
+            <a:off x="0" y="428604"/>
+            <a:ext cx="9144000" cy="1107996"/>
+          </a:xfrm>
+          <a:prstGeom prst="rect">
+            <a:avLst/>
+          </a:prstGeom>
+          <a:noFill/>
+        </p:spPr>
+        <p:txBody>
+          <a:bodyPr wrap="square" rtlCol="0">
+            <a:spAutoFit/>
+          </a:bodyPr>
+          <a:lstStyle/>
+          <a:p>
+            <a:pPr algn="ctr"/>
+            <a:r>
+              <a:rPr lang="it-IT" sz="4800" b="1" dirty="0" smtClean="0">
+                <a:latin typeface="+mj-lt"/>
+              </a:rPr>
+              <a:t>Pro\Contro del ODD</a:t>
+            </a:r>
+          </a:p>
+          <a:p>
+            <a:pPr algn="ctr"/>
+            <a:endParaRPr lang="it-IT" dirty="0">
+              <a:latin typeface="+mj-lt"/>
+            </a:endParaRPr>
+          </a:p>
+        </p:txBody>
+      </p:sp>
+    </p:spTree>
+  </p:cSld>
+  <p:clrMapOvr>
+    <a:masterClrMapping/>
+  </p:clrMapOvr>
+  <p:timing>
+    <p:tnLst>
+      <p:par>
+        <p:cTn id="1" dur="indefinite" restart="never" nodeType="tmRoot"/>
+      </p:par>
+    </p:tnLst>
+  </p:timing>
+</p:sld>
+</file>
+
+<file path=ppt/slides/slide32.xml><?xml version="1.0" encoding="utf-8"?>
+<p:sld xmlns:a="http://schemas.openxmlformats.org/drawingml/2006/main" xmlns:r="http://schemas.openxmlformats.org/officeDocument/2006/relationships" xmlns:p="http://schemas.openxmlformats.org/presentationml/2006/main">
+  <p:cSld>
+    <p:spTree>
+      <p:nvGrpSpPr>
+        <p:cNvPr id="1" name=""/>
+        <p:cNvGrpSpPr/>
+        <p:nvPr/>
+      </p:nvGrpSpPr>
+      <p:grpSpPr>
+        <a:xfrm>
+          <a:off x="0" y="0"/>
+          <a:ext cx="0" cy="0"/>
+          <a:chOff x="0" y="0"/>
+          <a:chExt cx="0" cy="0"/>
+        </a:xfrm>
+      </p:grpSpPr>
+      <p:sp>
+        <p:nvSpPr>
+          <p:cNvPr id="2" name="CasellaDiTesto 1"/>
+          <p:cNvSpPr txBox="1"/>
+          <p:nvPr/>
+        </p:nvSpPr>
+        <p:spPr>
+          <a:xfrm>
             <a:off x="1928794" y="428604"/>
             <a:ext cx="5214974" cy="1846659"/>
           </a:xfrm>
@@ -15592,18 +15762,18 @@
     </p:spTree>
     <p:extLst>
       <p:ext uri="{BB962C8B-B14F-4D97-AF65-F5344CB8AC3E}">
-        <p14:creationId xmlns:p14="http://schemas.microsoft.com/office/powerpoint/2010/main" xmlns="" val="155874689"/>
+        <p14:creationId xmlns:p14="http://schemas.microsoft.com/office/powerpoint/2010/main" val="155874689"/>
       </p:ext>
     </p:extLst>
   </p:cSld>
   <p:clrMapOvr>
     <a:masterClrMapping/>
   </p:clrMapOvr>
-  <mc:AlternateContent xmlns:mc="http://schemas.openxmlformats.org/markup-compatibility/2006">
-    <mc:Choice xmlns:p14="http://schemas.microsoft.com/office/powerpoint/2010/main" xmlns="" Requires="p14">
+  <mc:AlternateContent xmlns:mc="http://schemas.openxmlformats.org/markup-compatibility/2006" xmlns:p14="http://schemas.microsoft.com/office/powerpoint/2010/main">
+    <mc:Choice Requires="p14">
       <p:transition spd="slow" p14:dur="2000"/>
     </mc:Choice>
-    <mc:Fallback>
+    <mc:Fallback xmlns="">
       <p:transition spd="slow"/>
     </mc:Fallback>
   </mc:AlternateContent>
@@ -15617,7 +15787,7 @@
 </p:sld>
 </file>
 
-<file path=ppt/slides/slide32.xml><?xml version="1.0" encoding="utf-8"?>
+<file path=ppt/slides/slide33.xml><?xml version="1.0" encoding="utf-8"?>
 <p:sld xmlns:a="http://schemas.openxmlformats.org/drawingml/2006/main" xmlns:r="http://schemas.openxmlformats.org/officeDocument/2006/relationships" xmlns:p="http://schemas.openxmlformats.org/presentationml/2006/main">
   <p:cSld>
     <p:spTree>
@@ -15672,523 +15842,6 @@
             <a:endParaRPr lang="it-IT" dirty="0">
               <a:latin typeface="+mj-lt"/>
             </a:endParaRPr>
-          </a:p>
-        </p:txBody>
-      </p:sp>
-    </p:spTree>
-  </p:cSld>
-  <p:clrMapOvr>
-    <a:masterClrMapping/>
-  </p:clrMapOvr>
-  <p:timing>
-    <p:tnLst>
-      <p:par>
-        <p:cTn id="1" dur="indefinite" restart="never" nodeType="tmRoot"/>
-      </p:par>
-    </p:tnLst>
-  </p:timing>
-</p:sld>
-</file>
-
-<file path=ppt/slides/slide33.xml><?xml version="1.0" encoding="utf-8"?>
-<p:sld xmlns:a="http://schemas.openxmlformats.org/drawingml/2006/main" xmlns:r="http://schemas.openxmlformats.org/officeDocument/2006/relationships" xmlns:p="http://schemas.openxmlformats.org/presentationml/2006/main">
-  <p:cSld>
-    <p:spTree>
-      <p:nvGrpSpPr>
-        <p:cNvPr id="1" name=""/>
-        <p:cNvGrpSpPr/>
-        <p:nvPr/>
-      </p:nvGrpSpPr>
-      <p:grpSpPr>
-        <a:xfrm>
-          <a:off x="0" y="0"/>
-          <a:ext cx="0" cy="0"/>
-          <a:chOff x="0" y="0"/>
-          <a:chExt cx="0" cy="0"/>
-        </a:xfrm>
-      </p:grpSpPr>
-      <p:sp>
-        <p:nvSpPr>
-          <p:cNvPr id="2" name="CasellaDiTesto 1"/>
-          <p:cNvSpPr txBox="1"/>
-          <p:nvPr/>
-        </p:nvSpPr>
-        <p:spPr>
-          <a:xfrm>
-            <a:off x="1071538" y="428604"/>
-            <a:ext cx="7715304" cy="1107996"/>
-          </a:xfrm>
-          <a:prstGeom prst="rect">
-            <a:avLst/>
-          </a:prstGeom>
-          <a:noFill/>
-        </p:spPr>
-        <p:txBody>
-          <a:bodyPr wrap="square" rtlCol="0">
-            <a:spAutoFit/>
-          </a:bodyPr>
-          <a:lstStyle/>
-          <a:p>
-            <a:pPr algn="ctr"/>
-            <a:r>
-              <a:rPr lang="it-IT" sz="4800" b="1" dirty="0" smtClean="0">
-                <a:latin typeface="+mj-lt"/>
-              </a:rPr>
-              <a:t>Pro\Contro implementazione</a:t>
-            </a:r>
-            <a:endParaRPr lang="it-IT" sz="2800" b="1" dirty="0" smtClean="0">
-              <a:latin typeface="+mj-lt"/>
-            </a:endParaRPr>
-          </a:p>
-          <a:p>
-            <a:pPr algn="ctr"/>
-            <a:endParaRPr lang="it-IT" dirty="0">
-              <a:latin typeface="+mj-lt"/>
-            </a:endParaRPr>
-          </a:p>
-        </p:txBody>
-      </p:sp>
-      <p:sp>
-        <p:nvSpPr>
-          <p:cNvPr id="3" name="Content Placeholder 3"/>
-          <p:cNvSpPr txBox="1">
-            <a:spLocks/>
-          </p:cNvSpPr>
-          <p:nvPr/>
-        </p:nvSpPr>
-        <p:spPr>
-          <a:xfrm>
-            <a:off x="285720" y="1785926"/>
-            <a:ext cx="8429684" cy="2000264"/>
-          </a:xfrm>
-          <a:prstGeom prst="rect">
-            <a:avLst/>
-          </a:prstGeom>
-        </p:spPr>
-        <p:txBody>
-          <a:bodyPr tIns="0"/>
-          <a:lstStyle>
-            <a:lvl1pPr marL="274320" indent="-274320" algn="l" rtl="0" eaLnBrk="1" latinLnBrk="0" hangingPunct="1">
-              <a:spcBef>
-                <a:spcPct val="20000"/>
-              </a:spcBef>
-              <a:buClrTx/>
-              <a:buSzPct val="95000"/>
-              <a:buFont typeface="Wingdings" pitchFamily="2" charset="2"/>
-              <a:buChar char="v"/>
-              <a:defRPr kumimoji="0" sz="2800" kern="1200">
-                <a:solidFill>
-                  <a:schemeClr val="tx1"/>
-                </a:solidFill>
-                <a:latin typeface="+mn-lt"/>
-                <a:ea typeface="+mn-ea"/>
-                <a:cs typeface="+mn-cs"/>
-              </a:defRPr>
-            </a:lvl1pPr>
-            <a:lvl2pPr marL="640080" indent="-246888" algn="l" rtl="0" eaLnBrk="1" latinLnBrk="0" hangingPunct="1">
-              <a:spcBef>
-                <a:spcPct val="20000"/>
-              </a:spcBef>
-              <a:buClrTx/>
-              <a:buSzPct val="85000"/>
-              <a:buFont typeface="Courier New" pitchFamily="49" charset="0"/>
-              <a:buChar char="o"/>
-              <a:defRPr kumimoji="0" sz="2600" kern="1200">
-                <a:solidFill>
-                  <a:schemeClr val="tx1"/>
-                </a:solidFill>
-                <a:latin typeface="+mn-lt"/>
-                <a:ea typeface="+mn-ea"/>
-                <a:cs typeface="+mn-cs"/>
-              </a:defRPr>
-            </a:lvl2pPr>
-            <a:lvl3pPr marL="914400" indent="-246888" algn="l" rtl="0" eaLnBrk="1" latinLnBrk="0" hangingPunct="1">
-              <a:spcBef>
-                <a:spcPct val="20000"/>
-              </a:spcBef>
-              <a:buClrTx/>
-              <a:buSzPct val="70000"/>
-              <a:buFont typeface="Wingdings 2"/>
-              <a:buChar char=""/>
-              <a:defRPr kumimoji="0" sz="2400" kern="1200">
-                <a:solidFill>
-                  <a:schemeClr val="tx1"/>
-                </a:solidFill>
-                <a:latin typeface="+mn-lt"/>
-                <a:ea typeface="+mn-ea"/>
-                <a:cs typeface="+mn-cs"/>
-              </a:defRPr>
-            </a:lvl3pPr>
-            <a:lvl4pPr marL="1188720" indent="-210312" algn="l" rtl="0" eaLnBrk="1" latinLnBrk="0" hangingPunct="1">
-              <a:spcBef>
-                <a:spcPct val="20000"/>
-              </a:spcBef>
-              <a:buClrTx/>
-              <a:buSzPct val="65000"/>
-              <a:buFont typeface="Wingdings 2"/>
-              <a:buChar char=""/>
-              <a:defRPr kumimoji="0" sz="2000" kern="1200">
-                <a:solidFill>
-                  <a:schemeClr val="tx1"/>
-                </a:solidFill>
-                <a:latin typeface="+mn-lt"/>
-                <a:ea typeface="+mn-ea"/>
-                <a:cs typeface="+mn-cs"/>
-              </a:defRPr>
-            </a:lvl4pPr>
-            <a:lvl5pPr marL="1463040" indent="-210312" algn="l" rtl="0" eaLnBrk="1" latinLnBrk="0" hangingPunct="1">
-              <a:spcBef>
-                <a:spcPct val="20000"/>
-              </a:spcBef>
-              <a:buClrTx/>
-              <a:buSzPct val="65000"/>
-              <a:buFont typeface="Wingdings 2"/>
-              <a:buChar char=""/>
-              <a:defRPr kumimoji="0" sz="1800" kern="1200">
-                <a:solidFill>
-                  <a:schemeClr val="tx1"/>
-                </a:solidFill>
-                <a:latin typeface="+mn-lt"/>
-                <a:ea typeface="+mn-ea"/>
-                <a:cs typeface="+mn-cs"/>
-              </a:defRPr>
-            </a:lvl5pPr>
-            <a:lvl6pPr marL="1737360" indent="-210312" algn="l" rtl="0" eaLnBrk="1" latinLnBrk="0" hangingPunct="1">
-              <a:spcBef>
-                <a:spcPct val="20000"/>
-              </a:spcBef>
-              <a:buClr>
-                <a:schemeClr val="accent5"/>
-              </a:buClr>
-              <a:buSzPct val="80000"/>
-              <a:buFont typeface="Wingdings 2"/>
-              <a:buChar char=""/>
-              <a:defRPr kumimoji="0" sz="1800" kern="1200">
-                <a:solidFill>
-                  <a:schemeClr val="tx1"/>
-                </a:solidFill>
-                <a:latin typeface="+mn-lt"/>
-                <a:ea typeface="+mn-ea"/>
-                <a:cs typeface="+mn-cs"/>
-              </a:defRPr>
-            </a:lvl6pPr>
-            <a:lvl7pPr marL="1920240" indent="-182880" algn="l" rtl="0" eaLnBrk="1" latinLnBrk="0" hangingPunct="1">
-              <a:spcBef>
-                <a:spcPct val="20000"/>
-              </a:spcBef>
-              <a:buClr>
-                <a:schemeClr val="accent6"/>
-              </a:buClr>
-              <a:buSzPct val="80000"/>
-              <a:buFont typeface="Wingdings 2"/>
-              <a:buChar char=""/>
-              <a:defRPr kumimoji="0" sz="1600" kern="1200" baseline="0">
-                <a:solidFill>
-                  <a:schemeClr val="tx1"/>
-                </a:solidFill>
-                <a:latin typeface="+mn-lt"/>
-                <a:ea typeface="+mn-ea"/>
-                <a:cs typeface="+mn-cs"/>
-              </a:defRPr>
-            </a:lvl7pPr>
-            <a:lvl8pPr marL="2194560" indent="-182880" algn="l" rtl="0" eaLnBrk="1" latinLnBrk="0" hangingPunct="1">
-              <a:spcBef>
-                <a:spcPct val="20000"/>
-              </a:spcBef>
-              <a:buClr>
-                <a:schemeClr val="tx2"/>
-              </a:buClr>
-              <a:buChar char="•"/>
-              <a:defRPr kumimoji="0" sz="1600" kern="1200">
-                <a:solidFill>
-                  <a:schemeClr val="tx1"/>
-                </a:solidFill>
-                <a:latin typeface="+mn-lt"/>
-                <a:ea typeface="+mn-ea"/>
-                <a:cs typeface="+mn-cs"/>
-              </a:defRPr>
-            </a:lvl8pPr>
-            <a:lvl9pPr marL="2468880" indent="-182880" algn="l" rtl="0" eaLnBrk="1" latinLnBrk="0" hangingPunct="1">
-              <a:spcBef>
-                <a:spcPct val="20000"/>
-              </a:spcBef>
-              <a:buClr>
-                <a:schemeClr val="tx2"/>
-              </a:buClr>
-              <a:buFontTx/>
-              <a:buChar char="•"/>
-              <a:defRPr kumimoji="0" sz="1400" kern="1200" baseline="0">
-                <a:solidFill>
-                  <a:schemeClr val="tx1"/>
-                </a:solidFill>
-                <a:latin typeface="+mn-lt"/>
-                <a:ea typeface="+mn-ea"/>
-                <a:cs typeface="+mn-cs"/>
-              </a:defRPr>
-            </a:lvl9pPr>
-          </a:lstStyle>
-          <a:p>
-            <a:pPr marL="365760" lvl="1" indent="0">
-              <a:buFont typeface="Wingdings" pitchFamily="2" charset="2"/>
-              <a:buChar char="v"/>
-            </a:pPr>
-            <a:r>
-              <a:rPr lang="en-US" sz="3000" dirty="0" smtClean="0"/>
-              <a:t>Elevata complessità</a:t>
-            </a:r>
-          </a:p>
-          <a:p>
-            <a:pPr marL="365760" lvl="1" indent="0">
-              <a:buFont typeface="Wingdings" pitchFamily="2" charset="2"/>
-              <a:buChar char="v"/>
-            </a:pPr>
-            <a:r>
-              <a:rPr lang="en-US" sz="3000" dirty="0" smtClean="0"/>
-              <a:t>Porzioni di codice poco commentate</a:t>
-            </a:r>
-          </a:p>
-          <a:p>
-            <a:pPr marL="365760" lvl="1" indent="0">
-              <a:buFont typeface="Wingdings" pitchFamily="2" charset="2"/>
-              <a:buChar char="v"/>
-            </a:pPr>
-            <a:r>
-              <a:rPr lang="en-US" dirty="0" smtClean="0"/>
-              <a:t>I sottosistemi con priorità medio/bassa non sono stati implementati</a:t>
-            </a:r>
-          </a:p>
-          <a:p>
-            <a:pPr marL="365760" lvl="1" indent="0">
-              <a:buNone/>
-            </a:pPr>
-            <a:endParaRPr lang="en-US" dirty="0" smtClean="0"/>
-          </a:p>
-          <a:p>
-            <a:pPr marL="365760" lvl="1" indent="0">
-              <a:buNone/>
-            </a:pPr>
-            <a:endParaRPr lang="en-US" dirty="0" smtClean="0"/>
-          </a:p>
-          <a:p>
-            <a:pPr marL="365760" lvl="1" indent="0">
-              <a:buNone/>
-            </a:pPr>
-            <a:r>
-              <a:rPr lang="en-US" dirty="0" smtClean="0"/>
-              <a:t> </a:t>
-            </a:r>
-          </a:p>
-        </p:txBody>
-      </p:sp>
-      <p:sp>
-        <p:nvSpPr>
-          <p:cNvPr id="4" name="Content Placeholder 3"/>
-          <p:cNvSpPr txBox="1">
-            <a:spLocks/>
-          </p:cNvSpPr>
-          <p:nvPr/>
-        </p:nvSpPr>
-        <p:spPr>
-          <a:xfrm>
-            <a:off x="357158" y="4214818"/>
-            <a:ext cx="8429684" cy="2000264"/>
-          </a:xfrm>
-          <a:prstGeom prst="rect">
-            <a:avLst/>
-          </a:prstGeom>
-        </p:spPr>
-        <p:txBody>
-          <a:bodyPr tIns="0"/>
-          <a:lstStyle>
-            <a:lvl1pPr marL="274320" indent="-274320" algn="l" rtl="0" eaLnBrk="1" latinLnBrk="0" hangingPunct="1">
-              <a:spcBef>
-                <a:spcPct val="20000"/>
-              </a:spcBef>
-              <a:buClrTx/>
-              <a:buSzPct val="95000"/>
-              <a:buFont typeface="Wingdings" pitchFamily="2" charset="2"/>
-              <a:buChar char="v"/>
-              <a:defRPr kumimoji="0" sz="2800" kern="1200">
-                <a:solidFill>
-                  <a:schemeClr val="tx1"/>
-                </a:solidFill>
-                <a:latin typeface="+mn-lt"/>
-                <a:ea typeface="+mn-ea"/>
-                <a:cs typeface="+mn-cs"/>
-              </a:defRPr>
-            </a:lvl1pPr>
-            <a:lvl2pPr marL="640080" indent="-246888" algn="l" rtl="0" eaLnBrk="1" latinLnBrk="0" hangingPunct="1">
-              <a:spcBef>
-                <a:spcPct val="20000"/>
-              </a:spcBef>
-              <a:buClrTx/>
-              <a:buSzPct val="85000"/>
-              <a:buFont typeface="Courier New" pitchFamily="49" charset="0"/>
-              <a:buChar char="o"/>
-              <a:defRPr kumimoji="0" sz="2600" kern="1200">
-                <a:solidFill>
-                  <a:schemeClr val="tx1"/>
-                </a:solidFill>
-                <a:latin typeface="+mn-lt"/>
-                <a:ea typeface="+mn-ea"/>
-                <a:cs typeface="+mn-cs"/>
-              </a:defRPr>
-            </a:lvl2pPr>
-            <a:lvl3pPr marL="914400" indent="-246888" algn="l" rtl="0" eaLnBrk="1" latinLnBrk="0" hangingPunct="1">
-              <a:spcBef>
-                <a:spcPct val="20000"/>
-              </a:spcBef>
-              <a:buClrTx/>
-              <a:buSzPct val="70000"/>
-              <a:buFont typeface="Wingdings 2"/>
-              <a:buChar char=""/>
-              <a:defRPr kumimoji="0" sz="2400" kern="1200">
-                <a:solidFill>
-                  <a:schemeClr val="tx1"/>
-                </a:solidFill>
-                <a:latin typeface="+mn-lt"/>
-                <a:ea typeface="+mn-ea"/>
-                <a:cs typeface="+mn-cs"/>
-              </a:defRPr>
-            </a:lvl3pPr>
-            <a:lvl4pPr marL="1188720" indent="-210312" algn="l" rtl="0" eaLnBrk="1" latinLnBrk="0" hangingPunct="1">
-              <a:spcBef>
-                <a:spcPct val="20000"/>
-              </a:spcBef>
-              <a:buClrTx/>
-              <a:buSzPct val="65000"/>
-              <a:buFont typeface="Wingdings 2"/>
-              <a:buChar char=""/>
-              <a:defRPr kumimoji="0" sz="2000" kern="1200">
-                <a:solidFill>
-                  <a:schemeClr val="tx1"/>
-                </a:solidFill>
-                <a:latin typeface="+mn-lt"/>
-                <a:ea typeface="+mn-ea"/>
-                <a:cs typeface="+mn-cs"/>
-              </a:defRPr>
-            </a:lvl4pPr>
-            <a:lvl5pPr marL="1463040" indent="-210312" algn="l" rtl="0" eaLnBrk="1" latinLnBrk="0" hangingPunct="1">
-              <a:spcBef>
-                <a:spcPct val="20000"/>
-              </a:spcBef>
-              <a:buClrTx/>
-              <a:buSzPct val="65000"/>
-              <a:buFont typeface="Wingdings 2"/>
-              <a:buChar char=""/>
-              <a:defRPr kumimoji="0" sz="1800" kern="1200">
-                <a:solidFill>
-                  <a:schemeClr val="tx1"/>
-                </a:solidFill>
-                <a:latin typeface="+mn-lt"/>
-                <a:ea typeface="+mn-ea"/>
-                <a:cs typeface="+mn-cs"/>
-              </a:defRPr>
-            </a:lvl5pPr>
-            <a:lvl6pPr marL="1737360" indent="-210312" algn="l" rtl="0" eaLnBrk="1" latinLnBrk="0" hangingPunct="1">
-              <a:spcBef>
-                <a:spcPct val="20000"/>
-              </a:spcBef>
-              <a:buClr>
-                <a:schemeClr val="accent5"/>
-              </a:buClr>
-              <a:buSzPct val="80000"/>
-              <a:buFont typeface="Wingdings 2"/>
-              <a:buChar char=""/>
-              <a:defRPr kumimoji="0" sz="1800" kern="1200">
-                <a:solidFill>
-                  <a:schemeClr val="tx1"/>
-                </a:solidFill>
-                <a:latin typeface="+mn-lt"/>
-                <a:ea typeface="+mn-ea"/>
-                <a:cs typeface="+mn-cs"/>
-              </a:defRPr>
-            </a:lvl6pPr>
-            <a:lvl7pPr marL="1920240" indent="-182880" algn="l" rtl="0" eaLnBrk="1" latinLnBrk="0" hangingPunct="1">
-              <a:spcBef>
-                <a:spcPct val="20000"/>
-              </a:spcBef>
-              <a:buClr>
-                <a:schemeClr val="accent6"/>
-              </a:buClr>
-              <a:buSzPct val="80000"/>
-              <a:buFont typeface="Wingdings 2"/>
-              <a:buChar char=""/>
-              <a:defRPr kumimoji="0" sz="1600" kern="1200" baseline="0">
-                <a:solidFill>
-                  <a:schemeClr val="tx1"/>
-                </a:solidFill>
-                <a:latin typeface="+mn-lt"/>
-                <a:ea typeface="+mn-ea"/>
-                <a:cs typeface="+mn-cs"/>
-              </a:defRPr>
-            </a:lvl7pPr>
-            <a:lvl8pPr marL="2194560" indent="-182880" algn="l" rtl="0" eaLnBrk="1" latinLnBrk="0" hangingPunct="1">
-              <a:spcBef>
-                <a:spcPct val="20000"/>
-              </a:spcBef>
-              <a:buClr>
-                <a:schemeClr val="tx2"/>
-              </a:buClr>
-              <a:buChar char="•"/>
-              <a:defRPr kumimoji="0" sz="1600" kern="1200">
-                <a:solidFill>
-                  <a:schemeClr val="tx1"/>
-                </a:solidFill>
-                <a:latin typeface="+mn-lt"/>
-                <a:ea typeface="+mn-ea"/>
-                <a:cs typeface="+mn-cs"/>
-              </a:defRPr>
-            </a:lvl8pPr>
-            <a:lvl9pPr marL="2468880" indent="-182880" algn="l" rtl="0" eaLnBrk="1" latinLnBrk="0" hangingPunct="1">
-              <a:spcBef>
-                <a:spcPct val="20000"/>
-              </a:spcBef>
-              <a:buClr>
-                <a:schemeClr val="tx2"/>
-              </a:buClr>
-              <a:buFontTx/>
-              <a:buChar char="•"/>
-              <a:defRPr kumimoji="0" sz="1400" kern="1200" baseline="0">
-                <a:solidFill>
-                  <a:schemeClr val="tx1"/>
-                </a:solidFill>
-                <a:latin typeface="+mn-lt"/>
-                <a:ea typeface="+mn-ea"/>
-                <a:cs typeface="+mn-cs"/>
-              </a:defRPr>
-            </a:lvl9pPr>
-          </a:lstStyle>
-          <a:p>
-            <a:pPr marL="365760" lvl="1" indent="0">
-              <a:buNone/>
-            </a:pPr>
-            <a:r>
-              <a:rPr lang="en-US" sz="3000" dirty="0" smtClean="0"/>
-              <a:t>E’ possibile migliorare il sistema con ulteriori operazioni di refactoring, per migliorarne la leggibilità e la complessità. </a:t>
-            </a:r>
-            <a:endParaRPr lang="en-US" dirty="0" smtClean="0"/>
-          </a:p>
-          <a:p>
-            <a:pPr marL="365760" lvl="1" indent="0">
-              <a:buNone/>
-            </a:pPr>
-            <a:endParaRPr lang="en-US" dirty="0" smtClean="0"/>
-          </a:p>
-          <a:p>
-            <a:pPr marL="365760" lvl="1" indent="0">
-              <a:buNone/>
-            </a:pPr>
-            <a:endParaRPr lang="en-US" dirty="0" smtClean="0"/>
-          </a:p>
-          <a:p>
-            <a:pPr marL="365760" lvl="1" indent="0">
-              <a:buNone/>
-            </a:pPr>
-            <a:r>
-              <a:rPr lang="en-US" dirty="0" smtClean="0"/>
-              <a:t> </a:t>
-            </a:r>
           </a:p>
         </p:txBody>
       </p:sp>
@@ -16232,8 +15885,8 @@
         </p:nvSpPr>
         <p:spPr>
           <a:xfrm>
-            <a:off x="642910" y="428604"/>
-            <a:ext cx="7715304" cy="1846659"/>
+            <a:off x="1071538" y="428604"/>
+            <a:ext cx="7715304" cy="1107996"/>
           </a:xfrm>
           <a:prstGeom prst="rect">
             <a:avLst/>
@@ -16251,16 +15904,7 @@
               <a:rPr lang="it-IT" sz="4800" b="1" dirty="0" smtClean="0">
                 <a:latin typeface="+mj-lt"/>
               </a:rPr>
-              <a:t>Testing di integrazione</a:t>
-            </a:r>
-          </a:p>
-          <a:p>
-            <a:pPr algn="ctr"/>
-            <a:r>
-              <a:rPr lang="it-IT" sz="4800" b="1" dirty="0" smtClean="0">
-                <a:latin typeface="+mj-lt"/>
-              </a:rPr>
-              <a:t>sul sistema Kids</a:t>
+              <a:t>Pro\Contro implementazione</a:t>
             </a:r>
             <a:endParaRPr lang="it-IT" sz="2800" b="1" dirty="0" smtClean="0">
               <a:latin typeface="+mj-lt"/>
@@ -16284,8 +15928,8 @@
         </p:nvSpPr>
         <p:spPr>
           <a:xfrm>
-            <a:off x="357158" y="2500306"/>
-            <a:ext cx="8429684" cy="3286148"/>
+            <a:off x="285720" y="1785926"/>
+            <a:ext cx="8429684" cy="2000264"/>
           </a:xfrm>
           <a:prstGeom prst="rect">
             <a:avLst/>
@@ -16455,9 +16099,266 @@
           </a:lstStyle>
           <a:p>
             <a:pPr marL="365760" lvl="1" indent="0">
+              <a:buFont typeface="Wingdings" pitchFamily="2" charset="2"/>
+              <a:buChar char="v"/>
+            </a:pPr>
+            <a:r>
+              <a:rPr lang="en-US" sz="3000" dirty="0" smtClean="0"/>
+              <a:t>Elevata complessità</a:t>
+            </a:r>
+          </a:p>
+          <a:p>
+            <a:pPr marL="365760" lvl="1" indent="0">
+              <a:buFont typeface="Wingdings" pitchFamily="2" charset="2"/>
+              <a:buChar char="v"/>
+            </a:pPr>
+            <a:r>
+              <a:rPr lang="en-US" sz="3000" dirty="0" smtClean="0"/>
+              <a:t>Porzioni di codice poco commentate</a:t>
+            </a:r>
+          </a:p>
+          <a:p>
+            <a:pPr marL="365760" lvl="1" indent="0">
+              <a:buFont typeface="Wingdings" pitchFamily="2" charset="2"/>
+              <a:buChar char="v"/>
+            </a:pPr>
+            <a:r>
+              <a:rPr lang="en-US" dirty="0" smtClean="0"/>
+              <a:t>I sottosistemi con priorità medio/bassa non sono stati implementati</a:t>
+            </a:r>
+          </a:p>
+          <a:p>
+            <a:pPr marL="365760" lvl="1" indent="0">
               <a:buNone/>
             </a:pPr>
             <a:endParaRPr lang="en-US" dirty="0" smtClean="0"/>
+          </a:p>
+          <a:p>
+            <a:pPr marL="365760" lvl="1" indent="0">
+              <a:buNone/>
+            </a:pPr>
+            <a:endParaRPr lang="en-US" dirty="0" smtClean="0"/>
+          </a:p>
+          <a:p>
+            <a:pPr marL="365760" lvl="1" indent="0">
+              <a:buNone/>
+            </a:pPr>
+            <a:r>
+              <a:rPr lang="en-US" dirty="0" smtClean="0"/>
+              <a:t> </a:t>
+            </a:r>
+          </a:p>
+        </p:txBody>
+      </p:sp>
+      <p:sp>
+        <p:nvSpPr>
+          <p:cNvPr id="4" name="Content Placeholder 3"/>
+          <p:cNvSpPr txBox="1">
+            <a:spLocks/>
+          </p:cNvSpPr>
+          <p:nvPr/>
+        </p:nvSpPr>
+        <p:spPr>
+          <a:xfrm>
+            <a:off x="357158" y="4214818"/>
+            <a:ext cx="8429684" cy="2000264"/>
+          </a:xfrm>
+          <a:prstGeom prst="rect">
+            <a:avLst/>
+          </a:prstGeom>
+        </p:spPr>
+        <p:txBody>
+          <a:bodyPr tIns="0"/>
+          <a:lstStyle>
+            <a:lvl1pPr marL="274320" indent="-274320" algn="l" rtl="0" eaLnBrk="1" latinLnBrk="0" hangingPunct="1">
+              <a:spcBef>
+                <a:spcPct val="20000"/>
+              </a:spcBef>
+              <a:buClrTx/>
+              <a:buSzPct val="95000"/>
+              <a:buFont typeface="Wingdings" pitchFamily="2" charset="2"/>
+              <a:buChar char="v"/>
+              <a:defRPr kumimoji="0" sz="2800" kern="1200">
+                <a:solidFill>
+                  <a:schemeClr val="tx1"/>
+                </a:solidFill>
+                <a:latin typeface="+mn-lt"/>
+                <a:ea typeface="+mn-ea"/>
+                <a:cs typeface="+mn-cs"/>
+              </a:defRPr>
+            </a:lvl1pPr>
+            <a:lvl2pPr marL="640080" indent="-246888" algn="l" rtl="0" eaLnBrk="1" latinLnBrk="0" hangingPunct="1">
+              <a:spcBef>
+                <a:spcPct val="20000"/>
+              </a:spcBef>
+              <a:buClrTx/>
+              <a:buSzPct val="85000"/>
+              <a:buFont typeface="Courier New" pitchFamily="49" charset="0"/>
+              <a:buChar char="o"/>
+              <a:defRPr kumimoji="0" sz="2600" kern="1200">
+                <a:solidFill>
+                  <a:schemeClr val="tx1"/>
+                </a:solidFill>
+                <a:latin typeface="+mn-lt"/>
+                <a:ea typeface="+mn-ea"/>
+                <a:cs typeface="+mn-cs"/>
+              </a:defRPr>
+            </a:lvl2pPr>
+            <a:lvl3pPr marL="914400" indent="-246888" algn="l" rtl="0" eaLnBrk="1" latinLnBrk="0" hangingPunct="1">
+              <a:spcBef>
+                <a:spcPct val="20000"/>
+              </a:spcBef>
+              <a:buClrTx/>
+              <a:buSzPct val="70000"/>
+              <a:buFont typeface="Wingdings 2"/>
+              <a:buChar char=""/>
+              <a:defRPr kumimoji="0" sz="2400" kern="1200">
+                <a:solidFill>
+                  <a:schemeClr val="tx1"/>
+                </a:solidFill>
+                <a:latin typeface="+mn-lt"/>
+                <a:ea typeface="+mn-ea"/>
+                <a:cs typeface="+mn-cs"/>
+              </a:defRPr>
+            </a:lvl3pPr>
+            <a:lvl4pPr marL="1188720" indent="-210312" algn="l" rtl="0" eaLnBrk="1" latinLnBrk="0" hangingPunct="1">
+              <a:spcBef>
+                <a:spcPct val="20000"/>
+              </a:spcBef>
+              <a:buClrTx/>
+              <a:buSzPct val="65000"/>
+              <a:buFont typeface="Wingdings 2"/>
+              <a:buChar char=""/>
+              <a:defRPr kumimoji="0" sz="2000" kern="1200">
+                <a:solidFill>
+                  <a:schemeClr val="tx1"/>
+                </a:solidFill>
+                <a:latin typeface="+mn-lt"/>
+                <a:ea typeface="+mn-ea"/>
+                <a:cs typeface="+mn-cs"/>
+              </a:defRPr>
+            </a:lvl4pPr>
+            <a:lvl5pPr marL="1463040" indent="-210312" algn="l" rtl="0" eaLnBrk="1" latinLnBrk="0" hangingPunct="1">
+              <a:spcBef>
+                <a:spcPct val="20000"/>
+              </a:spcBef>
+              <a:buClrTx/>
+              <a:buSzPct val="65000"/>
+              <a:buFont typeface="Wingdings 2"/>
+              <a:buChar char=""/>
+              <a:defRPr kumimoji="0" sz="1800" kern="1200">
+                <a:solidFill>
+                  <a:schemeClr val="tx1"/>
+                </a:solidFill>
+                <a:latin typeface="+mn-lt"/>
+                <a:ea typeface="+mn-ea"/>
+                <a:cs typeface="+mn-cs"/>
+              </a:defRPr>
+            </a:lvl5pPr>
+            <a:lvl6pPr marL="1737360" indent="-210312" algn="l" rtl="0" eaLnBrk="1" latinLnBrk="0" hangingPunct="1">
+              <a:spcBef>
+                <a:spcPct val="20000"/>
+              </a:spcBef>
+              <a:buClr>
+                <a:schemeClr val="accent5"/>
+              </a:buClr>
+              <a:buSzPct val="80000"/>
+              <a:buFont typeface="Wingdings 2"/>
+              <a:buChar char=""/>
+              <a:defRPr kumimoji="0" sz="1800" kern="1200">
+                <a:solidFill>
+                  <a:schemeClr val="tx1"/>
+                </a:solidFill>
+                <a:latin typeface="+mn-lt"/>
+                <a:ea typeface="+mn-ea"/>
+                <a:cs typeface="+mn-cs"/>
+              </a:defRPr>
+            </a:lvl6pPr>
+            <a:lvl7pPr marL="1920240" indent="-182880" algn="l" rtl="0" eaLnBrk="1" latinLnBrk="0" hangingPunct="1">
+              <a:spcBef>
+                <a:spcPct val="20000"/>
+              </a:spcBef>
+              <a:buClr>
+                <a:schemeClr val="accent6"/>
+              </a:buClr>
+              <a:buSzPct val="80000"/>
+              <a:buFont typeface="Wingdings 2"/>
+              <a:buChar char=""/>
+              <a:defRPr kumimoji="0" sz="1600" kern="1200" baseline="0">
+                <a:solidFill>
+                  <a:schemeClr val="tx1"/>
+                </a:solidFill>
+                <a:latin typeface="+mn-lt"/>
+                <a:ea typeface="+mn-ea"/>
+                <a:cs typeface="+mn-cs"/>
+              </a:defRPr>
+            </a:lvl7pPr>
+            <a:lvl8pPr marL="2194560" indent="-182880" algn="l" rtl="0" eaLnBrk="1" latinLnBrk="0" hangingPunct="1">
+              <a:spcBef>
+                <a:spcPct val="20000"/>
+              </a:spcBef>
+              <a:buClr>
+                <a:schemeClr val="tx2"/>
+              </a:buClr>
+              <a:buChar char="•"/>
+              <a:defRPr kumimoji="0" sz="1600" kern="1200">
+                <a:solidFill>
+                  <a:schemeClr val="tx1"/>
+                </a:solidFill>
+                <a:latin typeface="+mn-lt"/>
+                <a:ea typeface="+mn-ea"/>
+                <a:cs typeface="+mn-cs"/>
+              </a:defRPr>
+            </a:lvl8pPr>
+            <a:lvl9pPr marL="2468880" indent="-182880" algn="l" rtl="0" eaLnBrk="1" latinLnBrk="0" hangingPunct="1">
+              <a:spcBef>
+                <a:spcPct val="20000"/>
+              </a:spcBef>
+              <a:buClr>
+                <a:schemeClr val="tx2"/>
+              </a:buClr>
+              <a:buFontTx/>
+              <a:buChar char="•"/>
+              <a:defRPr kumimoji="0" sz="1400" kern="1200" baseline="0">
+                <a:solidFill>
+                  <a:schemeClr val="tx1"/>
+                </a:solidFill>
+                <a:latin typeface="+mn-lt"/>
+                <a:ea typeface="+mn-ea"/>
+                <a:cs typeface="+mn-cs"/>
+              </a:defRPr>
+            </a:lvl9pPr>
+          </a:lstStyle>
+          <a:p>
+            <a:pPr marL="365760" lvl="1" indent="0">
+              <a:buNone/>
+            </a:pPr>
+            <a:r>
+              <a:rPr lang="en-US" sz="3000" dirty="0" smtClean="0"/>
+              <a:t>E’ possibile migliorare il sistema con ulteriori operazioni di refactoring, per migliorarne la leggibilità e la complessità. </a:t>
+            </a:r>
+            <a:endParaRPr lang="en-US" dirty="0" smtClean="0"/>
+          </a:p>
+          <a:p>
+            <a:pPr marL="365760" lvl="1" indent="0">
+              <a:buNone/>
+            </a:pPr>
+            <a:endParaRPr lang="en-US" dirty="0" smtClean="0"/>
+          </a:p>
+          <a:p>
+            <a:pPr marL="365760" lvl="1" indent="0">
+              <a:buNone/>
+            </a:pPr>
+            <a:endParaRPr lang="en-US" dirty="0" smtClean="0"/>
+          </a:p>
+          <a:p>
+            <a:pPr marL="365760" lvl="1" indent="0">
+              <a:buNone/>
+            </a:pPr>
+            <a:r>
+              <a:rPr lang="en-US" dirty="0" smtClean="0"/>
+              <a:t> </a:t>
+            </a:r>
           </a:p>
         </p:txBody>
       </p:sp>
@@ -16502,7 +16403,7 @@
         <p:spPr>
           <a:xfrm>
             <a:off x="642910" y="428604"/>
-            <a:ext cx="7715304" cy="1107996"/>
+            <a:ext cx="7715304" cy="1846659"/>
           </a:xfrm>
           <a:prstGeom prst="rect">
             <a:avLst/>
@@ -16520,7 +16421,16 @@
               <a:rPr lang="it-IT" sz="4800" b="1" dirty="0" smtClean="0">
                 <a:latin typeface="+mj-lt"/>
               </a:rPr>
-              <a:t>Conclusioni</a:t>
+              <a:t>Testing di integrazione</a:t>
+            </a:r>
+          </a:p>
+          <a:p>
+            <a:pPr algn="ctr"/>
+            <a:r>
+              <a:rPr lang="it-IT" sz="4800" b="1" dirty="0" smtClean="0">
+                <a:latin typeface="+mj-lt"/>
+              </a:rPr>
+              <a:t>sul sistema Kids</a:t>
             </a:r>
             <a:endParaRPr lang="it-IT" sz="2800" b="1" dirty="0" smtClean="0">
               <a:latin typeface="+mj-lt"/>
@@ -16721,67 +16631,6 @@
           </a:p>
         </p:txBody>
       </p:sp>
-      <p:sp>
-        <p:nvSpPr>
-          <p:cNvPr id="4" name="TextBox 3"/>
-          <p:cNvSpPr txBox="1"/>
-          <p:nvPr/>
-        </p:nvSpPr>
-        <p:spPr>
-          <a:xfrm>
-            <a:off x="214282" y="1928802"/>
-            <a:ext cx="5715040" cy="492443"/>
-          </a:xfrm>
-          <a:prstGeom prst="rect">
-            <a:avLst/>
-          </a:prstGeom>
-          <a:noFill/>
-        </p:spPr>
-        <p:txBody>
-          <a:bodyPr wrap="square" rtlCol="0">
-            <a:spAutoFit/>
-          </a:bodyPr>
-          <a:lstStyle/>
-          <a:p>
-            <a:r>
-              <a:rPr lang="it-IT" sz="2600" b="1" dirty="0" smtClean="0"/>
-              <a:t>Cosa è andato per il verso giusto </a:t>
-            </a:r>
-            <a:endParaRPr lang="it-IT" sz="2600" b="1" dirty="0"/>
-          </a:p>
-        </p:txBody>
-      </p:sp>
-      <p:pic>
-        <p:nvPicPr>
-          <p:cNvPr id="13314" name="Picture 2" descr="http://whywedoit.files.wordpress.com/2009/04/smile.jpg"/>
-          <p:cNvPicPr>
-            <a:picLocks noChangeAspect="1" noChangeArrowheads="1"/>
-          </p:cNvPicPr>
-          <p:nvPr/>
-        </p:nvPicPr>
-        <p:blipFill>
-          <a:blip r:embed="rId2" cstate="print"/>
-          <a:srcRect/>
-          <a:stretch>
-            <a:fillRect/>
-          </a:stretch>
-        </p:blipFill>
-        <p:spPr bwMode="auto">
-          <a:xfrm>
-            <a:off x="4643438" y="1500174"/>
-            <a:ext cx="1428760" cy="1071570"/>
-          </a:xfrm>
-          <a:prstGeom prst="rect">
-            <a:avLst/>
-          </a:prstGeom>
-          <a:ln>
-            <a:noFill/>
-          </a:ln>
-          <a:effectLst>
-            <a:softEdge rad="112500"/>
-          </a:effectLst>
-        </p:spPr>
-      </p:pic>
     </p:spTree>
   </p:cSld>
   <p:clrMapOvr>
@@ -17066,7 +16915,7 @@
           <a:p>
             <a:r>
               <a:rPr lang="it-IT" sz="2600" b="1" dirty="0" smtClean="0"/>
-              <a:t>Cosa è andato per il verso sbagliato </a:t>
+              <a:t>Cosa è andato per il verso giusto </a:t>
             </a:r>
             <a:endParaRPr lang="it-IT" sz="2600" b="1" dirty="0"/>
           </a:p>
@@ -17074,7 +16923,7 @@
       </p:sp>
       <p:pic>
         <p:nvPicPr>
-          <p:cNvPr id="50178" name="Picture 2" descr="http://newton.logg.it/files/2009/11/Emoticon-Sad-300x300.png"/>
+          <p:cNvPr id="13314" name="Picture 2" descr="http://whywedoit.files.wordpress.com/2009/04/smile.jpg"/>
           <p:cNvPicPr>
             <a:picLocks noChangeAspect="1" noChangeArrowheads="1"/>
           </p:cNvPicPr>
@@ -17089,13 +16938,18 @@
         </p:blipFill>
         <p:spPr bwMode="auto">
           <a:xfrm>
-            <a:off x="5286380" y="1571612"/>
-            <a:ext cx="857256" cy="857256"/>
+            <a:off x="4643438" y="1500174"/>
+            <a:ext cx="1428760" cy="1071570"/>
           </a:xfrm>
           <a:prstGeom prst="rect">
             <a:avLst/>
           </a:prstGeom>
-          <a:noFill/>
+          <a:ln>
+            <a:noFill/>
+          </a:ln>
+          <a:effectLst>
+            <a:softEdge rad="112500"/>
+          </a:effectLst>
         </p:spPr>
       </p:pic>
     </p:spTree>
@@ -17366,6 +17220,322 @@
         </p:nvSpPr>
         <p:spPr>
           <a:xfrm>
+            <a:off x="214282" y="1928802"/>
+            <a:ext cx="5715040" cy="492443"/>
+          </a:xfrm>
+          <a:prstGeom prst="rect">
+            <a:avLst/>
+          </a:prstGeom>
+          <a:noFill/>
+        </p:spPr>
+        <p:txBody>
+          <a:bodyPr wrap="square" rtlCol="0">
+            <a:spAutoFit/>
+          </a:bodyPr>
+          <a:lstStyle/>
+          <a:p>
+            <a:r>
+              <a:rPr lang="it-IT" sz="2600" b="1" dirty="0" smtClean="0"/>
+              <a:t>Cosa è andato per il verso sbagliato </a:t>
+            </a:r>
+            <a:endParaRPr lang="it-IT" sz="2600" b="1" dirty="0"/>
+          </a:p>
+        </p:txBody>
+      </p:sp>
+      <p:pic>
+        <p:nvPicPr>
+          <p:cNvPr id="50178" name="Picture 2" descr="http://newton.logg.it/files/2009/11/Emoticon-Sad-300x300.png"/>
+          <p:cNvPicPr>
+            <a:picLocks noChangeAspect="1" noChangeArrowheads="1"/>
+          </p:cNvPicPr>
+          <p:nvPr/>
+        </p:nvPicPr>
+        <p:blipFill>
+          <a:blip r:embed="rId2" cstate="print"/>
+          <a:srcRect/>
+          <a:stretch>
+            <a:fillRect/>
+          </a:stretch>
+        </p:blipFill>
+        <p:spPr bwMode="auto">
+          <a:xfrm>
+            <a:off x="5286380" y="1571612"/>
+            <a:ext cx="857256" cy="857256"/>
+          </a:xfrm>
+          <a:prstGeom prst="rect">
+            <a:avLst/>
+          </a:prstGeom>
+          <a:noFill/>
+        </p:spPr>
+      </p:pic>
+    </p:spTree>
+  </p:cSld>
+  <p:clrMapOvr>
+    <a:masterClrMapping/>
+  </p:clrMapOvr>
+  <p:timing>
+    <p:tnLst>
+      <p:par>
+        <p:cTn id="1" dur="indefinite" restart="never" nodeType="tmRoot"/>
+      </p:par>
+    </p:tnLst>
+  </p:timing>
+</p:sld>
+</file>
+
+<file path=ppt/slides/slide38.xml><?xml version="1.0" encoding="utf-8"?>
+<p:sld xmlns:a="http://schemas.openxmlformats.org/drawingml/2006/main" xmlns:r="http://schemas.openxmlformats.org/officeDocument/2006/relationships" xmlns:p="http://schemas.openxmlformats.org/presentationml/2006/main">
+  <p:cSld>
+    <p:spTree>
+      <p:nvGrpSpPr>
+        <p:cNvPr id="1" name=""/>
+        <p:cNvGrpSpPr/>
+        <p:nvPr/>
+      </p:nvGrpSpPr>
+      <p:grpSpPr>
+        <a:xfrm>
+          <a:off x="0" y="0"/>
+          <a:ext cx="0" cy="0"/>
+          <a:chOff x="0" y="0"/>
+          <a:chExt cx="0" cy="0"/>
+        </a:xfrm>
+      </p:grpSpPr>
+      <p:sp>
+        <p:nvSpPr>
+          <p:cNvPr id="2" name="CasellaDiTesto 1"/>
+          <p:cNvSpPr txBox="1"/>
+          <p:nvPr/>
+        </p:nvSpPr>
+        <p:spPr>
+          <a:xfrm>
+            <a:off x="642910" y="428604"/>
+            <a:ext cx="7715304" cy="1107996"/>
+          </a:xfrm>
+          <a:prstGeom prst="rect">
+            <a:avLst/>
+          </a:prstGeom>
+          <a:noFill/>
+        </p:spPr>
+        <p:txBody>
+          <a:bodyPr wrap="square" rtlCol="0">
+            <a:spAutoFit/>
+          </a:bodyPr>
+          <a:lstStyle/>
+          <a:p>
+            <a:pPr algn="ctr"/>
+            <a:r>
+              <a:rPr lang="it-IT" sz="4800" b="1" dirty="0" smtClean="0">
+                <a:latin typeface="+mj-lt"/>
+              </a:rPr>
+              <a:t>Conclusioni</a:t>
+            </a:r>
+            <a:endParaRPr lang="it-IT" sz="2800" b="1" dirty="0" smtClean="0">
+              <a:latin typeface="+mj-lt"/>
+            </a:endParaRPr>
+          </a:p>
+          <a:p>
+            <a:pPr algn="ctr"/>
+            <a:endParaRPr lang="it-IT" dirty="0">
+              <a:latin typeface="+mj-lt"/>
+            </a:endParaRPr>
+          </a:p>
+        </p:txBody>
+      </p:sp>
+      <p:sp>
+        <p:nvSpPr>
+          <p:cNvPr id="3" name="Content Placeholder 3"/>
+          <p:cNvSpPr txBox="1">
+            <a:spLocks/>
+          </p:cNvSpPr>
+          <p:nvPr/>
+        </p:nvSpPr>
+        <p:spPr>
+          <a:xfrm>
+            <a:off x="357158" y="2500306"/>
+            <a:ext cx="8429684" cy="3286148"/>
+          </a:xfrm>
+          <a:prstGeom prst="rect">
+            <a:avLst/>
+          </a:prstGeom>
+        </p:spPr>
+        <p:txBody>
+          <a:bodyPr tIns="0"/>
+          <a:lstStyle>
+            <a:lvl1pPr marL="274320" indent="-274320" algn="l" rtl="0" eaLnBrk="1" latinLnBrk="0" hangingPunct="1">
+              <a:spcBef>
+                <a:spcPct val="20000"/>
+              </a:spcBef>
+              <a:buClrTx/>
+              <a:buSzPct val="95000"/>
+              <a:buFont typeface="Wingdings" pitchFamily="2" charset="2"/>
+              <a:buChar char="v"/>
+              <a:defRPr kumimoji="0" sz="2800" kern="1200">
+                <a:solidFill>
+                  <a:schemeClr val="tx1"/>
+                </a:solidFill>
+                <a:latin typeface="+mn-lt"/>
+                <a:ea typeface="+mn-ea"/>
+                <a:cs typeface="+mn-cs"/>
+              </a:defRPr>
+            </a:lvl1pPr>
+            <a:lvl2pPr marL="640080" indent="-246888" algn="l" rtl="0" eaLnBrk="1" latinLnBrk="0" hangingPunct="1">
+              <a:spcBef>
+                <a:spcPct val="20000"/>
+              </a:spcBef>
+              <a:buClrTx/>
+              <a:buSzPct val="85000"/>
+              <a:buFont typeface="Courier New" pitchFamily="49" charset="0"/>
+              <a:buChar char="o"/>
+              <a:defRPr kumimoji="0" sz="2600" kern="1200">
+                <a:solidFill>
+                  <a:schemeClr val="tx1"/>
+                </a:solidFill>
+                <a:latin typeface="+mn-lt"/>
+                <a:ea typeface="+mn-ea"/>
+                <a:cs typeface="+mn-cs"/>
+              </a:defRPr>
+            </a:lvl2pPr>
+            <a:lvl3pPr marL="914400" indent="-246888" algn="l" rtl="0" eaLnBrk="1" latinLnBrk="0" hangingPunct="1">
+              <a:spcBef>
+                <a:spcPct val="20000"/>
+              </a:spcBef>
+              <a:buClrTx/>
+              <a:buSzPct val="70000"/>
+              <a:buFont typeface="Wingdings 2"/>
+              <a:buChar char=""/>
+              <a:defRPr kumimoji="0" sz="2400" kern="1200">
+                <a:solidFill>
+                  <a:schemeClr val="tx1"/>
+                </a:solidFill>
+                <a:latin typeface="+mn-lt"/>
+                <a:ea typeface="+mn-ea"/>
+                <a:cs typeface="+mn-cs"/>
+              </a:defRPr>
+            </a:lvl3pPr>
+            <a:lvl4pPr marL="1188720" indent="-210312" algn="l" rtl="0" eaLnBrk="1" latinLnBrk="0" hangingPunct="1">
+              <a:spcBef>
+                <a:spcPct val="20000"/>
+              </a:spcBef>
+              <a:buClrTx/>
+              <a:buSzPct val="65000"/>
+              <a:buFont typeface="Wingdings 2"/>
+              <a:buChar char=""/>
+              <a:defRPr kumimoji="0" sz="2000" kern="1200">
+                <a:solidFill>
+                  <a:schemeClr val="tx1"/>
+                </a:solidFill>
+                <a:latin typeface="+mn-lt"/>
+                <a:ea typeface="+mn-ea"/>
+                <a:cs typeface="+mn-cs"/>
+              </a:defRPr>
+            </a:lvl4pPr>
+            <a:lvl5pPr marL="1463040" indent="-210312" algn="l" rtl="0" eaLnBrk="1" latinLnBrk="0" hangingPunct="1">
+              <a:spcBef>
+                <a:spcPct val="20000"/>
+              </a:spcBef>
+              <a:buClrTx/>
+              <a:buSzPct val="65000"/>
+              <a:buFont typeface="Wingdings 2"/>
+              <a:buChar char=""/>
+              <a:defRPr kumimoji="0" sz="1800" kern="1200">
+                <a:solidFill>
+                  <a:schemeClr val="tx1"/>
+                </a:solidFill>
+                <a:latin typeface="+mn-lt"/>
+                <a:ea typeface="+mn-ea"/>
+                <a:cs typeface="+mn-cs"/>
+              </a:defRPr>
+            </a:lvl5pPr>
+            <a:lvl6pPr marL="1737360" indent="-210312" algn="l" rtl="0" eaLnBrk="1" latinLnBrk="0" hangingPunct="1">
+              <a:spcBef>
+                <a:spcPct val="20000"/>
+              </a:spcBef>
+              <a:buClr>
+                <a:schemeClr val="accent5"/>
+              </a:buClr>
+              <a:buSzPct val="80000"/>
+              <a:buFont typeface="Wingdings 2"/>
+              <a:buChar char=""/>
+              <a:defRPr kumimoji="0" sz="1800" kern="1200">
+                <a:solidFill>
+                  <a:schemeClr val="tx1"/>
+                </a:solidFill>
+                <a:latin typeface="+mn-lt"/>
+                <a:ea typeface="+mn-ea"/>
+                <a:cs typeface="+mn-cs"/>
+              </a:defRPr>
+            </a:lvl6pPr>
+            <a:lvl7pPr marL="1920240" indent="-182880" algn="l" rtl="0" eaLnBrk="1" latinLnBrk="0" hangingPunct="1">
+              <a:spcBef>
+                <a:spcPct val="20000"/>
+              </a:spcBef>
+              <a:buClr>
+                <a:schemeClr val="accent6"/>
+              </a:buClr>
+              <a:buSzPct val="80000"/>
+              <a:buFont typeface="Wingdings 2"/>
+              <a:buChar char=""/>
+              <a:defRPr kumimoji="0" sz="1600" kern="1200" baseline="0">
+                <a:solidFill>
+                  <a:schemeClr val="tx1"/>
+                </a:solidFill>
+                <a:latin typeface="+mn-lt"/>
+                <a:ea typeface="+mn-ea"/>
+                <a:cs typeface="+mn-cs"/>
+              </a:defRPr>
+            </a:lvl7pPr>
+            <a:lvl8pPr marL="2194560" indent="-182880" algn="l" rtl="0" eaLnBrk="1" latinLnBrk="0" hangingPunct="1">
+              <a:spcBef>
+                <a:spcPct val="20000"/>
+              </a:spcBef>
+              <a:buClr>
+                <a:schemeClr val="tx2"/>
+              </a:buClr>
+              <a:buChar char="•"/>
+              <a:defRPr kumimoji="0" sz="1600" kern="1200">
+                <a:solidFill>
+                  <a:schemeClr val="tx1"/>
+                </a:solidFill>
+                <a:latin typeface="+mn-lt"/>
+                <a:ea typeface="+mn-ea"/>
+                <a:cs typeface="+mn-cs"/>
+              </a:defRPr>
+            </a:lvl8pPr>
+            <a:lvl9pPr marL="2468880" indent="-182880" algn="l" rtl="0" eaLnBrk="1" latinLnBrk="0" hangingPunct="1">
+              <a:spcBef>
+                <a:spcPct val="20000"/>
+              </a:spcBef>
+              <a:buClr>
+                <a:schemeClr val="tx2"/>
+              </a:buClr>
+              <a:buFontTx/>
+              <a:buChar char="•"/>
+              <a:defRPr kumimoji="0" sz="1400" kern="1200" baseline="0">
+                <a:solidFill>
+                  <a:schemeClr val="tx1"/>
+                </a:solidFill>
+                <a:latin typeface="+mn-lt"/>
+                <a:ea typeface="+mn-ea"/>
+                <a:cs typeface="+mn-cs"/>
+              </a:defRPr>
+            </a:lvl9pPr>
+          </a:lstStyle>
+          <a:p>
+            <a:pPr marL="365760" lvl="1" indent="0">
+              <a:buNone/>
+            </a:pPr>
+            <a:endParaRPr lang="en-US" dirty="0" smtClean="0"/>
+          </a:p>
+        </p:txBody>
+      </p:sp>
+      <p:sp>
+        <p:nvSpPr>
+          <p:cNvPr id="4" name="TextBox 3"/>
+          <p:cNvSpPr txBox="1"/>
+          <p:nvPr/>
+        </p:nvSpPr>
+        <p:spPr>
+          <a:xfrm>
             <a:off x="357158" y="1714488"/>
             <a:ext cx="5715040" cy="892552"/>
           </a:xfrm>
@@ -17434,7 +17604,7 @@
 </p:sld>
 </file>
 
-<file path=ppt/slides/slide38.xml><?xml version="1.0" encoding="utf-8"?>
+<file path=ppt/slides/slide39.xml><?xml version="1.0" encoding="utf-8"?>
 <p:sld xmlns:a="http://schemas.openxmlformats.org/drawingml/2006/main" xmlns:r="http://schemas.openxmlformats.org/officeDocument/2006/relationships" xmlns:p="http://schemas.openxmlformats.org/presentationml/2006/main">
   <p:cSld>
     <p:spTree>
@@ -17822,7 +17992,7 @@
           <p:nvPr>
             <p:extLst>
               <p:ext uri="{D42A27DB-BD31-4B8C-83A1-F6EECF244321}">
-                <p14:modId xmlns:p14="http://schemas.microsoft.com/office/powerpoint/2010/main" xmlns="" val="2486155450"/>
+                <p14:modId xmlns:p14="http://schemas.microsoft.com/office/powerpoint/2010/main" val="2486155450"/>
               </p:ext>
             </p:extLst>
           </p:nvPr>
@@ -18037,6 +18207,441 @@
           <a:chExt cx="0" cy="0"/>
         </a:xfrm>
       </p:grpSpPr>
+      <p:sp>
+        <p:nvSpPr>
+          <p:cNvPr id="2" name="CasellaDiTesto 1"/>
+          <p:cNvSpPr txBox="1"/>
+          <p:nvPr/>
+        </p:nvSpPr>
+        <p:spPr>
+          <a:xfrm>
+            <a:off x="0" y="428604"/>
+            <a:ext cx="9144000" cy="1046440"/>
+          </a:xfrm>
+          <a:prstGeom prst="rect">
+            <a:avLst/>
+          </a:prstGeom>
+          <a:noFill/>
+        </p:spPr>
+        <p:txBody>
+          <a:bodyPr wrap="square" rtlCol="0">
+            <a:spAutoFit/>
+          </a:bodyPr>
+          <a:lstStyle/>
+          <a:p>
+            <a:pPr algn="ctr"/>
+            <a:r>
+              <a:rPr lang="it-IT" sz="3400" b="1" dirty="0" smtClean="0">
+                <a:latin typeface="+mj-lt"/>
+              </a:rPr>
+              <a:t>Use Case </a:t>
+            </a:r>
+            <a:r>
+              <a:rPr lang="it-IT" sz="3400" b="1" dirty="0" smtClean="0">
+                <a:latin typeface="+mj-lt"/>
+              </a:rPr>
+              <a:t>Diagram</a:t>
+            </a:r>
+          </a:p>
+          <a:p>
+            <a:pPr algn="ctr"/>
+            <a:r>
+              <a:rPr lang="it-IT" sz="2800" b="1" dirty="0" smtClean="0">
+                <a:latin typeface="+mj-lt"/>
+              </a:rPr>
+              <a:t>Primo Livello di Astrazione</a:t>
+            </a:r>
+            <a:endParaRPr lang="it-IT" sz="1400" dirty="0">
+              <a:latin typeface="+mj-lt"/>
+            </a:endParaRPr>
+          </a:p>
+        </p:txBody>
+      </p:sp>
+      <p:pic>
+        <p:nvPicPr>
+          <p:cNvPr id="1026" name="Picture 2" descr="C:\linda\uni\esami_da_svolgere\gps\progetto_gps\Atsilo\RAD\Casi d'uso\Atsilo3\UCD_H_Generale.png"/>
+          <p:cNvPicPr>
+            <a:picLocks noChangeAspect="1" noChangeArrowheads="1"/>
+          </p:cNvPicPr>
+          <p:nvPr/>
+        </p:nvPicPr>
+        <p:blipFill>
+          <a:blip r:embed="rId3">
+            <a:extLst>
+              <a:ext uri="{28A0092B-C50C-407E-A947-70E740481C1C}">
+                <a14:useLocalDpi xmlns:a14="http://schemas.microsoft.com/office/drawing/2010/main" val="0"/>
+              </a:ext>
+            </a:extLst>
+          </a:blip>
+          <a:srcRect/>
+          <a:stretch>
+            <a:fillRect/>
+          </a:stretch>
+        </p:blipFill>
+        <p:spPr bwMode="auto">
+          <a:xfrm>
+            <a:off x="827584" y="1628799"/>
+            <a:ext cx="7560840" cy="5229201"/>
+          </a:xfrm>
+          <a:prstGeom prst="rect">
+            <a:avLst/>
+          </a:prstGeom>
+          <a:noFill/>
+          <a:extLst>
+            <a:ext uri="{909E8E84-426E-40DD-AFC4-6F175D3DCCD1}">
+              <a14:hiddenFill xmlns:a14="http://schemas.microsoft.com/office/drawing/2010/main">
+                <a:solidFill>
+                  <a:srgbClr val="FFFFFF"/>
+                </a:solidFill>
+              </a14:hiddenFill>
+            </a:ext>
+          </a:extLst>
+        </p:spPr>
+      </p:pic>
+      <p:sp>
+        <p:nvSpPr>
+          <p:cNvPr id="3" name="Ovale 2"/>
+          <p:cNvSpPr/>
+          <p:nvPr/>
+        </p:nvSpPr>
+        <p:spPr>
+          <a:xfrm>
+            <a:off x="2915816" y="2276872"/>
+            <a:ext cx="1800200" cy="576064"/>
+          </a:xfrm>
+          <a:prstGeom prst="ellipse">
+            <a:avLst/>
+          </a:prstGeom>
+          <a:noFill/>
+          <a:ln>
+            <a:solidFill>
+              <a:srgbClr val="002060"/>
+            </a:solidFill>
+          </a:ln>
+        </p:spPr>
+        <p:style>
+          <a:lnRef idx="2">
+            <a:schemeClr val="accent1">
+              <a:shade val="50000"/>
+            </a:schemeClr>
+          </a:lnRef>
+          <a:fillRef idx="1">
+            <a:schemeClr val="accent1"/>
+          </a:fillRef>
+          <a:effectRef idx="0">
+            <a:schemeClr val="accent1"/>
+          </a:effectRef>
+          <a:fontRef idx="minor">
+            <a:schemeClr val="lt1"/>
+          </a:fontRef>
+        </p:style>
+        <p:txBody>
+          <a:bodyPr rtlCol="0" anchor="ctr"/>
+          <a:lstStyle/>
+          <a:p>
+            <a:pPr algn="ctr"/>
+            <a:endParaRPr lang="it-IT"/>
+          </a:p>
+        </p:txBody>
+      </p:sp>
+      <p:sp>
+        <p:nvSpPr>
+          <p:cNvPr id="5" name="Ovale 4"/>
+          <p:cNvSpPr/>
+          <p:nvPr/>
+        </p:nvSpPr>
+        <p:spPr>
+          <a:xfrm>
+            <a:off x="2936900" y="3013472"/>
+            <a:ext cx="2151856" cy="711696"/>
+          </a:xfrm>
+          <a:prstGeom prst="ellipse">
+            <a:avLst/>
+          </a:prstGeom>
+          <a:noFill/>
+          <a:ln>
+            <a:solidFill>
+              <a:srgbClr val="002060"/>
+            </a:solidFill>
+          </a:ln>
+        </p:spPr>
+        <p:style>
+          <a:lnRef idx="2">
+            <a:schemeClr val="accent1">
+              <a:shade val="50000"/>
+            </a:schemeClr>
+          </a:lnRef>
+          <a:fillRef idx="1">
+            <a:schemeClr val="accent1"/>
+          </a:fillRef>
+          <a:effectRef idx="0">
+            <a:schemeClr val="accent1"/>
+          </a:effectRef>
+          <a:fontRef idx="minor">
+            <a:schemeClr val="lt1"/>
+          </a:fontRef>
+        </p:style>
+        <p:txBody>
+          <a:bodyPr rtlCol="0" anchor="ctr"/>
+          <a:lstStyle/>
+          <a:p>
+            <a:pPr algn="ctr"/>
+            <a:endParaRPr lang="it-IT"/>
+          </a:p>
+        </p:txBody>
+      </p:sp>
+      <p:sp>
+        <p:nvSpPr>
+          <p:cNvPr id="6" name="Ovale 5"/>
+          <p:cNvSpPr/>
+          <p:nvPr/>
+        </p:nvSpPr>
+        <p:spPr>
+          <a:xfrm>
+            <a:off x="2739988" y="3887551"/>
+            <a:ext cx="2151856" cy="711696"/>
+          </a:xfrm>
+          <a:prstGeom prst="ellipse">
+            <a:avLst/>
+          </a:prstGeom>
+          <a:noFill/>
+          <a:ln>
+            <a:solidFill>
+              <a:srgbClr val="7030A0"/>
+            </a:solidFill>
+          </a:ln>
+        </p:spPr>
+        <p:style>
+          <a:lnRef idx="2">
+            <a:schemeClr val="accent1">
+              <a:shade val="50000"/>
+            </a:schemeClr>
+          </a:lnRef>
+          <a:fillRef idx="1">
+            <a:schemeClr val="accent1"/>
+          </a:fillRef>
+          <a:effectRef idx="0">
+            <a:schemeClr val="accent1"/>
+          </a:effectRef>
+          <a:fontRef idx="minor">
+            <a:schemeClr val="lt1"/>
+          </a:fontRef>
+        </p:style>
+        <p:txBody>
+          <a:bodyPr rtlCol="0" anchor="ctr"/>
+          <a:lstStyle/>
+          <a:p>
+            <a:pPr algn="ctr"/>
+            <a:endParaRPr lang="it-IT"/>
+          </a:p>
+        </p:txBody>
+      </p:sp>
+    </p:spTree>
+    <p:extLst>
+      <p:ext uri="{BB962C8B-B14F-4D97-AF65-F5344CB8AC3E}">
+        <p14:creationId xmlns:p14="http://schemas.microsoft.com/office/powerpoint/2010/main" val="1739081068"/>
+      </p:ext>
+    </p:extLst>
+  </p:cSld>
+  <p:clrMapOvr>
+    <a:masterClrMapping/>
+  </p:clrMapOvr>
+  <p:timing>
+    <p:tnLst>
+      <p:par>
+        <p:cTn id="1" dur="indefinite" restart="never" nodeType="tmRoot">
+          <p:childTnLst>
+            <p:seq concurrent="1" nextAc="seek">
+              <p:cTn id="2" dur="indefinite" nodeType="mainSeq">
+                <p:childTnLst>
+                  <p:par>
+                    <p:cTn id="3" fill="hold">
+                      <p:stCondLst>
+                        <p:cond delay="indefinite"/>
+                      </p:stCondLst>
+                      <p:childTnLst>
+                        <p:par>
+                          <p:cTn id="4" fill="hold">
+                            <p:stCondLst>
+                              <p:cond delay="0"/>
+                            </p:stCondLst>
+                            <p:childTnLst>
+                              <p:par>
+                                <p:cTn id="5" presetID="10" presetClass="entr" presetSubtype="0" fill="hold" grpId="0" nodeType="clickEffect">
+                                  <p:stCondLst>
+                                    <p:cond delay="0"/>
+                                  </p:stCondLst>
+                                  <p:childTnLst>
+                                    <p:set>
+                                      <p:cBhvr>
+                                        <p:cTn id="6" dur="1" fill="hold">
+                                          <p:stCondLst>
+                                            <p:cond delay="0"/>
+                                          </p:stCondLst>
+                                        </p:cTn>
+                                        <p:tgtEl>
+                                          <p:spTgt spid="3"/>
+                                        </p:tgtEl>
+                                        <p:attrNameLst>
+                                          <p:attrName>style.visibility</p:attrName>
+                                        </p:attrNameLst>
+                                      </p:cBhvr>
+                                      <p:to>
+                                        <p:strVal val="visible"/>
+                                      </p:to>
+                                    </p:set>
+                                    <p:animEffect transition="in" filter="fade">
+                                      <p:cBhvr>
+                                        <p:cTn id="7" dur="500"/>
+                                        <p:tgtEl>
+                                          <p:spTgt spid="3"/>
+                                        </p:tgtEl>
+                                      </p:cBhvr>
+                                    </p:animEffect>
+                                  </p:childTnLst>
+                                </p:cTn>
+                              </p:par>
+                              <p:par>
+                                <p:cTn id="8" presetID="10" presetClass="entr" presetSubtype="0" fill="hold" grpId="0" nodeType="withEffect">
+                                  <p:stCondLst>
+                                    <p:cond delay="0"/>
+                                  </p:stCondLst>
+                                  <p:childTnLst>
+                                    <p:set>
+                                      <p:cBhvr>
+                                        <p:cTn id="9" dur="1" fill="hold">
+                                          <p:stCondLst>
+                                            <p:cond delay="0"/>
+                                          </p:stCondLst>
+                                        </p:cTn>
+                                        <p:tgtEl>
+                                          <p:spTgt spid="5"/>
+                                        </p:tgtEl>
+                                        <p:attrNameLst>
+                                          <p:attrName>style.visibility</p:attrName>
+                                        </p:attrNameLst>
+                                      </p:cBhvr>
+                                      <p:to>
+                                        <p:strVal val="visible"/>
+                                      </p:to>
+                                    </p:set>
+                                    <p:animEffect transition="in" filter="fade">
+                                      <p:cBhvr>
+                                        <p:cTn id="10" dur="500"/>
+                                        <p:tgtEl>
+                                          <p:spTgt spid="5"/>
+                                        </p:tgtEl>
+                                      </p:cBhvr>
+                                    </p:animEffect>
+                                  </p:childTnLst>
+                                </p:cTn>
+                              </p:par>
+                            </p:childTnLst>
+                          </p:cTn>
+                        </p:par>
+                      </p:childTnLst>
+                    </p:cTn>
+                  </p:par>
+                  <p:par>
+                    <p:cTn id="11" fill="hold">
+                      <p:stCondLst>
+                        <p:cond delay="indefinite"/>
+                      </p:stCondLst>
+                      <p:childTnLst>
+                        <p:par>
+                          <p:cTn id="12" fill="hold">
+                            <p:stCondLst>
+                              <p:cond delay="0"/>
+                            </p:stCondLst>
+                            <p:childTnLst>
+                              <p:par>
+                                <p:cTn id="13" presetID="10" presetClass="entr" presetSubtype="0" fill="hold" grpId="0" nodeType="clickEffect">
+                                  <p:stCondLst>
+                                    <p:cond delay="0"/>
+                                  </p:stCondLst>
+                                  <p:childTnLst>
+                                    <p:set>
+                                      <p:cBhvr>
+                                        <p:cTn id="14" dur="1" fill="hold">
+                                          <p:stCondLst>
+                                            <p:cond delay="0"/>
+                                          </p:stCondLst>
+                                        </p:cTn>
+                                        <p:tgtEl>
+                                          <p:spTgt spid="6"/>
+                                        </p:tgtEl>
+                                        <p:attrNameLst>
+                                          <p:attrName>style.visibility</p:attrName>
+                                        </p:attrNameLst>
+                                      </p:cBhvr>
+                                      <p:to>
+                                        <p:strVal val="visible"/>
+                                      </p:to>
+                                    </p:set>
+                                    <p:animEffect transition="in" filter="fade">
+                                      <p:cBhvr>
+                                        <p:cTn id="15" dur="500"/>
+                                        <p:tgtEl>
+                                          <p:spTgt spid="6"/>
+                                        </p:tgtEl>
+                                      </p:cBhvr>
+                                    </p:animEffect>
+                                  </p:childTnLst>
+                                </p:cTn>
+                              </p:par>
+                            </p:childTnLst>
+                          </p:cTn>
+                        </p:par>
+                      </p:childTnLst>
+                    </p:cTn>
+                  </p:par>
+                </p:childTnLst>
+              </p:cTn>
+              <p:prevCondLst>
+                <p:cond evt="onPrev" delay="0">
+                  <p:tgtEl>
+                    <p:sldTgt/>
+                  </p:tgtEl>
+                </p:cond>
+              </p:prevCondLst>
+              <p:nextCondLst>
+                <p:cond evt="onNext" delay="0">
+                  <p:tgtEl>
+                    <p:sldTgt/>
+                  </p:tgtEl>
+                </p:cond>
+              </p:nextCondLst>
+            </p:seq>
+          </p:childTnLst>
+        </p:cTn>
+      </p:par>
+    </p:tnLst>
+    <p:bldLst>
+      <p:bldP spid="3" grpId="0" animBg="1"/>
+      <p:bldP spid="5" grpId="0" animBg="1"/>
+      <p:bldP spid="6" grpId="0" animBg="1"/>
+    </p:bldLst>
+  </p:timing>
+</p:sld>
+</file>
+
+<file path=ppt/slides/slide6.xml><?xml version="1.0" encoding="utf-8"?>
+<p:sld xmlns:a="http://schemas.openxmlformats.org/drawingml/2006/main" xmlns:r="http://schemas.openxmlformats.org/officeDocument/2006/relationships" xmlns:p="http://schemas.openxmlformats.org/presentationml/2006/main">
+  <p:cSld>
+    <p:spTree>
+      <p:nvGrpSpPr>
+        <p:cNvPr id="1" name=""/>
+        <p:cNvGrpSpPr/>
+        <p:nvPr/>
+      </p:nvGrpSpPr>
+      <p:grpSpPr>
+        <a:xfrm>
+          <a:off x="0" y="0"/>
+          <a:ext cx="0" cy="0"/>
+          <a:chOff x="0" y="0"/>
+          <a:chExt cx="0" cy="0"/>
+        </a:xfrm>
+      </p:grpSpPr>
       <p:pic>
         <p:nvPicPr>
           <p:cNvPr id="3074" name="Picture 2"/>
@@ -18078,8 +18683,8 @@
         </p:nvSpPr>
         <p:spPr>
           <a:xfrm>
-            <a:off x="0" y="428604"/>
-            <a:ext cx="9144000" cy="892552"/>
+            <a:off x="-4068" y="0"/>
+            <a:ext cx="9144000" cy="1261884"/>
           </a:xfrm>
           <a:prstGeom prst="rect">
             <a:avLst/>
@@ -18097,7 +18702,28 @@
               <a:rPr lang="it-IT" sz="3400" b="1" dirty="0" smtClean="0">
                 <a:latin typeface="+mj-lt"/>
               </a:rPr>
-              <a:t>Use Case Diagram Questionari – Prima Versione</a:t>
+              <a:t>Use Case Diagram </a:t>
+            </a:r>
+            <a:r>
+              <a:rPr lang="it-IT" sz="3400" b="1" dirty="0" smtClean="0">
+                <a:latin typeface="+mj-lt"/>
+              </a:rPr>
+              <a:t>Questionari</a:t>
+            </a:r>
+          </a:p>
+          <a:p>
+            <a:pPr algn="ctr"/>
+            <a:r>
+              <a:rPr lang="it-IT" sz="2400" b="1" dirty="0" smtClean="0">
+                <a:latin typeface="+mj-lt"/>
+              </a:rPr>
+              <a:t>Secondo Livello di Astrazione, Prima </a:t>
+            </a:r>
+            <a:r>
+              <a:rPr lang="it-IT" sz="2400" b="1" dirty="0" smtClean="0">
+                <a:latin typeface="+mj-lt"/>
+              </a:rPr>
+              <a:t>Versione</a:t>
             </a:r>
           </a:p>
           <a:p>
@@ -18111,18 +18737,18 @@
     </p:spTree>
     <p:extLst>
       <p:ext uri="{BB962C8B-B14F-4D97-AF65-F5344CB8AC3E}">
-        <p14:creationId xmlns:p14="http://schemas.microsoft.com/office/powerpoint/2010/main" xmlns="" val="3888432551"/>
+        <p14:creationId xmlns:p14="http://schemas.microsoft.com/office/powerpoint/2010/main" val="3888432551"/>
       </p:ext>
     </p:extLst>
   </p:cSld>
   <p:clrMapOvr>
     <a:masterClrMapping/>
   </p:clrMapOvr>
-  <mc:AlternateContent xmlns:mc="http://schemas.openxmlformats.org/markup-compatibility/2006">
-    <mc:Choice xmlns:p14="http://schemas.microsoft.com/office/powerpoint/2010/main" xmlns="" Requires="p14">
+  <mc:AlternateContent xmlns:mc="http://schemas.openxmlformats.org/markup-compatibility/2006" xmlns:p14="http://schemas.microsoft.com/office/powerpoint/2010/main">
+    <mc:Choice Requires="p14">
       <p:transition spd="slow" p14:dur="2000"/>
     </mc:Choice>
-    <mc:Fallback>
+    <mc:Fallback xmlns="">
       <p:transition spd="slow"/>
     </mc:Fallback>
   </mc:AlternateContent>
@@ -18136,7 +18762,7 @@
 </p:sld>
 </file>
 
-<file path=ppt/slides/slide6.xml><?xml version="1.0" encoding="utf-8"?>
+<file path=ppt/slides/slide7.xml><?xml version="1.0" encoding="utf-8"?>
 <p:sld xmlns:a="http://schemas.openxmlformats.org/drawingml/2006/main" xmlns:r="http://schemas.openxmlformats.org/officeDocument/2006/relationships" xmlns:p="http://schemas.openxmlformats.org/presentationml/2006/main">
   <p:cSld>
     <p:spTree>
@@ -18188,14 +18814,14 @@
       </p:pic>
       <p:sp>
         <p:nvSpPr>
-          <p:cNvPr id="2" name="CasellaDiTesto 1"/>
+          <p:cNvPr id="4" name="CasellaDiTesto 3"/>
           <p:cNvSpPr txBox="1"/>
           <p:nvPr/>
         </p:nvSpPr>
         <p:spPr>
           <a:xfrm>
-            <a:off x="0" y="428604"/>
-            <a:ext cx="9144000" cy="892552"/>
+            <a:off x="-4068" y="0"/>
+            <a:ext cx="9144000" cy="1261884"/>
           </a:xfrm>
           <a:prstGeom prst="rect">
             <a:avLst/>
@@ -18213,17 +18839,29 @@
               <a:rPr lang="it-IT" sz="3400" b="1" dirty="0" smtClean="0">
                 <a:latin typeface="+mj-lt"/>
               </a:rPr>
-              <a:t>Use Case Diagram Questionari – Ultima </a:t>
-            </a:r>
-            <a:r>
-              <a:rPr lang="it-IT" sz="3400" b="1" dirty="0" err="1" smtClean="0">
+              <a:t>Use Case Diagram </a:t>
+            </a:r>
+            <a:r>
+              <a:rPr lang="it-IT" sz="3400" b="1" dirty="0" smtClean="0">
                 <a:latin typeface="+mj-lt"/>
               </a:rPr>
-              <a:t>Verione</a:t>
-            </a:r>
-            <a:endParaRPr lang="it-IT" sz="3400" b="1" dirty="0" smtClean="0">
-              <a:latin typeface="+mj-lt"/>
-            </a:endParaRPr>
+              <a:t>Questionari</a:t>
+            </a:r>
+          </a:p>
+          <a:p>
+            <a:pPr algn="ctr"/>
+            <a:r>
+              <a:rPr lang="it-IT" sz="2400" b="1" dirty="0" smtClean="0">
+                <a:latin typeface="+mj-lt"/>
+              </a:rPr>
+              <a:t>Secondo Livello di Astrazione, Ultima </a:t>
+            </a:r>
+            <a:r>
+              <a:rPr lang="it-IT" sz="2400" b="1" dirty="0" smtClean="0">
+                <a:latin typeface="+mj-lt"/>
+              </a:rPr>
+              <a:t>Versione</a:t>
+            </a:r>
           </a:p>
           <a:p>
             <a:pPr algn="ctr"/>
@@ -18236,18 +18874,18 @@
     </p:spTree>
     <p:extLst>
       <p:ext uri="{BB962C8B-B14F-4D97-AF65-F5344CB8AC3E}">
-        <p14:creationId xmlns:p14="http://schemas.microsoft.com/office/powerpoint/2010/main" xmlns="" val="2532338835"/>
+        <p14:creationId xmlns:p14="http://schemas.microsoft.com/office/powerpoint/2010/main" val="2532338835"/>
       </p:ext>
     </p:extLst>
   </p:cSld>
   <p:clrMapOvr>
     <a:masterClrMapping/>
   </p:clrMapOvr>
-  <mc:AlternateContent xmlns:mc="http://schemas.openxmlformats.org/markup-compatibility/2006">
-    <mc:Choice xmlns:p14="http://schemas.microsoft.com/office/powerpoint/2010/main" xmlns="" Requires="p14">
+  <mc:AlternateContent xmlns:mc="http://schemas.openxmlformats.org/markup-compatibility/2006" xmlns:p14="http://schemas.microsoft.com/office/powerpoint/2010/main">
+    <mc:Choice Requires="p14">
       <p:transition spd="slow" p14:dur="2000"/>
     </mc:Choice>
-    <mc:Fallback>
+    <mc:Fallback xmlns="">
       <p:transition spd="slow"/>
     </mc:Fallback>
   </mc:AlternateContent>
@@ -18261,7 +18899,7 @@
 </p:sld>
 </file>
 
-<file path=ppt/slides/slide7.xml><?xml version="1.0" encoding="utf-8"?>
+<file path=ppt/slides/slide8.xml><?xml version="1.0" encoding="utf-8"?>
 <p:sld xmlns:a="http://schemas.openxmlformats.org/drawingml/2006/main" xmlns:r="http://schemas.openxmlformats.org/officeDocument/2006/relationships" xmlns:p="http://schemas.openxmlformats.org/presentationml/2006/main">
   <p:cSld>
     <p:spTree>
@@ -18325,7 +18963,7 @@
           <p:nvPr>
             <p:extLst>
               <p:ext uri="{D42A27DB-BD31-4B8C-83A1-F6EECF244321}">
-                <p14:modId xmlns:p14="http://schemas.microsoft.com/office/powerpoint/2010/main" xmlns="" val="4285816619"/>
+                <p14:modId xmlns:p14="http://schemas.microsoft.com/office/powerpoint/2010/main" val="4285816619"/>
               </p:ext>
             </p:extLst>
           </p:nvPr>
@@ -18748,7 +19386,7 @@
 </p:sld>
 </file>
 
-<file path=ppt/slides/slide8.xml><?xml version="1.0" encoding="utf-8"?>
+<file path=ppt/slides/slide9.xml><?xml version="1.0" encoding="utf-8"?>
 <p:sld xmlns:a="http://schemas.openxmlformats.org/drawingml/2006/main" xmlns:r="http://schemas.openxmlformats.org/officeDocument/2006/relationships" xmlns:p="http://schemas.openxmlformats.org/presentationml/2006/main">
   <p:cSld>
     <p:spTree>
@@ -18812,7 +19450,7 @@
           <p:nvPr>
             <p:extLst>
               <p:ext uri="{D42A27DB-BD31-4B8C-83A1-F6EECF244321}">
-                <p14:modId xmlns:p14="http://schemas.microsoft.com/office/powerpoint/2010/main" xmlns="" val="3225553551"/>
+                <p14:modId xmlns:p14="http://schemas.microsoft.com/office/powerpoint/2010/main" val="3225553551"/>
               </p:ext>
             </p:extLst>
           </p:nvPr>
@@ -19223,79 +19861,9 @@
     </p:spTree>
     <p:extLst>
       <p:ext uri="{BB962C8B-B14F-4D97-AF65-F5344CB8AC3E}">
-        <p14:creationId xmlns:p14="http://schemas.microsoft.com/office/powerpoint/2010/main" xmlns="" val="1173458281"/>
+        <p14:creationId xmlns:p14="http://schemas.microsoft.com/office/powerpoint/2010/main" val="1173458281"/>
       </p:ext>
     </p:extLst>
-  </p:cSld>
-  <p:clrMapOvr>
-    <a:masterClrMapping/>
-  </p:clrMapOvr>
-  <p:timing>
-    <p:tnLst>
-      <p:par>
-        <p:cTn id="1" dur="indefinite" restart="never" nodeType="tmRoot"/>
-      </p:par>
-    </p:tnLst>
-  </p:timing>
-</p:sld>
-</file>
-
-<file path=ppt/slides/slide9.xml><?xml version="1.0" encoding="utf-8"?>
-<p:sld xmlns:a="http://schemas.openxmlformats.org/drawingml/2006/main" xmlns:r="http://schemas.openxmlformats.org/officeDocument/2006/relationships" xmlns:p="http://schemas.openxmlformats.org/presentationml/2006/main">
-  <p:cSld>
-    <p:spTree>
-      <p:nvGrpSpPr>
-        <p:cNvPr id="1" name=""/>
-        <p:cNvGrpSpPr/>
-        <p:nvPr/>
-      </p:nvGrpSpPr>
-      <p:grpSpPr>
-        <a:xfrm>
-          <a:off x="0" y="0"/>
-          <a:ext cx="0" cy="0"/>
-          <a:chOff x="0" y="0"/>
-          <a:chExt cx="0" cy="0"/>
-        </a:xfrm>
-      </p:grpSpPr>
-      <p:sp>
-        <p:nvSpPr>
-          <p:cNvPr id="2" name="CasellaDiTesto 1"/>
-          <p:cNvSpPr txBox="1"/>
-          <p:nvPr/>
-        </p:nvSpPr>
-        <p:spPr>
-          <a:xfrm>
-            <a:off x="0" y="428604"/>
-            <a:ext cx="9144000" cy="1107996"/>
-          </a:xfrm>
-          <a:prstGeom prst="rect">
-            <a:avLst/>
-          </a:prstGeom>
-          <a:noFill/>
-        </p:spPr>
-        <p:txBody>
-          <a:bodyPr wrap="square" rtlCol="0">
-            <a:spAutoFit/>
-          </a:bodyPr>
-          <a:lstStyle/>
-          <a:p>
-            <a:pPr algn="ctr"/>
-            <a:r>
-              <a:rPr lang="it-IT" sz="4800" b="1" dirty="0" smtClean="0">
-                <a:latin typeface="+mj-lt"/>
-              </a:rPr>
-              <a:t>Pro\Contro del RAD</a:t>
-            </a:r>
-          </a:p>
-          <a:p>
-            <a:pPr algn="ctr"/>
-            <a:endParaRPr lang="it-IT" dirty="0">
-              <a:latin typeface="+mj-lt"/>
-            </a:endParaRPr>
-          </a:p>
-        </p:txBody>
-      </p:sp>
-    </p:spTree>
   </p:cSld>
   <p:clrMapOvr>
     <a:masterClrMapping/>

--- a/trunk/Presentazione/Atsilo3/Atsilo_H_PresentazioneFinale.pptx
+++ b/trunk/Presentazione/Atsilo3/Atsilo_H_PresentazioneFinale.pptx
@@ -5,7 +5,7 @@
     <p:sldMasterId id="2147483684" r:id="rId1"/>
   </p:sldMasterIdLst>
   <p:notesMasterIdLst>
-    <p:notesMasterId r:id="rId41"/>
+    <p:notesMasterId r:id="rId38"/>
   </p:notesMasterIdLst>
   <p:sldIdLst>
     <p:sldId id="256" r:id="rId2"/>
@@ -13,40 +13,37 @@
     <p:sldId id="272" r:id="rId4"/>
     <p:sldId id="273" r:id="rId5"/>
     <p:sldId id="319" r:id="rId6"/>
-    <p:sldId id="297" r:id="rId7"/>
-    <p:sldId id="298" r:id="rId8"/>
-    <p:sldId id="276" r:id="rId9"/>
-    <p:sldId id="306" r:id="rId10"/>
-    <p:sldId id="286" r:id="rId11"/>
-    <p:sldId id="302" r:id="rId12"/>
-    <p:sldId id="281" r:id="rId13"/>
-    <p:sldId id="282" r:id="rId14"/>
-    <p:sldId id="283" r:id="rId15"/>
-    <p:sldId id="284" r:id="rId16"/>
-    <p:sldId id="318" r:id="rId17"/>
-    <p:sldId id="287" r:id="rId18"/>
-    <p:sldId id="307" r:id="rId19"/>
-    <p:sldId id="308" r:id="rId20"/>
-    <p:sldId id="301" r:id="rId21"/>
-    <p:sldId id="311" r:id="rId22"/>
-    <p:sldId id="303" r:id="rId23"/>
-    <p:sldId id="304" r:id="rId24"/>
-    <p:sldId id="312" r:id="rId25"/>
-    <p:sldId id="315" r:id="rId26"/>
-    <p:sldId id="314" r:id="rId27"/>
-    <p:sldId id="316" r:id="rId28"/>
-    <p:sldId id="290" r:id="rId29"/>
-    <p:sldId id="288" r:id="rId30"/>
-    <p:sldId id="317" r:id="rId31"/>
-    <p:sldId id="291" r:id="rId32"/>
-    <p:sldId id="265" r:id="rId33"/>
-    <p:sldId id="268" r:id="rId34"/>
-    <p:sldId id="267" r:id="rId35"/>
-    <p:sldId id="270" r:id="rId36"/>
-    <p:sldId id="292" r:id="rId37"/>
-    <p:sldId id="293" r:id="rId38"/>
-    <p:sldId id="294" r:id="rId39"/>
-    <p:sldId id="295" r:id="rId40"/>
+    <p:sldId id="298" r:id="rId7"/>
+    <p:sldId id="276" r:id="rId8"/>
+    <p:sldId id="306" r:id="rId9"/>
+    <p:sldId id="286" r:id="rId10"/>
+    <p:sldId id="302" r:id="rId11"/>
+    <p:sldId id="281" r:id="rId12"/>
+    <p:sldId id="282" r:id="rId13"/>
+    <p:sldId id="283" r:id="rId14"/>
+    <p:sldId id="284" r:id="rId15"/>
+    <p:sldId id="287" r:id="rId16"/>
+    <p:sldId id="307" r:id="rId17"/>
+    <p:sldId id="308" r:id="rId18"/>
+    <p:sldId id="301" r:id="rId19"/>
+    <p:sldId id="311" r:id="rId20"/>
+    <p:sldId id="303" r:id="rId21"/>
+    <p:sldId id="304" r:id="rId22"/>
+    <p:sldId id="312" r:id="rId23"/>
+    <p:sldId id="315" r:id="rId24"/>
+    <p:sldId id="314" r:id="rId25"/>
+    <p:sldId id="316" r:id="rId26"/>
+    <p:sldId id="290" r:id="rId27"/>
+    <p:sldId id="288" r:id="rId28"/>
+    <p:sldId id="317" r:id="rId29"/>
+    <p:sldId id="291" r:id="rId30"/>
+    <p:sldId id="265" r:id="rId31"/>
+    <p:sldId id="268" r:id="rId32"/>
+    <p:sldId id="267" r:id="rId33"/>
+    <p:sldId id="292" r:id="rId34"/>
+    <p:sldId id="293" r:id="rId35"/>
+    <p:sldId id="294" r:id="rId36"/>
+    <p:sldId id="295" r:id="rId37"/>
   </p:sldIdLst>
   <p:sldSz cx="9144000" cy="6858000" type="screen4x3"/>
   <p:notesSz cx="6858000" cy="9144000"/>
@@ -546,17 +543,11 @@
           <a:p>
             <a:r>
               <a:rPr lang="it-IT" dirty="0" smtClean="0"/>
-              <a:t>Sottolineate</a:t>
+              <a:t>Breve descrizione</a:t>
             </a:r>
             <a:r>
               <a:rPr lang="it-IT" baseline="0" dirty="0" smtClean="0"/>
-              <a:t> sono le funzionalità implementate, perché avevano un priorità più elevata rispetto alle altre</a:t>
-            </a:r>
-          </a:p>
-          <a:p>
-            <a:r>
-              <a:rPr lang="it-IT" baseline="0" dirty="0" smtClean="0"/>
-              <a:t>Sottolineate in blu scuro, funzionalità di cui si parlerà nella presentazione perché più rappresentative e migliori dell’intero progetto</a:t>
+              <a:t> di ogni attore rispetto alle funzionalità che ci interessano, si potrebbe confluire questa slide con la prossima</a:t>
             </a:r>
             <a:endParaRPr lang="it-IT" dirty="0"/>
           </a:p>
@@ -580,7 +571,7 @@
             <a:fld id="{D70604CA-7593-4640-8FA1-5523937B8510}" type="slidenum">
               <a:rPr lang="it-IT" smtClean="0"/>
               <a:pPr/>
-              <a:t>5</a:t>
+              <a:t>2</a:t>
             </a:fld>
             <a:endParaRPr lang="it-IT"/>
           </a:p>
@@ -589,7 +580,1133 @@
     </p:spTree>
     <p:extLst>
       <p:ext uri="{BB962C8B-B14F-4D97-AF65-F5344CB8AC3E}">
-        <p14:creationId xmlns:p14="http://schemas.microsoft.com/office/powerpoint/2010/main" val="1025718114"/>
+        <p14:creationId xmlns:p14="http://schemas.microsoft.com/office/powerpoint/2010/main" val="3087930200"/>
+      </p:ext>
+    </p:extLst>
+  </p:cSld>
+  <p:clrMapOvr>
+    <a:masterClrMapping/>
+  </p:clrMapOvr>
+</p:notes>
+</file>
+
+<file path=ppt/notesSlides/notesSlide10.xml><?xml version="1.0" encoding="utf-8"?>
+<p:notes xmlns:a="http://schemas.openxmlformats.org/drawingml/2006/main" xmlns:r="http://schemas.openxmlformats.org/officeDocument/2006/relationships" xmlns:p="http://schemas.openxmlformats.org/presentationml/2006/main">
+  <p:cSld>
+    <p:spTree>
+      <p:nvGrpSpPr>
+        <p:cNvPr id="1" name=""/>
+        <p:cNvGrpSpPr/>
+        <p:nvPr/>
+      </p:nvGrpSpPr>
+      <p:grpSpPr>
+        <a:xfrm>
+          <a:off x="0" y="0"/>
+          <a:ext cx="0" cy="0"/>
+          <a:chOff x="0" y="0"/>
+          <a:chExt cx="0" cy="0"/>
+        </a:xfrm>
+      </p:grpSpPr>
+      <p:sp>
+        <p:nvSpPr>
+          <p:cNvPr id="2" name="Segnaposto immagine diapositiva 1"/>
+          <p:cNvSpPr>
+            <a:spLocks noGrp="1" noRot="1" noChangeAspect="1"/>
+          </p:cNvSpPr>
+          <p:nvPr>
+            <p:ph type="sldImg"/>
+          </p:nvPr>
+        </p:nvSpPr>
+        <p:spPr/>
+      </p:sp>
+      <p:sp>
+        <p:nvSpPr>
+          <p:cNvPr id="3" name="Segnaposto note 2"/>
+          <p:cNvSpPr>
+            <a:spLocks noGrp="1"/>
+          </p:cNvSpPr>
+          <p:nvPr>
+            <p:ph type="body" idx="1"/>
+          </p:nvPr>
+        </p:nvSpPr>
+        <p:spPr/>
+        <p:txBody>
+          <a:bodyPr/>
+          <a:lstStyle/>
+          <a:p>
+            <a:r>
+              <a:rPr lang="it-IT" dirty="0" smtClean="0"/>
+              <a:t>Le</a:t>
+            </a:r>
+            <a:r>
+              <a:rPr lang="it-IT" baseline="0" dirty="0" smtClean="0"/>
+              <a:t> differenze rispetto alla prima versione, in quanto, nella fase dell’</a:t>
+            </a:r>
+            <a:r>
+              <a:rPr lang="it-IT" baseline="0" dirty="0" err="1" smtClean="0"/>
+              <a:t>odd</a:t>
+            </a:r>
+            <a:r>
+              <a:rPr lang="it-IT" baseline="0" dirty="0" smtClean="0"/>
+              <a:t> vi siete resi conto che diviso in quel modo il sistema soffriva di poca coesione e di alto accoppiamento.</a:t>
+            </a:r>
+          </a:p>
+          <a:p>
+            <a:r>
+              <a:rPr lang="it-IT" baseline="0" dirty="0" smtClean="0"/>
+              <a:t>La gestione Menu Mensa è confluita in Gestione Servizi, proprio per alzare la coesione ed abbassarne l’accoppiamento.</a:t>
+            </a:r>
+          </a:p>
+          <a:p>
+            <a:r>
+              <a:rPr lang="it-IT" baseline="0" dirty="0" smtClean="0"/>
+              <a:t>Siate concisi.</a:t>
+            </a:r>
+            <a:endParaRPr lang="it-IT" dirty="0"/>
+          </a:p>
+        </p:txBody>
+      </p:sp>
+      <p:sp>
+        <p:nvSpPr>
+          <p:cNvPr id="4" name="Segnaposto numero diapositiva 3"/>
+          <p:cNvSpPr>
+            <a:spLocks noGrp="1"/>
+          </p:cNvSpPr>
+          <p:nvPr>
+            <p:ph type="sldNum" sz="quarter" idx="10"/>
+          </p:nvPr>
+        </p:nvSpPr>
+        <p:spPr/>
+        <p:txBody>
+          <a:bodyPr/>
+          <a:lstStyle/>
+          <a:p>
+            <a:fld id="{D70604CA-7593-4640-8FA1-5523937B8510}" type="slidenum">
+              <a:rPr lang="it-IT" smtClean="0"/>
+              <a:pPr/>
+              <a:t>11</a:t>
+            </a:fld>
+            <a:endParaRPr lang="it-IT"/>
+          </a:p>
+        </p:txBody>
+      </p:sp>
+    </p:spTree>
+    <p:extLst>
+      <p:ext uri="{BB962C8B-B14F-4D97-AF65-F5344CB8AC3E}">
+        <p14:creationId xmlns:p14="http://schemas.microsoft.com/office/powerpoint/2010/main" val="802928497"/>
+      </p:ext>
+    </p:extLst>
+  </p:cSld>
+  <p:clrMapOvr>
+    <a:masterClrMapping/>
+  </p:clrMapOvr>
+</p:notes>
+</file>
+
+<file path=ppt/notesSlides/notesSlide11.xml><?xml version="1.0" encoding="utf-8"?>
+<p:notes xmlns:a="http://schemas.openxmlformats.org/drawingml/2006/main" xmlns:r="http://schemas.openxmlformats.org/officeDocument/2006/relationships" xmlns:p="http://schemas.openxmlformats.org/presentationml/2006/main">
+  <p:cSld>
+    <p:spTree>
+      <p:nvGrpSpPr>
+        <p:cNvPr id="1" name=""/>
+        <p:cNvGrpSpPr/>
+        <p:nvPr/>
+      </p:nvGrpSpPr>
+      <p:grpSpPr>
+        <a:xfrm>
+          <a:off x="0" y="0"/>
+          <a:ext cx="0" cy="0"/>
+          <a:chOff x="0" y="0"/>
+          <a:chExt cx="0" cy="0"/>
+        </a:xfrm>
+      </p:grpSpPr>
+      <p:sp>
+        <p:nvSpPr>
+          <p:cNvPr id="2" name="Segnaposto immagine diapositiva 1"/>
+          <p:cNvSpPr>
+            <a:spLocks noGrp="1" noRot="1" noChangeAspect="1"/>
+          </p:cNvSpPr>
+          <p:nvPr>
+            <p:ph type="sldImg"/>
+          </p:nvPr>
+        </p:nvSpPr>
+        <p:spPr/>
+      </p:sp>
+      <p:sp>
+        <p:nvSpPr>
+          <p:cNvPr id="3" name="Segnaposto note 2"/>
+          <p:cNvSpPr>
+            <a:spLocks noGrp="1"/>
+          </p:cNvSpPr>
+          <p:nvPr>
+            <p:ph type="body" idx="1"/>
+          </p:nvPr>
+        </p:nvSpPr>
+        <p:spPr/>
+        <p:txBody>
+          <a:bodyPr/>
+          <a:lstStyle/>
+          <a:p>
+            <a:r>
+              <a:rPr lang="it-IT" dirty="0" smtClean="0"/>
+              <a:t>«Questo è il</a:t>
+            </a:r>
+            <a:r>
+              <a:rPr lang="it-IT" baseline="0" dirty="0" smtClean="0"/>
+              <a:t> component </a:t>
+            </a:r>
+            <a:r>
+              <a:rPr lang="it-IT" baseline="0" dirty="0" err="1" smtClean="0"/>
+              <a:t>diagram</a:t>
+            </a:r>
+            <a:r>
+              <a:rPr lang="it-IT" baseline="0" dirty="0" smtClean="0"/>
+              <a:t> corrispettivo» basta questo</a:t>
+            </a:r>
+            <a:endParaRPr lang="it-IT" dirty="0"/>
+          </a:p>
+        </p:txBody>
+      </p:sp>
+      <p:sp>
+        <p:nvSpPr>
+          <p:cNvPr id="4" name="Segnaposto numero diapositiva 3"/>
+          <p:cNvSpPr>
+            <a:spLocks noGrp="1"/>
+          </p:cNvSpPr>
+          <p:nvPr>
+            <p:ph type="sldNum" sz="quarter" idx="10"/>
+          </p:nvPr>
+        </p:nvSpPr>
+        <p:spPr/>
+        <p:txBody>
+          <a:bodyPr/>
+          <a:lstStyle/>
+          <a:p>
+            <a:fld id="{D70604CA-7593-4640-8FA1-5523937B8510}" type="slidenum">
+              <a:rPr lang="it-IT" smtClean="0"/>
+              <a:pPr/>
+              <a:t>12</a:t>
+            </a:fld>
+            <a:endParaRPr lang="it-IT"/>
+          </a:p>
+        </p:txBody>
+      </p:sp>
+    </p:spTree>
+    <p:extLst>
+      <p:ext uri="{BB962C8B-B14F-4D97-AF65-F5344CB8AC3E}">
+        <p14:creationId xmlns:p14="http://schemas.microsoft.com/office/powerpoint/2010/main" val="3361965342"/>
+      </p:ext>
+    </p:extLst>
+  </p:cSld>
+  <p:clrMapOvr>
+    <a:masterClrMapping/>
+  </p:clrMapOvr>
+</p:notes>
+</file>
+
+<file path=ppt/notesSlides/notesSlide12.xml><?xml version="1.0" encoding="utf-8"?>
+<p:notes xmlns:a="http://schemas.openxmlformats.org/drawingml/2006/main" xmlns:r="http://schemas.openxmlformats.org/officeDocument/2006/relationships" xmlns:p="http://schemas.openxmlformats.org/presentationml/2006/main">
+  <p:cSld>
+    <p:spTree>
+      <p:nvGrpSpPr>
+        <p:cNvPr id="1" name=""/>
+        <p:cNvGrpSpPr/>
+        <p:nvPr/>
+      </p:nvGrpSpPr>
+      <p:grpSpPr>
+        <a:xfrm>
+          <a:off x="0" y="0"/>
+          <a:ext cx="0" cy="0"/>
+          <a:chOff x="0" y="0"/>
+          <a:chExt cx="0" cy="0"/>
+        </a:xfrm>
+      </p:grpSpPr>
+      <p:sp>
+        <p:nvSpPr>
+          <p:cNvPr id="2" name="Segnaposto immagine diapositiva 1"/>
+          <p:cNvSpPr>
+            <a:spLocks noGrp="1" noRot="1" noChangeAspect="1"/>
+          </p:cNvSpPr>
+          <p:nvPr>
+            <p:ph type="sldImg"/>
+          </p:nvPr>
+        </p:nvSpPr>
+        <p:spPr/>
+      </p:sp>
+      <p:sp>
+        <p:nvSpPr>
+          <p:cNvPr id="3" name="Segnaposto note 2"/>
+          <p:cNvSpPr>
+            <a:spLocks noGrp="1"/>
+          </p:cNvSpPr>
+          <p:nvPr>
+            <p:ph type="body" idx="1"/>
+          </p:nvPr>
+        </p:nvSpPr>
+        <p:spPr/>
+        <p:txBody>
+          <a:bodyPr/>
+          <a:lstStyle/>
+          <a:p>
+            <a:r>
+              <a:rPr lang="it-IT" dirty="0" smtClean="0"/>
+              <a:t>Non è detto che questa slide rimarrà,</a:t>
+            </a:r>
+            <a:r>
+              <a:rPr lang="it-IT" baseline="0" dirty="0" smtClean="0"/>
+              <a:t> Potreste lasciare solo il logo di </a:t>
+            </a:r>
+            <a:r>
+              <a:rPr lang="it-IT" baseline="0" dirty="0" err="1" smtClean="0"/>
+              <a:t>MySql</a:t>
+            </a:r>
+            <a:r>
+              <a:rPr lang="it-IT" baseline="0" dirty="0" smtClean="0"/>
+              <a:t> dicendo «come detto dal team X è stato scelto </a:t>
+            </a:r>
+            <a:r>
+              <a:rPr lang="it-IT" baseline="0" dirty="0" err="1" smtClean="0"/>
+              <a:t>MySql</a:t>
+            </a:r>
+            <a:r>
+              <a:rPr lang="it-IT" baseline="0" dirty="0" smtClean="0"/>
+              <a:t> come gestione dei dati persistenti e questa scelta andava bene per tutti e 3 i </a:t>
+            </a:r>
+            <a:r>
+              <a:rPr lang="it-IT" baseline="0" dirty="0" err="1" smtClean="0"/>
+              <a:t>sottoteam</a:t>
+            </a:r>
+            <a:r>
+              <a:rPr lang="it-IT" baseline="0" dirty="0" smtClean="0"/>
+              <a:t>»</a:t>
+            </a:r>
+            <a:endParaRPr lang="it-IT" dirty="0"/>
+          </a:p>
+        </p:txBody>
+      </p:sp>
+      <p:sp>
+        <p:nvSpPr>
+          <p:cNvPr id="4" name="Segnaposto numero diapositiva 3"/>
+          <p:cNvSpPr>
+            <a:spLocks noGrp="1"/>
+          </p:cNvSpPr>
+          <p:nvPr>
+            <p:ph type="sldNum" sz="quarter" idx="10"/>
+          </p:nvPr>
+        </p:nvSpPr>
+        <p:spPr/>
+        <p:txBody>
+          <a:bodyPr/>
+          <a:lstStyle/>
+          <a:p>
+            <a:fld id="{D70604CA-7593-4640-8FA1-5523937B8510}" type="slidenum">
+              <a:rPr lang="it-IT" smtClean="0"/>
+              <a:pPr/>
+              <a:t>13</a:t>
+            </a:fld>
+            <a:endParaRPr lang="it-IT"/>
+          </a:p>
+        </p:txBody>
+      </p:sp>
+    </p:spTree>
+    <p:extLst>
+      <p:ext uri="{BB962C8B-B14F-4D97-AF65-F5344CB8AC3E}">
+        <p14:creationId xmlns:p14="http://schemas.microsoft.com/office/powerpoint/2010/main" val="3314347345"/>
+      </p:ext>
+    </p:extLst>
+  </p:cSld>
+  <p:clrMapOvr>
+    <a:masterClrMapping/>
+  </p:clrMapOvr>
+</p:notes>
+</file>
+
+<file path=ppt/notesSlides/notesSlide13.xml><?xml version="1.0" encoding="utf-8"?>
+<p:notes xmlns:a="http://schemas.openxmlformats.org/drawingml/2006/main" xmlns:r="http://schemas.openxmlformats.org/officeDocument/2006/relationships" xmlns:p="http://schemas.openxmlformats.org/presentationml/2006/main">
+  <p:cSld>
+    <p:spTree>
+      <p:nvGrpSpPr>
+        <p:cNvPr id="1" name=""/>
+        <p:cNvGrpSpPr/>
+        <p:nvPr/>
+      </p:nvGrpSpPr>
+      <p:grpSpPr>
+        <a:xfrm>
+          <a:off x="0" y="0"/>
+          <a:ext cx="0" cy="0"/>
+          <a:chOff x="0" y="0"/>
+          <a:chExt cx="0" cy="0"/>
+        </a:xfrm>
+      </p:grpSpPr>
+      <p:sp>
+        <p:nvSpPr>
+          <p:cNvPr id="2" name="Segnaposto immagine diapositiva 1"/>
+          <p:cNvSpPr>
+            <a:spLocks noGrp="1" noRot="1" noChangeAspect="1"/>
+          </p:cNvSpPr>
+          <p:nvPr>
+            <p:ph type="sldImg"/>
+          </p:nvPr>
+        </p:nvSpPr>
+        <p:spPr/>
+      </p:sp>
+      <p:sp>
+        <p:nvSpPr>
+          <p:cNvPr id="3" name="Segnaposto note 2"/>
+          <p:cNvSpPr>
+            <a:spLocks noGrp="1"/>
+          </p:cNvSpPr>
+          <p:nvPr>
+            <p:ph type="body" idx="1"/>
+          </p:nvPr>
+        </p:nvSpPr>
+        <p:spPr/>
+        <p:txBody>
+          <a:bodyPr/>
+          <a:lstStyle/>
+          <a:p>
+            <a:r>
+              <a:rPr lang="it-IT" dirty="0" smtClean="0"/>
+              <a:t>Porzione del </a:t>
+            </a:r>
+            <a:r>
+              <a:rPr lang="it-IT" dirty="0" err="1" smtClean="0"/>
+              <a:t>db</a:t>
+            </a:r>
+            <a:r>
+              <a:rPr lang="it-IT" dirty="0" smtClean="0"/>
+              <a:t> solo per la gestione dei</a:t>
+            </a:r>
+            <a:r>
+              <a:rPr lang="it-IT" baseline="0" dirty="0" smtClean="0"/>
+              <a:t> questionari (mancano le molteplicità 1:N N:N </a:t>
+            </a:r>
+            <a:r>
+              <a:rPr lang="it-IT" baseline="0" dirty="0" err="1" smtClean="0"/>
+              <a:t>ecc</a:t>
+            </a:r>
+            <a:r>
+              <a:rPr lang="it-IT" baseline="0" dirty="0" smtClean="0"/>
+              <a:t> </a:t>
+            </a:r>
+            <a:r>
+              <a:rPr lang="it-IT" baseline="0" dirty="0" err="1" smtClean="0"/>
+              <a:t>ecc</a:t>
+            </a:r>
+            <a:r>
+              <a:rPr lang="it-IT" baseline="0" dirty="0" smtClean="0"/>
+              <a:t>).</a:t>
+            </a:r>
+          </a:p>
+          <a:p>
+            <a:r>
+              <a:rPr lang="it-IT" baseline="0" dirty="0" smtClean="0"/>
+              <a:t>Come si può notare la gestione di questionari risulta complessa anche solo guardando la quantità di relazioni e entità.</a:t>
+            </a:r>
+          </a:p>
+          <a:p>
+            <a:r>
+              <a:rPr lang="it-IT" baseline="0" dirty="0" smtClean="0"/>
+              <a:t>Descrivere brevemente questa porzione di </a:t>
+            </a:r>
+            <a:r>
+              <a:rPr lang="it-IT" baseline="0" dirty="0" err="1" smtClean="0"/>
+              <a:t>db</a:t>
+            </a:r>
+            <a:r>
+              <a:rPr lang="it-IT" baseline="0" dirty="0" smtClean="0"/>
+              <a:t>, se il tempo manca non descriverla affatto basta il disegno.</a:t>
+            </a:r>
+            <a:endParaRPr lang="it-IT" dirty="0"/>
+          </a:p>
+        </p:txBody>
+      </p:sp>
+      <p:sp>
+        <p:nvSpPr>
+          <p:cNvPr id="4" name="Segnaposto numero diapositiva 3"/>
+          <p:cNvSpPr>
+            <a:spLocks noGrp="1"/>
+          </p:cNvSpPr>
+          <p:nvPr>
+            <p:ph type="sldNum" sz="quarter" idx="10"/>
+          </p:nvPr>
+        </p:nvSpPr>
+        <p:spPr/>
+        <p:txBody>
+          <a:bodyPr/>
+          <a:lstStyle/>
+          <a:p>
+            <a:fld id="{D70604CA-7593-4640-8FA1-5523937B8510}" type="slidenum">
+              <a:rPr lang="it-IT" smtClean="0"/>
+              <a:pPr/>
+              <a:t>14</a:t>
+            </a:fld>
+            <a:endParaRPr lang="it-IT"/>
+          </a:p>
+        </p:txBody>
+      </p:sp>
+    </p:spTree>
+    <p:extLst>
+      <p:ext uri="{BB962C8B-B14F-4D97-AF65-F5344CB8AC3E}">
+        <p14:creationId xmlns:p14="http://schemas.microsoft.com/office/powerpoint/2010/main" val="2265654022"/>
+      </p:ext>
+    </p:extLst>
+  </p:cSld>
+  <p:clrMapOvr>
+    <a:masterClrMapping/>
+  </p:clrMapOvr>
+</p:notes>
+</file>
+
+<file path=ppt/notesSlides/notesSlide14.xml><?xml version="1.0" encoding="utf-8"?>
+<p:notes xmlns:a="http://schemas.openxmlformats.org/drawingml/2006/main" xmlns:r="http://schemas.openxmlformats.org/officeDocument/2006/relationships" xmlns:p="http://schemas.openxmlformats.org/presentationml/2006/main">
+  <p:cSld>
+    <p:spTree>
+      <p:nvGrpSpPr>
+        <p:cNvPr id="1" name=""/>
+        <p:cNvGrpSpPr/>
+        <p:nvPr/>
+      </p:nvGrpSpPr>
+      <p:grpSpPr>
+        <a:xfrm>
+          <a:off x="0" y="0"/>
+          <a:ext cx="0" cy="0"/>
+          <a:chOff x="0" y="0"/>
+          <a:chExt cx="0" cy="0"/>
+        </a:xfrm>
+      </p:grpSpPr>
+      <p:sp>
+        <p:nvSpPr>
+          <p:cNvPr id="2" name="Segnaposto immagine diapositiva 1"/>
+          <p:cNvSpPr>
+            <a:spLocks noGrp="1" noRot="1" noChangeAspect="1"/>
+          </p:cNvSpPr>
+          <p:nvPr>
+            <p:ph type="sldImg"/>
+          </p:nvPr>
+        </p:nvSpPr>
+        <p:spPr/>
+      </p:sp>
+      <p:sp>
+        <p:nvSpPr>
+          <p:cNvPr id="3" name="Segnaposto note 2"/>
+          <p:cNvSpPr>
+            <a:spLocks noGrp="1"/>
+          </p:cNvSpPr>
+          <p:nvPr>
+            <p:ph type="body" idx="1"/>
+          </p:nvPr>
+        </p:nvSpPr>
+        <p:spPr/>
+        <p:txBody>
+          <a:bodyPr/>
+          <a:lstStyle/>
+          <a:p>
+            <a:pPr marL="0" marR="0" indent="0" algn="l" defTabSz="914400" rtl="0" eaLnBrk="1" fontAlgn="auto" latinLnBrk="0" hangingPunct="1">
+              <a:lnSpc>
+                <a:spcPct val="100000"/>
+              </a:lnSpc>
+              <a:spcBef>
+                <a:spcPts val="0"/>
+              </a:spcBef>
+              <a:spcAft>
+                <a:spcPts val="0"/>
+              </a:spcAft>
+              <a:buClrTx/>
+              <a:buSzTx/>
+              <a:buFontTx/>
+              <a:buNone/>
+              <a:tabLst/>
+              <a:defRPr/>
+            </a:pPr>
+            <a:r>
+              <a:rPr lang="it-IT" dirty="0" smtClean="0"/>
+              <a:t>Inserite i pro e i contro</a:t>
+            </a:r>
+            <a:r>
+              <a:rPr lang="it-IT" baseline="0" dirty="0" smtClean="0"/>
+              <a:t> del SDD secondo voi, siate specifici sulla nostra parte anche di cose che non sono questionario o forum (solo qui potete farlo)</a:t>
+            </a:r>
+            <a:endParaRPr lang="it-IT" dirty="0" smtClean="0"/>
+          </a:p>
+          <a:p>
+            <a:endParaRPr lang="it-IT" dirty="0"/>
+          </a:p>
+        </p:txBody>
+      </p:sp>
+      <p:sp>
+        <p:nvSpPr>
+          <p:cNvPr id="4" name="Segnaposto numero diapositiva 3"/>
+          <p:cNvSpPr>
+            <a:spLocks noGrp="1"/>
+          </p:cNvSpPr>
+          <p:nvPr>
+            <p:ph type="sldNum" sz="quarter" idx="10"/>
+          </p:nvPr>
+        </p:nvSpPr>
+        <p:spPr/>
+        <p:txBody>
+          <a:bodyPr/>
+          <a:lstStyle/>
+          <a:p>
+            <a:fld id="{D70604CA-7593-4640-8FA1-5523937B8510}" type="slidenum">
+              <a:rPr lang="it-IT" smtClean="0"/>
+              <a:pPr/>
+              <a:t>15</a:t>
+            </a:fld>
+            <a:endParaRPr lang="it-IT"/>
+          </a:p>
+        </p:txBody>
+      </p:sp>
+    </p:spTree>
+    <p:extLst>
+      <p:ext uri="{BB962C8B-B14F-4D97-AF65-F5344CB8AC3E}">
+        <p14:creationId xmlns:p14="http://schemas.microsoft.com/office/powerpoint/2010/main" val="71143455"/>
+      </p:ext>
+    </p:extLst>
+  </p:cSld>
+  <p:clrMapOvr>
+    <a:masterClrMapping/>
+  </p:clrMapOvr>
+</p:notes>
+</file>
+
+<file path=ppt/notesSlides/notesSlide15.xml><?xml version="1.0" encoding="utf-8"?>
+<p:notes xmlns:a="http://schemas.openxmlformats.org/drawingml/2006/main" xmlns:r="http://schemas.openxmlformats.org/officeDocument/2006/relationships" xmlns:p="http://schemas.openxmlformats.org/presentationml/2006/main">
+  <p:cSld>
+    <p:spTree>
+      <p:nvGrpSpPr>
+        <p:cNvPr id="1" name=""/>
+        <p:cNvGrpSpPr/>
+        <p:nvPr/>
+      </p:nvGrpSpPr>
+      <p:grpSpPr>
+        <a:xfrm>
+          <a:off x="0" y="0"/>
+          <a:ext cx="0" cy="0"/>
+          <a:chOff x="0" y="0"/>
+          <a:chExt cx="0" cy="0"/>
+        </a:xfrm>
+      </p:grpSpPr>
+      <p:sp>
+        <p:nvSpPr>
+          <p:cNvPr id="2" name="Segnaposto immagine diapositiva 1"/>
+          <p:cNvSpPr>
+            <a:spLocks noGrp="1" noRot="1" noChangeAspect="1"/>
+          </p:cNvSpPr>
+          <p:nvPr>
+            <p:ph type="sldImg"/>
+          </p:nvPr>
+        </p:nvSpPr>
+        <p:spPr/>
+      </p:sp>
+      <p:sp>
+        <p:nvSpPr>
+          <p:cNvPr id="3" name="Segnaposto note 2"/>
+          <p:cNvSpPr>
+            <a:spLocks noGrp="1"/>
+          </p:cNvSpPr>
+          <p:nvPr>
+            <p:ph type="body" idx="1"/>
+          </p:nvPr>
+        </p:nvSpPr>
+        <p:spPr/>
+        <p:txBody>
+          <a:bodyPr/>
+          <a:lstStyle/>
+          <a:p>
+            <a:r>
+              <a:rPr lang="it-IT" dirty="0" smtClean="0"/>
+              <a:t>Scrivere</a:t>
+            </a:r>
+            <a:r>
+              <a:rPr lang="it-IT" baseline="0" dirty="0" smtClean="0"/>
+              <a:t> meglio la parte di statistiche.</a:t>
+            </a:r>
+          </a:p>
+          <a:p>
+            <a:r>
+              <a:rPr lang="it-IT" baseline="0" dirty="0" smtClean="0"/>
+              <a:t>«Il problema era quello di permettere la compilazione dei questionari di valutazione dell’asilo ai genitori, consentendo a chi di dovere, nel nostro caso il delegato questionari di valutare e visionare le risposte di questi questionari»</a:t>
+            </a:r>
+            <a:endParaRPr lang="it-IT" dirty="0"/>
+          </a:p>
+        </p:txBody>
+      </p:sp>
+      <p:sp>
+        <p:nvSpPr>
+          <p:cNvPr id="4" name="Segnaposto numero diapositiva 3"/>
+          <p:cNvSpPr>
+            <a:spLocks noGrp="1"/>
+          </p:cNvSpPr>
+          <p:nvPr>
+            <p:ph type="sldNum" sz="quarter" idx="10"/>
+          </p:nvPr>
+        </p:nvSpPr>
+        <p:spPr/>
+        <p:txBody>
+          <a:bodyPr/>
+          <a:lstStyle/>
+          <a:p>
+            <a:fld id="{D70604CA-7593-4640-8FA1-5523937B8510}" type="slidenum">
+              <a:rPr lang="it-IT" smtClean="0"/>
+              <a:pPr/>
+              <a:t>16</a:t>
+            </a:fld>
+            <a:endParaRPr lang="it-IT"/>
+          </a:p>
+        </p:txBody>
+      </p:sp>
+    </p:spTree>
+    <p:extLst>
+      <p:ext uri="{BB962C8B-B14F-4D97-AF65-F5344CB8AC3E}">
+        <p14:creationId xmlns:p14="http://schemas.microsoft.com/office/powerpoint/2010/main" val="113696966"/>
+      </p:ext>
+    </p:extLst>
+  </p:cSld>
+  <p:clrMapOvr>
+    <a:masterClrMapping/>
+  </p:clrMapOvr>
+</p:notes>
+</file>
+
+<file path=ppt/notesSlides/notesSlide16.xml><?xml version="1.0" encoding="utf-8"?>
+<p:notes xmlns:a="http://schemas.openxmlformats.org/drawingml/2006/main" xmlns:r="http://schemas.openxmlformats.org/officeDocument/2006/relationships" xmlns:p="http://schemas.openxmlformats.org/presentationml/2006/main">
+  <p:cSld>
+    <p:spTree>
+      <p:nvGrpSpPr>
+        <p:cNvPr id="1" name=""/>
+        <p:cNvGrpSpPr/>
+        <p:nvPr/>
+      </p:nvGrpSpPr>
+      <p:grpSpPr>
+        <a:xfrm>
+          <a:off x="0" y="0"/>
+          <a:ext cx="0" cy="0"/>
+          <a:chOff x="0" y="0"/>
+          <a:chExt cx="0" cy="0"/>
+        </a:xfrm>
+      </p:grpSpPr>
+      <p:sp>
+        <p:nvSpPr>
+          <p:cNvPr id="2" name="Segnaposto immagine diapositiva 1"/>
+          <p:cNvSpPr>
+            <a:spLocks noGrp="1" noRot="1" noChangeAspect="1"/>
+          </p:cNvSpPr>
+          <p:nvPr>
+            <p:ph type="sldImg"/>
+          </p:nvPr>
+        </p:nvSpPr>
+        <p:spPr/>
+      </p:sp>
+      <p:sp>
+        <p:nvSpPr>
+          <p:cNvPr id="3" name="Segnaposto note 2"/>
+          <p:cNvSpPr>
+            <a:spLocks noGrp="1"/>
+          </p:cNvSpPr>
+          <p:nvPr>
+            <p:ph type="body" idx="1"/>
+          </p:nvPr>
+        </p:nvSpPr>
+        <p:spPr/>
+        <p:txBody>
+          <a:bodyPr/>
+          <a:lstStyle/>
+          <a:p>
+            <a:r>
+              <a:rPr lang="it-IT" dirty="0" smtClean="0"/>
+              <a:t>Tutto questo</a:t>
+            </a:r>
+            <a:r>
+              <a:rPr lang="it-IT" baseline="0" dirty="0" smtClean="0"/>
+              <a:t> garantendo:</a:t>
+            </a:r>
+          </a:p>
+          <a:p>
+            <a:r>
+              <a:rPr lang="it-IT" baseline="0" dirty="0" smtClean="0"/>
+              <a:t>Sicurezza, usabilità e performance…</a:t>
+            </a:r>
+          </a:p>
+          <a:p>
+            <a:r>
+              <a:rPr lang="it-IT" baseline="0" dirty="0" smtClean="0"/>
+              <a:t>Indicare cosa si intende per sicurezza (violazione privacy, questionari anonimi </a:t>
+            </a:r>
+            <a:r>
+              <a:rPr lang="it-IT" baseline="0" dirty="0" err="1" smtClean="0"/>
+              <a:t>ecc</a:t>
+            </a:r>
+            <a:r>
+              <a:rPr lang="it-IT" baseline="0" dirty="0" smtClean="0"/>
+              <a:t>)</a:t>
+            </a:r>
+          </a:p>
+          <a:p>
+            <a:r>
+              <a:rPr lang="it-IT" baseline="0" dirty="0" smtClean="0"/>
+              <a:t>Cosa si intende per usabilità (non rispondere alle stesse 20 domande, precompilazione delle risposte)</a:t>
+            </a:r>
+          </a:p>
+          <a:p>
+            <a:r>
+              <a:rPr lang="it-IT" baseline="0" dirty="0" smtClean="0"/>
+              <a:t>Cosa si intende per performance (a supporto dell’usabilità ci sono le performance, il questionario non può essere caricato o inserito in ore di attesa)</a:t>
+            </a:r>
+            <a:endParaRPr lang="it-IT" dirty="0"/>
+          </a:p>
+        </p:txBody>
+      </p:sp>
+      <p:sp>
+        <p:nvSpPr>
+          <p:cNvPr id="4" name="Segnaposto numero diapositiva 3"/>
+          <p:cNvSpPr>
+            <a:spLocks noGrp="1"/>
+          </p:cNvSpPr>
+          <p:nvPr>
+            <p:ph type="sldNum" sz="quarter" idx="10"/>
+          </p:nvPr>
+        </p:nvSpPr>
+        <p:spPr/>
+        <p:txBody>
+          <a:bodyPr/>
+          <a:lstStyle/>
+          <a:p>
+            <a:fld id="{D70604CA-7593-4640-8FA1-5523937B8510}" type="slidenum">
+              <a:rPr lang="it-IT" smtClean="0"/>
+              <a:pPr/>
+              <a:t>17</a:t>
+            </a:fld>
+            <a:endParaRPr lang="it-IT"/>
+          </a:p>
+        </p:txBody>
+      </p:sp>
+    </p:spTree>
+    <p:extLst>
+      <p:ext uri="{BB962C8B-B14F-4D97-AF65-F5344CB8AC3E}">
+        <p14:creationId xmlns:p14="http://schemas.microsoft.com/office/powerpoint/2010/main" val="1063702567"/>
+      </p:ext>
+    </p:extLst>
+  </p:cSld>
+  <p:clrMapOvr>
+    <a:masterClrMapping/>
+  </p:clrMapOvr>
+</p:notes>
+</file>
+
+<file path=ppt/notesSlides/notesSlide17.xml><?xml version="1.0" encoding="utf-8"?>
+<p:notes xmlns:a="http://schemas.openxmlformats.org/drawingml/2006/main" xmlns:r="http://schemas.openxmlformats.org/officeDocument/2006/relationships" xmlns:p="http://schemas.openxmlformats.org/presentationml/2006/main">
+  <p:cSld>
+    <p:spTree>
+      <p:nvGrpSpPr>
+        <p:cNvPr id="1" name=""/>
+        <p:cNvGrpSpPr/>
+        <p:nvPr/>
+      </p:nvGrpSpPr>
+      <p:grpSpPr>
+        <a:xfrm>
+          <a:off x="0" y="0"/>
+          <a:ext cx="0" cy="0"/>
+          <a:chOff x="0" y="0"/>
+          <a:chExt cx="0" cy="0"/>
+        </a:xfrm>
+      </p:grpSpPr>
+      <p:sp>
+        <p:nvSpPr>
+          <p:cNvPr id="2" name="Segnaposto immagine diapositiva 1"/>
+          <p:cNvSpPr>
+            <a:spLocks noGrp="1" noRot="1" noChangeAspect="1"/>
+          </p:cNvSpPr>
+          <p:nvPr>
+            <p:ph type="sldImg"/>
+          </p:nvPr>
+        </p:nvSpPr>
+        <p:spPr/>
+      </p:sp>
+      <p:sp>
+        <p:nvSpPr>
+          <p:cNvPr id="3" name="Segnaposto note 2"/>
+          <p:cNvSpPr>
+            <a:spLocks noGrp="1"/>
+          </p:cNvSpPr>
+          <p:nvPr>
+            <p:ph type="body" idx="1"/>
+          </p:nvPr>
+        </p:nvSpPr>
+        <p:spPr/>
+        <p:txBody>
+          <a:bodyPr/>
+          <a:lstStyle/>
+          <a:p>
+            <a:r>
+              <a:rPr lang="it-IT" dirty="0" smtClean="0"/>
+              <a:t>Usabilità vs Sicurezza, come si fa a permettere sia l’uno</a:t>
+            </a:r>
+            <a:r>
+              <a:rPr lang="it-IT" baseline="0" dirty="0" smtClean="0"/>
+              <a:t> che l’altro?</a:t>
+            </a:r>
+          </a:p>
+          <a:p>
+            <a:r>
+              <a:rPr lang="it-IT" baseline="0" dirty="0" smtClean="0"/>
+              <a:t>La precompilazione delle domande deve per forza conoscere chi è il genitore dall’altra parte che compila il questionario l’importante però che il delegato questionari o chi per lui non visualizzi tale informazioni e veda le «statistiche» a priori da chi abbia compilato il questionario.</a:t>
+            </a:r>
+          </a:p>
+          <a:p>
+            <a:r>
+              <a:rPr lang="it-IT" baseline="0" dirty="0" smtClean="0"/>
+              <a:t>Tramite l’utilizzo di questionari completamente anonimi siamo riusciti però a soddisfare entrambe le necessità.</a:t>
+            </a:r>
+            <a:endParaRPr lang="it-IT" dirty="0"/>
+          </a:p>
+        </p:txBody>
+      </p:sp>
+      <p:sp>
+        <p:nvSpPr>
+          <p:cNvPr id="4" name="Segnaposto numero diapositiva 3"/>
+          <p:cNvSpPr>
+            <a:spLocks noGrp="1"/>
+          </p:cNvSpPr>
+          <p:nvPr>
+            <p:ph type="sldNum" sz="quarter" idx="10"/>
+          </p:nvPr>
+        </p:nvSpPr>
+        <p:spPr/>
+        <p:txBody>
+          <a:bodyPr/>
+          <a:lstStyle/>
+          <a:p>
+            <a:fld id="{D70604CA-7593-4640-8FA1-5523937B8510}" type="slidenum">
+              <a:rPr lang="it-IT" smtClean="0"/>
+              <a:pPr/>
+              <a:t>18</a:t>
+            </a:fld>
+            <a:endParaRPr lang="it-IT"/>
+          </a:p>
+        </p:txBody>
+      </p:sp>
+    </p:spTree>
+    <p:extLst>
+      <p:ext uri="{BB962C8B-B14F-4D97-AF65-F5344CB8AC3E}">
+        <p14:creationId xmlns:p14="http://schemas.microsoft.com/office/powerpoint/2010/main" val="122959592"/>
+      </p:ext>
+    </p:extLst>
+  </p:cSld>
+  <p:clrMapOvr>
+    <a:masterClrMapping/>
+  </p:clrMapOvr>
+</p:notes>
+</file>
+
+<file path=ppt/notesSlides/notesSlide18.xml><?xml version="1.0" encoding="utf-8"?>
+<p:notes xmlns:a="http://schemas.openxmlformats.org/drawingml/2006/main" xmlns:r="http://schemas.openxmlformats.org/officeDocument/2006/relationships" xmlns:p="http://schemas.openxmlformats.org/presentationml/2006/main">
+  <p:cSld>
+    <p:spTree>
+      <p:nvGrpSpPr>
+        <p:cNvPr id="1" name=""/>
+        <p:cNvGrpSpPr/>
+        <p:nvPr/>
+      </p:nvGrpSpPr>
+      <p:grpSpPr>
+        <a:xfrm>
+          <a:off x="0" y="0"/>
+          <a:ext cx="0" cy="0"/>
+          <a:chOff x="0" y="0"/>
+          <a:chExt cx="0" cy="0"/>
+        </a:xfrm>
+      </p:grpSpPr>
+      <p:sp>
+        <p:nvSpPr>
+          <p:cNvPr id="2" name="Segnaposto immagine diapositiva 1"/>
+          <p:cNvSpPr>
+            <a:spLocks noGrp="1" noRot="1" noChangeAspect="1"/>
+          </p:cNvSpPr>
+          <p:nvPr>
+            <p:ph type="sldImg"/>
+          </p:nvPr>
+        </p:nvSpPr>
+        <p:spPr/>
+      </p:sp>
+      <p:sp>
+        <p:nvSpPr>
+          <p:cNvPr id="3" name="Segnaposto note 2"/>
+          <p:cNvSpPr>
+            <a:spLocks noGrp="1"/>
+          </p:cNvSpPr>
+          <p:nvPr>
+            <p:ph type="body" idx="1"/>
+          </p:nvPr>
+        </p:nvSpPr>
+        <p:spPr/>
+        <p:txBody>
+          <a:bodyPr/>
+          <a:lstStyle/>
+          <a:p>
+            <a:r>
+              <a:rPr lang="it-IT" dirty="0" smtClean="0"/>
+              <a:t>Costruire</a:t>
+            </a:r>
+            <a:r>
+              <a:rPr lang="it-IT" baseline="0" dirty="0" smtClean="0"/>
+              <a:t> o riutilizzare (indicare l’utilizzo di </a:t>
+            </a:r>
+            <a:r>
+              <a:rPr lang="it-IT" baseline="0" dirty="0" err="1" smtClean="0"/>
+              <a:t>buy</a:t>
+            </a:r>
+            <a:r>
+              <a:rPr lang="it-IT" baseline="0" dirty="0" smtClean="0"/>
+              <a:t> non in senso di comprare ma nel senso di riutilizzo a spese di altre situazioni)</a:t>
+            </a:r>
+          </a:p>
+          <a:p>
+            <a:r>
+              <a:rPr lang="it-IT" baseline="0" dirty="0" smtClean="0"/>
+              <a:t>Si è scelto </a:t>
+            </a:r>
+            <a:r>
+              <a:rPr lang="it-IT" baseline="0" dirty="0" err="1" smtClean="0"/>
+              <a:t>build</a:t>
+            </a:r>
+            <a:r>
+              <a:rPr lang="it-IT" baseline="0" dirty="0" smtClean="0"/>
+              <a:t>…. Perché indicato nelle slide successive</a:t>
+            </a:r>
+            <a:endParaRPr lang="it-IT" dirty="0"/>
+          </a:p>
+        </p:txBody>
+      </p:sp>
+      <p:sp>
+        <p:nvSpPr>
+          <p:cNvPr id="4" name="Segnaposto numero diapositiva 3"/>
+          <p:cNvSpPr>
+            <a:spLocks noGrp="1"/>
+          </p:cNvSpPr>
+          <p:nvPr>
+            <p:ph type="sldNum" sz="quarter" idx="10"/>
+          </p:nvPr>
+        </p:nvSpPr>
+        <p:spPr/>
+        <p:txBody>
+          <a:bodyPr/>
+          <a:lstStyle/>
+          <a:p>
+            <a:fld id="{D70604CA-7593-4640-8FA1-5523937B8510}" type="slidenum">
+              <a:rPr lang="it-IT" smtClean="0"/>
+              <a:pPr/>
+              <a:t>19</a:t>
+            </a:fld>
+            <a:endParaRPr lang="it-IT"/>
+          </a:p>
+        </p:txBody>
+      </p:sp>
+    </p:spTree>
+    <p:extLst>
+      <p:ext uri="{BB962C8B-B14F-4D97-AF65-F5344CB8AC3E}">
+        <p14:creationId xmlns:p14="http://schemas.microsoft.com/office/powerpoint/2010/main" val="780286428"/>
+      </p:ext>
+    </p:extLst>
+  </p:cSld>
+  <p:clrMapOvr>
+    <a:masterClrMapping/>
+  </p:clrMapOvr>
+</p:notes>
+</file>
+
+<file path=ppt/notesSlides/notesSlide19.xml><?xml version="1.0" encoding="utf-8"?>
+<p:notes xmlns:a="http://schemas.openxmlformats.org/drawingml/2006/main" xmlns:r="http://schemas.openxmlformats.org/officeDocument/2006/relationships" xmlns:p="http://schemas.openxmlformats.org/presentationml/2006/main">
+  <p:cSld>
+    <p:spTree>
+      <p:nvGrpSpPr>
+        <p:cNvPr id="1" name=""/>
+        <p:cNvGrpSpPr/>
+        <p:nvPr/>
+      </p:nvGrpSpPr>
+      <p:grpSpPr>
+        <a:xfrm>
+          <a:off x="0" y="0"/>
+          <a:ext cx="0" cy="0"/>
+          <a:chOff x="0" y="0"/>
+          <a:chExt cx="0" cy="0"/>
+        </a:xfrm>
+      </p:grpSpPr>
+      <p:sp>
+        <p:nvSpPr>
+          <p:cNvPr id="2" name="Segnaposto immagine diapositiva 1"/>
+          <p:cNvSpPr>
+            <a:spLocks noGrp="1" noRot="1" noChangeAspect="1"/>
+          </p:cNvSpPr>
+          <p:nvPr>
+            <p:ph type="sldImg"/>
+          </p:nvPr>
+        </p:nvSpPr>
+        <p:spPr/>
+      </p:sp>
+      <p:sp>
+        <p:nvSpPr>
+          <p:cNvPr id="3" name="Segnaposto note 2"/>
+          <p:cNvSpPr>
+            <a:spLocks noGrp="1"/>
+          </p:cNvSpPr>
+          <p:nvPr>
+            <p:ph type="body" idx="1"/>
+          </p:nvPr>
+        </p:nvSpPr>
+        <p:spPr/>
+        <p:txBody>
+          <a:bodyPr/>
+          <a:lstStyle/>
+          <a:p>
+            <a:r>
+              <a:rPr lang="it-IT" dirty="0" smtClean="0"/>
+              <a:t>Spiegare</a:t>
+            </a:r>
+            <a:r>
+              <a:rPr lang="it-IT" baseline="0" dirty="0" smtClean="0"/>
+              <a:t> perché </a:t>
+            </a:r>
+            <a:r>
+              <a:rPr lang="it-IT" baseline="0" dirty="0" err="1" smtClean="0"/>
+              <a:t>build</a:t>
+            </a:r>
+            <a:r>
+              <a:rPr lang="it-IT" baseline="0" dirty="0" smtClean="0"/>
+              <a:t>, evitando di leggere ciò che è scritto nella slide</a:t>
+            </a:r>
+            <a:endParaRPr lang="it-IT" dirty="0"/>
+          </a:p>
+        </p:txBody>
+      </p:sp>
+      <p:sp>
+        <p:nvSpPr>
+          <p:cNvPr id="4" name="Segnaposto numero diapositiva 3"/>
+          <p:cNvSpPr>
+            <a:spLocks noGrp="1"/>
+          </p:cNvSpPr>
+          <p:nvPr>
+            <p:ph type="sldNum" sz="quarter" idx="10"/>
+          </p:nvPr>
+        </p:nvSpPr>
+        <p:spPr/>
+        <p:txBody>
+          <a:bodyPr/>
+          <a:lstStyle/>
+          <a:p>
+            <a:fld id="{D70604CA-7593-4640-8FA1-5523937B8510}" type="slidenum">
+              <a:rPr lang="it-IT" smtClean="0"/>
+              <a:pPr/>
+              <a:t>20</a:t>
+            </a:fld>
+            <a:endParaRPr lang="it-IT"/>
+          </a:p>
+        </p:txBody>
+      </p:sp>
+    </p:spTree>
+    <p:extLst>
+      <p:ext uri="{BB962C8B-B14F-4D97-AF65-F5344CB8AC3E}">
+        <p14:creationId xmlns:p14="http://schemas.microsoft.com/office/powerpoint/2010/main" val="2418012031"/>
       </p:ext>
     </p:extLst>
   </p:cSld>
@@ -643,6 +1760,28 @@
           <a:bodyPr/>
           <a:lstStyle/>
           <a:p>
+            <a:r>
+              <a:rPr lang="it-IT" dirty="0" smtClean="0"/>
+              <a:t>Delegato questionari: possibilità di aggiungere un’altra personalità come «responsabile» questionari senza modificare tutto il </a:t>
+            </a:r>
+            <a:r>
+              <a:rPr lang="it-IT" dirty="0" err="1" smtClean="0"/>
+              <a:t>rad</a:t>
+            </a:r>
+            <a:r>
+              <a:rPr lang="it-IT" dirty="0" smtClean="0"/>
+              <a:t>.</a:t>
+            </a:r>
+          </a:p>
+          <a:p>
+            <a:r>
+              <a:rPr lang="it-IT" dirty="0" smtClean="0"/>
+              <a:t>Si</a:t>
+            </a:r>
+            <a:r>
+              <a:rPr lang="it-IT" baseline="0" dirty="0" smtClean="0"/>
+              <a:t> potrebbe evitare di far vedere le 2 versioni degli attori, recuperiamo tempo è poco utile, fate vedere direttamente questa slide e discutete delle generalizzazioni e di cosa servono gli attori</a:t>
+            </a:r>
             <a:endParaRPr lang="it-IT" dirty="0"/>
           </a:p>
         </p:txBody>
@@ -665,7 +1804,7 @@
             <a:fld id="{D70604CA-7593-4640-8FA1-5523937B8510}" type="slidenum">
               <a:rPr lang="it-IT" smtClean="0"/>
               <a:pPr/>
-              <a:t>10</a:t>
+              <a:t>3</a:t>
             </a:fld>
             <a:endParaRPr lang="it-IT"/>
           </a:p>
@@ -674,7 +1813,1074 @@
     </p:spTree>
     <p:extLst>
       <p:ext uri="{BB962C8B-B14F-4D97-AF65-F5344CB8AC3E}">
-        <p14:creationId xmlns:p14="http://schemas.microsoft.com/office/powerpoint/2010/main" val="555626785"/>
+        <p14:creationId xmlns:p14="http://schemas.microsoft.com/office/powerpoint/2010/main" val="963420841"/>
+      </p:ext>
+    </p:extLst>
+  </p:cSld>
+  <p:clrMapOvr>
+    <a:masterClrMapping/>
+  </p:clrMapOvr>
+</p:notes>
+</file>
+
+<file path=ppt/notesSlides/notesSlide20.xml><?xml version="1.0" encoding="utf-8"?>
+<p:notes xmlns:a="http://schemas.openxmlformats.org/drawingml/2006/main" xmlns:r="http://schemas.openxmlformats.org/officeDocument/2006/relationships" xmlns:p="http://schemas.openxmlformats.org/presentationml/2006/main">
+  <p:cSld>
+    <p:spTree>
+      <p:nvGrpSpPr>
+        <p:cNvPr id="1" name=""/>
+        <p:cNvGrpSpPr/>
+        <p:nvPr/>
+      </p:nvGrpSpPr>
+      <p:grpSpPr>
+        <a:xfrm>
+          <a:off x="0" y="0"/>
+          <a:ext cx="0" cy="0"/>
+          <a:chOff x="0" y="0"/>
+          <a:chExt cx="0" cy="0"/>
+        </a:xfrm>
+      </p:grpSpPr>
+      <p:sp>
+        <p:nvSpPr>
+          <p:cNvPr id="2" name="Segnaposto immagine diapositiva 1"/>
+          <p:cNvSpPr>
+            <a:spLocks noGrp="1" noRot="1" noChangeAspect="1"/>
+          </p:cNvSpPr>
+          <p:nvPr>
+            <p:ph type="sldImg"/>
+          </p:nvPr>
+        </p:nvSpPr>
+        <p:spPr/>
+      </p:sp>
+      <p:sp>
+        <p:nvSpPr>
+          <p:cNvPr id="3" name="Segnaposto note 2"/>
+          <p:cNvSpPr>
+            <a:spLocks noGrp="1"/>
+          </p:cNvSpPr>
+          <p:nvPr>
+            <p:ph type="body" idx="1"/>
+          </p:nvPr>
+        </p:nvSpPr>
+        <p:spPr/>
+        <p:txBody>
+          <a:bodyPr/>
+          <a:lstStyle/>
+          <a:p>
+            <a:r>
+              <a:rPr lang="it-IT" dirty="0" smtClean="0"/>
+              <a:t>Spiegare</a:t>
+            </a:r>
+            <a:r>
+              <a:rPr lang="it-IT" baseline="0" dirty="0" smtClean="0"/>
+              <a:t> perché non </a:t>
+            </a:r>
+            <a:r>
+              <a:rPr lang="it-IT" baseline="0" dirty="0" err="1" smtClean="0"/>
+              <a:t>Buy</a:t>
+            </a:r>
+            <a:r>
+              <a:rPr lang="it-IT" baseline="0" dirty="0" smtClean="0"/>
+              <a:t>, evitando di leggere la slide</a:t>
+            </a:r>
+            <a:endParaRPr lang="it-IT" dirty="0"/>
+          </a:p>
+        </p:txBody>
+      </p:sp>
+      <p:sp>
+        <p:nvSpPr>
+          <p:cNvPr id="4" name="Segnaposto numero diapositiva 3"/>
+          <p:cNvSpPr>
+            <a:spLocks noGrp="1"/>
+          </p:cNvSpPr>
+          <p:nvPr>
+            <p:ph type="sldNum" sz="quarter" idx="10"/>
+          </p:nvPr>
+        </p:nvSpPr>
+        <p:spPr/>
+        <p:txBody>
+          <a:bodyPr/>
+          <a:lstStyle/>
+          <a:p>
+            <a:fld id="{D70604CA-7593-4640-8FA1-5523937B8510}" type="slidenum">
+              <a:rPr lang="it-IT" smtClean="0"/>
+              <a:pPr/>
+              <a:t>21</a:t>
+            </a:fld>
+            <a:endParaRPr lang="it-IT"/>
+          </a:p>
+        </p:txBody>
+      </p:sp>
+    </p:spTree>
+    <p:extLst>
+      <p:ext uri="{BB962C8B-B14F-4D97-AF65-F5344CB8AC3E}">
+        <p14:creationId xmlns:p14="http://schemas.microsoft.com/office/powerpoint/2010/main" val="778008281"/>
+      </p:ext>
+    </p:extLst>
+  </p:cSld>
+  <p:clrMapOvr>
+    <a:masterClrMapping/>
+  </p:clrMapOvr>
+</p:notes>
+</file>
+
+<file path=ppt/notesSlides/notesSlide21.xml><?xml version="1.0" encoding="utf-8"?>
+<p:notes xmlns:a="http://schemas.openxmlformats.org/drawingml/2006/main" xmlns:r="http://schemas.openxmlformats.org/officeDocument/2006/relationships" xmlns:p="http://schemas.openxmlformats.org/presentationml/2006/main">
+  <p:cSld>
+    <p:spTree>
+      <p:nvGrpSpPr>
+        <p:cNvPr id="1" name=""/>
+        <p:cNvGrpSpPr/>
+        <p:nvPr/>
+      </p:nvGrpSpPr>
+      <p:grpSpPr>
+        <a:xfrm>
+          <a:off x="0" y="0"/>
+          <a:ext cx="0" cy="0"/>
+          <a:chOff x="0" y="0"/>
+          <a:chExt cx="0" cy="0"/>
+        </a:xfrm>
+      </p:grpSpPr>
+      <p:sp>
+        <p:nvSpPr>
+          <p:cNvPr id="2" name="Segnaposto immagine diapositiva 1"/>
+          <p:cNvSpPr>
+            <a:spLocks noGrp="1" noRot="1" noChangeAspect="1"/>
+          </p:cNvSpPr>
+          <p:nvPr>
+            <p:ph type="sldImg"/>
+          </p:nvPr>
+        </p:nvSpPr>
+        <p:spPr/>
+      </p:sp>
+      <p:sp>
+        <p:nvSpPr>
+          <p:cNvPr id="3" name="Segnaposto note 2"/>
+          <p:cNvSpPr>
+            <a:spLocks noGrp="1"/>
+          </p:cNvSpPr>
+          <p:nvPr>
+            <p:ph type="body" idx="1"/>
+          </p:nvPr>
+        </p:nvSpPr>
+        <p:spPr/>
+        <p:txBody>
+          <a:bodyPr/>
+          <a:lstStyle/>
+          <a:p>
+            <a:r>
+              <a:rPr lang="it-IT" dirty="0" smtClean="0"/>
+              <a:t>Il problema era di permettere una</a:t>
+            </a:r>
+            <a:r>
+              <a:rPr lang="it-IT" baseline="0" dirty="0" smtClean="0"/>
+              <a:t> comunicazione diretta tra i genitori e il personale dell’asilo, consentendo ad entrambi di trarne «profitto» da questa comunicazione</a:t>
+            </a:r>
+            <a:endParaRPr lang="it-IT" dirty="0"/>
+          </a:p>
+        </p:txBody>
+      </p:sp>
+      <p:sp>
+        <p:nvSpPr>
+          <p:cNvPr id="4" name="Segnaposto numero diapositiva 3"/>
+          <p:cNvSpPr>
+            <a:spLocks noGrp="1"/>
+          </p:cNvSpPr>
+          <p:nvPr>
+            <p:ph type="sldNum" sz="quarter" idx="10"/>
+          </p:nvPr>
+        </p:nvSpPr>
+        <p:spPr/>
+        <p:txBody>
+          <a:bodyPr/>
+          <a:lstStyle/>
+          <a:p>
+            <a:fld id="{D70604CA-7593-4640-8FA1-5523937B8510}" type="slidenum">
+              <a:rPr lang="it-IT" smtClean="0"/>
+              <a:pPr/>
+              <a:t>22</a:t>
+            </a:fld>
+            <a:endParaRPr lang="it-IT"/>
+          </a:p>
+        </p:txBody>
+      </p:sp>
+    </p:spTree>
+    <p:extLst>
+      <p:ext uri="{BB962C8B-B14F-4D97-AF65-F5344CB8AC3E}">
+        <p14:creationId xmlns:p14="http://schemas.microsoft.com/office/powerpoint/2010/main" val="1377757052"/>
+      </p:ext>
+    </p:extLst>
+  </p:cSld>
+  <p:clrMapOvr>
+    <a:masterClrMapping/>
+  </p:clrMapOvr>
+</p:notes>
+</file>
+
+<file path=ppt/notesSlides/notesSlide22.xml><?xml version="1.0" encoding="utf-8"?>
+<p:notes xmlns:a="http://schemas.openxmlformats.org/drawingml/2006/main" xmlns:r="http://schemas.openxmlformats.org/officeDocument/2006/relationships" xmlns:p="http://schemas.openxmlformats.org/presentationml/2006/main">
+  <p:cSld>
+    <p:spTree>
+      <p:nvGrpSpPr>
+        <p:cNvPr id="1" name=""/>
+        <p:cNvGrpSpPr/>
+        <p:nvPr/>
+      </p:nvGrpSpPr>
+      <p:grpSpPr>
+        <a:xfrm>
+          <a:off x="0" y="0"/>
+          <a:ext cx="0" cy="0"/>
+          <a:chOff x="0" y="0"/>
+          <a:chExt cx="0" cy="0"/>
+        </a:xfrm>
+      </p:grpSpPr>
+      <p:sp>
+        <p:nvSpPr>
+          <p:cNvPr id="2" name="Segnaposto immagine diapositiva 1"/>
+          <p:cNvSpPr>
+            <a:spLocks noGrp="1" noRot="1" noChangeAspect="1"/>
+          </p:cNvSpPr>
+          <p:nvPr>
+            <p:ph type="sldImg"/>
+          </p:nvPr>
+        </p:nvSpPr>
+        <p:spPr/>
+      </p:sp>
+      <p:sp>
+        <p:nvSpPr>
+          <p:cNvPr id="3" name="Segnaposto note 2"/>
+          <p:cNvSpPr>
+            <a:spLocks noGrp="1"/>
+          </p:cNvSpPr>
+          <p:nvPr>
+            <p:ph type="body" idx="1"/>
+          </p:nvPr>
+        </p:nvSpPr>
+        <p:spPr/>
+        <p:txBody>
+          <a:bodyPr/>
+          <a:lstStyle/>
+          <a:p>
+            <a:r>
+              <a:rPr lang="it-IT" dirty="0" smtClean="0"/>
+              <a:t>«Anche in questo</a:t>
+            </a:r>
+            <a:r>
+              <a:rPr lang="it-IT" baseline="0" dirty="0" smtClean="0"/>
+              <a:t> caso avevamo il dilemma</a:t>
+            </a:r>
+          </a:p>
+          <a:p>
+            <a:r>
+              <a:rPr lang="it-IT" baseline="0" dirty="0" smtClean="0"/>
+              <a:t>Costruiamo noi un forum ad hoc o riutilizziamo un sistema già presente?</a:t>
+            </a:r>
+          </a:p>
+          <a:p>
+            <a:r>
+              <a:rPr lang="it-IT" baseline="0" dirty="0" smtClean="0"/>
+              <a:t>Abbiamo deciso di riutilizzare un sistema già presente in quanto le nostre necessità venivano soddisfatte praticamente appieno da un particolare sistema presente in rete, ma quale è stato il processo che ci ha portato a questa decisione?»</a:t>
+            </a:r>
+          </a:p>
+        </p:txBody>
+      </p:sp>
+      <p:sp>
+        <p:nvSpPr>
+          <p:cNvPr id="4" name="Segnaposto numero diapositiva 3"/>
+          <p:cNvSpPr>
+            <a:spLocks noGrp="1"/>
+          </p:cNvSpPr>
+          <p:nvPr>
+            <p:ph type="sldNum" sz="quarter" idx="10"/>
+          </p:nvPr>
+        </p:nvSpPr>
+        <p:spPr/>
+        <p:txBody>
+          <a:bodyPr/>
+          <a:lstStyle/>
+          <a:p>
+            <a:fld id="{D70604CA-7593-4640-8FA1-5523937B8510}" type="slidenum">
+              <a:rPr lang="it-IT" smtClean="0"/>
+              <a:pPr/>
+              <a:t>23</a:t>
+            </a:fld>
+            <a:endParaRPr lang="it-IT"/>
+          </a:p>
+        </p:txBody>
+      </p:sp>
+    </p:spTree>
+    <p:extLst>
+      <p:ext uri="{BB962C8B-B14F-4D97-AF65-F5344CB8AC3E}">
+        <p14:creationId xmlns:p14="http://schemas.microsoft.com/office/powerpoint/2010/main" val="1394194668"/>
+      </p:ext>
+    </p:extLst>
+  </p:cSld>
+  <p:clrMapOvr>
+    <a:masterClrMapping/>
+  </p:clrMapOvr>
+</p:notes>
+</file>
+
+<file path=ppt/notesSlides/notesSlide23.xml><?xml version="1.0" encoding="utf-8"?>
+<p:notes xmlns:a="http://schemas.openxmlformats.org/drawingml/2006/main" xmlns:r="http://schemas.openxmlformats.org/officeDocument/2006/relationships" xmlns:p="http://schemas.openxmlformats.org/presentationml/2006/main">
+  <p:cSld>
+    <p:spTree>
+      <p:nvGrpSpPr>
+        <p:cNvPr id="1" name=""/>
+        <p:cNvGrpSpPr/>
+        <p:nvPr/>
+      </p:nvGrpSpPr>
+      <p:grpSpPr>
+        <a:xfrm>
+          <a:off x="0" y="0"/>
+          <a:ext cx="0" cy="0"/>
+          <a:chOff x="0" y="0"/>
+          <a:chExt cx="0" cy="0"/>
+        </a:xfrm>
+      </p:grpSpPr>
+      <p:sp>
+        <p:nvSpPr>
+          <p:cNvPr id="2" name="Segnaposto immagine diapositiva 1"/>
+          <p:cNvSpPr>
+            <a:spLocks noGrp="1" noRot="1" noChangeAspect="1"/>
+          </p:cNvSpPr>
+          <p:nvPr>
+            <p:ph type="sldImg"/>
+          </p:nvPr>
+        </p:nvSpPr>
+        <p:spPr/>
+      </p:sp>
+      <p:sp>
+        <p:nvSpPr>
+          <p:cNvPr id="3" name="Segnaposto note 2"/>
+          <p:cNvSpPr>
+            <a:spLocks noGrp="1"/>
+          </p:cNvSpPr>
+          <p:nvPr>
+            <p:ph type="body" idx="1"/>
+          </p:nvPr>
+        </p:nvSpPr>
+        <p:spPr/>
+        <p:txBody>
+          <a:bodyPr/>
+          <a:lstStyle/>
+          <a:p>
+            <a:r>
+              <a:rPr lang="it-IT" dirty="0" smtClean="0"/>
+              <a:t>«Prima</a:t>
+            </a:r>
+            <a:r>
+              <a:rPr lang="it-IT" baseline="0" dirty="0" smtClean="0"/>
+              <a:t> di tutto abbia trascritto le funzionalità che una componente </a:t>
+            </a:r>
+            <a:r>
+              <a:rPr lang="it-IT" baseline="0" dirty="0" err="1" smtClean="0"/>
+              <a:t>cots</a:t>
+            </a:r>
+            <a:r>
+              <a:rPr lang="it-IT" baseline="0" dirty="0" smtClean="0"/>
+              <a:t> doveva avere per essere al caso nostro, indicandone la relativa importanza.</a:t>
+            </a:r>
+          </a:p>
+          <a:p>
+            <a:r>
+              <a:rPr lang="it-IT" baseline="0" dirty="0" smtClean="0"/>
+              <a:t>Tra le varie funzionalità base che dovrebbe offrire una </a:t>
+            </a:r>
+            <a:r>
+              <a:rPr lang="it-IT" baseline="0" dirty="0" err="1" smtClean="0"/>
+              <a:t>cots</a:t>
+            </a:r>
+            <a:r>
+              <a:rPr lang="it-IT" baseline="0" dirty="0" smtClean="0"/>
+              <a:t> per un sistema di forum ad esempio la possibilità di inserimento, modifica, cancellazione e spostamento di argomenti e commenti, avevamo bisogno che l’unione del sistema </a:t>
+            </a:r>
+            <a:r>
+              <a:rPr lang="it-IT" baseline="0" dirty="0" err="1" smtClean="0"/>
+              <a:t>cots</a:t>
+            </a:r>
+            <a:r>
+              <a:rPr lang="it-IT" baseline="0" dirty="0" smtClean="0"/>
+              <a:t> ad </a:t>
+            </a:r>
+            <a:r>
+              <a:rPr lang="it-IT" baseline="0" dirty="0" err="1" smtClean="0"/>
+              <a:t>atsilo</a:t>
+            </a:r>
+            <a:r>
+              <a:rPr lang="it-IT" baseline="0" dirty="0" smtClean="0"/>
+              <a:t> fosse semplice e ci permettesse di integrare gli account di </a:t>
+            </a:r>
+            <a:r>
+              <a:rPr lang="it-IT" baseline="0" dirty="0" err="1" smtClean="0"/>
+              <a:t>atsilo</a:t>
+            </a:r>
+            <a:r>
+              <a:rPr lang="it-IT" baseline="0" dirty="0" smtClean="0"/>
+              <a:t> con il forum. Per unificazione degli account intendiamo una gestione degli account tipo esse3, dove si effettua più volte il login ma le credenziali di accesso sono le stesse sia per </a:t>
+            </a:r>
+            <a:r>
+              <a:rPr lang="it-IT" baseline="0" dirty="0" err="1" smtClean="0"/>
+              <a:t>atsilo</a:t>
+            </a:r>
+            <a:r>
+              <a:rPr lang="it-IT" baseline="0" dirty="0" smtClean="0"/>
+              <a:t> che per il forum» </a:t>
+            </a:r>
+          </a:p>
+          <a:p>
+            <a:r>
+              <a:rPr lang="it-IT" baseline="0" dirty="0" smtClean="0"/>
+              <a:t>ho scritto queste parole di getto ci sarà qualche errore di italiano ma il senso è questo</a:t>
+            </a:r>
+          </a:p>
+          <a:p>
+            <a:endParaRPr lang="it-IT" dirty="0"/>
+          </a:p>
+        </p:txBody>
+      </p:sp>
+      <p:sp>
+        <p:nvSpPr>
+          <p:cNvPr id="4" name="Segnaposto numero diapositiva 3"/>
+          <p:cNvSpPr>
+            <a:spLocks noGrp="1"/>
+          </p:cNvSpPr>
+          <p:nvPr>
+            <p:ph type="sldNum" sz="quarter" idx="10"/>
+          </p:nvPr>
+        </p:nvSpPr>
+        <p:spPr/>
+        <p:txBody>
+          <a:bodyPr/>
+          <a:lstStyle/>
+          <a:p>
+            <a:fld id="{D70604CA-7593-4640-8FA1-5523937B8510}" type="slidenum">
+              <a:rPr lang="it-IT" smtClean="0"/>
+              <a:pPr/>
+              <a:t>24</a:t>
+            </a:fld>
+            <a:endParaRPr lang="it-IT"/>
+          </a:p>
+        </p:txBody>
+      </p:sp>
+    </p:spTree>
+    <p:extLst>
+      <p:ext uri="{BB962C8B-B14F-4D97-AF65-F5344CB8AC3E}">
+        <p14:creationId xmlns:p14="http://schemas.microsoft.com/office/powerpoint/2010/main" val="2972088584"/>
+      </p:ext>
+    </p:extLst>
+  </p:cSld>
+  <p:clrMapOvr>
+    <a:masterClrMapping/>
+  </p:clrMapOvr>
+</p:notes>
+</file>
+
+<file path=ppt/notesSlides/notesSlide24.xml><?xml version="1.0" encoding="utf-8"?>
+<p:notes xmlns:a="http://schemas.openxmlformats.org/drawingml/2006/main" xmlns:r="http://schemas.openxmlformats.org/officeDocument/2006/relationships" xmlns:p="http://schemas.openxmlformats.org/presentationml/2006/main">
+  <p:cSld>
+    <p:spTree>
+      <p:nvGrpSpPr>
+        <p:cNvPr id="1" name=""/>
+        <p:cNvGrpSpPr/>
+        <p:nvPr/>
+      </p:nvGrpSpPr>
+      <p:grpSpPr>
+        <a:xfrm>
+          <a:off x="0" y="0"/>
+          <a:ext cx="0" cy="0"/>
+          <a:chOff x="0" y="0"/>
+          <a:chExt cx="0" cy="0"/>
+        </a:xfrm>
+      </p:grpSpPr>
+      <p:sp>
+        <p:nvSpPr>
+          <p:cNvPr id="2" name="Segnaposto immagine diapositiva 1"/>
+          <p:cNvSpPr>
+            <a:spLocks noGrp="1" noRot="1" noChangeAspect="1"/>
+          </p:cNvSpPr>
+          <p:nvPr>
+            <p:ph type="sldImg"/>
+          </p:nvPr>
+        </p:nvSpPr>
+        <p:spPr/>
+      </p:sp>
+      <p:sp>
+        <p:nvSpPr>
+          <p:cNvPr id="3" name="Segnaposto note 2"/>
+          <p:cNvSpPr>
+            <a:spLocks noGrp="1"/>
+          </p:cNvSpPr>
+          <p:nvPr>
+            <p:ph type="body" idx="1"/>
+          </p:nvPr>
+        </p:nvSpPr>
+        <p:spPr/>
+        <p:txBody>
+          <a:bodyPr/>
+          <a:lstStyle/>
+          <a:p>
+            <a:r>
+              <a:rPr lang="it-IT" dirty="0" smtClean="0"/>
+              <a:t>«Dopo</a:t>
+            </a:r>
+            <a:r>
+              <a:rPr lang="it-IT" baseline="0" dirty="0" smtClean="0"/>
+              <a:t> aver indicato le funzionalità richieste abbiamo messo a paragone i vari sistemi di forum più famosi presenti in rete. Dopo un attenta analisi si è optato per </a:t>
+            </a:r>
+            <a:r>
+              <a:rPr lang="it-IT" baseline="0" dirty="0" err="1" smtClean="0"/>
+              <a:t>Phpbb</a:t>
+            </a:r>
+            <a:r>
+              <a:rPr lang="it-IT" baseline="0" dirty="0" smtClean="0"/>
+              <a:t>, i discriminanti sono state sicuramente gli ultimi 3 fattori, dove gli altri sistemi «cadevano» </a:t>
+            </a:r>
+            <a:r>
+              <a:rPr lang="it-IT" baseline="0" dirty="0" err="1" smtClean="0"/>
+              <a:t>phpbb</a:t>
+            </a:r>
+            <a:r>
+              <a:rPr lang="it-IT" baseline="0" dirty="0" smtClean="0"/>
+              <a:t> è free ed open source garantendo comunque le altre funzionalità richieste&gt;</a:t>
+            </a:r>
+            <a:endParaRPr lang="it-IT" dirty="0"/>
+          </a:p>
+        </p:txBody>
+      </p:sp>
+      <p:sp>
+        <p:nvSpPr>
+          <p:cNvPr id="4" name="Segnaposto numero diapositiva 3"/>
+          <p:cNvSpPr>
+            <a:spLocks noGrp="1"/>
+          </p:cNvSpPr>
+          <p:nvPr>
+            <p:ph type="sldNum" sz="quarter" idx="10"/>
+          </p:nvPr>
+        </p:nvSpPr>
+        <p:spPr/>
+        <p:txBody>
+          <a:bodyPr/>
+          <a:lstStyle/>
+          <a:p>
+            <a:fld id="{D70604CA-7593-4640-8FA1-5523937B8510}" type="slidenum">
+              <a:rPr lang="it-IT" smtClean="0"/>
+              <a:pPr/>
+              <a:t>25</a:t>
+            </a:fld>
+            <a:endParaRPr lang="it-IT"/>
+          </a:p>
+        </p:txBody>
+      </p:sp>
+    </p:spTree>
+    <p:extLst>
+      <p:ext uri="{BB962C8B-B14F-4D97-AF65-F5344CB8AC3E}">
+        <p14:creationId xmlns:p14="http://schemas.microsoft.com/office/powerpoint/2010/main" val="1417320036"/>
+      </p:ext>
+    </p:extLst>
+  </p:cSld>
+  <p:clrMapOvr>
+    <a:masterClrMapping/>
+  </p:clrMapOvr>
+</p:notes>
+</file>
+
+<file path=ppt/notesSlides/notesSlide25.xml><?xml version="1.0" encoding="utf-8"?>
+<p:notes xmlns:a="http://schemas.openxmlformats.org/drawingml/2006/main" xmlns:r="http://schemas.openxmlformats.org/officeDocument/2006/relationships" xmlns:p="http://schemas.openxmlformats.org/presentationml/2006/main">
+  <p:cSld>
+    <p:spTree>
+      <p:nvGrpSpPr>
+        <p:cNvPr id="1" name=""/>
+        <p:cNvGrpSpPr/>
+        <p:nvPr/>
+      </p:nvGrpSpPr>
+      <p:grpSpPr>
+        <a:xfrm>
+          <a:off x="0" y="0"/>
+          <a:ext cx="0" cy="0"/>
+          <a:chOff x="0" y="0"/>
+          <a:chExt cx="0" cy="0"/>
+        </a:xfrm>
+      </p:grpSpPr>
+      <p:sp>
+        <p:nvSpPr>
+          <p:cNvPr id="2" name="Segnaposto immagine diapositiva 1"/>
+          <p:cNvSpPr>
+            <a:spLocks noGrp="1" noRot="1" noChangeAspect="1"/>
+          </p:cNvSpPr>
+          <p:nvPr>
+            <p:ph type="sldImg"/>
+          </p:nvPr>
+        </p:nvSpPr>
+        <p:spPr/>
+      </p:sp>
+      <p:sp>
+        <p:nvSpPr>
+          <p:cNvPr id="3" name="Segnaposto note 2"/>
+          <p:cNvSpPr>
+            <a:spLocks noGrp="1"/>
+          </p:cNvSpPr>
+          <p:nvPr>
+            <p:ph type="body" idx="1"/>
+          </p:nvPr>
+        </p:nvSpPr>
+        <p:spPr/>
+        <p:txBody>
+          <a:bodyPr/>
+          <a:lstStyle/>
+          <a:p>
+            <a:r>
+              <a:rPr lang="it-IT" dirty="0" smtClean="0"/>
+              <a:t>Quindi</a:t>
+            </a:r>
+            <a:r>
+              <a:rPr lang="it-IT" baseline="0" dirty="0" smtClean="0"/>
+              <a:t> la scelta è ricaduta proprio su </a:t>
+            </a:r>
+            <a:r>
+              <a:rPr lang="it-IT" baseline="0" dirty="0" err="1" smtClean="0"/>
+              <a:t>phpbb</a:t>
+            </a:r>
+            <a:r>
+              <a:rPr lang="it-IT" baseline="0" dirty="0" smtClean="0"/>
+              <a:t>, ed il forum ed il sistema </a:t>
+            </a:r>
+            <a:r>
+              <a:rPr lang="it-IT" baseline="0" dirty="0" err="1" smtClean="0"/>
+              <a:t>atsilo</a:t>
+            </a:r>
+            <a:r>
+              <a:rPr lang="it-IT" baseline="0" dirty="0" smtClean="0"/>
+              <a:t> gestiscono gli stessi account permettendo cosi di evitare che gli impiegati dell’asilo e i genitori ricordino più account quando utilizzano il nostro sistema</a:t>
+            </a:r>
+            <a:endParaRPr lang="it-IT" dirty="0"/>
+          </a:p>
+        </p:txBody>
+      </p:sp>
+      <p:sp>
+        <p:nvSpPr>
+          <p:cNvPr id="4" name="Segnaposto numero diapositiva 3"/>
+          <p:cNvSpPr>
+            <a:spLocks noGrp="1"/>
+          </p:cNvSpPr>
+          <p:nvPr>
+            <p:ph type="sldNum" sz="quarter" idx="10"/>
+          </p:nvPr>
+        </p:nvSpPr>
+        <p:spPr/>
+        <p:txBody>
+          <a:bodyPr/>
+          <a:lstStyle/>
+          <a:p>
+            <a:fld id="{D70604CA-7593-4640-8FA1-5523937B8510}" type="slidenum">
+              <a:rPr lang="it-IT" smtClean="0"/>
+              <a:pPr/>
+              <a:t>26</a:t>
+            </a:fld>
+            <a:endParaRPr lang="it-IT"/>
+          </a:p>
+        </p:txBody>
+      </p:sp>
+    </p:spTree>
+    <p:extLst>
+      <p:ext uri="{BB962C8B-B14F-4D97-AF65-F5344CB8AC3E}">
+        <p14:creationId xmlns:p14="http://schemas.microsoft.com/office/powerpoint/2010/main" val="2176874561"/>
+      </p:ext>
+    </p:extLst>
+  </p:cSld>
+  <p:clrMapOvr>
+    <a:masterClrMapping/>
+  </p:clrMapOvr>
+</p:notes>
+</file>
+
+<file path=ppt/notesSlides/notesSlide26.xml><?xml version="1.0" encoding="utf-8"?>
+<p:notes xmlns:a="http://schemas.openxmlformats.org/drawingml/2006/main" xmlns:r="http://schemas.openxmlformats.org/officeDocument/2006/relationships" xmlns:p="http://schemas.openxmlformats.org/presentationml/2006/main">
+  <p:cSld>
+    <p:spTree>
+      <p:nvGrpSpPr>
+        <p:cNvPr id="1" name=""/>
+        <p:cNvGrpSpPr/>
+        <p:nvPr/>
+      </p:nvGrpSpPr>
+      <p:grpSpPr>
+        <a:xfrm>
+          <a:off x="0" y="0"/>
+          <a:ext cx="0" cy="0"/>
+          <a:chOff x="0" y="0"/>
+          <a:chExt cx="0" cy="0"/>
+        </a:xfrm>
+      </p:grpSpPr>
+      <p:sp>
+        <p:nvSpPr>
+          <p:cNvPr id="2" name="Segnaposto immagine diapositiva 1"/>
+          <p:cNvSpPr>
+            <a:spLocks noGrp="1" noRot="1" noChangeAspect="1"/>
+          </p:cNvSpPr>
+          <p:nvPr>
+            <p:ph type="sldImg"/>
+          </p:nvPr>
+        </p:nvSpPr>
+        <p:spPr/>
+      </p:sp>
+      <p:sp>
+        <p:nvSpPr>
+          <p:cNvPr id="3" name="Segnaposto note 2"/>
+          <p:cNvSpPr>
+            <a:spLocks noGrp="1"/>
+          </p:cNvSpPr>
+          <p:nvPr>
+            <p:ph type="body" idx="1"/>
+          </p:nvPr>
+        </p:nvSpPr>
+        <p:spPr/>
+        <p:txBody>
+          <a:bodyPr/>
+          <a:lstStyle/>
+          <a:p>
+            <a:r>
+              <a:rPr lang="it-IT" dirty="0" smtClean="0"/>
+              <a:t>Descrivere il </a:t>
+            </a:r>
+            <a:r>
+              <a:rPr lang="it-IT" dirty="0" err="1" smtClean="0"/>
+              <a:t>dp</a:t>
+            </a:r>
+            <a:endParaRPr lang="it-IT" dirty="0"/>
+          </a:p>
+        </p:txBody>
+      </p:sp>
+      <p:sp>
+        <p:nvSpPr>
+          <p:cNvPr id="4" name="Segnaposto numero diapositiva 3"/>
+          <p:cNvSpPr>
+            <a:spLocks noGrp="1"/>
+          </p:cNvSpPr>
+          <p:nvPr>
+            <p:ph type="sldNum" sz="quarter" idx="10"/>
+          </p:nvPr>
+        </p:nvSpPr>
+        <p:spPr/>
+        <p:txBody>
+          <a:bodyPr/>
+          <a:lstStyle/>
+          <a:p>
+            <a:fld id="{D70604CA-7593-4640-8FA1-5523937B8510}" type="slidenum">
+              <a:rPr lang="it-IT" smtClean="0"/>
+              <a:pPr/>
+              <a:t>27</a:t>
+            </a:fld>
+            <a:endParaRPr lang="it-IT"/>
+          </a:p>
+        </p:txBody>
+      </p:sp>
+    </p:spTree>
+    <p:extLst>
+      <p:ext uri="{BB962C8B-B14F-4D97-AF65-F5344CB8AC3E}">
+        <p14:creationId xmlns:p14="http://schemas.microsoft.com/office/powerpoint/2010/main" val="2428745919"/>
+      </p:ext>
+    </p:extLst>
+  </p:cSld>
+  <p:clrMapOvr>
+    <a:masterClrMapping/>
+  </p:clrMapOvr>
+</p:notes>
+</file>
+
+<file path=ppt/notesSlides/notesSlide27.xml><?xml version="1.0" encoding="utf-8"?>
+<p:notes xmlns:a="http://schemas.openxmlformats.org/drawingml/2006/main" xmlns:r="http://schemas.openxmlformats.org/officeDocument/2006/relationships" xmlns:p="http://schemas.openxmlformats.org/presentationml/2006/main">
+  <p:cSld>
+    <p:spTree>
+      <p:nvGrpSpPr>
+        <p:cNvPr id="1" name=""/>
+        <p:cNvGrpSpPr/>
+        <p:nvPr/>
+      </p:nvGrpSpPr>
+      <p:grpSpPr>
+        <a:xfrm>
+          <a:off x="0" y="0"/>
+          <a:ext cx="0" cy="0"/>
+          <a:chOff x="0" y="0"/>
+          <a:chExt cx="0" cy="0"/>
+        </a:xfrm>
+      </p:grpSpPr>
+      <p:sp>
+        <p:nvSpPr>
+          <p:cNvPr id="2" name="Segnaposto immagine diapositiva 1"/>
+          <p:cNvSpPr>
+            <a:spLocks noGrp="1" noRot="1" noChangeAspect="1"/>
+          </p:cNvSpPr>
+          <p:nvPr>
+            <p:ph type="sldImg"/>
+          </p:nvPr>
+        </p:nvSpPr>
+        <p:spPr/>
+      </p:sp>
+      <p:sp>
+        <p:nvSpPr>
+          <p:cNvPr id="3" name="Segnaposto note 2"/>
+          <p:cNvSpPr>
+            <a:spLocks noGrp="1"/>
+          </p:cNvSpPr>
+          <p:nvPr>
+            <p:ph type="body" idx="1"/>
+          </p:nvPr>
+        </p:nvSpPr>
+        <p:spPr/>
+        <p:txBody>
+          <a:bodyPr/>
+          <a:lstStyle/>
+          <a:p>
+            <a:r>
+              <a:rPr lang="it-IT" dirty="0" smtClean="0"/>
+              <a:t>La slide è </a:t>
+            </a:r>
+            <a:r>
+              <a:rPr lang="it-IT" dirty="0" err="1" smtClean="0"/>
+              <a:t>autoesplicativa</a:t>
+            </a:r>
+            <a:r>
+              <a:rPr lang="it-IT" dirty="0" smtClean="0"/>
+              <a:t>, evitate però di leggerla</a:t>
+            </a:r>
+            <a:endParaRPr lang="it-IT" dirty="0"/>
+          </a:p>
+        </p:txBody>
+      </p:sp>
+      <p:sp>
+        <p:nvSpPr>
+          <p:cNvPr id="4" name="Segnaposto numero diapositiva 3"/>
+          <p:cNvSpPr>
+            <a:spLocks noGrp="1"/>
+          </p:cNvSpPr>
+          <p:nvPr>
+            <p:ph type="sldNum" sz="quarter" idx="10"/>
+          </p:nvPr>
+        </p:nvSpPr>
+        <p:spPr/>
+        <p:txBody>
+          <a:bodyPr/>
+          <a:lstStyle/>
+          <a:p>
+            <a:fld id="{D70604CA-7593-4640-8FA1-5523937B8510}" type="slidenum">
+              <a:rPr lang="it-IT" smtClean="0"/>
+              <a:pPr/>
+              <a:t>28</a:t>
+            </a:fld>
+            <a:endParaRPr lang="it-IT"/>
+          </a:p>
+        </p:txBody>
+      </p:sp>
+    </p:spTree>
+    <p:extLst>
+      <p:ext uri="{BB962C8B-B14F-4D97-AF65-F5344CB8AC3E}">
+        <p14:creationId xmlns:p14="http://schemas.microsoft.com/office/powerpoint/2010/main" val="899854441"/>
+      </p:ext>
+    </p:extLst>
+  </p:cSld>
+  <p:clrMapOvr>
+    <a:masterClrMapping/>
+  </p:clrMapOvr>
+</p:notes>
+</file>
+
+<file path=ppt/notesSlides/notesSlide28.xml><?xml version="1.0" encoding="utf-8"?>
+<p:notes xmlns:a="http://schemas.openxmlformats.org/drawingml/2006/main" xmlns:r="http://schemas.openxmlformats.org/officeDocument/2006/relationships" xmlns:p="http://schemas.openxmlformats.org/presentationml/2006/main">
+  <p:cSld>
+    <p:spTree>
+      <p:nvGrpSpPr>
+        <p:cNvPr id="1" name=""/>
+        <p:cNvGrpSpPr/>
+        <p:nvPr/>
+      </p:nvGrpSpPr>
+      <p:grpSpPr>
+        <a:xfrm>
+          <a:off x="0" y="0"/>
+          <a:ext cx="0" cy="0"/>
+          <a:chOff x="0" y="0"/>
+          <a:chExt cx="0" cy="0"/>
+        </a:xfrm>
+      </p:grpSpPr>
+      <p:sp>
+        <p:nvSpPr>
+          <p:cNvPr id="2" name="Segnaposto immagine diapositiva 1"/>
+          <p:cNvSpPr>
+            <a:spLocks noGrp="1" noRot="1" noChangeAspect="1"/>
+          </p:cNvSpPr>
+          <p:nvPr>
+            <p:ph type="sldImg"/>
+          </p:nvPr>
+        </p:nvSpPr>
+        <p:spPr/>
+      </p:sp>
+      <p:sp>
+        <p:nvSpPr>
+          <p:cNvPr id="3" name="Segnaposto note 2"/>
+          <p:cNvSpPr>
+            <a:spLocks noGrp="1"/>
+          </p:cNvSpPr>
+          <p:nvPr>
+            <p:ph type="body" idx="1"/>
+          </p:nvPr>
+        </p:nvSpPr>
+        <p:spPr/>
+        <p:txBody>
+          <a:bodyPr/>
+          <a:lstStyle/>
+          <a:p>
+            <a:pPr marL="0" marR="0" indent="0" algn="l" defTabSz="914400" rtl="0" eaLnBrk="1" fontAlgn="auto" latinLnBrk="0" hangingPunct="1">
+              <a:lnSpc>
+                <a:spcPct val="100000"/>
+              </a:lnSpc>
+              <a:spcBef>
+                <a:spcPts val="0"/>
+              </a:spcBef>
+              <a:spcAft>
+                <a:spcPts val="0"/>
+              </a:spcAft>
+              <a:buClrTx/>
+              <a:buSzTx/>
+              <a:buFontTx/>
+              <a:buNone/>
+              <a:tabLst/>
+              <a:defRPr/>
+            </a:pPr>
+            <a:r>
+              <a:rPr lang="it-IT" dirty="0" smtClean="0"/>
+              <a:t>Inserite i pro e i contro</a:t>
+            </a:r>
+            <a:r>
+              <a:rPr lang="it-IT" baseline="0" dirty="0" smtClean="0"/>
+              <a:t> del ODD secondo voi, siate specifici sulla nostra parte anche di cose che non sono questionario o forum (solo qui potete farlo)</a:t>
+            </a:r>
+            <a:endParaRPr lang="it-IT" dirty="0" smtClean="0"/>
+          </a:p>
+          <a:p>
+            <a:endParaRPr lang="it-IT" dirty="0"/>
+          </a:p>
+        </p:txBody>
+      </p:sp>
+      <p:sp>
+        <p:nvSpPr>
+          <p:cNvPr id="4" name="Segnaposto numero diapositiva 3"/>
+          <p:cNvSpPr>
+            <a:spLocks noGrp="1"/>
+          </p:cNvSpPr>
+          <p:nvPr>
+            <p:ph type="sldNum" sz="quarter" idx="10"/>
+          </p:nvPr>
+        </p:nvSpPr>
+        <p:spPr/>
+        <p:txBody>
+          <a:bodyPr/>
+          <a:lstStyle/>
+          <a:p>
+            <a:fld id="{D70604CA-7593-4640-8FA1-5523937B8510}" type="slidenum">
+              <a:rPr lang="it-IT" smtClean="0"/>
+              <a:pPr/>
+              <a:t>29</a:t>
+            </a:fld>
+            <a:endParaRPr lang="it-IT"/>
+          </a:p>
+        </p:txBody>
+      </p:sp>
+    </p:spTree>
+    <p:extLst>
+      <p:ext uri="{BB962C8B-B14F-4D97-AF65-F5344CB8AC3E}">
+        <p14:creationId xmlns:p14="http://schemas.microsoft.com/office/powerpoint/2010/main" val="1218324987"/>
+      </p:ext>
+    </p:extLst>
+  </p:cSld>
+  <p:clrMapOvr>
+    <a:masterClrMapping/>
+  </p:clrMapOvr>
+</p:notes>
+</file>
+
+<file path=ppt/notesSlides/notesSlide29.xml><?xml version="1.0" encoding="utf-8"?>
+<p:notes xmlns:a="http://schemas.openxmlformats.org/drawingml/2006/main" xmlns:r="http://schemas.openxmlformats.org/officeDocument/2006/relationships" xmlns:p="http://schemas.openxmlformats.org/presentationml/2006/main">
+  <p:cSld>
+    <p:spTree>
+      <p:nvGrpSpPr>
+        <p:cNvPr id="1" name=""/>
+        <p:cNvGrpSpPr/>
+        <p:nvPr/>
+      </p:nvGrpSpPr>
+      <p:grpSpPr>
+        <a:xfrm>
+          <a:off x="0" y="0"/>
+          <a:ext cx="0" cy="0"/>
+          <a:chOff x="0" y="0"/>
+          <a:chExt cx="0" cy="0"/>
+        </a:xfrm>
+      </p:grpSpPr>
+      <p:sp>
+        <p:nvSpPr>
+          <p:cNvPr id="2" name="Segnaposto immagine diapositiva 1"/>
+          <p:cNvSpPr>
+            <a:spLocks noGrp="1" noRot="1" noChangeAspect="1"/>
+          </p:cNvSpPr>
+          <p:nvPr>
+            <p:ph type="sldImg"/>
+          </p:nvPr>
+        </p:nvSpPr>
+        <p:spPr/>
+      </p:sp>
+      <p:sp>
+        <p:nvSpPr>
+          <p:cNvPr id="3" name="Segnaposto note 2"/>
+          <p:cNvSpPr>
+            <a:spLocks noGrp="1"/>
+          </p:cNvSpPr>
+          <p:nvPr>
+            <p:ph type="body" idx="1"/>
+          </p:nvPr>
+        </p:nvSpPr>
+        <p:spPr/>
+        <p:txBody>
+          <a:bodyPr/>
+          <a:lstStyle/>
+          <a:p>
+            <a:r>
+              <a:rPr lang="it-IT" dirty="0" smtClean="0"/>
+              <a:t>Cercare</a:t>
+            </a:r>
+            <a:r>
+              <a:rPr lang="it-IT" baseline="0" dirty="0" smtClean="0"/>
+              <a:t> di dire «abbiamo indicato gli obiettivi prima ora abbiamo cercato di applicarli, nel giro di 14 giorni»</a:t>
+            </a:r>
+            <a:endParaRPr lang="it-IT" dirty="0"/>
+          </a:p>
+        </p:txBody>
+      </p:sp>
+      <p:sp>
+        <p:nvSpPr>
+          <p:cNvPr id="4" name="Segnaposto numero diapositiva 3"/>
+          <p:cNvSpPr>
+            <a:spLocks noGrp="1"/>
+          </p:cNvSpPr>
+          <p:nvPr>
+            <p:ph type="sldNum" sz="quarter" idx="10"/>
+          </p:nvPr>
+        </p:nvSpPr>
+        <p:spPr/>
+        <p:txBody>
+          <a:bodyPr/>
+          <a:lstStyle/>
+          <a:p>
+            <a:fld id="{D70604CA-7593-4640-8FA1-5523937B8510}" type="slidenum">
+              <a:rPr lang="it-IT" smtClean="0"/>
+              <a:pPr/>
+              <a:t>30</a:t>
+            </a:fld>
+            <a:endParaRPr lang="it-IT"/>
+          </a:p>
+        </p:txBody>
+      </p:sp>
+    </p:spTree>
+    <p:extLst>
+      <p:ext uri="{BB962C8B-B14F-4D97-AF65-F5344CB8AC3E}">
+        <p14:creationId xmlns:p14="http://schemas.microsoft.com/office/powerpoint/2010/main" val="3928439017"/>
       </p:ext>
     </p:extLst>
   </p:cSld>
@@ -730,11 +2936,23 @@
           <a:p>
             <a:r>
               <a:rPr lang="it-IT" dirty="0" smtClean="0"/>
-              <a:t>Spiegare</a:t>
+              <a:t>Inserire lo scenario di compilazione questionario, discuterne brevemente.</a:t>
+            </a:r>
+          </a:p>
+          <a:p>
+            <a:r>
+              <a:rPr lang="it-IT" dirty="0" smtClean="0"/>
+              <a:t>Inserite il nome giusto del file mi raccomando che il numero corrisponda al numero del caso d’uso corrispondente che fate vedere nella slide 6.</a:t>
+            </a:r>
+          </a:p>
+          <a:p>
+            <a:r>
+              <a:rPr lang="it-IT" dirty="0" smtClean="0"/>
+              <a:t>Accennate</a:t>
             </a:r>
             <a:r>
               <a:rPr lang="it-IT" baseline="0" dirty="0" smtClean="0"/>
-              <a:t> cosa si intende per integrazione account</a:t>
+              <a:t> al nome del file e di perché si chiama cosi</a:t>
             </a:r>
             <a:endParaRPr lang="it-IT" dirty="0"/>
           </a:p>
@@ -758,7 +2976,7 @@
             <a:fld id="{D70604CA-7593-4640-8FA1-5523937B8510}" type="slidenum">
               <a:rPr lang="it-IT" smtClean="0"/>
               <a:pPr/>
-              <a:t>26</a:t>
+              <a:t>4</a:t>
             </a:fld>
             <a:endParaRPr lang="it-IT"/>
           </a:p>
@@ -767,7 +2985,786 @@
     </p:spTree>
     <p:extLst>
       <p:ext uri="{BB962C8B-B14F-4D97-AF65-F5344CB8AC3E}">
-        <p14:creationId xmlns:p14="http://schemas.microsoft.com/office/powerpoint/2010/main" val="2972088584"/>
+        <p14:creationId xmlns:p14="http://schemas.microsoft.com/office/powerpoint/2010/main" val="2781517378"/>
+      </p:ext>
+    </p:extLst>
+  </p:cSld>
+  <p:clrMapOvr>
+    <a:masterClrMapping/>
+  </p:clrMapOvr>
+</p:notes>
+</file>
+
+<file path=ppt/notesSlides/notesSlide30.xml><?xml version="1.0" encoding="utf-8"?>
+<p:notes xmlns:a="http://schemas.openxmlformats.org/drawingml/2006/main" xmlns:r="http://schemas.openxmlformats.org/officeDocument/2006/relationships" xmlns:p="http://schemas.openxmlformats.org/presentationml/2006/main">
+  <p:cSld>
+    <p:spTree>
+      <p:nvGrpSpPr>
+        <p:cNvPr id="1" name=""/>
+        <p:cNvGrpSpPr/>
+        <p:nvPr/>
+      </p:nvGrpSpPr>
+      <p:grpSpPr>
+        <a:xfrm>
+          <a:off x="0" y="0"/>
+          <a:ext cx="0" cy="0"/>
+          <a:chOff x="0" y="0"/>
+          <a:chExt cx="0" cy="0"/>
+        </a:xfrm>
+      </p:grpSpPr>
+      <p:sp>
+        <p:nvSpPr>
+          <p:cNvPr id="2" name="Segnaposto immagine diapositiva 1"/>
+          <p:cNvSpPr>
+            <a:spLocks noGrp="1" noRot="1" noChangeAspect="1"/>
+          </p:cNvSpPr>
+          <p:nvPr>
+            <p:ph type="sldImg"/>
+          </p:nvPr>
+        </p:nvSpPr>
+        <p:spPr/>
+      </p:sp>
+      <p:sp>
+        <p:nvSpPr>
+          <p:cNvPr id="3" name="Segnaposto note 2"/>
+          <p:cNvSpPr>
+            <a:spLocks noGrp="1"/>
+          </p:cNvSpPr>
+          <p:nvPr>
+            <p:ph type="body" idx="1"/>
+          </p:nvPr>
+        </p:nvSpPr>
+        <p:spPr/>
+        <p:txBody>
+          <a:bodyPr/>
+          <a:lstStyle/>
+          <a:p>
+            <a:r>
+              <a:rPr lang="it-IT" dirty="0" smtClean="0"/>
+              <a:t>Inserire la demo della compilazione</a:t>
+            </a:r>
+            <a:endParaRPr lang="it-IT" dirty="0"/>
+          </a:p>
+        </p:txBody>
+      </p:sp>
+      <p:sp>
+        <p:nvSpPr>
+          <p:cNvPr id="4" name="Segnaposto numero diapositiva 3"/>
+          <p:cNvSpPr>
+            <a:spLocks noGrp="1"/>
+          </p:cNvSpPr>
+          <p:nvPr>
+            <p:ph type="sldNum" sz="quarter" idx="10"/>
+          </p:nvPr>
+        </p:nvSpPr>
+        <p:spPr/>
+        <p:txBody>
+          <a:bodyPr/>
+          <a:lstStyle/>
+          <a:p>
+            <a:fld id="{D70604CA-7593-4640-8FA1-5523937B8510}" type="slidenum">
+              <a:rPr lang="it-IT" smtClean="0"/>
+              <a:pPr/>
+              <a:t>31</a:t>
+            </a:fld>
+            <a:endParaRPr lang="it-IT"/>
+          </a:p>
+        </p:txBody>
+      </p:sp>
+    </p:spTree>
+    <p:extLst>
+      <p:ext uri="{BB962C8B-B14F-4D97-AF65-F5344CB8AC3E}">
+        <p14:creationId xmlns:p14="http://schemas.microsoft.com/office/powerpoint/2010/main" val="4040687285"/>
+      </p:ext>
+    </p:extLst>
+  </p:cSld>
+  <p:clrMapOvr>
+    <a:masterClrMapping/>
+  </p:clrMapOvr>
+</p:notes>
+</file>
+
+<file path=ppt/notesSlides/notesSlide31.xml><?xml version="1.0" encoding="utf-8"?>
+<p:notes xmlns:a="http://schemas.openxmlformats.org/drawingml/2006/main" xmlns:r="http://schemas.openxmlformats.org/officeDocument/2006/relationships" xmlns:p="http://schemas.openxmlformats.org/presentationml/2006/main">
+  <p:cSld>
+    <p:spTree>
+      <p:nvGrpSpPr>
+        <p:cNvPr id="1" name=""/>
+        <p:cNvGrpSpPr/>
+        <p:nvPr/>
+      </p:nvGrpSpPr>
+      <p:grpSpPr>
+        <a:xfrm>
+          <a:off x="0" y="0"/>
+          <a:ext cx="0" cy="0"/>
+          <a:chOff x="0" y="0"/>
+          <a:chExt cx="0" cy="0"/>
+        </a:xfrm>
+      </p:grpSpPr>
+      <p:sp>
+        <p:nvSpPr>
+          <p:cNvPr id="2" name="Segnaposto immagine diapositiva 1"/>
+          <p:cNvSpPr>
+            <a:spLocks noGrp="1" noRot="1" noChangeAspect="1"/>
+          </p:cNvSpPr>
+          <p:nvPr>
+            <p:ph type="sldImg"/>
+          </p:nvPr>
+        </p:nvSpPr>
+        <p:spPr/>
+      </p:sp>
+      <p:sp>
+        <p:nvSpPr>
+          <p:cNvPr id="3" name="Segnaposto note 2"/>
+          <p:cNvSpPr>
+            <a:spLocks noGrp="1"/>
+          </p:cNvSpPr>
+          <p:nvPr>
+            <p:ph type="body" idx="1"/>
+          </p:nvPr>
+        </p:nvSpPr>
+        <p:spPr/>
+        <p:txBody>
+          <a:bodyPr/>
+          <a:lstStyle/>
+          <a:p>
+            <a:r>
+              <a:rPr lang="it-IT" dirty="0" smtClean="0"/>
+              <a:t>Mettere anche dei pregi</a:t>
+            </a:r>
+            <a:endParaRPr lang="it-IT" dirty="0"/>
+          </a:p>
+        </p:txBody>
+      </p:sp>
+      <p:sp>
+        <p:nvSpPr>
+          <p:cNvPr id="4" name="Segnaposto numero diapositiva 3"/>
+          <p:cNvSpPr>
+            <a:spLocks noGrp="1"/>
+          </p:cNvSpPr>
+          <p:nvPr>
+            <p:ph type="sldNum" sz="quarter" idx="10"/>
+          </p:nvPr>
+        </p:nvSpPr>
+        <p:spPr/>
+        <p:txBody>
+          <a:bodyPr/>
+          <a:lstStyle/>
+          <a:p>
+            <a:fld id="{D70604CA-7593-4640-8FA1-5523937B8510}" type="slidenum">
+              <a:rPr lang="it-IT" smtClean="0"/>
+              <a:pPr/>
+              <a:t>32</a:t>
+            </a:fld>
+            <a:endParaRPr lang="it-IT"/>
+          </a:p>
+        </p:txBody>
+      </p:sp>
+    </p:spTree>
+    <p:extLst>
+      <p:ext uri="{BB962C8B-B14F-4D97-AF65-F5344CB8AC3E}">
+        <p14:creationId xmlns:p14="http://schemas.microsoft.com/office/powerpoint/2010/main" val="1047033234"/>
+      </p:ext>
+    </p:extLst>
+  </p:cSld>
+  <p:clrMapOvr>
+    <a:masterClrMapping/>
+  </p:clrMapOvr>
+</p:notes>
+</file>
+
+<file path=ppt/notesSlides/notesSlide4.xml><?xml version="1.0" encoding="utf-8"?>
+<p:notes xmlns:a="http://schemas.openxmlformats.org/drawingml/2006/main" xmlns:r="http://schemas.openxmlformats.org/officeDocument/2006/relationships" xmlns:p="http://schemas.openxmlformats.org/presentationml/2006/main">
+  <p:cSld>
+    <p:spTree>
+      <p:nvGrpSpPr>
+        <p:cNvPr id="1" name=""/>
+        <p:cNvGrpSpPr/>
+        <p:nvPr/>
+      </p:nvGrpSpPr>
+      <p:grpSpPr>
+        <a:xfrm>
+          <a:off x="0" y="0"/>
+          <a:ext cx="0" cy="0"/>
+          <a:chOff x="0" y="0"/>
+          <a:chExt cx="0" cy="0"/>
+        </a:xfrm>
+      </p:grpSpPr>
+      <p:sp>
+        <p:nvSpPr>
+          <p:cNvPr id="2" name="Segnaposto immagine diapositiva 1"/>
+          <p:cNvSpPr>
+            <a:spLocks noGrp="1" noRot="1" noChangeAspect="1"/>
+          </p:cNvSpPr>
+          <p:nvPr>
+            <p:ph type="sldImg"/>
+          </p:nvPr>
+        </p:nvSpPr>
+        <p:spPr/>
+      </p:sp>
+      <p:sp>
+        <p:nvSpPr>
+          <p:cNvPr id="3" name="Segnaposto note 2"/>
+          <p:cNvSpPr>
+            <a:spLocks noGrp="1"/>
+          </p:cNvSpPr>
+          <p:nvPr>
+            <p:ph type="body" idx="1"/>
+          </p:nvPr>
+        </p:nvSpPr>
+        <p:spPr/>
+        <p:txBody>
+          <a:bodyPr/>
+          <a:lstStyle/>
+          <a:p>
+            <a:r>
+              <a:rPr lang="it-IT" dirty="0" smtClean="0"/>
+              <a:t>Sottolineate</a:t>
+            </a:r>
+            <a:r>
+              <a:rPr lang="it-IT" baseline="0" dirty="0" smtClean="0"/>
+              <a:t> sono le funzionalità implementate, perché avevano un priorità più elevata rispetto alle altre</a:t>
+            </a:r>
+          </a:p>
+          <a:p>
+            <a:r>
+              <a:rPr lang="it-IT" baseline="0" dirty="0" smtClean="0"/>
+              <a:t>Sottolineate in blu scuro, funzionalità di cui si parlerà nella presentazione perché più rappresentative e migliori dell’intero progetto</a:t>
+            </a:r>
+            <a:endParaRPr lang="it-IT" dirty="0"/>
+          </a:p>
+        </p:txBody>
+      </p:sp>
+      <p:sp>
+        <p:nvSpPr>
+          <p:cNvPr id="4" name="Segnaposto numero diapositiva 3"/>
+          <p:cNvSpPr>
+            <a:spLocks noGrp="1"/>
+          </p:cNvSpPr>
+          <p:nvPr>
+            <p:ph type="sldNum" sz="quarter" idx="10"/>
+          </p:nvPr>
+        </p:nvSpPr>
+        <p:spPr/>
+        <p:txBody>
+          <a:bodyPr/>
+          <a:lstStyle/>
+          <a:p>
+            <a:fld id="{D70604CA-7593-4640-8FA1-5523937B8510}" type="slidenum">
+              <a:rPr lang="it-IT" smtClean="0"/>
+              <a:pPr/>
+              <a:t>5</a:t>
+            </a:fld>
+            <a:endParaRPr lang="it-IT"/>
+          </a:p>
+        </p:txBody>
+      </p:sp>
+    </p:spTree>
+    <p:extLst>
+      <p:ext uri="{BB962C8B-B14F-4D97-AF65-F5344CB8AC3E}">
+        <p14:creationId xmlns:p14="http://schemas.microsoft.com/office/powerpoint/2010/main" val="1025718114"/>
+      </p:ext>
+    </p:extLst>
+  </p:cSld>
+  <p:clrMapOvr>
+    <a:masterClrMapping/>
+  </p:clrMapOvr>
+</p:notes>
+</file>
+
+<file path=ppt/notesSlides/notesSlide5.xml><?xml version="1.0" encoding="utf-8"?>
+<p:notes xmlns:a="http://schemas.openxmlformats.org/drawingml/2006/main" xmlns:r="http://schemas.openxmlformats.org/officeDocument/2006/relationships" xmlns:p="http://schemas.openxmlformats.org/presentationml/2006/main">
+  <p:cSld>
+    <p:spTree>
+      <p:nvGrpSpPr>
+        <p:cNvPr id="1" name=""/>
+        <p:cNvGrpSpPr/>
+        <p:nvPr/>
+      </p:nvGrpSpPr>
+      <p:grpSpPr>
+        <a:xfrm>
+          <a:off x="0" y="0"/>
+          <a:ext cx="0" cy="0"/>
+          <a:chOff x="0" y="0"/>
+          <a:chExt cx="0" cy="0"/>
+        </a:xfrm>
+      </p:grpSpPr>
+      <p:sp>
+        <p:nvSpPr>
+          <p:cNvPr id="2" name="Segnaposto immagine diapositiva 1"/>
+          <p:cNvSpPr>
+            <a:spLocks noGrp="1" noRot="1" noChangeAspect="1"/>
+          </p:cNvSpPr>
+          <p:nvPr>
+            <p:ph type="sldImg"/>
+          </p:nvPr>
+        </p:nvSpPr>
+        <p:spPr/>
+      </p:sp>
+      <p:sp>
+        <p:nvSpPr>
+          <p:cNvPr id="3" name="Segnaposto note 2"/>
+          <p:cNvSpPr>
+            <a:spLocks noGrp="1"/>
+          </p:cNvSpPr>
+          <p:nvPr>
+            <p:ph type="body" idx="1"/>
+          </p:nvPr>
+        </p:nvSpPr>
+        <p:spPr/>
+        <p:txBody>
+          <a:bodyPr/>
+          <a:lstStyle/>
+          <a:p>
+            <a:r>
+              <a:rPr lang="it-IT" dirty="0" smtClean="0"/>
+              <a:t>Descrivete brevemente le funzionalità di questionario</a:t>
+            </a:r>
+            <a:endParaRPr lang="it-IT" dirty="0"/>
+          </a:p>
+        </p:txBody>
+      </p:sp>
+      <p:sp>
+        <p:nvSpPr>
+          <p:cNvPr id="4" name="Segnaposto numero diapositiva 3"/>
+          <p:cNvSpPr>
+            <a:spLocks noGrp="1"/>
+          </p:cNvSpPr>
+          <p:nvPr>
+            <p:ph type="sldNum" sz="quarter" idx="10"/>
+          </p:nvPr>
+        </p:nvSpPr>
+        <p:spPr/>
+        <p:txBody>
+          <a:bodyPr/>
+          <a:lstStyle/>
+          <a:p>
+            <a:fld id="{D70604CA-7593-4640-8FA1-5523937B8510}" type="slidenum">
+              <a:rPr lang="it-IT" smtClean="0"/>
+              <a:pPr/>
+              <a:t>6</a:t>
+            </a:fld>
+            <a:endParaRPr lang="it-IT"/>
+          </a:p>
+        </p:txBody>
+      </p:sp>
+    </p:spTree>
+    <p:extLst>
+      <p:ext uri="{BB962C8B-B14F-4D97-AF65-F5344CB8AC3E}">
+        <p14:creationId xmlns:p14="http://schemas.microsoft.com/office/powerpoint/2010/main" val="1357369038"/>
+      </p:ext>
+    </p:extLst>
+  </p:cSld>
+  <p:clrMapOvr>
+    <a:masterClrMapping/>
+  </p:clrMapOvr>
+</p:notes>
+</file>
+
+<file path=ppt/notesSlides/notesSlide6.xml><?xml version="1.0" encoding="utf-8"?>
+<p:notes xmlns:a="http://schemas.openxmlformats.org/drawingml/2006/main" xmlns:r="http://schemas.openxmlformats.org/officeDocument/2006/relationships" xmlns:p="http://schemas.openxmlformats.org/presentationml/2006/main">
+  <p:cSld>
+    <p:spTree>
+      <p:nvGrpSpPr>
+        <p:cNvPr id="1" name=""/>
+        <p:cNvGrpSpPr/>
+        <p:nvPr/>
+      </p:nvGrpSpPr>
+      <p:grpSpPr>
+        <a:xfrm>
+          <a:off x="0" y="0"/>
+          <a:ext cx="0" cy="0"/>
+          <a:chOff x="0" y="0"/>
+          <a:chExt cx="0" cy="0"/>
+        </a:xfrm>
+      </p:grpSpPr>
+      <p:sp>
+        <p:nvSpPr>
+          <p:cNvPr id="2" name="Segnaposto immagine diapositiva 1"/>
+          <p:cNvSpPr>
+            <a:spLocks noGrp="1" noRot="1" noChangeAspect="1"/>
+          </p:cNvSpPr>
+          <p:nvPr>
+            <p:ph type="sldImg"/>
+          </p:nvPr>
+        </p:nvSpPr>
+        <p:spPr/>
+      </p:sp>
+      <p:sp>
+        <p:nvSpPr>
+          <p:cNvPr id="3" name="Segnaposto note 2"/>
+          <p:cNvSpPr>
+            <a:spLocks noGrp="1"/>
+          </p:cNvSpPr>
+          <p:nvPr>
+            <p:ph type="body" idx="1"/>
+          </p:nvPr>
+        </p:nvSpPr>
+        <p:spPr/>
+        <p:txBody>
+          <a:bodyPr/>
+          <a:lstStyle/>
+          <a:p>
+            <a:r>
+              <a:rPr lang="it-IT" dirty="0" smtClean="0"/>
+              <a:t>Inserite la prima versione del caso</a:t>
+            </a:r>
+            <a:r>
+              <a:rPr lang="it-IT" baseline="0" dirty="0" smtClean="0"/>
+              <a:t> d’uso Compilazione Questionario</a:t>
+            </a:r>
+            <a:endParaRPr lang="it-IT" dirty="0" smtClean="0"/>
+          </a:p>
+          <a:p>
+            <a:r>
+              <a:rPr lang="it-IT" dirty="0" smtClean="0"/>
+              <a:t>Inserite il nome giusto del file mi raccomando che il numero corrisponda al numero dello</a:t>
+            </a:r>
+            <a:r>
+              <a:rPr lang="it-IT" baseline="0" dirty="0" smtClean="0"/>
+              <a:t> scenario visto prima.</a:t>
+            </a:r>
+          </a:p>
+          <a:p>
+            <a:r>
+              <a:rPr lang="it-IT" dirty="0" smtClean="0"/>
+              <a:t>Accennate</a:t>
+            </a:r>
+            <a:r>
+              <a:rPr lang="it-IT" baseline="0" dirty="0" smtClean="0"/>
+              <a:t> al nome del file e di perché si chiama cosi</a:t>
+            </a:r>
+            <a:endParaRPr lang="it-IT" dirty="0"/>
+          </a:p>
+        </p:txBody>
+      </p:sp>
+      <p:sp>
+        <p:nvSpPr>
+          <p:cNvPr id="4" name="Segnaposto numero diapositiva 3"/>
+          <p:cNvSpPr>
+            <a:spLocks noGrp="1"/>
+          </p:cNvSpPr>
+          <p:nvPr>
+            <p:ph type="sldNum" sz="quarter" idx="10"/>
+          </p:nvPr>
+        </p:nvSpPr>
+        <p:spPr/>
+        <p:txBody>
+          <a:bodyPr/>
+          <a:lstStyle/>
+          <a:p>
+            <a:fld id="{D70604CA-7593-4640-8FA1-5523937B8510}" type="slidenum">
+              <a:rPr lang="it-IT" smtClean="0"/>
+              <a:pPr/>
+              <a:t>7</a:t>
+            </a:fld>
+            <a:endParaRPr lang="it-IT"/>
+          </a:p>
+        </p:txBody>
+      </p:sp>
+    </p:spTree>
+    <p:extLst>
+      <p:ext uri="{BB962C8B-B14F-4D97-AF65-F5344CB8AC3E}">
+        <p14:creationId xmlns:p14="http://schemas.microsoft.com/office/powerpoint/2010/main" val="3780346060"/>
+      </p:ext>
+    </p:extLst>
+  </p:cSld>
+  <p:clrMapOvr>
+    <a:masterClrMapping/>
+  </p:clrMapOvr>
+</p:notes>
+</file>
+
+<file path=ppt/notesSlides/notesSlide7.xml><?xml version="1.0" encoding="utf-8"?>
+<p:notes xmlns:a="http://schemas.openxmlformats.org/drawingml/2006/main" xmlns:r="http://schemas.openxmlformats.org/officeDocument/2006/relationships" xmlns:p="http://schemas.openxmlformats.org/presentationml/2006/main">
+  <p:cSld>
+    <p:spTree>
+      <p:nvGrpSpPr>
+        <p:cNvPr id="1" name=""/>
+        <p:cNvGrpSpPr/>
+        <p:nvPr/>
+      </p:nvGrpSpPr>
+      <p:grpSpPr>
+        <a:xfrm>
+          <a:off x="0" y="0"/>
+          <a:ext cx="0" cy="0"/>
+          <a:chOff x="0" y="0"/>
+          <a:chExt cx="0" cy="0"/>
+        </a:xfrm>
+      </p:grpSpPr>
+      <p:sp>
+        <p:nvSpPr>
+          <p:cNvPr id="2" name="Segnaposto immagine diapositiva 1"/>
+          <p:cNvSpPr>
+            <a:spLocks noGrp="1" noRot="1" noChangeAspect="1"/>
+          </p:cNvSpPr>
+          <p:nvPr>
+            <p:ph type="sldImg"/>
+          </p:nvPr>
+        </p:nvSpPr>
+        <p:spPr/>
+      </p:sp>
+      <p:sp>
+        <p:nvSpPr>
+          <p:cNvPr id="3" name="Segnaposto note 2"/>
+          <p:cNvSpPr>
+            <a:spLocks noGrp="1"/>
+          </p:cNvSpPr>
+          <p:nvPr>
+            <p:ph type="body" idx="1"/>
+          </p:nvPr>
+        </p:nvSpPr>
+        <p:spPr/>
+        <p:txBody>
+          <a:bodyPr/>
+          <a:lstStyle/>
+          <a:p>
+            <a:r>
+              <a:rPr lang="it-IT" dirty="0" smtClean="0"/>
+              <a:t>Inserite l’ultima versione del caso</a:t>
+            </a:r>
+            <a:r>
+              <a:rPr lang="it-IT" baseline="0" dirty="0" smtClean="0"/>
+              <a:t> d’uso Compilazione Questionario.</a:t>
+            </a:r>
+          </a:p>
+          <a:p>
+            <a:r>
+              <a:rPr lang="it-IT" baseline="0" dirty="0" smtClean="0"/>
+              <a:t>Sottolineate con dei cerchi le differenze con la prima versione e soffermatevi su quella.</a:t>
+            </a:r>
+          </a:p>
+          <a:p>
+            <a:r>
+              <a:rPr lang="it-IT" baseline="0" dirty="0" smtClean="0"/>
+              <a:t>Le modifiche ci sono perché l’esame si fa mentre studiate è ovvio che all’inizio ci siano degli errori, ditelo!</a:t>
+            </a:r>
+            <a:endParaRPr lang="it-IT" dirty="0" smtClean="0"/>
+          </a:p>
+        </p:txBody>
+      </p:sp>
+      <p:sp>
+        <p:nvSpPr>
+          <p:cNvPr id="4" name="Segnaposto numero diapositiva 3"/>
+          <p:cNvSpPr>
+            <a:spLocks noGrp="1"/>
+          </p:cNvSpPr>
+          <p:nvPr>
+            <p:ph type="sldNum" sz="quarter" idx="10"/>
+          </p:nvPr>
+        </p:nvSpPr>
+        <p:spPr/>
+        <p:txBody>
+          <a:bodyPr/>
+          <a:lstStyle/>
+          <a:p>
+            <a:fld id="{D70604CA-7593-4640-8FA1-5523937B8510}" type="slidenum">
+              <a:rPr lang="it-IT" smtClean="0"/>
+              <a:pPr/>
+              <a:t>8</a:t>
+            </a:fld>
+            <a:endParaRPr lang="it-IT"/>
+          </a:p>
+        </p:txBody>
+      </p:sp>
+    </p:spTree>
+    <p:extLst>
+      <p:ext uri="{BB962C8B-B14F-4D97-AF65-F5344CB8AC3E}">
+        <p14:creationId xmlns:p14="http://schemas.microsoft.com/office/powerpoint/2010/main" val="41796055"/>
+      </p:ext>
+    </p:extLst>
+  </p:cSld>
+  <p:clrMapOvr>
+    <a:masterClrMapping/>
+  </p:clrMapOvr>
+</p:notes>
+</file>
+
+<file path=ppt/notesSlides/notesSlide8.xml><?xml version="1.0" encoding="utf-8"?>
+<p:notes xmlns:a="http://schemas.openxmlformats.org/drawingml/2006/main" xmlns:r="http://schemas.openxmlformats.org/officeDocument/2006/relationships" xmlns:p="http://schemas.openxmlformats.org/presentationml/2006/main">
+  <p:cSld>
+    <p:spTree>
+      <p:nvGrpSpPr>
+        <p:cNvPr id="1" name=""/>
+        <p:cNvGrpSpPr/>
+        <p:nvPr/>
+      </p:nvGrpSpPr>
+      <p:grpSpPr>
+        <a:xfrm>
+          <a:off x="0" y="0"/>
+          <a:ext cx="0" cy="0"/>
+          <a:chOff x="0" y="0"/>
+          <a:chExt cx="0" cy="0"/>
+        </a:xfrm>
+      </p:grpSpPr>
+      <p:sp>
+        <p:nvSpPr>
+          <p:cNvPr id="2" name="Segnaposto immagine diapositiva 1"/>
+          <p:cNvSpPr>
+            <a:spLocks noGrp="1" noRot="1" noChangeAspect="1"/>
+          </p:cNvSpPr>
+          <p:nvPr>
+            <p:ph type="sldImg"/>
+          </p:nvPr>
+        </p:nvSpPr>
+        <p:spPr/>
+      </p:sp>
+      <p:sp>
+        <p:nvSpPr>
+          <p:cNvPr id="3" name="Segnaposto note 2"/>
+          <p:cNvSpPr>
+            <a:spLocks noGrp="1"/>
+          </p:cNvSpPr>
+          <p:nvPr>
+            <p:ph type="body" idx="1"/>
+          </p:nvPr>
+        </p:nvSpPr>
+        <p:spPr/>
+        <p:txBody>
+          <a:bodyPr/>
+          <a:lstStyle/>
+          <a:p>
+            <a:r>
+              <a:rPr lang="it-IT" dirty="0" smtClean="0"/>
+              <a:t>Inserite i pro e i contro</a:t>
+            </a:r>
+            <a:r>
+              <a:rPr lang="it-IT" baseline="0" dirty="0" smtClean="0"/>
+              <a:t> del </a:t>
+            </a:r>
+            <a:r>
+              <a:rPr lang="it-IT" baseline="0" dirty="0" err="1" smtClean="0"/>
+              <a:t>rad</a:t>
+            </a:r>
+            <a:r>
+              <a:rPr lang="it-IT" baseline="0" dirty="0" smtClean="0"/>
+              <a:t> secondo voi, siate specifici sulla nostra parte anche di cose che non sono questionario o forum (solo qui potete farlo)</a:t>
+            </a:r>
+            <a:endParaRPr lang="it-IT" dirty="0"/>
+          </a:p>
+        </p:txBody>
+      </p:sp>
+      <p:sp>
+        <p:nvSpPr>
+          <p:cNvPr id="4" name="Segnaposto numero diapositiva 3"/>
+          <p:cNvSpPr>
+            <a:spLocks noGrp="1"/>
+          </p:cNvSpPr>
+          <p:nvPr>
+            <p:ph type="sldNum" sz="quarter" idx="10"/>
+          </p:nvPr>
+        </p:nvSpPr>
+        <p:spPr/>
+        <p:txBody>
+          <a:bodyPr/>
+          <a:lstStyle/>
+          <a:p>
+            <a:fld id="{D70604CA-7593-4640-8FA1-5523937B8510}" type="slidenum">
+              <a:rPr lang="it-IT" smtClean="0"/>
+              <a:pPr/>
+              <a:t>9</a:t>
+            </a:fld>
+            <a:endParaRPr lang="it-IT"/>
+          </a:p>
+        </p:txBody>
+      </p:sp>
+    </p:spTree>
+    <p:extLst>
+      <p:ext uri="{BB962C8B-B14F-4D97-AF65-F5344CB8AC3E}">
+        <p14:creationId xmlns:p14="http://schemas.microsoft.com/office/powerpoint/2010/main" val="555626785"/>
+      </p:ext>
+    </p:extLst>
+  </p:cSld>
+  <p:clrMapOvr>
+    <a:masterClrMapping/>
+  </p:clrMapOvr>
+</p:notes>
+</file>
+
+<file path=ppt/notesSlides/notesSlide9.xml><?xml version="1.0" encoding="utf-8"?>
+<p:notes xmlns:a="http://schemas.openxmlformats.org/drawingml/2006/main" xmlns:r="http://schemas.openxmlformats.org/officeDocument/2006/relationships" xmlns:p="http://schemas.openxmlformats.org/presentationml/2006/main">
+  <p:cSld>
+    <p:spTree>
+      <p:nvGrpSpPr>
+        <p:cNvPr id="1" name=""/>
+        <p:cNvGrpSpPr/>
+        <p:nvPr/>
+      </p:nvGrpSpPr>
+      <p:grpSpPr>
+        <a:xfrm>
+          <a:off x="0" y="0"/>
+          <a:ext cx="0" cy="0"/>
+          <a:chOff x="0" y="0"/>
+          <a:chExt cx="0" cy="0"/>
+        </a:xfrm>
+      </p:grpSpPr>
+      <p:sp>
+        <p:nvSpPr>
+          <p:cNvPr id="2" name="Segnaposto immagine diapositiva 1"/>
+          <p:cNvSpPr>
+            <a:spLocks noGrp="1" noRot="1" noChangeAspect="1"/>
+          </p:cNvSpPr>
+          <p:nvPr>
+            <p:ph type="sldImg"/>
+          </p:nvPr>
+        </p:nvSpPr>
+        <p:spPr/>
+      </p:sp>
+      <p:sp>
+        <p:nvSpPr>
+          <p:cNvPr id="3" name="Segnaposto note 2"/>
+          <p:cNvSpPr>
+            <a:spLocks noGrp="1"/>
+          </p:cNvSpPr>
+          <p:nvPr>
+            <p:ph type="body" idx="1"/>
+          </p:nvPr>
+        </p:nvSpPr>
+        <p:spPr/>
+        <p:txBody>
+          <a:bodyPr/>
+          <a:lstStyle/>
+          <a:p>
+            <a:r>
+              <a:rPr lang="it-IT" dirty="0" smtClean="0"/>
+              <a:t>Inserite la prima versione della divisione in sottosistemi,</a:t>
+            </a:r>
+            <a:r>
+              <a:rPr lang="it-IT" baseline="0" dirty="0" smtClean="0"/>
+              <a:t> sottolineate le parti del team 3 e </a:t>
+            </a:r>
+            <a:endParaRPr lang="it-IT" dirty="0"/>
+          </a:p>
+        </p:txBody>
+      </p:sp>
+      <p:sp>
+        <p:nvSpPr>
+          <p:cNvPr id="4" name="Segnaposto numero diapositiva 3"/>
+          <p:cNvSpPr>
+            <a:spLocks noGrp="1"/>
+          </p:cNvSpPr>
+          <p:nvPr>
+            <p:ph type="sldNum" sz="quarter" idx="10"/>
+          </p:nvPr>
+        </p:nvSpPr>
+        <p:spPr/>
+        <p:txBody>
+          <a:bodyPr/>
+          <a:lstStyle/>
+          <a:p>
+            <a:fld id="{D70604CA-7593-4640-8FA1-5523937B8510}" type="slidenum">
+              <a:rPr lang="it-IT" smtClean="0"/>
+              <a:pPr/>
+              <a:t>10</a:t>
+            </a:fld>
+            <a:endParaRPr lang="it-IT"/>
+          </a:p>
+        </p:txBody>
+      </p:sp>
+    </p:spTree>
+    <p:extLst>
+      <p:ext uri="{BB962C8B-B14F-4D97-AF65-F5344CB8AC3E}">
+        <p14:creationId xmlns:p14="http://schemas.microsoft.com/office/powerpoint/2010/main" val="855395126"/>
       </p:ext>
     </p:extLst>
   </p:cSld>
@@ -5066,8 +8063,8 @@
         </p:nvSpPr>
         <p:spPr>
           <a:xfrm>
-            <a:off x="0" y="428604"/>
-            <a:ext cx="9144000" cy="1107996"/>
+            <a:off x="1367984" y="-10060"/>
+            <a:ext cx="6456768" cy="1261884"/>
           </a:xfrm>
           <a:prstGeom prst="rect">
             <a:avLst/>
@@ -5075,7 +8072,7 @@
           <a:noFill/>
         </p:spPr>
         <p:txBody>
-          <a:bodyPr wrap="square" rtlCol="0">
+          <a:bodyPr wrap="none" rtlCol="0">
             <a:spAutoFit/>
           </a:bodyPr>
           <a:lstStyle/>
@@ -5085,18 +8082,27 @@
               <a:rPr lang="it-IT" sz="4800" b="1" dirty="0" smtClean="0">
                 <a:latin typeface="+mj-lt"/>
               </a:rPr>
-              <a:t>Pro\Contro del RAD</a:t>
+              <a:t>Divisione in Sottosistemi</a:t>
             </a:r>
           </a:p>
           <a:p>
             <a:pPr algn="ctr"/>
-            <a:endParaRPr lang="it-IT" dirty="0">
-              <a:latin typeface="+mj-lt"/>
-            </a:endParaRPr>
+            <a:r>
+              <a:rPr lang="it-IT" sz="2800" b="1" dirty="0" smtClean="0">
+                <a:latin typeface="+mj-lt"/>
+              </a:rPr>
+              <a:t>Prima Versione</a:t>
+            </a:r>
+            <a:endParaRPr lang="it-IT" b="1" dirty="0"/>
           </a:p>
         </p:txBody>
       </p:sp>
     </p:spTree>
+    <p:extLst>
+      <p:ext uri="{BB962C8B-B14F-4D97-AF65-F5344CB8AC3E}">
+        <p14:creationId xmlns:p14="http://schemas.microsoft.com/office/powerpoint/2010/main" val="2769124218"/>
+      </p:ext>
+    </p:extLst>
   </p:cSld>
   <p:clrMapOvr>
     <a:masterClrMapping/>
@@ -5128,85 +8134,6 @@
           <a:chExt cx="0" cy="0"/>
         </a:xfrm>
       </p:grpSpPr>
-      <p:sp>
-        <p:nvSpPr>
-          <p:cNvPr id="2" name="CasellaDiTesto 1"/>
-          <p:cNvSpPr txBox="1"/>
-          <p:nvPr/>
-        </p:nvSpPr>
-        <p:spPr>
-          <a:xfrm>
-            <a:off x="1367984" y="-10060"/>
-            <a:ext cx="6456768" cy="1261884"/>
-          </a:xfrm>
-          <a:prstGeom prst="rect">
-            <a:avLst/>
-          </a:prstGeom>
-          <a:noFill/>
-        </p:spPr>
-        <p:txBody>
-          <a:bodyPr wrap="none" rtlCol="0">
-            <a:spAutoFit/>
-          </a:bodyPr>
-          <a:lstStyle/>
-          <a:p>
-            <a:pPr algn="ctr"/>
-            <a:r>
-              <a:rPr lang="it-IT" sz="4800" b="1" dirty="0" smtClean="0">
-                <a:latin typeface="+mj-lt"/>
-              </a:rPr>
-              <a:t>Divisione in Sottosistemi</a:t>
-            </a:r>
-          </a:p>
-          <a:p>
-            <a:pPr algn="ctr"/>
-            <a:r>
-              <a:rPr lang="it-IT" sz="2800" b="1" dirty="0" smtClean="0">
-                <a:latin typeface="+mj-lt"/>
-              </a:rPr>
-              <a:t>Prima Versione</a:t>
-            </a:r>
-            <a:endParaRPr lang="it-IT" b="1" dirty="0"/>
-          </a:p>
-        </p:txBody>
-      </p:sp>
-    </p:spTree>
-    <p:extLst>
-      <p:ext uri="{BB962C8B-B14F-4D97-AF65-F5344CB8AC3E}">
-        <p14:creationId xmlns:p14="http://schemas.microsoft.com/office/powerpoint/2010/main" val="2769124218"/>
-      </p:ext>
-    </p:extLst>
-  </p:cSld>
-  <p:clrMapOvr>
-    <a:masterClrMapping/>
-  </p:clrMapOvr>
-  <p:timing>
-    <p:tnLst>
-      <p:par>
-        <p:cTn id="1" dur="indefinite" restart="never" nodeType="tmRoot"/>
-      </p:par>
-    </p:tnLst>
-  </p:timing>
-</p:sld>
-</file>
-
-<file path=ppt/slides/slide12.xml><?xml version="1.0" encoding="utf-8"?>
-<p:sld xmlns:a="http://schemas.openxmlformats.org/drawingml/2006/main" xmlns:r="http://schemas.openxmlformats.org/officeDocument/2006/relationships" xmlns:p="http://schemas.openxmlformats.org/presentationml/2006/main">
-  <p:cSld>
-    <p:spTree>
-      <p:nvGrpSpPr>
-        <p:cNvPr id="1" name=""/>
-        <p:cNvGrpSpPr/>
-        <p:nvPr/>
-      </p:nvGrpSpPr>
-      <p:grpSpPr>
-        <a:xfrm>
-          <a:off x="0" y="0"/>
-          <a:ext cx="0" cy="0"/>
-          <a:chOff x="0" y="0"/>
-          <a:chExt cx="0" cy="0"/>
-        </a:xfrm>
-      </p:grpSpPr>
       <p:pic>
         <p:nvPicPr>
           <p:cNvPr id="6146" name="Picture 2"/>
@@ -5216,7 +8143,7 @@
           <p:nvPr/>
         </p:nvPicPr>
         <p:blipFill>
-          <a:blip r:embed="rId2"/>
+          <a:blip r:embed="rId3"/>
           <a:srcRect/>
           <a:stretch>
             <a:fillRect/>
@@ -5224,7 +8151,7 @@
         </p:blipFill>
         <p:spPr bwMode="auto">
           <a:xfrm>
-            <a:off x="714364" y="1494382"/>
+            <a:off x="527968" y="1412776"/>
             <a:ext cx="7786710" cy="5235236"/>
           </a:xfrm>
           <a:prstGeom prst="rect">
@@ -5494,7 +8421,7 @@
 </p:sld>
 </file>
 
-<file path=ppt/slides/slide13.xml><?xml version="1.0" encoding="utf-8"?>
+<file path=ppt/slides/slide12.xml><?xml version="1.0" encoding="utf-8"?>
 <p:sld xmlns:a="http://schemas.openxmlformats.org/drawingml/2006/main" xmlns:r="http://schemas.openxmlformats.org/officeDocument/2006/relationships" xmlns:p="http://schemas.openxmlformats.org/presentationml/2006/main">
   <p:cSld>
     <p:spTree>
@@ -5520,7 +8447,7 @@
           <p:nvPr/>
         </p:nvPicPr>
         <p:blipFill>
-          <a:blip r:embed="rId2"/>
+          <a:blip r:embed="rId3"/>
           <a:srcRect/>
           <a:stretch>
             <a:fillRect/>
@@ -5794,7 +8721,7 @@
 </p:sld>
 </file>
 
-<file path=ppt/slides/slide14.xml><?xml version="1.0" encoding="utf-8"?>
+<file path=ppt/slides/slide13.xml><?xml version="1.0" encoding="utf-8"?>
 <p:sld xmlns:a="http://schemas.openxmlformats.org/drawingml/2006/main" xmlns:r="http://schemas.openxmlformats.org/officeDocument/2006/relationships" xmlns:p="http://schemas.openxmlformats.org/presentationml/2006/main">
   <p:cSld>
     <p:spTree>
@@ -6060,7 +8987,7 @@
           <p:nvPr/>
         </p:nvPicPr>
         <p:blipFill>
-          <a:blip r:embed="rId2"/>
+          <a:blip r:embed="rId3"/>
           <a:srcRect/>
           <a:stretch>
             <a:fillRect/>
@@ -6344,7 +9271,7 @@
 </p:sld>
 </file>
 
-<file path=ppt/slides/slide15.xml><?xml version="1.0" encoding="utf-8"?>
+<file path=ppt/slides/slide14.xml><?xml version="1.0" encoding="utf-8"?>
 <p:sld xmlns:a="http://schemas.openxmlformats.org/drawingml/2006/main" xmlns:r="http://schemas.openxmlformats.org/officeDocument/2006/relationships" xmlns:p="http://schemas.openxmlformats.org/presentationml/2006/main">
   <p:cSld>
     <p:spTree>
@@ -6370,7 +9297,7 @@
           <p:nvPr/>
         </p:nvPicPr>
         <p:blipFill>
-          <a:blip r:embed="rId2"/>
+          <a:blip r:embed="rId3"/>
           <a:srcRect/>
           <a:stretch>
             <a:fillRect/>
@@ -6414,6 +9341,76 @@
               <a:t>ER Questionari</a:t>
             </a:r>
             <a:endParaRPr lang="it-IT" sz="3400" b="1" dirty="0"/>
+          </a:p>
+        </p:txBody>
+      </p:sp>
+    </p:spTree>
+  </p:cSld>
+  <p:clrMapOvr>
+    <a:masterClrMapping/>
+  </p:clrMapOvr>
+  <p:timing>
+    <p:tnLst>
+      <p:par>
+        <p:cTn id="1" dur="indefinite" restart="never" nodeType="tmRoot"/>
+      </p:par>
+    </p:tnLst>
+  </p:timing>
+</p:sld>
+</file>
+
+<file path=ppt/slides/slide15.xml><?xml version="1.0" encoding="utf-8"?>
+<p:sld xmlns:a="http://schemas.openxmlformats.org/drawingml/2006/main" xmlns:r="http://schemas.openxmlformats.org/officeDocument/2006/relationships" xmlns:p="http://schemas.openxmlformats.org/presentationml/2006/main">
+  <p:cSld>
+    <p:spTree>
+      <p:nvGrpSpPr>
+        <p:cNvPr id="1" name=""/>
+        <p:cNvGrpSpPr/>
+        <p:nvPr/>
+      </p:nvGrpSpPr>
+      <p:grpSpPr>
+        <a:xfrm>
+          <a:off x="0" y="0"/>
+          <a:ext cx="0" cy="0"/>
+          <a:chOff x="0" y="0"/>
+          <a:chExt cx="0" cy="0"/>
+        </a:xfrm>
+      </p:grpSpPr>
+      <p:sp>
+        <p:nvSpPr>
+          <p:cNvPr id="2" name="CasellaDiTesto 1"/>
+          <p:cNvSpPr txBox="1"/>
+          <p:nvPr/>
+        </p:nvSpPr>
+        <p:spPr>
+          <a:xfrm>
+            <a:off x="0" y="428604"/>
+            <a:ext cx="9144000" cy="1107996"/>
+          </a:xfrm>
+          <a:prstGeom prst="rect">
+            <a:avLst/>
+          </a:prstGeom>
+          <a:noFill/>
+        </p:spPr>
+        <p:txBody>
+          <a:bodyPr wrap="square" rtlCol="0">
+            <a:spAutoFit/>
+          </a:bodyPr>
+          <a:lstStyle/>
+          <a:p>
+            <a:pPr algn="ctr"/>
+            <a:r>
+              <a:rPr lang="it-IT" sz="4800" b="1" dirty="0" smtClean="0">
+                <a:latin typeface="+mj-lt"/>
+              </a:rPr>
+              <a:t>Pro\Contro SDD</a:t>
+            </a:r>
+          </a:p>
+          <a:p>
+            <a:pPr algn="ctr"/>
+            <a:endParaRPr lang="it-IT" dirty="0">
+              <a:latin typeface="+mj-lt"/>
+            </a:endParaRPr>
           </a:p>
         </p:txBody>
       </p:sp>
@@ -6449,157 +9446,6 @@
           <a:chExt cx="0" cy="0"/>
         </a:xfrm>
       </p:grpSpPr>
-      <p:pic>
-        <p:nvPicPr>
-          <p:cNvPr id="2" name="Picture 3" descr="D:\Tony\Unisa\IS\PROGETTO\atsilo\Presentazione\Atsilo3\ER_Registro-Eventi.png"/>
-          <p:cNvPicPr>
-            <a:picLocks noChangeAspect="1" noChangeArrowheads="1"/>
-          </p:cNvPicPr>
-          <p:nvPr/>
-        </p:nvPicPr>
-        <p:blipFill>
-          <a:blip r:embed="rId2"/>
-          <a:srcRect/>
-          <a:stretch>
-            <a:fillRect/>
-          </a:stretch>
-        </p:blipFill>
-        <p:spPr bwMode="auto">
-          <a:xfrm>
-            <a:off x="285720" y="1500174"/>
-            <a:ext cx="8490984" cy="4572032"/>
-          </a:xfrm>
-          <a:prstGeom prst="rect">
-            <a:avLst/>
-          </a:prstGeom>
-          <a:noFill/>
-        </p:spPr>
-      </p:pic>
-      <p:sp>
-        <p:nvSpPr>
-          <p:cNvPr id="3" name="TextBox 2"/>
-          <p:cNvSpPr txBox="1"/>
-          <p:nvPr/>
-        </p:nvSpPr>
-        <p:spPr>
-          <a:xfrm>
-            <a:off x="2357422" y="642918"/>
-            <a:ext cx="4786378" cy="615553"/>
-          </a:xfrm>
-          <a:prstGeom prst="rect">
-            <a:avLst/>
-          </a:prstGeom>
-          <a:noFill/>
-        </p:spPr>
-        <p:txBody>
-          <a:bodyPr wrap="square" rtlCol="0">
-            <a:spAutoFit/>
-          </a:bodyPr>
-          <a:lstStyle/>
-          <a:p>
-            <a:r>
-              <a:rPr lang="it-IT" sz="3400" b="1" dirty="0" smtClean="0"/>
-              <a:t>ER Registro – Eventi </a:t>
-            </a:r>
-            <a:endParaRPr lang="it-IT" sz="3400" b="1" dirty="0"/>
-          </a:p>
-        </p:txBody>
-      </p:sp>
-    </p:spTree>
-  </p:cSld>
-  <p:clrMapOvr>
-    <a:masterClrMapping/>
-  </p:clrMapOvr>
-</p:sld>
-</file>
-
-<file path=ppt/slides/slide17.xml><?xml version="1.0" encoding="utf-8"?>
-<p:sld xmlns:a="http://schemas.openxmlformats.org/drawingml/2006/main" xmlns:r="http://schemas.openxmlformats.org/officeDocument/2006/relationships" xmlns:p="http://schemas.openxmlformats.org/presentationml/2006/main">
-  <p:cSld>
-    <p:spTree>
-      <p:nvGrpSpPr>
-        <p:cNvPr id="1" name=""/>
-        <p:cNvGrpSpPr/>
-        <p:nvPr/>
-      </p:nvGrpSpPr>
-      <p:grpSpPr>
-        <a:xfrm>
-          <a:off x="0" y="0"/>
-          <a:ext cx="0" cy="0"/>
-          <a:chOff x="0" y="0"/>
-          <a:chExt cx="0" cy="0"/>
-        </a:xfrm>
-      </p:grpSpPr>
-      <p:sp>
-        <p:nvSpPr>
-          <p:cNvPr id="2" name="CasellaDiTesto 1"/>
-          <p:cNvSpPr txBox="1"/>
-          <p:nvPr/>
-        </p:nvSpPr>
-        <p:spPr>
-          <a:xfrm>
-            <a:off x="0" y="428604"/>
-            <a:ext cx="9144000" cy="1107996"/>
-          </a:xfrm>
-          <a:prstGeom prst="rect">
-            <a:avLst/>
-          </a:prstGeom>
-          <a:noFill/>
-        </p:spPr>
-        <p:txBody>
-          <a:bodyPr wrap="square" rtlCol="0">
-            <a:spAutoFit/>
-          </a:bodyPr>
-          <a:lstStyle/>
-          <a:p>
-            <a:pPr algn="ctr"/>
-            <a:r>
-              <a:rPr lang="it-IT" sz="4800" b="1" dirty="0" smtClean="0">
-                <a:latin typeface="+mj-lt"/>
-              </a:rPr>
-              <a:t>Pro\Contro SDD</a:t>
-            </a:r>
-          </a:p>
-          <a:p>
-            <a:pPr algn="ctr"/>
-            <a:endParaRPr lang="it-IT" dirty="0">
-              <a:latin typeface="+mj-lt"/>
-            </a:endParaRPr>
-          </a:p>
-        </p:txBody>
-      </p:sp>
-    </p:spTree>
-  </p:cSld>
-  <p:clrMapOvr>
-    <a:masterClrMapping/>
-  </p:clrMapOvr>
-  <p:timing>
-    <p:tnLst>
-      <p:par>
-        <p:cTn id="1" dur="indefinite" restart="never" nodeType="tmRoot"/>
-      </p:par>
-    </p:tnLst>
-  </p:timing>
-</p:sld>
-</file>
-
-<file path=ppt/slides/slide18.xml><?xml version="1.0" encoding="utf-8"?>
-<p:sld xmlns:a="http://schemas.openxmlformats.org/drawingml/2006/main" xmlns:r="http://schemas.openxmlformats.org/officeDocument/2006/relationships" xmlns:p="http://schemas.openxmlformats.org/presentationml/2006/main">
-  <p:cSld>
-    <p:spTree>
-      <p:nvGrpSpPr>
-        <p:cNvPr id="1" name=""/>
-        <p:cNvGrpSpPr/>
-        <p:nvPr/>
-      </p:nvGrpSpPr>
-      <p:grpSpPr>
-        <a:xfrm>
-          <a:off x="0" y="0"/>
-          <a:ext cx="0" cy="0"/>
-          <a:chOff x="0" y="0"/>
-          <a:chExt cx="0" cy="0"/>
-        </a:xfrm>
-      </p:grpSpPr>
       <p:sp>
         <p:nvSpPr>
           <p:cNvPr id="2" name="CasellaDiTesto 1"/>
@@ -6748,7 +9594,7 @@
           <p:nvPr/>
         </p:nvPicPr>
         <p:blipFill>
-          <a:blip r:embed="rId2">
+          <a:blip r:embed="rId3">
             <a:extLst>
               <a:ext uri="{28A0092B-C50C-407E-A947-70E740481C1C}">
                 <a14:useLocalDpi xmlns:a14="http://schemas.microsoft.com/office/drawing/2010/main" val="0"/>
@@ -6789,7 +9635,7 @@
           <p:nvPr/>
         </p:nvPicPr>
         <p:blipFill>
-          <a:blip r:embed="rId3">
+          <a:blip r:embed="rId4">
             <a:extLst>
               <a:ext uri="{28A0092B-C50C-407E-A947-70E740481C1C}">
                 <a14:useLocalDpi xmlns:a14="http://schemas.microsoft.com/office/drawing/2010/main" val="0"/>
@@ -6957,7 +9803,7 @@
 </p:sld>
 </file>
 
-<file path=ppt/slides/slide19.xml><?xml version="1.0" encoding="utf-8"?>
+<file path=ppt/slides/slide17.xml><?xml version="1.0" encoding="utf-8"?>
 <p:sld xmlns:a="http://schemas.openxmlformats.org/drawingml/2006/main" xmlns:r="http://schemas.openxmlformats.org/officeDocument/2006/relationships" xmlns:p="http://schemas.openxmlformats.org/presentationml/2006/main">
   <p:cSld>
     <p:spTree>
@@ -7058,7 +9904,7 @@
           <p:nvPr/>
         </p:nvPicPr>
         <p:blipFill>
-          <a:blip r:embed="rId2">
+          <a:blip r:embed="rId3">
             <a:extLst>
               <a:ext uri="{28A0092B-C50C-407E-A947-70E740481C1C}">
                 <a14:useLocalDpi xmlns:a14="http://schemas.microsoft.com/office/drawing/2010/main" val="0"/>
@@ -7099,7 +9945,7 @@
           <p:nvPr/>
         </p:nvPicPr>
         <p:blipFill>
-          <a:blip r:embed="rId3" cstate="print">
+          <a:blip r:embed="rId4" cstate="print">
             <a:extLst>
               <a:ext uri="{28A0092B-C50C-407E-A947-70E740481C1C}">
                 <a14:useLocalDpi xmlns:a14="http://schemas.microsoft.com/office/drawing/2010/main" val="0"/>
@@ -7140,7 +9986,7 @@
           <p:nvPr/>
         </p:nvPicPr>
         <p:blipFill>
-          <a:blip r:embed="rId4">
+          <a:blip r:embed="rId5">
             <a:extLst>
               <a:ext uri="{28A0092B-C50C-407E-A947-70E740481C1C}">
                 <a14:useLocalDpi xmlns:a14="http://schemas.microsoft.com/office/drawing/2010/main" val="0"/>
@@ -7628,576 +10474,7 @@
 </p:sld>
 </file>
 
-<file path=ppt/slides/slide2.xml><?xml version="1.0" encoding="utf-8"?>
-<p:sld xmlns:a="http://schemas.openxmlformats.org/drawingml/2006/main" xmlns:r="http://schemas.openxmlformats.org/officeDocument/2006/relationships" xmlns:p="http://schemas.openxmlformats.org/presentationml/2006/main">
-  <p:cSld>
-    <p:spTree>
-      <p:nvGrpSpPr>
-        <p:cNvPr id="1" name=""/>
-        <p:cNvGrpSpPr/>
-        <p:nvPr/>
-      </p:nvGrpSpPr>
-      <p:grpSpPr>
-        <a:xfrm>
-          <a:off x="0" y="0"/>
-          <a:ext cx="0" cy="0"/>
-          <a:chOff x="0" y="0"/>
-          <a:chExt cx="0" cy="0"/>
-        </a:xfrm>
-      </p:grpSpPr>
-      <p:pic>
-        <p:nvPicPr>
-          <p:cNvPr id="1026" name="Picture 2"/>
-          <p:cNvPicPr>
-            <a:picLocks noChangeAspect="1" noChangeArrowheads="1"/>
-          </p:cNvPicPr>
-          <p:nvPr/>
-        </p:nvPicPr>
-        <p:blipFill>
-          <a:blip r:embed="rId2"/>
-          <a:srcRect/>
-          <a:stretch>
-            <a:fillRect/>
-          </a:stretch>
-        </p:blipFill>
-        <p:spPr bwMode="auto">
-          <a:xfrm>
-            <a:off x="642911" y="1096963"/>
-            <a:ext cx="7072362" cy="5761037"/>
-          </a:xfrm>
-          <a:prstGeom prst="rect">
-            <a:avLst/>
-          </a:prstGeom>
-          <a:noFill/>
-          <a:ln w="9525">
-            <a:noFill/>
-            <a:miter lim="800000"/>
-            <a:headEnd/>
-            <a:tailEnd/>
-          </a:ln>
-          <a:effectLst/>
-        </p:spPr>
-      </p:pic>
-      <p:sp>
-        <p:nvSpPr>
-          <p:cNvPr id="2" name="CasellaDiTesto 1"/>
-          <p:cNvSpPr txBox="1"/>
-          <p:nvPr/>
-        </p:nvSpPr>
-        <p:spPr>
-          <a:xfrm>
-            <a:off x="1071538" y="500042"/>
-            <a:ext cx="7072362" cy="1107996"/>
-          </a:xfrm>
-          <a:prstGeom prst="rect">
-            <a:avLst/>
-          </a:prstGeom>
-          <a:noFill/>
-        </p:spPr>
-        <p:txBody>
-          <a:bodyPr wrap="square" rtlCol="0">
-            <a:spAutoFit/>
-          </a:bodyPr>
-          <a:lstStyle/>
-          <a:p>
-            <a:pPr algn="ctr"/>
-            <a:r>
-              <a:rPr lang="it-IT" sz="4800" b="1" dirty="0" smtClean="0">
-                <a:latin typeface="+mj-lt"/>
-              </a:rPr>
-              <a:t>Gli attori del sistema</a:t>
-            </a:r>
-          </a:p>
-          <a:p>
-            <a:pPr algn="ctr"/>
-            <a:endParaRPr lang="it-IT" dirty="0">
-              <a:latin typeface="+mj-lt"/>
-            </a:endParaRPr>
-          </a:p>
-        </p:txBody>
-      </p:sp>
-      <p:sp>
-        <p:nvSpPr>
-          <p:cNvPr id="5" name="Oval 4"/>
-          <p:cNvSpPr/>
-          <p:nvPr/>
-        </p:nvSpPr>
-        <p:spPr>
-          <a:xfrm>
-            <a:off x="1035819" y="1500174"/>
-            <a:ext cx="1571636" cy="642942"/>
-          </a:xfrm>
-          <a:prstGeom prst="ellipse">
-            <a:avLst/>
-          </a:prstGeom>
-          <a:noFill/>
-          <a:ln>
-            <a:solidFill>
-              <a:srgbClr val="FF0000"/>
-            </a:solidFill>
-          </a:ln>
-        </p:spPr>
-        <p:style>
-          <a:lnRef idx="2">
-            <a:schemeClr val="accent1">
-              <a:shade val="50000"/>
-            </a:schemeClr>
-          </a:lnRef>
-          <a:fillRef idx="1">
-            <a:schemeClr val="accent1"/>
-          </a:fillRef>
-          <a:effectRef idx="0">
-            <a:schemeClr val="accent1"/>
-          </a:effectRef>
-          <a:fontRef idx="minor">
-            <a:schemeClr val="lt1"/>
-          </a:fontRef>
-        </p:style>
-        <p:txBody>
-          <a:bodyPr rtlCol="0" anchor="ctr"/>
-          <a:lstStyle/>
-          <a:p>
-            <a:pPr algn="ctr"/>
-            <a:endParaRPr lang="it-IT"/>
-          </a:p>
-        </p:txBody>
-      </p:sp>
-      <p:sp>
-        <p:nvSpPr>
-          <p:cNvPr id="6" name="Oval 5"/>
-          <p:cNvSpPr/>
-          <p:nvPr/>
-        </p:nvSpPr>
-        <p:spPr>
-          <a:xfrm>
-            <a:off x="1714480" y="4143380"/>
-            <a:ext cx="2071702" cy="642942"/>
-          </a:xfrm>
-          <a:prstGeom prst="ellipse">
-            <a:avLst/>
-          </a:prstGeom>
-          <a:noFill/>
-          <a:ln>
-            <a:solidFill>
-              <a:srgbClr val="FF0000"/>
-            </a:solidFill>
-          </a:ln>
-        </p:spPr>
-        <p:style>
-          <a:lnRef idx="2">
-            <a:schemeClr val="accent1">
-              <a:shade val="50000"/>
-            </a:schemeClr>
-          </a:lnRef>
-          <a:fillRef idx="1">
-            <a:schemeClr val="accent1"/>
-          </a:fillRef>
-          <a:effectRef idx="0">
-            <a:schemeClr val="accent1"/>
-          </a:effectRef>
-          <a:fontRef idx="minor">
-            <a:schemeClr val="lt1"/>
-          </a:fontRef>
-        </p:style>
-        <p:txBody>
-          <a:bodyPr rtlCol="0" anchor="ctr"/>
-          <a:lstStyle/>
-          <a:p>
-            <a:pPr algn="ctr"/>
-            <a:endParaRPr lang="it-IT"/>
-          </a:p>
-        </p:txBody>
-      </p:sp>
-      <p:sp>
-        <p:nvSpPr>
-          <p:cNvPr id="7" name="Oval 6"/>
-          <p:cNvSpPr/>
-          <p:nvPr/>
-        </p:nvSpPr>
-        <p:spPr>
-          <a:xfrm>
-            <a:off x="2786050" y="3571876"/>
-            <a:ext cx="1571636" cy="642942"/>
-          </a:xfrm>
-          <a:prstGeom prst="ellipse">
-            <a:avLst/>
-          </a:prstGeom>
-          <a:noFill/>
-          <a:ln>
-            <a:solidFill>
-              <a:srgbClr val="FF0000"/>
-            </a:solidFill>
-          </a:ln>
-        </p:spPr>
-        <p:style>
-          <a:lnRef idx="2">
-            <a:schemeClr val="accent1">
-              <a:shade val="50000"/>
-            </a:schemeClr>
-          </a:lnRef>
-          <a:fillRef idx="1">
-            <a:schemeClr val="accent1"/>
-          </a:fillRef>
-          <a:effectRef idx="0">
-            <a:schemeClr val="accent1"/>
-          </a:effectRef>
-          <a:fontRef idx="minor">
-            <a:schemeClr val="lt1"/>
-          </a:fontRef>
-        </p:style>
-        <p:txBody>
-          <a:bodyPr rtlCol="0" anchor="ctr"/>
-          <a:lstStyle/>
-          <a:p>
-            <a:pPr algn="ctr"/>
-            <a:endParaRPr lang="it-IT"/>
-          </a:p>
-        </p:txBody>
-      </p:sp>
-      <p:sp>
-        <p:nvSpPr>
-          <p:cNvPr id="8" name="Oval 7"/>
-          <p:cNvSpPr/>
-          <p:nvPr/>
-        </p:nvSpPr>
-        <p:spPr>
-          <a:xfrm>
-            <a:off x="1714480" y="6215058"/>
-            <a:ext cx="1785950" cy="642942"/>
-          </a:xfrm>
-          <a:prstGeom prst="ellipse">
-            <a:avLst/>
-          </a:prstGeom>
-          <a:noFill/>
-          <a:ln>
-            <a:solidFill>
-              <a:srgbClr val="FF0000"/>
-            </a:solidFill>
-          </a:ln>
-        </p:spPr>
-        <p:style>
-          <a:lnRef idx="2">
-            <a:schemeClr val="accent1">
-              <a:shade val="50000"/>
-            </a:schemeClr>
-          </a:lnRef>
-          <a:fillRef idx="1">
-            <a:schemeClr val="accent1"/>
-          </a:fillRef>
-          <a:effectRef idx="0">
-            <a:schemeClr val="accent1"/>
-          </a:effectRef>
-          <a:fontRef idx="minor">
-            <a:schemeClr val="lt1"/>
-          </a:fontRef>
-        </p:style>
-        <p:txBody>
-          <a:bodyPr rtlCol="0" anchor="ctr"/>
-          <a:lstStyle/>
-          <a:p>
-            <a:pPr algn="ctr"/>
-            <a:endParaRPr lang="it-IT"/>
-          </a:p>
-        </p:txBody>
-      </p:sp>
-      <p:sp>
-        <p:nvSpPr>
-          <p:cNvPr id="9" name="Oval 8"/>
-          <p:cNvSpPr/>
-          <p:nvPr/>
-        </p:nvSpPr>
-        <p:spPr>
-          <a:xfrm>
-            <a:off x="1714480" y="5643578"/>
-            <a:ext cx="1785950" cy="571504"/>
-          </a:xfrm>
-          <a:prstGeom prst="ellipse">
-            <a:avLst/>
-          </a:prstGeom>
-          <a:noFill/>
-          <a:ln>
-            <a:solidFill>
-              <a:srgbClr val="FF0000"/>
-            </a:solidFill>
-          </a:ln>
-        </p:spPr>
-        <p:style>
-          <a:lnRef idx="2">
-            <a:schemeClr val="accent1">
-              <a:shade val="50000"/>
-            </a:schemeClr>
-          </a:lnRef>
-          <a:fillRef idx="1">
-            <a:schemeClr val="accent1"/>
-          </a:fillRef>
-          <a:effectRef idx="0">
-            <a:schemeClr val="accent1"/>
-          </a:effectRef>
-          <a:fontRef idx="minor">
-            <a:schemeClr val="lt1"/>
-          </a:fontRef>
-        </p:style>
-        <p:txBody>
-          <a:bodyPr rtlCol="0" anchor="ctr"/>
-          <a:lstStyle/>
-          <a:p>
-            <a:pPr algn="ctr"/>
-            <a:endParaRPr lang="it-IT"/>
-          </a:p>
-        </p:txBody>
-      </p:sp>
-    </p:spTree>
-    <p:extLst>
-      <p:ext uri="{BB962C8B-B14F-4D97-AF65-F5344CB8AC3E}">
-        <p14:creationId xmlns:p14="http://schemas.microsoft.com/office/powerpoint/2010/main" val="155874689"/>
-      </p:ext>
-    </p:extLst>
-  </p:cSld>
-  <p:clrMapOvr>
-    <a:masterClrMapping/>
-  </p:clrMapOvr>
-  <mc:AlternateContent xmlns:mc="http://schemas.openxmlformats.org/markup-compatibility/2006" xmlns:p14="http://schemas.microsoft.com/office/powerpoint/2010/main">
-    <mc:Choice Requires="p14">
-      <p:transition spd="slow" p14:dur="2000"/>
-    </mc:Choice>
-    <mc:Fallback xmlns="">
-      <p:transition spd="slow"/>
-    </mc:Fallback>
-  </mc:AlternateContent>
-  <p:timing>
-    <p:tnLst>
-      <p:par>
-        <p:cTn id="1" dur="indefinite" restart="never" nodeType="tmRoot">
-          <p:childTnLst>
-            <p:seq concurrent="1" nextAc="seek">
-              <p:cTn id="2" dur="indefinite" nodeType="mainSeq">
-                <p:childTnLst>
-                  <p:par>
-                    <p:cTn id="3" fill="hold">
-                      <p:stCondLst>
-                        <p:cond delay="indefinite"/>
-                      </p:stCondLst>
-                      <p:childTnLst>
-                        <p:par>
-                          <p:cTn id="4" fill="hold">
-                            <p:stCondLst>
-                              <p:cond delay="0"/>
-                            </p:stCondLst>
-                            <p:childTnLst>
-                              <p:par>
-                                <p:cTn id="5" presetID="10" presetClass="entr" presetSubtype="0" fill="hold" grpId="0" nodeType="clickEffect">
-                                  <p:stCondLst>
-                                    <p:cond delay="0"/>
-                                  </p:stCondLst>
-                                  <p:childTnLst>
-                                    <p:set>
-                                      <p:cBhvr>
-                                        <p:cTn id="6" dur="1" fill="hold">
-                                          <p:stCondLst>
-                                            <p:cond delay="0"/>
-                                          </p:stCondLst>
-                                        </p:cTn>
-                                        <p:tgtEl>
-                                          <p:spTgt spid="5"/>
-                                        </p:tgtEl>
-                                        <p:attrNameLst>
-                                          <p:attrName>style.visibility</p:attrName>
-                                        </p:attrNameLst>
-                                      </p:cBhvr>
-                                      <p:to>
-                                        <p:strVal val="visible"/>
-                                      </p:to>
-                                    </p:set>
-                                    <p:animEffect transition="in" filter="fade">
-                                      <p:cBhvr>
-                                        <p:cTn id="7" dur="500"/>
-                                        <p:tgtEl>
-                                          <p:spTgt spid="5"/>
-                                        </p:tgtEl>
-                                      </p:cBhvr>
-                                    </p:animEffect>
-                                  </p:childTnLst>
-                                </p:cTn>
-                              </p:par>
-                              <p:par>
-                                <p:cTn id="8" presetID="10" presetClass="entr" presetSubtype="0" fill="hold" grpId="0" nodeType="withEffect">
-                                  <p:stCondLst>
-                                    <p:cond delay="0"/>
-                                  </p:stCondLst>
-                                  <p:childTnLst>
-                                    <p:set>
-                                      <p:cBhvr>
-                                        <p:cTn id="9" dur="1" fill="hold">
-                                          <p:stCondLst>
-                                            <p:cond delay="0"/>
-                                          </p:stCondLst>
-                                        </p:cTn>
-                                        <p:tgtEl>
-                                          <p:spTgt spid="7"/>
-                                        </p:tgtEl>
-                                        <p:attrNameLst>
-                                          <p:attrName>style.visibility</p:attrName>
-                                        </p:attrNameLst>
-                                      </p:cBhvr>
-                                      <p:to>
-                                        <p:strVal val="visible"/>
-                                      </p:to>
-                                    </p:set>
-                                    <p:animEffect transition="in" filter="fade">
-                                      <p:cBhvr>
-                                        <p:cTn id="10" dur="500"/>
-                                        <p:tgtEl>
-                                          <p:spTgt spid="7"/>
-                                        </p:tgtEl>
-                                      </p:cBhvr>
-                                    </p:animEffect>
-                                  </p:childTnLst>
-                                </p:cTn>
-                              </p:par>
-                              <p:par>
-                                <p:cTn id="11" presetID="10" presetClass="entr" presetSubtype="0" fill="hold" grpId="0" nodeType="withEffect">
-                                  <p:stCondLst>
-                                    <p:cond delay="0"/>
-                                  </p:stCondLst>
-                                  <p:childTnLst>
-                                    <p:set>
-                                      <p:cBhvr>
-                                        <p:cTn id="12" dur="1" fill="hold">
-                                          <p:stCondLst>
-                                            <p:cond delay="0"/>
-                                          </p:stCondLst>
-                                        </p:cTn>
-                                        <p:tgtEl>
-                                          <p:spTgt spid="6"/>
-                                        </p:tgtEl>
-                                        <p:attrNameLst>
-                                          <p:attrName>style.visibility</p:attrName>
-                                        </p:attrNameLst>
-                                      </p:cBhvr>
-                                      <p:to>
-                                        <p:strVal val="visible"/>
-                                      </p:to>
-                                    </p:set>
-                                    <p:animEffect transition="in" filter="fade">
-                                      <p:cBhvr>
-                                        <p:cTn id="13" dur="500"/>
-                                        <p:tgtEl>
-                                          <p:spTgt spid="6"/>
-                                        </p:tgtEl>
-                                      </p:cBhvr>
-                                    </p:animEffect>
-                                  </p:childTnLst>
-                                </p:cTn>
-                              </p:par>
-                              <p:par>
-                                <p:cTn id="14" presetID="10" presetClass="entr" presetSubtype="0" fill="hold" grpId="0" nodeType="withEffect">
-                                  <p:stCondLst>
-                                    <p:cond delay="0"/>
-                                  </p:stCondLst>
-                                  <p:childTnLst>
-                                    <p:set>
-                                      <p:cBhvr>
-                                        <p:cTn id="15" dur="1" fill="hold">
-                                          <p:stCondLst>
-                                            <p:cond delay="0"/>
-                                          </p:stCondLst>
-                                        </p:cTn>
-                                        <p:tgtEl>
-                                          <p:spTgt spid="9"/>
-                                        </p:tgtEl>
-                                        <p:attrNameLst>
-                                          <p:attrName>style.visibility</p:attrName>
-                                        </p:attrNameLst>
-                                      </p:cBhvr>
-                                      <p:to>
-                                        <p:strVal val="visible"/>
-                                      </p:to>
-                                    </p:set>
-                                    <p:animEffect transition="in" filter="fade">
-                                      <p:cBhvr>
-                                        <p:cTn id="16" dur="500"/>
-                                        <p:tgtEl>
-                                          <p:spTgt spid="9"/>
-                                        </p:tgtEl>
-                                      </p:cBhvr>
-                                    </p:animEffect>
-                                  </p:childTnLst>
-                                </p:cTn>
-                              </p:par>
-                              <p:par>
-                                <p:cTn id="17" presetID="10" presetClass="entr" presetSubtype="0" fill="hold" grpId="0" nodeType="withEffect">
-                                  <p:stCondLst>
-                                    <p:cond delay="0"/>
-                                  </p:stCondLst>
-                                  <p:childTnLst>
-                                    <p:set>
-                                      <p:cBhvr>
-                                        <p:cTn id="18" dur="1" fill="hold">
-                                          <p:stCondLst>
-                                            <p:cond delay="0"/>
-                                          </p:stCondLst>
-                                        </p:cTn>
-                                        <p:tgtEl>
-                                          <p:spTgt spid="8"/>
-                                        </p:tgtEl>
-                                        <p:attrNameLst>
-                                          <p:attrName>style.visibility</p:attrName>
-                                        </p:attrNameLst>
-                                      </p:cBhvr>
-                                      <p:to>
-                                        <p:strVal val="visible"/>
-                                      </p:to>
-                                    </p:set>
-                                    <p:animEffect transition="in" filter="fade">
-                                      <p:cBhvr>
-                                        <p:cTn id="19" dur="500"/>
-                                        <p:tgtEl>
-                                          <p:spTgt spid="8"/>
-                                        </p:tgtEl>
-                                      </p:cBhvr>
-                                    </p:animEffect>
-                                  </p:childTnLst>
-                                </p:cTn>
-                              </p:par>
-                            </p:childTnLst>
-                          </p:cTn>
-                        </p:par>
-                      </p:childTnLst>
-                    </p:cTn>
-                  </p:par>
-                </p:childTnLst>
-              </p:cTn>
-              <p:prevCondLst>
-                <p:cond evt="onPrev" delay="0">
-                  <p:tgtEl>
-                    <p:sldTgt/>
-                  </p:tgtEl>
-                </p:cond>
-              </p:prevCondLst>
-              <p:nextCondLst>
-                <p:cond evt="onNext" delay="0">
-                  <p:tgtEl>
-                    <p:sldTgt/>
-                  </p:tgtEl>
-                </p:cond>
-              </p:nextCondLst>
-            </p:seq>
-          </p:childTnLst>
-        </p:cTn>
-      </p:par>
-    </p:tnLst>
-    <p:bldLst>
-      <p:bldP spid="5" grpId="0" animBg="1"/>
-      <p:bldP spid="6" grpId="0" animBg="1"/>
-      <p:bldP spid="7" grpId="0" animBg="1"/>
-      <p:bldP spid="8" grpId="0" animBg="1"/>
-      <p:bldP spid="9" grpId="0" animBg="1"/>
-    </p:bldLst>
-  </p:timing>
-</p:sld>
-</file>
-
-<file path=ppt/slides/slide20.xml><?xml version="1.0" encoding="utf-8"?>
+<file path=ppt/slides/slide18.xml><?xml version="1.0" encoding="utf-8"?>
 <p:sld xmlns:a="http://schemas.openxmlformats.org/drawingml/2006/main" xmlns:r="http://schemas.openxmlformats.org/officeDocument/2006/relationships" xmlns:p="http://schemas.openxmlformats.org/presentationml/2006/main">
   <p:cSld>
     <p:spTree>
@@ -8470,7 +10747,7 @@
           <p:nvPr/>
         </p:nvPicPr>
         <p:blipFill>
-          <a:blip r:embed="rId2">
+          <a:blip r:embed="rId3">
             <a:extLst>
               <a:ext uri="{28A0092B-C50C-407E-A947-70E740481C1C}">
                 <a14:useLocalDpi xmlns:a14="http://schemas.microsoft.com/office/drawing/2010/main" val="0"/>
@@ -8511,7 +10788,7 @@
           <p:nvPr/>
         </p:nvPicPr>
         <p:blipFill>
-          <a:blip r:embed="rId3">
+          <a:blip r:embed="rId4">
             <a:extLst>
               <a:ext uri="{28A0092B-C50C-407E-A947-70E740481C1C}">
                 <a14:useLocalDpi xmlns:a14="http://schemas.microsoft.com/office/drawing/2010/main" val="0"/>
@@ -9120,7 +11397,7 @@
 </p:sld>
 </file>
 
-<file path=ppt/slides/slide21.xml><?xml version="1.0" encoding="utf-8"?>
+<file path=ppt/slides/slide19.xml><?xml version="1.0" encoding="utf-8"?>
 <p:sld xmlns:a="http://schemas.openxmlformats.org/drawingml/2006/main" xmlns:r="http://schemas.openxmlformats.org/officeDocument/2006/relationships" xmlns:p="http://schemas.openxmlformats.org/presentationml/2006/main">
   <p:cSld>
     <p:spTree>
@@ -9146,7 +11423,7 @@
           <p:nvPr/>
         </p:nvPicPr>
         <p:blipFill>
-          <a:blip r:embed="rId2">
+          <a:blip r:embed="rId3">
             <a:extLst>
               <a:ext uri="{28A0092B-C50C-407E-A947-70E740481C1C}">
                 <a14:useLocalDpi xmlns:a14="http://schemas.microsoft.com/office/drawing/2010/main" val="0"/>
@@ -9187,7 +11464,7 @@
           <p:nvPr/>
         </p:nvPicPr>
         <p:blipFill>
-          <a:blip r:embed="rId3">
+          <a:blip r:embed="rId4">
             <a:extLst>
               <a:ext uri="{28A0092B-C50C-407E-A947-70E740481C1C}">
                 <a14:useLocalDpi xmlns:a14="http://schemas.microsoft.com/office/drawing/2010/main" val="0"/>
@@ -10024,7 +12301,576 @@
 </p:sld>
 </file>
 
-<file path=ppt/slides/slide22.xml><?xml version="1.0" encoding="utf-8"?>
+<file path=ppt/slides/slide2.xml><?xml version="1.0" encoding="utf-8"?>
+<p:sld xmlns:a="http://schemas.openxmlformats.org/drawingml/2006/main" xmlns:r="http://schemas.openxmlformats.org/officeDocument/2006/relationships" xmlns:p="http://schemas.openxmlformats.org/presentationml/2006/main">
+  <p:cSld>
+    <p:spTree>
+      <p:nvGrpSpPr>
+        <p:cNvPr id="1" name=""/>
+        <p:cNvGrpSpPr/>
+        <p:nvPr/>
+      </p:nvGrpSpPr>
+      <p:grpSpPr>
+        <a:xfrm>
+          <a:off x="0" y="0"/>
+          <a:ext cx="0" cy="0"/>
+          <a:chOff x="0" y="0"/>
+          <a:chExt cx="0" cy="0"/>
+        </a:xfrm>
+      </p:grpSpPr>
+      <p:pic>
+        <p:nvPicPr>
+          <p:cNvPr id="1026" name="Picture 2"/>
+          <p:cNvPicPr>
+            <a:picLocks noChangeAspect="1" noChangeArrowheads="1"/>
+          </p:cNvPicPr>
+          <p:nvPr/>
+        </p:nvPicPr>
+        <p:blipFill>
+          <a:blip r:embed="rId3"/>
+          <a:srcRect/>
+          <a:stretch>
+            <a:fillRect/>
+          </a:stretch>
+        </p:blipFill>
+        <p:spPr bwMode="auto">
+          <a:xfrm>
+            <a:off x="642911" y="1096963"/>
+            <a:ext cx="7072362" cy="5761037"/>
+          </a:xfrm>
+          <a:prstGeom prst="rect">
+            <a:avLst/>
+          </a:prstGeom>
+          <a:noFill/>
+          <a:ln w="9525">
+            <a:noFill/>
+            <a:miter lim="800000"/>
+            <a:headEnd/>
+            <a:tailEnd/>
+          </a:ln>
+          <a:effectLst/>
+        </p:spPr>
+      </p:pic>
+      <p:sp>
+        <p:nvSpPr>
+          <p:cNvPr id="2" name="CasellaDiTesto 1"/>
+          <p:cNvSpPr txBox="1"/>
+          <p:nvPr/>
+        </p:nvSpPr>
+        <p:spPr>
+          <a:xfrm>
+            <a:off x="1071538" y="500042"/>
+            <a:ext cx="7072362" cy="1107996"/>
+          </a:xfrm>
+          <a:prstGeom prst="rect">
+            <a:avLst/>
+          </a:prstGeom>
+          <a:noFill/>
+        </p:spPr>
+        <p:txBody>
+          <a:bodyPr wrap="square" rtlCol="0">
+            <a:spAutoFit/>
+          </a:bodyPr>
+          <a:lstStyle/>
+          <a:p>
+            <a:pPr algn="ctr"/>
+            <a:r>
+              <a:rPr lang="it-IT" sz="4800" b="1" dirty="0" smtClean="0">
+                <a:latin typeface="+mj-lt"/>
+              </a:rPr>
+              <a:t>Gli attori del sistema</a:t>
+            </a:r>
+          </a:p>
+          <a:p>
+            <a:pPr algn="ctr"/>
+            <a:endParaRPr lang="it-IT" dirty="0">
+              <a:latin typeface="+mj-lt"/>
+            </a:endParaRPr>
+          </a:p>
+        </p:txBody>
+      </p:sp>
+      <p:sp>
+        <p:nvSpPr>
+          <p:cNvPr id="5" name="Oval 4"/>
+          <p:cNvSpPr/>
+          <p:nvPr/>
+        </p:nvSpPr>
+        <p:spPr>
+          <a:xfrm>
+            <a:off x="1035819" y="1500174"/>
+            <a:ext cx="1571636" cy="642942"/>
+          </a:xfrm>
+          <a:prstGeom prst="ellipse">
+            <a:avLst/>
+          </a:prstGeom>
+          <a:noFill/>
+          <a:ln>
+            <a:solidFill>
+              <a:srgbClr val="FF0000"/>
+            </a:solidFill>
+          </a:ln>
+        </p:spPr>
+        <p:style>
+          <a:lnRef idx="2">
+            <a:schemeClr val="accent1">
+              <a:shade val="50000"/>
+            </a:schemeClr>
+          </a:lnRef>
+          <a:fillRef idx="1">
+            <a:schemeClr val="accent1"/>
+          </a:fillRef>
+          <a:effectRef idx="0">
+            <a:schemeClr val="accent1"/>
+          </a:effectRef>
+          <a:fontRef idx="minor">
+            <a:schemeClr val="lt1"/>
+          </a:fontRef>
+        </p:style>
+        <p:txBody>
+          <a:bodyPr rtlCol="0" anchor="ctr"/>
+          <a:lstStyle/>
+          <a:p>
+            <a:pPr algn="ctr"/>
+            <a:endParaRPr lang="it-IT"/>
+          </a:p>
+        </p:txBody>
+      </p:sp>
+      <p:sp>
+        <p:nvSpPr>
+          <p:cNvPr id="6" name="Oval 5"/>
+          <p:cNvSpPr/>
+          <p:nvPr/>
+        </p:nvSpPr>
+        <p:spPr>
+          <a:xfrm>
+            <a:off x="1714480" y="4143380"/>
+            <a:ext cx="2071702" cy="642942"/>
+          </a:xfrm>
+          <a:prstGeom prst="ellipse">
+            <a:avLst/>
+          </a:prstGeom>
+          <a:noFill/>
+          <a:ln>
+            <a:solidFill>
+              <a:srgbClr val="FF0000"/>
+            </a:solidFill>
+          </a:ln>
+        </p:spPr>
+        <p:style>
+          <a:lnRef idx="2">
+            <a:schemeClr val="accent1">
+              <a:shade val="50000"/>
+            </a:schemeClr>
+          </a:lnRef>
+          <a:fillRef idx="1">
+            <a:schemeClr val="accent1"/>
+          </a:fillRef>
+          <a:effectRef idx="0">
+            <a:schemeClr val="accent1"/>
+          </a:effectRef>
+          <a:fontRef idx="minor">
+            <a:schemeClr val="lt1"/>
+          </a:fontRef>
+        </p:style>
+        <p:txBody>
+          <a:bodyPr rtlCol="0" anchor="ctr"/>
+          <a:lstStyle/>
+          <a:p>
+            <a:pPr algn="ctr"/>
+            <a:endParaRPr lang="it-IT"/>
+          </a:p>
+        </p:txBody>
+      </p:sp>
+      <p:sp>
+        <p:nvSpPr>
+          <p:cNvPr id="7" name="Oval 6"/>
+          <p:cNvSpPr/>
+          <p:nvPr/>
+        </p:nvSpPr>
+        <p:spPr>
+          <a:xfrm>
+            <a:off x="2786050" y="3571876"/>
+            <a:ext cx="1571636" cy="642942"/>
+          </a:xfrm>
+          <a:prstGeom prst="ellipse">
+            <a:avLst/>
+          </a:prstGeom>
+          <a:noFill/>
+          <a:ln>
+            <a:solidFill>
+              <a:srgbClr val="FF0000"/>
+            </a:solidFill>
+          </a:ln>
+        </p:spPr>
+        <p:style>
+          <a:lnRef idx="2">
+            <a:schemeClr val="accent1">
+              <a:shade val="50000"/>
+            </a:schemeClr>
+          </a:lnRef>
+          <a:fillRef idx="1">
+            <a:schemeClr val="accent1"/>
+          </a:fillRef>
+          <a:effectRef idx="0">
+            <a:schemeClr val="accent1"/>
+          </a:effectRef>
+          <a:fontRef idx="minor">
+            <a:schemeClr val="lt1"/>
+          </a:fontRef>
+        </p:style>
+        <p:txBody>
+          <a:bodyPr rtlCol="0" anchor="ctr"/>
+          <a:lstStyle/>
+          <a:p>
+            <a:pPr algn="ctr"/>
+            <a:endParaRPr lang="it-IT"/>
+          </a:p>
+        </p:txBody>
+      </p:sp>
+      <p:sp>
+        <p:nvSpPr>
+          <p:cNvPr id="8" name="Oval 7"/>
+          <p:cNvSpPr/>
+          <p:nvPr/>
+        </p:nvSpPr>
+        <p:spPr>
+          <a:xfrm>
+            <a:off x="1714480" y="6215058"/>
+            <a:ext cx="1785950" cy="642942"/>
+          </a:xfrm>
+          <a:prstGeom prst="ellipse">
+            <a:avLst/>
+          </a:prstGeom>
+          <a:noFill/>
+          <a:ln>
+            <a:solidFill>
+              <a:srgbClr val="FF0000"/>
+            </a:solidFill>
+          </a:ln>
+        </p:spPr>
+        <p:style>
+          <a:lnRef idx="2">
+            <a:schemeClr val="accent1">
+              <a:shade val="50000"/>
+            </a:schemeClr>
+          </a:lnRef>
+          <a:fillRef idx="1">
+            <a:schemeClr val="accent1"/>
+          </a:fillRef>
+          <a:effectRef idx="0">
+            <a:schemeClr val="accent1"/>
+          </a:effectRef>
+          <a:fontRef idx="minor">
+            <a:schemeClr val="lt1"/>
+          </a:fontRef>
+        </p:style>
+        <p:txBody>
+          <a:bodyPr rtlCol="0" anchor="ctr"/>
+          <a:lstStyle/>
+          <a:p>
+            <a:pPr algn="ctr"/>
+            <a:endParaRPr lang="it-IT"/>
+          </a:p>
+        </p:txBody>
+      </p:sp>
+      <p:sp>
+        <p:nvSpPr>
+          <p:cNvPr id="9" name="Oval 8"/>
+          <p:cNvSpPr/>
+          <p:nvPr/>
+        </p:nvSpPr>
+        <p:spPr>
+          <a:xfrm>
+            <a:off x="1714480" y="5643578"/>
+            <a:ext cx="1785950" cy="571504"/>
+          </a:xfrm>
+          <a:prstGeom prst="ellipse">
+            <a:avLst/>
+          </a:prstGeom>
+          <a:noFill/>
+          <a:ln>
+            <a:solidFill>
+              <a:srgbClr val="FF0000"/>
+            </a:solidFill>
+          </a:ln>
+        </p:spPr>
+        <p:style>
+          <a:lnRef idx="2">
+            <a:schemeClr val="accent1">
+              <a:shade val="50000"/>
+            </a:schemeClr>
+          </a:lnRef>
+          <a:fillRef idx="1">
+            <a:schemeClr val="accent1"/>
+          </a:fillRef>
+          <a:effectRef idx="0">
+            <a:schemeClr val="accent1"/>
+          </a:effectRef>
+          <a:fontRef idx="minor">
+            <a:schemeClr val="lt1"/>
+          </a:fontRef>
+        </p:style>
+        <p:txBody>
+          <a:bodyPr rtlCol="0" anchor="ctr"/>
+          <a:lstStyle/>
+          <a:p>
+            <a:pPr algn="ctr"/>
+            <a:endParaRPr lang="it-IT"/>
+          </a:p>
+        </p:txBody>
+      </p:sp>
+    </p:spTree>
+    <p:extLst>
+      <p:ext uri="{BB962C8B-B14F-4D97-AF65-F5344CB8AC3E}">
+        <p14:creationId xmlns:p14="http://schemas.microsoft.com/office/powerpoint/2010/main" val="155874689"/>
+      </p:ext>
+    </p:extLst>
+  </p:cSld>
+  <p:clrMapOvr>
+    <a:masterClrMapping/>
+  </p:clrMapOvr>
+  <mc:AlternateContent xmlns:mc="http://schemas.openxmlformats.org/markup-compatibility/2006" xmlns:p14="http://schemas.microsoft.com/office/powerpoint/2010/main">
+    <mc:Choice Requires="p14">
+      <p:transition spd="slow" p14:dur="2000"/>
+    </mc:Choice>
+    <mc:Fallback xmlns="">
+      <p:transition spd="slow"/>
+    </mc:Fallback>
+  </mc:AlternateContent>
+  <p:timing>
+    <p:tnLst>
+      <p:par>
+        <p:cTn id="1" dur="indefinite" restart="never" nodeType="tmRoot">
+          <p:childTnLst>
+            <p:seq concurrent="1" nextAc="seek">
+              <p:cTn id="2" dur="indefinite" nodeType="mainSeq">
+                <p:childTnLst>
+                  <p:par>
+                    <p:cTn id="3" fill="hold">
+                      <p:stCondLst>
+                        <p:cond delay="indefinite"/>
+                      </p:stCondLst>
+                      <p:childTnLst>
+                        <p:par>
+                          <p:cTn id="4" fill="hold">
+                            <p:stCondLst>
+                              <p:cond delay="0"/>
+                            </p:stCondLst>
+                            <p:childTnLst>
+                              <p:par>
+                                <p:cTn id="5" presetID="10" presetClass="entr" presetSubtype="0" fill="hold" grpId="0" nodeType="clickEffect">
+                                  <p:stCondLst>
+                                    <p:cond delay="0"/>
+                                  </p:stCondLst>
+                                  <p:childTnLst>
+                                    <p:set>
+                                      <p:cBhvr>
+                                        <p:cTn id="6" dur="1" fill="hold">
+                                          <p:stCondLst>
+                                            <p:cond delay="0"/>
+                                          </p:stCondLst>
+                                        </p:cTn>
+                                        <p:tgtEl>
+                                          <p:spTgt spid="5"/>
+                                        </p:tgtEl>
+                                        <p:attrNameLst>
+                                          <p:attrName>style.visibility</p:attrName>
+                                        </p:attrNameLst>
+                                      </p:cBhvr>
+                                      <p:to>
+                                        <p:strVal val="visible"/>
+                                      </p:to>
+                                    </p:set>
+                                    <p:animEffect transition="in" filter="fade">
+                                      <p:cBhvr>
+                                        <p:cTn id="7" dur="500"/>
+                                        <p:tgtEl>
+                                          <p:spTgt spid="5"/>
+                                        </p:tgtEl>
+                                      </p:cBhvr>
+                                    </p:animEffect>
+                                  </p:childTnLst>
+                                </p:cTn>
+                              </p:par>
+                              <p:par>
+                                <p:cTn id="8" presetID="10" presetClass="entr" presetSubtype="0" fill="hold" grpId="0" nodeType="withEffect">
+                                  <p:stCondLst>
+                                    <p:cond delay="0"/>
+                                  </p:stCondLst>
+                                  <p:childTnLst>
+                                    <p:set>
+                                      <p:cBhvr>
+                                        <p:cTn id="9" dur="1" fill="hold">
+                                          <p:stCondLst>
+                                            <p:cond delay="0"/>
+                                          </p:stCondLst>
+                                        </p:cTn>
+                                        <p:tgtEl>
+                                          <p:spTgt spid="7"/>
+                                        </p:tgtEl>
+                                        <p:attrNameLst>
+                                          <p:attrName>style.visibility</p:attrName>
+                                        </p:attrNameLst>
+                                      </p:cBhvr>
+                                      <p:to>
+                                        <p:strVal val="visible"/>
+                                      </p:to>
+                                    </p:set>
+                                    <p:animEffect transition="in" filter="fade">
+                                      <p:cBhvr>
+                                        <p:cTn id="10" dur="500"/>
+                                        <p:tgtEl>
+                                          <p:spTgt spid="7"/>
+                                        </p:tgtEl>
+                                      </p:cBhvr>
+                                    </p:animEffect>
+                                  </p:childTnLst>
+                                </p:cTn>
+                              </p:par>
+                              <p:par>
+                                <p:cTn id="11" presetID="10" presetClass="entr" presetSubtype="0" fill="hold" grpId="0" nodeType="withEffect">
+                                  <p:stCondLst>
+                                    <p:cond delay="0"/>
+                                  </p:stCondLst>
+                                  <p:childTnLst>
+                                    <p:set>
+                                      <p:cBhvr>
+                                        <p:cTn id="12" dur="1" fill="hold">
+                                          <p:stCondLst>
+                                            <p:cond delay="0"/>
+                                          </p:stCondLst>
+                                        </p:cTn>
+                                        <p:tgtEl>
+                                          <p:spTgt spid="6"/>
+                                        </p:tgtEl>
+                                        <p:attrNameLst>
+                                          <p:attrName>style.visibility</p:attrName>
+                                        </p:attrNameLst>
+                                      </p:cBhvr>
+                                      <p:to>
+                                        <p:strVal val="visible"/>
+                                      </p:to>
+                                    </p:set>
+                                    <p:animEffect transition="in" filter="fade">
+                                      <p:cBhvr>
+                                        <p:cTn id="13" dur="500"/>
+                                        <p:tgtEl>
+                                          <p:spTgt spid="6"/>
+                                        </p:tgtEl>
+                                      </p:cBhvr>
+                                    </p:animEffect>
+                                  </p:childTnLst>
+                                </p:cTn>
+                              </p:par>
+                              <p:par>
+                                <p:cTn id="14" presetID="10" presetClass="entr" presetSubtype="0" fill="hold" grpId="0" nodeType="withEffect">
+                                  <p:stCondLst>
+                                    <p:cond delay="0"/>
+                                  </p:stCondLst>
+                                  <p:childTnLst>
+                                    <p:set>
+                                      <p:cBhvr>
+                                        <p:cTn id="15" dur="1" fill="hold">
+                                          <p:stCondLst>
+                                            <p:cond delay="0"/>
+                                          </p:stCondLst>
+                                        </p:cTn>
+                                        <p:tgtEl>
+                                          <p:spTgt spid="9"/>
+                                        </p:tgtEl>
+                                        <p:attrNameLst>
+                                          <p:attrName>style.visibility</p:attrName>
+                                        </p:attrNameLst>
+                                      </p:cBhvr>
+                                      <p:to>
+                                        <p:strVal val="visible"/>
+                                      </p:to>
+                                    </p:set>
+                                    <p:animEffect transition="in" filter="fade">
+                                      <p:cBhvr>
+                                        <p:cTn id="16" dur="500"/>
+                                        <p:tgtEl>
+                                          <p:spTgt spid="9"/>
+                                        </p:tgtEl>
+                                      </p:cBhvr>
+                                    </p:animEffect>
+                                  </p:childTnLst>
+                                </p:cTn>
+                              </p:par>
+                              <p:par>
+                                <p:cTn id="17" presetID="10" presetClass="entr" presetSubtype="0" fill="hold" grpId="0" nodeType="withEffect">
+                                  <p:stCondLst>
+                                    <p:cond delay="0"/>
+                                  </p:stCondLst>
+                                  <p:childTnLst>
+                                    <p:set>
+                                      <p:cBhvr>
+                                        <p:cTn id="18" dur="1" fill="hold">
+                                          <p:stCondLst>
+                                            <p:cond delay="0"/>
+                                          </p:stCondLst>
+                                        </p:cTn>
+                                        <p:tgtEl>
+                                          <p:spTgt spid="8"/>
+                                        </p:tgtEl>
+                                        <p:attrNameLst>
+                                          <p:attrName>style.visibility</p:attrName>
+                                        </p:attrNameLst>
+                                      </p:cBhvr>
+                                      <p:to>
+                                        <p:strVal val="visible"/>
+                                      </p:to>
+                                    </p:set>
+                                    <p:animEffect transition="in" filter="fade">
+                                      <p:cBhvr>
+                                        <p:cTn id="19" dur="500"/>
+                                        <p:tgtEl>
+                                          <p:spTgt spid="8"/>
+                                        </p:tgtEl>
+                                      </p:cBhvr>
+                                    </p:animEffect>
+                                  </p:childTnLst>
+                                </p:cTn>
+                              </p:par>
+                            </p:childTnLst>
+                          </p:cTn>
+                        </p:par>
+                      </p:childTnLst>
+                    </p:cTn>
+                  </p:par>
+                </p:childTnLst>
+              </p:cTn>
+              <p:prevCondLst>
+                <p:cond evt="onPrev" delay="0">
+                  <p:tgtEl>
+                    <p:sldTgt/>
+                  </p:tgtEl>
+                </p:cond>
+              </p:prevCondLst>
+              <p:nextCondLst>
+                <p:cond evt="onNext" delay="0">
+                  <p:tgtEl>
+                    <p:sldTgt/>
+                  </p:tgtEl>
+                </p:cond>
+              </p:nextCondLst>
+            </p:seq>
+          </p:childTnLst>
+        </p:cTn>
+      </p:par>
+    </p:tnLst>
+    <p:bldLst>
+      <p:bldP spid="5" grpId="0" animBg="1"/>
+      <p:bldP spid="6" grpId="0" animBg="1"/>
+      <p:bldP spid="7" grpId="0" animBg="1"/>
+      <p:bldP spid="8" grpId="0" animBg="1"/>
+      <p:bldP spid="9" grpId="0" animBg="1"/>
+    </p:bldLst>
+  </p:timing>
+</p:sld>
+</file>
+
+<file path=ppt/slides/slide20.xml><?xml version="1.0" encoding="utf-8"?>
 <p:sld xmlns:a="http://schemas.openxmlformats.org/drawingml/2006/main" xmlns:r="http://schemas.openxmlformats.org/officeDocument/2006/relationships" xmlns:p="http://schemas.openxmlformats.org/presentationml/2006/main">
   <p:cSld>
     <p:spTree>
@@ -10050,7 +12896,7 @@
           <p:nvPr/>
         </p:nvPicPr>
         <p:blipFill>
-          <a:blip r:embed="rId2">
+          <a:blip r:embed="rId3">
             <a:extLst>
               <a:ext uri="{28A0092B-C50C-407E-A947-70E740481C1C}">
                 <a14:useLocalDpi xmlns:a14="http://schemas.microsoft.com/office/drawing/2010/main" val="0"/>
@@ -10091,7 +12937,7 @@
           <p:nvPr/>
         </p:nvPicPr>
         <p:blipFill>
-          <a:blip r:embed="rId3">
+          <a:blip r:embed="rId4">
             <a:extLst>
               <a:ext uri="{28A0092B-C50C-407E-A947-70E740481C1C}">
                 <a14:useLocalDpi xmlns:a14="http://schemas.microsoft.com/office/drawing/2010/main" val="0"/>
@@ -10463,7 +13309,7 @@
 </p:sld>
 </file>
 
-<file path=ppt/slides/slide23.xml><?xml version="1.0" encoding="utf-8"?>
+<file path=ppt/slides/slide21.xml><?xml version="1.0" encoding="utf-8"?>
 <p:sld xmlns:a="http://schemas.openxmlformats.org/drawingml/2006/main" xmlns:r="http://schemas.openxmlformats.org/officeDocument/2006/relationships" xmlns:p="http://schemas.openxmlformats.org/presentationml/2006/main">
   <p:cSld>
     <p:spTree>
@@ -10832,7 +13678,7 @@
           <p:nvPr/>
         </p:nvPicPr>
         <p:blipFill>
-          <a:blip r:embed="rId2">
+          <a:blip r:embed="rId3">
             <a:extLst>
               <a:ext uri="{28A0092B-C50C-407E-A947-70E740481C1C}">
                 <a14:useLocalDpi xmlns:a14="http://schemas.microsoft.com/office/drawing/2010/main" val="0"/>
@@ -10873,7 +13719,7 @@
           <p:nvPr/>
         </p:nvPicPr>
         <p:blipFill>
-          <a:blip r:embed="rId3">
+          <a:blip r:embed="rId4">
             <a:extLst>
               <a:ext uri="{28A0092B-C50C-407E-A947-70E740481C1C}">
                 <a14:useLocalDpi xmlns:a14="http://schemas.microsoft.com/office/drawing/2010/main" val="0"/>
@@ -10914,7 +13760,7 @@
           <p:nvPr/>
         </p:nvPicPr>
         <p:blipFill>
-          <a:blip r:embed="rId4">
+          <a:blip r:embed="rId5">
             <a:extLst>
               <a:ext uri="{28A0092B-C50C-407E-A947-70E740481C1C}">
                 <a14:useLocalDpi xmlns:a14="http://schemas.microsoft.com/office/drawing/2010/main" val="0"/>
@@ -10983,7 +13829,7 @@
 </p:sld>
 </file>
 
-<file path=ppt/slides/slide24.xml><?xml version="1.0" encoding="utf-8"?>
+<file path=ppt/slides/slide22.xml><?xml version="1.0" encoding="utf-8"?>
 <p:sld xmlns:a="http://schemas.openxmlformats.org/drawingml/2006/main" xmlns:r="http://schemas.openxmlformats.org/officeDocument/2006/relationships" xmlns:p="http://schemas.openxmlformats.org/presentationml/2006/main">
   <p:cSld>
     <p:spTree>
@@ -11110,7 +13956,7 @@
           <p:nvPr/>
         </p:nvPicPr>
         <p:blipFill>
-          <a:blip r:embed="rId2">
+          <a:blip r:embed="rId3">
             <a:extLst>
               <a:ext uri="{28A0092B-C50C-407E-A947-70E740481C1C}">
                 <a14:useLocalDpi xmlns:a14="http://schemas.microsoft.com/office/drawing/2010/main" val="0"/>
@@ -11185,7 +14031,7 @@
           <p:nvPr/>
         </p:nvPicPr>
         <p:blipFill>
-          <a:blip r:embed="rId3">
+          <a:blip r:embed="rId4">
             <a:extLst>
               <a:ext uri="{28A0092B-C50C-407E-A947-70E740481C1C}">
                 <a14:useLocalDpi xmlns:a14="http://schemas.microsoft.com/office/drawing/2010/main" val="0"/>
@@ -11401,7 +14247,7 @@
 </p:sld>
 </file>
 
-<file path=ppt/slides/slide25.xml><?xml version="1.0" encoding="utf-8"?>
+<file path=ppt/slides/slide23.xml><?xml version="1.0" encoding="utf-8"?>
 <p:sld xmlns:a="http://schemas.openxmlformats.org/drawingml/2006/main" xmlns:r="http://schemas.openxmlformats.org/officeDocument/2006/relationships" xmlns:p="http://schemas.openxmlformats.org/presentationml/2006/main">
   <p:cSld>
     <p:spTree>
@@ -11427,7 +14273,7 @@
           <p:nvPr/>
         </p:nvPicPr>
         <p:blipFill>
-          <a:blip r:embed="rId2">
+          <a:blip r:embed="rId3">
             <a:extLst>
               <a:ext uri="{28A0092B-C50C-407E-A947-70E740481C1C}">
                 <a14:useLocalDpi xmlns:a14="http://schemas.microsoft.com/office/drawing/2010/main" val="0"/>
@@ -11468,7 +14314,7 @@
           <p:nvPr/>
         </p:nvPicPr>
         <p:blipFill>
-          <a:blip r:embed="rId3">
+          <a:blip r:embed="rId4">
             <a:extLst>
               <a:ext uri="{28A0092B-C50C-407E-A947-70E740481C1C}">
                 <a14:useLocalDpi xmlns:a14="http://schemas.microsoft.com/office/drawing/2010/main" val="0"/>
@@ -12339,7 +15185,7 @@
 </p:sld>
 </file>
 
-<file path=ppt/slides/slide26.xml><?xml version="1.0" encoding="utf-8"?>
+<file path=ppt/slides/slide24.xml><?xml version="1.0" encoding="utf-8"?>
 <p:sld xmlns:a="http://schemas.openxmlformats.org/drawingml/2006/main" xmlns:r="http://schemas.openxmlformats.org/officeDocument/2006/relationships" xmlns:p="http://schemas.openxmlformats.org/presentationml/2006/main">
   <p:cSld>
     <p:spTree>
@@ -12963,7 +15809,7 @@
 </p:sld>
 </file>
 
-<file path=ppt/slides/slide27.xml><?xml version="1.0" encoding="utf-8"?>
+<file path=ppt/slides/slide25.xml><?xml version="1.0" encoding="utf-8"?>
 <p:sld xmlns:a="http://schemas.openxmlformats.org/drawingml/2006/main" xmlns:r="http://schemas.openxmlformats.org/officeDocument/2006/relationships" xmlns:p="http://schemas.openxmlformats.org/presentationml/2006/main">
   <p:cSld>
     <p:spTree>
@@ -14030,7 +16876,7 @@
 </p:sld>
 </file>
 
-<file path=ppt/slides/slide28.xml><?xml version="1.0" encoding="utf-8"?>
+<file path=ppt/slides/slide26.xml><?xml version="1.0" encoding="utf-8"?>
 <p:sld xmlns:a="http://schemas.openxmlformats.org/drawingml/2006/main" xmlns:r="http://schemas.openxmlformats.org/officeDocument/2006/relationships" xmlns:p="http://schemas.openxmlformats.org/presentationml/2006/main">
   <p:cSld>
     <p:spTree>
@@ -14056,7 +16902,7 @@
           <p:nvPr/>
         </p:nvPicPr>
         <p:blipFill>
-          <a:blip r:embed="rId2">
+          <a:blip r:embed="rId3">
             <a:extLst>
               <a:ext uri="{28A0092B-C50C-407E-A947-70E740481C1C}">
                 <a14:useLocalDpi xmlns:a14="http://schemas.microsoft.com/office/drawing/2010/main" val="0"/>
@@ -14120,7 +16966,7 @@
           <p:nvPr/>
         </p:nvPicPr>
         <p:blipFill>
-          <a:blip r:embed="rId3"/>
+          <a:blip r:embed="rId4"/>
           <a:srcRect/>
           <a:stretch>
             <a:fillRect/>
@@ -14257,7 +17103,7 @@
 </p:sld>
 </file>
 
-<file path=ppt/slides/slide29.xml><?xml version="1.0" encoding="utf-8"?>
+<file path=ppt/slides/slide27.xml><?xml version="1.0" encoding="utf-8"?>
 <p:sld xmlns:a="http://schemas.openxmlformats.org/drawingml/2006/main" xmlns:r="http://schemas.openxmlformats.org/officeDocument/2006/relationships" xmlns:p="http://schemas.openxmlformats.org/presentationml/2006/main">
   <p:cSld>
     <p:spTree>
@@ -14327,7 +17173,7 @@
           <p:nvPr/>
         </p:nvPicPr>
         <p:blipFill>
-          <a:blip r:embed="rId2">
+          <a:blip r:embed="rId3">
             <a:extLst>
               <a:ext uri="{28A0092B-C50C-407E-A947-70E740481C1C}">
                 <a14:useLocalDpi xmlns:a14="http://schemas.microsoft.com/office/drawing/2010/main" val="0"/>
@@ -14397,485 +17243,7 @@
 </p:sld>
 </file>
 
-<file path=ppt/slides/slide3.xml><?xml version="1.0" encoding="utf-8"?>
-<p:sld xmlns:a="http://schemas.openxmlformats.org/drawingml/2006/main" xmlns:r="http://schemas.openxmlformats.org/officeDocument/2006/relationships" xmlns:p="http://schemas.openxmlformats.org/presentationml/2006/main">
-  <p:cSld>
-    <p:spTree>
-      <p:nvGrpSpPr>
-        <p:cNvPr id="1" name=""/>
-        <p:cNvGrpSpPr/>
-        <p:nvPr/>
-      </p:nvGrpSpPr>
-      <p:grpSpPr>
-        <a:xfrm>
-          <a:off x="0" y="0"/>
-          <a:ext cx="0" cy="0"/>
-          <a:chOff x="0" y="0"/>
-          <a:chExt cx="0" cy="0"/>
-        </a:xfrm>
-      </p:grpSpPr>
-      <p:pic>
-        <p:nvPicPr>
-          <p:cNvPr id="2051" name="Picture 3"/>
-          <p:cNvPicPr>
-            <a:picLocks noChangeAspect="1" noChangeArrowheads="1"/>
-          </p:cNvPicPr>
-          <p:nvPr/>
-        </p:nvPicPr>
-        <p:blipFill>
-          <a:blip r:embed="rId2"/>
-          <a:srcRect/>
-          <a:stretch>
-            <a:fillRect/>
-          </a:stretch>
-        </p:blipFill>
-        <p:spPr bwMode="auto">
-          <a:xfrm>
-            <a:off x="904875" y="0"/>
-            <a:ext cx="6381769" cy="6858000"/>
-          </a:xfrm>
-          <a:prstGeom prst="rect">
-            <a:avLst/>
-          </a:prstGeom>
-          <a:noFill/>
-          <a:ln w="9525">
-            <a:noFill/>
-            <a:miter lim="800000"/>
-            <a:headEnd/>
-            <a:tailEnd/>
-          </a:ln>
-          <a:effectLst/>
-        </p:spPr>
-      </p:pic>
-      <p:sp>
-        <p:nvSpPr>
-          <p:cNvPr id="5" name="Oval 4"/>
-          <p:cNvSpPr/>
-          <p:nvPr/>
-        </p:nvSpPr>
-        <p:spPr>
-          <a:xfrm>
-            <a:off x="857224" y="142852"/>
-            <a:ext cx="1571636" cy="500090"/>
-          </a:xfrm>
-          <a:prstGeom prst="ellipse">
-            <a:avLst/>
-          </a:prstGeom>
-          <a:noFill/>
-          <a:ln>
-            <a:solidFill>
-              <a:srgbClr val="FF0000"/>
-            </a:solidFill>
-          </a:ln>
-        </p:spPr>
-        <p:style>
-          <a:lnRef idx="2">
-            <a:schemeClr val="accent1">
-              <a:shade val="50000"/>
-            </a:schemeClr>
-          </a:lnRef>
-          <a:fillRef idx="1">
-            <a:schemeClr val="accent1"/>
-          </a:fillRef>
-          <a:effectRef idx="0">
-            <a:schemeClr val="accent1"/>
-          </a:effectRef>
-          <a:fontRef idx="minor">
-            <a:schemeClr val="lt1"/>
-          </a:fontRef>
-        </p:style>
-        <p:txBody>
-          <a:bodyPr rtlCol="0" anchor="ctr"/>
-          <a:lstStyle/>
-          <a:p>
-            <a:pPr algn="ctr"/>
-            <a:endParaRPr lang="it-IT"/>
-          </a:p>
-        </p:txBody>
-      </p:sp>
-      <p:sp>
-        <p:nvSpPr>
-          <p:cNvPr id="6" name="Oval 5"/>
-          <p:cNvSpPr/>
-          <p:nvPr/>
-        </p:nvSpPr>
-        <p:spPr>
-          <a:xfrm>
-            <a:off x="1785918" y="3143248"/>
-            <a:ext cx="1643074" cy="500066"/>
-          </a:xfrm>
-          <a:prstGeom prst="ellipse">
-            <a:avLst/>
-          </a:prstGeom>
-          <a:noFill/>
-          <a:ln>
-            <a:solidFill>
-              <a:srgbClr val="FF0000"/>
-            </a:solidFill>
-          </a:ln>
-        </p:spPr>
-        <p:style>
-          <a:lnRef idx="2">
-            <a:schemeClr val="accent1">
-              <a:shade val="50000"/>
-            </a:schemeClr>
-          </a:lnRef>
-          <a:fillRef idx="1">
-            <a:schemeClr val="accent1"/>
-          </a:fillRef>
-          <a:effectRef idx="0">
-            <a:schemeClr val="accent1"/>
-          </a:effectRef>
-          <a:fontRef idx="minor">
-            <a:schemeClr val="lt1"/>
-          </a:fontRef>
-        </p:style>
-        <p:txBody>
-          <a:bodyPr rtlCol="0" anchor="ctr"/>
-          <a:lstStyle/>
-          <a:p>
-            <a:pPr algn="ctr"/>
-            <a:endParaRPr lang="it-IT"/>
-          </a:p>
-        </p:txBody>
-      </p:sp>
-      <p:sp>
-        <p:nvSpPr>
-          <p:cNvPr id="7" name="Oval 6"/>
-          <p:cNvSpPr/>
-          <p:nvPr/>
-        </p:nvSpPr>
-        <p:spPr>
-          <a:xfrm>
-            <a:off x="2500298" y="2786058"/>
-            <a:ext cx="1571636" cy="500066"/>
-          </a:xfrm>
-          <a:prstGeom prst="ellipse">
-            <a:avLst/>
-          </a:prstGeom>
-          <a:noFill/>
-          <a:ln>
-            <a:solidFill>
-              <a:srgbClr val="FF0000"/>
-            </a:solidFill>
-          </a:ln>
-        </p:spPr>
-        <p:style>
-          <a:lnRef idx="2">
-            <a:schemeClr val="accent1">
-              <a:shade val="50000"/>
-            </a:schemeClr>
-          </a:lnRef>
-          <a:fillRef idx="1">
-            <a:schemeClr val="accent1"/>
-          </a:fillRef>
-          <a:effectRef idx="0">
-            <a:schemeClr val="accent1"/>
-          </a:effectRef>
-          <a:fontRef idx="minor">
-            <a:schemeClr val="lt1"/>
-          </a:fontRef>
-        </p:style>
-        <p:txBody>
-          <a:bodyPr rtlCol="0" anchor="ctr"/>
-          <a:lstStyle/>
-          <a:p>
-            <a:pPr algn="ctr"/>
-            <a:endParaRPr lang="it-IT"/>
-          </a:p>
-        </p:txBody>
-      </p:sp>
-      <p:sp>
-        <p:nvSpPr>
-          <p:cNvPr id="8" name="Oval 7"/>
-          <p:cNvSpPr/>
-          <p:nvPr/>
-        </p:nvSpPr>
-        <p:spPr>
-          <a:xfrm>
-            <a:off x="1357290" y="5357826"/>
-            <a:ext cx="1500198" cy="500066"/>
-          </a:xfrm>
-          <a:prstGeom prst="ellipse">
-            <a:avLst/>
-          </a:prstGeom>
-          <a:noFill/>
-          <a:ln>
-            <a:solidFill>
-              <a:srgbClr val="FF0000"/>
-            </a:solidFill>
-          </a:ln>
-        </p:spPr>
-        <p:style>
-          <a:lnRef idx="2">
-            <a:schemeClr val="accent1">
-              <a:shade val="50000"/>
-            </a:schemeClr>
-          </a:lnRef>
-          <a:fillRef idx="1">
-            <a:schemeClr val="accent1"/>
-          </a:fillRef>
-          <a:effectRef idx="0">
-            <a:schemeClr val="accent1"/>
-          </a:effectRef>
-          <a:fontRef idx="minor">
-            <a:schemeClr val="lt1"/>
-          </a:fontRef>
-        </p:style>
-        <p:txBody>
-          <a:bodyPr rtlCol="0" anchor="ctr"/>
-          <a:lstStyle/>
-          <a:p>
-            <a:pPr algn="ctr"/>
-            <a:endParaRPr lang="it-IT"/>
-          </a:p>
-        </p:txBody>
-      </p:sp>
-      <p:sp>
-        <p:nvSpPr>
-          <p:cNvPr id="9" name="Oval 8"/>
-          <p:cNvSpPr/>
-          <p:nvPr/>
-        </p:nvSpPr>
-        <p:spPr>
-          <a:xfrm>
-            <a:off x="1214414" y="4429132"/>
-            <a:ext cx="1785950" cy="500066"/>
-          </a:xfrm>
-          <a:prstGeom prst="ellipse">
-            <a:avLst/>
-          </a:prstGeom>
-          <a:noFill/>
-          <a:ln>
-            <a:solidFill>
-              <a:srgbClr val="FF0000"/>
-            </a:solidFill>
-          </a:ln>
-        </p:spPr>
-        <p:style>
-          <a:lnRef idx="2">
-            <a:schemeClr val="accent1">
-              <a:shade val="50000"/>
-            </a:schemeClr>
-          </a:lnRef>
-          <a:fillRef idx="1">
-            <a:schemeClr val="accent1"/>
-          </a:fillRef>
-          <a:effectRef idx="0">
-            <a:schemeClr val="accent1"/>
-          </a:effectRef>
-          <a:fontRef idx="minor">
-            <a:schemeClr val="lt1"/>
-          </a:fontRef>
-        </p:style>
-        <p:txBody>
-          <a:bodyPr rtlCol="0" anchor="ctr"/>
-          <a:lstStyle/>
-          <a:p>
-            <a:pPr algn="ctr"/>
-            <a:endParaRPr lang="it-IT"/>
-          </a:p>
-        </p:txBody>
-      </p:sp>
-      <p:sp>
-        <p:nvSpPr>
-          <p:cNvPr id="11" name="Oval 10"/>
-          <p:cNvSpPr/>
-          <p:nvPr/>
-        </p:nvSpPr>
-        <p:spPr>
-          <a:xfrm>
-            <a:off x="4500562" y="5013176"/>
-            <a:ext cx="1928826" cy="1059030"/>
-          </a:xfrm>
-          <a:prstGeom prst="ellipse">
-            <a:avLst/>
-          </a:prstGeom>
-          <a:noFill/>
-          <a:ln>
-            <a:solidFill>
-              <a:srgbClr val="FFC000"/>
-            </a:solidFill>
-          </a:ln>
-        </p:spPr>
-        <p:style>
-          <a:lnRef idx="2">
-            <a:schemeClr val="accent1">
-              <a:shade val="50000"/>
-            </a:schemeClr>
-          </a:lnRef>
-          <a:fillRef idx="1">
-            <a:schemeClr val="accent1"/>
-          </a:fillRef>
-          <a:effectRef idx="0">
-            <a:schemeClr val="accent1"/>
-          </a:effectRef>
-          <a:fontRef idx="minor">
-            <a:schemeClr val="lt1"/>
-          </a:fontRef>
-        </p:style>
-        <p:txBody>
-          <a:bodyPr rtlCol="0" anchor="ctr"/>
-          <a:lstStyle/>
-          <a:p>
-            <a:pPr algn="ctr"/>
-            <a:endParaRPr lang="it-IT"/>
-          </a:p>
-        </p:txBody>
-      </p:sp>
-      <p:sp>
-        <p:nvSpPr>
-          <p:cNvPr id="12" name="Oval 11"/>
-          <p:cNvSpPr/>
-          <p:nvPr/>
-        </p:nvSpPr>
-        <p:spPr>
-          <a:xfrm>
-            <a:off x="1973691" y="4832789"/>
-            <a:ext cx="1571636" cy="571504"/>
-          </a:xfrm>
-          <a:prstGeom prst="ellipse">
-            <a:avLst/>
-          </a:prstGeom>
-          <a:noFill/>
-          <a:ln>
-            <a:solidFill>
-              <a:srgbClr val="FFC000"/>
-            </a:solidFill>
-          </a:ln>
-        </p:spPr>
-        <p:style>
-          <a:lnRef idx="2">
-            <a:schemeClr val="accent1">
-              <a:shade val="50000"/>
-            </a:schemeClr>
-          </a:lnRef>
-          <a:fillRef idx="1">
-            <a:schemeClr val="accent1"/>
-          </a:fillRef>
-          <a:effectRef idx="0">
-            <a:schemeClr val="accent1"/>
-          </a:effectRef>
-          <a:fontRef idx="minor">
-            <a:schemeClr val="lt1"/>
-          </a:fontRef>
-        </p:style>
-        <p:txBody>
-          <a:bodyPr rtlCol="0" anchor="ctr"/>
-          <a:lstStyle/>
-          <a:p>
-            <a:pPr algn="ctr"/>
-            <a:endParaRPr lang="it-IT"/>
-          </a:p>
-        </p:txBody>
-      </p:sp>
-      <p:sp>
-        <p:nvSpPr>
-          <p:cNvPr id="14" name="TextBox 13"/>
-          <p:cNvSpPr txBox="1"/>
-          <p:nvPr/>
-        </p:nvSpPr>
-        <p:spPr>
-          <a:xfrm>
-            <a:off x="7572396" y="2857496"/>
-            <a:ext cx="1357322" cy="369332"/>
-          </a:xfrm>
-          <a:prstGeom prst="rect">
-            <a:avLst/>
-          </a:prstGeom>
-          <a:noFill/>
-        </p:spPr>
-        <p:txBody>
-          <a:bodyPr wrap="square" rtlCol="0">
-            <a:spAutoFit/>
-          </a:bodyPr>
-          <a:lstStyle/>
-          <a:p>
-            <a:r>
-              <a:rPr lang="it-IT" i="1" dirty="0" smtClean="0"/>
-              <a:t>Nuovi attori</a:t>
-            </a:r>
-            <a:endParaRPr lang="it-IT" i="1" dirty="0"/>
-          </a:p>
-        </p:txBody>
-      </p:sp>
-      <p:sp>
-        <p:nvSpPr>
-          <p:cNvPr id="15" name="Rectangle 14"/>
-          <p:cNvSpPr/>
-          <p:nvPr/>
-        </p:nvSpPr>
-        <p:spPr>
-          <a:xfrm>
-            <a:off x="7358082" y="2928934"/>
-            <a:ext cx="214314" cy="214314"/>
-          </a:xfrm>
-          <a:prstGeom prst="rect">
-            <a:avLst/>
-          </a:prstGeom>
-          <a:solidFill>
-            <a:srgbClr val="FFC000"/>
-          </a:solidFill>
-          <a:ln>
-            <a:solidFill>
-              <a:srgbClr val="FFC000"/>
-            </a:solidFill>
-          </a:ln>
-        </p:spPr>
-        <p:style>
-          <a:lnRef idx="2">
-            <a:schemeClr val="accent1">
-              <a:shade val="50000"/>
-            </a:schemeClr>
-          </a:lnRef>
-          <a:fillRef idx="1">
-            <a:schemeClr val="accent1"/>
-          </a:fillRef>
-          <a:effectRef idx="0">
-            <a:schemeClr val="accent1"/>
-          </a:effectRef>
-          <a:fontRef idx="minor">
-            <a:schemeClr val="lt1"/>
-          </a:fontRef>
-        </p:style>
-        <p:txBody>
-          <a:bodyPr rtlCol="0" anchor="ctr"/>
-          <a:lstStyle/>
-          <a:p>
-            <a:pPr algn="ctr"/>
-            <a:endParaRPr lang="it-IT"/>
-          </a:p>
-        </p:txBody>
-      </p:sp>
-    </p:spTree>
-    <p:extLst>
-      <p:ext uri="{BB962C8B-B14F-4D97-AF65-F5344CB8AC3E}">
-        <p14:creationId xmlns:p14="http://schemas.microsoft.com/office/powerpoint/2010/main" val="155874689"/>
-      </p:ext>
-    </p:extLst>
-  </p:cSld>
-  <p:clrMapOvr>
-    <a:masterClrMapping/>
-  </p:clrMapOvr>
-  <mc:AlternateContent xmlns:mc="http://schemas.openxmlformats.org/markup-compatibility/2006" xmlns:p14="http://schemas.microsoft.com/office/powerpoint/2010/main">
-    <mc:Choice Requires="p14">
-      <p:transition spd="slow" p14:dur="2000"/>
-    </mc:Choice>
-    <mc:Fallback xmlns="">
-      <p:transition spd="slow"/>
-    </mc:Fallback>
-  </mc:AlternateContent>
-  <p:timing>
-    <p:tnLst>
-      <p:par>
-        <p:cTn id="1" dur="indefinite" restart="never" nodeType="tmRoot"/>
-      </p:par>
-    </p:tnLst>
-  </p:timing>
-</p:sld>
-</file>
-
-<file path=ppt/slides/slide30.xml><?xml version="1.0" encoding="utf-8"?>
+<file path=ppt/slides/slide28.xml><?xml version="1.0" encoding="utf-8"?>
 <p:sld xmlns:a="http://schemas.openxmlformats.org/drawingml/2006/main" xmlns:r="http://schemas.openxmlformats.org/officeDocument/2006/relationships" xmlns:p="http://schemas.openxmlformats.org/presentationml/2006/main">
   <p:cSld>
     <p:spTree>
@@ -15432,7 +17800,7 @@
 </p:sld>
 </file>
 
-<file path=ppt/slides/slide31.xml><?xml version="1.0" encoding="utf-8"?>
+<file path=ppt/slides/slide29.xml><?xml version="1.0" encoding="utf-8"?>
 <p:sld xmlns:a="http://schemas.openxmlformats.org/drawingml/2006/main" xmlns:r="http://schemas.openxmlformats.org/officeDocument/2006/relationships" xmlns:p="http://schemas.openxmlformats.org/presentationml/2006/main">
   <p:cSld>
     <p:spTree>
@@ -15502,7 +17870,485 @@
 </p:sld>
 </file>
 
-<file path=ppt/slides/slide32.xml><?xml version="1.0" encoding="utf-8"?>
+<file path=ppt/slides/slide3.xml><?xml version="1.0" encoding="utf-8"?>
+<p:sld xmlns:a="http://schemas.openxmlformats.org/drawingml/2006/main" xmlns:r="http://schemas.openxmlformats.org/officeDocument/2006/relationships" xmlns:p="http://schemas.openxmlformats.org/presentationml/2006/main">
+  <p:cSld>
+    <p:spTree>
+      <p:nvGrpSpPr>
+        <p:cNvPr id="1" name=""/>
+        <p:cNvGrpSpPr/>
+        <p:nvPr/>
+      </p:nvGrpSpPr>
+      <p:grpSpPr>
+        <a:xfrm>
+          <a:off x="0" y="0"/>
+          <a:ext cx="0" cy="0"/>
+          <a:chOff x="0" y="0"/>
+          <a:chExt cx="0" cy="0"/>
+        </a:xfrm>
+      </p:grpSpPr>
+      <p:pic>
+        <p:nvPicPr>
+          <p:cNvPr id="2051" name="Picture 3"/>
+          <p:cNvPicPr>
+            <a:picLocks noChangeAspect="1" noChangeArrowheads="1"/>
+          </p:cNvPicPr>
+          <p:nvPr/>
+        </p:nvPicPr>
+        <p:blipFill>
+          <a:blip r:embed="rId3"/>
+          <a:srcRect/>
+          <a:stretch>
+            <a:fillRect/>
+          </a:stretch>
+        </p:blipFill>
+        <p:spPr bwMode="auto">
+          <a:xfrm>
+            <a:off x="904875" y="0"/>
+            <a:ext cx="6381769" cy="6858000"/>
+          </a:xfrm>
+          <a:prstGeom prst="rect">
+            <a:avLst/>
+          </a:prstGeom>
+          <a:noFill/>
+          <a:ln w="9525">
+            <a:noFill/>
+            <a:miter lim="800000"/>
+            <a:headEnd/>
+            <a:tailEnd/>
+          </a:ln>
+          <a:effectLst/>
+        </p:spPr>
+      </p:pic>
+      <p:sp>
+        <p:nvSpPr>
+          <p:cNvPr id="5" name="Oval 4"/>
+          <p:cNvSpPr/>
+          <p:nvPr/>
+        </p:nvSpPr>
+        <p:spPr>
+          <a:xfrm>
+            <a:off x="857224" y="142852"/>
+            <a:ext cx="1571636" cy="500090"/>
+          </a:xfrm>
+          <a:prstGeom prst="ellipse">
+            <a:avLst/>
+          </a:prstGeom>
+          <a:noFill/>
+          <a:ln>
+            <a:solidFill>
+              <a:srgbClr val="FF0000"/>
+            </a:solidFill>
+          </a:ln>
+        </p:spPr>
+        <p:style>
+          <a:lnRef idx="2">
+            <a:schemeClr val="accent1">
+              <a:shade val="50000"/>
+            </a:schemeClr>
+          </a:lnRef>
+          <a:fillRef idx="1">
+            <a:schemeClr val="accent1"/>
+          </a:fillRef>
+          <a:effectRef idx="0">
+            <a:schemeClr val="accent1"/>
+          </a:effectRef>
+          <a:fontRef idx="minor">
+            <a:schemeClr val="lt1"/>
+          </a:fontRef>
+        </p:style>
+        <p:txBody>
+          <a:bodyPr rtlCol="0" anchor="ctr"/>
+          <a:lstStyle/>
+          <a:p>
+            <a:pPr algn="ctr"/>
+            <a:endParaRPr lang="it-IT"/>
+          </a:p>
+        </p:txBody>
+      </p:sp>
+      <p:sp>
+        <p:nvSpPr>
+          <p:cNvPr id="6" name="Oval 5"/>
+          <p:cNvSpPr/>
+          <p:nvPr/>
+        </p:nvSpPr>
+        <p:spPr>
+          <a:xfrm>
+            <a:off x="1785918" y="3143248"/>
+            <a:ext cx="1643074" cy="500066"/>
+          </a:xfrm>
+          <a:prstGeom prst="ellipse">
+            <a:avLst/>
+          </a:prstGeom>
+          <a:noFill/>
+          <a:ln>
+            <a:solidFill>
+              <a:srgbClr val="FF0000"/>
+            </a:solidFill>
+          </a:ln>
+        </p:spPr>
+        <p:style>
+          <a:lnRef idx="2">
+            <a:schemeClr val="accent1">
+              <a:shade val="50000"/>
+            </a:schemeClr>
+          </a:lnRef>
+          <a:fillRef idx="1">
+            <a:schemeClr val="accent1"/>
+          </a:fillRef>
+          <a:effectRef idx="0">
+            <a:schemeClr val="accent1"/>
+          </a:effectRef>
+          <a:fontRef idx="minor">
+            <a:schemeClr val="lt1"/>
+          </a:fontRef>
+        </p:style>
+        <p:txBody>
+          <a:bodyPr rtlCol="0" anchor="ctr"/>
+          <a:lstStyle/>
+          <a:p>
+            <a:pPr algn="ctr"/>
+            <a:endParaRPr lang="it-IT"/>
+          </a:p>
+        </p:txBody>
+      </p:sp>
+      <p:sp>
+        <p:nvSpPr>
+          <p:cNvPr id="7" name="Oval 6"/>
+          <p:cNvSpPr/>
+          <p:nvPr/>
+        </p:nvSpPr>
+        <p:spPr>
+          <a:xfrm>
+            <a:off x="2500298" y="2786058"/>
+            <a:ext cx="1571636" cy="500066"/>
+          </a:xfrm>
+          <a:prstGeom prst="ellipse">
+            <a:avLst/>
+          </a:prstGeom>
+          <a:noFill/>
+          <a:ln>
+            <a:solidFill>
+              <a:srgbClr val="FF0000"/>
+            </a:solidFill>
+          </a:ln>
+        </p:spPr>
+        <p:style>
+          <a:lnRef idx="2">
+            <a:schemeClr val="accent1">
+              <a:shade val="50000"/>
+            </a:schemeClr>
+          </a:lnRef>
+          <a:fillRef idx="1">
+            <a:schemeClr val="accent1"/>
+          </a:fillRef>
+          <a:effectRef idx="0">
+            <a:schemeClr val="accent1"/>
+          </a:effectRef>
+          <a:fontRef idx="minor">
+            <a:schemeClr val="lt1"/>
+          </a:fontRef>
+        </p:style>
+        <p:txBody>
+          <a:bodyPr rtlCol="0" anchor="ctr"/>
+          <a:lstStyle/>
+          <a:p>
+            <a:pPr algn="ctr"/>
+            <a:endParaRPr lang="it-IT"/>
+          </a:p>
+        </p:txBody>
+      </p:sp>
+      <p:sp>
+        <p:nvSpPr>
+          <p:cNvPr id="8" name="Oval 7"/>
+          <p:cNvSpPr/>
+          <p:nvPr/>
+        </p:nvSpPr>
+        <p:spPr>
+          <a:xfrm>
+            <a:off x="1357290" y="5357826"/>
+            <a:ext cx="1500198" cy="500066"/>
+          </a:xfrm>
+          <a:prstGeom prst="ellipse">
+            <a:avLst/>
+          </a:prstGeom>
+          <a:noFill/>
+          <a:ln>
+            <a:solidFill>
+              <a:srgbClr val="FF0000"/>
+            </a:solidFill>
+          </a:ln>
+        </p:spPr>
+        <p:style>
+          <a:lnRef idx="2">
+            <a:schemeClr val="accent1">
+              <a:shade val="50000"/>
+            </a:schemeClr>
+          </a:lnRef>
+          <a:fillRef idx="1">
+            <a:schemeClr val="accent1"/>
+          </a:fillRef>
+          <a:effectRef idx="0">
+            <a:schemeClr val="accent1"/>
+          </a:effectRef>
+          <a:fontRef idx="minor">
+            <a:schemeClr val="lt1"/>
+          </a:fontRef>
+        </p:style>
+        <p:txBody>
+          <a:bodyPr rtlCol="0" anchor="ctr"/>
+          <a:lstStyle/>
+          <a:p>
+            <a:pPr algn="ctr"/>
+            <a:endParaRPr lang="it-IT"/>
+          </a:p>
+        </p:txBody>
+      </p:sp>
+      <p:sp>
+        <p:nvSpPr>
+          <p:cNvPr id="9" name="Oval 8"/>
+          <p:cNvSpPr/>
+          <p:nvPr/>
+        </p:nvSpPr>
+        <p:spPr>
+          <a:xfrm>
+            <a:off x="1214414" y="4429132"/>
+            <a:ext cx="1785950" cy="500066"/>
+          </a:xfrm>
+          <a:prstGeom prst="ellipse">
+            <a:avLst/>
+          </a:prstGeom>
+          <a:noFill/>
+          <a:ln>
+            <a:solidFill>
+              <a:srgbClr val="FF0000"/>
+            </a:solidFill>
+          </a:ln>
+        </p:spPr>
+        <p:style>
+          <a:lnRef idx="2">
+            <a:schemeClr val="accent1">
+              <a:shade val="50000"/>
+            </a:schemeClr>
+          </a:lnRef>
+          <a:fillRef idx="1">
+            <a:schemeClr val="accent1"/>
+          </a:fillRef>
+          <a:effectRef idx="0">
+            <a:schemeClr val="accent1"/>
+          </a:effectRef>
+          <a:fontRef idx="minor">
+            <a:schemeClr val="lt1"/>
+          </a:fontRef>
+        </p:style>
+        <p:txBody>
+          <a:bodyPr rtlCol="0" anchor="ctr"/>
+          <a:lstStyle/>
+          <a:p>
+            <a:pPr algn="ctr"/>
+            <a:endParaRPr lang="it-IT"/>
+          </a:p>
+        </p:txBody>
+      </p:sp>
+      <p:sp>
+        <p:nvSpPr>
+          <p:cNvPr id="11" name="Oval 10"/>
+          <p:cNvSpPr/>
+          <p:nvPr/>
+        </p:nvSpPr>
+        <p:spPr>
+          <a:xfrm>
+            <a:off x="4500562" y="5013176"/>
+            <a:ext cx="1928826" cy="1059030"/>
+          </a:xfrm>
+          <a:prstGeom prst="ellipse">
+            <a:avLst/>
+          </a:prstGeom>
+          <a:noFill/>
+          <a:ln>
+            <a:solidFill>
+              <a:srgbClr val="FFC000"/>
+            </a:solidFill>
+          </a:ln>
+        </p:spPr>
+        <p:style>
+          <a:lnRef idx="2">
+            <a:schemeClr val="accent1">
+              <a:shade val="50000"/>
+            </a:schemeClr>
+          </a:lnRef>
+          <a:fillRef idx="1">
+            <a:schemeClr val="accent1"/>
+          </a:fillRef>
+          <a:effectRef idx="0">
+            <a:schemeClr val="accent1"/>
+          </a:effectRef>
+          <a:fontRef idx="minor">
+            <a:schemeClr val="lt1"/>
+          </a:fontRef>
+        </p:style>
+        <p:txBody>
+          <a:bodyPr rtlCol="0" anchor="ctr"/>
+          <a:lstStyle/>
+          <a:p>
+            <a:pPr algn="ctr"/>
+            <a:endParaRPr lang="it-IT"/>
+          </a:p>
+        </p:txBody>
+      </p:sp>
+      <p:sp>
+        <p:nvSpPr>
+          <p:cNvPr id="12" name="Oval 11"/>
+          <p:cNvSpPr/>
+          <p:nvPr/>
+        </p:nvSpPr>
+        <p:spPr>
+          <a:xfrm>
+            <a:off x="1973691" y="4832789"/>
+            <a:ext cx="1571636" cy="571504"/>
+          </a:xfrm>
+          <a:prstGeom prst="ellipse">
+            <a:avLst/>
+          </a:prstGeom>
+          <a:noFill/>
+          <a:ln>
+            <a:solidFill>
+              <a:srgbClr val="FFC000"/>
+            </a:solidFill>
+          </a:ln>
+        </p:spPr>
+        <p:style>
+          <a:lnRef idx="2">
+            <a:schemeClr val="accent1">
+              <a:shade val="50000"/>
+            </a:schemeClr>
+          </a:lnRef>
+          <a:fillRef idx="1">
+            <a:schemeClr val="accent1"/>
+          </a:fillRef>
+          <a:effectRef idx="0">
+            <a:schemeClr val="accent1"/>
+          </a:effectRef>
+          <a:fontRef idx="minor">
+            <a:schemeClr val="lt1"/>
+          </a:fontRef>
+        </p:style>
+        <p:txBody>
+          <a:bodyPr rtlCol="0" anchor="ctr"/>
+          <a:lstStyle/>
+          <a:p>
+            <a:pPr algn="ctr"/>
+            <a:endParaRPr lang="it-IT"/>
+          </a:p>
+        </p:txBody>
+      </p:sp>
+      <p:sp>
+        <p:nvSpPr>
+          <p:cNvPr id="14" name="TextBox 13"/>
+          <p:cNvSpPr txBox="1"/>
+          <p:nvPr/>
+        </p:nvSpPr>
+        <p:spPr>
+          <a:xfrm>
+            <a:off x="7572396" y="2857496"/>
+            <a:ext cx="1357322" cy="369332"/>
+          </a:xfrm>
+          <a:prstGeom prst="rect">
+            <a:avLst/>
+          </a:prstGeom>
+          <a:noFill/>
+        </p:spPr>
+        <p:txBody>
+          <a:bodyPr wrap="square" rtlCol="0">
+            <a:spAutoFit/>
+          </a:bodyPr>
+          <a:lstStyle/>
+          <a:p>
+            <a:r>
+              <a:rPr lang="it-IT" i="1" dirty="0" smtClean="0"/>
+              <a:t>Nuovi attori</a:t>
+            </a:r>
+            <a:endParaRPr lang="it-IT" i="1" dirty="0"/>
+          </a:p>
+        </p:txBody>
+      </p:sp>
+      <p:sp>
+        <p:nvSpPr>
+          <p:cNvPr id="15" name="Rectangle 14"/>
+          <p:cNvSpPr/>
+          <p:nvPr/>
+        </p:nvSpPr>
+        <p:spPr>
+          <a:xfrm>
+            <a:off x="7358082" y="2928934"/>
+            <a:ext cx="214314" cy="214314"/>
+          </a:xfrm>
+          <a:prstGeom prst="rect">
+            <a:avLst/>
+          </a:prstGeom>
+          <a:solidFill>
+            <a:srgbClr val="FFC000"/>
+          </a:solidFill>
+          <a:ln>
+            <a:solidFill>
+              <a:srgbClr val="FFC000"/>
+            </a:solidFill>
+          </a:ln>
+        </p:spPr>
+        <p:style>
+          <a:lnRef idx="2">
+            <a:schemeClr val="accent1">
+              <a:shade val="50000"/>
+            </a:schemeClr>
+          </a:lnRef>
+          <a:fillRef idx="1">
+            <a:schemeClr val="accent1"/>
+          </a:fillRef>
+          <a:effectRef idx="0">
+            <a:schemeClr val="accent1"/>
+          </a:effectRef>
+          <a:fontRef idx="minor">
+            <a:schemeClr val="lt1"/>
+          </a:fontRef>
+        </p:style>
+        <p:txBody>
+          <a:bodyPr rtlCol="0" anchor="ctr"/>
+          <a:lstStyle/>
+          <a:p>
+            <a:pPr algn="ctr"/>
+            <a:endParaRPr lang="it-IT"/>
+          </a:p>
+        </p:txBody>
+      </p:sp>
+    </p:spTree>
+    <p:extLst>
+      <p:ext uri="{BB962C8B-B14F-4D97-AF65-F5344CB8AC3E}">
+        <p14:creationId xmlns:p14="http://schemas.microsoft.com/office/powerpoint/2010/main" val="155874689"/>
+      </p:ext>
+    </p:extLst>
+  </p:cSld>
+  <p:clrMapOvr>
+    <a:masterClrMapping/>
+  </p:clrMapOvr>
+  <mc:AlternateContent xmlns:mc="http://schemas.openxmlformats.org/markup-compatibility/2006" xmlns:p14="http://schemas.microsoft.com/office/powerpoint/2010/main">
+    <mc:Choice Requires="p14">
+      <p:transition spd="slow" p14:dur="2000"/>
+    </mc:Choice>
+    <mc:Fallback xmlns="">
+      <p:transition spd="slow"/>
+    </mc:Fallback>
+  </mc:AlternateContent>
+  <p:timing>
+    <p:tnLst>
+      <p:par>
+        <p:cTn id="1" dur="indefinite" restart="never" nodeType="tmRoot"/>
+      </p:par>
+    </p:tnLst>
+  </p:timing>
+</p:sld>
+</file>
+
+<file path=ppt/slides/slide30.xml><?xml version="1.0" encoding="utf-8"?>
 <p:sld xmlns:a="http://schemas.openxmlformats.org/drawingml/2006/main" xmlns:r="http://schemas.openxmlformats.org/officeDocument/2006/relationships" xmlns:p="http://schemas.openxmlformats.org/presentationml/2006/main">
   <p:cSld>
     <p:spTree>
@@ -15787,7 +18633,7 @@
 </p:sld>
 </file>
 
-<file path=ppt/slides/slide33.xml><?xml version="1.0" encoding="utf-8"?>
+<file path=ppt/slides/slide31.xml><?xml version="1.0" encoding="utf-8"?>
 <p:sld xmlns:a="http://schemas.openxmlformats.org/drawingml/2006/main" xmlns:r="http://schemas.openxmlformats.org/officeDocument/2006/relationships" xmlns:p="http://schemas.openxmlformats.org/presentationml/2006/main">
   <p:cSld>
     <p:spTree>
@@ -15860,7 +18706,7 @@
 </p:sld>
 </file>
 
-<file path=ppt/slides/slide34.xml><?xml version="1.0" encoding="utf-8"?>
+<file path=ppt/slides/slide32.xml><?xml version="1.0" encoding="utf-8"?>
 <p:sld xmlns:a="http://schemas.openxmlformats.org/drawingml/2006/main" xmlns:r="http://schemas.openxmlformats.org/officeDocument/2006/relationships" xmlns:p="http://schemas.openxmlformats.org/presentationml/2006/main">
   <p:cSld>
     <p:spTree>
@@ -16377,7 +19223,7 @@
 </p:sld>
 </file>
 
-<file path=ppt/slides/slide35.xml><?xml version="1.0" encoding="utf-8"?>
+<file path=ppt/slides/slide33.xml><?xml version="1.0" encoding="utf-8"?>
 <p:sld xmlns:a="http://schemas.openxmlformats.org/drawingml/2006/main" xmlns:r="http://schemas.openxmlformats.org/officeDocument/2006/relationships" xmlns:p="http://schemas.openxmlformats.org/presentationml/2006/main">
   <p:cSld>
     <p:spTree>
@@ -16403,7 +19249,7 @@
         <p:spPr>
           <a:xfrm>
             <a:off x="642910" y="428604"/>
-            <a:ext cx="7715304" cy="1846659"/>
+            <a:ext cx="7715304" cy="1107996"/>
           </a:xfrm>
           <a:prstGeom prst="rect">
             <a:avLst/>
@@ -16421,16 +19267,7 @@
               <a:rPr lang="it-IT" sz="4800" b="1" dirty="0" smtClean="0">
                 <a:latin typeface="+mj-lt"/>
               </a:rPr>
-              <a:t>Testing di integrazione</a:t>
-            </a:r>
-          </a:p>
-          <a:p>
-            <a:pPr algn="ctr"/>
-            <a:r>
-              <a:rPr lang="it-IT" sz="4800" b="1" dirty="0" smtClean="0">
-                <a:latin typeface="+mj-lt"/>
-              </a:rPr>
-              <a:t>sul sistema Kids</a:t>
+              <a:t>Conclusioni</a:t>
             </a:r>
             <a:endParaRPr lang="it-IT" sz="2800" b="1" dirty="0" smtClean="0">
               <a:latin typeface="+mj-lt"/>
@@ -16631,6 +19468,67 @@
           </a:p>
         </p:txBody>
       </p:sp>
+      <p:sp>
+        <p:nvSpPr>
+          <p:cNvPr id="4" name="TextBox 3"/>
+          <p:cNvSpPr txBox="1"/>
+          <p:nvPr/>
+        </p:nvSpPr>
+        <p:spPr>
+          <a:xfrm>
+            <a:off x="214282" y="1928802"/>
+            <a:ext cx="5715040" cy="492443"/>
+          </a:xfrm>
+          <a:prstGeom prst="rect">
+            <a:avLst/>
+          </a:prstGeom>
+          <a:noFill/>
+        </p:spPr>
+        <p:txBody>
+          <a:bodyPr wrap="square" rtlCol="0">
+            <a:spAutoFit/>
+          </a:bodyPr>
+          <a:lstStyle/>
+          <a:p>
+            <a:r>
+              <a:rPr lang="it-IT" sz="2600" b="1" dirty="0" smtClean="0"/>
+              <a:t>Cosa è andato per il verso giusto </a:t>
+            </a:r>
+            <a:endParaRPr lang="it-IT" sz="2600" b="1" dirty="0"/>
+          </a:p>
+        </p:txBody>
+      </p:sp>
+      <p:pic>
+        <p:nvPicPr>
+          <p:cNvPr id="13314" name="Picture 2" descr="http://whywedoit.files.wordpress.com/2009/04/smile.jpg"/>
+          <p:cNvPicPr>
+            <a:picLocks noChangeAspect="1" noChangeArrowheads="1"/>
+          </p:cNvPicPr>
+          <p:nvPr/>
+        </p:nvPicPr>
+        <p:blipFill>
+          <a:blip r:embed="rId2" cstate="print"/>
+          <a:srcRect/>
+          <a:stretch>
+            <a:fillRect/>
+          </a:stretch>
+        </p:blipFill>
+        <p:spPr bwMode="auto">
+          <a:xfrm>
+            <a:off x="4643438" y="1500174"/>
+            <a:ext cx="1428760" cy="1071570"/>
+          </a:xfrm>
+          <a:prstGeom prst="rect">
+            <a:avLst/>
+          </a:prstGeom>
+          <a:ln>
+            <a:noFill/>
+          </a:ln>
+          <a:effectLst>
+            <a:softEdge rad="112500"/>
+          </a:effectLst>
+        </p:spPr>
+      </p:pic>
     </p:spTree>
   </p:cSld>
   <p:clrMapOvr>
@@ -16646,7 +19544,7 @@
 </p:sld>
 </file>
 
-<file path=ppt/slides/slide36.xml><?xml version="1.0" encoding="utf-8"?>
+<file path=ppt/slides/slide34.xml><?xml version="1.0" encoding="utf-8"?>
 <p:sld xmlns:a="http://schemas.openxmlformats.org/drawingml/2006/main" xmlns:r="http://schemas.openxmlformats.org/officeDocument/2006/relationships" xmlns:p="http://schemas.openxmlformats.org/presentationml/2006/main">
   <p:cSld>
     <p:spTree>
@@ -16915,7 +19813,7 @@
           <a:p>
             <a:r>
               <a:rPr lang="it-IT" sz="2600" b="1" dirty="0" smtClean="0"/>
-              <a:t>Cosa è andato per il verso giusto </a:t>
+              <a:t>Cosa è andato per il verso sbagliato </a:t>
             </a:r>
             <a:endParaRPr lang="it-IT" sz="2600" b="1" dirty="0"/>
           </a:p>
@@ -16923,7 +19821,7 @@
       </p:sp>
       <p:pic>
         <p:nvPicPr>
-          <p:cNvPr id="13314" name="Picture 2" descr="http://whywedoit.files.wordpress.com/2009/04/smile.jpg"/>
+          <p:cNvPr id="50178" name="Picture 2" descr="http://newton.logg.it/files/2009/11/Emoticon-Sad-300x300.png"/>
           <p:cNvPicPr>
             <a:picLocks noChangeAspect="1" noChangeArrowheads="1"/>
           </p:cNvPicPr>
@@ -16938,18 +19836,13 @@
         </p:blipFill>
         <p:spPr bwMode="auto">
           <a:xfrm>
-            <a:off x="4643438" y="1500174"/>
-            <a:ext cx="1428760" cy="1071570"/>
+            <a:off x="5286380" y="1571612"/>
+            <a:ext cx="857256" cy="857256"/>
           </a:xfrm>
           <a:prstGeom prst="rect">
             <a:avLst/>
           </a:prstGeom>
-          <a:ln>
-            <a:noFill/>
-          </a:ln>
-          <a:effectLst>
-            <a:softEdge rad="112500"/>
-          </a:effectLst>
+          <a:noFill/>
         </p:spPr>
       </p:pic>
     </p:spTree>
@@ -16967,7 +19860,7 @@
 </p:sld>
 </file>
 
-<file path=ppt/slides/slide37.xml><?xml version="1.0" encoding="utf-8"?>
+<file path=ppt/slides/slide35.xml><?xml version="1.0" encoding="utf-8"?>
 <p:sld xmlns:a="http://schemas.openxmlformats.org/drawingml/2006/main" xmlns:r="http://schemas.openxmlformats.org/officeDocument/2006/relationships" xmlns:p="http://schemas.openxmlformats.org/presentationml/2006/main">
   <p:cSld>
     <p:spTree>
@@ -17220,322 +20113,6 @@
         </p:nvSpPr>
         <p:spPr>
           <a:xfrm>
-            <a:off x="214282" y="1928802"/>
-            <a:ext cx="5715040" cy="492443"/>
-          </a:xfrm>
-          <a:prstGeom prst="rect">
-            <a:avLst/>
-          </a:prstGeom>
-          <a:noFill/>
-        </p:spPr>
-        <p:txBody>
-          <a:bodyPr wrap="square" rtlCol="0">
-            <a:spAutoFit/>
-          </a:bodyPr>
-          <a:lstStyle/>
-          <a:p>
-            <a:r>
-              <a:rPr lang="it-IT" sz="2600" b="1" dirty="0" smtClean="0"/>
-              <a:t>Cosa è andato per il verso sbagliato </a:t>
-            </a:r>
-            <a:endParaRPr lang="it-IT" sz="2600" b="1" dirty="0"/>
-          </a:p>
-        </p:txBody>
-      </p:sp>
-      <p:pic>
-        <p:nvPicPr>
-          <p:cNvPr id="50178" name="Picture 2" descr="http://newton.logg.it/files/2009/11/Emoticon-Sad-300x300.png"/>
-          <p:cNvPicPr>
-            <a:picLocks noChangeAspect="1" noChangeArrowheads="1"/>
-          </p:cNvPicPr>
-          <p:nvPr/>
-        </p:nvPicPr>
-        <p:blipFill>
-          <a:blip r:embed="rId2" cstate="print"/>
-          <a:srcRect/>
-          <a:stretch>
-            <a:fillRect/>
-          </a:stretch>
-        </p:blipFill>
-        <p:spPr bwMode="auto">
-          <a:xfrm>
-            <a:off x="5286380" y="1571612"/>
-            <a:ext cx="857256" cy="857256"/>
-          </a:xfrm>
-          <a:prstGeom prst="rect">
-            <a:avLst/>
-          </a:prstGeom>
-          <a:noFill/>
-        </p:spPr>
-      </p:pic>
-    </p:spTree>
-  </p:cSld>
-  <p:clrMapOvr>
-    <a:masterClrMapping/>
-  </p:clrMapOvr>
-  <p:timing>
-    <p:tnLst>
-      <p:par>
-        <p:cTn id="1" dur="indefinite" restart="never" nodeType="tmRoot"/>
-      </p:par>
-    </p:tnLst>
-  </p:timing>
-</p:sld>
-</file>
-
-<file path=ppt/slides/slide38.xml><?xml version="1.0" encoding="utf-8"?>
-<p:sld xmlns:a="http://schemas.openxmlformats.org/drawingml/2006/main" xmlns:r="http://schemas.openxmlformats.org/officeDocument/2006/relationships" xmlns:p="http://schemas.openxmlformats.org/presentationml/2006/main">
-  <p:cSld>
-    <p:spTree>
-      <p:nvGrpSpPr>
-        <p:cNvPr id="1" name=""/>
-        <p:cNvGrpSpPr/>
-        <p:nvPr/>
-      </p:nvGrpSpPr>
-      <p:grpSpPr>
-        <a:xfrm>
-          <a:off x="0" y="0"/>
-          <a:ext cx="0" cy="0"/>
-          <a:chOff x="0" y="0"/>
-          <a:chExt cx="0" cy="0"/>
-        </a:xfrm>
-      </p:grpSpPr>
-      <p:sp>
-        <p:nvSpPr>
-          <p:cNvPr id="2" name="CasellaDiTesto 1"/>
-          <p:cNvSpPr txBox="1"/>
-          <p:nvPr/>
-        </p:nvSpPr>
-        <p:spPr>
-          <a:xfrm>
-            <a:off x="642910" y="428604"/>
-            <a:ext cx="7715304" cy="1107996"/>
-          </a:xfrm>
-          <a:prstGeom prst="rect">
-            <a:avLst/>
-          </a:prstGeom>
-          <a:noFill/>
-        </p:spPr>
-        <p:txBody>
-          <a:bodyPr wrap="square" rtlCol="0">
-            <a:spAutoFit/>
-          </a:bodyPr>
-          <a:lstStyle/>
-          <a:p>
-            <a:pPr algn="ctr"/>
-            <a:r>
-              <a:rPr lang="it-IT" sz="4800" b="1" dirty="0" smtClean="0">
-                <a:latin typeface="+mj-lt"/>
-              </a:rPr>
-              <a:t>Conclusioni</a:t>
-            </a:r>
-            <a:endParaRPr lang="it-IT" sz="2800" b="1" dirty="0" smtClean="0">
-              <a:latin typeface="+mj-lt"/>
-            </a:endParaRPr>
-          </a:p>
-          <a:p>
-            <a:pPr algn="ctr"/>
-            <a:endParaRPr lang="it-IT" dirty="0">
-              <a:latin typeface="+mj-lt"/>
-            </a:endParaRPr>
-          </a:p>
-        </p:txBody>
-      </p:sp>
-      <p:sp>
-        <p:nvSpPr>
-          <p:cNvPr id="3" name="Content Placeholder 3"/>
-          <p:cNvSpPr txBox="1">
-            <a:spLocks/>
-          </p:cNvSpPr>
-          <p:nvPr/>
-        </p:nvSpPr>
-        <p:spPr>
-          <a:xfrm>
-            <a:off x="357158" y="2500306"/>
-            <a:ext cx="8429684" cy="3286148"/>
-          </a:xfrm>
-          <a:prstGeom prst="rect">
-            <a:avLst/>
-          </a:prstGeom>
-        </p:spPr>
-        <p:txBody>
-          <a:bodyPr tIns="0"/>
-          <a:lstStyle>
-            <a:lvl1pPr marL="274320" indent="-274320" algn="l" rtl="0" eaLnBrk="1" latinLnBrk="0" hangingPunct="1">
-              <a:spcBef>
-                <a:spcPct val="20000"/>
-              </a:spcBef>
-              <a:buClrTx/>
-              <a:buSzPct val="95000"/>
-              <a:buFont typeface="Wingdings" pitchFamily="2" charset="2"/>
-              <a:buChar char="v"/>
-              <a:defRPr kumimoji="0" sz="2800" kern="1200">
-                <a:solidFill>
-                  <a:schemeClr val="tx1"/>
-                </a:solidFill>
-                <a:latin typeface="+mn-lt"/>
-                <a:ea typeface="+mn-ea"/>
-                <a:cs typeface="+mn-cs"/>
-              </a:defRPr>
-            </a:lvl1pPr>
-            <a:lvl2pPr marL="640080" indent="-246888" algn="l" rtl="0" eaLnBrk="1" latinLnBrk="0" hangingPunct="1">
-              <a:spcBef>
-                <a:spcPct val="20000"/>
-              </a:spcBef>
-              <a:buClrTx/>
-              <a:buSzPct val="85000"/>
-              <a:buFont typeface="Courier New" pitchFamily="49" charset="0"/>
-              <a:buChar char="o"/>
-              <a:defRPr kumimoji="0" sz="2600" kern="1200">
-                <a:solidFill>
-                  <a:schemeClr val="tx1"/>
-                </a:solidFill>
-                <a:latin typeface="+mn-lt"/>
-                <a:ea typeface="+mn-ea"/>
-                <a:cs typeface="+mn-cs"/>
-              </a:defRPr>
-            </a:lvl2pPr>
-            <a:lvl3pPr marL="914400" indent="-246888" algn="l" rtl="0" eaLnBrk="1" latinLnBrk="0" hangingPunct="1">
-              <a:spcBef>
-                <a:spcPct val="20000"/>
-              </a:spcBef>
-              <a:buClrTx/>
-              <a:buSzPct val="70000"/>
-              <a:buFont typeface="Wingdings 2"/>
-              <a:buChar char=""/>
-              <a:defRPr kumimoji="0" sz="2400" kern="1200">
-                <a:solidFill>
-                  <a:schemeClr val="tx1"/>
-                </a:solidFill>
-                <a:latin typeface="+mn-lt"/>
-                <a:ea typeface="+mn-ea"/>
-                <a:cs typeface="+mn-cs"/>
-              </a:defRPr>
-            </a:lvl3pPr>
-            <a:lvl4pPr marL="1188720" indent="-210312" algn="l" rtl="0" eaLnBrk="1" latinLnBrk="0" hangingPunct="1">
-              <a:spcBef>
-                <a:spcPct val="20000"/>
-              </a:spcBef>
-              <a:buClrTx/>
-              <a:buSzPct val="65000"/>
-              <a:buFont typeface="Wingdings 2"/>
-              <a:buChar char=""/>
-              <a:defRPr kumimoji="0" sz="2000" kern="1200">
-                <a:solidFill>
-                  <a:schemeClr val="tx1"/>
-                </a:solidFill>
-                <a:latin typeface="+mn-lt"/>
-                <a:ea typeface="+mn-ea"/>
-                <a:cs typeface="+mn-cs"/>
-              </a:defRPr>
-            </a:lvl4pPr>
-            <a:lvl5pPr marL="1463040" indent="-210312" algn="l" rtl="0" eaLnBrk="1" latinLnBrk="0" hangingPunct="1">
-              <a:spcBef>
-                <a:spcPct val="20000"/>
-              </a:spcBef>
-              <a:buClrTx/>
-              <a:buSzPct val="65000"/>
-              <a:buFont typeface="Wingdings 2"/>
-              <a:buChar char=""/>
-              <a:defRPr kumimoji="0" sz="1800" kern="1200">
-                <a:solidFill>
-                  <a:schemeClr val="tx1"/>
-                </a:solidFill>
-                <a:latin typeface="+mn-lt"/>
-                <a:ea typeface="+mn-ea"/>
-                <a:cs typeface="+mn-cs"/>
-              </a:defRPr>
-            </a:lvl5pPr>
-            <a:lvl6pPr marL="1737360" indent="-210312" algn="l" rtl="0" eaLnBrk="1" latinLnBrk="0" hangingPunct="1">
-              <a:spcBef>
-                <a:spcPct val="20000"/>
-              </a:spcBef>
-              <a:buClr>
-                <a:schemeClr val="accent5"/>
-              </a:buClr>
-              <a:buSzPct val="80000"/>
-              <a:buFont typeface="Wingdings 2"/>
-              <a:buChar char=""/>
-              <a:defRPr kumimoji="0" sz="1800" kern="1200">
-                <a:solidFill>
-                  <a:schemeClr val="tx1"/>
-                </a:solidFill>
-                <a:latin typeface="+mn-lt"/>
-                <a:ea typeface="+mn-ea"/>
-                <a:cs typeface="+mn-cs"/>
-              </a:defRPr>
-            </a:lvl6pPr>
-            <a:lvl7pPr marL="1920240" indent="-182880" algn="l" rtl="0" eaLnBrk="1" latinLnBrk="0" hangingPunct="1">
-              <a:spcBef>
-                <a:spcPct val="20000"/>
-              </a:spcBef>
-              <a:buClr>
-                <a:schemeClr val="accent6"/>
-              </a:buClr>
-              <a:buSzPct val="80000"/>
-              <a:buFont typeface="Wingdings 2"/>
-              <a:buChar char=""/>
-              <a:defRPr kumimoji="0" sz="1600" kern="1200" baseline="0">
-                <a:solidFill>
-                  <a:schemeClr val="tx1"/>
-                </a:solidFill>
-                <a:latin typeface="+mn-lt"/>
-                <a:ea typeface="+mn-ea"/>
-                <a:cs typeface="+mn-cs"/>
-              </a:defRPr>
-            </a:lvl7pPr>
-            <a:lvl8pPr marL="2194560" indent="-182880" algn="l" rtl="0" eaLnBrk="1" latinLnBrk="0" hangingPunct="1">
-              <a:spcBef>
-                <a:spcPct val="20000"/>
-              </a:spcBef>
-              <a:buClr>
-                <a:schemeClr val="tx2"/>
-              </a:buClr>
-              <a:buChar char="•"/>
-              <a:defRPr kumimoji="0" sz="1600" kern="1200">
-                <a:solidFill>
-                  <a:schemeClr val="tx1"/>
-                </a:solidFill>
-                <a:latin typeface="+mn-lt"/>
-                <a:ea typeface="+mn-ea"/>
-                <a:cs typeface="+mn-cs"/>
-              </a:defRPr>
-            </a:lvl8pPr>
-            <a:lvl9pPr marL="2468880" indent="-182880" algn="l" rtl="0" eaLnBrk="1" latinLnBrk="0" hangingPunct="1">
-              <a:spcBef>
-                <a:spcPct val="20000"/>
-              </a:spcBef>
-              <a:buClr>
-                <a:schemeClr val="tx2"/>
-              </a:buClr>
-              <a:buFontTx/>
-              <a:buChar char="•"/>
-              <a:defRPr kumimoji="0" sz="1400" kern="1200" baseline="0">
-                <a:solidFill>
-                  <a:schemeClr val="tx1"/>
-                </a:solidFill>
-                <a:latin typeface="+mn-lt"/>
-                <a:ea typeface="+mn-ea"/>
-                <a:cs typeface="+mn-cs"/>
-              </a:defRPr>
-            </a:lvl9pPr>
-          </a:lstStyle>
-          <a:p>
-            <a:pPr marL="365760" lvl="1" indent="0">
-              <a:buNone/>
-            </a:pPr>
-            <a:endParaRPr lang="en-US" dirty="0" smtClean="0"/>
-          </a:p>
-        </p:txBody>
-      </p:sp>
-      <p:sp>
-        <p:nvSpPr>
-          <p:cNvPr id="4" name="TextBox 3"/>
-          <p:cNvSpPr txBox="1"/>
-          <p:nvPr/>
-        </p:nvSpPr>
-        <p:spPr>
-          <a:xfrm>
             <a:off x="357158" y="1714488"/>
             <a:ext cx="5715040" cy="892552"/>
           </a:xfrm>
@@ -17604,7 +20181,7 @@
 </p:sld>
 </file>
 
-<file path=ppt/slides/slide39.xml><?xml version="1.0" encoding="utf-8"?>
+<file path=ppt/slides/slide36.xml><?xml version="1.0" encoding="utf-8"?>
 <p:sld xmlns:a="http://schemas.openxmlformats.org/drawingml/2006/main" xmlns:r="http://schemas.openxmlformats.org/officeDocument/2006/relationships" xmlns:p="http://schemas.openxmlformats.org/presentationml/2006/main">
   <p:cSld>
     <p:spTree>
@@ -18234,13 +20811,7 @@
               <a:rPr lang="it-IT" sz="3400" b="1" dirty="0" smtClean="0">
                 <a:latin typeface="+mj-lt"/>
               </a:rPr>
-              <a:t>Use Case </a:t>
-            </a:r>
-            <a:r>
-              <a:rPr lang="it-IT" sz="3400" b="1" dirty="0" smtClean="0">
-                <a:latin typeface="+mj-lt"/>
-              </a:rPr>
-              <a:t>Diagram</a:t>
+              <a:t>Use Case Diagram</a:t>
             </a:r>
           </a:p>
           <a:p>
@@ -18644,14 +21215,14 @@
       </p:grpSpPr>
       <p:pic>
         <p:nvPicPr>
-          <p:cNvPr id="3074" name="Picture 2"/>
+          <p:cNvPr id="4098" name="Picture 2"/>
           <p:cNvPicPr>
             <a:picLocks noChangeAspect="1" noChangeArrowheads="1"/>
           </p:cNvPicPr>
           <p:nvPr/>
         </p:nvPicPr>
         <p:blipFill>
-          <a:blip r:embed="rId2"/>
+          <a:blip r:embed="rId3"/>
           <a:srcRect/>
           <a:stretch>
             <a:fillRect/>
@@ -18659,8 +21230,8 @@
         </p:blipFill>
         <p:spPr bwMode="auto">
           <a:xfrm>
-            <a:off x="285585" y="960308"/>
-            <a:ext cx="8286808" cy="5897692"/>
+            <a:off x="214282" y="1025525"/>
+            <a:ext cx="8712200" cy="5832475"/>
           </a:xfrm>
           <a:prstGeom prst="rect">
             <a:avLst/>
@@ -18677,14 +21248,14 @@
       </p:pic>
       <p:sp>
         <p:nvSpPr>
-          <p:cNvPr id="2" name="CasellaDiTesto 1"/>
+          <p:cNvPr id="4" name="CasellaDiTesto 3"/>
           <p:cNvSpPr txBox="1"/>
           <p:nvPr/>
         </p:nvSpPr>
         <p:spPr>
           <a:xfrm>
             <a:off x="-4068" y="0"/>
-            <a:ext cx="9144000" cy="1261884"/>
+            <a:ext cx="9144000" cy="984885"/>
           </a:xfrm>
           <a:prstGeom prst="rect">
             <a:avLst/>
@@ -18702,13 +21273,7 @@
               <a:rPr lang="it-IT" sz="3400" b="1" dirty="0" smtClean="0">
                 <a:latin typeface="+mj-lt"/>
               </a:rPr>
-              <a:t>Use Case Diagram </a:t>
-            </a:r>
-            <a:r>
-              <a:rPr lang="it-IT" sz="3400" b="1" dirty="0" smtClean="0">
-                <a:latin typeface="+mj-lt"/>
-              </a:rPr>
-              <a:t>Questionari</a:t>
+              <a:t>Use Case Diagram Questionari</a:t>
             </a:r>
           </a:p>
           <a:p>
@@ -18717,17 +21282,14 @@
               <a:rPr lang="it-IT" sz="2400" b="1" dirty="0" smtClean="0">
                 <a:latin typeface="+mj-lt"/>
               </a:rPr>
-              <a:t>Secondo Livello di Astrazione, Prima </a:t>
+              <a:t>Secondo Livello di </a:t>
             </a:r>
             <a:r>
               <a:rPr lang="it-IT" sz="2400" b="1" dirty="0" smtClean="0">
                 <a:latin typeface="+mj-lt"/>
               </a:rPr>
-              <a:t>Versione</a:t>
-            </a:r>
-          </a:p>
-          <a:p>
-            <a:pPr algn="ctr"/>
+              <a:t>Astrazione</a:t>
+            </a:r>
             <a:endParaRPr lang="it-IT" dirty="0">
               <a:latin typeface="+mj-lt"/>
             </a:endParaRPr>
@@ -18737,7 +21299,7 @@
     </p:spTree>
     <p:extLst>
       <p:ext uri="{BB962C8B-B14F-4D97-AF65-F5344CB8AC3E}">
-        <p14:creationId xmlns:p14="http://schemas.microsoft.com/office/powerpoint/2010/main" val="3888432551"/>
+        <p14:creationId xmlns:p14="http://schemas.microsoft.com/office/powerpoint/2010/main" val="2532338835"/>
       </p:ext>
     </p:extLst>
   </p:cSld>
@@ -18779,49 +21341,16 @@
           <a:chExt cx="0" cy="0"/>
         </a:xfrm>
       </p:grpSpPr>
-      <p:pic>
-        <p:nvPicPr>
-          <p:cNvPr id="4098" name="Picture 2"/>
-          <p:cNvPicPr>
-            <a:picLocks noChangeAspect="1" noChangeArrowheads="1"/>
-          </p:cNvPicPr>
-          <p:nvPr/>
-        </p:nvPicPr>
-        <p:blipFill>
-          <a:blip r:embed="rId2"/>
-          <a:srcRect/>
-          <a:stretch>
-            <a:fillRect/>
-          </a:stretch>
-        </p:blipFill>
-        <p:spPr bwMode="auto">
-          <a:xfrm>
-            <a:off x="214282" y="1025525"/>
-            <a:ext cx="8712200" cy="5832475"/>
-          </a:xfrm>
-          <a:prstGeom prst="rect">
-            <a:avLst/>
-          </a:prstGeom>
-          <a:noFill/>
-          <a:ln w="9525">
-            <a:noFill/>
-            <a:miter lim="800000"/>
-            <a:headEnd/>
-            <a:tailEnd/>
-          </a:ln>
-          <a:effectLst/>
-        </p:spPr>
-      </p:pic>
-      <p:sp>
-        <p:nvSpPr>
-          <p:cNvPr id="4" name="CasellaDiTesto 3"/>
+      <p:sp>
+        <p:nvSpPr>
+          <p:cNvPr id="3" name="CasellaDiTesto 1"/>
           <p:cNvSpPr txBox="1"/>
           <p:nvPr/>
         </p:nvSpPr>
         <p:spPr>
           <a:xfrm>
-            <a:off x="-4068" y="0"/>
-            <a:ext cx="9144000" cy="1261884"/>
+            <a:off x="0" y="428604"/>
+            <a:ext cx="9144000" cy="1415772"/>
           </a:xfrm>
           <a:prstGeom prst="rect">
             <a:avLst/>
@@ -18836,115 +21365,29 @@
           <a:p>
             <a:pPr algn="ctr"/>
             <a:r>
-              <a:rPr lang="it-IT" sz="3400" b="1" dirty="0" smtClean="0">
-                <a:latin typeface="+mj-lt"/>
-              </a:rPr>
-              <a:t>Use Case Diagram </a:t>
-            </a:r>
-            <a:r>
-              <a:rPr lang="it-IT" sz="3400" b="1" dirty="0" smtClean="0">
-                <a:latin typeface="+mj-lt"/>
-              </a:rPr>
-              <a:t>Questionari</a:t>
-            </a:r>
-          </a:p>
-          <a:p>
-            <a:pPr algn="ctr"/>
-            <a:r>
-              <a:rPr lang="it-IT" sz="2400" b="1" dirty="0" smtClean="0">
-                <a:latin typeface="+mj-lt"/>
-              </a:rPr>
-              <a:t>Secondo Livello di Astrazione, Ultima </a:t>
-            </a:r>
-            <a:r>
-              <a:rPr lang="it-IT" sz="2400" b="1" dirty="0" smtClean="0">
-                <a:latin typeface="+mj-lt"/>
-              </a:rPr>
-              <a:t>Versione</a:t>
-            </a:r>
-          </a:p>
-          <a:p>
-            <a:pPr algn="ctr"/>
-            <a:endParaRPr lang="it-IT" dirty="0">
-              <a:latin typeface="+mj-lt"/>
-            </a:endParaRPr>
-          </a:p>
-        </p:txBody>
-      </p:sp>
-    </p:spTree>
-    <p:extLst>
-      <p:ext uri="{BB962C8B-B14F-4D97-AF65-F5344CB8AC3E}">
-        <p14:creationId xmlns:p14="http://schemas.microsoft.com/office/powerpoint/2010/main" val="2532338835"/>
-      </p:ext>
-    </p:extLst>
-  </p:cSld>
-  <p:clrMapOvr>
-    <a:masterClrMapping/>
-  </p:clrMapOvr>
-  <mc:AlternateContent xmlns:mc="http://schemas.openxmlformats.org/markup-compatibility/2006" xmlns:p14="http://schemas.microsoft.com/office/powerpoint/2010/main">
-    <mc:Choice Requires="p14">
-      <p:transition spd="slow" p14:dur="2000"/>
-    </mc:Choice>
-    <mc:Fallback xmlns="">
-      <p:transition spd="slow"/>
-    </mc:Fallback>
-  </mc:AlternateContent>
-  <p:timing>
-    <p:tnLst>
-      <p:par>
-        <p:cTn id="1" dur="indefinite" restart="never" nodeType="tmRoot"/>
-      </p:par>
-    </p:tnLst>
-  </p:timing>
-</p:sld>
-</file>
-
-<file path=ppt/slides/slide8.xml><?xml version="1.0" encoding="utf-8"?>
-<p:sld xmlns:a="http://schemas.openxmlformats.org/drawingml/2006/main" xmlns:r="http://schemas.openxmlformats.org/officeDocument/2006/relationships" xmlns:p="http://schemas.openxmlformats.org/presentationml/2006/main">
-  <p:cSld>
-    <p:spTree>
-      <p:nvGrpSpPr>
-        <p:cNvPr id="1" name=""/>
-        <p:cNvGrpSpPr/>
-        <p:nvPr/>
-      </p:nvGrpSpPr>
-      <p:grpSpPr>
-        <a:xfrm>
-          <a:off x="0" y="0"/>
-          <a:ext cx="0" cy="0"/>
-          <a:chOff x="0" y="0"/>
-          <a:chExt cx="0" cy="0"/>
-        </a:xfrm>
-      </p:grpSpPr>
-      <p:sp>
-        <p:nvSpPr>
-          <p:cNvPr id="3" name="CasellaDiTesto 1"/>
-          <p:cNvSpPr txBox="1"/>
-          <p:nvPr/>
-        </p:nvSpPr>
-        <p:spPr>
-          <a:xfrm>
-            <a:off x="0" y="428604"/>
-            <a:ext cx="9144000" cy="984885"/>
-          </a:xfrm>
-          <a:prstGeom prst="rect">
-            <a:avLst/>
-          </a:prstGeom>
-          <a:noFill/>
-        </p:spPr>
-        <p:txBody>
-          <a:bodyPr wrap="square" rtlCol="0">
-            <a:spAutoFit/>
-          </a:bodyPr>
-          <a:lstStyle/>
-          <a:p>
-            <a:pPr algn="ctr"/>
-            <a:r>
               <a:rPr lang="it-IT" sz="4000" b="1" dirty="0" smtClean="0">
                 <a:latin typeface="+mj-lt"/>
               </a:rPr>
-              <a:t>Use Case identificativi del sistema 1.0</a:t>
-            </a:r>
+              <a:t>Use Case </a:t>
+            </a:r>
+            <a:r>
+              <a:rPr lang="it-IT" sz="4000" b="1" dirty="0" smtClean="0">
+                <a:latin typeface="+mj-lt"/>
+              </a:rPr>
+              <a:t>Compilazione Questionario</a:t>
+            </a:r>
+          </a:p>
+          <a:p>
+            <a:pPr algn="ctr"/>
+            <a:r>
+              <a:rPr lang="it-IT" sz="2800" b="1" dirty="0" smtClean="0">
+                <a:latin typeface="+mj-lt"/>
+              </a:rPr>
+              <a:t>Prima Versione</a:t>
+            </a:r>
+            <a:endParaRPr lang="it-IT" sz="2800" b="1" dirty="0" smtClean="0">
+              <a:latin typeface="+mj-lt"/>
+            </a:endParaRPr>
           </a:p>
           <a:p>
             <a:pPr algn="ctr"/>
@@ -19386,7 +21829,7 @@
 </p:sld>
 </file>
 
-<file path=ppt/slides/slide9.xml><?xml version="1.0" encoding="utf-8"?>
+<file path=ppt/slides/slide8.xml><?xml version="1.0" encoding="utf-8"?>
 <p:sld xmlns:a="http://schemas.openxmlformats.org/drawingml/2006/main" xmlns:r="http://schemas.openxmlformats.org/officeDocument/2006/relationships" xmlns:p="http://schemas.openxmlformats.org/presentationml/2006/main">
   <p:cSld>
     <p:spTree>
@@ -19864,6 +22307,76 @@
         <p14:creationId xmlns:p14="http://schemas.microsoft.com/office/powerpoint/2010/main" val="1173458281"/>
       </p:ext>
     </p:extLst>
+  </p:cSld>
+  <p:clrMapOvr>
+    <a:masterClrMapping/>
+  </p:clrMapOvr>
+  <p:timing>
+    <p:tnLst>
+      <p:par>
+        <p:cTn id="1" dur="indefinite" restart="never" nodeType="tmRoot"/>
+      </p:par>
+    </p:tnLst>
+  </p:timing>
+</p:sld>
+</file>
+
+<file path=ppt/slides/slide9.xml><?xml version="1.0" encoding="utf-8"?>
+<p:sld xmlns:a="http://schemas.openxmlformats.org/drawingml/2006/main" xmlns:r="http://schemas.openxmlformats.org/officeDocument/2006/relationships" xmlns:p="http://schemas.openxmlformats.org/presentationml/2006/main">
+  <p:cSld>
+    <p:spTree>
+      <p:nvGrpSpPr>
+        <p:cNvPr id="1" name=""/>
+        <p:cNvGrpSpPr/>
+        <p:nvPr/>
+      </p:nvGrpSpPr>
+      <p:grpSpPr>
+        <a:xfrm>
+          <a:off x="0" y="0"/>
+          <a:ext cx="0" cy="0"/>
+          <a:chOff x="0" y="0"/>
+          <a:chExt cx="0" cy="0"/>
+        </a:xfrm>
+      </p:grpSpPr>
+      <p:sp>
+        <p:nvSpPr>
+          <p:cNvPr id="2" name="CasellaDiTesto 1"/>
+          <p:cNvSpPr txBox="1"/>
+          <p:nvPr/>
+        </p:nvSpPr>
+        <p:spPr>
+          <a:xfrm>
+            <a:off x="0" y="428604"/>
+            <a:ext cx="9144000" cy="1107996"/>
+          </a:xfrm>
+          <a:prstGeom prst="rect">
+            <a:avLst/>
+          </a:prstGeom>
+          <a:noFill/>
+        </p:spPr>
+        <p:txBody>
+          <a:bodyPr wrap="square" rtlCol="0">
+            <a:spAutoFit/>
+          </a:bodyPr>
+          <a:lstStyle/>
+          <a:p>
+            <a:pPr algn="ctr"/>
+            <a:r>
+              <a:rPr lang="it-IT" sz="4800" b="1" dirty="0" smtClean="0">
+                <a:latin typeface="+mj-lt"/>
+              </a:rPr>
+              <a:t>Pro\Contro del RAD</a:t>
+            </a:r>
+          </a:p>
+          <a:p>
+            <a:pPr algn="ctr"/>
+            <a:endParaRPr lang="it-IT" dirty="0">
+              <a:latin typeface="+mj-lt"/>
+            </a:endParaRPr>
+          </a:p>
+        </p:txBody>
+      </p:sp>
+    </p:spTree>
   </p:cSld>
   <p:clrMapOvr>
     <a:masterClrMapping/>

--- a/trunk/Presentazione/Atsilo3/Atsilo_H_PresentazioneFinale.pptx
+++ b/trunk/Presentazione/Atsilo3/Atsilo_H_PresentazioneFinale.pptx
@@ -1780,7 +1780,19 @@
             </a:r>
             <a:r>
               <a:rPr lang="it-IT" baseline="0" dirty="0" smtClean="0"/>
-              <a:t> potrebbe evitare di far vedere le 2 versioni degli attori, recuperiamo tempo è poco utile, fate vedere direttamente questa slide e discutete delle generalizzazioni e di cosa servono gli attori</a:t>
+              <a:t> potrebbe evitare di far vedere le 2 versioni degli attori, </a:t>
+            </a:r>
+            <a:r>
+              <a:rPr lang="it-IT" baseline="0" smtClean="0"/>
+              <a:t>recuperiamo </a:t>
+            </a:r>
+            <a:r>
+              <a:rPr lang="it-IT" baseline="0" smtClean="0"/>
+              <a:t>tempo, </a:t>
+            </a:r>
+            <a:r>
+              <a:rPr lang="it-IT" baseline="0" dirty="0" smtClean="0"/>
+              <a:t>fate vedere direttamente questa slide e discutete delle generalizzazioni e di cosa servono gli attori</a:t>
             </a:r>
             <a:endParaRPr lang="it-IT" dirty="0"/>
           </a:p>
@@ -21282,13 +21294,7 @@
               <a:rPr lang="it-IT" sz="2400" b="1" dirty="0" smtClean="0">
                 <a:latin typeface="+mj-lt"/>
               </a:rPr>
-              <a:t>Secondo Livello di </a:t>
-            </a:r>
-            <a:r>
-              <a:rPr lang="it-IT" sz="2400" b="1" dirty="0" smtClean="0">
-                <a:latin typeface="+mj-lt"/>
-              </a:rPr>
-              <a:t>Astrazione</a:t>
+              <a:t>Secondo Livello di Astrazione</a:t>
             </a:r>
             <a:endParaRPr lang="it-IT" dirty="0">
               <a:latin typeface="+mj-lt"/>
@@ -21368,13 +21374,7 @@
               <a:rPr lang="it-IT" sz="4000" b="1" dirty="0" smtClean="0">
                 <a:latin typeface="+mj-lt"/>
               </a:rPr>
-              <a:t>Use Case </a:t>
-            </a:r>
-            <a:r>
-              <a:rPr lang="it-IT" sz="4000" b="1" dirty="0" smtClean="0">
-                <a:latin typeface="+mj-lt"/>
-              </a:rPr>
-              <a:t>Compilazione Questionario</a:t>
+              <a:t>Use Case Compilazione Questionario</a:t>
             </a:r>
           </a:p>
           <a:p>
@@ -21385,9 +21385,6 @@
               </a:rPr>
               <a:t>Prima Versione</a:t>
             </a:r>
-            <a:endParaRPr lang="it-IT" sz="2800" b="1" dirty="0" smtClean="0">
-              <a:latin typeface="+mj-lt"/>
-            </a:endParaRPr>
           </a:p>
           <a:p>
             <a:pPr algn="ctr"/>

--- a/trunk/Presentazione/Atsilo3/Atsilo_H_PresentazioneFinale.pptx
+++ b/trunk/Presentazione/Atsilo3/Atsilo_H_PresentazioneFinale.pptx
@@ -388,7 +388,7 @@
             <a:fld id="{D70604CA-7593-4640-8FA1-5523937B8510}" type="slidenum">
               <a:rPr lang="it-IT" smtClean="0"/>
               <a:pPr/>
-              <a:t>‹#›</a:t>
+              <a:t>‹N›</a:t>
             </a:fld>
             <a:endParaRPr lang="it-IT"/>
           </a:p>
@@ -397,7 +397,7 @@
     </p:spTree>
     <p:extLst>
       <p:ext uri="{BB962C8B-B14F-4D97-AF65-F5344CB8AC3E}">
-        <p14:creationId xmlns:p14="http://schemas.microsoft.com/office/powerpoint/2010/main" xmlns="" val="2126419590"/>
+        <p14:creationId xmlns:p14="http://schemas.microsoft.com/office/powerpoint/2010/main" val="2126419590"/>
       </p:ext>
     </p:extLst>
   </p:cSld>
@@ -561,15 +561,7 @@
             </a:r>
             <a:r>
               <a:rPr lang="it-IT" baseline="0" dirty="0" smtClean="0"/>
-              <a:t> potrebbe evitare di far vedere le 2 versioni degli attori, </a:t>
-            </a:r>
-            <a:r>
-              <a:rPr lang="it-IT" baseline="0" smtClean="0"/>
-              <a:t>recuperiamo tempo, </a:t>
-            </a:r>
-            <a:r>
-              <a:rPr lang="it-IT" baseline="0" dirty="0" smtClean="0"/>
-              <a:t>fate vedere direttamente questa slide e discutete delle generalizzazioni e di cosa servono gli attori</a:t>
+              <a:t> potrebbe evitare di far vedere le 2 versioni degli attori, recuperiamo tempo, fate vedere direttamente questa slide e discutete delle generalizzazioni e di cosa servono gli attori</a:t>
             </a:r>
             <a:endParaRPr lang="it-IT" dirty="0"/>
           </a:p>
@@ -602,7 +594,7 @@
     </p:spTree>
     <p:extLst>
       <p:ext uri="{BB962C8B-B14F-4D97-AF65-F5344CB8AC3E}">
-        <p14:creationId xmlns:p14="http://schemas.microsoft.com/office/powerpoint/2010/main" xmlns="" val="963420841"/>
+        <p14:creationId xmlns:p14="http://schemas.microsoft.com/office/powerpoint/2010/main" val="963420841"/>
       </p:ext>
     </p:extLst>
   </p:cSld>
@@ -703,7 +695,7 @@
     </p:spTree>
     <p:extLst>
       <p:ext uri="{BB962C8B-B14F-4D97-AF65-F5344CB8AC3E}">
-        <p14:creationId xmlns:p14="http://schemas.microsoft.com/office/powerpoint/2010/main" xmlns="" val="3361965342"/>
+        <p14:creationId xmlns:p14="http://schemas.microsoft.com/office/powerpoint/2010/main" val="3361965342"/>
       </p:ext>
     </p:extLst>
   </p:cSld>
@@ -820,7 +812,7 @@
     </p:spTree>
     <p:extLst>
       <p:ext uri="{BB962C8B-B14F-4D97-AF65-F5344CB8AC3E}">
-        <p14:creationId xmlns:p14="http://schemas.microsoft.com/office/powerpoint/2010/main" xmlns="" val="3314347345"/>
+        <p14:creationId xmlns:p14="http://schemas.microsoft.com/office/powerpoint/2010/main" val="3314347345"/>
       </p:ext>
     </p:extLst>
   </p:cSld>
@@ -957,7 +949,7 @@
     </p:spTree>
     <p:extLst>
       <p:ext uri="{BB962C8B-B14F-4D97-AF65-F5344CB8AC3E}">
-        <p14:creationId xmlns:p14="http://schemas.microsoft.com/office/powerpoint/2010/main" xmlns="" val="2265654022"/>
+        <p14:creationId xmlns:p14="http://schemas.microsoft.com/office/powerpoint/2010/main" val="2265654022"/>
       </p:ext>
     </p:extLst>
   </p:cSld>
@@ -1070,7 +1062,7 @@
     </p:spTree>
     <p:extLst>
       <p:ext uri="{BB962C8B-B14F-4D97-AF65-F5344CB8AC3E}">
-        <p14:creationId xmlns:p14="http://schemas.microsoft.com/office/powerpoint/2010/main" xmlns="" val="71143455"/>
+        <p14:creationId xmlns:p14="http://schemas.microsoft.com/office/powerpoint/2010/main" val="71143455"/>
       </p:ext>
     </p:extLst>
   </p:cSld>
@@ -1169,7 +1161,7 @@
     </p:spTree>
     <p:extLst>
       <p:ext uri="{BB962C8B-B14F-4D97-AF65-F5344CB8AC3E}">
-        <p14:creationId xmlns:p14="http://schemas.microsoft.com/office/powerpoint/2010/main" xmlns="" val="113696966"/>
+        <p14:creationId xmlns:p14="http://schemas.microsoft.com/office/powerpoint/2010/main" val="113696966"/>
       </p:ext>
     </p:extLst>
   </p:cSld>
@@ -1294,7 +1286,7 @@
     </p:spTree>
     <p:extLst>
       <p:ext uri="{BB962C8B-B14F-4D97-AF65-F5344CB8AC3E}">
-        <p14:creationId xmlns:p14="http://schemas.microsoft.com/office/powerpoint/2010/main" xmlns="" val="1063702567"/>
+        <p14:creationId xmlns:p14="http://schemas.microsoft.com/office/powerpoint/2010/main" val="1063702567"/>
       </p:ext>
     </p:extLst>
   </p:cSld>
@@ -1399,7 +1391,7 @@
     </p:spTree>
     <p:extLst>
       <p:ext uri="{BB962C8B-B14F-4D97-AF65-F5344CB8AC3E}">
-        <p14:creationId xmlns:p14="http://schemas.microsoft.com/office/powerpoint/2010/main" xmlns="" val="122959592"/>
+        <p14:creationId xmlns:p14="http://schemas.microsoft.com/office/powerpoint/2010/main" val="122959592"/>
       </p:ext>
     </p:extLst>
   </p:cSld>
@@ -1514,7 +1506,7 @@
     </p:spTree>
     <p:extLst>
       <p:ext uri="{BB962C8B-B14F-4D97-AF65-F5344CB8AC3E}">
-        <p14:creationId xmlns:p14="http://schemas.microsoft.com/office/powerpoint/2010/main" xmlns="" val="780286428"/>
+        <p14:creationId xmlns:p14="http://schemas.microsoft.com/office/powerpoint/2010/main" val="780286428"/>
       </p:ext>
     </p:extLst>
   </p:cSld>
@@ -1615,7 +1607,7 @@
     </p:spTree>
     <p:extLst>
       <p:ext uri="{BB962C8B-B14F-4D97-AF65-F5344CB8AC3E}">
-        <p14:creationId xmlns:p14="http://schemas.microsoft.com/office/powerpoint/2010/main" xmlns="" val="2418012031"/>
+        <p14:creationId xmlns:p14="http://schemas.microsoft.com/office/powerpoint/2010/main" val="2418012031"/>
       </p:ext>
     </p:extLst>
   </p:cSld>
@@ -1716,7 +1708,7 @@
     </p:spTree>
     <p:extLst>
       <p:ext uri="{BB962C8B-B14F-4D97-AF65-F5344CB8AC3E}">
-        <p14:creationId xmlns:p14="http://schemas.microsoft.com/office/powerpoint/2010/main" xmlns="" val="778008281"/>
+        <p14:creationId xmlns:p14="http://schemas.microsoft.com/office/powerpoint/2010/main" val="778008281"/>
       </p:ext>
     </p:extLst>
   </p:cSld>
@@ -1821,7 +1813,7 @@
     </p:spTree>
     <p:extLst>
       <p:ext uri="{BB962C8B-B14F-4D97-AF65-F5344CB8AC3E}">
-        <p14:creationId xmlns:p14="http://schemas.microsoft.com/office/powerpoint/2010/main" xmlns="" val="2781517378"/>
+        <p14:creationId xmlns:p14="http://schemas.microsoft.com/office/powerpoint/2010/main" val="2781517378"/>
       </p:ext>
     </p:extLst>
   </p:cSld>
@@ -1914,7 +1906,7 @@
     </p:spTree>
     <p:extLst>
       <p:ext uri="{BB962C8B-B14F-4D97-AF65-F5344CB8AC3E}">
-        <p14:creationId xmlns:p14="http://schemas.microsoft.com/office/powerpoint/2010/main" xmlns="" val="1377757052"/>
+        <p14:creationId xmlns:p14="http://schemas.microsoft.com/office/powerpoint/2010/main" val="1377757052"/>
       </p:ext>
     </p:extLst>
   </p:cSld>
@@ -2018,7 +2010,7 @@
     </p:spTree>
     <p:extLst>
       <p:ext uri="{BB962C8B-B14F-4D97-AF65-F5344CB8AC3E}">
-        <p14:creationId xmlns:p14="http://schemas.microsoft.com/office/powerpoint/2010/main" xmlns="" val="1394194668"/>
+        <p14:creationId xmlns:p14="http://schemas.microsoft.com/office/powerpoint/2010/main" val="1394194668"/>
       </p:ext>
     </p:extLst>
   </p:cSld>
@@ -2173,7 +2165,7 @@
     </p:spTree>
     <p:extLst>
       <p:ext uri="{BB962C8B-B14F-4D97-AF65-F5344CB8AC3E}">
-        <p14:creationId xmlns:p14="http://schemas.microsoft.com/office/powerpoint/2010/main" xmlns="" val="2972088584"/>
+        <p14:creationId xmlns:p14="http://schemas.microsoft.com/office/powerpoint/2010/main" val="2972088584"/>
       </p:ext>
     </p:extLst>
   </p:cSld>
@@ -2282,7 +2274,7 @@
     </p:spTree>
     <p:extLst>
       <p:ext uri="{BB962C8B-B14F-4D97-AF65-F5344CB8AC3E}">
-        <p14:creationId xmlns:p14="http://schemas.microsoft.com/office/powerpoint/2010/main" xmlns="" val="1417320036"/>
+        <p14:creationId xmlns:p14="http://schemas.microsoft.com/office/powerpoint/2010/main" val="1417320036"/>
       </p:ext>
     </p:extLst>
   </p:cSld>
@@ -2391,7 +2383,7 @@
     </p:spTree>
     <p:extLst>
       <p:ext uri="{BB962C8B-B14F-4D97-AF65-F5344CB8AC3E}">
-        <p14:creationId xmlns:p14="http://schemas.microsoft.com/office/powerpoint/2010/main" xmlns="" val="2176874561"/>
+        <p14:creationId xmlns:p14="http://schemas.microsoft.com/office/powerpoint/2010/main" val="2176874561"/>
       </p:ext>
     </p:extLst>
   </p:cSld>
@@ -2453,6 +2445,14 @@
               <a:rPr lang="it-IT" dirty="0" err="1" smtClean="0"/>
               <a:t>dp</a:t>
             </a:r>
+            <a:r>
+              <a:rPr lang="it-IT" dirty="0" smtClean="0"/>
+              <a:t>, descrivere</a:t>
+            </a:r>
+            <a:r>
+              <a:rPr lang="it-IT" baseline="0" dirty="0" smtClean="0"/>
+              <a:t> il problema ed indicarne la soluzione, dire «perché abbiamo usato questa soluzione?»</a:t>
+            </a:r>
             <a:endParaRPr lang="it-IT" dirty="0"/>
           </a:p>
         </p:txBody>
@@ -2484,7 +2484,7 @@
     </p:spTree>
     <p:extLst>
       <p:ext uri="{BB962C8B-B14F-4D97-AF65-F5344CB8AC3E}">
-        <p14:creationId xmlns:p14="http://schemas.microsoft.com/office/powerpoint/2010/main" xmlns="" val="2428745919"/>
+        <p14:creationId xmlns:p14="http://schemas.microsoft.com/office/powerpoint/2010/main" val="2428745919"/>
       </p:ext>
     </p:extLst>
   </p:cSld>
@@ -2581,7 +2581,7 @@
     </p:spTree>
     <p:extLst>
       <p:ext uri="{BB962C8B-B14F-4D97-AF65-F5344CB8AC3E}">
-        <p14:creationId xmlns:p14="http://schemas.microsoft.com/office/powerpoint/2010/main" xmlns="" val="899854441"/>
+        <p14:creationId xmlns:p14="http://schemas.microsoft.com/office/powerpoint/2010/main" val="899854441"/>
       </p:ext>
     </p:extLst>
   </p:cSld>
@@ -2694,7 +2694,7 @@
     </p:spTree>
     <p:extLst>
       <p:ext uri="{BB962C8B-B14F-4D97-AF65-F5344CB8AC3E}">
-        <p14:creationId xmlns:p14="http://schemas.microsoft.com/office/powerpoint/2010/main" xmlns="" val="1218324987"/>
+        <p14:creationId xmlns:p14="http://schemas.microsoft.com/office/powerpoint/2010/main" val="1218324987"/>
       </p:ext>
     </p:extLst>
   </p:cSld>
@@ -2787,7 +2787,7 @@
     </p:spTree>
     <p:extLst>
       <p:ext uri="{BB962C8B-B14F-4D97-AF65-F5344CB8AC3E}">
-        <p14:creationId xmlns:p14="http://schemas.microsoft.com/office/powerpoint/2010/main" xmlns="" val="3928439017"/>
+        <p14:creationId xmlns:p14="http://schemas.microsoft.com/office/powerpoint/2010/main" val="3928439017"/>
       </p:ext>
     </p:extLst>
   </p:cSld>
@@ -2876,7 +2876,7 @@
     </p:spTree>
     <p:extLst>
       <p:ext uri="{BB962C8B-B14F-4D97-AF65-F5344CB8AC3E}">
-        <p14:creationId xmlns:p14="http://schemas.microsoft.com/office/powerpoint/2010/main" xmlns="" val="4040687285"/>
+        <p14:creationId xmlns:p14="http://schemas.microsoft.com/office/powerpoint/2010/main" val="4040687285"/>
       </p:ext>
     </p:extLst>
   </p:cSld>
@@ -2975,7 +2975,7 @@
     </p:spTree>
     <p:extLst>
       <p:ext uri="{BB962C8B-B14F-4D97-AF65-F5344CB8AC3E}">
-        <p14:creationId xmlns:p14="http://schemas.microsoft.com/office/powerpoint/2010/main" xmlns="" val="1025718114"/>
+        <p14:creationId xmlns:p14="http://schemas.microsoft.com/office/powerpoint/2010/main" val="1025718114"/>
       </p:ext>
     </p:extLst>
   </p:cSld>
@@ -3064,7 +3064,7 @@
     </p:spTree>
     <p:extLst>
       <p:ext uri="{BB962C8B-B14F-4D97-AF65-F5344CB8AC3E}">
-        <p14:creationId xmlns:p14="http://schemas.microsoft.com/office/powerpoint/2010/main" xmlns="" val="1047033234"/>
+        <p14:creationId xmlns:p14="http://schemas.microsoft.com/office/powerpoint/2010/main" val="1047033234"/>
       </p:ext>
     </p:extLst>
   </p:cSld>
@@ -3153,7 +3153,7 @@
     </p:spTree>
     <p:extLst>
       <p:ext uri="{BB962C8B-B14F-4D97-AF65-F5344CB8AC3E}">
-        <p14:creationId xmlns:p14="http://schemas.microsoft.com/office/powerpoint/2010/main" xmlns="" val="1047033234"/>
+        <p14:creationId xmlns:p14="http://schemas.microsoft.com/office/powerpoint/2010/main" val="1047033234"/>
       </p:ext>
     </p:extLst>
   </p:cSld>
@@ -3242,7 +3242,7 @@
     </p:spTree>
     <p:extLst>
       <p:ext uri="{BB962C8B-B14F-4D97-AF65-F5344CB8AC3E}">
-        <p14:creationId xmlns:p14="http://schemas.microsoft.com/office/powerpoint/2010/main" xmlns="" val="1357369038"/>
+        <p14:creationId xmlns:p14="http://schemas.microsoft.com/office/powerpoint/2010/main" val="1357369038"/>
       </p:ext>
     </p:extLst>
   </p:cSld>
@@ -3356,7 +3356,7 @@
     </p:spTree>
     <p:extLst>
       <p:ext uri="{BB962C8B-B14F-4D97-AF65-F5344CB8AC3E}">
-        <p14:creationId xmlns:p14="http://schemas.microsoft.com/office/powerpoint/2010/main" xmlns="" val="3780346060"/>
+        <p14:creationId xmlns:p14="http://schemas.microsoft.com/office/powerpoint/2010/main" val="3780346060"/>
       </p:ext>
     </p:extLst>
   </p:cSld>
@@ -3461,7 +3461,7 @@
     </p:spTree>
     <p:extLst>
       <p:ext uri="{BB962C8B-B14F-4D97-AF65-F5344CB8AC3E}">
-        <p14:creationId xmlns:p14="http://schemas.microsoft.com/office/powerpoint/2010/main" xmlns="" val="41796055"/>
+        <p14:creationId xmlns:p14="http://schemas.microsoft.com/office/powerpoint/2010/main" val="41796055"/>
       </p:ext>
     </p:extLst>
   </p:cSld>
@@ -3558,7 +3558,7 @@
     </p:spTree>
     <p:extLst>
       <p:ext uri="{BB962C8B-B14F-4D97-AF65-F5344CB8AC3E}">
-        <p14:creationId xmlns:p14="http://schemas.microsoft.com/office/powerpoint/2010/main" xmlns="" val="555626785"/>
+        <p14:creationId xmlns:p14="http://schemas.microsoft.com/office/powerpoint/2010/main" val="555626785"/>
       </p:ext>
     </p:extLst>
   </p:cSld>
@@ -3651,7 +3651,7 @@
     </p:spTree>
     <p:extLst>
       <p:ext uri="{BB962C8B-B14F-4D97-AF65-F5344CB8AC3E}">
-        <p14:creationId xmlns:p14="http://schemas.microsoft.com/office/powerpoint/2010/main" xmlns="" val="855395126"/>
+        <p14:creationId xmlns:p14="http://schemas.microsoft.com/office/powerpoint/2010/main" val="855395126"/>
       </p:ext>
     </p:extLst>
   </p:cSld>
@@ -3764,7 +3764,7 @@
     </p:spTree>
     <p:extLst>
       <p:ext uri="{BB962C8B-B14F-4D97-AF65-F5344CB8AC3E}">
-        <p14:creationId xmlns:p14="http://schemas.microsoft.com/office/powerpoint/2010/main" xmlns="" val="802928497"/>
+        <p14:creationId xmlns:p14="http://schemas.microsoft.com/office/powerpoint/2010/main" val="802928497"/>
       </p:ext>
     </p:extLst>
   </p:cSld>
@@ -3983,7 +3983,7 @@
             <a:fld id="{F89AEA99-3E91-4C58-9AD4-045DB5619AC3}" type="slidenum">
               <a:rPr lang="it-IT" smtClean="0"/>
               <a:pPr/>
-              <a:t>‹#›</a:t>
+              <a:t>‹N›</a:t>
             </a:fld>
             <a:endParaRPr lang="it-IT"/>
           </a:p>
@@ -4165,7 +4165,7 @@
             <a:fld id="{F89AEA99-3E91-4C58-9AD4-045DB5619AC3}" type="slidenum">
               <a:rPr lang="it-IT" smtClean="0"/>
               <a:pPr/>
-              <a:t>‹#›</a:t>
+              <a:t>‹N›</a:t>
             </a:fld>
             <a:endParaRPr lang="it-IT"/>
           </a:p>
@@ -4357,7 +4357,7 @@
             <a:fld id="{F89AEA99-3E91-4C58-9AD4-045DB5619AC3}" type="slidenum">
               <a:rPr lang="it-IT" smtClean="0"/>
               <a:pPr/>
-              <a:t>‹#›</a:t>
+              <a:t>‹N›</a:t>
             </a:fld>
             <a:endParaRPr lang="it-IT"/>
           </a:p>
@@ -4539,7 +4539,7 @@
             <a:fld id="{F89AEA99-3E91-4C58-9AD4-045DB5619AC3}" type="slidenum">
               <a:rPr lang="it-IT" smtClean="0"/>
               <a:pPr/>
-              <a:t>‹#›</a:t>
+              <a:t>‹N›</a:t>
             </a:fld>
             <a:endParaRPr lang="it-IT"/>
           </a:p>
@@ -4782,7 +4782,7 @@
             <a:fld id="{F89AEA99-3E91-4C58-9AD4-045DB5619AC3}" type="slidenum">
               <a:rPr lang="it-IT" smtClean="0"/>
               <a:pPr/>
-              <a:t>‹#›</a:t>
+              <a:t>‹N›</a:t>
             </a:fld>
             <a:endParaRPr lang="it-IT"/>
           </a:p>
@@ -5063,7 +5063,7 @@
             <a:fld id="{F89AEA99-3E91-4C58-9AD4-045DB5619AC3}" type="slidenum">
               <a:rPr lang="it-IT" smtClean="0"/>
               <a:pPr/>
-              <a:t>‹#›</a:t>
+              <a:t>‹N›</a:t>
             </a:fld>
             <a:endParaRPr lang="it-IT"/>
           </a:p>
@@ -5454,7 +5454,7 @@
             <a:fld id="{F89AEA99-3E91-4C58-9AD4-045DB5619AC3}" type="slidenum">
               <a:rPr lang="it-IT" smtClean="0"/>
               <a:pPr/>
-              <a:t>‹#›</a:t>
+              <a:t>‹N›</a:t>
             </a:fld>
             <a:endParaRPr lang="it-IT"/>
           </a:p>
@@ -5613,7 +5613,7 @@
             <a:fld id="{F89AEA99-3E91-4C58-9AD4-045DB5619AC3}" type="slidenum">
               <a:rPr lang="it-IT" smtClean="0"/>
               <a:pPr/>
-              <a:t>‹#›</a:t>
+              <a:t>‹N›</a:t>
             </a:fld>
             <a:endParaRPr lang="it-IT"/>
           </a:p>
@@ -5712,7 +5712,7 @@
             <a:fld id="{F89AEA99-3E91-4C58-9AD4-045DB5619AC3}" type="slidenum">
               <a:rPr lang="it-IT" smtClean="0"/>
               <a:pPr/>
-              <a:t>‹#›</a:t>
+              <a:t>‹N›</a:t>
             </a:fld>
             <a:endParaRPr lang="it-IT"/>
           </a:p>
@@ -5982,7 +5982,7 @@
             <a:fld id="{F89AEA99-3E91-4C58-9AD4-045DB5619AC3}" type="slidenum">
               <a:rPr lang="it-IT" smtClean="0"/>
               <a:pPr/>
-              <a:t>‹#›</a:t>
+              <a:t>‹N›</a:t>
             </a:fld>
             <a:endParaRPr lang="it-IT"/>
           </a:p>
@@ -6284,7 +6284,7 @@
             <a:fld id="{F89AEA99-3E91-4C58-9AD4-045DB5619AC3}" type="slidenum">
               <a:rPr lang="it-IT" smtClean="0"/>
               <a:pPr/>
-              <a:t>‹#›</a:t>
+              <a:t>‹N›</a:t>
             </a:fld>
             <a:endParaRPr lang="it-IT"/>
           </a:p>
@@ -7095,7 +7095,7 @@
             <a:fld id="{F89AEA99-3E91-4C58-9AD4-045DB5619AC3}" type="slidenum">
               <a:rPr lang="it-IT" smtClean="0"/>
               <a:pPr/>
-              <a:t>‹#›</a:t>
+              <a:t>‹N›</a:t>
             </a:fld>
             <a:endParaRPr lang="it-IT"/>
           </a:p>
@@ -7702,7 +7702,7 @@
           <a:blip r:embed="rId2">
             <a:extLst>
               <a:ext uri="{28A0092B-C50C-407E-A947-70E740481C1C}">
-                <a14:useLocalDpi xmlns:a14="http://schemas.microsoft.com/office/drawing/2010/main" xmlns="" val="0"/>
+                <a14:useLocalDpi xmlns:a14="http://schemas.microsoft.com/office/drawing/2010/main" val="0"/>
               </a:ext>
             </a:extLst>
           </a:blip>
@@ -7726,14 +7726,14 @@
           <a:effectLst/>
           <a:extLst>
             <a:ext uri="{909E8E84-426E-40DD-AFC4-6F175D3DCCD1}">
-              <a14:hiddenFill xmlns:a14="http://schemas.microsoft.com/office/drawing/2010/main" xmlns="">
+              <a14:hiddenFill xmlns:a14="http://schemas.microsoft.com/office/drawing/2010/main">
                 <a:solidFill>
                   <a:schemeClr val="accent1"/>
                 </a:solidFill>
               </a14:hiddenFill>
             </a:ext>
             <a:ext uri="{91240B29-F687-4F45-9708-019B960494DF}">
-              <a14:hiddenLine xmlns:a14="http://schemas.microsoft.com/office/drawing/2010/main" xmlns="" w="9525">
+              <a14:hiddenLine xmlns:a14="http://schemas.microsoft.com/office/drawing/2010/main" w="9525">
                 <a:solidFill>
                   <a:schemeClr val="tx1"/>
                 </a:solidFill>
@@ -7743,7 +7743,7 @@
               </a14:hiddenLine>
             </a:ext>
             <a:ext uri="{AF507438-7753-43E0-B8FC-AC1667EBCBE1}">
-              <a14:hiddenEffects xmlns:a14="http://schemas.microsoft.com/office/drawing/2010/main" xmlns="">
+              <a14:hiddenEffects xmlns:a14="http://schemas.microsoft.com/office/drawing/2010/main">
                 <a:effectLst>
                   <a:outerShdw dist="35921" dir="2700000" algn="ctr" rotWithShape="0">
                     <a:schemeClr val="bg2"/>
@@ -7763,7 +7763,7 @@
           <p:nvPr>
             <p:extLst>
               <p:ext uri="{D42A27DB-BD31-4B8C-83A1-F6EECF244321}">
-                <p14:modId xmlns:p14="http://schemas.microsoft.com/office/powerpoint/2010/main" xmlns="" val="669990601"/>
+                <p14:modId xmlns:p14="http://schemas.microsoft.com/office/powerpoint/2010/main" val="669990601"/>
               </p:ext>
             </p:extLst>
           </p:nvPr>
@@ -7940,7 +7940,7 @@
           <p:nvPr>
             <p:extLst>
               <p:ext uri="{D42A27DB-BD31-4B8C-83A1-F6EECF244321}">
-                <p14:modId xmlns:p14="http://schemas.microsoft.com/office/powerpoint/2010/main" xmlns="" val="3027425847"/>
+                <p14:modId xmlns:p14="http://schemas.microsoft.com/office/powerpoint/2010/main" val="3027425847"/>
               </p:ext>
             </p:extLst>
           </p:nvPr>
@@ -8021,7 +8021,7 @@
     </p:spTree>
     <p:extLst>
       <p:ext uri="{BB962C8B-B14F-4D97-AF65-F5344CB8AC3E}">
-        <p14:creationId xmlns:p14="http://schemas.microsoft.com/office/powerpoint/2010/main" xmlns="" val="4165334171"/>
+        <p14:creationId xmlns:p14="http://schemas.microsoft.com/office/powerpoint/2010/main" val="4165334171"/>
       </p:ext>
     </p:extLst>
   </p:cSld>
@@ -8317,18 +8317,18 @@
     </p:spTree>
     <p:extLst>
       <p:ext uri="{BB962C8B-B14F-4D97-AF65-F5344CB8AC3E}">
-        <p14:creationId xmlns:p14="http://schemas.microsoft.com/office/powerpoint/2010/main" xmlns="" val="155874689"/>
+        <p14:creationId xmlns:p14="http://schemas.microsoft.com/office/powerpoint/2010/main" val="155874689"/>
       </p:ext>
     </p:extLst>
   </p:cSld>
   <p:clrMapOvr>
     <a:masterClrMapping/>
   </p:clrMapOvr>
-  <mc:AlternateContent xmlns:mc="http://schemas.openxmlformats.org/markup-compatibility/2006">
-    <mc:Choice xmlns:p14="http://schemas.microsoft.com/office/powerpoint/2010/main" xmlns="" Requires="p14">
+  <mc:AlternateContent xmlns:mc="http://schemas.openxmlformats.org/markup-compatibility/2006" xmlns:p14="http://schemas.microsoft.com/office/powerpoint/2010/main">
+    <mc:Choice Requires="p14">
       <p:transition spd="slow" p14:dur="2000"/>
     </mc:Choice>
-    <mc:Fallback>
+    <mc:Fallback xmlns="">
       <p:transition spd="slow"/>
     </mc:Fallback>
   </mc:AlternateContent>
@@ -8831,18 +8831,18 @@
     </p:spTree>
     <p:extLst>
       <p:ext uri="{BB962C8B-B14F-4D97-AF65-F5344CB8AC3E}">
-        <p14:creationId xmlns:p14="http://schemas.microsoft.com/office/powerpoint/2010/main" xmlns="" val="155874689"/>
+        <p14:creationId xmlns:p14="http://schemas.microsoft.com/office/powerpoint/2010/main" val="155874689"/>
       </p:ext>
     </p:extLst>
   </p:cSld>
   <p:clrMapOvr>
     <a:masterClrMapping/>
   </p:clrMapOvr>
-  <mc:AlternateContent xmlns:mc="http://schemas.openxmlformats.org/markup-compatibility/2006">
-    <mc:Choice xmlns:p14="http://schemas.microsoft.com/office/powerpoint/2010/main" xmlns="" Requires="p14">
+  <mc:AlternateContent xmlns:mc="http://schemas.openxmlformats.org/markup-compatibility/2006" xmlns:p14="http://schemas.microsoft.com/office/powerpoint/2010/main">
+    <mc:Choice Requires="p14">
       <p:transition spd="slow" p14:dur="2000"/>
     </mc:Choice>
-    <mc:Fallback>
+    <mc:Fallback xmlns="">
       <p:transition spd="slow"/>
     </mc:Fallback>
   </mc:AlternateContent>
@@ -9336,18 +9336,18 @@
     </p:spTree>
     <p:extLst>
       <p:ext uri="{BB962C8B-B14F-4D97-AF65-F5344CB8AC3E}">
-        <p14:creationId xmlns:p14="http://schemas.microsoft.com/office/powerpoint/2010/main" xmlns="" val="155874689"/>
+        <p14:creationId xmlns:p14="http://schemas.microsoft.com/office/powerpoint/2010/main" val="155874689"/>
       </p:ext>
     </p:extLst>
   </p:cSld>
   <p:clrMapOvr>
     <a:masterClrMapping/>
   </p:clrMapOvr>
-  <mc:AlternateContent xmlns:mc="http://schemas.openxmlformats.org/markup-compatibility/2006">
-    <mc:Choice xmlns:p14="http://schemas.microsoft.com/office/powerpoint/2010/main" xmlns="" Requires="p14">
+  <mc:AlternateContent xmlns:mc="http://schemas.openxmlformats.org/markup-compatibility/2006" xmlns:p14="http://schemas.microsoft.com/office/powerpoint/2010/main">
+    <mc:Choice Requires="p14">
       <p:transition spd="slow" p14:dur="2000"/>
     </mc:Choice>
-    <mc:Fallback>
+    <mc:Fallback xmlns="">
       <p:transition spd="slow"/>
     </mc:Fallback>
   </mc:AlternateContent>
@@ -10240,7 +10240,11 @@
             <a:pPr lvl="1"/>
             <a:r>
               <a:rPr lang="it-IT" dirty="0" smtClean="0"/>
-              <a:t>Divisione sottosistemi complessa.</a:t>
+              <a:t>Divisione sottosistemi </a:t>
+            </a:r>
+            <a:r>
+              <a:rPr lang="it-IT" dirty="0" smtClean="0"/>
+              <a:t>complessa</a:t>
             </a:r>
             <a:endParaRPr lang="it-IT" dirty="0" smtClean="0"/>
           </a:p>
@@ -10248,7 +10252,7 @@
             <a:pPr lvl="1"/>
             <a:r>
               <a:rPr lang="it-IT" dirty="0" smtClean="0"/>
-              <a:t>Progettazione e realizzazione del Database .</a:t>
+              <a:t>Progettazione e realizzazione del Database </a:t>
             </a:r>
           </a:p>
           <a:p>
@@ -10280,7 +10284,6 @@
               <a:rPr lang="it-IT" dirty="0" smtClean="0"/>
               <a:t>Presentazione del prototipo al committente.</a:t>
             </a:r>
-            <a:endParaRPr lang="it-IT" dirty="0" smtClean="0"/>
           </a:p>
         </p:txBody>
       </p:sp>
@@ -11273,7 +11276,6 @@
               <a:rPr lang="it-IT" sz="2200" dirty="0" smtClean="0"/>
               <a:t>.</a:t>
             </a:r>
-            <a:endParaRPr lang="it-IT" sz="2200" dirty="0" smtClean="0"/>
           </a:p>
           <a:p>
             <a:pPr marL="742950" lvl="1" indent="-285750">
@@ -11303,7 +11305,7 @@
           <a:blip r:embed="rId3">
             <a:extLst>
               <a:ext uri="{28A0092B-C50C-407E-A947-70E740481C1C}">
-                <a14:useLocalDpi xmlns:a14="http://schemas.microsoft.com/office/drawing/2010/main" xmlns="" val="0"/>
+                <a14:useLocalDpi xmlns:a14="http://schemas.microsoft.com/office/drawing/2010/main" val="0"/>
               </a:ext>
             </a:extLst>
           </a:blip>
@@ -11323,7 +11325,7 @@
           <a:noFill/>
           <a:extLst>
             <a:ext uri="{909E8E84-426E-40DD-AFC4-6F175D3DCCD1}">
-              <a14:hiddenFill xmlns:a14="http://schemas.microsoft.com/office/drawing/2010/main" xmlns="">
+              <a14:hiddenFill xmlns:a14="http://schemas.microsoft.com/office/drawing/2010/main">
                 <a:solidFill>
                   <a:srgbClr val="FFFFFF"/>
                 </a:solidFill>
@@ -11344,7 +11346,7 @@
           <a:blip r:embed="rId4">
             <a:extLst>
               <a:ext uri="{28A0092B-C50C-407E-A947-70E740481C1C}">
-                <a14:useLocalDpi xmlns:a14="http://schemas.microsoft.com/office/drawing/2010/main" xmlns="" val="0"/>
+                <a14:useLocalDpi xmlns:a14="http://schemas.microsoft.com/office/drawing/2010/main" val="0"/>
               </a:ext>
             </a:extLst>
           </a:blip>
@@ -11364,7 +11366,7 @@
           <a:noFill/>
           <a:extLst>
             <a:ext uri="{909E8E84-426E-40DD-AFC4-6F175D3DCCD1}">
-              <a14:hiddenFill xmlns:a14="http://schemas.microsoft.com/office/drawing/2010/main" xmlns="">
+              <a14:hiddenFill xmlns:a14="http://schemas.microsoft.com/office/drawing/2010/main">
                 <a:solidFill>
                   <a:srgbClr val="FFFFFF"/>
                 </a:solidFill>
@@ -11410,7 +11412,7 @@
     </p:spTree>
     <p:extLst>
       <p:ext uri="{BB962C8B-B14F-4D97-AF65-F5344CB8AC3E}">
-        <p14:creationId xmlns:p14="http://schemas.microsoft.com/office/powerpoint/2010/main" xmlns="" val="1277526579"/>
+        <p14:creationId xmlns:p14="http://schemas.microsoft.com/office/powerpoint/2010/main" val="1277526579"/>
       </p:ext>
     </p:extLst>
   </p:cSld>
@@ -11740,7 +11742,7 @@
           <a:blip r:embed="rId3">
             <a:extLst>
               <a:ext uri="{28A0092B-C50C-407E-A947-70E740481C1C}">
-                <a14:useLocalDpi xmlns:a14="http://schemas.microsoft.com/office/drawing/2010/main" xmlns="" val="0"/>
+                <a14:useLocalDpi xmlns:a14="http://schemas.microsoft.com/office/drawing/2010/main" val="0"/>
               </a:ext>
             </a:extLst>
           </a:blip>
@@ -11760,7 +11762,7 @@
           <a:noFill/>
           <a:extLst>
             <a:ext uri="{909E8E84-426E-40DD-AFC4-6F175D3DCCD1}">
-              <a14:hiddenFill xmlns:a14="http://schemas.microsoft.com/office/drawing/2010/main" xmlns="">
+              <a14:hiddenFill xmlns:a14="http://schemas.microsoft.com/office/drawing/2010/main">
                 <a:solidFill>
                   <a:srgbClr val="FFFFFF"/>
                 </a:solidFill>
@@ -11781,7 +11783,7 @@
           <a:blip r:embed="rId4" cstate="print">
             <a:extLst>
               <a:ext uri="{28A0092B-C50C-407E-A947-70E740481C1C}">
-                <a14:useLocalDpi xmlns:a14="http://schemas.microsoft.com/office/drawing/2010/main" xmlns="" val="0"/>
+                <a14:useLocalDpi xmlns:a14="http://schemas.microsoft.com/office/drawing/2010/main" val="0"/>
               </a:ext>
             </a:extLst>
           </a:blip>
@@ -11801,7 +11803,7 @@
           <a:noFill/>
           <a:extLst>
             <a:ext uri="{909E8E84-426E-40DD-AFC4-6F175D3DCCD1}">
-              <a14:hiddenFill xmlns:a14="http://schemas.microsoft.com/office/drawing/2010/main" xmlns="">
+              <a14:hiddenFill xmlns:a14="http://schemas.microsoft.com/office/drawing/2010/main">
                 <a:solidFill>
                   <a:srgbClr val="FFFFFF"/>
                 </a:solidFill>
@@ -11822,7 +11824,7 @@
           <a:blip r:embed="rId5">
             <a:extLst>
               <a:ext uri="{28A0092B-C50C-407E-A947-70E740481C1C}">
-                <a14:useLocalDpi xmlns:a14="http://schemas.microsoft.com/office/drawing/2010/main" xmlns="" val="0"/>
+                <a14:useLocalDpi xmlns:a14="http://schemas.microsoft.com/office/drawing/2010/main" val="0"/>
               </a:ext>
             </a:extLst>
           </a:blip>
@@ -11842,7 +11844,7 @@
           <a:noFill/>
           <a:extLst>
             <a:ext uri="{909E8E84-426E-40DD-AFC4-6F175D3DCCD1}">
-              <a14:hiddenFill xmlns:a14="http://schemas.microsoft.com/office/drawing/2010/main" xmlns="">
+              <a14:hiddenFill xmlns:a14="http://schemas.microsoft.com/office/drawing/2010/main">
                 <a:solidFill>
                   <a:srgbClr val="FFFFFF"/>
                 </a:solidFill>
@@ -11944,7 +11946,7 @@
     </p:spTree>
     <p:extLst>
       <p:ext uri="{BB962C8B-B14F-4D97-AF65-F5344CB8AC3E}">
-        <p14:creationId xmlns:p14="http://schemas.microsoft.com/office/powerpoint/2010/main" xmlns="" val="418107373"/>
+        <p14:creationId xmlns:p14="http://schemas.microsoft.com/office/powerpoint/2010/main" val="418107373"/>
       </p:ext>
     </p:extLst>
   </p:cSld>
@@ -12583,7 +12585,7 @@
           <a:blip r:embed="rId3">
             <a:extLst>
               <a:ext uri="{28A0092B-C50C-407E-A947-70E740481C1C}">
-                <a14:useLocalDpi xmlns:a14="http://schemas.microsoft.com/office/drawing/2010/main" xmlns="" val="0"/>
+                <a14:useLocalDpi xmlns:a14="http://schemas.microsoft.com/office/drawing/2010/main" val="0"/>
               </a:ext>
             </a:extLst>
           </a:blip>
@@ -12603,7 +12605,7 @@
           <a:noFill/>
           <a:extLst>
             <a:ext uri="{909E8E84-426E-40DD-AFC4-6F175D3DCCD1}">
-              <a14:hiddenFill xmlns:a14="http://schemas.microsoft.com/office/drawing/2010/main" xmlns="">
+              <a14:hiddenFill xmlns:a14="http://schemas.microsoft.com/office/drawing/2010/main">
                 <a:solidFill>
                   <a:srgbClr val="FFFFFF"/>
                 </a:solidFill>
@@ -12624,7 +12626,7 @@
           <a:blip r:embed="rId4">
             <a:extLst>
               <a:ext uri="{28A0092B-C50C-407E-A947-70E740481C1C}">
-                <a14:useLocalDpi xmlns:a14="http://schemas.microsoft.com/office/drawing/2010/main" xmlns="" val="0"/>
+                <a14:useLocalDpi xmlns:a14="http://schemas.microsoft.com/office/drawing/2010/main" val="0"/>
               </a:ext>
             </a:extLst>
           </a:blip>
@@ -12644,7 +12646,7 @@
           <a:noFill/>
           <a:extLst>
             <a:ext uri="{909E8E84-426E-40DD-AFC4-6F175D3DCCD1}">
-              <a14:hiddenFill xmlns:a14="http://schemas.microsoft.com/office/drawing/2010/main" xmlns="">
+              <a14:hiddenFill xmlns:a14="http://schemas.microsoft.com/office/drawing/2010/main">
                 <a:solidFill>
                   <a:srgbClr val="FFFFFF"/>
                 </a:solidFill>
@@ -12892,18 +12894,18 @@
     </p:spTree>
     <p:extLst>
       <p:ext uri="{BB962C8B-B14F-4D97-AF65-F5344CB8AC3E}">
-        <p14:creationId xmlns:p14="http://schemas.microsoft.com/office/powerpoint/2010/main" xmlns="" val="2879521852"/>
+        <p14:creationId xmlns:p14="http://schemas.microsoft.com/office/powerpoint/2010/main" val="2879521852"/>
       </p:ext>
     </p:extLst>
   </p:cSld>
   <p:clrMapOvr>
     <a:masterClrMapping/>
   </p:clrMapOvr>
-  <mc:AlternateContent xmlns:mc="http://schemas.openxmlformats.org/markup-compatibility/2006">
-    <mc:Choice xmlns:p14="http://schemas.microsoft.com/office/powerpoint/2010/main" xmlns="" Requires="p14">
+  <mc:AlternateContent xmlns:mc="http://schemas.openxmlformats.org/markup-compatibility/2006" xmlns:p14="http://schemas.microsoft.com/office/powerpoint/2010/main">
+    <mc:Choice Requires="p14">
       <p:transition spd="slow" p14:dur="2000"/>
     </mc:Choice>
-    <mc:Fallback>
+    <mc:Fallback xmlns="">
       <p:transition spd="slow"/>
     </mc:Fallback>
   </mc:AlternateContent>
@@ -13259,7 +13261,7 @@
           <a:blip r:embed="rId3">
             <a:extLst>
               <a:ext uri="{28A0092B-C50C-407E-A947-70E740481C1C}">
-                <a14:useLocalDpi xmlns:a14="http://schemas.microsoft.com/office/drawing/2010/main" xmlns="" val="0"/>
+                <a14:useLocalDpi xmlns:a14="http://schemas.microsoft.com/office/drawing/2010/main" val="0"/>
               </a:ext>
             </a:extLst>
           </a:blip>
@@ -13279,7 +13281,7 @@
           <a:noFill/>
           <a:extLst>
             <a:ext uri="{909E8E84-426E-40DD-AFC4-6F175D3DCCD1}">
-              <a14:hiddenFill xmlns:a14="http://schemas.microsoft.com/office/drawing/2010/main" xmlns="">
+              <a14:hiddenFill xmlns:a14="http://schemas.microsoft.com/office/drawing/2010/main">
                 <a:solidFill>
                   <a:srgbClr val="FFFFFF"/>
                 </a:solidFill>
@@ -13300,7 +13302,7 @@
           <a:blip r:embed="rId4">
             <a:extLst>
               <a:ext uri="{28A0092B-C50C-407E-A947-70E740481C1C}">
-                <a14:useLocalDpi xmlns:a14="http://schemas.microsoft.com/office/drawing/2010/main" xmlns="" val="0"/>
+                <a14:useLocalDpi xmlns:a14="http://schemas.microsoft.com/office/drawing/2010/main" val="0"/>
               </a:ext>
             </a:extLst>
           </a:blip>
@@ -13320,7 +13322,7 @@
           <a:noFill/>
           <a:extLst>
             <a:ext uri="{909E8E84-426E-40DD-AFC4-6F175D3DCCD1}">
-              <a14:hiddenFill xmlns:a14="http://schemas.microsoft.com/office/drawing/2010/main" xmlns="">
+              <a14:hiddenFill xmlns:a14="http://schemas.microsoft.com/office/drawing/2010/main">
                 <a:solidFill>
                   <a:srgbClr val="FFFFFF"/>
                 </a:solidFill>
@@ -13815,18 +13817,18 @@
     </p:spTree>
     <p:extLst>
       <p:ext uri="{BB962C8B-B14F-4D97-AF65-F5344CB8AC3E}">
-        <p14:creationId xmlns:p14="http://schemas.microsoft.com/office/powerpoint/2010/main" xmlns="" val="202613363"/>
+        <p14:creationId xmlns:p14="http://schemas.microsoft.com/office/powerpoint/2010/main" val="202613363"/>
       </p:ext>
     </p:extLst>
   </p:cSld>
   <p:clrMapOvr>
     <a:masterClrMapping/>
   </p:clrMapOvr>
-  <mc:AlternateContent xmlns:mc="http://schemas.openxmlformats.org/markup-compatibility/2006">
-    <mc:Choice xmlns:p14="http://schemas.microsoft.com/office/powerpoint/2010/main" xmlns="" Requires="p14">
+  <mc:AlternateContent xmlns:mc="http://schemas.openxmlformats.org/markup-compatibility/2006" xmlns:p14="http://schemas.microsoft.com/office/powerpoint/2010/main">
+    <mc:Choice Requires="p14">
       <p:transition spd="slow" p14:dur="2000"/>
     </mc:Choice>
-    <mc:Fallback>
+    <mc:Fallback xmlns="">
       <p:transition spd="slow"/>
     </mc:Fallback>
   </mc:AlternateContent>
@@ -14163,7 +14165,7 @@
           <a:blip r:embed="rId3">
             <a:extLst>
               <a:ext uri="{28A0092B-C50C-407E-A947-70E740481C1C}">
-                <a14:useLocalDpi xmlns:a14="http://schemas.microsoft.com/office/drawing/2010/main" xmlns="" val="0"/>
+                <a14:useLocalDpi xmlns:a14="http://schemas.microsoft.com/office/drawing/2010/main" val="0"/>
               </a:ext>
             </a:extLst>
           </a:blip>
@@ -14183,7 +14185,7 @@
           <a:noFill/>
           <a:extLst>
             <a:ext uri="{909E8E84-426E-40DD-AFC4-6F175D3DCCD1}">
-              <a14:hiddenFill xmlns:a14="http://schemas.microsoft.com/office/drawing/2010/main" xmlns="">
+              <a14:hiddenFill xmlns:a14="http://schemas.microsoft.com/office/drawing/2010/main">
                 <a:solidFill>
                   <a:srgbClr val="FFFFFF"/>
                 </a:solidFill>
@@ -14204,7 +14206,7 @@
           <a:blip r:embed="rId4">
             <a:extLst>
               <a:ext uri="{28A0092B-C50C-407E-A947-70E740481C1C}">
-                <a14:useLocalDpi xmlns:a14="http://schemas.microsoft.com/office/drawing/2010/main" xmlns="" val="0"/>
+                <a14:useLocalDpi xmlns:a14="http://schemas.microsoft.com/office/drawing/2010/main" val="0"/>
               </a:ext>
             </a:extLst>
           </a:blip>
@@ -14224,7 +14226,7 @@
           <a:noFill/>
           <a:extLst>
             <a:ext uri="{909E8E84-426E-40DD-AFC4-6F175D3DCCD1}">
-              <a14:hiddenFill xmlns:a14="http://schemas.microsoft.com/office/drawing/2010/main" xmlns="">
+              <a14:hiddenFill xmlns:a14="http://schemas.microsoft.com/office/drawing/2010/main">
                 <a:solidFill>
                   <a:srgbClr val="FFFFFF"/>
                 </a:solidFill>
@@ -14548,18 +14550,18 @@
     </p:spTree>
     <p:extLst>
       <p:ext uri="{BB962C8B-B14F-4D97-AF65-F5344CB8AC3E}">
-        <p14:creationId xmlns:p14="http://schemas.microsoft.com/office/powerpoint/2010/main" xmlns="" val="1197112555"/>
+        <p14:creationId xmlns:p14="http://schemas.microsoft.com/office/powerpoint/2010/main" val="1197112555"/>
       </p:ext>
     </p:extLst>
   </p:cSld>
   <p:clrMapOvr>
     <a:masterClrMapping/>
   </p:clrMapOvr>
-  <mc:AlternateContent xmlns:mc="http://schemas.openxmlformats.org/markup-compatibility/2006">
-    <mc:Choice xmlns:p14="http://schemas.microsoft.com/office/powerpoint/2010/main" xmlns="" Requires="p14">
+  <mc:AlternateContent xmlns:mc="http://schemas.openxmlformats.org/markup-compatibility/2006" xmlns:p14="http://schemas.microsoft.com/office/powerpoint/2010/main">
+    <mc:Choice Requires="p14">
       <p:transition spd="slow" p14:dur="2000"/>
     </mc:Choice>
-    <mc:Fallback>
+    <mc:Fallback xmlns="">
       <p:transition spd="slow"/>
     </mc:Fallback>
   </mc:AlternateContent>
@@ -15643,18 +15645,18 @@
     </p:spTree>
     <p:extLst>
       <p:ext uri="{BB962C8B-B14F-4D97-AF65-F5344CB8AC3E}">
-        <p14:creationId xmlns:p14="http://schemas.microsoft.com/office/powerpoint/2010/main" xmlns="" val="155874689"/>
+        <p14:creationId xmlns:p14="http://schemas.microsoft.com/office/powerpoint/2010/main" val="155874689"/>
       </p:ext>
     </p:extLst>
   </p:cSld>
   <p:clrMapOvr>
     <a:masterClrMapping/>
   </p:clrMapOvr>
-  <mc:AlternateContent xmlns:mc="http://schemas.openxmlformats.org/markup-compatibility/2006">
-    <mc:Choice xmlns:p14="http://schemas.microsoft.com/office/powerpoint/2010/main" xmlns="" Requires="p14">
+  <mc:AlternateContent xmlns:mc="http://schemas.openxmlformats.org/markup-compatibility/2006" xmlns:p14="http://schemas.microsoft.com/office/powerpoint/2010/main">
+    <mc:Choice Requires="p14">
       <p:transition spd="slow" p14:dur="2000"/>
     </mc:Choice>
-    <mc:Fallback>
+    <mc:Fallback xmlns="">
       <p:transition spd="slow"/>
     </mc:Fallback>
   </mc:AlternateContent>
@@ -15920,13 +15922,8 @@
             <a:pPr lvl="2"/>
             <a:r>
               <a:rPr lang="en-US" i="1" dirty="0" smtClean="0"/>
-              <a:t>Bassa </a:t>
-            </a:r>
-            <a:r>
-              <a:rPr lang="en-US" i="1" dirty="0" smtClean="0"/>
-              <a:t>usabilità</a:t>
-            </a:r>
-            <a:endParaRPr lang="en-US" i="1" dirty="0" smtClean="0"/>
+              <a:t>Bassa usabilità</a:t>
+            </a:r>
           </a:p>
         </p:txBody>
       </p:sp>
@@ -16020,7 +16017,7 @@
           <a:blip r:embed="rId3">
             <a:extLst>
               <a:ext uri="{28A0092B-C50C-407E-A947-70E740481C1C}">
-                <a14:useLocalDpi xmlns:a14="http://schemas.microsoft.com/office/drawing/2010/main" xmlns="" val="0"/>
+                <a14:useLocalDpi xmlns:a14="http://schemas.microsoft.com/office/drawing/2010/main" val="0"/>
               </a:ext>
             </a:extLst>
           </a:blip>
@@ -16040,7 +16037,7 @@
           <a:noFill/>
           <a:extLst>
             <a:ext uri="{909E8E84-426E-40DD-AFC4-6F175D3DCCD1}">
-              <a14:hiddenFill xmlns:a14="http://schemas.microsoft.com/office/drawing/2010/main" xmlns="">
+              <a14:hiddenFill xmlns:a14="http://schemas.microsoft.com/office/drawing/2010/main">
                 <a:solidFill>
                   <a:srgbClr val="FFFFFF"/>
                 </a:solidFill>
@@ -16061,7 +16058,7 @@
           <a:blip r:embed="rId4">
             <a:extLst>
               <a:ext uri="{28A0092B-C50C-407E-A947-70E740481C1C}">
-                <a14:useLocalDpi xmlns:a14="http://schemas.microsoft.com/office/drawing/2010/main" xmlns="" val="0"/>
+                <a14:useLocalDpi xmlns:a14="http://schemas.microsoft.com/office/drawing/2010/main" val="0"/>
               </a:ext>
             </a:extLst>
           </a:blip>
@@ -16081,7 +16078,7 @@
           <a:noFill/>
           <a:extLst>
             <a:ext uri="{909E8E84-426E-40DD-AFC4-6F175D3DCCD1}">
-              <a14:hiddenFill xmlns:a14="http://schemas.microsoft.com/office/drawing/2010/main" xmlns="">
+              <a14:hiddenFill xmlns:a14="http://schemas.microsoft.com/office/drawing/2010/main">
                 <a:solidFill>
                   <a:srgbClr val="FFFFFF"/>
                 </a:solidFill>
@@ -16102,7 +16099,7 @@
           <a:blip r:embed="rId5">
             <a:extLst>
               <a:ext uri="{28A0092B-C50C-407E-A947-70E740481C1C}">
-                <a14:useLocalDpi xmlns:a14="http://schemas.microsoft.com/office/drawing/2010/main" xmlns="" val="0"/>
+                <a14:useLocalDpi xmlns:a14="http://schemas.microsoft.com/office/drawing/2010/main" val="0"/>
               </a:ext>
             </a:extLst>
           </a:blip>
@@ -16131,7 +16128,7 @@
           </a:effectLst>
           <a:extLst>
             <a:ext uri="{909E8E84-426E-40DD-AFC4-6F175D3DCCD1}">
-              <a14:hiddenFill xmlns:a14="http://schemas.microsoft.com/office/drawing/2010/main" xmlns="">
+              <a14:hiddenFill xmlns:a14="http://schemas.microsoft.com/office/drawing/2010/main">
                 <a:solidFill>
                   <a:srgbClr val="FFFFFF"/>
                 </a:solidFill>
@@ -16143,18 +16140,18 @@
     </p:spTree>
     <p:extLst>
       <p:ext uri="{BB962C8B-B14F-4D97-AF65-F5344CB8AC3E}">
-        <p14:creationId xmlns:p14="http://schemas.microsoft.com/office/powerpoint/2010/main" xmlns="" val="700353664"/>
+        <p14:creationId xmlns:p14="http://schemas.microsoft.com/office/powerpoint/2010/main" val="700353664"/>
       </p:ext>
     </p:extLst>
   </p:cSld>
   <p:clrMapOvr>
     <a:masterClrMapping/>
   </p:clrMapOvr>
-  <mc:AlternateContent xmlns:mc="http://schemas.openxmlformats.org/markup-compatibility/2006">
-    <mc:Choice xmlns:p14="http://schemas.microsoft.com/office/powerpoint/2010/main" xmlns="" Requires="p14">
+  <mc:AlternateContent xmlns:mc="http://schemas.openxmlformats.org/markup-compatibility/2006" xmlns:p14="http://schemas.microsoft.com/office/powerpoint/2010/main">
+    <mc:Choice Requires="p14">
       <p:transition spd="slow" p14:dur="2000"/>
     </mc:Choice>
-    <mc:Fallback>
+    <mc:Fallback xmlns="">
       <p:transition spd="slow"/>
     </mc:Fallback>
   </mc:AlternateContent>
@@ -16842,7 +16839,7 @@
           <a:blip r:embed="rId3">
             <a:extLst>
               <a:ext uri="{28A0092B-C50C-407E-A947-70E740481C1C}">
-                <a14:useLocalDpi xmlns:a14="http://schemas.microsoft.com/office/drawing/2010/main" xmlns="" val="0"/>
+                <a14:useLocalDpi xmlns:a14="http://schemas.microsoft.com/office/drawing/2010/main" val="0"/>
               </a:ext>
             </a:extLst>
           </a:blip>
@@ -16867,7 +16864,7 @@
           </a:effectLst>
           <a:extLst>
             <a:ext uri="{909E8E84-426E-40DD-AFC4-6F175D3DCCD1}">
-              <a14:hiddenFill xmlns:a14="http://schemas.microsoft.com/office/drawing/2010/main" xmlns="">
+              <a14:hiddenFill xmlns:a14="http://schemas.microsoft.com/office/drawing/2010/main">
                 <a:solidFill>
                   <a:srgbClr val="FFFFFF"/>
                 </a:solidFill>
@@ -16888,7 +16885,7 @@
           <a:blip r:embed="rId4">
             <a:extLst>
               <a:ext uri="{28A0092B-C50C-407E-A947-70E740481C1C}">
-                <a14:useLocalDpi xmlns:a14="http://schemas.microsoft.com/office/drawing/2010/main" xmlns="" val="0"/>
+                <a14:useLocalDpi xmlns:a14="http://schemas.microsoft.com/office/drawing/2010/main" val="0"/>
               </a:ext>
             </a:extLst>
           </a:blip>
@@ -16908,7 +16905,7 @@
           <a:noFill/>
           <a:extLst>
             <a:ext uri="{909E8E84-426E-40DD-AFC4-6F175D3DCCD1}">
-              <a14:hiddenFill xmlns:a14="http://schemas.microsoft.com/office/drawing/2010/main" xmlns="">
+              <a14:hiddenFill xmlns:a14="http://schemas.microsoft.com/office/drawing/2010/main">
                 <a:solidFill>
                   <a:srgbClr val="FFFFFF"/>
                 </a:solidFill>
@@ -16954,7 +16951,7 @@
     </p:spTree>
     <p:extLst>
       <p:ext uri="{BB962C8B-B14F-4D97-AF65-F5344CB8AC3E}">
-        <p14:creationId xmlns:p14="http://schemas.microsoft.com/office/powerpoint/2010/main" xmlns="" val="2947224754"/>
+        <p14:creationId xmlns:p14="http://schemas.microsoft.com/office/powerpoint/2010/main" val="2947224754"/>
       </p:ext>
     </p:extLst>
   </p:cSld>
@@ -17271,7 +17268,7 @@
           <a:blip r:embed="rId3">
             <a:extLst>
               <a:ext uri="{28A0092B-C50C-407E-A947-70E740481C1C}">
-                <a14:useLocalDpi xmlns:a14="http://schemas.microsoft.com/office/drawing/2010/main" xmlns="" val="0"/>
+                <a14:useLocalDpi xmlns:a14="http://schemas.microsoft.com/office/drawing/2010/main" val="0"/>
               </a:ext>
             </a:extLst>
           </a:blip>
@@ -17291,7 +17288,7 @@
           <a:noFill/>
           <a:extLst>
             <a:ext uri="{909E8E84-426E-40DD-AFC4-6F175D3DCCD1}">
-              <a14:hiddenFill xmlns:a14="http://schemas.microsoft.com/office/drawing/2010/main" xmlns="">
+              <a14:hiddenFill xmlns:a14="http://schemas.microsoft.com/office/drawing/2010/main">
                 <a:solidFill>
                   <a:srgbClr val="FFFFFF"/>
                 </a:solidFill>
@@ -17312,7 +17309,7 @@
           <a:blip r:embed="rId4">
             <a:extLst>
               <a:ext uri="{28A0092B-C50C-407E-A947-70E740481C1C}">
-                <a14:useLocalDpi xmlns:a14="http://schemas.microsoft.com/office/drawing/2010/main" xmlns="" val="0"/>
+                <a14:useLocalDpi xmlns:a14="http://schemas.microsoft.com/office/drawing/2010/main" val="0"/>
               </a:ext>
             </a:extLst>
           </a:blip>
@@ -17332,7 +17329,7 @@
           <a:noFill/>
           <a:extLst>
             <a:ext uri="{909E8E84-426E-40DD-AFC4-6F175D3DCCD1}">
-              <a14:hiddenFill xmlns:a14="http://schemas.microsoft.com/office/drawing/2010/main" xmlns="">
+              <a14:hiddenFill xmlns:a14="http://schemas.microsoft.com/office/drawing/2010/main">
                 <a:solidFill>
                   <a:srgbClr val="FFFFFF"/>
                 </a:solidFill>
@@ -17861,18 +17858,18 @@
     </p:spTree>
     <p:extLst>
       <p:ext uri="{BB962C8B-B14F-4D97-AF65-F5344CB8AC3E}">
-        <p14:creationId xmlns:p14="http://schemas.microsoft.com/office/powerpoint/2010/main" xmlns="" val="1111877724"/>
+        <p14:creationId xmlns:p14="http://schemas.microsoft.com/office/powerpoint/2010/main" val="1111877724"/>
       </p:ext>
     </p:extLst>
   </p:cSld>
   <p:clrMapOvr>
     <a:masterClrMapping/>
   </p:clrMapOvr>
-  <mc:AlternateContent xmlns:mc="http://schemas.openxmlformats.org/markup-compatibility/2006">
-    <mc:Choice xmlns:p14="http://schemas.microsoft.com/office/powerpoint/2010/main" xmlns="" Requires="p14">
+  <mc:AlternateContent xmlns:mc="http://schemas.openxmlformats.org/markup-compatibility/2006" xmlns:p14="http://schemas.microsoft.com/office/powerpoint/2010/main">
+    <mc:Choice Requires="p14">
       <p:transition spd="slow" p14:dur="2000"/>
     </mc:Choice>
-    <mc:Fallback>
+    <mc:Fallback xmlns="">
       <p:transition spd="slow"/>
     </mc:Fallback>
   </mc:AlternateContent>
@@ -18248,7 +18245,7 @@
           <p:nvPr>
             <p:extLst>
               <p:ext uri="{D42A27DB-BD31-4B8C-83A1-F6EECF244321}">
-                <p14:modId xmlns:p14="http://schemas.microsoft.com/office/powerpoint/2010/main" xmlns="" val="2643884637"/>
+                <p14:modId xmlns:p14="http://schemas.microsoft.com/office/powerpoint/2010/main" val="2643884637"/>
               </p:ext>
             </p:extLst>
           </p:nvPr>
@@ -18689,14 +18686,14 @@
           <a:effectLst/>
           <a:extLst>
             <a:ext uri="{909E8E84-426E-40DD-AFC4-6F175D3DCCD1}">
-              <a14:hiddenFill xmlns:a14="http://schemas.microsoft.com/office/drawing/2010/main" xmlns="">
+              <a14:hiddenFill xmlns:a14="http://schemas.microsoft.com/office/drawing/2010/main">
                 <a:solidFill>
                   <a:schemeClr val="accent1"/>
                 </a:solidFill>
               </a14:hiddenFill>
             </a:ext>
             <a:ext uri="{91240B29-F687-4F45-9708-019B960494DF}">
-              <a14:hiddenLine xmlns:a14="http://schemas.microsoft.com/office/drawing/2010/main" xmlns="" w="9525">
+              <a14:hiddenLine xmlns:a14="http://schemas.microsoft.com/office/drawing/2010/main" w="9525">
                 <a:solidFill>
                   <a:schemeClr val="tx1"/>
                 </a:solidFill>
@@ -18706,7 +18703,7 @@
               </a14:hiddenLine>
             </a:ext>
             <a:ext uri="{AF507438-7753-43E0-B8FC-AC1667EBCBE1}">
-              <a14:hiddenEffects xmlns:a14="http://schemas.microsoft.com/office/drawing/2010/main" xmlns="">
+              <a14:hiddenEffects xmlns:a14="http://schemas.microsoft.com/office/drawing/2010/main">
                 <a:effectLst>
                   <a:outerShdw dist="35921" dir="2700000" algn="ctr" rotWithShape="0">
                     <a:schemeClr val="bg2"/>
@@ -18787,7 +18784,7 @@
     </p:spTree>
     <p:extLst>
       <p:ext uri="{BB962C8B-B14F-4D97-AF65-F5344CB8AC3E}">
-        <p14:creationId xmlns:p14="http://schemas.microsoft.com/office/powerpoint/2010/main" xmlns="" val="503117530"/>
+        <p14:creationId xmlns:p14="http://schemas.microsoft.com/office/powerpoint/2010/main" val="503117530"/>
       </p:ext>
     </p:extLst>
   </p:cSld>
@@ -18872,7 +18869,7 @@
           <p:nvPr>
             <p:extLst>
               <p:ext uri="{D42A27DB-BD31-4B8C-83A1-F6EECF244321}">
-                <p14:modId xmlns:p14="http://schemas.microsoft.com/office/powerpoint/2010/main" xmlns="" val="722892891"/>
+                <p14:modId xmlns:p14="http://schemas.microsoft.com/office/powerpoint/2010/main" val="722892891"/>
               </p:ext>
             </p:extLst>
           </p:nvPr>
@@ -19854,7 +19851,7 @@
     </p:spTree>
     <p:extLst>
       <p:ext uri="{BB962C8B-B14F-4D97-AF65-F5344CB8AC3E}">
-        <p14:creationId xmlns:p14="http://schemas.microsoft.com/office/powerpoint/2010/main" xmlns="" val="2473970557"/>
+        <p14:creationId xmlns:p14="http://schemas.microsoft.com/office/powerpoint/2010/main" val="2473970557"/>
       </p:ext>
     </p:extLst>
   </p:cSld>
@@ -19900,7 +19897,7 @@
           <a:blip r:embed="rId3">
             <a:extLst>
               <a:ext uri="{28A0092B-C50C-407E-A947-70E740481C1C}">
-                <a14:useLocalDpi xmlns:a14="http://schemas.microsoft.com/office/drawing/2010/main" xmlns="" val="0"/>
+                <a14:useLocalDpi xmlns:a14="http://schemas.microsoft.com/office/drawing/2010/main" val="0"/>
               </a:ext>
             </a:extLst>
           </a:blip>
@@ -19943,7 +19940,7 @@
           </a:sp3d>
           <a:extLst>
             <a:ext uri="{909E8E84-426E-40DD-AFC4-6F175D3DCCD1}">
-              <a14:hiddenFill xmlns:a14="http://schemas.microsoft.com/office/drawing/2010/main" xmlns="">
+              <a14:hiddenFill xmlns:a14="http://schemas.microsoft.com/office/drawing/2010/main">
                 <a:solidFill>
                   <a:srgbClr val="FFFFFF"/>
                 </a:solidFill>
@@ -20282,7 +20279,7 @@
           <a:blip r:embed="rId3">
             <a:extLst>
               <a:ext uri="{28A0092B-C50C-407E-A947-70E740481C1C}">
-                <a14:useLocalDpi xmlns:a14="http://schemas.microsoft.com/office/drawing/2010/main" xmlns="" val="0"/>
+                <a14:useLocalDpi xmlns:a14="http://schemas.microsoft.com/office/drawing/2010/main" val="0"/>
               </a:ext>
             </a:extLst>
           </a:blip>
@@ -20306,14 +20303,14 @@
           <a:effectLst/>
           <a:extLst>
             <a:ext uri="{909E8E84-426E-40DD-AFC4-6F175D3DCCD1}">
-              <a14:hiddenFill xmlns:a14="http://schemas.microsoft.com/office/drawing/2010/main" xmlns="">
+              <a14:hiddenFill xmlns:a14="http://schemas.microsoft.com/office/drawing/2010/main">
                 <a:solidFill>
                   <a:schemeClr val="accent1"/>
                 </a:solidFill>
               </a14:hiddenFill>
             </a:ext>
             <a:ext uri="{91240B29-F687-4F45-9708-019B960494DF}">
-              <a14:hiddenLine xmlns:a14="http://schemas.microsoft.com/office/drawing/2010/main" xmlns="" w="9525">
+              <a14:hiddenLine xmlns:a14="http://schemas.microsoft.com/office/drawing/2010/main" w="9525">
                 <a:solidFill>
                   <a:schemeClr val="tx1"/>
                 </a:solidFill>
@@ -20323,7 +20320,7 @@
               </a14:hiddenLine>
             </a:ext>
             <a:ext uri="{AF507438-7753-43E0-B8FC-AC1667EBCBE1}">
-              <a14:hiddenEffects xmlns:a14="http://schemas.microsoft.com/office/drawing/2010/main" xmlns="">
+              <a14:hiddenEffects xmlns:a14="http://schemas.microsoft.com/office/drawing/2010/main">
                 <a:effectLst>
                   <a:outerShdw dist="35921" dir="2700000" algn="ctr" rotWithShape="0">
                     <a:schemeClr val="bg2"/>
@@ -20424,14 +20421,14 @@
           <a:effectLst/>
           <a:extLst>
             <a:ext uri="{909E8E84-426E-40DD-AFC4-6F175D3DCCD1}">
-              <a14:hiddenFill xmlns:a14="http://schemas.microsoft.com/office/drawing/2010/main" xmlns="">
+              <a14:hiddenFill xmlns:a14="http://schemas.microsoft.com/office/drawing/2010/main">
                 <a:solidFill>
                   <a:schemeClr val="accent1"/>
                 </a:solidFill>
               </a14:hiddenFill>
             </a:ext>
             <a:ext uri="{91240B29-F687-4F45-9708-019B960494DF}">
-              <a14:hiddenLine xmlns:a14="http://schemas.microsoft.com/office/drawing/2010/main" xmlns="" w="9525">
+              <a14:hiddenLine xmlns:a14="http://schemas.microsoft.com/office/drawing/2010/main" w="9525">
                 <a:solidFill>
                   <a:schemeClr val="tx1"/>
                 </a:solidFill>
@@ -20441,7 +20438,7 @@
               </a14:hiddenLine>
             </a:ext>
             <a:ext uri="{AF507438-7753-43E0-B8FC-AC1667EBCBE1}">
-              <a14:hiddenEffects xmlns:a14="http://schemas.microsoft.com/office/drawing/2010/main" xmlns="">
+              <a14:hiddenEffects xmlns:a14="http://schemas.microsoft.com/office/drawing/2010/main">
                 <a:effectLst>
                   <a:outerShdw dist="35921" dir="2700000" algn="ctr" rotWithShape="0">
                     <a:schemeClr val="bg2"/>
@@ -20889,7 +20886,7 @@
     </p:spTree>
     <p:extLst>
       <p:ext uri="{BB962C8B-B14F-4D97-AF65-F5344CB8AC3E}">
-        <p14:creationId xmlns:p14="http://schemas.microsoft.com/office/powerpoint/2010/main" xmlns="" val="3312797979"/>
+        <p14:creationId xmlns:p14="http://schemas.microsoft.com/office/powerpoint/2010/main" val="3312797979"/>
       </p:ext>
     </p:extLst>
   </p:cSld>
@@ -21179,22 +21176,19 @@
                 <a:latin typeface="Arial" pitchFamily="34" charset="0"/>
                 <a:cs typeface="Arial" pitchFamily="34" charset="0"/>
               </a:rPr>
-              <a:t>Mancanza </a:t>
+              <a:t>Mancanza dell’incapsulamento dei contratti in metodi </a:t>
             </a:r>
             <a:r>
               <a:rPr lang="it-IT" sz="2200" dirty="0" smtClean="0">
                 <a:latin typeface="Arial" pitchFamily="34" charset="0"/>
                 <a:cs typeface="Arial" pitchFamily="34" charset="0"/>
               </a:rPr>
-              <a:t>dell’incapsulamento dei </a:t>
-            </a:r>
-            <a:r>
-              <a:rPr lang="it-IT" sz="2200" dirty="0" smtClean="0">
-                <a:latin typeface="Arial" pitchFamily="34" charset="0"/>
-                <a:cs typeface="Arial" pitchFamily="34" charset="0"/>
-              </a:rPr>
-              <a:t>contratti in metodi adatti.</a:t>
-            </a:r>
+              <a:t>adatti</a:t>
+            </a:r>
+            <a:endParaRPr lang="it-IT" sz="2200" dirty="0" smtClean="0">
+              <a:latin typeface="Arial" pitchFamily="34" charset="0"/>
+              <a:cs typeface="Arial" pitchFamily="34" charset="0"/>
+            </a:endParaRPr>
           </a:p>
           <a:p>
             <a:pPr lvl="1">
@@ -21218,8 +21212,13 @@
             <a:pPr lvl="1"/>
             <a:r>
               <a:rPr lang="it-IT" dirty="0" smtClean="0"/>
-              <a:t>Utilizzo di tool come JDeveloper per la creazione automatica del codice.</a:t>
-            </a:r>
+              <a:t>Utilizzo di tool come JDeveloper per la creazione automatica del </a:t>
+            </a:r>
+            <a:r>
+              <a:rPr lang="it-IT" dirty="0" smtClean="0"/>
+              <a:t>codice</a:t>
+            </a:r>
+            <a:endParaRPr lang="it-IT" dirty="0" smtClean="0"/>
           </a:p>
           <a:p>
             <a:pPr lvl="1"/>
@@ -21981,22 +21980,45 @@
             <a:pPr marL="0" indent="0"/>
             <a:r>
               <a:rPr lang="en-US" dirty="0" smtClean="0"/>
-              <a:t>Implementare sottosistemi con priorità alta.</a:t>
-            </a:r>
+              <a:t>Implementare sottosistemi con </a:t>
+            </a:r>
+            <a:r>
+              <a:rPr lang="en-US" dirty="0" err="1" smtClean="0"/>
+              <a:t>priorità</a:t>
+            </a:r>
+            <a:r>
+              <a:rPr lang="en-US" dirty="0" smtClean="0"/>
+              <a:t> </a:t>
+            </a:r>
+            <a:r>
+              <a:rPr lang="en-US" dirty="0" err="1" smtClean="0"/>
+              <a:t>alta</a:t>
+            </a:r>
+            <a:endParaRPr lang="en-US" dirty="0" smtClean="0"/>
           </a:p>
           <a:p>
             <a:pPr marL="0" indent="0"/>
             <a:r>
               <a:rPr lang="en-US" dirty="0" smtClean="0"/>
-              <a:t>Testing di unità.</a:t>
-            </a:r>
+              <a:t>Testing di </a:t>
+            </a:r>
+            <a:r>
+              <a:rPr lang="en-US" dirty="0" err="1" smtClean="0"/>
+              <a:t>unità</a:t>
+            </a:r>
+            <a:endParaRPr lang="en-US" dirty="0" smtClean="0"/>
           </a:p>
           <a:p>
             <a:pPr marL="0" indent="0"/>
             <a:r>
               <a:rPr lang="en-US" dirty="0" smtClean="0"/>
-              <a:t>Rispettare la data di consegna.</a:t>
-            </a:r>
+              <a:t>Rispettare la data di </a:t>
+            </a:r>
+            <a:r>
+              <a:rPr lang="en-US" dirty="0" err="1" smtClean="0"/>
+              <a:t>consegna</a:t>
+            </a:r>
+            <a:endParaRPr lang="en-US" dirty="0" smtClean="0"/>
           </a:p>
           <a:p>
             <a:pPr marL="0" indent="0"/>
@@ -22020,18 +22042,18 @@
     </p:spTree>
     <p:extLst>
       <p:ext uri="{BB962C8B-B14F-4D97-AF65-F5344CB8AC3E}">
-        <p14:creationId xmlns:p14="http://schemas.microsoft.com/office/powerpoint/2010/main" xmlns="" val="155874689"/>
+        <p14:creationId xmlns:p14="http://schemas.microsoft.com/office/powerpoint/2010/main" val="155874689"/>
       </p:ext>
     </p:extLst>
   </p:cSld>
   <p:clrMapOvr>
     <a:masterClrMapping/>
   </p:clrMapOvr>
-  <mc:AlternateContent xmlns:mc="http://schemas.openxmlformats.org/markup-compatibility/2006">
-    <mc:Choice xmlns:p14="http://schemas.microsoft.com/office/powerpoint/2010/main" xmlns="" Requires="p14">
+  <mc:AlternateContent xmlns:mc="http://schemas.openxmlformats.org/markup-compatibility/2006" xmlns:p14="http://schemas.microsoft.com/office/powerpoint/2010/main">
+    <mc:Choice Requires="p14">
       <p:transition spd="slow" p14:dur="2000"/>
     </mc:Choice>
-    <mc:Fallback>
+    <mc:Fallback xmlns="">
       <p:transition spd="slow"/>
     </mc:Fallback>
   </mc:AlternateContent>
@@ -22550,7 +22572,7 @@
           <p:nvPr>
             <p:extLst>
               <p:ext uri="{D42A27DB-BD31-4B8C-83A1-F6EECF244321}">
-                <p14:modId xmlns:p14="http://schemas.microsoft.com/office/powerpoint/2010/main" xmlns="" val="2486155450"/>
+                <p14:modId xmlns:p14="http://schemas.microsoft.com/office/powerpoint/2010/main" val="3382119601"/>
               </p:ext>
             </p:extLst>
           </p:nvPr>
@@ -22670,14 +22692,6 @@
                         </a:rPr>
                         <a:t>Giovanna: Genitore</a:t>
                       </a:r>
-                      <a:endParaRPr kumimoji="0" lang="it-IT" sz="1800" kern="1200" dirty="0" smtClean="0">
-                        <a:solidFill>
-                          <a:schemeClr val="dk1"/>
-                        </a:solidFill>
-                        <a:latin typeface="+mn-lt"/>
-                        <a:ea typeface="+mn-ea"/>
-                        <a:cs typeface="+mn-cs"/>
-                      </a:endParaRPr>
                     </a:p>
                   </a:txBody>
                   <a:tcPr/>
@@ -22791,7 +22805,23 @@
                       </a:pPr>
                       <a:r>
                         <a:rPr lang="it-IT" dirty="0" smtClean="0"/>
-                        <a:t>Il sistema mostra a linda il questionario da compilare.</a:t>
+                        <a:t>Il sistema mostra </a:t>
+                      </a:r>
+                      <a:r>
+                        <a:rPr lang="it-IT" dirty="0" smtClean="0"/>
+                        <a:t>a</a:t>
+                      </a:r>
+                      <a:r>
+                        <a:rPr lang="it-IT" baseline="0" dirty="0" smtClean="0"/>
+                        <a:t> Giovanna </a:t>
+                      </a:r>
+                      <a:r>
+                        <a:rPr lang="it-IT" dirty="0" smtClean="0"/>
+                        <a:t>il </a:t>
+                      </a:r>
+                      <a:r>
+                        <a:rPr lang="it-IT" dirty="0" smtClean="0"/>
+                        <a:t>questionario da compilare.</a:t>
                       </a:r>
                     </a:p>
                     <a:p>
@@ -22814,8 +22844,13 @@
                       </a:pPr>
                       <a:r>
                         <a:rPr lang="it-IT" dirty="0" smtClean="0"/>
-                        <a:t>Giovanna salta le domande relative ai propri dati personali perché già compilate e risponde alle altre domande.</a:t>
+                        <a:t>Giovanna salta le domande relative ai propri dati personali perché già compilate e risponde alle altre </a:t>
                       </a:r>
+                      <a:r>
+                        <a:rPr lang="it-IT" dirty="0" smtClean="0"/>
+                        <a:t>domande</a:t>
+                      </a:r>
+                      <a:endParaRPr lang="it-IT" dirty="0" smtClean="0"/>
                     </a:p>
                     <a:p>
                       <a:pPr marL="342900" marR="0" lvl="0" indent="-342900" algn="l" defTabSz="914400" rtl="0" eaLnBrk="1" fontAlgn="auto" latinLnBrk="0" hangingPunct="1">
@@ -23080,7 +23115,19 @@
               <a:rPr lang="it-IT" sz="4800" b="1" dirty="0" smtClean="0">
                 <a:latin typeface="+mj-lt"/>
               </a:rPr>
-              <a:t>Pro\Contro implementazione</a:t>
+              <a:t>Difetti </a:t>
+            </a:r>
+            <a:r>
+              <a:rPr lang="it-IT" sz="4800" b="1" dirty="0">
+                <a:latin typeface="+mj-lt"/>
+              </a:rPr>
+              <a:t>I</a:t>
+            </a:r>
+            <a:r>
+              <a:rPr lang="it-IT" sz="4800" b="1" dirty="0" smtClean="0">
+                <a:latin typeface="+mj-lt"/>
+              </a:rPr>
+              <a:t>mplementazione</a:t>
             </a:r>
             <a:endParaRPr lang="it-IT" sz="2800" b="1" dirty="0" smtClean="0">
               <a:latin typeface="+mj-lt"/>
@@ -23290,11 +23337,7 @@
             </a:pPr>
             <a:r>
               <a:rPr lang="en-US" sz="2600" dirty="0" smtClean="0"/>
-              <a:t>Elevata </a:t>
-            </a:r>
-            <a:r>
-              <a:rPr lang="en-US" sz="2600" dirty="0" smtClean="0"/>
-              <a:t>complessità</a:t>
+              <a:t>Elevata complessità</a:t>
             </a:r>
           </a:p>
           <a:p>
@@ -23515,7 +23558,11 @@
             </a:pPr>
             <a:r>
               <a:rPr lang="en-US" sz="3000" dirty="0" smtClean="0"/>
-              <a:t>E’ possibile migliorare il sistema con ulteriori operazioni di refactoring, per migliorarne la leggibilità e la complessità. </a:t>
+              <a:t>E’ possibile migliorare il sistema con ulteriori operazioni di refactoring, per migliorarne la leggibilità e la </a:t>
+            </a:r>
+            <a:r>
+              <a:rPr lang="en-US" sz="3000" dirty="0" err="1" smtClean="0"/>
+              <a:t>complessità</a:t>
             </a:r>
             <a:endParaRPr lang="en-US" dirty="0" smtClean="0"/>
           </a:p>
@@ -24085,7 +24132,19 @@
               <a:rPr lang="it-IT" sz="4800" b="1" dirty="0" smtClean="0">
                 <a:latin typeface="+mj-lt"/>
               </a:rPr>
-              <a:t>Pro\Contro implementazione</a:t>
+              <a:t>Pregi </a:t>
+            </a:r>
+            <a:r>
+              <a:rPr lang="it-IT" sz="4800" b="1" dirty="0">
+                <a:latin typeface="+mj-lt"/>
+              </a:rPr>
+              <a:t>I</a:t>
+            </a:r>
+            <a:r>
+              <a:rPr lang="it-IT" sz="4800" b="1" dirty="0" smtClean="0">
+                <a:latin typeface="+mj-lt"/>
+              </a:rPr>
+              <a:t>mplementazione</a:t>
             </a:r>
             <a:endParaRPr lang="it-IT" sz="2800" b="1" dirty="0" smtClean="0">
               <a:latin typeface="+mj-lt"/>
@@ -24302,8 +24361,13 @@
             </a:pPr>
             <a:r>
               <a:rPr lang="en-US" sz="3000" dirty="0" smtClean="0"/>
-              <a:t>Sistema completamente aderente ai requisiti e alle   aspettative del cliente.</a:t>
-            </a:r>
+              <a:t>Sistema completamente aderente ai requisiti e alle   aspettative del </a:t>
+            </a:r>
+            <a:r>
+              <a:rPr lang="en-US" sz="3000" dirty="0" err="1" smtClean="0"/>
+              <a:t>cliente</a:t>
+            </a:r>
+            <a:endParaRPr lang="en-US" sz="3000" dirty="0" smtClean="0"/>
           </a:p>
           <a:p>
             <a:pPr marL="640080" lvl="2" indent="0">
@@ -24327,13 +24391,8 @@
             </a:pPr>
             <a:r>
               <a:rPr lang="en-US" sz="3000" dirty="0" smtClean="0"/>
-              <a:t> </a:t>
-            </a:r>
-            <a:r>
-              <a:rPr lang="en-US" sz="3000" dirty="0" smtClean="0"/>
-              <a:t> (priorità media)</a:t>
-            </a:r>
-            <a:endParaRPr lang="en-US" sz="3000" dirty="0" smtClean="0"/>
+              <a:t>  (priorità media)</a:t>
+            </a:r>
           </a:p>
           <a:p>
             <a:pPr marL="365760" lvl="1" indent="0">
@@ -26878,7 +26937,7 @@
           <a:blip r:embed="rId3">
             <a:extLst>
               <a:ext uri="{28A0092B-C50C-407E-A947-70E740481C1C}">
-                <a14:useLocalDpi xmlns:a14="http://schemas.microsoft.com/office/drawing/2010/main" xmlns="" val="0"/>
+                <a14:useLocalDpi xmlns:a14="http://schemas.microsoft.com/office/drawing/2010/main" val="0"/>
               </a:ext>
             </a:extLst>
           </a:blip>
@@ -26898,7 +26957,7 @@
           <a:noFill/>
           <a:extLst>
             <a:ext uri="{909E8E84-426E-40DD-AFC4-6F175D3DCCD1}">
-              <a14:hiddenFill xmlns:a14="http://schemas.microsoft.com/office/drawing/2010/main" xmlns="">
+              <a14:hiddenFill xmlns:a14="http://schemas.microsoft.com/office/drawing/2010/main">
                 <a:solidFill>
                   <a:srgbClr val="FFFFFF"/>
                 </a:solidFill>
@@ -27048,7 +27107,7 @@
     </p:spTree>
     <p:extLst>
       <p:ext uri="{BB962C8B-B14F-4D97-AF65-F5344CB8AC3E}">
-        <p14:creationId xmlns:p14="http://schemas.microsoft.com/office/powerpoint/2010/main" xmlns="" val="1739081068"/>
+        <p14:creationId xmlns:p14="http://schemas.microsoft.com/office/powerpoint/2010/main" val="1739081068"/>
       </p:ext>
     </p:extLst>
   </p:cSld>
@@ -27306,18 +27365,18 @@
     </p:spTree>
     <p:extLst>
       <p:ext uri="{BB962C8B-B14F-4D97-AF65-F5344CB8AC3E}">
-        <p14:creationId xmlns:p14="http://schemas.microsoft.com/office/powerpoint/2010/main" xmlns="" val="2532338835"/>
+        <p14:creationId xmlns:p14="http://schemas.microsoft.com/office/powerpoint/2010/main" val="2532338835"/>
       </p:ext>
     </p:extLst>
   </p:cSld>
   <p:clrMapOvr>
     <a:masterClrMapping/>
   </p:clrMapOvr>
-  <mc:AlternateContent xmlns:mc="http://schemas.openxmlformats.org/markup-compatibility/2006">
-    <mc:Choice xmlns:p14="http://schemas.microsoft.com/office/powerpoint/2010/main" xmlns="" Requires="p14">
+  <mc:AlternateContent xmlns:mc="http://schemas.openxmlformats.org/markup-compatibility/2006" xmlns:p14="http://schemas.microsoft.com/office/powerpoint/2010/main">
+    <mc:Choice Requires="p14">
       <p:transition spd="slow" p14:dur="2000"/>
     </mc:Choice>
-    <mc:Fallback>
+    <mc:Fallback xmlns="">
       <p:transition spd="slow"/>
     </mc:Fallback>
   </mc:AlternateContent>
@@ -27404,7 +27463,7 @@
           <p:nvPr>
             <p:extLst>
               <p:ext uri="{D42A27DB-BD31-4B8C-83A1-F6EECF244321}">
-                <p14:modId xmlns:p14="http://schemas.microsoft.com/office/powerpoint/2010/main" xmlns="" val="4285816619"/>
+                <p14:modId xmlns:p14="http://schemas.microsoft.com/office/powerpoint/2010/main" val="4285816619"/>
               </p:ext>
             </p:extLst>
           </p:nvPr>
@@ -27584,14 +27643,6 @@
                         </a:rPr>
                         <a:t>L'utente accede al sistema e viene riconosciuto come Genitore</a:t>
                       </a:r>
-                      <a:endParaRPr kumimoji="0" lang="it-IT" sz="1600" kern="1200" dirty="0" smtClean="0">
-                        <a:solidFill>
-                          <a:schemeClr val="dk1"/>
-                        </a:solidFill>
-                        <a:latin typeface="+mn-lt"/>
-                        <a:ea typeface="+mn-ea"/>
-                        <a:cs typeface="+mn-cs"/>
-                      </a:endParaRPr>
                     </a:p>
                   </a:txBody>
                   <a:tcPr/>
@@ -27825,14 +27876,6 @@
                         </a:rPr>
                         <a:t>7.    Il sistema memorizza il questionario compilato</a:t>
                       </a:r>
-                      <a:endParaRPr kumimoji="0" lang="it-IT" sz="1600" kern="1200" dirty="0" smtClean="0">
-                        <a:solidFill>
-                          <a:schemeClr val="dk1"/>
-                        </a:solidFill>
-                        <a:latin typeface="+mn-lt"/>
-                        <a:ea typeface="+mn-ea"/>
-                        <a:cs typeface="+mn-cs"/>
-                      </a:endParaRPr>
                     </a:p>
                   </a:txBody>
                   <a:tcPr/>
@@ -27886,14 +27929,6 @@
                         </a:rPr>
                         <a:t>Il sistema mostra un messaggio di successo dell'operazione</a:t>
                       </a:r>
-                      <a:endParaRPr kumimoji="0" lang="it-IT" sz="1600" kern="1200" dirty="0" smtClean="0">
-                        <a:solidFill>
-                          <a:schemeClr val="dk1"/>
-                        </a:solidFill>
-                        <a:latin typeface="+mn-lt"/>
-                        <a:ea typeface="+mn-ea"/>
-                        <a:cs typeface="+mn-cs"/>
-                      </a:endParaRPr>
                     </a:p>
                   </a:txBody>
                   <a:tcPr/>
@@ -27977,14 +28012,6 @@
                         </a:rPr>
                         <a:t>messaggio di errore che ne indica la causa.</a:t>
                       </a:r>
-                      <a:endParaRPr kumimoji="0" lang="it-IT" sz="1600" kern="1200" dirty="0" smtClean="0">
-                        <a:solidFill>
-                          <a:schemeClr val="dk1"/>
-                        </a:solidFill>
-                        <a:latin typeface="+mn-lt"/>
-                        <a:ea typeface="+mn-ea"/>
-                        <a:cs typeface="+mn-cs"/>
-                      </a:endParaRPr>
                     </a:p>
                   </a:txBody>
                   <a:tcPr/>
@@ -28156,7 +28183,7 @@
           <p:nvPr>
             <p:extLst>
               <p:ext uri="{D42A27DB-BD31-4B8C-83A1-F6EECF244321}">
-                <p14:modId xmlns:p14="http://schemas.microsoft.com/office/powerpoint/2010/main" xmlns="" val="3225553551"/>
+                <p14:modId xmlns:p14="http://schemas.microsoft.com/office/powerpoint/2010/main" val="3225553551"/>
               </p:ext>
             </p:extLst>
           </p:nvPr>
@@ -28377,14 +28404,6 @@
                         </a:rPr>
                         <a:t>Visualizza Questionari</a:t>
                       </a:r>
-                      <a:endParaRPr kumimoji="0" lang="it-IT" sz="1600" b="1" kern="1200" dirty="0" smtClean="0">
-                        <a:solidFill>
-                          <a:schemeClr val="dk1"/>
-                        </a:solidFill>
-                        <a:latin typeface="+mn-lt"/>
-                        <a:ea typeface="+mn-ea"/>
-                        <a:cs typeface="+mn-cs"/>
-                      </a:endParaRPr>
                     </a:p>
                   </a:txBody>
                   <a:tcPr/>
@@ -28580,14 +28599,6 @@
                         </a:rPr>
                         <a:t>5.     Il sistema memorizza il questionario compilato</a:t>
                       </a:r>
-                      <a:endParaRPr kumimoji="0" lang="it-IT" sz="1600" kern="1200" dirty="0" smtClean="0">
-                        <a:solidFill>
-                          <a:schemeClr val="dk1"/>
-                        </a:solidFill>
-                        <a:latin typeface="+mn-lt"/>
-                        <a:ea typeface="+mn-ea"/>
-                        <a:cs typeface="+mn-cs"/>
-                      </a:endParaRPr>
                     </a:p>
                   </a:txBody>
                   <a:tcPr/>
@@ -28731,14 +28742,6 @@
                         </a:rPr>
                         <a:t>questionario</a:t>
                       </a:r>
-                      <a:endParaRPr kumimoji="0" lang="it-IT" sz="1600" kern="1200" dirty="0" smtClean="0">
-                        <a:solidFill>
-                          <a:schemeClr val="dk1"/>
-                        </a:solidFill>
-                        <a:latin typeface="+mn-lt"/>
-                        <a:ea typeface="+mn-ea"/>
-                        <a:cs typeface="+mn-cs"/>
-                      </a:endParaRPr>
                     </a:p>
                   </a:txBody>
                   <a:tcPr/>
@@ -28822,14 +28825,6 @@
                         </a:rPr>
                         <a:t>messaggio di errore che ne indica la causa.</a:t>
                       </a:r>
-                      <a:endParaRPr kumimoji="0" lang="it-IT" sz="1600" kern="1200" dirty="0" smtClean="0">
-                        <a:solidFill>
-                          <a:schemeClr val="dk1"/>
-                        </a:solidFill>
-                        <a:latin typeface="+mn-lt"/>
-                        <a:ea typeface="+mn-ea"/>
-                        <a:cs typeface="+mn-cs"/>
-                      </a:endParaRPr>
                     </a:p>
                   </a:txBody>
                   <a:tcPr/>
@@ -28883,14 +28878,6 @@
                         </a:rPr>
                         <a:t>La memorizzazione del questionario compilato deve richiedere meno di 5”</a:t>
                       </a:r>
-                      <a:endParaRPr kumimoji="0" lang="it-IT" sz="1600" kern="1200" dirty="0" smtClean="0">
-                        <a:solidFill>
-                          <a:schemeClr val="dk1"/>
-                        </a:solidFill>
-                        <a:latin typeface="+mn-lt"/>
-                        <a:ea typeface="+mn-ea"/>
-                        <a:cs typeface="+mn-cs"/>
-                      </a:endParaRPr>
                     </a:p>
                   </a:txBody>
                   <a:tcPr/>
@@ -28933,7 +28920,7 @@
     </p:spTree>
     <p:extLst>
       <p:ext uri="{BB962C8B-B14F-4D97-AF65-F5344CB8AC3E}">
-        <p14:creationId xmlns:p14="http://schemas.microsoft.com/office/powerpoint/2010/main" xmlns="" val="1173458281"/>
+        <p14:creationId xmlns:p14="http://schemas.microsoft.com/office/powerpoint/2010/main" val="1173458281"/>
       </p:ext>
     </p:extLst>
   </p:cSld>
@@ -29236,13 +29223,8 @@
             </a:pPr>
             <a:r>
               <a:rPr lang="it-IT" dirty="0" smtClean="0"/>
-              <a:t> </a:t>
-            </a:r>
-            <a:r>
-              <a:rPr lang="it-IT" dirty="0" smtClean="0"/>
-              <a:t>   (Questionario, Registro...)</a:t>
-            </a:r>
-            <a:endParaRPr lang="it-IT" dirty="0" smtClean="0"/>
+              <a:t>    (Questionario, Registro...)</a:t>
+            </a:r>
           </a:p>
           <a:p>
             <a:pPr lvl="1">
@@ -29262,7 +29244,6 @@
               <a:rPr lang="it-IT" dirty="0" smtClean="0"/>
               <a:t>Revisione dei requisiti e delle funzionalità a seguito di colloqui e realizzazione di un prototipo.</a:t>
             </a:r>
-            <a:endParaRPr lang="it-IT" dirty="0" smtClean="0"/>
           </a:p>
         </p:txBody>
       </p:sp>
@@ -30159,7 +30140,7 @@
     </p:spTree>
     <p:extLst>
       <p:ext uri="{BB962C8B-B14F-4D97-AF65-F5344CB8AC3E}">
-        <p14:creationId xmlns:p14="http://schemas.microsoft.com/office/powerpoint/2010/main" xmlns="" val="2769124218"/>
+        <p14:creationId xmlns:p14="http://schemas.microsoft.com/office/powerpoint/2010/main" val="2769124218"/>
       </p:ext>
     </p:extLst>
   </p:cSld>

--- a/trunk/Presentazione/Atsilo3/Atsilo_H_PresentazioneFinale.pptx
+++ b/trunk/Presentazione/Atsilo3/Atsilo_H_PresentazioneFinale.pptx
@@ -5,7 +5,7 @@
     <p:sldMasterId id="2147483684" r:id="rId1"/>
   </p:sldMasterIdLst>
   <p:notesMasterIdLst>
-    <p:notesMasterId r:id="rId38"/>
+    <p:notesMasterId r:id="rId40"/>
   </p:notesMasterIdLst>
   <p:sldIdLst>
     <p:sldId id="256" r:id="rId2"/>
@@ -40,10 +40,12 @@
     <p:sldId id="268" r:id="rId31"/>
     <p:sldId id="267" r:id="rId32"/>
     <p:sldId id="320" r:id="rId33"/>
-    <p:sldId id="292" r:id="rId34"/>
-    <p:sldId id="293" r:id="rId35"/>
-    <p:sldId id="294" r:id="rId36"/>
-    <p:sldId id="295" r:id="rId37"/>
+    <p:sldId id="321" r:id="rId34"/>
+    <p:sldId id="322" r:id="rId35"/>
+    <p:sldId id="292" r:id="rId36"/>
+    <p:sldId id="293" r:id="rId37"/>
+    <p:sldId id="294" r:id="rId38"/>
+    <p:sldId id="295" r:id="rId39"/>
   </p:sldIdLst>
   <p:sldSz cx="9144000" cy="6858000" type="screen4x3"/>
   <p:notesSz cx="6858000" cy="9144000"/>
@@ -1780,7 +1782,17 @@
             </a:r>
             <a:r>
               <a:rPr lang="it-IT" baseline="0" dirty="0" smtClean="0"/>
-              <a:t> al nome del file e di perché si chiama cosi</a:t>
+              <a:t> al nome del file e di perché si chiama </a:t>
+            </a:r>
+            <a:r>
+              <a:rPr lang="it-IT" baseline="0" dirty="0" smtClean="0"/>
+              <a:t>cosi.</a:t>
+            </a:r>
+          </a:p>
+          <a:p>
+            <a:r>
+              <a:rPr lang="it-IT" baseline="0" dirty="0" smtClean="0"/>
+              <a:t>----Modifica scenario :inserire le domande che salta e quelle che inserisce e l’username e la pass----</a:t>
             </a:r>
             <a:endParaRPr lang="it-IT" dirty="0"/>
           </a:p>
@@ -3154,6 +3166,95 @@
     <p:extLst>
       <p:ext uri="{BB962C8B-B14F-4D97-AF65-F5344CB8AC3E}">
         <p14:creationId xmlns:p14="http://schemas.microsoft.com/office/powerpoint/2010/main" val="1047033234"/>
+      </p:ext>
+    </p:extLst>
+  </p:cSld>
+  <p:clrMapOvr>
+    <a:masterClrMapping/>
+  </p:clrMapOvr>
+</p:notes>
+</file>
+
+<file path=ppt/notesSlides/notesSlide32.xml><?xml version="1.0" encoding="utf-8"?>
+<p:notes xmlns:a="http://schemas.openxmlformats.org/drawingml/2006/main" xmlns:r="http://schemas.openxmlformats.org/officeDocument/2006/relationships" xmlns:p="http://schemas.openxmlformats.org/presentationml/2006/main">
+  <p:cSld>
+    <p:spTree>
+      <p:nvGrpSpPr>
+        <p:cNvPr id="1" name=""/>
+        <p:cNvGrpSpPr/>
+        <p:nvPr/>
+      </p:nvGrpSpPr>
+      <p:grpSpPr>
+        <a:xfrm>
+          <a:off x="0" y="0"/>
+          <a:ext cx="0" cy="0"/>
+          <a:chOff x="0" y="0"/>
+          <a:chExt cx="0" cy="0"/>
+        </a:xfrm>
+      </p:grpSpPr>
+      <p:sp>
+        <p:nvSpPr>
+          <p:cNvPr id="2" name="Segnaposto immagine diapositiva 1"/>
+          <p:cNvSpPr>
+            <a:spLocks noGrp="1" noRot="1" noChangeAspect="1"/>
+          </p:cNvSpPr>
+          <p:nvPr>
+            <p:ph type="sldImg"/>
+          </p:nvPr>
+        </p:nvSpPr>
+        <p:spPr/>
+      </p:sp>
+      <p:sp>
+        <p:nvSpPr>
+          <p:cNvPr id="3" name="Segnaposto note 2"/>
+          <p:cNvSpPr>
+            <a:spLocks noGrp="1"/>
+          </p:cNvSpPr>
+          <p:nvPr>
+            <p:ph type="body" idx="1"/>
+          </p:nvPr>
+        </p:nvSpPr>
+        <p:spPr/>
+        <p:txBody>
+          <a:bodyPr/>
+          <a:lstStyle/>
+          <a:p>
+            <a:r>
+              <a:rPr lang="it-IT" dirty="0" smtClean="0"/>
+              <a:t>Non obbligatoria</a:t>
+            </a:r>
+            <a:endParaRPr lang="it-IT" dirty="0"/>
+          </a:p>
+        </p:txBody>
+      </p:sp>
+      <p:sp>
+        <p:nvSpPr>
+          <p:cNvPr id="4" name="Segnaposto numero diapositiva 3"/>
+          <p:cNvSpPr>
+            <a:spLocks noGrp="1"/>
+          </p:cNvSpPr>
+          <p:nvPr>
+            <p:ph type="sldNum" sz="quarter" idx="10"/>
+          </p:nvPr>
+        </p:nvSpPr>
+        <p:spPr/>
+        <p:txBody>
+          <a:bodyPr/>
+          <a:lstStyle/>
+          <a:p>
+            <a:fld id="{D70604CA-7593-4640-8FA1-5523937B8510}" type="slidenum">
+              <a:rPr lang="it-IT" smtClean="0"/>
+              <a:pPr/>
+              <a:t>34</a:t>
+            </a:fld>
+            <a:endParaRPr lang="it-IT"/>
+          </a:p>
+        </p:txBody>
+      </p:sp>
+    </p:spTree>
+    <p:extLst>
+      <p:ext uri="{BB962C8B-B14F-4D97-AF65-F5344CB8AC3E}">
+        <p14:creationId xmlns:p14="http://schemas.microsoft.com/office/powerpoint/2010/main" val="1425725903"/>
       </p:ext>
     </p:extLst>
   </p:cSld>
@@ -10240,13 +10341,8 @@
             <a:pPr lvl="1"/>
             <a:r>
               <a:rPr lang="it-IT" dirty="0" smtClean="0"/>
-              <a:t>Divisione sottosistemi </a:t>
-            </a:r>
-            <a:r>
-              <a:rPr lang="it-IT" dirty="0" smtClean="0"/>
-              <a:t>complessa</a:t>
-            </a:r>
-            <a:endParaRPr lang="it-IT" dirty="0" smtClean="0"/>
+              <a:t>Divisione sottosistemi complessa</a:t>
+            </a:r>
           </a:p>
           <a:p>
             <a:pPr lvl="1"/>
@@ -11272,10 +11368,7 @@
               <a:rPr lang="it-IT" sz="2200" b="1" dirty="0" smtClean="0"/>
               <a:t>servizio</a:t>
             </a:r>
-            <a:r>
-              <a:rPr lang="it-IT" sz="2200" dirty="0" smtClean="0"/>
-              <a:t>.</a:t>
-            </a:r>
+            <a:endParaRPr lang="it-IT" sz="2200" dirty="0" smtClean="0"/>
           </a:p>
           <a:p>
             <a:pPr marL="742950" lvl="1" indent="-285750">
@@ -11284,7 +11377,11 @@
             </a:pPr>
             <a:r>
               <a:rPr lang="it-IT" sz="2200" dirty="0" smtClean="0"/>
-              <a:t>Permettendo un’analisi oggettiva sulla qualità dei servizi offerti.</a:t>
+              <a:t>Permettendo un’analisi oggettiva sulla qualità dei servizi </a:t>
+            </a:r>
+            <a:r>
+              <a:rPr lang="it-IT" sz="2200" dirty="0" smtClean="0"/>
+              <a:t>offerti</a:t>
             </a:r>
             <a:endParaRPr lang="it-IT" sz="2200" dirty="0"/>
           </a:p>
@@ -21176,19 +21273,8 @@
                 <a:latin typeface="Arial" pitchFamily="34" charset="0"/>
                 <a:cs typeface="Arial" pitchFamily="34" charset="0"/>
               </a:rPr>
-              <a:t>Mancanza dell’incapsulamento dei contratti in metodi </a:t>
-            </a:r>
-            <a:r>
-              <a:rPr lang="it-IT" sz="2200" dirty="0" smtClean="0">
-                <a:latin typeface="Arial" pitchFamily="34" charset="0"/>
-                <a:cs typeface="Arial" pitchFamily="34" charset="0"/>
-              </a:rPr>
-              <a:t>adatti</a:t>
-            </a:r>
-            <a:endParaRPr lang="it-IT" sz="2200" dirty="0" smtClean="0">
-              <a:latin typeface="Arial" pitchFamily="34" charset="0"/>
-              <a:cs typeface="Arial" pitchFamily="34" charset="0"/>
-            </a:endParaRPr>
+              <a:t>Mancanza dell’incapsulamento dei contratti in metodi adatti</a:t>
+            </a:r>
           </a:p>
           <a:p>
             <a:pPr lvl="1">
@@ -21212,13 +21298,8 @@
             <a:pPr lvl="1"/>
             <a:r>
               <a:rPr lang="it-IT" dirty="0" smtClean="0"/>
-              <a:t>Utilizzo di tool come JDeveloper per la creazione automatica del </a:t>
-            </a:r>
-            <a:r>
-              <a:rPr lang="it-IT" dirty="0" smtClean="0"/>
-              <a:t>codice</a:t>
-            </a:r>
-            <a:endParaRPr lang="it-IT" dirty="0" smtClean="0"/>
+              <a:t>Utilizzo di tool come JDeveloper per la creazione automatica del codice</a:t>
+            </a:r>
           </a:p>
           <a:p>
             <a:pPr lvl="1"/>
@@ -22805,11 +22886,7 @@
                       </a:pPr>
                       <a:r>
                         <a:rPr lang="it-IT" dirty="0" smtClean="0"/>
-                        <a:t>Il sistema mostra </a:t>
-                      </a:r>
-                      <a:r>
-                        <a:rPr lang="it-IT" dirty="0" smtClean="0"/>
-                        <a:t>a</a:t>
+                        <a:t>Il sistema mostra a</a:t>
                       </a:r>
                       <a:r>
                         <a:rPr lang="it-IT" baseline="0" dirty="0" smtClean="0"/>
@@ -22817,11 +22894,7 @@
                       </a:r>
                       <a:r>
                         <a:rPr lang="it-IT" dirty="0" smtClean="0"/>
-                        <a:t>il </a:t>
-                      </a:r>
-                      <a:r>
-                        <a:rPr lang="it-IT" dirty="0" smtClean="0"/>
-                        <a:t>questionario da compilare.</a:t>
+                        <a:t>il questionario da compilare.</a:t>
                       </a:r>
                     </a:p>
                     <a:p>
@@ -22844,13 +22917,8 @@
                       </a:pPr>
                       <a:r>
                         <a:rPr lang="it-IT" dirty="0" smtClean="0"/>
-                        <a:t>Giovanna salta le domande relative ai propri dati personali perché già compilate e risponde alle altre </a:t>
+                        <a:t>Giovanna salta le domande relative ai propri dati personali perché già compilate e risponde alle altre domande</a:t>
                       </a:r>
-                      <a:r>
-                        <a:rPr lang="it-IT" dirty="0" smtClean="0"/>
-                        <a:t>domande</a:t>
-                      </a:r>
-                      <a:endParaRPr lang="it-IT" dirty="0" smtClean="0"/>
                     </a:p>
                     <a:p>
                       <a:pPr marL="342900" marR="0" lvl="0" indent="-342900" algn="l" defTabSz="914400" rtl="0" eaLnBrk="1" fontAlgn="auto" latinLnBrk="0" hangingPunct="1">
@@ -22962,7 +23030,7 @@
         <p:spPr>
           <a:xfrm>
             <a:off x="1428728" y="6488668"/>
-            <a:ext cx="5828455" cy="369332"/>
+            <a:ext cx="6176884" cy="400110"/>
           </a:xfrm>
           <a:prstGeom prst="rect">
             <a:avLst/>
@@ -22976,10 +23044,28 @@
           <a:lstStyle/>
           <a:p>
             <a:r>
-              <a:rPr lang="it-IT" dirty="0" smtClean="0"/>
-              <a:t>Tracciabilità Nome file: SC_H_58_Compilazione questionario</a:t>
-            </a:r>
-            <a:endParaRPr lang="it-IT" dirty="0"/>
+              <a:rPr lang="it-IT" sz="2000" b="1" dirty="0" smtClean="0">
+                <a:solidFill>
+                  <a:schemeClr val="accent5">
+                    <a:lumMod val="50000"/>
+                  </a:schemeClr>
+                </a:solidFill>
+              </a:rPr>
+              <a:t>Tracciabilità Nome file</a:t>
+            </a:r>
+            <a:r>
+              <a:rPr lang="it-IT" b="1" dirty="0" smtClean="0"/>
+              <a:t>: </a:t>
+            </a:r>
+            <a:r>
+              <a:rPr lang="it-IT" b="1" dirty="0" smtClean="0"/>
+              <a:t>SC_H_49_Compilazione </a:t>
+            </a:r>
+            <a:r>
+              <a:rPr lang="it-IT" b="1" dirty="0" smtClean="0"/>
+              <a:t>questionario</a:t>
+            </a:r>
+            <a:endParaRPr lang="it-IT" b="1" dirty="0"/>
           </a:p>
         </p:txBody>
       </p:sp>
@@ -25005,6 +25091,195 @@
         </p:nvSpPr>
         <p:spPr>
           <a:xfrm>
+            <a:off x="611560" y="0"/>
+            <a:ext cx="7715304" cy="1723549"/>
+          </a:xfrm>
+          <a:prstGeom prst="rect">
+            <a:avLst/>
+          </a:prstGeom>
+          <a:noFill/>
+        </p:spPr>
+        <p:txBody>
+          <a:bodyPr wrap="square" rtlCol="0">
+            <a:spAutoFit/>
+          </a:bodyPr>
+          <a:lstStyle/>
+          <a:p>
+            <a:pPr algn="ctr"/>
+            <a:r>
+              <a:rPr lang="it-IT" sz="4800" b="1" dirty="0" smtClean="0">
+                <a:latin typeface="+mj-lt"/>
+              </a:rPr>
+              <a:t>Testing di unità</a:t>
+            </a:r>
+          </a:p>
+          <a:p>
+            <a:pPr algn="ctr"/>
+            <a:r>
+              <a:rPr lang="it-IT" sz="3600" b="1" dirty="0" smtClean="0">
+                <a:latin typeface="+mj-lt"/>
+              </a:rPr>
+              <a:t>Tramite </a:t>
+            </a:r>
+            <a:r>
+              <a:rPr lang="it-IT" sz="3600" b="1" dirty="0" err="1" smtClean="0">
+                <a:latin typeface="+mj-lt"/>
+              </a:rPr>
+              <a:t>Junit</a:t>
+            </a:r>
+            <a:endParaRPr lang="it-IT" b="1" dirty="0" smtClean="0">
+              <a:latin typeface="+mj-lt"/>
+            </a:endParaRPr>
+          </a:p>
+          <a:p>
+            <a:pPr algn="ctr"/>
+            <a:endParaRPr lang="it-IT" dirty="0">
+              <a:latin typeface="+mj-lt"/>
+            </a:endParaRPr>
+          </a:p>
+        </p:txBody>
+      </p:sp>
+      <p:sp>
+        <p:nvSpPr>
+          <p:cNvPr id="3" name="CasellaDiTesto 2"/>
+          <p:cNvSpPr txBox="1"/>
+          <p:nvPr/>
+        </p:nvSpPr>
+        <p:spPr>
+          <a:xfrm>
+            <a:off x="251520" y="2924944"/>
+            <a:ext cx="184731" cy="369332"/>
+          </a:xfrm>
+          <a:prstGeom prst="rect">
+            <a:avLst/>
+          </a:prstGeom>
+          <a:noFill/>
+        </p:spPr>
+        <p:txBody>
+          <a:bodyPr wrap="none" rtlCol="0">
+            <a:spAutoFit/>
+          </a:bodyPr>
+          <a:lstStyle/>
+          <a:p>
+            <a:endParaRPr lang="it-IT" dirty="0"/>
+          </a:p>
+        </p:txBody>
+      </p:sp>
+    </p:spTree>
+    <p:extLst>
+      <p:ext uri="{BB962C8B-B14F-4D97-AF65-F5344CB8AC3E}">
+        <p14:creationId xmlns:p14="http://schemas.microsoft.com/office/powerpoint/2010/main" val="134615909"/>
+      </p:ext>
+    </p:extLst>
+  </p:cSld>
+  <p:clrMapOvr>
+    <a:masterClrMapping/>
+  </p:clrMapOvr>
+</p:sld>
+</file>
+
+<file path=ppt/slides/slide34.xml><?xml version="1.0" encoding="utf-8"?>
+<p:sld xmlns:a="http://schemas.openxmlformats.org/drawingml/2006/main" xmlns:r="http://schemas.openxmlformats.org/officeDocument/2006/relationships" xmlns:p="http://schemas.openxmlformats.org/presentationml/2006/main">
+  <p:cSld>
+    <p:spTree>
+      <p:nvGrpSpPr>
+        <p:cNvPr id="1" name=""/>
+        <p:cNvGrpSpPr/>
+        <p:nvPr/>
+      </p:nvGrpSpPr>
+      <p:grpSpPr>
+        <a:xfrm>
+          <a:off x="0" y="0"/>
+          <a:ext cx="0" cy="0"/>
+          <a:chOff x="0" y="0"/>
+          <a:chExt cx="0" cy="0"/>
+        </a:xfrm>
+      </p:grpSpPr>
+      <p:sp>
+        <p:nvSpPr>
+          <p:cNvPr id="2" name="CasellaDiTesto 1"/>
+          <p:cNvSpPr txBox="1"/>
+          <p:nvPr/>
+        </p:nvSpPr>
+        <p:spPr>
+          <a:xfrm>
+            <a:off x="0" y="428604"/>
+            <a:ext cx="9144000" cy="1107996"/>
+          </a:xfrm>
+          <a:prstGeom prst="rect">
+            <a:avLst/>
+          </a:prstGeom>
+          <a:noFill/>
+        </p:spPr>
+        <p:txBody>
+          <a:bodyPr wrap="square" rtlCol="0">
+            <a:spAutoFit/>
+          </a:bodyPr>
+          <a:lstStyle/>
+          <a:p>
+            <a:pPr algn="ctr"/>
+            <a:r>
+              <a:rPr lang="it-IT" sz="4800" b="1" dirty="0" smtClean="0">
+                <a:latin typeface="+mj-lt"/>
+              </a:rPr>
+              <a:t>Pro\Contro del </a:t>
+            </a:r>
+            <a:r>
+              <a:rPr lang="it-IT" sz="4800" b="1" dirty="0" smtClean="0">
+                <a:latin typeface="+mj-lt"/>
+              </a:rPr>
+              <a:t>Testing</a:t>
+            </a:r>
+            <a:endParaRPr lang="it-IT" sz="4800" b="1" dirty="0" smtClean="0">
+              <a:latin typeface="+mj-lt"/>
+            </a:endParaRPr>
+          </a:p>
+          <a:p>
+            <a:pPr algn="ctr"/>
+            <a:endParaRPr lang="it-IT" dirty="0">
+              <a:latin typeface="+mj-lt"/>
+            </a:endParaRPr>
+          </a:p>
+        </p:txBody>
+      </p:sp>
+    </p:spTree>
+    <p:extLst>
+      <p:ext uri="{BB962C8B-B14F-4D97-AF65-F5344CB8AC3E}">
+        <p14:creationId xmlns:p14="http://schemas.microsoft.com/office/powerpoint/2010/main" val="3060381138"/>
+      </p:ext>
+    </p:extLst>
+  </p:cSld>
+  <p:clrMapOvr>
+    <a:masterClrMapping/>
+  </p:clrMapOvr>
+</p:sld>
+</file>
+
+<file path=ppt/slides/slide35.xml><?xml version="1.0" encoding="utf-8"?>
+<p:sld xmlns:a="http://schemas.openxmlformats.org/drawingml/2006/main" xmlns:r="http://schemas.openxmlformats.org/officeDocument/2006/relationships" xmlns:p="http://schemas.openxmlformats.org/presentationml/2006/main">
+  <p:cSld>
+    <p:spTree>
+      <p:nvGrpSpPr>
+        <p:cNvPr id="1" name=""/>
+        <p:cNvGrpSpPr/>
+        <p:nvPr/>
+      </p:nvGrpSpPr>
+      <p:grpSpPr>
+        <a:xfrm>
+          <a:off x="0" y="0"/>
+          <a:ext cx="0" cy="0"/>
+          <a:chOff x="0" y="0"/>
+          <a:chExt cx="0" cy="0"/>
+        </a:xfrm>
+      </p:grpSpPr>
+      <p:sp>
+        <p:nvSpPr>
+          <p:cNvPr id="2" name="CasellaDiTesto 1"/>
+          <p:cNvSpPr txBox="1"/>
+          <p:nvPr/>
+        </p:nvSpPr>
+        <p:spPr>
+          <a:xfrm>
             <a:off x="642910" y="428604"/>
             <a:ext cx="7715304" cy="1107996"/>
           </a:xfrm>
@@ -25415,7 +25690,7 @@
 </p:sld>
 </file>
 
-<file path=ppt/slides/slide34.xml><?xml version="1.0" encoding="utf-8"?>
+<file path=ppt/slides/slide36.xml><?xml version="1.0" encoding="utf-8"?>
 <p:sld xmlns:a="http://schemas.openxmlformats.org/drawingml/2006/main" xmlns:r="http://schemas.openxmlformats.org/officeDocument/2006/relationships" xmlns:p="http://schemas.openxmlformats.org/presentationml/2006/main">
   <p:cSld>
     <p:spTree>
@@ -25926,7 +26201,7 @@
 </p:sld>
 </file>
 
-<file path=ppt/slides/slide35.xml><?xml version="1.0" encoding="utf-8"?>
+<file path=ppt/slides/slide37.xml><?xml version="1.0" encoding="utf-8"?>
 <p:sld xmlns:a="http://schemas.openxmlformats.org/drawingml/2006/main" xmlns:r="http://schemas.openxmlformats.org/officeDocument/2006/relationships" xmlns:p="http://schemas.openxmlformats.org/presentationml/2006/main">
   <p:cSld>
     <p:spTree>
@@ -26361,7 +26636,7 @@
 </p:sld>
 </file>
 
-<file path=ppt/slides/slide36.xml><?xml version="1.0" encoding="utf-8"?>
+<file path=ppt/slides/slide38.xml><?xml version="1.0" encoding="utf-8"?>
 <p:sld xmlns:a="http://schemas.openxmlformats.org/drawingml/2006/main" xmlns:r="http://schemas.openxmlformats.org/officeDocument/2006/relationships" xmlns:p="http://schemas.openxmlformats.org/presentationml/2006/main">
   <p:cSld>
     <p:spTree>
@@ -28083,7 +28358,7 @@
         <p:spPr>
           <a:xfrm>
             <a:off x="1500166" y="6488668"/>
-            <a:ext cx="5828455" cy="369332"/>
+            <a:ext cx="6229782" cy="400110"/>
           </a:xfrm>
           <a:prstGeom prst="rect">
             <a:avLst/>
@@ -28097,10 +28372,24 @@
           <a:lstStyle/>
           <a:p>
             <a:r>
-              <a:rPr lang="it-IT" dirty="0" smtClean="0"/>
-              <a:t>Tracciabilità Nome file: UC_H_58_Compilazione questionario</a:t>
-            </a:r>
-            <a:endParaRPr lang="it-IT" dirty="0"/>
+              <a:rPr lang="it-IT" sz="2000" b="1" dirty="0" smtClean="0">
+                <a:solidFill>
+                  <a:schemeClr val="accent5">
+                    <a:lumMod val="50000"/>
+                  </a:schemeClr>
+                </a:solidFill>
+              </a:rPr>
+              <a:t>Tracciabilità Nome file: </a:t>
+            </a:r>
+            <a:r>
+              <a:rPr lang="it-IT" b="1" dirty="0" smtClean="0"/>
+              <a:t>UC_H_49_Compilazione </a:t>
+            </a:r>
+            <a:r>
+              <a:rPr lang="it-IT" b="1" dirty="0" smtClean="0"/>
+              <a:t>questionario</a:t>
+            </a:r>
+            <a:endParaRPr lang="it-IT" b="1" dirty="0"/>
           </a:p>
         </p:txBody>
       </p:sp>
@@ -28183,14 +28472,14 @@
           <p:nvPr>
             <p:extLst>
               <p:ext uri="{D42A27DB-BD31-4B8C-83A1-F6EECF244321}">
-                <p14:modId xmlns:p14="http://schemas.microsoft.com/office/powerpoint/2010/main" val="3225553551"/>
+                <p14:modId xmlns:p14="http://schemas.microsoft.com/office/powerpoint/2010/main" val="4159081582"/>
               </p:ext>
             </p:extLst>
           </p:nvPr>
         </p:nvGraphicFramePr>
         <p:xfrm>
           <a:off x="0" y="1142984"/>
-          <a:ext cx="9144000" cy="5166440"/>
+          <a:ext cx="9144000" cy="5214770"/>
         </p:xfrm>
         <a:graphic>
           <a:graphicData uri="http://schemas.openxmlformats.org/drawingml/2006/table">
@@ -28409,7 +28698,7 @@
                   <a:tcPr/>
                 </a:tc>
               </a:tr>
-              <a:tr h="346730">
+              <a:tr h="1602810">
                 <a:tc>
                   <a:txBody>
                     <a:bodyPr/>
@@ -28889,14 +29178,14 @@
       </p:graphicFrame>
       <p:sp>
         <p:nvSpPr>
-          <p:cNvPr id="2" name="CasellaDiTesto 1"/>
+          <p:cNvPr id="5" name="CasellaDiTesto 4"/>
           <p:cNvSpPr txBox="1"/>
           <p:nvPr/>
         </p:nvSpPr>
         <p:spPr>
           <a:xfrm>
-            <a:off x="1714480" y="6286520"/>
-            <a:ext cx="5828455" cy="369332"/>
+            <a:off x="1500166" y="6488668"/>
+            <a:ext cx="6229782" cy="400110"/>
           </a:xfrm>
           <a:prstGeom prst="rect">
             <a:avLst/>
@@ -28910,10 +29199,24 @@
           <a:lstStyle/>
           <a:p>
             <a:r>
-              <a:rPr lang="it-IT" dirty="0" smtClean="0"/>
-              <a:t>Tracciabilità Nome file: UC_H_58_Compilazione questionario</a:t>
-            </a:r>
-            <a:endParaRPr lang="it-IT" dirty="0"/>
+              <a:rPr lang="it-IT" sz="2000" b="1" dirty="0" smtClean="0">
+                <a:solidFill>
+                  <a:schemeClr val="accent5">
+                    <a:lumMod val="50000"/>
+                  </a:schemeClr>
+                </a:solidFill>
+              </a:rPr>
+              <a:t>Tracciabilità Nome file: </a:t>
+            </a:r>
+            <a:r>
+              <a:rPr lang="it-IT" b="1" dirty="0" smtClean="0"/>
+              <a:t>UC_H_49_Compilazione </a:t>
+            </a:r>
+            <a:r>
+              <a:rPr lang="it-IT" b="1" dirty="0" smtClean="0"/>
+              <a:t>questionario</a:t>
+            </a:r>
+            <a:endParaRPr lang="it-IT" b="1" dirty="0"/>
           </a:p>
         </p:txBody>
       </p:sp>
@@ -29207,15 +29510,25 @@
             <a:pPr lvl="1"/>
             <a:r>
               <a:rPr lang="it-IT" dirty="0" smtClean="0"/>
-              <a:t>Identificazione iniziale non semplice di tutti gli attori coinvolti.</a:t>
-            </a:r>
+              <a:t>Identificazione iniziale non semplice di tutti gli attori </a:t>
+            </a:r>
+            <a:r>
+              <a:rPr lang="it-IT" dirty="0" smtClean="0"/>
+              <a:t>coinvolti</a:t>
+            </a:r>
+            <a:endParaRPr lang="it-IT" dirty="0" smtClean="0"/>
           </a:p>
           <a:p>
             <a:pPr lvl="1"/>
             <a:r>
               <a:rPr lang="it-IT" dirty="0" smtClean="0"/>
-              <a:t>Alcune funzionalità non ben definite.</a:t>
-            </a:r>
+              <a:t>Alcune funzionalità non ben </a:t>
+            </a:r>
+            <a:r>
+              <a:rPr lang="it-IT" dirty="0" smtClean="0"/>
+              <a:t>definite</a:t>
+            </a:r>
+            <a:endParaRPr lang="it-IT" dirty="0" smtClean="0"/>
           </a:p>
           <a:p>
             <a:pPr lvl="1">
@@ -29242,8 +29555,13 @@
             <a:pPr lvl="1"/>
             <a:r>
               <a:rPr lang="it-IT" dirty="0" smtClean="0"/>
-              <a:t>Revisione dei requisiti e delle funzionalità a seguito di colloqui e realizzazione di un prototipo.</a:t>
-            </a:r>
+              <a:t>Revisione dei requisiti e delle funzionalità a seguito di colloqui e realizzazione di un </a:t>
+            </a:r>
+            <a:r>
+              <a:rPr lang="it-IT" dirty="0" smtClean="0"/>
+              <a:t>prototipo</a:t>
+            </a:r>
+            <a:endParaRPr lang="it-IT" dirty="0" smtClean="0"/>
           </a:p>
         </p:txBody>
       </p:sp>

--- a/trunk/Presentazione/Atsilo3/Atsilo_H_PresentazioneFinale.pptx
+++ b/trunk/Presentazione/Atsilo3/Atsilo_H_PresentazioneFinale.pptx
@@ -5,7 +5,7 @@
     <p:sldMasterId id="2147483684" r:id="rId1"/>
   </p:sldMasterIdLst>
   <p:notesMasterIdLst>
-    <p:notesMasterId r:id="rId40"/>
+    <p:notesMasterId r:id="rId44"/>
   </p:notesMasterIdLst>
   <p:sldIdLst>
     <p:sldId id="256" r:id="rId2"/>
@@ -41,11 +41,15 @@
     <p:sldId id="267" r:id="rId32"/>
     <p:sldId id="320" r:id="rId33"/>
     <p:sldId id="321" r:id="rId34"/>
-    <p:sldId id="322" r:id="rId35"/>
-    <p:sldId id="292" r:id="rId36"/>
-    <p:sldId id="293" r:id="rId37"/>
-    <p:sldId id="294" r:id="rId38"/>
-    <p:sldId id="295" r:id="rId39"/>
+    <p:sldId id="323" r:id="rId35"/>
+    <p:sldId id="324" r:id="rId36"/>
+    <p:sldId id="325" r:id="rId37"/>
+    <p:sldId id="326" r:id="rId38"/>
+    <p:sldId id="322" r:id="rId39"/>
+    <p:sldId id="292" r:id="rId40"/>
+    <p:sldId id="293" r:id="rId41"/>
+    <p:sldId id="294" r:id="rId42"/>
+    <p:sldId id="295" r:id="rId43"/>
   </p:sldIdLst>
   <p:sldSz cx="9144000" cy="6858000" type="screen4x3"/>
   <p:notesSz cx="6858000" cy="9144000"/>
@@ -664,7 +668,17 @@
             </a:r>
             <a:r>
               <a:rPr lang="it-IT" baseline="0" dirty="0" smtClean="0"/>
-              <a:t> corrispettivo» basta questo</a:t>
+              <a:t> corrispettivo» basta </a:t>
+            </a:r>
+            <a:r>
+              <a:rPr lang="it-IT" baseline="0" dirty="0" smtClean="0"/>
+              <a:t>questo, si può togliere se non c’è tempo</a:t>
+            </a:r>
+          </a:p>
+          <a:p>
+            <a:r>
+              <a:rPr lang="it-IT" baseline="0" dirty="0" smtClean="0"/>
+              <a:t>------ POSSIBILITA DI RIPETEZIONE CON ALTRI TEAM ------</a:t>
             </a:r>
             <a:endParaRPr lang="it-IT" dirty="0"/>
           </a:p>
@@ -783,6 +797,32 @@
               <a:rPr lang="it-IT" baseline="0" dirty="0" smtClean="0"/>
               <a:t>»</a:t>
             </a:r>
+          </a:p>
+          <a:p>
+            <a:pPr marL="0" marR="0" indent="0" algn="l" defTabSz="914400" rtl="0" eaLnBrk="1" fontAlgn="auto" latinLnBrk="0" hangingPunct="1">
+              <a:lnSpc>
+                <a:spcPct val="100000"/>
+              </a:lnSpc>
+              <a:spcBef>
+                <a:spcPts val="0"/>
+              </a:spcBef>
+              <a:spcAft>
+                <a:spcPts val="0"/>
+              </a:spcAft>
+              <a:buClrTx/>
+              <a:buSzTx/>
+              <a:buFontTx/>
+              <a:buNone/>
+              <a:tabLst/>
+              <a:defRPr/>
+            </a:pPr>
+            <a:r>
+              <a:rPr lang="it-IT" baseline="0" dirty="0" smtClean="0"/>
+              <a:t>------ POSSIBILITA DI RIPETEZIONE CON ALTRI TEAM ------</a:t>
+            </a:r>
+            <a:endParaRPr lang="it-IT" dirty="0" smtClean="0"/>
+          </a:p>
+          <a:p>
             <a:endParaRPr lang="it-IT" dirty="0"/>
           </a:p>
         </p:txBody>
@@ -1033,6 +1073,30 @@
             <a:endParaRPr lang="it-IT" dirty="0" smtClean="0"/>
           </a:p>
           <a:p>
+            <a:pPr marL="0" marR="0" indent="0" algn="l" defTabSz="914400" rtl="0" eaLnBrk="1" fontAlgn="auto" latinLnBrk="0" hangingPunct="1">
+              <a:lnSpc>
+                <a:spcPct val="100000"/>
+              </a:lnSpc>
+              <a:spcBef>
+                <a:spcPts val="0"/>
+              </a:spcBef>
+              <a:spcAft>
+                <a:spcPts val="0"/>
+              </a:spcAft>
+              <a:buClrTx/>
+              <a:buSzTx/>
+              <a:buFontTx/>
+              <a:buNone/>
+              <a:tabLst/>
+              <a:defRPr/>
+            </a:pPr>
+            <a:r>
+              <a:rPr lang="it-IT" baseline="0" dirty="0" smtClean="0"/>
+              <a:t>------ POSSIBILITA DI RIPETEZIONE CON ALTRI TEAM ------</a:t>
+            </a:r>
+            <a:endParaRPr lang="it-IT" dirty="0" smtClean="0"/>
+          </a:p>
+          <a:p>
             <a:endParaRPr lang="it-IT" dirty="0"/>
           </a:p>
         </p:txBody>
@@ -2670,8 +2734,55 @@
             </a:r>
             <a:r>
               <a:rPr lang="it-IT" baseline="0" dirty="0" smtClean="0"/>
-              <a:t> del ODD secondo voi, siate specifici sulla nostra parte anche di cose che non sono questionario o forum (solo qui potete farlo)</a:t>
-            </a:r>
+              <a:t> del ODD secondo voi, siate specifici sulla nostra parte anche di cose che non sono questionario o forum (solo qui potete farlo</a:t>
+            </a:r>
+            <a:r>
+              <a:rPr lang="it-IT" baseline="0" dirty="0" smtClean="0"/>
+              <a:t>)</a:t>
+            </a:r>
+          </a:p>
+          <a:p>
+            <a:pPr marL="0" marR="0" indent="0" algn="l" defTabSz="914400" rtl="0" eaLnBrk="1" fontAlgn="auto" latinLnBrk="0" hangingPunct="1">
+              <a:lnSpc>
+                <a:spcPct val="100000"/>
+              </a:lnSpc>
+              <a:spcBef>
+                <a:spcPts val="0"/>
+              </a:spcBef>
+              <a:spcAft>
+                <a:spcPts val="0"/>
+              </a:spcAft>
+              <a:buClrTx/>
+              <a:buSzTx/>
+              <a:buFontTx/>
+              <a:buNone/>
+              <a:tabLst/>
+              <a:defRPr/>
+            </a:pPr>
+            <a:r>
+              <a:rPr lang="it-IT" baseline="0" dirty="0" smtClean="0"/>
+              <a:t>------ POSSIBILITA DI RIPETEZIONE CON ALTRI TEAM ------</a:t>
+            </a:r>
+            <a:endParaRPr lang="it-IT" dirty="0" smtClean="0"/>
+          </a:p>
+          <a:p>
+            <a:pPr marL="0" marR="0" indent="0" algn="l" defTabSz="914400" rtl="0" eaLnBrk="1" fontAlgn="auto" latinLnBrk="0" hangingPunct="1">
+              <a:lnSpc>
+                <a:spcPct val="100000"/>
+              </a:lnSpc>
+              <a:spcBef>
+                <a:spcPts val="0"/>
+              </a:spcBef>
+              <a:spcAft>
+                <a:spcPts val="0"/>
+              </a:spcAft>
+              <a:buClrTx/>
+              <a:buSzTx/>
+              <a:buFontTx/>
+              <a:buNone/>
+              <a:tabLst/>
+              <a:defRPr/>
+            </a:pPr>
             <a:endParaRPr lang="it-IT" dirty="0" smtClean="0"/>
           </a:p>
           <a:p>
@@ -3043,8 +3154,83 @@
           <a:p>
             <a:r>
               <a:rPr lang="it-IT" dirty="0" smtClean="0"/>
-              <a:t>Mettere anche dei pregi</a:t>
-            </a:r>
+              <a:t>Motivo dell’elevata complessità:</a:t>
+            </a:r>
+          </a:p>
+          <a:p>
+            <a:pPr marL="171450" indent="-171450">
+              <a:buFontTx/>
+              <a:buChar char="-"/>
+            </a:pPr>
+            <a:r>
+              <a:rPr lang="it-IT" dirty="0" smtClean="0"/>
+              <a:t>Mancanza di tempo per suddividere le responsabilità in </a:t>
+            </a:r>
+            <a:r>
+              <a:rPr lang="it-IT" dirty="0" err="1" smtClean="0"/>
+              <a:t>piu</a:t>
+            </a:r>
+            <a:r>
+              <a:rPr lang="it-IT" dirty="0" smtClean="0"/>
+              <a:t> classi</a:t>
+            </a:r>
+          </a:p>
+          <a:p>
+            <a:pPr marL="0" indent="0">
+              <a:buFontTx/>
+              <a:buNone/>
+            </a:pPr>
+            <a:r>
+              <a:rPr lang="it-IT" dirty="0" smtClean="0"/>
+              <a:t>Motivo</a:t>
+            </a:r>
+            <a:r>
+              <a:rPr lang="it-IT" baseline="0" dirty="0" smtClean="0"/>
+              <a:t> della mancanza di commenti</a:t>
+            </a:r>
+          </a:p>
+          <a:p>
+            <a:pPr marL="171450" indent="-171450">
+              <a:buFontTx/>
+              <a:buChar char="-"/>
+            </a:pPr>
+            <a:r>
+              <a:rPr lang="it-IT" baseline="0" dirty="0" smtClean="0"/>
+              <a:t>Poco tempo</a:t>
+            </a:r>
+          </a:p>
+          <a:p>
+            <a:pPr marL="0" indent="0">
+              <a:buFontTx/>
+              <a:buNone/>
+            </a:pPr>
+            <a:r>
+              <a:rPr lang="it-IT" dirty="0" smtClean="0"/>
+              <a:t>Motivo della mancanza di eccezioni</a:t>
+            </a:r>
+          </a:p>
+          <a:p>
+            <a:pPr marL="171450" indent="-171450">
+              <a:buFontTx/>
+              <a:buChar char="-"/>
+            </a:pPr>
+            <a:r>
+              <a:rPr lang="it-IT" dirty="0" smtClean="0"/>
+              <a:t>Poco tempo</a:t>
+            </a:r>
+          </a:p>
+          <a:p>
+            <a:pPr marL="171450" indent="-171450">
+              <a:buFontTx/>
+              <a:buChar char="-"/>
+            </a:pPr>
+            <a:endParaRPr lang="it-IT" dirty="0" smtClean="0"/>
+          </a:p>
+          <a:p>
+            <a:pPr marL="0" indent="0">
+              <a:buFontTx/>
+              <a:buNone/>
+            </a:pPr>
             <a:endParaRPr lang="it-IT" dirty="0"/>
           </a:p>
         </p:txBody>
@@ -3219,10 +3405,6 @@
           <a:bodyPr/>
           <a:lstStyle/>
           <a:p>
-            <a:r>
-              <a:rPr lang="it-IT" dirty="0" smtClean="0"/>
-              <a:t>Non obbligatoria</a:t>
-            </a:r>
             <a:endParaRPr lang="it-IT" dirty="0"/>
           </a:p>
         </p:txBody>
@@ -3245,7 +3427,96 @@
             <a:fld id="{D70604CA-7593-4640-8FA1-5523937B8510}" type="slidenum">
               <a:rPr lang="it-IT" smtClean="0"/>
               <a:pPr/>
-              <a:t>34</a:t>
+              <a:t>37</a:t>
+            </a:fld>
+            <a:endParaRPr lang="it-IT"/>
+          </a:p>
+        </p:txBody>
+      </p:sp>
+    </p:spTree>
+    <p:extLst>
+      <p:ext uri="{BB962C8B-B14F-4D97-AF65-F5344CB8AC3E}">
+        <p14:creationId xmlns:p14="http://schemas.microsoft.com/office/powerpoint/2010/main" val="742716072"/>
+      </p:ext>
+    </p:extLst>
+  </p:cSld>
+  <p:clrMapOvr>
+    <a:masterClrMapping/>
+  </p:clrMapOvr>
+</p:notes>
+</file>
+
+<file path=ppt/notesSlides/notesSlide33.xml><?xml version="1.0" encoding="utf-8"?>
+<p:notes xmlns:a="http://schemas.openxmlformats.org/drawingml/2006/main" xmlns:r="http://schemas.openxmlformats.org/officeDocument/2006/relationships" xmlns:p="http://schemas.openxmlformats.org/presentationml/2006/main">
+  <p:cSld>
+    <p:spTree>
+      <p:nvGrpSpPr>
+        <p:cNvPr id="1" name=""/>
+        <p:cNvGrpSpPr/>
+        <p:nvPr/>
+      </p:nvGrpSpPr>
+      <p:grpSpPr>
+        <a:xfrm>
+          <a:off x="0" y="0"/>
+          <a:ext cx="0" cy="0"/>
+          <a:chOff x="0" y="0"/>
+          <a:chExt cx="0" cy="0"/>
+        </a:xfrm>
+      </p:grpSpPr>
+      <p:sp>
+        <p:nvSpPr>
+          <p:cNvPr id="2" name="Segnaposto immagine diapositiva 1"/>
+          <p:cNvSpPr>
+            <a:spLocks noGrp="1" noRot="1" noChangeAspect="1"/>
+          </p:cNvSpPr>
+          <p:nvPr>
+            <p:ph type="sldImg"/>
+          </p:nvPr>
+        </p:nvSpPr>
+        <p:spPr/>
+      </p:sp>
+      <p:sp>
+        <p:nvSpPr>
+          <p:cNvPr id="3" name="Segnaposto note 2"/>
+          <p:cNvSpPr>
+            <a:spLocks noGrp="1"/>
+          </p:cNvSpPr>
+          <p:nvPr>
+            <p:ph type="body" idx="1"/>
+          </p:nvPr>
+        </p:nvSpPr>
+        <p:spPr/>
+        <p:txBody>
+          <a:bodyPr/>
+          <a:lstStyle/>
+          <a:p>
+            <a:r>
+              <a:rPr lang="it-IT" dirty="0" smtClean="0"/>
+              <a:t>Non obbligatoria</a:t>
+            </a:r>
+            <a:endParaRPr lang="it-IT" dirty="0"/>
+          </a:p>
+        </p:txBody>
+      </p:sp>
+      <p:sp>
+        <p:nvSpPr>
+          <p:cNvPr id="4" name="Segnaposto numero diapositiva 3"/>
+          <p:cNvSpPr>
+            <a:spLocks noGrp="1"/>
+          </p:cNvSpPr>
+          <p:nvPr>
+            <p:ph type="sldNum" sz="quarter" idx="10"/>
+          </p:nvPr>
+        </p:nvSpPr>
+        <p:spPr/>
+        <p:txBody>
+          <a:bodyPr/>
+          <a:lstStyle/>
+          <a:p>
+            <a:fld id="{D70604CA-7593-4640-8FA1-5523937B8510}" type="slidenum">
+              <a:rPr lang="it-IT" smtClean="0"/>
+              <a:pPr/>
+              <a:t>38</a:t>
             </a:fld>
             <a:endParaRPr lang="it-IT"/>
           </a:p>
@@ -3255,6 +3526,442 @@
     <p:extLst>
       <p:ext uri="{BB962C8B-B14F-4D97-AF65-F5344CB8AC3E}">
         <p14:creationId xmlns:p14="http://schemas.microsoft.com/office/powerpoint/2010/main" val="1425725903"/>
+      </p:ext>
+    </p:extLst>
+  </p:cSld>
+  <p:clrMapOvr>
+    <a:masterClrMapping/>
+  </p:clrMapOvr>
+</p:notes>
+</file>
+
+<file path=ppt/notesSlides/notesSlide34.xml><?xml version="1.0" encoding="utf-8"?>
+<p:notes xmlns:a="http://schemas.openxmlformats.org/drawingml/2006/main" xmlns:r="http://schemas.openxmlformats.org/officeDocument/2006/relationships" xmlns:p="http://schemas.openxmlformats.org/presentationml/2006/main">
+  <p:cSld>
+    <p:spTree>
+      <p:nvGrpSpPr>
+        <p:cNvPr id="1" name=""/>
+        <p:cNvGrpSpPr/>
+        <p:nvPr/>
+      </p:nvGrpSpPr>
+      <p:grpSpPr>
+        <a:xfrm>
+          <a:off x="0" y="0"/>
+          <a:ext cx="0" cy="0"/>
+          <a:chOff x="0" y="0"/>
+          <a:chExt cx="0" cy="0"/>
+        </a:xfrm>
+      </p:grpSpPr>
+      <p:sp>
+        <p:nvSpPr>
+          <p:cNvPr id="2" name="Segnaposto immagine diapositiva 1"/>
+          <p:cNvSpPr>
+            <a:spLocks noGrp="1" noRot="1" noChangeAspect="1"/>
+          </p:cNvSpPr>
+          <p:nvPr>
+            <p:ph type="sldImg"/>
+          </p:nvPr>
+        </p:nvSpPr>
+        <p:spPr/>
+      </p:sp>
+      <p:sp>
+        <p:nvSpPr>
+          <p:cNvPr id="3" name="Segnaposto note 2"/>
+          <p:cNvSpPr>
+            <a:spLocks noGrp="1"/>
+          </p:cNvSpPr>
+          <p:nvPr>
+            <p:ph type="body" idx="1"/>
+          </p:nvPr>
+        </p:nvSpPr>
+        <p:spPr/>
+        <p:txBody>
+          <a:bodyPr/>
+          <a:lstStyle/>
+          <a:p>
+            <a:pPr marL="0" marR="0" indent="0" algn="l" defTabSz="914400" rtl="0" eaLnBrk="1" fontAlgn="auto" latinLnBrk="0" hangingPunct="1">
+              <a:lnSpc>
+                <a:spcPct val="100000"/>
+              </a:lnSpc>
+              <a:spcBef>
+                <a:spcPts val="0"/>
+              </a:spcBef>
+              <a:spcAft>
+                <a:spcPts val="0"/>
+              </a:spcAft>
+              <a:buClrTx/>
+              <a:buSzTx/>
+              <a:buFontTx/>
+              <a:buNone/>
+              <a:tabLst/>
+              <a:defRPr/>
+            </a:pPr>
+            <a:r>
+              <a:rPr lang="it-IT" baseline="0" dirty="0" smtClean="0"/>
+              <a:t>------ POSSIBILITA DI RIPETEZIONE CON ALTRI TEAM ------</a:t>
+            </a:r>
+            <a:endParaRPr lang="it-IT" dirty="0" smtClean="0"/>
+          </a:p>
+          <a:p>
+            <a:endParaRPr lang="it-IT" dirty="0"/>
+          </a:p>
+        </p:txBody>
+      </p:sp>
+      <p:sp>
+        <p:nvSpPr>
+          <p:cNvPr id="4" name="Segnaposto numero diapositiva 3"/>
+          <p:cNvSpPr>
+            <a:spLocks noGrp="1"/>
+          </p:cNvSpPr>
+          <p:nvPr>
+            <p:ph type="sldNum" sz="quarter" idx="10"/>
+          </p:nvPr>
+        </p:nvSpPr>
+        <p:spPr/>
+        <p:txBody>
+          <a:bodyPr/>
+          <a:lstStyle/>
+          <a:p>
+            <a:fld id="{D70604CA-7593-4640-8FA1-5523937B8510}" type="slidenum">
+              <a:rPr lang="it-IT" smtClean="0"/>
+              <a:pPr/>
+              <a:t>39</a:t>
+            </a:fld>
+            <a:endParaRPr lang="it-IT"/>
+          </a:p>
+        </p:txBody>
+      </p:sp>
+    </p:spTree>
+    <p:extLst>
+      <p:ext uri="{BB962C8B-B14F-4D97-AF65-F5344CB8AC3E}">
+        <p14:creationId xmlns:p14="http://schemas.microsoft.com/office/powerpoint/2010/main" val="880674728"/>
+      </p:ext>
+    </p:extLst>
+  </p:cSld>
+  <p:clrMapOvr>
+    <a:masterClrMapping/>
+  </p:clrMapOvr>
+</p:notes>
+</file>
+
+<file path=ppt/notesSlides/notesSlide35.xml><?xml version="1.0" encoding="utf-8"?>
+<p:notes xmlns:a="http://schemas.openxmlformats.org/drawingml/2006/main" xmlns:r="http://schemas.openxmlformats.org/officeDocument/2006/relationships" xmlns:p="http://schemas.openxmlformats.org/presentationml/2006/main">
+  <p:cSld>
+    <p:spTree>
+      <p:nvGrpSpPr>
+        <p:cNvPr id="1" name=""/>
+        <p:cNvGrpSpPr/>
+        <p:nvPr/>
+      </p:nvGrpSpPr>
+      <p:grpSpPr>
+        <a:xfrm>
+          <a:off x="0" y="0"/>
+          <a:ext cx="0" cy="0"/>
+          <a:chOff x="0" y="0"/>
+          <a:chExt cx="0" cy="0"/>
+        </a:xfrm>
+      </p:grpSpPr>
+      <p:sp>
+        <p:nvSpPr>
+          <p:cNvPr id="2" name="Segnaposto immagine diapositiva 1"/>
+          <p:cNvSpPr>
+            <a:spLocks noGrp="1" noRot="1" noChangeAspect="1"/>
+          </p:cNvSpPr>
+          <p:nvPr>
+            <p:ph type="sldImg"/>
+          </p:nvPr>
+        </p:nvSpPr>
+        <p:spPr/>
+      </p:sp>
+      <p:sp>
+        <p:nvSpPr>
+          <p:cNvPr id="3" name="Segnaposto note 2"/>
+          <p:cNvSpPr>
+            <a:spLocks noGrp="1"/>
+          </p:cNvSpPr>
+          <p:nvPr>
+            <p:ph type="body" idx="1"/>
+          </p:nvPr>
+        </p:nvSpPr>
+        <p:spPr/>
+        <p:txBody>
+          <a:bodyPr/>
+          <a:lstStyle/>
+          <a:p>
+            <a:pPr marL="0" marR="0" indent="0" algn="l" defTabSz="914400" rtl="0" eaLnBrk="1" fontAlgn="auto" latinLnBrk="0" hangingPunct="1">
+              <a:lnSpc>
+                <a:spcPct val="100000"/>
+              </a:lnSpc>
+              <a:spcBef>
+                <a:spcPts val="0"/>
+              </a:spcBef>
+              <a:spcAft>
+                <a:spcPts val="0"/>
+              </a:spcAft>
+              <a:buClrTx/>
+              <a:buSzTx/>
+              <a:buFontTx/>
+              <a:buNone/>
+              <a:tabLst/>
+              <a:defRPr/>
+            </a:pPr>
+            <a:r>
+              <a:rPr lang="it-IT" baseline="0" dirty="0" smtClean="0"/>
+              <a:t>------ POSSIBILITA DI RIPETEZIONE CON ALTRI TEAM ------</a:t>
+            </a:r>
+            <a:endParaRPr lang="it-IT" dirty="0" smtClean="0"/>
+          </a:p>
+          <a:p>
+            <a:endParaRPr lang="it-IT" dirty="0"/>
+          </a:p>
+        </p:txBody>
+      </p:sp>
+      <p:sp>
+        <p:nvSpPr>
+          <p:cNvPr id="4" name="Segnaposto numero diapositiva 3"/>
+          <p:cNvSpPr>
+            <a:spLocks noGrp="1"/>
+          </p:cNvSpPr>
+          <p:nvPr>
+            <p:ph type="sldNum" sz="quarter" idx="10"/>
+          </p:nvPr>
+        </p:nvSpPr>
+        <p:spPr/>
+        <p:txBody>
+          <a:bodyPr/>
+          <a:lstStyle/>
+          <a:p>
+            <a:fld id="{D70604CA-7593-4640-8FA1-5523937B8510}" type="slidenum">
+              <a:rPr lang="it-IT" smtClean="0"/>
+              <a:pPr/>
+              <a:t>40</a:t>
+            </a:fld>
+            <a:endParaRPr lang="it-IT"/>
+          </a:p>
+        </p:txBody>
+      </p:sp>
+    </p:spTree>
+    <p:extLst>
+      <p:ext uri="{BB962C8B-B14F-4D97-AF65-F5344CB8AC3E}">
+        <p14:creationId xmlns:p14="http://schemas.microsoft.com/office/powerpoint/2010/main" val="346945336"/>
+      </p:ext>
+    </p:extLst>
+  </p:cSld>
+  <p:clrMapOvr>
+    <a:masterClrMapping/>
+  </p:clrMapOvr>
+</p:notes>
+</file>
+
+<file path=ppt/notesSlides/notesSlide36.xml><?xml version="1.0" encoding="utf-8"?>
+<p:notes xmlns:a="http://schemas.openxmlformats.org/drawingml/2006/main" xmlns:r="http://schemas.openxmlformats.org/officeDocument/2006/relationships" xmlns:p="http://schemas.openxmlformats.org/presentationml/2006/main">
+  <p:cSld>
+    <p:spTree>
+      <p:nvGrpSpPr>
+        <p:cNvPr id="1" name=""/>
+        <p:cNvGrpSpPr/>
+        <p:nvPr/>
+      </p:nvGrpSpPr>
+      <p:grpSpPr>
+        <a:xfrm>
+          <a:off x="0" y="0"/>
+          <a:ext cx="0" cy="0"/>
+          <a:chOff x="0" y="0"/>
+          <a:chExt cx="0" cy="0"/>
+        </a:xfrm>
+      </p:grpSpPr>
+      <p:sp>
+        <p:nvSpPr>
+          <p:cNvPr id="2" name="Segnaposto immagine diapositiva 1"/>
+          <p:cNvSpPr>
+            <a:spLocks noGrp="1" noRot="1" noChangeAspect="1"/>
+          </p:cNvSpPr>
+          <p:nvPr>
+            <p:ph type="sldImg"/>
+          </p:nvPr>
+        </p:nvSpPr>
+        <p:spPr/>
+      </p:sp>
+      <p:sp>
+        <p:nvSpPr>
+          <p:cNvPr id="3" name="Segnaposto note 2"/>
+          <p:cNvSpPr>
+            <a:spLocks noGrp="1"/>
+          </p:cNvSpPr>
+          <p:nvPr>
+            <p:ph type="body" idx="1"/>
+          </p:nvPr>
+        </p:nvSpPr>
+        <p:spPr/>
+        <p:txBody>
+          <a:bodyPr/>
+          <a:lstStyle/>
+          <a:p>
+            <a:pPr marL="0" marR="0" indent="0" algn="l" defTabSz="914400" rtl="0" eaLnBrk="1" fontAlgn="auto" latinLnBrk="0" hangingPunct="1">
+              <a:lnSpc>
+                <a:spcPct val="100000"/>
+              </a:lnSpc>
+              <a:spcBef>
+                <a:spcPts val="0"/>
+              </a:spcBef>
+              <a:spcAft>
+                <a:spcPts val="0"/>
+              </a:spcAft>
+              <a:buClrTx/>
+              <a:buSzTx/>
+              <a:buFontTx/>
+              <a:buNone/>
+              <a:tabLst/>
+              <a:defRPr/>
+            </a:pPr>
+            <a:r>
+              <a:rPr lang="it-IT" baseline="0" dirty="0" smtClean="0"/>
+              <a:t>------ POSSIBILITA DI RIPETEZIONE CON ALTRI TEAM ------</a:t>
+            </a:r>
+            <a:endParaRPr lang="it-IT" dirty="0" smtClean="0"/>
+          </a:p>
+          <a:p>
+            <a:endParaRPr lang="it-IT" dirty="0"/>
+          </a:p>
+        </p:txBody>
+      </p:sp>
+      <p:sp>
+        <p:nvSpPr>
+          <p:cNvPr id="4" name="Segnaposto numero diapositiva 3"/>
+          <p:cNvSpPr>
+            <a:spLocks noGrp="1"/>
+          </p:cNvSpPr>
+          <p:nvPr>
+            <p:ph type="sldNum" sz="quarter" idx="10"/>
+          </p:nvPr>
+        </p:nvSpPr>
+        <p:spPr/>
+        <p:txBody>
+          <a:bodyPr/>
+          <a:lstStyle/>
+          <a:p>
+            <a:fld id="{D70604CA-7593-4640-8FA1-5523937B8510}" type="slidenum">
+              <a:rPr lang="it-IT" smtClean="0"/>
+              <a:pPr/>
+              <a:t>41</a:t>
+            </a:fld>
+            <a:endParaRPr lang="it-IT"/>
+          </a:p>
+        </p:txBody>
+      </p:sp>
+    </p:spTree>
+    <p:extLst>
+      <p:ext uri="{BB962C8B-B14F-4D97-AF65-F5344CB8AC3E}">
+        <p14:creationId xmlns:p14="http://schemas.microsoft.com/office/powerpoint/2010/main" val="1778546328"/>
+      </p:ext>
+    </p:extLst>
+  </p:cSld>
+  <p:clrMapOvr>
+    <a:masterClrMapping/>
+  </p:clrMapOvr>
+</p:notes>
+</file>
+
+<file path=ppt/notesSlides/notesSlide37.xml><?xml version="1.0" encoding="utf-8"?>
+<p:notes xmlns:a="http://schemas.openxmlformats.org/drawingml/2006/main" xmlns:r="http://schemas.openxmlformats.org/officeDocument/2006/relationships" xmlns:p="http://schemas.openxmlformats.org/presentationml/2006/main">
+  <p:cSld>
+    <p:spTree>
+      <p:nvGrpSpPr>
+        <p:cNvPr id="1" name=""/>
+        <p:cNvGrpSpPr/>
+        <p:nvPr/>
+      </p:nvGrpSpPr>
+      <p:grpSpPr>
+        <a:xfrm>
+          <a:off x="0" y="0"/>
+          <a:ext cx="0" cy="0"/>
+          <a:chOff x="0" y="0"/>
+          <a:chExt cx="0" cy="0"/>
+        </a:xfrm>
+      </p:grpSpPr>
+      <p:sp>
+        <p:nvSpPr>
+          <p:cNvPr id="2" name="Segnaposto immagine diapositiva 1"/>
+          <p:cNvSpPr>
+            <a:spLocks noGrp="1" noRot="1" noChangeAspect="1"/>
+          </p:cNvSpPr>
+          <p:nvPr>
+            <p:ph type="sldImg"/>
+          </p:nvPr>
+        </p:nvSpPr>
+        <p:spPr/>
+      </p:sp>
+      <p:sp>
+        <p:nvSpPr>
+          <p:cNvPr id="3" name="Segnaposto note 2"/>
+          <p:cNvSpPr>
+            <a:spLocks noGrp="1"/>
+          </p:cNvSpPr>
+          <p:nvPr>
+            <p:ph type="body" idx="1"/>
+          </p:nvPr>
+        </p:nvSpPr>
+        <p:spPr/>
+        <p:txBody>
+          <a:bodyPr/>
+          <a:lstStyle/>
+          <a:p>
+            <a:pPr marL="0" marR="0" indent="0" algn="l" defTabSz="914400" rtl="0" eaLnBrk="1" fontAlgn="auto" latinLnBrk="0" hangingPunct="1">
+              <a:lnSpc>
+                <a:spcPct val="100000"/>
+              </a:lnSpc>
+              <a:spcBef>
+                <a:spcPts val="0"/>
+              </a:spcBef>
+              <a:spcAft>
+                <a:spcPts val="0"/>
+              </a:spcAft>
+              <a:buClrTx/>
+              <a:buSzTx/>
+              <a:buFontTx/>
+              <a:buNone/>
+              <a:tabLst/>
+              <a:defRPr/>
+            </a:pPr>
+            <a:r>
+              <a:rPr lang="it-IT" baseline="0" dirty="0" smtClean="0"/>
+              <a:t>------ POSSIBILITA DI RIPETEZIONE CON ALTRI TEAM ------</a:t>
+            </a:r>
+            <a:endParaRPr lang="it-IT" dirty="0" smtClean="0"/>
+          </a:p>
+          <a:p>
+            <a:endParaRPr lang="it-IT" dirty="0"/>
+          </a:p>
+        </p:txBody>
+      </p:sp>
+      <p:sp>
+        <p:nvSpPr>
+          <p:cNvPr id="4" name="Segnaposto numero diapositiva 3"/>
+          <p:cNvSpPr>
+            <a:spLocks noGrp="1"/>
+          </p:cNvSpPr>
+          <p:nvPr>
+            <p:ph type="sldNum" sz="quarter" idx="10"/>
+          </p:nvPr>
+        </p:nvSpPr>
+        <p:spPr/>
+        <p:txBody>
+          <a:bodyPr/>
+          <a:lstStyle/>
+          <a:p>
+            <a:fld id="{D70604CA-7593-4640-8FA1-5523937B8510}" type="slidenum">
+              <a:rPr lang="it-IT" smtClean="0"/>
+              <a:pPr/>
+              <a:t>42</a:t>
+            </a:fld>
+            <a:endParaRPr lang="it-IT"/>
+          </a:p>
+        </p:txBody>
+      </p:sp>
+    </p:spTree>
+    <p:extLst>
+      <p:ext uri="{BB962C8B-B14F-4D97-AF65-F5344CB8AC3E}">
+        <p14:creationId xmlns:p14="http://schemas.microsoft.com/office/powerpoint/2010/main" val="604861763"/>
       </p:ext>
     </p:extLst>
   </p:cSld>
@@ -3626,8 +4333,38 @@
             </a:r>
             <a:r>
               <a:rPr lang="it-IT" baseline="0" dirty="0" smtClean="0"/>
-              <a:t>dopo la realizzazione di un prototipo nella fase di system design e, dopo alcuni colloqui con il cliente, abbiamo individuato alcune problematiche nel rad quali requisiti funzionali non correttamente individuati e relativi attori</a:t>
-            </a:r>
+              <a:t>dopo la realizzazione di un prototipo nella fase di system design e, dopo alcuni colloqui con il cliente, abbiamo individuato alcune problematiche nel rad quali requisiti funzionali non correttamente individuati e relativi </a:t>
+            </a:r>
+            <a:r>
+              <a:rPr lang="it-IT" baseline="0" dirty="0" smtClean="0"/>
+              <a:t>attori</a:t>
+            </a:r>
+          </a:p>
+          <a:p>
+            <a:pPr marL="0" marR="0" indent="0" algn="l" defTabSz="914400" rtl="0" eaLnBrk="1" fontAlgn="auto" latinLnBrk="0" hangingPunct="1">
+              <a:lnSpc>
+                <a:spcPct val="100000"/>
+              </a:lnSpc>
+              <a:spcBef>
+                <a:spcPts val="0"/>
+              </a:spcBef>
+              <a:spcAft>
+                <a:spcPts val="0"/>
+              </a:spcAft>
+              <a:buClrTx/>
+              <a:buSzTx/>
+              <a:buFontTx/>
+              <a:buNone/>
+              <a:tabLst/>
+              <a:defRPr/>
+            </a:pPr>
+            <a:r>
+              <a:rPr lang="it-IT" baseline="0" dirty="0" smtClean="0"/>
+              <a:t>------ POSSIBILITA DI RIPETEZIONE CON ALTRI TEAM ------</a:t>
+            </a:r>
+            <a:endParaRPr lang="it-IT" dirty="0" smtClean="0"/>
+          </a:p>
+          <a:p>
             <a:endParaRPr lang="it-IT" dirty="0" smtClean="0"/>
           </a:p>
         </p:txBody>
@@ -4544,38 +5281,38 @@
           <a:p>
             <a:pPr lvl="0" eaLnBrk="1" latinLnBrk="0" hangingPunct="1"/>
             <a:r>
-              <a:rPr lang="it-IT" smtClean="0"/>
+              <a:rPr lang="it-IT" dirty="0" smtClean="0"/>
               <a:t>Fare clic per modificare stili del testo dello schema</a:t>
             </a:r>
           </a:p>
           <a:p>
             <a:pPr lvl="1" eaLnBrk="1" latinLnBrk="0" hangingPunct="1"/>
             <a:r>
-              <a:rPr lang="it-IT" smtClean="0"/>
+              <a:rPr lang="it-IT" dirty="0" smtClean="0"/>
               <a:t>Secondo livello</a:t>
             </a:r>
           </a:p>
           <a:p>
             <a:pPr lvl="2" eaLnBrk="1" latinLnBrk="0" hangingPunct="1"/>
             <a:r>
-              <a:rPr lang="it-IT" smtClean="0"/>
+              <a:rPr lang="it-IT" dirty="0" smtClean="0"/>
               <a:t>Terzo livello</a:t>
             </a:r>
           </a:p>
           <a:p>
             <a:pPr lvl="3" eaLnBrk="1" latinLnBrk="0" hangingPunct="1"/>
             <a:r>
-              <a:rPr lang="it-IT" smtClean="0"/>
+              <a:rPr lang="it-IT" dirty="0" smtClean="0"/>
               <a:t>Quarto livello</a:t>
             </a:r>
           </a:p>
           <a:p>
             <a:pPr lvl="4" eaLnBrk="1" latinLnBrk="0" hangingPunct="1"/>
             <a:r>
-              <a:rPr lang="it-IT" smtClean="0"/>
+              <a:rPr lang="it-IT" dirty="0" smtClean="0"/>
               <a:t>Quinto livello</a:t>
             </a:r>
-            <a:endParaRPr kumimoji="0" lang="en-US"/>
+            <a:endParaRPr kumimoji="0" lang="en-US" dirty="0"/>
           </a:p>
         </p:txBody>
       </p:sp>
@@ -4816,7 +5553,7 @@
           <a:p>
             <a:pPr lvl="0" eaLnBrk="1" latinLnBrk="0" hangingPunct="1"/>
             <a:r>
-              <a:rPr kumimoji="0" lang="it-IT" smtClean="0"/>
+              <a:rPr kumimoji="0" lang="it-IT" dirty="0" smtClean="0"/>
               <a:t>Fare clic per modificare stili del testo dello schema</a:t>
             </a:r>
           </a:p>
@@ -8041,14 +8778,14 @@
           <p:nvPr>
             <p:extLst>
               <p:ext uri="{D42A27DB-BD31-4B8C-83A1-F6EECF244321}">
-                <p14:modId xmlns:p14="http://schemas.microsoft.com/office/powerpoint/2010/main" val="3027425847"/>
+                <p14:modId xmlns:p14="http://schemas.microsoft.com/office/powerpoint/2010/main" val="1867475245"/>
               </p:ext>
             </p:extLst>
           </p:nvPr>
         </p:nvGraphicFramePr>
         <p:xfrm>
-          <a:off x="7092280" y="6060793"/>
-          <a:ext cx="2051720" cy="792480"/>
+          <a:off x="7092280" y="5339206"/>
+          <a:ext cx="2051720" cy="1518794"/>
         </p:xfrm>
         <a:graphic>
           <a:graphicData uri="http://schemas.openxmlformats.org/drawingml/2006/table">
@@ -8059,6 +8796,56 @@
               <a:tblGrid>
                 <a:gridCol w="2051720"/>
               </a:tblGrid>
+              <a:tr h="0">
+                <a:tc>
+                  <a:txBody>
+                    <a:bodyPr/>
+                    <a:lstStyle/>
+                    <a:p>
+                      <a:pPr algn="ctr" rtl="0">
+                        <a:lnSpc>
+                          <a:spcPct val="150000"/>
+                        </a:lnSpc>
+                      </a:pPr>
+                      <a:r>
+                        <a:rPr lang="it-IT" sz="1400" b="1" dirty="0" smtClean="0">
+                          <a:effectLst/>
+                        </a:rPr>
+                        <a:t>Top Manager</a:t>
+                      </a:r>
+                      <a:endParaRPr lang="it-IT" sz="1400" b="1" dirty="0">
+                        <a:effectLst/>
+                      </a:endParaRPr>
+                    </a:p>
+                  </a:txBody>
+                  <a:tcPr marL="38100" marR="38100" marT="38100" marB="38100"/>
+                </a:tc>
+              </a:tr>
+              <a:tr h="0">
+                <a:tc>
+                  <a:txBody>
+                    <a:bodyPr/>
+                    <a:lstStyle/>
+                    <a:p>
+                      <a:pPr algn="ctr" rtl="0">
+                        <a:lnSpc>
+                          <a:spcPct val="150000"/>
+                        </a:lnSpc>
+                      </a:pPr>
+                      <a:r>
+                        <a:rPr lang="it-IT" sz="1400" dirty="0" smtClean="0">
+                          <a:effectLst/>
+                        </a:rPr>
+                        <a:t>Filomena Ferrucci</a:t>
+                      </a:r>
+                      <a:endParaRPr lang="it-IT" sz="1400" dirty="0">
+                        <a:effectLst/>
+                      </a:endParaRPr>
+                    </a:p>
+                  </a:txBody>
+                  <a:tcPr marL="38100" marR="38100" marT="38100" marB="38100"/>
+                </a:tc>
+              </a:tr>
               <a:tr h="0">
                 <a:tc>
                   <a:txBody>
@@ -9739,14 +10526,14 @@
       </p:pic>
       <p:sp>
         <p:nvSpPr>
-          <p:cNvPr id="5" name="TextBox 4"/>
+          <p:cNvPr id="4" name="CasellaDiTesto 3"/>
           <p:cNvSpPr txBox="1"/>
           <p:nvPr/>
         </p:nvSpPr>
         <p:spPr>
           <a:xfrm>
-            <a:off x="2857488" y="642918"/>
-            <a:ext cx="3857652" cy="615553"/>
+            <a:off x="0" y="40943"/>
+            <a:ext cx="9144000" cy="1723549"/>
           </a:xfrm>
           <a:prstGeom prst="rect">
             <a:avLst/>
@@ -9759,11 +10546,37 @@
           </a:bodyPr>
           <a:lstStyle/>
           <a:p>
-            <a:r>
-              <a:rPr lang="it-IT" sz="3400" b="1" dirty="0" smtClean="0"/>
+            <a:pPr algn="ctr"/>
+            <a:r>
+              <a:rPr lang="it-IT" sz="4800" b="1" dirty="0" smtClean="0">
+                <a:latin typeface="+mj-lt"/>
+              </a:rPr>
+              <a:t>Gestione dei dati </a:t>
+            </a:r>
+            <a:r>
+              <a:rPr lang="it-IT" sz="4800" b="1" dirty="0" smtClean="0">
+                <a:latin typeface="+mj-lt"/>
+              </a:rPr>
+              <a:t>persistenti</a:t>
+            </a:r>
+          </a:p>
+          <a:p>
+            <a:pPr algn="ctr"/>
+            <a:r>
+              <a:rPr lang="it-IT" sz="3600" b="1" dirty="0" smtClean="0">
+                <a:latin typeface="+mj-lt"/>
+              </a:rPr>
               <a:t>ER Questionari</a:t>
             </a:r>
-            <a:endParaRPr lang="it-IT" sz="3400" b="1" dirty="0"/>
+            <a:endParaRPr lang="it-IT" sz="3600" b="1" dirty="0" smtClean="0">
+              <a:latin typeface="+mj-lt"/>
+            </a:endParaRPr>
+          </a:p>
+          <a:p>
+            <a:pPr algn="ctr"/>
+            <a:endParaRPr lang="it-IT" dirty="0">
+              <a:latin typeface="+mj-lt"/>
+            </a:endParaRPr>
           </a:p>
         </p:txBody>
       </p:sp>
@@ -9892,34 +10705,8 @@
         </p:blipFill>
         <p:spPr bwMode="auto">
           <a:xfrm>
-            <a:off x="6500826" y="4786322"/>
+            <a:off x="6857995" y="4786322"/>
             <a:ext cx="2286005" cy="1714504"/>
-          </a:xfrm>
-          <a:prstGeom prst="rect">
-            <a:avLst/>
-          </a:prstGeom>
-          <a:noFill/>
-        </p:spPr>
-      </p:pic>
-      <p:pic>
-        <p:nvPicPr>
-          <p:cNvPr id="4098" name="Picture 2" descr="D:\Tony\Omini\omino_divisione.jpg"/>
-          <p:cNvPicPr>
-            <a:picLocks noChangeAspect="1" noChangeArrowheads="1"/>
-          </p:cNvPicPr>
-          <p:nvPr/>
-        </p:nvPicPr>
-        <p:blipFill>
-          <a:blip r:embed="rId4" cstate="print"/>
-          <a:srcRect/>
-          <a:stretch>
-            <a:fillRect/>
-          </a:stretch>
-        </p:blipFill>
-        <p:spPr bwMode="auto">
-          <a:xfrm>
-            <a:off x="5929322" y="928670"/>
-            <a:ext cx="2667019" cy="2000264"/>
           </a:xfrm>
           <a:prstGeom prst="rect">
             <a:avLst/>
@@ -9935,7 +10722,7 @@
         </p:nvSpPr>
         <p:spPr>
           <a:xfrm>
-            <a:off x="0" y="428604"/>
+            <a:off x="0" y="403167"/>
             <a:ext cx="9144000" cy="1107996"/>
           </a:xfrm>
           <a:prstGeom prst="rect">
@@ -9954,7 +10741,13 @@
               <a:rPr lang="it-IT" sz="4800" b="1" dirty="0" smtClean="0">
                 <a:latin typeface="+mj-lt"/>
               </a:rPr>
-              <a:t>Pro\Contro SDD</a:t>
+              <a:t>Pro\Contro </a:t>
+            </a:r>
+            <a:r>
+              <a:rPr lang="it-IT" sz="4800" b="1" dirty="0" smtClean="0">
+                <a:latin typeface="+mj-lt"/>
+              </a:rPr>
+              <a:t>SDD</a:t>
             </a:r>
           </a:p>
           <a:p>
@@ -10333,53 +11126,88 @@
           </a:lstStyle>
           <a:p>
             <a:r>
+              <a:rPr lang="it-IT" b="1" dirty="0" smtClean="0">
+                <a:solidFill>
+                  <a:srgbClr val="FF0000"/>
+                </a:solidFill>
+              </a:rPr>
+              <a:t>Contro: </a:t>
+            </a:r>
+          </a:p>
+          <a:p>
+            <a:pPr lvl="1"/>
+            <a:r>
               <a:rPr lang="it-IT" dirty="0" smtClean="0"/>
-              <a:t>Contro: </a:t>
+              <a:t>Progettazione del DB relativa a questionari </a:t>
+            </a:r>
+          </a:p>
+          <a:p>
+            <a:pPr lvl="2"/>
+            <a:r>
+              <a:rPr lang="it-IT" dirty="0" smtClean="0"/>
+              <a:t>Complessa </a:t>
+            </a:r>
+          </a:p>
+          <a:p>
+            <a:pPr lvl="2"/>
+            <a:r>
+              <a:rPr lang="it-IT" dirty="0"/>
+              <a:t>M</a:t>
+            </a:r>
+            <a:r>
+              <a:rPr lang="it-IT" dirty="0" smtClean="0"/>
+              <a:t>odificata spesso </a:t>
             </a:r>
           </a:p>
           <a:p>
             <a:pPr lvl="1"/>
             <a:r>
               <a:rPr lang="it-IT" dirty="0" smtClean="0"/>
-              <a:t>Divisione sottosistemi complessa</a:t>
-            </a:r>
-          </a:p>
-          <a:p>
-            <a:pPr lvl="1"/>
+              <a:t>Ha portato ad una prima versione dell’SDD </a:t>
+            </a:r>
+          </a:p>
+          <a:p>
+            <a:pPr lvl="2"/>
+            <a:r>
+              <a:rPr lang="it-IT" dirty="0"/>
+              <a:t>P</a:t>
+            </a:r>
             <a:r>
               <a:rPr lang="it-IT" dirty="0" smtClean="0"/>
-              <a:t>Progettazione e realizzazione del Database </a:t>
-            </a:r>
-          </a:p>
-          <a:p>
-            <a:pPr lvl="1"/>
-            <a:endParaRPr lang="it-IT" dirty="0" smtClean="0"/>
-          </a:p>
-          <a:p>
-            <a:pPr lvl="1">
+              <a:t>oco robusta</a:t>
+            </a:r>
+          </a:p>
+          <a:p>
+            <a:pPr marL="667512" lvl="2" indent="0">
               <a:buNone/>
             </a:pPr>
             <a:endParaRPr lang="it-IT" dirty="0" smtClean="0"/>
           </a:p>
           <a:p>
             <a:r>
-              <a:rPr lang="it-IT" dirty="0" smtClean="0"/>
-              <a:t>Pro:</a:t>
+              <a:rPr lang="it-IT" b="1" dirty="0" smtClean="0">
+                <a:solidFill>
+                  <a:srgbClr val="00B050"/>
+                </a:solidFill>
+              </a:rPr>
+              <a:t>Pro</a:t>
+            </a:r>
+            <a:r>
+              <a:rPr lang="it-IT" b="1" dirty="0" smtClean="0">
+                <a:solidFill>
+                  <a:srgbClr val="00B050"/>
+                </a:solidFill>
+              </a:rPr>
+              <a:t>:</a:t>
             </a:r>
           </a:p>
           <a:p>
             <a:pPr lvl="1"/>
-            <a:r>
-              <a:rPr lang="it-IT" dirty="0" smtClean="0"/>
-              <a:t>Realizzazione di un prototipo.</a:t>
-            </a:r>
-          </a:p>
-          <a:p>
-            <a:pPr lvl="1"/>
-            <a:r>
-              <a:rPr lang="it-IT" dirty="0" smtClean="0"/>
-              <a:t>Presentazione del prototipo al committente.</a:t>
-            </a:r>
+            <a:endParaRPr lang="it-IT" b="1" dirty="0" smtClean="0">
+              <a:solidFill>
+                <a:srgbClr val="00B050"/>
+              </a:solidFill>
+            </a:endParaRPr>
           </a:p>
         </p:txBody>
       </p:sp>
@@ -10391,7 +11219,7 @@
         </p:nvSpPr>
         <p:spPr>
           <a:xfrm>
-            <a:off x="7643834" y="5143512"/>
+            <a:off x="8000997" y="5202808"/>
             <a:ext cx="928694" cy="369332"/>
           </a:xfrm>
           <a:prstGeom prst="rect">
@@ -10801,33 +11629,185 @@
                                   </p:childTnLst>
                                 </p:cTn>
                               </p:par>
-                            </p:childTnLst>
-                          </p:cTn>
-                        </p:par>
-                      </p:childTnLst>
-                    </p:cTn>
-                  </p:par>
-                  <p:par>
-                    <p:cTn id="23" fill="hold">
-                      <p:stCondLst>
-                        <p:cond delay="indefinite"/>
-                      </p:stCondLst>
-                      <p:childTnLst>
-                        <p:par>
-                          <p:cTn id="24" fill="hold">
-                            <p:stCondLst>
-                              <p:cond delay="0"/>
-                            </p:stCondLst>
-                            <p:childTnLst>
                               <p:par>
-                                <p:cTn id="25" presetID="2" presetClass="entr" presetSubtype="4" fill="hold" grpId="0" nodeType="clickEffect">
+                                <p:cTn id="23" presetID="2" presetClass="entr" presetSubtype="4" fill="hold" grpId="0" nodeType="withEffect">
                                   <p:stCondLst>
                                     <p:cond delay="0"/>
                                   </p:stCondLst>
                                   <p:childTnLst>
                                     <p:set>
                                       <p:cBhvr>
-                                        <p:cTn id="26" dur="1" fill="hold">
+                                        <p:cTn id="24" dur="1" fill="hold">
+                                          <p:stCondLst>
+                                            <p:cond delay="0"/>
+                                          </p:stCondLst>
+                                        </p:cTn>
+                                        <p:tgtEl>
+                                          <p:spTgt spid="5">
+                                            <p:txEl>
+                                              <p:pRg st="3" end="3"/>
+                                            </p:txEl>
+                                          </p:spTgt>
+                                        </p:tgtEl>
+                                        <p:attrNameLst>
+                                          <p:attrName>style.visibility</p:attrName>
+                                        </p:attrNameLst>
+                                      </p:cBhvr>
+                                      <p:to>
+                                        <p:strVal val="visible"/>
+                                      </p:to>
+                                    </p:set>
+                                    <p:anim calcmode="lin" valueType="num">
+                                      <p:cBhvr additive="base">
+                                        <p:cTn id="25" dur="500" fill="hold"/>
+                                        <p:tgtEl>
+                                          <p:spTgt spid="5">
+                                            <p:txEl>
+                                              <p:pRg st="3" end="3"/>
+                                            </p:txEl>
+                                          </p:spTgt>
+                                        </p:tgtEl>
+                                        <p:attrNameLst>
+                                          <p:attrName>ppt_x</p:attrName>
+                                        </p:attrNameLst>
+                                      </p:cBhvr>
+                                      <p:tavLst>
+                                        <p:tav tm="0">
+                                          <p:val>
+                                            <p:strVal val="#ppt_x"/>
+                                          </p:val>
+                                        </p:tav>
+                                        <p:tav tm="100000">
+                                          <p:val>
+                                            <p:strVal val="#ppt_x"/>
+                                          </p:val>
+                                        </p:tav>
+                                      </p:tavLst>
+                                    </p:anim>
+                                    <p:anim calcmode="lin" valueType="num">
+                                      <p:cBhvr additive="base">
+                                        <p:cTn id="26" dur="500" fill="hold"/>
+                                        <p:tgtEl>
+                                          <p:spTgt spid="5">
+                                            <p:txEl>
+                                              <p:pRg st="3" end="3"/>
+                                            </p:txEl>
+                                          </p:spTgt>
+                                        </p:tgtEl>
+                                        <p:attrNameLst>
+                                          <p:attrName>ppt_y</p:attrName>
+                                        </p:attrNameLst>
+                                      </p:cBhvr>
+                                      <p:tavLst>
+                                        <p:tav tm="0">
+                                          <p:val>
+                                            <p:strVal val="1+#ppt_h/2"/>
+                                          </p:val>
+                                        </p:tav>
+                                        <p:tav tm="100000">
+                                          <p:val>
+                                            <p:strVal val="#ppt_y"/>
+                                          </p:val>
+                                        </p:tav>
+                                      </p:tavLst>
+                                    </p:anim>
+                                  </p:childTnLst>
+                                </p:cTn>
+                              </p:par>
+                              <p:par>
+                                <p:cTn id="27" presetID="2" presetClass="entr" presetSubtype="4" fill="hold" grpId="0" nodeType="withEffect">
+                                  <p:stCondLst>
+                                    <p:cond delay="0"/>
+                                  </p:stCondLst>
+                                  <p:childTnLst>
+                                    <p:set>
+                                      <p:cBhvr>
+                                        <p:cTn id="28" dur="1" fill="hold">
+                                          <p:stCondLst>
+                                            <p:cond delay="0"/>
+                                          </p:stCondLst>
+                                        </p:cTn>
+                                        <p:tgtEl>
+                                          <p:spTgt spid="5">
+                                            <p:txEl>
+                                              <p:pRg st="4" end="4"/>
+                                            </p:txEl>
+                                          </p:spTgt>
+                                        </p:tgtEl>
+                                        <p:attrNameLst>
+                                          <p:attrName>style.visibility</p:attrName>
+                                        </p:attrNameLst>
+                                      </p:cBhvr>
+                                      <p:to>
+                                        <p:strVal val="visible"/>
+                                      </p:to>
+                                    </p:set>
+                                    <p:anim calcmode="lin" valueType="num">
+                                      <p:cBhvr additive="base">
+                                        <p:cTn id="29" dur="500" fill="hold"/>
+                                        <p:tgtEl>
+                                          <p:spTgt spid="5">
+                                            <p:txEl>
+                                              <p:pRg st="4" end="4"/>
+                                            </p:txEl>
+                                          </p:spTgt>
+                                        </p:tgtEl>
+                                        <p:attrNameLst>
+                                          <p:attrName>ppt_x</p:attrName>
+                                        </p:attrNameLst>
+                                      </p:cBhvr>
+                                      <p:tavLst>
+                                        <p:tav tm="0">
+                                          <p:val>
+                                            <p:strVal val="#ppt_x"/>
+                                          </p:val>
+                                        </p:tav>
+                                        <p:tav tm="100000">
+                                          <p:val>
+                                            <p:strVal val="#ppt_x"/>
+                                          </p:val>
+                                        </p:tav>
+                                      </p:tavLst>
+                                    </p:anim>
+                                    <p:anim calcmode="lin" valueType="num">
+                                      <p:cBhvr additive="base">
+                                        <p:cTn id="30" dur="500" fill="hold"/>
+                                        <p:tgtEl>
+                                          <p:spTgt spid="5">
+                                            <p:txEl>
+                                              <p:pRg st="4" end="4"/>
+                                            </p:txEl>
+                                          </p:spTgt>
+                                        </p:tgtEl>
+                                        <p:attrNameLst>
+                                          <p:attrName>ppt_y</p:attrName>
+                                        </p:attrNameLst>
+                                      </p:cBhvr>
+                                      <p:tavLst>
+                                        <p:tav tm="0">
+                                          <p:val>
+                                            <p:strVal val="1+#ppt_h/2"/>
+                                          </p:val>
+                                        </p:tav>
+                                        <p:tav tm="100000">
+                                          <p:val>
+                                            <p:strVal val="#ppt_y"/>
+                                          </p:val>
+                                        </p:tav>
+                                      </p:tavLst>
+                                    </p:anim>
+                                  </p:childTnLst>
+                                </p:cTn>
+                              </p:par>
+                              <p:par>
+                                <p:cTn id="31" presetID="2" presetClass="entr" presetSubtype="4" fill="hold" grpId="0" nodeType="withEffect">
+                                  <p:stCondLst>
+                                    <p:cond delay="0"/>
+                                  </p:stCondLst>
+                                  <p:childTnLst>
+                                    <p:set>
+                                      <p:cBhvr>
+                                        <p:cTn id="32" dur="1" fill="hold">
                                           <p:stCondLst>
                                             <p:cond delay="0"/>
                                           </p:stCondLst>
@@ -10849,7 +11829,7 @@
                                     </p:set>
                                     <p:anim calcmode="lin" valueType="num">
                                       <p:cBhvr additive="base">
-                                        <p:cTn id="27" dur="500" fill="hold"/>
+                                        <p:cTn id="33" dur="500" fill="hold"/>
                                         <p:tgtEl>
                                           <p:spTgt spid="5">
                                             <p:txEl>
@@ -10876,7 +11856,7 @@
                                     </p:anim>
                                     <p:anim calcmode="lin" valueType="num">
                                       <p:cBhvr additive="base">
-                                        <p:cTn id="28" dur="500" fill="hold"/>
+                                        <p:cTn id="34" dur="500" fill="hold"/>
                                         <p:tgtEl>
                                           <p:spTgt spid="5">
                                             <p:txEl>
@@ -10904,100 +11884,33 @@
                                   </p:childTnLst>
                                 </p:cTn>
                               </p:par>
+                            </p:childTnLst>
+                          </p:cTn>
+                        </p:par>
+                      </p:childTnLst>
+                    </p:cTn>
+                  </p:par>
+                  <p:par>
+                    <p:cTn id="35" fill="hold">
+                      <p:stCondLst>
+                        <p:cond delay="indefinite"/>
+                      </p:stCondLst>
+                      <p:childTnLst>
+                        <p:par>
+                          <p:cTn id="36" fill="hold">
+                            <p:stCondLst>
+                              <p:cond delay="0"/>
+                            </p:stCondLst>
+                            <p:childTnLst>
                               <p:par>
-                                <p:cTn id="29" presetID="2" presetClass="entr" presetSubtype="4" fill="hold" grpId="0" nodeType="withEffect">
+                                <p:cTn id="37" presetID="2" presetClass="entr" presetSubtype="4" fill="hold" grpId="0" nodeType="clickEffect">
                                   <p:stCondLst>
                                     <p:cond delay="0"/>
                                   </p:stCondLst>
                                   <p:childTnLst>
                                     <p:set>
                                       <p:cBhvr>
-                                        <p:cTn id="30" dur="1" fill="hold">
-                                          <p:stCondLst>
-                                            <p:cond delay="0"/>
-                                          </p:stCondLst>
-                                        </p:cTn>
-                                        <p:tgtEl>
-                                          <p:spTgt spid="5">
-                                            <p:txEl>
-                                              <p:pRg st="6" end="6"/>
-                                            </p:txEl>
-                                          </p:spTgt>
-                                        </p:tgtEl>
-                                        <p:attrNameLst>
-                                          <p:attrName>style.visibility</p:attrName>
-                                        </p:attrNameLst>
-                                      </p:cBhvr>
-                                      <p:to>
-                                        <p:strVal val="visible"/>
-                                      </p:to>
-                                    </p:set>
-                                    <p:anim calcmode="lin" valueType="num">
-                                      <p:cBhvr additive="base">
-                                        <p:cTn id="31" dur="500" fill="hold"/>
-                                        <p:tgtEl>
-                                          <p:spTgt spid="5">
-                                            <p:txEl>
-                                              <p:pRg st="6" end="6"/>
-                                            </p:txEl>
-                                          </p:spTgt>
-                                        </p:tgtEl>
-                                        <p:attrNameLst>
-                                          <p:attrName>ppt_x</p:attrName>
-                                        </p:attrNameLst>
-                                      </p:cBhvr>
-                                      <p:tavLst>
-                                        <p:tav tm="0">
-                                          <p:val>
-                                            <p:strVal val="#ppt_x"/>
-                                          </p:val>
-                                        </p:tav>
-                                        <p:tav tm="100000">
-                                          <p:val>
-                                            <p:strVal val="#ppt_x"/>
-                                          </p:val>
-                                        </p:tav>
-                                      </p:tavLst>
-                                    </p:anim>
-                                    <p:anim calcmode="lin" valueType="num">
-                                      <p:cBhvr additive="base">
-                                        <p:cTn id="32" dur="500" fill="hold"/>
-                                        <p:tgtEl>
-                                          <p:spTgt spid="5">
-                                            <p:txEl>
-                                              <p:pRg st="6" end="6"/>
-                                            </p:txEl>
-                                          </p:spTgt>
-                                        </p:tgtEl>
-                                        <p:attrNameLst>
-                                          <p:attrName>ppt_y</p:attrName>
-                                        </p:attrNameLst>
-                                      </p:cBhvr>
-                                      <p:tavLst>
-                                        <p:tav tm="0">
-                                          <p:val>
-                                            <p:strVal val="1+#ppt_h/2"/>
-                                          </p:val>
-                                        </p:tav>
-                                        <p:tav tm="100000">
-                                          <p:val>
-                                            <p:strVal val="#ppt_y"/>
-                                          </p:val>
-                                        </p:tav>
-                                      </p:tavLst>
-                                    </p:anim>
-                                  </p:childTnLst>
-                                </p:cTn>
-                              </p:par>
-                              <p:par>
-                                <p:cTn id="33" presetID="2" presetClass="entr" presetSubtype="4" fill="hold" grpId="0" nodeType="withEffect">
-                                  <p:stCondLst>
-                                    <p:cond delay="0"/>
-                                  </p:stCondLst>
-                                  <p:childTnLst>
-                                    <p:set>
-                                      <p:cBhvr>
-                                        <p:cTn id="34" dur="1" fill="hold">
+                                        <p:cTn id="38" dur="1" fill="hold">
                                           <p:stCondLst>
                                             <p:cond delay="0"/>
                                           </p:stCondLst>
@@ -11019,7 +11932,7 @@
                                     </p:set>
                                     <p:anim calcmode="lin" valueType="num">
                                       <p:cBhvr additive="base">
-                                        <p:cTn id="35" dur="500" fill="hold"/>
+                                        <p:cTn id="39" dur="500" fill="hold"/>
                                         <p:tgtEl>
                                           <p:spTgt spid="5">
                                             <p:txEl>
@@ -11046,7 +11959,7 @@
                                     </p:anim>
                                     <p:anim calcmode="lin" valueType="num">
                                       <p:cBhvr additive="base">
-                                        <p:cTn id="36" dur="500" fill="hold"/>
+                                        <p:cTn id="40" dur="500" fill="hold"/>
                                         <p:tgtEl>
                                           <p:spTgt spid="5">
                                             <p:txEl>
@@ -11074,59 +11987,24 @@
                                   </p:childTnLst>
                                 </p:cTn>
                               </p:par>
+                            </p:childTnLst>
+                          </p:cTn>
+                        </p:par>
+                        <p:par>
+                          <p:cTn id="41" fill="hold">
+                            <p:stCondLst>
+                              <p:cond delay="500"/>
+                            </p:stCondLst>
+                            <p:childTnLst>
                               <p:par>
-                                <p:cTn id="37" presetID="22" presetClass="entr" presetSubtype="4" fill="hold" nodeType="withEffect">
+                                <p:cTn id="42" presetID="22" presetClass="entr" presetSubtype="4" fill="hold" nodeType="afterEffect">
                                   <p:stCondLst>
                                     <p:cond delay="0"/>
                                   </p:stCondLst>
                                   <p:childTnLst>
                                     <p:set>
                                       <p:cBhvr>
-                                        <p:cTn id="38" dur="1" fill="hold">
-                                          <p:stCondLst>
-                                            <p:cond delay="0"/>
-                                          </p:stCondLst>
-                                        </p:cTn>
-                                        <p:tgtEl>
-                                          <p:spTgt spid="4098"/>
-                                        </p:tgtEl>
-                                        <p:attrNameLst>
-                                          <p:attrName>style.visibility</p:attrName>
-                                        </p:attrNameLst>
-                                      </p:cBhvr>
-                                      <p:to>
-                                        <p:strVal val="visible"/>
-                                      </p:to>
-                                    </p:set>
-                                    <p:animEffect transition="in" filter="wipe(down)">
-                                      <p:cBhvr>
-                                        <p:cTn id="39" dur="500"/>
-                                        <p:tgtEl>
-                                          <p:spTgt spid="4098"/>
-                                        </p:tgtEl>
-                                      </p:cBhvr>
-                                    </p:animEffect>
-                                  </p:childTnLst>
-                                </p:cTn>
-                              </p:par>
-                            </p:childTnLst>
-                          </p:cTn>
-                        </p:par>
-                        <p:par>
-                          <p:cTn id="40" fill="hold">
-                            <p:stCondLst>
-                              <p:cond delay="500"/>
-                            </p:stCondLst>
-                            <p:childTnLst>
-                              <p:par>
-                                <p:cTn id="41" presetID="22" presetClass="entr" presetSubtype="4" fill="hold" nodeType="afterEffect">
-                                  <p:stCondLst>
-                                    <p:cond delay="0"/>
-                                  </p:stCondLst>
-                                  <p:childTnLst>
-                                    <p:set>
-                                      <p:cBhvr>
-                                        <p:cTn id="42" dur="1" fill="hold">
+                                        <p:cTn id="43" dur="1" fill="hold">
                                           <p:stCondLst>
                                             <p:cond delay="0"/>
                                           </p:stCondLst>
@@ -11144,7 +12022,7 @@
                                     </p:set>
                                     <p:animEffect transition="in" filter="wipe(down)">
                                       <p:cBhvr>
-                                        <p:cTn id="43" dur="500"/>
+                                        <p:cTn id="44" dur="500"/>
                                         <p:tgtEl>
                                           <p:spTgt spid="4099"/>
                                         </p:tgtEl>
@@ -11157,20 +12035,20 @@
                           </p:cTn>
                         </p:par>
                         <p:par>
-                          <p:cTn id="44" fill="hold">
+                          <p:cTn id="45" fill="hold">
                             <p:stCondLst>
                               <p:cond delay="1000"/>
                             </p:stCondLst>
                             <p:childTnLst>
                               <p:par>
-                                <p:cTn id="45" presetID="22" presetClass="entr" presetSubtype="4" fill="hold" grpId="0" nodeType="afterEffect">
+                                <p:cTn id="46" presetID="22" presetClass="entr" presetSubtype="4" fill="hold" grpId="0" nodeType="afterEffect">
                                   <p:stCondLst>
                                     <p:cond delay="0"/>
                                   </p:stCondLst>
                                   <p:childTnLst>
                                     <p:set>
                                       <p:cBhvr>
-                                        <p:cTn id="46" dur="1" fill="hold">
+                                        <p:cTn id="47" dur="1" fill="hold">
                                           <p:stCondLst>
                                             <p:cond delay="0"/>
                                           </p:stCondLst>
@@ -11188,7 +12066,7 @@
                                     </p:set>
                                     <p:animEffect transition="in" filter="wipe(down)">
                                       <p:cBhvr>
-                                        <p:cTn id="47" dur="500"/>
+                                        <p:cTn id="48" dur="500"/>
                                         <p:tgtEl>
                                           <p:spTgt spid="8"/>
                                         </p:tgtEl>
@@ -21019,7 +21897,7 @@
       </p:grpSpPr>
       <p:pic>
         <p:nvPicPr>
-          <p:cNvPr id="5122" name="Picture 2" descr="D:\Tony\Omini\omino_contratto.jpg"/>
+          <p:cNvPr id="5124" name="Picture 4" descr="D:\Tony\Omini\omini_puzzle.jpg"/>
           <p:cNvPicPr>
             <a:picLocks noChangeAspect="1" noChangeArrowheads="1"/>
           </p:cNvPicPr>
@@ -21034,7 +21912,33 @@
         </p:blipFill>
         <p:spPr bwMode="auto">
           <a:xfrm>
-            <a:off x="7072330" y="928670"/>
+            <a:off x="6242027" y="4623456"/>
+            <a:ext cx="3021943" cy="2214554"/>
+          </a:xfrm>
+          <a:prstGeom prst="rect">
+            <a:avLst/>
+          </a:prstGeom>
+          <a:noFill/>
+        </p:spPr>
+      </p:pic>
+      <p:pic>
+        <p:nvPicPr>
+          <p:cNvPr id="5122" name="Picture 2" descr="D:\Tony\Omini\omino_contratto.jpg"/>
+          <p:cNvPicPr>
+            <a:picLocks noChangeAspect="1" noChangeArrowheads="1"/>
+          </p:cNvPicPr>
+          <p:nvPr/>
+        </p:nvPicPr>
+        <p:blipFill>
+          <a:blip r:embed="rId4"/>
+          <a:srcRect/>
+          <a:stretch>
+            <a:fillRect/>
+          </a:stretch>
+        </p:blipFill>
+        <p:spPr bwMode="auto">
+          <a:xfrm>
+            <a:off x="7331040" y="1119972"/>
             <a:ext cx="1361338" cy="1474783"/>
           </a:xfrm>
           <a:prstGeom prst="rect">
@@ -21051,7 +21955,7 @@
         </p:nvSpPr>
         <p:spPr>
           <a:xfrm>
-            <a:off x="0" y="428604"/>
+            <a:off x="39154" y="450303"/>
             <a:ext cx="9144000" cy="1107996"/>
           </a:xfrm>
           <a:prstGeom prst="rect">
@@ -21262,7 +22166,11 @@
           </a:lstStyle>
           <a:p>
             <a:r>
-              <a:rPr lang="it-IT" dirty="0" smtClean="0"/>
+              <a:rPr lang="it-IT" b="1" dirty="0" smtClean="0">
+                <a:solidFill>
+                  <a:srgbClr val="FF0000"/>
+                </a:solidFill>
+              </a:rPr>
               <a:t>Contro: </a:t>
             </a:r>
           </a:p>
@@ -21273,7 +22181,51 @@
                 <a:latin typeface="Arial" pitchFamily="34" charset="0"/>
                 <a:cs typeface="Arial" pitchFamily="34" charset="0"/>
               </a:rPr>
-              <a:t>Mancanza dell’incapsulamento dei contratti in metodi adatti</a:t>
+              <a:t>Nella prima versione dell’ ODD </a:t>
+            </a:r>
+          </a:p>
+          <a:p>
+            <a:pPr lvl="2"/>
+            <a:r>
+              <a:rPr lang="it-IT" sz="2000" dirty="0" smtClean="0">
+                <a:latin typeface="Arial" pitchFamily="34" charset="0"/>
+                <a:cs typeface="Arial" pitchFamily="34" charset="0"/>
+              </a:rPr>
+              <a:t>Design Pattern poco descritti</a:t>
+            </a:r>
+          </a:p>
+          <a:p>
+            <a:pPr lvl="1"/>
+            <a:r>
+              <a:rPr lang="it-IT" sz="2200" dirty="0" smtClean="0">
+                <a:latin typeface="Arial" pitchFamily="34" charset="0"/>
+                <a:cs typeface="Arial" pitchFamily="34" charset="0"/>
+              </a:rPr>
+              <a:t>Nell’ultima versione dell’ODD </a:t>
+            </a:r>
+          </a:p>
+          <a:p>
+            <a:pPr lvl="2"/>
+            <a:r>
+              <a:rPr lang="it-IT" sz="2000" dirty="0" smtClean="0">
+                <a:latin typeface="Arial" pitchFamily="34" charset="0"/>
+                <a:cs typeface="Arial" pitchFamily="34" charset="0"/>
+              </a:rPr>
+              <a:t>Alcuni </a:t>
+            </a:r>
+            <a:r>
+              <a:rPr lang="it-IT" sz="2000" dirty="0" err="1" smtClean="0">
+                <a:latin typeface="Arial" pitchFamily="34" charset="0"/>
+                <a:cs typeface="Arial" pitchFamily="34" charset="0"/>
+              </a:rPr>
+              <a:t>Javadoc</a:t>
+            </a:r>
+            <a:r>
+              <a:rPr lang="it-IT" sz="2000" dirty="0" smtClean="0">
+                <a:latin typeface="Arial" pitchFamily="34" charset="0"/>
+                <a:cs typeface="Arial" pitchFamily="34" charset="0"/>
+              </a:rPr>
+              <a:t> sono in inglese altri in italiano</a:t>
             </a:r>
           </a:p>
           <a:p>
@@ -21283,22 +22235,43 @@
             <a:endParaRPr lang="it-IT" dirty="0" smtClean="0"/>
           </a:p>
           <a:p>
-            <a:pPr lvl="1">
-              <a:buNone/>
-            </a:pPr>
-            <a:endParaRPr lang="it-IT" dirty="0" smtClean="0"/>
-          </a:p>
-          <a:p>
-            <a:r>
-              <a:rPr lang="it-IT" dirty="0" smtClean="0"/>
+            <a:r>
+              <a:rPr lang="it-IT" b="1" dirty="0" smtClean="0">
+                <a:solidFill>
+                  <a:srgbClr val="00B050"/>
+                </a:solidFill>
+              </a:rPr>
               <a:t>Pro:</a:t>
             </a:r>
           </a:p>
           <a:p>
             <a:pPr lvl="1"/>
             <a:r>
-              <a:rPr lang="it-IT" dirty="0" smtClean="0"/>
-              <a:t>Utilizzo di tool come JDeveloper per la creazione automatica del codice</a:t>
+              <a:rPr lang="it-IT" sz="2200" dirty="0">
+                <a:latin typeface="Arial" pitchFamily="34" charset="0"/>
+                <a:cs typeface="Arial" pitchFamily="34" charset="0"/>
+              </a:rPr>
+              <a:t>Nonostante non tutte le funzionalità siano state implementate</a:t>
+            </a:r>
+          </a:p>
+          <a:p>
+            <a:pPr lvl="2"/>
+            <a:r>
+              <a:rPr lang="it-IT" sz="2000" dirty="0">
+                <a:latin typeface="Arial" pitchFamily="34" charset="0"/>
+                <a:cs typeface="Arial" pitchFamily="34" charset="0"/>
+              </a:rPr>
+              <a:t>Il database di queste parti è presente</a:t>
+            </a:r>
+          </a:p>
+          <a:p>
+            <a:pPr lvl="2"/>
+            <a:r>
+              <a:rPr lang="it-IT" sz="2000" dirty="0">
+                <a:latin typeface="Arial" pitchFamily="34" charset="0"/>
+                <a:cs typeface="Arial" pitchFamily="34" charset="0"/>
+              </a:rPr>
+              <a:t>E coerente con la fase di analisi</a:t>
             </a:r>
           </a:p>
           <a:p>
@@ -21307,32 +22280,6 @@
           </a:p>
         </p:txBody>
       </p:sp>
-      <p:pic>
-        <p:nvPicPr>
-          <p:cNvPr id="5124" name="Picture 4" descr="D:\Tony\Omini\omini_puzzle.jpg"/>
-          <p:cNvPicPr>
-            <a:picLocks noChangeAspect="1" noChangeArrowheads="1"/>
-          </p:cNvPicPr>
-          <p:nvPr/>
-        </p:nvPicPr>
-        <p:blipFill>
-          <a:blip r:embed="rId4"/>
-          <a:srcRect/>
-          <a:stretch>
-            <a:fillRect/>
-          </a:stretch>
-        </p:blipFill>
-        <p:spPr bwMode="auto">
-          <a:xfrm>
-            <a:off x="5572131" y="4643446"/>
-            <a:ext cx="3021943" cy="2214554"/>
-          </a:xfrm>
-          <a:prstGeom prst="rect">
-            <a:avLst/>
-          </a:prstGeom>
-          <a:noFill/>
-        </p:spPr>
-      </p:pic>
     </p:spTree>
   </p:cSld>
   <p:clrMapOvr>
@@ -21528,33 +22475,185 @@
                                   </p:childTnLst>
                                 </p:cTn>
                               </p:par>
-                            </p:childTnLst>
-                          </p:cTn>
-                        </p:par>
-                      </p:childTnLst>
-                    </p:cTn>
-                  </p:par>
-                  <p:par>
-                    <p:cTn id="13" fill="hold">
-                      <p:stCondLst>
-                        <p:cond delay="indefinite"/>
-                      </p:stCondLst>
-                      <p:childTnLst>
-                        <p:par>
-                          <p:cTn id="14" fill="hold">
-                            <p:stCondLst>
-                              <p:cond delay="0"/>
-                            </p:stCondLst>
-                            <p:childTnLst>
                               <p:par>
-                                <p:cTn id="15" presetID="2" presetClass="entr" presetSubtype="4" fill="hold" grpId="0" nodeType="clickEffect">
+                                <p:cTn id="13" presetID="2" presetClass="entr" presetSubtype="4" fill="hold" grpId="0" nodeType="withEffect">
                                   <p:stCondLst>
                                     <p:cond delay="0"/>
                                   </p:stCondLst>
                                   <p:childTnLst>
                                     <p:set>
                                       <p:cBhvr>
-                                        <p:cTn id="16" dur="1" fill="hold">
+                                        <p:cTn id="14" dur="1" fill="hold">
+                                          <p:stCondLst>
+                                            <p:cond delay="0"/>
+                                          </p:stCondLst>
+                                        </p:cTn>
+                                        <p:tgtEl>
+                                          <p:spTgt spid="3">
+                                            <p:txEl>
+                                              <p:pRg st="2" end="2"/>
+                                            </p:txEl>
+                                          </p:spTgt>
+                                        </p:tgtEl>
+                                        <p:attrNameLst>
+                                          <p:attrName>style.visibility</p:attrName>
+                                        </p:attrNameLst>
+                                      </p:cBhvr>
+                                      <p:to>
+                                        <p:strVal val="visible"/>
+                                      </p:to>
+                                    </p:set>
+                                    <p:anim calcmode="lin" valueType="num">
+                                      <p:cBhvr additive="base">
+                                        <p:cTn id="15" dur="500" fill="hold"/>
+                                        <p:tgtEl>
+                                          <p:spTgt spid="3">
+                                            <p:txEl>
+                                              <p:pRg st="2" end="2"/>
+                                            </p:txEl>
+                                          </p:spTgt>
+                                        </p:tgtEl>
+                                        <p:attrNameLst>
+                                          <p:attrName>ppt_x</p:attrName>
+                                        </p:attrNameLst>
+                                      </p:cBhvr>
+                                      <p:tavLst>
+                                        <p:tav tm="0">
+                                          <p:val>
+                                            <p:strVal val="#ppt_x"/>
+                                          </p:val>
+                                        </p:tav>
+                                        <p:tav tm="100000">
+                                          <p:val>
+                                            <p:strVal val="#ppt_x"/>
+                                          </p:val>
+                                        </p:tav>
+                                      </p:tavLst>
+                                    </p:anim>
+                                    <p:anim calcmode="lin" valueType="num">
+                                      <p:cBhvr additive="base">
+                                        <p:cTn id="16" dur="500" fill="hold"/>
+                                        <p:tgtEl>
+                                          <p:spTgt spid="3">
+                                            <p:txEl>
+                                              <p:pRg st="2" end="2"/>
+                                            </p:txEl>
+                                          </p:spTgt>
+                                        </p:tgtEl>
+                                        <p:attrNameLst>
+                                          <p:attrName>ppt_y</p:attrName>
+                                        </p:attrNameLst>
+                                      </p:cBhvr>
+                                      <p:tavLst>
+                                        <p:tav tm="0">
+                                          <p:val>
+                                            <p:strVal val="1+#ppt_h/2"/>
+                                          </p:val>
+                                        </p:tav>
+                                        <p:tav tm="100000">
+                                          <p:val>
+                                            <p:strVal val="#ppt_y"/>
+                                          </p:val>
+                                        </p:tav>
+                                      </p:tavLst>
+                                    </p:anim>
+                                  </p:childTnLst>
+                                </p:cTn>
+                              </p:par>
+                              <p:par>
+                                <p:cTn id="17" presetID="2" presetClass="entr" presetSubtype="4" fill="hold" grpId="0" nodeType="withEffect">
+                                  <p:stCondLst>
+                                    <p:cond delay="0"/>
+                                  </p:stCondLst>
+                                  <p:childTnLst>
+                                    <p:set>
+                                      <p:cBhvr>
+                                        <p:cTn id="18" dur="1" fill="hold">
+                                          <p:stCondLst>
+                                            <p:cond delay="0"/>
+                                          </p:stCondLst>
+                                        </p:cTn>
+                                        <p:tgtEl>
+                                          <p:spTgt spid="3">
+                                            <p:txEl>
+                                              <p:pRg st="3" end="3"/>
+                                            </p:txEl>
+                                          </p:spTgt>
+                                        </p:tgtEl>
+                                        <p:attrNameLst>
+                                          <p:attrName>style.visibility</p:attrName>
+                                        </p:attrNameLst>
+                                      </p:cBhvr>
+                                      <p:to>
+                                        <p:strVal val="visible"/>
+                                      </p:to>
+                                    </p:set>
+                                    <p:anim calcmode="lin" valueType="num">
+                                      <p:cBhvr additive="base">
+                                        <p:cTn id="19" dur="500" fill="hold"/>
+                                        <p:tgtEl>
+                                          <p:spTgt spid="3">
+                                            <p:txEl>
+                                              <p:pRg st="3" end="3"/>
+                                            </p:txEl>
+                                          </p:spTgt>
+                                        </p:tgtEl>
+                                        <p:attrNameLst>
+                                          <p:attrName>ppt_x</p:attrName>
+                                        </p:attrNameLst>
+                                      </p:cBhvr>
+                                      <p:tavLst>
+                                        <p:tav tm="0">
+                                          <p:val>
+                                            <p:strVal val="#ppt_x"/>
+                                          </p:val>
+                                        </p:tav>
+                                        <p:tav tm="100000">
+                                          <p:val>
+                                            <p:strVal val="#ppt_x"/>
+                                          </p:val>
+                                        </p:tav>
+                                      </p:tavLst>
+                                    </p:anim>
+                                    <p:anim calcmode="lin" valueType="num">
+                                      <p:cBhvr additive="base">
+                                        <p:cTn id="20" dur="500" fill="hold"/>
+                                        <p:tgtEl>
+                                          <p:spTgt spid="3">
+                                            <p:txEl>
+                                              <p:pRg st="3" end="3"/>
+                                            </p:txEl>
+                                          </p:spTgt>
+                                        </p:tgtEl>
+                                        <p:attrNameLst>
+                                          <p:attrName>ppt_y</p:attrName>
+                                        </p:attrNameLst>
+                                      </p:cBhvr>
+                                      <p:tavLst>
+                                        <p:tav tm="0">
+                                          <p:val>
+                                            <p:strVal val="1+#ppt_h/2"/>
+                                          </p:val>
+                                        </p:tav>
+                                        <p:tav tm="100000">
+                                          <p:val>
+                                            <p:strVal val="#ppt_y"/>
+                                          </p:val>
+                                        </p:tav>
+                                      </p:tavLst>
+                                    </p:anim>
+                                  </p:childTnLst>
+                                </p:cTn>
+                              </p:par>
+                              <p:par>
+                                <p:cTn id="21" presetID="2" presetClass="entr" presetSubtype="4" fill="hold" grpId="0" nodeType="withEffect">
+                                  <p:stCondLst>
+                                    <p:cond delay="0"/>
+                                  </p:stCondLst>
+                                  <p:childTnLst>
+                                    <p:set>
+                                      <p:cBhvr>
+                                        <p:cTn id="22" dur="1" fill="hold">
                                           <p:stCondLst>
                                             <p:cond delay="0"/>
                                           </p:stCondLst>
@@ -21576,7 +22675,7 @@
                                     </p:set>
                                     <p:anim calcmode="lin" valueType="num">
                                       <p:cBhvr additive="base">
-                                        <p:cTn id="17" dur="500" fill="hold"/>
+                                        <p:cTn id="23" dur="500" fill="hold"/>
                                         <p:tgtEl>
                                           <p:spTgt spid="3">
                                             <p:txEl>
@@ -21603,7 +22702,7 @@
                                     </p:anim>
                                     <p:anim calcmode="lin" valueType="num">
                                       <p:cBhvr additive="base">
-                                        <p:cTn id="18" dur="500" fill="hold"/>
+                                        <p:cTn id="24" dur="500" fill="hold"/>
                                         <p:tgtEl>
                                           <p:spTgt spid="3">
                                             <p:txEl>
@@ -21631,15 +22730,33 @@
                                   </p:childTnLst>
                                 </p:cTn>
                               </p:par>
+                            </p:childTnLst>
+                          </p:cTn>
+                        </p:par>
+                      </p:childTnLst>
+                    </p:cTn>
+                  </p:par>
+                  <p:par>
+                    <p:cTn id="25" fill="hold">
+                      <p:stCondLst>
+                        <p:cond delay="indefinite"/>
+                      </p:stCondLst>
+                      <p:childTnLst>
+                        <p:par>
+                          <p:cTn id="26" fill="hold">
+                            <p:stCondLst>
+                              <p:cond delay="0"/>
+                            </p:stCondLst>
+                            <p:childTnLst>
                               <p:par>
-                                <p:cTn id="19" presetID="2" presetClass="entr" presetSubtype="4" fill="hold" grpId="0" nodeType="withEffect">
+                                <p:cTn id="27" presetID="2" presetClass="entr" presetSubtype="4" fill="hold" grpId="0" nodeType="clickEffect">
                                   <p:stCondLst>
                                     <p:cond delay="0"/>
                                   </p:stCondLst>
                                   <p:childTnLst>
                                     <p:set>
                                       <p:cBhvr>
-                                        <p:cTn id="20" dur="1" fill="hold">
+                                        <p:cTn id="28" dur="1" fill="hold">
                                           <p:stCondLst>
                                             <p:cond delay="0"/>
                                           </p:stCondLst>
@@ -21647,7 +22764,7 @@
                                         <p:tgtEl>
                                           <p:spTgt spid="3">
                                             <p:txEl>
-                                              <p:pRg st="5" end="5"/>
+                                              <p:pRg st="6" end="6"/>
                                             </p:txEl>
                                           </p:spTgt>
                                         </p:tgtEl>
@@ -21661,11 +22778,11 @@
                                     </p:set>
                                     <p:anim calcmode="lin" valueType="num">
                                       <p:cBhvr additive="base">
-                                        <p:cTn id="21" dur="500" fill="hold"/>
+                                        <p:cTn id="29" dur="500" fill="hold"/>
                                         <p:tgtEl>
                                           <p:spTgt spid="3">
                                             <p:txEl>
-                                              <p:pRg st="5" end="5"/>
+                                              <p:pRg st="6" end="6"/>
                                             </p:txEl>
                                           </p:spTgt>
                                         </p:tgtEl>
@@ -21688,11 +22805,11 @@
                                     </p:anim>
                                     <p:anim calcmode="lin" valueType="num">
                                       <p:cBhvr additive="base">
-                                        <p:cTn id="22" dur="500" fill="hold"/>
+                                        <p:cTn id="30" dur="500" fill="hold"/>
                                         <p:tgtEl>
                                           <p:spTgt spid="3">
                                             <p:txEl>
-                                              <p:pRg st="5" end="5"/>
+                                              <p:pRg st="6" end="6"/>
                                             </p:txEl>
                                           </p:spTgt>
                                         </p:tgtEl>
@@ -21717,14 +22834,14 @@
                                 </p:cTn>
                               </p:par>
                               <p:par>
-                                <p:cTn id="23" presetID="22" presetClass="entr" presetSubtype="4" fill="hold" nodeType="withEffect">
+                                <p:cTn id="31" presetID="22" presetClass="entr" presetSubtype="4" fill="hold" nodeType="withEffect">
                                   <p:stCondLst>
                                     <p:cond delay="0"/>
                                   </p:stCondLst>
                                   <p:childTnLst>
                                     <p:set>
                                       <p:cBhvr>
-                                        <p:cTn id="24" dur="1" fill="hold">
+                                        <p:cTn id="32" dur="1" fill="hold">
                                           <p:stCondLst>
                                             <p:cond delay="0"/>
                                           </p:stCondLst>
@@ -21742,7 +22859,7 @@
                                     </p:set>
                                     <p:animEffect transition="in" filter="wipe(down)">
                                       <p:cBhvr>
-                                        <p:cTn id="25" dur="500"/>
+                                        <p:cTn id="33" dur="500"/>
                                         <p:tgtEl>
                                           <p:spTgt spid="5122"/>
                                         </p:tgtEl>
@@ -21752,14 +22869,14 @@
                                 </p:cTn>
                               </p:par>
                               <p:par>
-                                <p:cTn id="26" presetID="22" presetClass="entr" presetSubtype="4" fill="hold" nodeType="withEffect">
+                                <p:cTn id="34" presetID="22" presetClass="entr" presetSubtype="4" fill="hold" nodeType="withEffect">
                                   <p:stCondLst>
                                     <p:cond delay="0"/>
                                   </p:stCondLst>
                                   <p:childTnLst>
                                     <p:set>
                                       <p:cBhvr>
-                                        <p:cTn id="27" dur="1" fill="hold">
+                                        <p:cTn id="35" dur="1" fill="hold">
                                           <p:stCondLst>
                                             <p:cond delay="0"/>
                                           </p:stCondLst>
@@ -21777,7 +22894,7 @@
                                     </p:set>
                                     <p:animEffect transition="in" filter="wipe(down)">
                                       <p:cBhvr>
-                                        <p:cTn id="28" dur="500"/>
+                                        <p:cTn id="36" dur="500"/>
                                         <p:tgtEl>
                                           <p:spTgt spid="5124"/>
                                         </p:tgtEl>
@@ -22078,6 +23195,18 @@
             <a:endParaRPr lang="en-US" dirty="0" smtClean="0"/>
           </a:p>
           <a:p>
+            <a:pPr marL="365760" lvl="1" indent="0"/>
+            <a:r>
+              <a:rPr lang="en-US" dirty="0" smtClean="0"/>
+              <a:t> </a:t>
+            </a:r>
+            <a:r>
+              <a:rPr lang="en-US" dirty="0" err="1" smtClean="0"/>
+              <a:t>Questionari</a:t>
+            </a:r>
+            <a:endParaRPr lang="en-US" dirty="0" smtClean="0"/>
+          </a:p>
+          <a:p>
             <a:pPr marL="0" indent="0"/>
             <a:r>
               <a:rPr lang="en-US" dirty="0" smtClean="0"/>
@@ -22111,8 +23240,21 @@
             </a:pPr>
             <a:r>
               <a:rPr lang="en-US" dirty="0" smtClean="0"/>
-              <a:t>Realizzare il sottosistema Questionari in maniera aderente a tutti i requisiti funzionali e non funzionali entro il 21/12/2012.</a:t>
-            </a:r>
+              <a:t>Realizzare il sottosistema Questionari in maniera aderente a tutti i requisiti funzionali e non funzionali entro </a:t>
+            </a:r>
+            <a:r>
+              <a:rPr lang="en-US" dirty="0" err="1" smtClean="0"/>
+              <a:t>il</a:t>
+            </a:r>
+            <a:r>
+              <a:rPr lang="en-US" dirty="0" smtClean="0"/>
+              <a:t> </a:t>
+            </a:r>
+            <a:r>
+              <a:rPr lang="en-US" dirty="0" smtClean="0"/>
+              <a:t>21/12/2012</a:t>
+            </a:r>
+            <a:endParaRPr lang="en-US" dirty="0" smtClean="0"/>
           </a:p>
           <a:p>
             <a:pPr marL="0" indent="0"/>
@@ -22243,33 +23385,15 @@
                                   </p:childTnLst>
                                 </p:cTn>
                               </p:par>
-                            </p:childTnLst>
-                          </p:cTn>
-                        </p:par>
-                      </p:childTnLst>
-                    </p:cTn>
-                  </p:par>
-                  <p:par>
-                    <p:cTn id="9" fill="hold">
-                      <p:stCondLst>
-                        <p:cond delay="indefinite"/>
-                      </p:stCondLst>
-                      <p:childTnLst>
-                        <p:par>
-                          <p:cTn id="10" fill="hold">
-                            <p:stCondLst>
-                              <p:cond delay="0"/>
-                            </p:stCondLst>
-                            <p:childTnLst>
                               <p:par>
-                                <p:cTn id="11" presetID="2" presetClass="entr" presetSubtype="4" fill="hold" grpId="0" nodeType="clickEffect">
+                                <p:cTn id="9" presetID="2" presetClass="entr" presetSubtype="4" fill="hold" grpId="0" nodeType="withEffect">
                                   <p:stCondLst>
                                     <p:cond delay="0"/>
                                   </p:stCondLst>
                                   <p:childTnLst>
                                     <p:set>
                                       <p:cBhvr>
-                                        <p:cTn id="12" dur="1" fill="hold">
+                                        <p:cTn id="10" dur="1" fill="hold">
                                           <p:stCondLst>
                                             <p:cond delay="0"/>
                                           </p:stCondLst>
@@ -22291,7 +23415,7 @@
                                     </p:set>
                                     <p:anim calcmode="lin" valueType="num">
                                       <p:cBhvr additive="base">
-                                        <p:cTn id="13" dur="500" fill="hold"/>
+                                        <p:cTn id="11" dur="500" fill="hold"/>
                                         <p:tgtEl>
                                           <p:spTgt spid="10">
                                             <p:txEl>
@@ -22318,7 +23442,7 @@
                                     </p:anim>
                                     <p:anim calcmode="lin" valueType="num">
                                       <p:cBhvr additive="base">
-                                        <p:cTn id="14" dur="500" fill="hold"/>
+                                        <p:cTn id="12" dur="500" fill="hold"/>
                                         <p:tgtEl>
                                           <p:spTgt spid="10">
                                             <p:txEl>
@@ -22353,26 +23477,26 @@
                     </p:cTn>
                   </p:par>
                   <p:par>
-                    <p:cTn id="15" fill="hold">
+                    <p:cTn id="13" fill="hold">
                       <p:stCondLst>
                         <p:cond delay="indefinite"/>
                       </p:stCondLst>
                       <p:childTnLst>
                         <p:par>
-                          <p:cTn id="16" fill="hold">
+                          <p:cTn id="14" fill="hold">
                             <p:stCondLst>
                               <p:cond delay="0"/>
                             </p:stCondLst>
                             <p:childTnLst>
                               <p:par>
-                                <p:cTn id="17" presetID="2" presetClass="entr" presetSubtype="4" fill="hold" grpId="0" nodeType="clickEffect">
+                                <p:cTn id="15" presetID="2" presetClass="entr" presetSubtype="4" fill="hold" grpId="0" nodeType="clickEffect">
                                   <p:stCondLst>
                                     <p:cond delay="0"/>
                                   </p:stCondLst>
                                   <p:childTnLst>
                                     <p:set>
                                       <p:cBhvr>
-                                        <p:cTn id="18" dur="1" fill="hold">
+                                        <p:cTn id="16" dur="1" fill="hold">
                                           <p:stCondLst>
                                             <p:cond delay="0"/>
                                           </p:stCondLst>
@@ -22394,7 +23518,7 @@
                                     </p:set>
                                     <p:anim calcmode="lin" valueType="num">
                                       <p:cBhvr additive="base">
-                                        <p:cTn id="19" dur="500" fill="hold"/>
+                                        <p:cTn id="17" dur="500" fill="hold"/>
                                         <p:tgtEl>
                                           <p:spTgt spid="10">
                                             <p:txEl>
@@ -22421,7 +23545,7 @@
                                     </p:anim>
                                     <p:anim calcmode="lin" valueType="num">
                                       <p:cBhvr additive="base">
-                                        <p:cTn id="20" dur="500" fill="hold"/>
+                                        <p:cTn id="18" dur="500" fill="hold"/>
                                         <p:tgtEl>
                                           <p:spTgt spid="10">
                                             <p:txEl>
@@ -22456,26 +23580,26 @@
                     </p:cTn>
                   </p:par>
                   <p:par>
-                    <p:cTn id="21" fill="hold">
+                    <p:cTn id="19" fill="hold">
                       <p:stCondLst>
                         <p:cond delay="indefinite"/>
                       </p:stCondLst>
                       <p:childTnLst>
                         <p:par>
-                          <p:cTn id="22" fill="hold">
+                          <p:cTn id="20" fill="hold">
                             <p:stCondLst>
                               <p:cond delay="0"/>
                             </p:stCondLst>
                             <p:childTnLst>
                               <p:par>
-                                <p:cTn id="23" presetID="2" presetClass="entr" presetSubtype="4" fill="hold" grpId="0" nodeType="clickEffect">
+                                <p:cTn id="21" presetID="2" presetClass="entr" presetSubtype="4" fill="hold" grpId="0" nodeType="clickEffect">
                                   <p:stCondLst>
                                     <p:cond delay="0"/>
                                   </p:stCondLst>
                                   <p:childTnLst>
                                     <p:set>
                                       <p:cBhvr>
-                                        <p:cTn id="24" dur="1" fill="hold">
+                                        <p:cTn id="22" dur="1" fill="hold">
                                           <p:stCondLst>
                                             <p:cond delay="0"/>
                                           </p:stCondLst>
@@ -22483,7 +23607,7 @@
                                         <p:tgtEl>
                                           <p:spTgt spid="10">
                                             <p:txEl>
-                                              <p:pRg st="4" end="4"/>
+                                              <p:pRg st="3" end="3"/>
                                             </p:txEl>
                                           </p:spTgt>
                                         </p:tgtEl>
@@ -22497,11 +23621,11 @@
                                     </p:set>
                                     <p:anim calcmode="lin" valueType="num">
                                       <p:cBhvr additive="base">
-                                        <p:cTn id="25" dur="500" fill="hold"/>
+                                        <p:cTn id="23" dur="500" fill="hold"/>
                                         <p:tgtEl>
                                           <p:spTgt spid="10">
                                             <p:txEl>
-                                              <p:pRg st="4" end="4"/>
+                                              <p:pRg st="3" end="3"/>
                                             </p:txEl>
                                           </p:spTgt>
                                         </p:tgtEl>
@@ -22524,11 +23648,114 @@
                                     </p:anim>
                                     <p:anim calcmode="lin" valueType="num">
                                       <p:cBhvr additive="base">
-                                        <p:cTn id="26" dur="500" fill="hold"/>
+                                        <p:cTn id="24" dur="500" fill="hold"/>
                                         <p:tgtEl>
                                           <p:spTgt spid="10">
                                             <p:txEl>
-                                              <p:pRg st="4" end="4"/>
+                                              <p:pRg st="3" end="3"/>
+                                            </p:txEl>
+                                          </p:spTgt>
+                                        </p:tgtEl>
+                                        <p:attrNameLst>
+                                          <p:attrName>ppt_y</p:attrName>
+                                        </p:attrNameLst>
+                                      </p:cBhvr>
+                                      <p:tavLst>
+                                        <p:tav tm="0">
+                                          <p:val>
+                                            <p:strVal val="1+#ppt_h/2"/>
+                                          </p:val>
+                                        </p:tav>
+                                        <p:tav tm="100000">
+                                          <p:val>
+                                            <p:strVal val="#ppt_y"/>
+                                          </p:val>
+                                        </p:tav>
+                                      </p:tavLst>
+                                    </p:anim>
+                                  </p:childTnLst>
+                                </p:cTn>
+                              </p:par>
+                            </p:childTnLst>
+                          </p:cTn>
+                        </p:par>
+                      </p:childTnLst>
+                    </p:cTn>
+                  </p:par>
+                  <p:par>
+                    <p:cTn id="25" fill="hold">
+                      <p:stCondLst>
+                        <p:cond delay="indefinite"/>
+                      </p:stCondLst>
+                      <p:childTnLst>
+                        <p:par>
+                          <p:cTn id="26" fill="hold">
+                            <p:stCondLst>
+                              <p:cond delay="0"/>
+                            </p:stCondLst>
+                            <p:childTnLst>
+                              <p:par>
+                                <p:cTn id="27" presetID="2" presetClass="entr" presetSubtype="4" fill="hold" grpId="0" nodeType="clickEffect">
+                                  <p:stCondLst>
+                                    <p:cond delay="0"/>
+                                  </p:stCondLst>
+                                  <p:childTnLst>
+                                    <p:set>
+                                      <p:cBhvr>
+                                        <p:cTn id="28" dur="1" fill="hold">
+                                          <p:stCondLst>
+                                            <p:cond delay="0"/>
+                                          </p:stCondLst>
+                                        </p:cTn>
+                                        <p:tgtEl>
+                                          <p:spTgt spid="10">
+                                            <p:txEl>
+                                              <p:pRg st="5" end="5"/>
+                                            </p:txEl>
+                                          </p:spTgt>
+                                        </p:tgtEl>
+                                        <p:attrNameLst>
+                                          <p:attrName>style.visibility</p:attrName>
+                                        </p:attrNameLst>
+                                      </p:cBhvr>
+                                      <p:to>
+                                        <p:strVal val="visible"/>
+                                      </p:to>
+                                    </p:set>
+                                    <p:anim calcmode="lin" valueType="num">
+                                      <p:cBhvr additive="base">
+                                        <p:cTn id="29" dur="500" fill="hold"/>
+                                        <p:tgtEl>
+                                          <p:spTgt spid="10">
+                                            <p:txEl>
+                                              <p:pRg st="5" end="5"/>
+                                            </p:txEl>
+                                          </p:spTgt>
+                                        </p:tgtEl>
+                                        <p:attrNameLst>
+                                          <p:attrName>ppt_x</p:attrName>
+                                        </p:attrNameLst>
+                                      </p:cBhvr>
+                                      <p:tavLst>
+                                        <p:tav tm="0">
+                                          <p:val>
+                                            <p:strVal val="#ppt_x"/>
+                                          </p:val>
+                                        </p:tav>
+                                        <p:tav tm="100000">
+                                          <p:val>
+                                            <p:strVal val="#ppt_x"/>
+                                          </p:val>
+                                        </p:tav>
+                                      </p:tavLst>
+                                    </p:anim>
+                                    <p:anim calcmode="lin" valueType="num">
+                                      <p:cBhvr additive="base">
+                                        <p:cTn id="30" dur="500" fill="hold"/>
+                                        <p:tgtEl>
+                                          <p:spTgt spid="10">
+                                            <p:txEl>
+                                              <p:pRg st="5" end="5"/>
                                             </p:txEl>
                                           </p:spTgt>
                                         </p:tgtEl>
@@ -23237,8 +24464,8 @@
         </p:nvSpPr>
         <p:spPr>
           <a:xfrm>
-            <a:off x="285720" y="1785926"/>
-            <a:ext cx="8429684" cy="2000264"/>
+            <a:off x="-34441" y="1783994"/>
+            <a:ext cx="8429684" cy="2725125"/>
           </a:xfrm>
           <a:prstGeom prst="rect">
             <a:avLst/>
@@ -23407,34 +24634,107 @@
             </a:lvl9pPr>
           </a:lstStyle>
           <a:p>
-            <a:pPr marL="365760" lvl="1" indent="0">
-              <a:buFont typeface="Wingdings" pitchFamily="2" charset="2"/>
-              <a:buChar char="v"/>
-            </a:pPr>
+            <a:pPr marL="457200" indent="-457200"/>
+            <a:r>
+              <a:rPr lang="en-US" sz="3000" dirty="0" err="1" smtClean="0"/>
+              <a:t>Elevata</a:t>
+            </a:r>
             <a:r>
               <a:rPr lang="en-US" sz="3000" dirty="0" smtClean="0"/>
-              <a:t>Contro:</a:t>
-            </a:r>
-          </a:p>
-          <a:p>
-            <a:pPr marL="640080" lvl="2" indent="0">
-              <a:buFont typeface="Courier New" pitchFamily="49" charset="0"/>
-              <a:buChar char="o"/>
-            </a:pPr>
-            <a:r>
-              <a:rPr lang="en-US" sz="2600" dirty="0" smtClean="0"/>
-              <a:t>Elevata complessità</a:t>
-            </a:r>
-          </a:p>
-          <a:p>
-            <a:pPr marL="640080" lvl="2" indent="0">
-              <a:buFont typeface="Courier New" pitchFamily="49" charset="0"/>
-              <a:buChar char="o"/>
-            </a:pPr>
-            <a:r>
-              <a:rPr lang="en-US" sz="2600" dirty="0" smtClean="0"/>
-              <a:t>Porzioni di codice poco commentate</a:t>
-            </a:r>
+              <a:t> </a:t>
+            </a:r>
+            <a:r>
+              <a:rPr lang="en-US" sz="3000" dirty="0" err="1" smtClean="0"/>
+              <a:t>complessità</a:t>
+            </a:r>
+            <a:r>
+              <a:rPr lang="en-US" sz="3000" dirty="0" smtClean="0"/>
+              <a:t> </a:t>
+            </a:r>
+            <a:r>
+              <a:rPr lang="en-US" sz="3000" dirty="0" err="1" smtClean="0"/>
+              <a:t>della</a:t>
+            </a:r>
+            <a:r>
+              <a:rPr lang="en-US" sz="3000" dirty="0" smtClean="0"/>
+              <a:t> </a:t>
+            </a:r>
+            <a:r>
+              <a:rPr lang="en-US" sz="3000" dirty="0" err="1" smtClean="0"/>
+              <a:t>classe</a:t>
+            </a:r>
+            <a:endParaRPr lang="en-US" sz="3000" dirty="0" smtClean="0"/>
+          </a:p>
+          <a:p>
+            <a:pPr marL="365760" lvl="1" indent="0"/>
+            <a:r>
+              <a:rPr lang="en-US" dirty="0" smtClean="0"/>
+              <a:t> </a:t>
+            </a:r>
+            <a:r>
+              <a:rPr lang="en-US" dirty="0" err="1" smtClean="0"/>
+              <a:t>ControlQuestionario</a:t>
+            </a:r>
+            <a:endParaRPr lang="en-US" dirty="0" smtClean="0"/>
+          </a:p>
+          <a:p>
+            <a:pPr marL="365760" lvl="1" indent="0"/>
+            <a:endParaRPr lang="en-US" dirty="0" smtClean="0"/>
+          </a:p>
+          <a:p>
+            <a:pPr marL="0" indent="0"/>
+            <a:r>
+              <a:rPr lang="en-US" sz="3000" dirty="0" smtClean="0"/>
+              <a:t>Porzioni di codice </a:t>
+            </a:r>
+            <a:r>
+              <a:rPr lang="en-US" sz="3000" dirty="0" err="1" smtClean="0"/>
+              <a:t>poco</a:t>
+            </a:r>
+            <a:r>
+              <a:rPr lang="en-US" sz="3000" dirty="0" smtClean="0"/>
+              <a:t> </a:t>
+            </a:r>
+            <a:r>
+              <a:rPr lang="en-US" sz="3000" dirty="0" smtClean="0"/>
+              <a:t>commentate</a:t>
+            </a:r>
+          </a:p>
+          <a:p>
+            <a:pPr marL="0" indent="0"/>
+            <a:endParaRPr lang="en-US" sz="3000" dirty="0" smtClean="0"/>
+          </a:p>
+          <a:p>
+            <a:pPr marL="0" indent="0"/>
+            <a:r>
+              <a:rPr lang="en-US" sz="3000" dirty="0" err="1" smtClean="0"/>
+              <a:t>Presenza</a:t>
+            </a:r>
+            <a:r>
+              <a:rPr lang="en-US" sz="3000" dirty="0" smtClean="0"/>
+              <a:t> di un </a:t>
+            </a:r>
+            <a:r>
+              <a:rPr lang="en-US" sz="3000" dirty="0" err="1" smtClean="0"/>
+              <a:t>unica</a:t>
+            </a:r>
+            <a:r>
+              <a:rPr lang="en-US" sz="3000" dirty="0" smtClean="0"/>
+              <a:t> </a:t>
+            </a:r>
+            <a:r>
+              <a:rPr lang="en-US" sz="3000" dirty="0" err="1" smtClean="0"/>
+              <a:t>Eccezione</a:t>
+            </a:r>
+            <a:endParaRPr lang="en-US" sz="3000" dirty="0" smtClean="0"/>
+          </a:p>
+          <a:p>
+            <a:pPr marL="365760" lvl="1" indent="0"/>
+            <a:r>
+              <a:rPr lang="en-US" dirty="0" err="1" smtClean="0"/>
+              <a:t>QuestionarioException</a:t>
+            </a:r>
+            <a:endParaRPr lang="en-US" dirty="0" smtClean="0"/>
           </a:p>
           <a:p>
             <a:pPr marL="365760" lvl="1" indent="0">
@@ -23459,9 +24759,475 @@
           </a:p>
         </p:txBody>
       </p:sp>
+      <p:pic>
+        <p:nvPicPr>
+          <p:cNvPr id="6146" name="Picture 2" descr="D:\Tony\Omini\omino_soccorso.jpg"/>
+          <p:cNvPicPr>
+            <a:picLocks noChangeAspect="1" noChangeArrowheads="1"/>
+          </p:cNvPicPr>
+          <p:nvPr/>
+        </p:nvPicPr>
+        <p:blipFill>
+          <a:blip r:embed="rId3"/>
+          <a:srcRect/>
+          <a:stretch>
+            <a:fillRect/>
+          </a:stretch>
+        </p:blipFill>
+        <p:spPr bwMode="auto">
+          <a:xfrm>
+            <a:off x="7236296" y="3645024"/>
+            <a:ext cx="1039324" cy="1466847"/>
+          </a:xfrm>
+          <a:prstGeom prst="rect">
+            <a:avLst/>
+          </a:prstGeom>
+          <a:noFill/>
+        </p:spPr>
+      </p:pic>
+    </p:spTree>
+  </p:cSld>
+  <p:clrMapOvr>
+    <a:masterClrMapping/>
+  </p:clrMapOvr>
+  <p:timing>
+    <p:tnLst>
+      <p:par>
+        <p:cTn id="1" dur="indefinite" restart="never" nodeType="tmRoot">
+          <p:childTnLst>
+            <p:seq concurrent="1" nextAc="seek">
+              <p:cTn id="2" dur="indefinite" nodeType="mainSeq">
+                <p:childTnLst>
+                  <p:par>
+                    <p:cTn id="3" fill="hold">
+                      <p:stCondLst>
+                        <p:cond delay="indefinite"/>
+                      </p:stCondLst>
+                      <p:childTnLst>
+                        <p:par>
+                          <p:cTn id="4" fill="hold">
+                            <p:stCondLst>
+                              <p:cond delay="0"/>
+                            </p:stCondLst>
+                            <p:childTnLst>
+                              <p:par>
+                                <p:cTn id="5" presetID="22" presetClass="entr" presetSubtype="4" fill="hold" grpId="0" nodeType="clickEffect">
+                                  <p:stCondLst>
+                                    <p:cond delay="0"/>
+                                  </p:stCondLst>
+                                  <p:childTnLst>
+                                    <p:set>
+                                      <p:cBhvr>
+                                        <p:cTn id="6" dur="1" fill="hold">
+                                          <p:stCondLst>
+                                            <p:cond delay="0"/>
+                                          </p:stCondLst>
+                                        </p:cTn>
+                                        <p:tgtEl>
+                                          <p:spTgt spid="3">
+                                            <p:txEl>
+                                              <p:pRg st="0" end="0"/>
+                                            </p:txEl>
+                                          </p:spTgt>
+                                        </p:tgtEl>
+                                        <p:attrNameLst>
+                                          <p:attrName>style.visibility</p:attrName>
+                                        </p:attrNameLst>
+                                      </p:cBhvr>
+                                      <p:to>
+                                        <p:strVal val="visible"/>
+                                      </p:to>
+                                    </p:set>
+                                    <p:animEffect transition="in" filter="wipe(down)">
+                                      <p:cBhvr>
+                                        <p:cTn id="7" dur="500"/>
+                                        <p:tgtEl>
+                                          <p:spTgt spid="3">
+                                            <p:txEl>
+                                              <p:pRg st="0" end="0"/>
+                                            </p:txEl>
+                                          </p:spTgt>
+                                        </p:tgtEl>
+                                      </p:cBhvr>
+                                    </p:animEffect>
+                                  </p:childTnLst>
+                                </p:cTn>
+                              </p:par>
+                              <p:par>
+                                <p:cTn id="8" presetID="22" presetClass="entr" presetSubtype="4" fill="hold" grpId="0" nodeType="withEffect">
+                                  <p:stCondLst>
+                                    <p:cond delay="0"/>
+                                  </p:stCondLst>
+                                  <p:childTnLst>
+                                    <p:set>
+                                      <p:cBhvr>
+                                        <p:cTn id="9" dur="1" fill="hold">
+                                          <p:stCondLst>
+                                            <p:cond delay="0"/>
+                                          </p:stCondLst>
+                                        </p:cTn>
+                                        <p:tgtEl>
+                                          <p:spTgt spid="3">
+                                            <p:txEl>
+                                              <p:pRg st="1" end="1"/>
+                                            </p:txEl>
+                                          </p:spTgt>
+                                        </p:tgtEl>
+                                        <p:attrNameLst>
+                                          <p:attrName>style.visibility</p:attrName>
+                                        </p:attrNameLst>
+                                      </p:cBhvr>
+                                      <p:to>
+                                        <p:strVal val="visible"/>
+                                      </p:to>
+                                    </p:set>
+                                    <p:animEffect transition="in" filter="wipe(down)">
+                                      <p:cBhvr>
+                                        <p:cTn id="10" dur="500"/>
+                                        <p:tgtEl>
+                                          <p:spTgt spid="3">
+                                            <p:txEl>
+                                              <p:pRg st="1" end="1"/>
+                                            </p:txEl>
+                                          </p:spTgt>
+                                        </p:tgtEl>
+                                      </p:cBhvr>
+                                    </p:animEffect>
+                                  </p:childTnLst>
+                                </p:cTn>
+                              </p:par>
+                              <p:par>
+                                <p:cTn id="11" presetID="22" presetClass="entr" presetSubtype="4" fill="hold" grpId="0" nodeType="withEffect">
+                                  <p:stCondLst>
+                                    <p:cond delay="0"/>
+                                  </p:stCondLst>
+                                  <p:childTnLst>
+                                    <p:set>
+                                      <p:cBhvr>
+                                        <p:cTn id="12" dur="1" fill="hold">
+                                          <p:stCondLst>
+                                            <p:cond delay="0"/>
+                                          </p:stCondLst>
+                                        </p:cTn>
+                                        <p:tgtEl>
+                                          <p:spTgt spid="3">
+                                            <p:txEl>
+                                              <p:pRg st="3" end="3"/>
+                                            </p:txEl>
+                                          </p:spTgt>
+                                        </p:tgtEl>
+                                        <p:attrNameLst>
+                                          <p:attrName>style.visibility</p:attrName>
+                                        </p:attrNameLst>
+                                      </p:cBhvr>
+                                      <p:to>
+                                        <p:strVal val="visible"/>
+                                      </p:to>
+                                    </p:set>
+                                    <p:animEffect transition="in" filter="wipe(down)">
+                                      <p:cBhvr>
+                                        <p:cTn id="13" dur="500"/>
+                                        <p:tgtEl>
+                                          <p:spTgt spid="3">
+                                            <p:txEl>
+                                              <p:pRg st="3" end="3"/>
+                                            </p:txEl>
+                                          </p:spTgt>
+                                        </p:tgtEl>
+                                      </p:cBhvr>
+                                    </p:animEffect>
+                                  </p:childTnLst>
+                                </p:cTn>
+                              </p:par>
+                              <p:par>
+                                <p:cTn id="14" presetID="22" presetClass="entr" presetSubtype="4" fill="hold" grpId="0" nodeType="withEffect">
+                                  <p:stCondLst>
+                                    <p:cond delay="0"/>
+                                  </p:stCondLst>
+                                  <p:childTnLst>
+                                    <p:set>
+                                      <p:cBhvr>
+                                        <p:cTn id="15" dur="1" fill="hold">
+                                          <p:stCondLst>
+                                            <p:cond delay="0"/>
+                                          </p:stCondLst>
+                                        </p:cTn>
+                                        <p:tgtEl>
+                                          <p:spTgt spid="3">
+                                            <p:txEl>
+                                              <p:pRg st="5" end="5"/>
+                                            </p:txEl>
+                                          </p:spTgt>
+                                        </p:tgtEl>
+                                        <p:attrNameLst>
+                                          <p:attrName>style.visibility</p:attrName>
+                                        </p:attrNameLst>
+                                      </p:cBhvr>
+                                      <p:to>
+                                        <p:strVal val="visible"/>
+                                      </p:to>
+                                    </p:set>
+                                    <p:animEffect transition="in" filter="wipe(down)">
+                                      <p:cBhvr>
+                                        <p:cTn id="16" dur="500"/>
+                                        <p:tgtEl>
+                                          <p:spTgt spid="3">
+                                            <p:txEl>
+                                              <p:pRg st="5" end="5"/>
+                                            </p:txEl>
+                                          </p:spTgt>
+                                        </p:tgtEl>
+                                      </p:cBhvr>
+                                    </p:animEffect>
+                                  </p:childTnLst>
+                                </p:cTn>
+                              </p:par>
+                              <p:par>
+                                <p:cTn id="17" presetID="22" presetClass="entr" presetSubtype="4" fill="hold" grpId="0" nodeType="withEffect">
+                                  <p:stCondLst>
+                                    <p:cond delay="0"/>
+                                  </p:stCondLst>
+                                  <p:childTnLst>
+                                    <p:set>
+                                      <p:cBhvr>
+                                        <p:cTn id="18" dur="1" fill="hold">
+                                          <p:stCondLst>
+                                            <p:cond delay="0"/>
+                                          </p:stCondLst>
+                                        </p:cTn>
+                                        <p:tgtEl>
+                                          <p:spTgt spid="3">
+                                            <p:txEl>
+                                              <p:pRg st="6" end="6"/>
+                                            </p:txEl>
+                                          </p:spTgt>
+                                        </p:tgtEl>
+                                        <p:attrNameLst>
+                                          <p:attrName>style.visibility</p:attrName>
+                                        </p:attrNameLst>
+                                      </p:cBhvr>
+                                      <p:to>
+                                        <p:strVal val="visible"/>
+                                      </p:to>
+                                    </p:set>
+                                    <p:animEffect transition="in" filter="wipe(down)">
+                                      <p:cBhvr>
+                                        <p:cTn id="19" dur="500"/>
+                                        <p:tgtEl>
+                                          <p:spTgt spid="3">
+                                            <p:txEl>
+                                              <p:pRg st="6" end="6"/>
+                                            </p:txEl>
+                                          </p:spTgt>
+                                        </p:tgtEl>
+                                      </p:cBhvr>
+                                    </p:animEffect>
+                                  </p:childTnLst>
+                                </p:cTn>
+                              </p:par>
+                              <p:par>
+                                <p:cTn id="20" presetID="22" presetClass="entr" presetSubtype="4" fill="hold" grpId="0" nodeType="withEffect">
+                                  <p:stCondLst>
+                                    <p:cond delay="0"/>
+                                  </p:stCondLst>
+                                  <p:childTnLst>
+                                    <p:set>
+                                      <p:cBhvr>
+                                        <p:cTn id="21" dur="1" fill="hold">
+                                          <p:stCondLst>
+                                            <p:cond delay="0"/>
+                                          </p:stCondLst>
+                                        </p:cTn>
+                                        <p:tgtEl>
+                                          <p:spTgt spid="3">
+                                            <p:txEl>
+                                              <p:pRg st="9" end="9"/>
+                                            </p:txEl>
+                                          </p:spTgt>
+                                        </p:tgtEl>
+                                        <p:attrNameLst>
+                                          <p:attrName>style.visibility</p:attrName>
+                                        </p:attrNameLst>
+                                      </p:cBhvr>
+                                      <p:to>
+                                        <p:strVal val="visible"/>
+                                      </p:to>
+                                    </p:set>
+                                    <p:animEffect transition="in" filter="wipe(down)">
+                                      <p:cBhvr>
+                                        <p:cTn id="22" dur="500"/>
+                                        <p:tgtEl>
+                                          <p:spTgt spid="3">
+                                            <p:txEl>
+                                              <p:pRg st="9" end="9"/>
+                                            </p:txEl>
+                                          </p:spTgt>
+                                        </p:tgtEl>
+                                      </p:cBhvr>
+                                    </p:animEffect>
+                                  </p:childTnLst>
+                                </p:cTn>
+                              </p:par>
+                            </p:childTnLst>
+                          </p:cTn>
+                        </p:par>
+                      </p:childTnLst>
+                    </p:cTn>
+                  </p:par>
+                  <p:par>
+                    <p:cTn id="23" fill="hold">
+                      <p:stCondLst>
+                        <p:cond delay="indefinite"/>
+                      </p:stCondLst>
+                      <p:childTnLst>
+                        <p:par>
+                          <p:cTn id="24" fill="hold">
+                            <p:stCondLst>
+                              <p:cond delay="0"/>
+                            </p:stCondLst>
+                            <p:childTnLst>
+                              <p:par>
+                                <p:cTn id="25" presetID="10" presetClass="entr" presetSubtype="0" fill="hold" nodeType="clickEffect">
+                                  <p:stCondLst>
+                                    <p:cond delay="0"/>
+                                  </p:stCondLst>
+                                  <p:childTnLst>
+                                    <p:set>
+                                      <p:cBhvr>
+                                        <p:cTn id="26" dur="1" fill="hold">
+                                          <p:stCondLst>
+                                            <p:cond delay="0"/>
+                                          </p:stCondLst>
+                                        </p:cTn>
+                                        <p:tgtEl>
+                                          <p:spTgt spid="6146"/>
+                                        </p:tgtEl>
+                                        <p:attrNameLst>
+                                          <p:attrName>style.visibility</p:attrName>
+                                        </p:attrNameLst>
+                                      </p:cBhvr>
+                                      <p:to>
+                                        <p:strVal val="visible"/>
+                                      </p:to>
+                                    </p:set>
+                                    <p:animEffect transition="in" filter="fade">
+                                      <p:cBhvr>
+                                        <p:cTn id="27" dur="500"/>
+                                        <p:tgtEl>
+                                          <p:spTgt spid="6146"/>
+                                        </p:tgtEl>
+                                      </p:cBhvr>
+                                    </p:animEffect>
+                                  </p:childTnLst>
+                                </p:cTn>
+                              </p:par>
+                            </p:childTnLst>
+                          </p:cTn>
+                        </p:par>
+                      </p:childTnLst>
+                    </p:cTn>
+                  </p:par>
+                </p:childTnLst>
+              </p:cTn>
+              <p:prevCondLst>
+                <p:cond evt="onPrev" delay="0">
+                  <p:tgtEl>
+                    <p:sldTgt/>
+                  </p:tgtEl>
+                </p:cond>
+              </p:prevCondLst>
+              <p:nextCondLst>
+                <p:cond evt="onNext" delay="0">
+                  <p:tgtEl>
+                    <p:sldTgt/>
+                  </p:tgtEl>
+                </p:cond>
+              </p:nextCondLst>
+            </p:seq>
+          </p:childTnLst>
+        </p:cTn>
+      </p:par>
+    </p:tnLst>
+    <p:bldLst>
+      <p:bldP spid="3" grpId="0" build="allAtOnce"/>
+    </p:bldLst>
+  </p:timing>
+</p:sld>
+</file>
+
+<file path=ppt/slides/slide32.xml><?xml version="1.0" encoding="utf-8"?>
+<p:sld xmlns:a="http://schemas.openxmlformats.org/drawingml/2006/main" xmlns:r="http://schemas.openxmlformats.org/officeDocument/2006/relationships" xmlns:p="http://schemas.openxmlformats.org/presentationml/2006/main">
+  <p:cSld>
+    <p:spTree>
+      <p:nvGrpSpPr>
+        <p:cNvPr id="1" name=""/>
+        <p:cNvGrpSpPr/>
+        <p:nvPr/>
+      </p:nvGrpSpPr>
+      <p:grpSpPr>
+        <a:xfrm>
+          <a:off x="0" y="0"/>
+          <a:ext cx="0" cy="0"/>
+          <a:chOff x="0" y="0"/>
+          <a:chExt cx="0" cy="0"/>
+        </a:xfrm>
+      </p:grpSpPr>
       <p:sp>
         <p:nvSpPr>
-          <p:cNvPr id="4" name="Content Placeholder 3"/>
+          <p:cNvPr id="2" name="CasellaDiTesto 1"/>
+          <p:cNvSpPr txBox="1"/>
+          <p:nvPr/>
+        </p:nvSpPr>
+        <p:spPr>
+          <a:xfrm>
+            <a:off x="1071538" y="428604"/>
+            <a:ext cx="7715304" cy="1107996"/>
+          </a:xfrm>
+          <a:prstGeom prst="rect">
+            <a:avLst/>
+          </a:prstGeom>
+          <a:noFill/>
+        </p:spPr>
+        <p:txBody>
+          <a:bodyPr wrap="square" rtlCol="0">
+            <a:spAutoFit/>
+          </a:bodyPr>
+          <a:lstStyle/>
+          <a:p>
+            <a:pPr algn="ctr"/>
+            <a:r>
+              <a:rPr lang="it-IT" sz="4800" b="1" dirty="0" smtClean="0">
+                <a:latin typeface="+mj-lt"/>
+              </a:rPr>
+              <a:t>Pregi </a:t>
+            </a:r>
+            <a:r>
+              <a:rPr lang="it-IT" sz="4800" b="1" dirty="0">
+                <a:latin typeface="+mj-lt"/>
+              </a:rPr>
+              <a:t>I</a:t>
+            </a:r>
+            <a:r>
+              <a:rPr lang="it-IT" sz="4800" b="1" dirty="0" smtClean="0">
+                <a:latin typeface="+mj-lt"/>
+              </a:rPr>
+              <a:t>mplementazione</a:t>
+            </a:r>
+            <a:endParaRPr lang="it-IT" sz="2800" b="1" dirty="0" smtClean="0">
+              <a:latin typeface="+mj-lt"/>
+            </a:endParaRPr>
+          </a:p>
+          <a:p>
+            <a:pPr algn="ctr"/>
+            <a:endParaRPr lang="it-IT" dirty="0">
+              <a:latin typeface="+mj-lt"/>
+            </a:endParaRPr>
+          </a:p>
+        </p:txBody>
+      </p:sp>
+      <p:sp>
+        <p:nvSpPr>
+          <p:cNvPr id="3" name="Content Placeholder 3"/>
           <p:cNvSpPr txBox="1">
             <a:spLocks/>
           </p:cNvSpPr>
@@ -23469,8 +25235,8 @@
         </p:nvSpPr>
         <p:spPr>
           <a:xfrm>
-            <a:off x="357158" y="4214818"/>
-            <a:ext cx="8429684" cy="2000264"/>
+            <a:off x="0" y="2060848"/>
+            <a:ext cx="9144000" cy="4104456"/>
           </a:xfrm>
           <a:prstGeom prst="rect">
             <a:avLst/>
@@ -23639,819 +25405,121 @@
             </a:lvl9pPr>
           </a:lstStyle>
           <a:p>
-            <a:pPr marL="365760" lvl="1" indent="0">
-              <a:buNone/>
-            </a:pPr>
+            <a:pPr marL="0" indent="0"/>
+            <a:r>
+              <a:rPr lang="en-US" sz="3000" dirty="0" err="1" smtClean="0"/>
+              <a:t>Sistema</a:t>
+            </a:r>
             <a:r>
               <a:rPr lang="en-US" sz="3000" dirty="0" smtClean="0"/>
-              <a:t>E’ possibile migliorare il sistema con ulteriori operazioni di refactoring, per migliorarne la leggibilità e la </a:t>
+              <a:t> </a:t>
             </a:r>
             <a:r>
               <a:rPr lang="en-US" sz="3000" dirty="0" err="1" smtClean="0"/>
-              <a:t>complessità</a:t>
-            </a:r>
-            <a:endParaRPr lang="en-US" dirty="0" smtClean="0"/>
-          </a:p>
-          <a:p>
-            <a:pPr marL="365760" lvl="1" indent="0">
-              <a:buNone/>
-            </a:pPr>
-            <a:endParaRPr lang="en-US" dirty="0" smtClean="0"/>
-          </a:p>
-          <a:p>
-            <a:pPr marL="365760" lvl="1" indent="0">
-              <a:buNone/>
-            </a:pPr>
-            <a:endParaRPr lang="en-US" dirty="0" smtClean="0"/>
-          </a:p>
-          <a:p>
-            <a:pPr marL="365760" lvl="1" indent="0">
-              <a:buNone/>
-            </a:pPr>
-            <a:r>
-              <a:rPr lang="en-US" dirty="0" smtClean="0"/>
+              <a:t>aderente</a:t>
+            </a:r>
+            <a:r>
+              <a:rPr lang="en-US" sz="3000" dirty="0" smtClean="0"/>
               <a:t> </a:t>
             </a:r>
-          </a:p>
-        </p:txBody>
-      </p:sp>
-      <p:pic>
-        <p:nvPicPr>
-          <p:cNvPr id="6146" name="Picture 2" descr="D:\Tony\Omini\omino_soccorso.jpg"/>
-          <p:cNvPicPr>
-            <a:picLocks noChangeAspect="1" noChangeArrowheads="1"/>
-          </p:cNvPicPr>
-          <p:nvPr/>
-        </p:nvPicPr>
-        <p:blipFill>
-          <a:blip r:embed="rId3"/>
-          <a:srcRect/>
-          <a:stretch>
-            <a:fillRect/>
-          </a:stretch>
-        </p:blipFill>
-        <p:spPr bwMode="auto">
-          <a:xfrm>
-            <a:off x="7000892" y="1857364"/>
-            <a:ext cx="1039324" cy="1466847"/>
-          </a:xfrm>
-          <a:prstGeom prst="rect">
-            <a:avLst/>
-          </a:prstGeom>
-          <a:noFill/>
-        </p:spPr>
-      </p:pic>
-    </p:spTree>
-  </p:cSld>
-  <p:clrMapOvr>
-    <a:masterClrMapping/>
-  </p:clrMapOvr>
-  <p:timing>
-    <p:tnLst>
-      <p:par>
-        <p:cTn id="1" dur="indefinite" restart="never" nodeType="tmRoot">
-          <p:childTnLst>
-            <p:seq concurrent="1" nextAc="seek">
-              <p:cTn id="2" dur="indefinite" nodeType="mainSeq">
-                <p:childTnLst>
-                  <p:par>
-                    <p:cTn id="3" fill="hold">
-                      <p:stCondLst>
-                        <p:cond delay="indefinite"/>
-                      </p:stCondLst>
-                      <p:childTnLst>
-                        <p:par>
-                          <p:cTn id="4" fill="hold">
-                            <p:stCondLst>
-                              <p:cond delay="0"/>
-                            </p:stCondLst>
-                            <p:childTnLst>
-                              <p:par>
-                                <p:cTn id="5" presetID="22" presetClass="entr" presetSubtype="4" fill="hold" grpId="0" nodeType="clickEffect">
-                                  <p:stCondLst>
-                                    <p:cond delay="0"/>
-                                  </p:stCondLst>
-                                  <p:childTnLst>
-                                    <p:set>
-                                      <p:cBhvr>
-                                        <p:cTn id="6" dur="1" fill="hold">
-                                          <p:stCondLst>
-                                            <p:cond delay="0"/>
-                                          </p:stCondLst>
-                                        </p:cTn>
-                                        <p:tgtEl>
-                                          <p:spTgt spid="3">
-                                            <p:txEl>
-                                              <p:pRg st="0" end="0"/>
-                                            </p:txEl>
-                                          </p:spTgt>
-                                        </p:tgtEl>
-                                        <p:attrNameLst>
-                                          <p:attrName>style.visibility</p:attrName>
-                                        </p:attrNameLst>
-                                      </p:cBhvr>
-                                      <p:to>
-                                        <p:strVal val="visible"/>
-                                      </p:to>
-                                    </p:set>
-                                    <p:animEffect transition="in" filter="wipe(down)">
-                                      <p:cBhvr>
-                                        <p:cTn id="7" dur="500"/>
-                                        <p:tgtEl>
-                                          <p:spTgt spid="3">
-                                            <p:txEl>
-                                              <p:pRg st="0" end="0"/>
-                                            </p:txEl>
-                                          </p:spTgt>
-                                        </p:tgtEl>
-                                      </p:cBhvr>
-                                    </p:animEffect>
-                                  </p:childTnLst>
-                                </p:cTn>
-                              </p:par>
-                              <p:par>
-                                <p:cTn id="8" presetID="22" presetClass="entr" presetSubtype="4" fill="hold" grpId="0" nodeType="withEffect">
-                                  <p:stCondLst>
-                                    <p:cond delay="0"/>
-                                  </p:stCondLst>
-                                  <p:childTnLst>
-                                    <p:set>
-                                      <p:cBhvr>
-                                        <p:cTn id="9" dur="1" fill="hold">
-                                          <p:stCondLst>
-                                            <p:cond delay="0"/>
-                                          </p:stCondLst>
-                                        </p:cTn>
-                                        <p:tgtEl>
-                                          <p:spTgt spid="3">
-                                            <p:txEl>
-                                              <p:pRg st="1" end="1"/>
-                                            </p:txEl>
-                                          </p:spTgt>
-                                        </p:tgtEl>
-                                        <p:attrNameLst>
-                                          <p:attrName>style.visibility</p:attrName>
-                                        </p:attrNameLst>
-                                      </p:cBhvr>
-                                      <p:to>
-                                        <p:strVal val="visible"/>
-                                      </p:to>
-                                    </p:set>
-                                    <p:animEffect transition="in" filter="wipe(down)">
-                                      <p:cBhvr>
-                                        <p:cTn id="10" dur="500"/>
-                                        <p:tgtEl>
-                                          <p:spTgt spid="3">
-                                            <p:txEl>
-                                              <p:pRg st="1" end="1"/>
-                                            </p:txEl>
-                                          </p:spTgt>
-                                        </p:tgtEl>
-                                      </p:cBhvr>
-                                    </p:animEffect>
-                                  </p:childTnLst>
-                                </p:cTn>
-                              </p:par>
-                              <p:par>
-                                <p:cTn id="11" presetID="22" presetClass="entr" presetSubtype="4" fill="hold" grpId="0" nodeType="withEffect">
-                                  <p:stCondLst>
-                                    <p:cond delay="0"/>
-                                  </p:stCondLst>
-                                  <p:childTnLst>
-                                    <p:set>
-                                      <p:cBhvr>
-                                        <p:cTn id="12" dur="1" fill="hold">
-                                          <p:stCondLst>
-                                            <p:cond delay="0"/>
-                                          </p:stCondLst>
-                                        </p:cTn>
-                                        <p:tgtEl>
-                                          <p:spTgt spid="3">
-                                            <p:txEl>
-                                              <p:pRg st="2" end="2"/>
-                                            </p:txEl>
-                                          </p:spTgt>
-                                        </p:tgtEl>
-                                        <p:attrNameLst>
-                                          <p:attrName>style.visibility</p:attrName>
-                                        </p:attrNameLst>
-                                      </p:cBhvr>
-                                      <p:to>
-                                        <p:strVal val="visible"/>
-                                      </p:to>
-                                    </p:set>
-                                    <p:animEffect transition="in" filter="wipe(down)">
-                                      <p:cBhvr>
-                                        <p:cTn id="13" dur="500"/>
-                                        <p:tgtEl>
-                                          <p:spTgt spid="3">
-                                            <p:txEl>
-                                              <p:pRg st="2" end="2"/>
-                                            </p:txEl>
-                                          </p:spTgt>
-                                        </p:tgtEl>
-                                      </p:cBhvr>
-                                    </p:animEffect>
-                                  </p:childTnLst>
-                                </p:cTn>
-                              </p:par>
-                              <p:par>
-                                <p:cTn id="14" presetID="22" presetClass="entr" presetSubtype="4" fill="hold" grpId="0" nodeType="withEffect">
-                                  <p:stCondLst>
-                                    <p:cond delay="0"/>
-                                  </p:stCondLst>
-                                  <p:childTnLst>
-                                    <p:set>
-                                      <p:cBhvr>
-                                        <p:cTn id="15" dur="1" fill="hold">
-                                          <p:stCondLst>
-                                            <p:cond delay="0"/>
-                                          </p:stCondLst>
-                                        </p:cTn>
-                                        <p:tgtEl>
-                                          <p:spTgt spid="3">
-                                            <p:txEl>
-                                              <p:pRg st="5" end="5"/>
-                                            </p:txEl>
-                                          </p:spTgt>
-                                        </p:tgtEl>
-                                        <p:attrNameLst>
-                                          <p:attrName>style.visibility</p:attrName>
-                                        </p:attrNameLst>
-                                      </p:cBhvr>
-                                      <p:to>
-                                        <p:strVal val="visible"/>
-                                      </p:to>
-                                    </p:set>
-                                    <p:animEffect transition="in" filter="wipe(down)">
-                                      <p:cBhvr>
-                                        <p:cTn id="16" dur="500"/>
-                                        <p:tgtEl>
-                                          <p:spTgt spid="3">
-                                            <p:txEl>
-                                              <p:pRg st="5" end="5"/>
-                                            </p:txEl>
-                                          </p:spTgt>
-                                        </p:tgtEl>
-                                      </p:cBhvr>
-                                    </p:animEffect>
-                                  </p:childTnLst>
-                                </p:cTn>
-                              </p:par>
-                            </p:childTnLst>
-                          </p:cTn>
-                        </p:par>
-                      </p:childTnLst>
-                    </p:cTn>
-                  </p:par>
-                  <p:par>
-                    <p:cTn id="17" fill="hold">
-                      <p:stCondLst>
-                        <p:cond delay="indefinite"/>
-                      </p:stCondLst>
-                      <p:childTnLst>
-                        <p:par>
-                          <p:cTn id="18" fill="hold">
-                            <p:stCondLst>
-                              <p:cond delay="0"/>
-                            </p:stCondLst>
-                            <p:childTnLst>
-                              <p:par>
-                                <p:cTn id="19" presetID="10" presetClass="entr" presetSubtype="0" fill="hold" nodeType="clickEffect">
-                                  <p:stCondLst>
-                                    <p:cond delay="0"/>
-                                  </p:stCondLst>
-                                  <p:childTnLst>
-                                    <p:set>
-                                      <p:cBhvr>
-                                        <p:cTn id="20" dur="1" fill="hold">
-                                          <p:stCondLst>
-                                            <p:cond delay="0"/>
-                                          </p:stCondLst>
-                                        </p:cTn>
-                                        <p:tgtEl>
-                                          <p:spTgt spid="6146"/>
-                                        </p:tgtEl>
-                                        <p:attrNameLst>
-                                          <p:attrName>style.visibility</p:attrName>
-                                        </p:attrNameLst>
-                                      </p:cBhvr>
-                                      <p:to>
-                                        <p:strVal val="visible"/>
-                                      </p:to>
-                                    </p:set>
-                                    <p:animEffect transition="in" filter="fade">
-                                      <p:cBhvr>
-                                        <p:cTn id="21" dur="500"/>
-                                        <p:tgtEl>
-                                          <p:spTgt spid="6146"/>
-                                        </p:tgtEl>
-                                      </p:cBhvr>
-                                    </p:animEffect>
-                                  </p:childTnLst>
-                                </p:cTn>
-                              </p:par>
-                            </p:childTnLst>
-                          </p:cTn>
-                        </p:par>
-                      </p:childTnLst>
-                    </p:cTn>
-                  </p:par>
-                  <p:par>
-                    <p:cTn id="22" fill="hold">
-                      <p:stCondLst>
-                        <p:cond delay="indefinite"/>
-                      </p:stCondLst>
-                      <p:childTnLst>
-                        <p:par>
-                          <p:cTn id="23" fill="hold">
-                            <p:stCondLst>
-                              <p:cond delay="0"/>
-                            </p:stCondLst>
-                            <p:childTnLst>
-                              <p:par>
-                                <p:cTn id="24" presetID="2" presetClass="entr" presetSubtype="4" fill="hold" grpId="0" nodeType="clickEffect">
-                                  <p:stCondLst>
-                                    <p:cond delay="0"/>
-                                  </p:stCondLst>
-                                  <p:childTnLst>
-                                    <p:set>
-                                      <p:cBhvr>
-                                        <p:cTn id="25" dur="1" fill="hold">
-                                          <p:stCondLst>
-                                            <p:cond delay="0"/>
-                                          </p:stCondLst>
-                                        </p:cTn>
-                                        <p:tgtEl>
-                                          <p:spTgt spid="4">
-                                            <p:txEl>
-                                              <p:pRg st="0" end="0"/>
-                                            </p:txEl>
-                                          </p:spTgt>
-                                        </p:tgtEl>
-                                        <p:attrNameLst>
-                                          <p:attrName>style.visibility</p:attrName>
-                                        </p:attrNameLst>
-                                      </p:cBhvr>
-                                      <p:to>
-                                        <p:strVal val="visible"/>
-                                      </p:to>
-                                    </p:set>
-                                    <p:anim calcmode="lin" valueType="num">
-                                      <p:cBhvr additive="base">
-                                        <p:cTn id="26" dur="500" fill="hold"/>
-                                        <p:tgtEl>
-                                          <p:spTgt spid="4">
-                                            <p:txEl>
-                                              <p:pRg st="0" end="0"/>
-                                            </p:txEl>
-                                          </p:spTgt>
-                                        </p:tgtEl>
-                                        <p:attrNameLst>
-                                          <p:attrName>ppt_x</p:attrName>
-                                        </p:attrNameLst>
-                                      </p:cBhvr>
-                                      <p:tavLst>
-                                        <p:tav tm="0">
-                                          <p:val>
-                                            <p:strVal val="#ppt_x"/>
-                                          </p:val>
-                                        </p:tav>
-                                        <p:tav tm="100000">
-                                          <p:val>
-                                            <p:strVal val="#ppt_x"/>
-                                          </p:val>
-                                        </p:tav>
-                                      </p:tavLst>
-                                    </p:anim>
-                                    <p:anim calcmode="lin" valueType="num">
-                                      <p:cBhvr additive="base">
-                                        <p:cTn id="27" dur="500" fill="hold"/>
-                                        <p:tgtEl>
-                                          <p:spTgt spid="4">
-                                            <p:txEl>
-                                              <p:pRg st="0" end="0"/>
-                                            </p:txEl>
-                                          </p:spTgt>
-                                        </p:tgtEl>
-                                        <p:attrNameLst>
-                                          <p:attrName>ppt_y</p:attrName>
-                                        </p:attrNameLst>
-                                      </p:cBhvr>
-                                      <p:tavLst>
-                                        <p:tav tm="0">
-                                          <p:val>
-                                            <p:strVal val="1+#ppt_h/2"/>
-                                          </p:val>
-                                        </p:tav>
-                                        <p:tav tm="100000">
-                                          <p:val>
-                                            <p:strVal val="#ppt_y"/>
-                                          </p:val>
-                                        </p:tav>
-                                      </p:tavLst>
-                                    </p:anim>
-                                  </p:childTnLst>
-                                </p:cTn>
-                              </p:par>
-                              <p:par>
-                                <p:cTn id="28" presetID="2" presetClass="entr" presetSubtype="4" fill="hold" grpId="0" nodeType="withEffect">
-                                  <p:stCondLst>
-                                    <p:cond delay="0"/>
-                                  </p:stCondLst>
-                                  <p:childTnLst>
-                                    <p:set>
-                                      <p:cBhvr>
-                                        <p:cTn id="29" dur="1" fill="hold">
-                                          <p:stCondLst>
-                                            <p:cond delay="0"/>
-                                          </p:stCondLst>
-                                        </p:cTn>
-                                        <p:tgtEl>
-                                          <p:spTgt spid="4">
-                                            <p:txEl>
-                                              <p:pRg st="3" end="3"/>
-                                            </p:txEl>
-                                          </p:spTgt>
-                                        </p:tgtEl>
-                                        <p:attrNameLst>
-                                          <p:attrName>style.visibility</p:attrName>
-                                        </p:attrNameLst>
-                                      </p:cBhvr>
-                                      <p:to>
-                                        <p:strVal val="visible"/>
-                                      </p:to>
-                                    </p:set>
-                                    <p:anim calcmode="lin" valueType="num">
-                                      <p:cBhvr additive="base">
-                                        <p:cTn id="30" dur="500" fill="hold"/>
-                                        <p:tgtEl>
-                                          <p:spTgt spid="4">
-                                            <p:txEl>
-                                              <p:pRg st="3" end="3"/>
-                                            </p:txEl>
-                                          </p:spTgt>
-                                        </p:tgtEl>
-                                        <p:attrNameLst>
-                                          <p:attrName>ppt_x</p:attrName>
-                                        </p:attrNameLst>
-                                      </p:cBhvr>
-                                      <p:tavLst>
-                                        <p:tav tm="0">
-                                          <p:val>
-                                            <p:strVal val="#ppt_x"/>
-                                          </p:val>
-                                        </p:tav>
-                                        <p:tav tm="100000">
-                                          <p:val>
-                                            <p:strVal val="#ppt_x"/>
-                                          </p:val>
-                                        </p:tav>
-                                      </p:tavLst>
-                                    </p:anim>
-                                    <p:anim calcmode="lin" valueType="num">
-                                      <p:cBhvr additive="base">
-                                        <p:cTn id="31" dur="500" fill="hold"/>
-                                        <p:tgtEl>
-                                          <p:spTgt spid="4">
-                                            <p:txEl>
-                                              <p:pRg st="3" end="3"/>
-                                            </p:txEl>
-                                          </p:spTgt>
-                                        </p:tgtEl>
-                                        <p:attrNameLst>
-                                          <p:attrName>ppt_y</p:attrName>
-                                        </p:attrNameLst>
-                                      </p:cBhvr>
-                                      <p:tavLst>
-                                        <p:tav tm="0">
-                                          <p:val>
-                                            <p:strVal val="1+#ppt_h/2"/>
-                                          </p:val>
-                                        </p:tav>
-                                        <p:tav tm="100000">
-                                          <p:val>
-                                            <p:strVal val="#ppt_y"/>
-                                          </p:val>
-                                        </p:tav>
-                                      </p:tavLst>
-                                    </p:anim>
-                                  </p:childTnLst>
-                                </p:cTn>
-                              </p:par>
-                            </p:childTnLst>
-                          </p:cTn>
-                        </p:par>
-                      </p:childTnLst>
-                    </p:cTn>
-                  </p:par>
-                </p:childTnLst>
-              </p:cTn>
-              <p:prevCondLst>
-                <p:cond evt="onPrev" delay="0">
-                  <p:tgtEl>
-                    <p:sldTgt/>
-                  </p:tgtEl>
-                </p:cond>
-              </p:prevCondLst>
-              <p:nextCondLst>
-                <p:cond evt="onNext" delay="0">
-                  <p:tgtEl>
-                    <p:sldTgt/>
-                  </p:tgtEl>
-                </p:cond>
-              </p:nextCondLst>
-            </p:seq>
-          </p:childTnLst>
-        </p:cTn>
-      </p:par>
-    </p:tnLst>
-    <p:bldLst>
-      <p:bldP spid="3" grpId="0" build="allAtOnce"/>
-      <p:bldP spid="4" grpId="0" build="allAtOnce"/>
-    </p:bldLst>
-  </p:timing>
-</p:sld>
-</file>
-
-<file path=ppt/slides/slide32.xml><?xml version="1.0" encoding="utf-8"?>
-<p:sld xmlns:a="http://schemas.openxmlformats.org/drawingml/2006/main" xmlns:r="http://schemas.openxmlformats.org/officeDocument/2006/relationships" xmlns:p="http://schemas.openxmlformats.org/presentationml/2006/main">
-  <p:cSld>
-    <p:spTree>
-      <p:nvGrpSpPr>
-        <p:cNvPr id="1" name=""/>
-        <p:cNvGrpSpPr/>
-        <p:nvPr/>
-      </p:nvGrpSpPr>
-      <p:grpSpPr>
-        <a:xfrm>
-          <a:off x="0" y="0"/>
-          <a:ext cx="0" cy="0"/>
-          <a:chOff x="0" y="0"/>
-          <a:chExt cx="0" cy="0"/>
-        </a:xfrm>
-      </p:grpSpPr>
-      <p:sp>
-        <p:nvSpPr>
-          <p:cNvPr id="2" name="CasellaDiTesto 1"/>
-          <p:cNvSpPr txBox="1"/>
-          <p:nvPr/>
-        </p:nvSpPr>
-        <p:spPr>
-          <a:xfrm>
-            <a:off x="1071538" y="428604"/>
-            <a:ext cx="7715304" cy="1107996"/>
-          </a:xfrm>
-          <a:prstGeom prst="rect">
-            <a:avLst/>
-          </a:prstGeom>
-          <a:noFill/>
-        </p:spPr>
-        <p:txBody>
-          <a:bodyPr wrap="square" rtlCol="0">
-            <a:spAutoFit/>
-          </a:bodyPr>
-          <a:lstStyle/>
-          <a:p>
-            <a:pPr algn="ctr"/>
-            <a:r>
-              <a:rPr lang="it-IT" sz="4800" b="1" dirty="0" smtClean="0">
-                <a:latin typeface="+mj-lt"/>
-              </a:rPr>
-              <a:t>Pregi </a:t>
-            </a:r>
-            <a:r>
-              <a:rPr lang="it-IT" sz="4800" b="1" dirty="0">
-                <a:latin typeface="+mj-lt"/>
-              </a:rPr>
-              <a:t>I</a:t>
-            </a:r>
-            <a:r>
-              <a:rPr lang="it-IT" sz="4800" b="1" dirty="0" smtClean="0">
-                <a:latin typeface="+mj-lt"/>
-              </a:rPr>
-              <a:t>mplementazione</a:t>
-            </a:r>
-            <a:endParaRPr lang="it-IT" sz="2800" b="1" dirty="0" smtClean="0">
-              <a:latin typeface="+mj-lt"/>
-            </a:endParaRPr>
-          </a:p>
-          <a:p>
-            <a:pPr algn="ctr"/>
-            <a:endParaRPr lang="it-IT" dirty="0">
-              <a:latin typeface="+mj-lt"/>
-            </a:endParaRPr>
-          </a:p>
-        </p:txBody>
-      </p:sp>
-      <p:sp>
-        <p:nvSpPr>
-          <p:cNvPr id="3" name="Content Placeholder 3"/>
-          <p:cNvSpPr txBox="1">
-            <a:spLocks/>
-          </p:cNvSpPr>
-          <p:nvPr/>
-        </p:nvSpPr>
-        <p:spPr>
-          <a:xfrm>
-            <a:off x="0" y="1643050"/>
-            <a:ext cx="9144000" cy="2000264"/>
-          </a:xfrm>
-          <a:prstGeom prst="rect">
-            <a:avLst/>
-          </a:prstGeom>
-        </p:spPr>
-        <p:txBody>
-          <a:bodyPr tIns="0"/>
-          <a:lstStyle>
-            <a:lvl1pPr marL="274320" indent="-274320" algn="l" rtl="0" eaLnBrk="1" latinLnBrk="0" hangingPunct="1">
-              <a:spcBef>
-                <a:spcPct val="20000"/>
-              </a:spcBef>
-              <a:buClrTx/>
-              <a:buSzPct val="95000"/>
-              <a:buFont typeface="Wingdings" pitchFamily="2" charset="2"/>
-              <a:buChar char="v"/>
-              <a:defRPr kumimoji="0" sz="2800" kern="1200">
-                <a:solidFill>
-                  <a:schemeClr val="tx1"/>
-                </a:solidFill>
-                <a:latin typeface="+mn-lt"/>
-                <a:ea typeface="+mn-ea"/>
-                <a:cs typeface="+mn-cs"/>
-              </a:defRPr>
-            </a:lvl1pPr>
-            <a:lvl2pPr marL="640080" indent="-246888" algn="l" rtl="0" eaLnBrk="1" latinLnBrk="0" hangingPunct="1">
-              <a:spcBef>
-                <a:spcPct val="20000"/>
-              </a:spcBef>
-              <a:buClrTx/>
-              <a:buSzPct val="85000"/>
-              <a:buFont typeface="Courier New" pitchFamily="49" charset="0"/>
-              <a:buChar char="o"/>
-              <a:defRPr kumimoji="0" sz="2600" kern="1200">
-                <a:solidFill>
-                  <a:schemeClr val="tx1"/>
-                </a:solidFill>
-                <a:latin typeface="+mn-lt"/>
-                <a:ea typeface="+mn-ea"/>
-                <a:cs typeface="+mn-cs"/>
-              </a:defRPr>
-            </a:lvl2pPr>
-            <a:lvl3pPr marL="914400" indent="-246888" algn="l" rtl="0" eaLnBrk="1" latinLnBrk="0" hangingPunct="1">
-              <a:spcBef>
-                <a:spcPct val="20000"/>
-              </a:spcBef>
-              <a:buClrTx/>
-              <a:buSzPct val="70000"/>
-              <a:buFont typeface="Wingdings 2"/>
-              <a:buChar char=""/>
-              <a:defRPr kumimoji="0" sz="2400" kern="1200">
-                <a:solidFill>
-                  <a:schemeClr val="tx1"/>
-                </a:solidFill>
-                <a:latin typeface="+mn-lt"/>
-                <a:ea typeface="+mn-ea"/>
-                <a:cs typeface="+mn-cs"/>
-              </a:defRPr>
-            </a:lvl3pPr>
-            <a:lvl4pPr marL="1188720" indent="-210312" algn="l" rtl="0" eaLnBrk="1" latinLnBrk="0" hangingPunct="1">
-              <a:spcBef>
-                <a:spcPct val="20000"/>
-              </a:spcBef>
-              <a:buClrTx/>
-              <a:buSzPct val="65000"/>
-              <a:buFont typeface="Wingdings 2"/>
-              <a:buChar char=""/>
-              <a:defRPr kumimoji="0" sz="2000" kern="1200">
-                <a:solidFill>
-                  <a:schemeClr val="tx1"/>
-                </a:solidFill>
-                <a:latin typeface="+mn-lt"/>
-                <a:ea typeface="+mn-ea"/>
-                <a:cs typeface="+mn-cs"/>
-              </a:defRPr>
-            </a:lvl4pPr>
-            <a:lvl5pPr marL="1463040" indent="-210312" algn="l" rtl="0" eaLnBrk="1" latinLnBrk="0" hangingPunct="1">
-              <a:spcBef>
-                <a:spcPct val="20000"/>
-              </a:spcBef>
-              <a:buClrTx/>
-              <a:buSzPct val="65000"/>
-              <a:buFont typeface="Wingdings 2"/>
-              <a:buChar char=""/>
-              <a:defRPr kumimoji="0" sz="1800" kern="1200">
-                <a:solidFill>
-                  <a:schemeClr val="tx1"/>
-                </a:solidFill>
-                <a:latin typeface="+mn-lt"/>
-                <a:ea typeface="+mn-ea"/>
-                <a:cs typeface="+mn-cs"/>
-              </a:defRPr>
-            </a:lvl5pPr>
-            <a:lvl6pPr marL="1737360" indent="-210312" algn="l" rtl="0" eaLnBrk="1" latinLnBrk="0" hangingPunct="1">
-              <a:spcBef>
-                <a:spcPct val="20000"/>
-              </a:spcBef>
-              <a:buClr>
-                <a:schemeClr val="accent5"/>
-              </a:buClr>
-              <a:buSzPct val="80000"/>
-              <a:buFont typeface="Wingdings 2"/>
-              <a:buChar char=""/>
-              <a:defRPr kumimoji="0" sz="1800" kern="1200">
-                <a:solidFill>
-                  <a:schemeClr val="tx1"/>
-                </a:solidFill>
-                <a:latin typeface="+mn-lt"/>
-                <a:ea typeface="+mn-ea"/>
-                <a:cs typeface="+mn-cs"/>
-              </a:defRPr>
-            </a:lvl6pPr>
-            <a:lvl7pPr marL="1920240" indent="-182880" algn="l" rtl="0" eaLnBrk="1" latinLnBrk="0" hangingPunct="1">
-              <a:spcBef>
-                <a:spcPct val="20000"/>
-              </a:spcBef>
-              <a:buClr>
-                <a:schemeClr val="accent6"/>
-              </a:buClr>
-              <a:buSzPct val="80000"/>
-              <a:buFont typeface="Wingdings 2"/>
-              <a:buChar char=""/>
-              <a:defRPr kumimoji="0" sz="1600" kern="1200" baseline="0">
-                <a:solidFill>
-                  <a:schemeClr val="tx1"/>
-                </a:solidFill>
-                <a:latin typeface="+mn-lt"/>
-                <a:ea typeface="+mn-ea"/>
-                <a:cs typeface="+mn-cs"/>
-              </a:defRPr>
-            </a:lvl7pPr>
-            <a:lvl8pPr marL="2194560" indent="-182880" algn="l" rtl="0" eaLnBrk="1" latinLnBrk="0" hangingPunct="1">
-              <a:spcBef>
-                <a:spcPct val="20000"/>
-              </a:spcBef>
-              <a:buClr>
-                <a:schemeClr val="tx2"/>
-              </a:buClr>
-              <a:buChar char="•"/>
-              <a:defRPr kumimoji="0" sz="1600" kern="1200">
-                <a:solidFill>
-                  <a:schemeClr val="tx1"/>
-                </a:solidFill>
-                <a:latin typeface="+mn-lt"/>
-                <a:ea typeface="+mn-ea"/>
-                <a:cs typeface="+mn-cs"/>
-              </a:defRPr>
-            </a:lvl8pPr>
-            <a:lvl9pPr marL="2468880" indent="-182880" algn="l" rtl="0" eaLnBrk="1" latinLnBrk="0" hangingPunct="1">
-              <a:spcBef>
-                <a:spcPct val="20000"/>
-              </a:spcBef>
-              <a:buClr>
-                <a:schemeClr val="tx2"/>
-              </a:buClr>
-              <a:buFontTx/>
-              <a:buChar char="•"/>
-              <a:defRPr kumimoji="0" sz="1400" kern="1200" baseline="0">
-                <a:solidFill>
-                  <a:schemeClr val="tx1"/>
-                </a:solidFill>
-                <a:latin typeface="+mn-lt"/>
-                <a:ea typeface="+mn-ea"/>
-                <a:cs typeface="+mn-cs"/>
-              </a:defRPr>
-            </a:lvl9pPr>
-          </a:lstStyle>
-          <a:p>
-            <a:pPr marL="365760" lvl="1" indent="0">
-              <a:buFont typeface="Wingdings" pitchFamily="2" charset="2"/>
-              <a:buChar char="v"/>
-            </a:pPr>
             <a:r>
               <a:rPr lang="en-US" sz="3000" dirty="0" smtClean="0"/>
-              <a:t>Pro:</a:t>
-            </a:r>
-          </a:p>
-          <a:p>
-            <a:pPr marL="365760" lvl="1" indent="0">
-              <a:buFont typeface="Wingdings" pitchFamily="2" charset="2"/>
-              <a:buChar char="v"/>
-            </a:pPr>
-            <a:endParaRPr lang="en-US" sz="3000" dirty="0" smtClean="0"/>
-          </a:p>
-          <a:p>
-            <a:pPr marL="640080" lvl="2" indent="0">
-              <a:buFont typeface="Courier New" pitchFamily="49" charset="0"/>
-              <a:buChar char="o"/>
-            </a:pPr>
+              <a:t>ai requisiti e </a:t>
+            </a:r>
+            <a:r>
+              <a:rPr lang="en-US" sz="3000" dirty="0" err="1" smtClean="0"/>
+              <a:t>alle</a:t>
+            </a:r>
             <a:r>
               <a:rPr lang="en-US" sz="3000" dirty="0" smtClean="0"/>
-              <a:t>Sistema completamente aderente ai requisiti e alle   aspettative del </a:t>
+              <a:t> </a:t>
+            </a:r>
+            <a:r>
+              <a:rPr lang="en-US" sz="3000" dirty="0" smtClean="0"/>
+              <a:t>aspettative del </a:t>
             </a:r>
             <a:r>
               <a:rPr lang="en-US" sz="3000" dirty="0" err="1" smtClean="0"/>
               <a:t>cliente</a:t>
+            </a:r>
+            <a:endParaRPr lang="en-US" sz="3000" dirty="0" smtClean="0"/>
+          </a:p>
+          <a:p>
+            <a:pPr marL="0" indent="0"/>
+            <a:endParaRPr lang="en-US" sz="3000" dirty="0" smtClean="0"/>
+          </a:p>
+          <a:p>
+            <a:pPr marL="0" indent="0"/>
+            <a:r>
+              <a:rPr lang="en-US" sz="3000" dirty="0" err="1"/>
+              <a:t>Implementazione</a:t>
+            </a:r>
+            <a:r>
+              <a:rPr lang="en-US" sz="3000" dirty="0"/>
+              <a:t> </a:t>
+            </a:r>
+            <a:r>
+              <a:rPr lang="en-US" sz="3000" dirty="0" err="1"/>
+              <a:t>della</a:t>
+            </a:r>
+            <a:r>
+              <a:rPr lang="en-US" sz="3000" dirty="0"/>
+              <a:t> </a:t>
+            </a:r>
+            <a:r>
+              <a:rPr lang="en-US" sz="3000" dirty="0" err="1"/>
+              <a:t>gestione</a:t>
+            </a:r>
+            <a:r>
+              <a:rPr lang="en-US" sz="3000" dirty="0"/>
+              <a:t> </a:t>
+            </a:r>
+            <a:r>
+              <a:rPr lang="en-US" sz="3000" dirty="0" err="1"/>
+              <a:t>Eventi</a:t>
+            </a:r>
+            <a:r>
+              <a:rPr lang="en-US" sz="3000" dirty="0"/>
+              <a:t> </a:t>
+            </a:r>
+            <a:r>
+              <a:rPr lang="en-US" sz="3000" dirty="0" smtClean="0"/>
+              <a:t> </a:t>
+            </a:r>
+            <a:r>
+              <a:rPr lang="en-US" sz="3000" dirty="0"/>
+              <a:t>(</a:t>
+            </a:r>
+            <a:r>
+              <a:rPr lang="en-US" sz="3000" dirty="0" err="1"/>
+              <a:t>priorità</a:t>
+            </a:r>
+            <a:r>
+              <a:rPr lang="en-US" sz="3000" dirty="0"/>
+              <a:t> media</a:t>
+            </a:r>
+            <a:r>
+              <a:rPr lang="en-US" sz="3000" dirty="0" smtClean="0"/>
+              <a:t>)</a:t>
+            </a:r>
+          </a:p>
+          <a:p>
+            <a:pPr marL="0" indent="0"/>
+            <a:endParaRPr lang="en-US" sz="3000" dirty="0"/>
+          </a:p>
+          <a:p>
+            <a:pPr marL="0" indent="0"/>
+            <a:r>
+              <a:rPr lang="en-US" sz="3000" dirty="0" err="1" smtClean="0"/>
+              <a:t>Integrazione</a:t>
+            </a:r>
+            <a:r>
+              <a:rPr lang="en-US" sz="3000" dirty="0" smtClean="0"/>
+              <a:t> account Forum e </a:t>
+            </a:r>
+            <a:r>
+              <a:rPr lang="en-US" sz="3000" dirty="0" err="1" smtClean="0"/>
+              <a:t>Atsilo</a:t>
             </a:r>
             <a:endParaRPr lang="en-US" sz="3000" dirty="0" smtClean="0"/>
           </a:p>
@@ -24460,25 +25528,6 @@
               <a:buNone/>
             </a:pPr>
             <a:endParaRPr lang="en-US" sz="3000" dirty="0" smtClean="0"/>
-          </a:p>
-          <a:p>
-            <a:pPr marL="640080" lvl="2" indent="0">
-              <a:buFont typeface="Courier New" pitchFamily="49" charset="0"/>
-              <a:buChar char="o"/>
-            </a:pPr>
-            <a:r>
-              <a:rPr lang="en-US" sz="3000" dirty="0" smtClean="0"/>
-              <a:t>Implementazione della gestione Eventi </a:t>
-            </a:r>
-          </a:p>
-          <a:p>
-            <a:pPr marL="640080" lvl="2" indent="0">
-              <a:buNone/>
-            </a:pPr>
-            <a:r>
-              <a:rPr lang="en-US" sz="3000" dirty="0" smtClean="0"/>
-              <a:t>  (priorità media)</a:t>
-            </a:r>
           </a:p>
           <a:p>
             <a:pPr marL="365760" lvl="1" indent="0">
@@ -24825,7 +25874,7 @@
                                         <p:tgtEl>
                                           <p:spTgt spid="3">
                                             <p:txEl>
-                                              <p:pRg st="5" end="5"/>
+                                              <p:pRg st="8" end="8"/>
                                             </p:txEl>
                                           </p:spTgt>
                                         </p:tgtEl>
@@ -24840,91 +25889,6 @@
                                     <p:anim calcmode="lin" valueType="num">
                                       <p:cBhvr additive="base">
                                         <p:cTn id="19" dur="500" fill="hold"/>
-                                        <p:tgtEl>
-                                          <p:spTgt spid="3">
-                                            <p:txEl>
-                                              <p:pRg st="5" end="5"/>
-                                            </p:txEl>
-                                          </p:spTgt>
-                                        </p:tgtEl>
-                                        <p:attrNameLst>
-                                          <p:attrName>ppt_x</p:attrName>
-                                        </p:attrNameLst>
-                                      </p:cBhvr>
-                                      <p:tavLst>
-                                        <p:tav tm="0">
-                                          <p:val>
-                                            <p:strVal val="#ppt_x"/>
-                                          </p:val>
-                                        </p:tav>
-                                        <p:tav tm="100000">
-                                          <p:val>
-                                            <p:strVal val="#ppt_x"/>
-                                          </p:val>
-                                        </p:tav>
-                                      </p:tavLst>
-                                    </p:anim>
-                                    <p:anim calcmode="lin" valueType="num">
-                                      <p:cBhvr additive="base">
-                                        <p:cTn id="20" dur="500" fill="hold"/>
-                                        <p:tgtEl>
-                                          <p:spTgt spid="3">
-                                            <p:txEl>
-                                              <p:pRg st="5" end="5"/>
-                                            </p:txEl>
-                                          </p:spTgt>
-                                        </p:tgtEl>
-                                        <p:attrNameLst>
-                                          <p:attrName>ppt_y</p:attrName>
-                                        </p:attrNameLst>
-                                      </p:cBhvr>
-                                      <p:tavLst>
-                                        <p:tav tm="0">
-                                          <p:val>
-                                            <p:strVal val="1+#ppt_h/2"/>
-                                          </p:val>
-                                        </p:tav>
-                                        <p:tav tm="100000">
-                                          <p:val>
-                                            <p:strVal val="#ppt_y"/>
-                                          </p:val>
-                                        </p:tav>
-                                      </p:tavLst>
-                                    </p:anim>
-                                  </p:childTnLst>
-                                </p:cTn>
-                              </p:par>
-                              <p:par>
-                                <p:cTn id="21" presetID="2" presetClass="entr" presetSubtype="4" fill="hold" grpId="0" nodeType="withEffect">
-                                  <p:stCondLst>
-                                    <p:cond delay="0"/>
-                                  </p:stCondLst>
-                                  <p:childTnLst>
-                                    <p:set>
-                                      <p:cBhvr>
-                                        <p:cTn id="22" dur="1" fill="hold">
-                                          <p:stCondLst>
-                                            <p:cond delay="0"/>
-                                          </p:stCondLst>
-                                        </p:cTn>
-                                        <p:tgtEl>
-                                          <p:spTgt spid="3">
-                                            <p:txEl>
-                                              <p:pRg st="8" end="8"/>
-                                            </p:txEl>
-                                          </p:spTgt>
-                                        </p:tgtEl>
-                                        <p:attrNameLst>
-                                          <p:attrName>style.visibility</p:attrName>
-                                        </p:attrNameLst>
-                                      </p:cBhvr>
-                                      <p:to>
-                                        <p:strVal val="visible"/>
-                                      </p:to>
-                                    </p:set>
-                                    <p:anim calcmode="lin" valueType="num">
-                                      <p:cBhvr additive="base">
-                                        <p:cTn id="23" dur="500" fill="hold"/>
                                         <p:tgtEl>
                                           <p:spTgt spid="3">
                                             <p:txEl>
@@ -24951,7 +25915,7 @@
                                     </p:anim>
                                     <p:anim calcmode="lin" valueType="num">
                                       <p:cBhvr additive="base">
-                                        <p:cTn id="24" dur="500" fill="hold"/>
+                                        <p:cTn id="20" dur="500" fill="hold"/>
                                         <p:tgtEl>
                                           <p:spTgt spid="3">
                                             <p:txEl>
@@ -24986,26 +25950,26 @@
                     </p:cTn>
                   </p:par>
                   <p:par>
-                    <p:cTn id="25" fill="hold">
+                    <p:cTn id="21" fill="hold">
                       <p:stCondLst>
                         <p:cond delay="indefinite"/>
                       </p:stCondLst>
                       <p:childTnLst>
                         <p:par>
-                          <p:cTn id="26" fill="hold">
+                          <p:cTn id="22" fill="hold">
                             <p:stCondLst>
                               <p:cond delay="0"/>
                             </p:stCondLst>
                             <p:childTnLst>
                               <p:par>
-                                <p:cTn id="27" presetID="10" presetClass="entr" presetSubtype="0" fill="hold" nodeType="clickEffect">
+                                <p:cTn id="23" presetID="10" presetClass="entr" presetSubtype="0" fill="hold" nodeType="clickEffect">
                                   <p:stCondLst>
                                     <p:cond delay="0"/>
                                   </p:stCondLst>
                                   <p:childTnLst>
                                     <p:set>
                                       <p:cBhvr>
-                                        <p:cTn id="28" dur="1" fill="hold">
+                                        <p:cTn id="24" dur="1" fill="hold">
                                           <p:stCondLst>
                                             <p:cond delay="0"/>
                                           </p:stCondLst>
@@ -25023,7 +25987,7 @@
                                     </p:set>
                                     <p:animEffect transition="in" filter="fade">
                                       <p:cBhvr>
-                                        <p:cTn id="29" dur="500"/>
+                                        <p:cTn id="25" dur="500"/>
                                         <p:tgtEl>
                                           <p:spTgt spid="7170"/>
                                         </p:tgtEl>
@@ -25165,6 +26129,600 @@
           </a:p>
         </p:txBody>
       </p:sp>
+      <p:sp>
+        <p:nvSpPr>
+          <p:cNvPr id="4" name="Subtitle 2"/>
+          <p:cNvSpPr txBox="1">
+            <a:spLocks/>
+          </p:cNvSpPr>
+          <p:nvPr/>
+        </p:nvSpPr>
+        <p:spPr>
+          <a:xfrm>
+            <a:off x="0" y="1628800"/>
+            <a:ext cx="9144000" cy="5229200"/>
+          </a:xfrm>
+          <a:prstGeom prst="rect">
+            <a:avLst/>
+          </a:prstGeom>
+        </p:spPr>
+        <p:txBody>
+          <a:bodyPr>
+            <a:noAutofit/>
+          </a:bodyPr>
+          <a:lstStyle>
+            <a:lvl1pPr marL="274320" indent="-274320" algn="l" rtl="0" eaLnBrk="1" latinLnBrk="0" hangingPunct="1">
+              <a:spcBef>
+                <a:spcPct val="20000"/>
+              </a:spcBef>
+              <a:buClrTx/>
+              <a:buSzPct val="95000"/>
+              <a:buFont typeface="Wingdings" pitchFamily="2" charset="2"/>
+              <a:buChar char="v"/>
+              <a:defRPr kumimoji="0" sz="2600" kern="1200">
+                <a:solidFill>
+                  <a:schemeClr val="tx1"/>
+                </a:solidFill>
+                <a:latin typeface="+mn-lt"/>
+                <a:ea typeface="+mn-ea"/>
+                <a:cs typeface="+mn-cs"/>
+              </a:defRPr>
+            </a:lvl1pPr>
+            <a:lvl2pPr marL="640080" indent="-246888" algn="l" rtl="0" eaLnBrk="1" latinLnBrk="0" hangingPunct="1">
+              <a:spcBef>
+                <a:spcPct val="20000"/>
+              </a:spcBef>
+              <a:buClrTx/>
+              <a:buSzPct val="85000"/>
+              <a:buFont typeface="Courier New" pitchFamily="49" charset="0"/>
+              <a:buChar char="o"/>
+              <a:defRPr kumimoji="0" sz="2400" kern="1200">
+                <a:solidFill>
+                  <a:schemeClr val="tx1"/>
+                </a:solidFill>
+                <a:latin typeface="+mn-lt"/>
+                <a:ea typeface="+mn-ea"/>
+                <a:cs typeface="+mn-cs"/>
+              </a:defRPr>
+            </a:lvl2pPr>
+            <a:lvl3pPr marL="914400" indent="-246888" algn="l" rtl="0" eaLnBrk="1" latinLnBrk="0" hangingPunct="1">
+              <a:spcBef>
+                <a:spcPct val="20000"/>
+              </a:spcBef>
+              <a:buClrTx/>
+              <a:buSzPct val="70000"/>
+              <a:buFont typeface="Wingdings 2"/>
+              <a:buChar char=""/>
+              <a:defRPr kumimoji="0" sz="2100" kern="1200">
+                <a:solidFill>
+                  <a:schemeClr val="tx1"/>
+                </a:solidFill>
+                <a:latin typeface="+mn-lt"/>
+                <a:ea typeface="+mn-ea"/>
+                <a:cs typeface="+mn-cs"/>
+              </a:defRPr>
+            </a:lvl3pPr>
+            <a:lvl4pPr marL="1188720" indent="-210312" algn="l" rtl="0" eaLnBrk="1" latinLnBrk="0" hangingPunct="1">
+              <a:spcBef>
+                <a:spcPct val="20000"/>
+              </a:spcBef>
+              <a:buClrTx/>
+              <a:buSzPct val="65000"/>
+              <a:buFont typeface="Wingdings 2"/>
+              <a:buChar char=""/>
+              <a:defRPr kumimoji="0" sz="2000" kern="1200">
+                <a:solidFill>
+                  <a:schemeClr val="tx1"/>
+                </a:solidFill>
+                <a:latin typeface="+mn-lt"/>
+                <a:ea typeface="+mn-ea"/>
+                <a:cs typeface="+mn-cs"/>
+              </a:defRPr>
+            </a:lvl4pPr>
+            <a:lvl5pPr marL="1463040" indent="-210312" algn="l" rtl="0" eaLnBrk="1" latinLnBrk="0" hangingPunct="1">
+              <a:spcBef>
+                <a:spcPct val="20000"/>
+              </a:spcBef>
+              <a:buClrTx/>
+              <a:buSzPct val="65000"/>
+              <a:buFont typeface="Wingdings 2"/>
+              <a:buChar char=""/>
+              <a:defRPr kumimoji="0" sz="2000" kern="1200">
+                <a:solidFill>
+                  <a:schemeClr val="tx1"/>
+                </a:solidFill>
+                <a:latin typeface="+mn-lt"/>
+                <a:ea typeface="+mn-ea"/>
+                <a:cs typeface="+mn-cs"/>
+              </a:defRPr>
+            </a:lvl5pPr>
+            <a:lvl6pPr marL="1737360" indent="-210312" algn="l" rtl="0" eaLnBrk="1" latinLnBrk="0" hangingPunct="1">
+              <a:spcBef>
+                <a:spcPct val="20000"/>
+              </a:spcBef>
+              <a:buClr>
+                <a:schemeClr val="accent5"/>
+              </a:buClr>
+              <a:buSzPct val="80000"/>
+              <a:buFont typeface="Wingdings 2"/>
+              <a:buChar char=""/>
+              <a:defRPr kumimoji="0" sz="1800" kern="1200">
+                <a:solidFill>
+                  <a:schemeClr val="tx1"/>
+                </a:solidFill>
+                <a:latin typeface="+mn-lt"/>
+                <a:ea typeface="+mn-ea"/>
+                <a:cs typeface="+mn-cs"/>
+              </a:defRPr>
+            </a:lvl6pPr>
+            <a:lvl7pPr marL="1920240" indent="-182880" algn="l" rtl="0" eaLnBrk="1" latinLnBrk="0" hangingPunct="1">
+              <a:spcBef>
+                <a:spcPct val="20000"/>
+              </a:spcBef>
+              <a:buClr>
+                <a:schemeClr val="accent6"/>
+              </a:buClr>
+              <a:buSzPct val="80000"/>
+              <a:buFont typeface="Wingdings 2"/>
+              <a:buChar char=""/>
+              <a:defRPr kumimoji="0" sz="1600" kern="1200" baseline="0">
+                <a:solidFill>
+                  <a:schemeClr val="tx1"/>
+                </a:solidFill>
+                <a:latin typeface="+mn-lt"/>
+                <a:ea typeface="+mn-ea"/>
+                <a:cs typeface="+mn-cs"/>
+              </a:defRPr>
+            </a:lvl7pPr>
+            <a:lvl8pPr marL="2194560" indent="-182880" algn="l" rtl="0" eaLnBrk="1" latinLnBrk="0" hangingPunct="1">
+              <a:spcBef>
+                <a:spcPct val="20000"/>
+              </a:spcBef>
+              <a:buClr>
+                <a:schemeClr val="tx2"/>
+              </a:buClr>
+              <a:buChar char="•"/>
+              <a:defRPr kumimoji="0" sz="1600" kern="1200">
+                <a:solidFill>
+                  <a:schemeClr val="tx1"/>
+                </a:solidFill>
+                <a:latin typeface="+mn-lt"/>
+                <a:ea typeface="+mn-ea"/>
+                <a:cs typeface="+mn-cs"/>
+              </a:defRPr>
+            </a:lvl8pPr>
+            <a:lvl9pPr marL="2468880" indent="-182880" algn="l" rtl="0" eaLnBrk="1" latinLnBrk="0" hangingPunct="1">
+              <a:spcBef>
+                <a:spcPct val="20000"/>
+              </a:spcBef>
+              <a:buClr>
+                <a:schemeClr val="tx2"/>
+              </a:buClr>
+              <a:buFontTx/>
+              <a:buChar char="•"/>
+              <a:defRPr kumimoji="0" sz="1400" kern="1200" baseline="0">
+                <a:solidFill>
+                  <a:schemeClr val="tx1"/>
+                </a:solidFill>
+                <a:latin typeface="+mn-lt"/>
+                <a:ea typeface="+mn-ea"/>
+                <a:cs typeface="+mn-cs"/>
+              </a:defRPr>
+            </a:lvl9pPr>
+          </a:lstStyle>
+          <a:p>
+            <a:pPr algn="just"/>
+            <a:r>
+              <a:rPr lang="it-IT" sz="1400" dirty="0" smtClean="0">
+                <a:latin typeface="+mj-lt"/>
+                <a:cs typeface="Arial" pitchFamily="34" charset="0"/>
+              </a:rPr>
+              <a:t>Per procedere con il testing abbiamo utilizzato le Classi di Equivalenza</a:t>
+            </a:r>
+          </a:p>
+          <a:p>
+            <a:pPr algn="just"/>
+            <a:r>
+              <a:rPr lang="it-IT" sz="1400" dirty="0" smtClean="0">
+                <a:latin typeface="+mj-lt"/>
+                <a:cs typeface="Arial" pitchFamily="34" charset="0"/>
+              </a:rPr>
+              <a:t>Eccone un esempio</a:t>
+            </a:r>
+          </a:p>
+          <a:p>
+            <a:pPr marL="285750" indent="-285750" algn="just">
+              <a:buFontTx/>
+              <a:buChar char="-"/>
+            </a:pPr>
+            <a:r>
+              <a:rPr lang="it-IT" sz="1400" dirty="0" smtClean="0">
+                <a:latin typeface="+mj-lt"/>
+                <a:cs typeface="Arial" pitchFamily="34" charset="0"/>
+              </a:rPr>
+              <a:t>Classe: </a:t>
+            </a:r>
+            <a:r>
+              <a:rPr lang="it-IT" sz="1400" dirty="0" err="1" smtClean="0">
+                <a:latin typeface="+mj-lt"/>
+                <a:cs typeface="Arial" pitchFamily="34" charset="0"/>
+              </a:rPr>
+              <a:t>ControlQuestionari</a:t>
+            </a:r>
+            <a:r>
+              <a:rPr lang="it-IT" sz="1400" dirty="0" smtClean="0">
+                <a:latin typeface="+mj-lt"/>
+                <a:cs typeface="Arial" pitchFamily="34" charset="0"/>
+              </a:rPr>
+              <a:t> Layer: Application</a:t>
+            </a:r>
+          </a:p>
+          <a:p>
+            <a:pPr marL="285750" indent="-285750" algn="just">
+              <a:buFontTx/>
+              <a:buChar char="-"/>
+            </a:pPr>
+            <a:r>
+              <a:rPr lang="it-IT" sz="1400" dirty="0" smtClean="0">
+                <a:latin typeface="+mj-lt"/>
+                <a:cs typeface="Arial" pitchFamily="34" charset="0"/>
+              </a:rPr>
+              <a:t>Metodo: </a:t>
+            </a:r>
+          </a:p>
+          <a:p>
+            <a:pPr marL="285750" indent="-285750" algn="just">
+              <a:buFontTx/>
+              <a:buChar char="-"/>
+            </a:pPr>
+            <a:endParaRPr lang="it-IT" sz="1400" dirty="0" smtClean="0">
+              <a:latin typeface="+mj-lt"/>
+              <a:cs typeface="Arial" pitchFamily="34" charset="0"/>
+            </a:endParaRPr>
+          </a:p>
+          <a:p>
+            <a:pPr marL="285750" indent="-285750" algn="just">
+              <a:buFontTx/>
+              <a:buChar char="-"/>
+            </a:pPr>
+            <a:r>
+              <a:rPr lang="it-IT" sz="1400" b="1" dirty="0" smtClean="0">
+                <a:latin typeface="+mj-lt"/>
+                <a:cs typeface="Arial" pitchFamily="34" charset="0"/>
+              </a:rPr>
+              <a:t>/**</a:t>
+            </a:r>
+          </a:p>
+          <a:p>
+            <a:pPr marL="285750" indent="-285750" algn="just">
+              <a:buFontTx/>
+              <a:buChar char="-"/>
+            </a:pPr>
+            <a:r>
+              <a:rPr lang="it-IT" sz="1400" b="1" dirty="0" smtClean="0">
+                <a:latin typeface="+mj-lt"/>
+                <a:cs typeface="Arial" pitchFamily="34" charset="0"/>
+              </a:rPr>
+              <a:t>* </a:t>
+            </a:r>
+            <a:r>
+              <a:rPr lang="it-IT" sz="1400" dirty="0" smtClean="0">
+                <a:latin typeface="+mj-lt"/>
+                <a:cs typeface="Arial" pitchFamily="34" charset="0"/>
+              </a:rPr>
+              <a:t>metodo che controlla se il questionario è </a:t>
+            </a:r>
+            <a:r>
+              <a:rPr lang="it-IT" sz="1400" i="1" dirty="0" smtClean="0">
+                <a:latin typeface="+mj-lt"/>
+                <a:cs typeface="Arial" pitchFamily="34" charset="0"/>
+              </a:rPr>
+              <a:t>editabile </a:t>
+            </a:r>
+            <a:r>
+              <a:rPr lang="it-IT" sz="1400" dirty="0" smtClean="0">
+                <a:latin typeface="+mj-lt"/>
+                <a:cs typeface="Arial" pitchFamily="34" charset="0"/>
+              </a:rPr>
+              <a:t>(modificabile o cancellabile)</a:t>
+            </a:r>
+          </a:p>
+          <a:p>
+            <a:pPr marL="285750" indent="-285750" algn="just">
+              <a:buFontTx/>
+              <a:buChar char="-"/>
+            </a:pPr>
+            <a:r>
+              <a:rPr lang="it-IT" sz="1400" b="1" dirty="0" smtClean="0">
+                <a:latin typeface="+mj-lt"/>
+                <a:cs typeface="Arial" pitchFamily="34" charset="0"/>
+              </a:rPr>
+              <a:t>* </a:t>
+            </a:r>
+            <a:r>
+              <a:rPr lang="it-IT" sz="1400" dirty="0" smtClean="0">
+                <a:latin typeface="+mj-lt"/>
+                <a:cs typeface="Arial" pitchFamily="34" charset="0"/>
+              </a:rPr>
+              <a:t>un questionario è editabile se non è in vigore.</a:t>
+            </a:r>
+          </a:p>
+          <a:p>
+            <a:pPr marL="285750" indent="-285750" algn="just">
+              <a:buFontTx/>
+              <a:buChar char="-"/>
+            </a:pPr>
+            <a:r>
+              <a:rPr lang="it-IT" sz="1400" b="1" dirty="0" smtClean="0">
+                <a:latin typeface="+mj-lt"/>
+                <a:cs typeface="Arial" pitchFamily="34" charset="0"/>
+              </a:rPr>
+              <a:t>* </a:t>
+            </a:r>
+            <a:r>
+              <a:rPr lang="it-IT" sz="1400" dirty="0" smtClean="0">
+                <a:latin typeface="+mj-lt"/>
+                <a:cs typeface="Arial" pitchFamily="34" charset="0"/>
+              </a:rPr>
+              <a:t>Un questionario è in vigore se la data odierna è compresa tra la data di inizio del questionario e la sua data * * di fine</a:t>
+            </a:r>
+          </a:p>
+          <a:p>
+            <a:pPr marL="285750" indent="-285750" algn="just">
+              <a:buFontTx/>
+              <a:buChar char="-"/>
+            </a:pPr>
+            <a:r>
+              <a:rPr lang="it-IT" sz="1400" b="1" dirty="0" smtClean="0">
+                <a:latin typeface="+mj-lt"/>
+                <a:cs typeface="Arial" pitchFamily="34" charset="0"/>
+              </a:rPr>
+              <a:t>*</a:t>
+            </a:r>
+            <a:r>
+              <a:rPr lang="it-IT" sz="1400" dirty="0" smtClean="0">
+                <a:latin typeface="+mj-lt"/>
+                <a:cs typeface="Arial" pitchFamily="34" charset="0"/>
+              </a:rPr>
+              <a:t>@</a:t>
+            </a:r>
+            <a:r>
+              <a:rPr lang="it-IT" sz="1400" dirty="0" err="1" smtClean="0">
+                <a:latin typeface="+mj-lt"/>
+                <a:cs typeface="Arial" pitchFamily="34" charset="0"/>
+              </a:rPr>
+              <a:t>param</a:t>
+            </a:r>
+            <a:r>
+              <a:rPr lang="it-IT" sz="1400" dirty="0" smtClean="0">
+                <a:latin typeface="+mj-lt"/>
+                <a:cs typeface="Arial" pitchFamily="34" charset="0"/>
+              </a:rPr>
+              <a:t>: Questionario q </a:t>
+            </a:r>
+          </a:p>
+          <a:p>
+            <a:pPr marL="285750" indent="-285750" algn="just">
+              <a:buFontTx/>
+              <a:buChar char="-"/>
+            </a:pPr>
+            <a:r>
+              <a:rPr lang="it-IT" sz="1400" b="1" dirty="0" smtClean="0">
+                <a:latin typeface="+mj-lt"/>
+                <a:cs typeface="Arial" pitchFamily="34" charset="0"/>
+              </a:rPr>
+              <a:t>* </a:t>
+            </a:r>
+            <a:r>
+              <a:rPr lang="it-IT" sz="1400" dirty="0" smtClean="0">
+                <a:latin typeface="+mj-lt"/>
+                <a:cs typeface="Arial" pitchFamily="34" charset="0"/>
+              </a:rPr>
+              <a:t>@</a:t>
+            </a:r>
+            <a:r>
+              <a:rPr lang="it-IT" sz="1400" dirty="0" err="1" smtClean="0">
+                <a:latin typeface="+mj-lt"/>
+                <a:cs typeface="Arial" pitchFamily="34" charset="0"/>
+              </a:rPr>
+              <a:t>return</a:t>
+            </a:r>
+            <a:r>
+              <a:rPr lang="it-IT" sz="1400" dirty="0" smtClean="0">
+                <a:latin typeface="+mj-lt"/>
+                <a:cs typeface="Arial" pitchFamily="34" charset="0"/>
+              </a:rPr>
+              <a:t> : </a:t>
+            </a:r>
+            <a:r>
+              <a:rPr lang="it-IT" sz="1400" dirty="0" err="1" smtClean="0">
+                <a:latin typeface="+mj-lt"/>
+                <a:cs typeface="Arial" pitchFamily="34" charset="0"/>
+              </a:rPr>
+              <a:t>boolean</a:t>
+            </a:r>
+            <a:r>
+              <a:rPr lang="it-IT" sz="1400" dirty="0" smtClean="0">
+                <a:latin typeface="+mj-lt"/>
+                <a:cs typeface="Arial" pitchFamily="34" charset="0"/>
+              </a:rPr>
+              <a:t> , </a:t>
+            </a:r>
+            <a:r>
+              <a:rPr lang="it-IT" sz="1400" dirty="0" err="1" smtClean="0">
+                <a:latin typeface="+mj-lt"/>
+                <a:cs typeface="Arial" pitchFamily="34" charset="0"/>
+              </a:rPr>
+              <a:t>true</a:t>
+            </a:r>
+            <a:r>
+              <a:rPr lang="it-IT" sz="1400" dirty="0" smtClean="0">
+                <a:latin typeface="+mj-lt"/>
+                <a:cs typeface="Arial" pitchFamily="34" charset="0"/>
+              </a:rPr>
+              <a:t> se il questionario è </a:t>
+            </a:r>
+            <a:r>
+              <a:rPr lang="it-IT" sz="1400" i="1" dirty="0" smtClean="0">
+                <a:latin typeface="+mj-lt"/>
+                <a:cs typeface="Arial" pitchFamily="34" charset="0"/>
+              </a:rPr>
+              <a:t>editabile</a:t>
+            </a:r>
+            <a:r>
+              <a:rPr lang="it-IT" sz="1400" dirty="0" smtClean="0">
+                <a:latin typeface="+mj-lt"/>
+                <a:cs typeface="Arial" pitchFamily="34" charset="0"/>
+              </a:rPr>
+              <a:t>, false altrimenti</a:t>
+            </a:r>
+          </a:p>
+          <a:p>
+            <a:pPr marL="285750" indent="-285750" algn="just">
+              <a:buFontTx/>
+              <a:buChar char="-"/>
+            </a:pPr>
+            <a:r>
+              <a:rPr lang="it-IT" sz="1400" b="1" dirty="0" smtClean="0">
+                <a:latin typeface="+mj-lt"/>
+                <a:cs typeface="Arial" pitchFamily="34" charset="0"/>
+              </a:rPr>
+              <a:t>* </a:t>
+            </a:r>
+            <a:r>
+              <a:rPr lang="it-IT" sz="1400" dirty="0" smtClean="0">
+                <a:latin typeface="+mj-lt"/>
+                <a:cs typeface="Arial" pitchFamily="34" charset="0"/>
+              </a:rPr>
+              <a:t>@</a:t>
+            </a:r>
+            <a:r>
+              <a:rPr lang="it-IT" sz="1400" dirty="0" err="1" smtClean="0">
+                <a:latin typeface="+mj-lt"/>
+                <a:cs typeface="Arial" pitchFamily="34" charset="0"/>
+              </a:rPr>
+              <a:t>pre</a:t>
+            </a:r>
+            <a:r>
+              <a:rPr lang="it-IT" sz="1400" dirty="0" smtClean="0">
+                <a:latin typeface="+mj-lt"/>
+                <a:cs typeface="Arial" pitchFamily="34" charset="0"/>
+              </a:rPr>
+              <a:t> : q!=</a:t>
+            </a:r>
+            <a:r>
+              <a:rPr lang="it-IT" sz="1400" dirty="0" err="1" smtClean="0">
+                <a:latin typeface="+mj-lt"/>
+                <a:cs typeface="Arial" pitchFamily="34" charset="0"/>
+              </a:rPr>
+              <a:t>null</a:t>
+            </a:r>
+            <a:endParaRPr lang="it-IT" sz="1400" b="1" dirty="0" smtClean="0">
+              <a:latin typeface="+mj-lt"/>
+              <a:cs typeface="Arial" pitchFamily="34" charset="0"/>
+            </a:endParaRPr>
+          </a:p>
+          <a:p>
+            <a:pPr marL="285750" indent="-285750" algn="just">
+              <a:buFontTx/>
+              <a:buChar char="-"/>
+            </a:pPr>
+            <a:r>
+              <a:rPr lang="it-IT" sz="1400" b="1" dirty="0" smtClean="0">
+                <a:latin typeface="+mj-lt"/>
+                <a:cs typeface="Arial" pitchFamily="34" charset="0"/>
+              </a:rPr>
+              <a:t>**/</a:t>
+            </a:r>
+          </a:p>
+          <a:p>
+            <a:pPr marL="285750" indent="-285750" algn="just">
+              <a:buFontTx/>
+              <a:buChar char="-"/>
+            </a:pPr>
+            <a:r>
+              <a:rPr lang="it-IT" sz="1400" b="1" dirty="0" smtClean="0">
+                <a:solidFill>
+                  <a:schemeClr val="accent5">
+                    <a:lumMod val="50000"/>
+                  </a:schemeClr>
+                </a:solidFill>
+                <a:latin typeface="+mj-lt"/>
+              </a:rPr>
+              <a:t>public </a:t>
+            </a:r>
+            <a:r>
+              <a:rPr lang="it-IT" sz="1400" b="1" dirty="0" err="1" smtClean="0">
+                <a:solidFill>
+                  <a:schemeClr val="accent5">
+                    <a:lumMod val="50000"/>
+                  </a:schemeClr>
+                </a:solidFill>
+                <a:latin typeface="+mj-lt"/>
+              </a:rPr>
+              <a:t>boolean</a:t>
+            </a:r>
+            <a:r>
+              <a:rPr lang="it-IT" sz="1400" b="1" dirty="0" smtClean="0">
+                <a:solidFill>
+                  <a:schemeClr val="accent5">
+                    <a:lumMod val="50000"/>
+                  </a:schemeClr>
+                </a:solidFill>
+                <a:latin typeface="+mj-lt"/>
+              </a:rPr>
+              <a:t> </a:t>
+            </a:r>
+            <a:r>
+              <a:rPr lang="it-IT" sz="1400" b="1" dirty="0" err="1" smtClean="0">
+                <a:solidFill>
+                  <a:schemeClr val="accent5">
+                    <a:lumMod val="50000"/>
+                  </a:schemeClr>
+                </a:solidFill>
+                <a:latin typeface="+mj-lt"/>
+              </a:rPr>
+              <a:t>isEditable</a:t>
+            </a:r>
+            <a:r>
+              <a:rPr lang="it-IT" sz="1400" b="1" dirty="0" smtClean="0">
+                <a:solidFill>
+                  <a:schemeClr val="accent5">
+                    <a:lumMod val="50000"/>
+                  </a:schemeClr>
+                </a:solidFill>
+                <a:latin typeface="+mj-lt"/>
+              </a:rPr>
+              <a:t>(Questionario q)</a:t>
+            </a:r>
+            <a:endParaRPr lang="it-IT" sz="1400" b="1" dirty="0" smtClean="0">
+              <a:latin typeface="+mj-lt"/>
+            </a:endParaRPr>
+          </a:p>
+          <a:p>
+            <a:pPr algn="just"/>
+            <a:endParaRPr lang="it-IT" sz="1400" b="1" dirty="0" smtClean="0">
+              <a:latin typeface="+mj-lt"/>
+            </a:endParaRPr>
+          </a:p>
+          <a:p>
+            <a:pPr marL="285750" indent="-285750" algn="just">
+              <a:buFontTx/>
+              <a:buChar char="-"/>
+            </a:pPr>
+            <a:endParaRPr lang="it-IT" sz="2000" b="1" dirty="0" smtClean="0"/>
+          </a:p>
+          <a:p>
+            <a:pPr marL="0" indent="0" algn="just">
+              <a:buNone/>
+            </a:pPr>
+            <a:endParaRPr lang="it-IT" sz="1400" dirty="0" smtClean="0">
+              <a:latin typeface="Arial" pitchFamily="34" charset="0"/>
+              <a:cs typeface="Arial" pitchFamily="34" charset="0"/>
+            </a:endParaRPr>
+          </a:p>
+        </p:txBody>
+      </p:sp>
     </p:spTree>
     <p:extLst>
       <p:ext uri="{BB962C8B-B14F-4D97-AF65-F5344CB8AC3E}">
@@ -25203,6 +26761,1063 @@
         </p:nvSpPr>
         <p:spPr>
           <a:xfrm>
+            <a:off x="611560" y="0"/>
+            <a:ext cx="7715304" cy="1723549"/>
+          </a:xfrm>
+          <a:prstGeom prst="rect">
+            <a:avLst/>
+          </a:prstGeom>
+          <a:noFill/>
+        </p:spPr>
+        <p:txBody>
+          <a:bodyPr wrap="square" rtlCol="0">
+            <a:spAutoFit/>
+          </a:bodyPr>
+          <a:lstStyle/>
+          <a:p>
+            <a:pPr algn="ctr"/>
+            <a:r>
+              <a:rPr lang="it-IT" sz="4800" b="1" dirty="0" smtClean="0">
+                <a:latin typeface="+mj-lt"/>
+              </a:rPr>
+              <a:t>Testing di unità</a:t>
+            </a:r>
+          </a:p>
+          <a:p>
+            <a:pPr algn="ctr"/>
+            <a:r>
+              <a:rPr lang="it-IT" sz="3600" b="1" dirty="0" smtClean="0">
+                <a:latin typeface="+mj-lt"/>
+              </a:rPr>
+              <a:t>Casi Di Test</a:t>
+            </a:r>
+            <a:endParaRPr lang="it-IT" b="1" dirty="0" smtClean="0">
+              <a:latin typeface="+mj-lt"/>
+            </a:endParaRPr>
+          </a:p>
+          <a:p>
+            <a:pPr algn="ctr"/>
+            <a:endParaRPr lang="it-IT" dirty="0">
+              <a:latin typeface="+mj-lt"/>
+            </a:endParaRPr>
+          </a:p>
+        </p:txBody>
+      </p:sp>
+      <p:graphicFrame>
+        <p:nvGraphicFramePr>
+          <p:cNvPr id="3" name="Tabella 2"/>
+          <p:cNvGraphicFramePr>
+            <a:graphicFrameLocks noGrp="1"/>
+          </p:cNvGraphicFramePr>
+          <p:nvPr>
+            <p:extLst>
+              <p:ext uri="{D42A27DB-BD31-4B8C-83A1-F6EECF244321}">
+                <p14:modId xmlns:p14="http://schemas.microsoft.com/office/powerpoint/2010/main" val="1603526078"/>
+              </p:ext>
+            </p:extLst>
+          </p:nvPr>
+        </p:nvGraphicFramePr>
+        <p:xfrm>
+          <a:off x="1619672" y="2492896"/>
+          <a:ext cx="6096000" cy="1381760"/>
+        </p:xfrm>
+        <a:graphic>
+          <a:graphicData uri="http://schemas.openxmlformats.org/drawingml/2006/table">
+            <a:tbl>
+              <a:tblPr firstRow="1" bandRow="1">
+                <a:tableStyleId>{5C22544A-7EE6-4342-B048-85BDC9FD1C3A}</a:tableStyleId>
+              </a:tblPr>
+              <a:tblGrid>
+                <a:gridCol w="2520280"/>
+                <a:gridCol w="3575720"/>
+              </a:tblGrid>
+              <a:tr h="370840">
+                <a:tc>
+                  <a:txBody>
+                    <a:bodyPr/>
+                    <a:lstStyle/>
+                    <a:p>
+                      <a:r>
+                        <a:rPr lang="it-IT" dirty="0" smtClean="0"/>
+                        <a:t>Caso di</a:t>
+                      </a:r>
+                      <a:r>
+                        <a:rPr lang="it-IT" baseline="0" dirty="0" smtClean="0"/>
+                        <a:t> test</a:t>
+                      </a:r>
+                      <a:endParaRPr lang="it-IT" dirty="0"/>
+                    </a:p>
+                  </a:txBody>
+                  <a:tcPr/>
+                </a:tc>
+                <a:tc>
+                  <a:txBody>
+                    <a:bodyPr/>
+                    <a:lstStyle/>
+                    <a:p>
+                      <a:r>
+                        <a:rPr lang="it-IT" dirty="0" smtClean="0"/>
+                        <a:t>Output Atteso</a:t>
+                      </a:r>
+                      <a:endParaRPr lang="it-IT" dirty="0"/>
+                    </a:p>
+                  </a:txBody>
+                  <a:tcPr/>
+                </a:tc>
+              </a:tr>
+              <a:tr h="370840">
+                <a:tc>
+                  <a:txBody>
+                    <a:bodyPr/>
+                    <a:lstStyle/>
+                    <a:p>
+                      <a:r>
+                        <a:rPr lang="it-IT" dirty="0" smtClean="0"/>
+                        <a:t>Questionario</a:t>
+                      </a:r>
+                      <a:r>
+                        <a:rPr lang="it-IT" baseline="0" dirty="0" smtClean="0"/>
+                        <a:t> editabile</a:t>
+                      </a:r>
+                      <a:endParaRPr lang="it-IT" dirty="0"/>
+                    </a:p>
+                  </a:txBody>
+                  <a:tcPr/>
+                </a:tc>
+                <a:tc>
+                  <a:txBody>
+                    <a:bodyPr/>
+                    <a:lstStyle/>
+                    <a:p>
+                      <a:r>
+                        <a:rPr lang="it-IT" b="1" dirty="0" smtClean="0">
+                          <a:solidFill>
+                            <a:srgbClr val="00B050"/>
+                          </a:solidFill>
+                        </a:rPr>
+                        <a:t>True</a:t>
+                      </a:r>
+                      <a:endParaRPr lang="it-IT" b="1" dirty="0">
+                        <a:solidFill>
+                          <a:srgbClr val="00B050"/>
+                        </a:solidFill>
+                      </a:endParaRPr>
+                    </a:p>
+                  </a:txBody>
+                  <a:tcPr/>
+                </a:tc>
+              </a:tr>
+              <a:tr h="370840">
+                <a:tc>
+                  <a:txBody>
+                    <a:bodyPr/>
+                    <a:lstStyle/>
+                    <a:p>
+                      <a:r>
+                        <a:rPr lang="it-IT" dirty="0" smtClean="0"/>
+                        <a:t>Questionario non editabile</a:t>
+                      </a:r>
+                      <a:endParaRPr lang="it-IT" dirty="0"/>
+                    </a:p>
+                  </a:txBody>
+                  <a:tcPr/>
+                </a:tc>
+                <a:tc>
+                  <a:txBody>
+                    <a:bodyPr/>
+                    <a:lstStyle/>
+                    <a:p>
+                      <a:r>
+                        <a:rPr lang="it-IT" b="1" dirty="0" smtClean="0">
+                          <a:solidFill>
+                            <a:srgbClr val="00B050"/>
+                          </a:solidFill>
+                        </a:rPr>
+                        <a:t>False</a:t>
+                      </a:r>
+                      <a:endParaRPr lang="it-IT" b="1" dirty="0">
+                        <a:solidFill>
+                          <a:srgbClr val="00B050"/>
+                        </a:solidFill>
+                      </a:endParaRPr>
+                    </a:p>
+                  </a:txBody>
+                  <a:tcPr/>
+                </a:tc>
+              </a:tr>
+            </a:tbl>
+          </a:graphicData>
+        </a:graphic>
+      </p:graphicFrame>
+    </p:spTree>
+    <p:extLst>
+      <p:ext uri="{BB962C8B-B14F-4D97-AF65-F5344CB8AC3E}">
+        <p14:creationId xmlns:p14="http://schemas.microsoft.com/office/powerpoint/2010/main" val="1428921569"/>
+      </p:ext>
+    </p:extLst>
+  </p:cSld>
+  <p:clrMapOvr>
+    <a:masterClrMapping/>
+  </p:clrMapOvr>
+</p:sld>
+</file>
+
+<file path=ppt/slides/slide35.xml><?xml version="1.0" encoding="utf-8"?>
+<p:sld xmlns:a="http://schemas.openxmlformats.org/drawingml/2006/main" xmlns:r="http://schemas.openxmlformats.org/officeDocument/2006/relationships" xmlns:p="http://schemas.openxmlformats.org/presentationml/2006/main">
+  <p:cSld>
+    <p:spTree>
+      <p:nvGrpSpPr>
+        <p:cNvPr id="1" name=""/>
+        <p:cNvGrpSpPr/>
+        <p:nvPr/>
+      </p:nvGrpSpPr>
+      <p:grpSpPr>
+        <a:xfrm>
+          <a:off x="0" y="0"/>
+          <a:ext cx="0" cy="0"/>
+          <a:chOff x="0" y="0"/>
+          <a:chExt cx="0" cy="0"/>
+        </a:xfrm>
+      </p:grpSpPr>
+      <p:sp>
+        <p:nvSpPr>
+          <p:cNvPr id="2" name="CasellaDiTesto 1"/>
+          <p:cNvSpPr txBox="1"/>
+          <p:nvPr/>
+        </p:nvSpPr>
+        <p:spPr>
+          <a:xfrm>
+            <a:off x="611560" y="0"/>
+            <a:ext cx="7715304" cy="1723549"/>
+          </a:xfrm>
+          <a:prstGeom prst="rect">
+            <a:avLst/>
+          </a:prstGeom>
+          <a:noFill/>
+        </p:spPr>
+        <p:txBody>
+          <a:bodyPr wrap="square" rtlCol="0">
+            <a:spAutoFit/>
+          </a:bodyPr>
+          <a:lstStyle/>
+          <a:p>
+            <a:pPr algn="ctr"/>
+            <a:r>
+              <a:rPr lang="it-IT" sz="4800" b="1" dirty="0" smtClean="0">
+                <a:latin typeface="+mj-lt"/>
+              </a:rPr>
+              <a:t>Testing di unità</a:t>
+            </a:r>
+          </a:p>
+          <a:p>
+            <a:pPr algn="ctr"/>
+            <a:r>
+              <a:rPr lang="it-IT" sz="3600" b="1" dirty="0" smtClean="0">
+                <a:latin typeface="+mj-lt"/>
+              </a:rPr>
+              <a:t>1° Report Casi Di Test</a:t>
+            </a:r>
+            <a:endParaRPr lang="it-IT" b="1" dirty="0" smtClean="0">
+              <a:latin typeface="+mj-lt"/>
+            </a:endParaRPr>
+          </a:p>
+          <a:p>
+            <a:pPr algn="ctr"/>
+            <a:endParaRPr lang="it-IT" dirty="0">
+              <a:latin typeface="+mj-lt"/>
+            </a:endParaRPr>
+          </a:p>
+        </p:txBody>
+      </p:sp>
+      <p:graphicFrame>
+        <p:nvGraphicFramePr>
+          <p:cNvPr id="3" name="Tabella 2"/>
+          <p:cNvGraphicFramePr>
+            <a:graphicFrameLocks noGrp="1"/>
+          </p:cNvGraphicFramePr>
+          <p:nvPr>
+            <p:extLst>
+              <p:ext uri="{D42A27DB-BD31-4B8C-83A1-F6EECF244321}">
+                <p14:modId xmlns:p14="http://schemas.microsoft.com/office/powerpoint/2010/main" val="3377787449"/>
+              </p:ext>
+            </p:extLst>
+          </p:nvPr>
+        </p:nvGraphicFramePr>
+        <p:xfrm>
+          <a:off x="1547664" y="2780928"/>
+          <a:ext cx="6096000" cy="1651000"/>
+        </p:xfrm>
+        <a:graphic>
+          <a:graphicData uri="http://schemas.openxmlformats.org/drawingml/2006/table">
+            <a:tbl>
+              <a:tblPr firstRow="1" bandRow="1">
+                <a:tableStyleId>{5C22544A-7EE6-4342-B048-85BDC9FD1C3A}</a:tableStyleId>
+              </a:tblPr>
+              <a:tblGrid>
+                <a:gridCol w="1588510"/>
+                <a:gridCol w="2253745"/>
+                <a:gridCol w="2253745"/>
+              </a:tblGrid>
+              <a:tr h="370840">
+                <a:tc>
+                  <a:txBody>
+                    <a:bodyPr/>
+                    <a:lstStyle/>
+                    <a:p>
+                      <a:r>
+                        <a:rPr lang="it-IT" dirty="0" smtClean="0"/>
+                        <a:t>Caso di</a:t>
+                      </a:r>
+                      <a:r>
+                        <a:rPr lang="it-IT" baseline="0" dirty="0" smtClean="0"/>
+                        <a:t> test</a:t>
+                      </a:r>
+                      <a:endParaRPr lang="it-IT" dirty="0"/>
+                    </a:p>
+                  </a:txBody>
+                  <a:tcPr/>
+                </a:tc>
+                <a:tc>
+                  <a:txBody>
+                    <a:bodyPr/>
+                    <a:lstStyle/>
+                    <a:p>
+                      <a:r>
+                        <a:rPr lang="it-IT" dirty="0" smtClean="0"/>
+                        <a:t>Output Atteso</a:t>
+                      </a:r>
+                      <a:endParaRPr lang="it-IT" dirty="0"/>
+                    </a:p>
+                  </a:txBody>
+                  <a:tcPr/>
+                </a:tc>
+                <a:tc>
+                  <a:txBody>
+                    <a:bodyPr/>
+                    <a:lstStyle/>
+                    <a:p>
+                      <a:r>
+                        <a:rPr lang="it-IT" dirty="0" smtClean="0"/>
+                        <a:t>Output</a:t>
+                      </a:r>
+                      <a:r>
+                        <a:rPr lang="it-IT" baseline="0" dirty="0" smtClean="0"/>
+                        <a:t> Ottenuto</a:t>
+                      </a:r>
+                      <a:endParaRPr lang="it-IT" dirty="0"/>
+                    </a:p>
+                  </a:txBody>
+                  <a:tcPr/>
+                </a:tc>
+              </a:tr>
+              <a:tr h="370840">
+                <a:tc>
+                  <a:txBody>
+                    <a:bodyPr/>
+                    <a:lstStyle/>
+                    <a:p>
+                      <a:r>
+                        <a:rPr lang="it-IT" dirty="0" smtClean="0"/>
+                        <a:t>Questionario</a:t>
+                      </a:r>
+                      <a:r>
+                        <a:rPr lang="it-IT" baseline="0" dirty="0" smtClean="0"/>
+                        <a:t> editabile</a:t>
+                      </a:r>
+                      <a:endParaRPr lang="it-IT" dirty="0"/>
+                    </a:p>
+                  </a:txBody>
+                  <a:tcPr/>
+                </a:tc>
+                <a:tc>
+                  <a:txBody>
+                    <a:bodyPr/>
+                    <a:lstStyle/>
+                    <a:p>
+                      <a:r>
+                        <a:rPr lang="it-IT" b="1" dirty="0" smtClean="0">
+                          <a:solidFill>
+                            <a:srgbClr val="00B050"/>
+                          </a:solidFill>
+                        </a:rPr>
+                        <a:t>True</a:t>
+                      </a:r>
+                      <a:endParaRPr lang="it-IT" b="1" dirty="0">
+                        <a:solidFill>
+                          <a:srgbClr val="00B050"/>
+                        </a:solidFill>
+                      </a:endParaRPr>
+                    </a:p>
+                  </a:txBody>
+                  <a:tcPr/>
+                </a:tc>
+                <a:tc>
+                  <a:txBody>
+                    <a:bodyPr/>
+                    <a:lstStyle/>
+                    <a:p>
+                      <a:r>
+                        <a:rPr lang="it-IT" b="1" dirty="0" smtClean="0">
+                          <a:solidFill>
+                            <a:srgbClr val="00B050"/>
+                          </a:solidFill>
+                        </a:rPr>
+                        <a:t>True</a:t>
+                      </a:r>
+                      <a:endParaRPr lang="it-IT" b="1" dirty="0">
+                        <a:solidFill>
+                          <a:srgbClr val="00B050"/>
+                        </a:solidFill>
+                      </a:endParaRPr>
+                    </a:p>
+                  </a:txBody>
+                  <a:tcPr/>
+                </a:tc>
+              </a:tr>
+              <a:tr h="370840">
+                <a:tc>
+                  <a:txBody>
+                    <a:bodyPr/>
+                    <a:lstStyle/>
+                    <a:p>
+                      <a:r>
+                        <a:rPr lang="it-IT" dirty="0" smtClean="0"/>
+                        <a:t>Questionario non editabile</a:t>
+                      </a:r>
+                      <a:endParaRPr lang="it-IT" dirty="0"/>
+                    </a:p>
+                  </a:txBody>
+                  <a:tcPr/>
+                </a:tc>
+                <a:tc>
+                  <a:txBody>
+                    <a:bodyPr/>
+                    <a:lstStyle/>
+                    <a:p>
+                      <a:r>
+                        <a:rPr lang="it-IT" b="1" dirty="0" smtClean="0">
+                          <a:solidFill>
+                            <a:srgbClr val="00B050"/>
+                          </a:solidFill>
+                        </a:rPr>
+                        <a:t>False</a:t>
+                      </a:r>
+                      <a:endParaRPr lang="it-IT" b="1" dirty="0">
+                        <a:solidFill>
+                          <a:srgbClr val="00B050"/>
+                        </a:solidFill>
+                      </a:endParaRPr>
+                    </a:p>
+                  </a:txBody>
+                  <a:tcPr/>
+                </a:tc>
+                <a:tc>
+                  <a:txBody>
+                    <a:bodyPr/>
+                    <a:lstStyle/>
+                    <a:p>
+                      <a:r>
+                        <a:rPr lang="it-IT" b="1" dirty="0" smtClean="0">
+                          <a:solidFill>
+                            <a:srgbClr val="FF0000"/>
+                          </a:solidFill>
+                        </a:rPr>
+                        <a:t>True</a:t>
+                      </a:r>
+                      <a:endParaRPr lang="it-IT" b="1" dirty="0">
+                        <a:solidFill>
+                          <a:srgbClr val="FF0000"/>
+                        </a:solidFill>
+                      </a:endParaRPr>
+                    </a:p>
+                  </a:txBody>
+                  <a:tcPr/>
+                </a:tc>
+              </a:tr>
+            </a:tbl>
+          </a:graphicData>
+        </a:graphic>
+      </p:graphicFrame>
+    </p:spTree>
+    <p:extLst>
+      <p:ext uri="{BB962C8B-B14F-4D97-AF65-F5344CB8AC3E}">
+        <p14:creationId xmlns:p14="http://schemas.microsoft.com/office/powerpoint/2010/main" val="521228686"/>
+      </p:ext>
+    </p:extLst>
+  </p:cSld>
+  <p:clrMapOvr>
+    <a:masterClrMapping/>
+  </p:clrMapOvr>
+</p:sld>
+</file>
+
+<file path=ppt/slides/slide36.xml><?xml version="1.0" encoding="utf-8"?>
+<p:sld xmlns:a="http://schemas.openxmlformats.org/drawingml/2006/main" xmlns:r="http://schemas.openxmlformats.org/officeDocument/2006/relationships" xmlns:p="http://schemas.openxmlformats.org/presentationml/2006/main">
+  <p:cSld>
+    <p:spTree>
+      <p:nvGrpSpPr>
+        <p:cNvPr id="1" name=""/>
+        <p:cNvGrpSpPr/>
+        <p:nvPr/>
+      </p:nvGrpSpPr>
+      <p:grpSpPr>
+        <a:xfrm>
+          <a:off x="0" y="0"/>
+          <a:ext cx="0" cy="0"/>
+          <a:chOff x="0" y="0"/>
+          <a:chExt cx="0" cy="0"/>
+        </a:xfrm>
+      </p:grpSpPr>
+      <p:sp>
+        <p:nvSpPr>
+          <p:cNvPr id="2" name="CasellaDiTesto 1"/>
+          <p:cNvSpPr txBox="1"/>
+          <p:nvPr/>
+        </p:nvSpPr>
+        <p:spPr>
+          <a:xfrm>
+            <a:off x="611560" y="0"/>
+            <a:ext cx="7715304" cy="1384995"/>
+          </a:xfrm>
+          <a:prstGeom prst="rect">
+            <a:avLst/>
+          </a:prstGeom>
+          <a:noFill/>
+        </p:spPr>
+        <p:txBody>
+          <a:bodyPr wrap="square" rtlCol="0">
+            <a:spAutoFit/>
+          </a:bodyPr>
+          <a:lstStyle/>
+          <a:p>
+            <a:pPr algn="ctr"/>
+            <a:r>
+              <a:rPr lang="it-IT" sz="4800" b="1" dirty="0" smtClean="0">
+                <a:latin typeface="+mj-lt"/>
+              </a:rPr>
+              <a:t>Testing di unità</a:t>
+            </a:r>
+          </a:p>
+          <a:p>
+            <a:pPr algn="ctr"/>
+            <a:r>
+              <a:rPr lang="it-IT" sz="3600" b="1" dirty="0" smtClean="0">
+                <a:latin typeface="+mj-lt"/>
+              </a:rPr>
+              <a:t>Bug rilevato</a:t>
+            </a:r>
+          </a:p>
+        </p:txBody>
+      </p:sp>
+      <p:pic>
+        <p:nvPicPr>
+          <p:cNvPr id="3" name="Picture 2" descr="C:\linda\uni\esami_da_svolgere\gps\progetto_gps\Atsilo\Presentazione\Atsilo3\Bug.PNG"/>
+          <p:cNvPicPr>
+            <a:picLocks noChangeAspect="1" noChangeArrowheads="1"/>
+          </p:cNvPicPr>
+          <p:nvPr/>
+        </p:nvPicPr>
+        <p:blipFill>
+          <a:blip r:embed="rId2">
+            <a:extLst>
+              <a:ext uri="{28A0092B-C50C-407E-A947-70E740481C1C}">
+                <a14:useLocalDpi xmlns:a14="http://schemas.microsoft.com/office/drawing/2010/main" val="0"/>
+              </a:ext>
+            </a:extLst>
+          </a:blip>
+          <a:srcRect/>
+          <a:stretch>
+            <a:fillRect/>
+          </a:stretch>
+        </p:blipFill>
+        <p:spPr bwMode="auto">
+          <a:xfrm>
+            <a:off x="323528" y="1628800"/>
+            <a:ext cx="6357384" cy="4547195"/>
+          </a:xfrm>
+          <a:prstGeom prst="rect">
+            <a:avLst/>
+          </a:prstGeom>
+          <a:noFill/>
+          <a:extLst>
+            <a:ext uri="{909E8E84-426E-40DD-AFC4-6F175D3DCCD1}">
+              <a14:hiddenFill xmlns:a14="http://schemas.microsoft.com/office/drawing/2010/main">
+                <a:solidFill>
+                  <a:srgbClr val="FFFFFF"/>
+                </a:solidFill>
+              </a14:hiddenFill>
+            </a:ext>
+          </a:extLst>
+        </p:spPr>
+      </p:pic>
+      <p:cxnSp>
+        <p:nvCxnSpPr>
+          <p:cNvPr id="4" name="Connettore 2 3"/>
+          <p:cNvCxnSpPr/>
+          <p:nvPr/>
+        </p:nvCxnSpPr>
+        <p:spPr>
+          <a:xfrm flipH="1">
+            <a:off x="4932040" y="3061121"/>
+            <a:ext cx="1604856" cy="0"/>
+          </a:xfrm>
+          <a:prstGeom prst="straightConnector1">
+            <a:avLst/>
+          </a:prstGeom>
+          <a:ln>
+            <a:solidFill>
+              <a:srgbClr val="FF0000"/>
+            </a:solidFill>
+            <a:tailEnd type="arrow"/>
+          </a:ln>
+        </p:spPr>
+        <p:style>
+          <a:lnRef idx="2">
+            <a:schemeClr val="dk1"/>
+          </a:lnRef>
+          <a:fillRef idx="0">
+            <a:schemeClr val="dk1"/>
+          </a:fillRef>
+          <a:effectRef idx="1">
+            <a:schemeClr val="dk1"/>
+          </a:effectRef>
+          <a:fontRef idx="minor">
+            <a:schemeClr val="tx1"/>
+          </a:fontRef>
+        </p:style>
+      </p:cxnSp>
+      <p:cxnSp>
+        <p:nvCxnSpPr>
+          <p:cNvPr id="5" name="Connettore 2 4"/>
+          <p:cNvCxnSpPr/>
+          <p:nvPr/>
+        </p:nvCxnSpPr>
+        <p:spPr>
+          <a:xfrm flipH="1">
+            <a:off x="6123819" y="4077072"/>
+            <a:ext cx="1532848" cy="0"/>
+          </a:xfrm>
+          <a:prstGeom prst="straightConnector1">
+            <a:avLst/>
+          </a:prstGeom>
+          <a:ln>
+            <a:solidFill>
+              <a:srgbClr val="FF0000"/>
+            </a:solidFill>
+            <a:tailEnd type="arrow"/>
+          </a:ln>
+        </p:spPr>
+        <p:style>
+          <a:lnRef idx="2">
+            <a:schemeClr val="dk1"/>
+          </a:lnRef>
+          <a:fillRef idx="0">
+            <a:schemeClr val="dk1"/>
+          </a:fillRef>
+          <a:effectRef idx="1">
+            <a:schemeClr val="dk1"/>
+          </a:effectRef>
+          <a:fontRef idx="minor">
+            <a:schemeClr val="tx1"/>
+          </a:fontRef>
+        </p:style>
+      </p:cxnSp>
+      <p:sp>
+        <p:nvSpPr>
+          <p:cNvPr id="6" name="CasellaDiTesto 5"/>
+          <p:cNvSpPr txBox="1"/>
+          <p:nvPr/>
+        </p:nvSpPr>
+        <p:spPr>
+          <a:xfrm>
+            <a:off x="6374505" y="2839534"/>
+            <a:ext cx="1672253" cy="369332"/>
+          </a:xfrm>
+          <a:prstGeom prst="rect">
+            <a:avLst/>
+          </a:prstGeom>
+          <a:noFill/>
+        </p:spPr>
+        <p:txBody>
+          <a:bodyPr wrap="none" rtlCol="0">
+            <a:spAutoFit/>
+          </a:bodyPr>
+          <a:lstStyle/>
+          <a:p>
+            <a:r>
+              <a:rPr lang="it-IT" dirty="0" smtClean="0"/>
+              <a:t>Descrizione bug</a:t>
+            </a:r>
+            <a:endParaRPr lang="it-IT" dirty="0"/>
+          </a:p>
+        </p:txBody>
+      </p:sp>
+      <p:sp>
+        <p:nvSpPr>
+          <p:cNvPr id="7" name="CasellaDiTesto 6"/>
+          <p:cNvSpPr txBox="1"/>
+          <p:nvPr/>
+        </p:nvSpPr>
+        <p:spPr>
+          <a:xfrm>
+            <a:off x="7308304" y="4077072"/>
+            <a:ext cx="1672253" cy="369332"/>
+          </a:xfrm>
+          <a:prstGeom prst="rect">
+            <a:avLst/>
+          </a:prstGeom>
+          <a:noFill/>
+        </p:spPr>
+        <p:txBody>
+          <a:bodyPr wrap="none" rtlCol="0">
+            <a:spAutoFit/>
+          </a:bodyPr>
+          <a:lstStyle/>
+          <a:p>
+            <a:r>
+              <a:rPr lang="it-IT" dirty="0" smtClean="0"/>
+              <a:t>Descrizione bug</a:t>
+            </a:r>
+            <a:endParaRPr lang="it-IT" dirty="0"/>
+          </a:p>
+        </p:txBody>
+      </p:sp>
+    </p:spTree>
+    <p:extLst>
+      <p:ext uri="{BB962C8B-B14F-4D97-AF65-F5344CB8AC3E}">
+        <p14:creationId xmlns:p14="http://schemas.microsoft.com/office/powerpoint/2010/main" val="2138116938"/>
+      </p:ext>
+    </p:extLst>
+  </p:cSld>
+  <p:clrMapOvr>
+    <a:masterClrMapping/>
+  </p:clrMapOvr>
+</p:sld>
+</file>
+
+<file path=ppt/slides/slide37.xml><?xml version="1.0" encoding="utf-8"?>
+<p:sld xmlns:a="http://schemas.openxmlformats.org/drawingml/2006/main" xmlns:r="http://schemas.openxmlformats.org/officeDocument/2006/relationships" xmlns:p="http://schemas.openxmlformats.org/presentationml/2006/main">
+  <p:cSld>
+    <p:spTree>
+      <p:nvGrpSpPr>
+        <p:cNvPr id="1" name=""/>
+        <p:cNvGrpSpPr/>
+        <p:nvPr/>
+      </p:nvGrpSpPr>
+      <p:grpSpPr>
+        <a:xfrm>
+          <a:off x="0" y="0"/>
+          <a:ext cx="0" cy="0"/>
+          <a:chOff x="0" y="0"/>
+          <a:chExt cx="0" cy="0"/>
+        </a:xfrm>
+      </p:grpSpPr>
+      <p:sp>
+        <p:nvSpPr>
+          <p:cNvPr id="2" name="CasellaDiTesto 1"/>
+          <p:cNvSpPr txBox="1"/>
+          <p:nvPr/>
+        </p:nvSpPr>
+        <p:spPr>
+          <a:xfrm>
+            <a:off x="611560" y="0"/>
+            <a:ext cx="7715304" cy="2092881"/>
+          </a:xfrm>
+          <a:prstGeom prst="rect">
+            <a:avLst/>
+          </a:prstGeom>
+          <a:noFill/>
+        </p:spPr>
+        <p:txBody>
+          <a:bodyPr wrap="square" rtlCol="0">
+            <a:spAutoFit/>
+          </a:bodyPr>
+          <a:lstStyle/>
+          <a:p>
+            <a:pPr algn="ctr"/>
+            <a:r>
+              <a:rPr lang="it-IT" sz="4800" b="1" dirty="0" smtClean="0">
+                <a:latin typeface="+mj-lt"/>
+              </a:rPr>
+              <a:t>Testing di unità</a:t>
+            </a:r>
+          </a:p>
+          <a:p>
+            <a:pPr algn="ctr"/>
+            <a:r>
+              <a:rPr lang="it-IT" sz="3600" b="1" dirty="0" smtClean="0">
+                <a:latin typeface="+mj-lt"/>
+              </a:rPr>
+              <a:t>2° Report Casi Di Test</a:t>
+            </a:r>
+          </a:p>
+          <a:p>
+            <a:pPr algn="ctr"/>
+            <a:r>
+              <a:rPr lang="it-IT" sz="2400" b="1" dirty="0" smtClean="0">
+                <a:latin typeface="+mj-lt"/>
+              </a:rPr>
+              <a:t>A seguito correzione bug</a:t>
+            </a:r>
+            <a:endParaRPr lang="it-IT" sz="1200" b="1" dirty="0" smtClean="0">
+              <a:latin typeface="+mj-lt"/>
+            </a:endParaRPr>
+          </a:p>
+          <a:p>
+            <a:pPr algn="ctr"/>
+            <a:endParaRPr lang="it-IT" dirty="0">
+              <a:latin typeface="+mj-lt"/>
+            </a:endParaRPr>
+          </a:p>
+        </p:txBody>
+      </p:sp>
+      <p:graphicFrame>
+        <p:nvGraphicFramePr>
+          <p:cNvPr id="3" name="Tabella 2"/>
+          <p:cNvGraphicFramePr>
+            <a:graphicFrameLocks noGrp="1"/>
+          </p:cNvGraphicFramePr>
+          <p:nvPr>
+            <p:extLst>
+              <p:ext uri="{D42A27DB-BD31-4B8C-83A1-F6EECF244321}">
+                <p14:modId xmlns:p14="http://schemas.microsoft.com/office/powerpoint/2010/main" val="3745458434"/>
+              </p:ext>
+            </p:extLst>
+          </p:nvPr>
+        </p:nvGraphicFramePr>
+        <p:xfrm>
+          <a:off x="1619672" y="2636912"/>
+          <a:ext cx="6096000" cy="1651000"/>
+        </p:xfrm>
+        <a:graphic>
+          <a:graphicData uri="http://schemas.openxmlformats.org/drawingml/2006/table">
+            <a:tbl>
+              <a:tblPr firstRow="1" bandRow="1">
+                <a:tableStyleId>{5C22544A-7EE6-4342-B048-85BDC9FD1C3A}</a:tableStyleId>
+              </a:tblPr>
+              <a:tblGrid>
+                <a:gridCol w="1588510"/>
+                <a:gridCol w="2253745"/>
+                <a:gridCol w="2253745"/>
+              </a:tblGrid>
+              <a:tr h="370840">
+                <a:tc>
+                  <a:txBody>
+                    <a:bodyPr/>
+                    <a:lstStyle/>
+                    <a:p>
+                      <a:r>
+                        <a:rPr lang="it-IT" dirty="0" smtClean="0"/>
+                        <a:t>Caso di</a:t>
+                      </a:r>
+                      <a:r>
+                        <a:rPr lang="it-IT" baseline="0" dirty="0" smtClean="0"/>
+                        <a:t> test</a:t>
+                      </a:r>
+                      <a:endParaRPr lang="it-IT" dirty="0"/>
+                    </a:p>
+                  </a:txBody>
+                  <a:tcPr/>
+                </a:tc>
+                <a:tc>
+                  <a:txBody>
+                    <a:bodyPr/>
+                    <a:lstStyle/>
+                    <a:p>
+                      <a:r>
+                        <a:rPr lang="it-IT" dirty="0" smtClean="0"/>
+                        <a:t>Output Atteso</a:t>
+                      </a:r>
+                      <a:endParaRPr lang="it-IT" dirty="0"/>
+                    </a:p>
+                  </a:txBody>
+                  <a:tcPr/>
+                </a:tc>
+                <a:tc>
+                  <a:txBody>
+                    <a:bodyPr/>
+                    <a:lstStyle/>
+                    <a:p>
+                      <a:r>
+                        <a:rPr lang="it-IT" dirty="0" smtClean="0"/>
+                        <a:t>Output</a:t>
+                      </a:r>
+                      <a:r>
+                        <a:rPr lang="it-IT" baseline="0" dirty="0" smtClean="0"/>
+                        <a:t> Ottenuto</a:t>
+                      </a:r>
+                      <a:endParaRPr lang="it-IT" dirty="0"/>
+                    </a:p>
+                  </a:txBody>
+                  <a:tcPr/>
+                </a:tc>
+              </a:tr>
+              <a:tr h="370840">
+                <a:tc>
+                  <a:txBody>
+                    <a:bodyPr/>
+                    <a:lstStyle/>
+                    <a:p>
+                      <a:r>
+                        <a:rPr lang="it-IT" dirty="0" smtClean="0"/>
+                        <a:t>Questionario</a:t>
+                      </a:r>
+                      <a:r>
+                        <a:rPr lang="it-IT" baseline="0" dirty="0" smtClean="0"/>
+                        <a:t> editabile</a:t>
+                      </a:r>
+                      <a:endParaRPr lang="it-IT" dirty="0"/>
+                    </a:p>
+                  </a:txBody>
+                  <a:tcPr/>
+                </a:tc>
+                <a:tc>
+                  <a:txBody>
+                    <a:bodyPr/>
+                    <a:lstStyle/>
+                    <a:p>
+                      <a:r>
+                        <a:rPr lang="it-IT" b="1" dirty="0" smtClean="0">
+                          <a:solidFill>
+                            <a:srgbClr val="00B050"/>
+                          </a:solidFill>
+                        </a:rPr>
+                        <a:t>True</a:t>
+                      </a:r>
+                      <a:endParaRPr lang="it-IT" b="1" dirty="0">
+                        <a:solidFill>
+                          <a:srgbClr val="00B050"/>
+                        </a:solidFill>
+                      </a:endParaRPr>
+                    </a:p>
+                  </a:txBody>
+                  <a:tcPr/>
+                </a:tc>
+                <a:tc>
+                  <a:txBody>
+                    <a:bodyPr/>
+                    <a:lstStyle/>
+                    <a:p>
+                      <a:r>
+                        <a:rPr lang="it-IT" b="1" dirty="0" smtClean="0">
+                          <a:solidFill>
+                            <a:srgbClr val="00B050"/>
+                          </a:solidFill>
+                        </a:rPr>
+                        <a:t>True</a:t>
+                      </a:r>
+                      <a:endParaRPr lang="it-IT" b="1" dirty="0">
+                        <a:solidFill>
+                          <a:srgbClr val="00B050"/>
+                        </a:solidFill>
+                      </a:endParaRPr>
+                    </a:p>
+                  </a:txBody>
+                  <a:tcPr/>
+                </a:tc>
+              </a:tr>
+              <a:tr h="370840">
+                <a:tc>
+                  <a:txBody>
+                    <a:bodyPr/>
+                    <a:lstStyle/>
+                    <a:p>
+                      <a:r>
+                        <a:rPr lang="it-IT" dirty="0" smtClean="0"/>
+                        <a:t>Questionario non editabile</a:t>
+                      </a:r>
+                      <a:endParaRPr lang="it-IT" dirty="0"/>
+                    </a:p>
+                  </a:txBody>
+                  <a:tcPr/>
+                </a:tc>
+                <a:tc>
+                  <a:txBody>
+                    <a:bodyPr/>
+                    <a:lstStyle/>
+                    <a:p>
+                      <a:r>
+                        <a:rPr lang="it-IT" b="1" dirty="0" smtClean="0">
+                          <a:solidFill>
+                            <a:srgbClr val="00B050"/>
+                          </a:solidFill>
+                        </a:rPr>
+                        <a:t>False</a:t>
+                      </a:r>
+                      <a:endParaRPr lang="it-IT" b="1" dirty="0">
+                        <a:solidFill>
+                          <a:srgbClr val="00B050"/>
+                        </a:solidFill>
+                      </a:endParaRPr>
+                    </a:p>
+                  </a:txBody>
+                  <a:tcPr/>
+                </a:tc>
+                <a:tc>
+                  <a:txBody>
+                    <a:bodyPr/>
+                    <a:lstStyle/>
+                    <a:p>
+                      <a:r>
+                        <a:rPr lang="it-IT" b="1" dirty="0" smtClean="0">
+                          <a:solidFill>
+                            <a:srgbClr val="00B050"/>
+                          </a:solidFill>
+                        </a:rPr>
+                        <a:t>False</a:t>
+                      </a:r>
+                      <a:endParaRPr lang="it-IT" b="1" dirty="0">
+                        <a:solidFill>
+                          <a:srgbClr val="00B050"/>
+                        </a:solidFill>
+                      </a:endParaRPr>
+                    </a:p>
+                  </a:txBody>
+                  <a:tcPr/>
+                </a:tc>
+              </a:tr>
+            </a:tbl>
+          </a:graphicData>
+        </a:graphic>
+      </p:graphicFrame>
+    </p:spTree>
+    <p:extLst>
+      <p:ext uri="{BB962C8B-B14F-4D97-AF65-F5344CB8AC3E}">
+        <p14:creationId xmlns:p14="http://schemas.microsoft.com/office/powerpoint/2010/main" val="2476603813"/>
+      </p:ext>
+    </p:extLst>
+  </p:cSld>
+  <p:clrMapOvr>
+    <a:masterClrMapping/>
+  </p:clrMapOvr>
+</p:sld>
+</file>
+
+<file path=ppt/slides/slide38.xml><?xml version="1.0" encoding="utf-8"?>
+<p:sld xmlns:a="http://schemas.openxmlformats.org/drawingml/2006/main" xmlns:r="http://schemas.openxmlformats.org/officeDocument/2006/relationships" xmlns:p="http://schemas.openxmlformats.org/presentationml/2006/main">
+  <p:cSld>
+    <p:spTree>
+      <p:nvGrpSpPr>
+        <p:cNvPr id="1" name=""/>
+        <p:cNvGrpSpPr/>
+        <p:nvPr/>
+      </p:nvGrpSpPr>
+      <p:grpSpPr>
+        <a:xfrm>
+          <a:off x="0" y="0"/>
+          <a:ext cx="0" cy="0"/>
+          <a:chOff x="0" y="0"/>
+          <a:chExt cx="0" cy="0"/>
+        </a:xfrm>
+      </p:grpSpPr>
+      <p:sp>
+        <p:nvSpPr>
+          <p:cNvPr id="2" name="CasellaDiTesto 1"/>
+          <p:cNvSpPr txBox="1"/>
+          <p:nvPr/>
+        </p:nvSpPr>
+        <p:spPr>
+          <a:xfrm>
             <a:off x="0" y="428604"/>
             <a:ext cx="9144000" cy="1107996"/>
           </a:xfrm>
@@ -25255,7 +27870,7 @@
 </p:sld>
 </file>
 
-<file path=ppt/slides/slide35.xml><?xml version="1.0" encoding="utf-8"?>
+<file path=ppt/slides/slide39.xml><?xml version="1.0" encoding="utf-8"?>
 <p:sld xmlns:a="http://schemas.openxmlformats.org/drawingml/2006/main" xmlns:r="http://schemas.openxmlformats.org/officeDocument/2006/relationships" xmlns:p="http://schemas.openxmlformats.org/presentationml/2006/main">
   <p:cSld>
     <p:spTree>
@@ -25539,7 +28154,7 @@
           <p:nvPr/>
         </p:nvPicPr>
         <p:blipFill>
-          <a:blip r:embed="rId2"/>
+          <a:blip r:embed="rId3"/>
           <a:srcRect/>
           <a:stretch>
             <a:fillRect/>
@@ -25547,7 +28162,7 @@
         </p:blipFill>
         <p:spPr bwMode="auto">
           <a:xfrm>
-            <a:off x="6143636" y="928670"/>
+            <a:off x="6234956" y="1349675"/>
             <a:ext cx="2143140" cy="2143140"/>
           </a:xfrm>
           <a:prstGeom prst="rect">
@@ -25690,7 +28305,418 @@
 </p:sld>
 </file>
 
-<file path=ppt/slides/slide36.xml><?xml version="1.0" encoding="utf-8"?>
+<file path=ppt/slides/slide4.xml><?xml version="1.0" encoding="utf-8"?>
+<p:sld xmlns:a="http://schemas.openxmlformats.org/drawingml/2006/main" xmlns:r="http://schemas.openxmlformats.org/officeDocument/2006/relationships" xmlns:p="http://schemas.openxmlformats.org/presentationml/2006/main">
+  <p:cSld>
+    <p:spTree>
+      <p:nvGrpSpPr>
+        <p:cNvPr id="1" name=""/>
+        <p:cNvGrpSpPr/>
+        <p:nvPr/>
+      </p:nvGrpSpPr>
+      <p:grpSpPr>
+        <a:xfrm>
+          <a:off x="0" y="0"/>
+          <a:ext cx="0" cy="0"/>
+          <a:chOff x="0" y="0"/>
+          <a:chExt cx="0" cy="0"/>
+        </a:xfrm>
+      </p:grpSpPr>
+      <p:sp>
+        <p:nvSpPr>
+          <p:cNvPr id="2" name="CasellaDiTesto 1"/>
+          <p:cNvSpPr txBox="1"/>
+          <p:nvPr/>
+        </p:nvSpPr>
+        <p:spPr>
+          <a:xfrm>
+            <a:off x="0" y="428604"/>
+            <a:ext cx="9144000" cy="1046440"/>
+          </a:xfrm>
+          <a:prstGeom prst="rect">
+            <a:avLst/>
+          </a:prstGeom>
+          <a:noFill/>
+        </p:spPr>
+        <p:txBody>
+          <a:bodyPr wrap="square" rtlCol="0">
+            <a:spAutoFit/>
+          </a:bodyPr>
+          <a:lstStyle/>
+          <a:p>
+            <a:pPr algn="ctr"/>
+            <a:r>
+              <a:rPr lang="it-IT" sz="3400" b="1" dirty="0" smtClean="0">
+                <a:latin typeface="+mj-lt"/>
+              </a:rPr>
+              <a:t>Use Case Diagram</a:t>
+            </a:r>
+          </a:p>
+          <a:p>
+            <a:pPr algn="ctr"/>
+            <a:r>
+              <a:rPr lang="it-IT" sz="2800" b="1" dirty="0" smtClean="0">
+                <a:latin typeface="+mj-lt"/>
+              </a:rPr>
+              <a:t>Primo Livello di Astrazione</a:t>
+            </a:r>
+            <a:endParaRPr lang="it-IT" sz="1400" dirty="0">
+              <a:latin typeface="+mj-lt"/>
+            </a:endParaRPr>
+          </a:p>
+        </p:txBody>
+      </p:sp>
+      <p:pic>
+        <p:nvPicPr>
+          <p:cNvPr id="1026" name="Picture 2" descr="C:\linda\uni\esami_da_svolgere\gps\progetto_gps\Atsilo\RAD\Casi d'uso\Atsilo3\UCD_H_Generale.png"/>
+          <p:cNvPicPr>
+            <a:picLocks noChangeAspect="1" noChangeArrowheads="1"/>
+          </p:cNvPicPr>
+          <p:nvPr/>
+        </p:nvPicPr>
+        <p:blipFill>
+          <a:blip r:embed="rId3">
+            <a:extLst>
+              <a:ext uri="{28A0092B-C50C-407E-A947-70E740481C1C}">
+                <a14:useLocalDpi xmlns:a14="http://schemas.microsoft.com/office/drawing/2010/main" val="0"/>
+              </a:ext>
+            </a:extLst>
+          </a:blip>
+          <a:srcRect/>
+          <a:stretch>
+            <a:fillRect/>
+          </a:stretch>
+        </p:blipFill>
+        <p:spPr bwMode="auto">
+          <a:xfrm>
+            <a:off x="827584" y="1628799"/>
+            <a:ext cx="7560840" cy="5229201"/>
+          </a:xfrm>
+          <a:prstGeom prst="rect">
+            <a:avLst/>
+          </a:prstGeom>
+          <a:noFill/>
+          <a:extLst>
+            <a:ext uri="{909E8E84-426E-40DD-AFC4-6F175D3DCCD1}">
+              <a14:hiddenFill xmlns:a14="http://schemas.microsoft.com/office/drawing/2010/main">
+                <a:solidFill>
+                  <a:srgbClr val="FFFFFF"/>
+                </a:solidFill>
+              </a14:hiddenFill>
+            </a:ext>
+          </a:extLst>
+        </p:spPr>
+      </p:pic>
+      <p:sp>
+        <p:nvSpPr>
+          <p:cNvPr id="3" name="Ovale 2"/>
+          <p:cNvSpPr/>
+          <p:nvPr/>
+        </p:nvSpPr>
+        <p:spPr>
+          <a:xfrm>
+            <a:off x="2915816" y="2276872"/>
+            <a:ext cx="1800200" cy="576064"/>
+          </a:xfrm>
+          <a:prstGeom prst="ellipse">
+            <a:avLst/>
+          </a:prstGeom>
+          <a:noFill/>
+          <a:ln w="38100">
+            <a:solidFill>
+              <a:srgbClr val="002060"/>
+            </a:solidFill>
+          </a:ln>
+        </p:spPr>
+        <p:style>
+          <a:lnRef idx="2">
+            <a:schemeClr val="accent1">
+              <a:shade val="50000"/>
+            </a:schemeClr>
+          </a:lnRef>
+          <a:fillRef idx="1">
+            <a:schemeClr val="accent1"/>
+          </a:fillRef>
+          <a:effectRef idx="0">
+            <a:schemeClr val="accent1"/>
+          </a:effectRef>
+          <a:fontRef idx="minor">
+            <a:schemeClr val="lt1"/>
+          </a:fontRef>
+        </p:style>
+        <p:txBody>
+          <a:bodyPr rtlCol="0" anchor="ctr"/>
+          <a:lstStyle/>
+          <a:p>
+            <a:pPr algn="ctr"/>
+            <a:endParaRPr lang="it-IT"/>
+          </a:p>
+        </p:txBody>
+      </p:sp>
+      <p:sp>
+        <p:nvSpPr>
+          <p:cNvPr id="5" name="Ovale 4"/>
+          <p:cNvSpPr/>
+          <p:nvPr/>
+        </p:nvSpPr>
+        <p:spPr>
+          <a:xfrm>
+            <a:off x="2936900" y="3013472"/>
+            <a:ext cx="2151856" cy="711696"/>
+          </a:xfrm>
+          <a:prstGeom prst="ellipse">
+            <a:avLst/>
+          </a:prstGeom>
+          <a:noFill/>
+          <a:ln w="38100">
+            <a:solidFill>
+              <a:srgbClr val="002060"/>
+            </a:solidFill>
+          </a:ln>
+        </p:spPr>
+        <p:style>
+          <a:lnRef idx="2">
+            <a:schemeClr val="accent1">
+              <a:shade val="50000"/>
+            </a:schemeClr>
+          </a:lnRef>
+          <a:fillRef idx="1">
+            <a:schemeClr val="accent1"/>
+          </a:fillRef>
+          <a:effectRef idx="0">
+            <a:schemeClr val="accent1"/>
+          </a:effectRef>
+          <a:fontRef idx="minor">
+            <a:schemeClr val="lt1"/>
+          </a:fontRef>
+        </p:style>
+        <p:txBody>
+          <a:bodyPr rtlCol="0" anchor="ctr"/>
+          <a:lstStyle/>
+          <a:p>
+            <a:pPr algn="ctr"/>
+            <a:endParaRPr lang="it-IT"/>
+          </a:p>
+        </p:txBody>
+      </p:sp>
+      <p:sp>
+        <p:nvSpPr>
+          <p:cNvPr id="7" name="Ovale 4"/>
+          <p:cNvSpPr/>
+          <p:nvPr/>
+        </p:nvSpPr>
+        <p:spPr>
+          <a:xfrm>
+            <a:off x="2857488" y="3929066"/>
+            <a:ext cx="1928826" cy="711696"/>
+          </a:xfrm>
+          <a:prstGeom prst="ellipse">
+            <a:avLst/>
+          </a:prstGeom>
+          <a:noFill/>
+          <a:ln w="38100">
+            <a:solidFill>
+              <a:srgbClr val="002060"/>
+            </a:solidFill>
+          </a:ln>
+        </p:spPr>
+        <p:style>
+          <a:lnRef idx="2">
+            <a:schemeClr val="accent1">
+              <a:shade val="50000"/>
+            </a:schemeClr>
+          </a:lnRef>
+          <a:fillRef idx="1">
+            <a:schemeClr val="accent1"/>
+          </a:fillRef>
+          <a:effectRef idx="0">
+            <a:schemeClr val="accent1"/>
+          </a:effectRef>
+          <a:fontRef idx="minor">
+            <a:schemeClr val="lt1"/>
+          </a:fontRef>
+        </p:style>
+        <p:txBody>
+          <a:bodyPr rtlCol="0" anchor="ctr"/>
+          <a:lstStyle/>
+          <a:p>
+            <a:pPr algn="ctr"/>
+            <a:endParaRPr lang="it-IT"/>
+          </a:p>
+        </p:txBody>
+      </p:sp>
+    </p:spTree>
+    <p:extLst>
+      <p:ext uri="{BB962C8B-B14F-4D97-AF65-F5344CB8AC3E}">
+        <p14:creationId xmlns:p14="http://schemas.microsoft.com/office/powerpoint/2010/main" val="1739081068"/>
+      </p:ext>
+    </p:extLst>
+  </p:cSld>
+  <p:clrMapOvr>
+    <a:masterClrMapping/>
+  </p:clrMapOvr>
+  <p:timing>
+    <p:tnLst>
+      <p:par>
+        <p:cTn id="1" dur="indefinite" restart="never" nodeType="tmRoot">
+          <p:childTnLst>
+            <p:seq concurrent="1" nextAc="seek">
+              <p:cTn id="2" dur="indefinite" nodeType="mainSeq">
+                <p:childTnLst>
+                  <p:par>
+                    <p:cTn id="3" fill="hold">
+                      <p:stCondLst>
+                        <p:cond delay="indefinite"/>
+                      </p:stCondLst>
+                      <p:childTnLst>
+                        <p:par>
+                          <p:cTn id="4" fill="hold">
+                            <p:stCondLst>
+                              <p:cond delay="0"/>
+                            </p:stCondLst>
+                            <p:childTnLst>
+                              <p:par>
+                                <p:cTn id="5" presetID="10" presetClass="entr" presetSubtype="0" fill="hold" grpId="0" nodeType="clickEffect">
+                                  <p:stCondLst>
+                                    <p:cond delay="0"/>
+                                  </p:stCondLst>
+                                  <p:childTnLst>
+                                    <p:set>
+                                      <p:cBhvr>
+                                        <p:cTn id="6" dur="1" fill="hold">
+                                          <p:stCondLst>
+                                            <p:cond delay="0"/>
+                                          </p:stCondLst>
+                                        </p:cTn>
+                                        <p:tgtEl>
+                                          <p:spTgt spid="3"/>
+                                        </p:tgtEl>
+                                        <p:attrNameLst>
+                                          <p:attrName>style.visibility</p:attrName>
+                                        </p:attrNameLst>
+                                      </p:cBhvr>
+                                      <p:to>
+                                        <p:strVal val="visible"/>
+                                      </p:to>
+                                    </p:set>
+                                    <p:animEffect transition="in" filter="fade">
+                                      <p:cBhvr>
+                                        <p:cTn id="7" dur="500"/>
+                                        <p:tgtEl>
+                                          <p:spTgt spid="3"/>
+                                        </p:tgtEl>
+                                      </p:cBhvr>
+                                    </p:animEffect>
+                                  </p:childTnLst>
+                                </p:cTn>
+                              </p:par>
+                              <p:par>
+                                <p:cTn id="8" presetID="10" presetClass="entr" presetSubtype="0" fill="hold" grpId="0" nodeType="withEffect">
+                                  <p:stCondLst>
+                                    <p:cond delay="0"/>
+                                  </p:stCondLst>
+                                  <p:childTnLst>
+                                    <p:set>
+                                      <p:cBhvr>
+                                        <p:cTn id="9" dur="1" fill="hold">
+                                          <p:stCondLst>
+                                            <p:cond delay="0"/>
+                                          </p:stCondLst>
+                                        </p:cTn>
+                                        <p:tgtEl>
+                                          <p:spTgt spid="5"/>
+                                        </p:tgtEl>
+                                        <p:attrNameLst>
+                                          <p:attrName>style.visibility</p:attrName>
+                                        </p:attrNameLst>
+                                      </p:cBhvr>
+                                      <p:to>
+                                        <p:strVal val="visible"/>
+                                      </p:to>
+                                    </p:set>
+                                    <p:animEffect transition="in" filter="fade">
+                                      <p:cBhvr>
+                                        <p:cTn id="10" dur="500"/>
+                                        <p:tgtEl>
+                                          <p:spTgt spid="5"/>
+                                        </p:tgtEl>
+                                      </p:cBhvr>
+                                    </p:animEffect>
+                                  </p:childTnLst>
+                                </p:cTn>
+                              </p:par>
+                              <p:par>
+                                <p:cTn id="11" presetID="10" presetClass="entr" presetSubtype="0" fill="hold" grpId="0" nodeType="withEffect">
+                                  <p:stCondLst>
+                                    <p:cond delay="0"/>
+                                  </p:stCondLst>
+                                  <p:childTnLst>
+                                    <p:set>
+                                      <p:cBhvr>
+                                        <p:cTn id="12" dur="1" fill="hold">
+                                          <p:stCondLst>
+                                            <p:cond delay="0"/>
+                                          </p:stCondLst>
+                                        </p:cTn>
+                                        <p:tgtEl>
+                                          <p:spTgt spid="7"/>
+                                        </p:tgtEl>
+                                        <p:attrNameLst>
+                                          <p:attrName>style.visibility</p:attrName>
+                                        </p:attrNameLst>
+                                      </p:cBhvr>
+                                      <p:to>
+                                        <p:strVal val="visible"/>
+                                      </p:to>
+                                    </p:set>
+                                    <p:animEffect transition="in" filter="fade">
+                                      <p:cBhvr>
+                                        <p:cTn id="13" dur="500"/>
+                                        <p:tgtEl>
+                                          <p:spTgt spid="7"/>
+                                        </p:tgtEl>
+                                      </p:cBhvr>
+                                    </p:animEffect>
+                                  </p:childTnLst>
+                                </p:cTn>
+                              </p:par>
+                            </p:childTnLst>
+                          </p:cTn>
+                        </p:par>
+                      </p:childTnLst>
+                    </p:cTn>
+                  </p:par>
+                </p:childTnLst>
+              </p:cTn>
+              <p:prevCondLst>
+                <p:cond evt="onPrev" delay="0">
+                  <p:tgtEl>
+                    <p:sldTgt/>
+                  </p:tgtEl>
+                </p:cond>
+              </p:prevCondLst>
+              <p:nextCondLst>
+                <p:cond evt="onNext" delay="0">
+                  <p:tgtEl>
+                    <p:sldTgt/>
+                  </p:tgtEl>
+                </p:cond>
+              </p:nextCondLst>
+            </p:seq>
+          </p:childTnLst>
+        </p:cTn>
+      </p:par>
+    </p:tnLst>
+    <p:bldLst>
+      <p:bldP spid="3" grpId="0" animBg="1"/>
+      <p:bldP spid="5" grpId="0" animBg="1"/>
+      <p:bldP spid="7" grpId="0" animBg="1"/>
+    </p:bldLst>
+  </p:timing>
+</p:sld>
+</file>
+
+<file path=ppt/slides/slide40.xml><?xml version="1.0" encoding="utf-8"?>
 <p:sld xmlns:a="http://schemas.openxmlformats.org/drawingml/2006/main" xmlns:r="http://schemas.openxmlformats.org/officeDocument/2006/relationships" xmlns:p="http://schemas.openxmlformats.org/presentationml/2006/main">
   <p:cSld>
     <p:spTree>
@@ -25974,7 +29000,7 @@
           <p:nvPr/>
         </p:nvPicPr>
         <p:blipFill>
-          <a:blip r:embed="rId2"/>
+          <a:blip r:embed="rId3"/>
           <a:srcRect/>
           <a:stretch>
             <a:fillRect/>
@@ -26201,7 +29227,7 @@
 </p:sld>
 </file>
 
-<file path=ppt/slides/slide37.xml><?xml version="1.0" encoding="utf-8"?>
+<file path=ppt/slides/slide41.xml><?xml version="1.0" encoding="utf-8"?>
 <p:sld xmlns:a="http://schemas.openxmlformats.org/drawingml/2006/main" xmlns:r="http://schemas.openxmlformats.org/officeDocument/2006/relationships" xmlns:p="http://schemas.openxmlformats.org/presentationml/2006/main">
   <p:cSld>
     <p:spTree>
@@ -26485,7 +29511,7 @@
           <p:nvPr/>
         </p:nvPicPr>
         <p:blipFill>
-          <a:blip r:embed="rId2"/>
+          <a:blip r:embed="rId3"/>
           <a:srcRect/>
           <a:stretch>
             <a:fillRect/>
@@ -26636,7 +29662,7 @@
 </p:sld>
 </file>
 
-<file path=ppt/slides/slide38.xml><?xml version="1.0" encoding="utf-8"?>
+<file path=ppt/slides/slide42.xml><?xml version="1.0" encoding="utf-8"?>
 <p:sld xmlns:a="http://schemas.openxmlformats.org/drawingml/2006/main" xmlns:r="http://schemas.openxmlformats.org/officeDocument/2006/relationships" xmlns:p="http://schemas.openxmlformats.org/presentationml/2006/main">
   <p:cSld>
     <p:spTree>
@@ -26920,7 +29946,7 @@
           <p:nvPr/>
         </p:nvPicPr>
         <p:blipFill>
-          <a:blip r:embed="rId2"/>
+          <a:blip r:embed="rId3"/>
           <a:srcRect/>
           <a:stretch>
             <a:fillRect/>
@@ -27134,417 +30160,6 @@
     </p:tnLst>
     <p:bldLst>
       <p:bldP spid="4" grpId="0" build="allAtOnce"/>
-    </p:bldLst>
-  </p:timing>
-</p:sld>
-</file>
-
-<file path=ppt/slides/slide4.xml><?xml version="1.0" encoding="utf-8"?>
-<p:sld xmlns:a="http://schemas.openxmlformats.org/drawingml/2006/main" xmlns:r="http://schemas.openxmlformats.org/officeDocument/2006/relationships" xmlns:p="http://schemas.openxmlformats.org/presentationml/2006/main">
-  <p:cSld>
-    <p:spTree>
-      <p:nvGrpSpPr>
-        <p:cNvPr id="1" name=""/>
-        <p:cNvGrpSpPr/>
-        <p:nvPr/>
-      </p:nvGrpSpPr>
-      <p:grpSpPr>
-        <a:xfrm>
-          <a:off x="0" y="0"/>
-          <a:ext cx="0" cy="0"/>
-          <a:chOff x="0" y="0"/>
-          <a:chExt cx="0" cy="0"/>
-        </a:xfrm>
-      </p:grpSpPr>
-      <p:sp>
-        <p:nvSpPr>
-          <p:cNvPr id="2" name="CasellaDiTesto 1"/>
-          <p:cNvSpPr txBox="1"/>
-          <p:nvPr/>
-        </p:nvSpPr>
-        <p:spPr>
-          <a:xfrm>
-            <a:off x="0" y="428604"/>
-            <a:ext cx="9144000" cy="1046440"/>
-          </a:xfrm>
-          <a:prstGeom prst="rect">
-            <a:avLst/>
-          </a:prstGeom>
-          <a:noFill/>
-        </p:spPr>
-        <p:txBody>
-          <a:bodyPr wrap="square" rtlCol="0">
-            <a:spAutoFit/>
-          </a:bodyPr>
-          <a:lstStyle/>
-          <a:p>
-            <a:pPr algn="ctr"/>
-            <a:r>
-              <a:rPr lang="it-IT" sz="3400" b="1" dirty="0" smtClean="0">
-                <a:latin typeface="+mj-lt"/>
-              </a:rPr>
-              <a:t>Use Case Diagram</a:t>
-            </a:r>
-          </a:p>
-          <a:p>
-            <a:pPr algn="ctr"/>
-            <a:r>
-              <a:rPr lang="it-IT" sz="2800" b="1" dirty="0" smtClean="0">
-                <a:latin typeface="+mj-lt"/>
-              </a:rPr>
-              <a:t>Primo Livello di Astrazione</a:t>
-            </a:r>
-            <a:endParaRPr lang="it-IT" sz="1400" dirty="0">
-              <a:latin typeface="+mj-lt"/>
-            </a:endParaRPr>
-          </a:p>
-        </p:txBody>
-      </p:sp>
-      <p:pic>
-        <p:nvPicPr>
-          <p:cNvPr id="1026" name="Picture 2" descr="C:\linda\uni\esami_da_svolgere\gps\progetto_gps\Atsilo\RAD\Casi d'uso\Atsilo3\UCD_H_Generale.png"/>
-          <p:cNvPicPr>
-            <a:picLocks noChangeAspect="1" noChangeArrowheads="1"/>
-          </p:cNvPicPr>
-          <p:nvPr/>
-        </p:nvPicPr>
-        <p:blipFill>
-          <a:blip r:embed="rId3">
-            <a:extLst>
-              <a:ext uri="{28A0092B-C50C-407E-A947-70E740481C1C}">
-                <a14:useLocalDpi xmlns:a14="http://schemas.microsoft.com/office/drawing/2010/main" val="0"/>
-              </a:ext>
-            </a:extLst>
-          </a:blip>
-          <a:srcRect/>
-          <a:stretch>
-            <a:fillRect/>
-          </a:stretch>
-        </p:blipFill>
-        <p:spPr bwMode="auto">
-          <a:xfrm>
-            <a:off x="827584" y="1628799"/>
-            <a:ext cx="7560840" cy="5229201"/>
-          </a:xfrm>
-          <a:prstGeom prst="rect">
-            <a:avLst/>
-          </a:prstGeom>
-          <a:noFill/>
-          <a:extLst>
-            <a:ext uri="{909E8E84-426E-40DD-AFC4-6F175D3DCCD1}">
-              <a14:hiddenFill xmlns:a14="http://schemas.microsoft.com/office/drawing/2010/main">
-                <a:solidFill>
-                  <a:srgbClr val="FFFFFF"/>
-                </a:solidFill>
-              </a14:hiddenFill>
-            </a:ext>
-          </a:extLst>
-        </p:spPr>
-      </p:pic>
-      <p:sp>
-        <p:nvSpPr>
-          <p:cNvPr id="3" name="Ovale 2"/>
-          <p:cNvSpPr/>
-          <p:nvPr/>
-        </p:nvSpPr>
-        <p:spPr>
-          <a:xfrm>
-            <a:off x="2915816" y="2276872"/>
-            <a:ext cx="1800200" cy="576064"/>
-          </a:xfrm>
-          <a:prstGeom prst="ellipse">
-            <a:avLst/>
-          </a:prstGeom>
-          <a:noFill/>
-          <a:ln w="38100">
-            <a:solidFill>
-              <a:srgbClr val="002060"/>
-            </a:solidFill>
-          </a:ln>
-        </p:spPr>
-        <p:style>
-          <a:lnRef idx="2">
-            <a:schemeClr val="accent1">
-              <a:shade val="50000"/>
-            </a:schemeClr>
-          </a:lnRef>
-          <a:fillRef idx="1">
-            <a:schemeClr val="accent1"/>
-          </a:fillRef>
-          <a:effectRef idx="0">
-            <a:schemeClr val="accent1"/>
-          </a:effectRef>
-          <a:fontRef idx="minor">
-            <a:schemeClr val="lt1"/>
-          </a:fontRef>
-        </p:style>
-        <p:txBody>
-          <a:bodyPr rtlCol="0" anchor="ctr"/>
-          <a:lstStyle/>
-          <a:p>
-            <a:pPr algn="ctr"/>
-            <a:endParaRPr lang="it-IT"/>
-          </a:p>
-        </p:txBody>
-      </p:sp>
-      <p:sp>
-        <p:nvSpPr>
-          <p:cNvPr id="5" name="Ovale 4"/>
-          <p:cNvSpPr/>
-          <p:nvPr/>
-        </p:nvSpPr>
-        <p:spPr>
-          <a:xfrm>
-            <a:off x="2936900" y="3013472"/>
-            <a:ext cx="2151856" cy="711696"/>
-          </a:xfrm>
-          <a:prstGeom prst="ellipse">
-            <a:avLst/>
-          </a:prstGeom>
-          <a:noFill/>
-          <a:ln w="38100">
-            <a:solidFill>
-              <a:srgbClr val="002060"/>
-            </a:solidFill>
-          </a:ln>
-        </p:spPr>
-        <p:style>
-          <a:lnRef idx="2">
-            <a:schemeClr val="accent1">
-              <a:shade val="50000"/>
-            </a:schemeClr>
-          </a:lnRef>
-          <a:fillRef idx="1">
-            <a:schemeClr val="accent1"/>
-          </a:fillRef>
-          <a:effectRef idx="0">
-            <a:schemeClr val="accent1"/>
-          </a:effectRef>
-          <a:fontRef idx="minor">
-            <a:schemeClr val="lt1"/>
-          </a:fontRef>
-        </p:style>
-        <p:txBody>
-          <a:bodyPr rtlCol="0" anchor="ctr"/>
-          <a:lstStyle/>
-          <a:p>
-            <a:pPr algn="ctr"/>
-            <a:endParaRPr lang="it-IT"/>
-          </a:p>
-        </p:txBody>
-      </p:sp>
-      <p:sp>
-        <p:nvSpPr>
-          <p:cNvPr id="7" name="Ovale 4"/>
-          <p:cNvSpPr/>
-          <p:nvPr/>
-        </p:nvSpPr>
-        <p:spPr>
-          <a:xfrm>
-            <a:off x="2857488" y="3929066"/>
-            <a:ext cx="1928826" cy="711696"/>
-          </a:xfrm>
-          <a:prstGeom prst="ellipse">
-            <a:avLst/>
-          </a:prstGeom>
-          <a:noFill/>
-          <a:ln w="38100">
-            <a:solidFill>
-              <a:srgbClr val="002060"/>
-            </a:solidFill>
-          </a:ln>
-        </p:spPr>
-        <p:style>
-          <a:lnRef idx="2">
-            <a:schemeClr val="accent1">
-              <a:shade val="50000"/>
-            </a:schemeClr>
-          </a:lnRef>
-          <a:fillRef idx="1">
-            <a:schemeClr val="accent1"/>
-          </a:fillRef>
-          <a:effectRef idx="0">
-            <a:schemeClr val="accent1"/>
-          </a:effectRef>
-          <a:fontRef idx="minor">
-            <a:schemeClr val="lt1"/>
-          </a:fontRef>
-        </p:style>
-        <p:txBody>
-          <a:bodyPr rtlCol="0" anchor="ctr"/>
-          <a:lstStyle/>
-          <a:p>
-            <a:pPr algn="ctr"/>
-            <a:endParaRPr lang="it-IT"/>
-          </a:p>
-        </p:txBody>
-      </p:sp>
-    </p:spTree>
-    <p:extLst>
-      <p:ext uri="{BB962C8B-B14F-4D97-AF65-F5344CB8AC3E}">
-        <p14:creationId xmlns:p14="http://schemas.microsoft.com/office/powerpoint/2010/main" val="1739081068"/>
-      </p:ext>
-    </p:extLst>
-  </p:cSld>
-  <p:clrMapOvr>
-    <a:masterClrMapping/>
-  </p:clrMapOvr>
-  <p:timing>
-    <p:tnLst>
-      <p:par>
-        <p:cTn id="1" dur="indefinite" restart="never" nodeType="tmRoot">
-          <p:childTnLst>
-            <p:seq concurrent="1" nextAc="seek">
-              <p:cTn id="2" dur="indefinite" nodeType="mainSeq">
-                <p:childTnLst>
-                  <p:par>
-                    <p:cTn id="3" fill="hold">
-                      <p:stCondLst>
-                        <p:cond delay="indefinite"/>
-                      </p:stCondLst>
-                      <p:childTnLst>
-                        <p:par>
-                          <p:cTn id="4" fill="hold">
-                            <p:stCondLst>
-                              <p:cond delay="0"/>
-                            </p:stCondLst>
-                            <p:childTnLst>
-                              <p:par>
-                                <p:cTn id="5" presetID="10" presetClass="entr" presetSubtype="0" fill="hold" grpId="0" nodeType="clickEffect">
-                                  <p:stCondLst>
-                                    <p:cond delay="0"/>
-                                  </p:stCondLst>
-                                  <p:childTnLst>
-                                    <p:set>
-                                      <p:cBhvr>
-                                        <p:cTn id="6" dur="1" fill="hold">
-                                          <p:stCondLst>
-                                            <p:cond delay="0"/>
-                                          </p:stCondLst>
-                                        </p:cTn>
-                                        <p:tgtEl>
-                                          <p:spTgt spid="3"/>
-                                        </p:tgtEl>
-                                        <p:attrNameLst>
-                                          <p:attrName>style.visibility</p:attrName>
-                                        </p:attrNameLst>
-                                      </p:cBhvr>
-                                      <p:to>
-                                        <p:strVal val="visible"/>
-                                      </p:to>
-                                    </p:set>
-                                    <p:animEffect transition="in" filter="fade">
-                                      <p:cBhvr>
-                                        <p:cTn id="7" dur="500"/>
-                                        <p:tgtEl>
-                                          <p:spTgt spid="3"/>
-                                        </p:tgtEl>
-                                      </p:cBhvr>
-                                    </p:animEffect>
-                                  </p:childTnLst>
-                                </p:cTn>
-                              </p:par>
-                              <p:par>
-                                <p:cTn id="8" presetID="10" presetClass="entr" presetSubtype="0" fill="hold" grpId="0" nodeType="withEffect">
-                                  <p:stCondLst>
-                                    <p:cond delay="0"/>
-                                  </p:stCondLst>
-                                  <p:childTnLst>
-                                    <p:set>
-                                      <p:cBhvr>
-                                        <p:cTn id="9" dur="1" fill="hold">
-                                          <p:stCondLst>
-                                            <p:cond delay="0"/>
-                                          </p:stCondLst>
-                                        </p:cTn>
-                                        <p:tgtEl>
-                                          <p:spTgt spid="5"/>
-                                        </p:tgtEl>
-                                        <p:attrNameLst>
-                                          <p:attrName>style.visibility</p:attrName>
-                                        </p:attrNameLst>
-                                      </p:cBhvr>
-                                      <p:to>
-                                        <p:strVal val="visible"/>
-                                      </p:to>
-                                    </p:set>
-                                    <p:animEffect transition="in" filter="fade">
-                                      <p:cBhvr>
-                                        <p:cTn id="10" dur="500"/>
-                                        <p:tgtEl>
-                                          <p:spTgt spid="5"/>
-                                        </p:tgtEl>
-                                      </p:cBhvr>
-                                    </p:animEffect>
-                                  </p:childTnLst>
-                                </p:cTn>
-                              </p:par>
-                              <p:par>
-                                <p:cTn id="11" presetID="10" presetClass="entr" presetSubtype="0" fill="hold" grpId="0" nodeType="withEffect">
-                                  <p:stCondLst>
-                                    <p:cond delay="0"/>
-                                  </p:stCondLst>
-                                  <p:childTnLst>
-                                    <p:set>
-                                      <p:cBhvr>
-                                        <p:cTn id="12" dur="1" fill="hold">
-                                          <p:stCondLst>
-                                            <p:cond delay="0"/>
-                                          </p:stCondLst>
-                                        </p:cTn>
-                                        <p:tgtEl>
-                                          <p:spTgt spid="7"/>
-                                        </p:tgtEl>
-                                        <p:attrNameLst>
-                                          <p:attrName>style.visibility</p:attrName>
-                                        </p:attrNameLst>
-                                      </p:cBhvr>
-                                      <p:to>
-                                        <p:strVal val="visible"/>
-                                      </p:to>
-                                    </p:set>
-                                    <p:animEffect transition="in" filter="fade">
-                                      <p:cBhvr>
-                                        <p:cTn id="13" dur="500"/>
-                                        <p:tgtEl>
-                                          <p:spTgt spid="7"/>
-                                        </p:tgtEl>
-                                      </p:cBhvr>
-                                    </p:animEffect>
-                                  </p:childTnLst>
-                                </p:cTn>
-                              </p:par>
-                            </p:childTnLst>
-                          </p:cTn>
-                        </p:par>
-                      </p:childTnLst>
-                    </p:cTn>
-                  </p:par>
-                </p:childTnLst>
-              </p:cTn>
-              <p:prevCondLst>
-                <p:cond evt="onPrev" delay="0">
-                  <p:tgtEl>
-                    <p:sldTgt/>
-                  </p:tgtEl>
-                </p:cond>
-              </p:prevCondLst>
-              <p:nextCondLst>
-                <p:cond evt="onNext" delay="0">
-                  <p:tgtEl>
-                    <p:sldTgt/>
-                  </p:tgtEl>
-                </p:cond>
-              </p:nextCondLst>
-            </p:seq>
-          </p:childTnLst>
-        </p:cTn>
-      </p:par>
-    </p:tnLst>
-    <p:bldLst>
-      <p:bldP spid="3" grpId="0" animBg="1"/>
-      <p:bldP spid="5" grpId="0" animBg="1"/>
-      <p:bldP spid="7" grpId="0" animBg="1"/>
     </p:bldLst>
   </p:timing>
 </p:sld>
@@ -29502,66 +32117,81 @@
           </a:lstStyle>
           <a:p>
             <a:r>
+              <a:rPr lang="it-IT" b="1" dirty="0" smtClean="0">
+                <a:solidFill>
+                  <a:srgbClr val="FF0000"/>
+                </a:solidFill>
+              </a:rPr>
+              <a:t>Contro: </a:t>
+            </a:r>
+          </a:p>
+          <a:p>
+            <a:pPr lvl="1"/>
+            <a:r>
               <a:rPr lang="it-IT" dirty="0" smtClean="0"/>
-              <a:t>Contro: </a:t>
-            </a:r>
-          </a:p>
-          <a:p>
-            <a:pPr lvl="1"/>
+              <a:t>Alcune </a:t>
+            </a:r>
             <a:r>
               <a:rPr lang="it-IT" dirty="0" smtClean="0"/>
-              <a:t>Identificazione iniziale non semplice di tutti gli attori </a:t>
+              <a:t>funzionalità non </a:t>
             </a:r>
             <a:r>
               <a:rPr lang="it-IT" dirty="0" smtClean="0"/>
-              <a:t>coinvolti</a:t>
+              <a:t>erano ben definite</a:t>
+            </a:r>
+            <a:r>
+              <a:rPr lang="it-IT" dirty="0" smtClean="0"/>
+              <a:t> </a:t>
             </a:r>
             <a:endParaRPr lang="it-IT" dirty="0" smtClean="0"/>
           </a:p>
           <a:p>
-            <a:pPr lvl="1"/>
+            <a:pPr lvl="2"/>
             <a:r>
               <a:rPr lang="it-IT" dirty="0" smtClean="0"/>
-              <a:t>Alcune funzionalità non ben </a:t>
+              <a:t>Hanno portato ad un analisi complessa e </a:t>
             </a:r>
             <a:r>
               <a:rPr lang="it-IT" dirty="0" smtClean="0"/>
-              <a:t>definite</a:t>
-            </a:r>
-            <a:endParaRPr lang="it-IT" dirty="0" smtClean="0"/>
-          </a:p>
-          <a:p>
-            <a:pPr lvl="1">
+              <a:t>non coerente</a:t>
+            </a:r>
+          </a:p>
+          <a:p>
+            <a:pPr marL="667512" lvl="2" indent="0">
               <a:buNone/>
             </a:pPr>
-            <a:r>
-              <a:rPr lang="it-IT" dirty="0" smtClean="0"/>
-              <a:t>    (Questionario, Registro...)</a:t>
-            </a:r>
-          </a:p>
-          <a:p>
-            <a:pPr lvl="1">
+            <a:endParaRPr lang="it-IT" dirty="0"/>
+          </a:p>
+          <a:p>
+            <a:pPr marL="667512" lvl="2" indent="0">
               <a:buNone/>
             </a:pPr>
             <a:endParaRPr lang="it-IT" dirty="0" smtClean="0"/>
           </a:p>
           <a:p>
             <a:r>
+              <a:rPr lang="it-IT" b="1" dirty="0" smtClean="0">
+                <a:solidFill>
+                  <a:srgbClr val="00B050"/>
+                </a:solidFill>
+              </a:rPr>
+              <a:t>Pro</a:t>
+            </a:r>
+            <a:r>
+              <a:rPr lang="it-IT" b="1" dirty="0" smtClean="0">
+                <a:solidFill>
+                  <a:srgbClr val="00B050"/>
+                </a:solidFill>
+              </a:rPr>
+              <a:t>:</a:t>
+            </a:r>
+          </a:p>
+          <a:p>
+            <a:pPr lvl="1"/>
+            <a:r>
               <a:rPr lang="it-IT" dirty="0" smtClean="0"/>
-              <a:t>Pro:</a:t>
-            </a:r>
-          </a:p>
-          <a:p>
-            <a:pPr lvl="1"/>
-            <a:r>
-              <a:rPr lang="it-IT" dirty="0" smtClean="0"/>
-              <a:t>Revisione dei requisiti e delle funzionalità a seguito di colloqui e realizzazione di un </a:t>
-            </a:r>
-            <a:r>
-              <a:rPr lang="it-IT" dirty="0" smtClean="0"/>
-              <a:t>prototipo</a:t>
-            </a:r>
-            <a:endParaRPr lang="it-IT" dirty="0" smtClean="0"/>
+              <a:t>Grazie alla prototipazione della funzionalità Registro l’analisi è risultata chiara e coerente</a:t>
+            </a:r>
           </a:p>
         </p:txBody>
       </p:sp>
@@ -29582,7 +32212,7 @@
         </p:blipFill>
         <p:spPr bwMode="auto">
           <a:xfrm>
-            <a:off x="6572264" y="2143116"/>
+            <a:off x="7262842" y="774600"/>
             <a:ext cx="1524000" cy="1524000"/>
           </a:xfrm>
           <a:prstGeom prst="rect">
@@ -29871,91 +32501,6 @@
                                   </p:childTnLst>
                                 </p:cTn>
                               </p:par>
-                              <p:par>
-                                <p:cTn id="17" presetID="2" presetClass="entr" presetSubtype="4" fill="hold" grpId="0" nodeType="withEffect">
-                                  <p:stCondLst>
-                                    <p:cond delay="0"/>
-                                  </p:stCondLst>
-                                  <p:childTnLst>
-                                    <p:set>
-                                      <p:cBhvr>
-                                        <p:cTn id="18" dur="1" fill="hold">
-                                          <p:stCondLst>
-                                            <p:cond delay="0"/>
-                                          </p:stCondLst>
-                                        </p:cTn>
-                                        <p:tgtEl>
-                                          <p:spTgt spid="3">
-                                            <p:txEl>
-                                              <p:pRg st="3" end="3"/>
-                                            </p:txEl>
-                                          </p:spTgt>
-                                        </p:tgtEl>
-                                        <p:attrNameLst>
-                                          <p:attrName>style.visibility</p:attrName>
-                                        </p:attrNameLst>
-                                      </p:cBhvr>
-                                      <p:to>
-                                        <p:strVal val="visible"/>
-                                      </p:to>
-                                    </p:set>
-                                    <p:anim calcmode="lin" valueType="num">
-                                      <p:cBhvr additive="base">
-                                        <p:cTn id="19" dur="500" fill="hold"/>
-                                        <p:tgtEl>
-                                          <p:spTgt spid="3">
-                                            <p:txEl>
-                                              <p:pRg st="3" end="3"/>
-                                            </p:txEl>
-                                          </p:spTgt>
-                                        </p:tgtEl>
-                                        <p:attrNameLst>
-                                          <p:attrName>ppt_x</p:attrName>
-                                        </p:attrNameLst>
-                                      </p:cBhvr>
-                                      <p:tavLst>
-                                        <p:tav tm="0">
-                                          <p:val>
-                                            <p:strVal val="#ppt_x"/>
-                                          </p:val>
-                                        </p:tav>
-                                        <p:tav tm="100000">
-                                          <p:val>
-                                            <p:strVal val="#ppt_x"/>
-                                          </p:val>
-                                        </p:tav>
-                                      </p:tavLst>
-                                    </p:anim>
-                                    <p:anim calcmode="lin" valueType="num">
-                                      <p:cBhvr additive="base">
-                                        <p:cTn id="20" dur="500" fill="hold"/>
-                                        <p:tgtEl>
-                                          <p:spTgt spid="3">
-                                            <p:txEl>
-                                              <p:pRg st="3" end="3"/>
-                                            </p:txEl>
-                                          </p:spTgt>
-                                        </p:tgtEl>
-                                        <p:attrNameLst>
-                                          <p:attrName>ppt_y</p:attrName>
-                                        </p:attrNameLst>
-                                      </p:cBhvr>
-                                      <p:tavLst>
-                                        <p:tav tm="0">
-                                          <p:val>
-                                            <p:strVal val="1+#ppt_h/2"/>
-                                          </p:val>
-                                        </p:tav>
-                                        <p:tav tm="100000">
-                                          <p:val>
-                                            <p:strVal val="#ppt_y"/>
-                                          </p:val>
-                                        </p:tav>
-                                      </p:tavLst>
-                                    </p:anim>
-                                  </p:childTnLst>
-                                </p:cTn>
-                              </p:par>
                             </p:childTnLst>
                           </p:cTn>
                         </p:par>
@@ -29963,26 +32508,26 @@
                     </p:cTn>
                   </p:par>
                   <p:par>
-                    <p:cTn id="21" fill="hold">
+                    <p:cTn id="17" fill="hold">
                       <p:stCondLst>
                         <p:cond delay="indefinite"/>
                       </p:stCondLst>
                       <p:childTnLst>
                         <p:par>
-                          <p:cTn id="22" fill="hold">
+                          <p:cTn id="18" fill="hold">
                             <p:stCondLst>
                               <p:cond delay="0"/>
                             </p:stCondLst>
                             <p:childTnLst>
                               <p:par>
-                                <p:cTn id="23" presetID="2" presetClass="entr" presetSubtype="4" fill="hold" grpId="0" nodeType="clickEffect">
+                                <p:cTn id="19" presetID="2" presetClass="entr" presetSubtype="4" fill="hold" grpId="0" nodeType="clickEffect">
                                   <p:stCondLst>
                                     <p:cond delay="0"/>
                                   </p:stCondLst>
                                   <p:childTnLst>
                                     <p:set>
                                       <p:cBhvr>
-                                        <p:cTn id="24" dur="1" fill="hold">
+                                        <p:cTn id="20" dur="1" fill="hold">
                                           <p:stCondLst>
                                             <p:cond delay="0"/>
                                           </p:stCondLst>
@@ -30004,7 +32549,7 @@
                                     </p:set>
                                     <p:anim calcmode="lin" valueType="num">
                                       <p:cBhvr additive="base">
-                                        <p:cTn id="25" dur="500" fill="hold"/>
+                                        <p:cTn id="21" dur="500" fill="hold"/>
                                         <p:tgtEl>
                                           <p:spTgt spid="3">
                                             <p:txEl>
@@ -30031,7 +32576,7 @@
                                     </p:anim>
                                     <p:anim calcmode="lin" valueType="num">
                                       <p:cBhvr additive="base">
-                                        <p:cTn id="26" dur="500" fill="hold"/>
+                                        <p:cTn id="22" dur="500" fill="hold"/>
                                         <p:tgtEl>
                                           <p:spTgt spid="3">
                                             <p:txEl>
@@ -30060,14 +32605,14 @@
                                 </p:cTn>
                               </p:par>
                               <p:par>
-                                <p:cTn id="27" presetID="2" presetClass="entr" presetSubtype="4" fill="hold" grpId="0" nodeType="withEffect">
+                                <p:cTn id="23" presetID="2" presetClass="entr" presetSubtype="4" fill="hold" grpId="0" nodeType="withEffect">
                                   <p:stCondLst>
                                     <p:cond delay="0"/>
                                   </p:stCondLst>
                                   <p:childTnLst>
                                     <p:set>
                                       <p:cBhvr>
-                                        <p:cTn id="28" dur="1" fill="hold">
+                                        <p:cTn id="24" dur="1" fill="hold">
                                           <p:stCondLst>
                                             <p:cond delay="0"/>
                                           </p:stCondLst>
@@ -30089,7 +32634,7 @@
                                     </p:set>
                                     <p:anim calcmode="lin" valueType="num">
                                       <p:cBhvr additive="base">
-                                        <p:cTn id="29" dur="500" fill="hold"/>
+                                        <p:cTn id="25" dur="500" fill="hold"/>
                                         <p:tgtEl>
                                           <p:spTgt spid="3">
                                             <p:txEl>
@@ -30116,13 +32661,86 @@
                                     </p:anim>
                                     <p:anim calcmode="lin" valueType="num">
                                       <p:cBhvr additive="base">
-                                        <p:cTn id="30" dur="500" fill="hold"/>
+                                        <p:cTn id="26" dur="500" fill="hold"/>
                                         <p:tgtEl>
                                           <p:spTgt spid="3">
                                             <p:txEl>
                                               <p:pRg st="6" end="6"/>
                                             </p:txEl>
                                           </p:spTgt>
+                                        </p:tgtEl>
+                                        <p:attrNameLst>
+                                          <p:attrName>ppt_y</p:attrName>
+                                        </p:attrNameLst>
+                                      </p:cBhvr>
+                                      <p:tavLst>
+                                        <p:tav tm="0">
+                                          <p:val>
+                                            <p:strVal val="1+#ppt_h/2"/>
+                                          </p:val>
+                                        </p:tav>
+                                        <p:tav tm="100000">
+                                          <p:val>
+                                            <p:strVal val="#ppt_y"/>
+                                          </p:val>
+                                        </p:tav>
+                                      </p:tavLst>
+                                    </p:anim>
+                                  </p:childTnLst>
+                                </p:cTn>
+                              </p:par>
+                              <p:par>
+                                <p:cTn id="27" presetID="2" presetClass="entr" presetSubtype="4" fill="hold" nodeType="withEffect">
+                                  <p:stCondLst>
+                                    <p:cond delay="0"/>
+                                  </p:stCondLst>
+                                  <p:childTnLst>
+                                    <p:set>
+                                      <p:cBhvr>
+                                        <p:cTn id="28" dur="1" fill="hold">
+                                          <p:stCondLst>
+                                            <p:cond delay="0"/>
+                                          </p:stCondLst>
+                                        </p:cTn>
+                                        <p:tgtEl>
+                                          <p:spTgt spid="3075"/>
+                                        </p:tgtEl>
+                                        <p:attrNameLst>
+                                          <p:attrName>style.visibility</p:attrName>
+                                        </p:attrNameLst>
+                                      </p:cBhvr>
+                                      <p:to>
+                                        <p:strVal val="visible"/>
+                                      </p:to>
+                                    </p:set>
+                                    <p:anim calcmode="lin" valueType="num">
+                                      <p:cBhvr additive="base">
+                                        <p:cTn id="29" dur="500" fill="hold"/>
+                                        <p:tgtEl>
+                                          <p:spTgt spid="3075"/>
+                                        </p:tgtEl>
+                                        <p:attrNameLst>
+                                          <p:attrName>ppt_x</p:attrName>
+                                        </p:attrNameLst>
+                                      </p:cBhvr>
+                                      <p:tavLst>
+                                        <p:tav tm="0">
+                                          <p:val>
+                                            <p:strVal val="#ppt_x"/>
+                                          </p:val>
+                                        </p:tav>
+                                        <p:tav tm="100000">
+                                          <p:val>
+                                            <p:strVal val="#ppt_x"/>
+                                          </p:val>
+                                        </p:tav>
+                                      </p:tavLst>
+                                    </p:anim>
+                                    <p:anim calcmode="lin" valueType="num">
+                                      <p:cBhvr additive="base">
+                                        <p:cTn id="30" dur="500" fill="hold"/>
+                                        <p:tgtEl>
+                                          <p:spTgt spid="3075"/>
                                         </p:tgtEl>
                                         <p:attrNameLst>
                                           <p:attrName>ppt_y</p:attrName>
@@ -30158,7 +32776,7 @@
                                           </p:stCondLst>
                                         </p:cTn>
                                         <p:tgtEl>
-                                          <p:spTgt spid="3075"/>
+                                          <p:spTgt spid="3074"/>
                                         </p:tgtEl>
                                         <p:attrNameLst>
                                           <p:attrName>style.visibility</p:attrName>
@@ -30171,79 +32789,6 @@
                                     <p:anim calcmode="lin" valueType="num">
                                       <p:cBhvr additive="base">
                                         <p:cTn id="33" dur="500" fill="hold"/>
-                                        <p:tgtEl>
-                                          <p:spTgt spid="3075"/>
-                                        </p:tgtEl>
-                                        <p:attrNameLst>
-                                          <p:attrName>ppt_x</p:attrName>
-                                        </p:attrNameLst>
-                                      </p:cBhvr>
-                                      <p:tavLst>
-                                        <p:tav tm="0">
-                                          <p:val>
-                                            <p:strVal val="#ppt_x"/>
-                                          </p:val>
-                                        </p:tav>
-                                        <p:tav tm="100000">
-                                          <p:val>
-                                            <p:strVal val="#ppt_x"/>
-                                          </p:val>
-                                        </p:tav>
-                                      </p:tavLst>
-                                    </p:anim>
-                                    <p:anim calcmode="lin" valueType="num">
-                                      <p:cBhvr additive="base">
-                                        <p:cTn id="34" dur="500" fill="hold"/>
-                                        <p:tgtEl>
-                                          <p:spTgt spid="3075"/>
-                                        </p:tgtEl>
-                                        <p:attrNameLst>
-                                          <p:attrName>ppt_y</p:attrName>
-                                        </p:attrNameLst>
-                                      </p:cBhvr>
-                                      <p:tavLst>
-                                        <p:tav tm="0">
-                                          <p:val>
-                                            <p:strVal val="1+#ppt_h/2"/>
-                                          </p:val>
-                                        </p:tav>
-                                        <p:tav tm="100000">
-                                          <p:val>
-                                            <p:strVal val="#ppt_y"/>
-                                          </p:val>
-                                        </p:tav>
-                                      </p:tavLst>
-                                    </p:anim>
-                                  </p:childTnLst>
-                                </p:cTn>
-                              </p:par>
-                              <p:par>
-                                <p:cTn id="35" presetID="2" presetClass="entr" presetSubtype="4" fill="hold" nodeType="withEffect">
-                                  <p:stCondLst>
-                                    <p:cond delay="0"/>
-                                  </p:stCondLst>
-                                  <p:childTnLst>
-                                    <p:set>
-                                      <p:cBhvr>
-                                        <p:cTn id="36" dur="1" fill="hold">
-                                          <p:stCondLst>
-                                            <p:cond delay="0"/>
-                                          </p:stCondLst>
-                                        </p:cTn>
-                                        <p:tgtEl>
-                                          <p:spTgt spid="3074"/>
-                                        </p:tgtEl>
-                                        <p:attrNameLst>
-                                          <p:attrName>style.visibility</p:attrName>
-                                        </p:attrNameLst>
-                                      </p:cBhvr>
-                                      <p:to>
-                                        <p:strVal val="visible"/>
-                                      </p:to>
-                                    </p:set>
-                                    <p:anim calcmode="lin" valueType="num">
-                                      <p:cBhvr additive="base">
-                                        <p:cTn id="37" dur="500" fill="hold"/>
                                         <p:tgtEl>
                                           <p:spTgt spid="3074"/>
                                         </p:tgtEl>
@@ -30266,7 +32811,7 @@
                                     </p:anim>
                                     <p:anim calcmode="lin" valueType="num">
                                       <p:cBhvr additive="base">
-                                        <p:cTn id="38" dur="500" fill="hold"/>
+                                        <p:cTn id="34" dur="500" fill="hold"/>
                                         <p:tgtEl>
                                           <p:spTgt spid="3074"/>
                                         </p:tgtEl>

--- a/trunk/Presentazione/Atsilo3/Atsilo_H_PresentazioneFinale.pptx
+++ b/trunk/Presentazione/Atsilo3/Atsilo_H_PresentazioneFinale.pptx
@@ -234,7 +234,7 @@
             <a:fld id="{38D78F4D-402C-46E0-A4BB-DF91EA86B14C}" type="datetimeFigureOut">
               <a:rPr lang="it-IT" smtClean="0"/>
               <a:pPr/>
-              <a:t>29/12/2012</a:t>
+              <a:t>30/12/2012</a:t>
             </a:fld>
             <a:endParaRPr lang="it-IT"/>
           </a:p>
@@ -394,7 +394,7 @@
             <a:fld id="{D70604CA-7593-4640-8FA1-5523937B8510}" type="slidenum">
               <a:rPr lang="it-IT" smtClean="0"/>
               <a:pPr/>
-              <a:t>‹N›</a:t>
+              <a:t>‹#›</a:t>
             </a:fld>
             <a:endParaRPr lang="it-IT"/>
           </a:p>
@@ -403,7 +403,7 @@
     </p:spTree>
     <p:extLst>
       <p:ext uri="{BB962C8B-B14F-4D97-AF65-F5344CB8AC3E}">
-        <p14:creationId xmlns:p14="http://schemas.microsoft.com/office/powerpoint/2010/main" val="2126419590"/>
+        <p14:creationId xmlns="" xmlns:p14="http://schemas.microsoft.com/office/powerpoint/2010/main" val="2126419590"/>
       </p:ext>
     </p:extLst>
   </p:cSld>
@@ -600,7 +600,7 @@
     </p:spTree>
     <p:extLst>
       <p:ext uri="{BB962C8B-B14F-4D97-AF65-F5344CB8AC3E}">
-        <p14:creationId xmlns:p14="http://schemas.microsoft.com/office/powerpoint/2010/main" val="963420841"/>
+        <p14:creationId xmlns="" xmlns:p14="http://schemas.microsoft.com/office/powerpoint/2010/main" val="963420841"/>
       </p:ext>
     </p:extLst>
   </p:cSld>
@@ -668,11 +668,7 @@
             </a:r>
             <a:r>
               <a:rPr lang="it-IT" baseline="0" dirty="0" smtClean="0"/>
-              <a:t> corrispettivo» basta </a:t>
-            </a:r>
-            <a:r>
-              <a:rPr lang="it-IT" baseline="0" dirty="0" smtClean="0"/>
-              <a:t>questo, si può togliere se non c’è tempo</a:t>
+              <a:t> corrispettivo» basta questo, si può togliere se non c’è tempo</a:t>
             </a:r>
           </a:p>
           <a:p>
@@ -711,7 +707,7 @@
     </p:spTree>
     <p:extLst>
       <p:ext uri="{BB962C8B-B14F-4D97-AF65-F5344CB8AC3E}">
-        <p14:creationId xmlns:p14="http://schemas.microsoft.com/office/powerpoint/2010/main" val="3361965342"/>
+        <p14:creationId xmlns="" xmlns:p14="http://schemas.microsoft.com/office/powerpoint/2010/main" val="3361965342"/>
       </p:ext>
     </p:extLst>
   </p:cSld>
@@ -854,7 +850,7 @@
     </p:spTree>
     <p:extLst>
       <p:ext uri="{BB962C8B-B14F-4D97-AF65-F5344CB8AC3E}">
-        <p14:creationId xmlns:p14="http://schemas.microsoft.com/office/powerpoint/2010/main" val="3314347345"/>
+        <p14:creationId xmlns="" xmlns:p14="http://schemas.microsoft.com/office/powerpoint/2010/main" val="3314347345"/>
       </p:ext>
     </p:extLst>
   </p:cSld>
@@ -991,7 +987,7 @@
     </p:spTree>
     <p:extLst>
       <p:ext uri="{BB962C8B-B14F-4D97-AF65-F5344CB8AC3E}">
-        <p14:creationId xmlns:p14="http://schemas.microsoft.com/office/powerpoint/2010/main" val="2265654022"/>
+        <p14:creationId xmlns="" xmlns:p14="http://schemas.microsoft.com/office/powerpoint/2010/main" val="2265654022"/>
       </p:ext>
     </p:extLst>
   </p:cSld>
@@ -1128,7 +1124,7 @@
     </p:spTree>
     <p:extLst>
       <p:ext uri="{BB962C8B-B14F-4D97-AF65-F5344CB8AC3E}">
-        <p14:creationId xmlns:p14="http://schemas.microsoft.com/office/powerpoint/2010/main" val="71143455"/>
+        <p14:creationId xmlns="" xmlns:p14="http://schemas.microsoft.com/office/powerpoint/2010/main" val="71143455"/>
       </p:ext>
     </p:extLst>
   </p:cSld>
@@ -1227,7 +1223,7 @@
     </p:spTree>
     <p:extLst>
       <p:ext uri="{BB962C8B-B14F-4D97-AF65-F5344CB8AC3E}">
-        <p14:creationId xmlns:p14="http://schemas.microsoft.com/office/powerpoint/2010/main" val="113696966"/>
+        <p14:creationId xmlns="" xmlns:p14="http://schemas.microsoft.com/office/powerpoint/2010/main" val="113696966"/>
       </p:ext>
     </p:extLst>
   </p:cSld>
@@ -1352,7 +1348,7 @@
     </p:spTree>
     <p:extLst>
       <p:ext uri="{BB962C8B-B14F-4D97-AF65-F5344CB8AC3E}">
-        <p14:creationId xmlns:p14="http://schemas.microsoft.com/office/powerpoint/2010/main" val="1063702567"/>
+        <p14:creationId xmlns="" xmlns:p14="http://schemas.microsoft.com/office/powerpoint/2010/main" val="1063702567"/>
       </p:ext>
     </p:extLst>
   </p:cSld>
@@ -1457,7 +1453,7 @@
     </p:spTree>
     <p:extLst>
       <p:ext uri="{BB962C8B-B14F-4D97-AF65-F5344CB8AC3E}">
-        <p14:creationId xmlns:p14="http://schemas.microsoft.com/office/powerpoint/2010/main" val="122959592"/>
+        <p14:creationId xmlns="" xmlns:p14="http://schemas.microsoft.com/office/powerpoint/2010/main" val="122959592"/>
       </p:ext>
     </p:extLst>
   </p:cSld>
@@ -1572,7 +1568,7 @@
     </p:spTree>
     <p:extLst>
       <p:ext uri="{BB962C8B-B14F-4D97-AF65-F5344CB8AC3E}">
-        <p14:creationId xmlns:p14="http://schemas.microsoft.com/office/powerpoint/2010/main" val="780286428"/>
+        <p14:creationId xmlns="" xmlns:p14="http://schemas.microsoft.com/office/powerpoint/2010/main" val="780286428"/>
       </p:ext>
     </p:extLst>
   </p:cSld>
@@ -1673,7 +1669,7 @@
     </p:spTree>
     <p:extLst>
       <p:ext uri="{BB962C8B-B14F-4D97-AF65-F5344CB8AC3E}">
-        <p14:creationId xmlns:p14="http://schemas.microsoft.com/office/powerpoint/2010/main" val="2418012031"/>
+        <p14:creationId xmlns="" xmlns:p14="http://schemas.microsoft.com/office/powerpoint/2010/main" val="2418012031"/>
       </p:ext>
     </p:extLst>
   </p:cSld>
@@ -1774,7 +1770,7 @@
     </p:spTree>
     <p:extLst>
       <p:ext uri="{BB962C8B-B14F-4D97-AF65-F5344CB8AC3E}">
-        <p14:creationId xmlns:p14="http://schemas.microsoft.com/office/powerpoint/2010/main" val="778008281"/>
+        <p14:creationId xmlns="" xmlns:p14="http://schemas.microsoft.com/office/powerpoint/2010/main" val="778008281"/>
       </p:ext>
     </p:extLst>
   </p:cSld>
@@ -1846,11 +1842,7 @@
             </a:r>
             <a:r>
               <a:rPr lang="it-IT" baseline="0" dirty="0" smtClean="0"/>
-              <a:t> al nome del file e di perché si chiama </a:t>
-            </a:r>
-            <a:r>
-              <a:rPr lang="it-IT" baseline="0" dirty="0" smtClean="0"/>
-              <a:t>cosi.</a:t>
+              <a:t> al nome del file e di perché si chiama cosi.</a:t>
             </a:r>
           </a:p>
           <a:p>
@@ -1889,7 +1881,7 @@
     </p:spTree>
     <p:extLst>
       <p:ext uri="{BB962C8B-B14F-4D97-AF65-F5344CB8AC3E}">
-        <p14:creationId xmlns:p14="http://schemas.microsoft.com/office/powerpoint/2010/main" val="2781517378"/>
+        <p14:creationId xmlns="" xmlns:p14="http://schemas.microsoft.com/office/powerpoint/2010/main" val="2781517378"/>
       </p:ext>
     </p:extLst>
   </p:cSld>
@@ -1982,7 +1974,7 @@
     </p:spTree>
     <p:extLst>
       <p:ext uri="{BB962C8B-B14F-4D97-AF65-F5344CB8AC3E}">
-        <p14:creationId xmlns:p14="http://schemas.microsoft.com/office/powerpoint/2010/main" val="1377757052"/>
+        <p14:creationId xmlns="" xmlns:p14="http://schemas.microsoft.com/office/powerpoint/2010/main" val="1377757052"/>
       </p:ext>
     </p:extLst>
   </p:cSld>
@@ -2086,7 +2078,7 @@
     </p:spTree>
     <p:extLst>
       <p:ext uri="{BB962C8B-B14F-4D97-AF65-F5344CB8AC3E}">
-        <p14:creationId xmlns:p14="http://schemas.microsoft.com/office/powerpoint/2010/main" val="1394194668"/>
+        <p14:creationId xmlns="" xmlns:p14="http://schemas.microsoft.com/office/powerpoint/2010/main" val="1394194668"/>
       </p:ext>
     </p:extLst>
   </p:cSld>
@@ -2241,7 +2233,7 @@
     </p:spTree>
     <p:extLst>
       <p:ext uri="{BB962C8B-B14F-4D97-AF65-F5344CB8AC3E}">
-        <p14:creationId xmlns:p14="http://schemas.microsoft.com/office/powerpoint/2010/main" val="2972088584"/>
+        <p14:creationId xmlns="" xmlns:p14="http://schemas.microsoft.com/office/powerpoint/2010/main" val="2972088584"/>
       </p:ext>
     </p:extLst>
   </p:cSld>
@@ -2350,7 +2342,7 @@
     </p:spTree>
     <p:extLst>
       <p:ext uri="{BB962C8B-B14F-4D97-AF65-F5344CB8AC3E}">
-        <p14:creationId xmlns:p14="http://schemas.microsoft.com/office/powerpoint/2010/main" val="1417320036"/>
+        <p14:creationId xmlns="" xmlns:p14="http://schemas.microsoft.com/office/powerpoint/2010/main" val="1417320036"/>
       </p:ext>
     </p:extLst>
   </p:cSld>
@@ -2459,7 +2451,7 @@
     </p:spTree>
     <p:extLst>
       <p:ext uri="{BB962C8B-B14F-4D97-AF65-F5344CB8AC3E}">
-        <p14:creationId xmlns:p14="http://schemas.microsoft.com/office/powerpoint/2010/main" val="2176874561"/>
+        <p14:creationId xmlns="" xmlns:p14="http://schemas.microsoft.com/office/powerpoint/2010/main" val="2176874561"/>
       </p:ext>
     </p:extLst>
   </p:cSld>
@@ -2560,7 +2552,7 @@
     </p:spTree>
     <p:extLst>
       <p:ext uri="{BB962C8B-B14F-4D97-AF65-F5344CB8AC3E}">
-        <p14:creationId xmlns:p14="http://schemas.microsoft.com/office/powerpoint/2010/main" val="2428745919"/>
+        <p14:creationId xmlns="" xmlns:p14="http://schemas.microsoft.com/office/powerpoint/2010/main" val="2428745919"/>
       </p:ext>
     </p:extLst>
   </p:cSld>
@@ -2657,7 +2649,7 @@
     </p:spTree>
     <p:extLst>
       <p:ext uri="{BB962C8B-B14F-4D97-AF65-F5344CB8AC3E}">
-        <p14:creationId xmlns:p14="http://schemas.microsoft.com/office/powerpoint/2010/main" val="899854441"/>
+        <p14:creationId xmlns="" xmlns:p14="http://schemas.microsoft.com/office/powerpoint/2010/main" val="899854441"/>
       </p:ext>
     </p:extLst>
   </p:cSld>
@@ -2734,11 +2726,7 @@
             </a:r>
             <a:r>
               <a:rPr lang="it-IT" baseline="0" dirty="0" smtClean="0"/>
-              <a:t> del ODD secondo voi, siate specifici sulla nostra parte anche di cose che non sono questionario o forum (solo qui potete farlo</a:t>
-            </a:r>
-            <a:r>
-              <a:rPr lang="it-IT" baseline="0" dirty="0" smtClean="0"/>
-              <a:t>)</a:t>
+              <a:t> del ODD secondo voi, siate specifici sulla nostra parte anche di cose che non sono questionario o forum (solo qui potete farlo)</a:t>
             </a:r>
           </a:p>
           <a:p>
@@ -2817,7 +2805,7 @@
     </p:spTree>
     <p:extLst>
       <p:ext uri="{BB962C8B-B14F-4D97-AF65-F5344CB8AC3E}">
-        <p14:creationId xmlns:p14="http://schemas.microsoft.com/office/powerpoint/2010/main" val="1218324987"/>
+        <p14:creationId xmlns="" xmlns:p14="http://schemas.microsoft.com/office/powerpoint/2010/main" val="1218324987"/>
       </p:ext>
     </p:extLst>
   </p:cSld>
@@ -2910,7 +2898,7 @@
     </p:spTree>
     <p:extLst>
       <p:ext uri="{BB962C8B-B14F-4D97-AF65-F5344CB8AC3E}">
-        <p14:creationId xmlns:p14="http://schemas.microsoft.com/office/powerpoint/2010/main" val="3928439017"/>
+        <p14:creationId xmlns="" xmlns:p14="http://schemas.microsoft.com/office/powerpoint/2010/main" val="3928439017"/>
       </p:ext>
     </p:extLst>
   </p:cSld>
@@ -2999,7 +2987,7 @@
     </p:spTree>
     <p:extLst>
       <p:ext uri="{BB962C8B-B14F-4D97-AF65-F5344CB8AC3E}">
-        <p14:creationId xmlns:p14="http://schemas.microsoft.com/office/powerpoint/2010/main" val="4040687285"/>
+        <p14:creationId xmlns="" xmlns:p14="http://schemas.microsoft.com/office/powerpoint/2010/main" val="4040687285"/>
       </p:ext>
     </p:extLst>
   </p:cSld>
@@ -3098,7 +3086,7 @@
     </p:spTree>
     <p:extLst>
       <p:ext uri="{BB962C8B-B14F-4D97-AF65-F5344CB8AC3E}">
-        <p14:creationId xmlns:p14="http://schemas.microsoft.com/office/powerpoint/2010/main" val="1025718114"/>
+        <p14:creationId xmlns="" xmlns:p14="http://schemas.microsoft.com/office/powerpoint/2010/main" val="1025718114"/>
       </p:ext>
     </p:extLst>
   </p:cSld>
@@ -3262,7 +3250,7 @@
     </p:spTree>
     <p:extLst>
       <p:ext uri="{BB962C8B-B14F-4D97-AF65-F5344CB8AC3E}">
-        <p14:creationId xmlns:p14="http://schemas.microsoft.com/office/powerpoint/2010/main" val="1047033234"/>
+        <p14:creationId xmlns="" xmlns:p14="http://schemas.microsoft.com/office/powerpoint/2010/main" val="1047033234"/>
       </p:ext>
     </p:extLst>
   </p:cSld>
@@ -3351,7 +3339,7 @@
     </p:spTree>
     <p:extLst>
       <p:ext uri="{BB962C8B-B14F-4D97-AF65-F5344CB8AC3E}">
-        <p14:creationId xmlns:p14="http://schemas.microsoft.com/office/powerpoint/2010/main" val="1047033234"/>
+        <p14:creationId xmlns="" xmlns:p14="http://schemas.microsoft.com/office/powerpoint/2010/main" val="1047033234"/>
       </p:ext>
     </p:extLst>
   </p:cSld>
@@ -3436,7 +3424,7 @@
     </p:spTree>
     <p:extLst>
       <p:ext uri="{BB962C8B-B14F-4D97-AF65-F5344CB8AC3E}">
-        <p14:creationId xmlns:p14="http://schemas.microsoft.com/office/powerpoint/2010/main" val="742716072"/>
+        <p14:creationId xmlns="" xmlns:p14="http://schemas.microsoft.com/office/powerpoint/2010/main" val="742716072"/>
       </p:ext>
     </p:extLst>
   </p:cSld>
@@ -3525,7 +3513,7 @@
     </p:spTree>
     <p:extLst>
       <p:ext uri="{BB962C8B-B14F-4D97-AF65-F5344CB8AC3E}">
-        <p14:creationId xmlns:p14="http://schemas.microsoft.com/office/powerpoint/2010/main" val="1425725903"/>
+        <p14:creationId xmlns="" xmlns:p14="http://schemas.microsoft.com/office/powerpoint/2010/main" val="1425725903"/>
       </p:ext>
     </p:extLst>
   </p:cSld>
@@ -3634,7 +3622,7 @@
     </p:spTree>
     <p:extLst>
       <p:ext uri="{BB962C8B-B14F-4D97-AF65-F5344CB8AC3E}">
-        <p14:creationId xmlns:p14="http://schemas.microsoft.com/office/powerpoint/2010/main" val="880674728"/>
+        <p14:creationId xmlns="" xmlns:p14="http://schemas.microsoft.com/office/powerpoint/2010/main" val="880674728"/>
       </p:ext>
     </p:extLst>
   </p:cSld>
@@ -3743,7 +3731,7 @@
     </p:spTree>
     <p:extLst>
       <p:ext uri="{BB962C8B-B14F-4D97-AF65-F5344CB8AC3E}">
-        <p14:creationId xmlns:p14="http://schemas.microsoft.com/office/powerpoint/2010/main" val="346945336"/>
+        <p14:creationId xmlns="" xmlns:p14="http://schemas.microsoft.com/office/powerpoint/2010/main" val="346945336"/>
       </p:ext>
     </p:extLst>
   </p:cSld>
@@ -3852,7 +3840,7 @@
     </p:spTree>
     <p:extLst>
       <p:ext uri="{BB962C8B-B14F-4D97-AF65-F5344CB8AC3E}">
-        <p14:creationId xmlns:p14="http://schemas.microsoft.com/office/powerpoint/2010/main" val="1778546328"/>
+        <p14:creationId xmlns="" xmlns:p14="http://schemas.microsoft.com/office/powerpoint/2010/main" val="1778546328"/>
       </p:ext>
     </p:extLst>
   </p:cSld>
@@ -3961,7 +3949,7 @@
     </p:spTree>
     <p:extLst>
       <p:ext uri="{BB962C8B-B14F-4D97-AF65-F5344CB8AC3E}">
-        <p14:creationId xmlns:p14="http://schemas.microsoft.com/office/powerpoint/2010/main" val="604861763"/>
+        <p14:creationId xmlns="" xmlns:p14="http://schemas.microsoft.com/office/powerpoint/2010/main" val="604861763"/>
       </p:ext>
     </p:extLst>
   </p:cSld>
@@ -4050,7 +4038,7 @@
     </p:spTree>
     <p:extLst>
       <p:ext uri="{BB962C8B-B14F-4D97-AF65-F5344CB8AC3E}">
-        <p14:creationId xmlns:p14="http://schemas.microsoft.com/office/powerpoint/2010/main" val="1357369038"/>
+        <p14:creationId xmlns="" xmlns:p14="http://schemas.microsoft.com/office/powerpoint/2010/main" val="1357369038"/>
       </p:ext>
     </p:extLst>
   </p:cSld>
@@ -4164,7 +4152,7 @@
     </p:spTree>
     <p:extLst>
       <p:ext uri="{BB962C8B-B14F-4D97-AF65-F5344CB8AC3E}">
-        <p14:creationId xmlns:p14="http://schemas.microsoft.com/office/powerpoint/2010/main" val="3780346060"/>
+        <p14:creationId xmlns="" xmlns:p14="http://schemas.microsoft.com/office/powerpoint/2010/main" val="3780346060"/>
       </p:ext>
     </p:extLst>
   </p:cSld>
@@ -4269,7 +4257,7 @@
     </p:spTree>
     <p:extLst>
       <p:ext uri="{BB962C8B-B14F-4D97-AF65-F5344CB8AC3E}">
-        <p14:creationId xmlns:p14="http://schemas.microsoft.com/office/powerpoint/2010/main" val="41796055"/>
+        <p14:creationId xmlns="" xmlns:p14="http://schemas.microsoft.com/office/powerpoint/2010/main" val="41796055"/>
       </p:ext>
     </p:extLst>
   </p:cSld>
@@ -4333,11 +4321,7 @@
             </a:r>
             <a:r>
               <a:rPr lang="it-IT" baseline="0" dirty="0" smtClean="0"/>
-              <a:t>dopo la realizzazione di un prototipo nella fase di system design e, dopo alcuni colloqui con il cliente, abbiamo individuato alcune problematiche nel rad quali requisiti funzionali non correttamente individuati e relativi </a:t>
-            </a:r>
-            <a:r>
-              <a:rPr lang="it-IT" baseline="0" dirty="0" smtClean="0"/>
-              <a:t>attori</a:t>
+              <a:t>dopo la realizzazione di un prototipo nella fase di system design e, dopo alcuni colloqui con il cliente, abbiamo individuato alcune problematiche nel rad quali requisiti funzionali non correttamente individuati e relativi attori</a:t>
             </a:r>
           </a:p>
           <a:p>
@@ -4396,7 +4380,7 @@
     </p:spTree>
     <p:extLst>
       <p:ext uri="{BB962C8B-B14F-4D97-AF65-F5344CB8AC3E}">
-        <p14:creationId xmlns:p14="http://schemas.microsoft.com/office/powerpoint/2010/main" val="555626785"/>
+        <p14:creationId xmlns="" xmlns:p14="http://schemas.microsoft.com/office/powerpoint/2010/main" val="555626785"/>
       </p:ext>
     </p:extLst>
   </p:cSld>
@@ -4489,7 +4473,7 @@
     </p:spTree>
     <p:extLst>
       <p:ext uri="{BB962C8B-B14F-4D97-AF65-F5344CB8AC3E}">
-        <p14:creationId xmlns:p14="http://schemas.microsoft.com/office/powerpoint/2010/main" val="855395126"/>
+        <p14:creationId xmlns="" xmlns:p14="http://schemas.microsoft.com/office/powerpoint/2010/main" val="855395126"/>
       </p:ext>
     </p:extLst>
   </p:cSld>
@@ -4602,7 +4586,7 @@
     </p:spTree>
     <p:extLst>
       <p:ext uri="{BB962C8B-B14F-4D97-AF65-F5344CB8AC3E}">
-        <p14:creationId xmlns:p14="http://schemas.microsoft.com/office/powerpoint/2010/main" val="802928497"/>
+        <p14:creationId xmlns="" xmlns:p14="http://schemas.microsoft.com/office/powerpoint/2010/main" val="802928497"/>
       </p:ext>
     </p:extLst>
   </p:cSld>
@@ -4778,7 +4762,7 @@
             <a:fld id="{63CABBC0-75E4-43BB-A6A6-84C2A96BDB82}" type="datetimeFigureOut">
               <a:rPr lang="it-IT" smtClean="0"/>
               <a:pPr/>
-              <a:t>29/12/2012</a:t>
+              <a:t>30/12/2012</a:t>
             </a:fld>
             <a:endParaRPr lang="it-IT"/>
           </a:p>
@@ -4821,7 +4805,7 @@
             <a:fld id="{F89AEA99-3E91-4C58-9AD4-045DB5619AC3}" type="slidenum">
               <a:rPr lang="it-IT" smtClean="0"/>
               <a:pPr/>
-              <a:t>‹N›</a:t>
+              <a:t>‹#›</a:t>
             </a:fld>
             <a:endParaRPr lang="it-IT"/>
           </a:p>
@@ -4960,7 +4944,7 @@
             <a:fld id="{63CABBC0-75E4-43BB-A6A6-84C2A96BDB82}" type="datetimeFigureOut">
               <a:rPr lang="it-IT" smtClean="0"/>
               <a:pPr/>
-              <a:t>29/12/2012</a:t>
+              <a:t>30/12/2012</a:t>
             </a:fld>
             <a:endParaRPr lang="it-IT"/>
           </a:p>
@@ -5003,7 +4987,7 @@
             <a:fld id="{F89AEA99-3E91-4C58-9AD4-045DB5619AC3}" type="slidenum">
               <a:rPr lang="it-IT" smtClean="0"/>
               <a:pPr/>
-              <a:t>‹N›</a:t>
+              <a:t>‹#›</a:t>
             </a:fld>
             <a:endParaRPr lang="it-IT"/>
           </a:p>
@@ -5152,7 +5136,7 @@
             <a:fld id="{63CABBC0-75E4-43BB-A6A6-84C2A96BDB82}" type="datetimeFigureOut">
               <a:rPr lang="it-IT" smtClean="0"/>
               <a:pPr/>
-              <a:t>29/12/2012</a:t>
+              <a:t>30/12/2012</a:t>
             </a:fld>
             <a:endParaRPr lang="it-IT"/>
           </a:p>
@@ -5195,7 +5179,7 @@
             <a:fld id="{F89AEA99-3E91-4C58-9AD4-045DB5619AC3}" type="slidenum">
               <a:rPr lang="it-IT" smtClean="0"/>
               <a:pPr/>
-              <a:t>‹N›</a:t>
+              <a:t>‹#›</a:t>
             </a:fld>
             <a:endParaRPr lang="it-IT"/>
           </a:p>
@@ -5334,7 +5318,7 @@
             <a:fld id="{63CABBC0-75E4-43BB-A6A6-84C2A96BDB82}" type="datetimeFigureOut">
               <a:rPr lang="it-IT" smtClean="0"/>
               <a:pPr/>
-              <a:t>29/12/2012</a:t>
+              <a:t>30/12/2012</a:t>
             </a:fld>
             <a:endParaRPr lang="it-IT"/>
           </a:p>
@@ -5377,7 +5361,7 @@
             <a:fld id="{F89AEA99-3E91-4C58-9AD4-045DB5619AC3}" type="slidenum">
               <a:rPr lang="it-IT" smtClean="0"/>
               <a:pPr/>
-              <a:t>‹N›</a:t>
+              <a:t>‹#›</a:t>
             </a:fld>
             <a:endParaRPr lang="it-IT"/>
           </a:p>
@@ -5577,7 +5561,7 @@
             <a:fld id="{63CABBC0-75E4-43BB-A6A6-84C2A96BDB82}" type="datetimeFigureOut">
               <a:rPr lang="it-IT" smtClean="0"/>
               <a:pPr/>
-              <a:t>29/12/2012</a:t>
+              <a:t>30/12/2012</a:t>
             </a:fld>
             <a:endParaRPr lang="it-IT"/>
           </a:p>
@@ -5620,7 +5604,7 @@
             <a:fld id="{F89AEA99-3E91-4C58-9AD4-045DB5619AC3}" type="slidenum">
               <a:rPr lang="it-IT" smtClean="0"/>
               <a:pPr/>
-              <a:t>‹N›</a:t>
+              <a:t>‹#›</a:t>
             </a:fld>
             <a:endParaRPr lang="it-IT"/>
           </a:p>
@@ -5858,7 +5842,7 @@
             <a:fld id="{63CABBC0-75E4-43BB-A6A6-84C2A96BDB82}" type="datetimeFigureOut">
               <a:rPr lang="it-IT" smtClean="0"/>
               <a:pPr/>
-              <a:t>29/12/2012</a:t>
+              <a:t>30/12/2012</a:t>
             </a:fld>
             <a:endParaRPr lang="it-IT"/>
           </a:p>
@@ -5901,7 +5885,7 @@
             <a:fld id="{F89AEA99-3E91-4C58-9AD4-045DB5619AC3}" type="slidenum">
               <a:rPr lang="it-IT" smtClean="0"/>
               <a:pPr/>
-              <a:t>‹N›</a:t>
+              <a:t>‹#›</a:t>
             </a:fld>
             <a:endParaRPr lang="it-IT"/>
           </a:p>
@@ -6249,7 +6233,7 @@
             <a:fld id="{63CABBC0-75E4-43BB-A6A6-84C2A96BDB82}" type="datetimeFigureOut">
               <a:rPr lang="it-IT" smtClean="0"/>
               <a:pPr/>
-              <a:t>29/12/2012</a:t>
+              <a:t>30/12/2012</a:t>
             </a:fld>
             <a:endParaRPr lang="it-IT"/>
           </a:p>
@@ -6292,7 +6276,7 @@
             <a:fld id="{F89AEA99-3E91-4C58-9AD4-045DB5619AC3}" type="slidenum">
               <a:rPr lang="it-IT" smtClean="0"/>
               <a:pPr/>
-              <a:t>‹N›</a:t>
+              <a:t>‹#›</a:t>
             </a:fld>
             <a:endParaRPr lang="it-IT"/>
           </a:p>
@@ -6408,7 +6392,7 @@
             <a:fld id="{63CABBC0-75E4-43BB-A6A6-84C2A96BDB82}" type="datetimeFigureOut">
               <a:rPr lang="it-IT" smtClean="0"/>
               <a:pPr/>
-              <a:t>29/12/2012</a:t>
+              <a:t>30/12/2012</a:t>
             </a:fld>
             <a:endParaRPr lang="it-IT"/>
           </a:p>
@@ -6451,7 +6435,7 @@
             <a:fld id="{F89AEA99-3E91-4C58-9AD4-045DB5619AC3}" type="slidenum">
               <a:rPr lang="it-IT" smtClean="0"/>
               <a:pPr/>
-              <a:t>‹N›</a:t>
+              <a:t>‹#›</a:t>
             </a:fld>
             <a:endParaRPr lang="it-IT"/>
           </a:p>
@@ -6507,7 +6491,7 @@
             <a:fld id="{63CABBC0-75E4-43BB-A6A6-84C2A96BDB82}" type="datetimeFigureOut">
               <a:rPr lang="it-IT" smtClean="0"/>
               <a:pPr/>
-              <a:t>29/12/2012</a:t>
+              <a:t>30/12/2012</a:t>
             </a:fld>
             <a:endParaRPr lang="it-IT"/>
           </a:p>
@@ -6550,7 +6534,7 @@
             <a:fld id="{F89AEA99-3E91-4C58-9AD4-045DB5619AC3}" type="slidenum">
               <a:rPr lang="it-IT" smtClean="0"/>
               <a:pPr/>
-              <a:t>‹N›</a:t>
+              <a:t>‹#›</a:t>
             </a:fld>
             <a:endParaRPr lang="it-IT"/>
           </a:p>
@@ -6777,7 +6761,7 @@
             <a:fld id="{63CABBC0-75E4-43BB-A6A6-84C2A96BDB82}" type="datetimeFigureOut">
               <a:rPr lang="it-IT" smtClean="0"/>
               <a:pPr/>
-              <a:t>29/12/2012</a:t>
+              <a:t>30/12/2012</a:t>
             </a:fld>
             <a:endParaRPr lang="it-IT"/>
           </a:p>
@@ -6820,7 +6804,7 @@
             <a:fld id="{F89AEA99-3E91-4C58-9AD4-045DB5619AC3}" type="slidenum">
               <a:rPr lang="it-IT" smtClean="0"/>
               <a:pPr/>
-              <a:t>‹N›</a:t>
+              <a:t>‹#›</a:t>
             </a:fld>
             <a:endParaRPr lang="it-IT"/>
           </a:p>
@@ -7074,7 +7058,7 @@
             <a:fld id="{63CABBC0-75E4-43BB-A6A6-84C2A96BDB82}" type="datetimeFigureOut">
               <a:rPr lang="it-IT" smtClean="0"/>
               <a:pPr/>
-              <a:t>29/12/2012</a:t>
+              <a:t>30/12/2012</a:t>
             </a:fld>
             <a:endParaRPr lang="it-IT"/>
           </a:p>
@@ -7122,7 +7106,7 @@
             <a:fld id="{F89AEA99-3E91-4C58-9AD4-045DB5619AC3}" type="slidenum">
               <a:rPr lang="it-IT" smtClean="0"/>
               <a:pPr/>
-              <a:t>‹N›</a:t>
+              <a:t>‹#›</a:t>
             </a:fld>
             <a:endParaRPr lang="it-IT"/>
           </a:p>
@@ -7854,7 +7838,7 @@
             <a:fld id="{63CABBC0-75E4-43BB-A6A6-84C2A96BDB82}" type="datetimeFigureOut">
               <a:rPr lang="it-IT" smtClean="0"/>
               <a:pPr/>
-              <a:t>29/12/2012</a:t>
+              <a:t>30/12/2012</a:t>
             </a:fld>
             <a:endParaRPr lang="it-IT"/>
           </a:p>
@@ -7933,7 +7917,7 @@
             <a:fld id="{F89AEA99-3E91-4C58-9AD4-045DB5619AC3}" type="slidenum">
               <a:rPr lang="it-IT" smtClean="0"/>
               <a:pPr/>
-              <a:t>‹N›</a:t>
+              <a:t>‹#›</a:t>
             </a:fld>
             <a:endParaRPr lang="it-IT"/>
           </a:p>
@@ -8540,7 +8524,7 @@
           <a:blip r:embed="rId2">
             <a:extLst>
               <a:ext uri="{28A0092B-C50C-407E-A947-70E740481C1C}">
-                <a14:useLocalDpi xmlns:a14="http://schemas.microsoft.com/office/drawing/2010/main" val="0"/>
+                <a14:useLocalDpi xmlns="" xmlns:a14="http://schemas.microsoft.com/office/drawing/2010/main" val="0"/>
               </a:ext>
             </a:extLst>
           </a:blip>
@@ -8564,14 +8548,14 @@
           <a:effectLst/>
           <a:extLst>
             <a:ext uri="{909E8E84-426E-40DD-AFC4-6F175D3DCCD1}">
-              <a14:hiddenFill xmlns:a14="http://schemas.microsoft.com/office/drawing/2010/main">
+              <a14:hiddenFill xmlns="" xmlns:a14="http://schemas.microsoft.com/office/drawing/2010/main">
                 <a:solidFill>
                   <a:schemeClr val="accent1"/>
                 </a:solidFill>
               </a14:hiddenFill>
             </a:ext>
             <a:ext uri="{91240B29-F687-4F45-9708-019B960494DF}">
-              <a14:hiddenLine xmlns:a14="http://schemas.microsoft.com/office/drawing/2010/main" w="9525">
+              <a14:hiddenLine xmlns="" xmlns:a14="http://schemas.microsoft.com/office/drawing/2010/main" w="9525">
                 <a:solidFill>
                   <a:schemeClr val="tx1"/>
                 </a:solidFill>
@@ -8581,7 +8565,7 @@
               </a14:hiddenLine>
             </a:ext>
             <a:ext uri="{AF507438-7753-43E0-B8FC-AC1667EBCBE1}">
-              <a14:hiddenEffects xmlns:a14="http://schemas.microsoft.com/office/drawing/2010/main">
+              <a14:hiddenEffects xmlns="" xmlns:a14="http://schemas.microsoft.com/office/drawing/2010/main">
                 <a:effectLst>
                   <a:outerShdw dist="35921" dir="2700000" algn="ctr" rotWithShape="0">
                     <a:schemeClr val="bg2"/>
@@ -8601,7 +8585,7 @@
           <p:nvPr>
             <p:extLst>
               <p:ext uri="{D42A27DB-BD31-4B8C-83A1-F6EECF244321}">
-                <p14:modId xmlns:p14="http://schemas.microsoft.com/office/powerpoint/2010/main" val="669990601"/>
+                <p14:modId xmlns="" xmlns:p14="http://schemas.microsoft.com/office/powerpoint/2010/main" val="669990601"/>
               </p:ext>
             </p:extLst>
           </p:nvPr>
@@ -8778,14 +8762,14 @@
           <p:nvPr>
             <p:extLst>
               <p:ext uri="{D42A27DB-BD31-4B8C-83A1-F6EECF244321}">
-                <p14:modId xmlns:p14="http://schemas.microsoft.com/office/powerpoint/2010/main" val="1867475245"/>
+                <p14:modId xmlns="" xmlns:p14="http://schemas.microsoft.com/office/powerpoint/2010/main" val="1867475245"/>
               </p:ext>
             </p:extLst>
           </p:nvPr>
         </p:nvGraphicFramePr>
         <p:xfrm>
           <a:off x="7092280" y="5339206"/>
-          <a:ext cx="2051720" cy="1518794"/>
+          <a:ext cx="2051720" cy="1584960"/>
         </p:xfrm>
         <a:graphic>
           <a:graphicData uri="http://schemas.openxmlformats.org/drawingml/2006/table">
@@ -8909,7 +8893,7 @@
     </p:spTree>
     <p:extLst>
       <p:ext uri="{BB962C8B-B14F-4D97-AF65-F5344CB8AC3E}">
-        <p14:creationId xmlns:p14="http://schemas.microsoft.com/office/powerpoint/2010/main" val="4165334171"/>
+        <p14:creationId xmlns="" xmlns:p14="http://schemas.microsoft.com/office/powerpoint/2010/main" val="4165334171"/>
       </p:ext>
     </p:extLst>
   </p:cSld>
@@ -9205,18 +9189,18 @@
     </p:spTree>
     <p:extLst>
       <p:ext uri="{BB962C8B-B14F-4D97-AF65-F5344CB8AC3E}">
-        <p14:creationId xmlns:p14="http://schemas.microsoft.com/office/powerpoint/2010/main" val="155874689"/>
+        <p14:creationId xmlns="" xmlns:p14="http://schemas.microsoft.com/office/powerpoint/2010/main" val="155874689"/>
       </p:ext>
     </p:extLst>
   </p:cSld>
   <p:clrMapOvr>
     <a:masterClrMapping/>
   </p:clrMapOvr>
-  <mc:AlternateContent xmlns:mc="http://schemas.openxmlformats.org/markup-compatibility/2006" xmlns:p14="http://schemas.microsoft.com/office/powerpoint/2010/main">
-    <mc:Choice Requires="p14">
+  <mc:AlternateContent xmlns:mc="http://schemas.openxmlformats.org/markup-compatibility/2006">
+    <mc:Choice xmlns="" xmlns:p14="http://schemas.microsoft.com/office/powerpoint/2010/main" Requires="p14">
       <p:transition spd="slow" p14:dur="2000"/>
     </mc:Choice>
-    <mc:Fallback xmlns="">
+    <mc:Fallback>
       <p:transition spd="slow"/>
     </mc:Fallback>
   </mc:AlternateContent>
@@ -9719,18 +9703,18 @@
     </p:spTree>
     <p:extLst>
       <p:ext uri="{BB962C8B-B14F-4D97-AF65-F5344CB8AC3E}">
-        <p14:creationId xmlns:p14="http://schemas.microsoft.com/office/powerpoint/2010/main" val="155874689"/>
+        <p14:creationId xmlns="" xmlns:p14="http://schemas.microsoft.com/office/powerpoint/2010/main" val="155874689"/>
       </p:ext>
     </p:extLst>
   </p:cSld>
   <p:clrMapOvr>
     <a:masterClrMapping/>
   </p:clrMapOvr>
-  <mc:AlternateContent xmlns:mc="http://schemas.openxmlformats.org/markup-compatibility/2006" xmlns:p14="http://schemas.microsoft.com/office/powerpoint/2010/main">
-    <mc:Choice Requires="p14">
+  <mc:AlternateContent xmlns:mc="http://schemas.openxmlformats.org/markup-compatibility/2006">
+    <mc:Choice xmlns="" xmlns:p14="http://schemas.microsoft.com/office/powerpoint/2010/main" Requires="p14">
       <p:transition spd="slow" p14:dur="2000"/>
     </mc:Choice>
-    <mc:Fallback xmlns="">
+    <mc:Fallback>
       <p:transition spd="slow"/>
     </mc:Fallback>
   </mc:AlternateContent>
@@ -10224,18 +10208,18 @@
     </p:spTree>
     <p:extLst>
       <p:ext uri="{BB962C8B-B14F-4D97-AF65-F5344CB8AC3E}">
-        <p14:creationId xmlns:p14="http://schemas.microsoft.com/office/powerpoint/2010/main" val="155874689"/>
+        <p14:creationId xmlns="" xmlns:p14="http://schemas.microsoft.com/office/powerpoint/2010/main" val="155874689"/>
       </p:ext>
     </p:extLst>
   </p:cSld>
   <p:clrMapOvr>
     <a:masterClrMapping/>
   </p:clrMapOvr>
-  <mc:AlternateContent xmlns:mc="http://schemas.openxmlformats.org/markup-compatibility/2006" xmlns:p14="http://schemas.microsoft.com/office/powerpoint/2010/main">
-    <mc:Choice Requires="p14">
+  <mc:AlternateContent xmlns:mc="http://schemas.openxmlformats.org/markup-compatibility/2006">
+    <mc:Choice xmlns="" xmlns:p14="http://schemas.microsoft.com/office/powerpoint/2010/main" Requires="p14">
       <p:transition spd="slow" p14:dur="2000"/>
     </mc:Choice>
-    <mc:Fallback xmlns="">
+    <mc:Fallback>
       <p:transition spd="slow"/>
     </mc:Fallback>
   </mc:AlternateContent>
@@ -10551,13 +10535,7 @@
               <a:rPr lang="it-IT" sz="4800" b="1" dirty="0" smtClean="0">
                 <a:latin typeface="+mj-lt"/>
               </a:rPr>
-              <a:t>Gestione dei dati </a:t>
-            </a:r>
-            <a:r>
-              <a:rPr lang="it-IT" sz="4800" b="1" dirty="0" smtClean="0">
-                <a:latin typeface="+mj-lt"/>
-              </a:rPr>
-              <a:t>persistenti</a:t>
+              <a:t>Gestione dei dati persistenti</a:t>
             </a:r>
           </a:p>
           <a:p>
@@ -10568,9 +10546,6 @@
               </a:rPr>
               <a:t>ER Questionari</a:t>
             </a:r>
-            <a:endParaRPr lang="it-IT" sz="3600" b="1" dirty="0" smtClean="0">
-              <a:latin typeface="+mj-lt"/>
-            </a:endParaRPr>
           </a:p>
           <a:p>
             <a:pPr algn="ctr"/>
@@ -10741,13 +10716,7 @@
               <a:rPr lang="it-IT" sz="4800" b="1" dirty="0" smtClean="0">
                 <a:latin typeface="+mj-lt"/>
               </a:rPr>
-              <a:t>Pro\Contro </a:t>
-            </a:r>
-            <a:r>
-              <a:rPr lang="it-IT" sz="4800" b="1" dirty="0" smtClean="0">
-                <a:latin typeface="+mj-lt"/>
-              </a:rPr>
-              <a:t>SDD</a:t>
+              <a:t>Pro\Contro SDD</a:t>
             </a:r>
           </a:p>
           <a:p>
@@ -11178,6 +11147,13 @@
             </a:r>
           </a:p>
           <a:p>
+            <a:pPr lvl="2"/>
+            <a:r>
+              <a:rPr lang="it-IT" dirty="0" smtClean="0"/>
+              <a:t>Inconsistente in alcune parti</a:t>
+            </a:r>
+          </a:p>
+          <a:p>
             <a:pPr marL="667512" lvl="2" indent="0">
               <a:buNone/>
             </a:pPr>
@@ -11190,15 +11166,7 @@
                   <a:srgbClr val="00B050"/>
                 </a:solidFill>
               </a:rPr>
-              <a:t>Pro</a:t>
-            </a:r>
-            <a:r>
-              <a:rPr lang="it-IT" b="1" dirty="0" smtClean="0">
-                <a:solidFill>
-                  <a:srgbClr val="00B050"/>
-                </a:solidFill>
-              </a:rPr>
-              <a:t>:</a:t>
+              <a:t>Pro:</a:t>
             </a:r>
           </a:p>
           <a:p>
@@ -11241,6 +11209,32 @@
           </a:p>
         </p:txBody>
       </p:sp>
+      <p:pic>
+        <p:nvPicPr>
+          <p:cNvPr id="1026" name="Picture 2" descr="D:\Tony\Omini\omino_trivio.jpg"/>
+          <p:cNvPicPr>
+            <a:picLocks noChangeAspect="1" noChangeArrowheads="1"/>
+          </p:cNvPicPr>
+          <p:nvPr/>
+        </p:nvPicPr>
+        <p:blipFill>
+          <a:blip r:embed="rId4"/>
+          <a:srcRect/>
+          <a:stretch>
+            <a:fillRect/>
+          </a:stretch>
+        </p:blipFill>
+        <p:spPr bwMode="auto">
+          <a:xfrm>
+            <a:off x="7215206" y="1428736"/>
+            <a:ext cx="1524000" cy="1524000"/>
+          </a:xfrm>
+          <a:prstGeom prst="rect">
+            <a:avLst/>
+          </a:prstGeom>
+          <a:noFill/>
+        </p:spPr>
+      </p:pic>
     </p:spTree>
   </p:cSld>
   <p:clrMapOvr>
@@ -11884,33 +11878,15 @@
                                   </p:childTnLst>
                                 </p:cTn>
                               </p:par>
-                            </p:childTnLst>
-                          </p:cTn>
-                        </p:par>
-                      </p:childTnLst>
-                    </p:cTn>
-                  </p:par>
-                  <p:par>
-                    <p:cTn id="35" fill="hold">
-                      <p:stCondLst>
-                        <p:cond delay="indefinite"/>
-                      </p:stCondLst>
-                      <p:childTnLst>
-                        <p:par>
-                          <p:cTn id="36" fill="hold">
-                            <p:stCondLst>
-                              <p:cond delay="0"/>
-                            </p:stCondLst>
-                            <p:childTnLst>
                               <p:par>
-                                <p:cTn id="37" presetID="2" presetClass="entr" presetSubtype="4" fill="hold" grpId="0" nodeType="clickEffect">
+                                <p:cTn id="35" presetID="2" presetClass="entr" presetSubtype="4" fill="hold" grpId="0" nodeType="withEffect">
                                   <p:stCondLst>
                                     <p:cond delay="0"/>
                                   </p:stCondLst>
                                   <p:childTnLst>
                                     <p:set>
                                       <p:cBhvr>
-                                        <p:cTn id="38" dur="1" fill="hold">
+                                        <p:cTn id="36" dur="1" fill="hold">
                                           <p:stCondLst>
                                             <p:cond delay="0"/>
                                           </p:stCondLst>
@@ -11918,7 +11894,7 @@
                                         <p:tgtEl>
                                           <p:spTgt spid="5">
                                             <p:txEl>
-                                              <p:pRg st="7" end="7"/>
+                                              <p:pRg st="6" end="6"/>
                                             </p:txEl>
                                           </p:spTgt>
                                         </p:tgtEl>
@@ -11932,11 +11908,11 @@
                                     </p:set>
                                     <p:anim calcmode="lin" valueType="num">
                                       <p:cBhvr additive="base">
-                                        <p:cTn id="39" dur="500" fill="hold"/>
+                                        <p:cTn id="37" dur="500" fill="hold"/>
                                         <p:tgtEl>
                                           <p:spTgt spid="5">
                                             <p:txEl>
-                                              <p:pRg st="7" end="7"/>
+                                              <p:pRg st="6" end="6"/>
                                             </p:txEl>
                                           </p:spTgt>
                                         </p:tgtEl>
@@ -11959,11 +11935,149 @@
                                     </p:anim>
                                     <p:anim calcmode="lin" valueType="num">
                                       <p:cBhvr additive="base">
-                                        <p:cTn id="40" dur="500" fill="hold"/>
+                                        <p:cTn id="38" dur="500" fill="hold"/>
                                         <p:tgtEl>
                                           <p:spTgt spid="5">
                                             <p:txEl>
-                                              <p:pRg st="7" end="7"/>
+                                              <p:pRg st="6" end="6"/>
+                                            </p:txEl>
+                                          </p:spTgt>
+                                        </p:tgtEl>
+                                        <p:attrNameLst>
+                                          <p:attrName>ppt_y</p:attrName>
+                                        </p:attrNameLst>
+                                      </p:cBhvr>
+                                      <p:tavLst>
+                                        <p:tav tm="0">
+                                          <p:val>
+                                            <p:strVal val="1+#ppt_h/2"/>
+                                          </p:val>
+                                        </p:tav>
+                                        <p:tav tm="100000">
+                                          <p:val>
+                                            <p:strVal val="#ppt_y"/>
+                                          </p:val>
+                                        </p:tav>
+                                      </p:tavLst>
+                                    </p:anim>
+                                  </p:childTnLst>
+                                </p:cTn>
+                              </p:par>
+                              <p:par>
+                                <p:cTn id="39" presetID="22" presetClass="entr" presetSubtype="4" fill="hold" nodeType="withEffect">
+                                  <p:stCondLst>
+                                    <p:cond delay="0"/>
+                                  </p:stCondLst>
+                                  <p:childTnLst>
+                                    <p:set>
+                                      <p:cBhvr>
+                                        <p:cTn id="40" dur="1" fill="hold">
+                                          <p:stCondLst>
+                                            <p:cond delay="0"/>
+                                          </p:stCondLst>
+                                        </p:cTn>
+                                        <p:tgtEl>
+                                          <p:spTgt spid="1026"/>
+                                        </p:tgtEl>
+                                        <p:attrNameLst>
+                                          <p:attrName>style.visibility</p:attrName>
+                                        </p:attrNameLst>
+                                      </p:cBhvr>
+                                      <p:to>
+                                        <p:strVal val="visible"/>
+                                      </p:to>
+                                    </p:set>
+                                    <p:animEffect transition="in" filter="wipe(down)">
+                                      <p:cBhvr>
+                                        <p:cTn id="41" dur="500"/>
+                                        <p:tgtEl>
+                                          <p:spTgt spid="1026"/>
+                                        </p:tgtEl>
+                                      </p:cBhvr>
+                                    </p:animEffect>
+                                  </p:childTnLst>
+                                </p:cTn>
+                              </p:par>
+                            </p:childTnLst>
+                          </p:cTn>
+                        </p:par>
+                      </p:childTnLst>
+                    </p:cTn>
+                  </p:par>
+                  <p:par>
+                    <p:cTn id="42" fill="hold">
+                      <p:stCondLst>
+                        <p:cond delay="indefinite"/>
+                      </p:stCondLst>
+                      <p:childTnLst>
+                        <p:par>
+                          <p:cTn id="43" fill="hold">
+                            <p:stCondLst>
+                              <p:cond delay="0"/>
+                            </p:stCondLst>
+                            <p:childTnLst>
+                              <p:par>
+                                <p:cTn id="44" presetID="2" presetClass="entr" presetSubtype="4" fill="hold" grpId="0" nodeType="clickEffect">
+                                  <p:stCondLst>
+                                    <p:cond delay="0"/>
+                                  </p:stCondLst>
+                                  <p:childTnLst>
+                                    <p:set>
+                                      <p:cBhvr>
+                                        <p:cTn id="45" dur="1" fill="hold">
+                                          <p:stCondLst>
+                                            <p:cond delay="0"/>
+                                          </p:stCondLst>
+                                        </p:cTn>
+                                        <p:tgtEl>
+                                          <p:spTgt spid="5">
+                                            <p:txEl>
+                                              <p:pRg st="8" end="8"/>
+                                            </p:txEl>
+                                          </p:spTgt>
+                                        </p:tgtEl>
+                                        <p:attrNameLst>
+                                          <p:attrName>style.visibility</p:attrName>
+                                        </p:attrNameLst>
+                                      </p:cBhvr>
+                                      <p:to>
+                                        <p:strVal val="visible"/>
+                                      </p:to>
+                                    </p:set>
+                                    <p:anim calcmode="lin" valueType="num">
+                                      <p:cBhvr additive="base">
+                                        <p:cTn id="46" dur="500" fill="hold"/>
+                                        <p:tgtEl>
+                                          <p:spTgt spid="5">
+                                            <p:txEl>
+                                              <p:pRg st="8" end="8"/>
+                                            </p:txEl>
+                                          </p:spTgt>
+                                        </p:tgtEl>
+                                        <p:attrNameLst>
+                                          <p:attrName>ppt_x</p:attrName>
+                                        </p:attrNameLst>
+                                      </p:cBhvr>
+                                      <p:tavLst>
+                                        <p:tav tm="0">
+                                          <p:val>
+                                            <p:strVal val="#ppt_x"/>
+                                          </p:val>
+                                        </p:tav>
+                                        <p:tav tm="100000">
+                                          <p:val>
+                                            <p:strVal val="#ppt_x"/>
+                                          </p:val>
+                                        </p:tav>
+                                      </p:tavLst>
+                                    </p:anim>
+                                    <p:anim calcmode="lin" valueType="num">
+                                      <p:cBhvr additive="base">
+                                        <p:cTn id="47" dur="500" fill="hold"/>
+                                        <p:tgtEl>
+                                          <p:spTgt spid="5">
+                                            <p:txEl>
+                                              <p:pRg st="8" end="8"/>
                                             </p:txEl>
                                           </p:spTgt>
                                         </p:tgtEl>
@@ -11991,20 +12105,20 @@
                           </p:cTn>
                         </p:par>
                         <p:par>
-                          <p:cTn id="41" fill="hold">
+                          <p:cTn id="48" fill="hold">
                             <p:stCondLst>
                               <p:cond delay="500"/>
                             </p:stCondLst>
                             <p:childTnLst>
                               <p:par>
-                                <p:cTn id="42" presetID="22" presetClass="entr" presetSubtype="4" fill="hold" nodeType="afterEffect">
+                                <p:cTn id="49" presetID="22" presetClass="entr" presetSubtype="4" fill="hold" nodeType="afterEffect">
                                   <p:stCondLst>
                                     <p:cond delay="0"/>
                                   </p:stCondLst>
                                   <p:childTnLst>
                                     <p:set>
                                       <p:cBhvr>
-                                        <p:cTn id="43" dur="1" fill="hold">
+                                        <p:cTn id="50" dur="1" fill="hold">
                                           <p:stCondLst>
                                             <p:cond delay="0"/>
                                           </p:stCondLst>
@@ -12022,7 +12136,7 @@
                                     </p:set>
                                     <p:animEffect transition="in" filter="wipe(down)">
                                       <p:cBhvr>
-                                        <p:cTn id="44" dur="500"/>
+                                        <p:cTn id="51" dur="500"/>
                                         <p:tgtEl>
                                           <p:spTgt spid="4099"/>
                                         </p:tgtEl>
@@ -12035,20 +12149,20 @@
                           </p:cTn>
                         </p:par>
                         <p:par>
-                          <p:cTn id="45" fill="hold">
+                          <p:cTn id="52" fill="hold">
                             <p:stCondLst>
                               <p:cond delay="1000"/>
                             </p:stCondLst>
                             <p:childTnLst>
                               <p:par>
-                                <p:cTn id="46" presetID="22" presetClass="entr" presetSubtype="4" fill="hold" grpId="0" nodeType="afterEffect">
+                                <p:cTn id="53" presetID="22" presetClass="entr" presetSubtype="4" fill="hold" grpId="0" nodeType="afterEffect">
                                   <p:stCondLst>
                                     <p:cond delay="0"/>
                                   </p:stCondLst>
                                   <p:childTnLst>
                                     <p:set>
                                       <p:cBhvr>
-                                        <p:cTn id="47" dur="1" fill="hold">
+                                        <p:cTn id="54" dur="1" fill="hold">
                                           <p:stCondLst>
                                             <p:cond delay="0"/>
                                           </p:stCondLst>
@@ -12066,7 +12180,7 @@
                                     </p:set>
                                     <p:animEffect transition="in" filter="wipe(down)">
                                       <p:cBhvr>
-                                        <p:cTn id="48" dur="500"/>
+                                        <p:cTn id="55" dur="500"/>
                                         <p:tgtEl>
                                           <p:spTgt spid="8"/>
                                         </p:tgtEl>
@@ -12255,11 +12369,7 @@
             </a:pPr>
             <a:r>
               <a:rPr lang="it-IT" sz="2200" dirty="0" smtClean="0"/>
-              <a:t>Permettendo un’analisi oggettiva sulla qualità dei servizi </a:t>
-            </a:r>
-            <a:r>
-              <a:rPr lang="it-IT" sz="2200" dirty="0" smtClean="0"/>
-              <a:t>offerti</a:t>
+              <a:t>Permettendo un’analisi oggettiva sulla qualità dei servizi offerti</a:t>
             </a:r>
             <a:endParaRPr lang="it-IT" sz="2200" dirty="0"/>
           </a:p>
@@ -12280,7 +12390,7 @@
           <a:blip r:embed="rId3">
             <a:extLst>
               <a:ext uri="{28A0092B-C50C-407E-A947-70E740481C1C}">
-                <a14:useLocalDpi xmlns:a14="http://schemas.microsoft.com/office/drawing/2010/main" val="0"/>
+                <a14:useLocalDpi xmlns="" xmlns:a14="http://schemas.microsoft.com/office/drawing/2010/main" val="0"/>
               </a:ext>
             </a:extLst>
           </a:blip>
@@ -12300,7 +12410,7 @@
           <a:noFill/>
           <a:extLst>
             <a:ext uri="{909E8E84-426E-40DD-AFC4-6F175D3DCCD1}">
-              <a14:hiddenFill xmlns:a14="http://schemas.microsoft.com/office/drawing/2010/main">
+              <a14:hiddenFill xmlns="" xmlns:a14="http://schemas.microsoft.com/office/drawing/2010/main">
                 <a:solidFill>
                   <a:srgbClr val="FFFFFF"/>
                 </a:solidFill>
@@ -12321,7 +12431,7 @@
           <a:blip r:embed="rId4">
             <a:extLst>
               <a:ext uri="{28A0092B-C50C-407E-A947-70E740481C1C}">
-                <a14:useLocalDpi xmlns:a14="http://schemas.microsoft.com/office/drawing/2010/main" val="0"/>
+                <a14:useLocalDpi xmlns="" xmlns:a14="http://schemas.microsoft.com/office/drawing/2010/main" val="0"/>
               </a:ext>
             </a:extLst>
           </a:blip>
@@ -12341,7 +12451,7 @@
           <a:noFill/>
           <a:extLst>
             <a:ext uri="{909E8E84-426E-40DD-AFC4-6F175D3DCCD1}">
-              <a14:hiddenFill xmlns:a14="http://schemas.microsoft.com/office/drawing/2010/main">
+              <a14:hiddenFill xmlns="" xmlns:a14="http://schemas.microsoft.com/office/drawing/2010/main">
                 <a:solidFill>
                   <a:srgbClr val="FFFFFF"/>
                 </a:solidFill>
@@ -12387,7 +12497,7 @@
     </p:spTree>
     <p:extLst>
       <p:ext uri="{BB962C8B-B14F-4D97-AF65-F5344CB8AC3E}">
-        <p14:creationId xmlns:p14="http://schemas.microsoft.com/office/powerpoint/2010/main" val="1277526579"/>
+        <p14:creationId xmlns="" xmlns:p14="http://schemas.microsoft.com/office/powerpoint/2010/main" val="1277526579"/>
       </p:ext>
     </p:extLst>
   </p:cSld>
@@ -12695,7 +12805,7 @@
               <a:buChar char="v"/>
             </a:pPr>
             <a:r>
-              <a:rPr lang="it-IT" sz="2400" dirty="0" smtClean="0"/>
+              <a:rPr lang="it-IT" sz="2400" b="1" dirty="0" smtClean="0"/>
               <a:t>Garantendo</a:t>
             </a:r>
             <a:r>
@@ -12717,7 +12827,7 @@
           <a:blip r:embed="rId3">
             <a:extLst>
               <a:ext uri="{28A0092B-C50C-407E-A947-70E740481C1C}">
-                <a14:useLocalDpi xmlns:a14="http://schemas.microsoft.com/office/drawing/2010/main" val="0"/>
+                <a14:useLocalDpi xmlns="" xmlns:a14="http://schemas.microsoft.com/office/drawing/2010/main" val="0"/>
               </a:ext>
             </a:extLst>
           </a:blip>
@@ -12737,7 +12847,7 @@
           <a:noFill/>
           <a:extLst>
             <a:ext uri="{909E8E84-426E-40DD-AFC4-6F175D3DCCD1}">
-              <a14:hiddenFill xmlns:a14="http://schemas.microsoft.com/office/drawing/2010/main">
+              <a14:hiddenFill xmlns="" xmlns:a14="http://schemas.microsoft.com/office/drawing/2010/main">
                 <a:solidFill>
                   <a:srgbClr val="FFFFFF"/>
                 </a:solidFill>
@@ -12758,7 +12868,7 @@
           <a:blip r:embed="rId4" cstate="print">
             <a:extLst>
               <a:ext uri="{28A0092B-C50C-407E-A947-70E740481C1C}">
-                <a14:useLocalDpi xmlns:a14="http://schemas.microsoft.com/office/drawing/2010/main" val="0"/>
+                <a14:useLocalDpi xmlns="" xmlns:a14="http://schemas.microsoft.com/office/drawing/2010/main" val="0"/>
               </a:ext>
             </a:extLst>
           </a:blip>
@@ -12778,7 +12888,7 @@
           <a:noFill/>
           <a:extLst>
             <a:ext uri="{909E8E84-426E-40DD-AFC4-6F175D3DCCD1}">
-              <a14:hiddenFill xmlns:a14="http://schemas.microsoft.com/office/drawing/2010/main">
+              <a14:hiddenFill xmlns="" xmlns:a14="http://schemas.microsoft.com/office/drawing/2010/main">
                 <a:solidFill>
                   <a:srgbClr val="FFFFFF"/>
                 </a:solidFill>
@@ -12799,7 +12909,7 @@
           <a:blip r:embed="rId5">
             <a:extLst>
               <a:ext uri="{28A0092B-C50C-407E-A947-70E740481C1C}">
-                <a14:useLocalDpi xmlns:a14="http://schemas.microsoft.com/office/drawing/2010/main" val="0"/>
+                <a14:useLocalDpi xmlns="" xmlns:a14="http://schemas.microsoft.com/office/drawing/2010/main" val="0"/>
               </a:ext>
             </a:extLst>
           </a:blip>
@@ -12819,7 +12929,7 @@
           <a:noFill/>
           <a:extLst>
             <a:ext uri="{909E8E84-426E-40DD-AFC4-6F175D3DCCD1}">
-              <a14:hiddenFill xmlns:a14="http://schemas.microsoft.com/office/drawing/2010/main">
+              <a14:hiddenFill xmlns="" xmlns:a14="http://schemas.microsoft.com/office/drawing/2010/main">
                 <a:solidFill>
                   <a:srgbClr val="FFFFFF"/>
                 </a:solidFill>
@@ -12851,10 +12961,10 @@
           <a:lstStyle/>
           <a:p>
             <a:r>
-              <a:rPr lang="it-IT" sz="2200" dirty="0" smtClean="0"/>
+              <a:rPr lang="it-IT" sz="2200" i="1" dirty="0" smtClean="0"/>
               <a:t>Sicurezza</a:t>
             </a:r>
-            <a:endParaRPr lang="it-IT" sz="2200" dirty="0"/>
+            <a:endParaRPr lang="it-IT" sz="2200" i="1" dirty="0"/>
           </a:p>
         </p:txBody>
       </p:sp>
@@ -12867,7 +12977,7 @@
         <p:spPr>
           <a:xfrm>
             <a:off x="2000232" y="3000372"/>
-            <a:ext cx="1176669" cy="430887"/>
+            <a:ext cx="1190711" cy="430887"/>
           </a:xfrm>
           <a:prstGeom prst="rect">
             <a:avLst/>
@@ -12881,10 +12991,10 @@
           <a:lstStyle/>
           <a:p>
             <a:r>
-              <a:rPr lang="it-IT" sz="2200" dirty="0" smtClean="0"/>
+              <a:rPr lang="it-IT" sz="2200" i="1" dirty="0" smtClean="0"/>
               <a:t>Usabilità</a:t>
             </a:r>
-            <a:endParaRPr lang="it-IT" sz="2200" dirty="0"/>
+            <a:endParaRPr lang="it-IT" sz="2200" i="1" dirty="0"/>
           </a:p>
         </p:txBody>
       </p:sp>
@@ -12911,17 +13021,17 @@
           <a:lstStyle/>
           <a:p>
             <a:r>
-              <a:rPr lang="it-IT" sz="2200" dirty="0" smtClean="0"/>
+              <a:rPr lang="it-IT" sz="2200" i="1" dirty="0" smtClean="0"/>
               <a:t>Performance</a:t>
             </a:r>
-            <a:endParaRPr lang="it-IT" sz="2200" dirty="0"/>
+            <a:endParaRPr lang="it-IT" sz="2200" i="1" dirty="0"/>
           </a:p>
         </p:txBody>
       </p:sp>
     </p:spTree>
     <p:extLst>
       <p:ext uri="{BB962C8B-B14F-4D97-AF65-F5344CB8AC3E}">
-        <p14:creationId xmlns:p14="http://schemas.microsoft.com/office/powerpoint/2010/main" val="418107373"/>
+        <p14:creationId xmlns="" xmlns:p14="http://schemas.microsoft.com/office/powerpoint/2010/main" val="418107373"/>
       </p:ext>
     </p:extLst>
   </p:cSld>
@@ -13015,7 +13125,7 @@
                                           </p:stCondLst>
                                         </p:cTn>
                                         <p:tgtEl>
-                                          <p:spTgt spid="7"/>
+                                          <p:spTgt spid="8"/>
                                         </p:tgtEl>
                                         <p:attrNameLst>
                                           <p:attrName>style.visibility</p:attrName>
@@ -13029,7 +13139,7 @@
                                       <p:cBhvr>
                                         <p:cTn id="12" dur="500"/>
                                         <p:tgtEl>
-                                          <p:spTgt spid="7"/>
+                                          <p:spTgt spid="8"/>
                                         </p:tgtEl>
                                       </p:cBhvr>
                                     </p:animEffect>
@@ -13050,7 +13160,7 @@
                                           </p:stCondLst>
                                         </p:cTn>
                                         <p:tgtEl>
-                                          <p:spTgt spid="4"/>
+                                          <p:spTgt spid="5"/>
                                         </p:tgtEl>
                                         <p:attrNameLst>
                                           <p:attrName>style.visibility</p:attrName>
@@ -13064,7 +13174,7 @@
                                       <p:cBhvr>
                                         <p:cTn id="15" dur="500"/>
                                         <p:tgtEl>
-                                          <p:spTgt spid="4"/>
+                                          <p:spTgt spid="5"/>
                                         </p:tgtEl>
                                       </p:cBhvr>
                                     </p:animEffect>
@@ -13103,7 +13213,7 @@
                                           </p:stCondLst>
                                         </p:cTn>
                                         <p:tgtEl>
-                                          <p:spTgt spid="8"/>
+                                          <p:spTgt spid="7"/>
                                         </p:tgtEl>
                                         <p:attrNameLst>
                                           <p:attrName>style.visibility</p:attrName>
@@ -13117,7 +13227,7 @@
                                       <p:cBhvr>
                                         <p:cTn id="20" dur="500"/>
                                         <p:tgtEl>
-                                          <p:spTgt spid="8"/>
+                                          <p:spTgt spid="7"/>
                                         </p:tgtEl>
                                       </p:cBhvr>
                                     </p:animEffect>
@@ -13138,7 +13248,7 @@
                                           </p:stCondLst>
                                         </p:cTn>
                                         <p:tgtEl>
-                                          <p:spTgt spid="5"/>
+                                          <p:spTgt spid="4"/>
                                         </p:tgtEl>
                                         <p:attrNameLst>
                                           <p:attrName>style.visibility</p:attrName>
@@ -13152,7 +13262,7 @@
                                       <p:cBhvr>
                                         <p:cTn id="23" dur="500"/>
                                         <p:tgtEl>
-                                          <p:spTgt spid="5"/>
+                                          <p:spTgt spid="4"/>
                                         </p:tgtEl>
                                       </p:cBhvr>
                                     </p:animEffect>
@@ -13560,7 +13670,7 @@
           <a:blip r:embed="rId3">
             <a:extLst>
               <a:ext uri="{28A0092B-C50C-407E-A947-70E740481C1C}">
-                <a14:useLocalDpi xmlns:a14="http://schemas.microsoft.com/office/drawing/2010/main" val="0"/>
+                <a14:useLocalDpi xmlns="" xmlns:a14="http://schemas.microsoft.com/office/drawing/2010/main" val="0"/>
               </a:ext>
             </a:extLst>
           </a:blip>
@@ -13580,7 +13690,7 @@
           <a:noFill/>
           <a:extLst>
             <a:ext uri="{909E8E84-426E-40DD-AFC4-6F175D3DCCD1}">
-              <a14:hiddenFill xmlns:a14="http://schemas.microsoft.com/office/drawing/2010/main">
+              <a14:hiddenFill xmlns="" xmlns:a14="http://schemas.microsoft.com/office/drawing/2010/main">
                 <a:solidFill>
                   <a:srgbClr val="FFFFFF"/>
                 </a:solidFill>
@@ -13601,7 +13711,7 @@
           <a:blip r:embed="rId4">
             <a:extLst>
               <a:ext uri="{28A0092B-C50C-407E-A947-70E740481C1C}">
-                <a14:useLocalDpi xmlns:a14="http://schemas.microsoft.com/office/drawing/2010/main" val="0"/>
+                <a14:useLocalDpi xmlns="" xmlns:a14="http://schemas.microsoft.com/office/drawing/2010/main" val="0"/>
               </a:ext>
             </a:extLst>
           </a:blip>
@@ -13621,7 +13731,7 @@
           <a:noFill/>
           <a:extLst>
             <a:ext uri="{909E8E84-426E-40DD-AFC4-6F175D3DCCD1}">
-              <a14:hiddenFill xmlns:a14="http://schemas.microsoft.com/office/drawing/2010/main">
+              <a14:hiddenFill xmlns="" xmlns:a14="http://schemas.microsoft.com/office/drawing/2010/main">
                 <a:solidFill>
                   <a:srgbClr val="FFFFFF"/>
                 </a:solidFill>
@@ -13869,18 +13979,18 @@
     </p:spTree>
     <p:extLst>
       <p:ext uri="{BB962C8B-B14F-4D97-AF65-F5344CB8AC3E}">
-        <p14:creationId xmlns:p14="http://schemas.microsoft.com/office/powerpoint/2010/main" val="2879521852"/>
+        <p14:creationId xmlns="" xmlns:p14="http://schemas.microsoft.com/office/powerpoint/2010/main" val="2879521852"/>
       </p:ext>
     </p:extLst>
   </p:cSld>
   <p:clrMapOvr>
     <a:masterClrMapping/>
   </p:clrMapOvr>
-  <mc:AlternateContent xmlns:mc="http://schemas.openxmlformats.org/markup-compatibility/2006" xmlns:p14="http://schemas.microsoft.com/office/powerpoint/2010/main">
-    <mc:Choice Requires="p14">
+  <mc:AlternateContent xmlns:mc="http://schemas.openxmlformats.org/markup-compatibility/2006">
+    <mc:Choice xmlns="" xmlns:p14="http://schemas.microsoft.com/office/powerpoint/2010/main" Requires="p14">
       <p:transition spd="slow" p14:dur="2000"/>
     </mc:Choice>
-    <mc:Fallback xmlns="">
+    <mc:Fallback>
       <p:transition spd="slow"/>
     </mc:Fallback>
   </mc:AlternateContent>
@@ -14236,7 +14346,7 @@
           <a:blip r:embed="rId3">
             <a:extLst>
               <a:ext uri="{28A0092B-C50C-407E-A947-70E740481C1C}">
-                <a14:useLocalDpi xmlns:a14="http://schemas.microsoft.com/office/drawing/2010/main" val="0"/>
+                <a14:useLocalDpi xmlns="" xmlns:a14="http://schemas.microsoft.com/office/drawing/2010/main" val="0"/>
               </a:ext>
             </a:extLst>
           </a:blip>
@@ -14256,7 +14366,7 @@
           <a:noFill/>
           <a:extLst>
             <a:ext uri="{909E8E84-426E-40DD-AFC4-6F175D3DCCD1}">
-              <a14:hiddenFill xmlns:a14="http://schemas.microsoft.com/office/drawing/2010/main">
+              <a14:hiddenFill xmlns="" xmlns:a14="http://schemas.microsoft.com/office/drawing/2010/main">
                 <a:solidFill>
                   <a:srgbClr val="FFFFFF"/>
                 </a:solidFill>
@@ -14265,22 +14375,300 @@
           </a:extLst>
         </p:spPr>
       </p:pic>
+      <p:sp>
+        <p:nvSpPr>
+          <p:cNvPr id="5" name="CasellaDiTesto 4"/>
+          <p:cNvSpPr txBox="1"/>
+          <p:nvPr/>
+        </p:nvSpPr>
+        <p:spPr>
+          <a:xfrm>
+            <a:off x="1736131" y="-10060"/>
+            <a:ext cx="5720477" cy="1261884"/>
+          </a:xfrm>
+          <a:prstGeom prst="rect">
+            <a:avLst/>
+          </a:prstGeom>
+          <a:noFill/>
+        </p:spPr>
+        <p:txBody>
+          <a:bodyPr wrap="none" rtlCol="0">
+            <a:spAutoFit/>
+          </a:bodyPr>
+          <a:lstStyle/>
+          <a:p>
+            <a:pPr algn="ctr"/>
+            <a:r>
+              <a:rPr lang="it-IT" sz="4800" b="1" dirty="0" smtClean="0">
+                <a:latin typeface="+mj-lt"/>
+              </a:rPr>
+              <a:t>Obiettivi di design</a:t>
+            </a:r>
+          </a:p>
+          <a:p>
+            <a:pPr algn="ctr"/>
+            <a:r>
+              <a:rPr lang="it-IT" sz="2800" b="1" dirty="0" smtClean="0">
+                <a:latin typeface="+mj-lt"/>
+              </a:rPr>
+              <a:t>Funzionalità Questionario, Trade </a:t>
+            </a:r>
+            <a:r>
+              <a:rPr lang="it-IT" sz="2800" b="1" dirty="0" err="1" smtClean="0">
+                <a:latin typeface="+mj-lt"/>
+              </a:rPr>
+              <a:t>Offs</a:t>
+            </a:r>
+            <a:endParaRPr lang="it-IT" b="1" dirty="0"/>
+          </a:p>
+        </p:txBody>
+      </p:sp>
+      <p:sp>
+        <p:nvSpPr>
+          <p:cNvPr id="2" name="Rettangolo 1"/>
+          <p:cNvSpPr/>
+          <p:nvPr/>
+        </p:nvSpPr>
+        <p:spPr>
+          <a:xfrm>
+            <a:off x="7446477" y="3632192"/>
+            <a:ext cx="744114" cy="523220"/>
+          </a:xfrm>
+          <a:prstGeom prst="rect">
+            <a:avLst/>
+          </a:prstGeom>
+        </p:spPr>
+        <p:txBody>
+          <a:bodyPr wrap="none">
+            <a:spAutoFit/>
+          </a:bodyPr>
+          <a:lstStyle/>
+          <a:p>
+            <a:r>
+              <a:rPr lang="it-IT" sz="2800" b="1" i="1" dirty="0" err="1" smtClean="0">
+                <a:solidFill>
+                  <a:srgbClr val="B48900"/>
+                </a:solidFill>
+              </a:rPr>
+              <a:t>Buy</a:t>
+            </a:r>
+            <a:endParaRPr lang="en-US" sz="2800" b="1" dirty="0">
+              <a:solidFill>
+                <a:srgbClr val="B48900"/>
+              </a:solidFill>
+            </a:endParaRPr>
+          </a:p>
+        </p:txBody>
+      </p:sp>
+      <p:sp>
+        <p:nvSpPr>
+          <p:cNvPr id="11" name="Content Placeholder 3"/>
+          <p:cNvSpPr txBox="1">
+            <a:spLocks/>
+          </p:cNvSpPr>
+          <p:nvPr/>
+        </p:nvSpPr>
+        <p:spPr>
+          <a:xfrm>
+            <a:off x="3846372" y="2920866"/>
+            <a:ext cx="1550546" cy="492656"/>
+          </a:xfrm>
+          <a:prstGeom prst="rect">
+            <a:avLst/>
+          </a:prstGeom>
+        </p:spPr>
+        <p:txBody>
+          <a:bodyPr tIns="0"/>
+          <a:lstStyle>
+            <a:lvl1pPr marL="274320" indent="-274320" algn="l" rtl="0" eaLnBrk="1" latinLnBrk="0" hangingPunct="1">
+              <a:spcBef>
+                <a:spcPct val="20000"/>
+              </a:spcBef>
+              <a:buClrTx/>
+              <a:buSzPct val="95000"/>
+              <a:buFont typeface="Wingdings" pitchFamily="2" charset="2"/>
+              <a:buChar char="v"/>
+              <a:defRPr kumimoji="0" sz="2800" kern="1200">
+                <a:solidFill>
+                  <a:schemeClr val="tx1"/>
+                </a:solidFill>
+                <a:latin typeface="+mn-lt"/>
+                <a:ea typeface="+mn-ea"/>
+                <a:cs typeface="+mn-cs"/>
+              </a:defRPr>
+            </a:lvl1pPr>
+            <a:lvl2pPr marL="640080" indent="-246888" algn="l" rtl="0" eaLnBrk="1" latinLnBrk="0" hangingPunct="1">
+              <a:spcBef>
+                <a:spcPct val="20000"/>
+              </a:spcBef>
+              <a:buClrTx/>
+              <a:buSzPct val="85000"/>
+              <a:buFont typeface="Courier New" pitchFamily="49" charset="0"/>
+              <a:buChar char="o"/>
+              <a:defRPr kumimoji="0" sz="2600" kern="1200">
+                <a:solidFill>
+                  <a:schemeClr val="tx1"/>
+                </a:solidFill>
+                <a:latin typeface="+mn-lt"/>
+                <a:ea typeface="+mn-ea"/>
+                <a:cs typeface="+mn-cs"/>
+              </a:defRPr>
+            </a:lvl2pPr>
+            <a:lvl3pPr marL="914400" indent="-246888" algn="l" rtl="0" eaLnBrk="1" latinLnBrk="0" hangingPunct="1">
+              <a:spcBef>
+                <a:spcPct val="20000"/>
+              </a:spcBef>
+              <a:buClrTx/>
+              <a:buSzPct val="70000"/>
+              <a:buFont typeface="Wingdings 2"/>
+              <a:buChar char=""/>
+              <a:defRPr kumimoji="0" sz="2400" kern="1200">
+                <a:solidFill>
+                  <a:schemeClr val="tx1"/>
+                </a:solidFill>
+                <a:latin typeface="+mn-lt"/>
+                <a:ea typeface="+mn-ea"/>
+                <a:cs typeface="+mn-cs"/>
+              </a:defRPr>
+            </a:lvl3pPr>
+            <a:lvl4pPr marL="1188720" indent="-210312" algn="l" rtl="0" eaLnBrk="1" latinLnBrk="0" hangingPunct="1">
+              <a:spcBef>
+                <a:spcPct val="20000"/>
+              </a:spcBef>
+              <a:buClrTx/>
+              <a:buSzPct val="65000"/>
+              <a:buFont typeface="Wingdings 2"/>
+              <a:buChar char=""/>
+              <a:defRPr kumimoji="0" sz="2000" kern="1200">
+                <a:solidFill>
+                  <a:schemeClr val="tx1"/>
+                </a:solidFill>
+                <a:latin typeface="+mn-lt"/>
+                <a:ea typeface="+mn-ea"/>
+                <a:cs typeface="+mn-cs"/>
+              </a:defRPr>
+            </a:lvl4pPr>
+            <a:lvl5pPr marL="1463040" indent="-210312" algn="l" rtl="0" eaLnBrk="1" latinLnBrk="0" hangingPunct="1">
+              <a:spcBef>
+                <a:spcPct val="20000"/>
+              </a:spcBef>
+              <a:buClrTx/>
+              <a:buSzPct val="65000"/>
+              <a:buFont typeface="Wingdings 2"/>
+              <a:buChar char=""/>
+              <a:defRPr kumimoji="0" sz="1800" kern="1200">
+                <a:solidFill>
+                  <a:schemeClr val="tx1"/>
+                </a:solidFill>
+                <a:latin typeface="+mn-lt"/>
+                <a:ea typeface="+mn-ea"/>
+                <a:cs typeface="+mn-cs"/>
+              </a:defRPr>
+            </a:lvl5pPr>
+            <a:lvl6pPr marL="1737360" indent="-210312" algn="l" rtl="0" eaLnBrk="1" latinLnBrk="0" hangingPunct="1">
+              <a:spcBef>
+                <a:spcPct val="20000"/>
+              </a:spcBef>
+              <a:buClr>
+                <a:schemeClr val="accent5"/>
+              </a:buClr>
+              <a:buSzPct val="80000"/>
+              <a:buFont typeface="Wingdings 2"/>
+              <a:buChar char=""/>
+              <a:defRPr kumimoji="0" sz="1800" kern="1200">
+                <a:solidFill>
+                  <a:schemeClr val="tx1"/>
+                </a:solidFill>
+                <a:latin typeface="+mn-lt"/>
+                <a:ea typeface="+mn-ea"/>
+                <a:cs typeface="+mn-cs"/>
+              </a:defRPr>
+            </a:lvl6pPr>
+            <a:lvl7pPr marL="1920240" indent="-182880" algn="l" rtl="0" eaLnBrk="1" latinLnBrk="0" hangingPunct="1">
+              <a:spcBef>
+                <a:spcPct val="20000"/>
+              </a:spcBef>
+              <a:buClr>
+                <a:schemeClr val="accent6"/>
+              </a:buClr>
+              <a:buSzPct val="80000"/>
+              <a:buFont typeface="Wingdings 2"/>
+              <a:buChar char=""/>
+              <a:defRPr kumimoji="0" sz="1600" kern="1200" baseline="0">
+                <a:solidFill>
+                  <a:schemeClr val="tx1"/>
+                </a:solidFill>
+                <a:latin typeface="+mn-lt"/>
+                <a:ea typeface="+mn-ea"/>
+                <a:cs typeface="+mn-cs"/>
+              </a:defRPr>
+            </a:lvl7pPr>
+            <a:lvl8pPr marL="2194560" indent="-182880" algn="l" rtl="0" eaLnBrk="1" latinLnBrk="0" hangingPunct="1">
+              <a:spcBef>
+                <a:spcPct val="20000"/>
+              </a:spcBef>
+              <a:buClr>
+                <a:schemeClr val="tx2"/>
+              </a:buClr>
+              <a:buChar char="•"/>
+              <a:defRPr kumimoji="0" sz="1600" kern="1200">
+                <a:solidFill>
+                  <a:schemeClr val="tx1"/>
+                </a:solidFill>
+                <a:latin typeface="+mn-lt"/>
+                <a:ea typeface="+mn-ea"/>
+                <a:cs typeface="+mn-cs"/>
+              </a:defRPr>
+            </a:lvl8pPr>
+            <a:lvl9pPr marL="2468880" indent="-182880" algn="l" rtl="0" eaLnBrk="1" latinLnBrk="0" hangingPunct="1">
+              <a:spcBef>
+                <a:spcPct val="20000"/>
+              </a:spcBef>
+              <a:buClr>
+                <a:schemeClr val="tx2"/>
+              </a:buClr>
+              <a:buFontTx/>
+              <a:buChar char="•"/>
+              <a:defRPr kumimoji="0" sz="1400" kern="1200" baseline="0">
+                <a:solidFill>
+                  <a:schemeClr val="tx1"/>
+                </a:solidFill>
+                <a:latin typeface="+mn-lt"/>
+                <a:ea typeface="+mn-ea"/>
+                <a:cs typeface="+mn-cs"/>
+              </a:defRPr>
+            </a:lvl9pPr>
+          </a:lstStyle>
+          <a:p>
+            <a:pPr marL="0" indent="0">
+              <a:buNone/>
+            </a:pPr>
+            <a:r>
+              <a:rPr lang="it-IT" sz="3600" b="1" i="1" dirty="0" smtClean="0">
+                <a:solidFill>
+                  <a:srgbClr val="FF0000"/>
+                </a:solidFill>
+              </a:rPr>
+              <a:t>VS</a:t>
+            </a:r>
+            <a:endParaRPr lang="en-US" sz="3600" b="1" dirty="0">
+              <a:solidFill>
+                <a:srgbClr val="FF0000"/>
+              </a:solidFill>
+            </a:endParaRPr>
+          </a:p>
+        </p:txBody>
+      </p:sp>
       <p:pic>
         <p:nvPicPr>
-          <p:cNvPr id="3074" name="Picture 2" descr="C:\linda\uni\esami_da_svolgere\gps\progetto_gps\Atsilo\Presentazione\Atsilo3\9669552-3d-lavoratore-uomo-isolato-su-sfondo-bianco.jpg"/>
+          <p:cNvPr id="2050" name="Picture 2" descr="D:\Tony\Omini\omino_tool.jpg"/>
           <p:cNvPicPr>
             <a:picLocks noChangeAspect="1" noChangeArrowheads="1"/>
           </p:cNvPicPr>
           <p:nvPr/>
         </p:nvPicPr>
         <p:blipFill>
-          <a:blip r:embed="rId4">
-            <a:extLst>
-              <a:ext uri="{28A0092B-C50C-407E-A947-70E740481C1C}">
-                <a14:useLocalDpi xmlns:a14="http://schemas.microsoft.com/office/drawing/2010/main" val="0"/>
-              </a:ext>
-            </a:extLst>
-          </a:blip>
+          <a:blip r:embed="rId4"/>
           <a:srcRect/>
           <a:stretch>
             <a:fillRect/>
@@ -14288,22 +14676,13 @@
         </p:blipFill>
         <p:spPr bwMode="auto">
           <a:xfrm>
-            <a:off x="1547664" y="1961678"/>
-            <a:ext cx="2411032" cy="2411032"/>
+            <a:off x="1500166" y="2357430"/>
+            <a:ext cx="2143125" cy="2143125"/>
           </a:xfrm>
           <a:prstGeom prst="rect">
             <a:avLst/>
           </a:prstGeom>
           <a:noFill/>
-          <a:extLst>
-            <a:ext uri="{909E8E84-426E-40DD-AFC4-6F175D3DCCD1}">
-              <a14:hiddenFill xmlns:a14="http://schemas.microsoft.com/office/drawing/2010/main">
-                <a:solidFill>
-                  <a:srgbClr val="FFFFFF"/>
-                </a:solidFill>
-              </a14:hiddenFill>
-            </a:ext>
-          </a:extLst>
         </p:spPr>
       </p:pic>
       <p:sp>
@@ -14505,305 +14884,21 @@
           </a:p>
         </p:txBody>
       </p:sp>
-      <p:sp>
-        <p:nvSpPr>
-          <p:cNvPr id="5" name="CasellaDiTesto 4"/>
-          <p:cNvSpPr txBox="1"/>
-          <p:nvPr/>
-        </p:nvSpPr>
-        <p:spPr>
-          <a:xfrm>
-            <a:off x="1736131" y="-10060"/>
-            <a:ext cx="5720477" cy="1261884"/>
-          </a:xfrm>
-          <a:prstGeom prst="rect">
-            <a:avLst/>
-          </a:prstGeom>
-          <a:noFill/>
-        </p:spPr>
-        <p:txBody>
-          <a:bodyPr wrap="none" rtlCol="0">
-            <a:spAutoFit/>
-          </a:bodyPr>
-          <a:lstStyle/>
-          <a:p>
-            <a:pPr algn="ctr"/>
-            <a:r>
-              <a:rPr lang="it-IT" sz="4800" b="1" dirty="0" smtClean="0">
-                <a:latin typeface="+mj-lt"/>
-              </a:rPr>
-              <a:t>Obiettivi di design</a:t>
-            </a:r>
-          </a:p>
-          <a:p>
-            <a:pPr algn="ctr"/>
-            <a:r>
-              <a:rPr lang="it-IT" sz="2800" b="1" dirty="0" smtClean="0">
-                <a:latin typeface="+mj-lt"/>
-              </a:rPr>
-              <a:t>Funzionalità Questionario, Trade </a:t>
-            </a:r>
-            <a:r>
-              <a:rPr lang="it-IT" sz="2800" b="1" dirty="0" err="1" smtClean="0">
-                <a:latin typeface="+mj-lt"/>
-              </a:rPr>
-              <a:t>Offs</a:t>
-            </a:r>
-            <a:endParaRPr lang="it-IT" b="1" dirty="0"/>
-          </a:p>
-        </p:txBody>
-      </p:sp>
-      <p:sp>
-        <p:nvSpPr>
-          <p:cNvPr id="2" name="Rettangolo 1"/>
-          <p:cNvSpPr/>
-          <p:nvPr/>
-        </p:nvSpPr>
-        <p:spPr>
-          <a:xfrm>
-            <a:off x="7446477" y="3632192"/>
-            <a:ext cx="744114" cy="523220"/>
-          </a:xfrm>
-          <a:prstGeom prst="rect">
-            <a:avLst/>
-          </a:prstGeom>
-        </p:spPr>
-        <p:txBody>
-          <a:bodyPr wrap="none">
-            <a:spAutoFit/>
-          </a:bodyPr>
-          <a:lstStyle/>
-          <a:p>
-            <a:r>
-              <a:rPr lang="it-IT" sz="2800" b="1" i="1" dirty="0" err="1" smtClean="0">
-                <a:solidFill>
-                  <a:srgbClr val="B48900"/>
-                </a:solidFill>
-              </a:rPr>
-              <a:t>Buy</a:t>
-            </a:r>
-            <a:endParaRPr lang="en-US" sz="2800" b="1" dirty="0">
-              <a:solidFill>
-                <a:srgbClr val="B48900"/>
-              </a:solidFill>
-            </a:endParaRPr>
-          </a:p>
-        </p:txBody>
-      </p:sp>
-      <p:sp>
-        <p:nvSpPr>
-          <p:cNvPr id="11" name="Content Placeholder 3"/>
-          <p:cNvSpPr txBox="1">
-            <a:spLocks/>
-          </p:cNvSpPr>
-          <p:nvPr/>
-        </p:nvSpPr>
-        <p:spPr>
-          <a:xfrm>
-            <a:off x="3846372" y="2920866"/>
-            <a:ext cx="1550546" cy="492656"/>
-          </a:xfrm>
-          <a:prstGeom prst="rect">
-            <a:avLst/>
-          </a:prstGeom>
-        </p:spPr>
-        <p:txBody>
-          <a:bodyPr tIns="0"/>
-          <a:lstStyle>
-            <a:lvl1pPr marL="274320" indent="-274320" algn="l" rtl="0" eaLnBrk="1" latinLnBrk="0" hangingPunct="1">
-              <a:spcBef>
-                <a:spcPct val="20000"/>
-              </a:spcBef>
-              <a:buClrTx/>
-              <a:buSzPct val="95000"/>
-              <a:buFont typeface="Wingdings" pitchFamily="2" charset="2"/>
-              <a:buChar char="v"/>
-              <a:defRPr kumimoji="0" sz="2800" kern="1200">
-                <a:solidFill>
-                  <a:schemeClr val="tx1"/>
-                </a:solidFill>
-                <a:latin typeface="+mn-lt"/>
-                <a:ea typeface="+mn-ea"/>
-                <a:cs typeface="+mn-cs"/>
-              </a:defRPr>
-            </a:lvl1pPr>
-            <a:lvl2pPr marL="640080" indent="-246888" algn="l" rtl="0" eaLnBrk="1" latinLnBrk="0" hangingPunct="1">
-              <a:spcBef>
-                <a:spcPct val="20000"/>
-              </a:spcBef>
-              <a:buClrTx/>
-              <a:buSzPct val="85000"/>
-              <a:buFont typeface="Courier New" pitchFamily="49" charset="0"/>
-              <a:buChar char="o"/>
-              <a:defRPr kumimoji="0" sz="2600" kern="1200">
-                <a:solidFill>
-                  <a:schemeClr val="tx1"/>
-                </a:solidFill>
-                <a:latin typeface="+mn-lt"/>
-                <a:ea typeface="+mn-ea"/>
-                <a:cs typeface="+mn-cs"/>
-              </a:defRPr>
-            </a:lvl2pPr>
-            <a:lvl3pPr marL="914400" indent="-246888" algn="l" rtl="0" eaLnBrk="1" latinLnBrk="0" hangingPunct="1">
-              <a:spcBef>
-                <a:spcPct val="20000"/>
-              </a:spcBef>
-              <a:buClrTx/>
-              <a:buSzPct val="70000"/>
-              <a:buFont typeface="Wingdings 2"/>
-              <a:buChar char=""/>
-              <a:defRPr kumimoji="0" sz="2400" kern="1200">
-                <a:solidFill>
-                  <a:schemeClr val="tx1"/>
-                </a:solidFill>
-                <a:latin typeface="+mn-lt"/>
-                <a:ea typeface="+mn-ea"/>
-                <a:cs typeface="+mn-cs"/>
-              </a:defRPr>
-            </a:lvl3pPr>
-            <a:lvl4pPr marL="1188720" indent="-210312" algn="l" rtl="0" eaLnBrk="1" latinLnBrk="0" hangingPunct="1">
-              <a:spcBef>
-                <a:spcPct val="20000"/>
-              </a:spcBef>
-              <a:buClrTx/>
-              <a:buSzPct val="65000"/>
-              <a:buFont typeface="Wingdings 2"/>
-              <a:buChar char=""/>
-              <a:defRPr kumimoji="0" sz="2000" kern="1200">
-                <a:solidFill>
-                  <a:schemeClr val="tx1"/>
-                </a:solidFill>
-                <a:latin typeface="+mn-lt"/>
-                <a:ea typeface="+mn-ea"/>
-                <a:cs typeface="+mn-cs"/>
-              </a:defRPr>
-            </a:lvl4pPr>
-            <a:lvl5pPr marL="1463040" indent="-210312" algn="l" rtl="0" eaLnBrk="1" latinLnBrk="0" hangingPunct="1">
-              <a:spcBef>
-                <a:spcPct val="20000"/>
-              </a:spcBef>
-              <a:buClrTx/>
-              <a:buSzPct val="65000"/>
-              <a:buFont typeface="Wingdings 2"/>
-              <a:buChar char=""/>
-              <a:defRPr kumimoji="0" sz="1800" kern="1200">
-                <a:solidFill>
-                  <a:schemeClr val="tx1"/>
-                </a:solidFill>
-                <a:latin typeface="+mn-lt"/>
-                <a:ea typeface="+mn-ea"/>
-                <a:cs typeface="+mn-cs"/>
-              </a:defRPr>
-            </a:lvl5pPr>
-            <a:lvl6pPr marL="1737360" indent="-210312" algn="l" rtl="0" eaLnBrk="1" latinLnBrk="0" hangingPunct="1">
-              <a:spcBef>
-                <a:spcPct val="20000"/>
-              </a:spcBef>
-              <a:buClr>
-                <a:schemeClr val="accent5"/>
-              </a:buClr>
-              <a:buSzPct val="80000"/>
-              <a:buFont typeface="Wingdings 2"/>
-              <a:buChar char=""/>
-              <a:defRPr kumimoji="0" sz="1800" kern="1200">
-                <a:solidFill>
-                  <a:schemeClr val="tx1"/>
-                </a:solidFill>
-                <a:latin typeface="+mn-lt"/>
-                <a:ea typeface="+mn-ea"/>
-                <a:cs typeface="+mn-cs"/>
-              </a:defRPr>
-            </a:lvl6pPr>
-            <a:lvl7pPr marL="1920240" indent="-182880" algn="l" rtl="0" eaLnBrk="1" latinLnBrk="0" hangingPunct="1">
-              <a:spcBef>
-                <a:spcPct val="20000"/>
-              </a:spcBef>
-              <a:buClr>
-                <a:schemeClr val="accent6"/>
-              </a:buClr>
-              <a:buSzPct val="80000"/>
-              <a:buFont typeface="Wingdings 2"/>
-              <a:buChar char=""/>
-              <a:defRPr kumimoji="0" sz="1600" kern="1200" baseline="0">
-                <a:solidFill>
-                  <a:schemeClr val="tx1"/>
-                </a:solidFill>
-                <a:latin typeface="+mn-lt"/>
-                <a:ea typeface="+mn-ea"/>
-                <a:cs typeface="+mn-cs"/>
-              </a:defRPr>
-            </a:lvl7pPr>
-            <a:lvl8pPr marL="2194560" indent="-182880" algn="l" rtl="0" eaLnBrk="1" latinLnBrk="0" hangingPunct="1">
-              <a:spcBef>
-                <a:spcPct val="20000"/>
-              </a:spcBef>
-              <a:buClr>
-                <a:schemeClr val="tx2"/>
-              </a:buClr>
-              <a:buChar char="•"/>
-              <a:defRPr kumimoji="0" sz="1600" kern="1200">
-                <a:solidFill>
-                  <a:schemeClr val="tx1"/>
-                </a:solidFill>
-                <a:latin typeface="+mn-lt"/>
-                <a:ea typeface="+mn-ea"/>
-                <a:cs typeface="+mn-cs"/>
-              </a:defRPr>
-            </a:lvl8pPr>
-            <a:lvl9pPr marL="2468880" indent="-182880" algn="l" rtl="0" eaLnBrk="1" latinLnBrk="0" hangingPunct="1">
-              <a:spcBef>
-                <a:spcPct val="20000"/>
-              </a:spcBef>
-              <a:buClr>
-                <a:schemeClr val="tx2"/>
-              </a:buClr>
-              <a:buFontTx/>
-              <a:buChar char="•"/>
-              <a:defRPr kumimoji="0" sz="1400" kern="1200" baseline="0">
-                <a:solidFill>
-                  <a:schemeClr val="tx1"/>
-                </a:solidFill>
-                <a:latin typeface="+mn-lt"/>
-                <a:ea typeface="+mn-ea"/>
-                <a:cs typeface="+mn-cs"/>
-              </a:defRPr>
-            </a:lvl9pPr>
-          </a:lstStyle>
-          <a:p>
-            <a:pPr marL="0" indent="0">
-              <a:buNone/>
-            </a:pPr>
-            <a:r>
-              <a:rPr lang="it-IT" sz="3600" b="1" i="1" dirty="0" smtClean="0">
-                <a:solidFill>
-                  <a:srgbClr val="FF0000"/>
-                </a:solidFill>
-              </a:rPr>
-              <a:t>VS</a:t>
-            </a:r>
-            <a:endParaRPr lang="en-US" sz="3600" b="1" dirty="0">
-              <a:solidFill>
-                <a:srgbClr val="FF0000"/>
-              </a:solidFill>
-            </a:endParaRPr>
-          </a:p>
-        </p:txBody>
-      </p:sp>
     </p:spTree>
     <p:extLst>
       <p:ext uri="{BB962C8B-B14F-4D97-AF65-F5344CB8AC3E}">
-        <p14:creationId xmlns:p14="http://schemas.microsoft.com/office/powerpoint/2010/main" val="202613363"/>
+        <p14:creationId xmlns="" xmlns:p14="http://schemas.microsoft.com/office/powerpoint/2010/main" val="202613363"/>
       </p:ext>
     </p:extLst>
   </p:cSld>
   <p:clrMapOvr>
     <a:masterClrMapping/>
   </p:clrMapOvr>
-  <mc:AlternateContent xmlns:mc="http://schemas.openxmlformats.org/markup-compatibility/2006" xmlns:p14="http://schemas.microsoft.com/office/powerpoint/2010/main">
-    <mc:Choice Requires="p14">
+  <mc:AlternateContent xmlns:mc="http://schemas.openxmlformats.org/markup-compatibility/2006">
+    <mc:Choice xmlns="" xmlns:p14="http://schemas.microsoft.com/office/powerpoint/2010/main" Requires="p14">
       <p:transition spd="slow" p14:dur="2000"/>
     </mc:Choice>
-    <mc:Fallback xmlns="">
+    <mc:Fallback>
       <p:transition spd="slow"/>
     </mc:Fallback>
   </mc:AlternateContent>
@@ -14819,6 +14914,9 @@
                     <p:cTn id="3" fill="hold">
                       <p:stCondLst>
                         <p:cond delay="indefinite"/>
+                        <p:cond evt="onBegin" delay="0">
+                          <p:tn val="2"/>
+                        </p:cond>
                       </p:stCondLst>
                       <p:childTnLst>
                         <p:par>
@@ -14828,7 +14926,7 @@
                             </p:stCondLst>
                             <p:childTnLst>
                               <p:par>
-                                <p:cTn id="5" presetID="10" presetClass="entr" presetSubtype="0" fill="hold" grpId="0" nodeType="clickEffect">
+                                <p:cTn id="5" presetID="10" presetClass="entr" presetSubtype="0" fill="hold" grpId="0" nodeType="withEffect">
                                   <p:stCondLst>
                                     <p:cond delay="0"/>
                                   </p:stCondLst>
@@ -14876,7 +14974,7 @@
                                           </p:stCondLst>
                                         </p:cTn>
                                         <p:tgtEl>
-                                          <p:spTgt spid="3074"/>
+                                          <p:spTgt spid="2050"/>
                                         </p:tgtEl>
                                         <p:attrNameLst>
                                           <p:attrName>style.visibility</p:attrName>
@@ -14890,7 +14988,7 @@
                                       <p:cBhvr>
                                         <p:cTn id="10" dur="500"/>
                                         <p:tgtEl>
-                                          <p:spTgt spid="3074"/>
+                                          <p:spTgt spid="2050"/>
                                         </p:tgtEl>
                                       </p:cBhvr>
                                     </p:animEffect>
@@ -15038,33 +15136,15 @@
                                   </p:childTnLst>
                                 </p:cTn>
                               </p:par>
-                            </p:childTnLst>
-                          </p:cTn>
-                        </p:par>
-                      </p:childTnLst>
-                    </p:cTn>
-                  </p:par>
-                  <p:par>
-                    <p:cTn id="24" fill="hold">
-                      <p:stCondLst>
-                        <p:cond delay="indefinite"/>
-                      </p:stCondLst>
-                      <p:childTnLst>
-                        <p:par>
-                          <p:cTn id="25" fill="hold">
-                            <p:stCondLst>
-                              <p:cond delay="0"/>
-                            </p:stCondLst>
-                            <p:childTnLst>
                               <p:par>
-                                <p:cTn id="26" presetID="6" presetClass="emph" presetSubtype="0" fill="hold" grpId="1" nodeType="clickEffect">
+                                <p:cTn id="24" presetID="6" presetClass="emph" presetSubtype="0" fill="hold" grpId="1" nodeType="withEffect">
                                   <p:stCondLst>
                                     <p:cond delay="0"/>
                                   </p:stCondLst>
                                   <p:childTnLst>
                                     <p:animScale>
                                       <p:cBhvr>
-                                        <p:cTn id="27" dur="2000" fill="hold"/>
+                                        <p:cTn id="25" dur="2000" fill="hold"/>
                                         <p:tgtEl>
                                           <p:spTgt spid="10"/>
                                         </p:tgtEl>
@@ -15102,10 +15182,10 @@
       </p:par>
     </p:tnLst>
     <p:bldLst>
+      <p:bldP spid="2" grpId="0"/>
+      <p:bldP spid="11" grpId="0"/>
       <p:bldP spid="10" grpId="0"/>
       <p:bldP spid="10" grpId="1"/>
-      <p:bldP spid="2" grpId="0"/>
-      <p:bldP spid="11" grpId="0"/>
     </p:bldLst>
   </p:timing>
 </p:sld>
@@ -15140,7 +15220,7 @@
           <a:blip r:embed="rId3">
             <a:extLst>
               <a:ext uri="{28A0092B-C50C-407E-A947-70E740481C1C}">
-                <a14:useLocalDpi xmlns:a14="http://schemas.microsoft.com/office/drawing/2010/main" val="0"/>
+                <a14:useLocalDpi xmlns="" xmlns:a14="http://schemas.microsoft.com/office/drawing/2010/main" val="0"/>
               </a:ext>
             </a:extLst>
           </a:blip>
@@ -15160,7 +15240,7 @@
           <a:noFill/>
           <a:extLst>
             <a:ext uri="{909E8E84-426E-40DD-AFC4-6F175D3DCCD1}">
-              <a14:hiddenFill xmlns:a14="http://schemas.microsoft.com/office/drawing/2010/main">
+              <a14:hiddenFill xmlns="" xmlns:a14="http://schemas.microsoft.com/office/drawing/2010/main">
                 <a:solidFill>
                   <a:srgbClr val="FFFFFF"/>
                 </a:solidFill>
@@ -15181,7 +15261,7 @@
           <a:blip r:embed="rId4">
             <a:extLst>
               <a:ext uri="{28A0092B-C50C-407E-A947-70E740481C1C}">
-                <a14:useLocalDpi xmlns:a14="http://schemas.microsoft.com/office/drawing/2010/main" val="0"/>
+                <a14:useLocalDpi xmlns="" xmlns:a14="http://schemas.microsoft.com/office/drawing/2010/main" val="0"/>
               </a:ext>
             </a:extLst>
           </a:blip>
@@ -15201,7 +15281,7 @@
           <a:noFill/>
           <a:extLst>
             <a:ext uri="{909E8E84-426E-40DD-AFC4-6F175D3DCCD1}">
-              <a14:hiddenFill xmlns:a14="http://schemas.microsoft.com/office/drawing/2010/main">
+              <a14:hiddenFill xmlns="" xmlns:a14="http://schemas.microsoft.com/office/drawing/2010/main">
                 <a:solidFill>
                   <a:srgbClr val="FFFFFF"/>
                 </a:solidFill>
@@ -15525,18 +15605,18 @@
     </p:spTree>
     <p:extLst>
       <p:ext uri="{BB962C8B-B14F-4D97-AF65-F5344CB8AC3E}">
-        <p14:creationId xmlns:p14="http://schemas.microsoft.com/office/powerpoint/2010/main" val="1197112555"/>
+        <p14:creationId xmlns="" xmlns:p14="http://schemas.microsoft.com/office/powerpoint/2010/main" val="1197112555"/>
       </p:ext>
     </p:extLst>
   </p:cSld>
   <p:clrMapOvr>
     <a:masterClrMapping/>
   </p:clrMapOvr>
-  <mc:AlternateContent xmlns:mc="http://schemas.openxmlformats.org/markup-compatibility/2006" xmlns:p14="http://schemas.microsoft.com/office/powerpoint/2010/main">
-    <mc:Choice Requires="p14">
+  <mc:AlternateContent xmlns:mc="http://schemas.openxmlformats.org/markup-compatibility/2006">
+    <mc:Choice xmlns="" xmlns:p14="http://schemas.microsoft.com/office/powerpoint/2010/main" Requires="p14">
       <p:transition spd="slow" p14:dur="2000"/>
     </mc:Choice>
-    <mc:Fallback xmlns="">
+    <mc:Fallback>
       <p:transition spd="slow"/>
     </mc:Fallback>
   </mc:AlternateContent>
@@ -16620,18 +16700,18 @@
     </p:spTree>
     <p:extLst>
       <p:ext uri="{BB962C8B-B14F-4D97-AF65-F5344CB8AC3E}">
-        <p14:creationId xmlns:p14="http://schemas.microsoft.com/office/powerpoint/2010/main" val="155874689"/>
+        <p14:creationId xmlns="" xmlns:p14="http://schemas.microsoft.com/office/powerpoint/2010/main" val="155874689"/>
       </p:ext>
     </p:extLst>
   </p:cSld>
   <p:clrMapOvr>
     <a:masterClrMapping/>
   </p:clrMapOvr>
-  <mc:AlternateContent xmlns:mc="http://schemas.openxmlformats.org/markup-compatibility/2006" xmlns:p14="http://schemas.microsoft.com/office/powerpoint/2010/main">
-    <mc:Choice Requires="p14">
+  <mc:AlternateContent xmlns:mc="http://schemas.openxmlformats.org/markup-compatibility/2006">
+    <mc:Choice xmlns="" xmlns:p14="http://schemas.microsoft.com/office/powerpoint/2010/main" Requires="p14">
       <p:transition spd="slow" p14:dur="2000"/>
     </mc:Choice>
-    <mc:Fallback xmlns="">
+    <mc:Fallback>
       <p:transition spd="slow"/>
     </mc:Fallback>
   </mc:AlternateContent>
@@ -16982,7 +17062,7 @@
       </p:sp>
       <p:pic>
         <p:nvPicPr>
-          <p:cNvPr id="6" name="Picture 3" descr="C:\linda\uni\esami_da_svolgere\gps\progetto_gps\Atsilo\Presentazione\Atsilo3\OminoEuro.jpg"/>
+          <p:cNvPr id="4098" name="Picture 2" descr="C:\linda\uni\esami_da_svolgere\gps\progetto_gps\Atsilo\Presentazione\Atsilo3\google-drive1-468x312.jpg"/>
           <p:cNvPicPr>
             <a:picLocks noChangeAspect="1" noChangeArrowheads="1"/>
           </p:cNvPicPr>
@@ -16992,48 +17072,7 @@
           <a:blip r:embed="rId3">
             <a:extLst>
               <a:ext uri="{28A0092B-C50C-407E-A947-70E740481C1C}">
-                <a14:useLocalDpi xmlns:a14="http://schemas.microsoft.com/office/drawing/2010/main" val="0"/>
-              </a:ext>
-            </a:extLst>
-          </a:blip>
-          <a:srcRect/>
-          <a:stretch>
-            <a:fillRect/>
-          </a:stretch>
-        </p:blipFill>
-        <p:spPr bwMode="auto">
-          <a:xfrm>
-            <a:off x="6804248" y="4674206"/>
-            <a:ext cx="2194768" cy="2183794"/>
-          </a:xfrm>
-          <a:prstGeom prst="rect">
-            <a:avLst/>
-          </a:prstGeom>
-          <a:noFill/>
-          <a:extLst>
-            <a:ext uri="{909E8E84-426E-40DD-AFC4-6F175D3DCCD1}">
-              <a14:hiddenFill xmlns:a14="http://schemas.microsoft.com/office/drawing/2010/main">
-                <a:solidFill>
-                  <a:srgbClr val="FFFFFF"/>
-                </a:solidFill>
-              </a14:hiddenFill>
-            </a:ext>
-          </a:extLst>
-        </p:spPr>
-      </p:pic>
-      <p:pic>
-        <p:nvPicPr>
-          <p:cNvPr id="4098" name="Picture 2" descr="C:\linda\uni\esami_da_svolgere\gps\progetto_gps\Atsilo\Presentazione\Atsilo3\google-drive1-468x312.jpg"/>
-          <p:cNvPicPr>
-            <a:picLocks noChangeAspect="1" noChangeArrowheads="1"/>
-          </p:cNvPicPr>
-          <p:nvPr/>
-        </p:nvPicPr>
-        <p:blipFill>
-          <a:blip r:embed="rId4">
-            <a:extLst>
-              <a:ext uri="{28A0092B-C50C-407E-A947-70E740481C1C}">
-                <a14:useLocalDpi xmlns:a14="http://schemas.microsoft.com/office/drawing/2010/main" val="0"/>
+                <a14:useLocalDpi xmlns="" xmlns:a14="http://schemas.microsoft.com/office/drawing/2010/main" val="0"/>
               </a:ext>
             </a:extLst>
           </a:blip>
@@ -17053,7 +17092,7 @@
           <a:noFill/>
           <a:extLst>
             <a:ext uri="{909E8E84-426E-40DD-AFC4-6F175D3DCCD1}">
-              <a14:hiddenFill xmlns:a14="http://schemas.microsoft.com/office/drawing/2010/main">
+              <a14:hiddenFill xmlns="" xmlns:a14="http://schemas.microsoft.com/office/drawing/2010/main">
                 <a:solidFill>
                   <a:srgbClr val="FFFFFF"/>
                 </a:solidFill>
@@ -17071,10 +17110,10 @@
           <p:nvPr/>
         </p:nvPicPr>
         <p:blipFill>
-          <a:blip r:embed="rId5">
+          <a:blip r:embed="rId4">
             <a:extLst>
               <a:ext uri="{28A0092B-C50C-407E-A947-70E740481C1C}">
-                <a14:useLocalDpi xmlns:a14="http://schemas.microsoft.com/office/drawing/2010/main" val="0"/>
+                <a14:useLocalDpi xmlns="" xmlns:a14="http://schemas.microsoft.com/office/drawing/2010/main" val="0"/>
               </a:ext>
             </a:extLst>
           </a:blip>
@@ -17103,7 +17142,7 @@
           </a:effectLst>
           <a:extLst>
             <a:ext uri="{909E8E84-426E-40DD-AFC4-6F175D3DCCD1}">
-              <a14:hiddenFill xmlns:a14="http://schemas.microsoft.com/office/drawing/2010/main">
+              <a14:hiddenFill xmlns="" xmlns:a14="http://schemas.microsoft.com/office/drawing/2010/main">
                 <a:solidFill>
                   <a:srgbClr val="FFFFFF"/>
                 </a:solidFill>
@@ -17112,21 +17151,47 @@
           </a:extLst>
         </p:spPr>
       </p:pic>
+      <p:pic>
+        <p:nvPicPr>
+          <p:cNvPr id="3074" name="Picture 2" descr="D:\Tony\Omini\omino_soldi.jpg"/>
+          <p:cNvPicPr>
+            <a:picLocks noChangeAspect="1" noChangeArrowheads="1"/>
+          </p:cNvPicPr>
+          <p:nvPr/>
+        </p:nvPicPr>
+        <p:blipFill>
+          <a:blip r:embed="rId5"/>
+          <a:srcRect/>
+          <a:stretch>
+            <a:fillRect/>
+          </a:stretch>
+        </p:blipFill>
+        <p:spPr bwMode="auto">
+          <a:xfrm>
+            <a:off x="6715140" y="4286256"/>
+            <a:ext cx="2071702" cy="2118520"/>
+          </a:xfrm>
+          <a:prstGeom prst="rect">
+            <a:avLst/>
+          </a:prstGeom>
+          <a:noFill/>
+        </p:spPr>
+      </p:pic>
     </p:spTree>
     <p:extLst>
       <p:ext uri="{BB962C8B-B14F-4D97-AF65-F5344CB8AC3E}">
-        <p14:creationId xmlns:p14="http://schemas.microsoft.com/office/powerpoint/2010/main" val="700353664"/>
+        <p14:creationId xmlns="" xmlns:p14="http://schemas.microsoft.com/office/powerpoint/2010/main" val="700353664"/>
       </p:ext>
     </p:extLst>
   </p:cSld>
   <p:clrMapOvr>
     <a:masterClrMapping/>
   </p:clrMapOvr>
-  <mc:AlternateContent xmlns:mc="http://schemas.openxmlformats.org/markup-compatibility/2006" xmlns:p14="http://schemas.microsoft.com/office/powerpoint/2010/main">
-    <mc:Choice Requires="p14">
+  <mc:AlternateContent xmlns:mc="http://schemas.openxmlformats.org/markup-compatibility/2006">
+    <mc:Choice xmlns="" xmlns:p14="http://schemas.microsoft.com/office/powerpoint/2010/main" Requires="p14">
       <p:transition spd="slow" p14:dur="2000"/>
     </mc:Choice>
-    <mc:Fallback xmlns="">
+    <mc:Fallback>
       <p:transition spd="slow"/>
     </mc:Fallback>
   </mc:AlternateContent>
@@ -17451,21 +17516,39 @@
                                   </p:childTnLst>
                                 </p:cTn>
                               </p:par>
+                            </p:childTnLst>
+                          </p:cTn>
+                        </p:par>
+                      </p:childTnLst>
+                    </p:cTn>
+                  </p:par>
+                  <p:par>
+                    <p:cTn id="26" fill="hold">
+                      <p:stCondLst>
+                        <p:cond delay="indefinite"/>
+                      </p:stCondLst>
+                      <p:childTnLst>
+                        <p:par>
+                          <p:cTn id="27" fill="hold">
+                            <p:stCondLst>
+                              <p:cond delay="0"/>
+                            </p:stCondLst>
+                            <p:childTnLst>
                               <p:par>
-                                <p:cTn id="26" presetID="10" presetClass="entr" presetSubtype="0" fill="hold" nodeType="withEffect">
+                                <p:cTn id="28" presetID="2" presetClass="entr" presetSubtype="4" fill="hold" nodeType="clickEffect">
                                   <p:stCondLst>
                                     <p:cond delay="0"/>
                                   </p:stCondLst>
                                   <p:childTnLst>
                                     <p:set>
                                       <p:cBhvr>
-                                        <p:cTn id="27" dur="1" fill="hold">
+                                        <p:cTn id="29" dur="1" fill="hold">
                                           <p:stCondLst>
                                             <p:cond delay="0"/>
                                           </p:stCondLst>
                                         </p:cTn>
                                         <p:tgtEl>
-                                          <p:spTgt spid="6"/>
+                                          <p:spTgt spid="3074"/>
                                         </p:tgtEl>
                                         <p:attrNameLst>
                                           <p:attrName>style.visibility</p:attrName>
@@ -17475,14 +17558,52 @@
                                         <p:strVal val="visible"/>
                                       </p:to>
                                     </p:set>
-                                    <p:animEffect transition="in" filter="fade">
-                                      <p:cBhvr>
-                                        <p:cTn id="28" dur="2000"/>
+                                    <p:anim calcmode="lin" valueType="num">
+                                      <p:cBhvr additive="base">
+                                        <p:cTn id="30" dur="500" fill="hold"/>
                                         <p:tgtEl>
-                                          <p:spTgt spid="6"/>
+                                          <p:spTgt spid="3074"/>
                                         </p:tgtEl>
+                                        <p:attrNameLst>
+                                          <p:attrName>ppt_x</p:attrName>
+                                        </p:attrNameLst>
                                       </p:cBhvr>
-                                    </p:animEffect>
+                                      <p:tavLst>
+                                        <p:tav tm="0">
+                                          <p:val>
+                                            <p:strVal val="#ppt_x"/>
+                                          </p:val>
+                                        </p:tav>
+                                        <p:tav tm="100000">
+                                          <p:val>
+                                            <p:strVal val="#ppt_x"/>
+                                          </p:val>
+                                        </p:tav>
+                                      </p:tavLst>
+                                    </p:anim>
+                                    <p:anim calcmode="lin" valueType="num">
+                                      <p:cBhvr additive="base">
+                                        <p:cTn id="31" dur="500" fill="hold"/>
+                                        <p:tgtEl>
+                                          <p:spTgt spid="3074"/>
+                                        </p:tgtEl>
+                                        <p:attrNameLst>
+                                          <p:attrName>ppt_y</p:attrName>
+                                        </p:attrNameLst>
+                                      </p:cBhvr>
+                                      <p:tavLst>
+                                        <p:tav tm="0">
+                                          <p:val>
+                                            <p:strVal val="1+#ppt_h/2"/>
+                                          </p:val>
+                                        </p:tav>
+                                        <p:tav tm="100000">
+                                          <p:val>
+                                            <p:strVal val="#ppt_y"/>
+                                          </p:val>
+                                        </p:tav>
+                                      </p:tavLst>
+                                    </p:anim>
                                   </p:childTnLst>
                                 </p:cTn>
                               </p:par>
@@ -17493,26 +17614,26 @@
                     </p:cTn>
                   </p:par>
                   <p:par>
-                    <p:cTn id="29" fill="hold">
+                    <p:cTn id="32" fill="hold">
                       <p:stCondLst>
                         <p:cond delay="indefinite"/>
                       </p:stCondLst>
                       <p:childTnLst>
                         <p:par>
-                          <p:cTn id="30" fill="hold">
+                          <p:cTn id="33" fill="hold">
                             <p:stCondLst>
                               <p:cond delay="0"/>
                             </p:stCondLst>
                             <p:childTnLst>
                               <p:par>
-                                <p:cTn id="31" presetID="2" presetClass="entr" presetSubtype="4" fill="hold" nodeType="clickEffect">
+                                <p:cTn id="34" presetID="2" presetClass="entr" presetSubtype="4" fill="hold" nodeType="clickEffect">
                                   <p:stCondLst>
                                     <p:cond delay="0"/>
                                   </p:stCondLst>
                                   <p:childTnLst>
                                     <p:set>
                                       <p:cBhvr>
-                                        <p:cTn id="32" dur="1" fill="hold">
+                                        <p:cTn id="35" dur="1" fill="hold">
                                           <p:stCondLst>
                                             <p:cond delay="0"/>
                                           </p:stCondLst>
@@ -17530,7 +17651,7 @@
                                     </p:set>
                                     <p:anim calcmode="lin" valueType="num">
                                       <p:cBhvr additive="base">
-                                        <p:cTn id="33" dur="500" fill="hold"/>
+                                        <p:cTn id="36" dur="500" fill="hold"/>
                                         <p:tgtEl>
                                           <p:spTgt spid="4100"/>
                                         </p:tgtEl>
@@ -17553,7 +17674,7 @@
                                     </p:anim>
                                     <p:anim calcmode="lin" valueType="num">
                                       <p:cBhvr additive="base">
-                                        <p:cTn id="34" dur="500" fill="hold"/>
+                                        <p:cTn id="37" dur="500" fill="hold"/>
                                         <p:tgtEl>
                                           <p:spTgt spid="4100"/>
                                         </p:tgtEl>
@@ -17578,14 +17699,14 @@
                                 </p:cTn>
                               </p:par>
                               <p:par>
-                                <p:cTn id="35" presetID="2" presetClass="entr" presetSubtype="4" fill="hold" nodeType="withEffect">
+                                <p:cTn id="38" presetID="2" presetClass="entr" presetSubtype="4" fill="hold" nodeType="withEffect">
                                   <p:stCondLst>
                                     <p:cond delay="0"/>
                                   </p:stCondLst>
                                   <p:childTnLst>
                                     <p:set>
                                       <p:cBhvr>
-                                        <p:cTn id="36" dur="1" fill="hold">
+                                        <p:cTn id="39" dur="1" fill="hold">
                                           <p:stCondLst>
                                             <p:cond delay="0"/>
                                           </p:stCondLst>
@@ -17603,7 +17724,7 @@
                                     </p:set>
                                     <p:anim calcmode="lin" valueType="num">
                                       <p:cBhvr additive="base">
-                                        <p:cTn id="37" dur="500" fill="hold"/>
+                                        <p:cTn id="40" dur="500" fill="hold"/>
                                         <p:tgtEl>
                                           <p:spTgt spid="4098"/>
                                         </p:tgtEl>
@@ -17626,7 +17747,7 @@
                                     </p:anim>
                                     <p:anim calcmode="lin" valueType="num">
                                       <p:cBhvr additive="base">
-                                        <p:cTn id="38" dur="500" fill="hold"/>
+                                        <p:cTn id="41" dur="500" fill="hold"/>
                                         <p:tgtEl>
                                           <p:spTgt spid="4098"/>
                                         </p:tgtEl>
@@ -17814,7 +17935,7 @@
           <a:blip r:embed="rId3">
             <a:extLst>
               <a:ext uri="{28A0092B-C50C-407E-A947-70E740481C1C}">
-                <a14:useLocalDpi xmlns:a14="http://schemas.microsoft.com/office/drawing/2010/main" val="0"/>
+                <a14:useLocalDpi xmlns="" xmlns:a14="http://schemas.microsoft.com/office/drawing/2010/main" val="0"/>
               </a:ext>
             </a:extLst>
           </a:blip>
@@ -17839,7 +17960,7 @@
           </a:effectLst>
           <a:extLst>
             <a:ext uri="{909E8E84-426E-40DD-AFC4-6F175D3DCCD1}">
-              <a14:hiddenFill xmlns:a14="http://schemas.microsoft.com/office/drawing/2010/main">
+              <a14:hiddenFill xmlns="" xmlns:a14="http://schemas.microsoft.com/office/drawing/2010/main">
                 <a:solidFill>
                   <a:srgbClr val="FFFFFF"/>
                 </a:solidFill>
@@ -17860,7 +17981,7 @@
           <a:blip r:embed="rId4">
             <a:extLst>
               <a:ext uri="{28A0092B-C50C-407E-A947-70E740481C1C}">
-                <a14:useLocalDpi xmlns:a14="http://schemas.microsoft.com/office/drawing/2010/main" val="0"/>
+                <a14:useLocalDpi xmlns="" xmlns:a14="http://schemas.microsoft.com/office/drawing/2010/main" val="0"/>
               </a:ext>
             </a:extLst>
           </a:blip>
@@ -17880,7 +18001,7 @@
           <a:noFill/>
           <a:extLst>
             <a:ext uri="{909E8E84-426E-40DD-AFC4-6F175D3DCCD1}">
-              <a14:hiddenFill xmlns:a14="http://schemas.microsoft.com/office/drawing/2010/main">
+              <a14:hiddenFill xmlns="" xmlns:a14="http://schemas.microsoft.com/office/drawing/2010/main">
                 <a:solidFill>
                   <a:srgbClr val="FFFFFF"/>
                 </a:solidFill>
@@ -17926,7 +18047,7 @@
     </p:spTree>
     <p:extLst>
       <p:ext uri="{BB962C8B-B14F-4D97-AF65-F5344CB8AC3E}">
-        <p14:creationId xmlns:p14="http://schemas.microsoft.com/office/powerpoint/2010/main" val="2947224754"/>
+        <p14:creationId xmlns="" xmlns:p14="http://schemas.microsoft.com/office/powerpoint/2010/main" val="2947224754"/>
       </p:ext>
     </p:extLst>
   </p:cSld>
@@ -18243,7 +18364,7 @@
           <a:blip r:embed="rId3">
             <a:extLst>
               <a:ext uri="{28A0092B-C50C-407E-A947-70E740481C1C}">
-                <a14:useLocalDpi xmlns:a14="http://schemas.microsoft.com/office/drawing/2010/main" val="0"/>
+                <a14:useLocalDpi xmlns="" xmlns:a14="http://schemas.microsoft.com/office/drawing/2010/main" val="0"/>
               </a:ext>
             </a:extLst>
           </a:blip>
@@ -18263,7 +18384,7 @@
           <a:noFill/>
           <a:extLst>
             <a:ext uri="{909E8E84-426E-40DD-AFC4-6F175D3DCCD1}">
-              <a14:hiddenFill xmlns:a14="http://schemas.microsoft.com/office/drawing/2010/main">
+              <a14:hiddenFill xmlns="" xmlns:a14="http://schemas.microsoft.com/office/drawing/2010/main">
                 <a:solidFill>
                   <a:srgbClr val="FFFFFF"/>
                 </a:solidFill>
@@ -18272,246 +18393,6 @@
           </a:extLst>
         </p:spPr>
       </p:pic>
-      <p:pic>
-        <p:nvPicPr>
-          <p:cNvPr id="3074" name="Picture 2" descr="C:\linda\uni\esami_da_svolgere\gps\progetto_gps\Atsilo\Presentazione\Atsilo3\9669552-3d-lavoratore-uomo-isolato-su-sfondo-bianco.jpg"/>
-          <p:cNvPicPr>
-            <a:picLocks noChangeAspect="1" noChangeArrowheads="1"/>
-          </p:cNvPicPr>
-          <p:nvPr/>
-        </p:nvPicPr>
-        <p:blipFill>
-          <a:blip r:embed="rId4">
-            <a:extLst>
-              <a:ext uri="{28A0092B-C50C-407E-A947-70E740481C1C}">
-                <a14:useLocalDpi xmlns:a14="http://schemas.microsoft.com/office/drawing/2010/main" val="0"/>
-              </a:ext>
-            </a:extLst>
-          </a:blip>
-          <a:srcRect/>
-          <a:stretch>
-            <a:fillRect/>
-          </a:stretch>
-        </p:blipFill>
-        <p:spPr bwMode="auto">
-          <a:xfrm>
-            <a:off x="1544836" y="2822742"/>
-            <a:ext cx="2411032" cy="2411032"/>
-          </a:xfrm>
-          <a:prstGeom prst="rect">
-            <a:avLst/>
-          </a:prstGeom>
-          <a:noFill/>
-          <a:extLst>
-            <a:ext uri="{909E8E84-426E-40DD-AFC4-6F175D3DCCD1}">
-              <a14:hiddenFill xmlns:a14="http://schemas.microsoft.com/office/drawing/2010/main">
-                <a:solidFill>
-                  <a:srgbClr val="FFFFFF"/>
-                </a:solidFill>
-              </a14:hiddenFill>
-            </a:ext>
-          </a:extLst>
-        </p:spPr>
-      </p:pic>
-      <p:sp>
-        <p:nvSpPr>
-          <p:cNvPr id="10" name="Content Placeholder 3"/>
-          <p:cNvSpPr txBox="1">
-            <a:spLocks/>
-          </p:cNvSpPr>
-          <p:nvPr/>
-        </p:nvSpPr>
-        <p:spPr>
-          <a:xfrm>
-            <a:off x="680740" y="3294563"/>
-            <a:ext cx="1550546" cy="492656"/>
-          </a:xfrm>
-          <a:prstGeom prst="rect">
-            <a:avLst/>
-          </a:prstGeom>
-        </p:spPr>
-        <p:txBody>
-          <a:bodyPr tIns="0"/>
-          <a:lstStyle>
-            <a:lvl1pPr marL="274320" indent="-274320" algn="l" rtl="0" eaLnBrk="1" latinLnBrk="0" hangingPunct="1">
-              <a:spcBef>
-                <a:spcPct val="20000"/>
-              </a:spcBef>
-              <a:buClrTx/>
-              <a:buSzPct val="95000"/>
-              <a:buFont typeface="Wingdings" pitchFamily="2" charset="2"/>
-              <a:buChar char="v"/>
-              <a:defRPr kumimoji="0" sz="2800" kern="1200">
-                <a:solidFill>
-                  <a:schemeClr val="tx1"/>
-                </a:solidFill>
-                <a:latin typeface="+mn-lt"/>
-                <a:ea typeface="+mn-ea"/>
-                <a:cs typeface="+mn-cs"/>
-              </a:defRPr>
-            </a:lvl1pPr>
-            <a:lvl2pPr marL="640080" indent="-246888" algn="l" rtl="0" eaLnBrk="1" latinLnBrk="0" hangingPunct="1">
-              <a:spcBef>
-                <a:spcPct val="20000"/>
-              </a:spcBef>
-              <a:buClrTx/>
-              <a:buSzPct val="85000"/>
-              <a:buFont typeface="Courier New" pitchFamily="49" charset="0"/>
-              <a:buChar char="o"/>
-              <a:defRPr kumimoji="0" sz="2600" kern="1200">
-                <a:solidFill>
-                  <a:schemeClr val="tx1"/>
-                </a:solidFill>
-                <a:latin typeface="+mn-lt"/>
-                <a:ea typeface="+mn-ea"/>
-                <a:cs typeface="+mn-cs"/>
-              </a:defRPr>
-            </a:lvl2pPr>
-            <a:lvl3pPr marL="914400" indent="-246888" algn="l" rtl="0" eaLnBrk="1" latinLnBrk="0" hangingPunct="1">
-              <a:spcBef>
-                <a:spcPct val="20000"/>
-              </a:spcBef>
-              <a:buClrTx/>
-              <a:buSzPct val="70000"/>
-              <a:buFont typeface="Wingdings 2"/>
-              <a:buChar char=""/>
-              <a:defRPr kumimoji="0" sz="2400" kern="1200">
-                <a:solidFill>
-                  <a:schemeClr val="tx1"/>
-                </a:solidFill>
-                <a:latin typeface="+mn-lt"/>
-                <a:ea typeface="+mn-ea"/>
-                <a:cs typeface="+mn-cs"/>
-              </a:defRPr>
-            </a:lvl3pPr>
-            <a:lvl4pPr marL="1188720" indent="-210312" algn="l" rtl="0" eaLnBrk="1" latinLnBrk="0" hangingPunct="1">
-              <a:spcBef>
-                <a:spcPct val="20000"/>
-              </a:spcBef>
-              <a:buClrTx/>
-              <a:buSzPct val="65000"/>
-              <a:buFont typeface="Wingdings 2"/>
-              <a:buChar char=""/>
-              <a:defRPr kumimoji="0" sz="2000" kern="1200">
-                <a:solidFill>
-                  <a:schemeClr val="tx1"/>
-                </a:solidFill>
-                <a:latin typeface="+mn-lt"/>
-                <a:ea typeface="+mn-ea"/>
-                <a:cs typeface="+mn-cs"/>
-              </a:defRPr>
-            </a:lvl4pPr>
-            <a:lvl5pPr marL="1463040" indent="-210312" algn="l" rtl="0" eaLnBrk="1" latinLnBrk="0" hangingPunct="1">
-              <a:spcBef>
-                <a:spcPct val="20000"/>
-              </a:spcBef>
-              <a:buClrTx/>
-              <a:buSzPct val="65000"/>
-              <a:buFont typeface="Wingdings 2"/>
-              <a:buChar char=""/>
-              <a:defRPr kumimoji="0" sz="1800" kern="1200">
-                <a:solidFill>
-                  <a:schemeClr val="tx1"/>
-                </a:solidFill>
-                <a:latin typeface="+mn-lt"/>
-                <a:ea typeface="+mn-ea"/>
-                <a:cs typeface="+mn-cs"/>
-              </a:defRPr>
-            </a:lvl5pPr>
-            <a:lvl6pPr marL="1737360" indent="-210312" algn="l" rtl="0" eaLnBrk="1" latinLnBrk="0" hangingPunct="1">
-              <a:spcBef>
-                <a:spcPct val="20000"/>
-              </a:spcBef>
-              <a:buClr>
-                <a:schemeClr val="accent5"/>
-              </a:buClr>
-              <a:buSzPct val="80000"/>
-              <a:buFont typeface="Wingdings 2"/>
-              <a:buChar char=""/>
-              <a:defRPr kumimoji="0" sz="1800" kern="1200">
-                <a:solidFill>
-                  <a:schemeClr val="tx1"/>
-                </a:solidFill>
-                <a:latin typeface="+mn-lt"/>
-                <a:ea typeface="+mn-ea"/>
-                <a:cs typeface="+mn-cs"/>
-              </a:defRPr>
-            </a:lvl6pPr>
-            <a:lvl7pPr marL="1920240" indent="-182880" algn="l" rtl="0" eaLnBrk="1" latinLnBrk="0" hangingPunct="1">
-              <a:spcBef>
-                <a:spcPct val="20000"/>
-              </a:spcBef>
-              <a:buClr>
-                <a:schemeClr val="accent6"/>
-              </a:buClr>
-              <a:buSzPct val="80000"/>
-              <a:buFont typeface="Wingdings 2"/>
-              <a:buChar char=""/>
-              <a:defRPr kumimoji="0" sz="1600" kern="1200" baseline="0">
-                <a:solidFill>
-                  <a:schemeClr val="tx1"/>
-                </a:solidFill>
-                <a:latin typeface="+mn-lt"/>
-                <a:ea typeface="+mn-ea"/>
-                <a:cs typeface="+mn-cs"/>
-              </a:defRPr>
-            </a:lvl7pPr>
-            <a:lvl8pPr marL="2194560" indent="-182880" algn="l" rtl="0" eaLnBrk="1" latinLnBrk="0" hangingPunct="1">
-              <a:spcBef>
-                <a:spcPct val="20000"/>
-              </a:spcBef>
-              <a:buClr>
-                <a:schemeClr val="tx2"/>
-              </a:buClr>
-              <a:buChar char="•"/>
-              <a:defRPr kumimoji="0" sz="1600" kern="1200">
-                <a:solidFill>
-                  <a:schemeClr val="tx1"/>
-                </a:solidFill>
-                <a:latin typeface="+mn-lt"/>
-                <a:ea typeface="+mn-ea"/>
-                <a:cs typeface="+mn-cs"/>
-              </a:defRPr>
-            </a:lvl8pPr>
-            <a:lvl9pPr marL="2468880" indent="-182880" algn="l" rtl="0" eaLnBrk="1" latinLnBrk="0" hangingPunct="1">
-              <a:spcBef>
-                <a:spcPct val="20000"/>
-              </a:spcBef>
-              <a:buClr>
-                <a:schemeClr val="tx2"/>
-              </a:buClr>
-              <a:buFontTx/>
-              <a:buChar char="•"/>
-              <a:defRPr kumimoji="0" sz="1400" kern="1200" baseline="0">
-                <a:solidFill>
-                  <a:schemeClr val="tx1"/>
-                </a:solidFill>
-                <a:latin typeface="+mn-lt"/>
-                <a:ea typeface="+mn-ea"/>
-                <a:cs typeface="+mn-cs"/>
-              </a:defRPr>
-            </a:lvl9pPr>
-          </a:lstStyle>
-          <a:p>
-            <a:pPr marL="0" indent="0">
-              <a:buNone/>
-            </a:pPr>
-            <a:r>
-              <a:rPr lang="it-IT" b="1" i="1" dirty="0" err="1" smtClean="0">
-                <a:solidFill>
-                  <a:srgbClr val="0070C0"/>
-                </a:solidFill>
-              </a:rPr>
-              <a:t>Build</a:t>
-            </a:r>
-            <a:endParaRPr lang="en-US" b="1" dirty="0">
-              <a:solidFill>
-                <a:srgbClr val="B48900"/>
-              </a:solidFill>
-            </a:endParaRPr>
-          </a:p>
-        </p:txBody>
-      </p:sp>
       <p:sp>
         <p:nvSpPr>
           <p:cNvPr id="5" name="CasellaDiTesto 4"/>
@@ -18830,21 +18711,246 @@
           </a:p>
         </p:txBody>
       </p:sp>
+      <p:pic>
+        <p:nvPicPr>
+          <p:cNvPr id="4098" name="Picture 2" descr="D:\Tony\Omini\omino_tool.jpg"/>
+          <p:cNvPicPr>
+            <a:picLocks noChangeAspect="1" noChangeArrowheads="1"/>
+          </p:cNvPicPr>
+          <p:nvPr/>
+        </p:nvPicPr>
+        <p:blipFill>
+          <a:blip r:embed="rId4"/>
+          <a:srcRect/>
+          <a:stretch>
+            <a:fillRect/>
+          </a:stretch>
+        </p:blipFill>
+        <p:spPr bwMode="auto">
+          <a:xfrm>
+            <a:off x="1643042" y="3500438"/>
+            <a:ext cx="2143125" cy="2143125"/>
+          </a:xfrm>
+          <a:prstGeom prst="rect">
+            <a:avLst/>
+          </a:prstGeom>
+          <a:noFill/>
+        </p:spPr>
+      </p:pic>
+      <p:sp>
+        <p:nvSpPr>
+          <p:cNvPr id="10" name="Content Placeholder 3"/>
+          <p:cNvSpPr txBox="1">
+            <a:spLocks/>
+          </p:cNvSpPr>
+          <p:nvPr/>
+        </p:nvSpPr>
+        <p:spPr>
+          <a:xfrm>
+            <a:off x="1142976" y="3357562"/>
+            <a:ext cx="1550546" cy="492656"/>
+          </a:xfrm>
+          <a:prstGeom prst="rect">
+            <a:avLst/>
+          </a:prstGeom>
+        </p:spPr>
+        <p:txBody>
+          <a:bodyPr tIns="0"/>
+          <a:lstStyle>
+            <a:lvl1pPr marL="274320" indent="-274320" algn="l" rtl="0" eaLnBrk="1" latinLnBrk="0" hangingPunct="1">
+              <a:spcBef>
+                <a:spcPct val="20000"/>
+              </a:spcBef>
+              <a:buClrTx/>
+              <a:buSzPct val="95000"/>
+              <a:buFont typeface="Wingdings" pitchFamily="2" charset="2"/>
+              <a:buChar char="v"/>
+              <a:defRPr kumimoji="0" sz="2800" kern="1200">
+                <a:solidFill>
+                  <a:schemeClr val="tx1"/>
+                </a:solidFill>
+                <a:latin typeface="+mn-lt"/>
+                <a:ea typeface="+mn-ea"/>
+                <a:cs typeface="+mn-cs"/>
+              </a:defRPr>
+            </a:lvl1pPr>
+            <a:lvl2pPr marL="640080" indent="-246888" algn="l" rtl="0" eaLnBrk="1" latinLnBrk="0" hangingPunct="1">
+              <a:spcBef>
+                <a:spcPct val="20000"/>
+              </a:spcBef>
+              <a:buClrTx/>
+              <a:buSzPct val="85000"/>
+              <a:buFont typeface="Courier New" pitchFamily="49" charset="0"/>
+              <a:buChar char="o"/>
+              <a:defRPr kumimoji="0" sz="2600" kern="1200">
+                <a:solidFill>
+                  <a:schemeClr val="tx1"/>
+                </a:solidFill>
+                <a:latin typeface="+mn-lt"/>
+                <a:ea typeface="+mn-ea"/>
+                <a:cs typeface="+mn-cs"/>
+              </a:defRPr>
+            </a:lvl2pPr>
+            <a:lvl3pPr marL="914400" indent="-246888" algn="l" rtl="0" eaLnBrk="1" latinLnBrk="0" hangingPunct="1">
+              <a:spcBef>
+                <a:spcPct val="20000"/>
+              </a:spcBef>
+              <a:buClrTx/>
+              <a:buSzPct val="70000"/>
+              <a:buFont typeface="Wingdings 2"/>
+              <a:buChar char=""/>
+              <a:defRPr kumimoji="0" sz="2400" kern="1200">
+                <a:solidFill>
+                  <a:schemeClr val="tx1"/>
+                </a:solidFill>
+                <a:latin typeface="+mn-lt"/>
+                <a:ea typeface="+mn-ea"/>
+                <a:cs typeface="+mn-cs"/>
+              </a:defRPr>
+            </a:lvl3pPr>
+            <a:lvl4pPr marL="1188720" indent="-210312" algn="l" rtl="0" eaLnBrk="1" latinLnBrk="0" hangingPunct="1">
+              <a:spcBef>
+                <a:spcPct val="20000"/>
+              </a:spcBef>
+              <a:buClrTx/>
+              <a:buSzPct val="65000"/>
+              <a:buFont typeface="Wingdings 2"/>
+              <a:buChar char=""/>
+              <a:defRPr kumimoji="0" sz="2000" kern="1200">
+                <a:solidFill>
+                  <a:schemeClr val="tx1"/>
+                </a:solidFill>
+                <a:latin typeface="+mn-lt"/>
+                <a:ea typeface="+mn-ea"/>
+                <a:cs typeface="+mn-cs"/>
+              </a:defRPr>
+            </a:lvl4pPr>
+            <a:lvl5pPr marL="1463040" indent="-210312" algn="l" rtl="0" eaLnBrk="1" latinLnBrk="0" hangingPunct="1">
+              <a:spcBef>
+                <a:spcPct val="20000"/>
+              </a:spcBef>
+              <a:buClrTx/>
+              <a:buSzPct val="65000"/>
+              <a:buFont typeface="Wingdings 2"/>
+              <a:buChar char=""/>
+              <a:defRPr kumimoji="0" sz="1800" kern="1200">
+                <a:solidFill>
+                  <a:schemeClr val="tx1"/>
+                </a:solidFill>
+                <a:latin typeface="+mn-lt"/>
+                <a:ea typeface="+mn-ea"/>
+                <a:cs typeface="+mn-cs"/>
+              </a:defRPr>
+            </a:lvl5pPr>
+            <a:lvl6pPr marL="1737360" indent="-210312" algn="l" rtl="0" eaLnBrk="1" latinLnBrk="0" hangingPunct="1">
+              <a:spcBef>
+                <a:spcPct val="20000"/>
+              </a:spcBef>
+              <a:buClr>
+                <a:schemeClr val="accent5"/>
+              </a:buClr>
+              <a:buSzPct val="80000"/>
+              <a:buFont typeface="Wingdings 2"/>
+              <a:buChar char=""/>
+              <a:defRPr kumimoji="0" sz="1800" kern="1200">
+                <a:solidFill>
+                  <a:schemeClr val="tx1"/>
+                </a:solidFill>
+                <a:latin typeface="+mn-lt"/>
+                <a:ea typeface="+mn-ea"/>
+                <a:cs typeface="+mn-cs"/>
+              </a:defRPr>
+            </a:lvl6pPr>
+            <a:lvl7pPr marL="1920240" indent="-182880" algn="l" rtl="0" eaLnBrk="1" latinLnBrk="0" hangingPunct="1">
+              <a:spcBef>
+                <a:spcPct val="20000"/>
+              </a:spcBef>
+              <a:buClr>
+                <a:schemeClr val="accent6"/>
+              </a:buClr>
+              <a:buSzPct val="80000"/>
+              <a:buFont typeface="Wingdings 2"/>
+              <a:buChar char=""/>
+              <a:defRPr kumimoji="0" sz="1600" kern="1200" baseline="0">
+                <a:solidFill>
+                  <a:schemeClr val="tx1"/>
+                </a:solidFill>
+                <a:latin typeface="+mn-lt"/>
+                <a:ea typeface="+mn-ea"/>
+                <a:cs typeface="+mn-cs"/>
+              </a:defRPr>
+            </a:lvl7pPr>
+            <a:lvl8pPr marL="2194560" indent="-182880" algn="l" rtl="0" eaLnBrk="1" latinLnBrk="0" hangingPunct="1">
+              <a:spcBef>
+                <a:spcPct val="20000"/>
+              </a:spcBef>
+              <a:buClr>
+                <a:schemeClr val="tx2"/>
+              </a:buClr>
+              <a:buChar char="•"/>
+              <a:defRPr kumimoji="0" sz="1600" kern="1200">
+                <a:solidFill>
+                  <a:schemeClr val="tx1"/>
+                </a:solidFill>
+                <a:latin typeface="+mn-lt"/>
+                <a:ea typeface="+mn-ea"/>
+                <a:cs typeface="+mn-cs"/>
+              </a:defRPr>
+            </a:lvl8pPr>
+            <a:lvl9pPr marL="2468880" indent="-182880" algn="l" rtl="0" eaLnBrk="1" latinLnBrk="0" hangingPunct="1">
+              <a:spcBef>
+                <a:spcPct val="20000"/>
+              </a:spcBef>
+              <a:buClr>
+                <a:schemeClr val="tx2"/>
+              </a:buClr>
+              <a:buFontTx/>
+              <a:buChar char="•"/>
+              <a:defRPr kumimoji="0" sz="1400" kern="1200" baseline="0">
+                <a:solidFill>
+                  <a:schemeClr val="tx1"/>
+                </a:solidFill>
+                <a:latin typeface="+mn-lt"/>
+                <a:ea typeface="+mn-ea"/>
+                <a:cs typeface="+mn-cs"/>
+              </a:defRPr>
+            </a:lvl9pPr>
+          </a:lstStyle>
+          <a:p>
+            <a:pPr marL="0" indent="0">
+              <a:buNone/>
+            </a:pPr>
+            <a:r>
+              <a:rPr lang="it-IT" b="1" i="1" dirty="0" err="1" smtClean="0">
+                <a:solidFill>
+                  <a:srgbClr val="0070C0"/>
+                </a:solidFill>
+              </a:rPr>
+              <a:t>Build</a:t>
+            </a:r>
+            <a:endParaRPr lang="en-US" b="1" dirty="0">
+              <a:solidFill>
+                <a:srgbClr val="B48900"/>
+              </a:solidFill>
+            </a:endParaRPr>
+          </a:p>
+        </p:txBody>
+      </p:sp>
     </p:spTree>
     <p:extLst>
       <p:ext uri="{BB962C8B-B14F-4D97-AF65-F5344CB8AC3E}">
-        <p14:creationId xmlns:p14="http://schemas.microsoft.com/office/powerpoint/2010/main" val="1111877724"/>
+        <p14:creationId xmlns="" xmlns:p14="http://schemas.microsoft.com/office/powerpoint/2010/main" val="1111877724"/>
       </p:ext>
     </p:extLst>
   </p:cSld>
   <p:clrMapOvr>
     <a:masterClrMapping/>
   </p:clrMapOvr>
-  <mc:AlternateContent xmlns:mc="http://schemas.openxmlformats.org/markup-compatibility/2006" xmlns:p14="http://schemas.microsoft.com/office/powerpoint/2010/main">
-    <mc:Choice Requires="p14">
+  <mc:AlternateContent xmlns:mc="http://schemas.openxmlformats.org/markup-compatibility/2006">
+    <mc:Choice xmlns="" xmlns:p14="http://schemas.microsoft.com/office/powerpoint/2010/main" Requires="p14">
       <p:transition spd="slow" p14:dur="2000"/>
     </mc:Choice>
-    <mc:Fallback xmlns="">
+    <mc:Fallback>
       <p:transition spd="slow"/>
     </mc:Fallback>
   </mc:AlternateContent>
@@ -18860,6 +18966,9 @@
                     <p:cTn id="3" fill="hold">
                       <p:stCondLst>
                         <p:cond delay="indefinite"/>
+                        <p:cond evt="onBegin" delay="0">
+                          <p:tn val="2"/>
+                        </p:cond>
                       </p:stCondLst>
                       <p:childTnLst>
                         <p:par>
@@ -18869,7 +18978,7 @@
                             </p:stCondLst>
                             <p:childTnLst>
                               <p:par>
-                                <p:cTn id="5" presetID="10" presetClass="entr" presetSubtype="0" fill="hold" grpId="0" nodeType="clickEffect">
+                                <p:cTn id="5" presetID="10" presetClass="entr" presetSubtype="0" fill="hold" grpId="0" nodeType="withEffect">
                                   <p:stCondLst>
                                     <p:cond delay="0"/>
                                   </p:stCondLst>
@@ -18917,7 +19026,7 @@
                                           </p:stCondLst>
                                         </p:cTn>
                                         <p:tgtEl>
-                                          <p:spTgt spid="3074"/>
+                                          <p:spTgt spid="4098"/>
                                         </p:tgtEl>
                                         <p:attrNameLst>
                                           <p:attrName>style.visibility</p:attrName>
@@ -18931,7 +19040,7 @@
                                       <p:cBhvr>
                                         <p:cTn id="10" dur="500"/>
                                         <p:tgtEl>
-                                          <p:spTgt spid="3074"/>
+                                          <p:spTgt spid="4098"/>
                                         </p:tgtEl>
                                       </p:cBhvr>
                                     </p:animEffect>
@@ -19143,10 +19252,10 @@
       </p:par>
     </p:tnLst>
     <p:bldLst>
-      <p:bldP spid="10" grpId="0"/>
       <p:bldP spid="2" grpId="0"/>
       <p:bldP spid="2" grpId="1"/>
       <p:bldP spid="11" grpId="0"/>
+      <p:bldP spid="10" grpId="0"/>
     </p:bldLst>
   </p:timing>
 </p:sld>
@@ -19220,7 +19329,7 @@
           <p:nvPr>
             <p:extLst>
               <p:ext uri="{D42A27DB-BD31-4B8C-83A1-F6EECF244321}">
-                <p14:modId xmlns:p14="http://schemas.microsoft.com/office/powerpoint/2010/main" val="2643884637"/>
+                <p14:modId xmlns="" xmlns:p14="http://schemas.microsoft.com/office/powerpoint/2010/main" val="2643884637"/>
               </p:ext>
             </p:extLst>
           </p:nvPr>
@@ -19661,14 +19770,14 @@
           <a:effectLst/>
           <a:extLst>
             <a:ext uri="{909E8E84-426E-40DD-AFC4-6F175D3DCCD1}">
-              <a14:hiddenFill xmlns:a14="http://schemas.microsoft.com/office/drawing/2010/main">
+              <a14:hiddenFill xmlns="" xmlns:a14="http://schemas.microsoft.com/office/drawing/2010/main">
                 <a:solidFill>
                   <a:schemeClr val="accent1"/>
                 </a:solidFill>
               </a14:hiddenFill>
             </a:ext>
             <a:ext uri="{91240B29-F687-4F45-9708-019B960494DF}">
-              <a14:hiddenLine xmlns:a14="http://schemas.microsoft.com/office/drawing/2010/main" w="9525">
+              <a14:hiddenLine xmlns="" xmlns:a14="http://schemas.microsoft.com/office/drawing/2010/main" w="9525">
                 <a:solidFill>
                   <a:schemeClr val="tx1"/>
                 </a:solidFill>
@@ -19678,7 +19787,7 @@
               </a14:hiddenLine>
             </a:ext>
             <a:ext uri="{AF507438-7753-43E0-B8FC-AC1667EBCBE1}">
-              <a14:hiddenEffects xmlns:a14="http://schemas.microsoft.com/office/drawing/2010/main">
+              <a14:hiddenEffects xmlns="" xmlns:a14="http://schemas.microsoft.com/office/drawing/2010/main">
                 <a:effectLst>
                   <a:outerShdw dist="35921" dir="2700000" algn="ctr" rotWithShape="0">
                     <a:schemeClr val="bg2"/>
@@ -19759,7 +19868,7 @@
     </p:spTree>
     <p:extLst>
       <p:ext uri="{BB962C8B-B14F-4D97-AF65-F5344CB8AC3E}">
-        <p14:creationId xmlns:p14="http://schemas.microsoft.com/office/powerpoint/2010/main" val="503117530"/>
+        <p14:creationId xmlns="" xmlns:p14="http://schemas.microsoft.com/office/powerpoint/2010/main" val="503117530"/>
       </p:ext>
     </p:extLst>
   </p:cSld>
@@ -19844,7 +19953,7 @@
           <p:nvPr>
             <p:extLst>
               <p:ext uri="{D42A27DB-BD31-4B8C-83A1-F6EECF244321}">
-                <p14:modId xmlns:p14="http://schemas.microsoft.com/office/powerpoint/2010/main" val="722892891"/>
+                <p14:modId xmlns="" xmlns:p14="http://schemas.microsoft.com/office/powerpoint/2010/main" val="722892891"/>
               </p:ext>
             </p:extLst>
           </p:nvPr>
@@ -20826,7 +20935,7 @@
     </p:spTree>
     <p:extLst>
       <p:ext uri="{BB962C8B-B14F-4D97-AF65-F5344CB8AC3E}">
-        <p14:creationId xmlns:p14="http://schemas.microsoft.com/office/powerpoint/2010/main" val="2473970557"/>
+        <p14:creationId xmlns="" xmlns:p14="http://schemas.microsoft.com/office/powerpoint/2010/main" val="2473970557"/>
       </p:ext>
     </p:extLst>
   </p:cSld>
@@ -20872,7 +20981,7 @@
           <a:blip r:embed="rId3">
             <a:extLst>
               <a:ext uri="{28A0092B-C50C-407E-A947-70E740481C1C}">
-                <a14:useLocalDpi xmlns:a14="http://schemas.microsoft.com/office/drawing/2010/main" val="0"/>
+                <a14:useLocalDpi xmlns="" xmlns:a14="http://schemas.microsoft.com/office/drawing/2010/main" val="0"/>
               </a:ext>
             </a:extLst>
           </a:blip>
@@ -20915,7 +21024,7 @@
           </a:sp3d>
           <a:extLst>
             <a:ext uri="{909E8E84-426E-40DD-AFC4-6F175D3DCCD1}">
-              <a14:hiddenFill xmlns:a14="http://schemas.microsoft.com/office/drawing/2010/main">
+              <a14:hiddenFill xmlns="" xmlns:a14="http://schemas.microsoft.com/office/drawing/2010/main">
                 <a:solidFill>
                   <a:srgbClr val="FFFFFF"/>
                 </a:solidFill>
@@ -21254,7 +21363,7 @@
           <a:blip r:embed="rId3">
             <a:extLst>
               <a:ext uri="{28A0092B-C50C-407E-A947-70E740481C1C}">
-                <a14:useLocalDpi xmlns:a14="http://schemas.microsoft.com/office/drawing/2010/main" val="0"/>
+                <a14:useLocalDpi xmlns="" xmlns:a14="http://schemas.microsoft.com/office/drawing/2010/main" val="0"/>
               </a:ext>
             </a:extLst>
           </a:blip>
@@ -21278,14 +21387,14 @@
           <a:effectLst/>
           <a:extLst>
             <a:ext uri="{909E8E84-426E-40DD-AFC4-6F175D3DCCD1}">
-              <a14:hiddenFill xmlns:a14="http://schemas.microsoft.com/office/drawing/2010/main">
+              <a14:hiddenFill xmlns="" xmlns:a14="http://schemas.microsoft.com/office/drawing/2010/main">
                 <a:solidFill>
                   <a:schemeClr val="accent1"/>
                 </a:solidFill>
               </a14:hiddenFill>
             </a:ext>
             <a:ext uri="{91240B29-F687-4F45-9708-019B960494DF}">
-              <a14:hiddenLine xmlns:a14="http://schemas.microsoft.com/office/drawing/2010/main" w="9525">
+              <a14:hiddenLine xmlns="" xmlns:a14="http://schemas.microsoft.com/office/drawing/2010/main" w="9525">
                 <a:solidFill>
                   <a:schemeClr val="tx1"/>
                 </a:solidFill>
@@ -21295,7 +21404,7 @@
               </a14:hiddenLine>
             </a:ext>
             <a:ext uri="{AF507438-7753-43E0-B8FC-AC1667EBCBE1}">
-              <a14:hiddenEffects xmlns:a14="http://schemas.microsoft.com/office/drawing/2010/main">
+              <a14:hiddenEffects xmlns="" xmlns:a14="http://schemas.microsoft.com/office/drawing/2010/main">
                 <a:effectLst>
                   <a:outerShdw dist="35921" dir="2700000" algn="ctr" rotWithShape="0">
                     <a:schemeClr val="bg2"/>
@@ -21396,14 +21505,14 @@
           <a:effectLst/>
           <a:extLst>
             <a:ext uri="{909E8E84-426E-40DD-AFC4-6F175D3DCCD1}">
-              <a14:hiddenFill xmlns:a14="http://schemas.microsoft.com/office/drawing/2010/main">
+              <a14:hiddenFill xmlns="" xmlns:a14="http://schemas.microsoft.com/office/drawing/2010/main">
                 <a:solidFill>
                   <a:schemeClr val="accent1"/>
                 </a:solidFill>
               </a14:hiddenFill>
             </a:ext>
             <a:ext uri="{91240B29-F687-4F45-9708-019B960494DF}">
-              <a14:hiddenLine xmlns:a14="http://schemas.microsoft.com/office/drawing/2010/main" w="9525">
+              <a14:hiddenLine xmlns="" xmlns:a14="http://schemas.microsoft.com/office/drawing/2010/main" w="9525">
                 <a:solidFill>
                   <a:schemeClr val="tx1"/>
                 </a:solidFill>
@@ -21413,7 +21522,7 @@
               </a14:hiddenLine>
             </a:ext>
             <a:ext uri="{AF507438-7753-43E0-B8FC-AC1667EBCBE1}">
-              <a14:hiddenEffects xmlns:a14="http://schemas.microsoft.com/office/drawing/2010/main">
+              <a14:hiddenEffects xmlns="" xmlns:a14="http://schemas.microsoft.com/office/drawing/2010/main">
                 <a:effectLst>
                   <a:outerShdw dist="35921" dir="2700000" algn="ctr" rotWithShape="0">
                     <a:schemeClr val="bg2"/>
@@ -21861,7 +21970,7 @@
     </p:spTree>
     <p:extLst>
       <p:ext uri="{BB962C8B-B14F-4D97-AF65-F5344CB8AC3E}">
-        <p14:creationId xmlns:p14="http://schemas.microsoft.com/office/powerpoint/2010/main" val="3312797979"/>
+        <p14:creationId xmlns="" xmlns:p14="http://schemas.microsoft.com/office/powerpoint/2010/main" val="3312797979"/>
       </p:ext>
     </p:extLst>
   </p:cSld>
@@ -21912,8 +22021,8 @@
         </p:blipFill>
         <p:spPr bwMode="auto">
           <a:xfrm>
-            <a:off x="6242027" y="4623456"/>
-            <a:ext cx="3021943" cy="2214554"/>
+            <a:off x="5781891" y="4286256"/>
+            <a:ext cx="3482080" cy="2551754"/>
           </a:xfrm>
           <a:prstGeom prst="rect">
             <a:avLst/>
@@ -21938,8 +22047,8 @@
         </p:blipFill>
         <p:spPr bwMode="auto">
           <a:xfrm>
-            <a:off x="7331040" y="1119972"/>
-            <a:ext cx="1361338" cy="1474783"/>
+            <a:off x="6824739" y="1119972"/>
+            <a:ext cx="1867639" cy="2023276"/>
           </a:xfrm>
           <a:prstGeom prst="rect">
             <a:avLst/>
@@ -23248,13 +23357,8 @@
             </a:r>
             <a:r>
               <a:rPr lang="en-US" dirty="0" smtClean="0"/>
-              <a:t> </a:t>
-            </a:r>
-            <a:r>
-              <a:rPr lang="en-US" dirty="0" smtClean="0"/>
-              <a:t>21/12/2012</a:t>
-            </a:r>
-            <a:endParaRPr lang="en-US" dirty="0" smtClean="0"/>
+              <a:t> 21/12/2012</a:t>
+            </a:r>
           </a:p>
           <a:p>
             <a:pPr marL="0" indent="0"/>
@@ -23262,21 +23366,52 @@
           </a:p>
         </p:txBody>
       </p:sp>
+      <p:pic>
+        <p:nvPicPr>
+          <p:cNvPr id="5122" name="Picture 2" descr="D:\Tony\Omini\omino_orologio5.jpg"/>
+          <p:cNvPicPr>
+            <a:picLocks noChangeAspect="1" noChangeArrowheads="1"/>
+          </p:cNvPicPr>
+          <p:nvPr/>
+        </p:nvPicPr>
+        <p:blipFill>
+          <a:blip r:embed="rId3"/>
+          <a:srcRect/>
+          <a:stretch>
+            <a:fillRect/>
+          </a:stretch>
+        </p:blipFill>
+        <p:spPr bwMode="auto">
+          <a:xfrm>
+            <a:off x="7429520" y="1495652"/>
+            <a:ext cx="1500198" cy="1466611"/>
+          </a:xfrm>
+          <a:prstGeom prst="rect">
+            <a:avLst/>
+          </a:prstGeom>
+          <a:ln>
+            <a:noFill/>
+          </a:ln>
+          <a:effectLst>
+            <a:softEdge rad="112500"/>
+          </a:effectLst>
+        </p:spPr>
+      </p:pic>
     </p:spTree>
     <p:extLst>
       <p:ext uri="{BB962C8B-B14F-4D97-AF65-F5344CB8AC3E}">
-        <p14:creationId xmlns:p14="http://schemas.microsoft.com/office/powerpoint/2010/main" val="155874689"/>
+        <p14:creationId xmlns="" xmlns:p14="http://schemas.microsoft.com/office/powerpoint/2010/main" val="155874689"/>
       </p:ext>
     </p:extLst>
   </p:cSld>
   <p:clrMapOvr>
     <a:masterClrMapping/>
   </p:clrMapOvr>
-  <mc:AlternateContent xmlns:mc="http://schemas.openxmlformats.org/markup-compatibility/2006" xmlns:p14="http://schemas.microsoft.com/office/powerpoint/2010/main">
-    <mc:Choice Requires="p14">
+  <mc:AlternateContent xmlns:mc="http://schemas.openxmlformats.org/markup-compatibility/2006">
+    <mc:Choice xmlns="" xmlns:p14="http://schemas.microsoft.com/office/powerpoint/2010/main" Requires="p14">
       <p:transition spd="slow" p14:dur="2000"/>
     </mc:Choice>
-    <mc:Fallback xmlns="">
+    <mc:Fallback>
       <p:transition spd="slow"/>
     </mc:Fallback>
   </mc:AlternateContent>
@@ -23880,7 +24015,7 @@
           <p:nvPr>
             <p:extLst>
               <p:ext uri="{D42A27DB-BD31-4B8C-83A1-F6EECF244321}">
-                <p14:modId xmlns:p14="http://schemas.microsoft.com/office/powerpoint/2010/main" val="3382119601"/>
+                <p14:modId xmlns="" xmlns:p14="http://schemas.microsoft.com/office/powerpoint/2010/main" val="3382119601"/>
               </p:ext>
             </p:extLst>
           </p:nvPr>
@@ -24282,15 +24417,7 @@
             </a:r>
             <a:r>
               <a:rPr lang="it-IT" b="1" dirty="0" smtClean="0"/>
-              <a:t>: </a:t>
-            </a:r>
-            <a:r>
-              <a:rPr lang="it-IT" b="1" dirty="0" smtClean="0"/>
-              <a:t>SC_H_49_Compilazione </a:t>
-            </a:r>
-            <a:r>
-              <a:rPr lang="it-IT" b="1" dirty="0" smtClean="0"/>
-              <a:t>questionario</a:t>
+              <a:t>: SC_H_49_Compilazione questionario</a:t>
             </a:r>
             <a:endParaRPr lang="it-IT" b="1" dirty="0"/>
           </a:p>
@@ -24693,11 +24820,7 @@
             </a:r>
             <a:r>
               <a:rPr lang="en-US" sz="3000" dirty="0" smtClean="0"/>
-              <a:t> </a:t>
-            </a:r>
-            <a:r>
-              <a:rPr lang="en-US" sz="3000" dirty="0" smtClean="0"/>
-              <a:t>commentate</a:t>
+              <a:t> commentate</a:t>
             </a:r>
           </a:p>
           <a:p>
@@ -24776,8 +24899,8 @@
         </p:blipFill>
         <p:spPr bwMode="auto">
           <a:xfrm>
-            <a:off x="7236296" y="3645024"/>
-            <a:ext cx="1039324" cy="1466847"/>
+            <a:off x="7236296" y="3528455"/>
+            <a:ext cx="1121918" cy="1583416"/>
           </a:xfrm>
           <a:prstGeom prst="rect">
             <a:avLst/>
@@ -25420,11 +25543,7 @@
             </a:r>
             <a:r>
               <a:rPr lang="en-US" sz="3000" dirty="0" smtClean="0"/>
-              <a:t> </a:t>
-            </a:r>
-            <a:r>
-              <a:rPr lang="en-US" sz="3000" dirty="0" smtClean="0"/>
-              <a:t>ai requisiti e </a:t>
+              <a:t> ai requisiti e </a:t>
             </a:r>
             <a:r>
               <a:rPr lang="en-US" sz="3000" dirty="0" err="1" smtClean="0"/>
@@ -25432,11 +25551,7 @@
             </a:r>
             <a:r>
               <a:rPr lang="en-US" sz="3000" dirty="0" smtClean="0"/>
-              <a:t> </a:t>
-            </a:r>
-            <a:r>
-              <a:rPr lang="en-US" sz="3000" dirty="0" smtClean="0"/>
-              <a:t>aspettative del </a:t>
+              <a:t> aspettative del </a:t>
             </a:r>
             <a:r>
               <a:rPr lang="en-US" sz="3000" dirty="0" err="1" smtClean="0"/>
@@ -26311,9 +26426,11 @@
             </a:lvl9pPr>
           </a:lstStyle>
           <a:p>
-            <a:pPr algn="just"/>
-            <a:r>
-              <a:rPr lang="it-IT" sz="1400" dirty="0" smtClean="0">
+            <a:pPr algn="just">
+              <a:buNone/>
+            </a:pPr>
+            <a:r>
+              <a:rPr lang="it-IT" sz="2200" dirty="0" smtClean="0">
                 <a:latin typeface="+mj-lt"/>
                 <a:cs typeface="Arial" pitchFamily="34" charset="0"/>
               </a:rPr>
@@ -26323,7 +26440,7 @@
           <a:p>
             <a:pPr algn="just"/>
             <a:r>
-              <a:rPr lang="it-IT" sz="1400" dirty="0" smtClean="0">
+              <a:rPr lang="it-IT" sz="1800" dirty="0" smtClean="0">
                 <a:latin typeface="+mj-lt"/>
                 <a:cs typeface="Arial" pitchFamily="34" charset="0"/>
               </a:rPr>
@@ -26336,21 +26453,21 @@
               <a:buChar char="-"/>
             </a:pPr>
             <a:r>
-              <a:rPr lang="it-IT" sz="1400" dirty="0" smtClean="0">
+              <a:rPr lang="it-IT" sz="1800" dirty="0" smtClean="0">
                 <a:latin typeface="+mj-lt"/>
                 <a:cs typeface="Arial" pitchFamily="34" charset="0"/>
               </a:rPr>
               <a:t>Classe: </a:t>
             </a:r>
             <a:r>
-              <a:rPr lang="it-IT" sz="1400" dirty="0" err="1" smtClean="0">
+              <a:rPr lang="it-IT" sz="1800" dirty="0" err="1" smtClean="0">
                 <a:latin typeface="+mj-lt"/>
                 <a:cs typeface="Arial" pitchFamily="34" charset="0"/>
               </a:rPr>
               <a:t>ControlQuestionari</a:t>
             </a:r>
             <a:r>
-              <a:rPr lang="it-IT" sz="1400" dirty="0" smtClean="0">
+              <a:rPr lang="it-IT" sz="1800" dirty="0" smtClean="0">
                 <a:latin typeface="+mj-lt"/>
                 <a:cs typeface="Arial" pitchFamily="34" charset="0"/>
               </a:rPr>
@@ -26363,22 +26480,32 @@
               <a:buChar char="-"/>
             </a:pPr>
             <a:r>
-              <a:rPr lang="it-IT" sz="1400" dirty="0" smtClean="0">
+              <a:rPr lang="it-IT" sz="1800" dirty="0" smtClean="0">
                 <a:latin typeface="+mj-lt"/>
                 <a:cs typeface="Arial" pitchFamily="34" charset="0"/>
               </a:rPr>
               <a:t>Metodo: </a:t>
             </a:r>
+            <a:endParaRPr lang="it-IT" sz="1800" b="1" dirty="0" smtClean="0">
+              <a:latin typeface="+mj-lt"/>
+              <a:cs typeface="Arial" pitchFamily="34" charset="0"/>
+            </a:endParaRPr>
           </a:p>
           <a:p>
             <a:pPr marL="285750" indent="-285750" algn="just">
               <a:buFontTx/>
               <a:buChar char="-"/>
             </a:pPr>
-            <a:endParaRPr lang="it-IT" sz="1400" dirty="0" smtClean="0">
-              <a:latin typeface="+mj-lt"/>
-              <a:cs typeface="Arial" pitchFamily="34" charset="0"/>
-            </a:endParaRPr>
+            <a:r>
+              <a:rPr lang="it-IT" sz="1800" b="1" dirty="0" smtClean="0">
+                <a:solidFill>
+                  <a:srgbClr val="0070C0"/>
+                </a:solidFill>
+                <a:latin typeface="+mj-lt"/>
+                <a:cs typeface="Arial" pitchFamily="34" charset="0"/>
+              </a:rPr>
+              <a:t>/**</a:t>
+            </a:r>
           </a:p>
           <a:p>
             <a:pPr marL="285750" indent="-285750" algn="just">
@@ -26386,11 +26513,34 @@
               <a:buChar char="-"/>
             </a:pPr>
             <a:r>
-              <a:rPr lang="it-IT" sz="1400" b="1" dirty="0" smtClean="0">
+              <a:rPr lang="it-IT" sz="1800" b="1" dirty="0" smtClean="0">
+                <a:solidFill>
+                  <a:srgbClr val="0070C0"/>
+                </a:solidFill>
                 <a:latin typeface="+mj-lt"/>
                 <a:cs typeface="Arial" pitchFamily="34" charset="0"/>
               </a:rPr>
-              <a:t>/**</a:t>
+              <a:t>* Metodo che controlla se il questionario è </a:t>
+            </a:r>
+            <a:r>
+              <a:rPr lang="it-IT" sz="1800" b="1" i="1" dirty="0" smtClean="0">
+                <a:solidFill>
+                  <a:srgbClr val="0070C0"/>
+                </a:solidFill>
+                <a:latin typeface="+mj-lt"/>
+                <a:cs typeface="Arial" pitchFamily="34" charset="0"/>
+              </a:rPr>
+              <a:t>editabile </a:t>
+            </a:r>
+            <a:r>
+              <a:rPr lang="it-IT" sz="1800" b="1" dirty="0" smtClean="0">
+                <a:solidFill>
+                  <a:srgbClr val="0070C0"/>
+                </a:solidFill>
+                <a:latin typeface="+mj-lt"/>
+                <a:cs typeface="Arial" pitchFamily="34" charset="0"/>
+              </a:rPr>
+              <a:t>(modificabile o cancellabile)</a:t>
             </a:r>
           </a:p>
           <a:p>
@@ -26399,32 +26549,14 @@
               <a:buChar char="-"/>
             </a:pPr>
             <a:r>
-              <a:rPr lang="it-IT" sz="1400" b="1" dirty="0" smtClean="0">
+              <a:rPr lang="it-IT" sz="1800" b="1" dirty="0" smtClean="0">
+                <a:solidFill>
+                  <a:srgbClr val="0070C0"/>
+                </a:solidFill>
                 <a:latin typeface="+mj-lt"/>
                 <a:cs typeface="Arial" pitchFamily="34" charset="0"/>
               </a:rPr>
-              <a:t>* </a:t>
-            </a:r>
-            <a:r>
-              <a:rPr lang="it-IT" sz="1400" dirty="0" smtClean="0">
-                <a:latin typeface="+mj-lt"/>
-                <a:cs typeface="Arial" pitchFamily="34" charset="0"/>
-              </a:rPr>
-              <a:t>metodo che controlla se il questionario è </a:t>
-            </a:r>
-            <a:r>
-              <a:rPr lang="it-IT" sz="1400" i="1" dirty="0" smtClean="0">
-                <a:latin typeface="+mj-lt"/>
-                <a:cs typeface="Arial" pitchFamily="34" charset="0"/>
-              </a:rPr>
-              <a:t>editabile </a:t>
-            </a:r>
-            <a:r>
-              <a:rPr lang="it-IT" sz="1400" dirty="0" smtClean="0">
-                <a:latin typeface="+mj-lt"/>
-                <a:cs typeface="Arial" pitchFamily="34" charset="0"/>
-              </a:rPr>
-              <a:t>(modificabile o cancellabile)</a:t>
+              <a:t>* un questionario è editabile se non è in vigore.</a:t>
             </a:r>
           </a:p>
           <a:p>
@@ -26433,18 +26565,14 @@
               <a:buChar char="-"/>
             </a:pPr>
             <a:r>
-              <a:rPr lang="it-IT" sz="1400" b="1" dirty="0" smtClean="0">
+              <a:rPr lang="it-IT" sz="1800" b="1" dirty="0" smtClean="0">
+                <a:solidFill>
+                  <a:srgbClr val="0070C0"/>
+                </a:solidFill>
                 <a:latin typeface="+mj-lt"/>
                 <a:cs typeface="Arial" pitchFamily="34" charset="0"/>
               </a:rPr>
-              <a:t>* </a:t>
-            </a:r>
-            <a:r>
-              <a:rPr lang="it-IT" sz="1400" dirty="0" smtClean="0">
-                <a:latin typeface="+mj-lt"/>
-                <a:cs typeface="Arial" pitchFamily="34" charset="0"/>
-              </a:rPr>
-              <a:t>un questionario è editabile se non è in vigore.</a:t>
+              <a:t>* Un questionario è in vigore se la data odierna è compresa tra la data di inizio del questionario e </a:t>
             </a:r>
           </a:p>
           <a:p>
@@ -26453,18 +26581,14 @@
               <a:buChar char="-"/>
             </a:pPr>
             <a:r>
-              <a:rPr lang="it-IT" sz="1400" b="1" dirty="0" smtClean="0">
+              <a:rPr lang="it-IT" sz="1800" b="1" dirty="0" smtClean="0">
+                <a:solidFill>
+                  <a:srgbClr val="0070C0"/>
+                </a:solidFill>
                 <a:latin typeface="+mj-lt"/>
                 <a:cs typeface="Arial" pitchFamily="34" charset="0"/>
               </a:rPr>
-              <a:t>* </a:t>
-            </a:r>
-            <a:r>
-              <a:rPr lang="it-IT" sz="1400" dirty="0" smtClean="0">
-                <a:latin typeface="+mj-lt"/>
-                <a:cs typeface="Arial" pitchFamily="34" charset="0"/>
-              </a:rPr>
-              <a:t>Un questionario è in vigore se la data odierna è compresa tra la data di inizio del questionario e la sua data * * di fine</a:t>
+              <a:t>* la sua data di fine</a:t>
             </a:r>
           </a:p>
           <a:p>
@@ -26473,32 +26597,14 @@
               <a:buChar char="-"/>
             </a:pPr>
             <a:r>
-              <a:rPr lang="it-IT" sz="1400" b="1" dirty="0" smtClean="0">
+              <a:rPr lang="it-IT" sz="1800" b="1" dirty="0" smtClean="0">
+                <a:solidFill>
+                  <a:srgbClr val="0070C0"/>
+                </a:solidFill>
                 <a:latin typeface="+mj-lt"/>
                 <a:cs typeface="Arial" pitchFamily="34" charset="0"/>
               </a:rPr>
-              <a:t>*</a:t>
-            </a:r>
-            <a:r>
-              <a:rPr lang="it-IT" sz="1400" dirty="0" smtClean="0">
-                <a:latin typeface="+mj-lt"/>
-                <a:cs typeface="Arial" pitchFamily="34" charset="0"/>
-              </a:rPr>
-              <a:t>@</a:t>
-            </a:r>
-            <a:r>
-              <a:rPr lang="it-IT" sz="1400" dirty="0" err="1" smtClean="0">
-                <a:latin typeface="+mj-lt"/>
-                <a:cs typeface="Arial" pitchFamily="34" charset="0"/>
-              </a:rPr>
-              <a:t>param</a:t>
-            </a:r>
-            <a:r>
-              <a:rPr lang="it-IT" sz="1400" dirty="0" smtClean="0">
-                <a:latin typeface="+mj-lt"/>
-                <a:cs typeface="Arial" pitchFamily="34" charset="0"/>
-              </a:rPr>
-              <a:t>: Questionario q </a:t>
+              <a:t>*@param questionario</a:t>
             </a:r>
           </a:p>
           <a:p>
@@ -26507,70 +26613,30 @@
               <a:buChar char="-"/>
             </a:pPr>
             <a:r>
-              <a:rPr lang="it-IT" sz="1400" b="1" dirty="0" smtClean="0">
+              <a:rPr lang="it-IT" sz="1800" b="1" dirty="0" smtClean="0">
+                <a:solidFill>
+                  <a:srgbClr val="0070C0"/>
+                </a:solidFill>
                 <a:latin typeface="+mj-lt"/>
                 <a:cs typeface="Arial" pitchFamily="34" charset="0"/>
               </a:rPr>
-              <a:t>* </a:t>
-            </a:r>
-            <a:r>
-              <a:rPr lang="it-IT" sz="1400" dirty="0" smtClean="0">
-                <a:latin typeface="+mj-lt"/>
-                <a:cs typeface="Arial" pitchFamily="34" charset="0"/>
-              </a:rPr>
-              <a:t>@</a:t>
-            </a:r>
-            <a:r>
-              <a:rPr lang="it-IT" sz="1400" dirty="0" err="1" smtClean="0">
-                <a:latin typeface="+mj-lt"/>
-                <a:cs typeface="Arial" pitchFamily="34" charset="0"/>
-              </a:rPr>
-              <a:t>return</a:t>
-            </a:r>
-            <a:r>
-              <a:rPr lang="it-IT" sz="1400" dirty="0" smtClean="0">
-                <a:latin typeface="+mj-lt"/>
-                <a:cs typeface="Arial" pitchFamily="34" charset="0"/>
-              </a:rPr>
-              <a:t> : </a:t>
-            </a:r>
-            <a:r>
-              <a:rPr lang="it-IT" sz="1400" dirty="0" err="1" smtClean="0">
-                <a:latin typeface="+mj-lt"/>
-                <a:cs typeface="Arial" pitchFamily="34" charset="0"/>
-              </a:rPr>
-              <a:t>boolean</a:t>
-            </a:r>
-            <a:r>
-              <a:rPr lang="it-IT" sz="1400" dirty="0" smtClean="0">
-                <a:latin typeface="+mj-lt"/>
-                <a:cs typeface="Arial" pitchFamily="34" charset="0"/>
-              </a:rPr>
-              <a:t> , </a:t>
-            </a:r>
-            <a:r>
-              <a:rPr lang="it-IT" sz="1400" dirty="0" err="1" smtClean="0">
-                <a:latin typeface="+mj-lt"/>
-                <a:cs typeface="Arial" pitchFamily="34" charset="0"/>
-              </a:rPr>
-              <a:t>true</a:t>
-            </a:r>
-            <a:r>
-              <a:rPr lang="it-IT" sz="1400" dirty="0" smtClean="0">
-                <a:latin typeface="+mj-lt"/>
-                <a:cs typeface="Arial" pitchFamily="34" charset="0"/>
-              </a:rPr>
-              <a:t> se il questionario è </a:t>
-            </a:r>
-            <a:r>
-              <a:rPr lang="it-IT" sz="1400" i="1" dirty="0" smtClean="0">
+              <a:t>* @return  boolean , true se il questionario è </a:t>
+            </a:r>
+            <a:r>
+              <a:rPr lang="it-IT" sz="1800" b="1" i="1" dirty="0" smtClean="0">
+                <a:solidFill>
+                  <a:srgbClr val="0070C0"/>
+                </a:solidFill>
                 <a:latin typeface="+mj-lt"/>
                 <a:cs typeface="Arial" pitchFamily="34" charset="0"/>
               </a:rPr>
               <a:t>editabile</a:t>
             </a:r>
             <a:r>
-              <a:rPr lang="it-IT" sz="1400" dirty="0" smtClean="0">
+              <a:rPr lang="it-IT" sz="1800" b="1" dirty="0" smtClean="0">
+                <a:solidFill>
+                  <a:srgbClr val="0070C0"/>
+                </a:solidFill>
                 <a:latin typeface="+mj-lt"/>
                 <a:cs typeface="Arial" pitchFamily="34" charset="0"/>
               </a:rPr>
@@ -26583,41 +26649,49 @@
               <a:buChar char="-"/>
             </a:pPr>
             <a:r>
-              <a:rPr lang="it-IT" sz="1400" b="1" dirty="0" smtClean="0">
+              <a:rPr lang="it-IT" sz="1800" b="1" dirty="0" smtClean="0">
+                <a:solidFill>
+                  <a:srgbClr val="0070C0"/>
+                </a:solidFill>
                 <a:latin typeface="+mj-lt"/>
                 <a:cs typeface="Arial" pitchFamily="34" charset="0"/>
               </a:rPr>
-              <a:t>* </a:t>
-            </a:r>
-            <a:r>
-              <a:rPr lang="it-IT" sz="1400" dirty="0" smtClean="0">
-                <a:latin typeface="+mj-lt"/>
-                <a:cs typeface="Arial" pitchFamily="34" charset="0"/>
-              </a:rPr>
-              <a:t>@</a:t>
-            </a:r>
-            <a:r>
-              <a:rPr lang="it-IT" sz="1400" dirty="0" err="1" smtClean="0">
+              <a:t>* @</a:t>
+            </a:r>
+            <a:r>
+              <a:rPr lang="it-IT" sz="1800" b="1" dirty="0" err="1" smtClean="0">
+                <a:solidFill>
+                  <a:srgbClr val="0070C0"/>
+                </a:solidFill>
                 <a:latin typeface="+mj-lt"/>
                 <a:cs typeface="Arial" pitchFamily="34" charset="0"/>
               </a:rPr>
               <a:t>pre</a:t>
             </a:r>
             <a:r>
-              <a:rPr lang="it-IT" sz="1400" dirty="0" smtClean="0">
+              <a:rPr lang="it-IT" sz="1800" b="1" dirty="0" smtClean="0">
+                <a:solidFill>
+                  <a:srgbClr val="0070C0"/>
+                </a:solidFill>
                 <a:latin typeface="+mj-lt"/>
                 <a:cs typeface="Arial" pitchFamily="34" charset="0"/>
               </a:rPr>
               <a:t> : q!=</a:t>
             </a:r>
             <a:r>
-              <a:rPr lang="it-IT" sz="1400" dirty="0" err="1" smtClean="0">
+              <a:rPr lang="it-IT" sz="1800" b="1" dirty="0" err="1" smtClean="0">
+                <a:solidFill>
+                  <a:srgbClr val="0070C0"/>
+                </a:solidFill>
                 <a:latin typeface="+mj-lt"/>
                 <a:cs typeface="Arial" pitchFamily="34" charset="0"/>
               </a:rPr>
               <a:t>null</a:t>
             </a:r>
-            <a:endParaRPr lang="it-IT" sz="1400" b="1" dirty="0" smtClean="0">
+            <a:endParaRPr lang="it-IT" sz="1800" b="1" dirty="0" smtClean="0">
+              <a:solidFill>
+                <a:srgbClr val="0070C0"/>
+              </a:solidFill>
               <a:latin typeface="+mj-lt"/>
               <a:cs typeface="Arial" pitchFamily="34" charset="0"/>
             </a:endParaRPr>
@@ -26628,7 +26702,10 @@
               <a:buChar char="-"/>
             </a:pPr>
             <a:r>
-              <a:rPr lang="it-IT" sz="1400" b="1" dirty="0" smtClean="0">
+              <a:rPr lang="it-IT" sz="1800" b="1" dirty="0" smtClean="0">
+                <a:solidFill>
+                  <a:srgbClr val="0070C0"/>
+                </a:solidFill>
                 <a:latin typeface="+mj-lt"/>
                 <a:cs typeface="Arial" pitchFamily="34" charset="0"/>
               </a:rPr>
@@ -26641,7 +26718,7 @@
               <a:buChar char="-"/>
             </a:pPr>
             <a:r>
-              <a:rPr lang="it-IT" sz="1400" b="1" dirty="0" smtClean="0">
+              <a:rPr lang="it-IT" sz="1800" b="1" dirty="0" smtClean="0">
                 <a:solidFill>
                   <a:schemeClr val="accent5">
                     <a:lumMod val="50000"/>
@@ -26649,53 +26726,9 @@
                 </a:solidFill>
                 <a:latin typeface="+mj-lt"/>
               </a:rPr>
-              <a:t>public </a:t>
-            </a:r>
-            <a:r>
-              <a:rPr lang="it-IT" sz="1400" b="1" dirty="0" err="1" smtClean="0">
-                <a:solidFill>
-                  <a:schemeClr val="accent5">
-                    <a:lumMod val="50000"/>
-                  </a:schemeClr>
-                </a:solidFill>
-                <a:latin typeface="+mj-lt"/>
-              </a:rPr>
-              <a:t>boolean</a:t>
-            </a:r>
-            <a:r>
-              <a:rPr lang="it-IT" sz="1400" b="1" dirty="0" smtClean="0">
-                <a:solidFill>
-                  <a:schemeClr val="accent5">
-                    <a:lumMod val="50000"/>
-                  </a:schemeClr>
-                </a:solidFill>
-                <a:latin typeface="+mj-lt"/>
-              </a:rPr>
-              <a:t> </a:t>
-            </a:r>
-            <a:r>
-              <a:rPr lang="it-IT" sz="1400" b="1" dirty="0" err="1" smtClean="0">
-                <a:solidFill>
-                  <a:schemeClr val="accent5">
-                    <a:lumMod val="50000"/>
-                  </a:schemeClr>
-                </a:solidFill>
-                <a:latin typeface="+mj-lt"/>
-              </a:rPr>
-              <a:t>isEditable</a:t>
-            </a:r>
-            <a:r>
-              <a:rPr lang="it-IT" sz="1400" b="1" dirty="0" smtClean="0">
-                <a:solidFill>
-                  <a:schemeClr val="accent5">
-                    <a:lumMod val="50000"/>
-                  </a:schemeClr>
-                </a:solidFill>
-                <a:latin typeface="+mj-lt"/>
-              </a:rPr>
-              <a:t>(Questionario q)</a:t>
-            </a:r>
-            <a:endParaRPr lang="it-IT" sz="1400" b="1" dirty="0" smtClean="0">
+              <a:t>public boolean isEditable(Questionario questionario)</a:t>
+            </a:r>
+            <a:endParaRPr lang="it-IT" sz="1800" b="1" dirty="0" smtClean="0">
               <a:latin typeface="+mj-lt"/>
             </a:endParaRPr>
           </a:p>
@@ -26726,13 +26759,20 @@
     </p:spTree>
     <p:extLst>
       <p:ext uri="{BB962C8B-B14F-4D97-AF65-F5344CB8AC3E}">
-        <p14:creationId xmlns:p14="http://schemas.microsoft.com/office/powerpoint/2010/main" val="134615909"/>
+        <p14:creationId xmlns="" xmlns:p14="http://schemas.microsoft.com/office/powerpoint/2010/main" val="134615909"/>
       </p:ext>
     </p:extLst>
   </p:cSld>
   <p:clrMapOvr>
     <a:masterClrMapping/>
   </p:clrMapOvr>
+  <p:timing>
+    <p:tnLst>
+      <p:par>
+        <p:cTn id="1" dur="indefinite" restart="never" nodeType="tmRoot"/>
+      </p:par>
+    </p:tnLst>
+  </p:timing>
 </p:sld>
 </file>
 
@@ -26812,14 +26852,14 @@
           <p:nvPr>
             <p:extLst>
               <p:ext uri="{D42A27DB-BD31-4B8C-83A1-F6EECF244321}">
-                <p14:modId xmlns:p14="http://schemas.microsoft.com/office/powerpoint/2010/main" val="1603526078"/>
+                <p14:modId xmlns="" xmlns:p14="http://schemas.microsoft.com/office/powerpoint/2010/main" val="1603526078"/>
               </p:ext>
             </p:extLst>
           </p:nvPr>
         </p:nvGraphicFramePr>
         <p:xfrm>
           <a:off x="1619672" y="2492896"/>
-          <a:ext cx="6096000" cy="1381760"/>
+          <a:ext cx="6096000" cy="1651000"/>
         </p:xfrm>
         <a:graphic>
           <a:graphicData uri="http://schemas.openxmlformats.org/drawingml/2006/table">
@@ -26837,6 +26877,7 @@
                     <a:bodyPr/>
                     <a:lstStyle/>
                     <a:p>
+                      <a:pPr algn="ctr"/>
                       <a:r>
                         <a:rPr lang="it-IT" dirty="0" smtClean="0"/>
                         <a:t>Caso di</a:t>
@@ -26855,6 +26896,7 @@
                     <a:bodyPr/>
                     <a:lstStyle/>
                     <a:p>
+                      <a:pPr algn="ctr"/>
                       <a:r>
                         <a:rPr lang="it-IT" dirty="0" smtClean="0"/>
                         <a:t>Output Atteso</a:t>
@@ -26877,8 +26919,14 @@
                       </a:r>
                       <a:r>
                         <a:rPr lang="it-IT" baseline="0" dirty="0" smtClean="0"/>
-                        <a:t> editabile</a:t>
+                        <a:t> </a:t>
                       </a:r>
+                      <a:r>
+                        <a:rPr lang="it-IT" baseline="0" dirty="0" smtClean="0"/>
+                        <a:t>editabile</a:t>
+                      </a:r>
+                    </a:p>
+                    <a:p>
                       <a:endParaRPr lang="it-IT" dirty="0"/>
                     </a:p>
                   </a:txBody>
@@ -26889,6 +26937,7 @@
                     <a:bodyPr/>
                     <a:lstStyle/>
                     <a:p>
+                      <a:pPr algn="ctr"/>
                       <a:r>
                         <a:rPr lang="it-IT" b="1" dirty="0" smtClean="0">
                           <a:solidFill>
@@ -26927,6 +26976,7 @@
                     <a:bodyPr/>
                     <a:lstStyle/>
                     <a:p>
+                      <a:pPr algn="ctr"/>
                       <a:r>
                         <a:rPr lang="it-IT" b="1" dirty="0" smtClean="0">
                           <a:solidFill>
@@ -26952,13 +27002,20 @@
     </p:spTree>
     <p:extLst>
       <p:ext uri="{BB962C8B-B14F-4D97-AF65-F5344CB8AC3E}">
-        <p14:creationId xmlns:p14="http://schemas.microsoft.com/office/powerpoint/2010/main" val="1428921569"/>
+        <p14:creationId xmlns="" xmlns:p14="http://schemas.microsoft.com/office/powerpoint/2010/main" val="1428921569"/>
       </p:ext>
     </p:extLst>
   </p:cSld>
   <p:clrMapOvr>
     <a:masterClrMapping/>
   </p:clrMapOvr>
+  <p:timing>
+    <p:tnLst>
+      <p:par>
+        <p:cTn id="1" dur="indefinite" restart="never" nodeType="tmRoot"/>
+      </p:par>
+    </p:tnLst>
+  </p:timing>
 </p:sld>
 </file>
 
@@ -27038,14 +27095,14 @@
           <p:nvPr>
             <p:extLst>
               <p:ext uri="{D42A27DB-BD31-4B8C-83A1-F6EECF244321}">
-                <p14:modId xmlns:p14="http://schemas.microsoft.com/office/powerpoint/2010/main" val="3377787449"/>
+                <p14:modId xmlns="" xmlns:p14="http://schemas.microsoft.com/office/powerpoint/2010/main" val="3377787449"/>
               </p:ext>
             </p:extLst>
           </p:nvPr>
         </p:nvGraphicFramePr>
         <p:xfrm>
-          <a:off x="1547664" y="2780928"/>
-          <a:ext cx="6096000" cy="1651000"/>
+          <a:off x="1142976" y="2786058"/>
+          <a:ext cx="7000755" cy="1651000"/>
         </p:xfrm>
         <a:graphic>
           <a:graphicData uri="http://schemas.openxmlformats.org/drawingml/2006/table">
@@ -27054,9 +27111,9 @@
                 <a:tableStyleId>{5C22544A-7EE6-4342-B048-85BDC9FD1C3A}</a:tableStyleId>
               </a:tblPr>
               <a:tblGrid>
-                <a:gridCol w="1588510"/>
-                <a:gridCol w="2253745"/>
-                <a:gridCol w="2253745"/>
+                <a:gridCol w="2286017"/>
+                <a:gridCol w="2126497"/>
+                <a:gridCol w="2588241"/>
               </a:tblGrid>
               <a:tr h="370840">
                 <a:tc>
@@ -27064,6 +27121,7 @@
                     <a:bodyPr/>
                     <a:lstStyle/>
                     <a:p>
+                      <a:pPr algn="ctr"/>
                       <a:r>
                         <a:rPr lang="it-IT" dirty="0" smtClean="0"/>
                         <a:t>Caso di</a:t>
@@ -27082,6 +27140,7 @@
                     <a:bodyPr/>
                     <a:lstStyle/>
                     <a:p>
+                      <a:pPr algn="ctr"/>
                       <a:r>
                         <a:rPr lang="it-IT" dirty="0" smtClean="0"/>
                         <a:t>Output Atteso</a:t>
@@ -27096,6 +27155,7 @@
                     <a:bodyPr/>
                     <a:lstStyle/>
                     <a:p>
+                      <a:pPr algn="ctr"/>
                       <a:r>
                         <a:rPr lang="it-IT" dirty="0" smtClean="0"/>
                         <a:t>Output</a:t>
@@ -27122,8 +27182,14 @@
                       </a:r>
                       <a:r>
                         <a:rPr lang="it-IT" baseline="0" dirty="0" smtClean="0"/>
-                        <a:t> editabile</a:t>
+                        <a:t> </a:t>
                       </a:r>
+                      <a:r>
+                        <a:rPr lang="it-IT" baseline="0" dirty="0" smtClean="0"/>
+                        <a:t>editabile</a:t>
+                      </a:r>
+                    </a:p>
+                    <a:p>
                       <a:endParaRPr lang="it-IT" dirty="0"/>
                     </a:p>
                   </a:txBody>
@@ -27134,6 +27200,7 @@
                     <a:bodyPr/>
                     <a:lstStyle/>
                     <a:p>
+                      <a:pPr algn="ctr"/>
                       <a:r>
                         <a:rPr lang="it-IT" b="1" dirty="0" smtClean="0">
                           <a:solidFill>
@@ -27156,6 +27223,7 @@
                     <a:bodyPr/>
                     <a:lstStyle/>
                     <a:p>
+                      <a:pPr algn="ctr"/>
                       <a:r>
                         <a:rPr lang="it-IT" b="1" dirty="0" smtClean="0">
                           <a:solidFill>
@@ -27194,6 +27262,7 @@
                     <a:bodyPr/>
                     <a:lstStyle/>
                     <a:p>
+                      <a:pPr algn="ctr"/>
                       <a:r>
                         <a:rPr lang="it-IT" b="1" dirty="0" smtClean="0">
                           <a:solidFill>
@@ -27216,6 +27285,7 @@
                     <a:bodyPr/>
                     <a:lstStyle/>
                     <a:p>
+                      <a:pPr algn="ctr"/>
                       <a:r>
                         <a:rPr lang="it-IT" b="1" dirty="0" smtClean="0">
                           <a:solidFill>
@@ -27241,13 +27311,20 @@
     </p:spTree>
     <p:extLst>
       <p:ext uri="{BB962C8B-B14F-4D97-AF65-F5344CB8AC3E}">
-        <p14:creationId xmlns:p14="http://schemas.microsoft.com/office/powerpoint/2010/main" val="521228686"/>
+        <p14:creationId xmlns="" xmlns:p14="http://schemas.microsoft.com/office/powerpoint/2010/main" val="521228686"/>
       </p:ext>
     </p:extLst>
   </p:cSld>
   <p:clrMapOvr>
     <a:masterClrMapping/>
   </p:clrMapOvr>
+  <p:timing>
+    <p:tnLst>
+      <p:par>
+        <p:cTn id="1" dur="indefinite" restart="never" nodeType="tmRoot"/>
+      </p:par>
+    </p:tnLst>
+  </p:timing>
 </p:sld>
 </file>
 
@@ -27321,7 +27398,7 @@
           <a:blip r:embed="rId2">
             <a:extLst>
               <a:ext uri="{28A0092B-C50C-407E-A947-70E740481C1C}">
-                <a14:useLocalDpi xmlns:a14="http://schemas.microsoft.com/office/drawing/2010/main" val="0"/>
+                <a14:useLocalDpi xmlns="" xmlns:a14="http://schemas.microsoft.com/office/drawing/2010/main" val="0"/>
               </a:ext>
             </a:extLst>
           </a:blip>
@@ -27341,7 +27418,7 @@
           <a:noFill/>
           <a:extLst>
             <a:ext uri="{909E8E84-426E-40DD-AFC4-6F175D3DCCD1}">
-              <a14:hiddenFill xmlns:a14="http://schemas.microsoft.com/office/drawing/2010/main">
+              <a14:hiddenFill xmlns="" xmlns:a14="http://schemas.microsoft.com/office/drawing/2010/main">
                 <a:solidFill>
                   <a:srgbClr val="FFFFFF"/>
                 </a:solidFill>
@@ -27357,9 +27434,9 @@
           <p:nvPr/>
         </p:nvCxnSpPr>
         <p:spPr>
-          <a:xfrm flipH="1">
-            <a:off x="4932040" y="3061121"/>
-            <a:ext cx="1604856" cy="0"/>
+          <a:xfrm rot="10800000">
+            <a:off x="5214942" y="3071810"/>
+            <a:ext cx="1285884" cy="142878"/>
           </a:xfrm>
           <a:prstGeom prst="straightConnector1">
             <a:avLst/>
@@ -27393,9 +27470,9 @@
           <p:nvPr/>
         </p:nvCxnSpPr>
         <p:spPr>
-          <a:xfrm flipH="1">
-            <a:off x="6123819" y="4077072"/>
-            <a:ext cx="1532848" cy="0"/>
+          <a:xfrm rot="10800000">
+            <a:off x="5715008" y="4286256"/>
+            <a:ext cx="785818" cy="357190"/>
           </a:xfrm>
           <a:prstGeom prst="straightConnector1">
             <a:avLst/>
@@ -27430,8 +27507,8 @@
         </p:nvSpPr>
         <p:spPr>
           <a:xfrm>
-            <a:off x="6374505" y="2839534"/>
-            <a:ext cx="1672253" cy="369332"/>
+            <a:off x="6429388" y="2714620"/>
+            <a:ext cx="2789097" cy="923330"/>
           </a:xfrm>
           <a:prstGeom prst="rect">
             <a:avLst/>
@@ -27446,7 +27523,23 @@
           <a:p>
             <a:r>
               <a:rPr lang="it-IT" dirty="0" smtClean="0"/>
-              <a:t>Descrizione bug</a:t>
+              <a:t>Questo costruttore crea </a:t>
+            </a:r>
+          </a:p>
+          <a:p>
+            <a:r>
+              <a:rPr lang="it-IT" dirty="0" smtClean="0"/>
+              <a:t>una d</a:t>
+            </a:r>
+            <a:r>
+              <a:rPr lang="it-IT" dirty="0" smtClean="0"/>
+              <a:t>ata con anno -1900 a </a:t>
+            </a:r>
+          </a:p>
+          <a:p>
+            <a:r>
+              <a:rPr lang="it-IT" dirty="0" smtClean="0"/>
+              <a:t>quello attuale</a:t>
             </a:r>
             <a:endParaRPr lang="it-IT" dirty="0"/>
           </a:p>
@@ -27460,8 +27553,8 @@
         </p:nvSpPr>
         <p:spPr>
           <a:xfrm>
-            <a:off x="7308304" y="4077072"/>
-            <a:ext cx="1672253" cy="369332"/>
+            <a:off x="6143636" y="4714884"/>
+            <a:ext cx="2819426" cy="1200329"/>
           </a:xfrm>
           <a:prstGeom prst="rect">
             <a:avLst/>
@@ -27476,22 +27569,55 @@
           <a:p>
             <a:r>
               <a:rPr lang="it-IT" dirty="0" smtClean="0"/>
-              <a:t>Descrizione bug</a:t>
-            </a:r>
-            <a:endParaRPr lang="it-IT" dirty="0"/>
+              <a:t>Essendo le date scorrette </a:t>
+            </a:r>
+          </a:p>
+          <a:p>
+            <a:r>
+              <a:rPr lang="it-IT" dirty="0" smtClean="0"/>
+              <a:t>(anno 112 ca) sempre </a:t>
+            </a:r>
+            <a:r>
+              <a:rPr lang="it-IT" b="1" dirty="0" smtClean="0"/>
+              <a:t>falsa</a:t>
+            </a:r>
+          </a:p>
+          <a:p>
+            <a:r>
+              <a:rPr lang="it-IT" dirty="0" smtClean="0"/>
+              <a:t>Quindi il flusso si sposta nel </a:t>
+            </a:r>
+          </a:p>
+          <a:p>
+            <a:r>
+              <a:rPr lang="it-IT" dirty="0" smtClean="0"/>
+              <a:t>costrutto </a:t>
+            </a:r>
+            <a:r>
+              <a:rPr lang="it-IT" i="1" dirty="0" smtClean="0"/>
+              <a:t>else</a:t>
+            </a:r>
+            <a:endParaRPr lang="it-IT" i="1" dirty="0"/>
           </a:p>
         </p:txBody>
       </p:sp>
     </p:spTree>
     <p:extLst>
       <p:ext uri="{BB962C8B-B14F-4D97-AF65-F5344CB8AC3E}">
-        <p14:creationId xmlns:p14="http://schemas.microsoft.com/office/powerpoint/2010/main" val="2138116938"/>
+        <p14:creationId xmlns="" xmlns:p14="http://schemas.microsoft.com/office/powerpoint/2010/main" val="2138116938"/>
       </p:ext>
     </p:extLst>
   </p:cSld>
   <p:clrMapOvr>
     <a:masterClrMapping/>
   </p:clrMapOvr>
+  <p:timing>
+    <p:tnLst>
+      <p:par>
+        <p:cTn id="1" dur="indefinite" restart="never" nodeType="tmRoot"/>
+      </p:par>
+    </p:tnLst>
+  </p:timing>
 </p:sld>
 </file>
 
@@ -27580,14 +27706,14 @@
           <p:nvPr>
             <p:extLst>
               <p:ext uri="{D42A27DB-BD31-4B8C-83A1-F6EECF244321}">
-                <p14:modId xmlns:p14="http://schemas.microsoft.com/office/powerpoint/2010/main" val="3745458434"/>
+                <p14:modId xmlns="" xmlns:p14="http://schemas.microsoft.com/office/powerpoint/2010/main" val="3745458434"/>
               </p:ext>
             </p:extLst>
           </p:nvPr>
         </p:nvGraphicFramePr>
         <p:xfrm>
-          <a:off x="1619672" y="2636912"/>
-          <a:ext cx="6096000" cy="1651000"/>
+          <a:off x="785786" y="2636912"/>
+          <a:ext cx="6929886" cy="1651000"/>
         </p:xfrm>
         <a:graphic>
           <a:graphicData uri="http://schemas.openxmlformats.org/drawingml/2006/table">
@@ -27596,9 +27722,9 @@
                 <a:tableStyleId>{5C22544A-7EE6-4342-B048-85BDC9FD1C3A}</a:tableStyleId>
               </a:tblPr>
               <a:tblGrid>
-                <a:gridCol w="1588510"/>
-                <a:gridCol w="2253745"/>
-                <a:gridCol w="2253745"/>
+                <a:gridCol w="2357454"/>
+                <a:gridCol w="2428892"/>
+                <a:gridCol w="2143540"/>
               </a:tblGrid>
               <a:tr h="370840">
                 <a:tc>
@@ -27606,6 +27732,7 @@
                     <a:bodyPr/>
                     <a:lstStyle/>
                     <a:p>
+                      <a:pPr algn="ctr"/>
                       <a:r>
                         <a:rPr lang="it-IT" dirty="0" smtClean="0"/>
                         <a:t>Caso di</a:t>
@@ -27624,6 +27751,7 @@
                     <a:bodyPr/>
                     <a:lstStyle/>
                     <a:p>
+                      <a:pPr algn="ctr"/>
                       <a:r>
                         <a:rPr lang="it-IT" dirty="0" smtClean="0"/>
                         <a:t>Output Atteso</a:t>
@@ -27638,6 +27766,7 @@
                     <a:bodyPr/>
                     <a:lstStyle/>
                     <a:p>
+                      <a:pPr algn="ctr"/>
                       <a:r>
                         <a:rPr lang="it-IT" dirty="0" smtClean="0"/>
                         <a:t>Output</a:t>
@@ -27664,8 +27793,14 @@
                       </a:r>
                       <a:r>
                         <a:rPr lang="it-IT" baseline="0" dirty="0" smtClean="0"/>
-                        <a:t> editabile</a:t>
+                        <a:t> </a:t>
                       </a:r>
+                      <a:r>
+                        <a:rPr lang="it-IT" baseline="0" dirty="0" smtClean="0"/>
+                        <a:t>editabile</a:t>
+                      </a:r>
+                    </a:p>
+                    <a:p>
                       <a:endParaRPr lang="it-IT" dirty="0"/>
                     </a:p>
                   </a:txBody>
@@ -27676,6 +27811,7 @@
                     <a:bodyPr/>
                     <a:lstStyle/>
                     <a:p>
+                      <a:pPr algn="ctr"/>
                       <a:r>
                         <a:rPr lang="it-IT" b="1" dirty="0" smtClean="0">
                           <a:solidFill>
@@ -27698,6 +27834,7 @@
                     <a:bodyPr/>
                     <a:lstStyle/>
                     <a:p>
+                      <a:pPr algn="ctr"/>
                       <a:r>
                         <a:rPr lang="it-IT" b="1" dirty="0" smtClean="0">
                           <a:solidFill>
@@ -27736,6 +27873,7 @@
                     <a:bodyPr/>
                     <a:lstStyle/>
                     <a:p>
+                      <a:pPr algn="ctr"/>
                       <a:r>
                         <a:rPr lang="it-IT" b="1" dirty="0" smtClean="0">
                           <a:solidFill>
@@ -27758,6 +27896,7 @@
                     <a:bodyPr/>
                     <a:lstStyle/>
                     <a:p>
+                      <a:pPr algn="ctr"/>
                       <a:r>
                         <a:rPr lang="it-IT" b="1" dirty="0" smtClean="0">
                           <a:solidFill>
@@ -27783,13 +27922,20 @@
     </p:spTree>
     <p:extLst>
       <p:ext uri="{BB962C8B-B14F-4D97-AF65-F5344CB8AC3E}">
-        <p14:creationId xmlns:p14="http://schemas.microsoft.com/office/powerpoint/2010/main" val="2476603813"/>
+        <p14:creationId xmlns="" xmlns:p14="http://schemas.microsoft.com/office/powerpoint/2010/main" val="2476603813"/>
       </p:ext>
     </p:extLst>
   </p:cSld>
   <p:clrMapOvr>
     <a:masterClrMapping/>
   </p:clrMapOvr>
+  <p:timing>
+    <p:tnLst>
+      <p:par>
+        <p:cTn id="1" dur="indefinite" restart="never" nodeType="tmRoot"/>
+      </p:par>
+    </p:tnLst>
+  </p:timing>
 </p:sld>
 </file>
 
@@ -27837,17 +27983,8 @@
               <a:rPr lang="it-IT" sz="4800" b="1" dirty="0" smtClean="0">
                 <a:latin typeface="+mj-lt"/>
               </a:rPr>
-              <a:t>Pro\Contro del </a:t>
-            </a:r>
-            <a:r>
-              <a:rPr lang="it-IT" sz="4800" b="1" dirty="0" smtClean="0">
-                <a:latin typeface="+mj-lt"/>
-              </a:rPr>
-              <a:t>Testing</a:t>
-            </a:r>
-            <a:endParaRPr lang="it-IT" sz="4800" b="1" dirty="0" smtClean="0">
-              <a:latin typeface="+mj-lt"/>
-            </a:endParaRPr>
+              <a:t>Pro\Contro del Testing</a:t>
+            </a:r>
           </a:p>
           <a:p>
             <a:pPr algn="ctr"/>
@@ -27860,13 +27997,20 @@
     </p:spTree>
     <p:extLst>
       <p:ext uri="{BB962C8B-B14F-4D97-AF65-F5344CB8AC3E}">
-        <p14:creationId xmlns:p14="http://schemas.microsoft.com/office/powerpoint/2010/main" val="3060381138"/>
+        <p14:creationId xmlns="" xmlns:p14="http://schemas.microsoft.com/office/powerpoint/2010/main" val="3060381138"/>
       </p:ext>
     </p:extLst>
   </p:cSld>
   <p:clrMapOvr>
     <a:masterClrMapping/>
   </p:clrMapOvr>
+  <p:timing>
+    <p:tnLst>
+      <p:par>
+        <p:cTn id="1" dur="indefinite" restart="never" nodeType="tmRoot"/>
+      </p:par>
+    </p:tnLst>
+  </p:timing>
 </p:sld>
 </file>
 
@@ -28378,7 +28522,7 @@
           <a:blip r:embed="rId3">
             <a:extLst>
               <a:ext uri="{28A0092B-C50C-407E-A947-70E740481C1C}">
-                <a14:useLocalDpi xmlns:a14="http://schemas.microsoft.com/office/drawing/2010/main" val="0"/>
+                <a14:useLocalDpi xmlns="" xmlns:a14="http://schemas.microsoft.com/office/drawing/2010/main" val="0"/>
               </a:ext>
             </a:extLst>
           </a:blip>
@@ -28398,7 +28542,7 @@
           <a:noFill/>
           <a:extLst>
             <a:ext uri="{909E8E84-426E-40DD-AFC4-6F175D3DCCD1}">
-              <a14:hiddenFill xmlns:a14="http://schemas.microsoft.com/office/drawing/2010/main">
+              <a14:hiddenFill xmlns="" xmlns:a14="http://schemas.microsoft.com/office/drawing/2010/main">
                 <a:solidFill>
                   <a:srgbClr val="FFFFFF"/>
                 </a:solidFill>
@@ -28548,7 +28692,7 @@
     </p:spTree>
     <p:extLst>
       <p:ext uri="{BB962C8B-B14F-4D97-AF65-F5344CB8AC3E}">
-        <p14:creationId xmlns:p14="http://schemas.microsoft.com/office/powerpoint/2010/main" val="1739081068"/>
+        <p14:creationId xmlns="" xmlns:p14="http://schemas.microsoft.com/office/powerpoint/2010/main" val="1739081068"/>
       </p:ext>
     </p:extLst>
   </p:cSld>
@@ -30255,18 +30399,18 @@
     </p:spTree>
     <p:extLst>
       <p:ext uri="{BB962C8B-B14F-4D97-AF65-F5344CB8AC3E}">
-        <p14:creationId xmlns:p14="http://schemas.microsoft.com/office/powerpoint/2010/main" val="2532338835"/>
+        <p14:creationId xmlns="" xmlns:p14="http://schemas.microsoft.com/office/powerpoint/2010/main" val="2532338835"/>
       </p:ext>
     </p:extLst>
   </p:cSld>
   <p:clrMapOvr>
     <a:masterClrMapping/>
   </p:clrMapOvr>
-  <mc:AlternateContent xmlns:mc="http://schemas.openxmlformats.org/markup-compatibility/2006" xmlns:p14="http://schemas.microsoft.com/office/powerpoint/2010/main">
-    <mc:Choice Requires="p14">
+  <mc:AlternateContent xmlns:mc="http://schemas.openxmlformats.org/markup-compatibility/2006">
+    <mc:Choice xmlns="" xmlns:p14="http://schemas.microsoft.com/office/powerpoint/2010/main" Requires="p14">
       <p:transition spd="slow" p14:dur="2000"/>
     </mc:Choice>
-    <mc:Fallback xmlns="">
+    <mc:Fallback>
       <p:transition spd="slow"/>
     </mc:Fallback>
   </mc:AlternateContent>
@@ -30353,7 +30497,7 @@
           <p:nvPr>
             <p:extLst>
               <p:ext uri="{D42A27DB-BD31-4B8C-83A1-F6EECF244321}">
-                <p14:modId xmlns:p14="http://schemas.microsoft.com/office/powerpoint/2010/main" val="4285816619"/>
+                <p14:modId xmlns="" xmlns:p14="http://schemas.microsoft.com/office/powerpoint/2010/main" val="4285816619"/>
               </p:ext>
             </p:extLst>
           </p:nvPr>
@@ -30998,11 +31142,7 @@
             </a:r>
             <a:r>
               <a:rPr lang="it-IT" b="1" dirty="0" smtClean="0"/>
-              <a:t>UC_H_49_Compilazione </a:t>
-            </a:r>
-            <a:r>
-              <a:rPr lang="it-IT" b="1" dirty="0" smtClean="0"/>
-              <a:t>questionario</a:t>
+              <a:t>UC_H_49_Compilazione questionario</a:t>
             </a:r>
             <a:endParaRPr lang="it-IT" b="1" dirty="0"/>
           </a:p>
@@ -31087,7 +31227,7 @@
           <p:nvPr>
             <p:extLst>
               <p:ext uri="{D42A27DB-BD31-4B8C-83A1-F6EECF244321}">
-                <p14:modId xmlns:p14="http://schemas.microsoft.com/office/powerpoint/2010/main" val="4159081582"/>
+                <p14:modId xmlns="" xmlns:p14="http://schemas.microsoft.com/office/powerpoint/2010/main" val="4159081582"/>
               </p:ext>
             </p:extLst>
           </p:nvPr>
@@ -31825,20 +31965,108 @@
             </a:r>
             <a:r>
               <a:rPr lang="it-IT" b="1" dirty="0" smtClean="0"/>
-              <a:t>UC_H_49_Compilazione </a:t>
-            </a:r>
-            <a:r>
-              <a:rPr lang="it-IT" b="1" dirty="0" smtClean="0"/>
-              <a:t>questionario</a:t>
+              <a:t>UC_H_49_Compilazione questionario</a:t>
             </a:r>
             <a:endParaRPr lang="it-IT" b="1" dirty="0"/>
+          </a:p>
+        </p:txBody>
+      </p:sp>
+      <p:sp>
+        <p:nvSpPr>
+          <p:cNvPr id="7" name="Oval 6"/>
+          <p:cNvSpPr/>
+          <p:nvPr/>
+        </p:nvSpPr>
+        <p:spPr>
+          <a:xfrm>
+            <a:off x="1785918" y="4214818"/>
+            <a:ext cx="6929486" cy="1357322"/>
+          </a:xfrm>
+          <a:prstGeom prst="ellipse">
+            <a:avLst/>
+          </a:prstGeom>
+          <a:noFill/>
+          <a:ln>
+            <a:solidFill>
+              <a:srgbClr val="0070C0"/>
+            </a:solidFill>
+          </a:ln>
+        </p:spPr>
+        <p:style>
+          <a:lnRef idx="2">
+            <a:schemeClr val="accent1">
+              <a:shade val="50000"/>
+            </a:schemeClr>
+          </a:lnRef>
+          <a:fillRef idx="1">
+            <a:schemeClr val="accent1"/>
+          </a:fillRef>
+          <a:effectRef idx="0">
+            <a:schemeClr val="accent1"/>
+          </a:effectRef>
+          <a:fontRef idx="minor">
+            <a:schemeClr val="lt1"/>
+          </a:fontRef>
+        </p:style>
+        <p:txBody>
+          <a:bodyPr rtlCol="0" anchor="ctr"/>
+          <a:lstStyle/>
+          <a:p>
+            <a:pPr algn="ctr"/>
+            <a:endParaRPr lang="it-IT"/>
+          </a:p>
+        </p:txBody>
+      </p:sp>
+      <p:sp>
+        <p:nvSpPr>
+          <p:cNvPr id="8" name="Oval 7"/>
+          <p:cNvSpPr/>
+          <p:nvPr/>
+        </p:nvSpPr>
+        <p:spPr>
+          <a:xfrm>
+            <a:off x="2357422" y="2071678"/>
+            <a:ext cx="4214842" cy="714380"/>
+          </a:xfrm>
+          <a:prstGeom prst="ellipse">
+            <a:avLst/>
+          </a:prstGeom>
+          <a:noFill/>
+          <a:ln>
+            <a:solidFill>
+              <a:srgbClr val="0070C0"/>
+            </a:solidFill>
+          </a:ln>
+        </p:spPr>
+        <p:style>
+          <a:lnRef idx="2">
+            <a:schemeClr val="accent1">
+              <a:shade val="50000"/>
+            </a:schemeClr>
+          </a:lnRef>
+          <a:fillRef idx="1">
+            <a:schemeClr val="accent1"/>
+          </a:fillRef>
+          <a:effectRef idx="0">
+            <a:schemeClr val="accent1"/>
+          </a:effectRef>
+          <a:fontRef idx="minor">
+            <a:schemeClr val="lt1"/>
+          </a:fontRef>
+        </p:style>
+        <p:txBody>
+          <a:bodyPr rtlCol="0" anchor="ctr"/>
+          <a:lstStyle/>
+          <a:p>
+            <a:pPr algn="ctr"/>
+            <a:endParaRPr lang="it-IT"/>
           </a:p>
         </p:txBody>
       </p:sp>
     </p:spTree>
     <p:extLst>
       <p:ext uri="{BB962C8B-B14F-4D97-AF65-F5344CB8AC3E}">
-        <p14:creationId xmlns:p14="http://schemas.microsoft.com/office/powerpoint/2010/main" val="1173458281"/>
+        <p14:creationId xmlns="" xmlns:p14="http://schemas.microsoft.com/office/powerpoint/2010/main" val="1173458281"/>
       </p:ext>
     </p:extLst>
   </p:cSld>
@@ -31848,9 +32076,127 @@
   <p:timing>
     <p:tnLst>
       <p:par>
-        <p:cTn id="1" dur="indefinite" restart="never" nodeType="tmRoot"/>
+        <p:cTn id="1" dur="indefinite" restart="never" nodeType="tmRoot">
+          <p:childTnLst>
+            <p:seq concurrent="1" nextAc="seek">
+              <p:cTn id="2" dur="indefinite" nodeType="mainSeq">
+                <p:childTnLst>
+                  <p:par>
+                    <p:cTn id="3" fill="hold">
+                      <p:stCondLst>
+                        <p:cond delay="indefinite"/>
+                        <p:cond evt="onBegin" delay="0">
+                          <p:tn val="2"/>
+                        </p:cond>
+                      </p:stCondLst>
+                      <p:childTnLst>
+                        <p:par>
+                          <p:cTn id="4" fill="hold">
+                            <p:stCondLst>
+                              <p:cond delay="0"/>
+                            </p:stCondLst>
+                            <p:childTnLst>
+                              <p:par>
+                                <p:cTn id="5" presetID="10" presetClass="entr" presetSubtype="0" fill="hold" grpId="0" nodeType="withEffect">
+                                  <p:stCondLst>
+                                    <p:cond delay="0"/>
+                                  </p:stCondLst>
+                                  <p:childTnLst>
+                                    <p:set>
+                                      <p:cBhvr>
+                                        <p:cTn id="6" dur="1" fill="hold">
+                                          <p:stCondLst>
+                                            <p:cond delay="0"/>
+                                          </p:stCondLst>
+                                        </p:cTn>
+                                        <p:tgtEl>
+                                          <p:spTgt spid="7"/>
+                                        </p:tgtEl>
+                                        <p:attrNameLst>
+                                          <p:attrName>style.visibility</p:attrName>
+                                        </p:attrNameLst>
+                                      </p:cBhvr>
+                                      <p:to>
+                                        <p:strVal val="visible"/>
+                                      </p:to>
+                                    </p:set>
+                                    <p:animEffect transition="in" filter="fade">
+                                      <p:cBhvr>
+                                        <p:cTn id="7" dur="500"/>
+                                        <p:tgtEl>
+                                          <p:spTgt spid="7"/>
+                                        </p:tgtEl>
+                                      </p:cBhvr>
+                                    </p:animEffect>
+                                  </p:childTnLst>
+                                </p:cTn>
+                              </p:par>
+                              <p:par>
+                                <p:cTn id="8" presetID="10" presetClass="entr" presetSubtype="0" fill="hold" grpId="0" nodeType="withEffect">
+                                  <p:stCondLst>
+                                    <p:cond delay="0"/>
+                                  </p:stCondLst>
+                                  <p:childTnLst>
+                                    <p:set>
+                                      <p:cBhvr>
+                                        <p:cTn id="9" dur="1" fill="hold">
+                                          <p:stCondLst>
+                                            <p:cond delay="0"/>
+                                          </p:stCondLst>
+                                        </p:cTn>
+                                        <p:tgtEl>
+                                          <p:spTgt spid="8"/>
+                                        </p:tgtEl>
+                                        <p:attrNameLst>
+                                          <p:attrName>style.visibility</p:attrName>
+                                        </p:attrNameLst>
+                                      </p:cBhvr>
+                                      <p:to>
+                                        <p:strVal val="visible"/>
+                                      </p:to>
+                                    </p:set>
+                                    <p:animEffect transition="in" filter="fade">
+                                      <p:cBhvr>
+                                        <p:cTn id="10" dur="500"/>
+                                        <p:tgtEl>
+                                          <p:spTgt spid="8"/>
+                                        </p:tgtEl>
+                                      </p:cBhvr>
+                                    </p:animEffect>
+                                  </p:childTnLst>
+                                </p:cTn>
+                              </p:par>
+                            </p:childTnLst>
+                          </p:cTn>
+                        </p:par>
+                      </p:childTnLst>
+                    </p:cTn>
+                  </p:par>
+                </p:childTnLst>
+              </p:cTn>
+              <p:prevCondLst>
+                <p:cond evt="onPrev" delay="0">
+                  <p:tgtEl>
+                    <p:sldTgt/>
+                  </p:tgtEl>
+                </p:cond>
+              </p:prevCondLst>
+              <p:nextCondLst>
+                <p:cond evt="onNext" delay="0">
+                  <p:tgtEl>
+                    <p:sldTgt/>
+                  </p:tgtEl>
+                </p:cond>
+              </p:nextCondLst>
+            </p:seq>
+          </p:childTnLst>
+        </p:cTn>
       </p:par>
     </p:tnLst>
+    <p:bldLst>
+      <p:bldP spid="7" grpId="0" animBg="1"/>
+      <p:bldP spid="8" grpId="0" animBg="1"/>
+    </p:bldLst>
   </p:timing>
 </p:sld>
 </file>
@@ -32129,31 +32475,14 @@
             <a:pPr lvl="1"/>
             <a:r>
               <a:rPr lang="it-IT" dirty="0" smtClean="0"/>
-              <a:t>Alcune </a:t>
-            </a:r>
+              <a:t>Alcune funzionalità non erano ben definite </a:t>
+            </a:r>
+          </a:p>
+          <a:p>
+            <a:pPr lvl="2"/>
             <a:r>
               <a:rPr lang="it-IT" dirty="0" smtClean="0"/>
-              <a:t>funzionalità non </a:t>
-            </a:r>
-            <a:r>
-              <a:rPr lang="it-IT" dirty="0" smtClean="0"/>
-              <a:t>erano ben definite</a:t>
-            </a:r>
-            <a:r>
-              <a:rPr lang="it-IT" dirty="0" smtClean="0"/>
-              <a:t> </a:t>
-            </a:r>
-            <a:endParaRPr lang="it-IT" dirty="0" smtClean="0"/>
-          </a:p>
-          <a:p>
-            <a:pPr lvl="2"/>
-            <a:r>
-              <a:rPr lang="it-IT" dirty="0" smtClean="0"/>
-              <a:t>Hanno portato ad un analisi complessa e </a:t>
-            </a:r>
-            <a:r>
-              <a:rPr lang="it-IT" dirty="0" smtClean="0"/>
-              <a:t>non coerente</a:t>
+              <a:t>Hanno portato ad un analisi complessa e non coerente</a:t>
             </a:r>
           </a:p>
           <a:p>
@@ -32175,15 +32504,7 @@
                   <a:srgbClr val="00B050"/>
                 </a:solidFill>
               </a:rPr>
-              <a:t>Pro</a:t>
-            </a:r>
-            <a:r>
-              <a:rPr lang="it-IT" b="1" dirty="0" smtClean="0">
-                <a:solidFill>
-                  <a:srgbClr val="00B050"/>
-                </a:solidFill>
-              </a:rPr>
-              <a:t>:</a:t>
+              <a:t>Pro:</a:t>
             </a:r>
           </a:p>
           <a:p>
@@ -33003,7 +33324,7 @@
     </p:spTree>
     <p:extLst>
       <p:ext uri="{BB962C8B-B14F-4D97-AF65-F5344CB8AC3E}">
-        <p14:creationId xmlns:p14="http://schemas.microsoft.com/office/powerpoint/2010/main" val="2769124218"/>
+        <p14:creationId xmlns="" xmlns:p14="http://schemas.microsoft.com/office/powerpoint/2010/main" val="2769124218"/>
       </p:ext>
     </p:extLst>
   </p:cSld>

--- a/trunk/Presentazione/Atsilo3/Atsilo_H_PresentazioneFinale.pptx
+++ b/trunk/Presentazione/Atsilo3/Atsilo_H_PresentazioneFinale.pptx
@@ -403,7 +403,7 @@
     </p:spTree>
     <p:extLst>
       <p:ext uri="{BB962C8B-B14F-4D97-AF65-F5344CB8AC3E}">
-        <p14:creationId xmlns="" xmlns:p14="http://schemas.microsoft.com/office/powerpoint/2010/main" val="2126419590"/>
+        <p14:creationId xmlns:p14="http://schemas.microsoft.com/office/powerpoint/2010/main" xmlns="" val="2126419590"/>
       </p:ext>
     </p:extLst>
   </p:cSld>
@@ -600,7 +600,7 @@
     </p:spTree>
     <p:extLst>
       <p:ext uri="{BB962C8B-B14F-4D97-AF65-F5344CB8AC3E}">
-        <p14:creationId xmlns="" xmlns:p14="http://schemas.microsoft.com/office/powerpoint/2010/main" val="963420841"/>
+        <p14:creationId xmlns:p14="http://schemas.microsoft.com/office/powerpoint/2010/main" xmlns="" val="963420841"/>
       </p:ext>
     </p:extLst>
   </p:cSld>
@@ -707,7 +707,7 @@
     </p:spTree>
     <p:extLst>
       <p:ext uri="{BB962C8B-B14F-4D97-AF65-F5344CB8AC3E}">
-        <p14:creationId xmlns="" xmlns:p14="http://schemas.microsoft.com/office/powerpoint/2010/main" val="3361965342"/>
+        <p14:creationId xmlns:p14="http://schemas.microsoft.com/office/powerpoint/2010/main" xmlns="" val="3361965342"/>
       </p:ext>
     </p:extLst>
   </p:cSld>
@@ -850,7 +850,7 @@
     </p:spTree>
     <p:extLst>
       <p:ext uri="{BB962C8B-B14F-4D97-AF65-F5344CB8AC3E}">
-        <p14:creationId xmlns="" xmlns:p14="http://schemas.microsoft.com/office/powerpoint/2010/main" val="3314347345"/>
+        <p14:creationId xmlns:p14="http://schemas.microsoft.com/office/powerpoint/2010/main" xmlns="" val="3314347345"/>
       </p:ext>
     </p:extLst>
   </p:cSld>
@@ -987,7 +987,7 @@
     </p:spTree>
     <p:extLst>
       <p:ext uri="{BB962C8B-B14F-4D97-AF65-F5344CB8AC3E}">
-        <p14:creationId xmlns="" xmlns:p14="http://schemas.microsoft.com/office/powerpoint/2010/main" val="2265654022"/>
+        <p14:creationId xmlns:p14="http://schemas.microsoft.com/office/powerpoint/2010/main" xmlns="" val="2265654022"/>
       </p:ext>
     </p:extLst>
   </p:cSld>
@@ -1124,7 +1124,7 @@
     </p:spTree>
     <p:extLst>
       <p:ext uri="{BB962C8B-B14F-4D97-AF65-F5344CB8AC3E}">
-        <p14:creationId xmlns="" xmlns:p14="http://schemas.microsoft.com/office/powerpoint/2010/main" val="71143455"/>
+        <p14:creationId xmlns:p14="http://schemas.microsoft.com/office/powerpoint/2010/main" xmlns="" val="71143455"/>
       </p:ext>
     </p:extLst>
   </p:cSld>
@@ -1223,7 +1223,7 @@
     </p:spTree>
     <p:extLst>
       <p:ext uri="{BB962C8B-B14F-4D97-AF65-F5344CB8AC3E}">
-        <p14:creationId xmlns="" xmlns:p14="http://schemas.microsoft.com/office/powerpoint/2010/main" val="113696966"/>
+        <p14:creationId xmlns:p14="http://schemas.microsoft.com/office/powerpoint/2010/main" xmlns="" val="113696966"/>
       </p:ext>
     </p:extLst>
   </p:cSld>
@@ -1348,7 +1348,7 @@
     </p:spTree>
     <p:extLst>
       <p:ext uri="{BB962C8B-B14F-4D97-AF65-F5344CB8AC3E}">
-        <p14:creationId xmlns="" xmlns:p14="http://schemas.microsoft.com/office/powerpoint/2010/main" val="1063702567"/>
+        <p14:creationId xmlns:p14="http://schemas.microsoft.com/office/powerpoint/2010/main" xmlns="" val="1063702567"/>
       </p:ext>
     </p:extLst>
   </p:cSld>
@@ -1453,7 +1453,7 @@
     </p:spTree>
     <p:extLst>
       <p:ext uri="{BB962C8B-B14F-4D97-AF65-F5344CB8AC3E}">
-        <p14:creationId xmlns="" xmlns:p14="http://schemas.microsoft.com/office/powerpoint/2010/main" val="122959592"/>
+        <p14:creationId xmlns:p14="http://schemas.microsoft.com/office/powerpoint/2010/main" xmlns="" val="122959592"/>
       </p:ext>
     </p:extLst>
   </p:cSld>
@@ -1568,7 +1568,7 @@
     </p:spTree>
     <p:extLst>
       <p:ext uri="{BB962C8B-B14F-4D97-AF65-F5344CB8AC3E}">
-        <p14:creationId xmlns="" xmlns:p14="http://schemas.microsoft.com/office/powerpoint/2010/main" val="780286428"/>
+        <p14:creationId xmlns:p14="http://schemas.microsoft.com/office/powerpoint/2010/main" xmlns="" val="780286428"/>
       </p:ext>
     </p:extLst>
   </p:cSld>
@@ -1669,7 +1669,7 @@
     </p:spTree>
     <p:extLst>
       <p:ext uri="{BB962C8B-B14F-4D97-AF65-F5344CB8AC3E}">
-        <p14:creationId xmlns="" xmlns:p14="http://schemas.microsoft.com/office/powerpoint/2010/main" val="2418012031"/>
+        <p14:creationId xmlns:p14="http://schemas.microsoft.com/office/powerpoint/2010/main" xmlns="" val="2418012031"/>
       </p:ext>
     </p:extLst>
   </p:cSld>
@@ -1770,7 +1770,7 @@
     </p:spTree>
     <p:extLst>
       <p:ext uri="{BB962C8B-B14F-4D97-AF65-F5344CB8AC3E}">
-        <p14:creationId xmlns="" xmlns:p14="http://schemas.microsoft.com/office/powerpoint/2010/main" val="778008281"/>
+        <p14:creationId xmlns:p14="http://schemas.microsoft.com/office/powerpoint/2010/main" xmlns="" val="778008281"/>
       </p:ext>
     </p:extLst>
   </p:cSld>
@@ -1881,7 +1881,7 @@
     </p:spTree>
     <p:extLst>
       <p:ext uri="{BB962C8B-B14F-4D97-AF65-F5344CB8AC3E}">
-        <p14:creationId xmlns="" xmlns:p14="http://schemas.microsoft.com/office/powerpoint/2010/main" val="2781517378"/>
+        <p14:creationId xmlns:p14="http://schemas.microsoft.com/office/powerpoint/2010/main" xmlns="" val="2781517378"/>
       </p:ext>
     </p:extLst>
   </p:cSld>
@@ -1974,7 +1974,7 @@
     </p:spTree>
     <p:extLst>
       <p:ext uri="{BB962C8B-B14F-4D97-AF65-F5344CB8AC3E}">
-        <p14:creationId xmlns="" xmlns:p14="http://schemas.microsoft.com/office/powerpoint/2010/main" val="1377757052"/>
+        <p14:creationId xmlns:p14="http://schemas.microsoft.com/office/powerpoint/2010/main" xmlns="" val="1377757052"/>
       </p:ext>
     </p:extLst>
   </p:cSld>
@@ -2078,7 +2078,7 @@
     </p:spTree>
     <p:extLst>
       <p:ext uri="{BB962C8B-B14F-4D97-AF65-F5344CB8AC3E}">
-        <p14:creationId xmlns="" xmlns:p14="http://schemas.microsoft.com/office/powerpoint/2010/main" val="1394194668"/>
+        <p14:creationId xmlns:p14="http://schemas.microsoft.com/office/powerpoint/2010/main" xmlns="" val="1394194668"/>
       </p:ext>
     </p:extLst>
   </p:cSld>
@@ -2233,7 +2233,7 @@
     </p:spTree>
     <p:extLst>
       <p:ext uri="{BB962C8B-B14F-4D97-AF65-F5344CB8AC3E}">
-        <p14:creationId xmlns="" xmlns:p14="http://schemas.microsoft.com/office/powerpoint/2010/main" val="2972088584"/>
+        <p14:creationId xmlns:p14="http://schemas.microsoft.com/office/powerpoint/2010/main" xmlns="" val="2972088584"/>
       </p:ext>
     </p:extLst>
   </p:cSld>
@@ -2342,7 +2342,7 @@
     </p:spTree>
     <p:extLst>
       <p:ext uri="{BB962C8B-B14F-4D97-AF65-F5344CB8AC3E}">
-        <p14:creationId xmlns="" xmlns:p14="http://schemas.microsoft.com/office/powerpoint/2010/main" val="1417320036"/>
+        <p14:creationId xmlns:p14="http://schemas.microsoft.com/office/powerpoint/2010/main" xmlns="" val="1417320036"/>
       </p:ext>
     </p:extLst>
   </p:cSld>
@@ -2451,7 +2451,7 @@
     </p:spTree>
     <p:extLst>
       <p:ext uri="{BB962C8B-B14F-4D97-AF65-F5344CB8AC3E}">
-        <p14:creationId xmlns="" xmlns:p14="http://schemas.microsoft.com/office/powerpoint/2010/main" val="2176874561"/>
+        <p14:creationId xmlns:p14="http://schemas.microsoft.com/office/powerpoint/2010/main" xmlns="" val="2176874561"/>
       </p:ext>
     </p:extLst>
   </p:cSld>
@@ -2552,7 +2552,7 @@
     </p:spTree>
     <p:extLst>
       <p:ext uri="{BB962C8B-B14F-4D97-AF65-F5344CB8AC3E}">
-        <p14:creationId xmlns="" xmlns:p14="http://schemas.microsoft.com/office/powerpoint/2010/main" val="2428745919"/>
+        <p14:creationId xmlns:p14="http://schemas.microsoft.com/office/powerpoint/2010/main" xmlns="" val="2428745919"/>
       </p:ext>
     </p:extLst>
   </p:cSld>
@@ -2649,7 +2649,7 @@
     </p:spTree>
     <p:extLst>
       <p:ext uri="{BB962C8B-B14F-4D97-AF65-F5344CB8AC3E}">
-        <p14:creationId xmlns="" xmlns:p14="http://schemas.microsoft.com/office/powerpoint/2010/main" val="899854441"/>
+        <p14:creationId xmlns:p14="http://schemas.microsoft.com/office/powerpoint/2010/main" xmlns="" val="899854441"/>
       </p:ext>
     </p:extLst>
   </p:cSld>
@@ -2805,7 +2805,7 @@
     </p:spTree>
     <p:extLst>
       <p:ext uri="{BB962C8B-B14F-4D97-AF65-F5344CB8AC3E}">
-        <p14:creationId xmlns="" xmlns:p14="http://schemas.microsoft.com/office/powerpoint/2010/main" val="1218324987"/>
+        <p14:creationId xmlns:p14="http://schemas.microsoft.com/office/powerpoint/2010/main" xmlns="" val="1218324987"/>
       </p:ext>
     </p:extLst>
   </p:cSld>
@@ -2898,7 +2898,7 @@
     </p:spTree>
     <p:extLst>
       <p:ext uri="{BB962C8B-B14F-4D97-AF65-F5344CB8AC3E}">
-        <p14:creationId xmlns="" xmlns:p14="http://schemas.microsoft.com/office/powerpoint/2010/main" val="3928439017"/>
+        <p14:creationId xmlns:p14="http://schemas.microsoft.com/office/powerpoint/2010/main" xmlns="" val="3928439017"/>
       </p:ext>
     </p:extLst>
   </p:cSld>
@@ -2987,7 +2987,7 @@
     </p:spTree>
     <p:extLst>
       <p:ext uri="{BB962C8B-B14F-4D97-AF65-F5344CB8AC3E}">
-        <p14:creationId xmlns="" xmlns:p14="http://schemas.microsoft.com/office/powerpoint/2010/main" val="4040687285"/>
+        <p14:creationId xmlns:p14="http://schemas.microsoft.com/office/powerpoint/2010/main" xmlns="" val="4040687285"/>
       </p:ext>
     </p:extLst>
   </p:cSld>
@@ -3086,7 +3086,7 @@
     </p:spTree>
     <p:extLst>
       <p:ext uri="{BB962C8B-B14F-4D97-AF65-F5344CB8AC3E}">
-        <p14:creationId xmlns="" xmlns:p14="http://schemas.microsoft.com/office/powerpoint/2010/main" val="1025718114"/>
+        <p14:creationId xmlns:p14="http://schemas.microsoft.com/office/powerpoint/2010/main" xmlns="" val="1025718114"/>
       </p:ext>
     </p:extLst>
   </p:cSld>
@@ -3250,7 +3250,7 @@
     </p:spTree>
     <p:extLst>
       <p:ext uri="{BB962C8B-B14F-4D97-AF65-F5344CB8AC3E}">
-        <p14:creationId xmlns="" xmlns:p14="http://schemas.microsoft.com/office/powerpoint/2010/main" val="1047033234"/>
+        <p14:creationId xmlns:p14="http://schemas.microsoft.com/office/powerpoint/2010/main" xmlns="" val="1047033234"/>
       </p:ext>
     </p:extLst>
   </p:cSld>
@@ -3339,7 +3339,7 @@
     </p:spTree>
     <p:extLst>
       <p:ext uri="{BB962C8B-B14F-4D97-AF65-F5344CB8AC3E}">
-        <p14:creationId xmlns="" xmlns:p14="http://schemas.microsoft.com/office/powerpoint/2010/main" val="1047033234"/>
+        <p14:creationId xmlns:p14="http://schemas.microsoft.com/office/powerpoint/2010/main" xmlns="" val="1047033234"/>
       </p:ext>
     </p:extLst>
   </p:cSld>
@@ -3424,7 +3424,7 @@
     </p:spTree>
     <p:extLst>
       <p:ext uri="{BB962C8B-B14F-4D97-AF65-F5344CB8AC3E}">
-        <p14:creationId xmlns="" xmlns:p14="http://schemas.microsoft.com/office/powerpoint/2010/main" val="742716072"/>
+        <p14:creationId xmlns:p14="http://schemas.microsoft.com/office/powerpoint/2010/main" xmlns="" val="742716072"/>
       </p:ext>
     </p:extLst>
   </p:cSld>
@@ -3513,7 +3513,7 @@
     </p:spTree>
     <p:extLst>
       <p:ext uri="{BB962C8B-B14F-4D97-AF65-F5344CB8AC3E}">
-        <p14:creationId xmlns="" xmlns:p14="http://schemas.microsoft.com/office/powerpoint/2010/main" val="1425725903"/>
+        <p14:creationId xmlns:p14="http://schemas.microsoft.com/office/powerpoint/2010/main" xmlns="" val="1425725903"/>
       </p:ext>
     </p:extLst>
   </p:cSld>
@@ -3622,7 +3622,7 @@
     </p:spTree>
     <p:extLst>
       <p:ext uri="{BB962C8B-B14F-4D97-AF65-F5344CB8AC3E}">
-        <p14:creationId xmlns="" xmlns:p14="http://schemas.microsoft.com/office/powerpoint/2010/main" val="880674728"/>
+        <p14:creationId xmlns:p14="http://schemas.microsoft.com/office/powerpoint/2010/main" xmlns="" val="880674728"/>
       </p:ext>
     </p:extLst>
   </p:cSld>
@@ -3731,7 +3731,7 @@
     </p:spTree>
     <p:extLst>
       <p:ext uri="{BB962C8B-B14F-4D97-AF65-F5344CB8AC3E}">
-        <p14:creationId xmlns="" xmlns:p14="http://schemas.microsoft.com/office/powerpoint/2010/main" val="346945336"/>
+        <p14:creationId xmlns:p14="http://schemas.microsoft.com/office/powerpoint/2010/main" xmlns="" val="346945336"/>
       </p:ext>
     </p:extLst>
   </p:cSld>
@@ -3840,7 +3840,7 @@
     </p:spTree>
     <p:extLst>
       <p:ext uri="{BB962C8B-B14F-4D97-AF65-F5344CB8AC3E}">
-        <p14:creationId xmlns="" xmlns:p14="http://schemas.microsoft.com/office/powerpoint/2010/main" val="1778546328"/>
+        <p14:creationId xmlns:p14="http://schemas.microsoft.com/office/powerpoint/2010/main" xmlns="" val="1778546328"/>
       </p:ext>
     </p:extLst>
   </p:cSld>
@@ -3949,7 +3949,7 @@
     </p:spTree>
     <p:extLst>
       <p:ext uri="{BB962C8B-B14F-4D97-AF65-F5344CB8AC3E}">
-        <p14:creationId xmlns="" xmlns:p14="http://schemas.microsoft.com/office/powerpoint/2010/main" val="604861763"/>
+        <p14:creationId xmlns:p14="http://schemas.microsoft.com/office/powerpoint/2010/main" xmlns="" val="604861763"/>
       </p:ext>
     </p:extLst>
   </p:cSld>
@@ -4038,7 +4038,7 @@
     </p:spTree>
     <p:extLst>
       <p:ext uri="{BB962C8B-B14F-4D97-AF65-F5344CB8AC3E}">
-        <p14:creationId xmlns="" xmlns:p14="http://schemas.microsoft.com/office/powerpoint/2010/main" val="1357369038"/>
+        <p14:creationId xmlns:p14="http://schemas.microsoft.com/office/powerpoint/2010/main" xmlns="" val="1357369038"/>
       </p:ext>
     </p:extLst>
   </p:cSld>
@@ -4152,7 +4152,7 @@
     </p:spTree>
     <p:extLst>
       <p:ext uri="{BB962C8B-B14F-4D97-AF65-F5344CB8AC3E}">
-        <p14:creationId xmlns="" xmlns:p14="http://schemas.microsoft.com/office/powerpoint/2010/main" val="3780346060"/>
+        <p14:creationId xmlns:p14="http://schemas.microsoft.com/office/powerpoint/2010/main" xmlns="" val="3780346060"/>
       </p:ext>
     </p:extLst>
   </p:cSld>
@@ -4257,7 +4257,7 @@
     </p:spTree>
     <p:extLst>
       <p:ext uri="{BB962C8B-B14F-4D97-AF65-F5344CB8AC3E}">
-        <p14:creationId xmlns="" xmlns:p14="http://schemas.microsoft.com/office/powerpoint/2010/main" val="41796055"/>
+        <p14:creationId xmlns:p14="http://schemas.microsoft.com/office/powerpoint/2010/main" xmlns="" val="41796055"/>
       </p:ext>
     </p:extLst>
   </p:cSld>
@@ -4380,7 +4380,7 @@
     </p:spTree>
     <p:extLst>
       <p:ext uri="{BB962C8B-B14F-4D97-AF65-F5344CB8AC3E}">
-        <p14:creationId xmlns="" xmlns:p14="http://schemas.microsoft.com/office/powerpoint/2010/main" val="555626785"/>
+        <p14:creationId xmlns:p14="http://schemas.microsoft.com/office/powerpoint/2010/main" xmlns="" val="555626785"/>
       </p:ext>
     </p:extLst>
   </p:cSld>
@@ -4473,7 +4473,7 @@
     </p:spTree>
     <p:extLst>
       <p:ext uri="{BB962C8B-B14F-4D97-AF65-F5344CB8AC3E}">
-        <p14:creationId xmlns="" xmlns:p14="http://schemas.microsoft.com/office/powerpoint/2010/main" val="855395126"/>
+        <p14:creationId xmlns:p14="http://schemas.microsoft.com/office/powerpoint/2010/main" xmlns="" val="855395126"/>
       </p:ext>
     </p:extLst>
   </p:cSld>
@@ -4586,7 +4586,7 @@
     </p:spTree>
     <p:extLst>
       <p:ext uri="{BB962C8B-B14F-4D97-AF65-F5344CB8AC3E}">
-        <p14:creationId xmlns="" xmlns:p14="http://schemas.microsoft.com/office/powerpoint/2010/main" val="802928497"/>
+        <p14:creationId xmlns:p14="http://schemas.microsoft.com/office/powerpoint/2010/main" xmlns="" val="802928497"/>
       </p:ext>
     </p:extLst>
   </p:cSld>
@@ -8524,7 +8524,7 @@
           <a:blip r:embed="rId2">
             <a:extLst>
               <a:ext uri="{28A0092B-C50C-407E-A947-70E740481C1C}">
-                <a14:useLocalDpi xmlns="" xmlns:a14="http://schemas.microsoft.com/office/drawing/2010/main" val="0"/>
+                <a14:useLocalDpi xmlns:a14="http://schemas.microsoft.com/office/drawing/2010/main" xmlns="" val="0"/>
               </a:ext>
             </a:extLst>
           </a:blip>
@@ -8548,14 +8548,14 @@
           <a:effectLst/>
           <a:extLst>
             <a:ext uri="{909E8E84-426E-40DD-AFC4-6F175D3DCCD1}">
-              <a14:hiddenFill xmlns="" xmlns:a14="http://schemas.microsoft.com/office/drawing/2010/main">
+              <a14:hiddenFill xmlns:a14="http://schemas.microsoft.com/office/drawing/2010/main" xmlns="">
                 <a:solidFill>
                   <a:schemeClr val="accent1"/>
                 </a:solidFill>
               </a14:hiddenFill>
             </a:ext>
             <a:ext uri="{91240B29-F687-4F45-9708-019B960494DF}">
-              <a14:hiddenLine xmlns="" xmlns:a14="http://schemas.microsoft.com/office/drawing/2010/main" w="9525">
+              <a14:hiddenLine xmlns:a14="http://schemas.microsoft.com/office/drawing/2010/main" xmlns="" w="9525">
                 <a:solidFill>
                   <a:schemeClr val="tx1"/>
                 </a:solidFill>
@@ -8565,7 +8565,7 @@
               </a14:hiddenLine>
             </a:ext>
             <a:ext uri="{AF507438-7753-43E0-B8FC-AC1667EBCBE1}">
-              <a14:hiddenEffects xmlns="" xmlns:a14="http://schemas.microsoft.com/office/drawing/2010/main">
+              <a14:hiddenEffects xmlns:a14="http://schemas.microsoft.com/office/drawing/2010/main" xmlns="">
                 <a:effectLst>
                   <a:outerShdw dist="35921" dir="2700000" algn="ctr" rotWithShape="0">
                     <a:schemeClr val="bg2"/>
@@ -8585,7 +8585,7 @@
           <p:nvPr>
             <p:extLst>
               <p:ext uri="{D42A27DB-BD31-4B8C-83A1-F6EECF244321}">
-                <p14:modId xmlns="" xmlns:p14="http://schemas.microsoft.com/office/powerpoint/2010/main" val="669990601"/>
+                <p14:modId xmlns:p14="http://schemas.microsoft.com/office/powerpoint/2010/main" xmlns="" val="669990601"/>
               </p:ext>
             </p:extLst>
           </p:nvPr>
@@ -8762,7 +8762,7 @@
           <p:nvPr>
             <p:extLst>
               <p:ext uri="{D42A27DB-BD31-4B8C-83A1-F6EECF244321}">
-                <p14:modId xmlns="" xmlns:p14="http://schemas.microsoft.com/office/powerpoint/2010/main" val="1867475245"/>
+                <p14:modId xmlns:p14="http://schemas.microsoft.com/office/powerpoint/2010/main" xmlns="" val="1867475245"/>
               </p:ext>
             </p:extLst>
           </p:nvPr>
@@ -8893,7 +8893,7 @@
     </p:spTree>
     <p:extLst>
       <p:ext uri="{BB962C8B-B14F-4D97-AF65-F5344CB8AC3E}">
-        <p14:creationId xmlns="" xmlns:p14="http://schemas.microsoft.com/office/powerpoint/2010/main" val="4165334171"/>
+        <p14:creationId xmlns:p14="http://schemas.microsoft.com/office/powerpoint/2010/main" xmlns="" val="4165334171"/>
       </p:ext>
     </p:extLst>
   </p:cSld>
@@ -9189,7 +9189,7 @@
     </p:spTree>
     <p:extLst>
       <p:ext uri="{BB962C8B-B14F-4D97-AF65-F5344CB8AC3E}">
-        <p14:creationId xmlns="" xmlns:p14="http://schemas.microsoft.com/office/powerpoint/2010/main" val="155874689"/>
+        <p14:creationId xmlns:p14="http://schemas.microsoft.com/office/powerpoint/2010/main" xmlns="" val="155874689"/>
       </p:ext>
     </p:extLst>
   </p:cSld>
@@ -9197,7 +9197,7 @@
     <a:masterClrMapping/>
   </p:clrMapOvr>
   <mc:AlternateContent xmlns:mc="http://schemas.openxmlformats.org/markup-compatibility/2006">
-    <mc:Choice xmlns="" xmlns:p14="http://schemas.microsoft.com/office/powerpoint/2010/main" Requires="p14">
+    <mc:Choice xmlns:p14="http://schemas.microsoft.com/office/powerpoint/2010/main" xmlns="" Requires="p14">
       <p:transition spd="slow" p14:dur="2000"/>
     </mc:Choice>
     <mc:Fallback>
@@ -9703,7 +9703,7 @@
     </p:spTree>
     <p:extLst>
       <p:ext uri="{BB962C8B-B14F-4D97-AF65-F5344CB8AC3E}">
-        <p14:creationId xmlns="" xmlns:p14="http://schemas.microsoft.com/office/powerpoint/2010/main" val="155874689"/>
+        <p14:creationId xmlns:p14="http://schemas.microsoft.com/office/powerpoint/2010/main" xmlns="" val="155874689"/>
       </p:ext>
     </p:extLst>
   </p:cSld>
@@ -9711,7 +9711,7 @@
     <a:masterClrMapping/>
   </p:clrMapOvr>
   <mc:AlternateContent xmlns:mc="http://schemas.openxmlformats.org/markup-compatibility/2006">
-    <mc:Choice xmlns="" xmlns:p14="http://schemas.microsoft.com/office/powerpoint/2010/main" Requires="p14">
+    <mc:Choice xmlns:p14="http://schemas.microsoft.com/office/powerpoint/2010/main" xmlns="" Requires="p14">
       <p:transition spd="slow" p14:dur="2000"/>
     </mc:Choice>
     <mc:Fallback>
@@ -10208,7 +10208,7 @@
     </p:spTree>
     <p:extLst>
       <p:ext uri="{BB962C8B-B14F-4D97-AF65-F5344CB8AC3E}">
-        <p14:creationId xmlns="" xmlns:p14="http://schemas.microsoft.com/office/powerpoint/2010/main" val="155874689"/>
+        <p14:creationId xmlns:p14="http://schemas.microsoft.com/office/powerpoint/2010/main" xmlns="" val="155874689"/>
       </p:ext>
     </p:extLst>
   </p:cSld>
@@ -10216,7 +10216,7 @@
     <a:masterClrMapping/>
   </p:clrMapOvr>
   <mc:AlternateContent xmlns:mc="http://schemas.openxmlformats.org/markup-compatibility/2006">
-    <mc:Choice xmlns="" xmlns:p14="http://schemas.microsoft.com/office/powerpoint/2010/main" Requires="p14">
+    <mc:Choice xmlns:p14="http://schemas.microsoft.com/office/powerpoint/2010/main" xmlns="" Requires="p14">
       <p:transition spd="slow" p14:dur="2000"/>
     </mc:Choice>
     <mc:Fallback>
@@ -12390,7 +12390,7 @@
           <a:blip r:embed="rId3">
             <a:extLst>
               <a:ext uri="{28A0092B-C50C-407E-A947-70E740481C1C}">
-                <a14:useLocalDpi xmlns="" xmlns:a14="http://schemas.microsoft.com/office/drawing/2010/main" val="0"/>
+                <a14:useLocalDpi xmlns:a14="http://schemas.microsoft.com/office/drawing/2010/main" xmlns="" val="0"/>
               </a:ext>
             </a:extLst>
           </a:blip>
@@ -12410,7 +12410,7 @@
           <a:noFill/>
           <a:extLst>
             <a:ext uri="{909E8E84-426E-40DD-AFC4-6F175D3DCCD1}">
-              <a14:hiddenFill xmlns="" xmlns:a14="http://schemas.microsoft.com/office/drawing/2010/main">
+              <a14:hiddenFill xmlns:a14="http://schemas.microsoft.com/office/drawing/2010/main" xmlns="">
                 <a:solidFill>
                   <a:srgbClr val="FFFFFF"/>
                 </a:solidFill>
@@ -12431,7 +12431,7 @@
           <a:blip r:embed="rId4">
             <a:extLst>
               <a:ext uri="{28A0092B-C50C-407E-A947-70E740481C1C}">
-                <a14:useLocalDpi xmlns="" xmlns:a14="http://schemas.microsoft.com/office/drawing/2010/main" val="0"/>
+                <a14:useLocalDpi xmlns:a14="http://schemas.microsoft.com/office/drawing/2010/main" xmlns="" val="0"/>
               </a:ext>
             </a:extLst>
           </a:blip>
@@ -12451,7 +12451,7 @@
           <a:noFill/>
           <a:extLst>
             <a:ext uri="{909E8E84-426E-40DD-AFC4-6F175D3DCCD1}">
-              <a14:hiddenFill xmlns="" xmlns:a14="http://schemas.microsoft.com/office/drawing/2010/main">
+              <a14:hiddenFill xmlns:a14="http://schemas.microsoft.com/office/drawing/2010/main" xmlns="">
                 <a:solidFill>
                   <a:srgbClr val="FFFFFF"/>
                 </a:solidFill>
@@ -12497,7 +12497,7 @@
     </p:spTree>
     <p:extLst>
       <p:ext uri="{BB962C8B-B14F-4D97-AF65-F5344CB8AC3E}">
-        <p14:creationId xmlns="" xmlns:p14="http://schemas.microsoft.com/office/powerpoint/2010/main" val="1277526579"/>
+        <p14:creationId xmlns:p14="http://schemas.microsoft.com/office/powerpoint/2010/main" xmlns="" val="1277526579"/>
       </p:ext>
     </p:extLst>
   </p:cSld>
@@ -12827,7 +12827,7 @@
           <a:blip r:embed="rId3">
             <a:extLst>
               <a:ext uri="{28A0092B-C50C-407E-A947-70E740481C1C}">
-                <a14:useLocalDpi xmlns="" xmlns:a14="http://schemas.microsoft.com/office/drawing/2010/main" val="0"/>
+                <a14:useLocalDpi xmlns:a14="http://schemas.microsoft.com/office/drawing/2010/main" xmlns="" val="0"/>
               </a:ext>
             </a:extLst>
           </a:blip>
@@ -12847,7 +12847,7 @@
           <a:noFill/>
           <a:extLst>
             <a:ext uri="{909E8E84-426E-40DD-AFC4-6F175D3DCCD1}">
-              <a14:hiddenFill xmlns="" xmlns:a14="http://schemas.microsoft.com/office/drawing/2010/main">
+              <a14:hiddenFill xmlns:a14="http://schemas.microsoft.com/office/drawing/2010/main" xmlns="">
                 <a:solidFill>
                   <a:srgbClr val="FFFFFF"/>
                 </a:solidFill>
@@ -12868,7 +12868,7 @@
           <a:blip r:embed="rId4" cstate="print">
             <a:extLst>
               <a:ext uri="{28A0092B-C50C-407E-A947-70E740481C1C}">
-                <a14:useLocalDpi xmlns="" xmlns:a14="http://schemas.microsoft.com/office/drawing/2010/main" val="0"/>
+                <a14:useLocalDpi xmlns:a14="http://schemas.microsoft.com/office/drawing/2010/main" xmlns="" val="0"/>
               </a:ext>
             </a:extLst>
           </a:blip>
@@ -12888,7 +12888,7 @@
           <a:noFill/>
           <a:extLst>
             <a:ext uri="{909E8E84-426E-40DD-AFC4-6F175D3DCCD1}">
-              <a14:hiddenFill xmlns="" xmlns:a14="http://schemas.microsoft.com/office/drawing/2010/main">
+              <a14:hiddenFill xmlns:a14="http://schemas.microsoft.com/office/drawing/2010/main" xmlns="">
                 <a:solidFill>
                   <a:srgbClr val="FFFFFF"/>
                 </a:solidFill>
@@ -12909,7 +12909,7 @@
           <a:blip r:embed="rId5">
             <a:extLst>
               <a:ext uri="{28A0092B-C50C-407E-A947-70E740481C1C}">
-                <a14:useLocalDpi xmlns="" xmlns:a14="http://schemas.microsoft.com/office/drawing/2010/main" val="0"/>
+                <a14:useLocalDpi xmlns:a14="http://schemas.microsoft.com/office/drawing/2010/main" xmlns="" val="0"/>
               </a:ext>
             </a:extLst>
           </a:blip>
@@ -12929,7 +12929,7 @@
           <a:noFill/>
           <a:extLst>
             <a:ext uri="{909E8E84-426E-40DD-AFC4-6F175D3DCCD1}">
-              <a14:hiddenFill xmlns="" xmlns:a14="http://schemas.microsoft.com/office/drawing/2010/main">
+              <a14:hiddenFill xmlns:a14="http://schemas.microsoft.com/office/drawing/2010/main" xmlns="">
                 <a:solidFill>
                   <a:srgbClr val="FFFFFF"/>
                 </a:solidFill>
@@ -13031,7 +13031,7 @@
     </p:spTree>
     <p:extLst>
       <p:ext uri="{BB962C8B-B14F-4D97-AF65-F5344CB8AC3E}">
-        <p14:creationId xmlns="" xmlns:p14="http://schemas.microsoft.com/office/powerpoint/2010/main" val="418107373"/>
+        <p14:creationId xmlns:p14="http://schemas.microsoft.com/office/powerpoint/2010/main" xmlns="" val="418107373"/>
       </p:ext>
     </p:extLst>
   </p:cSld>
@@ -13670,7 +13670,7 @@
           <a:blip r:embed="rId3">
             <a:extLst>
               <a:ext uri="{28A0092B-C50C-407E-A947-70E740481C1C}">
-                <a14:useLocalDpi xmlns="" xmlns:a14="http://schemas.microsoft.com/office/drawing/2010/main" val="0"/>
+                <a14:useLocalDpi xmlns:a14="http://schemas.microsoft.com/office/drawing/2010/main" xmlns="" val="0"/>
               </a:ext>
             </a:extLst>
           </a:blip>
@@ -13690,7 +13690,7 @@
           <a:noFill/>
           <a:extLst>
             <a:ext uri="{909E8E84-426E-40DD-AFC4-6F175D3DCCD1}">
-              <a14:hiddenFill xmlns="" xmlns:a14="http://schemas.microsoft.com/office/drawing/2010/main">
+              <a14:hiddenFill xmlns:a14="http://schemas.microsoft.com/office/drawing/2010/main" xmlns="">
                 <a:solidFill>
                   <a:srgbClr val="FFFFFF"/>
                 </a:solidFill>
@@ -13711,7 +13711,7 @@
           <a:blip r:embed="rId4">
             <a:extLst>
               <a:ext uri="{28A0092B-C50C-407E-A947-70E740481C1C}">
-                <a14:useLocalDpi xmlns="" xmlns:a14="http://schemas.microsoft.com/office/drawing/2010/main" val="0"/>
+                <a14:useLocalDpi xmlns:a14="http://schemas.microsoft.com/office/drawing/2010/main" xmlns="" val="0"/>
               </a:ext>
             </a:extLst>
           </a:blip>
@@ -13731,7 +13731,7 @@
           <a:noFill/>
           <a:extLst>
             <a:ext uri="{909E8E84-426E-40DD-AFC4-6F175D3DCCD1}">
-              <a14:hiddenFill xmlns="" xmlns:a14="http://schemas.microsoft.com/office/drawing/2010/main">
+              <a14:hiddenFill xmlns:a14="http://schemas.microsoft.com/office/drawing/2010/main" xmlns="">
                 <a:solidFill>
                   <a:srgbClr val="FFFFFF"/>
                 </a:solidFill>
@@ -13979,7 +13979,7 @@
     </p:spTree>
     <p:extLst>
       <p:ext uri="{BB962C8B-B14F-4D97-AF65-F5344CB8AC3E}">
-        <p14:creationId xmlns="" xmlns:p14="http://schemas.microsoft.com/office/powerpoint/2010/main" val="2879521852"/>
+        <p14:creationId xmlns:p14="http://schemas.microsoft.com/office/powerpoint/2010/main" xmlns="" val="2879521852"/>
       </p:ext>
     </p:extLst>
   </p:cSld>
@@ -13987,7 +13987,7 @@
     <a:masterClrMapping/>
   </p:clrMapOvr>
   <mc:AlternateContent xmlns:mc="http://schemas.openxmlformats.org/markup-compatibility/2006">
-    <mc:Choice xmlns="" xmlns:p14="http://schemas.microsoft.com/office/powerpoint/2010/main" Requires="p14">
+    <mc:Choice xmlns:p14="http://schemas.microsoft.com/office/powerpoint/2010/main" xmlns="" Requires="p14">
       <p:transition spd="slow" p14:dur="2000"/>
     </mc:Choice>
     <mc:Fallback>
@@ -14346,7 +14346,7 @@
           <a:blip r:embed="rId3">
             <a:extLst>
               <a:ext uri="{28A0092B-C50C-407E-A947-70E740481C1C}">
-                <a14:useLocalDpi xmlns="" xmlns:a14="http://schemas.microsoft.com/office/drawing/2010/main" val="0"/>
+                <a14:useLocalDpi xmlns:a14="http://schemas.microsoft.com/office/drawing/2010/main" xmlns="" val="0"/>
               </a:ext>
             </a:extLst>
           </a:blip>
@@ -14366,7 +14366,7 @@
           <a:noFill/>
           <a:extLst>
             <a:ext uri="{909E8E84-426E-40DD-AFC4-6F175D3DCCD1}">
-              <a14:hiddenFill xmlns="" xmlns:a14="http://schemas.microsoft.com/office/drawing/2010/main">
+              <a14:hiddenFill xmlns:a14="http://schemas.microsoft.com/office/drawing/2010/main" xmlns="">
                 <a:solidFill>
                   <a:srgbClr val="FFFFFF"/>
                 </a:solidFill>
@@ -14887,7 +14887,7 @@
     </p:spTree>
     <p:extLst>
       <p:ext uri="{BB962C8B-B14F-4D97-AF65-F5344CB8AC3E}">
-        <p14:creationId xmlns="" xmlns:p14="http://schemas.microsoft.com/office/powerpoint/2010/main" val="202613363"/>
+        <p14:creationId xmlns:p14="http://schemas.microsoft.com/office/powerpoint/2010/main" xmlns="" val="202613363"/>
       </p:ext>
     </p:extLst>
   </p:cSld>
@@ -14895,7 +14895,7 @@
     <a:masterClrMapping/>
   </p:clrMapOvr>
   <mc:AlternateContent xmlns:mc="http://schemas.openxmlformats.org/markup-compatibility/2006">
-    <mc:Choice xmlns="" xmlns:p14="http://schemas.microsoft.com/office/powerpoint/2010/main" Requires="p14">
+    <mc:Choice xmlns:p14="http://schemas.microsoft.com/office/powerpoint/2010/main" xmlns="" Requires="p14">
       <p:transition spd="slow" p14:dur="2000"/>
     </mc:Choice>
     <mc:Fallback>
@@ -15220,7 +15220,7 @@
           <a:blip r:embed="rId3">
             <a:extLst>
               <a:ext uri="{28A0092B-C50C-407E-A947-70E740481C1C}">
-                <a14:useLocalDpi xmlns="" xmlns:a14="http://schemas.microsoft.com/office/drawing/2010/main" val="0"/>
+                <a14:useLocalDpi xmlns:a14="http://schemas.microsoft.com/office/drawing/2010/main" xmlns="" val="0"/>
               </a:ext>
             </a:extLst>
           </a:blip>
@@ -15240,7 +15240,7 @@
           <a:noFill/>
           <a:extLst>
             <a:ext uri="{909E8E84-426E-40DD-AFC4-6F175D3DCCD1}">
-              <a14:hiddenFill xmlns="" xmlns:a14="http://schemas.microsoft.com/office/drawing/2010/main">
+              <a14:hiddenFill xmlns:a14="http://schemas.microsoft.com/office/drawing/2010/main" xmlns="">
                 <a:solidFill>
                   <a:srgbClr val="FFFFFF"/>
                 </a:solidFill>
@@ -15261,7 +15261,7 @@
           <a:blip r:embed="rId4">
             <a:extLst>
               <a:ext uri="{28A0092B-C50C-407E-A947-70E740481C1C}">
-                <a14:useLocalDpi xmlns="" xmlns:a14="http://schemas.microsoft.com/office/drawing/2010/main" val="0"/>
+                <a14:useLocalDpi xmlns:a14="http://schemas.microsoft.com/office/drawing/2010/main" xmlns="" val="0"/>
               </a:ext>
             </a:extLst>
           </a:blip>
@@ -15281,7 +15281,7 @@
           <a:noFill/>
           <a:extLst>
             <a:ext uri="{909E8E84-426E-40DD-AFC4-6F175D3DCCD1}">
-              <a14:hiddenFill xmlns="" xmlns:a14="http://schemas.microsoft.com/office/drawing/2010/main">
+              <a14:hiddenFill xmlns:a14="http://schemas.microsoft.com/office/drawing/2010/main" xmlns="">
                 <a:solidFill>
                   <a:srgbClr val="FFFFFF"/>
                 </a:solidFill>
@@ -15605,7 +15605,7 @@
     </p:spTree>
     <p:extLst>
       <p:ext uri="{BB962C8B-B14F-4D97-AF65-F5344CB8AC3E}">
-        <p14:creationId xmlns="" xmlns:p14="http://schemas.microsoft.com/office/powerpoint/2010/main" val="1197112555"/>
+        <p14:creationId xmlns:p14="http://schemas.microsoft.com/office/powerpoint/2010/main" xmlns="" val="1197112555"/>
       </p:ext>
     </p:extLst>
   </p:cSld>
@@ -15613,7 +15613,7 @@
     <a:masterClrMapping/>
   </p:clrMapOvr>
   <mc:AlternateContent xmlns:mc="http://schemas.openxmlformats.org/markup-compatibility/2006">
-    <mc:Choice xmlns="" xmlns:p14="http://schemas.microsoft.com/office/powerpoint/2010/main" Requires="p14">
+    <mc:Choice xmlns:p14="http://schemas.microsoft.com/office/powerpoint/2010/main" xmlns="" Requires="p14">
       <p:transition spd="slow" p14:dur="2000"/>
     </mc:Choice>
     <mc:Fallback>
@@ -16700,7 +16700,7 @@
     </p:spTree>
     <p:extLst>
       <p:ext uri="{BB962C8B-B14F-4D97-AF65-F5344CB8AC3E}">
-        <p14:creationId xmlns="" xmlns:p14="http://schemas.microsoft.com/office/powerpoint/2010/main" val="155874689"/>
+        <p14:creationId xmlns:p14="http://schemas.microsoft.com/office/powerpoint/2010/main" xmlns="" val="155874689"/>
       </p:ext>
     </p:extLst>
   </p:cSld>
@@ -16708,7 +16708,7 @@
     <a:masterClrMapping/>
   </p:clrMapOvr>
   <mc:AlternateContent xmlns:mc="http://schemas.openxmlformats.org/markup-compatibility/2006">
-    <mc:Choice xmlns="" xmlns:p14="http://schemas.microsoft.com/office/powerpoint/2010/main" Requires="p14">
+    <mc:Choice xmlns:p14="http://schemas.microsoft.com/office/powerpoint/2010/main" xmlns="" Requires="p14">
       <p:transition spd="slow" p14:dur="2000"/>
     </mc:Choice>
     <mc:Fallback>
@@ -17072,7 +17072,7 @@
           <a:blip r:embed="rId3">
             <a:extLst>
               <a:ext uri="{28A0092B-C50C-407E-A947-70E740481C1C}">
-                <a14:useLocalDpi xmlns="" xmlns:a14="http://schemas.microsoft.com/office/drawing/2010/main" val="0"/>
+                <a14:useLocalDpi xmlns:a14="http://schemas.microsoft.com/office/drawing/2010/main" xmlns="" val="0"/>
               </a:ext>
             </a:extLst>
           </a:blip>
@@ -17092,7 +17092,7 @@
           <a:noFill/>
           <a:extLst>
             <a:ext uri="{909E8E84-426E-40DD-AFC4-6F175D3DCCD1}">
-              <a14:hiddenFill xmlns="" xmlns:a14="http://schemas.microsoft.com/office/drawing/2010/main">
+              <a14:hiddenFill xmlns:a14="http://schemas.microsoft.com/office/drawing/2010/main" xmlns="">
                 <a:solidFill>
                   <a:srgbClr val="FFFFFF"/>
                 </a:solidFill>
@@ -17113,7 +17113,7 @@
           <a:blip r:embed="rId4">
             <a:extLst>
               <a:ext uri="{28A0092B-C50C-407E-A947-70E740481C1C}">
-                <a14:useLocalDpi xmlns="" xmlns:a14="http://schemas.microsoft.com/office/drawing/2010/main" val="0"/>
+                <a14:useLocalDpi xmlns:a14="http://schemas.microsoft.com/office/drawing/2010/main" xmlns="" val="0"/>
               </a:ext>
             </a:extLst>
           </a:blip>
@@ -17142,7 +17142,7 @@
           </a:effectLst>
           <a:extLst>
             <a:ext uri="{909E8E84-426E-40DD-AFC4-6F175D3DCCD1}">
-              <a14:hiddenFill xmlns="" xmlns:a14="http://schemas.microsoft.com/office/drawing/2010/main">
+              <a14:hiddenFill xmlns:a14="http://schemas.microsoft.com/office/drawing/2010/main" xmlns="">
                 <a:solidFill>
                   <a:srgbClr val="FFFFFF"/>
                 </a:solidFill>
@@ -17180,7 +17180,7 @@
     </p:spTree>
     <p:extLst>
       <p:ext uri="{BB962C8B-B14F-4D97-AF65-F5344CB8AC3E}">
-        <p14:creationId xmlns="" xmlns:p14="http://schemas.microsoft.com/office/powerpoint/2010/main" val="700353664"/>
+        <p14:creationId xmlns:p14="http://schemas.microsoft.com/office/powerpoint/2010/main" xmlns="" val="700353664"/>
       </p:ext>
     </p:extLst>
   </p:cSld>
@@ -17188,7 +17188,7 @@
     <a:masterClrMapping/>
   </p:clrMapOvr>
   <mc:AlternateContent xmlns:mc="http://schemas.openxmlformats.org/markup-compatibility/2006">
-    <mc:Choice xmlns="" xmlns:p14="http://schemas.microsoft.com/office/powerpoint/2010/main" Requires="p14">
+    <mc:Choice xmlns:p14="http://schemas.microsoft.com/office/powerpoint/2010/main" xmlns="" Requires="p14">
       <p:transition spd="slow" p14:dur="2000"/>
     </mc:Choice>
     <mc:Fallback>
@@ -17935,7 +17935,7 @@
           <a:blip r:embed="rId3">
             <a:extLst>
               <a:ext uri="{28A0092B-C50C-407E-A947-70E740481C1C}">
-                <a14:useLocalDpi xmlns="" xmlns:a14="http://schemas.microsoft.com/office/drawing/2010/main" val="0"/>
+                <a14:useLocalDpi xmlns:a14="http://schemas.microsoft.com/office/drawing/2010/main" xmlns="" val="0"/>
               </a:ext>
             </a:extLst>
           </a:blip>
@@ -17960,7 +17960,7 @@
           </a:effectLst>
           <a:extLst>
             <a:ext uri="{909E8E84-426E-40DD-AFC4-6F175D3DCCD1}">
-              <a14:hiddenFill xmlns="" xmlns:a14="http://schemas.microsoft.com/office/drawing/2010/main">
+              <a14:hiddenFill xmlns:a14="http://schemas.microsoft.com/office/drawing/2010/main" xmlns="">
                 <a:solidFill>
                   <a:srgbClr val="FFFFFF"/>
                 </a:solidFill>
@@ -17981,7 +17981,7 @@
           <a:blip r:embed="rId4">
             <a:extLst>
               <a:ext uri="{28A0092B-C50C-407E-A947-70E740481C1C}">
-                <a14:useLocalDpi xmlns="" xmlns:a14="http://schemas.microsoft.com/office/drawing/2010/main" val="0"/>
+                <a14:useLocalDpi xmlns:a14="http://schemas.microsoft.com/office/drawing/2010/main" xmlns="" val="0"/>
               </a:ext>
             </a:extLst>
           </a:blip>
@@ -18001,7 +18001,7 @@
           <a:noFill/>
           <a:extLst>
             <a:ext uri="{909E8E84-426E-40DD-AFC4-6F175D3DCCD1}">
-              <a14:hiddenFill xmlns="" xmlns:a14="http://schemas.microsoft.com/office/drawing/2010/main">
+              <a14:hiddenFill xmlns:a14="http://schemas.microsoft.com/office/drawing/2010/main" xmlns="">
                 <a:solidFill>
                   <a:srgbClr val="FFFFFF"/>
                 </a:solidFill>
@@ -18047,7 +18047,7 @@
     </p:spTree>
     <p:extLst>
       <p:ext uri="{BB962C8B-B14F-4D97-AF65-F5344CB8AC3E}">
-        <p14:creationId xmlns="" xmlns:p14="http://schemas.microsoft.com/office/powerpoint/2010/main" val="2947224754"/>
+        <p14:creationId xmlns:p14="http://schemas.microsoft.com/office/powerpoint/2010/main" xmlns="" val="2947224754"/>
       </p:ext>
     </p:extLst>
   </p:cSld>
@@ -18364,7 +18364,7 @@
           <a:blip r:embed="rId3">
             <a:extLst>
               <a:ext uri="{28A0092B-C50C-407E-A947-70E740481C1C}">
-                <a14:useLocalDpi xmlns="" xmlns:a14="http://schemas.microsoft.com/office/drawing/2010/main" val="0"/>
+                <a14:useLocalDpi xmlns:a14="http://schemas.microsoft.com/office/drawing/2010/main" xmlns="" val="0"/>
               </a:ext>
             </a:extLst>
           </a:blip>
@@ -18384,7 +18384,7 @@
           <a:noFill/>
           <a:extLst>
             <a:ext uri="{909E8E84-426E-40DD-AFC4-6F175D3DCCD1}">
-              <a14:hiddenFill xmlns="" xmlns:a14="http://schemas.microsoft.com/office/drawing/2010/main">
+              <a14:hiddenFill xmlns:a14="http://schemas.microsoft.com/office/drawing/2010/main" xmlns="">
                 <a:solidFill>
                   <a:srgbClr val="FFFFFF"/>
                 </a:solidFill>
@@ -18939,7 +18939,7 @@
     </p:spTree>
     <p:extLst>
       <p:ext uri="{BB962C8B-B14F-4D97-AF65-F5344CB8AC3E}">
-        <p14:creationId xmlns="" xmlns:p14="http://schemas.microsoft.com/office/powerpoint/2010/main" val="1111877724"/>
+        <p14:creationId xmlns:p14="http://schemas.microsoft.com/office/powerpoint/2010/main" xmlns="" val="1111877724"/>
       </p:ext>
     </p:extLst>
   </p:cSld>
@@ -18947,7 +18947,7 @@
     <a:masterClrMapping/>
   </p:clrMapOvr>
   <mc:AlternateContent xmlns:mc="http://schemas.openxmlformats.org/markup-compatibility/2006">
-    <mc:Choice xmlns="" xmlns:p14="http://schemas.microsoft.com/office/powerpoint/2010/main" Requires="p14">
+    <mc:Choice xmlns:p14="http://schemas.microsoft.com/office/powerpoint/2010/main" xmlns="" Requires="p14">
       <p:transition spd="slow" p14:dur="2000"/>
     </mc:Choice>
     <mc:Fallback>
@@ -19329,7 +19329,7 @@
           <p:nvPr>
             <p:extLst>
               <p:ext uri="{D42A27DB-BD31-4B8C-83A1-F6EECF244321}">
-                <p14:modId xmlns="" xmlns:p14="http://schemas.microsoft.com/office/powerpoint/2010/main" val="2643884637"/>
+                <p14:modId xmlns:p14="http://schemas.microsoft.com/office/powerpoint/2010/main" xmlns="" val="2643884637"/>
               </p:ext>
             </p:extLst>
           </p:nvPr>
@@ -19770,14 +19770,14 @@
           <a:effectLst/>
           <a:extLst>
             <a:ext uri="{909E8E84-426E-40DD-AFC4-6F175D3DCCD1}">
-              <a14:hiddenFill xmlns="" xmlns:a14="http://schemas.microsoft.com/office/drawing/2010/main">
+              <a14:hiddenFill xmlns:a14="http://schemas.microsoft.com/office/drawing/2010/main" xmlns="">
                 <a:solidFill>
                   <a:schemeClr val="accent1"/>
                 </a:solidFill>
               </a14:hiddenFill>
             </a:ext>
             <a:ext uri="{91240B29-F687-4F45-9708-019B960494DF}">
-              <a14:hiddenLine xmlns="" xmlns:a14="http://schemas.microsoft.com/office/drawing/2010/main" w="9525">
+              <a14:hiddenLine xmlns:a14="http://schemas.microsoft.com/office/drawing/2010/main" xmlns="" w="9525">
                 <a:solidFill>
                   <a:schemeClr val="tx1"/>
                 </a:solidFill>
@@ -19787,7 +19787,7 @@
               </a14:hiddenLine>
             </a:ext>
             <a:ext uri="{AF507438-7753-43E0-B8FC-AC1667EBCBE1}">
-              <a14:hiddenEffects xmlns="" xmlns:a14="http://schemas.microsoft.com/office/drawing/2010/main">
+              <a14:hiddenEffects xmlns:a14="http://schemas.microsoft.com/office/drawing/2010/main" xmlns="">
                 <a:effectLst>
                   <a:outerShdw dist="35921" dir="2700000" algn="ctr" rotWithShape="0">
                     <a:schemeClr val="bg2"/>
@@ -19868,7 +19868,7 @@
     </p:spTree>
     <p:extLst>
       <p:ext uri="{BB962C8B-B14F-4D97-AF65-F5344CB8AC3E}">
-        <p14:creationId xmlns="" xmlns:p14="http://schemas.microsoft.com/office/powerpoint/2010/main" val="503117530"/>
+        <p14:creationId xmlns:p14="http://schemas.microsoft.com/office/powerpoint/2010/main" xmlns="" val="503117530"/>
       </p:ext>
     </p:extLst>
   </p:cSld>
@@ -19953,7 +19953,7 @@
           <p:nvPr>
             <p:extLst>
               <p:ext uri="{D42A27DB-BD31-4B8C-83A1-F6EECF244321}">
-                <p14:modId xmlns="" xmlns:p14="http://schemas.microsoft.com/office/powerpoint/2010/main" val="722892891"/>
+                <p14:modId xmlns:p14="http://schemas.microsoft.com/office/powerpoint/2010/main" xmlns="" val="722892891"/>
               </p:ext>
             </p:extLst>
           </p:nvPr>
@@ -20935,7 +20935,7 @@
     </p:spTree>
     <p:extLst>
       <p:ext uri="{BB962C8B-B14F-4D97-AF65-F5344CB8AC3E}">
-        <p14:creationId xmlns="" xmlns:p14="http://schemas.microsoft.com/office/powerpoint/2010/main" val="2473970557"/>
+        <p14:creationId xmlns:p14="http://schemas.microsoft.com/office/powerpoint/2010/main" xmlns="" val="2473970557"/>
       </p:ext>
     </p:extLst>
   </p:cSld>
@@ -20981,7 +20981,7 @@
           <a:blip r:embed="rId3">
             <a:extLst>
               <a:ext uri="{28A0092B-C50C-407E-A947-70E740481C1C}">
-                <a14:useLocalDpi xmlns="" xmlns:a14="http://schemas.microsoft.com/office/drawing/2010/main" val="0"/>
+                <a14:useLocalDpi xmlns:a14="http://schemas.microsoft.com/office/drawing/2010/main" xmlns="" val="0"/>
               </a:ext>
             </a:extLst>
           </a:blip>
@@ -21024,7 +21024,7 @@
           </a:sp3d>
           <a:extLst>
             <a:ext uri="{909E8E84-426E-40DD-AFC4-6F175D3DCCD1}">
-              <a14:hiddenFill xmlns="" xmlns:a14="http://schemas.microsoft.com/office/drawing/2010/main">
+              <a14:hiddenFill xmlns:a14="http://schemas.microsoft.com/office/drawing/2010/main" xmlns="">
                 <a:solidFill>
                   <a:srgbClr val="FFFFFF"/>
                 </a:solidFill>
@@ -21363,7 +21363,7 @@
           <a:blip r:embed="rId3">
             <a:extLst>
               <a:ext uri="{28A0092B-C50C-407E-A947-70E740481C1C}">
-                <a14:useLocalDpi xmlns="" xmlns:a14="http://schemas.microsoft.com/office/drawing/2010/main" val="0"/>
+                <a14:useLocalDpi xmlns:a14="http://schemas.microsoft.com/office/drawing/2010/main" xmlns="" val="0"/>
               </a:ext>
             </a:extLst>
           </a:blip>
@@ -21387,14 +21387,14 @@
           <a:effectLst/>
           <a:extLst>
             <a:ext uri="{909E8E84-426E-40DD-AFC4-6F175D3DCCD1}">
-              <a14:hiddenFill xmlns="" xmlns:a14="http://schemas.microsoft.com/office/drawing/2010/main">
+              <a14:hiddenFill xmlns:a14="http://schemas.microsoft.com/office/drawing/2010/main" xmlns="">
                 <a:solidFill>
                   <a:schemeClr val="accent1"/>
                 </a:solidFill>
               </a14:hiddenFill>
             </a:ext>
             <a:ext uri="{91240B29-F687-4F45-9708-019B960494DF}">
-              <a14:hiddenLine xmlns="" xmlns:a14="http://schemas.microsoft.com/office/drawing/2010/main" w="9525">
+              <a14:hiddenLine xmlns:a14="http://schemas.microsoft.com/office/drawing/2010/main" xmlns="" w="9525">
                 <a:solidFill>
                   <a:schemeClr val="tx1"/>
                 </a:solidFill>
@@ -21404,7 +21404,7 @@
               </a14:hiddenLine>
             </a:ext>
             <a:ext uri="{AF507438-7753-43E0-B8FC-AC1667EBCBE1}">
-              <a14:hiddenEffects xmlns="" xmlns:a14="http://schemas.microsoft.com/office/drawing/2010/main">
+              <a14:hiddenEffects xmlns:a14="http://schemas.microsoft.com/office/drawing/2010/main" xmlns="">
                 <a:effectLst>
                   <a:outerShdw dist="35921" dir="2700000" algn="ctr" rotWithShape="0">
                     <a:schemeClr val="bg2"/>
@@ -21505,14 +21505,14 @@
           <a:effectLst/>
           <a:extLst>
             <a:ext uri="{909E8E84-426E-40DD-AFC4-6F175D3DCCD1}">
-              <a14:hiddenFill xmlns="" xmlns:a14="http://schemas.microsoft.com/office/drawing/2010/main">
+              <a14:hiddenFill xmlns:a14="http://schemas.microsoft.com/office/drawing/2010/main" xmlns="">
                 <a:solidFill>
                   <a:schemeClr val="accent1"/>
                 </a:solidFill>
               </a14:hiddenFill>
             </a:ext>
             <a:ext uri="{91240B29-F687-4F45-9708-019B960494DF}">
-              <a14:hiddenLine xmlns="" xmlns:a14="http://schemas.microsoft.com/office/drawing/2010/main" w="9525">
+              <a14:hiddenLine xmlns:a14="http://schemas.microsoft.com/office/drawing/2010/main" xmlns="" w="9525">
                 <a:solidFill>
                   <a:schemeClr val="tx1"/>
                 </a:solidFill>
@@ -21522,7 +21522,7 @@
               </a14:hiddenLine>
             </a:ext>
             <a:ext uri="{AF507438-7753-43E0-B8FC-AC1667EBCBE1}">
-              <a14:hiddenEffects xmlns="" xmlns:a14="http://schemas.microsoft.com/office/drawing/2010/main">
+              <a14:hiddenEffects xmlns:a14="http://schemas.microsoft.com/office/drawing/2010/main" xmlns="">
                 <a:effectLst>
                   <a:outerShdw dist="35921" dir="2700000" algn="ctr" rotWithShape="0">
                     <a:schemeClr val="bg2"/>
@@ -21970,7 +21970,7 @@
     </p:spTree>
     <p:extLst>
       <p:ext uri="{BB962C8B-B14F-4D97-AF65-F5344CB8AC3E}">
-        <p14:creationId xmlns="" xmlns:p14="http://schemas.microsoft.com/office/powerpoint/2010/main" val="3312797979"/>
+        <p14:creationId xmlns:p14="http://schemas.microsoft.com/office/powerpoint/2010/main" xmlns="" val="3312797979"/>
       </p:ext>
     </p:extLst>
   </p:cSld>
@@ -23400,7 +23400,7 @@
     </p:spTree>
     <p:extLst>
       <p:ext uri="{BB962C8B-B14F-4D97-AF65-F5344CB8AC3E}">
-        <p14:creationId xmlns="" xmlns:p14="http://schemas.microsoft.com/office/powerpoint/2010/main" val="155874689"/>
+        <p14:creationId xmlns:p14="http://schemas.microsoft.com/office/powerpoint/2010/main" xmlns="" val="155874689"/>
       </p:ext>
     </p:extLst>
   </p:cSld>
@@ -23408,7 +23408,7 @@
     <a:masterClrMapping/>
   </p:clrMapOvr>
   <mc:AlternateContent xmlns:mc="http://schemas.openxmlformats.org/markup-compatibility/2006">
-    <mc:Choice xmlns="" xmlns:p14="http://schemas.microsoft.com/office/powerpoint/2010/main" Requires="p14">
+    <mc:Choice xmlns:p14="http://schemas.microsoft.com/office/powerpoint/2010/main" xmlns="" Requires="p14">
       <p:transition spd="slow" p14:dur="2000"/>
     </mc:Choice>
     <mc:Fallback>
@@ -24015,7 +24015,7 @@
           <p:nvPr>
             <p:extLst>
               <p:ext uri="{D42A27DB-BD31-4B8C-83A1-F6EECF244321}">
-                <p14:modId xmlns="" xmlns:p14="http://schemas.microsoft.com/office/powerpoint/2010/main" val="3382119601"/>
+                <p14:modId xmlns:p14="http://schemas.microsoft.com/office/powerpoint/2010/main" xmlns="" val="3382119601"/>
               </p:ext>
             </p:extLst>
           </p:nvPr>
@@ -26604,8 +26604,25 @@
                 <a:latin typeface="+mj-lt"/>
                 <a:cs typeface="Arial" pitchFamily="34" charset="0"/>
               </a:rPr>
-              <a:t>*@param questionario</a:t>
-            </a:r>
+              <a:t>*@param </a:t>
+            </a:r>
+            <a:r>
+              <a:rPr lang="it-IT" sz="1800" b="1" dirty="0" smtClean="0">
+                <a:solidFill>
+                  <a:srgbClr val="0070C0"/>
+                </a:solidFill>
+                <a:latin typeface="+mj-lt"/>
+                <a:cs typeface="Arial" pitchFamily="34" charset="0"/>
+              </a:rPr>
+              <a:t>questionario</a:t>
+            </a:r>
+            <a:endParaRPr lang="it-IT" sz="1800" b="1" dirty="0" smtClean="0">
+              <a:solidFill>
+                <a:srgbClr val="0070C0"/>
+              </a:solidFill>
+              <a:latin typeface="+mj-lt"/>
+              <a:cs typeface="Arial" pitchFamily="34" charset="0"/>
+            </a:endParaRPr>
           </a:p>
           <a:p>
             <a:pPr marL="285750" indent="-285750" algn="just">
@@ -26756,10 +26773,62 @@
           </a:p>
         </p:txBody>
       </p:sp>
+      <p:pic>
+        <p:nvPicPr>
+          <p:cNvPr id="16386" name="Picture 2" descr="http://oliviertech.com/wp-content/uploads/2012/12/junit.gif"/>
+          <p:cNvPicPr>
+            <a:picLocks noChangeAspect="1" noChangeArrowheads="1"/>
+          </p:cNvPicPr>
+          <p:nvPr/>
+        </p:nvPicPr>
+        <p:blipFill>
+          <a:blip r:embed="rId2"/>
+          <a:srcRect/>
+          <a:stretch>
+            <a:fillRect/>
+          </a:stretch>
+        </p:blipFill>
+        <p:spPr bwMode="auto">
+          <a:xfrm>
+            <a:off x="155575" y="-319088"/>
+            <a:ext cx="1276350" cy="676276"/>
+          </a:xfrm>
+          <a:prstGeom prst="rect">
+            <a:avLst/>
+          </a:prstGeom>
+          <a:noFill/>
+        </p:spPr>
+      </p:pic>
+      <p:pic>
+        <p:nvPicPr>
+          <p:cNvPr id="16388" name="Picture 4" descr="http://oliviertech.com/wp-content/uploads/2012/12/junit.gif"/>
+          <p:cNvPicPr>
+            <a:picLocks noChangeAspect="1" noChangeArrowheads="1"/>
+          </p:cNvPicPr>
+          <p:nvPr/>
+        </p:nvPicPr>
+        <p:blipFill>
+          <a:blip r:embed="rId2"/>
+          <a:srcRect/>
+          <a:stretch>
+            <a:fillRect/>
+          </a:stretch>
+        </p:blipFill>
+        <p:spPr bwMode="auto">
+          <a:xfrm>
+            <a:off x="7286644" y="5715016"/>
+            <a:ext cx="1276350" cy="676276"/>
+          </a:xfrm>
+          <a:prstGeom prst="rect">
+            <a:avLst/>
+          </a:prstGeom>
+          <a:noFill/>
+        </p:spPr>
+      </p:pic>
     </p:spTree>
     <p:extLst>
       <p:ext uri="{BB962C8B-B14F-4D97-AF65-F5344CB8AC3E}">
-        <p14:creationId xmlns="" xmlns:p14="http://schemas.microsoft.com/office/powerpoint/2010/main" val="134615909"/>
+        <p14:creationId xmlns:p14="http://schemas.microsoft.com/office/powerpoint/2010/main" xmlns="" val="134615909"/>
       </p:ext>
     </p:extLst>
   </p:cSld>
@@ -26852,7 +26921,7 @@
           <p:nvPr>
             <p:extLst>
               <p:ext uri="{D42A27DB-BD31-4B8C-83A1-F6EECF244321}">
-                <p14:modId xmlns="" xmlns:p14="http://schemas.microsoft.com/office/powerpoint/2010/main" val="1603526078"/>
+                <p14:modId xmlns:p14="http://schemas.microsoft.com/office/powerpoint/2010/main" xmlns="" val="1603526078"/>
               </p:ext>
             </p:extLst>
           </p:nvPr>
@@ -26919,11 +26988,7 @@
                       </a:r>
                       <a:r>
                         <a:rPr lang="it-IT" baseline="0" dirty="0" smtClean="0"/>
-                        <a:t> </a:t>
-                      </a:r>
-                      <a:r>
-                        <a:rPr lang="it-IT" baseline="0" dirty="0" smtClean="0"/>
-                        <a:t>editabile</a:t>
+                        <a:t> editabile</a:t>
                       </a:r>
                     </a:p>
                     <a:p>
@@ -27002,7 +27067,7 @@
     </p:spTree>
     <p:extLst>
       <p:ext uri="{BB962C8B-B14F-4D97-AF65-F5344CB8AC3E}">
-        <p14:creationId xmlns="" xmlns:p14="http://schemas.microsoft.com/office/powerpoint/2010/main" val="1428921569"/>
+        <p14:creationId xmlns:p14="http://schemas.microsoft.com/office/powerpoint/2010/main" xmlns="" val="1428921569"/>
       </p:ext>
     </p:extLst>
   </p:cSld>
@@ -27095,7 +27160,7 @@
           <p:nvPr>
             <p:extLst>
               <p:ext uri="{D42A27DB-BD31-4B8C-83A1-F6EECF244321}">
-                <p14:modId xmlns="" xmlns:p14="http://schemas.microsoft.com/office/powerpoint/2010/main" val="3377787449"/>
+                <p14:modId xmlns:p14="http://schemas.microsoft.com/office/powerpoint/2010/main" xmlns="" val="3377787449"/>
               </p:ext>
             </p:extLst>
           </p:nvPr>
@@ -27182,11 +27247,7 @@
                       </a:r>
                       <a:r>
                         <a:rPr lang="it-IT" baseline="0" dirty="0" smtClean="0"/>
-                        <a:t> </a:t>
-                      </a:r>
-                      <a:r>
-                        <a:rPr lang="it-IT" baseline="0" dirty="0" smtClean="0"/>
-                        <a:t>editabile</a:t>
+                        <a:t> editabile</a:t>
                       </a:r>
                     </a:p>
                     <a:p>
@@ -27311,7 +27372,7 @@
     </p:spTree>
     <p:extLst>
       <p:ext uri="{BB962C8B-B14F-4D97-AF65-F5344CB8AC3E}">
-        <p14:creationId xmlns="" xmlns:p14="http://schemas.microsoft.com/office/powerpoint/2010/main" val="521228686"/>
+        <p14:creationId xmlns:p14="http://schemas.microsoft.com/office/powerpoint/2010/main" xmlns="" val="521228686"/>
       </p:ext>
     </p:extLst>
   </p:cSld>
@@ -27398,7 +27459,7 @@
           <a:blip r:embed="rId2">
             <a:extLst>
               <a:ext uri="{28A0092B-C50C-407E-A947-70E740481C1C}">
-                <a14:useLocalDpi xmlns="" xmlns:a14="http://schemas.microsoft.com/office/drawing/2010/main" val="0"/>
+                <a14:useLocalDpi xmlns:a14="http://schemas.microsoft.com/office/drawing/2010/main" xmlns="" val="0"/>
               </a:ext>
             </a:extLst>
           </a:blip>
@@ -27418,7 +27479,7 @@
           <a:noFill/>
           <a:extLst>
             <a:ext uri="{909E8E84-426E-40DD-AFC4-6F175D3DCCD1}">
-              <a14:hiddenFill xmlns="" xmlns:a14="http://schemas.microsoft.com/office/drawing/2010/main">
+              <a14:hiddenFill xmlns:a14="http://schemas.microsoft.com/office/drawing/2010/main" xmlns="">
                 <a:solidFill>
                   <a:srgbClr val="FFFFFF"/>
                 </a:solidFill>
@@ -27529,11 +27590,7 @@
           <a:p>
             <a:r>
               <a:rPr lang="it-IT" dirty="0" smtClean="0"/>
-              <a:t>una d</a:t>
-            </a:r>
-            <a:r>
-              <a:rPr lang="it-IT" dirty="0" smtClean="0"/>
-              <a:t>ata con anno -1900 a </a:t>
+              <a:t>una data con anno -1900 a </a:t>
             </a:r>
           </a:p>
           <a:p>
@@ -27604,7 +27661,7 @@
     </p:spTree>
     <p:extLst>
       <p:ext uri="{BB962C8B-B14F-4D97-AF65-F5344CB8AC3E}">
-        <p14:creationId xmlns="" xmlns:p14="http://schemas.microsoft.com/office/powerpoint/2010/main" val="2138116938"/>
+        <p14:creationId xmlns:p14="http://schemas.microsoft.com/office/powerpoint/2010/main" xmlns="" val="2138116938"/>
       </p:ext>
     </p:extLst>
   </p:cSld>
@@ -27706,7 +27763,7 @@
           <p:nvPr>
             <p:extLst>
               <p:ext uri="{D42A27DB-BD31-4B8C-83A1-F6EECF244321}">
-                <p14:modId xmlns="" xmlns:p14="http://schemas.microsoft.com/office/powerpoint/2010/main" val="3745458434"/>
+                <p14:modId xmlns:p14="http://schemas.microsoft.com/office/powerpoint/2010/main" xmlns="" val="3745458434"/>
               </p:ext>
             </p:extLst>
           </p:nvPr>
@@ -27793,11 +27850,7 @@
                       </a:r>
                       <a:r>
                         <a:rPr lang="it-IT" baseline="0" dirty="0" smtClean="0"/>
-                        <a:t> </a:t>
-                      </a:r>
-                      <a:r>
-                        <a:rPr lang="it-IT" baseline="0" dirty="0" smtClean="0"/>
-                        <a:t>editabile</a:t>
+                        <a:t> editabile</a:t>
                       </a:r>
                     </a:p>
                     <a:p>
@@ -27922,7 +27975,7 @@
     </p:spTree>
     <p:extLst>
       <p:ext uri="{BB962C8B-B14F-4D97-AF65-F5344CB8AC3E}">
-        <p14:creationId xmlns="" xmlns:p14="http://schemas.microsoft.com/office/powerpoint/2010/main" val="2476603813"/>
+        <p14:creationId xmlns:p14="http://schemas.microsoft.com/office/powerpoint/2010/main" xmlns="" val="2476603813"/>
       </p:ext>
     </p:extLst>
   </p:cSld>
@@ -27997,7 +28050,7 @@
     </p:spTree>
     <p:extLst>
       <p:ext uri="{BB962C8B-B14F-4D97-AF65-F5344CB8AC3E}">
-        <p14:creationId xmlns="" xmlns:p14="http://schemas.microsoft.com/office/powerpoint/2010/main" val="3060381138"/>
+        <p14:creationId xmlns:p14="http://schemas.microsoft.com/office/powerpoint/2010/main" xmlns="" val="3060381138"/>
       </p:ext>
     </p:extLst>
   </p:cSld>
@@ -28522,7 +28575,7 @@
           <a:blip r:embed="rId3">
             <a:extLst>
               <a:ext uri="{28A0092B-C50C-407E-A947-70E740481C1C}">
-                <a14:useLocalDpi xmlns="" xmlns:a14="http://schemas.microsoft.com/office/drawing/2010/main" val="0"/>
+                <a14:useLocalDpi xmlns:a14="http://schemas.microsoft.com/office/drawing/2010/main" xmlns="" val="0"/>
               </a:ext>
             </a:extLst>
           </a:blip>
@@ -28542,7 +28595,7 @@
           <a:noFill/>
           <a:extLst>
             <a:ext uri="{909E8E84-426E-40DD-AFC4-6F175D3DCCD1}">
-              <a14:hiddenFill xmlns="" xmlns:a14="http://schemas.microsoft.com/office/drawing/2010/main">
+              <a14:hiddenFill xmlns:a14="http://schemas.microsoft.com/office/drawing/2010/main" xmlns="">
                 <a:solidFill>
                   <a:srgbClr val="FFFFFF"/>
                 </a:solidFill>
@@ -28692,7 +28745,7 @@
     </p:spTree>
     <p:extLst>
       <p:ext uri="{BB962C8B-B14F-4D97-AF65-F5344CB8AC3E}">
-        <p14:creationId xmlns="" xmlns:p14="http://schemas.microsoft.com/office/powerpoint/2010/main" val="1739081068"/>
+        <p14:creationId xmlns:p14="http://schemas.microsoft.com/office/powerpoint/2010/main" xmlns="" val="1739081068"/>
       </p:ext>
     </p:extLst>
   </p:cSld>
@@ -30399,7 +30452,7 @@
     </p:spTree>
     <p:extLst>
       <p:ext uri="{BB962C8B-B14F-4D97-AF65-F5344CB8AC3E}">
-        <p14:creationId xmlns="" xmlns:p14="http://schemas.microsoft.com/office/powerpoint/2010/main" val="2532338835"/>
+        <p14:creationId xmlns:p14="http://schemas.microsoft.com/office/powerpoint/2010/main" xmlns="" val="2532338835"/>
       </p:ext>
     </p:extLst>
   </p:cSld>
@@ -30407,7 +30460,7 @@
     <a:masterClrMapping/>
   </p:clrMapOvr>
   <mc:AlternateContent xmlns:mc="http://schemas.openxmlformats.org/markup-compatibility/2006">
-    <mc:Choice xmlns="" xmlns:p14="http://schemas.microsoft.com/office/powerpoint/2010/main" Requires="p14">
+    <mc:Choice xmlns:p14="http://schemas.microsoft.com/office/powerpoint/2010/main" xmlns="" Requires="p14">
       <p:transition spd="slow" p14:dur="2000"/>
     </mc:Choice>
     <mc:Fallback>
@@ -30497,7 +30550,7 @@
           <p:nvPr>
             <p:extLst>
               <p:ext uri="{D42A27DB-BD31-4B8C-83A1-F6EECF244321}">
-                <p14:modId xmlns="" xmlns:p14="http://schemas.microsoft.com/office/powerpoint/2010/main" val="4285816619"/>
+                <p14:modId xmlns:p14="http://schemas.microsoft.com/office/powerpoint/2010/main" xmlns="" val="4285816619"/>
               </p:ext>
             </p:extLst>
           </p:nvPr>
@@ -31227,7 +31280,7 @@
           <p:nvPr>
             <p:extLst>
               <p:ext uri="{D42A27DB-BD31-4B8C-83A1-F6EECF244321}">
-                <p14:modId xmlns="" xmlns:p14="http://schemas.microsoft.com/office/powerpoint/2010/main" val="4159081582"/>
+                <p14:modId xmlns:p14="http://schemas.microsoft.com/office/powerpoint/2010/main" xmlns="" val="4159081582"/>
               </p:ext>
             </p:extLst>
           </p:nvPr>
@@ -32066,7 +32119,7 @@
     </p:spTree>
     <p:extLst>
       <p:ext uri="{BB962C8B-B14F-4D97-AF65-F5344CB8AC3E}">
-        <p14:creationId xmlns="" xmlns:p14="http://schemas.microsoft.com/office/powerpoint/2010/main" val="1173458281"/>
+        <p14:creationId xmlns:p14="http://schemas.microsoft.com/office/powerpoint/2010/main" xmlns="" val="1173458281"/>
       </p:ext>
     </p:extLst>
   </p:cSld>
@@ -33324,7 +33377,7 @@
     </p:spTree>
     <p:extLst>
       <p:ext uri="{BB962C8B-B14F-4D97-AF65-F5344CB8AC3E}">
-        <p14:creationId xmlns="" xmlns:p14="http://schemas.microsoft.com/office/powerpoint/2010/main" val="2769124218"/>
+        <p14:creationId xmlns:p14="http://schemas.microsoft.com/office/powerpoint/2010/main" xmlns="" val="2769124218"/>
       </p:ext>
     </p:extLst>
   </p:cSld>

--- a/trunk/Presentazione/Atsilo3/Atsilo_H_PresentazioneFinale.pptx
+++ b/trunk/Presentazione/Atsilo3/Atsilo_H_PresentazioneFinale.pptx
@@ -234,7 +234,7 @@
             <a:fld id="{38D78F4D-402C-46E0-A4BB-DF91EA86B14C}" type="datetimeFigureOut">
               <a:rPr lang="it-IT" smtClean="0"/>
               <a:pPr/>
-              <a:t>30/12/2012</a:t>
+              <a:t>31/12/2012</a:t>
             </a:fld>
             <a:endParaRPr lang="it-IT"/>
           </a:p>
@@ -403,7 +403,7 @@
     </p:spTree>
     <p:extLst>
       <p:ext uri="{BB962C8B-B14F-4D97-AF65-F5344CB8AC3E}">
-        <p14:creationId xmlns:p14="http://schemas.microsoft.com/office/powerpoint/2010/main" xmlns="" val="2126419590"/>
+        <p14:creationId xmlns="" xmlns:p14="http://schemas.microsoft.com/office/powerpoint/2010/main" val="2126419590"/>
       </p:ext>
     </p:extLst>
   </p:cSld>
@@ -600,7 +600,7 @@
     </p:spTree>
     <p:extLst>
       <p:ext uri="{BB962C8B-B14F-4D97-AF65-F5344CB8AC3E}">
-        <p14:creationId xmlns:p14="http://schemas.microsoft.com/office/powerpoint/2010/main" xmlns="" val="963420841"/>
+        <p14:creationId xmlns="" xmlns:p14="http://schemas.microsoft.com/office/powerpoint/2010/main" val="963420841"/>
       </p:ext>
     </p:extLst>
   </p:cSld>
@@ -707,7 +707,7 @@
     </p:spTree>
     <p:extLst>
       <p:ext uri="{BB962C8B-B14F-4D97-AF65-F5344CB8AC3E}">
-        <p14:creationId xmlns:p14="http://schemas.microsoft.com/office/powerpoint/2010/main" xmlns="" val="3361965342"/>
+        <p14:creationId xmlns="" xmlns:p14="http://schemas.microsoft.com/office/powerpoint/2010/main" val="3361965342"/>
       </p:ext>
     </p:extLst>
   </p:cSld>
@@ -850,7 +850,7 @@
     </p:spTree>
     <p:extLst>
       <p:ext uri="{BB962C8B-B14F-4D97-AF65-F5344CB8AC3E}">
-        <p14:creationId xmlns:p14="http://schemas.microsoft.com/office/powerpoint/2010/main" xmlns="" val="3314347345"/>
+        <p14:creationId xmlns="" xmlns:p14="http://schemas.microsoft.com/office/powerpoint/2010/main" val="3314347345"/>
       </p:ext>
     </p:extLst>
   </p:cSld>
@@ -987,7 +987,7 @@
     </p:spTree>
     <p:extLst>
       <p:ext uri="{BB962C8B-B14F-4D97-AF65-F5344CB8AC3E}">
-        <p14:creationId xmlns:p14="http://schemas.microsoft.com/office/powerpoint/2010/main" xmlns="" val="2265654022"/>
+        <p14:creationId xmlns="" xmlns:p14="http://schemas.microsoft.com/office/powerpoint/2010/main" val="2265654022"/>
       </p:ext>
     </p:extLst>
   </p:cSld>
@@ -1124,7 +1124,7 @@
     </p:spTree>
     <p:extLst>
       <p:ext uri="{BB962C8B-B14F-4D97-AF65-F5344CB8AC3E}">
-        <p14:creationId xmlns:p14="http://schemas.microsoft.com/office/powerpoint/2010/main" xmlns="" val="71143455"/>
+        <p14:creationId xmlns="" xmlns:p14="http://schemas.microsoft.com/office/powerpoint/2010/main" val="71143455"/>
       </p:ext>
     </p:extLst>
   </p:cSld>
@@ -1223,7 +1223,7 @@
     </p:spTree>
     <p:extLst>
       <p:ext uri="{BB962C8B-B14F-4D97-AF65-F5344CB8AC3E}">
-        <p14:creationId xmlns:p14="http://schemas.microsoft.com/office/powerpoint/2010/main" xmlns="" val="113696966"/>
+        <p14:creationId xmlns="" xmlns:p14="http://schemas.microsoft.com/office/powerpoint/2010/main" val="113696966"/>
       </p:ext>
     </p:extLst>
   </p:cSld>
@@ -1348,7 +1348,7 @@
     </p:spTree>
     <p:extLst>
       <p:ext uri="{BB962C8B-B14F-4D97-AF65-F5344CB8AC3E}">
-        <p14:creationId xmlns:p14="http://schemas.microsoft.com/office/powerpoint/2010/main" xmlns="" val="1063702567"/>
+        <p14:creationId xmlns="" xmlns:p14="http://schemas.microsoft.com/office/powerpoint/2010/main" val="1063702567"/>
       </p:ext>
     </p:extLst>
   </p:cSld>
@@ -1453,7 +1453,7 @@
     </p:spTree>
     <p:extLst>
       <p:ext uri="{BB962C8B-B14F-4D97-AF65-F5344CB8AC3E}">
-        <p14:creationId xmlns:p14="http://schemas.microsoft.com/office/powerpoint/2010/main" xmlns="" val="122959592"/>
+        <p14:creationId xmlns="" xmlns:p14="http://schemas.microsoft.com/office/powerpoint/2010/main" val="122959592"/>
       </p:ext>
     </p:extLst>
   </p:cSld>
@@ -1568,7 +1568,7 @@
     </p:spTree>
     <p:extLst>
       <p:ext uri="{BB962C8B-B14F-4D97-AF65-F5344CB8AC3E}">
-        <p14:creationId xmlns:p14="http://schemas.microsoft.com/office/powerpoint/2010/main" xmlns="" val="780286428"/>
+        <p14:creationId xmlns="" xmlns:p14="http://schemas.microsoft.com/office/powerpoint/2010/main" val="780286428"/>
       </p:ext>
     </p:extLst>
   </p:cSld>
@@ -1669,7 +1669,7 @@
     </p:spTree>
     <p:extLst>
       <p:ext uri="{BB962C8B-B14F-4D97-AF65-F5344CB8AC3E}">
-        <p14:creationId xmlns:p14="http://schemas.microsoft.com/office/powerpoint/2010/main" xmlns="" val="2418012031"/>
+        <p14:creationId xmlns="" xmlns:p14="http://schemas.microsoft.com/office/powerpoint/2010/main" val="2418012031"/>
       </p:ext>
     </p:extLst>
   </p:cSld>
@@ -1770,7 +1770,7 @@
     </p:spTree>
     <p:extLst>
       <p:ext uri="{BB962C8B-B14F-4D97-AF65-F5344CB8AC3E}">
-        <p14:creationId xmlns:p14="http://schemas.microsoft.com/office/powerpoint/2010/main" xmlns="" val="778008281"/>
+        <p14:creationId xmlns="" xmlns:p14="http://schemas.microsoft.com/office/powerpoint/2010/main" val="778008281"/>
       </p:ext>
     </p:extLst>
   </p:cSld>
@@ -1881,7 +1881,7 @@
     </p:spTree>
     <p:extLst>
       <p:ext uri="{BB962C8B-B14F-4D97-AF65-F5344CB8AC3E}">
-        <p14:creationId xmlns:p14="http://schemas.microsoft.com/office/powerpoint/2010/main" xmlns="" val="2781517378"/>
+        <p14:creationId xmlns="" xmlns:p14="http://schemas.microsoft.com/office/powerpoint/2010/main" val="2781517378"/>
       </p:ext>
     </p:extLst>
   </p:cSld>
@@ -1974,7 +1974,7 @@
     </p:spTree>
     <p:extLst>
       <p:ext uri="{BB962C8B-B14F-4D97-AF65-F5344CB8AC3E}">
-        <p14:creationId xmlns:p14="http://schemas.microsoft.com/office/powerpoint/2010/main" xmlns="" val="1377757052"/>
+        <p14:creationId xmlns="" xmlns:p14="http://schemas.microsoft.com/office/powerpoint/2010/main" val="1377757052"/>
       </p:ext>
     </p:extLst>
   </p:cSld>
@@ -2078,7 +2078,7 @@
     </p:spTree>
     <p:extLst>
       <p:ext uri="{BB962C8B-B14F-4D97-AF65-F5344CB8AC3E}">
-        <p14:creationId xmlns:p14="http://schemas.microsoft.com/office/powerpoint/2010/main" xmlns="" val="1394194668"/>
+        <p14:creationId xmlns="" xmlns:p14="http://schemas.microsoft.com/office/powerpoint/2010/main" val="1394194668"/>
       </p:ext>
     </p:extLst>
   </p:cSld>
@@ -2233,7 +2233,7 @@
     </p:spTree>
     <p:extLst>
       <p:ext uri="{BB962C8B-B14F-4D97-AF65-F5344CB8AC3E}">
-        <p14:creationId xmlns:p14="http://schemas.microsoft.com/office/powerpoint/2010/main" xmlns="" val="2972088584"/>
+        <p14:creationId xmlns="" xmlns:p14="http://schemas.microsoft.com/office/powerpoint/2010/main" val="2972088584"/>
       </p:ext>
     </p:extLst>
   </p:cSld>
@@ -2342,7 +2342,7 @@
     </p:spTree>
     <p:extLst>
       <p:ext uri="{BB962C8B-B14F-4D97-AF65-F5344CB8AC3E}">
-        <p14:creationId xmlns:p14="http://schemas.microsoft.com/office/powerpoint/2010/main" xmlns="" val="1417320036"/>
+        <p14:creationId xmlns="" xmlns:p14="http://schemas.microsoft.com/office/powerpoint/2010/main" val="1417320036"/>
       </p:ext>
     </p:extLst>
   </p:cSld>
@@ -2451,7 +2451,7 @@
     </p:spTree>
     <p:extLst>
       <p:ext uri="{BB962C8B-B14F-4D97-AF65-F5344CB8AC3E}">
-        <p14:creationId xmlns:p14="http://schemas.microsoft.com/office/powerpoint/2010/main" xmlns="" val="2176874561"/>
+        <p14:creationId xmlns="" xmlns:p14="http://schemas.microsoft.com/office/powerpoint/2010/main" val="2176874561"/>
       </p:ext>
     </p:extLst>
   </p:cSld>
@@ -2552,7 +2552,7 @@
     </p:spTree>
     <p:extLst>
       <p:ext uri="{BB962C8B-B14F-4D97-AF65-F5344CB8AC3E}">
-        <p14:creationId xmlns:p14="http://schemas.microsoft.com/office/powerpoint/2010/main" xmlns="" val="2428745919"/>
+        <p14:creationId xmlns="" xmlns:p14="http://schemas.microsoft.com/office/powerpoint/2010/main" val="2428745919"/>
       </p:ext>
     </p:extLst>
   </p:cSld>
@@ -2649,7 +2649,7 @@
     </p:spTree>
     <p:extLst>
       <p:ext uri="{BB962C8B-B14F-4D97-AF65-F5344CB8AC3E}">
-        <p14:creationId xmlns:p14="http://schemas.microsoft.com/office/powerpoint/2010/main" xmlns="" val="899854441"/>
+        <p14:creationId xmlns="" xmlns:p14="http://schemas.microsoft.com/office/powerpoint/2010/main" val="899854441"/>
       </p:ext>
     </p:extLst>
   </p:cSld>
@@ -2805,7 +2805,7 @@
     </p:spTree>
     <p:extLst>
       <p:ext uri="{BB962C8B-B14F-4D97-AF65-F5344CB8AC3E}">
-        <p14:creationId xmlns:p14="http://schemas.microsoft.com/office/powerpoint/2010/main" xmlns="" val="1218324987"/>
+        <p14:creationId xmlns="" xmlns:p14="http://schemas.microsoft.com/office/powerpoint/2010/main" val="1218324987"/>
       </p:ext>
     </p:extLst>
   </p:cSld>
@@ -2898,7 +2898,7 @@
     </p:spTree>
     <p:extLst>
       <p:ext uri="{BB962C8B-B14F-4D97-AF65-F5344CB8AC3E}">
-        <p14:creationId xmlns:p14="http://schemas.microsoft.com/office/powerpoint/2010/main" xmlns="" val="3928439017"/>
+        <p14:creationId xmlns="" xmlns:p14="http://schemas.microsoft.com/office/powerpoint/2010/main" val="3928439017"/>
       </p:ext>
     </p:extLst>
   </p:cSld>
@@ -2987,7 +2987,7 @@
     </p:spTree>
     <p:extLst>
       <p:ext uri="{BB962C8B-B14F-4D97-AF65-F5344CB8AC3E}">
-        <p14:creationId xmlns:p14="http://schemas.microsoft.com/office/powerpoint/2010/main" xmlns="" val="4040687285"/>
+        <p14:creationId xmlns="" xmlns:p14="http://schemas.microsoft.com/office/powerpoint/2010/main" val="4040687285"/>
       </p:ext>
     </p:extLst>
   </p:cSld>
@@ -3086,7 +3086,7 @@
     </p:spTree>
     <p:extLst>
       <p:ext uri="{BB962C8B-B14F-4D97-AF65-F5344CB8AC3E}">
-        <p14:creationId xmlns:p14="http://schemas.microsoft.com/office/powerpoint/2010/main" xmlns="" val="1025718114"/>
+        <p14:creationId xmlns="" xmlns:p14="http://schemas.microsoft.com/office/powerpoint/2010/main" val="1025718114"/>
       </p:ext>
     </p:extLst>
   </p:cSld>
@@ -3250,7 +3250,7 @@
     </p:spTree>
     <p:extLst>
       <p:ext uri="{BB962C8B-B14F-4D97-AF65-F5344CB8AC3E}">
-        <p14:creationId xmlns:p14="http://schemas.microsoft.com/office/powerpoint/2010/main" xmlns="" val="1047033234"/>
+        <p14:creationId xmlns="" xmlns:p14="http://schemas.microsoft.com/office/powerpoint/2010/main" val="1047033234"/>
       </p:ext>
     </p:extLst>
   </p:cSld>
@@ -3339,7 +3339,7 @@
     </p:spTree>
     <p:extLst>
       <p:ext uri="{BB962C8B-B14F-4D97-AF65-F5344CB8AC3E}">
-        <p14:creationId xmlns:p14="http://schemas.microsoft.com/office/powerpoint/2010/main" xmlns="" val="1047033234"/>
+        <p14:creationId xmlns="" xmlns:p14="http://schemas.microsoft.com/office/powerpoint/2010/main" val="1047033234"/>
       </p:ext>
     </p:extLst>
   </p:cSld>
@@ -3424,7 +3424,7 @@
     </p:spTree>
     <p:extLst>
       <p:ext uri="{BB962C8B-B14F-4D97-AF65-F5344CB8AC3E}">
-        <p14:creationId xmlns:p14="http://schemas.microsoft.com/office/powerpoint/2010/main" xmlns="" val="742716072"/>
+        <p14:creationId xmlns="" xmlns:p14="http://schemas.microsoft.com/office/powerpoint/2010/main" val="742716072"/>
       </p:ext>
     </p:extLst>
   </p:cSld>
@@ -3513,7 +3513,7 @@
     </p:spTree>
     <p:extLst>
       <p:ext uri="{BB962C8B-B14F-4D97-AF65-F5344CB8AC3E}">
-        <p14:creationId xmlns:p14="http://schemas.microsoft.com/office/powerpoint/2010/main" xmlns="" val="1425725903"/>
+        <p14:creationId xmlns="" xmlns:p14="http://schemas.microsoft.com/office/powerpoint/2010/main" val="1425725903"/>
       </p:ext>
     </p:extLst>
   </p:cSld>
@@ -3622,7 +3622,7 @@
     </p:spTree>
     <p:extLst>
       <p:ext uri="{BB962C8B-B14F-4D97-AF65-F5344CB8AC3E}">
-        <p14:creationId xmlns:p14="http://schemas.microsoft.com/office/powerpoint/2010/main" xmlns="" val="880674728"/>
+        <p14:creationId xmlns="" xmlns:p14="http://schemas.microsoft.com/office/powerpoint/2010/main" val="880674728"/>
       </p:ext>
     </p:extLst>
   </p:cSld>
@@ -3731,7 +3731,7 @@
     </p:spTree>
     <p:extLst>
       <p:ext uri="{BB962C8B-B14F-4D97-AF65-F5344CB8AC3E}">
-        <p14:creationId xmlns:p14="http://schemas.microsoft.com/office/powerpoint/2010/main" xmlns="" val="346945336"/>
+        <p14:creationId xmlns="" xmlns:p14="http://schemas.microsoft.com/office/powerpoint/2010/main" val="346945336"/>
       </p:ext>
     </p:extLst>
   </p:cSld>
@@ -3840,7 +3840,7 @@
     </p:spTree>
     <p:extLst>
       <p:ext uri="{BB962C8B-B14F-4D97-AF65-F5344CB8AC3E}">
-        <p14:creationId xmlns:p14="http://schemas.microsoft.com/office/powerpoint/2010/main" xmlns="" val="1778546328"/>
+        <p14:creationId xmlns="" xmlns:p14="http://schemas.microsoft.com/office/powerpoint/2010/main" val="1778546328"/>
       </p:ext>
     </p:extLst>
   </p:cSld>
@@ -3949,7 +3949,7 @@
     </p:spTree>
     <p:extLst>
       <p:ext uri="{BB962C8B-B14F-4D97-AF65-F5344CB8AC3E}">
-        <p14:creationId xmlns:p14="http://schemas.microsoft.com/office/powerpoint/2010/main" xmlns="" val="604861763"/>
+        <p14:creationId xmlns="" xmlns:p14="http://schemas.microsoft.com/office/powerpoint/2010/main" val="604861763"/>
       </p:ext>
     </p:extLst>
   </p:cSld>
@@ -4038,7 +4038,7 @@
     </p:spTree>
     <p:extLst>
       <p:ext uri="{BB962C8B-B14F-4D97-AF65-F5344CB8AC3E}">
-        <p14:creationId xmlns:p14="http://schemas.microsoft.com/office/powerpoint/2010/main" xmlns="" val="1357369038"/>
+        <p14:creationId xmlns="" xmlns:p14="http://schemas.microsoft.com/office/powerpoint/2010/main" val="1357369038"/>
       </p:ext>
     </p:extLst>
   </p:cSld>
@@ -4152,7 +4152,7 @@
     </p:spTree>
     <p:extLst>
       <p:ext uri="{BB962C8B-B14F-4D97-AF65-F5344CB8AC3E}">
-        <p14:creationId xmlns:p14="http://schemas.microsoft.com/office/powerpoint/2010/main" xmlns="" val="3780346060"/>
+        <p14:creationId xmlns="" xmlns:p14="http://schemas.microsoft.com/office/powerpoint/2010/main" val="3780346060"/>
       </p:ext>
     </p:extLst>
   </p:cSld>
@@ -4257,7 +4257,7 @@
     </p:spTree>
     <p:extLst>
       <p:ext uri="{BB962C8B-B14F-4D97-AF65-F5344CB8AC3E}">
-        <p14:creationId xmlns:p14="http://schemas.microsoft.com/office/powerpoint/2010/main" xmlns="" val="41796055"/>
+        <p14:creationId xmlns="" xmlns:p14="http://schemas.microsoft.com/office/powerpoint/2010/main" val="41796055"/>
       </p:ext>
     </p:extLst>
   </p:cSld>
@@ -4380,7 +4380,7 @@
     </p:spTree>
     <p:extLst>
       <p:ext uri="{BB962C8B-B14F-4D97-AF65-F5344CB8AC3E}">
-        <p14:creationId xmlns:p14="http://schemas.microsoft.com/office/powerpoint/2010/main" xmlns="" val="555626785"/>
+        <p14:creationId xmlns="" xmlns:p14="http://schemas.microsoft.com/office/powerpoint/2010/main" val="555626785"/>
       </p:ext>
     </p:extLst>
   </p:cSld>
@@ -4473,7 +4473,7 @@
     </p:spTree>
     <p:extLst>
       <p:ext uri="{BB962C8B-B14F-4D97-AF65-F5344CB8AC3E}">
-        <p14:creationId xmlns:p14="http://schemas.microsoft.com/office/powerpoint/2010/main" xmlns="" val="855395126"/>
+        <p14:creationId xmlns="" xmlns:p14="http://schemas.microsoft.com/office/powerpoint/2010/main" val="855395126"/>
       </p:ext>
     </p:extLst>
   </p:cSld>
@@ -4586,7 +4586,7 @@
     </p:spTree>
     <p:extLst>
       <p:ext uri="{BB962C8B-B14F-4D97-AF65-F5344CB8AC3E}">
-        <p14:creationId xmlns:p14="http://schemas.microsoft.com/office/powerpoint/2010/main" xmlns="" val="802928497"/>
+        <p14:creationId xmlns="" xmlns:p14="http://schemas.microsoft.com/office/powerpoint/2010/main" val="802928497"/>
       </p:ext>
     </p:extLst>
   </p:cSld>
@@ -4762,7 +4762,7 @@
             <a:fld id="{63CABBC0-75E4-43BB-A6A6-84C2A96BDB82}" type="datetimeFigureOut">
               <a:rPr lang="it-IT" smtClean="0"/>
               <a:pPr/>
-              <a:t>30/12/2012</a:t>
+              <a:t>31/12/2012</a:t>
             </a:fld>
             <a:endParaRPr lang="it-IT"/>
           </a:p>
@@ -4944,7 +4944,7 @@
             <a:fld id="{63CABBC0-75E4-43BB-A6A6-84C2A96BDB82}" type="datetimeFigureOut">
               <a:rPr lang="it-IT" smtClean="0"/>
               <a:pPr/>
-              <a:t>30/12/2012</a:t>
+              <a:t>31/12/2012</a:t>
             </a:fld>
             <a:endParaRPr lang="it-IT"/>
           </a:p>
@@ -5136,7 +5136,7 @@
             <a:fld id="{63CABBC0-75E4-43BB-A6A6-84C2A96BDB82}" type="datetimeFigureOut">
               <a:rPr lang="it-IT" smtClean="0"/>
               <a:pPr/>
-              <a:t>30/12/2012</a:t>
+              <a:t>31/12/2012</a:t>
             </a:fld>
             <a:endParaRPr lang="it-IT"/>
           </a:p>
@@ -5318,7 +5318,7 @@
             <a:fld id="{63CABBC0-75E4-43BB-A6A6-84C2A96BDB82}" type="datetimeFigureOut">
               <a:rPr lang="it-IT" smtClean="0"/>
               <a:pPr/>
-              <a:t>30/12/2012</a:t>
+              <a:t>31/12/2012</a:t>
             </a:fld>
             <a:endParaRPr lang="it-IT"/>
           </a:p>
@@ -5561,7 +5561,7 @@
             <a:fld id="{63CABBC0-75E4-43BB-A6A6-84C2A96BDB82}" type="datetimeFigureOut">
               <a:rPr lang="it-IT" smtClean="0"/>
               <a:pPr/>
-              <a:t>30/12/2012</a:t>
+              <a:t>31/12/2012</a:t>
             </a:fld>
             <a:endParaRPr lang="it-IT"/>
           </a:p>
@@ -5842,7 +5842,7 @@
             <a:fld id="{63CABBC0-75E4-43BB-A6A6-84C2A96BDB82}" type="datetimeFigureOut">
               <a:rPr lang="it-IT" smtClean="0"/>
               <a:pPr/>
-              <a:t>30/12/2012</a:t>
+              <a:t>31/12/2012</a:t>
             </a:fld>
             <a:endParaRPr lang="it-IT"/>
           </a:p>
@@ -6233,7 +6233,7 @@
             <a:fld id="{63CABBC0-75E4-43BB-A6A6-84C2A96BDB82}" type="datetimeFigureOut">
               <a:rPr lang="it-IT" smtClean="0"/>
               <a:pPr/>
-              <a:t>30/12/2012</a:t>
+              <a:t>31/12/2012</a:t>
             </a:fld>
             <a:endParaRPr lang="it-IT"/>
           </a:p>
@@ -6392,7 +6392,7 @@
             <a:fld id="{63CABBC0-75E4-43BB-A6A6-84C2A96BDB82}" type="datetimeFigureOut">
               <a:rPr lang="it-IT" smtClean="0"/>
               <a:pPr/>
-              <a:t>30/12/2012</a:t>
+              <a:t>31/12/2012</a:t>
             </a:fld>
             <a:endParaRPr lang="it-IT"/>
           </a:p>
@@ -6491,7 +6491,7 @@
             <a:fld id="{63CABBC0-75E4-43BB-A6A6-84C2A96BDB82}" type="datetimeFigureOut">
               <a:rPr lang="it-IT" smtClean="0"/>
               <a:pPr/>
-              <a:t>30/12/2012</a:t>
+              <a:t>31/12/2012</a:t>
             </a:fld>
             <a:endParaRPr lang="it-IT"/>
           </a:p>
@@ -6761,7 +6761,7 @@
             <a:fld id="{63CABBC0-75E4-43BB-A6A6-84C2A96BDB82}" type="datetimeFigureOut">
               <a:rPr lang="it-IT" smtClean="0"/>
               <a:pPr/>
-              <a:t>30/12/2012</a:t>
+              <a:t>31/12/2012</a:t>
             </a:fld>
             <a:endParaRPr lang="it-IT"/>
           </a:p>
@@ -7058,7 +7058,7 @@
             <a:fld id="{63CABBC0-75E4-43BB-A6A6-84C2A96BDB82}" type="datetimeFigureOut">
               <a:rPr lang="it-IT" smtClean="0"/>
               <a:pPr/>
-              <a:t>30/12/2012</a:t>
+              <a:t>31/12/2012</a:t>
             </a:fld>
             <a:endParaRPr lang="it-IT"/>
           </a:p>
@@ -7838,7 +7838,7 @@
             <a:fld id="{63CABBC0-75E4-43BB-A6A6-84C2A96BDB82}" type="datetimeFigureOut">
               <a:rPr lang="it-IT" smtClean="0"/>
               <a:pPr/>
-              <a:t>30/12/2012</a:t>
+              <a:t>31/12/2012</a:t>
             </a:fld>
             <a:endParaRPr lang="it-IT"/>
           </a:p>
@@ -8524,7 +8524,7 @@
           <a:blip r:embed="rId2">
             <a:extLst>
               <a:ext uri="{28A0092B-C50C-407E-A947-70E740481C1C}">
-                <a14:useLocalDpi xmlns:a14="http://schemas.microsoft.com/office/drawing/2010/main" xmlns="" val="0"/>
+                <a14:useLocalDpi xmlns="" xmlns:a14="http://schemas.microsoft.com/office/drawing/2010/main" val="0"/>
               </a:ext>
             </a:extLst>
           </a:blip>
@@ -8548,14 +8548,14 @@
           <a:effectLst/>
           <a:extLst>
             <a:ext uri="{909E8E84-426E-40DD-AFC4-6F175D3DCCD1}">
-              <a14:hiddenFill xmlns:a14="http://schemas.microsoft.com/office/drawing/2010/main" xmlns="">
+              <a14:hiddenFill xmlns="" xmlns:a14="http://schemas.microsoft.com/office/drawing/2010/main">
                 <a:solidFill>
                   <a:schemeClr val="accent1"/>
                 </a:solidFill>
               </a14:hiddenFill>
             </a:ext>
             <a:ext uri="{91240B29-F687-4F45-9708-019B960494DF}">
-              <a14:hiddenLine xmlns:a14="http://schemas.microsoft.com/office/drawing/2010/main" xmlns="" w="9525">
+              <a14:hiddenLine xmlns="" xmlns:a14="http://schemas.microsoft.com/office/drawing/2010/main" w="9525">
                 <a:solidFill>
                   <a:schemeClr val="tx1"/>
                 </a:solidFill>
@@ -8565,7 +8565,7 @@
               </a14:hiddenLine>
             </a:ext>
             <a:ext uri="{AF507438-7753-43E0-B8FC-AC1667EBCBE1}">
-              <a14:hiddenEffects xmlns:a14="http://schemas.microsoft.com/office/drawing/2010/main" xmlns="">
+              <a14:hiddenEffects xmlns="" xmlns:a14="http://schemas.microsoft.com/office/drawing/2010/main">
                 <a:effectLst>
                   <a:outerShdw dist="35921" dir="2700000" algn="ctr" rotWithShape="0">
                     <a:schemeClr val="bg2"/>
@@ -8585,7 +8585,7 @@
           <p:nvPr>
             <p:extLst>
               <p:ext uri="{D42A27DB-BD31-4B8C-83A1-F6EECF244321}">
-                <p14:modId xmlns:p14="http://schemas.microsoft.com/office/powerpoint/2010/main" xmlns="" val="669990601"/>
+                <p14:modId xmlns="" xmlns:p14="http://schemas.microsoft.com/office/powerpoint/2010/main" val="669990601"/>
               </p:ext>
             </p:extLst>
           </p:nvPr>
@@ -8762,13 +8762,13 @@
           <p:nvPr>
             <p:extLst>
               <p:ext uri="{D42A27DB-BD31-4B8C-83A1-F6EECF244321}">
-                <p14:modId xmlns:p14="http://schemas.microsoft.com/office/powerpoint/2010/main" xmlns="" val="1867475245"/>
+                <p14:modId xmlns="" xmlns:p14="http://schemas.microsoft.com/office/powerpoint/2010/main" val="1867475245"/>
               </p:ext>
             </p:extLst>
           </p:nvPr>
         </p:nvGraphicFramePr>
         <p:xfrm>
-          <a:off x="7092280" y="5339206"/>
+          <a:off x="7092280" y="5273040"/>
           <a:ext cx="2051720" cy="1584960"/>
         </p:xfrm>
         <a:graphic>
@@ -8893,7 +8893,7 @@
     </p:spTree>
     <p:extLst>
       <p:ext uri="{BB962C8B-B14F-4D97-AF65-F5344CB8AC3E}">
-        <p14:creationId xmlns:p14="http://schemas.microsoft.com/office/powerpoint/2010/main" xmlns="" val="4165334171"/>
+        <p14:creationId xmlns="" xmlns:p14="http://schemas.microsoft.com/office/powerpoint/2010/main" val="4165334171"/>
       </p:ext>
     </p:extLst>
   </p:cSld>
@@ -9189,7 +9189,7 @@
     </p:spTree>
     <p:extLst>
       <p:ext uri="{BB962C8B-B14F-4D97-AF65-F5344CB8AC3E}">
-        <p14:creationId xmlns:p14="http://schemas.microsoft.com/office/powerpoint/2010/main" xmlns="" val="155874689"/>
+        <p14:creationId xmlns="" xmlns:p14="http://schemas.microsoft.com/office/powerpoint/2010/main" val="155874689"/>
       </p:ext>
     </p:extLst>
   </p:cSld>
@@ -9197,7 +9197,7 @@
     <a:masterClrMapping/>
   </p:clrMapOvr>
   <mc:AlternateContent xmlns:mc="http://schemas.openxmlformats.org/markup-compatibility/2006">
-    <mc:Choice xmlns:p14="http://schemas.microsoft.com/office/powerpoint/2010/main" xmlns="" Requires="p14">
+    <mc:Choice xmlns="" xmlns:p14="http://schemas.microsoft.com/office/powerpoint/2010/main" Requires="p14">
       <p:transition spd="slow" p14:dur="2000"/>
     </mc:Choice>
     <mc:Fallback>
@@ -9703,7 +9703,7 @@
     </p:spTree>
     <p:extLst>
       <p:ext uri="{BB962C8B-B14F-4D97-AF65-F5344CB8AC3E}">
-        <p14:creationId xmlns:p14="http://schemas.microsoft.com/office/powerpoint/2010/main" xmlns="" val="155874689"/>
+        <p14:creationId xmlns="" xmlns:p14="http://schemas.microsoft.com/office/powerpoint/2010/main" val="155874689"/>
       </p:ext>
     </p:extLst>
   </p:cSld>
@@ -9711,7 +9711,7 @@
     <a:masterClrMapping/>
   </p:clrMapOvr>
   <mc:AlternateContent xmlns:mc="http://schemas.openxmlformats.org/markup-compatibility/2006">
-    <mc:Choice xmlns:p14="http://schemas.microsoft.com/office/powerpoint/2010/main" xmlns="" Requires="p14">
+    <mc:Choice xmlns="" xmlns:p14="http://schemas.microsoft.com/office/powerpoint/2010/main" Requires="p14">
       <p:transition spd="slow" p14:dur="2000"/>
     </mc:Choice>
     <mc:Fallback>
@@ -10208,7 +10208,7 @@
     </p:spTree>
     <p:extLst>
       <p:ext uri="{BB962C8B-B14F-4D97-AF65-F5344CB8AC3E}">
-        <p14:creationId xmlns:p14="http://schemas.microsoft.com/office/powerpoint/2010/main" xmlns="" val="155874689"/>
+        <p14:creationId xmlns="" xmlns:p14="http://schemas.microsoft.com/office/powerpoint/2010/main" val="155874689"/>
       </p:ext>
     </p:extLst>
   </p:cSld>
@@ -10216,7 +10216,7 @@
     <a:masterClrMapping/>
   </p:clrMapOvr>
   <mc:AlternateContent xmlns:mc="http://schemas.openxmlformats.org/markup-compatibility/2006">
-    <mc:Choice xmlns:p14="http://schemas.microsoft.com/office/powerpoint/2010/main" xmlns="" Requires="p14">
+    <mc:Choice xmlns="" xmlns:p14="http://schemas.microsoft.com/office/powerpoint/2010/main" Requires="p14">
       <p:transition spd="slow" p14:dur="2000"/>
     </mc:Choice>
     <mc:Fallback>
@@ -12390,7 +12390,7 @@
           <a:blip r:embed="rId3">
             <a:extLst>
               <a:ext uri="{28A0092B-C50C-407E-A947-70E740481C1C}">
-                <a14:useLocalDpi xmlns:a14="http://schemas.microsoft.com/office/drawing/2010/main" xmlns="" val="0"/>
+                <a14:useLocalDpi xmlns="" xmlns:a14="http://schemas.microsoft.com/office/drawing/2010/main" val="0"/>
               </a:ext>
             </a:extLst>
           </a:blip>
@@ -12410,7 +12410,7 @@
           <a:noFill/>
           <a:extLst>
             <a:ext uri="{909E8E84-426E-40DD-AFC4-6F175D3DCCD1}">
-              <a14:hiddenFill xmlns:a14="http://schemas.microsoft.com/office/drawing/2010/main" xmlns="">
+              <a14:hiddenFill xmlns="" xmlns:a14="http://schemas.microsoft.com/office/drawing/2010/main">
                 <a:solidFill>
                   <a:srgbClr val="FFFFFF"/>
                 </a:solidFill>
@@ -12431,7 +12431,7 @@
           <a:blip r:embed="rId4">
             <a:extLst>
               <a:ext uri="{28A0092B-C50C-407E-A947-70E740481C1C}">
-                <a14:useLocalDpi xmlns:a14="http://schemas.microsoft.com/office/drawing/2010/main" xmlns="" val="0"/>
+                <a14:useLocalDpi xmlns="" xmlns:a14="http://schemas.microsoft.com/office/drawing/2010/main" val="0"/>
               </a:ext>
             </a:extLst>
           </a:blip>
@@ -12451,7 +12451,7 @@
           <a:noFill/>
           <a:extLst>
             <a:ext uri="{909E8E84-426E-40DD-AFC4-6F175D3DCCD1}">
-              <a14:hiddenFill xmlns:a14="http://schemas.microsoft.com/office/drawing/2010/main" xmlns="">
+              <a14:hiddenFill xmlns="" xmlns:a14="http://schemas.microsoft.com/office/drawing/2010/main">
                 <a:solidFill>
                   <a:srgbClr val="FFFFFF"/>
                 </a:solidFill>
@@ -12497,7 +12497,7 @@
     </p:spTree>
     <p:extLst>
       <p:ext uri="{BB962C8B-B14F-4D97-AF65-F5344CB8AC3E}">
-        <p14:creationId xmlns:p14="http://schemas.microsoft.com/office/powerpoint/2010/main" xmlns="" val="1277526579"/>
+        <p14:creationId xmlns="" xmlns:p14="http://schemas.microsoft.com/office/powerpoint/2010/main" val="1277526579"/>
       </p:ext>
     </p:extLst>
   </p:cSld>
@@ -12827,7 +12827,7 @@
           <a:blip r:embed="rId3">
             <a:extLst>
               <a:ext uri="{28A0092B-C50C-407E-A947-70E740481C1C}">
-                <a14:useLocalDpi xmlns:a14="http://schemas.microsoft.com/office/drawing/2010/main" xmlns="" val="0"/>
+                <a14:useLocalDpi xmlns="" xmlns:a14="http://schemas.microsoft.com/office/drawing/2010/main" val="0"/>
               </a:ext>
             </a:extLst>
           </a:blip>
@@ -12847,7 +12847,7 @@
           <a:noFill/>
           <a:extLst>
             <a:ext uri="{909E8E84-426E-40DD-AFC4-6F175D3DCCD1}">
-              <a14:hiddenFill xmlns:a14="http://schemas.microsoft.com/office/drawing/2010/main" xmlns="">
+              <a14:hiddenFill xmlns="" xmlns:a14="http://schemas.microsoft.com/office/drawing/2010/main">
                 <a:solidFill>
                   <a:srgbClr val="FFFFFF"/>
                 </a:solidFill>
@@ -12868,7 +12868,7 @@
           <a:blip r:embed="rId4" cstate="print">
             <a:extLst>
               <a:ext uri="{28A0092B-C50C-407E-A947-70E740481C1C}">
-                <a14:useLocalDpi xmlns:a14="http://schemas.microsoft.com/office/drawing/2010/main" xmlns="" val="0"/>
+                <a14:useLocalDpi xmlns="" xmlns:a14="http://schemas.microsoft.com/office/drawing/2010/main" val="0"/>
               </a:ext>
             </a:extLst>
           </a:blip>
@@ -12888,7 +12888,7 @@
           <a:noFill/>
           <a:extLst>
             <a:ext uri="{909E8E84-426E-40DD-AFC4-6F175D3DCCD1}">
-              <a14:hiddenFill xmlns:a14="http://schemas.microsoft.com/office/drawing/2010/main" xmlns="">
+              <a14:hiddenFill xmlns="" xmlns:a14="http://schemas.microsoft.com/office/drawing/2010/main">
                 <a:solidFill>
                   <a:srgbClr val="FFFFFF"/>
                 </a:solidFill>
@@ -12909,7 +12909,7 @@
           <a:blip r:embed="rId5">
             <a:extLst>
               <a:ext uri="{28A0092B-C50C-407E-A947-70E740481C1C}">
-                <a14:useLocalDpi xmlns:a14="http://schemas.microsoft.com/office/drawing/2010/main" xmlns="" val="0"/>
+                <a14:useLocalDpi xmlns="" xmlns:a14="http://schemas.microsoft.com/office/drawing/2010/main" val="0"/>
               </a:ext>
             </a:extLst>
           </a:blip>
@@ -12929,7 +12929,7 @@
           <a:noFill/>
           <a:extLst>
             <a:ext uri="{909E8E84-426E-40DD-AFC4-6F175D3DCCD1}">
-              <a14:hiddenFill xmlns:a14="http://schemas.microsoft.com/office/drawing/2010/main" xmlns="">
+              <a14:hiddenFill xmlns="" xmlns:a14="http://schemas.microsoft.com/office/drawing/2010/main">
                 <a:solidFill>
                   <a:srgbClr val="FFFFFF"/>
                 </a:solidFill>
@@ -13031,7 +13031,7 @@
     </p:spTree>
     <p:extLst>
       <p:ext uri="{BB962C8B-B14F-4D97-AF65-F5344CB8AC3E}">
-        <p14:creationId xmlns:p14="http://schemas.microsoft.com/office/powerpoint/2010/main" xmlns="" val="418107373"/>
+        <p14:creationId xmlns="" xmlns:p14="http://schemas.microsoft.com/office/powerpoint/2010/main" val="418107373"/>
       </p:ext>
     </p:extLst>
   </p:cSld>
@@ -13670,7 +13670,7 @@
           <a:blip r:embed="rId3">
             <a:extLst>
               <a:ext uri="{28A0092B-C50C-407E-A947-70E740481C1C}">
-                <a14:useLocalDpi xmlns:a14="http://schemas.microsoft.com/office/drawing/2010/main" xmlns="" val="0"/>
+                <a14:useLocalDpi xmlns="" xmlns:a14="http://schemas.microsoft.com/office/drawing/2010/main" val="0"/>
               </a:ext>
             </a:extLst>
           </a:blip>
@@ -13690,7 +13690,7 @@
           <a:noFill/>
           <a:extLst>
             <a:ext uri="{909E8E84-426E-40DD-AFC4-6F175D3DCCD1}">
-              <a14:hiddenFill xmlns:a14="http://schemas.microsoft.com/office/drawing/2010/main" xmlns="">
+              <a14:hiddenFill xmlns="" xmlns:a14="http://schemas.microsoft.com/office/drawing/2010/main">
                 <a:solidFill>
                   <a:srgbClr val="FFFFFF"/>
                 </a:solidFill>
@@ -13711,7 +13711,7 @@
           <a:blip r:embed="rId4">
             <a:extLst>
               <a:ext uri="{28A0092B-C50C-407E-A947-70E740481C1C}">
-                <a14:useLocalDpi xmlns:a14="http://schemas.microsoft.com/office/drawing/2010/main" xmlns="" val="0"/>
+                <a14:useLocalDpi xmlns="" xmlns:a14="http://schemas.microsoft.com/office/drawing/2010/main" val="0"/>
               </a:ext>
             </a:extLst>
           </a:blip>
@@ -13731,7 +13731,7 @@
           <a:noFill/>
           <a:extLst>
             <a:ext uri="{909E8E84-426E-40DD-AFC4-6F175D3DCCD1}">
-              <a14:hiddenFill xmlns:a14="http://schemas.microsoft.com/office/drawing/2010/main" xmlns="">
+              <a14:hiddenFill xmlns="" xmlns:a14="http://schemas.microsoft.com/office/drawing/2010/main">
                 <a:solidFill>
                   <a:srgbClr val="FFFFFF"/>
                 </a:solidFill>
@@ -13979,7 +13979,7 @@
     </p:spTree>
     <p:extLst>
       <p:ext uri="{BB962C8B-B14F-4D97-AF65-F5344CB8AC3E}">
-        <p14:creationId xmlns:p14="http://schemas.microsoft.com/office/powerpoint/2010/main" xmlns="" val="2879521852"/>
+        <p14:creationId xmlns="" xmlns:p14="http://schemas.microsoft.com/office/powerpoint/2010/main" val="2879521852"/>
       </p:ext>
     </p:extLst>
   </p:cSld>
@@ -13987,7 +13987,7 @@
     <a:masterClrMapping/>
   </p:clrMapOvr>
   <mc:AlternateContent xmlns:mc="http://schemas.openxmlformats.org/markup-compatibility/2006">
-    <mc:Choice xmlns:p14="http://schemas.microsoft.com/office/powerpoint/2010/main" xmlns="" Requires="p14">
+    <mc:Choice xmlns="" xmlns:p14="http://schemas.microsoft.com/office/powerpoint/2010/main" Requires="p14">
       <p:transition spd="slow" p14:dur="2000"/>
     </mc:Choice>
     <mc:Fallback>
@@ -14346,7 +14346,7 @@
           <a:blip r:embed="rId3">
             <a:extLst>
               <a:ext uri="{28A0092B-C50C-407E-A947-70E740481C1C}">
-                <a14:useLocalDpi xmlns:a14="http://schemas.microsoft.com/office/drawing/2010/main" xmlns="" val="0"/>
+                <a14:useLocalDpi xmlns="" xmlns:a14="http://schemas.microsoft.com/office/drawing/2010/main" val="0"/>
               </a:ext>
             </a:extLst>
           </a:blip>
@@ -14366,7 +14366,7 @@
           <a:noFill/>
           <a:extLst>
             <a:ext uri="{909E8E84-426E-40DD-AFC4-6F175D3DCCD1}">
-              <a14:hiddenFill xmlns:a14="http://schemas.microsoft.com/office/drawing/2010/main" xmlns="">
+              <a14:hiddenFill xmlns="" xmlns:a14="http://schemas.microsoft.com/office/drawing/2010/main">
                 <a:solidFill>
                   <a:srgbClr val="FFFFFF"/>
                 </a:solidFill>
@@ -14887,7 +14887,7 @@
     </p:spTree>
     <p:extLst>
       <p:ext uri="{BB962C8B-B14F-4D97-AF65-F5344CB8AC3E}">
-        <p14:creationId xmlns:p14="http://schemas.microsoft.com/office/powerpoint/2010/main" xmlns="" val="202613363"/>
+        <p14:creationId xmlns="" xmlns:p14="http://schemas.microsoft.com/office/powerpoint/2010/main" val="202613363"/>
       </p:ext>
     </p:extLst>
   </p:cSld>
@@ -14895,7 +14895,7 @@
     <a:masterClrMapping/>
   </p:clrMapOvr>
   <mc:AlternateContent xmlns:mc="http://schemas.openxmlformats.org/markup-compatibility/2006">
-    <mc:Choice xmlns:p14="http://schemas.microsoft.com/office/powerpoint/2010/main" xmlns="" Requires="p14">
+    <mc:Choice xmlns="" xmlns:p14="http://schemas.microsoft.com/office/powerpoint/2010/main" Requires="p14">
       <p:transition spd="slow" p14:dur="2000"/>
     </mc:Choice>
     <mc:Fallback>
@@ -15220,7 +15220,7 @@
           <a:blip r:embed="rId3">
             <a:extLst>
               <a:ext uri="{28A0092B-C50C-407E-A947-70E740481C1C}">
-                <a14:useLocalDpi xmlns:a14="http://schemas.microsoft.com/office/drawing/2010/main" xmlns="" val="0"/>
+                <a14:useLocalDpi xmlns="" xmlns:a14="http://schemas.microsoft.com/office/drawing/2010/main" val="0"/>
               </a:ext>
             </a:extLst>
           </a:blip>
@@ -15240,7 +15240,7 @@
           <a:noFill/>
           <a:extLst>
             <a:ext uri="{909E8E84-426E-40DD-AFC4-6F175D3DCCD1}">
-              <a14:hiddenFill xmlns:a14="http://schemas.microsoft.com/office/drawing/2010/main" xmlns="">
+              <a14:hiddenFill xmlns="" xmlns:a14="http://schemas.microsoft.com/office/drawing/2010/main">
                 <a:solidFill>
                   <a:srgbClr val="FFFFFF"/>
                 </a:solidFill>
@@ -15261,7 +15261,7 @@
           <a:blip r:embed="rId4">
             <a:extLst>
               <a:ext uri="{28A0092B-C50C-407E-A947-70E740481C1C}">
-                <a14:useLocalDpi xmlns:a14="http://schemas.microsoft.com/office/drawing/2010/main" xmlns="" val="0"/>
+                <a14:useLocalDpi xmlns="" xmlns:a14="http://schemas.microsoft.com/office/drawing/2010/main" val="0"/>
               </a:ext>
             </a:extLst>
           </a:blip>
@@ -15281,7 +15281,7 @@
           <a:noFill/>
           <a:extLst>
             <a:ext uri="{909E8E84-426E-40DD-AFC4-6F175D3DCCD1}">
-              <a14:hiddenFill xmlns:a14="http://schemas.microsoft.com/office/drawing/2010/main" xmlns="">
+              <a14:hiddenFill xmlns="" xmlns:a14="http://schemas.microsoft.com/office/drawing/2010/main">
                 <a:solidFill>
                   <a:srgbClr val="FFFFFF"/>
                 </a:solidFill>
@@ -15605,7 +15605,7 @@
     </p:spTree>
     <p:extLst>
       <p:ext uri="{BB962C8B-B14F-4D97-AF65-F5344CB8AC3E}">
-        <p14:creationId xmlns:p14="http://schemas.microsoft.com/office/powerpoint/2010/main" xmlns="" val="1197112555"/>
+        <p14:creationId xmlns="" xmlns:p14="http://schemas.microsoft.com/office/powerpoint/2010/main" val="1197112555"/>
       </p:ext>
     </p:extLst>
   </p:cSld>
@@ -15613,7 +15613,7 @@
     <a:masterClrMapping/>
   </p:clrMapOvr>
   <mc:AlternateContent xmlns:mc="http://schemas.openxmlformats.org/markup-compatibility/2006">
-    <mc:Choice xmlns:p14="http://schemas.microsoft.com/office/powerpoint/2010/main" xmlns="" Requires="p14">
+    <mc:Choice xmlns="" xmlns:p14="http://schemas.microsoft.com/office/powerpoint/2010/main" Requires="p14">
       <p:transition spd="slow" p14:dur="2000"/>
     </mc:Choice>
     <mc:Fallback>
@@ -16700,7 +16700,7 @@
     </p:spTree>
     <p:extLst>
       <p:ext uri="{BB962C8B-B14F-4D97-AF65-F5344CB8AC3E}">
-        <p14:creationId xmlns:p14="http://schemas.microsoft.com/office/powerpoint/2010/main" xmlns="" val="155874689"/>
+        <p14:creationId xmlns="" xmlns:p14="http://schemas.microsoft.com/office/powerpoint/2010/main" val="155874689"/>
       </p:ext>
     </p:extLst>
   </p:cSld>
@@ -16708,7 +16708,7 @@
     <a:masterClrMapping/>
   </p:clrMapOvr>
   <mc:AlternateContent xmlns:mc="http://schemas.openxmlformats.org/markup-compatibility/2006">
-    <mc:Choice xmlns:p14="http://schemas.microsoft.com/office/powerpoint/2010/main" xmlns="" Requires="p14">
+    <mc:Choice xmlns="" xmlns:p14="http://schemas.microsoft.com/office/powerpoint/2010/main" Requires="p14">
       <p:transition spd="slow" p14:dur="2000"/>
     </mc:Choice>
     <mc:Fallback>
@@ -17072,7 +17072,7 @@
           <a:blip r:embed="rId3">
             <a:extLst>
               <a:ext uri="{28A0092B-C50C-407E-A947-70E740481C1C}">
-                <a14:useLocalDpi xmlns:a14="http://schemas.microsoft.com/office/drawing/2010/main" xmlns="" val="0"/>
+                <a14:useLocalDpi xmlns="" xmlns:a14="http://schemas.microsoft.com/office/drawing/2010/main" val="0"/>
               </a:ext>
             </a:extLst>
           </a:blip>
@@ -17092,7 +17092,7 @@
           <a:noFill/>
           <a:extLst>
             <a:ext uri="{909E8E84-426E-40DD-AFC4-6F175D3DCCD1}">
-              <a14:hiddenFill xmlns:a14="http://schemas.microsoft.com/office/drawing/2010/main" xmlns="">
+              <a14:hiddenFill xmlns="" xmlns:a14="http://schemas.microsoft.com/office/drawing/2010/main">
                 <a:solidFill>
                   <a:srgbClr val="FFFFFF"/>
                 </a:solidFill>
@@ -17113,7 +17113,7 @@
           <a:blip r:embed="rId4">
             <a:extLst>
               <a:ext uri="{28A0092B-C50C-407E-A947-70E740481C1C}">
-                <a14:useLocalDpi xmlns:a14="http://schemas.microsoft.com/office/drawing/2010/main" xmlns="" val="0"/>
+                <a14:useLocalDpi xmlns="" xmlns:a14="http://schemas.microsoft.com/office/drawing/2010/main" val="0"/>
               </a:ext>
             </a:extLst>
           </a:blip>
@@ -17142,7 +17142,7 @@
           </a:effectLst>
           <a:extLst>
             <a:ext uri="{909E8E84-426E-40DD-AFC4-6F175D3DCCD1}">
-              <a14:hiddenFill xmlns:a14="http://schemas.microsoft.com/office/drawing/2010/main" xmlns="">
+              <a14:hiddenFill xmlns="" xmlns:a14="http://schemas.microsoft.com/office/drawing/2010/main">
                 <a:solidFill>
                   <a:srgbClr val="FFFFFF"/>
                 </a:solidFill>
@@ -17180,7 +17180,7 @@
     </p:spTree>
     <p:extLst>
       <p:ext uri="{BB962C8B-B14F-4D97-AF65-F5344CB8AC3E}">
-        <p14:creationId xmlns:p14="http://schemas.microsoft.com/office/powerpoint/2010/main" xmlns="" val="700353664"/>
+        <p14:creationId xmlns="" xmlns:p14="http://schemas.microsoft.com/office/powerpoint/2010/main" val="700353664"/>
       </p:ext>
     </p:extLst>
   </p:cSld>
@@ -17188,7 +17188,7 @@
     <a:masterClrMapping/>
   </p:clrMapOvr>
   <mc:AlternateContent xmlns:mc="http://schemas.openxmlformats.org/markup-compatibility/2006">
-    <mc:Choice xmlns:p14="http://schemas.microsoft.com/office/powerpoint/2010/main" xmlns="" Requires="p14">
+    <mc:Choice xmlns="" xmlns:p14="http://schemas.microsoft.com/office/powerpoint/2010/main" Requires="p14">
       <p:transition spd="slow" p14:dur="2000"/>
     </mc:Choice>
     <mc:Fallback>
@@ -17935,7 +17935,7 @@
           <a:blip r:embed="rId3">
             <a:extLst>
               <a:ext uri="{28A0092B-C50C-407E-A947-70E740481C1C}">
-                <a14:useLocalDpi xmlns:a14="http://schemas.microsoft.com/office/drawing/2010/main" xmlns="" val="0"/>
+                <a14:useLocalDpi xmlns="" xmlns:a14="http://schemas.microsoft.com/office/drawing/2010/main" val="0"/>
               </a:ext>
             </a:extLst>
           </a:blip>
@@ -17960,7 +17960,7 @@
           </a:effectLst>
           <a:extLst>
             <a:ext uri="{909E8E84-426E-40DD-AFC4-6F175D3DCCD1}">
-              <a14:hiddenFill xmlns:a14="http://schemas.microsoft.com/office/drawing/2010/main" xmlns="">
+              <a14:hiddenFill xmlns="" xmlns:a14="http://schemas.microsoft.com/office/drawing/2010/main">
                 <a:solidFill>
                   <a:srgbClr val="FFFFFF"/>
                 </a:solidFill>
@@ -17981,7 +17981,7 @@
           <a:blip r:embed="rId4">
             <a:extLst>
               <a:ext uri="{28A0092B-C50C-407E-A947-70E740481C1C}">
-                <a14:useLocalDpi xmlns:a14="http://schemas.microsoft.com/office/drawing/2010/main" xmlns="" val="0"/>
+                <a14:useLocalDpi xmlns="" xmlns:a14="http://schemas.microsoft.com/office/drawing/2010/main" val="0"/>
               </a:ext>
             </a:extLst>
           </a:blip>
@@ -18001,7 +18001,7 @@
           <a:noFill/>
           <a:extLst>
             <a:ext uri="{909E8E84-426E-40DD-AFC4-6F175D3DCCD1}">
-              <a14:hiddenFill xmlns:a14="http://schemas.microsoft.com/office/drawing/2010/main" xmlns="">
+              <a14:hiddenFill xmlns="" xmlns:a14="http://schemas.microsoft.com/office/drawing/2010/main">
                 <a:solidFill>
                   <a:srgbClr val="FFFFFF"/>
                 </a:solidFill>
@@ -18047,7 +18047,7 @@
     </p:spTree>
     <p:extLst>
       <p:ext uri="{BB962C8B-B14F-4D97-AF65-F5344CB8AC3E}">
-        <p14:creationId xmlns:p14="http://schemas.microsoft.com/office/powerpoint/2010/main" xmlns="" val="2947224754"/>
+        <p14:creationId xmlns="" xmlns:p14="http://schemas.microsoft.com/office/powerpoint/2010/main" val="2947224754"/>
       </p:ext>
     </p:extLst>
   </p:cSld>
@@ -18364,7 +18364,7 @@
           <a:blip r:embed="rId3">
             <a:extLst>
               <a:ext uri="{28A0092B-C50C-407E-A947-70E740481C1C}">
-                <a14:useLocalDpi xmlns:a14="http://schemas.microsoft.com/office/drawing/2010/main" xmlns="" val="0"/>
+                <a14:useLocalDpi xmlns="" xmlns:a14="http://schemas.microsoft.com/office/drawing/2010/main" val="0"/>
               </a:ext>
             </a:extLst>
           </a:blip>
@@ -18384,7 +18384,7 @@
           <a:noFill/>
           <a:extLst>
             <a:ext uri="{909E8E84-426E-40DD-AFC4-6F175D3DCCD1}">
-              <a14:hiddenFill xmlns:a14="http://schemas.microsoft.com/office/drawing/2010/main" xmlns="">
+              <a14:hiddenFill xmlns="" xmlns:a14="http://schemas.microsoft.com/office/drawing/2010/main">
                 <a:solidFill>
                   <a:srgbClr val="FFFFFF"/>
                 </a:solidFill>
@@ -18939,7 +18939,7 @@
     </p:spTree>
     <p:extLst>
       <p:ext uri="{BB962C8B-B14F-4D97-AF65-F5344CB8AC3E}">
-        <p14:creationId xmlns:p14="http://schemas.microsoft.com/office/powerpoint/2010/main" xmlns="" val="1111877724"/>
+        <p14:creationId xmlns="" xmlns:p14="http://schemas.microsoft.com/office/powerpoint/2010/main" val="1111877724"/>
       </p:ext>
     </p:extLst>
   </p:cSld>
@@ -18947,7 +18947,7 @@
     <a:masterClrMapping/>
   </p:clrMapOvr>
   <mc:AlternateContent xmlns:mc="http://schemas.openxmlformats.org/markup-compatibility/2006">
-    <mc:Choice xmlns:p14="http://schemas.microsoft.com/office/powerpoint/2010/main" xmlns="" Requires="p14">
+    <mc:Choice xmlns="" xmlns:p14="http://schemas.microsoft.com/office/powerpoint/2010/main" Requires="p14">
       <p:transition spd="slow" p14:dur="2000"/>
     </mc:Choice>
     <mc:Fallback>
@@ -19329,7 +19329,7 @@
           <p:nvPr>
             <p:extLst>
               <p:ext uri="{D42A27DB-BD31-4B8C-83A1-F6EECF244321}">
-                <p14:modId xmlns:p14="http://schemas.microsoft.com/office/powerpoint/2010/main" xmlns="" val="2643884637"/>
+                <p14:modId xmlns="" xmlns:p14="http://schemas.microsoft.com/office/powerpoint/2010/main" val="2643884637"/>
               </p:ext>
             </p:extLst>
           </p:nvPr>
@@ -19770,14 +19770,14 @@
           <a:effectLst/>
           <a:extLst>
             <a:ext uri="{909E8E84-426E-40DD-AFC4-6F175D3DCCD1}">
-              <a14:hiddenFill xmlns:a14="http://schemas.microsoft.com/office/drawing/2010/main" xmlns="">
+              <a14:hiddenFill xmlns="" xmlns:a14="http://schemas.microsoft.com/office/drawing/2010/main">
                 <a:solidFill>
                   <a:schemeClr val="accent1"/>
                 </a:solidFill>
               </a14:hiddenFill>
             </a:ext>
             <a:ext uri="{91240B29-F687-4F45-9708-019B960494DF}">
-              <a14:hiddenLine xmlns:a14="http://schemas.microsoft.com/office/drawing/2010/main" xmlns="" w="9525">
+              <a14:hiddenLine xmlns="" xmlns:a14="http://schemas.microsoft.com/office/drawing/2010/main" w="9525">
                 <a:solidFill>
                   <a:schemeClr val="tx1"/>
                 </a:solidFill>
@@ -19787,7 +19787,7 @@
               </a14:hiddenLine>
             </a:ext>
             <a:ext uri="{AF507438-7753-43E0-B8FC-AC1667EBCBE1}">
-              <a14:hiddenEffects xmlns:a14="http://schemas.microsoft.com/office/drawing/2010/main" xmlns="">
+              <a14:hiddenEffects xmlns="" xmlns:a14="http://schemas.microsoft.com/office/drawing/2010/main">
                 <a:effectLst>
                   <a:outerShdw dist="35921" dir="2700000" algn="ctr" rotWithShape="0">
                     <a:schemeClr val="bg2"/>
@@ -19868,7 +19868,7 @@
     </p:spTree>
     <p:extLst>
       <p:ext uri="{BB962C8B-B14F-4D97-AF65-F5344CB8AC3E}">
-        <p14:creationId xmlns:p14="http://schemas.microsoft.com/office/powerpoint/2010/main" xmlns="" val="503117530"/>
+        <p14:creationId xmlns="" xmlns:p14="http://schemas.microsoft.com/office/powerpoint/2010/main" val="503117530"/>
       </p:ext>
     </p:extLst>
   </p:cSld>
@@ -19953,7 +19953,7 @@
           <p:nvPr>
             <p:extLst>
               <p:ext uri="{D42A27DB-BD31-4B8C-83A1-F6EECF244321}">
-                <p14:modId xmlns:p14="http://schemas.microsoft.com/office/powerpoint/2010/main" xmlns="" val="722892891"/>
+                <p14:modId xmlns="" xmlns:p14="http://schemas.microsoft.com/office/powerpoint/2010/main" val="722892891"/>
               </p:ext>
             </p:extLst>
           </p:nvPr>
@@ -20935,7 +20935,7 @@
     </p:spTree>
     <p:extLst>
       <p:ext uri="{BB962C8B-B14F-4D97-AF65-F5344CB8AC3E}">
-        <p14:creationId xmlns:p14="http://schemas.microsoft.com/office/powerpoint/2010/main" xmlns="" val="2473970557"/>
+        <p14:creationId xmlns="" xmlns:p14="http://schemas.microsoft.com/office/powerpoint/2010/main" val="2473970557"/>
       </p:ext>
     </p:extLst>
   </p:cSld>
@@ -20981,7 +20981,7 @@
           <a:blip r:embed="rId3">
             <a:extLst>
               <a:ext uri="{28A0092B-C50C-407E-A947-70E740481C1C}">
-                <a14:useLocalDpi xmlns:a14="http://schemas.microsoft.com/office/drawing/2010/main" xmlns="" val="0"/>
+                <a14:useLocalDpi xmlns="" xmlns:a14="http://schemas.microsoft.com/office/drawing/2010/main" val="0"/>
               </a:ext>
             </a:extLst>
           </a:blip>
@@ -21024,7 +21024,7 @@
           </a:sp3d>
           <a:extLst>
             <a:ext uri="{909E8E84-426E-40DD-AFC4-6F175D3DCCD1}">
-              <a14:hiddenFill xmlns:a14="http://schemas.microsoft.com/office/drawing/2010/main" xmlns="">
+              <a14:hiddenFill xmlns="" xmlns:a14="http://schemas.microsoft.com/office/drawing/2010/main">
                 <a:solidFill>
                   <a:srgbClr val="FFFFFF"/>
                 </a:solidFill>
@@ -21215,7 +21215,7 @@
                                     </p:set>
                                     <p:animEffect transition="in" filter="fade">
                                       <p:cBhvr>
-                                        <p:cTn id="7" dur="2000"/>
+                                        <p:cTn id="7" dur="500"/>
                                         <p:tgtEl>
                                           <p:spTgt spid="12290"/>
                                         </p:tgtEl>
@@ -21250,12 +21250,200 @@
                                     </p:set>
                                     <p:animEffect transition="in" filter="fade">
                                       <p:cBhvr>
-                                        <p:cTn id="10" dur="2000"/>
+                                        <p:cTn id="10" dur="500"/>
                                         <p:tgtEl>
                                           <p:spTgt spid="10"/>
                                         </p:tgtEl>
                                       </p:cBhvr>
                                     </p:animEffect>
+                                  </p:childTnLst>
+                                </p:cTn>
+                              </p:par>
+                            </p:childTnLst>
+                          </p:cTn>
+                        </p:par>
+                      </p:childTnLst>
+                    </p:cTn>
+                  </p:par>
+                  <p:par>
+                    <p:cTn id="11" fill="hold">
+                      <p:stCondLst>
+                        <p:cond delay="indefinite"/>
+                      </p:stCondLst>
+                      <p:childTnLst>
+                        <p:par>
+                          <p:cTn id="12" fill="hold">
+                            <p:stCondLst>
+                              <p:cond delay="0"/>
+                            </p:stCondLst>
+                            <p:childTnLst>
+                              <p:par>
+                                <p:cTn id="13" presetID="2" presetClass="entr" presetSubtype="4" fill="hold" grpId="0" nodeType="clickEffect">
+                                  <p:stCondLst>
+                                    <p:cond delay="0"/>
+                                  </p:stCondLst>
+                                  <p:childTnLst>
+                                    <p:set>
+                                      <p:cBhvr>
+                                        <p:cTn id="14" dur="1" fill="hold">
+                                          <p:stCondLst>
+                                            <p:cond delay="0"/>
+                                          </p:stCondLst>
+                                        </p:cTn>
+                                        <p:tgtEl>
+                                          <p:spTgt spid="2">
+                                            <p:txEl>
+                                              <p:pRg st="0" end="0"/>
+                                            </p:txEl>
+                                          </p:spTgt>
+                                        </p:tgtEl>
+                                        <p:attrNameLst>
+                                          <p:attrName>style.visibility</p:attrName>
+                                        </p:attrNameLst>
+                                      </p:cBhvr>
+                                      <p:to>
+                                        <p:strVal val="visible"/>
+                                      </p:to>
+                                    </p:set>
+                                    <p:anim calcmode="lin" valueType="num">
+                                      <p:cBhvr additive="base">
+                                        <p:cTn id="15" dur="500" fill="hold"/>
+                                        <p:tgtEl>
+                                          <p:spTgt spid="2">
+                                            <p:txEl>
+                                              <p:pRg st="0" end="0"/>
+                                            </p:txEl>
+                                          </p:spTgt>
+                                        </p:tgtEl>
+                                        <p:attrNameLst>
+                                          <p:attrName>ppt_x</p:attrName>
+                                        </p:attrNameLst>
+                                      </p:cBhvr>
+                                      <p:tavLst>
+                                        <p:tav tm="0">
+                                          <p:val>
+                                            <p:strVal val="#ppt_x"/>
+                                          </p:val>
+                                        </p:tav>
+                                        <p:tav tm="100000">
+                                          <p:val>
+                                            <p:strVal val="#ppt_x"/>
+                                          </p:val>
+                                        </p:tav>
+                                      </p:tavLst>
+                                    </p:anim>
+                                    <p:anim calcmode="lin" valueType="num">
+                                      <p:cBhvr additive="base">
+                                        <p:cTn id="16" dur="500" fill="hold"/>
+                                        <p:tgtEl>
+                                          <p:spTgt spid="2">
+                                            <p:txEl>
+                                              <p:pRg st="0" end="0"/>
+                                            </p:txEl>
+                                          </p:spTgt>
+                                        </p:tgtEl>
+                                        <p:attrNameLst>
+                                          <p:attrName>ppt_y</p:attrName>
+                                        </p:attrNameLst>
+                                      </p:cBhvr>
+                                      <p:tavLst>
+                                        <p:tav tm="0">
+                                          <p:val>
+                                            <p:strVal val="1+#ppt_h/2"/>
+                                          </p:val>
+                                        </p:tav>
+                                        <p:tav tm="100000">
+                                          <p:val>
+                                            <p:strVal val="#ppt_y"/>
+                                          </p:val>
+                                        </p:tav>
+                                      </p:tavLst>
+                                    </p:anim>
+                                  </p:childTnLst>
+                                </p:cTn>
+                              </p:par>
+                              <p:par>
+                                <p:cTn id="17" presetID="2" presetClass="entr" presetSubtype="4" fill="hold" grpId="0" nodeType="withEffect">
+                                  <p:stCondLst>
+                                    <p:cond delay="0"/>
+                                  </p:stCondLst>
+                                  <p:childTnLst>
+                                    <p:set>
+                                      <p:cBhvr>
+                                        <p:cTn id="18" dur="1" fill="hold">
+                                          <p:stCondLst>
+                                            <p:cond delay="0"/>
+                                          </p:stCondLst>
+                                        </p:cTn>
+                                        <p:tgtEl>
+                                          <p:spTgt spid="2">
+                                            <p:txEl>
+                                              <p:pRg st="1" end="1"/>
+                                            </p:txEl>
+                                          </p:spTgt>
+                                        </p:tgtEl>
+                                        <p:attrNameLst>
+                                          <p:attrName>style.visibility</p:attrName>
+                                        </p:attrNameLst>
+                                      </p:cBhvr>
+                                      <p:to>
+                                        <p:strVal val="visible"/>
+                                      </p:to>
+                                    </p:set>
+                                    <p:anim calcmode="lin" valueType="num">
+                                      <p:cBhvr additive="base">
+                                        <p:cTn id="19" dur="500" fill="hold"/>
+                                        <p:tgtEl>
+                                          <p:spTgt spid="2">
+                                            <p:txEl>
+                                              <p:pRg st="1" end="1"/>
+                                            </p:txEl>
+                                          </p:spTgt>
+                                        </p:tgtEl>
+                                        <p:attrNameLst>
+                                          <p:attrName>ppt_x</p:attrName>
+                                        </p:attrNameLst>
+                                      </p:cBhvr>
+                                      <p:tavLst>
+                                        <p:tav tm="0">
+                                          <p:val>
+                                            <p:strVal val="#ppt_x"/>
+                                          </p:val>
+                                        </p:tav>
+                                        <p:tav tm="100000">
+                                          <p:val>
+                                            <p:strVal val="#ppt_x"/>
+                                          </p:val>
+                                        </p:tav>
+                                      </p:tavLst>
+                                    </p:anim>
+                                    <p:anim calcmode="lin" valueType="num">
+                                      <p:cBhvr additive="base">
+                                        <p:cTn id="20" dur="500" fill="hold"/>
+                                        <p:tgtEl>
+                                          <p:spTgt spid="2">
+                                            <p:txEl>
+                                              <p:pRg st="1" end="1"/>
+                                            </p:txEl>
+                                          </p:spTgt>
+                                        </p:tgtEl>
+                                        <p:attrNameLst>
+                                          <p:attrName>ppt_y</p:attrName>
+                                        </p:attrNameLst>
+                                      </p:cBhvr>
+                                      <p:tavLst>
+                                        <p:tav tm="0">
+                                          <p:val>
+                                            <p:strVal val="1+#ppt_h/2"/>
+                                          </p:val>
+                                        </p:tav>
+                                        <p:tav tm="100000">
+                                          <p:val>
+                                            <p:strVal val="#ppt_y"/>
+                                          </p:val>
+                                        </p:tav>
+                                      </p:tavLst>
+                                    </p:anim>
                                   </p:childTnLst>
                                 </p:cTn>
                               </p:par>
@@ -21286,6 +21474,9 @@
         </p:cTn>
       </p:par>
     </p:tnLst>
+    <p:bldLst>
+      <p:bldP spid="2" grpId="0" build="allAtOnce"/>
+    </p:bldLst>
   </p:timing>
 </p:sld>
 </file>
@@ -21363,7 +21554,7 @@
           <a:blip r:embed="rId3">
             <a:extLst>
               <a:ext uri="{28A0092B-C50C-407E-A947-70E740481C1C}">
-                <a14:useLocalDpi xmlns:a14="http://schemas.microsoft.com/office/drawing/2010/main" xmlns="" val="0"/>
+                <a14:useLocalDpi xmlns="" xmlns:a14="http://schemas.microsoft.com/office/drawing/2010/main" val="0"/>
               </a:ext>
             </a:extLst>
           </a:blip>
@@ -21387,14 +21578,14 @@
           <a:effectLst/>
           <a:extLst>
             <a:ext uri="{909E8E84-426E-40DD-AFC4-6F175D3DCCD1}">
-              <a14:hiddenFill xmlns:a14="http://schemas.microsoft.com/office/drawing/2010/main" xmlns="">
+              <a14:hiddenFill xmlns="" xmlns:a14="http://schemas.microsoft.com/office/drawing/2010/main">
                 <a:solidFill>
                   <a:schemeClr val="accent1"/>
                 </a:solidFill>
               </a14:hiddenFill>
             </a:ext>
             <a:ext uri="{91240B29-F687-4F45-9708-019B960494DF}">
-              <a14:hiddenLine xmlns:a14="http://schemas.microsoft.com/office/drawing/2010/main" xmlns="" w="9525">
+              <a14:hiddenLine xmlns="" xmlns:a14="http://schemas.microsoft.com/office/drawing/2010/main" w="9525">
                 <a:solidFill>
                   <a:schemeClr val="tx1"/>
                 </a:solidFill>
@@ -21404,7 +21595,7 @@
               </a14:hiddenLine>
             </a:ext>
             <a:ext uri="{AF507438-7753-43E0-B8FC-AC1667EBCBE1}">
-              <a14:hiddenEffects xmlns:a14="http://schemas.microsoft.com/office/drawing/2010/main" xmlns="">
+              <a14:hiddenEffects xmlns="" xmlns:a14="http://schemas.microsoft.com/office/drawing/2010/main">
                 <a:effectLst>
                   <a:outerShdw dist="35921" dir="2700000" algn="ctr" rotWithShape="0">
                     <a:schemeClr val="bg2"/>
@@ -21505,14 +21696,14 @@
           <a:effectLst/>
           <a:extLst>
             <a:ext uri="{909E8E84-426E-40DD-AFC4-6F175D3DCCD1}">
-              <a14:hiddenFill xmlns:a14="http://schemas.microsoft.com/office/drawing/2010/main" xmlns="">
+              <a14:hiddenFill xmlns="" xmlns:a14="http://schemas.microsoft.com/office/drawing/2010/main">
                 <a:solidFill>
                   <a:schemeClr val="accent1"/>
                 </a:solidFill>
               </a14:hiddenFill>
             </a:ext>
             <a:ext uri="{91240B29-F687-4F45-9708-019B960494DF}">
-              <a14:hiddenLine xmlns:a14="http://schemas.microsoft.com/office/drawing/2010/main" xmlns="" w="9525">
+              <a14:hiddenLine xmlns="" xmlns:a14="http://schemas.microsoft.com/office/drawing/2010/main" w="9525">
                 <a:solidFill>
                   <a:schemeClr val="tx1"/>
                 </a:solidFill>
@@ -21522,7 +21713,7 @@
               </a14:hiddenLine>
             </a:ext>
             <a:ext uri="{AF507438-7753-43E0-B8FC-AC1667EBCBE1}">
-              <a14:hiddenEffects xmlns:a14="http://schemas.microsoft.com/office/drawing/2010/main" xmlns="">
+              <a14:hiddenEffects xmlns="" xmlns:a14="http://schemas.microsoft.com/office/drawing/2010/main">
                 <a:effectLst>
                   <a:outerShdw dist="35921" dir="2700000" algn="ctr" rotWithShape="0">
                     <a:schemeClr val="bg2"/>
@@ -21970,7 +22161,7 @@
     </p:spTree>
     <p:extLst>
       <p:ext uri="{BB962C8B-B14F-4D97-AF65-F5344CB8AC3E}">
-        <p14:creationId xmlns:p14="http://schemas.microsoft.com/office/powerpoint/2010/main" xmlns="" val="3312797979"/>
+        <p14:creationId xmlns="" xmlns:p14="http://schemas.microsoft.com/office/powerpoint/2010/main" val="3312797979"/>
       </p:ext>
     </p:extLst>
   </p:cSld>
@@ -23400,7 +23591,7 @@
     </p:spTree>
     <p:extLst>
       <p:ext uri="{BB962C8B-B14F-4D97-AF65-F5344CB8AC3E}">
-        <p14:creationId xmlns:p14="http://schemas.microsoft.com/office/powerpoint/2010/main" xmlns="" val="155874689"/>
+        <p14:creationId xmlns="" xmlns:p14="http://schemas.microsoft.com/office/powerpoint/2010/main" val="155874689"/>
       </p:ext>
     </p:extLst>
   </p:cSld>
@@ -23408,7 +23599,7 @@
     <a:masterClrMapping/>
   </p:clrMapOvr>
   <mc:AlternateContent xmlns:mc="http://schemas.openxmlformats.org/markup-compatibility/2006">
-    <mc:Choice xmlns:p14="http://schemas.microsoft.com/office/powerpoint/2010/main" xmlns="" Requires="p14">
+    <mc:Choice xmlns="" xmlns:p14="http://schemas.microsoft.com/office/powerpoint/2010/main" Requires="p14">
       <p:transition spd="slow" p14:dur="2000"/>
     </mc:Choice>
     <mc:Fallback>
@@ -24015,7 +24206,7 @@
           <p:nvPr>
             <p:extLst>
               <p:ext uri="{D42A27DB-BD31-4B8C-83A1-F6EECF244321}">
-                <p14:modId xmlns:p14="http://schemas.microsoft.com/office/powerpoint/2010/main" xmlns="" val="3382119601"/>
+                <p14:modId xmlns="" xmlns:p14="http://schemas.microsoft.com/office/powerpoint/2010/main" val="3382119601"/>
               </p:ext>
             </p:extLst>
           </p:nvPr>
@@ -24934,7 +25125,7 @@
                             </p:stCondLst>
                             <p:childTnLst>
                               <p:par>
-                                <p:cTn id="5" presetID="22" presetClass="entr" presetSubtype="4" fill="hold" grpId="0" nodeType="clickEffect">
+                                <p:cTn id="5" presetID="10" presetClass="entr" presetSubtype="0" fill="hold" nodeType="clickEffect">
                                   <p:stCondLst>
                                     <p:cond delay="0"/>
                                   </p:stCondLst>
@@ -24942,6 +25133,59 @@
                                     <p:set>
                                       <p:cBhvr>
                                         <p:cTn id="6" dur="1" fill="hold">
+                                          <p:stCondLst>
+                                            <p:cond delay="0"/>
+                                          </p:stCondLst>
+                                        </p:cTn>
+                                        <p:tgtEl>
+                                          <p:spTgt spid="6146"/>
+                                        </p:tgtEl>
+                                        <p:attrNameLst>
+                                          <p:attrName>style.visibility</p:attrName>
+                                        </p:attrNameLst>
+                                      </p:cBhvr>
+                                      <p:to>
+                                        <p:strVal val="visible"/>
+                                      </p:to>
+                                    </p:set>
+                                    <p:animEffect transition="in" filter="fade">
+                                      <p:cBhvr>
+                                        <p:cTn id="7" dur="500"/>
+                                        <p:tgtEl>
+                                          <p:spTgt spid="6146"/>
+                                        </p:tgtEl>
+                                      </p:cBhvr>
+                                    </p:animEffect>
+                                  </p:childTnLst>
+                                </p:cTn>
+                              </p:par>
+                            </p:childTnLst>
+                          </p:cTn>
+                        </p:par>
+                      </p:childTnLst>
+                    </p:cTn>
+                  </p:par>
+                  <p:par>
+                    <p:cTn id="8" fill="hold">
+                      <p:stCondLst>
+                        <p:cond delay="indefinite"/>
+                      </p:stCondLst>
+                      <p:childTnLst>
+                        <p:par>
+                          <p:cTn id="9" fill="hold">
+                            <p:stCondLst>
+                              <p:cond delay="0"/>
+                            </p:stCondLst>
+                            <p:childTnLst>
+                              <p:par>
+                                <p:cTn id="10" presetID="22" presetClass="entr" presetSubtype="4" fill="hold" grpId="0" nodeType="clickEffect">
+                                  <p:stCondLst>
+                                    <p:cond delay="0"/>
+                                  </p:stCondLst>
+                                  <p:childTnLst>
+                                    <p:set>
+                                      <p:cBhvr>
+                                        <p:cTn id="11" dur="1" fill="hold">
                                           <p:stCondLst>
                                             <p:cond delay="0"/>
                                           </p:stCondLst>
@@ -24963,7 +25207,7 @@
                                     </p:set>
                                     <p:animEffect transition="in" filter="wipe(down)">
                                       <p:cBhvr>
-                                        <p:cTn id="7" dur="500"/>
+                                        <p:cTn id="12" dur="500"/>
                                         <p:tgtEl>
                                           <p:spTgt spid="3">
                                             <p:txEl>
@@ -24977,14 +25221,14 @@
                                 </p:cTn>
                               </p:par>
                               <p:par>
-                                <p:cTn id="8" presetID="22" presetClass="entr" presetSubtype="4" fill="hold" grpId="0" nodeType="withEffect">
+                                <p:cTn id="13" presetID="22" presetClass="entr" presetSubtype="4" fill="hold" grpId="0" nodeType="withEffect">
                                   <p:stCondLst>
                                     <p:cond delay="0"/>
                                   </p:stCondLst>
                                   <p:childTnLst>
                                     <p:set>
                                       <p:cBhvr>
-                                        <p:cTn id="9" dur="1" fill="hold">
+                                        <p:cTn id="14" dur="1" fill="hold">
                                           <p:stCondLst>
                                             <p:cond delay="0"/>
                                           </p:stCondLst>
@@ -25006,7 +25250,7 @@
                                     </p:set>
                                     <p:animEffect transition="in" filter="wipe(down)">
                                       <p:cBhvr>
-                                        <p:cTn id="10" dur="500"/>
+                                        <p:cTn id="15" dur="500"/>
                                         <p:tgtEl>
                                           <p:spTgt spid="3">
                                             <p:txEl>
@@ -25019,15 +25263,33 @@
                                   </p:childTnLst>
                                 </p:cTn>
                               </p:par>
+                            </p:childTnLst>
+                          </p:cTn>
+                        </p:par>
+                      </p:childTnLst>
+                    </p:cTn>
+                  </p:par>
+                  <p:par>
+                    <p:cTn id="16" fill="hold">
+                      <p:stCondLst>
+                        <p:cond delay="indefinite"/>
+                      </p:stCondLst>
+                      <p:childTnLst>
+                        <p:par>
+                          <p:cTn id="17" fill="hold">
+                            <p:stCondLst>
+                              <p:cond delay="0"/>
+                            </p:stCondLst>
+                            <p:childTnLst>
                               <p:par>
-                                <p:cTn id="11" presetID="22" presetClass="entr" presetSubtype="4" fill="hold" grpId="0" nodeType="withEffect">
+                                <p:cTn id="18" presetID="22" presetClass="entr" presetSubtype="4" fill="hold" grpId="0" nodeType="clickEffect">
                                   <p:stCondLst>
                                     <p:cond delay="0"/>
                                   </p:stCondLst>
                                   <p:childTnLst>
                                     <p:set>
                                       <p:cBhvr>
-                                        <p:cTn id="12" dur="1" fill="hold">
+                                        <p:cTn id="19" dur="1" fill="hold">
                                           <p:stCondLst>
                                             <p:cond delay="0"/>
                                           </p:stCondLst>
@@ -25049,7 +25311,7 @@
                                     </p:set>
                                     <p:animEffect transition="in" filter="wipe(down)">
                                       <p:cBhvr>
-                                        <p:cTn id="13" dur="500"/>
+                                        <p:cTn id="20" dur="500"/>
                                         <p:tgtEl>
                                           <p:spTgt spid="3">
                                             <p:txEl>
@@ -25062,15 +25324,33 @@
                                   </p:childTnLst>
                                 </p:cTn>
                               </p:par>
+                            </p:childTnLst>
+                          </p:cTn>
+                        </p:par>
+                      </p:childTnLst>
+                    </p:cTn>
+                  </p:par>
+                  <p:par>
+                    <p:cTn id="21" fill="hold">
+                      <p:stCondLst>
+                        <p:cond delay="indefinite"/>
+                      </p:stCondLst>
+                      <p:childTnLst>
+                        <p:par>
+                          <p:cTn id="22" fill="hold">
+                            <p:stCondLst>
+                              <p:cond delay="0"/>
+                            </p:stCondLst>
+                            <p:childTnLst>
                               <p:par>
-                                <p:cTn id="14" presetID="22" presetClass="entr" presetSubtype="4" fill="hold" grpId="0" nodeType="withEffect">
+                                <p:cTn id="23" presetID="22" presetClass="entr" presetSubtype="4" fill="hold" grpId="0" nodeType="clickEffect">
                                   <p:stCondLst>
                                     <p:cond delay="0"/>
                                   </p:stCondLst>
                                   <p:childTnLst>
                                     <p:set>
                                       <p:cBhvr>
-                                        <p:cTn id="15" dur="1" fill="hold">
+                                        <p:cTn id="24" dur="1" fill="hold">
                                           <p:stCondLst>
                                             <p:cond delay="0"/>
                                           </p:stCondLst>
@@ -25092,7 +25372,7 @@
                                     </p:set>
                                     <p:animEffect transition="in" filter="wipe(down)">
                                       <p:cBhvr>
-                                        <p:cTn id="16" dur="500"/>
+                                        <p:cTn id="25" dur="500"/>
                                         <p:tgtEl>
                                           <p:spTgt spid="3">
                                             <p:txEl>
@@ -25106,14 +25386,14 @@
                                 </p:cTn>
                               </p:par>
                               <p:par>
-                                <p:cTn id="17" presetID="22" presetClass="entr" presetSubtype="4" fill="hold" grpId="0" nodeType="withEffect">
+                                <p:cTn id="26" presetID="22" presetClass="entr" presetSubtype="4" fill="hold" grpId="0" nodeType="withEffect">
                                   <p:stCondLst>
                                     <p:cond delay="0"/>
                                   </p:stCondLst>
                                   <p:childTnLst>
                                     <p:set>
                                       <p:cBhvr>
-                                        <p:cTn id="18" dur="1" fill="hold">
+                                        <p:cTn id="27" dur="1" fill="hold">
                                           <p:stCondLst>
                                             <p:cond delay="0"/>
                                           </p:stCondLst>
@@ -25135,7 +25415,7 @@
                                     </p:set>
                                     <p:animEffect transition="in" filter="wipe(down)">
                                       <p:cBhvr>
-                                        <p:cTn id="19" dur="500"/>
+                                        <p:cTn id="28" dur="500"/>
                                         <p:tgtEl>
                                           <p:spTgt spid="3">
                                             <p:txEl>
@@ -25149,14 +25429,14 @@
                                 </p:cTn>
                               </p:par>
                               <p:par>
-                                <p:cTn id="20" presetID="22" presetClass="entr" presetSubtype="4" fill="hold" grpId="0" nodeType="withEffect">
+                                <p:cTn id="29" presetID="22" presetClass="entr" presetSubtype="4" fill="hold" grpId="0" nodeType="withEffect">
                                   <p:stCondLst>
                                     <p:cond delay="0"/>
                                   </p:stCondLst>
                                   <p:childTnLst>
                                     <p:set>
                                       <p:cBhvr>
-                                        <p:cTn id="21" dur="1" fill="hold">
+                                        <p:cTn id="30" dur="1" fill="hold">
                                           <p:stCondLst>
                                             <p:cond delay="0"/>
                                           </p:stCondLst>
@@ -25178,66 +25458,13 @@
                                     </p:set>
                                     <p:animEffect transition="in" filter="wipe(down)">
                                       <p:cBhvr>
-                                        <p:cTn id="22" dur="500"/>
+                                        <p:cTn id="31" dur="500"/>
                                         <p:tgtEl>
                                           <p:spTgt spid="3">
                                             <p:txEl>
                                               <p:pRg st="9" end="9"/>
                                             </p:txEl>
                                           </p:spTgt>
-                                        </p:tgtEl>
-                                      </p:cBhvr>
-                                    </p:animEffect>
-                                  </p:childTnLst>
-                                </p:cTn>
-                              </p:par>
-                            </p:childTnLst>
-                          </p:cTn>
-                        </p:par>
-                      </p:childTnLst>
-                    </p:cTn>
-                  </p:par>
-                  <p:par>
-                    <p:cTn id="23" fill="hold">
-                      <p:stCondLst>
-                        <p:cond delay="indefinite"/>
-                      </p:stCondLst>
-                      <p:childTnLst>
-                        <p:par>
-                          <p:cTn id="24" fill="hold">
-                            <p:stCondLst>
-                              <p:cond delay="0"/>
-                            </p:stCondLst>
-                            <p:childTnLst>
-                              <p:par>
-                                <p:cTn id="25" presetID="10" presetClass="entr" presetSubtype="0" fill="hold" nodeType="clickEffect">
-                                  <p:stCondLst>
-                                    <p:cond delay="0"/>
-                                  </p:stCondLst>
-                                  <p:childTnLst>
-                                    <p:set>
-                                      <p:cBhvr>
-                                        <p:cTn id="26" dur="1" fill="hold">
-                                          <p:stCondLst>
-                                            <p:cond delay="0"/>
-                                          </p:stCondLst>
-                                        </p:cTn>
-                                        <p:tgtEl>
-                                          <p:spTgt spid="6146"/>
-                                        </p:tgtEl>
-                                        <p:attrNameLst>
-                                          <p:attrName>style.visibility</p:attrName>
-                                        </p:attrNameLst>
-                                      </p:cBhvr>
-                                      <p:to>
-                                        <p:strVal val="visible"/>
-                                      </p:to>
-                                    </p:set>
-                                    <p:animEffect transition="in" filter="fade">
-                                      <p:cBhvr>
-                                        <p:cTn id="27" dur="500"/>
-                                        <p:tgtEl>
-                                          <p:spTgt spid="6146"/>
                                         </p:tgtEl>
                                       </p:cBhvr>
                                     </p:animEffect>
@@ -25272,7 +25499,7 @@
       </p:par>
     </p:tnLst>
     <p:bldLst>
-      <p:bldP spid="3" grpId="0" build="allAtOnce"/>
+      <p:bldP spid="3" grpId="0" build="p"/>
     </p:bldLst>
   </p:timing>
 </p:sld>
@@ -25719,7 +25946,7 @@
                             </p:stCondLst>
                             <p:childTnLst>
                               <p:par>
-                                <p:cTn id="5" presetID="2" presetClass="entr" presetSubtype="4" fill="hold" grpId="0" nodeType="clickEffect">
+                                <p:cTn id="5" presetID="10" presetClass="entr" presetSubtype="0" fill="hold" nodeType="clickEffect">
                                   <p:stCondLst>
                                     <p:cond delay="0"/>
                                   </p:stCondLst>
@@ -25727,6 +25954,59 @@
                                     <p:set>
                                       <p:cBhvr>
                                         <p:cTn id="6" dur="1" fill="hold">
+                                          <p:stCondLst>
+                                            <p:cond delay="0"/>
+                                          </p:stCondLst>
+                                        </p:cTn>
+                                        <p:tgtEl>
+                                          <p:spTgt spid="7170"/>
+                                        </p:tgtEl>
+                                        <p:attrNameLst>
+                                          <p:attrName>style.visibility</p:attrName>
+                                        </p:attrNameLst>
+                                      </p:cBhvr>
+                                      <p:to>
+                                        <p:strVal val="visible"/>
+                                      </p:to>
+                                    </p:set>
+                                    <p:animEffect transition="in" filter="fade">
+                                      <p:cBhvr>
+                                        <p:cTn id="7" dur="500"/>
+                                        <p:tgtEl>
+                                          <p:spTgt spid="7170"/>
+                                        </p:tgtEl>
+                                      </p:cBhvr>
+                                    </p:animEffect>
+                                  </p:childTnLst>
+                                </p:cTn>
+                              </p:par>
+                            </p:childTnLst>
+                          </p:cTn>
+                        </p:par>
+                      </p:childTnLst>
+                    </p:cTn>
+                  </p:par>
+                  <p:par>
+                    <p:cTn id="8" fill="hold">
+                      <p:stCondLst>
+                        <p:cond delay="indefinite"/>
+                      </p:stCondLst>
+                      <p:childTnLst>
+                        <p:par>
+                          <p:cTn id="9" fill="hold">
+                            <p:stCondLst>
+                              <p:cond delay="0"/>
+                            </p:stCondLst>
+                            <p:childTnLst>
+                              <p:par>
+                                <p:cTn id="10" presetID="2" presetClass="entr" presetSubtype="4" fill="hold" grpId="0" nodeType="clickEffect">
+                                  <p:stCondLst>
+                                    <p:cond delay="0"/>
+                                  </p:stCondLst>
+                                  <p:childTnLst>
+                                    <p:set>
+                                      <p:cBhvr>
+                                        <p:cTn id="11" dur="1" fill="hold">
                                           <p:stCondLst>
                                             <p:cond delay="0"/>
                                           </p:stCondLst>
@@ -25748,7 +26028,7 @@
                                     </p:set>
                                     <p:anim calcmode="lin" valueType="num">
                                       <p:cBhvr additive="base">
-                                        <p:cTn id="7" dur="500" fill="hold"/>
+                                        <p:cTn id="12" dur="500" fill="hold"/>
                                         <p:tgtEl>
                                           <p:spTgt spid="3">
                                             <p:txEl>
@@ -25775,7 +26055,7 @@
                                     </p:anim>
                                     <p:anim calcmode="lin" valueType="num">
                                       <p:cBhvr additive="base">
-                                        <p:cTn id="8" dur="500" fill="hold"/>
+                                        <p:cTn id="13" dur="500" fill="hold"/>
                                         <p:tgtEl>
                                           <p:spTgt spid="3">
                                             <p:txEl>
@@ -25803,15 +26083,33 @@
                                   </p:childTnLst>
                                 </p:cTn>
                               </p:par>
+                            </p:childTnLst>
+                          </p:cTn>
+                        </p:par>
+                      </p:childTnLst>
+                    </p:cTn>
+                  </p:par>
+                  <p:par>
+                    <p:cTn id="14" fill="hold">
+                      <p:stCondLst>
+                        <p:cond delay="indefinite"/>
+                      </p:stCondLst>
+                      <p:childTnLst>
+                        <p:par>
+                          <p:cTn id="15" fill="hold">
+                            <p:stCondLst>
+                              <p:cond delay="0"/>
+                            </p:stCondLst>
+                            <p:childTnLst>
                               <p:par>
-                                <p:cTn id="9" presetID="2" presetClass="entr" presetSubtype="4" fill="hold" grpId="0" nodeType="withEffect">
+                                <p:cTn id="16" presetID="2" presetClass="entr" presetSubtype="4" fill="hold" grpId="0" nodeType="clickEffect">
                                   <p:stCondLst>
                                     <p:cond delay="0"/>
                                   </p:stCondLst>
                                   <p:childTnLst>
                                     <p:set>
                                       <p:cBhvr>
-                                        <p:cTn id="10" dur="1" fill="hold">
+                                        <p:cTn id="17" dur="1" fill="hold">
                                           <p:stCondLst>
                                             <p:cond delay="0"/>
                                           </p:stCondLst>
@@ -25833,7 +26131,7 @@
                                     </p:set>
                                     <p:anim calcmode="lin" valueType="num">
                                       <p:cBhvr additive="base">
-                                        <p:cTn id="11" dur="500" fill="hold"/>
+                                        <p:cTn id="18" dur="500" fill="hold"/>
                                         <p:tgtEl>
                                           <p:spTgt spid="3">
                                             <p:txEl>
@@ -25860,7 +26158,7 @@
                                     </p:anim>
                                     <p:anim calcmode="lin" valueType="num">
                                       <p:cBhvr additive="base">
-                                        <p:cTn id="12" dur="500" fill="hold"/>
+                                        <p:cTn id="19" dur="500" fill="hold"/>
                                         <p:tgtEl>
                                           <p:spTgt spid="3">
                                             <p:txEl>
@@ -25888,15 +26186,33 @@
                                   </p:childTnLst>
                                 </p:cTn>
                               </p:par>
+                            </p:childTnLst>
+                          </p:cTn>
+                        </p:par>
+                      </p:childTnLst>
+                    </p:cTn>
+                  </p:par>
+                  <p:par>
+                    <p:cTn id="20" fill="hold">
+                      <p:stCondLst>
+                        <p:cond delay="indefinite"/>
+                      </p:stCondLst>
+                      <p:childTnLst>
+                        <p:par>
+                          <p:cTn id="21" fill="hold">
+                            <p:stCondLst>
+                              <p:cond delay="0"/>
+                            </p:stCondLst>
+                            <p:childTnLst>
                               <p:par>
-                                <p:cTn id="13" presetID="2" presetClass="entr" presetSubtype="4" fill="hold" grpId="0" nodeType="withEffect">
+                                <p:cTn id="22" presetID="2" presetClass="entr" presetSubtype="4" fill="hold" grpId="0" nodeType="clickEffect">
                                   <p:stCondLst>
                                     <p:cond delay="0"/>
                                   </p:stCondLst>
                                   <p:childTnLst>
                                     <p:set>
                                       <p:cBhvr>
-                                        <p:cTn id="14" dur="1" fill="hold">
+                                        <p:cTn id="23" dur="1" fill="hold">
                                           <p:stCondLst>
                                             <p:cond delay="0"/>
                                           </p:stCondLst>
@@ -25918,7 +26234,7 @@
                                     </p:set>
                                     <p:anim calcmode="lin" valueType="num">
                                       <p:cBhvr additive="base">
-                                        <p:cTn id="15" dur="500" fill="hold"/>
+                                        <p:cTn id="24" dur="500" fill="hold"/>
                                         <p:tgtEl>
                                           <p:spTgt spid="3">
                                             <p:txEl>
@@ -25945,7 +26261,7 @@
                                     </p:anim>
                                     <p:anim calcmode="lin" valueType="num">
                                       <p:cBhvr additive="base">
-                                        <p:cTn id="16" dur="500" fill="hold"/>
+                                        <p:cTn id="25" dur="500" fill="hold"/>
                                         <p:tgtEl>
                                           <p:spTgt spid="3">
                                             <p:txEl>
@@ -25974,14 +26290,14 @@
                                 </p:cTn>
                               </p:par>
                               <p:par>
-                                <p:cTn id="17" presetID="2" presetClass="entr" presetSubtype="4" fill="hold" grpId="0" nodeType="withEffect">
+                                <p:cTn id="26" presetID="2" presetClass="entr" presetSubtype="4" fill="hold" grpId="0" nodeType="withEffect">
                                   <p:stCondLst>
                                     <p:cond delay="0"/>
                                   </p:stCondLst>
                                   <p:childTnLst>
                                     <p:set>
                                       <p:cBhvr>
-                                        <p:cTn id="18" dur="1" fill="hold">
+                                        <p:cTn id="27" dur="1" fill="hold">
                                           <p:stCondLst>
                                             <p:cond delay="0"/>
                                           </p:stCondLst>
@@ -26003,7 +26319,7 @@
                                     </p:set>
                                     <p:anim calcmode="lin" valueType="num">
                                       <p:cBhvr additive="base">
-                                        <p:cTn id="19" dur="500" fill="hold"/>
+                                        <p:cTn id="28" dur="500" fill="hold"/>
                                         <p:tgtEl>
                                           <p:spTgt spid="3">
                                             <p:txEl>
@@ -26030,7 +26346,7 @@
                                     </p:anim>
                                     <p:anim calcmode="lin" valueType="num">
                                       <p:cBhvr additive="base">
-                                        <p:cTn id="20" dur="500" fill="hold"/>
+                                        <p:cTn id="29" dur="500" fill="hold"/>
                                         <p:tgtEl>
                                           <p:spTgt spid="3">
                                             <p:txEl>
@@ -26064,59 +26380,6 @@
                       </p:childTnLst>
                     </p:cTn>
                   </p:par>
-                  <p:par>
-                    <p:cTn id="21" fill="hold">
-                      <p:stCondLst>
-                        <p:cond delay="indefinite"/>
-                      </p:stCondLst>
-                      <p:childTnLst>
-                        <p:par>
-                          <p:cTn id="22" fill="hold">
-                            <p:stCondLst>
-                              <p:cond delay="0"/>
-                            </p:stCondLst>
-                            <p:childTnLst>
-                              <p:par>
-                                <p:cTn id="23" presetID="10" presetClass="entr" presetSubtype="0" fill="hold" nodeType="clickEffect">
-                                  <p:stCondLst>
-                                    <p:cond delay="0"/>
-                                  </p:stCondLst>
-                                  <p:childTnLst>
-                                    <p:set>
-                                      <p:cBhvr>
-                                        <p:cTn id="24" dur="1" fill="hold">
-                                          <p:stCondLst>
-                                            <p:cond delay="0"/>
-                                          </p:stCondLst>
-                                        </p:cTn>
-                                        <p:tgtEl>
-                                          <p:spTgt spid="7170"/>
-                                        </p:tgtEl>
-                                        <p:attrNameLst>
-                                          <p:attrName>style.visibility</p:attrName>
-                                        </p:attrNameLst>
-                                      </p:cBhvr>
-                                      <p:to>
-                                        <p:strVal val="visible"/>
-                                      </p:to>
-                                    </p:set>
-                                    <p:animEffect transition="in" filter="fade">
-                                      <p:cBhvr>
-                                        <p:cTn id="25" dur="500"/>
-                                        <p:tgtEl>
-                                          <p:spTgt spid="7170"/>
-                                        </p:tgtEl>
-                                      </p:cBhvr>
-                                    </p:animEffect>
-                                  </p:childTnLst>
-                                </p:cTn>
-                              </p:par>
-                            </p:childTnLst>
-                          </p:cTn>
-                        </p:par>
-                      </p:childTnLst>
-                    </p:cTn>
-                  </p:par>
                 </p:childTnLst>
               </p:cTn>
               <p:prevCondLst>
@@ -26139,7 +26402,7 @@
       </p:par>
     </p:tnLst>
     <p:bldLst>
-      <p:bldP spid="3" grpId="0" build="allAtOnce"/>
+      <p:bldP spid="3" grpId="0" build="p"/>
     </p:bldLst>
   </p:timing>
 </p:sld>
@@ -26604,25 +26867,8 @@
                 <a:latin typeface="+mj-lt"/>
                 <a:cs typeface="Arial" pitchFamily="34" charset="0"/>
               </a:rPr>
-              <a:t>*@param </a:t>
-            </a:r>
-            <a:r>
-              <a:rPr lang="it-IT" sz="1800" b="1" dirty="0" smtClean="0">
-                <a:solidFill>
-                  <a:srgbClr val="0070C0"/>
-                </a:solidFill>
-                <a:latin typeface="+mj-lt"/>
-                <a:cs typeface="Arial" pitchFamily="34" charset="0"/>
-              </a:rPr>
-              <a:t>questionario</a:t>
-            </a:r>
-            <a:endParaRPr lang="it-IT" sz="1800" b="1" dirty="0" smtClean="0">
-              <a:solidFill>
-                <a:srgbClr val="0070C0"/>
-              </a:solidFill>
-              <a:latin typeface="+mj-lt"/>
-              <a:cs typeface="Arial" pitchFamily="34" charset="0"/>
-            </a:endParaRPr>
+              <a:t>*@param questionario</a:t>
+            </a:r>
           </a:p>
           <a:p>
             <a:pPr marL="285750" indent="-285750" algn="just">
@@ -26773,32 +27019,6 @@
           </a:p>
         </p:txBody>
       </p:sp>
-      <p:pic>
-        <p:nvPicPr>
-          <p:cNvPr id="16386" name="Picture 2" descr="http://oliviertech.com/wp-content/uploads/2012/12/junit.gif"/>
-          <p:cNvPicPr>
-            <a:picLocks noChangeAspect="1" noChangeArrowheads="1"/>
-          </p:cNvPicPr>
-          <p:nvPr/>
-        </p:nvPicPr>
-        <p:blipFill>
-          <a:blip r:embed="rId2"/>
-          <a:srcRect/>
-          <a:stretch>
-            <a:fillRect/>
-          </a:stretch>
-        </p:blipFill>
-        <p:spPr bwMode="auto">
-          <a:xfrm>
-            <a:off x="155575" y="-319088"/>
-            <a:ext cx="1276350" cy="676276"/>
-          </a:xfrm>
-          <a:prstGeom prst="rect">
-            <a:avLst/>
-          </a:prstGeom>
-          <a:noFill/>
-        </p:spPr>
-      </p:pic>
       <p:pic>
         <p:nvPicPr>
           <p:cNvPr id="16388" name="Picture 4" descr="http://oliviertech.com/wp-content/uploads/2012/12/junit.gif"/>
@@ -26828,7 +27048,7 @@
     </p:spTree>
     <p:extLst>
       <p:ext uri="{BB962C8B-B14F-4D97-AF65-F5344CB8AC3E}">
-        <p14:creationId xmlns:p14="http://schemas.microsoft.com/office/powerpoint/2010/main" xmlns="" val="134615909"/>
+        <p14:creationId xmlns="" xmlns:p14="http://schemas.microsoft.com/office/powerpoint/2010/main" val="134615909"/>
       </p:ext>
     </p:extLst>
   </p:cSld>
@@ -26838,9 +27058,690 @@
   <p:timing>
     <p:tnLst>
       <p:par>
-        <p:cTn id="1" dur="indefinite" restart="never" nodeType="tmRoot"/>
+        <p:cTn id="1" dur="indefinite" restart="never" nodeType="tmRoot">
+          <p:childTnLst>
+            <p:seq concurrent="1" nextAc="seek">
+              <p:cTn id="2" dur="indefinite" nodeType="mainSeq">
+                <p:childTnLst>
+                  <p:par>
+                    <p:cTn id="3" fill="hold">
+                      <p:stCondLst>
+                        <p:cond delay="indefinite"/>
+                      </p:stCondLst>
+                      <p:childTnLst>
+                        <p:par>
+                          <p:cTn id="4" fill="hold">
+                            <p:stCondLst>
+                              <p:cond delay="0"/>
+                            </p:stCondLst>
+                            <p:childTnLst>
+                              <p:par>
+                                <p:cTn id="5" presetID="22" presetClass="entr" presetSubtype="4" fill="hold" grpId="0" nodeType="clickEffect">
+                                  <p:stCondLst>
+                                    <p:cond delay="0"/>
+                                  </p:stCondLst>
+                                  <p:childTnLst>
+                                    <p:set>
+                                      <p:cBhvr>
+                                        <p:cTn id="6" dur="1" fill="hold">
+                                          <p:stCondLst>
+                                            <p:cond delay="0"/>
+                                          </p:stCondLst>
+                                        </p:cTn>
+                                        <p:tgtEl>
+                                          <p:spTgt spid="4">
+                                            <p:txEl>
+                                              <p:pRg st="0" end="0"/>
+                                            </p:txEl>
+                                          </p:spTgt>
+                                        </p:tgtEl>
+                                        <p:attrNameLst>
+                                          <p:attrName>style.visibility</p:attrName>
+                                        </p:attrNameLst>
+                                      </p:cBhvr>
+                                      <p:to>
+                                        <p:strVal val="visible"/>
+                                      </p:to>
+                                    </p:set>
+                                    <p:animEffect transition="in" filter="wipe(down)">
+                                      <p:cBhvr>
+                                        <p:cTn id="7" dur="500"/>
+                                        <p:tgtEl>
+                                          <p:spTgt spid="4">
+                                            <p:txEl>
+                                              <p:pRg st="0" end="0"/>
+                                            </p:txEl>
+                                          </p:spTgt>
+                                        </p:tgtEl>
+                                      </p:cBhvr>
+                                    </p:animEffect>
+                                  </p:childTnLst>
+                                </p:cTn>
+                              </p:par>
+                              <p:par>
+                                <p:cTn id="8" presetID="22" presetClass="entr" presetSubtype="4" fill="hold" grpId="0" nodeType="withEffect">
+                                  <p:stCondLst>
+                                    <p:cond delay="0"/>
+                                  </p:stCondLst>
+                                  <p:childTnLst>
+                                    <p:set>
+                                      <p:cBhvr>
+                                        <p:cTn id="9" dur="1" fill="hold">
+                                          <p:stCondLst>
+                                            <p:cond delay="0"/>
+                                          </p:stCondLst>
+                                        </p:cTn>
+                                        <p:tgtEl>
+                                          <p:spTgt spid="4">
+                                            <p:txEl>
+                                              <p:pRg st="1" end="1"/>
+                                            </p:txEl>
+                                          </p:spTgt>
+                                        </p:tgtEl>
+                                        <p:attrNameLst>
+                                          <p:attrName>style.visibility</p:attrName>
+                                        </p:attrNameLst>
+                                      </p:cBhvr>
+                                      <p:to>
+                                        <p:strVal val="visible"/>
+                                      </p:to>
+                                    </p:set>
+                                    <p:animEffect transition="in" filter="wipe(down)">
+                                      <p:cBhvr>
+                                        <p:cTn id="10" dur="500"/>
+                                        <p:tgtEl>
+                                          <p:spTgt spid="4">
+                                            <p:txEl>
+                                              <p:pRg st="1" end="1"/>
+                                            </p:txEl>
+                                          </p:spTgt>
+                                        </p:tgtEl>
+                                      </p:cBhvr>
+                                    </p:animEffect>
+                                  </p:childTnLst>
+                                </p:cTn>
+                              </p:par>
+                              <p:par>
+                                <p:cTn id="11" presetID="22" presetClass="entr" presetSubtype="4" fill="hold" grpId="0" nodeType="withEffect">
+                                  <p:stCondLst>
+                                    <p:cond delay="0"/>
+                                  </p:stCondLst>
+                                  <p:childTnLst>
+                                    <p:set>
+                                      <p:cBhvr>
+                                        <p:cTn id="12" dur="1" fill="hold">
+                                          <p:stCondLst>
+                                            <p:cond delay="0"/>
+                                          </p:stCondLst>
+                                        </p:cTn>
+                                        <p:tgtEl>
+                                          <p:spTgt spid="4">
+                                            <p:txEl>
+                                              <p:pRg st="2" end="2"/>
+                                            </p:txEl>
+                                          </p:spTgt>
+                                        </p:tgtEl>
+                                        <p:attrNameLst>
+                                          <p:attrName>style.visibility</p:attrName>
+                                        </p:attrNameLst>
+                                      </p:cBhvr>
+                                      <p:to>
+                                        <p:strVal val="visible"/>
+                                      </p:to>
+                                    </p:set>
+                                    <p:animEffect transition="in" filter="wipe(down)">
+                                      <p:cBhvr>
+                                        <p:cTn id="13" dur="500"/>
+                                        <p:tgtEl>
+                                          <p:spTgt spid="4">
+                                            <p:txEl>
+                                              <p:pRg st="2" end="2"/>
+                                            </p:txEl>
+                                          </p:spTgt>
+                                        </p:tgtEl>
+                                      </p:cBhvr>
+                                    </p:animEffect>
+                                  </p:childTnLst>
+                                </p:cTn>
+                              </p:par>
+                              <p:par>
+                                <p:cTn id="14" presetID="22" presetClass="entr" presetSubtype="4" fill="hold" grpId="0" nodeType="withEffect">
+                                  <p:stCondLst>
+                                    <p:cond delay="0"/>
+                                  </p:stCondLst>
+                                  <p:childTnLst>
+                                    <p:set>
+                                      <p:cBhvr>
+                                        <p:cTn id="15" dur="1" fill="hold">
+                                          <p:stCondLst>
+                                            <p:cond delay="0"/>
+                                          </p:stCondLst>
+                                        </p:cTn>
+                                        <p:tgtEl>
+                                          <p:spTgt spid="4">
+                                            <p:txEl>
+                                              <p:pRg st="3" end="3"/>
+                                            </p:txEl>
+                                          </p:spTgt>
+                                        </p:tgtEl>
+                                        <p:attrNameLst>
+                                          <p:attrName>style.visibility</p:attrName>
+                                        </p:attrNameLst>
+                                      </p:cBhvr>
+                                      <p:to>
+                                        <p:strVal val="visible"/>
+                                      </p:to>
+                                    </p:set>
+                                    <p:animEffect transition="in" filter="wipe(down)">
+                                      <p:cBhvr>
+                                        <p:cTn id="16" dur="500"/>
+                                        <p:tgtEl>
+                                          <p:spTgt spid="4">
+                                            <p:txEl>
+                                              <p:pRg st="3" end="3"/>
+                                            </p:txEl>
+                                          </p:spTgt>
+                                        </p:tgtEl>
+                                      </p:cBhvr>
+                                    </p:animEffect>
+                                  </p:childTnLst>
+                                </p:cTn>
+                              </p:par>
+                              <p:par>
+                                <p:cTn id="17" presetID="22" presetClass="entr" presetSubtype="4" fill="hold" grpId="0" nodeType="withEffect">
+                                  <p:stCondLst>
+                                    <p:cond delay="0"/>
+                                  </p:stCondLst>
+                                  <p:childTnLst>
+                                    <p:set>
+                                      <p:cBhvr>
+                                        <p:cTn id="18" dur="1" fill="hold">
+                                          <p:stCondLst>
+                                            <p:cond delay="0"/>
+                                          </p:stCondLst>
+                                        </p:cTn>
+                                        <p:tgtEl>
+                                          <p:spTgt spid="4">
+                                            <p:txEl>
+                                              <p:pRg st="4" end="4"/>
+                                            </p:txEl>
+                                          </p:spTgt>
+                                        </p:tgtEl>
+                                        <p:attrNameLst>
+                                          <p:attrName>style.visibility</p:attrName>
+                                        </p:attrNameLst>
+                                      </p:cBhvr>
+                                      <p:to>
+                                        <p:strVal val="visible"/>
+                                      </p:to>
+                                    </p:set>
+                                    <p:animEffect transition="in" filter="wipe(down)">
+                                      <p:cBhvr>
+                                        <p:cTn id="19" dur="500"/>
+                                        <p:tgtEl>
+                                          <p:spTgt spid="4">
+                                            <p:txEl>
+                                              <p:pRg st="4" end="4"/>
+                                            </p:txEl>
+                                          </p:spTgt>
+                                        </p:tgtEl>
+                                      </p:cBhvr>
+                                    </p:animEffect>
+                                  </p:childTnLst>
+                                </p:cTn>
+                              </p:par>
+                              <p:par>
+                                <p:cTn id="20" presetID="22" presetClass="entr" presetSubtype="4" fill="hold" grpId="0" nodeType="withEffect">
+                                  <p:stCondLst>
+                                    <p:cond delay="0"/>
+                                  </p:stCondLst>
+                                  <p:childTnLst>
+                                    <p:set>
+                                      <p:cBhvr>
+                                        <p:cTn id="21" dur="1" fill="hold">
+                                          <p:stCondLst>
+                                            <p:cond delay="0"/>
+                                          </p:stCondLst>
+                                        </p:cTn>
+                                        <p:tgtEl>
+                                          <p:spTgt spid="4">
+                                            <p:txEl>
+                                              <p:pRg st="5" end="5"/>
+                                            </p:txEl>
+                                          </p:spTgt>
+                                        </p:tgtEl>
+                                        <p:attrNameLst>
+                                          <p:attrName>style.visibility</p:attrName>
+                                        </p:attrNameLst>
+                                      </p:cBhvr>
+                                      <p:to>
+                                        <p:strVal val="visible"/>
+                                      </p:to>
+                                    </p:set>
+                                    <p:animEffect transition="in" filter="wipe(down)">
+                                      <p:cBhvr>
+                                        <p:cTn id="22" dur="500"/>
+                                        <p:tgtEl>
+                                          <p:spTgt spid="4">
+                                            <p:txEl>
+                                              <p:pRg st="5" end="5"/>
+                                            </p:txEl>
+                                          </p:spTgt>
+                                        </p:tgtEl>
+                                      </p:cBhvr>
+                                    </p:animEffect>
+                                  </p:childTnLst>
+                                </p:cTn>
+                              </p:par>
+                              <p:par>
+                                <p:cTn id="23" presetID="22" presetClass="entr" presetSubtype="4" fill="hold" grpId="0" nodeType="withEffect">
+                                  <p:stCondLst>
+                                    <p:cond delay="0"/>
+                                  </p:stCondLst>
+                                  <p:childTnLst>
+                                    <p:set>
+                                      <p:cBhvr>
+                                        <p:cTn id="24" dur="1" fill="hold">
+                                          <p:stCondLst>
+                                            <p:cond delay="0"/>
+                                          </p:stCondLst>
+                                        </p:cTn>
+                                        <p:tgtEl>
+                                          <p:spTgt spid="4">
+                                            <p:txEl>
+                                              <p:pRg st="6" end="6"/>
+                                            </p:txEl>
+                                          </p:spTgt>
+                                        </p:tgtEl>
+                                        <p:attrNameLst>
+                                          <p:attrName>style.visibility</p:attrName>
+                                        </p:attrNameLst>
+                                      </p:cBhvr>
+                                      <p:to>
+                                        <p:strVal val="visible"/>
+                                      </p:to>
+                                    </p:set>
+                                    <p:animEffect transition="in" filter="wipe(down)">
+                                      <p:cBhvr>
+                                        <p:cTn id="25" dur="500"/>
+                                        <p:tgtEl>
+                                          <p:spTgt spid="4">
+                                            <p:txEl>
+                                              <p:pRg st="6" end="6"/>
+                                            </p:txEl>
+                                          </p:spTgt>
+                                        </p:tgtEl>
+                                      </p:cBhvr>
+                                    </p:animEffect>
+                                  </p:childTnLst>
+                                </p:cTn>
+                              </p:par>
+                              <p:par>
+                                <p:cTn id="26" presetID="22" presetClass="entr" presetSubtype="4" fill="hold" grpId="0" nodeType="withEffect">
+                                  <p:stCondLst>
+                                    <p:cond delay="0"/>
+                                  </p:stCondLst>
+                                  <p:childTnLst>
+                                    <p:set>
+                                      <p:cBhvr>
+                                        <p:cTn id="27" dur="1" fill="hold">
+                                          <p:stCondLst>
+                                            <p:cond delay="0"/>
+                                          </p:stCondLst>
+                                        </p:cTn>
+                                        <p:tgtEl>
+                                          <p:spTgt spid="4">
+                                            <p:txEl>
+                                              <p:pRg st="7" end="7"/>
+                                            </p:txEl>
+                                          </p:spTgt>
+                                        </p:tgtEl>
+                                        <p:attrNameLst>
+                                          <p:attrName>style.visibility</p:attrName>
+                                        </p:attrNameLst>
+                                      </p:cBhvr>
+                                      <p:to>
+                                        <p:strVal val="visible"/>
+                                      </p:to>
+                                    </p:set>
+                                    <p:animEffect transition="in" filter="wipe(down)">
+                                      <p:cBhvr>
+                                        <p:cTn id="28" dur="500"/>
+                                        <p:tgtEl>
+                                          <p:spTgt spid="4">
+                                            <p:txEl>
+                                              <p:pRg st="7" end="7"/>
+                                            </p:txEl>
+                                          </p:spTgt>
+                                        </p:tgtEl>
+                                      </p:cBhvr>
+                                    </p:animEffect>
+                                  </p:childTnLst>
+                                </p:cTn>
+                              </p:par>
+                              <p:par>
+                                <p:cTn id="29" presetID="22" presetClass="entr" presetSubtype="4" fill="hold" grpId="0" nodeType="withEffect">
+                                  <p:stCondLst>
+                                    <p:cond delay="0"/>
+                                  </p:stCondLst>
+                                  <p:childTnLst>
+                                    <p:set>
+                                      <p:cBhvr>
+                                        <p:cTn id="30" dur="1" fill="hold">
+                                          <p:stCondLst>
+                                            <p:cond delay="0"/>
+                                          </p:stCondLst>
+                                        </p:cTn>
+                                        <p:tgtEl>
+                                          <p:spTgt spid="4">
+                                            <p:txEl>
+                                              <p:pRg st="8" end="8"/>
+                                            </p:txEl>
+                                          </p:spTgt>
+                                        </p:tgtEl>
+                                        <p:attrNameLst>
+                                          <p:attrName>style.visibility</p:attrName>
+                                        </p:attrNameLst>
+                                      </p:cBhvr>
+                                      <p:to>
+                                        <p:strVal val="visible"/>
+                                      </p:to>
+                                    </p:set>
+                                    <p:animEffect transition="in" filter="wipe(down)">
+                                      <p:cBhvr>
+                                        <p:cTn id="31" dur="500"/>
+                                        <p:tgtEl>
+                                          <p:spTgt spid="4">
+                                            <p:txEl>
+                                              <p:pRg st="8" end="8"/>
+                                            </p:txEl>
+                                          </p:spTgt>
+                                        </p:tgtEl>
+                                      </p:cBhvr>
+                                    </p:animEffect>
+                                  </p:childTnLst>
+                                </p:cTn>
+                              </p:par>
+                              <p:par>
+                                <p:cTn id="32" presetID="22" presetClass="entr" presetSubtype="4" fill="hold" grpId="0" nodeType="withEffect">
+                                  <p:stCondLst>
+                                    <p:cond delay="0"/>
+                                  </p:stCondLst>
+                                  <p:childTnLst>
+                                    <p:set>
+                                      <p:cBhvr>
+                                        <p:cTn id="33" dur="1" fill="hold">
+                                          <p:stCondLst>
+                                            <p:cond delay="0"/>
+                                          </p:stCondLst>
+                                        </p:cTn>
+                                        <p:tgtEl>
+                                          <p:spTgt spid="4">
+                                            <p:txEl>
+                                              <p:pRg st="9" end="9"/>
+                                            </p:txEl>
+                                          </p:spTgt>
+                                        </p:tgtEl>
+                                        <p:attrNameLst>
+                                          <p:attrName>style.visibility</p:attrName>
+                                        </p:attrNameLst>
+                                      </p:cBhvr>
+                                      <p:to>
+                                        <p:strVal val="visible"/>
+                                      </p:to>
+                                    </p:set>
+                                    <p:animEffect transition="in" filter="wipe(down)">
+                                      <p:cBhvr>
+                                        <p:cTn id="34" dur="500"/>
+                                        <p:tgtEl>
+                                          <p:spTgt spid="4">
+                                            <p:txEl>
+                                              <p:pRg st="9" end="9"/>
+                                            </p:txEl>
+                                          </p:spTgt>
+                                        </p:tgtEl>
+                                      </p:cBhvr>
+                                    </p:animEffect>
+                                  </p:childTnLst>
+                                </p:cTn>
+                              </p:par>
+                              <p:par>
+                                <p:cTn id="35" presetID="22" presetClass="entr" presetSubtype="4" fill="hold" grpId="0" nodeType="withEffect">
+                                  <p:stCondLst>
+                                    <p:cond delay="0"/>
+                                  </p:stCondLst>
+                                  <p:childTnLst>
+                                    <p:set>
+                                      <p:cBhvr>
+                                        <p:cTn id="36" dur="1" fill="hold">
+                                          <p:stCondLst>
+                                            <p:cond delay="0"/>
+                                          </p:stCondLst>
+                                        </p:cTn>
+                                        <p:tgtEl>
+                                          <p:spTgt spid="4">
+                                            <p:txEl>
+                                              <p:pRg st="10" end="10"/>
+                                            </p:txEl>
+                                          </p:spTgt>
+                                        </p:tgtEl>
+                                        <p:attrNameLst>
+                                          <p:attrName>style.visibility</p:attrName>
+                                        </p:attrNameLst>
+                                      </p:cBhvr>
+                                      <p:to>
+                                        <p:strVal val="visible"/>
+                                      </p:to>
+                                    </p:set>
+                                    <p:animEffect transition="in" filter="wipe(down)">
+                                      <p:cBhvr>
+                                        <p:cTn id="37" dur="500"/>
+                                        <p:tgtEl>
+                                          <p:spTgt spid="4">
+                                            <p:txEl>
+                                              <p:pRg st="10" end="10"/>
+                                            </p:txEl>
+                                          </p:spTgt>
+                                        </p:tgtEl>
+                                      </p:cBhvr>
+                                    </p:animEffect>
+                                  </p:childTnLst>
+                                </p:cTn>
+                              </p:par>
+                              <p:par>
+                                <p:cTn id="38" presetID="22" presetClass="entr" presetSubtype="4" fill="hold" grpId="0" nodeType="withEffect">
+                                  <p:stCondLst>
+                                    <p:cond delay="0"/>
+                                  </p:stCondLst>
+                                  <p:childTnLst>
+                                    <p:set>
+                                      <p:cBhvr>
+                                        <p:cTn id="39" dur="1" fill="hold">
+                                          <p:stCondLst>
+                                            <p:cond delay="0"/>
+                                          </p:stCondLst>
+                                        </p:cTn>
+                                        <p:tgtEl>
+                                          <p:spTgt spid="4">
+                                            <p:txEl>
+                                              <p:pRg st="11" end="11"/>
+                                            </p:txEl>
+                                          </p:spTgt>
+                                        </p:tgtEl>
+                                        <p:attrNameLst>
+                                          <p:attrName>style.visibility</p:attrName>
+                                        </p:attrNameLst>
+                                      </p:cBhvr>
+                                      <p:to>
+                                        <p:strVal val="visible"/>
+                                      </p:to>
+                                    </p:set>
+                                    <p:animEffect transition="in" filter="wipe(down)">
+                                      <p:cBhvr>
+                                        <p:cTn id="40" dur="500"/>
+                                        <p:tgtEl>
+                                          <p:spTgt spid="4">
+                                            <p:txEl>
+                                              <p:pRg st="11" end="11"/>
+                                            </p:txEl>
+                                          </p:spTgt>
+                                        </p:tgtEl>
+                                      </p:cBhvr>
+                                    </p:animEffect>
+                                  </p:childTnLst>
+                                </p:cTn>
+                              </p:par>
+                              <p:par>
+                                <p:cTn id="41" presetID="22" presetClass="entr" presetSubtype="4" fill="hold" grpId="0" nodeType="withEffect">
+                                  <p:stCondLst>
+                                    <p:cond delay="0"/>
+                                  </p:stCondLst>
+                                  <p:childTnLst>
+                                    <p:set>
+                                      <p:cBhvr>
+                                        <p:cTn id="42" dur="1" fill="hold">
+                                          <p:stCondLst>
+                                            <p:cond delay="0"/>
+                                          </p:stCondLst>
+                                        </p:cTn>
+                                        <p:tgtEl>
+                                          <p:spTgt spid="4">
+                                            <p:txEl>
+                                              <p:pRg st="12" end="12"/>
+                                            </p:txEl>
+                                          </p:spTgt>
+                                        </p:tgtEl>
+                                        <p:attrNameLst>
+                                          <p:attrName>style.visibility</p:attrName>
+                                        </p:attrNameLst>
+                                      </p:cBhvr>
+                                      <p:to>
+                                        <p:strVal val="visible"/>
+                                      </p:to>
+                                    </p:set>
+                                    <p:animEffect transition="in" filter="wipe(down)">
+                                      <p:cBhvr>
+                                        <p:cTn id="43" dur="500"/>
+                                        <p:tgtEl>
+                                          <p:spTgt spid="4">
+                                            <p:txEl>
+                                              <p:pRg st="12" end="12"/>
+                                            </p:txEl>
+                                          </p:spTgt>
+                                        </p:tgtEl>
+                                      </p:cBhvr>
+                                    </p:animEffect>
+                                  </p:childTnLst>
+                                </p:cTn>
+                              </p:par>
+                              <p:par>
+                                <p:cTn id="44" presetID="22" presetClass="entr" presetSubtype="4" fill="hold" grpId="0" nodeType="withEffect">
+                                  <p:stCondLst>
+                                    <p:cond delay="0"/>
+                                  </p:stCondLst>
+                                  <p:childTnLst>
+                                    <p:set>
+                                      <p:cBhvr>
+                                        <p:cTn id="45" dur="1" fill="hold">
+                                          <p:stCondLst>
+                                            <p:cond delay="0"/>
+                                          </p:stCondLst>
+                                        </p:cTn>
+                                        <p:tgtEl>
+                                          <p:spTgt spid="4">
+                                            <p:txEl>
+                                              <p:pRg st="13" end="13"/>
+                                            </p:txEl>
+                                          </p:spTgt>
+                                        </p:tgtEl>
+                                        <p:attrNameLst>
+                                          <p:attrName>style.visibility</p:attrName>
+                                        </p:attrNameLst>
+                                      </p:cBhvr>
+                                      <p:to>
+                                        <p:strVal val="visible"/>
+                                      </p:to>
+                                    </p:set>
+                                    <p:animEffect transition="in" filter="wipe(down)">
+                                      <p:cBhvr>
+                                        <p:cTn id="46" dur="500"/>
+                                        <p:tgtEl>
+                                          <p:spTgt spid="4">
+                                            <p:txEl>
+                                              <p:pRg st="13" end="13"/>
+                                            </p:txEl>
+                                          </p:spTgt>
+                                        </p:tgtEl>
+                                      </p:cBhvr>
+                                    </p:animEffect>
+                                  </p:childTnLst>
+                                </p:cTn>
+                              </p:par>
+                              <p:par>
+                                <p:cTn id="47" presetID="22" presetClass="entr" presetSubtype="4" fill="hold" nodeType="withEffect">
+                                  <p:stCondLst>
+                                    <p:cond delay="0"/>
+                                  </p:stCondLst>
+                                  <p:childTnLst>
+                                    <p:set>
+                                      <p:cBhvr>
+                                        <p:cTn id="48" dur="1" fill="hold">
+                                          <p:stCondLst>
+                                            <p:cond delay="0"/>
+                                          </p:stCondLst>
+                                        </p:cTn>
+                                        <p:tgtEl>
+                                          <p:spTgt spid="16388"/>
+                                        </p:tgtEl>
+                                        <p:attrNameLst>
+                                          <p:attrName>style.visibility</p:attrName>
+                                        </p:attrNameLst>
+                                      </p:cBhvr>
+                                      <p:to>
+                                        <p:strVal val="visible"/>
+                                      </p:to>
+                                    </p:set>
+                                    <p:animEffect transition="in" filter="wipe(down)">
+                                      <p:cBhvr>
+                                        <p:cTn id="49" dur="500"/>
+                                        <p:tgtEl>
+                                          <p:spTgt spid="16388"/>
+                                        </p:tgtEl>
+                                      </p:cBhvr>
+                                    </p:animEffect>
+                                  </p:childTnLst>
+                                </p:cTn>
+                              </p:par>
+                            </p:childTnLst>
+                          </p:cTn>
+                        </p:par>
+                      </p:childTnLst>
+                    </p:cTn>
+                  </p:par>
+                </p:childTnLst>
+              </p:cTn>
+              <p:prevCondLst>
+                <p:cond evt="onPrev" delay="0">
+                  <p:tgtEl>
+                    <p:sldTgt/>
+                  </p:tgtEl>
+                </p:cond>
+              </p:prevCondLst>
+              <p:nextCondLst>
+                <p:cond evt="onNext" delay="0">
+                  <p:tgtEl>
+                    <p:sldTgt/>
+                  </p:tgtEl>
+                </p:cond>
+              </p:nextCondLst>
+            </p:seq>
+          </p:childTnLst>
+        </p:cTn>
       </p:par>
     </p:tnLst>
+    <p:bldLst>
+      <p:bldP spid="4" grpId="0" build="allAtOnce"/>
+    </p:bldLst>
   </p:timing>
 </p:sld>
 </file>
@@ -26921,7 +27822,7 @@
           <p:nvPr>
             <p:extLst>
               <p:ext uri="{D42A27DB-BD31-4B8C-83A1-F6EECF244321}">
-                <p14:modId xmlns:p14="http://schemas.microsoft.com/office/powerpoint/2010/main" xmlns="" val="1603526078"/>
+                <p14:modId xmlns="" xmlns:p14="http://schemas.microsoft.com/office/powerpoint/2010/main" val="1603526078"/>
               </p:ext>
             </p:extLst>
           </p:nvPr>
@@ -27067,7 +27968,7 @@
     </p:spTree>
     <p:extLst>
       <p:ext uri="{BB962C8B-B14F-4D97-AF65-F5344CB8AC3E}">
-        <p14:creationId xmlns:p14="http://schemas.microsoft.com/office/powerpoint/2010/main" xmlns="" val="1428921569"/>
+        <p14:creationId xmlns="" xmlns:p14="http://schemas.microsoft.com/office/powerpoint/2010/main" val="1428921569"/>
       </p:ext>
     </p:extLst>
   </p:cSld>
@@ -27160,7 +28061,7 @@
           <p:nvPr>
             <p:extLst>
               <p:ext uri="{D42A27DB-BD31-4B8C-83A1-F6EECF244321}">
-                <p14:modId xmlns:p14="http://schemas.microsoft.com/office/powerpoint/2010/main" xmlns="" val="3377787449"/>
+                <p14:modId xmlns="" xmlns:p14="http://schemas.microsoft.com/office/powerpoint/2010/main" val="3377787449"/>
               </p:ext>
             </p:extLst>
           </p:nvPr>
@@ -27372,7 +28273,7 @@
     </p:spTree>
     <p:extLst>
       <p:ext uri="{BB962C8B-B14F-4D97-AF65-F5344CB8AC3E}">
-        <p14:creationId xmlns:p14="http://schemas.microsoft.com/office/powerpoint/2010/main" xmlns="" val="521228686"/>
+        <p14:creationId xmlns="" xmlns:p14="http://schemas.microsoft.com/office/powerpoint/2010/main" val="521228686"/>
       </p:ext>
     </p:extLst>
   </p:cSld>
@@ -27459,7 +28360,7 @@
           <a:blip r:embed="rId2">
             <a:extLst>
               <a:ext uri="{28A0092B-C50C-407E-A947-70E740481C1C}">
-                <a14:useLocalDpi xmlns:a14="http://schemas.microsoft.com/office/drawing/2010/main" xmlns="" val="0"/>
+                <a14:useLocalDpi xmlns="" xmlns:a14="http://schemas.microsoft.com/office/drawing/2010/main" val="0"/>
               </a:ext>
             </a:extLst>
           </a:blip>
@@ -27479,7 +28380,7 @@
           <a:noFill/>
           <a:extLst>
             <a:ext uri="{909E8E84-426E-40DD-AFC4-6F175D3DCCD1}">
-              <a14:hiddenFill xmlns:a14="http://schemas.microsoft.com/office/drawing/2010/main" xmlns="">
+              <a14:hiddenFill xmlns="" xmlns:a14="http://schemas.microsoft.com/office/drawing/2010/main">
                 <a:solidFill>
                   <a:srgbClr val="FFFFFF"/>
                 </a:solidFill>
@@ -27661,7 +28562,7 @@
     </p:spTree>
     <p:extLst>
       <p:ext uri="{BB962C8B-B14F-4D97-AF65-F5344CB8AC3E}">
-        <p14:creationId xmlns:p14="http://schemas.microsoft.com/office/powerpoint/2010/main" xmlns="" val="2138116938"/>
+        <p14:creationId xmlns="" xmlns:p14="http://schemas.microsoft.com/office/powerpoint/2010/main" val="2138116938"/>
       </p:ext>
     </p:extLst>
   </p:cSld>
@@ -27671,9 +28572,417 @@
   <p:timing>
     <p:tnLst>
       <p:par>
-        <p:cTn id="1" dur="indefinite" restart="never" nodeType="tmRoot"/>
+        <p:cTn id="1" dur="indefinite" restart="never" nodeType="tmRoot">
+          <p:childTnLst>
+            <p:seq concurrent="1" nextAc="seek">
+              <p:cTn id="2" dur="indefinite" nodeType="mainSeq">
+                <p:childTnLst>
+                  <p:par>
+                    <p:cTn id="3" fill="hold">
+                      <p:stCondLst>
+                        <p:cond delay="indefinite"/>
+                      </p:stCondLst>
+                      <p:childTnLst>
+                        <p:par>
+                          <p:cTn id="4" fill="hold">
+                            <p:stCondLst>
+                              <p:cond delay="0"/>
+                            </p:stCondLst>
+                            <p:childTnLst>
+                              <p:par>
+                                <p:cTn id="5" presetID="10" presetClass="entr" presetSubtype="0" fill="hold" nodeType="clickEffect">
+                                  <p:stCondLst>
+                                    <p:cond delay="0"/>
+                                  </p:stCondLst>
+                                  <p:childTnLst>
+                                    <p:set>
+                                      <p:cBhvr>
+                                        <p:cTn id="6" dur="1" fill="hold">
+                                          <p:stCondLst>
+                                            <p:cond delay="0"/>
+                                          </p:stCondLst>
+                                        </p:cTn>
+                                        <p:tgtEl>
+                                          <p:spTgt spid="3"/>
+                                        </p:tgtEl>
+                                        <p:attrNameLst>
+                                          <p:attrName>style.visibility</p:attrName>
+                                        </p:attrNameLst>
+                                      </p:cBhvr>
+                                      <p:to>
+                                        <p:strVal val="visible"/>
+                                      </p:to>
+                                    </p:set>
+                                    <p:animEffect transition="in" filter="fade">
+                                      <p:cBhvr>
+                                        <p:cTn id="7" dur="500"/>
+                                        <p:tgtEl>
+                                          <p:spTgt spid="3"/>
+                                        </p:tgtEl>
+                                      </p:cBhvr>
+                                    </p:animEffect>
+                                  </p:childTnLst>
+                                </p:cTn>
+                              </p:par>
+                            </p:childTnLst>
+                          </p:cTn>
+                        </p:par>
+                      </p:childTnLst>
+                    </p:cTn>
+                  </p:par>
+                  <p:par>
+                    <p:cTn id="8" fill="hold">
+                      <p:stCondLst>
+                        <p:cond delay="indefinite"/>
+                      </p:stCondLst>
+                      <p:childTnLst>
+                        <p:par>
+                          <p:cTn id="9" fill="hold">
+                            <p:stCondLst>
+                              <p:cond delay="0"/>
+                            </p:stCondLst>
+                            <p:childTnLst>
+                              <p:par>
+                                <p:cTn id="10" presetID="2" presetClass="entr" presetSubtype="4" fill="hold" nodeType="clickEffect">
+                                  <p:stCondLst>
+                                    <p:cond delay="0"/>
+                                  </p:stCondLst>
+                                  <p:childTnLst>
+                                    <p:set>
+                                      <p:cBhvr>
+                                        <p:cTn id="11" dur="1" fill="hold">
+                                          <p:stCondLst>
+                                            <p:cond delay="0"/>
+                                          </p:stCondLst>
+                                        </p:cTn>
+                                        <p:tgtEl>
+                                          <p:spTgt spid="4"/>
+                                        </p:tgtEl>
+                                        <p:attrNameLst>
+                                          <p:attrName>style.visibility</p:attrName>
+                                        </p:attrNameLst>
+                                      </p:cBhvr>
+                                      <p:to>
+                                        <p:strVal val="visible"/>
+                                      </p:to>
+                                    </p:set>
+                                    <p:anim calcmode="lin" valueType="num">
+                                      <p:cBhvr additive="base">
+                                        <p:cTn id="12" dur="500" fill="hold"/>
+                                        <p:tgtEl>
+                                          <p:spTgt spid="4"/>
+                                        </p:tgtEl>
+                                        <p:attrNameLst>
+                                          <p:attrName>ppt_x</p:attrName>
+                                        </p:attrNameLst>
+                                      </p:cBhvr>
+                                      <p:tavLst>
+                                        <p:tav tm="0">
+                                          <p:val>
+                                            <p:strVal val="#ppt_x"/>
+                                          </p:val>
+                                        </p:tav>
+                                        <p:tav tm="100000">
+                                          <p:val>
+                                            <p:strVal val="#ppt_x"/>
+                                          </p:val>
+                                        </p:tav>
+                                      </p:tavLst>
+                                    </p:anim>
+                                    <p:anim calcmode="lin" valueType="num">
+                                      <p:cBhvr additive="base">
+                                        <p:cTn id="13" dur="500" fill="hold"/>
+                                        <p:tgtEl>
+                                          <p:spTgt spid="4"/>
+                                        </p:tgtEl>
+                                        <p:attrNameLst>
+                                          <p:attrName>ppt_y</p:attrName>
+                                        </p:attrNameLst>
+                                      </p:cBhvr>
+                                      <p:tavLst>
+                                        <p:tav tm="0">
+                                          <p:val>
+                                            <p:strVal val="1+#ppt_h/2"/>
+                                          </p:val>
+                                        </p:tav>
+                                        <p:tav tm="100000">
+                                          <p:val>
+                                            <p:strVal val="#ppt_y"/>
+                                          </p:val>
+                                        </p:tav>
+                                      </p:tavLst>
+                                    </p:anim>
+                                  </p:childTnLst>
+                                </p:cTn>
+                              </p:par>
+                              <p:par>
+                                <p:cTn id="14" presetID="2" presetClass="entr" presetSubtype="4" fill="hold" grpId="0" nodeType="withEffect">
+                                  <p:stCondLst>
+                                    <p:cond delay="0"/>
+                                  </p:stCondLst>
+                                  <p:childTnLst>
+                                    <p:set>
+                                      <p:cBhvr>
+                                        <p:cTn id="15" dur="1" fill="hold">
+                                          <p:stCondLst>
+                                            <p:cond delay="0"/>
+                                          </p:stCondLst>
+                                        </p:cTn>
+                                        <p:tgtEl>
+                                          <p:spTgt spid="6"/>
+                                        </p:tgtEl>
+                                        <p:attrNameLst>
+                                          <p:attrName>style.visibility</p:attrName>
+                                        </p:attrNameLst>
+                                      </p:cBhvr>
+                                      <p:to>
+                                        <p:strVal val="visible"/>
+                                      </p:to>
+                                    </p:set>
+                                    <p:anim calcmode="lin" valueType="num">
+                                      <p:cBhvr additive="base">
+                                        <p:cTn id="16" dur="500" fill="hold"/>
+                                        <p:tgtEl>
+                                          <p:spTgt spid="6"/>
+                                        </p:tgtEl>
+                                        <p:attrNameLst>
+                                          <p:attrName>ppt_x</p:attrName>
+                                        </p:attrNameLst>
+                                      </p:cBhvr>
+                                      <p:tavLst>
+                                        <p:tav tm="0">
+                                          <p:val>
+                                            <p:strVal val="#ppt_x"/>
+                                          </p:val>
+                                        </p:tav>
+                                        <p:tav tm="100000">
+                                          <p:val>
+                                            <p:strVal val="#ppt_x"/>
+                                          </p:val>
+                                        </p:tav>
+                                      </p:tavLst>
+                                    </p:anim>
+                                    <p:anim calcmode="lin" valueType="num">
+                                      <p:cBhvr additive="base">
+                                        <p:cTn id="17" dur="500" fill="hold"/>
+                                        <p:tgtEl>
+                                          <p:spTgt spid="6"/>
+                                        </p:tgtEl>
+                                        <p:attrNameLst>
+                                          <p:attrName>ppt_y</p:attrName>
+                                        </p:attrNameLst>
+                                      </p:cBhvr>
+                                      <p:tavLst>
+                                        <p:tav tm="0">
+                                          <p:val>
+                                            <p:strVal val="1+#ppt_h/2"/>
+                                          </p:val>
+                                        </p:tav>
+                                        <p:tav tm="100000">
+                                          <p:val>
+                                            <p:strVal val="#ppt_y"/>
+                                          </p:val>
+                                        </p:tav>
+                                      </p:tavLst>
+                                    </p:anim>
+                                  </p:childTnLst>
+                                </p:cTn>
+                              </p:par>
+                            </p:childTnLst>
+                          </p:cTn>
+                        </p:par>
+                      </p:childTnLst>
+                    </p:cTn>
+                  </p:par>
+                  <p:par>
+                    <p:cTn id="18" fill="hold">
+                      <p:stCondLst>
+                        <p:cond delay="indefinite"/>
+                      </p:stCondLst>
+                      <p:childTnLst>
+                        <p:par>
+                          <p:cTn id="19" fill="hold">
+                            <p:stCondLst>
+                              <p:cond delay="0"/>
+                            </p:stCondLst>
+                            <p:childTnLst>
+                              <p:par>
+                                <p:cTn id="20" presetID="2" presetClass="entr" presetSubtype="4" fill="hold" grpId="0" nodeType="clickEffect">
+                                  <p:stCondLst>
+                                    <p:cond delay="0"/>
+                                  </p:stCondLst>
+                                  <p:childTnLst>
+                                    <p:set>
+                                      <p:cBhvr>
+                                        <p:cTn id="21" dur="1" fill="hold">
+                                          <p:stCondLst>
+                                            <p:cond delay="0"/>
+                                          </p:stCondLst>
+                                        </p:cTn>
+                                        <p:tgtEl>
+                                          <p:spTgt spid="7"/>
+                                        </p:tgtEl>
+                                        <p:attrNameLst>
+                                          <p:attrName>style.visibility</p:attrName>
+                                        </p:attrNameLst>
+                                      </p:cBhvr>
+                                      <p:to>
+                                        <p:strVal val="visible"/>
+                                      </p:to>
+                                    </p:set>
+                                    <p:anim calcmode="lin" valueType="num">
+                                      <p:cBhvr additive="base">
+                                        <p:cTn id="22" dur="500" fill="hold"/>
+                                        <p:tgtEl>
+                                          <p:spTgt spid="7"/>
+                                        </p:tgtEl>
+                                        <p:attrNameLst>
+                                          <p:attrName>ppt_x</p:attrName>
+                                        </p:attrNameLst>
+                                      </p:cBhvr>
+                                      <p:tavLst>
+                                        <p:tav tm="0">
+                                          <p:val>
+                                            <p:strVal val="#ppt_x"/>
+                                          </p:val>
+                                        </p:tav>
+                                        <p:tav tm="100000">
+                                          <p:val>
+                                            <p:strVal val="#ppt_x"/>
+                                          </p:val>
+                                        </p:tav>
+                                      </p:tavLst>
+                                    </p:anim>
+                                    <p:anim calcmode="lin" valueType="num">
+                                      <p:cBhvr additive="base">
+                                        <p:cTn id="23" dur="500" fill="hold"/>
+                                        <p:tgtEl>
+                                          <p:spTgt spid="7"/>
+                                        </p:tgtEl>
+                                        <p:attrNameLst>
+                                          <p:attrName>ppt_y</p:attrName>
+                                        </p:attrNameLst>
+                                      </p:cBhvr>
+                                      <p:tavLst>
+                                        <p:tav tm="0">
+                                          <p:val>
+                                            <p:strVal val="1+#ppt_h/2"/>
+                                          </p:val>
+                                        </p:tav>
+                                        <p:tav tm="100000">
+                                          <p:val>
+                                            <p:strVal val="#ppt_y"/>
+                                          </p:val>
+                                        </p:tav>
+                                      </p:tavLst>
+                                    </p:anim>
+                                  </p:childTnLst>
+                                </p:cTn>
+                              </p:par>
+                              <p:par>
+                                <p:cTn id="24" presetID="2" presetClass="entr" presetSubtype="4" fill="hold" nodeType="withEffect">
+                                  <p:stCondLst>
+                                    <p:cond delay="0"/>
+                                  </p:stCondLst>
+                                  <p:childTnLst>
+                                    <p:set>
+                                      <p:cBhvr>
+                                        <p:cTn id="25" dur="1" fill="hold">
+                                          <p:stCondLst>
+                                            <p:cond delay="0"/>
+                                          </p:stCondLst>
+                                        </p:cTn>
+                                        <p:tgtEl>
+                                          <p:spTgt spid="5"/>
+                                        </p:tgtEl>
+                                        <p:attrNameLst>
+                                          <p:attrName>style.visibility</p:attrName>
+                                        </p:attrNameLst>
+                                      </p:cBhvr>
+                                      <p:to>
+                                        <p:strVal val="visible"/>
+                                      </p:to>
+                                    </p:set>
+                                    <p:anim calcmode="lin" valueType="num">
+                                      <p:cBhvr additive="base">
+                                        <p:cTn id="26" dur="500" fill="hold"/>
+                                        <p:tgtEl>
+                                          <p:spTgt spid="5"/>
+                                        </p:tgtEl>
+                                        <p:attrNameLst>
+                                          <p:attrName>ppt_x</p:attrName>
+                                        </p:attrNameLst>
+                                      </p:cBhvr>
+                                      <p:tavLst>
+                                        <p:tav tm="0">
+                                          <p:val>
+                                            <p:strVal val="#ppt_x"/>
+                                          </p:val>
+                                        </p:tav>
+                                        <p:tav tm="100000">
+                                          <p:val>
+                                            <p:strVal val="#ppt_x"/>
+                                          </p:val>
+                                        </p:tav>
+                                      </p:tavLst>
+                                    </p:anim>
+                                    <p:anim calcmode="lin" valueType="num">
+                                      <p:cBhvr additive="base">
+                                        <p:cTn id="27" dur="500" fill="hold"/>
+                                        <p:tgtEl>
+                                          <p:spTgt spid="5"/>
+                                        </p:tgtEl>
+                                        <p:attrNameLst>
+                                          <p:attrName>ppt_y</p:attrName>
+                                        </p:attrNameLst>
+                                      </p:cBhvr>
+                                      <p:tavLst>
+                                        <p:tav tm="0">
+                                          <p:val>
+                                            <p:strVal val="1+#ppt_h/2"/>
+                                          </p:val>
+                                        </p:tav>
+                                        <p:tav tm="100000">
+                                          <p:val>
+                                            <p:strVal val="#ppt_y"/>
+                                          </p:val>
+                                        </p:tav>
+                                      </p:tavLst>
+                                    </p:anim>
+                                  </p:childTnLst>
+                                </p:cTn>
+                              </p:par>
+                            </p:childTnLst>
+                          </p:cTn>
+                        </p:par>
+                      </p:childTnLst>
+                    </p:cTn>
+                  </p:par>
+                </p:childTnLst>
+              </p:cTn>
+              <p:prevCondLst>
+                <p:cond evt="onPrev" delay="0">
+                  <p:tgtEl>
+                    <p:sldTgt/>
+                  </p:tgtEl>
+                </p:cond>
+              </p:prevCondLst>
+              <p:nextCondLst>
+                <p:cond evt="onNext" delay="0">
+                  <p:tgtEl>
+                    <p:sldTgt/>
+                  </p:tgtEl>
+                </p:cond>
+              </p:nextCondLst>
+            </p:seq>
+          </p:childTnLst>
+        </p:cTn>
       </p:par>
     </p:tnLst>
+    <p:bldLst>
+      <p:bldP spid="6" grpId="0"/>
+      <p:bldP spid="7" grpId="0"/>
+    </p:bldLst>
   </p:timing>
 </p:sld>
 </file>
@@ -27763,7 +29072,7 @@
           <p:nvPr>
             <p:extLst>
               <p:ext uri="{D42A27DB-BD31-4B8C-83A1-F6EECF244321}">
-                <p14:modId xmlns:p14="http://schemas.microsoft.com/office/powerpoint/2010/main" xmlns="" val="3745458434"/>
+                <p14:modId xmlns="" xmlns:p14="http://schemas.microsoft.com/office/powerpoint/2010/main" val="3745458434"/>
               </p:ext>
             </p:extLst>
           </p:nvPr>
@@ -27975,7 +29284,7 @@
     </p:spTree>
     <p:extLst>
       <p:ext uri="{BB962C8B-B14F-4D97-AF65-F5344CB8AC3E}">
-        <p14:creationId xmlns:p14="http://schemas.microsoft.com/office/powerpoint/2010/main" xmlns="" val="2476603813"/>
+        <p14:creationId xmlns="" xmlns:p14="http://schemas.microsoft.com/office/powerpoint/2010/main" val="2476603813"/>
       </p:ext>
     </p:extLst>
   </p:cSld>
@@ -28047,10 +29356,274 @@
           </a:p>
         </p:txBody>
       </p:sp>
+      <p:sp>
+        <p:nvSpPr>
+          <p:cNvPr id="3" name="Content Placeholder 3"/>
+          <p:cNvSpPr txBox="1">
+            <a:spLocks/>
+          </p:cNvSpPr>
+          <p:nvPr/>
+        </p:nvSpPr>
+        <p:spPr>
+          <a:xfrm>
+            <a:off x="357158" y="1857364"/>
+            <a:ext cx="8429684" cy="4714908"/>
+          </a:xfrm>
+          <a:prstGeom prst="rect">
+            <a:avLst/>
+          </a:prstGeom>
+        </p:spPr>
+        <p:txBody>
+          <a:bodyPr tIns="0"/>
+          <a:lstStyle>
+            <a:lvl1pPr marL="274320" indent="-274320" algn="l" rtl="0" eaLnBrk="1" latinLnBrk="0" hangingPunct="1">
+              <a:spcBef>
+                <a:spcPct val="20000"/>
+              </a:spcBef>
+              <a:buClrTx/>
+              <a:buSzPct val="95000"/>
+              <a:buFont typeface="Wingdings" pitchFamily="2" charset="2"/>
+              <a:buChar char="v"/>
+              <a:defRPr kumimoji="0" sz="2800" kern="1200">
+                <a:solidFill>
+                  <a:schemeClr val="tx1"/>
+                </a:solidFill>
+                <a:latin typeface="+mn-lt"/>
+                <a:ea typeface="+mn-ea"/>
+                <a:cs typeface="+mn-cs"/>
+              </a:defRPr>
+            </a:lvl1pPr>
+            <a:lvl2pPr marL="640080" indent="-246888" algn="l" rtl="0" eaLnBrk="1" latinLnBrk="0" hangingPunct="1">
+              <a:spcBef>
+                <a:spcPct val="20000"/>
+              </a:spcBef>
+              <a:buClrTx/>
+              <a:buSzPct val="85000"/>
+              <a:buFont typeface="Courier New" pitchFamily="49" charset="0"/>
+              <a:buChar char="o"/>
+              <a:defRPr kumimoji="0" sz="2600" kern="1200">
+                <a:solidFill>
+                  <a:schemeClr val="tx1"/>
+                </a:solidFill>
+                <a:latin typeface="+mn-lt"/>
+                <a:ea typeface="+mn-ea"/>
+                <a:cs typeface="+mn-cs"/>
+              </a:defRPr>
+            </a:lvl2pPr>
+            <a:lvl3pPr marL="914400" indent="-246888" algn="l" rtl="0" eaLnBrk="1" latinLnBrk="0" hangingPunct="1">
+              <a:spcBef>
+                <a:spcPct val="20000"/>
+              </a:spcBef>
+              <a:buClrTx/>
+              <a:buSzPct val="70000"/>
+              <a:buFont typeface="Wingdings 2"/>
+              <a:buChar char=""/>
+              <a:defRPr kumimoji="0" sz="2400" kern="1200">
+                <a:solidFill>
+                  <a:schemeClr val="tx1"/>
+                </a:solidFill>
+                <a:latin typeface="+mn-lt"/>
+                <a:ea typeface="+mn-ea"/>
+                <a:cs typeface="+mn-cs"/>
+              </a:defRPr>
+            </a:lvl3pPr>
+            <a:lvl4pPr marL="1188720" indent="-210312" algn="l" rtl="0" eaLnBrk="1" latinLnBrk="0" hangingPunct="1">
+              <a:spcBef>
+                <a:spcPct val="20000"/>
+              </a:spcBef>
+              <a:buClrTx/>
+              <a:buSzPct val="65000"/>
+              <a:buFont typeface="Wingdings 2"/>
+              <a:buChar char=""/>
+              <a:defRPr kumimoji="0" sz="2000" kern="1200">
+                <a:solidFill>
+                  <a:schemeClr val="tx1"/>
+                </a:solidFill>
+                <a:latin typeface="+mn-lt"/>
+                <a:ea typeface="+mn-ea"/>
+                <a:cs typeface="+mn-cs"/>
+              </a:defRPr>
+            </a:lvl4pPr>
+            <a:lvl5pPr marL="1463040" indent="-210312" algn="l" rtl="0" eaLnBrk="1" latinLnBrk="0" hangingPunct="1">
+              <a:spcBef>
+                <a:spcPct val="20000"/>
+              </a:spcBef>
+              <a:buClrTx/>
+              <a:buSzPct val="65000"/>
+              <a:buFont typeface="Wingdings 2"/>
+              <a:buChar char=""/>
+              <a:defRPr kumimoji="0" sz="1800" kern="1200">
+                <a:solidFill>
+                  <a:schemeClr val="tx1"/>
+                </a:solidFill>
+                <a:latin typeface="+mn-lt"/>
+                <a:ea typeface="+mn-ea"/>
+                <a:cs typeface="+mn-cs"/>
+              </a:defRPr>
+            </a:lvl5pPr>
+            <a:lvl6pPr marL="1737360" indent="-210312" algn="l" rtl="0" eaLnBrk="1" latinLnBrk="0" hangingPunct="1">
+              <a:spcBef>
+                <a:spcPct val="20000"/>
+              </a:spcBef>
+              <a:buClr>
+                <a:schemeClr val="accent5"/>
+              </a:buClr>
+              <a:buSzPct val="80000"/>
+              <a:buFont typeface="Wingdings 2"/>
+              <a:buChar char=""/>
+              <a:defRPr kumimoji="0" sz="1800" kern="1200">
+                <a:solidFill>
+                  <a:schemeClr val="tx1"/>
+                </a:solidFill>
+                <a:latin typeface="+mn-lt"/>
+                <a:ea typeface="+mn-ea"/>
+                <a:cs typeface="+mn-cs"/>
+              </a:defRPr>
+            </a:lvl6pPr>
+            <a:lvl7pPr marL="1920240" indent="-182880" algn="l" rtl="0" eaLnBrk="1" latinLnBrk="0" hangingPunct="1">
+              <a:spcBef>
+                <a:spcPct val="20000"/>
+              </a:spcBef>
+              <a:buClr>
+                <a:schemeClr val="accent6"/>
+              </a:buClr>
+              <a:buSzPct val="80000"/>
+              <a:buFont typeface="Wingdings 2"/>
+              <a:buChar char=""/>
+              <a:defRPr kumimoji="0" sz="1600" kern="1200" baseline="0">
+                <a:solidFill>
+                  <a:schemeClr val="tx1"/>
+                </a:solidFill>
+                <a:latin typeface="+mn-lt"/>
+                <a:ea typeface="+mn-ea"/>
+                <a:cs typeface="+mn-cs"/>
+              </a:defRPr>
+            </a:lvl7pPr>
+            <a:lvl8pPr marL="2194560" indent="-182880" algn="l" rtl="0" eaLnBrk="1" latinLnBrk="0" hangingPunct="1">
+              <a:spcBef>
+                <a:spcPct val="20000"/>
+              </a:spcBef>
+              <a:buClr>
+                <a:schemeClr val="tx2"/>
+              </a:buClr>
+              <a:buChar char="•"/>
+              <a:defRPr kumimoji="0" sz="1600" kern="1200">
+                <a:solidFill>
+                  <a:schemeClr val="tx1"/>
+                </a:solidFill>
+                <a:latin typeface="+mn-lt"/>
+                <a:ea typeface="+mn-ea"/>
+                <a:cs typeface="+mn-cs"/>
+              </a:defRPr>
+            </a:lvl8pPr>
+            <a:lvl9pPr marL="2468880" indent="-182880" algn="l" rtl="0" eaLnBrk="1" latinLnBrk="0" hangingPunct="1">
+              <a:spcBef>
+                <a:spcPct val="20000"/>
+              </a:spcBef>
+              <a:buClr>
+                <a:schemeClr val="tx2"/>
+              </a:buClr>
+              <a:buFontTx/>
+              <a:buChar char="•"/>
+              <a:defRPr kumimoji="0" sz="1400" kern="1200" baseline="0">
+                <a:solidFill>
+                  <a:schemeClr val="tx1"/>
+                </a:solidFill>
+                <a:latin typeface="+mn-lt"/>
+                <a:ea typeface="+mn-ea"/>
+                <a:cs typeface="+mn-cs"/>
+              </a:defRPr>
+            </a:lvl9pPr>
+          </a:lstStyle>
+          <a:p>
+            <a:r>
+              <a:rPr lang="it-IT" b="1" dirty="0" smtClean="0">
+                <a:solidFill>
+                  <a:srgbClr val="FF0000"/>
+                </a:solidFill>
+              </a:rPr>
+              <a:t>Contro: </a:t>
+            </a:r>
+            <a:endParaRPr lang="it-IT" b="1" dirty="0" smtClean="0">
+              <a:solidFill>
+                <a:srgbClr val="FF0000"/>
+              </a:solidFill>
+            </a:endParaRPr>
+          </a:p>
+          <a:p>
+            <a:pPr lvl="1"/>
+            <a:r>
+              <a:rPr lang="it-IT" sz="2200" dirty="0" smtClean="0">
+                <a:latin typeface="Arial" pitchFamily="34" charset="0"/>
+                <a:cs typeface="Arial" pitchFamily="34" charset="0"/>
+              </a:rPr>
+              <a:t>Necessario tempo per :</a:t>
+            </a:r>
+          </a:p>
+          <a:p>
+            <a:pPr lvl="2"/>
+            <a:r>
+              <a:rPr lang="it-IT" sz="1800" dirty="0" smtClean="0">
+                <a:latin typeface="Arial" pitchFamily="34" charset="0"/>
+                <a:cs typeface="Arial" pitchFamily="34" charset="0"/>
+              </a:rPr>
+              <a:t>Apprendere JUnit</a:t>
+            </a:r>
+          </a:p>
+          <a:p>
+            <a:pPr lvl="2"/>
+            <a:r>
+              <a:rPr lang="it-IT" sz="1800" dirty="0" smtClean="0">
+                <a:latin typeface="Arial" pitchFamily="34" charset="0"/>
+                <a:cs typeface="Arial" pitchFamily="34" charset="0"/>
+              </a:rPr>
+              <a:t>Realizzazione Test Case</a:t>
+            </a:r>
+          </a:p>
+          <a:p>
+            <a:pPr lvl="1"/>
+            <a:r>
+              <a:rPr lang="it-IT" sz="2000" dirty="0" smtClean="0">
+                <a:latin typeface="Arial" pitchFamily="34" charset="0"/>
+                <a:cs typeface="Arial" pitchFamily="34" charset="0"/>
+              </a:rPr>
+              <a:t>Poco tempo a disposizione</a:t>
+            </a:r>
+            <a:endParaRPr lang="it-IT" sz="2000" dirty="0" smtClean="0">
+              <a:latin typeface="Arial" pitchFamily="34" charset="0"/>
+              <a:cs typeface="Arial" pitchFamily="34" charset="0"/>
+            </a:endParaRPr>
+          </a:p>
+          <a:p>
+            <a:pPr lvl="1">
+              <a:buNone/>
+            </a:pPr>
+            <a:endParaRPr lang="it-IT" dirty="0" smtClean="0"/>
+          </a:p>
+          <a:p>
+            <a:r>
+              <a:rPr lang="it-IT" b="1" dirty="0" smtClean="0">
+                <a:solidFill>
+                  <a:srgbClr val="00B050"/>
+                </a:solidFill>
+              </a:rPr>
+              <a:t>Pro:</a:t>
+            </a:r>
+          </a:p>
+          <a:p>
+            <a:pPr lvl="1"/>
+            <a:r>
+              <a:rPr lang="it-IT" dirty="0" smtClean="0"/>
+              <a:t>Revisione mirata del sottosistema Questionari</a:t>
+            </a:r>
+            <a:endParaRPr lang="it-IT" dirty="0" smtClean="0"/>
+          </a:p>
+        </p:txBody>
+      </p:sp>
     </p:spTree>
     <p:extLst>
       <p:ext uri="{BB962C8B-B14F-4D97-AF65-F5344CB8AC3E}">
-        <p14:creationId xmlns:p14="http://schemas.microsoft.com/office/powerpoint/2010/main" xmlns="" val="3060381138"/>
+        <p14:creationId xmlns="" xmlns:p14="http://schemas.microsoft.com/office/powerpoint/2010/main" val="3060381138"/>
       </p:ext>
     </p:extLst>
   </p:cSld>
@@ -28060,9 +29633,666 @@
   <p:timing>
     <p:tnLst>
       <p:par>
-        <p:cTn id="1" dur="indefinite" restart="never" nodeType="tmRoot"/>
+        <p:cTn id="1" dur="indefinite" restart="never" nodeType="tmRoot">
+          <p:childTnLst>
+            <p:seq concurrent="1" nextAc="seek">
+              <p:cTn id="2" dur="indefinite" nodeType="mainSeq">
+                <p:childTnLst>
+                  <p:par>
+                    <p:cTn id="3" fill="hold">
+                      <p:stCondLst>
+                        <p:cond delay="indefinite"/>
+                      </p:stCondLst>
+                      <p:childTnLst>
+                        <p:par>
+                          <p:cTn id="4" fill="hold">
+                            <p:stCondLst>
+                              <p:cond delay="0"/>
+                            </p:stCondLst>
+                            <p:childTnLst>
+                              <p:par>
+                                <p:cTn id="5" presetID="2" presetClass="entr" presetSubtype="4" fill="hold" grpId="0" nodeType="clickEffect">
+                                  <p:stCondLst>
+                                    <p:cond delay="0"/>
+                                  </p:stCondLst>
+                                  <p:childTnLst>
+                                    <p:set>
+                                      <p:cBhvr>
+                                        <p:cTn id="6" dur="1" fill="hold">
+                                          <p:stCondLst>
+                                            <p:cond delay="0"/>
+                                          </p:stCondLst>
+                                        </p:cTn>
+                                        <p:tgtEl>
+                                          <p:spTgt spid="3">
+                                            <p:txEl>
+                                              <p:pRg st="0" end="0"/>
+                                            </p:txEl>
+                                          </p:spTgt>
+                                        </p:tgtEl>
+                                        <p:attrNameLst>
+                                          <p:attrName>style.visibility</p:attrName>
+                                        </p:attrNameLst>
+                                      </p:cBhvr>
+                                      <p:to>
+                                        <p:strVal val="visible"/>
+                                      </p:to>
+                                    </p:set>
+                                    <p:anim calcmode="lin" valueType="num">
+                                      <p:cBhvr additive="base">
+                                        <p:cTn id="7" dur="500" fill="hold"/>
+                                        <p:tgtEl>
+                                          <p:spTgt spid="3">
+                                            <p:txEl>
+                                              <p:pRg st="0" end="0"/>
+                                            </p:txEl>
+                                          </p:spTgt>
+                                        </p:tgtEl>
+                                        <p:attrNameLst>
+                                          <p:attrName>ppt_x</p:attrName>
+                                        </p:attrNameLst>
+                                      </p:cBhvr>
+                                      <p:tavLst>
+                                        <p:tav tm="0">
+                                          <p:val>
+                                            <p:strVal val="#ppt_x"/>
+                                          </p:val>
+                                        </p:tav>
+                                        <p:tav tm="100000">
+                                          <p:val>
+                                            <p:strVal val="#ppt_x"/>
+                                          </p:val>
+                                        </p:tav>
+                                      </p:tavLst>
+                                    </p:anim>
+                                    <p:anim calcmode="lin" valueType="num">
+                                      <p:cBhvr additive="base">
+                                        <p:cTn id="8" dur="500" fill="hold"/>
+                                        <p:tgtEl>
+                                          <p:spTgt spid="3">
+                                            <p:txEl>
+                                              <p:pRg st="0" end="0"/>
+                                            </p:txEl>
+                                          </p:spTgt>
+                                        </p:tgtEl>
+                                        <p:attrNameLst>
+                                          <p:attrName>ppt_y</p:attrName>
+                                        </p:attrNameLst>
+                                      </p:cBhvr>
+                                      <p:tavLst>
+                                        <p:tav tm="0">
+                                          <p:val>
+                                            <p:strVal val="1+#ppt_h/2"/>
+                                          </p:val>
+                                        </p:tav>
+                                        <p:tav tm="100000">
+                                          <p:val>
+                                            <p:strVal val="#ppt_y"/>
+                                          </p:val>
+                                        </p:tav>
+                                      </p:tavLst>
+                                    </p:anim>
+                                  </p:childTnLst>
+                                </p:cTn>
+                              </p:par>
+                              <p:par>
+                                <p:cTn id="9" presetID="2" presetClass="entr" presetSubtype="4" fill="hold" grpId="0" nodeType="withEffect">
+                                  <p:stCondLst>
+                                    <p:cond delay="0"/>
+                                  </p:stCondLst>
+                                  <p:childTnLst>
+                                    <p:set>
+                                      <p:cBhvr>
+                                        <p:cTn id="10" dur="1" fill="hold">
+                                          <p:stCondLst>
+                                            <p:cond delay="0"/>
+                                          </p:stCondLst>
+                                        </p:cTn>
+                                        <p:tgtEl>
+                                          <p:spTgt spid="3">
+                                            <p:txEl>
+                                              <p:pRg st="1" end="1"/>
+                                            </p:txEl>
+                                          </p:spTgt>
+                                        </p:tgtEl>
+                                        <p:attrNameLst>
+                                          <p:attrName>style.visibility</p:attrName>
+                                        </p:attrNameLst>
+                                      </p:cBhvr>
+                                      <p:to>
+                                        <p:strVal val="visible"/>
+                                      </p:to>
+                                    </p:set>
+                                    <p:anim calcmode="lin" valueType="num">
+                                      <p:cBhvr additive="base">
+                                        <p:cTn id="11" dur="500" fill="hold"/>
+                                        <p:tgtEl>
+                                          <p:spTgt spid="3">
+                                            <p:txEl>
+                                              <p:pRg st="1" end="1"/>
+                                            </p:txEl>
+                                          </p:spTgt>
+                                        </p:tgtEl>
+                                        <p:attrNameLst>
+                                          <p:attrName>ppt_x</p:attrName>
+                                        </p:attrNameLst>
+                                      </p:cBhvr>
+                                      <p:tavLst>
+                                        <p:tav tm="0">
+                                          <p:val>
+                                            <p:strVal val="#ppt_x"/>
+                                          </p:val>
+                                        </p:tav>
+                                        <p:tav tm="100000">
+                                          <p:val>
+                                            <p:strVal val="#ppt_x"/>
+                                          </p:val>
+                                        </p:tav>
+                                      </p:tavLst>
+                                    </p:anim>
+                                    <p:anim calcmode="lin" valueType="num">
+                                      <p:cBhvr additive="base">
+                                        <p:cTn id="12" dur="500" fill="hold"/>
+                                        <p:tgtEl>
+                                          <p:spTgt spid="3">
+                                            <p:txEl>
+                                              <p:pRg st="1" end="1"/>
+                                            </p:txEl>
+                                          </p:spTgt>
+                                        </p:tgtEl>
+                                        <p:attrNameLst>
+                                          <p:attrName>ppt_y</p:attrName>
+                                        </p:attrNameLst>
+                                      </p:cBhvr>
+                                      <p:tavLst>
+                                        <p:tav tm="0">
+                                          <p:val>
+                                            <p:strVal val="1+#ppt_h/2"/>
+                                          </p:val>
+                                        </p:tav>
+                                        <p:tav tm="100000">
+                                          <p:val>
+                                            <p:strVal val="#ppt_y"/>
+                                          </p:val>
+                                        </p:tav>
+                                      </p:tavLst>
+                                    </p:anim>
+                                  </p:childTnLst>
+                                </p:cTn>
+                              </p:par>
+                              <p:par>
+                                <p:cTn id="13" presetID="2" presetClass="entr" presetSubtype="4" fill="hold" grpId="0" nodeType="withEffect">
+                                  <p:stCondLst>
+                                    <p:cond delay="0"/>
+                                  </p:stCondLst>
+                                  <p:childTnLst>
+                                    <p:set>
+                                      <p:cBhvr>
+                                        <p:cTn id="14" dur="1" fill="hold">
+                                          <p:stCondLst>
+                                            <p:cond delay="0"/>
+                                          </p:stCondLst>
+                                        </p:cTn>
+                                        <p:tgtEl>
+                                          <p:spTgt spid="3">
+                                            <p:txEl>
+                                              <p:pRg st="2" end="2"/>
+                                            </p:txEl>
+                                          </p:spTgt>
+                                        </p:tgtEl>
+                                        <p:attrNameLst>
+                                          <p:attrName>style.visibility</p:attrName>
+                                        </p:attrNameLst>
+                                      </p:cBhvr>
+                                      <p:to>
+                                        <p:strVal val="visible"/>
+                                      </p:to>
+                                    </p:set>
+                                    <p:anim calcmode="lin" valueType="num">
+                                      <p:cBhvr additive="base">
+                                        <p:cTn id="15" dur="500" fill="hold"/>
+                                        <p:tgtEl>
+                                          <p:spTgt spid="3">
+                                            <p:txEl>
+                                              <p:pRg st="2" end="2"/>
+                                            </p:txEl>
+                                          </p:spTgt>
+                                        </p:tgtEl>
+                                        <p:attrNameLst>
+                                          <p:attrName>ppt_x</p:attrName>
+                                        </p:attrNameLst>
+                                      </p:cBhvr>
+                                      <p:tavLst>
+                                        <p:tav tm="0">
+                                          <p:val>
+                                            <p:strVal val="#ppt_x"/>
+                                          </p:val>
+                                        </p:tav>
+                                        <p:tav tm="100000">
+                                          <p:val>
+                                            <p:strVal val="#ppt_x"/>
+                                          </p:val>
+                                        </p:tav>
+                                      </p:tavLst>
+                                    </p:anim>
+                                    <p:anim calcmode="lin" valueType="num">
+                                      <p:cBhvr additive="base">
+                                        <p:cTn id="16" dur="500" fill="hold"/>
+                                        <p:tgtEl>
+                                          <p:spTgt spid="3">
+                                            <p:txEl>
+                                              <p:pRg st="2" end="2"/>
+                                            </p:txEl>
+                                          </p:spTgt>
+                                        </p:tgtEl>
+                                        <p:attrNameLst>
+                                          <p:attrName>ppt_y</p:attrName>
+                                        </p:attrNameLst>
+                                      </p:cBhvr>
+                                      <p:tavLst>
+                                        <p:tav tm="0">
+                                          <p:val>
+                                            <p:strVal val="1+#ppt_h/2"/>
+                                          </p:val>
+                                        </p:tav>
+                                        <p:tav tm="100000">
+                                          <p:val>
+                                            <p:strVal val="#ppt_y"/>
+                                          </p:val>
+                                        </p:tav>
+                                      </p:tavLst>
+                                    </p:anim>
+                                  </p:childTnLst>
+                                </p:cTn>
+                              </p:par>
+                              <p:par>
+                                <p:cTn id="17" presetID="2" presetClass="entr" presetSubtype="4" fill="hold" grpId="0" nodeType="withEffect">
+                                  <p:stCondLst>
+                                    <p:cond delay="0"/>
+                                  </p:stCondLst>
+                                  <p:childTnLst>
+                                    <p:set>
+                                      <p:cBhvr>
+                                        <p:cTn id="18" dur="1" fill="hold">
+                                          <p:stCondLst>
+                                            <p:cond delay="0"/>
+                                          </p:stCondLst>
+                                        </p:cTn>
+                                        <p:tgtEl>
+                                          <p:spTgt spid="3">
+                                            <p:txEl>
+                                              <p:pRg st="3" end="3"/>
+                                            </p:txEl>
+                                          </p:spTgt>
+                                        </p:tgtEl>
+                                        <p:attrNameLst>
+                                          <p:attrName>style.visibility</p:attrName>
+                                        </p:attrNameLst>
+                                      </p:cBhvr>
+                                      <p:to>
+                                        <p:strVal val="visible"/>
+                                      </p:to>
+                                    </p:set>
+                                    <p:anim calcmode="lin" valueType="num">
+                                      <p:cBhvr additive="base">
+                                        <p:cTn id="19" dur="500" fill="hold"/>
+                                        <p:tgtEl>
+                                          <p:spTgt spid="3">
+                                            <p:txEl>
+                                              <p:pRg st="3" end="3"/>
+                                            </p:txEl>
+                                          </p:spTgt>
+                                        </p:tgtEl>
+                                        <p:attrNameLst>
+                                          <p:attrName>ppt_x</p:attrName>
+                                        </p:attrNameLst>
+                                      </p:cBhvr>
+                                      <p:tavLst>
+                                        <p:tav tm="0">
+                                          <p:val>
+                                            <p:strVal val="#ppt_x"/>
+                                          </p:val>
+                                        </p:tav>
+                                        <p:tav tm="100000">
+                                          <p:val>
+                                            <p:strVal val="#ppt_x"/>
+                                          </p:val>
+                                        </p:tav>
+                                      </p:tavLst>
+                                    </p:anim>
+                                    <p:anim calcmode="lin" valueType="num">
+                                      <p:cBhvr additive="base">
+                                        <p:cTn id="20" dur="500" fill="hold"/>
+                                        <p:tgtEl>
+                                          <p:spTgt spid="3">
+                                            <p:txEl>
+                                              <p:pRg st="3" end="3"/>
+                                            </p:txEl>
+                                          </p:spTgt>
+                                        </p:tgtEl>
+                                        <p:attrNameLst>
+                                          <p:attrName>ppt_y</p:attrName>
+                                        </p:attrNameLst>
+                                      </p:cBhvr>
+                                      <p:tavLst>
+                                        <p:tav tm="0">
+                                          <p:val>
+                                            <p:strVal val="1+#ppt_h/2"/>
+                                          </p:val>
+                                        </p:tav>
+                                        <p:tav tm="100000">
+                                          <p:val>
+                                            <p:strVal val="#ppt_y"/>
+                                          </p:val>
+                                        </p:tav>
+                                      </p:tavLst>
+                                    </p:anim>
+                                  </p:childTnLst>
+                                </p:cTn>
+                              </p:par>
+                              <p:par>
+                                <p:cTn id="21" presetID="2" presetClass="entr" presetSubtype="4" fill="hold" grpId="0" nodeType="withEffect">
+                                  <p:stCondLst>
+                                    <p:cond delay="0"/>
+                                  </p:stCondLst>
+                                  <p:childTnLst>
+                                    <p:set>
+                                      <p:cBhvr>
+                                        <p:cTn id="22" dur="1" fill="hold">
+                                          <p:stCondLst>
+                                            <p:cond delay="0"/>
+                                          </p:stCondLst>
+                                        </p:cTn>
+                                        <p:tgtEl>
+                                          <p:spTgt spid="3">
+                                            <p:txEl>
+                                              <p:pRg st="4" end="4"/>
+                                            </p:txEl>
+                                          </p:spTgt>
+                                        </p:tgtEl>
+                                        <p:attrNameLst>
+                                          <p:attrName>style.visibility</p:attrName>
+                                        </p:attrNameLst>
+                                      </p:cBhvr>
+                                      <p:to>
+                                        <p:strVal val="visible"/>
+                                      </p:to>
+                                    </p:set>
+                                    <p:anim calcmode="lin" valueType="num">
+                                      <p:cBhvr additive="base">
+                                        <p:cTn id="23" dur="500" fill="hold"/>
+                                        <p:tgtEl>
+                                          <p:spTgt spid="3">
+                                            <p:txEl>
+                                              <p:pRg st="4" end="4"/>
+                                            </p:txEl>
+                                          </p:spTgt>
+                                        </p:tgtEl>
+                                        <p:attrNameLst>
+                                          <p:attrName>ppt_x</p:attrName>
+                                        </p:attrNameLst>
+                                      </p:cBhvr>
+                                      <p:tavLst>
+                                        <p:tav tm="0">
+                                          <p:val>
+                                            <p:strVal val="#ppt_x"/>
+                                          </p:val>
+                                        </p:tav>
+                                        <p:tav tm="100000">
+                                          <p:val>
+                                            <p:strVal val="#ppt_x"/>
+                                          </p:val>
+                                        </p:tav>
+                                      </p:tavLst>
+                                    </p:anim>
+                                    <p:anim calcmode="lin" valueType="num">
+                                      <p:cBhvr additive="base">
+                                        <p:cTn id="24" dur="500" fill="hold"/>
+                                        <p:tgtEl>
+                                          <p:spTgt spid="3">
+                                            <p:txEl>
+                                              <p:pRg st="4" end="4"/>
+                                            </p:txEl>
+                                          </p:spTgt>
+                                        </p:tgtEl>
+                                        <p:attrNameLst>
+                                          <p:attrName>ppt_y</p:attrName>
+                                        </p:attrNameLst>
+                                      </p:cBhvr>
+                                      <p:tavLst>
+                                        <p:tav tm="0">
+                                          <p:val>
+                                            <p:strVal val="1+#ppt_h/2"/>
+                                          </p:val>
+                                        </p:tav>
+                                        <p:tav tm="100000">
+                                          <p:val>
+                                            <p:strVal val="#ppt_y"/>
+                                          </p:val>
+                                        </p:tav>
+                                      </p:tavLst>
+                                    </p:anim>
+                                  </p:childTnLst>
+                                </p:cTn>
+                              </p:par>
+                            </p:childTnLst>
+                          </p:cTn>
+                        </p:par>
+                      </p:childTnLst>
+                    </p:cTn>
+                  </p:par>
+                  <p:par>
+                    <p:cTn id="25" fill="hold">
+                      <p:stCondLst>
+                        <p:cond delay="indefinite"/>
+                      </p:stCondLst>
+                      <p:childTnLst>
+                        <p:par>
+                          <p:cTn id="26" fill="hold">
+                            <p:stCondLst>
+                              <p:cond delay="0"/>
+                            </p:stCondLst>
+                            <p:childTnLst>
+                              <p:par>
+                                <p:cTn id="27" presetID="2" presetClass="entr" presetSubtype="4" fill="hold" grpId="0" nodeType="clickEffect">
+                                  <p:stCondLst>
+                                    <p:cond delay="0"/>
+                                  </p:stCondLst>
+                                  <p:childTnLst>
+                                    <p:set>
+                                      <p:cBhvr>
+                                        <p:cTn id="28" dur="1" fill="hold">
+                                          <p:stCondLst>
+                                            <p:cond delay="0"/>
+                                          </p:stCondLst>
+                                        </p:cTn>
+                                        <p:tgtEl>
+                                          <p:spTgt spid="3">
+                                            <p:txEl>
+                                              <p:pRg st="6" end="6"/>
+                                            </p:txEl>
+                                          </p:spTgt>
+                                        </p:tgtEl>
+                                        <p:attrNameLst>
+                                          <p:attrName>style.visibility</p:attrName>
+                                        </p:attrNameLst>
+                                      </p:cBhvr>
+                                      <p:to>
+                                        <p:strVal val="visible"/>
+                                      </p:to>
+                                    </p:set>
+                                    <p:anim calcmode="lin" valueType="num">
+                                      <p:cBhvr additive="base">
+                                        <p:cTn id="29" dur="500" fill="hold"/>
+                                        <p:tgtEl>
+                                          <p:spTgt spid="3">
+                                            <p:txEl>
+                                              <p:pRg st="6" end="6"/>
+                                            </p:txEl>
+                                          </p:spTgt>
+                                        </p:tgtEl>
+                                        <p:attrNameLst>
+                                          <p:attrName>ppt_x</p:attrName>
+                                        </p:attrNameLst>
+                                      </p:cBhvr>
+                                      <p:tavLst>
+                                        <p:tav tm="0">
+                                          <p:val>
+                                            <p:strVal val="#ppt_x"/>
+                                          </p:val>
+                                        </p:tav>
+                                        <p:tav tm="100000">
+                                          <p:val>
+                                            <p:strVal val="#ppt_x"/>
+                                          </p:val>
+                                        </p:tav>
+                                      </p:tavLst>
+                                    </p:anim>
+                                    <p:anim calcmode="lin" valueType="num">
+                                      <p:cBhvr additive="base">
+                                        <p:cTn id="30" dur="500" fill="hold"/>
+                                        <p:tgtEl>
+                                          <p:spTgt spid="3">
+                                            <p:txEl>
+                                              <p:pRg st="6" end="6"/>
+                                            </p:txEl>
+                                          </p:spTgt>
+                                        </p:tgtEl>
+                                        <p:attrNameLst>
+                                          <p:attrName>ppt_y</p:attrName>
+                                        </p:attrNameLst>
+                                      </p:cBhvr>
+                                      <p:tavLst>
+                                        <p:tav tm="0">
+                                          <p:val>
+                                            <p:strVal val="1+#ppt_h/2"/>
+                                          </p:val>
+                                        </p:tav>
+                                        <p:tav tm="100000">
+                                          <p:val>
+                                            <p:strVal val="#ppt_y"/>
+                                          </p:val>
+                                        </p:tav>
+                                      </p:tavLst>
+                                    </p:anim>
+                                  </p:childTnLst>
+                                </p:cTn>
+                              </p:par>
+                              <p:par>
+                                <p:cTn id="31" presetID="2" presetClass="entr" presetSubtype="4" fill="hold" grpId="0" nodeType="withEffect">
+                                  <p:stCondLst>
+                                    <p:cond delay="0"/>
+                                  </p:stCondLst>
+                                  <p:childTnLst>
+                                    <p:set>
+                                      <p:cBhvr>
+                                        <p:cTn id="32" dur="1" fill="hold">
+                                          <p:stCondLst>
+                                            <p:cond delay="0"/>
+                                          </p:stCondLst>
+                                        </p:cTn>
+                                        <p:tgtEl>
+                                          <p:spTgt spid="3">
+                                            <p:txEl>
+                                              <p:pRg st="7" end="7"/>
+                                            </p:txEl>
+                                          </p:spTgt>
+                                        </p:tgtEl>
+                                        <p:attrNameLst>
+                                          <p:attrName>style.visibility</p:attrName>
+                                        </p:attrNameLst>
+                                      </p:cBhvr>
+                                      <p:to>
+                                        <p:strVal val="visible"/>
+                                      </p:to>
+                                    </p:set>
+                                    <p:anim calcmode="lin" valueType="num">
+                                      <p:cBhvr additive="base">
+                                        <p:cTn id="33" dur="500" fill="hold"/>
+                                        <p:tgtEl>
+                                          <p:spTgt spid="3">
+                                            <p:txEl>
+                                              <p:pRg st="7" end="7"/>
+                                            </p:txEl>
+                                          </p:spTgt>
+                                        </p:tgtEl>
+                                        <p:attrNameLst>
+                                          <p:attrName>ppt_x</p:attrName>
+                                        </p:attrNameLst>
+                                      </p:cBhvr>
+                                      <p:tavLst>
+                                        <p:tav tm="0">
+                                          <p:val>
+                                            <p:strVal val="#ppt_x"/>
+                                          </p:val>
+                                        </p:tav>
+                                        <p:tav tm="100000">
+                                          <p:val>
+                                            <p:strVal val="#ppt_x"/>
+                                          </p:val>
+                                        </p:tav>
+                                      </p:tavLst>
+                                    </p:anim>
+                                    <p:anim calcmode="lin" valueType="num">
+                                      <p:cBhvr additive="base">
+                                        <p:cTn id="34" dur="500" fill="hold"/>
+                                        <p:tgtEl>
+                                          <p:spTgt spid="3">
+                                            <p:txEl>
+                                              <p:pRg st="7" end="7"/>
+                                            </p:txEl>
+                                          </p:spTgt>
+                                        </p:tgtEl>
+                                        <p:attrNameLst>
+                                          <p:attrName>ppt_y</p:attrName>
+                                        </p:attrNameLst>
+                                      </p:cBhvr>
+                                      <p:tavLst>
+                                        <p:tav tm="0">
+                                          <p:val>
+                                            <p:strVal val="1+#ppt_h/2"/>
+                                          </p:val>
+                                        </p:tav>
+                                        <p:tav tm="100000">
+                                          <p:val>
+                                            <p:strVal val="#ppt_y"/>
+                                          </p:val>
+                                        </p:tav>
+                                      </p:tavLst>
+                                    </p:anim>
+                                  </p:childTnLst>
+                                </p:cTn>
+                              </p:par>
+                            </p:childTnLst>
+                          </p:cTn>
+                        </p:par>
+                      </p:childTnLst>
+                    </p:cTn>
+                  </p:par>
+                </p:childTnLst>
+              </p:cTn>
+              <p:prevCondLst>
+                <p:cond evt="onPrev" delay="0">
+                  <p:tgtEl>
+                    <p:sldTgt/>
+                  </p:tgtEl>
+                </p:cond>
+              </p:prevCondLst>
+              <p:nextCondLst>
+                <p:cond evt="onNext" delay="0">
+                  <p:tgtEl>
+                    <p:sldTgt/>
+                  </p:tgtEl>
+                </p:cond>
+              </p:nextCondLst>
+            </p:seq>
+          </p:childTnLst>
+        </p:cTn>
       </p:par>
     </p:tnLst>
+    <p:bldLst>
+      <p:bldP spid="3" grpId="0" build="p"/>
+    </p:bldLst>
   </p:timing>
 </p:sld>
 </file>
@@ -28320,8 +30550,8 @@
         </p:nvSpPr>
         <p:spPr>
           <a:xfrm>
-            <a:off x="214282" y="1928802"/>
-            <a:ext cx="5715040" cy="492443"/>
+            <a:off x="714348" y="1928802"/>
+            <a:ext cx="5715040" cy="2400657"/>
           </a:xfrm>
           <a:prstGeom prst="rect">
             <a:avLst/>
@@ -28334,11 +30564,18 @@
           </a:bodyPr>
           <a:lstStyle/>
           <a:p>
-            <a:r>
-              <a:rPr lang="it-IT" sz="2600" b="1" dirty="0" smtClean="0"/>
-              <a:t>Cosa è andato per il verso giusto </a:t>
-            </a:r>
-            <a:endParaRPr lang="it-IT" sz="2600" b="1" dirty="0"/>
+            <a:endParaRPr lang="it-IT" sz="5000" i="1" dirty="0" smtClean="0"/>
+          </a:p>
+          <a:p>
+            <a:r>
+              <a:rPr lang="it-IT" sz="5000" i="1" dirty="0" smtClean="0"/>
+              <a:t>Cosa </a:t>
+            </a:r>
+            <a:r>
+              <a:rPr lang="it-IT" sz="5000" i="1" dirty="0" smtClean="0"/>
+              <a:t>è andato per il verso giusto </a:t>
+            </a:r>
+            <a:endParaRPr lang="it-IT" sz="5000" i="1" dirty="0"/>
           </a:p>
         </p:txBody>
       </p:sp>
@@ -28359,8 +30596,8 @@
         </p:blipFill>
         <p:spPr bwMode="auto">
           <a:xfrm>
-            <a:off x="6234956" y="1349675"/>
-            <a:ext cx="2143140" cy="2143140"/>
+            <a:off x="5929322" y="3143248"/>
+            <a:ext cx="2500330" cy="2500330"/>
           </a:xfrm>
           <a:prstGeom prst="rect">
             <a:avLst/>
@@ -28575,7 +30812,7 @@
           <a:blip r:embed="rId3">
             <a:extLst>
               <a:ext uri="{28A0092B-C50C-407E-A947-70E740481C1C}">
-                <a14:useLocalDpi xmlns:a14="http://schemas.microsoft.com/office/drawing/2010/main" xmlns="" val="0"/>
+                <a14:useLocalDpi xmlns="" xmlns:a14="http://schemas.microsoft.com/office/drawing/2010/main" val="0"/>
               </a:ext>
             </a:extLst>
           </a:blip>
@@ -28595,7 +30832,7 @@
           <a:noFill/>
           <a:extLst>
             <a:ext uri="{909E8E84-426E-40DD-AFC4-6F175D3DCCD1}">
-              <a14:hiddenFill xmlns:a14="http://schemas.microsoft.com/office/drawing/2010/main" xmlns="">
+              <a14:hiddenFill xmlns="" xmlns:a14="http://schemas.microsoft.com/office/drawing/2010/main">
                 <a:solidFill>
                   <a:srgbClr val="FFFFFF"/>
                 </a:solidFill>
@@ -28745,7 +30982,7 @@
     </p:spTree>
     <p:extLst>
       <p:ext uri="{BB962C8B-B14F-4D97-AF65-F5344CB8AC3E}">
-        <p14:creationId xmlns:p14="http://schemas.microsoft.com/office/powerpoint/2010/main" xmlns="" val="1739081068"/>
+        <p14:creationId xmlns="" xmlns:p14="http://schemas.microsoft.com/office/powerpoint/2010/main" val="1739081068"/>
       </p:ext>
     </p:extLst>
   </p:cSld>
@@ -29158,36 +31395,6 @@
           </a:p>
         </p:txBody>
       </p:sp>
-      <p:sp>
-        <p:nvSpPr>
-          <p:cNvPr id="4" name="TextBox 3"/>
-          <p:cNvSpPr txBox="1"/>
-          <p:nvPr/>
-        </p:nvSpPr>
-        <p:spPr>
-          <a:xfrm>
-            <a:off x="214282" y="1928802"/>
-            <a:ext cx="5715040" cy="492443"/>
-          </a:xfrm>
-          <a:prstGeom prst="rect">
-            <a:avLst/>
-          </a:prstGeom>
-          <a:noFill/>
-        </p:spPr>
-        <p:txBody>
-          <a:bodyPr wrap="square" rtlCol="0">
-            <a:spAutoFit/>
-          </a:bodyPr>
-          <a:lstStyle/>
-          <a:p>
-            <a:r>
-              <a:rPr lang="it-IT" sz="2600" b="1" dirty="0" smtClean="0"/>
-              <a:t>Cosa è andato per il verso sbagliato </a:t>
-            </a:r>
-            <a:endParaRPr lang="it-IT" sz="2600" b="1" dirty="0"/>
-          </a:p>
-        </p:txBody>
-      </p:sp>
       <p:pic>
         <p:nvPicPr>
           <p:cNvPr id="10242" name="Picture 2" descr="D:\Tony\Omini\omini_doctor.jpg"/>
@@ -29205,8 +31412,8 @@
         </p:blipFill>
         <p:spPr bwMode="auto">
           <a:xfrm>
-            <a:off x="5715008" y="1390033"/>
-            <a:ext cx="2643206" cy="1652003"/>
+            <a:off x="5572132" y="3500438"/>
+            <a:ext cx="2971822" cy="1857388"/>
           </a:xfrm>
           <a:prstGeom prst="rect">
             <a:avLst/>
@@ -29219,6 +31426,47 @@
           </a:effectLst>
         </p:spPr>
       </p:pic>
+      <p:sp>
+        <p:nvSpPr>
+          <p:cNvPr id="6" name="TextBox 5"/>
+          <p:cNvSpPr txBox="1"/>
+          <p:nvPr/>
+        </p:nvSpPr>
+        <p:spPr>
+          <a:xfrm>
+            <a:off x="714348" y="1928802"/>
+            <a:ext cx="5715040" cy="2400657"/>
+          </a:xfrm>
+          <a:prstGeom prst="rect">
+            <a:avLst/>
+          </a:prstGeom>
+          <a:noFill/>
+        </p:spPr>
+        <p:txBody>
+          <a:bodyPr wrap="square" rtlCol="0">
+            <a:spAutoFit/>
+          </a:bodyPr>
+          <a:lstStyle/>
+          <a:p>
+            <a:endParaRPr lang="it-IT" sz="5000" i="1" dirty="0" smtClean="0"/>
+          </a:p>
+          <a:p>
+            <a:r>
+              <a:rPr lang="it-IT" sz="5000" i="1" dirty="0" smtClean="0"/>
+              <a:t>Cosa </a:t>
+            </a:r>
+            <a:r>
+              <a:rPr lang="it-IT" sz="5000" i="1" dirty="0" smtClean="0"/>
+              <a:t>è andato per il verso </a:t>
+            </a:r>
+            <a:r>
+              <a:rPr lang="it-IT" sz="5000" i="1" dirty="0" smtClean="0"/>
+              <a:t>sbagliato</a:t>
+            </a:r>
+            <a:endParaRPr lang="it-IT" sz="5000" i="1" dirty="0"/>
+          </a:p>
+        </p:txBody>
+      </p:sp>
     </p:spTree>
   </p:cSld>
   <p:clrMapOvr>
@@ -29317,21 +31565,39 @@
                                   </p:childTnLst>
                                 </p:cTn>
                               </p:par>
+                            </p:childTnLst>
+                          </p:cTn>
+                        </p:par>
+                      </p:childTnLst>
+                    </p:cTn>
+                  </p:par>
+                  <p:par>
+                    <p:cTn id="9" fill="hold">
+                      <p:stCondLst>
+                        <p:cond delay="indefinite"/>
+                      </p:stCondLst>
+                      <p:childTnLst>
+                        <p:par>
+                          <p:cTn id="10" fill="hold">
+                            <p:stCondLst>
+                              <p:cond delay="0"/>
+                            </p:stCondLst>
+                            <p:childTnLst>
                               <p:par>
-                                <p:cTn id="9" presetID="2" presetClass="entr" presetSubtype="4" fill="hold" grpId="0" nodeType="withEffect">
+                                <p:cTn id="11" presetID="22" presetClass="entr" presetSubtype="4" fill="hold" grpId="0" nodeType="clickEffect">
                                   <p:stCondLst>
                                     <p:cond delay="0"/>
                                   </p:stCondLst>
                                   <p:childTnLst>
                                     <p:set>
                                       <p:cBhvr>
-                                        <p:cTn id="10" dur="1" fill="hold">
+                                        <p:cTn id="12" dur="1" fill="hold">
                                           <p:stCondLst>
                                             <p:cond delay="0"/>
                                           </p:stCondLst>
                                         </p:cTn>
                                         <p:tgtEl>
-                                          <p:spTgt spid="4"/>
+                                          <p:spTgt spid="6"/>
                                         </p:tgtEl>
                                         <p:attrNameLst>
                                           <p:attrName>style.visibility</p:attrName>
@@ -29341,52 +31607,14 @@
                                         <p:strVal val="visible"/>
                                       </p:to>
                                     </p:set>
-                                    <p:anim calcmode="lin" valueType="num">
-                                      <p:cBhvr additive="base">
-                                        <p:cTn id="11" dur="500" fill="hold"/>
+                                    <p:animEffect transition="in" filter="wipe(down)">
+                                      <p:cBhvr>
+                                        <p:cTn id="13" dur="500"/>
                                         <p:tgtEl>
-                                          <p:spTgt spid="4"/>
+                                          <p:spTgt spid="6"/>
                                         </p:tgtEl>
-                                        <p:attrNameLst>
-                                          <p:attrName>ppt_x</p:attrName>
-                                        </p:attrNameLst>
                                       </p:cBhvr>
-                                      <p:tavLst>
-                                        <p:tav tm="0">
-                                          <p:val>
-                                            <p:strVal val="#ppt_x"/>
-                                          </p:val>
-                                        </p:tav>
-                                        <p:tav tm="100000">
-                                          <p:val>
-                                            <p:strVal val="#ppt_x"/>
-                                          </p:val>
-                                        </p:tav>
-                                      </p:tavLst>
-                                    </p:anim>
-                                    <p:anim calcmode="lin" valueType="num">
-                                      <p:cBhvr additive="base">
-                                        <p:cTn id="12" dur="500" fill="hold"/>
-                                        <p:tgtEl>
-                                          <p:spTgt spid="4"/>
-                                        </p:tgtEl>
-                                        <p:attrNameLst>
-                                          <p:attrName>ppt_y</p:attrName>
-                                        </p:attrNameLst>
-                                      </p:cBhvr>
-                                      <p:tavLst>
-                                        <p:tav tm="0">
-                                          <p:val>
-                                            <p:strVal val="1+#ppt_h/2"/>
-                                          </p:val>
-                                        </p:tav>
-                                        <p:tav tm="100000">
-                                          <p:val>
-                                            <p:strVal val="#ppt_y"/>
-                                          </p:val>
-                                        </p:tav>
-                                      </p:tavLst>
-                                    </p:anim>
+                                    </p:animEffect>
                                   </p:childTnLst>
                                 </p:cTn>
                               </p:par>
@@ -29418,7 +31646,7 @@
       </p:par>
     </p:tnLst>
     <p:bldLst>
-      <p:bldP spid="4" grpId="0"/>
+      <p:bldP spid="6" grpId="0"/>
     </p:bldLst>
   </p:timing>
 </p:sld>
@@ -29677,8 +31905,8 @@
         </p:nvSpPr>
         <p:spPr>
           <a:xfrm>
-            <a:off x="357158" y="1714488"/>
-            <a:ext cx="5715040" cy="892552"/>
+            <a:off x="714348" y="2143116"/>
+            <a:ext cx="6000792" cy="2400657"/>
           </a:xfrm>
           <a:prstGeom prst="rect">
             <a:avLst/>
@@ -29692,10 +31920,10 @@
           <a:lstStyle/>
           <a:p>
             <a:r>
-              <a:rPr lang="it-IT" sz="2600" b="1" dirty="0" smtClean="0"/>
+              <a:rPr lang="it-IT" sz="5000" i="1" dirty="0" smtClean="0"/>
               <a:t>Cosa faremo nel prossimo progetto che non abbiamo fatto:</a:t>
             </a:r>
-            <a:endParaRPr lang="it-IT" sz="2600" b="1" dirty="0"/>
+            <a:endParaRPr lang="it-IT" sz="5000" i="1" dirty="0"/>
           </a:p>
         </p:txBody>
       </p:sp>
@@ -29716,8 +31944,8 @@
         </p:blipFill>
         <p:spPr bwMode="auto">
           <a:xfrm>
-            <a:off x="6643702" y="887539"/>
-            <a:ext cx="1785950" cy="2345187"/>
+            <a:off x="6429388" y="2786058"/>
+            <a:ext cx="2057964" cy="2702377"/>
           </a:xfrm>
           <a:prstGeom prst="rect">
             <a:avLst/>
@@ -30112,8 +32340,8 @@
         </p:nvSpPr>
         <p:spPr>
           <a:xfrm>
-            <a:off x="357158" y="1714488"/>
-            <a:ext cx="5715040" cy="892552"/>
+            <a:off x="1000100" y="1571612"/>
+            <a:ext cx="5715040" cy="2400657"/>
           </a:xfrm>
           <a:prstGeom prst="rect">
             <a:avLst/>
@@ -30127,10 +32355,10 @@
           <a:lstStyle/>
           <a:p>
             <a:r>
-              <a:rPr lang="it-IT" sz="2600" b="1" dirty="0" smtClean="0"/>
+              <a:rPr lang="it-IT" sz="5000" i="1" dirty="0" smtClean="0"/>
               <a:t>Quanto reputiamo buono il nostro sottosistema:</a:t>
             </a:r>
-            <a:endParaRPr lang="it-IT" sz="2600" b="1" dirty="0"/>
+            <a:endParaRPr lang="it-IT" sz="5000" i="1" dirty="0"/>
           </a:p>
         </p:txBody>
       </p:sp>
@@ -30151,8 +32379,39 @@
         </p:blipFill>
         <p:spPr bwMode="auto">
           <a:xfrm>
-            <a:off x="6215074" y="857232"/>
-            <a:ext cx="2214578" cy="2214578"/>
+            <a:off x="5572132" y="3143248"/>
+            <a:ext cx="2857520" cy="2857520"/>
+          </a:xfrm>
+          <a:prstGeom prst="rect">
+            <a:avLst/>
+          </a:prstGeom>
+          <a:ln>
+            <a:noFill/>
+          </a:ln>
+          <a:effectLst>
+            <a:softEdge rad="112500"/>
+          </a:effectLst>
+        </p:spPr>
+      </p:pic>
+      <p:pic>
+        <p:nvPicPr>
+          <p:cNvPr id="1026" name="Picture 2" descr="D:\Tony\Unisa\IS\PROGETTO\logo\logo1.png"/>
+          <p:cNvPicPr>
+            <a:picLocks noChangeAspect="1" noChangeArrowheads="1"/>
+          </p:cNvPicPr>
+          <p:nvPr/>
+        </p:nvPicPr>
+        <p:blipFill>
+          <a:blip r:embed="rId4" cstate="print"/>
+          <a:srcRect/>
+          <a:stretch>
+            <a:fillRect/>
+          </a:stretch>
+        </p:blipFill>
+        <p:spPr bwMode="auto">
+          <a:xfrm rot="21096249">
+            <a:off x="1142976" y="4500570"/>
+            <a:ext cx="3243282" cy="2040063"/>
           </a:xfrm>
           <a:prstGeom prst="rect">
             <a:avLst/>
@@ -30191,7 +32450,7 @@
                             </p:stCondLst>
                             <p:childTnLst>
                               <p:par>
-                                <p:cTn id="5" presetID="10" presetClass="entr" presetSubtype="0" fill="hold" nodeType="clickEffect">
+                                <p:cTn id="5" presetID="2" presetClass="entr" presetSubtype="4" fill="hold" grpId="0" nodeType="clickEffect">
                                   <p:stCondLst>
                                     <p:cond delay="0"/>
                                   </p:stCondLst>
@@ -30199,59 +32458,6 @@
                                     <p:set>
                                       <p:cBhvr>
                                         <p:cTn id="6" dur="1" fill="hold">
-                                          <p:stCondLst>
-                                            <p:cond delay="0"/>
-                                          </p:stCondLst>
-                                        </p:cTn>
-                                        <p:tgtEl>
-                                          <p:spTgt spid="8194"/>
-                                        </p:tgtEl>
-                                        <p:attrNameLst>
-                                          <p:attrName>style.visibility</p:attrName>
-                                        </p:attrNameLst>
-                                      </p:cBhvr>
-                                      <p:to>
-                                        <p:strVal val="visible"/>
-                                      </p:to>
-                                    </p:set>
-                                    <p:animEffect transition="in" filter="fade">
-                                      <p:cBhvr>
-                                        <p:cTn id="7" dur="500"/>
-                                        <p:tgtEl>
-                                          <p:spTgt spid="8194"/>
-                                        </p:tgtEl>
-                                      </p:cBhvr>
-                                    </p:animEffect>
-                                  </p:childTnLst>
-                                </p:cTn>
-                              </p:par>
-                            </p:childTnLst>
-                          </p:cTn>
-                        </p:par>
-                      </p:childTnLst>
-                    </p:cTn>
-                  </p:par>
-                  <p:par>
-                    <p:cTn id="8" fill="hold">
-                      <p:stCondLst>
-                        <p:cond delay="indefinite"/>
-                      </p:stCondLst>
-                      <p:childTnLst>
-                        <p:par>
-                          <p:cTn id="9" fill="hold">
-                            <p:stCondLst>
-                              <p:cond delay="0"/>
-                            </p:stCondLst>
-                            <p:childTnLst>
-                              <p:par>
-                                <p:cTn id="10" presetID="2" presetClass="entr" presetSubtype="4" fill="hold" grpId="0" nodeType="clickEffect">
-                                  <p:stCondLst>
-                                    <p:cond delay="0"/>
-                                  </p:stCondLst>
-                                  <p:childTnLst>
-                                    <p:set>
-                                      <p:cBhvr>
-                                        <p:cTn id="11" dur="1" fill="hold">
                                           <p:stCondLst>
                                             <p:cond delay="0"/>
                                           </p:stCondLst>
@@ -30273,7 +32479,7 @@
                                     </p:set>
                                     <p:anim calcmode="lin" valueType="num">
                                       <p:cBhvr additive="base">
-                                        <p:cTn id="12" dur="500" fill="hold"/>
+                                        <p:cTn id="7" dur="500" fill="hold"/>
                                         <p:tgtEl>
                                           <p:spTgt spid="4">
                                             <p:txEl>
@@ -30300,7 +32506,7 @@
                                     </p:anim>
                                     <p:anim calcmode="lin" valueType="num">
                                       <p:cBhvr additive="base">
-                                        <p:cTn id="13" dur="500" fill="hold"/>
+                                        <p:cTn id="8" dur="500" fill="hold"/>
                                         <p:tgtEl>
                                           <p:spTgt spid="4">
                                             <p:txEl>
@@ -30325,6 +32531,112 @@
                                         </p:tav>
                                       </p:tavLst>
                                     </p:anim>
+                                  </p:childTnLst>
+                                </p:cTn>
+                              </p:par>
+                            </p:childTnLst>
+                          </p:cTn>
+                        </p:par>
+                      </p:childTnLst>
+                    </p:cTn>
+                  </p:par>
+                  <p:par>
+                    <p:cTn id="9" fill="hold">
+                      <p:stCondLst>
+                        <p:cond delay="indefinite"/>
+                      </p:stCondLst>
+                      <p:childTnLst>
+                        <p:par>
+                          <p:cTn id="10" fill="hold">
+                            <p:stCondLst>
+                              <p:cond delay="0"/>
+                            </p:stCondLst>
+                            <p:childTnLst>
+                              <p:par>
+                                <p:cTn id="11" presetID="10" presetClass="entr" presetSubtype="0" fill="hold" nodeType="clickEffect">
+                                  <p:stCondLst>
+                                    <p:cond delay="0"/>
+                                  </p:stCondLst>
+                                  <p:childTnLst>
+                                    <p:set>
+                                      <p:cBhvr>
+                                        <p:cTn id="12" dur="1" fill="hold">
+                                          <p:stCondLst>
+                                            <p:cond delay="0"/>
+                                          </p:stCondLst>
+                                        </p:cTn>
+                                        <p:tgtEl>
+                                          <p:spTgt spid="8194"/>
+                                        </p:tgtEl>
+                                        <p:attrNameLst>
+                                          <p:attrName>style.visibility</p:attrName>
+                                        </p:attrNameLst>
+                                      </p:cBhvr>
+                                      <p:to>
+                                        <p:strVal val="visible"/>
+                                      </p:to>
+                                    </p:set>
+                                    <p:animEffect transition="in" filter="fade">
+                                      <p:cBhvr>
+                                        <p:cTn id="13" dur="500"/>
+                                        <p:tgtEl>
+                                          <p:spTgt spid="8194"/>
+                                        </p:tgtEl>
+                                      </p:cBhvr>
+                                    </p:animEffect>
+                                  </p:childTnLst>
+                                </p:cTn>
+                              </p:par>
+                            </p:childTnLst>
+                          </p:cTn>
+                        </p:par>
+                      </p:childTnLst>
+                    </p:cTn>
+                  </p:par>
+                  <p:par>
+                    <p:cTn id="14" fill="hold">
+                      <p:stCondLst>
+                        <p:cond delay="indefinite"/>
+                      </p:stCondLst>
+                      <p:childTnLst>
+                        <p:par>
+                          <p:cTn id="15" fill="hold">
+                            <p:stCondLst>
+                              <p:cond delay="0"/>
+                            </p:stCondLst>
+                            <p:childTnLst>
+                              <p:par>
+                                <p:cTn id="16" presetID="10" presetClass="entr" presetSubtype="0" fill="hold" nodeType="clickEffect">
+                                  <p:stCondLst>
+                                    <p:cond delay="0"/>
+                                  </p:stCondLst>
+                                  <p:childTnLst>
+                                    <p:set>
+                                      <p:cBhvr>
+                                        <p:cTn id="17" dur="1" fill="hold">
+                                          <p:stCondLst>
+                                            <p:cond delay="0"/>
+                                          </p:stCondLst>
+                                        </p:cTn>
+                                        <p:tgtEl>
+                                          <p:spTgt spid="1026"/>
+                                        </p:tgtEl>
+                                        <p:attrNameLst>
+                                          <p:attrName>style.visibility</p:attrName>
+                                        </p:attrNameLst>
+                                      </p:cBhvr>
+                                      <p:to>
+                                        <p:strVal val="visible"/>
+                                      </p:to>
+                                    </p:set>
+                                    <p:animEffect transition="in" filter="fade">
+                                      <p:cBhvr>
+                                        <p:cTn id="18" dur="500"/>
+                                        <p:tgtEl>
+                                          <p:spTgt spid="1026"/>
+                                        </p:tgtEl>
+                                      </p:cBhvr>
+                                    </p:animEffect>
                                   </p:childTnLst>
                                 </p:cTn>
                               </p:par>
@@ -30452,7 +32764,7 @@
     </p:spTree>
     <p:extLst>
       <p:ext uri="{BB962C8B-B14F-4D97-AF65-F5344CB8AC3E}">
-        <p14:creationId xmlns:p14="http://schemas.microsoft.com/office/powerpoint/2010/main" xmlns="" val="2532338835"/>
+        <p14:creationId xmlns="" xmlns:p14="http://schemas.microsoft.com/office/powerpoint/2010/main" val="2532338835"/>
       </p:ext>
     </p:extLst>
   </p:cSld>
@@ -30460,7 +32772,7 @@
     <a:masterClrMapping/>
   </p:clrMapOvr>
   <mc:AlternateContent xmlns:mc="http://schemas.openxmlformats.org/markup-compatibility/2006">
-    <mc:Choice xmlns:p14="http://schemas.microsoft.com/office/powerpoint/2010/main" xmlns="" Requires="p14">
+    <mc:Choice xmlns="" xmlns:p14="http://schemas.microsoft.com/office/powerpoint/2010/main" Requires="p14">
       <p:transition spd="slow" p14:dur="2000"/>
     </mc:Choice>
     <mc:Fallback>
@@ -30550,7 +32862,7 @@
           <p:nvPr>
             <p:extLst>
               <p:ext uri="{D42A27DB-BD31-4B8C-83A1-F6EECF244321}">
-                <p14:modId xmlns:p14="http://schemas.microsoft.com/office/powerpoint/2010/main" xmlns="" val="4285816619"/>
+                <p14:modId xmlns="" xmlns:p14="http://schemas.microsoft.com/office/powerpoint/2010/main" val="4285816619"/>
               </p:ext>
             </p:extLst>
           </p:nvPr>
@@ -31280,7 +33592,7 @@
           <p:nvPr>
             <p:extLst>
               <p:ext uri="{D42A27DB-BD31-4B8C-83A1-F6EECF244321}">
-                <p14:modId xmlns:p14="http://schemas.microsoft.com/office/powerpoint/2010/main" xmlns="" val="4159081582"/>
+                <p14:modId xmlns="" xmlns:p14="http://schemas.microsoft.com/office/powerpoint/2010/main" val="4159081582"/>
               </p:ext>
             </p:extLst>
           </p:nvPr>
@@ -32119,7 +34431,7 @@
     </p:spTree>
     <p:extLst>
       <p:ext uri="{BB962C8B-B14F-4D97-AF65-F5344CB8AC3E}">
-        <p14:creationId xmlns:p14="http://schemas.microsoft.com/office/powerpoint/2010/main" xmlns="" val="1173458281"/>
+        <p14:creationId xmlns="" xmlns:p14="http://schemas.microsoft.com/office/powerpoint/2010/main" val="1173458281"/>
       </p:ext>
     </p:extLst>
   </p:cSld>
@@ -33377,7 +35689,7 @@
     </p:spTree>
     <p:extLst>
       <p:ext uri="{BB962C8B-B14F-4D97-AF65-F5344CB8AC3E}">
-        <p14:creationId xmlns:p14="http://schemas.microsoft.com/office/powerpoint/2010/main" xmlns="" val="2769124218"/>
+        <p14:creationId xmlns="" xmlns:p14="http://schemas.microsoft.com/office/powerpoint/2010/main" val="2769124218"/>
       </p:ext>
     </p:extLst>
   </p:cSld>

--- a/trunk/Presentazione/Atsilo3/Atsilo_H_PresentazioneFinale.pptx
+++ b/trunk/Presentazione/Atsilo3/Atsilo_H_PresentazioneFinale.pptx
@@ -403,7 +403,7 @@
     </p:spTree>
     <p:extLst>
       <p:ext uri="{BB962C8B-B14F-4D97-AF65-F5344CB8AC3E}">
-        <p14:creationId xmlns="" xmlns:p14="http://schemas.microsoft.com/office/powerpoint/2010/main" val="2126419590"/>
+        <p14:creationId xmlns:p14="http://schemas.microsoft.com/office/powerpoint/2010/main" xmlns="" val="2126419590"/>
       </p:ext>
     </p:extLst>
   </p:cSld>
@@ -600,7 +600,7 @@
     </p:spTree>
     <p:extLst>
       <p:ext uri="{BB962C8B-B14F-4D97-AF65-F5344CB8AC3E}">
-        <p14:creationId xmlns="" xmlns:p14="http://schemas.microsoft.com/office/powerpoint/2010/main" val="963420841"/>
+        <p14:creationId xmlns:p14="http://schemas.microsoft.com/office/powerpoint/2010/main" xmlns="" val="963420841"/>
       </p:ext>
     </p:extLst>
   </p:cSld>
@@ -707,7 +707,7 @@
     </p:spTree>
     <p:extLst>
       <p:ext uri="{BB962C8B-B14F-4D97-AF65-F5344CB8AC3E}">
-        <p14:creationId xmlns="" xmlns:p14="http://schemas.microsoft.com/office/powerpoint/2010/main" val="3361965342"/>
+        <p14:creationId xmlns:p14="http://schemas.microsoft.com/office/powerpoint/2010/main" xmlns="" val="3361965342"/>
       </p:ext>
     </p:extLst>
   </p:cSld>
@@ -850,7 +850,7 @@
     </p:spTree>
     <p:extLst>
       <p:ext uri="{BB962C8B-B14F-4D97-AF65-F5344CB8AC3E}">
-        <p14:creationId xmlns="" xmlns:p14="http://schemas.microsoft.com/office/powerpoint/2010/main" val="3314347345"/>
+        <p14:creationId xmlns:p14="http://schemas.microsoft.com/office/powerpoint/2010/main" xmlns="" val="3314347345"/>
       </p:ext>
     </p:extLst>
   </p:cSld>
@@ -987,7 +987,7 @@
     </p:spTree>
     <p:extLst>
       <p:ext uri="{BB962C8B-B14F-4D97-AF65-F5344CB8AC3E}">
-        <p14:creationId xmlns="" xmlns:p14="http://schemas.microsoft.com/office/powerpoint/2010/main" val="2265654022"/>
+        <p14:creationId xmlns:p14="http://schemas.microsoft.com/office/powerpoint/2010/main" xmlns="" val="2265654022"/>
       </p:ext>
     </p:extLst>
   </p:cSld>
@@ -1124,7 +1124,7 @@
     </p:spTree>
     <p:extLst>
       <p:ext uri="{BB962C8B-B14F-4D97-AF65-F5344CB8AC3E}">
-        <p14:creationId xmlns="" xmlns:p14="http://schemas.microsoft.com/office/powerpoint/2010/main" val="71143455"/>
+        <p14:creationId xmlns:p14="http://schemas.microsoft.com/office/powerpoint/2010/main" xmlns="" val="71143455"/>
       </p:ext>
     </p:extLst>
   </p:cSld>
@@ -1223,7 +1223,7 @@
     </p:spTree>
     <p:extLst>
       <p:ext uri="{BB962C8B-B14F-4D97-AF65-F5344CB8AC3E}">
-        <p14:creationId xmlns="" xmlns:p14="http://schemas.microsoft.com/office/powerpoint/2010/main" val="113696966"/>
+        <p14:creationId xmlns:p14="http://schemas.microsoft.com/office/powerpoint/2010/main" xmlns="" val="113696966"/>
       </p:ext>
     </p:extLst>
   </p:cSld>
@@ -1348,7 +1348,7 @@
     </p:spTree>
     <p:extLst>
       <p:ext uri="{BB962C8B-B14F-4D97-AF65-F5344CB8AC3E}">
-        <p14:creationId xmlns="" xmlns:p14="http://schemas.microsoft.com/office/powerpoint/2010/main" val="1063702567"/>
+        <p14:creationId xmlns:p14="http://schemas.microsoft.com/office/powerpoint/2010/main" xmlns="" val="1063702567"/>
       </p:ext>
     </p:extLst>
   </p:cSld>
@@ -1453,7 +1453,7 @@
     </p:spTree>
     <p:extLst>
       <p:ext uri="{BB962C8B-B14F-4D97-AF65-F5344CB8AC3E}">
-        <p14:creationId xmlns="" xmlns:p14="http://schemas.microsoft.com/office/powerpoint/2010/main" val="122959592"/>
+        <p14:creationId xmlns:p14="http://schemas.microsoft.com/office/powerpoint/2010/main" xmlns="" val="122959592"/>
       </p:ext>
     </p:extLst>
   </p:cSld>
@@ -1568,7 +1568,7 @@
     </p:spTree>
     <p:extLst>
       <p:ext uri="{BB962C8B-B14F-4D97-AF65-F5344CB8AC3E}">
-        <p14:creationId xmlns="" xmlns:p14="http://schemas.microsoft.com/office/powerpoint/2010/main" val="780286428"/>
+        <p14:creationId xmlns:p14="http://schemas.microsoft.com/office/powerpoint/2010/main" xmlns="" val="780286428"/>
       </p:ext>
     </p:extLst>
   </p:cSld>
@@ -1669,7 +1669,7 @@
     </p:spTree>
     <p:extLst>
       <p:ext uri="{BB962C8B-B14F-4D97-AF65-F5344CB8AC3E}">
-        <p14:creationId xmlns="" xmlns:p14="http://schemas.microsoft.com/office/powerpoint/2010/main" val="2418012031"/>
+        <p14:creationId xmlns:p14="http://schemas.microsoft.com/office/powerpoint/2010/main" xmlns="" val="2418012031"/>
       </p:ext>
     </p:extLst>
   </p:cSld>
@@ -1770,7 +1770,7 @@
     </p:spTree>
     <p:extLst>
       <p:ext uri="{BB962C8B-B14F-4D97-AF65-F5344CB8AC3E}">
-        <p14:creationId xmlns="" xmlns:p14="http://schemas.microsoft.com/office/powerpoint/2010/main" val="778008281"/>
+        <p14:creationId xmlns:p14="http://schemas.microsoft.com/office/powerpoint/2010/main" xmlns="" val="778008281"/>
       </p:ext>
     </p:extLst>
   </p:cSld>
@@ -1881,7 +1881,7 @@
     </p:spTree>
     <p:extLst>
       <p:ext uri="{BB962C8B-B14F-4D97-AF65-F5344CB8AC3E}">
-        <p14:creationId xmlns="" xmlns:p14="http://schemas.microsoft.com/office/powerpoint/2010/main" val="2781517378"/>
+        <p14:creationId xmlns:p14="http://schemas.microsoft.com/office/powerpoint/2010/main" xmlns="" val="2781517378"/>
       </p:ext>
     </p:extLst>
   </p:cSld>
@@ -1974,7 +1974,7 @@
     </p:spTree>
     <p:extLst>
       <p:ext uri="{BB962C8B-B14F-4D97-AF65-F5344CB8AC3E}">
-        <p14:creationId xmlns="" xmlns:p14="http://schemas.microsoft.com/office/powerpoint/2010/main" val="1377757052"/>
+        <p14:creationId xmlns:p14="http://schemas.microsoft.com/office/powerpoint/2010/main" xmlns="" val="1377757052"/>
       </p:ext>
     </p:extLst>
   </p:cSld>
@@ -2078,7 +2078,7 @@
     </p:spTree>
     <p:extLst>
       <p:ext uri="{BB962C8B-B14F-4D97-AF65-F5344CB8AC3E}">
-        <p14:creationId xmlns="" xmlns:p14="http://schemas.microsoft.com/office/powerpoint/2010/main" val="1394194668"/>
+        <p14:creationId xmlns:p14="http://schemas.microsoft.com/office/powerpoint/2010/main" xmlns="" val="1394194668"/>
       </p:ext>
     </p:extLst>
   </p:cSld>
@@ -2233,7 +2233,7 @@
     </p:spTree>
     <p:extLst>
       <p:ext uri="{BB962C8B-B14F-4D97-AF65-F5344CB8AC3E}">
-        <p14:creationId xmlns="" xmlns:p14="http://schemas.microsoft.com/office/powerpoint/2010/main" val="2972088584"/>
+        <p14:creationId xmlns:p14="http://schemas.microsoft.com/office/powerpoint/2010/main" xmlns="" val="2972088584"/>
       </p:ext>
     </p:extLst>
   </p:cSld>
@@ -2342,7 +2342,7 @@
     </p:spTree>
     <p:extLst>
       <p:ext uri="{BB962C8B-B14F-4D97-AF65-F5344CB8AC3E}">
-        <p14:creationId xmlns="" xmlns:p14="http://schemas.microsoft.com/office/powerpoint/2010/main" val="1417320036"/>
+        <p14:creationId xmlns:p14="http://schemas.microsoft.com/office/powerpoint/2010/main" xmlns="" val="1417320036"/>
       </p:ext>
     </p:extLst>
   </p:cSld>
@@ -2451,7 +2451,7 @@
     </p:spTree>
     <p:extLst>
       <p:ext uri="{BB962C8B-B14F-4D97-AF65-F5344CB8AC3E}">
-        <p14:creationId xmlns="" xmlns:p14="http://schemas.microsoft.com/office/powerpoint/2010/main" val="2176874561"/>
+        <p14:creationId xmlns:p14="http://schemas.microsoft.com/office/powerpoint/2010/main" xmlns="" val="2176874561"/>
       </p:ext>
     </p:extLst>
   </p:cSld>
@@ -2552,7 +2552,7 @@
     </p:spTree>
     <p:extLst>
       <p:ext uri="{BB962C8B-B14F-4D97-AF65-F5344CB8AC3E}">
-        <p14:creationId xmlns="" xmlns:p14="http://schemas.microsoft.com/office/powerpoint/2010/main" val="2428745919"/>
+        <p14:creationId xmlns:p14="http://schemas.microsoft.com/office/powerpoint/2010/main" xmlns="" val="2428745919"/>
       </p:ext>
     </p:extLst>
   </p:cSld>
@@ -2649,7 +2649,7 @@
     </p:spTree>
     <p:extLst>
       <p:ext uri="{BB962C8B-B14F-4D97-AF65-F5344CB8AC3E}">
-        <p14:creationId xmlns="" xmlns:p14="http://schemas.microsoft.com/office/powerpoint/2010/main" val="899854441"/>
+        <p14:creationId xmlns:p14="http://schemas.microsoft.com/office/powerpoint/2010/main" xmlns="" val="899854441"/>
       </p:ext>
     </p:extLst>
   </p:cSld>
@@ -2805,7 +2805,7 @@
     </p:spTree>
     <p:extLst>
       <p:ext uri="{BB962C8B-B14F-4D97-AF65-F5344CB8AC3E}">
-        <p14:creationId xmlns="" xmlns:p14="http://schemas.microsoft.com/office/powerpoint/2010/main" val="1218324987"/>
+        <p14:creationId xmlns:p14="http://schemas.microsoft.com/office/powerpoint/2010/main" xmlns="" val="1218324987"/>
       </p:ext>
     </p:extLst>
   </p:cSld>
@@ -2898,7 +2898,7 @@
     </p:spTree>
     <p:extLst>
       <p:ext uri="{BB962C8B-B14F-4D97-AF65-F5344CB8AC3E}">
-        <p14:creationId xmlns="" xmlns:p14="http://schemas.microsoft.com/office/powerpoint/2010/main" val="3928439017"/>
+        <p14:creationId xmlns:p14="http://schemas.microsoft.com/office/powerpoint/2010/main" xmlns="" val="3928439017"/>
       </p:ext>
     </p:extLst>
   </p:cSld>
@@ -2987,7 +2987,7 @@
     </p:spTree>
     <p:extLst>
       <p:ext uri="{BB962C8B-B14F-4D97-AF65-F5344CB8AC3E}">
-        <p14:creationId xmlns="" xmlns:p14="http://schemas.microsoft.com/office/powerpoint/2010/main" val="4040687285"/>
+        <p14:creationId xmlns:p14="http://schemas.microsoft.com/office/powerpoint/2010/main" xmlns="" val="4040687285"/>
       </p:ext>
     </p:extLst>
   </p:cSld>
@@ -3086,7 +3086,7 @@
     </p:spTree>
     <p:extLst>
       <p:ext uri="{BB962C8B-B14F-4D97-AF65-F5344CB8AC3E}">
-        <p14:creationId xmlns="" xmlns:p14="http://schemas.microsoft.com/office/powerpoint/2010/main" val="1025718114"/>
+        <p14:creationId xmlns:p14="http://schemas.microsoft.com/office/powerpoint/2010/main" xmlns="" val="1025718114"/>
       </p:ext>
     </p:extLst>
   </p:cSld>
@@ -3250,7 +3250,7 @@
     </p:spTree>
     <p:extLst>
       <p:ext uri="{BB962C8B-B14F-4D97-AF65-F5344CB8AC3E}">
-        <p14:creationId xmlns="" xmlns:p14="http://schemas.microsoft.com/office/powerpoint/2010/main" val="1047033234"/>
+        <p14:creationId xmlns:p14="http://schemas.microsoft.com/office/powerpoint/2010/main" xmlns="" val="1047033234"/>
       </p:ext>
     </p:extLst>
   </p:cSld>
@@ -3339,7 +3339,7 @@
     </p:spTree>
     <p:extLst>
       <p:ext uri="{BB962C8B-B14F-4D97-AF65-F5344CB8AC3E}">
-        <p14:creationId xmlns="" xmlns:p14="http://schemas.microsoft.com/office/powerpoint/2010/main" val="1047033234"/>
+        <p14:creationId xmlns:p14="http://schemas.microsoft.com/office/powerpoint/2010/main" xmlns="" val="1047033234"/>
       </p:ext>
     </p:extLst>
   </p:cSld>
@@ -3424,7 +3424,7 @@
     </p:spTree>
     <p:extLst>
       <p:ext uri="{BB962C8B-B14F-4D97-AF65-F5344CB8AC3E}">
-        <p14:creationId xmlns="" xmlns:p14="http://schemas.microsoft.com/office/powerpoint/2010/main" val="742716072"/>
+        <p14:creationId xmlns:p14="http://schemas.microsoft.com/office/powerpoint/2010/main" xmlns="" val="742716072"/>
       </p:ext>
     </p:extLst>
   </p:cSld>
@@ -3513,7 +3513,7 @@
     </p:spTree>
     <p:extLst>
       <p:ext uri="{BB962C8B-B14F-4D97-AF65-F5344CB8AC3E}">
-        <p14:creationId xmlns="" xmlns:p14="http://schemas.microsoft.com/office/powerpoint/2010/main" val="1425725903"/>
+        <p14:creationId xmlns:p14="http://schemas.microsoft.com/office/powerpoint/2010/main" xmlns="" val="1425725903"/>
       </p:ext>
     </p:extLst>
   </p:cSld>
@@ -3622,7 +3622,7 @@
     </p:spTree>
     <p:extLst>
       <p:ext uri="{BB962C8B-B14F-4D97-AF65-F5344CB8AC3E}">
-        <p14:creationId xmlns="" xmlns:p14="http://schemas.microsoft.com/office/powerpoint/2010/main" val="880674728"/>
+        <p14:creationId xmlns:p14="http://schemas.microsoft.com/office/powerpoint/2010/main" xmlns="" val="880674728"/>
       </p:ext>
     </p:extLst>
   </p:cSld>
@@ -3731,7 +3731,7 @@
     </p:spTree>
     <p:extLst>
       <p:ext uri="{BB962C8B-B14F-4D97-AF65-F5344CB8AC3E}">
-        <p14:creationId xmlns="" xmlns:p14="http://schemas.microsoft.com/office/powerpoint/2010/main" val="346945336"/>
+        <p14:creationId xmlns:p14="http://schemas.microsoft.com/office/powerpoint/2010/main" xmlns="" val="346945336"/>
       </p:ext>
     </p:extLst>
   </p:cSld>
@@ -3840,7 +3840,7 @@
     </p:spTree>
     <p:extLst>
       <p:ext uri="{BB962C8B-B14F-4D97-AF65-F5344CB8AC3E}">
-        <p14:creationId xmlns="" xmlns:p14="http://schemas.microsoft.com/office/powerpoint/2010/main" val="1778546328"/>
+        <p14:creationId xmlns:p14="http://schemas.microsoft.com/office/powerpoint/2010/main" xmlns="" val="1778546328"/>
       </p:ext>
     </p:extLst>
   </p:cSld>
@@ -3949,7 +3949,7 @@
     </p:spTree>
     <p:extLst>
       <p:ext uri="{BB962C8B-B14F-4D97-AF65-F5344CB8AC3E}">
-        <p14:creationId xmlns="" xmlns:p14="http://schemas.microsoft.com/office/powerpoint/2010/main" val="604861763"/>
+        <p14:creationId xmlns:p14="http://schemas.microsoft.com/office/powerpoint/2010/main" xmlns="" val="604861763"/>
       </p:ext>
     </p:extLst>
   </p:cSld>
@@ -4038,7 +4038,7 @@
     </p:spTree>
     <p:extLst>
       <p:ext uri="{BB962C8B-B14F-4D97-AF65-F5344CB8AC3E}">
-        <p14:creationId xmlns="" xmlns:p14="http://schemas.microsoft.com/office/powerpoint/2010/main" val="1357369038"/>
+        <p14:creationId xmlns:p14="http://schemas.microsoft.com/office/powerpoint/2010/main" xmlns="" val="1357369038"/>
       </p:ext>
     </p:extLst>
   </p:cSld>
@@ -4152,7 +4152,7 @@
     </p:spTree>
     <p:extLst>
       <p:ext uri="{BB962C8B-B14F-4D97-AF65-F5344CB8AC3E}">
-        <p14:creationId xmlns="" xmlns:p14="http://schemas.microsoft.com/office/powerpoint/2010/main" val="3780346060"/>
+        <p14:creationId xmlns:p14="http://schemas.microsoft.com/office/powerpoint/2010/main" xmlns="" val="3780346060"/>
       </p:ext>
     </p:extLst>
   </p:cSld>
@@ -4257,7 +4257,7 @@
     </p:spTree>
     <p:extLst>
       <p:ext uri="{BB962C8B-B14F-4D97-AF65-F5344CB8AC3E}">
-        <p14:creationId xmlns="" xmlns:p14="http://schemas.microsoft.com/office/powerpoint/2010/main" val="41796055"/>
+        <p14:creationId xmlns:p14="http://schemas.microsoft.com/office/powerpoint/2010/main" xmlns="" val="41796055"/>
       </p:ext>
     </p:extLst>
   </p:cSld>
@@ -4380,7 +4380,7 @@
     </p:spTree>
     <p:extLst>
       <p:ext uri="{BB962C8B-B14F-4D97-AF65-F5344CB8AC3E}">
-        <p14:creationId xmlns="" xmlns:p14="http://schemas.microsoft.com/office/powerpoint/2010/main" val="555626785"/>
+        <p14:creationId xmlns:p14="http://schemas.microsoft.com/office/powerpoint/2010/main" xmlns="" val="555626785"/>
       </p:ext>
     </p:extLst>
   </p:cSld>
@@ -4473,7 +4473,7 @@
     </p:spTree>
     <p:extLst>
       <p:ext uri="{BB962C8B-B14F-4D97-AF65-F5344CB8AC3E}">
-        <p14:creationId xmlns="" xmlns:p14="http://schemas.microsoft.com/office/powerpoint/2010/main" val="855395126"/>
+        <p14:creationId xmlns:p14="http://schemas.microsoft.com/office/powerpoint/2010/main" xmlns="" val="855395126"/>
       </p:ext>
     </p:extLst>
   </p:cSld>
@@ -4586,7 +4586,7 @@
     </p:spTree>
     <p:extLst>
       <p:ext uri="{BB962C8B-B14F-4D97-AF65-F5344CB8AC3E}">
-        <p14:creationId xmlns="" xmlns:p14="http://schemas.microsoft.com/office/powerpoint/2010/main" val="802928497"/>
+        <p14:creationId xmlns:p14="http://schemas.microsoft.com/office/powerpoint/2010/main" xmlns="" val="802928497"/>
       </p:ext>
     </p:extLst>
   </p:cSld>
@@ -8524,7 +8524,7 @@
           <a:blip r:embed="rId2">
             <a:extLst>
               <a:ext uri="{28A0092B-C50C-407E-A947-70E740481C1C}">
-                <a14:useLocalDpi xmlns="" xmlns:a14="http://schemas.microsoft.com/office/drawing/2010/main" val="0"/>
+                <a14:useLocalDpi xmlns:a14="http://schemas.microsoft.com/office/drawing/2010/main" xmlns="" val="0"/>
               </a:ext>
             </a:extLst>
           </a:blip>
@@ -8548,14 +8548,14 @@
           <a:effectLst/>
           <a:extLst>
             <a:ext uri="{909E8E84-426E-40DD-AFC4-6F175D3DCCD1}">
-              <a14:hiddenFill xmlns="" xmlns:a14="http://schemas.microsoft.com/office/drawing/2010/main">
+              <a14:hiddenFill xmlns:a14="http://schemas.microsoft.com/office/drawing/2010/main" xmlns="">
                 <a:solidFill>
                   <a:schemeClr val="accent1"/>
                 </a:solidFill>
               </a14:hiddenFill>
             </a:ext>
             <a:ext uri="{91240B29-F687-4F45-9708-019B960494DF}">
-              <a14:hiddenLine xmlns="" xmlns:a14="http://schemas.microsoft.com/office/drawing/2010/main" w="9525">
+              <a14:hiddenLine xmlns:a14="http://schemas.microsoft.com/office/drawing/2010/main" xmlns="" w="9525">
                 <a:solidFill>
                   <a:schemeClr val="tx1"/>
                 </a:solidFill>
@@ -8565,7 +8565,7 @@
               </a14:hiddenLine>
             </a:ext>
             <a:ext uri="{AF507438-7753-43E0-B8FC-AC1667EBCBE1}">
-              <a14:hiddenEffects xmlns="" xmlns:a14="http://schemas.microsoft.com/office/drawing/2010/main">
+              <a14:hiddenEffects xmlns:a14="http://schemas.microsoft.com/office/drawing/2010/main" xmlns="">
                 <a:effectLst>
                   <a:outerShdw dist="35921" dir="2700000" algn="ctr" rotWithShape="0">
                     <a:schemeClr val="bg2"/>
@@ -8585,7 +8585,7 @@
           <p:nvPr>
             <p:extLst>
               <p:ext uri="{D42A27DB-BD31-4B8C-83A1-F6EECF244321}">
-                <p14:modId xmlns="" xmlns:p14="http://schemas.microsoft.com/office/powerpoint/2010/main" val="669990601"/>
+                <p14:modId xmlns:p14="http://schemas.microsoft.com/office/powerpoint/2010/main" xmlns="" val="669990601"/>
               </p:ext>
             </p:extLst>
           </p:nvPr>
@@ -8762,7 +8762,7 @@
           <p:nvPr>
             <p:extLst>
               <p:ext uri="{D42A27DB-BD31-4B8C-83A1-F6EECF244321}">
-                <p14:modId xmlns="" xmlns:p14="http://schemas.microsoft.com/office/powerpoint/2010/main" val="1867475245"/>
+                <p14:modId xmlns:p14="http://schemas.microsoft.com/office/powerpoint/2010/main" xmlns="" val="1867475245"/>
               </p:ext>
             </p:extLst>
           </p:nvPr>
@@ -8893,7 +8893,7 @@
     </p:spTree>
     <p:extLst>
       <p:ext uri="{BB962C8B-B14F-4D97-AF65-F5344CB8AC3E}">
-        <p14:creationId xmlns="" xmlns:p14="http://schemas.microsoft.com/office/powerpoint/2010/main" val="4165334171"/>
+        <p14:creationId xmlns:p14="http://schemas.microsoft.com/office/powerpoint/2010/main" xmlns="" val="4165334171"/>
       </p:ext>
     </p:extLst>
   </p:cSld>
@@ -9189,7 +9189,7 @@
     </p:spTree>
     <p:extLst>
       <p:ext uri="{BB962C8B-B14F-4D97-AF65-F5344CB8AC3E}">
-        <p14:creationId xmlns="" xmlns:p14="http://schemas.microsoft.com/office/powerpoint/2010/main" val="155874689"/>
+        <p14:creationId xmlns:p14="http://schemas.microsoft.com/office/powerpoint/2010/main" xmlns="" val="155874689"/>
       </p:ext>
     </p:extLst>
   </p:cSld>
@@ -9197,7 +9197,7 @@
     <a:masterClrMapping/>
   </p:clrMapOvr>
   <mc:AlternateContent xmlns:mc="http://schemas.openxmlformats.org/markup-compatibility/2006">
-    <mc:Choice xmlns="" xmlns:p14="http://schemas.microsoft.com/office/powerpoint/2010/main" Requires="p14">
+    <mc:Choice xmlns:p14="http://schemas.microsoft.com/office/powerpoint/2010/main" xmlns="" Requires="p14">
       <p:transition spd="slow" p14:dur="2000"/>
     </mc:Choice>
     <mc:Fallback>
@@ -9703,7 +9703,7 @@
     </p:spTree>
     <p:extLst>
       <p:ext uri="{BB962C8B-B14F-4D97-AF65-F5344CB8AC3E}">
-        <p14:creationId xmlns="" xmlns:p14="http://schemas.microsoft.com/office/powerpoint/2010/main" val="155874689"/>
+        <p14:creationId xmlns:p14="http://schemas.microsoft.com/office/powerpoint/2010/main" xmlns="" val="155874689"/>
       </p:ext>
     </p:extLst>
   </p:cSld>
@@ -9711,7 +9711,7 @@
     <a:masterClrMapping/>
   </p:clrMapOvr>
   <mc:AlternateContent xmlns:mc="http://schemas.openxmlformats.org/markup-compatibility/2006">
-    <mc:Choice xmlns="" xmlns:p14="http://schemas.microsoft.com/office/powerpoint/2010/main" Requires="p14">
+    <mc:Choice xmlns:p14="http://schemas.microsoft.com/office/powerpoint/2010/main" xmlns="" Requires="p14">
       <p:transition spd="slow" p14:dur="2000"/>
     </mc:Choice>
     <mc:Fallback>
@@ -10208,7 +10208,7 @@
     </p:spTree>
     <p:extLst>
       <p:ext uri="{BB962C8B-B14F-4D97-AF65-F5344CB8AC3E}">
-        <p14:creationId xmlns="" xmlns:p14="http://schemas.microsoft.com/office/powerpoint/2010/main" val="155874689"/>
+        <p14:creationId xmlns:p14="http://schemas.microsoft.com/office/powerpoint/2010/main" xmlns="" val="155874689"/>
       </p:ext>
     </p:extLst>
   </p:cSld>
@@ -10216,7 +10216,7 @@
     <a:masterClrMapping/>
   </p:clrMapOvr>
   <mc:AlternateContent xmlns:mc="http://schemas.openxmlformats.org/markup-compatibility/2006">
-    <mc:Choice xmlns="" xmlns:p14="http://schemas.microsoft.com/office/powerpoint/2010/main" Requires="p14">
+    <mc:Choice xmlns:p14="http://schemas.microsoft.com/office/powerpoint/2010/main" xmlns="" Requires="p14">
       <p:transition spd="slow" p14:dur="2000"/>
     </mc:Choice>
     <mc:Fallback>
@@ -12293,7 +12293,7 @@
         <p:spPr>
           <a:xfrm>
             <a:off x="324270" y="1619924"/>
-            <a:ext cx="8204320" cy="1723549"/>
+            <a:ext cx="8204320" cy="2062103"/>
           </a:xfrm>
           <a:prstGeom prst="rect">
             <a:avLst/>
@@ -12312,8 +12312,9 @@
             </a:pPr>
             <a:r>
               <a:rPr lang="it-IT" sz="2200" dirty="0" smtClean="0"/>
-              <a:t>Problema:</a:t>
-            </a:r>
+              <a:t>Obiettivo:</a:t>
+            </a:r>
+            <a:endParaRPr lang="it-IT" sz="2200" dirty="0" smtClean="0"/>
           </a:p>
           <a:p>
             <a:pPr marL="742950" lvl="1" indent="-285750">
@@ -12360,6 +12361,9 @@
               <a:rPr lang="it-IT" sz="2200" b="1" dirty="0" smtClean="0"/>
               <a:t>servizio</a:t>
             </a:r>
+          </a:p>
+          <a:p>
+            <a:pPr marL="742950" lvl="1" indent="-285750"/>
             <a:endParaRPr lang="it-IT" sz="2200" dirty="0" smtClean="0"/>
           </a:p>
           <a:p>
@@ -12390,7 +12394,7 @@
           <a:blip r:embed="rId3">
             <a:extLst>
               <a:ext uri="{28A0092B-C50C-407E-A947-70E740481C1C}">
-                <a14:useLocalDpi xmlns="" xmlns:a14="http://schemas.microsoft.com/office/drawing/2010/main" val="0"/>
+                <a14:useLocalDpi xmlns:a14="http://schemas.microsoft.com/office/drawing/2010/main" xmlns="" val="0"/>
               </a:ext>
             </a:extLst>
           </a:blip>
@@ -12410,7 +12414,7 @@
           <a:noFill/>
           <a:extLst>
             <a:ext uri="{909E8E84-426E-40DD-AFC4-6F175D3DCCD1}">
-              <a14:hiddenFill xmlns="" xmlns:a14="http://schemas.microsoft.com/office/drawing/2010/main">
+              <a14:hiddenFill xmlns:a14="http://schemas.microsoft.com/office/drawing/2010/main" xmlns="">
                 <a:solidFill>
                   <a:srgbClr val="FFFFFF"/>
                 </a:solidFill>
@@ -12431,7 +12435,7 @@
           <a:blip r:embed="rId4">
             <a:extLst>
               <a:ext uri="{28A0092B-C50C-407E-A947-70E740481C1C}">
-                <a14:useLocalDpi xmlns="" xmlns:a14="http://schemas.microsoft.com/office/drawing/2010/main" val="0"/>
+                <a14:useLocalDpi xmlns:a14="http://schemas.microsoft.com/office/drawing/2010/main" xmlns="" val="0"/>
               </a:ext>
             </a:extLst>
           </a:blip>
@@ -12451,7 +12455,7 @@
           <a:noFill/>
           <a:extLst>
             <a:ext uri="{909E8E84-426E-40DD-AFC4-6F175D3DCCD1}">
-              <a14:hiddenFill xmlns="" xmlns:a14="http://schemas.microsoft.com/office/drawing/2010/main">
+              <a14:hiddenFill xmlns:a14="http://schemas.microsoft.com/office/drawing/2010/main" xmlns="">
                 <a:solidFill>
                   <a:srgbClr val="FFFFFF"/>
                 </a:solidFill>
@@ -12497,7 +12501,7 @@
     </p:spTree>
     <p:extLst>
       <p:ext uri="{BB962C8B-B14F-4D97-AF65-F5344CB8AC3E}">
-        <p14:creationId xmlns="" xmlns:p14="http://schemas.microsoft.com/office/powerpoint/2010/main" val="1277526579"/>
+        <p14:creationId xmlns:p14="http://schemas.microsoft.com/office/powerpoint/2010/main" xmlns="" val="1277526579"/>
       </p:ext>
     </p:extLst>
   </p:cSld>
@@ -12562,33 +12566,15 @@
                                   </p:childTnLst>
                                 </p:cTn>
                               </p:par>
-                            </p:childTnLst>
-                          </p:cTn>
-                        </p:par>
-                      </p:childTnLst>
-                    </p:cTn>
-                  </p:par>
-                  <p:par>
-                    <p:cTn id="8" fill="hold">
-                      <p:stCondLst>
-                        <p:cond delay="indefinite"/>
-                      </p:stCondLst>
-                      <p:childTnLst>
-                        <p:par>
-                          <p:cTn id="9" fill="hold">
-                            <p:stCondLst>
-                              <p:cond delay="0"/>
-                            </p:stCondLst>
-                            <p:childTnLst>
                               <p:par>
-                                <p:cTn id="10" presetID="22" presetClass="entr" presetSubtype="4" fill="hold" nodeType="clickEffect">
+                                <p:cTn id="8" presetID="22" presetClass="entr" presetSubtype="4" fill="hold" nodeType="withEffect">
                                   <p:stCondLst>
                                     <p:cond delay="0"/>
                                   </p:stCondLst>
                                   <p:childTnLst>
                                     <p:set>
                                       <p:cBhvr>
-                                        <p:cTn id="11" dur="1" fill="hold">
+                                        <p:cTn id="9" dur="1" fill="hold">
                                           <p:stCondLst>
                                             <p:cond delay="0"/>
                                           </p:stCondLst>
@@ -12606,7 +12592,7 @@
                                     </p:set>
                                     <p:animEffect transition="in" filter="wipe(down)">
                                       <p:cBhvr>
-                                        <p:cTn id="12" dur="500"/>
+                                        <p:cTn id="10" dur="500"/>
                                         <p:tgtEl>
                                           <p:spTgt spid="1026"/>
                                         </p:tgtEl>
@@ -12616,14 +12602,14 @@
                                 </p:cTn>
                               </p:par>
                               <p:par>
-                                <p:cTn id="13" presetID="22" presetClass="entr" presetSubtype="4" fill="hold" nodeType="withEffect">
+                                <p:cTn id="11" presetID="22" presetClass="entr" presetSubtype="4" fill="hold" nodeType="withEffect">
                                   <p:stCondLst>
                                     <p:cond delay="0"/>
                                   </p:stCondLst>
                                   <p:childTnLst>
                                     <p:set>
                                       <p:cBhvr>
-                                        <p:cTn id="14" dur="1" fill="hold">
+                                        <p:cTn id="12" dur="1" fill="hold">
                                           <p:stCondLst>
                                             <p:cond delay="0"/>
                                           </p:stCondLst>
@@ -12641,7 +12627,7 @@
                                     </p:set>
                                     <p:animEffect transition="in" filter="wipe(down)">
                                       <p:cBhvr>
-                                        <p:cTn id="15" dur="500"/>
+                                        <p:cTn id="13" dur="500"/>
                                         <p:tgtEl>
                                           <p:spTgt spid="6"/>
                                         </p:tgtEl>
@@ -12651,14 +12637,14 @@
                                 </p:cTn>
                               </p:par>
                               <p:par>
-                                <p:cTn id="16" presetID="22" presetClass="entr" presetSubtype="4" fill="hold" nodeType="withEffect">
+                                <p:cTn id="14" presetID="22" presetClass="entr" presetSubtype="4" fill="hold" nodeType="withEffect">
                                   <p:stCondLst>
                                     <p:cond delay="0"/>
                                   </p:stCondLst>
                                   <p:childTnLst>
                                     <p:set>
                                       <p:cBhvr>
-                                        <p:cTn id="17" dur="1" fill="hold">
+                                        <p:cTn id="15" dur="1" fill="hold">
                                           <p:stCondLst>
                                             <p:cond delay="0"/>
                                           </p:stCondLst>
@@ -12676,7 +12662,7 @@
                                     </p:set>
                                     <p:animEffect transition="in" filter="wipe(down)">
                                       <p:cBhvr>
-                                        <p:cTn id="18" dur="500"/>
+                                        <p:cTn id="16" dur="500"/>
                                         <p:tgtEl>
                                           <p:spTgt spid="1027"/>
                                         </p:tgtEl>
@@ -12827,7 +12813,7 @@
           <a:blip r:embed="rId3">
             <a:extLst>
               <a:ext uri="{28A0092B-C50C-407E-A947-70E740481C1C}">
-                <a14:useLocalDpi xmlns="" xmlns:a14="http://schemas.microsoft.com/office/drawing/2010/main" val="0"/>
+                <a14:useLocalDpi xmlns:a14="http://schemas.microsoft.com/office/drawing/2010/main" xmlns="" val="0"/>
               </a:ext>
             </a:extLst>
           </a:blip>
@@ -12847,7 +12833,7 @@
           <a:noFill/>
           <a:extLst>
             <a:ext uri="{909E8E84-426E-40DD-AFC4-6F175D3DCCD1}">
-              <a14:hiddenFill xmlns="" xmlns:a14="http://schemas.microsoft.com/office/drawing/2010/main">
+              <a14:hiddenFill xmlns:a14="http://schemas.microsoft.com/office/drawing/2010/main" xmlns="">
                 <a:solidFill>
                   <a:srgbClr val="FFFFFF"/>
                 </a:solidFill>
@@ -12868,7 +12854,7 @@
           <a:blip r:embed="rId4" cstate="print">
             <a:extLst>
               <a:ext uri="{28A0092B-C50C-407E-A947-70E740481C1C}">
-                <a14:useLocalDpi xmlns="" xmlns:a14="http://schemas.microsoft.com/office/drawing/2010/main" val="0"/>
+                <a14:useLocalDpi xmlns:a14="http://schemas.microsoft.com/office/drawing/2010/main" xmlns="" val="0"/>
               </a:ext>
             </a:extLst>
           </a:blip>
@@ -12888,7 +12874,7 @@
           <a:noFill/>
           <a:extLst>
             <a:ext uri="{909E8E84-426E-40DD-AFC4-6F175D3DCCD1}">
-              <a14:hiddenFill xmlns="" xmlns:a14="http://schemas.microsoft.com/office/drawing/2010/main">
+              <a14:hiddenFill xmlns:a14="http://schemas.microsoft.com/office/drawing/2010/main" xmlns="">
                 <a:solidFill>
                   <a:srgbClr val="FFFFFF"/>
                 </a:solidFill>
@@ -12909,7 +12895,7 @@
           <a:blip r:embed="rId5">
             <a:extLst>
               <a:ext uri="{28A0092B-C50C-407E-A947-70E740481C1C}">
-                <a14:useLocalDpi xmlns="" xmlns:a14="http://schemas.microsoft.com/office/drawing/2010/main" val="0"/>
+                <a14:useLocalDpi xmlns:a14="http://schemas.microsoft.com/office/drawing/2010/main" xmlns="" val="0"/>
               </a:ext>
             </a:extLst>
           </a:blip>
@@ -12929,7 +12915,7 @@
           <a:noFill/>
           <a:extLst>
             <a:ext uri="{909E8E84-426E-40DD-AFC4-6F175D3DCCD1}">
-              <a14:hiddenFill xmlns="" xmlns:a14="http://schemas.microsoft.com/office/drawing/2010/main">
+              <a14:hiddenFill xmlns:a14="http://schemas.microsoft.com/office/drawing/2010/main" xmlns="">
                 <a:solidFill>
                   <a:srgbClr val="FFFFFF"/>
                 </a:solidFill>
@@ -13031,7 +13017,7 @@
     </p:spTree>
     <p:extLst>
       <p:ext uri="{BB962C8B-B14F-4D97-AF65-F5344CB8AC3E}">
-        <p14:creationId xmlns="" xmlns:p14="http://schemas.microsoft.com/office/powerpoint/2010/main" val="418107373"/>
+        <p14:creationId xmlns:p14="http://schemas.microsoft.com/office/powerpoint/2010/main" xmlns="" val="418107373"/>
       </p:ext>
     </p:extLst>
   </p:cSld>
@@ -13413,205 +13399,6 @@
       </p:grpSpPr>
       <p:sp>
         <p:nvSpPr>
-          <p:cNvPr id="10" name="Content Placeholder 3"/>
-          <p:cNvSpPr txBox="1">
-            <a:spLocks/>
-          </p:cNvSpPr>
-          <p:nvPr/>
-        </p:nvSpPr>
-        <p:spPr>
-          <a:xfrm>
-            <a:off x="395536" y="3596168"/>
-            <a:ext cx="1550546" cy="492656"/>
-          </a:xfrm>
-          <a:prstGeom prst="rect">
-            <a:avLst/>
-          </a:prstGeom>
-        </p:spPr>
-        <p:txBody>
-          <a:bodyPr tIns="0"/>
-          <a:lstStyle>
-            <a:lvl1pPr marL="274320" indent="-274320" algn="l" rtl="0" eaLnBrk="1" latinLnBrk="0" hangingPunct="1">
-              <a:spcBef>
-                <a:spcPct val="20000"/>
-              </a:spcBef>
-              <a:buClrTx/>
-              <a:buSzPct val="95000"/>
-              <a:buFont typeface="Wingdings" pitchFamily="2" charset="2"/>
-              <a:buChar char="v"/>
-              <a:defRPr kumimoji="0" sz="2800" kern="1200">
-                <a:solidFill>
-                  <a:schemeClr val="tx1"/>
-                </a:solidFill>
-                <a:latin typeface="+mn-lt"/>
-                <a:ea typeface="+mn-ea"/>
-                <a:cs typeface="+mn-cs"/>
-              </a:defRPr>
-            </a:lvl1pPr>
-            <a:lvl2pPr marL="640080" indent="-246888" algn="l" rtl="0" eaLnBrk="1" latinLnBrk="0" hangingPunct="1">
-              <a:spcBef>
-                <a:spcPct val="20000"/>
-              </a:spcBef>
-              <a:buClrTx/>
-              <a:buSzPct val="85000"/>
-              <a:buFont typeface="Courier New" pitchFamily="49" charset="0"/>
-              <a:buChar char="o"/>
-              <a:defRPr kumimoji="0" sz="2600" kern="1200">
-                <a:solidFill>
-                  <a:schemeClr val="tx1"/>
-                </a:solidFill>
-                <a:latin typeface="+mn-lt"/>
-                <a:ea typeface="+mn-ea"/>
-                <a:cs typeface="+mn-cs"/>
-              </a:defRPr>
-            </a:lvl2pPr>
-            <a:lvl3pPr marL="914400" indent="-246888" algn="l" rtl="0" eaLnBrk="1" latinLnBrk="0" hangingPunct="1">
-              <a:spcBef>
-                <a:spcPct val="20000"/>
-              </a:spcBef>
-              <a:buClrTx/>
-              <a:buSzPct val="70000"/>
-              <a:buFont typeface="Wingdings 2"/>
-              <a:buChar char=""/>
-              <a:defRPr kumimoji="0" sz="2400" kern="1200">
-                <a:solidFill>
-                  <a:schemeClr val="tx1"/>
-                </a:solidFill>
-                <a:latin typeface="+mn-lt"/>
-                <a:ea typeface="+mn-ea"/>
-                <a:cs typeface="+mn-cs"/>
-              </a:defRPr>
-            </a:lvl3pPr>
-            <a:lvl4pPr marL="1188720" indent="-210312" algn="l" rtl="0" eaLnBrk="1" latinLnBrk="0" hangingPunct="1">
-              <a:spcBef>
-                <a:spcPct val="20000"/>
-              </a:spcBef>
-              <a:buClrTx/>
-              <a:buSzPct val="65000"/>
-              <a:buFont typeface="Wingdings 2"/>
-              <a:buChar char=""/>
-              <a:defRPr kumimoji="0" sz="2000" kern="1200">
-                <a:solidFill>
-                  <a:schemeClr val="tx1"/>
-                </a:solidFill>
-                <a:latin typeface="+mn-lt"/>
-                <a:ea typeface="+mn-ea"/>
-                <a:cs typeface="+mn-cs"/>
-              </a:defRPr>
-            </a:lvl4pPr>
-            <a:lvl5pPr marL="1463040" indent="-210312" algn="l" rtl="0" eaLnBrk="1" latinLnBrk="0" hangingPunct="1">
-              <a:spcBef>
-                <a:spcPct val="20000"/>
-              </a:spcBef>
-              <a:buClrTx/>
-              <a:buSzPct val="65000"/>
-              <a:buFont typeface="Wingdings 2"/>
-              <a:buChar char=""/>
-              <a:defRPr kumimoji="0" sz="1800" kern="1200">
-                <a:solidFill>
-                  <a:schemeClr val="tx1"/>
-                </a:solidFill>
-                <a:latin typeface="+mn-lt"/>
-                <a:ea typeface="+mn-ea"/>
-                <a:cs typeface="+mn-cs"/>
-              </a:defRPr>
-            </a:lvl5pPr>
-            <a:lvl6pPr marL="1737360" indent="-210312" algn="l" rtl="0" eaLnBrk="1" latinLnBrk="0" hangingPunct="1">
-              <a:spcBef>
-                <a:spcPct val="20000"/>
-              </a:spcBef>
-              <a:buClr>
-                <a:schemeClr val="accent5"/>
-              </a:buClr>
-              <a:buSzPct val="80000"/>
-              <a:buFont typeface="Wingdings 2"/>
-              <a:buChar char=""/>
-              <a:defRPr kumimoji="0" sz="1800" kern="1200">
-                <a:solidFill>
-                  <a:schemeClr val="tx1"/>
-                </a:solidFill>
-                <a:latin typeface="+mn-lt"/>
-                <a:ea typeface="+mn-ea"/>
-                <a:cs typeface="+mn-cs"/>
-              </a:defRPr>
-            </a:lvl6pPr>
-            <a:lvl7pPr marL="1920240" indent="-182880" algn="l" rtl="0" eaLnBrk="1" latinLnBrk="0" hangingPunct="1">
-              <a:spcBef>
-                <a:spcPct val="20000"/>
-              </a:spcBef>
-              <a:buClr>
-                <a:schemeClr val="accent6"/>
-              </a:buClr>
-              <a:buSzPct val="80000"/>
-              <a:buFont typeface="Wingdings 2"/>
-              <a:buChar char=""/>
-              <a:defRPr kumimoji="0" sz="1600" kern="1200" baseline="0">
-                <a:solidFill>
-                  <a:schemeClr val="tx1"/>
-                </a:solidFill>
-                <a:latin typeface="+mn-lt"/>
-                <a:ea typeface="+mn-ea"/>
-                <a:cs typeface="+mn-cs"/>
-              </a:defRPr>
-            </a:lvl7pPr>
-            <a:lvl8pPr marL="2194560" indent="-182880" algn="l" rtl="0" eaLnBrk="1" latinLnBrk="0" hangingPunct="1">
-              <a:spcBef>
-                <a:spcPct val="20000"/>
-              </a:spcBef>
-              <a:buClr>
-                <a:schemeClr val="tx2"/>
-              </a:buClr>
-              <a:buChar char="•"/>
-              <a:defRPr kumimoji="0" sz="1600" kern="1200">
-                <a:solidFill>
-                  <a:schemeClr val="tx1"/>
-                </a:solidFill>
-                <a:latin typeface="+mn-lt"/>
-                <a:ea typeface="+mn-ea"/>
-                <a:cs typeface="+mn-cs"/>
-              </a:defRPr>
-            </a:lvl8pPr>
-            <a:lvl9pPr marL="2468880" indent="-182880" algn="l" rtl="0" eaLnBrk="1" latinLnBrk="0" hangingPunct="1">
-              <a:spcBef>
-                <a:spcPct val="20000"/>
-              </a:spcBef>
-              <a:buClr>
-                <a:schemeClr val="tx2"/>
-              </a:buClr>
-              <a:buFontTx/>
-              <a:buChar char="•"/>
-              <a:defRPr kumimoji="0" sz="1400" kern="1200" baseline="0">
-                <a:solidFill>
-                  <a:schemeClr val="tx1"/>
-                </a:solidFill>
-                <a:latin typeface="+mn-lt"/>
-                <a:ea typeface="+mn-ea"/>
-                <a:cs typeface="+mn-cs"/>
-              </a:defRPr>
-            </a:lvl9pPr>
-          </a:lstStyle>
-          <a:p>
-            <a:pPr marL="0" indent="0">
-              <a:buNone/>
-            </a:pPr>
-            <a:r>
-              <a:rPr lang="it-IT" b="1" i="1" dirty="0" smtClean="0">
-                <a:solidFill>
-                  <a:srgbClr val="0070C0"/>
-                </a:solidFill>
-              </a:rPr>
-              <a:t>Usabilità</a:t>
-            </a:r>
-            <a:endParaRPr lang="en-US" b="1" dirty="0">
-              <a:solidFill>
-                <a:srgbClr val="B48900"/>
-              </a:solidFill>
-            </a:endParaRPr>
-          </a:p>
-        </p:txBody>
-      </p:sp>
-      <p:sp>
-        <p:nvSpPr>
           <p:cNvPr id="5" name="CasellaDiTesto 4"/>
           <p:cNvSpPr txBox="1"/>
           <p:nvPr/>
@@ -13660,7 +13447,7 @@
       </p:sp>
       <p:pic>
         <p:nvPicPr>
-          <p:cNvPr id="2050" name="Picture 2" descr="C:\linda\uni\db\Dropbox\tetolo\uni\esami svolti\sicurezza\immagini tesina\Fotolia_13977964_XS.jpg"/>
+          <p:cNvPr id="2053" name="Picture 5" descr="C:\linda\uni\esami_da_svolgere\gps\progetto_gps\Atsilo\Presentazione\Atsilo3\omino lucchetto.jpg"/>
           <p:cNvPicPr>
             <a:picLocks noChangeAspect="1" noChangeArrowheads="1"/>
           </p:cNvPicPr>
@@ -13670,48 +13457,7 @@
           <a:blip r:embed="rId3">
             <a:extLst>
               <a:ext uri="{28A0092B-C50C-407E-A947-70E740481C1C}">
-                <a14:useLocalDpi xmlns="" xmlns:a14="http://schemas.microsoft.com/office/drawing/2010/main" val="0"/>
-              </a:ext>
-            </a:extLst>
-          </a:blip>
-          <a:srcRect/>
-          <a:stretch>
-            <a:fillRect/>
-          </a:stretch>
-        </p:blipFill>
-        <p:spPr bwMode="auto">
-          <a:xfrm>
-            <a:off x="2143108" y="2428868"/>
-            <a:ext cx="1695664" cy="2260885"/>
-          </a:xfrm>
-          <a:prstGeom prst="rect">
-            <a:avLst/>
-          </a:prstGeom>
-          <a:noFill/>
-          <a:extLst>
-            <a:ext uri="{909E8E84-426E-40DD-AFC4-6F175D3DCCD1}">
-              <a14:hiddenFill xmlns="" xmlns:a14="http://schemas.microsoft.com/office/drawing/2010/main">
-                <a:solidFill>
-                  <a:srgbClr val="FFFFFF"/>
-                </a:solidFill>
-              </a14:hiddenFill>
-            </a:ext>
-          </a:extLst>
-        </p:spPr>
-      </p:pic>
-      <p:pic>
-        <p:nvPicPr>
-          <p:cNvPr id="2053" name="Picture 5" descr="C:\linda\uni\esami_da_svolgere\gps\progetto_gps\Atsilo\Presentazione\Atsilo3\omino lucchetto.jpg"/>
-          <p:cNvPicPr>
-            <a:picLocks noChangeAspect="1" noChangeArrowheads="1"/>
-          </p:cNvPicPr>
-          <p:nvPr/>
-        </p:nvPicPr>
-        <p:blipFill>
-          <a:blip r:embed="rId4">
-            <a:extLst>
-              <a:ext uri="{28A0092B-C50C-407E-A947-70E740481C1C}">
-                <a14:useLocalDpi xmlns="" xmlns:a14="http://schemas.microsoft.com/office/drawing/2010/main" val="0"/>
+                <a14:useLocalDpi xmlns:a14="http://schemas.microsoft.com/office/drawing/2010/main" xmlns="" val="0"/>
               </a:ext>
             </a:extLst>
           </a:blip>
@@ -13731,7 +13477,7 @@
           <a:noFill/>
           <a:extLst>
             <a:ext uri="{909E8E84-426E-40DD-AFC4-6F175D3DCCD1}">
-              <a14:hiddenFill xmlns="" xmlns:a14="http://schemas.microsoft.com/office/drawing/2010/main">
+              <a14:hiddenFill xmlns:a14="http://schemas.microsoft.com/office/drawing/2010/main" xmlns="">
                 <a:solidFill>
                   <a:srgbClr val="FFFFFF"/>
                 </a:solidFill>
@@ -13976,10 +13722,235 @@
           </a:p>
         </p:txBody>
       </p:sp>
+      <p:pic>
+        <p:nvPicPr>
+          <p:cNvPr id="1026" name="Picture 2" descr="D:\Tony\Omini\omino_ok.jpg"/>
+          <p:cNvPicPr>
+            <a:picLocks noChangeAspect="1" noChangeArrowheads="1"/>
+          </p:cNvPicPr>
+          <p:nvPr/>
+        </p:nvPicPr>
+        <p:blipFill>
+          <a:blip r:embed="rId4"/>
+          <a:srcRect/>
+          <a:stretch>
+            <a:fillRect/>
+          </a:stretch>
+        </p:blipFill>
+        <p:spPr bwMode="auto">
+          <a:xfrm>
+            <a:off x="2214546" y="3143248"/>
+            <a:ext cx="2162172" cy="2162172"/>
+          </a:xfrm>
+          <a:prstGeom prst="rect">
+            <a:avLst/>
+          </a:prstGeom>
+          <a:noFill/>
+        </p:spPr>
+      </p:pic>
+      <p:sp>
+        <p:nvSpPr>
+          <p:cNvPr id="10" name="Content Placeholder 3"/>
+          <p:cNvSpPr txBox="1">
+            <a:spLocks/>
+          </p:cNvSpPr>
+          <p:nvPr/>
+        </p:nvSpPr>
+        <p:spPr>
+          <a:xfrm>
+            <a:off x="785786" y="3786190"/>
+            <a:ext cx="1550546" cy="492656"/>
+          </a:xfrm>
+          <a:prstGeom prst="rect">
+            <a:avLst/>
+          </a:prstGeom>
+        </p:spPr>
+        <p:txBody>
+          <a:bodyPr tIns="0"/>
+          <a:lstStyle>
+            <a:lvl1pPr marL="274320" indent="-274320" algn="l" rtl="0" eaLnBrk="1" latinLnBrk="0" hangingPunct="1">
+              <a:spcBef>
+                <a:spcPct val="20000"/>
+              </a:spcBef>
+              <a:buClrTx/>
+              <a:buSzPct val="95000"/>
+              <a:buFont typeface="Wingdings" pitchFamily="2" charset="2"/>
+              <a:buChar char="v"/>
+              <a:defRPr kumimoji="0" sz="2800" kern="1200">
+                <a:solidFill>
+                  <a:schemeClr val="tx1"/>
+                </a:solidFill>
+                <a:latin typeface="+mn-lt"/>
+                <a:ea typeface="+mn-ea"/>
+                <a:cs typeface="+mn-cs"/>
+              </a:defRPr>
+            </a:lvl1pPr>
+            <a:lvl2pPr marL="640080" indent="-246888" algn="l" rtl="0" eaLnBrk="1" latinLnBrk="0" hangingPunct="1">
+              <a:spcBef>
+                <a:spcPct val="20000"/>
+              </a:spcBef>
+              <a:buClrTx/>
+              <a:buSzPct val="85000"/>
+              <a:buFont typeface="Courier New" pitchFamily="49" charset="0"/>
+              <a:buChar char="o"/>
+              <a:defRPr kumimoji="0" sz="2600" kern="1200">
+                <a:solidFill>
+                  <a:schemeClr val="tx1"/>
+                </a:solidFill>
+                <a:latin typeface="+mn-lt"/>
+                <a:ea typeface="+mn-ea"/>
+                <a:cs typeface="+mn-cs"/>
+              </a:defRPr>
+            </a:lvl2pPr>
+            <a:lvl3pPr marL="914400" indent="-246888" algn="l" rtl="0" eaLnBrk="1" latinLnBrk="0" hangingPunct="1">
+              <a:spcBef>
+                <a:spcPct val="20000"/>
+              </a:spcBef>
+              <a:buClrTx/>
+              <a:buSzPct val="70000"/>
+              <a:buFont typeface="Wingdings 2"/>
+              <a:buChar char=""/>
+              <a:defRPr kumimoji="0" sz="2400" kern="1200">
+                <a:solidFill>
+                  <a:schemeClr val="tx1"/>
+                </a:solidFill>
+                <a:latin typeface="+mn-lt"/>
+                <a:ea typeface="+mn-ea"/>
+                <a:cs typeface="+mn-cs"/>
+              </a:defRPr>
+            </a:lvl3pPr>
+            <a:lvl4pPr marL="1188720" indent="-210312" algn="l" rtl="0" eaLnBrk="1" latinLnBrk="0" hangingPunct="1">
+              <a:spcBef>
+                <a:spcPct val="20000"/>
+              </a:spcBef>
+              <a:buClrTx/>
+              <a:buSzPct val="65000"/>
+              <a:buFont typeface="Wingdings 2"/>
+              <a:buChar char=""/>
+              <a:defRPr kumimoji="0" sz="2000" kern="1200">
+                <a:solidFill>
+                  <a:schemeClr val="tx1"/>
+                </a:solidFill>
+                <a:latin typeface="+mn-lt"/>
+                <a:ea typeface="+mn-ea"/>
+                <a:cs typeface="+mn-cs"/>
+              </a:defRPr>
+            </a:lvl4pPr>
+            <a:lvl5pPr marL="1463040" indent="-210312" algn="l" rtl="0" eaLnBrk="1" latinLnBrk="0" hangingPunct="1">
+              <a:spcBef>
+                <a:spcPct val="20000"/>
+              </a:spcBef>
+              <a:buClrTx/>
+              <a:buSzPct val="65000"/>
+              <a:buFont typeface="Wingdings 2"/>
+              <a:buChar char=""/>
+              <a:defRPr kumimoji="0" sz="1800" kern="1200">
+                <a:solidFill>
+                  <a:schemeClr val="tx1"/>
+                </a:solidFill>
+                <a:latin typeface="+mn-lt"/>
+                <a:ea typeface="+mn-ea"/>
+                <a:cs typeface="+mn-cs"/>
+              </a:defRPr>
+            </a:lvl5pPr>
+            <a:lvl6pPr marL="1737360" indent="-210312" algn="l" rtl="0" eaLnBrk="1" latinLnBrk="0" hangingPunct="1">
+              <a:spcBef>
+                <a:spcPct val="20000"/>
+              </a:spcBef>
+              <a:buClr>
+                <a:schemeClr val="accent5"/>
+              </a:buClr>
+              <a:buSzPct val="80000"/>
+              <a:buFont typeface="Wingdings 2"/>
+              <a:buChar char=""/>
+              <a:defRPr kumimoji="0" sz="1800" kern="1200">
+                <a:solidFill>
+                  <a:schemeClr val="tx1"/>
+                </a:solidFill>
+                <a:latin typeface="+mn-lt"/>
+                <a:ea typeface="+mn-ea"/>
+                <a:cs typeface="+mn-cs"/>
+              </a:defRPr>
+            </a:lvl6pPr>
+            <a:lvl7pPr marL="1920240" indent="-182880" algn="l" rtl="0" eaLnBrk="1" latinLnBrk="0" hangingPunct="1">
+              <a:spcBef>
+                <a:spcPct val="20000"/>
+              </a:spcBef>
+              <a:buClr>
+                <a:schemeClr val="accent6"/>
+              </a:buClr>
+              <a:buSzPct val="80000"/>
+              <a:buFont typeface="Wingdings 2"/>
+              <a:buChar char=""/>
+              <a:defRPr kumimoji="0" sz="1600" kern="1200" baseline="0">
+                <a:solidFill>
+                  <a:schemeClr val="tx1"/>
+                </a:solidFill>
+                <a:latin typeface="+mn-lt"/>
+                <a:ea typeface="+mn-ea"/>
+                <a:cs typeface="+mn-cs"/>
+              </a:defRPr>
+            </a:lvl7pPr>
+            <a:lvl8pPr marL="2194560" indent="-182880" algn="l" rtl="0" eaLnBrk="1" latinLnBrk="0" hangingPunct="1">
+              <a:spcBef>
+                <a:spcPct val="20000"/>
+              </a:spcBef>
+              <a:buClr>
+                <a:schemeClr val="tx2"/>
+              </a:buClr>
+              <a:buChar char="•"/>
+              <a:defRPr kumimoji="0" sz="1600" kern="1200">
+                <a:solidFill>
+                  <a:schemeClr val="tx1"/>
+                </a:solidFill>
+                <a:latin typeface="+mn-lt"/>
+                <a:ea typeface="+mn-ea"/>
+                <a:cs typeface="+mn-cs"/>
+              </a:defRPr>
+            </a:lvl8pPr>
+            <a:lvl9pPr marL="2468880" indent="-182880" algn="l" rtl="0" eaLnBrk="1" latinLnBrk="0" hangingPunct="1">
+              <a:spcBef>
+                <a:spcPct val="20000"/>
+              </a:spcBef>
+              <a:buClr>
+                <a:schemeClr val="tx2"/>
+              </a:buClr>
+              <a:buFontTx/>
+              <a:buChar char="•"/>
+              <a:defRPr kumimoji="0" sz="1400" kern="1200" baseline="0">
+                <a:solidFill>
+                  <a:schemeClr val="tx1"/>
+                </a:solidFill>
+                <a:latin typeface="+mn-lt"/>
+                <a:ea typeface="+mn-ea"/>
+                <a:cs typeface="+mn-cs"/>
+              </a:defRPr>
+            </a:lvl9pPr>
+          </a:lstStyle>
+          <a:p>
+            <a:pPr marL="0" indent="0">
+              <a:buNone/>
+            </a:pPr>
+            <a:r>
+              <a:rPr lang="it-IT" b="1" i="1" dirty="0" smtClean="0">
+                <a:solidFill>
+                  <a:srgbClr val="0070C0"/>
+                </a:solidFill>
+              </a:rPr>
+              <a:t>Usabilità</a:t>
+            </a:r>
+            <a:endParaRPr lang="en-US" b="1" dirty="0">
+              <a:solidFill>
+                <a:srgbClr val="B48900"/>
+              </a:solidFill>
+            </a:endParaRPr>
+          </a:p>
+        </p:txBody>
+      </p:sp>
     </p:spTree>
     <p:extLst>
       <p:ext uri="{BB962C8B-B14F-4D97-AF65-F5344CB8AC3E}">
-        <p14:creationId xmlns="" xmlns:p14="http://schemas.microsoft.com/office/powerpoint/2010/main" val="2879521852"/>
+        <p14:creationId xmlns:p14="http://schemas.microsoft.com/office/powerpoint/2010/main" xmlns="" val="2879521852"/>
       </p:ext>
     </p:extLst>
   </p:cSld>
@@ -13987,7 +13958,7 @@
     <a:masterClrMapping/>
   </p:clrMapOvr>
   <mc:AlternateContent xmlns:mc="http://schemas.openxmlformats.org/markup-compatibility/2006">
-    <mc:Choice xmlns="" xmlns:p14="http://schemas.microsoft.com/office/powerpoint/2010/main" Requires="p14">
+    <mc:Choice xmlns:p14="http://schemas.microsoft.com/office/powerpoint/2010/main" xmlns="" Requires="p14">
       <p:transition spd="slow" p14:dur="2000"/>
     </mc:Choice>
     <mc:Fallback>
@@ -14049,41 +14020,6 @@
                                   </p:childTnLst>
                                 </p:cTn>
                               </p:par>
-                              <p:par>
-                                <p:cTn id="8" presetID="10" presetClass="entr" presetSubtype="0" fill="hold" nodeType="withEffect">
-                                  <p:stCondLst>
-                                    <p:cond delay="0"/>
-                                  </p:stCondLst>
-                                  <p:childTnLst>
-                                    <p:set>
-                                      <p:cBhvr>
-                                        <p:cTn id="9" dur="1" fill="hold">
-                                          <p:stCondLst>
-                                            <p:cond delay="0"/>
-                                          </p:stCondLst>
-                                        </p:cTn>
-                                        <p:tgtEl>
-                                          <p:spTgt spid="2050"/>
-                                        </p:tgtEl>
-                                        <p:attrNameLst>
-                                          <p:attrName>style.visibility</p:attrName>
-                                        </p:attrNameLst>
-                                      </p:cBhvr>
-                                      <p:to>
-                                        <p:strVal val="visible"/>
-                                      </p:to>
-                                    </p:set>
-                                    <p:animEffect transition="in" filter="fade">
-                                      <p:cBhvr>
-                                        <p:cTn id="10" dur="500"/>
-                                        <p:tgtEl>
-                                          <p:spTgt spid="2050"/>
-                                        </p:tgtEl>
-                                      </p:cBhvr>
-                                    </p:animEffect>
-                                  </p:childTnLst>
-                                </p:cTn>
-                              </p:par>
                             </p:childTnLst>
                           </p:cTn>
                         </p:par>
@@ -14091,26 +14027,26 @@
                     </p:cTn>
                   </p:par>
                   <p:par>
-                    <p:cTn id="11" fill="hold">
+                    <p:cTn id="8" fill="hold">
                       <p:stCondLst>
                         <p:cond delay="indefinite"/>
                       </p:stCondLst>
                       <p:childTnLst>
                         <p:par>
-                          <p:cTn id="12" fill="hold">
+                          <p:cTn id="9" fill="hold">
                             <p:stCondLst>
                               <p:cond delay="0"/>
                             </p:stCondLst>
                             <p:childTnLst>
                               <p:par>
-                                <p:cTn id="13" presetID="10" presetClass="entr" presetSubtype="0" fill="hold" grpId="0" nodeType="clickEffect">
+                                <p:cTn id="10" presetID="10" presetClass="entr" presetSubtype="0" fill="hold" grpId="0" nodeType="clickEffect">
                                   <p:stCondLst>
                                     <p:cond delay="0"/>
                                   </p:stCondLst>
                                   <p:childTnLst>
                                     <p:set>
                                       <p:cBhvr>
-                                        <p:cTn id="14" dur="1" fill="hold">
+                                        <p:cTn id="11" dur="1" fill="hold">
                                           <p:stCondLst>
                                             <p:cond delay="0"/>
                                           </p:stCondLst>
@@ -14128,7 +14064,7 @@
                                     </p:set>
                                     <p:animEffect transition="in" filter="fade">
                                       <p:cBhvr>
-                                        <p:cTn id="15" dur="500"/>
+                                        <p:cTn id="12" dur="500"/>
                                         <p:tgtEl>
                                           <p:spTgt spid="11"/>
                                         </p:tgtEl>
@@ -14144,26 +14080,26 @@
                     </p:cTn>
                   </p:par>
                   <p:par>
-                    <p:cTn id="16" fill="hold">
+                    <p:cTn id="13" fill="hold">
                       <p:stCondLst>
                         <p:cond delay="indefinite"/>
                       </p:stCondLst>
                       <p:childTnLst>
                         <p:par>
-                          <p:cTn id="17" fill="hold">
+                          <p:cTn id="14" fill="hold">
                             <p:stCondLst>
                               <p:cond delay="0"/>
                             </p:stCondLst>
                             <p:childTnLst>
                               <p:par>
-                                <p:cTn id="18" presetID="10" presetClass="entr" presetSubtype="0" fill="hold" nodeType="clickEffect">
+                                <p:cTn id="15" presetID="10" presetClass="entr" presetSubtype="0" fill="hold" nodeType="clickEffect">
                                   <p:stCondLst>
                                     <p:cond delay="0"/>
                                   </p:stCondLst>
                                   <p:childTnLst>
                                     <p:set>
                                       <p:cBhvr>
-                                        <p:cTn id="19" dur="1" fill="hold">
+                                        <p:cTn id="16" dur="1" fill="hold">
                                           <p:stCondLst>
                                             <p:cond delay="0"/>
                                           </p:stCondLst>
@@ -14181,7 +14117,7 @@
                                     </p:set>
                                     <p:animEffect transition="in" filter="fade">
                                       <p:cBhvr>
-                                        <p:cTn id="20" dur="500"/>
+                                        <p:cTn id="17" dur="500"/>
                                         <p:tgtEl>
                                           <p:spTgt spid="2053"/>
                                         </p:tgtEl>
@@ -14191,14 +14127,14 @@
                                 </p:cTn>
                               </p:par>
                               <p:par>
-                                <p:cTn id="21" presetID="10" presetClass="entr" presetSubtype="0" fill="hold" grpId="0" nodeType="withEffect">
+                                <p:cTn id="18" presetID="10" presetClass="entr" presetSubtype="0" fill="hold" grpId="0" nodeType="withEffect">
                                   <p:stCondLst>
                                     <p:cond delay="0"/>
                                   </p:stCondLst>
                                   <p:childTnLst>
                                     <p:set>
                                       <p:cBhvr>
-                                        <p:cTn id="22" dur="1" fill="hold">
+                                        <p:cTn id="19" dur="1" fill="hold">
                                           <p:stCondLst>
                                             <p:cond delay="0"/>
                                           </p:stCondLst>
@@ -14216,7 +14152,7 @@
                                     </p:set>
                                     <p:animEffect transition="in" filter="fade">
                                       <p:cBhvr>
-                                        <p:cTn id="23" dur="500"/>
+                                        <p:cTn id="20" dur="500"/>
                                         <p:tgtEl>
                                           <p:spTgt spid="2"/>
                                         </p:tgtEl>
@@ -14232,26 +14168,26 @@
                     </p:cTn>
                   </p:par>
                   <p:par>
-                    <p:cTn id="24" fill="hold">
+                    <p:cTn id="21" fill="hold">
                       <p:stCondLst>
                         <p:cond delay="indefinite"/>
                       </p:stCondLst>
                       <p:childTnLst>
                         <p:par>
-                          <p:cTn id="25" fill="hold">
+                          <p:cTn id="22" fill="hold">
                             <p:stCondLst>
                               <p:cond delay="0"/>
                             </p:stCondLst>
                             <p:childTnLst>
                               <p:par>
-                                <p:cTn id="26" presetID="6" presetClass="emph" presetSubtype="0" fill="hold" grpId="1" nodeType="clickEffect">
+                                <p:cTn id="23" presetID="6" presetClass="emph" presetSubtype="0" fill="hold" grpId="1" nodeType="clickEffect">
                                   <p:stCondLst>
                                     <p:cond delay="0"/>
                                   </p:stCondLst>
                                   <p:childTnLst>
                                     <p:animScale>
                                       <p:cBhvr>
-                                        <p:cTn id="27" dur="2000" fill="hold"/>
+                                        <p:cTn id="24" dur="2000" fill="hold"/>
                                         <p:tgtEl>
                                           <p:spTgt spid="10"/>
                                         </p:tgtEl>
@@ -14262,14 +14198,14 @@
                                 </p:cTn>
                               </p:par>
                               <p:par>
-                                <p:cTn id="28" presetID="6" presetClass="emph" presetSubtype="0" fill="hold" grpId="1" nodeType="withEffect">
+                                <p:cTn id="25" presetID="6" presetClass="emph" presetSubtype="0" fill="hold" grpId="1" nodeType="withEffect">
                                   <p:stCondLst>
                                     <p:cond delay="0"/>
                                   </p:stCondLst>
                                   <p:childTnLst>
                                     <p:animScale>
                                       <p:cBhvr>
-                                        <p:cTn id="29" dur="2000" fill="hold"/>
+                                        <p:cTn id="26" dur="2000" fill="hold"/>
                                         <p:tgtEl>
                                           <p:spTgt spid="2"/>
                                         </p:tgtEl>
@@ -14307,11 +14243,11 @@
       </p:par>
     </p:tnLst>
     <p:bldLst>
-      <p:bldP spid="10" grpId="0"/>
-      <p:bldP spid="10" grpId="1"/>
       <p:bldP spid="2" grpId="0"/>
       <p:bldP spid="2" grpId="1"/>
       <p:bldP spid="11" grpId="0"/>
+      <p:bldP spid="10" grpId="0"/>
+      <p:bldP spid="10" grpId="1"/>
     </p:bldLst>
   </p:timing>
 </p:sld>
@@ -14346,7 +14282,7 @@
           <a:blip r:embed="rId3">
             <a:extLst>
               <a:ext uri="{28A0092B-C50C-407E-A947-70E740481C1C}">
-                <a14:useLocalDpi xmlns="" xmlns:a14="http://schemas.microsoft.com/office/drawing/2010/main" val="0"/>
+                <a14:useLocalDpi xmlns:a14="http://schemas.microsoft.com/office/drawing/2010/main" xmlns="" val="0"/>
               </a:ext>
             </a:extLst>
           </a:blip>
@@ -14366,7 +14302,7 @@
           <a:noFill/>
           <a:extLst>
             <a:ext uri="{909E8E84-426E-40DD-AFC4-6F175D3DCCD1}">
-              <a14:hiddenFill xmlns="" xmlns:a14="http://schemas.microsoft.com/office/drawing/2010/main">
+              <a14:hiddenFill xmlns:a14="http://schemas.microsoft.com/office/drawing/2010/main" xmlns="">
                 <a:solidFill>
                   <a:srgbClr val="FFFFFF"/>
                 </a:solidFill>
@@ -14887,7 +14823,7 @@
     </p:spTree>
     <p:extLst>
       <p:ext uri="{BB962C8B-B14F-4D97-AF65-F5344CB8AC3E}">
-        <p14:creationId xmlns="" xmlns:p14="http://schemas.microsoft.com/office/powerpoint/2010/main" val="202613363"/>
+        <p14:creationId xmlns:p14="http://schemas.microsoft.com/office/powerpoint/2010/main" xmlns="" val="202613363"/>
       </p:ext>
     </p:extLst>
   </p:cSld>
@@ -14895,7 +14831,7 @@
     <a:masterClrMapping/>
   </p:clrMapOvr>
   <mc:AlternateContent xmlns:mc="http://schemas.openxmlformats.org/markup-compatibility/2006">
-    <mc:Choice xmlns="" xmlns:p14="http://schemas.microsoft.com/office/powerpoint/2010/main" Requires="p14">
+    <mc:Choice xmlns:p14="http://schemas.microsoft.com/office/powerpoint/2010/main" xmlns="" Requires="p14">
       <p:transition spd="slow" p14:dur="2000"/>
     </mc:Choice>
     <mc:Fallback>
@@ -15220,7 +15156,7 @@
           <a:blip r:embed="rId3">
             <a:extLst>
               <a:ext uri="{28A0092B-C50C-407E-A947-70E740481C1C}">
-                <a14:useLocalDpi xmlns="" xmlns:a14="http://schemas.microsoft.com/office/drawing/2010/main" val="0"/>
+                <a14:useLocalDpi xmlns:a14="http://schemas.microsoft.com/office/drawing/2010/main" xmlns="" val="0"/>
               </a:ext>
             </a:extLst>
           </a:blip>
@@ -15240,7 +15176,7 @@
           <a:noFill/>
           <a:extLst>
             <a:ext uri="{909E8E84-426E-40DD-AFC4-6F175D3DCCD1}">
-              <a14:hiddenFill xmlns="" xmlns:a14="http://schemas.microsoft.com/office/drawing/2010/main">
+              <a14:hiddenFill xmlns:a14="http://schemas.microsoft.com/office/drawing/2010/main" xmlns="">
                 <a:solidFill>
                   <a:srgbClr val="FFFFFF"/>
                 </a:solidFill>
@@ -15261,7 +15197,7 @@
           <a:blip r:embed="rId4">
             <a:extLst>
               <a:ext uri="{28A0092B-C50C-407E-A947-70E740481C1C}">
-                <a14:useLocalDpi xmlns="" xmlns:a14="http://schemas.microsoft.com/office/drawing/2010/main" val="0"/>
+                <a14:useLocalDpi xmlns:a14="http://schemas.microsoft.com/office/drawing/2010/main" xmlns="" val="0"/>
               </a:ext>
             </a:extLst>
           </a:blip>
@@ -15281,7 +15217,7 @@
           <a:noFill/>
           <a:extLst>
             <a:ext uri="{909E8E84-426E-40DD-AFC4-6F175D3DCCD1}">
-              <a14:hiddenFill xmlns="" xmlns:a14="http://schemas.microsoft.com/office/drawing/2010/main">
+              <a14:hiddenFill xmlns:a14="http://schemas.microsoft.com/office/drawing/2010/main" xmlns="">
                 <a:solidFill>
                   <a:srgbClr val="FFFFFF"/>
                 </a:solidFill>
@@ -15605,7 +15541,7 @@
     </p:spTree>
     <p:extLst>
       <p:ext uri="{BB962C8B-B14F-4D97-AF65-F5344CB8AC3E}">
-        <p14:creationId xmlns="" xmlns:p14="http://schemas.microsoft.com/office/powerpoint/2010/main" val="1197112555"/>
+        <p14:creationId xmlns:p14="http://schemas.microsoft.com/office/powerpoint/2010/main" xmlns="" val="1197112555"/>
       </p:ext>
     </p:extLst>
   </p:cSld>
@@ -15613,7 +15549,7 @@
     <a:masterClrMapping/>
   </p:clrMapOvr>
   <mc:AlternateContent xmlns:mc="http://schemas.openxmlformats.org/markup-compatibility/2006">
-    <mc:Choice xmlns="" xmlns:p14="http://schemas.microsoft.com/office/powerpoint/2010/main" Requires="p14">
+    <mc:Choice xmlns:p14="http://schemas.microsoft.com/office/powerpoint/2010/main" xmlns="" Requires="p14">
       <p:transition spd="slow" p14:dur="2000"/>
     </mc:Choice>
     <mc:Fallback>
@@ -16700,7 +16636,7 @@
     </p:spTree>
     <p:extLst>
       <p:ext uri="{BB962C8B-B14F-4D97-AF65-F5344CB8AC3E}">
-        <p14:creationId xmlns="" xmlns:p14="http://schemas.microsoft.com/office/powerpoint/2010/main" val="155874689"/>
+        <p14:creationId xmlns:p14="http://schemas.microsoft.com/office/powerpoint/2010/main" xmlns="" val="155874689"/>
       </p:ext>
     </p:extLst>
   </p:cSld>
@@ -16708,7 +16644,7 @@
     <a:masterClrMapping/>
   </p:clrMapOvr>
   <mc:AlternateContent xmlns:mc="http://schemas.openxmlformats.org/markup-compatibility/2006">
-    <mc:Choice xmlns="" xmlns:p14="http://schemas.microsoft.com/office/powerpoint/2010/main" Requires="p14">
+    <mc:Choice xmlns:p14="http://schemas.microsoft.com/office/powerpoint/2010/main" xmlns="" Requires="p14">
       <p:transition spd="slow" p14:dur="2000"/>
     </mc:Choice>
     <mc:Fallback>
@@ -17072,7 +17008,7 @@
           <a:blip r:embed="rId3">
             <a:extLst>
               <a:ext uri="{28A0092B-C50C-407E-A947-70E740481C1C}">
-                <a14:useLocalDpi xmlns="" xmlns:a14="http://schemas.microsoft.com/office/drawing/2010/main" val="0"/>
+                <a14:useLocalDpi xmlns:a14="http://schemas.microsoft.com/office/drawing/2010/main" xmlns="" val="0"/>
               </a:ext>
             </a:extLst>
           </a:blip>
@@ -17092,7 +17028,7 @@
           <a:noFill/>
           <a:extLst>
             <a:ext uri="{909E8E84-426E-40DD-AFC4-6F175D3DCCD1}">
-              <a14:hiddenFill xmlns="" xmlns:a14="http://schemas.microsoft.com/office/drawing/2010/main">
+              <a14:hiddenFill xmlns:a14="http://schemas.microsoft.com/office/drawing/2010/main" xmlns="">
                 <a:solidFill>
                   <a:srgbClr val="FFFFFF"/>
                 </a:solidFill>
@@ -17113,7 +17049,7 @@
           <a:blip r:embed="rId4">
             <a:extLst>
               <a:ext uri="{28A0092B-C50C-407E-A947-70E740481C1C}">
-                <a14:useLocalDpi xmlns="" xmlns:a14="http://schemas.microsoft.com/office/drawing/2010/main" val="0"/>
+                <a14:useLocalDpi xmlns:a14="http://schemas.microsoft.com/office/drawing/2010/main" xmlns="" val="0"/>
               </a:ext>
             </a:extLst>
           </a:blip>
@@ -17142,7 +17078,7 @@
           </a:effectLst>
           <a:extLst>
             <a:ext uri="{909E8E84-426E-40DD-AFC4-6F175D3DCCD1}">
-              <a14:hiddenFill xmlns="" xmlns:a14="http://schemas.microsoft.com/office/drawing/2010/main">
+              <a14:hiddenFill xmlns:a14="http://schemas.microsoft.com/office/drawing/2010/main" xmlns="">
                 <a:solidFill>
                   <a:srgbClr val="FFFFFF"/>
                 </a:solidFill>
@@ -17180,7 +17116,7 @@
     </p:spTree>
     <p:extLst>
       <p:ext uri="{BB962C8B-B14F-4D97-AF65-F5344CB8AC3E}">
-        <p14:creationId xmlns="" xmlns:p14="http://schemas.microsoft.com/office/powerpoint/2010/main" val="700353664"/>
+        <p14:creationId xmlns:p14="http://schemas.microsoft.com/office/powerpoint/2010/main" xmlns="" val="700353664"/>
       </p:ext>
     </p:extLst>
   </p:cSld>
@@ -17188,7 +17124,7 @@
     <a:masterClrMapping/>
   </p:clrMapOvr>
   <mc:AlternateContent xmlns:mc="http://schemas.openxmlformats.org/markup-compatibility/2006">
-    <mc:Choice xmlns="" xmlns:p14="http://schemas.microsoft.com/office/powerpoint/2010/main" Requires="p14">
+    <mc:Choice xmlns:p14="http://schemas.microsoft.com/office/powerpoint/2010/main" xmlns="" Requires="p14">
       <p:transition spd="slow" p14:dur="2000"/>
     </mc:Choice>
     <mc:Fallback>
@@ -17935,7 +17871,7 @@
           <a:blip r:embed="rId3">
             <a:extLst>
               <a:ext uri="{28A0092B-C50C-407E-A947-70E740481C1C}">
-                <a14:useLocalDpi xmlns="" xmlns:a14="http://schemas.microsoft.com/office/drawing/2010/main" val="0"/>
+                <a14:useLocalDpi xmlns:a14="http://schemas.microsoft.com/office/drawing/2010/main" xmlns="" val="0"/>
               </a:ext>
             </a:extLst>
           </a:blip>
@@ -17960,7 +17896,7 @@
           </a:effectLst>
           <a:extLst>
             <a:ext uri="{909E8E84-426E-40DD-AFC4-6F175D3DCCD1}">
-              <a14:hiddenFill xmlns="" xmlns:a14="http://schemas.microsoft.com/office/drawing/2010/main">
+              <a14:hiddenFill xmlns:a14="http://schemas.microsoft.com/office/drawing/2010/main" xmlns="">
                 <a:solidFill>
                   <a:srgbClr val="FFFFFF"/>
                 </a:solidFill>
@@ -17981,7 +17917,7 @@
           <a:blip r:embed="rId4">
             <a:extLst>
               <a:ext uri="{28A0092B-C50C-407E-A947-70E740481C1C}">
-                <a14:useLocalDpi xmlns="" xmlns:a14="http://schemas.microsoft.com/office/drawing/2010/main" val="0"/>
+                <a14:useLocalDpi xmlns:a14="http://schemas.microsoft.com/office/drawing/2010/main" xmlns="" val="0"/>
               </a:ext>
             </a:extLst>
           </a:blip>
@@ -18001,7 +17937,7 @@
           <a:noFill/>
           <a:extLst>
             <a:ext uri="{909E8E84-426E-40DD-AFC4-6F175D3DCCD1}">
-              <a14:hiddenFill xmlns="" xmlns:a14="http://schemas.microsoft.com/office/drawing/2010/main">
+              <a14:hiddenFill xmlns:a14="http://schemas.microsoft.com/office/drawing/2010/main" xmlns="">
                 <a:solidFill>
                   <a:srgbClr val="FFFFFF"/>
                 </a:solidFill>
@@ -18047,7 +17983,7 @@
     </p:spTree>
     <p:extLst>
       <p:ext uri="{BB962C8B-B14F-4D97-AF65-F5344CB8AC3E}">
-        <p14:creationId xmlns="" xmlns:p14="http://schemas.microsoft.com/office/powerpoint/2010/main" val="2947224754"/>
+        <p14:creationId xmlns:p14="http://schemas.microsoft.com/office/powerpoint/2010/main" xmlns="" val="2947224754"/>
       </p:ext>
     </p:extLst>
   </p:cSld>
@@ -18364,7 +18300,7 @@
           <a:blip r:embed="rId3">
             <a:extLst>
               <a:ext uri="{28A0092B-C50C-407E-A947-70E740481C1C}">
-                <a14:useLocalDpi xmlns="" xmlns:a14="http://schemas.microsoft.com/office/drawing/2010/main" val="0"/>
+                <a14:useLocalDpi xmlns:a14="http://schemas.microsoft.com/office/drawing/2010/main" xmlns="" val="0"/>
               </a:ext>
             </a:extLst>
           </a:blip>
@@ -18384,7 +18320,7 @@
           <a:noFill/>
           <a:extLst>
             <a:ext uri="{909E8E84-426E-40DD-AFC4-6F175D3DCCD1}">
-              <a14:hiddenFill xmlns="" xmlns:a14="http://schemas.microsoft.com/office/drawing/2010/main">
+              <a14:hiddenFill xmlns:a14="http://schemas.microsoft.com/office/drawing/2010/main" xmlns="">
                 <a:solidFill>
                   <a:srgbClr val="FFFFFF"/>
                 </a:solidFill>
@@ -18939,7 +18875,7 @@
     </p:spTree>
     <p:extLst>
       <p:ext uri="{BB962C8B-B14F-4D97-AF65-F5344CB8AC3E}">
-        <p14:creationId xmlns="" xmlns:p14="http://schemas.microsoft.com/office/powerpoint/2010/main" val="1111877724"/>
+        <p14:creationId xmlns:p14="http://schemas.microsoft.com/office/powerpoint/2010/main" xmlns="" val="1111877724"/>
       </p:ext>
     </p:extLst>
   </p:cSld>
@@ -18947,7 +18883,7 @@
     <a:masterClrMapping/>
   </p:clrMapOvr>
   <mc:AlternateContent xmlns:mc="http://schemas.openxmlformats.org/markup-compatibility/2006">
-    <mc:Choice xmlns="" xmlns:p14="http://schemas.microsoft.com/office/powerpoint/2010/main" Requires="p14">
+    <mc:Choice xmlns:p14="http://schemas.microsoft.com/office/powerpoint/2010/main" xmlns="" Requires="p14">
       <p:transition spd="slow" p14:dur="2000"/>
     </mc:Choice>
     <mc:Fallback>
@@ -19329,7 +19265,7 @@
           <p:nvPr>
             <p:extLst>
               <p:ext uri="{D42A27DB-BD31-4B8C-83A1-F6EECF244321}">
-                <p14:modId xmlns="" xmlns:p14="http://schemas.microsoft.com/office/powerpoint/2010/main" val="2643884637"/>
+                <p14:modId xmlns:p14="http://schemas.microsoft.com/office/powerpoint/2010/main" xmlns="" val="2643884637"/>
               </p:ext>
             </p:extLst>
           </p:nvPr>
@@ -19770,14 +19706,14 @@
           <a:effectLst/>
           <a:extLst>
             <a:ext uri="{909E8E84-426E-40DD-AFC4-6F175D3DCCD1}">
-              <a14:hiddenFill xmlns="" xmlns:a14="http://schemas.microsoft.com/office/drawing/2010/main">
+              <a14:hiddenFill xmlns:a14="http://schemas.microsoft.com/office/drawing/2010/main" xmlns="">
                 <a:solidFill>
                   <a:schemeClr val="accent1"/>
                 </a:solidFill>
               </a14:hiddenFill>
             </a:ext>
             <a:ext uri="{91240B29-F687-4F45-9708-019B960494DF}">
-              <a14:hiddenLine xmlns="" xmlns:a14="http://schemas.microsoft.com/office/drawing/2010/main" w="9525">
+              <a14:hiddenLine xmlns:a14="http://schemas.microsoft.com/office/drawing/2010/main" xmlns="" w="9525">
                 <a:solidFill>
                   <a:schemeClr val="tx1"/>
                 </a:solidFill>
@@ -19787,7 +19723,7 @@
               </a14:hiddenLine>
             </a:ext>
             <a:ext uri="{AF507438-7753-43E0-B8FC-AC1667EBCBE1}">
-              <a14:hiddenEffects xmlns="" xmlns:a14="http://schemas.microsoft.com/office/drawing/2010/main">
+              <a14:hiddenEffects xmlns:a14="http://schemas.microsoft.com/office/drawing/2010/main" xmlns="">
                 <a:effectLst>
                   <a:outerShdw dist="35921" dir="2700000" algn="ctr" rotWithShape="0">
                     <a:schemeClr val="bg2"/>
@@ -19868,7 +19804,7 @@
     </p:spTree>
     <p:extLst>
       <p:ext uri="{BB962C8B-B14F-4D97-AF65-F5344CB8AC3E}">
-        <p14:creationId xmlns="" xmlns:p14="http://schemas.microsoft.com/office/powerpoint/2010/main" val="503117530"/>
+        <p14:creationId xmlns:p14="http://schemas.microsoft.com/office/powerpoint/2010/main" xmlns="" val="503117530"/>
       </p:ext>
     </p:extLst>
   </p:cSld>
@@ -19953,7 +19889,7 @@
           <p:nvPr>
             <p:extLst>
               <p:ext uri="{D42A27DB-BD31-4B8C-83A1-F6EECF244321}">
-                <p14:modId xmlns="" xmlns:p14="http://schemas.microsoft.com/office/powerpoint/2010/main" val="722892891"/>
+                <p14:modId xmlns:p14="http://schemas.microsoft.com/office/powerpoint/2010/main" xmlns="" val="722892891"/>
               </p:ext>
             </p:extLst>
           </p:nvPr>
@@ -20935,7 +20871,7 @@
     </p:spTree>
     <p:extLst>
       <p:ext uri="{BB962C8B-B14F-4D97-AF65-F5344CB8AC3E}">
-        <p14:creationId xmlns="" xmlns:p14="http://schemas.microsoft.com/office/powerpoint/2010/main" val="2473970557"/>
+        <p14:creationId xmlns:p14="http://schemas.microsoft.com/office/powerpoint/2010/main" xmlns="" val="2473970557"/>
       </p:ext>
     </p:extLst>
   </p:cSld>
@@ -20981,7 +20917,7 @@
           <a:blip r:embed="rId3">
             <a:extLst>
               <a:ext uri="{28A0092B-C50C-407E-A947-70E740481C1C}">
-                <a14:useLocalDpi xmlns="" xmlns:a14="http://schemas.microsoft.com/office/drawing/2010/main" val="0"/>
+                <a14:useLocalDpi xmlns:a14="http://schemas.microsoft.com/office/drawing/2010/main" xmlns="" val="0"/>
               </a:ext>
             </a:extLst>
           </a:blip>
@@ -21024,7 +20960,7 @@
           </a:sp3d>
           <a:extLst>
             <a:ext uri="{909E8E84-426E-40DD-AFC4-6F175D3DCCD1}">
-              <a14:hiddenFill xmlns="" xmlns:a14="http://schemas.microsoft.com/office/drawing/2010/main">
+              <a14:hiddenFill xmlns:a14="http://schemas.microsoft.com/office/drawing/2010/main" xmlns="">
                 <a:solidFill>
                   <a:srgbClr val="FFFFFF"/>
                 </a:solidFill>
@@ -21554,7 +21490,7 @@
           <a:blip r:embed="rId3">
             <a:extLst>
               <a:ext uri="{28A0092B-C50C-407E-A947-70E740481C1C}">
-                <a14:useLocalDpi xmlns="" xmlns:a14="http://schemas.microsoft.com/office/drawing/2010/main" val="0"/>
+                <a14:useLocalDpi xmlns:a14="http://schemas.microsoft.com/office/drawing/2010/main" xmlns="" val="0"/>
               </a:ext>
             </a:extLst>
           </a:blip>
@@ -21578,14 +21514,14 @@
           <a:effectLst/>
           <a:extLst>
             <a:ext uri="{909E8E84-426E-40DD-AFC4-6F175D3DCCD1}">
-              <a14:hiddenFill xmlns="" xmlns:a14="http://schemas.microsoft.com/office/drawing/2010/main">
+              <a14:hiddenFill xmlns:a14="http://schemas.microsoft.com/office/drawing/2010/main" xmlns="">
                 <a:solidFill>
                   <a:schemeClr val="accent1"/>
                 </a:solidFill>
               </a14:hiddenFill>
             </a:ext>
             <a:ext uri="{91240B29-F687-4F45-9708-019B960494DF}">
-              <a14:hiddenLine xmlns="" xmlns:a14="http://schemas.microsoft.com/office/drawing/2010/main" w="9525">
+              <a14:hiddenLine xmlns:a14="http://schemas.microsoft.com/office/drawing/2010/main" xmlns="" w="9525">
                 <a:solidFill>
                   <a:schemeClr val="tx1"/>
                 </a:solidFill>
@@ -21595,7 +21531,7 @@
               </a14:hiddenLine>
             </a:ext>
             <a:ext uri="{AF507438-7753-43E0-B8FC-AC1667EBCBE1}">
-              <a14:hiddenEffects xmlns="" xmlns:a14="http://schemas.microsoft.com/office/drawing/2010/main">
+              <a14:hiddenEffects xmlns:a14="http://schemas.microsoft.com/office/drawing/2010/main" xmlns="">
                 <a:effectLst>
                   <a:outerShdw dist="35921" dir="2700000" algn="ctr" rotWithShape="0">
                     <a:schemeClr val="bg2"/>
@@ -21696,14 +21632,14 @@
           <a:effectLst/>
           <a:extLst>
             <a:ext uri="{909E8E84-426E-40DD-AFC4-6F175D3DCCD1}">
-              <a14:hiddenFill xmlns="" xmlns:a14="http://schemas.microsoft.com/office/drawing/2010/main">
+              <a14:hiddenFill xmlns:a14="http://schemas.microsoft.com/office/drawing/2010/main" xmlns="">
                 <a:solidFill>
                   <a:schemeClr val="accent1"/>
                 </a:solidFill>
               </a14:hiddenFill>
             </a:ext>
             <a:ext uri="{91240B29-F687-4F45-9708-019B960494DF}">
-              <a14:hiddenLine xmlns="" xmlns:a14="http://schemas.microsoft.com/office/drawing/2010/main" w="9525">
+              <a14:hiddenLine xmlns:a14="http://schemas.microsoft.com/office/drawing/2010/main" xmlns="" w="9525">
                 <a:solidFill>
                   <a:schemeClr val="tx1"/>
                 </a:solidFill>
@@ -21713,7 +21649,7 @@
               </a14:hiddenLine>
             </a:ext>
             <a:ext uri="{AF507438-7753-43E0-B8FC-AC1667EBCBE1}">
-              <a14:hiddenEffects xmlns="" xmlns:a14="http://schemas.microsoft.com/office/drawing/2010/main">
+              <a14:hiddenEffects xmlns:a14="http://schemas.microsoft.com/office/drawing/2010/main" xmlns="">
                 <a:effectLst>
                   <a:outerShdw dist="35921" dir="2700000" algn="ctr" rotWithShape="0">
                     <a:schemeClr val="bg2"/>
@@ -22161,7 +22097,7 @@
     </p:spTree>
     <p:extLst>
       <p:ext uri="{BB962C8B-B14F-4D97-AF65-F5344CB8AC3E}">
-        <p14:creationId xmlns="" xmlns:p14="http://schemas.microsoft.com/office/powerpoint/2010/main" val="3312797979"/>
+        <p14:creationId xmlns:p14="http://schemas.microsoft.com/office/powerpoint/2010/main" xmlns="" val="3312797979"/>
       </p:ext>
     </p:extLst>
   </p:cSld>
@@ -23591,7 +23527,7 @@
     </p:spTree>
     <p:extLst>
       <p:ext uri="{BB962C8B-B14F-4D97-AF65-F5344CB8AC3E}">
-        <p14:creationId xmlns="" xmlns:p14="http://schemas.microsoft.com/office/powerpoint/2010/main" val="155874689"/>
+        <p14:creationId xmlns:p14="http://schemas.microsoft.com/office/powerpoint/2010/main" xmlns="" val="155874689"/>
       </p:ext>
     </p:extLst>
   </p:cSld>
@@ -23599,7 +23535,7 @@
     <a:masterClrMapping/>
   </p:clrMapOvr>
   <mc:AlternateContent xmlns:mc="http://schemas.openxmlformats.org/markup-compatibility/2006">
-    <mc:Choice xmlns="" xmlns:p14="http://schemas.microsoft.com/office/powerpoint/2010/main" Requires="p14">
+    <mc:Choice xmlns:p14="http://schemas.microsoft.com/office/powerpoint/2010/main" xmlns="" Requires="p14">
       <p:transition spd="slow" p14:dur="2000"/>
     </mc:Choice>
     <mc:Fallback>
@@ -24206,7 +24142,7 @@
           <p:nvPr>
             <p:extLst>
               <p:ext uri="{D42A27DB-BD31-4B8C-83A1-F6EECF244321}">
-                <p14:modId xmlns="" xmlns:p14="http://schemas.microsoft.com/office/powerpoint/2010/main" val="3382119601"/>
+                <p14:modId xmlns:p14="http://schemas.microsoft.com/office/powerpoint/2010/main" xmlns="" val="3382119601"/>
               </p:ext>
             </p:extLst>
           </p:nvPr>
@@ -27048,7 +26984,7 @@
     </p:spTree>
     <p:extLst>
       <p:ext uri="{BB962C8B-B14F-4D97-AF65-F5344CB8AC3E}">
-        <p14:creationId xmlns="" xmlns:p14="http://schemas.microsoft.com/office/powerpoint/2010/main" val="134615909"/>
+        <p14:creationId xmlns:p14="http://schemas.microsoft.com/office/powerpoint/2010/main" xmlns="" val="134615909"/>
       </p:ext>
     </p:extLst>
   </p:cSld>
@@ -27822,7 +27758,7 @@
           <p:nvPr>
             <p:extLst>
               <p:ext uri="{D42A27DB-BD31-4B8C-83A1-F6EECF244321}">
-                <p14:modId xmlns="" xmlns:p14="http://schemas.microsoft.com/office/powerpoint/2010/main" val="1603526078"/>
+                <p14:modId xmlns:p14="http://schemas.microsoft.com/office/powerpoint/2010/main" xmlns="" val="1603526078"/>
               </p:ext>
             </p:extLst>
           </p:nvPr>
@@ -27968,7 +27904,7 @@
     </p:spTree>
     <p:extLst>
       <p:ext uri="{BB962C8B-B14F-4D97-AF65-F5344CB8AC3E}">
-        <p14:creationId xmlns="" xmlns:p14="http://schemas.microsoft.com/office/powerpoint/2010/main" val="1428921569"/>
+        <p14:creationId xmlns:p14="http://schemas.microsoft.com/office/powerpoint/2010/main" xmlns="" val="1428921569"/>
       </p:ext>
     </p:extLst>
   </p:cSld>
@@ -28061,7 +27997,7 @@
           <p:nvPr>
             <p:extLst>
               <p:ext uri="{D42A27DB-BD31-4B8C-83A1-F6EECF244321}">
-                <p14:modId xmlns="" xmlns:p14="http://schemas.microsoft.com/office/powerpoint/2010/main" val="3377787449"/>
+                <p14:modId xmlns:p14="http://schemas.microsoft.com/office/powerpoint/2010/main" xmlns="" val="3377787449"/>
               </p:ext>
             </p:extLst>
           </p:nvPr>
@@ -28273,7 +28209,7 @@
     </p:spTree>
     <p:extLst>
       <p:ext uri="{BB962C8B-B14F-4D97-AF65-F5344CB8AC3E}">
-        <p14:creationId xmlns="" xmlns:p14="http://schemas.microsoft.com/office/powerpoint/2010/main" val="521228686"/>
+        <p14:creationId xmlns:p14="http://schemas.microsoft.com/office/powerpoint/2010/main" xmlns="" val="521228686"/>
       </p:ext>
     </p:extLst>
   </p:cSld>
@@ -28360,7 +28296,7 @@
           <a:blip r:embed="rId2">
             <a:extLst>
               <a:ext uri="{28A0092B-C50C-407E-A947-70E740481C1C}">
-                <a14:useLocalDpi xmlns="" xmlns:a14="http://schemas.microsoft.com/office/drawing/2010/main" val="0"/>
+                <a14:useLocalDpi xmlns:a14="http://schemas.microsoft.com/office/drawing/2010/main" xmlns="" val="0"/>
               </a:ext>
             </a:extLst>
           </a:blip>
@@ -28380,7 +28316,7 @@
           <a:noFill/>
           <a:extLst>
             <a:ext uri="{909E8E84-426E-40DD-AFC4-6F175D3DCCD1}">
-              <a14:hiddenFill xmlns="" xmlns:a14="http://schemas.microsoft.com/office/drawing/2010/main">
+              <a14:hiddenFill xmlns:a14="http://schemas.microsoft.com/office/drawing/2010/main" xmlns="">
                 <a:solidFill>
                   <a:srgbClr val="FFFFFF"/>
                 </a:solidFill>
@@ -28562,7 +28498,7 @@
     </p:spTree>
     <p:extLst>
       <p:ext uri="{BB962C8B-B14F-4D97-AF65-F5344CB8AC3E}">
-        <p14:creationId xmlns="" xmlns:p14="http://schemas.microsoft.com/office/powerpoint/2010/main" val="2138116938"/>
+        <p14:creationId xmlns:p14="http://schemas.microsoft.com/office/powerpoint/2010/main" xmlns="" val="2138116938"/>
       </p:ext>
     </p:extLst>
   </p:cSld>
@@ -29072,7 +29008,7 @@
           <p:nvPr>
             <p:extLst>
               <p:ext uri="{D42A27DB-BD31-4B8C-83A1-F6EECF244321}">
-                <p14:modId xmlns="" xmlns:p14="http://schemas.microsoft.com/office/powerpoint/2010/main" val="3745458434"/>
+                <p14:modId xmlns:p14="http://schemas.microsoft.com/office/powerpoint/2010/main" xmlns="" val="3745458434"/>
               </p:ext>
             </p:extLst>
           </p:nvPr>
@@ -29284,7 +29220,7 @@
     </p:spTree>
     <p:extLst>
       <p:ext uri="{BB962C8B-B14F-4D97-AF65-F5344CB8AC3E}">
-        <p14:creationId xmlns="" xmlns:p14="http://schemas.microsoft.com/office/powerpoint/2010/main" val="2476603813"/>
+        <p14:creationId xmlns:p14="http://schemas.microsoft.com/office/powerpoint/2010/main" xmlns="" val="2476603813"/>
       </p:ext>
     </p:extLst>
   </p:cSld>
@@ -29544,11 +29480,6 @@
               </a:rPr>
               <a:t>Contro: </a:t>
             </a:r>
-            <a:endParaRPr lang="it-IT" b="1" dirty="0" smtClean="0">
-              <a:solidFill>
-                <a:srgbClr val="FF0000"/>
-              </a:solidFill>
-            </a:endParaRPr>
           </a:p>
           <a:p>
             <a:pPr lvl="1"/>
@@ -29589,10 +29520,6 @@
               </a:rPr>
               <a:t>Poco tempo a disposizione</a:t>
             </a:r>
-            <a:endParaRPr lang="it-IT" sz="2000" dirty="0" smtClean="0">
-              <a:latin typeface="Arial" pitchFamily="34" charset="0"/>
-              <a:cs typeface="Arial" pitchFamily="34" charset="0"/>
-            </a:endParaRPr>
           </a:p>
           <a:p>
             <a:pPr lvl="1">
@@ -29616,14 +29543,13 @@
               <a:rPr lang="it-IT" dirty="0" smtClean="0"/>
               <a:t>Revisione mirata del sottosistema Questionari</a:t>
             </a:r>
-            <a:endParaRPr lang="it-IT" dirty="0" smtClean="0"/>
           </a:p>
         </p:txBody>
       </p:sp>
     </p:spTree>
     <p:extLst>
       <p:ext uri="{BB962C8B-B14F-4D97-AF65-F5344CB8AC3E}">
-        <p14:creationId xmlns="" xmlns:p14="http://schemas.microsoft.com/office/powerpoint/2010/main" val="3060381138"/>
+        <p14:creationId xmlns:p14="http://schemas.microsoft.com/office/powerpoint/2010/main" xmlns="" val="3060381138"/>
       </p:ext>
     </p:extLst>
   </p:cSld>
@@ -30569,11 +30495,7 @@
           <a:p>
             <a:r>
               <a:rPr lang="it-IT" sz="5000" i="1" dirty="0" smtClean="0"/>
-              <a:t>Cosa </a:t>
-            </a:r>
-            <a:r>
-              <a:rPr lang="it-IT" sz="5000" i="1" dirty="0" smtClean="0"/>
-              <a:t>è andato per il verso giusto </a:t>
+              <a:t>Cosa è andato per il verso giusto </a:t>
             </a:r>
             <a:endParaRPr lang="it-IT" sz="5000" i="1" dirty="0"/>
           </a:p>
@@ -30812,7 +30734,7 @@
           <a:blip r:embed="rId3">
             <a:extLst>
               <a:ext uri="{28A0092B-C50C-407E-A947-70E740481C1C}">
-                <a14:useLocalDpi xmlns="" xmlns:a14="http://schemas.microsoft.com/office/drawing/2010/main" val="0"/>
+                <a14:useLocalDpi xmlns:a14="http://schemas.microsoft.com/office/drawing/2010/main" xmlns="" val="0"/>
               </a:ext>
             </a:extLst>
           </a:blip>
@@ -30832,7 +30754,7 @@
           <a:noFill/>
           <a:extLst>
             <a:ext uri="{909E8E84-426E-40DD-AFC4-6F175D3DCCD1}">
-              <a14:hiddenFill xmlns="" xmlns:a14="http://schemas.microsoft.com/office/drawing/2010/main">
+              <a14:hiddenFill xmlns:a14="http://schemas.microsoft.com/office/drawing/2010/main" xmlns="">
                 <a:solidFill>
                   <a:srgbClr val="FFFFFF"/>
                 </a:solidFill>
@@ -30982,7 +30904,7 @@
     </p:spTree>
     <p:extLst>
       <p:ext uri="{BB962C8B-B14F-4D97-AF65-F5344CB8AC3E}">
-        <p14:creationId xmlns="" xmlns:p14="http://schemas.microsoft.com/office/powerpoint/2010/main" val="1739081068"/>
+        <p14:creationId xmlns:p14="http://schemas.microsoft.com/office/powerpoint/2010/main" xmlns="" val="1739081068"/>
       </p:ext>
     </p:extLst>
   </p:cSld>
@@ -31453,15 +31375,7 @@
           <a:p>
             <a:r>
               <a:rPr lang="it-IT" sz="5000" i="1" dirty="0" smtClean="0"/>
-              <a:t>Cosa </a:t>
-            </a:r>
-            <a:r>
-              <a:rPr lang="it-IT" sz="5000" i="1" dirty="0" smtClean="0"/>
-              <a:t>è andato per il verso </a:t>
-            </a:r>
-            <a:r>
-              <a:rPr lang="it-IT" sz="5000" i="1" dirty="0" smtClean="0"/>
-              <a:t>sbagliato</a:t>
+              <a:t>Cosa è andato per il verso sbagliato</a:t>
             </a:r>
             <a:endParaRPr lang="it-IT" sz="5000" i="1" dirty="0"/>
           </a:p>
@@ -32764,7 +32678,7 @@
     </p:spTree>
     <p:extLst>
       <p:ext uri="{BB962C8B-B14F-4D97-AF65-F5344CB8AC3E}">
-        <p14:creationId xmlns="" xmlns:p14="http://schemas.microsoft.com/office/powerpoint/2010/main" val="2532338835"/>
+        <p14:creationId xmlns:p14="http://schemas.microsoft.com/office/powerpoint/2010/main" xmlns="" val="2532338835"/>
       </p:ext>
     </p:extLst>
   </p:cSld>
@@ -32772,7 +32686,7 @@
     <a:masterClrMapping/>
   </p:clrMapOvr>
   <mc:AlternateContent xmlns:mc="http://schemas.openxmlformats.org/markup-compatibility/2006">
-    <mc:Choice xmlns="" xmlns:p14="http://schemas.microsoft.com/office/powerpoint/2010/main" Requires="p14">
+    <mc:Choice xmlns:p14="http://schemas.microsoft.com/office/powerpoint/2010/main" xmlns="" Requires="p14">
       <p:transition spd="slow" p14:dur="2000"/>
     </mc:Choice>
     <mc:Fallback>
@@ -32862,7 +32776,7 @@
           <p:nvPr>
             <p:extLst>
               <p:ext uri="{D42A27DB-BD31-4B8C-83A1-F6EECF244321}">
-                <p14:modId xmlns="" xmlns:p14="http://schemas.microsoft.com/office/powerpoint/2010/main" val="4285816619"/>
+                <p14:modId xmlns:p14="http://schemas.microsoft.com/office/powerpoint/2010/main" xmlns="" val="4285816619"/>
               </p:ext>
             </p:extLst>
           </p:nvPr>
@@ -33592,7 +33506,7 @@
           <p:nvPr>
             <p:extLst>
               <p:ext uri="{D42A27DB-BD31-4B8C-83A1-F6EECF244321}">
-                <p14:modId xmlns="" xmlns:p14="http://schemas.microsoft.com/office/powerpoint/2010/main" val="4159081582"/>
+                <p14:modId xmlns:p14="http://schemas.microsoft.com/office/powerpoint/2010/main" xmlns="" val="4159081582"/>
               </p:ext>
             </p:extLst>
           </p:nvPr>
@@ -34431,7 +34345,7 @@
     </p:spTree>
     <p:extLst>
       <p:ext uri="{BB962C8B-B14F-4D97-AF65-F5344CB8AC3E}">
-        <p14:creationId xmlns="" xmlns:p14="http://schemas.microsoft.com/office/powerpoint/2010/main" val="1173458281"/>
+        <p14:creationId xmlns:p14="http://schemas.microsoft.com/office/powerpoint/2010/main" xmlns="" val="1173458281"/>
       </p:ext>
     </p:extLst>
   </p:cSld>
@@ -35689,7 +35603,7 @@
     </p:spTree>
     <p:extLst>
       <p:ext uri="{BB962C8B-B14F-4D97-AF65-F5344CB8AC3E}">
-        <p14:creationId xmlns="" xmlns:p14="http://schemas.microsoft.com/office/powerpoint/2010/main" val="2769124218"/>
+        <p14:creationId xmlns:p14="http://schemas.microsoft.com/office/powerpoint/2010/main" xmlns="" val="2769124218"/>
       </p:ext>
     </p:extLst>
   </p:cSld>

--- a/trunk/Presentazione/Atsilo3/Atsilo_H_PresentazioneFinale.pptx
+++ b/trunk/Presentazione/Atsilo3/Atsilo_H_PresentazioneFinale.pptx
@@ -5,7 +5,7 @@
     <p:sldMasterId id="2147483684" r:id="rId1"/>
   </p:sldMasterIdLst>
   <p:notesMasterIdLst>
-    <p:notesMasterId r:id="rId44"/>
+    <p:notesMasterId r:id="rId45"/>
   </p:notesMasterIdLst>
   <p:sldIdLst>
     <p:sldId id="256" r:id="rId2"/>
@@ -28,28 +28,29 @@
     <p:sldId id="311" r:id="rId19"/>
     <p:sldId id="303" r:id="rId20"/>
     <p:sldId id="304" r:id="rId21"/>
-    <p:sldId id="312" r:id="rId22"/>
-    <p:sldId id="315" r:id="rId23"/>
-    <p:sldId id="314" r:id="rId24"/>
-    <p:sldId id="316" r:id="rId25"/>
-    <p:sldId id="290" r:id="rId26"/>
-    <p:sldId id="288" r:id="rId27"/>
-    <p:sldId id="317" r:id="rId28"/>
-    <p:sldId id="291" r:id="rId29"/>
-    <p:sldId id="265" r:id="rId30"/>
-    <p:sldId id="268" r:id="rId31"/>
-    <p:sldId id="267" r:id="rId32"/>
-    <p:sldId id="320" r:id="rId33"/>
-    <p:sldId id="321" r:id="rId34"/>
-    <p:sldId id="323" r:id="rId35"/>
-    <p:sldId id="324" r:id="rId36"/>
-    <p:sldId id="325" r:id="rId37"/>
-    <p:sldId id="326" r:id="rId38"/>
-    <p:sldId id="322" r:id="rId39"/>
-    <p:sldId id="292" r:id="rId40"/>
-    <p:sldId id="293" r:id="rId41"/>
-    <p:sldId id="294" r:id="rId42"/>
-    <p:sldId id="295" r:id="rId43"/>
+    <p:sldId id="327" r:id="rId22"/>
+    <p:sldId id="312" r:id="rId23"/>
+    <p:sldId id="315" r:id="rId24"/>
+    <p:sldId id="314" r:id="rId25"/>
+    <p:sldId id="316" r:id="rId26"/>
+    <p:sldId id="290" r:id="rId27"/>
+    <p:sldId id="288" r:id="rId28"/>
+    <p:sldId id="317" r:id="rId29"/>
+    <p:sldId id="291" r:id="rId30"/>
+    <p:sldId id="265" r:id="rId31"/>
+    <p:sldId id="268" r:id="rId32"/>
+    <p:sldId id="267" r:id="rId33"/>
+    <p:sldId id="320" r:id="rId34"/>
+    <p:sldId id="321" r:id="rId35"/>
+    <p:sldId id="323" r:id="rId36"/>
+    <p:sldId id="324" r:id="rId37"/>
+    <p:sldId id="325" r:id="rId38"/>
+    <p:sldId id="326" r:id="rId39"/>
+    <p:sldId id="322" r:id="rId40"/>
+    <p:sldId id="292" r:id="rId41"/>
+    <p:sldId id="293" r:id="rId42"/>
+    <p:sldId id="294" r:id="rId43"/>
+    <p:sldId id="295" r:id="rId44"/>
   </p:sldIdLst>
   <p:sldSz cx="9144000" cy="6858000" type="screen4x3"/>
   <p:notesSz cx="6858000" cy="9144000"/>
@@ -1965,7 +1966,7 @@
             <a:fld id="{D70604CA-7593-4640-8FA1-5523937B8510}" type="slidenum">
               <a:rPr lang="it-IT" smtClean="0"/>
               <a:pPr/>
-              <a:t>21</a:t>
+              <a:t>22</a:t>
             </a:fld>
             <a:endParaRPr lang="it-IT"/>
           </a:p>
@@ -2069,7 +2070,7 @@
             <a:fld id="{D70604CA-7593-4640-8FA1-5523937B8510}" type="slidenum">
               <a:rPr lang="it-IT" smtClean="0"/>
               <a:pPr/>
-              <a:t>22</a:t>
+              <a:t>23</a:t>
             </a:fld>
             <a:endParaRPr lang="it-IT"/>
           </a:p>
@@ -2224,7 +2225,7 @@
             <a:fld id="{D70604CA-7593-4640-8FA1-5523937B8510}" type="slidenum">
               <a:rPr lang="it-IT" smtClean="0"/>
               <a:pPr/>
-              <a:t>23</a:t>
+              <a:t>24</a:t>
             </a:fld>
             <a:endParaRPr lang="it-IT"/>
           </a:p>
@@ -2333,7 +2334,7 @@
             <a:fld id="{D70604CA-7593-4640-8FA1-5523937B8510}" type="slidenum">
               <a:rPr lang="it-IT" smtClean="0"/>
               <a:pPr/>
-              <a:t>24</a:t>
+              <a:t>25</a:t>
             </a:fld>
             <a:endParaRPr lang="it-IT"/>
           </a:p>
@@ -2442,7 +2443,7 @@
             <a:fld id="{D70604CA-7593-4640-8FA1-5523937B8510}" type="slidenum">
               <a:rPr lang="it-IT" smtClean="0"/>
               <a:pPr/>
-              <a:t>25</a:t>
+              <a:t>26</a:t>
             </a:fld>
             <a:endParaRPr lang="it-IT"/>
           </a:p>
@@ -2543,7 +2544,7 @@
             <a:fld id="{D70604CA-7593-4640-8FA1-5523937B8510}" type="slidenum">
               <a:rPr lang="it-IT" smtClean="0"/>
               <a:pPr/>
-              <a:t>26</a:t>
+              <a:t>27</a:t>
             </a:fld>
             <a:endParaRPr lang="it-IT"/>
           </a:p>
@@ -2640,7 +2641,7 @@
             <a:fld id="{D70604CA-7593-4640-8FA1-5523937B8510}" type="slidenum">
               <a:rPr lang="it-IT" smtClean="0"/>
               <a:pPr/>
-              <a:t>27</a:t>
+              <a:t>28</a:t>
             </a:fld>
             <a:endParaRPr lang="it-IT"/>
           </a:p>
@@ -2796,7 +2797,7 @@
             <a:fld id="{D70604CA-7593-4640-8FA1-5523937B8510}" type="slidenum">
               <a:rPr lang="it-IT" smtClean="0"/>
               <a:pPr/>
-              <a:t>28</a:t>
+              <a:t>29</a:t>
             </a:fld>
             <a:endParaRPr lang="it-IT"/>
           </a:p>
@@ -2889,7 +2890,7 @@
             <a:fld id="{D70604CA-7593-4640-8FA1-5523937B8510}" type="slidenum">
               <a:rPr lang="it-IT" smtClean="0"/>
               <a:pPr/>
-              <a:t>29</a:t>
+              <a:t>30</a:t>
             </a:fld>
             <a:endParaRPr lang="it-IT"/>
           </a:p>
@@ -2978,7 +2979,7 @@
             <a:fld id="{D70604CA-7593-4640-8FA1-5523937B8510}" type="slidenum">
               <a:rPr lang="it-IT" smtClean="0"/>
               <a:pPr/>
-              <a:t>30</a:t>
+              <a:t>31</a:t>
             </a:fld>
             <a:endParaRPr lang="it-IT"/>
           </a:p>
@@ -3241,7 +3242,7 @@
             <a:fld id="{D70604CA-7593-4640-8FA1-5523937B8510}" type="slidenum">
               <a:rPr lang="it-IT" smtClean="0"/>
               <a:pPr/>
-              <a:t>31</a:t>
+              <a:t>32</a:t>
             </a:fld>
             <a:endParaRPr lang="it-IT"/>
           </a:p>
@@ -3330,7 +3331,7 @@
             <a:fld id="{D70604CA-7593-4640-8FA1-5523937B8510}" type="slidenum">
               <a:rPr lang="it-IT" smtClean="0"/>
               <a:pPr/>
-              <a:t>32</a:t>
+              <a:t>33</a:t>
             </a:fld>
             <a:endParaRPr lang="it-IT"/>
           </a:p>
@@ -3415,7 +3416,7 @@
             <a:fld id="{D70604CA-7593-4640-8FA1-5523937B8510}" type="slidenum">
               <a:rPr lang="it-IT" smtClean="0"/>
               <a:pPr/>
-              <a:t>37</a:t>
+              <a:t>38</a:t>
             </a:fld>
             <a:endParaRPr lang="it-IT"/>
           </a:p>
@@ -3504,7 +3505,7 @@
             <a:fld id="{D70604CA-7593-4640-8FA1-5523937B8510}" type="slidenum">
               <a:rPr lang="it-IT" smtClean="0"/>
               <a:pPr/>
-              <a:t>38</a:t>
+              <a:t>39</a:t>
             </a:fld>
             <a:endParaRPr lang="it-IT"/>
           </a:p>
@@ -3613,7 +3614,7 @@
             <a:fld id="{D70604CA-7593-4640-8FA1-5523937B8510}" type="slidenum">
               <a:rPr lang="it-IT" smtClean="0"/>
               <a:pPr/>
-              <a:t>39</a:t>
+              <a:t>40</a:t>
             </a:fld>
             <a:endParaRPr lang="it-IT"/>
           </a:p>
@@ -3722,7 +3723,7 @@
             <a:fld id="{D70604CA-7593-4640-8FA1-5523937B8510}" type="slidenum">
               <a:rPr lang="it-IT" smtClean="0"/>
               <a:pPr/>
-              <a:t>40</a:t>
+              <a:t>41</a:t>
             </a:fld>
             <a:endParaRPr lang="it-IT"/>
           </a:p>
@@ -3831,7 +3832,7 @@
             <a:fld id="{D70604CA-7593-4640-8FA1-5523937B8510}" type="slidenum">
               <a:rPr lang="it-IT" smtClean="0"/>
               <a:pPr/>
-              <a:t>41</a:t>
+              <a:t>42</a:t>
             </a:fld>
             <a:endParaRPr lang="it-IT"/>
           </a:p>
@@ -3940,7 +3941,7 @@
             <a:fld id="{D70604CA-7593-4640-8FA1-5523937B8510}" type="slidenum">
               <a:rPr lang="it-IT" smtClean="0"/>
               <a:pPr/>
-              <a:t>42</a:t>
+              <a:t>43</a:t>
             </a:fld>
             <a:endParaRPr lang="it-IT"/>
           </a:p>
@@ -13397,6 +13398,32 @@
           <a:chExt cx="0" cy="0"/>
         </a:xfrm>
       </p:grpSpPr>
+      <p:pic>
+        <p:nvPicPr>
+          <p:cNvPr id="1026" name="Picture 2" descr="D:\Tony\Omini\omino_ok.jpg"/>
+          <p:cNvPicPr>
+            <a:picLocks noChangeAspect="1" noChangeArrowheads="1"/>
+          </p:cNvPicPr>
+          <p:nvPr/>
+        </p:nvPicPr>
+        <p:blipFill>
+          <a:blip r:embed="rId3"/>
+          <a:srcRect/>
+          <a:stretch>
+            <a:fillRect/>
+          </a:stretch>
+        </p:blipFill>
+        <p:spPr bwMode="auto">
+          <a:xfrm>
+            <a:off x="2214546" y="3143248"/>
+            <a:ext cx="2162172" cy="2162172"/>
+          </a:xfrm>
+          <a:prstGeom prst="rect">
+            <a:avLst/>
+          </a:prstGeom>
+          <a:noFill/>
+        </p:spPr>
+      </p:pic>
       <p:sp>
         <p:nvSpPr>
           <p:cNvPr id="5" name="CasellaDiTesto 4"/>
@@ -13454,7 +13481,7 @@
           <p:nvPr/>
         </p:nvPicPr>
         <p:blipFill>
-          <a:blip r:embed="rId3">
+          <a:blip r:embed="rId4">
             <a:extLst>
               <a:ext uri="{28A0092B-C50C-407E-A947-70E740481C1C}">
                 <a14:useLocalDpi xmlns:a14="http://schemas.microsoft.com/office/drawing/2010/main" xmlns="" val="0"/>
@@ -13722,32 +13749,6 @@
           </a:p>
         </p:txBody>
       </p:sp>
-      <p:pic>
-        <p:nvPicPr>
-          <p:cNvPr id="1026" name="Picture 2" descr="D:\Tony\Omini\omino_ok.jpg"/>
-          <p:cNvPicPr>
-            <a:picLocks noChangeAspect="1" noChangeArrowheads="1"/>
-          </p:cNvPicPr>
-          <p:nvPr/>
-        </p:nvPicPr>
-        <p:blipFill>
-          <a:blip r:embed="rId4"/>
-          <a:srcRect/>
-          <a:stretch>
-            <a:fillRect/>
-          </a:stretch>
-        </p:blipFill>
-        <p:spPr bwMode="auto">
-          <a:xfrm>
-            <a:off x="2214546" y="3143248"/>
-            <a:ext cx="2162172" cy="2162172"/>
-          </a:xfrm>
-          <a:prstGeom prst="rect">
-            <a:avLst/>
-          </a:prstGeom>
-          <a:noFill/>
-        </p:spPr>
-      </p:pic>
       <p:sp>
         <p:nvSpPr>
           <p:cNvPr id="10" name="Content Placeholder 3"/>
@@ -13986,7 +13987,7 @@
                             </p:stCondLst>
                             <p:childTnLst>
                               <p:par>
-                                <p:cTn id="5" presetID="10" presetClass="entr" presetSubtype="0" fill="hold" grpId="0" nodeType="clickEffect">
+                                <p:cTn id="5" presetID="10" presetClass="entr" presetSubtype="0" fill="hold" nodeType="clickEffect">
                                   <p:stCondLst>
                                     <p:cond delay="0"/>
                                   </p:stCondLst>
@@ -13994,6 +13995,94 @@
                                     <p:set>
                                       <p:cBhvr>
                                         <p:cTn id="6" dur="1" fill="hold">
+                                          <p:stCondLst>
+                                            <p:cond delay="0"/>
+                                          </p:stCondLst>
+                                        </p:cTn>
+                                        <p:tgtEl>
+                                          <p:spTgt spid="2053"/>
+                                        </p:tgtEl>
+                                        <p:attrNameLst>
+                                          <p:attrName>style.visibility</p:attrName>
+                                        </p:attrNameLst>
+                                      </p:cBhvr>
+                                      <p:to>
+                                        <p:strVal val="visible"/>
+                                      </p:to>
+                                    </p:set>
+                                    <p:animEffect transition="in" filter="fade">
+                                      <p:cBhvr>
+                                        <p:cTn id="7" dur="500"/>
+                                        <p:tgtEl>
+                                          <p:spTgt spid="2053"/>
+                                        </p:tgtEl>
+                                      </p:cBhvr>
+                                    </p:animEffect>
+                                  </p:childTnLst>
+                                </p:cTn>
+                              </p:par>
+                              <p:par>
+                                <p:cTn id="8" presetID="10" presetClass="entr" presetSubtype="0" fill="hold" nodeType="withEffect">
+                                  <p:stCondLst>
+                                    <p:cond delay="0"/>
+                                  </p:stCondLst>
+                                  <p:childTnLst>
+                                    <p:set>
+                                      <p:cBhvr>
+                                        <p:cTn id="9" dur="1" fill="hold">
+                                          <p:stCondLst>
+                                            <p:cond delay="0"/>
+                                          </p:stCondLst>
+                                        </p:cTn>
+                                        <p:tgtEl>
+                                          <p:spTgt spid="1026"/>
+                                        </p:tgtEl>
+                                        <p:attrNameLst>
+                                          <p:attrName>style.visibility</p:attrName>
+                                        </p:attrNameLst>
+                                      </p:cBhvr>
+                                      <p:to>
+                                        <p:strVal val="visible"/>
+                                      </p:to>
+                                    </p:set>
+                                    <p:animEffect transition="in" filter="fade">
+                                      <p:cBhvr>
+                                        <p:cTn id="10" dur="500"/>
+                                        <p:tgtEl>
+                                          <p:spTgt spid="1026"/>
+                                        </p:tgtEl>
+                                      </p:cBhvr>
+                                    </p:animEffect>
+                                  </p:childTnLst>
+                                </p:cTn>
+                              </p:par>
+                            </p:childTnLst>
+                          </p:cTn>
+                        </p:par>
+                      </p:childTnLst>
+                    </p:cTn>
+                  </p:par>
+                  <p:par>
+                    <p:cTn id="11" fill="hold">
+                      <p:stCondLst>
+                        <p:cond delay="indefinite"/>
+                      </p:stCondLst>
+                      <p:childTnLst>
+                        <p:par>
+                          <p:cTn id="12" fill="hold">
+                            <p:stCondLst>
+                              <p:cond delay="0"/>
+                            </p:stCondLst>
+                            <p:childTnLst>
+                              <p:par>
+                                <p:cTn id="13" presetID="10" presetClass="entr" presetSubtype="0" fill="hold" grpId="0" nodeType="clickEffect">
+                                  <p:stCondLst>
+                                    <p:cond delay="0"/>
+                                  </p:stCondLst>
+                                  <p:childTnLst>
+                                    <p:set>
+                                      <p:cBhvr>
+                                        <p:cTn id="14" dur="1" fill="hold">
                                           <p:stCondLst>
                                             <p:cond delay="0"/>
                                           </p:stCondLst>
@@ -14011,7 +14100,7 @@
                                     </p:set>
                                     <p:animEffect transition="in" filter="fade">
                                       <p:cBhvr>
-                                        <p:cTn id="7" dur="500"/>
+                                        <p:cTn id="15" dur="500"/>
                                         <p:tgtEl>
                                           <p:spTgt spid="10"/>
                                         </p:tgtEl>
@@ -14020,33 +14109,15 @@
                                   </p:childTnLst>
                                 </p:cTn>
                               </p:par>
-                            </p:childTnLst>
-                          </p:cTn>
-                        </p:par>
-                      </p:childTnLst>
-                    </p:cTn>
-                  </p:par>
-                  <p:par>
-                    <p:cTn id="8" fill="hold">
-                      <p:stCondLst>
-                        <p:cond delay="indefinite"/>
-                      </p:stCondLst>
-                      <p:childTnLst>
-                        <p:par>
-                          <p:cTn id="9" fill="hold">
-                            <p:stCondLst>
-                              <p:cond delay="0"/>
-                            </p:stCondLst>
-                            <p:childTnLst>
                               <p:par>
-                                <p:cTn id="10" presetID="10" presetClass="entr" presetSubtype="0" fill="hold" grpId="0" nodeType="clickEffect">
+                                <p:cTn id="16" presetID="10" presetClass="entr" presetSubtype="0" fill="hold" grpId="0" nodeType="withEffect">
                                   <p:stCondLst>
                                     <p:cond delay="0"/>
                                   </p:stCondLst>
                                   <p:childTnLst>
                                     <p:set>
                                       <p:cBhvr>
-                                        <p:cTn id="11" dur="1" fill="hold">
+                                        <p:cTn id="17" dur="1" fill="hold">
                                           <p:stCondLst>
                                             <p:cond delay="0"/>
                                           </p:stCondLst>
@@ -14064,7 +14135,7 @@
                                     </p:set>
                                     <p:animEffect transition="in" filter="fade">
                                       <p:cBhvr>
-                                        <p:cTn id="12" dur="500"/>
+                                        <p:cTn id="18" dur="500"/>
                                         <p:tgtEl>
                                           <p:spTgt spid="11"/>
                                         </p:tgtEl>
@@ -14073,68 +14144,15 @@
                                   </p:childTnLst>
                                 </p:cTn>
                               </p:par>
-                            </p:childTnLst>
-                          </p:cTn>
-                        </p:par>
-                      </p:childTnLst>
-                    </p:cTn>
-                  </p:par>
-                  <p:par>
-                    <p:cTn id="13" fill="hold">
-                      <p:stCondLst>
-                        <p:cond delay="indefinite"/>
-                      </p:stCondLst>
-                      <p:childTnLst>
-                        <p:par>
-                          <p:cTn id="14" fill="hold">
-                            <p:stCondLst>
-                              <p:cond delay="0"/>
-                            </p:stCondLst>
-                            <p:childTnLst>
                               <p:par>
-                                <p:cTn id="15" presetID="10" presetClass="entr" presetSubtype="0" fill="hold" nodeType="clickEffect">
+                                <p:cTn id="19" presetID="10" presetClass="entr" presetSubtype="0" fill="hold" grpId="0" nodeType="withEffect">
                                   <p:stCondLst>
                                     <p:cond delay="0"/>
                                   </p:stCondLst>
                                   <p:childTnLst>
                                     <p:set>
                                       <p:cBhvr>
-                                        <p:cTn id="16" dur="1" fill="hold">
-                                          <p:stCondLst>
-                                            <p:cond delay="0"/>
-                                          </p:stCondLst>
-                                        </p:cTn>
-                                        <p:tgtEl>
-                                          <p:spTgt spid="2053"/>
-                                        </p:tgtEl>
-                                        <p:attrNameLst>
-                                          <p:attrName>style.visibility</p:attrName>
-                                        </p:attrNameLst>
-                                      </p:cBhvr>
-                                      <p:to>
-                                        <p:strVal val="visible"/>
-                                      </p:to>
-                                    </p:set>
-                                    <p:animEffect transition="in" filter="fade">
-                                      <p:cBhvr>
-                                        <p:cTn id="17" dur="500"/>
-                                        <p:tgtEl>
-                                          <p:spTgt spid="2053"/>
-                                        </p:tgtEl>
-                                      </p:cBhvr>
-                                    </p:animEffect>
-                                  </p:childTnLst>
-                                </p:cTn>
-                              </p:par>
-                              <p:par>
-                                <p:cTn id="18" presetID="10" presetClass="entr" presetSubtype="0" fill="hold" grpId="0" nodeType="withEffect">
-                                  <p:stCondLst>
-                                    <p:cond delay="0"/>
-                                  </p:stCondLst>
-                                  <p:childTnLst>
-                                    <p:set>
-                                      <p:cBhvr>
-                                        <p:cTn id="19" dur="1" fill="hold">
+                                        <p:cTn id="20" dur="1" fill="hold">
                                           <p:stCondLst>
                                             <p:cond delay="0"/>
                                           </p:stCondLst>
@@ -14152,7 +14170,7 @@
                                     </p:set>
                                     <p:animEffect transition="in" filter="fade">
                                       <p:cBhvr>
-                                        <p:cTn id="20" dur="500"/>
+                                        <p:cTn id="21" dur="500"/>
                                         <p:tgtEl>
                                           <p:spTgt spid="2"/>
                                         </p:tgtEl>
@@ -14161,33 +14179,15 @@
                                   </p:childTnLst>
                                 </p:cTn>
                               </p:par>
-                            </p:childTnLst>
-                          </p:cTn>
-                        </p:par>
-                      </p:childTnLst>
-                    </p:cTn>
-                  </p:par>
-                  <p:par>
-                    <p:cTn id="21" fill="hold">
-                      <p:stCondLst>
-                        <p:cond delay="indefinite"/>
-                      </p:stCondLst>
-                      <p:childTnLst>
-                        <p:par>
-                          <p:cTn id="22" fill="hold">
-                            <p:stCondLst>
-                              <p:cond delay="0"/>
-                            </p:stCondLst>
-                            <p:childTnLst>
                               <p:par>
-                                <p:cTn id="23" presetID="6" presetClass="emph" presetSubtype="0" fill="hold" grpId="1" nodeType="clickEffect">
+                                <p:cTn id="22" presetID="6" presetClass="emph" presetSubtype="0" fill="hold" grpId="1" nodeType="withEffect">
                                   <p:stCondLst>
                                     <p:cond delay="0"/>
                                   </p:stCondLst>
                                   <p:childTnLst>
                                     <p:animScale>
                                       <p:cBhvr>
-                                        <p:cTn id="24" dur="2000" fill="hold"/>
+                                        <p:cTn id="23" dur="2000" fill="hold"/>
                                         <p:tgtEl>
                                           <p:spTgt spid="10"/>
                                         </p:tgtEl>
@@ -14198,14 +14198,14 @@
                                 </p:cTn>
                               </p:par>
                               <p:par>
-                                <p:cTn id="25" presetID="6" presetClass="emph" presetSubtype="0" fill="hold" grpId="1" nodeType="withEffect">
+                                <p:cTn id="24" presetID="6" presetClass="emph" presetSubtype="0" fill="hold" grpId="1" nodeType="withEffect">
                                   <p:stCondLst>
                                     <p:cond delay="0"/>
                                   </p:stCondLst>
                                   <p:childTnLst>
                                     <p:animScale>
                                       <p:cBhvr>
-                                        <p:cTn id="26" dur="2000" fill="hold"/>
+                                        <p:cTn id="25" dur="2000" fill="hold"/>
                                         <p:tgtEl>
                                           <p:spTgt spid="2"/>
                                         </p:tgtEl>
@@ -17758,6 +17758,118 @@
           <a:chExt cx="0" cy="0"/>
         </a:xfrm>
       </p:grpSpPr>
+      <p:pic>
+        <p:nvPicPr>
+          <p:cNvPr id="2050" name="Picture 2" descr="C:\Users\Antonio\Desktop\GreenFieldEngineering.png"/>
+          <p:cNvPicPr>
+            <a:picLocks noChangeAspect="1" noChangeArrowheads="1"/>
+          </p:cNvPicPr>
+          <p:nvPr/>
+        </p:nvPicPr>
+        <p:blipFill>
+          <a:blip r:embed="rId2"/>
+          <a:srcRect/>
+          <a:stretch>
+            <a:fillRect/>
+          </a:stretch>
+        </p:blipFill>
+        <p:spPr bwMode="auto">
+          <a:xfrm>
+            <a:off x="0" y="0"/>
+            <a:ext cx="9144000" cy="6858000"/>
+          </a:xfrm>
+          <a:prstGeom prst="rect">
+            <a:avLst/>
+          </a:prstGeom>
+          <a:ln>
+            <a:noFill/>
+          </a:ln>
+          <a:effectLst>
+            <a:outerShdw blurRad="292100" dist="139700" dir="2700000" algn="tl" rotWithShape="0">
+              <a:srgbClr val="333333">
+                <a:alpha val="65000"/>
+              </a:srgbClr>
+            </a:outerShdw>
+          </a:effectLst>
+        </p:spPr>
+      </p:pic>
+      <p:sp>
+        <p:nvSpPr>
+          <p:cNvPr id="3" name="CasellaDiTesto 1"/>
+          <p:cNvSpPr txBox="1"/>
+          <p:nvPr/>
+        </p:nvSpPr>
+        <p:spPr>
+          <a:xfrm>
+            <a:off x="0" y="-10060"/>
+            <a:ext cx="9143999" cy="1292662"/>
+          </a:xfrm>
+          <a:prstGeom prst="rect">
+            <a:avLst/>
+          </a:prstGeom>
+          <a:noFill/>
+        </p:spPr>
+        <p:txBody>
+          <a:bodyPr wrap="square" rtlCol="0">
+            <a:spAutoFit/>
+          </a:bodyPr>
+          <a:lstStyle/>
+          <a:p>
+            <a:pPr algn="ctr"/>
+            <a:r>
+              <a:rPr lang="it-IT" sz="4800" b="1" dirty="0" smtClean="0">
+                <a:latin typeface="+mj-lt"/>
+              </a:rPr>
+              <a:t>Questionari</a:t>
+            </a:r>
+          </a:p>
+          <a:p>
+            <a:pPr algn="ctr"/>
+            <a:r>
+              <a:rPr lang="it-IT" sz="3000" b="1" dirty="0" smtClean="0">
+                <a:latin typeface="+mj-lt"/>
+              </a:rPr>
+              <a:t>Green Field Engineering</a:t>
+            </a:r>
+            <a:endParaRPr lang="it-IT" sz="3000" b="1" dirty="0"/>
+          </a:p>
+        </p:txBody>
+      </p:sp>
+    </p:spTree>
+  </p:cSld>
+  <p:clrMapOvr>
+    <a:masterClrMapping/>
+  </p:clrMapOvr>
+  <p:transition>
+    <p:fade thruBlk="1"/>
+  </p:transition>
+  <p:timing>
+    <p:tnLst>
+      <p:par>
+        <p:cTn id="1" dur="indefinite" restart="never" nodeType="tmRoot"/>
+      </p:par>
+    </p:tnLst>
+  </p:timing>
+</p:sld>
+</file>
+
+<file path=ppt/slides/slide22.xml><?xml version="1.0" encoding="utf-8"?>
+<p:sld xmlns:a="http://schemas.openxmlformats.org/drawingml/2006/main" xmlns:r="http://schemas.openxmlformats.org/officeDocument/2006/relationships" xmlns:p="http://schemas.openxmlformats.org/presentationml/2006/main">
+  <p:cSld>
+    <p:spTree>
+      <p:nvGrpSpPr>
+        <p:cNvPr id="1" name=""/>
+        <p:cNvGrpSpPr/>
+        <p:nvPr/>
+      </p:nvGrpSpPr>
+      <p:grpSpPr>
+        <a:xfrm>
+          <a:off x="0" y="0"/>
+          <a:ext cx="0" cy="0"/>
+          <a:chOff x="0" y="0"/>
+          <a:chExt cx="0" cy="0"/>
+        </a:xfrm>
+      </p:grpSpPr>
       <p:sp>
         <p:nvSpPr>
           <p:cNvPr id="2" name="CasellaDiTesto 1"/>
@@ -18271,7 +18383,7 @@
 </p:sld>
 </file>
 
-<file path=ppt/slides/slide22.xml><?xml version="1.0" encoding="utf-8"?>
+<file path=ppt/slides/slide23.xml><?xml version="1.0" encoding="utf-8"?>
 <p:sld xmlns:a="http://schemas.openxmlformats.org/drawingml/2006/main" xmlns:r="http://schemas.openxmlformats.org/officeDocument/2006/relationships" xmlns:p="http://schemas.openxmlformats.org/presentationml/2006/main">
   <p:cSld>
     <p:spTree>
@@ -19197,7 +19309,7 @@
 </p:sld>
 </file>
 
-<file path=ppt/slides/slide23.xml><?xml version="1.0" encoding="utf-8"?>
+<file path=ppt/slides/slide24.xml><?xml version="1.0" encoding="utf-8"?>
 <p:sld xmlns:a="http://schemas.openxmlformats.org/drawingml/2006/main" xmlns:r="http://schemas.openxmlformats.org/officeDocument/2006/relationships" xmlns:p="http://schemas.openxmlformats.org/presentationml/2006/main">
   <p:cSld>
     <p:spTree>
@@ -19821,7 +19933,7 @@
 </p:sld>
 </file>
 
-<file path=ppt/slides/slide24.xml><?xml version="1.0" encoding="utf-8"?>
+<file path=ppt/slides/slide25.xml><?xml version="1.0" encoding="utf-8"?>
 <p:sld xmlns:a="http://schemas.openxmlformats.org/drawingml/2006/main" xmlns:r="http://schemas.openxmlformats.org/officeDocument/2006/relationships" xmlns:p="http://schemas.openxmlformats.org/presentationml/2006/main">
   <p:cSld>
     <p:spTree>
@@ -20888,7 +21000,7 @@
 </p:sld>
 </file>
 
-<file path=ppt/slides/slide25.xml><?xml version="1.0" encoding="utf-8"?>
+<file path=ppt/slides/slide26.xml><?xml version="1.0" encoding="utf-8"?>
 <p:sld xmlns:a="http://schemas.openxmlformats.org/drawingml/2006/main" xmlns:r="http://schemas.openxmlformats.org/officeDocument/2006/relationships" xmlns:p="http://schemas.openxmlformats.org/presentationml/2006/main">
   <p:cSld>
     <p:spTree>
@@ -21417,7 +21529,7 @@
 </p:sld>
 </file>
 
-<file path=ppt/slides/slide26.xml><?xml version="1.0" encoding="utf-8"?>
+<file path=ppt/slides/slide27.xml><?xml version="1.0" encoding="utf-8"?>
 <p:sld xmlns:a="http://schemas.openxmlformats.org/drawingml/2006/main" xmlns:r="http://schemas.openxmlformats.org/officeDocument/2006/relationships" xmlns:p="http://schemas.openxmlformats.org/presentationml/2006/main">
   <p:cSld>
     <p:spTree>
@@ -21557,7 +21669,7 @@
 </p:sld>
 </file>
 
-<file path=ppt/slides/slide27.xml><?xml version="1.0" encoding="utf-8"?>
+<file path=ppt/slides/slide28.xml><?xml version="1.0" encoding="utf-8"?>
 <p:sld xmlns:a="http://schemas.openxmlformats.org/drawingml/2006/main" xmlns:r="http://schemas.openxmlformats.org/officeDocument/2006/relationships" xmlns:p="http://schemas.openxmlformats.org/presentationml/2006/main">
   <p:cSld>
     <p:spTree>
@@ -22114,7 +22226,7 @@
 </p:sld>
 </file>
 
-<file path=ppt/slides/slide28.xml><?xml version="1.0" encoding="utf-8"?>
+<file path=ppt/slides/slide29.xml><?xml version="1.0" encoding="utf-8"?>
 <p:sld xmlns:a="http://schemas.openxmlformats.org/drawingml/2006/main" xmlns:r="http://schemas.openxmlformats.org/officeDocument/2006/relationships" xmlns:p="http://schemas.openxmlformats.org/presentationml/2006/main">
   <p:cSld>
     <p:spTree>
@@ -23173,7 +23285,497 @@
 </p:sld>
 </file>
 
-<file path=ppt/slides/slide29.xml><?xml version="1.0" encoding="utf-8"?>
+<file path=ppt/slides/slide3.xml><?xml version="1.0" encoding="utf-8"?>
+<p:sld xmlns:a="http://schemas.openxmlformats.org/drawingml/2006/main" xmlns:r="http://schemas.openxmlformats.org/officeDocument/2006/relationships" xmlns:p="http://schemas.openxmlformats.org/presentationml/2006/main">
+  <p:cSld>
+    <p:spTree>
+      <p:nvGrpSpPr>
+        <p:cNvPr id="1" name=""/>
+        <p:cNvGrpSpPr/>
+        <p:nvPr/>
+      </p:nvGrpSpPr>
+      <p:grpSpPr>
+        <a:xfrm>
+          <a:off x="0" y="0"/>
+          <a:ext cx="0" cy="0"/>
+          <a:chOff x="0" y="0"/>
+          <a:chExt cx="0" cy="0"/>
+        </a:xfrm>
+      </p:grpSpPr>
+      <p:sp>
+        <p:nvSpPr>
+          <p:cNvPr id="3" name="CasellaDiTesto 1"/>
+          <p:cNvSpPr txBox="1"/>
+          <p:nvPr/>
+        </p:nvSpPr>
+        <p:spPr>
+          <a:xfrm>
+            <a:off x="0" y="428604"/>
+            <a:ext cx="9144000" cy="1107996"/>
+          </a:xfrm>
+          <a:prstGeom prst="rect">
+            <a:avLst/>
+          </a:prstGeom>
+          <a:noFill/>
+        </p:spPr>
+        <p:txBody>
+          <a:bodyPr wrap="square" rtlCol="0">
+            <a:spAutoFit/>
+          </a:bodyPr>
+          <a:lstStyle/>
+          <a:p>
+            <a:pPr algn="ctr"/>
+            <a:r>
+              <a:rPr lang="it-IT" sz="4800" b="1" dirty="0" smtClean="0">
+                <a:latin typeface="+mj-lt"/>
+              </a:rPr>
+              <a:t>Scenari identificativi del sistema</a:t>
+            </a:r>
+            <a:endParaRPr lang="it-IT" sz="2800" b="1" dirty="0" smtClean="0">
+              <a:latin typeface="+mj-lt"/>
+            </a:endParaRPr>
+          </a:p>
+          <a:p>
+            <a:pPr algn="ctr"/>
+            <a:endParaRPr lang="it-IT" dirty="0">
+              <a:latin typeface="+mj-lt"/>
+            </a:endParaRPr>
+          </a:p>
+        </p:txBody>
+      </p:sp>
+      <p:graphicFrame>
+        <p:nvGraphicFramePr>
+          <p:cNvPr id="4" name="Table 3"/>
+          <p:cNvGraphicFramePr>
+            <a:graphicFrameLocks noGrp="1"/>
+          </p:cNvGraphicFramePr>
+          <p:nvPr>
+            <p:extLst>
+              <p:ext uri="{D42A27DB-BD31-4B8C-83A1-F6EECF244321}">
+                <p14:modId xmlns:p14="http://schemas.microsoft.com/office/powerpoint/2010/main" xmlns="" val="3382119601"/>
+              </p:ext>
+            </p:extLst>
+          </p:nvPr>
+        </p:nvGraphicFramePr>
+        <p:xfrm>
+          <a:off x="0" y="1285860"/>
+          <a:ext cx="9144000" cy="5212080"/>
+        </p:xfrm>
+        <a:graphic>
+          <a:graphicData uri="http://schemas.openxmlformats.org/drawingml/2006/table">
+            <a:tbl>
+              <a:tblPr firstRow="1" bandRow="1">
+                <a:tableStyleId>{5C22544A-7EE6-4342-B048-85BDC9FD1C3A}</a:tableStyleId>
+              </a:tblPr>
+              <a:tblGrid>
+                <a:gridCol w="2434119"/>
+                <a:gridCol w="6709881"/>
+              </a:tblGrid>
+              <a:tr h="320844">
+                <a:tc>
+                  <a:txBody>
+                    <a:bodyPr/>
+                    <a:lstStyle/>
+                    <a:p>
+                      <a:r>
+                        <a:rPr lang="it-IT" b="1" dirty="0" smtClean="0"/>
+                        <a:t>Nome Scenario</a:t>
+                      </a:r>
+                      <a:endParaRPr lang="it-IT" b="1" dirty="0"/>
+                    </a:p>
+                  </a:txBody>
+                  <a:tcPr/>
+                </a:tc>
+                <a:tc>
+                  <a:txBody>
+                    <a:bodyPr/>
+                    <a:lstStyle/>
+                    <a:p>
+                      <a:pPr marL="0" marR="0" indent="0" algn="l" defTabSz="914400" rtl="0" eaLnBrk="1" fontAlgn="auto" latinLnBrk="0" hangingPunct="1">
+                        <a:lnSpc>
+                          <a:spcPct val="100000"/>
+                        </a:lnSpc>
+                        <a:spcBef>
+                          <a:spcPts val="0"/>
+                        </a:spcBef>
+                        <a:spcAft>
+                          <a:spcPts val="0"/>
+                        </a:spcAft>
+                        <a:buClrTx/>
+                        <a:buSzTx/>
+                        <a:buFontTx/>
+                        <a:buNone/>
+                        <a:tabLst/>
+                        <a:defRPr/>
+                      </a:pPr>
+                      <a:r>
+                        <a:rPr kumimoji="0" lang="it-IT" sz="1800" b="0" kern="1200" dirty="0" smtClean="0">
+                          <a:solidFill>
+                            <a:schemeClr val="lt1"/>
+                          </a:solidFill>
+                          <a:latin typeface="+mn-lt"/>
+                          <a:ea typeface="+mn-ea"/>
+                          <a:cs typeface="+mn-cs"/>
+                        </a:rPr>
+                        <a:t>Compilazione Questionario</a:t>
+                      </a:r>
+                    </a:p>
+                  </a:txBody>
+                  <a:tcPr/>
+                </a:tc>
+              </a:tr>
+              <a:tr h="320844">
+                <a:tc>
+                  <a:txBody>
+                    <a:bodyPr/>
+                    <a:lstStyle/>
+                    <a:p>
+                      <a:r>
+                        <a:rPr lang="it-IT" b="1" dirty="0" smtClean="0"/>
+                        <a:t>Attori partecipanti</a:t>
+                      </a:r>
+                      <a:endParaRPr lang="it-IT" b="1" dirty="0"/>
+                    </a:p>
+                  </a:txBody>
+                  <a:tcPr/>
+                </a:tc>
+                <a:tc>
+                  <a:txBody>
+                    <a:bodyPr/>
+                    <a:lstStyle/>
+                    <a:p>
+                      <a:pPr marL="0" marR="0" indent="0" algn="l" defTabSz="914400" rtl="0" eaLnBrk="1" fontAlgn="auto" latinLnBrk="0" hangingPunct="1">
+                        <a:lnSpc>
+                          <a:spcPct val="100000"/>
+                        </a:lnSpc>
+                        <a:spcBef>
+                          <a:spcPts val="0"/>
+                        </a:spcBef>
+                        <a:spcAft>
+                          <a:spcPts val="0"/>
+                        </a:spcAft>
+                        <a:buClrTx/>
+                        <a:buSzTx/>
+                        <a:buFontTx/>
+                        <a:buNone/>
+                        <a:tabLst/>
+                        <a:defRPr/>
+                      </a:pPr>
+                      <a:r>
+                        <a:rPr kumimoji="0" lang="it-IT" sz="1800" kern="1200" dirty="0" smtClean="0">
+                          <a:solidFill>
+                            <a:schemeClr val="dk1"/>
+                          </a:solidFill>
+                          <a:latin typeface="+mn-lt"/>
+                          <a:ea typeface="+mn-ea"/>
+                          <a:cs typeface="+mn-cs"/>
+                        </a:rPr>
+                        <a:t>Giovanna: Genitore</a:t>
+                      </a:r>
+                    </a:p>
+                  </a:txBody>
+                  <a:tcPr/>
+                </a:tc>
+              </a:tr>
+              <a:tr h="3930343">
+                <a:tc>
+                  <a:txBody>
+                    <a:bodyPr/>
+                    <a:lstStyle/>
+                    <a:p>
+                      <a:r>
+                        <a:rPr lang="it-IT" b="1" dirty="0" smtClean="0"/>
+                        <a:t>Flusso degli eventi</a:t>
+                      </a:r>
+                      <a:endParaRPr lang="it-IT" b="1" dirty="0"/>
+                    </a:p>
+                  </a:txBody>
+                  <a:tcPr/>
+                </a:tc>
+                <a:tc>
+                  <a:txBody>
+                    <a:bodyPr/>
+                    <a:lstStyle/>
+                    <a:p>
+                      <a:pPr marL="342900" marR="0" lvl="0" indent="-342900" algn="l" defTabSz="914400" rtl="0" eaLnBrk="1" fontAlgn="auto" latinLnBrk="0" hangingPunct="1">
+                        <a:lnSpc>
+                          <a:spcPct val="100000"/>
+                        </a:lnSpc>
+                        <a:spcBef>
+                          <a:spcPts val="0"/>
+                        </a:spcBef>
+                        <a:spcAft>
+                          <a:spcPts val="0"/>
+                        </a:spcAft>
+                        <a:buClrTx/>
+                        <a:buSzTx/>
+                        <a:buFont typeface="+mj-lt"/>
+                        <a:buAutoNum type="arabicPeriod"/>
+                        <a:tabLst/>
+                        <a:defRPr/>
+                      </a:pPr>
+                      <a:r>
+                        <a:rPr lang="it-IT" dirty="0" smtClean="0"/>
+                        <a:t>Giovanna è mamma di un bambino all'asilo e chiacchierando con le altre mamme ha saputo che c'è un nuovo questionario disponibile riguardante il servizio mensa che ancora non ha compilato.</a:t>
+                      </a:r>
+                    </a:p>
+                    <a:p>
+                      <a:pPr marL="342900" marR="0" lvl="0" indent="-342900" algn="l" defTabSz="914400" rtl="0" eaLnBrk="1" fontAlgn="auto" latinLnBrk="0" hangingPunct="1">
+                        <a:lnSpc>
+                          <a:spcPct val="100000"/>
+                        </a:lnSpc>
+                        <a:spcBef>
+                          <a:spcPts val="0"/>
+                        </a:spcBef>
+                        <a:spcAft>
+                          <a:spcPts val="0"/>
+                        </a:spcAft>
+                        <a:buClrTx/>
+                        <a:buSzTx/>
+                        <a:buFont typeface="+mj-lt"/>
+                        <a:buAutoNum type="arabicPeriod"/>
+                        <a:tabLst/>
+                        <a:defRPr/>
+                      </a:pPr>
+                      <a:r>
+                        <a:rPr lang="it-IT" dirty="0" smtClean="0"/>
+                        <a:t>Giovanna si collega ad @silo e dopo aver effettuato il login, clicca su Questionari. </a:t>
+                      </a:r>
+                    </a:p>
+                    <a:p>
+                      <a:pPr marL="342900" marR="0" lvl="0" indent="-342900" algn="l" defTabSz="914400" rtl="0" eaLnBrk="1" fontAlgn="auto" latinLnBrk="0" hangingPunct="1">
+                        <a:lnSpc>
+                          <a:spcPct val="100000"/>
+                        </a:lnSpc>
+                        <a:spcBef>
+                          <a:spcPts val="0"/>
+                        </a:spcBef>
+                        <a:spcAft>
+                          <a:spcPts val="0"/>
+                        </a:spcAft>
+                        <a:buClrTx/>
+                        <a:buSzTx/>
+                        <a:buFont typeface="+mj-lt"/>
+                        <a:buAutoNum type="arabicPeriod"/>
+                        <a:tabLst/>
+                        <a:defRPr/>
+                      </a:pPr>
+                      <a:r>
+                        <a:rPr lang="it-IT" dirty="0" smtClean="0"/>
+                        <a:t>Giovanna seleziona Questionario qualità Mensa.</a:t>
+                      </a:r>
+                    </a:p>
+                    <a:p>
+                      <a:pPr marL="800100" marR="0" lvl="1" indent="-342900" algn="l" defTabSz="914400" rtl="0" eaLnBrk="1" fontAlgn="auto" latinLnBrk="0" hangingPunct="1">
+                        <a:lnSpc>
+                          <a:spcPct val="100000"/>
+                        </a:lnSpc>
+                        <a:spcBef>
+                          <a:spcPts val="0"/>
+                        </a:spcBef>
+                        <a:spcAft>
+                          <a:spcPts val="0"/>
+                        </a:spcAft>
+                        <a:buClrTx/>
+                        <a:buSzTx/>
+                        <a:buFont typeface="+mj-lt"/>
+                        <a:buAutoNum type="arabicPeriod" startAt="4"/>
+                        <a:tabLst/>
+                        <a:defRPr/>
+                      </a:pPr>
+                      <a:r>
+                        <a:rPr lang="it-IT" dirty="0" smtClean="0"/>
+                        <a:t>Il sistema mostra a</a:t>
+                      </a:r>
+                      <a:r>
+                        <a:rPr lang="it-IT" baseline="0" dirty="0" smtClean="0"/>
+                        <a:t> Giovanna </a:t>
+                      </a:r>
+                      <a:r>
+                        <a:rPr lang="it-IT" dirty="0" smtClean="0"/>
+                        <a:t>il questionario da compilare.</a:t>
+                      </a:r>
+                    </a:p>
+                    <a:p>
+                      <a:pPr marL="342900" marR="0" lvl="0" indent="-342900" algn="l" defTabSz="914400" rtl="0" eaLnBrk="1" fontAlgn="auto" latinLnBrk="0" hangingPunct="1">
+                        <a:lnSpc>
+                          <a:spcPct val="100000"/>
+                        </a:lnSpc>
+                        <a:spcBef>
+                          <a:spcPts val="0"/>
+                        </a:spcBef>
+                        <a:spcAft>
+                          <a:spcPts val="0"/>
+                        </a:spcAft>
+                        <a:buClrTx/>
+                        <a:buSzTx/>
+                        <a:buFont typeface="+mj-lt"/>
+                        <a:buAutoNum type="arabicPeriod" startAt="5"/>
+                        <a:tabLst/>
+                        <a:defRPr/>
+                      </a:pPr>
+                      <a:r>
+                        <a:rPr lang="it-IT" dirty="0" smtClean="0"/>
+                        <a:t>Giovanna salta le domande relative ai propri dati personali perché già compilate e risponde alle altre domande</a:t>
+                      </a:r>
+                    </a:p>
+                    <a:p>
+                      <a:pPr marL="342900" marR="0" lvl="0" indent="-342900" algn="l" defTabSz="914400" rtl="0" eaLnBrk="1" fontAlgn="auto" latinLnBrk="0" hangingPunct="1">
+                        <a:lnSpc>
+                          <a:spcPct val="100000"/>
+                        </a:lnSpc>
+                        <a:spcBef>
+                          <a:spcPts val="0"/>
+                        </a:spcBef>
+                        <a:spcAft>
+                          <a:spcPts val="0"/>
+                        </a:spcAft>
+                        <a:buClrTx/>
+                        <a:buSzTx/>
+                        <a:buFont typeface="+mj-lt"/>
+                        <a:buAutoNum type="arabicPeriod" startAt="5"/>
+                        <a:tabLst/>
+                        <a:defRPr/>
+                      </a:pPr>
+                      <a:r>
+                        <a:rPr lang="it-IT" dirty="0" smtClean="0"/>
+                        <a:t>Giovanna sottomette il questionario.</a:t>
+                      </a:r>
+                    </a:p>
+                    <a:p>
+                      <a:pPr marL="800100" marR="0" lvl="1" indent="-342900" algn="l" defTabSz="914400" rtl="0" eaLnBrk="1" fontAlgn="auto" latinLnBrk="0" hangingPunct="1">
+                        <a:lnSpc>
+                          <a:spcPct val="100000"/>
+                        </a:lnSpc>
+                        <a:spcBef>
+                          <a:spcPts val="0"/>
+                        </a:spcBef>
+                        <a:spcAft>
+                          <a:spcPts val="0"/>
+                        </a:spcAft>
+                        <a:buClrTx/>
+                        <a:buSzTx/>
+                        <a:buFont typeface="+mj-lt"/>
+                        <a:buNone/>
+                        <a:tabLst/>
+                        <a:defRPr/>
+                      </a:pPr>
+                      <a:r>
+                        <a:rPr lang="it-IT" dirty="0" smtClean="0"/>
+                        <a:t>7.    Il sistema mostra un messaggio con scritto “Grazie per aver compilato il questionario”.</a:t>
+                      </a:r>
+                    </a:p>
+                    <a:p>
+                      <a:pPr marL="342900" marR="0" lvl="0" indent="-342900" algn="l" defTabSz="914400" rtl="0" eaLnBrk="1" fontAlgn="auto" latinLnBrk="0" hangingPunct="1">
+                        <a:lnSpc>
+                          <a:spcPct val="100000"/>
+                        </a:lnSpc>
+                        <a:spcBef>
+                          <a:spcPts val="0"/>
+                        </a:spcBef>
+                        <a:spcAft>
+                          <a:spcPts val="0"/>
+                        </a:spcAft>
+                        <a:buClrTx/>
+                        <a:buSzTx/>
+                        <a:buFont typeface="+mj-lt"/>
+                        <a:buAutoNum type="arabicPeriod" startAt="5"/>
+                        <a:tabLst/>
+                        <a:defRPr/>
+                      </a:pPr>
+                      <a:endParaRPr lang="it-IT" dirty="0" smtClean="0"/>
+                    </a:p>
+                    <a:p>
+                      <a:pPr marL="342900" marR="0" lvl="0" indent="-342900" algn="l" defTabSz="914400" rtl="0" eaLnBrk="1" fontAlgn="auto" latinLnBrk="0" hangingPunct="1">
+                        <a:lnSpc>
+                          <a:spcPct val="100000"/>
+                        </a:lnSpc>
+                        <a:spcBef>
+                          <a:spcPts val="0"/>
+                        </a:spcBef>
+                        <a:spcAft>
+                          <a:spcPts val="0"/>
+                        </a:spcAft>
+                        <a:buClrTx/>
+                        <a:buSzTx/>
+                        <a:buFont typeface="+mj-lt"/>
+                        <a:buAutoNum type="arabicPeriod"/>
+                        <a:tabLst/>
+                        <a:defRPr/>
+                      </a:pPr>
+                      <a:endParaRPr lang="it-IT" dirty="0" smtClean="0"/>
+                    </a:p>
+                    <a:p>
+                      <a:pPr marL="342900" lvl="0" indent="-342900" algn="l">
+                        <a:buFont typeface="+mj-lt"/>
+                        <a:buAutoNum type="arabicPeriod"/>
+                      </a:pPr>
+                      <a:endParaRPr lang="it-IT" dirty="0"/>
+                    </a:p>
+                  </a:txBody>
+                  <a:tcPr/>
+                </a:tc>
+              </a:tr>
+            </a:tbl>
+          </a:graphicData>
+        </a:graphic>
+      </p:graphicFrame>
+      <p:sp>
+        <p:nvSpPr>
+          <p:cNvPr id="5" name="CasellaDiTesto 4"/>
+          <p:cNvSpPr txBox="1"/>
+          <p:nvPr/>
+        </p:nvSpPr>
+        <p:spPr>
+          <a:xfrm>
+            <a:off x="1428728" y="6488668"/>
+            <a:ext cx="6176884" cy="400110"/>
+          </a:xfrm>
+          <a:prstGeom prst="rect">
+            <a:avLst/>
+          </a:prstGeom>
+          <a:noFill/>
+        </p:spPr>
+        <p:txBody>
+          <a:bodyPr wrap="none" rtlCol="0">
+            <a:spAutoFit/>
+          </a:bodyPr>
+          <a:lstStyle/>
+          <a:p>
+            <a:r>
+              <a:rPr lang="it-IT" sz="2000" b="1" dirty="0" smtClean="0">
+                <a:solidFill>
+                  <a:schemeClr val="accent5">
+                    <a:lumMod val="50000"/>
+                  </a:schemeClr>
+                </a:solidFill>
+              </a:rPr>
+              <a:t>Tracciabilità Nome file</a:t>
+            </a:r>
+            <a:r>
+              <a:rPr lang="it-IT" b="1" dirty="0" smtClean="0"/>
+              <a:t>: SC_H_49_Compilazione questionario</a:t>
+            </a:r>
+            <a:endParaRPr lang="it-IT" b="1" dirty="0"/>
+          </a:p>
+        </p:txBody>
+      </p:sp>
+    </p:spTree>
+  </p:cSld>
+  <p:clrMapOvr>
+    <a:masterClrMapping/>
+  </p:clrMapOvr>
+  <p:timing>
+    <p:tnLst>
+      <p:par>
+        <p:cTn id="1" dur="indefinite" restart="never" nodeType="tmRoot"/>
+      </p:par>
+    </p:tnLst>
+  </p:timing>
+</p:sld>
+</file>
+
+<file path=ppt/slides/slide30.xml><?xml version="1.0" encoding="utf-8"?>
 <p:sld xmlns:a="http://schemas.openxmlformats.org/drawingml/2006/main" xmlns:r="http://schemas.openxmlformats.org/officeDocument/2006/relationships" xmlns:p="http://schemas.openxmlformats.org/presentationml/2006/main">
   <p:cSld>
     <p:spTree>
@@ -24075,497 +24677,7 @@
 </p:sld>
 </file>
 
-<file path=ppt/slides/slide3.xml><?xml version="1.0" encoding="utf-8"?>
-<p:sld xmlns:a="http://schemas.openxmlformats.org/drawingml/2006/main" xmlns:r="http://schemas.openxmlformats.org/officeDocument/2006/relationships" xmlns:p="http://schemas.openxmlformats.org/presentationml/2006/main">
-  <p:cSld>
-    <p:spTree>
-      <p:nvGrpSpPr>
-        <p:cNvPr id="1" name=""/>
-        <p:cNvGrpSpPr/>
-        <p:nvPr/>
-      </p:nvGrpSpPr>
-      <p:grpSpPr>
-        <a:xfrm>
-          <a:off x="0" y="0"/>
-          <a:ext cx="0" cy="0"/>
-          <a:chOff x="0" y="0"/>
-          <a:chExt cx="0" cy="0"/>
-        </a:xfrm>
-      </p:grpSpPr>
-      <p:sp>
-        <p:nvSpPr>
-          <p:cNvPr id="3" name="CasellaDiTesto 1"/>
-          <p:cNvSpPr txBox="1"/>
-          <p:nvPr/>
-        </p:nvSpPr>
-        <p:spPr>
-          <a:xfrm>
-            <a:off x="0" y="428604"/>
-            <a:ext cx="9144000" cy="1107996"/>
-          </a:xfrm>
-          <a:prstGeom prst="rect">
-            <a:avLst/>
-          </a:prstGeom>
-          <a:noFill/>
-        </p:spPr>
-        <p:txBody>
-          <a:bodyPr wrap="square" rtlCol="0">
-            <a:spAutoFit/>
-          </a:bodyPr>
-          <a:lstStyle/>
-          <a:p>
-            <a:pPr algn="ctr"/>
-            <a:r>
-              <a:rPr lang="it-IT" sz="4800" b="1" dirty="0" smtClean="0">
-                <a:latin typeface="+mj-lt"/>
-              </a:rPr>
-              <a:t>Scenari identificativi del sistema</a:t>
-            </a:r>
-            <a:endParaRPr lang="it-IT" sz="2800" b="1" dirty="0" smtClean="0">
-              <a:latin typeface="+mj-lt"/>
-            </a:endParaRPr>
-          </a:p>
-          <a:p>
-            <a:pPr algn="ctr"/>
-            <a:endParaRPr lang="it-IT" dirty="0">
-              <a:latin typeface="+mj-lt"/>
-            </a:endParaRPr>
-          </a:p>
-        </p:txBody>
-      </p:sp>
-      <p:graphicFrame>
-        <p:nvGraphicFramePr>
-          <p:cNvPr id="4" name="Table 3"/>
-          <p:cNvGraphicFramePr>
-            <a:graphicFrameLocks noGrp="1"/>
-          </p:cNvGraphicFramePr>
-          <p:nvPr>
-            <p:extLst>
-              <p:ext uri="{D42A27DB-BD31-4B8C-83A1-F6EECF244321}">
-                <p14:modId xmlns:p14="http://schemas.microsoft.com/office/powerpoint/2010/main" xmlns="" val="3382119601"/>
-              </p:ext>
-            </p:extLst>
-          </p:nvPr>
-        </p:nvGraphicFramePr>
-        <p:xfrm>
-          <a:off x="0" y="1285860"/>
-          <a:ext cx="9144000" cy="5212080"/>
-        </p:xfrm>
-        <a:graphic>
-          <a:graphicData uri="http://schemas.openxmlformats.org/drawingml/2006/table">
-            <a:tbl>
-              <a:tblPr firstRow="1" bandRow="1">
-                <a:tableStyleId>{5C22544A-7EE6-4342-B048-85BDC9FD1C3A}</a:tableStyleId>
-              </a:tblPr>
-              <a:tblGrid>
-                <a:gridCol w="2434119"/>
-                <a:gridCol w="6709881"/>
-              </a:tblGrid>
-              <a:tr h="320844">
-                <a:tc>
-                  <a:txBody>
-                    <a:bodyPr/>
-                    <a:lstStyle/>
-                    <a:p>
-                      <a:r>
-                        <a:rPr lang="it-IT" b="1" dirty="0" smtClean="0"/>
-                        <a:t>Nome Scenario</a:t>
-                      </a:r>
-                      <a:endParaRPr lang="it-IT" b="1" dirty="0"/>
-                    </a:p>
-                  </a:txBody>
-                  <a:tcPr/>
-                </a:tc>
-                <a:tc>
-                  <a:txBody>
-                    <a:bodyPr/>
-                    <a:lstStyle/>
-                    <a:p>
-                      <a:pPr marL="0" marR="0" indent="0" algn="l" defTabSz="914400" rtl="0" eaLnBrk="1" fontAlgn="auto" latinLnBrk="0" hangingPunct="1">
-                        <a:lnSpc>
-                          <a:spcPct val="100000"/>
-                        </a:lnSpc>
-                        <a:spcBef>
-                          <a:spcPts val="0"/>
-                        </a:spcBef>
-                        <a:spcAft>
-                          <a:spcPts val="0"/>
-                        </a:spcAft>
-                        <a:buClrTx/>
-                        <a:buSzTx/>
-                        <a:buFontTx/>
-                        <a:buNone/>
-                        <a:tabLst/>
-                        <a:defRPr/>
-                      </a:pPr>
-                      <a:r>
-                        <a:rPr kumimoji="0" lang="it-IT" sz="1800" b="0" kern="1200" dirty="0" smtClean="0">
-                          <a:solidFill>
-                            <a:schemeClr val="lt1"/>
-                          </a:solidFill>
-                          <a:latin typeface="+mn-lt"/>
-                          <a:ea typeface="+mn-ea"/>
-                          <a:cs typeface="+mn-cs"/>
-                        </a:rPr>
-                        <a:t>Compilazione Questionario</a:t>
-                      </a:r>
-                    </a:p>
-                  </a:txBody>
-                  <a:tcPr/>
-                </a:tc>
-              </a:tr>
-              <a:tr h="320844">
-                <a:tc>
-                  <a:txBody>
-                    <a:bodyPr/>
-                    <a:lstStyle/>
-                    <a:p>
-                      <a:r>
-                        <a:rPr lang="it-IT" b="1" dirty="0" smtClean="0"/>
-                        <a:t>Attori partecipanti</a:t>
-                      </a:r>
-                      <a:endParaRPr lang="it-IT" b="1" dirty="0"/>
-                    </a:p>
-                  </a:txBody>
-                  <a:tcPr/>
-                </a:tc>
-                <a:tc>
-                  <a:txBody>
-                    <a:bodyPr/>
-                    <a:lstStyle/>
-                    <a:p>
-                      <a:pPr marL="0" marR="0" indent="0" algn="l" defTabSz="914400" rtl="0" eaLnBrk="1" fontAlgn="auto" latinLnBrk="0" hangingPunct="1">
-                        <a:lnSpc>
-                          <a:spcPct val="100000"/>
-                        </a:lnSpc>
-                        <a:spcBef>
-                          <a:spcPts val="0"/>
-                        </a:spcBef>
-                        <a:spcAft>
-                          <a:spcPts val="0"/>
-                        </a:spcAft>
-                        <a:buClrTx/>
-                        <a:buSzTx/>
-                        <a:buFontTx/>
-                        <a:buNone/>
-                        <a:tabLst/>
-                        <a:defRPr/>
-                      </a:pPr>
-                      <a:r>
-                        <a:rPr kumimoji="0" lang="it-IT" sz="1800" kern="1200" dirty="0" smtClean="0">
-                          <a:solidFill>
-                            <a:schemeClr val="dk1"/>
-                          </a:solidFill>
-                          <a:latin typeface="+mn-lt"/>
-                          <a:ea typeface="+mn-ea"/>
-                          <a:cs typeface="+mn-cs"/>
-                        </a:rPr>
-                        <a:t>Giovanna: Genitore</a:t>
-                      </a:r>
-                    </a:p>
-                  </a:txBody>
-                  <a:tcPr/>
-                </a:tc>
-              </a:tr>
-              <a:tr h="3930343">
-                <a:tc>
-                  <a:txBody>
-                    <a:bodyPr/>
-                    <a:lstStyle/>
-                    <a:p>
-                      <a:r>
-                        <a:rPr lang="it-IT" b="1" dirty="0" smtClean="0"/>
-                        <a:t>Flusso degli eventi</a:t>
-                      </a:r>
-                      <a:endParaRPr lang="it-IT" b="1" dirty="0"/>
-                    </a:p>
-                  </a:txBody>
-                  <a:tcPr/>
-                </a:tc>
-                <a:tc>
-                  <a:txBody>
-                    <a:bodyPr/>
-                    <a:lstStyle/>
-                    <a:p>
-                      <a:pPr marL="342900" marR="0" lvl="0" indent="-342900" algn="l" defTabSz="914400" rtl="0" eaLnBrk="1" fontAlgn="auto" latinLnBrk="0" hangingPunct="1">
-                        <a:lnSpc>
-                          <a:spcPct val="100000"/>
-                        </a:lnSpc>
-                        <a:spcBef>
-                          <a:spcPts val="0"/>
-                        </a:spcBef>
-                        <a:spcAft>
-                          <a:spcPts val="0"/>
-                        </a:spcAft>
-                        <a:buClrTx/>
-                        <a:buSzTx/>
-                        <a:buFont typeface="+mj-lt"/>
-                        <a:buAutoNum type="arabicPeriod"/>
-                        <a:tabLst/>
-                        <a:defRPr/>
-                      </a:pPr>
-                      <a:r>
-                        <a:rPr lang="it-IT" dirty="0" smtClean="0"/>
-                        <a:t>Giovanna è mamma di un bambino all'asilo e chiacchierando con le altre mamme ha saputo che c'è un nuovo questionario disponibile riguardante il servizio mensa che ancora non ha compilato.</a:t>
-                      </a:r>
-                    </a:p>
-                    <a:p>
-                      <a:pPr marL="342900" marR="0" lvl="0" indent="-342900" algn="l" defTabSz="914400" rtl="0" eaLnBrk="1" fontAlgn="auto" latinLnBrk="0" hangingPunct="1">
-                        <a:lnSpc>
-                          <a:spcPct val="100000"/>
-                        </a:lnSpc>
-                        <a:spcBef>
-                          <a:spcPts val="0"/>
-                        </a:spcBef>
-                        <a:spcAft>
-                          <a:spcPts val="0"/>
-                        </a:spcAft>
-                        <a:buClrTx/>
-                        <a:buSzTx/>
-                        <a:buFont typeface="+mj-lt"/>
-                        <a:buAutoNum type="arabicPeriod"/>
-                        <a:tabLst/>
-                        <a:defRPr/>
-                      </a:pPr>
-                      <a:r>
-                        <a:rPr lang="it-IT" dirty="0" smtClean="0"/>
-                        <a:t>Giovanna si collega ad @silo e dopo aver effettuato il login, clicca su Questionari. </a:t>
-                      </a:r>
-                    </a:p>
-                    <a:p>
-                      <a:pPr marL="342900" marR="0" lvl="0" indent="-342900" algn="l" defTabSz="914400" rtl="0" eaLnBrk="1" fontAlgn="auto" latinLnBrk="0" hangingPunct="1">
-                        <a:lnSpc>
-                          <a:spcPct val="100000"/>
-                        </a:lnSpc>
-                        <a:spcBef>
-                          <a:spcPts val="0"/>
-                        </a:spcBef>
-                        <a:spcAft>
-                          <a:spcPts val="0"/>
-                        </a:spcAft>
-                        <a:buClrTx/>
-                        <a:buSzTx/>
-                        <a:buFont typeface="+mj-lt"/>
-                        <a:buAutoNum type="arabicPeriod"/>
-                        <a:tabLst/>
-                        <a:defRPr/>
-                      </a:pPr>
-                      <a:r>
-                        <a:rPr lang="it-IT" dirty="0" smtClean="0"/>
-                        <a:t>Giovanna seleziona Questionario qualità Mensa.</a:t>
-                      </a:r>
-                    </a:p>
-                    <a:p>
-                      <a:pPr marL="800100" marR="0" lvl="1" indent="-342900" algn="l" defTabSz="914400" rtl="0" eaLnBrk="1" fontAlgn="auto" latinLnBrk="0" hangingPunct="1">
-                        <a:lnSpc>
-                          <a:spcPct val="100000"/>
-                        </a:lnSpc>
-                        <a:spcBef>
-                          <a:spcPts val="0"/>
-                        </a:spcBef>
-                        <a:spcAft>
-                          <a:spcPts val="0"/>
-                        </a:spcAft>
-                        <a:buClrTx/>
-                        <a:buSzTx/>
-                        <a:buFont typeface="+mj-lt"/>
-                        <a:buAutoNum type="arabicPeriod" startAt="4"/>
-                        <a:tabLst/>
-                        <a:defRPr/>
-                      </a:pPr>
-                      <a:r>
-                        <a:rPr lang="it-IT" dirty="0" smtClean="0"/>
-                        <a:t>Il sistema mostra a</a:t>
-                      </a:r>
-                      <a:r>
-                        <a:rPr lang="it-IT" baseline="0" dirty="0" smtClean="0"/>
-                        <a:t> Giovanna </a:t>
-                      </a:r>
-                      <a:r>
-                        <a:rPr lang="it-IT" dirty="0" smtClean="0"/>
-                        <a:t>il questionario da compilare.</a:t>
-                      </a:r>
-                    </a:p>
-                    <a:p>
-                      <a:pPr marL="342900" marR="0" lvl="0" indent="-342900" algn="l" defTabSz="914400" rtl="0" eaLnBrk="1" fontAlgn="auto" latinLnBrk="0" hangingPunct="1">
-                        <a:lnSpc>
-                          <a:spcPct val="100000"/>
-                        </a:lnSpc>
-                        <a:spcBef>
-                          <a:spcPts val="0"/>
-                        </a:spcBef>
-                        <a:spcAft>
-                          <a:spcPts val="0"/>
-                        </a:spcAft>
-                        <a:buClrTx/>
-                        <a:buSzTx/>
-                        <a:buFont typeface="+mj-lt"/>
-                        <a:buAutoNum type="arabicPeriod" startAt="5"/>
-                        <a:tabLst/>
-                        <a:defRPr/>
-                      </a:pPr>
-                      <a:r>
-                        <a:rPr lang="it-IT" dirty="0" smtClean="0"/>
-                        <a:t>Giovanna salta le domande relative ai propri dati personali perché già compilate e risponde alle altre domande</a:t>
-                      </a:r>
-                    </a:p>
-                    <a:p>
-                      <a:pPr marL="342900" marR="0" lvl="0" indent="-342900" algn="l" defTabSz="914400" rtl="0" eaLnBrk="1" fontAlgn="auto" latinLnBrk="0" hangingPunct="1">
-                        <a:lnSpc>
-                          <a:spcPct val="100000"/>
-                        </a:lnSpc>
-                        <a:spcBef>
-                          <a:spcPts val="0"/>
-                        </a:spcBef>
-                        <a:spcAft>
-                          <a:spcPts val="0"/>
-                        </a:spcAft>
-                        <a:buClrTx/>
-                        <a:buSzTx/>
-                        <a:buFont typeface="+mj-lt"/>
-                        <a:buAutoNum type="arabicPeriod" startAt="5"/>
-                        <a:tabLst/>
-                        <a:defRPr/>
-                      </a:pPr>
-                      <a:r>
-                        <a:rPr lang="it-IT" dirty="0" smtClean="0"/>
-                        <a:t>Giovanna sottomette il questionario.</a:t>
-                      </a:r>
-                    </a:p>
-                    <a:p>
-                      <a:pPr marL="800100" marR="0" lvl="1" indent="-342900" algn="l" defTabSz="914400" rtl="0" eaLnBrk="1" fontAlgn="auto" latinLnBrk="0" hangingPunct="1">
-                        <a:lnSpc>
-                          <a:spcPct val="100000"/>
-                        </a:lnSpc>
-                        <a:spcBef>
-                          <a:spcPts val="0"/>
-                        </a:spcBef>
-                        <a:spcAft>
-                          <a:spcPts val="0"/>
-                        </a:spcAft>
-                        <a:buClrTx/>
-                        <a:buSzTx/>
-                        <a:buFont typeface="+mj-lt"/>
-                        <a:buNone/>
-                        <a:tabLst/>
-                        <a:defRPr/>
-                      </a:pPr>
-                      <a:r>
-                        <a:rPr lang="it-IT" dirty="0" smtClean="0"/>
-                        <a:t>7.    Il sistema mostra un messaggio con scritto “Grazie per aver compilato il questionario”.</a:t>
-                      </a:r>
-                    </a:p>
-                    <a:p>
-                      <a:pPr marL="342900" marR="0" lvl="0" indent="-342900" algn="l" defTabSz="914400" rtl="0" eaLnBrk="1" fontAlgn="auto" latinLnBrk="0" hangingPunct="1">
-                        <a:lnSpc>
-                          <a:spcPct val="100000"/>
-                        </a:lnSpc>
-                        <a:spcBef>
-                          <a:spcPts val="0"/>
-                        </a:spcBef>
-                        <a:spcAft>
-                          <a:spcPts val="0"/>
-                        </a:spcAft>
-                        <a:buClrTx/>
-                        <a:buSzTx/>
-                        <a:buFont typeface="+mj-lt"/>
-                        <a:buAutoNum type="arabicPeriod" startAt="5"/>
-                        <a:tabLst/>
-                        <a:defRPr/>
-                      </a:pPr>
-                      <a:endParaRPr lang="it-IT" dirty="0" smtClean="0"/>
-                    </a:p>
-                    <a:p>
-                      <a:pPr marL="342900" marR="0" lvl="0" indent="-342900" algn="l" defTabSz="914400" rtl="0" eaLnBrk="1" fontAlgn="auto" latinLnBrk="0" hangingPunct="1">
-                        <a:lnSpc>
-                          <a:spcPct val="100000"/>
-                        </a:lnSpc>
-                        <a:spcBef>
-                          <a:spcPts val="0"/>
-                        </a:spcBef>
-                        <a:spcAft>
-                          <a:spcPts val="0"/>
-                        </a:spcAft>
-                        <a:buClrTx/>
-                        <a:buSzTx/>
-                        <a:buFont typeface="+mj-lt"/>
-                        <a:buAutoNum type="arabicPeriod"/>
-                        <a:tabLst/>
-                        <a:defRPr/>
-                      </a:pPr>
-                      <a:endParaRPr lang="it-IT" dirty="0" smtClean="0"/>
-                    </a:p>
-                    <a:p>
-                      <a:pPr marL="342900" lvl="0" indent="-342900" algn="l">
-                        <a:buFont typeface="+mj-lt"/>
-                        <a:buAutoNum type="arabicPeriod"/>
-                      </a:pPr>
-                      <a:endParaRPr lang="it-IT" dirty="0"/>
-                    </a:p>
-                  </a:txBody>
-                  <a:tcPr/>
-                </a:tc>
-              </a:tr>
-            </a:tbl>
-          </a:graphicData>
-        </a:graphic>
-      </p:graphicFrame>
-      <p:sp>
-        <p:nvSpPr>
-          <p:cNvPr id="5" name="CasellaDiTesto 4"/>
-          <p:cNvSpPr txBox="1"/>
-          <p:nvPr/>
-        </p:nvSpPr>
-        <p:spPr>
-          <a:xfrm>
-            <a:off x="1428728" y="6488668"/>
-            <a:ext cx="6176884" cy="400110"/>
-          </a:xfrm>
-          <a:prstGeom prst="rect">
-            <a:avLst/>
-          </a:prstGeom>
-          <a:noFill/>
-        </p:spPr>
-        <p:txBody>
-          <a:bodyPr wrap="none" rtlCol="0">
-            <a:spAutoFit/>
-          </a:bodyPr>
-          <a:lstStyle/>
-          <a:p>
-            <a:r>
-              <a:rPr lang="it-IT" sz="2000" b="1" dirty="0" smtClean="0">
-                <a:solidFill>
-                  <a:schemeClr val="accent5">
-                    <a:lumMod val="50000"/>
-                  </a:schemeClr>
-                </a:solidFill>
-              </a:rPr>
-              <a:t>Tracciabilità Nome file</a:t>
-            </a:r>
-            <a:r>
-              <a:rPr lang="it-IT" b="1" dirty="0" smtClean="0"/>
-              <a:t>: SC_H_49_Compilazione questionario</a:t>
-            </a:r>
-            <a:endParaRPr lang="it-IT" b="1" dirty="0"/>
-          </a:p>
-        </p:txBody>
-      </p:sp>
-    </p:spTree>
-  </p:cSld>
-  <p:clrMapOvr>
-    <a:masterClrMapping/>
-  </p:clrMapOvr>
-  <p:timing>
-    <p:tnLst>
-      <p:par>
-        <p:cTn id="1" dur="indefinite" restart="never" nodeType="tmRoot"/>
-      </p:par>
-    </p:tnLst>
-  </p:timing>
-</p:sld>
-</file>
-
-<file path=ppt/slides/slide30.xml><?xml version="1.0" encoding="utf-8"?>
+<file path=ppt/slides/slide31.xml><?xml version="1.0" encoding="utf-8"?>
 <p:sld xmlns:a="http://schemas.openxmlformats.org/drawingml/2006/main" xmlns:r="http://schemas.openxmlformats.org/officeDocument/2006/relationships" xmlns:p="http://schemas.openxmlformats.org/presentationml/2006/main">
   <p:cSld>
     <p:spTree>
@@ -24638,7 +24750,7 @@
 </p:sld>
 </file>
 
-<file path=ppt/slides/slide31.xml><?xml version="1.0" encoding="utf-8"?>
+<file path=ppt/slides/slide32.xml><?xml version="1.0" encoding="utf-8"?>
 <p:sld xmlns:a="http://schemas.openxmlformats.org/drawingml/2006/main" xmlns:r="http://schemas.openxmlformats.org/officeDocument/2006/relationships" xmlns:p="http://schemas.openxmlformats.org/presentationml/2006/main">
   <p:cSld>
     <p:spTree>
@@ -25441,7 +25553,7 @@
 </p:sld>
 </file>
 
-<file path=ppt/slides/slide32.xml><?xml version="1.0" encoding="utf-8"?>
+<file path=ppt/slides/slide33.xml><?xml version="1.0" encoding="utf-8"?>
 <p:sld xmlns:a="http://schemas.openxmlformats.org/drawingml/2006/main" xmlns:r="http://schemas.openxmlformats.org/officeDocument/2006/relationships" xmlns:p="http://schemas.openxmlformats.org/presentationml/2006/main">
   <p:cSld>
     <p:spTree>
@@ -26344,7 +26456,7 @@
 </p:sld>
 </file>
 
-<file path=ppt/slides/slide33.xml><?xml version="1.0" encoding="utf-8"?>
+<file path=ppt/slides/slide34.xml><?xml version="1.0" encoding="utf-8"?>
 <p:sld xmlns:a="http://schemas.openxmlformats.org/drawingml/2006/main" xmlns:r="http://schemas.openxmlformats.org/officeDocument/2006/relationships" xmlns:p="http://schemas.openxmlformats.org/presentationml/2006/main">
   <p:cSld>
     <p:spTree>
@@ -27682,7 +27794,7 @@
 </p:sld>
 </file>
 
-<file path=ppt/slides/slide34.xml><?xml version="1.0" encoding="utf-8"?>
+<file path=ppt/slides/slide35.xml><?xml version="1.0" encoding="utf-8"?>
 <p:sld xmlns:a="http://schemas.openxmlformats.org/drawingml/2006/main" xmlns:r="http://schemas.openxmlformats.org/officeDocument/2006/relationships" xmlns:p="http://schemas.openxmlformats.org/presentationml/2006/main">
   <p:cSld>
     <p:spTree>
@@ -27921,7 +28033,7 @@
 </p:sld>
 </file>
 
-<file path=ppt/slides/slide35.xml><?xml version="1.0" encoding="utf-8"?>
+<file path=ppt/slides/slide36.xml><?xml version="1.0" encoding="utf-8"?>
 <p:sld xmlns:a="http://schemas.openxmlformats.org/drawingml/2006/main" xmlns:r="http://schemas.openxmlformats.org/officeDocument/2006/relationships" xmlns:p="http://schemas.openxmlformats.org/presentationml/2006/main">
   <p:cSld>
     <p:spTree>
@@ -28226,7 +28338,7 @@
 </p:sld>
 </file>
 
-<file path=ppt/slides/slide36.xml><?xml version="1.0" encoding="utf-8"?>
+<file path=ppt/slides/slide37.xml><?xml version="1.0" encoding="utf-8"?>
 <p:sld xmlns:a="http://schemas.openxmlformats.org/drawingml/2006/main" xmlns:r="http://schemas.openxmlformats.org/officeDocument/2006/relationships" xmlns:p="http://schemas.openxmlformats.org/presentationml/2006/main">
   <p:cSld>
     <p:spTree>
@@ -28923,7 +29035,7 @@
 </p:sld>
 </file>
 
-<file path=ppt/slides/slide37.xml><?xml version="1.0" encoding="utf-8"?>
+<file path=ppt/slides/slide38.xml><?xml version="1.0" encoding="utf-8"?>
 <p:sld xmlns:a="http://schemas.openxmlformats.org/drawingml/2006/main" xmlns:r="http://schemas.openxmlformats.org/officeDocument/2006/relationships" xmlns:p="http://schemas.openxmlformats.org/presentationml/2006/main">
   <p:cSld>
     <p:spTree>
@@ -29237,7 +29349,7 @@
 </p:sld>
 </file>
 
-<file path=ppt/slides/slide38.xml><?xml version="1.0" encoding="utf-8"?>
+<file path=ppt/slides/slide39.xml><?xml version="1.0" encoding="utf-8"?>
 <p:sld xmlns:a="http://schemas.openxmlformats.org/drawingml/2006/main" xmlns:r="http://schemas.openxmlformats.org/officeDocument/2006/relationships" xmlns:p="http://schemas.openxmlformats.org/presentationml/2006/main">
   <p:cSld>
     <p:spTree>
@@ -30223,444 +30335,6 @@
 </p:sld>
 </file>
 
-<file path=ppt/slides/slide39.xml><?xml version="1.0" encoding="utf-8"?>
-<p:sld xmlns:a="http://schemas.openxmlformats.org/drawingml/2006/main" xmlns:r="http://schemas.openxmlformats.org/officeDocument/2006/relationships" xmlns:p="http://schemas.openxmlformats.org/presentationml/2006/main">
-  <p:cSld>
-    <p:spTree>
-      <p:nvGrpSpPr>
-        <p:cNvPr id="1" name=""/>
-        <p:cNvGrpSpPr/>
-        <p:nvPr/>
-      </p:nvGrpSpPr>
-      <p:grpSpPr>
-        <a:xfrm>
-          <a:off x="0" y="0"/>
-          <a:ext cx="0" cy="0"/>
-          <a:chOff x="0" y="0"/>
-          <a:chExt cx="0" cy="0"/>
-        </a:xfrm>
-      </p:grpSpPr>
-      <p:sp>
-        <p:nvSpPr>
-          <p:cNvPr id="2" name="CasellaDiTesto 1"/>
-          <p:cNvSpPr txBox="1"/>
-          <p:nvPr/>
-        </p:nvSpPr>
-        <p:spPr>
-          <a:xfrm>
-            <a:off x="642910" y="428604"/>
-            <a:ext cx="7715304" cy="1107996"/>
-          </a:xfrm>
-          <a:prstGeom prst="rect">
-            <a:avLst/>
-          </a:prstGeom>
-          <a:noFill/>
-        </p:spPr>
-        <p:txBody>
-          <a:bodyPr wrap="square" rtlCol="0">
-            <a:spAutoFit/>
-          </a:bodyPr>
-          <a:lstStyle/>
-          <a:p>
-            <a:pPr algn="ctr"/>
-            <a:r>
-              <a:rPr lang="it-IT" sz="4800" b="1" dirty="0" smtClean="0">
-                <a:latin typeface="+mj-lt"/>
-              </a:rPr>
-              <a:t>Conclusioni</a:t>
-            </a:r>
-            <a:endParaRPr lang="it-IT" sz="2800" b="1" dirty="0" smtClean="0">
-              <a:latin typeface="+mj-lt"/>
-            </a:endParaRPr>
-          </a:p>
-          <a:p>
-            <a:pPr algn="ctr"/>
-            <a:endParaRPr lang="it-IT" dirty="0">
-              <a:latin typeface="+mj-lt"/>
-            </a:endParaRPr>
-          </a:p>
-        </p:txBody>
-      </p:sp>
-      <p:sp>
-        <p:nvSpPr>
-          <p:cNvPr id="3" name="Content Placeholder 3"/>
-          <p:cNvSpPr txBox="1">
-            <a:spLocks/>
-          </p:cNvSpPr>
-          <p:nvPr/>
-        </p:nvSpPr>
-        <p:spPr>
-          <a:xfrm>
-            <a:off x="357158" y="2500306"/>
-            <a:ext cx="8429684" cy="3286148"/>
-          </a:xfrm>
-          <a:prstGeom prst="rect">
-            <a:avLst/>
-          </a:prstGeom>
-        </p:spPr>
-        <p:txBody>
-          <a:bodyPr tIns="0"/>
-          <a:lstStyle>
-            <a:lvl1pPr marL="274320" indent="-274320" algn="l" rtl="0" eaLnBrk="1" latinLnBrk="0" hangingPunct="1">
-              <a:spcBef>
-                <a:spcPct val="20000"/>
-              </a:spcBef>
-              <a:buClrTx/>
-              <a:buSzPct val="95000"/>
-              <a:buFont typeface="Wingdings" pitchFamily="2" charset="2"/>
-              <a:buChar char="v"/>
-              <a:defRPr kumimoji="0" sz="2800" kern="1200">
-                <a:solidFill>
-                  <a:schemeClr val="tx1"/>
-                </a:solidFill>
-                <a:latin typeface="+mn-lt"/>
-                <a:ea typeface="+mn-ea"/>
-                <a:cs typeface="+mn-cs"/>
-              </a:defRPr>
-            </a:lvl1pPr>
-            <a:lvl2pPr marL="640080" indent="-246888" algn="l" rtl="0" eaLnBrk="1" latinLnBrk="0" hangingPunct="1">
-              <a:spcBef>
-                <a:spcPct val="20000"/>
-              </a:spcBef>
-              <a:buClrTx/>
-              <a:buSzPct val="85000"/>
-              <a:buFont typeface="Courier New" pitchFamily="49" charset="0"/>
-              <a:buChar char="o"/>
-              <a:defRPr kumimoji="0" sz="2600" kern="1200">
-                <a:solidFill>
-                  <a:schemeClr val="tx1"/>
-                </a:solidFill>
-                <a:latin typeface="+mn-lt"/>
-                <a:ea typeface="+mn-ea"/>
-                <a:cs typeface="+mn-cs"/>
-              </a:defRPr>
-            </a:lvl2pPr>
-            <a:lvl3pPr marL="914400" indent="-246888" algn="l" rtl="0" eaLnBrk="1" latinLnBrk="0" hangingPunct="1">
-              <a:spcBef>
-                <a:spcPct val="20000"/>
-              </a:spcBef>
-              <a:buClrTx/>
-              <a:buSzPct val="70000"/>
-              <a:buFont typeface="Wingdings 2"/>
-              <a:buChar char=""/>
-              <a:defRPr kumimoji="0" sz="2400" kern="1200">
-                <a:solidFill>
-                  <a:schemeClr val="tx1"/>
-                </a:solidFill>
-                <a:latin typeface="+mn-lt"/>
-                <a:ea typeface="+mn-ea"/>
-                <a:cs typeface="+mn-cs"/>
-              </a:defRPr>
-            </a:lvl3pPr>
-            <a:lvl4pPr marL="1188720" indent="-210312" algn="l" rtl="0" eaLnBrk="1" latinLnBrk="0" hangingPunct="1">
-              <a:spcBef>
-                <a:spcPct val="20000"/>
-              </a:spcBef>
-              <a:buClrTx/>
-              <a:buSzPct val="65000"/>
-              <a:buFont typeface="Wingdings 2"/>
-              <a:buChar char=""/>
-              <a:defRPr kumimoji="0" sz="2000" kern="1200">
-                <a:solidFill>
-                  <a:schemeClr val="tx1"/>
-                </a:solidFill>
-                <a:latin typeface="+mn-lt"/>
-                <a:ea typeface="+mn-ea"/>
-                <a:cs typeface="+mn-cs"/>
-              </a:defRPr>
-            </a:lvl4pPr>
-            <a:lvl5pPr marL="1463040" indent="-210312" algn="l" rtl="0" eaLnBrk="1" latinLnBrk="0" hangingPunct="1">
-              <a:spcBef>
-                <a:spcPct val="20000"/>
-              </a:spcBef>
-              <a:buClrTx/>
-              <a:buSzPct val="65000"/>
-              <a:buFont typeface="Wingdings 2"/>
-              <a:buChar char=""/>
-              <a:defRPr kumimoji="0" sz="1800" kern="1200">
-                <a:solidFill>
-                  <a:schemeClr val="tx1"/>
-                </a:solidFill>
-                <a:latin typeface="+mn-lt"/>
-                <a:ea typeface="+mn-ea"/>
-                <a:cs typeface="+mn-cs"/>
-              </a:defRPr>
-            </a:lvl5pPr>
-            <a:lvl6pPr marL="1737360" indent="-210312" algn="l" rtl="0" eaLnBrk="1" latinLnBrk="0" hangingPunct="1">
-              <a:spcBef>
-                <a:spcPct val="20000"/>
-              </a:spcBef>
-              <a:buClr>
-                <a:schemeClr val="accent5"/>
-              </a:buClr>
-              <a:buSzPct val="80000"/>
-              <a:buFont typeface="Wingdings 2"/>
-              <a:buChar char=""/>
-              <a:defRPr kumimoji="0" sz="1800" kern="1200">
-                <a:solidFill>
-                  <a:schemeClr val="tx1"/>
-                </a:solidFill>
-                <a:latin typeface="+mn-lt"/>
-                <a:ea typeface="+mn-ea"/>
-                <a:cs typeface="+mn-cs"/>
-              </a:defRPr>
-            </a:lvl6pPr>
-            <a:lvl7pPr marL="1920240" indent="-182880" algn="l" rtl="0" eaLnBrk="1" latinLnBrk="0" hangingPunct="1">
-              <a:spcBef>
-                <a:spcPct val="20000"/>
-              </a:spcBef>
-              <a:buClr>
-                <a:schemeClr val="accent6"/>
-              </a:buClr>
-              <a:buSzPct val="80000"/>
-              <a:buFont typeface="Wingdings 2"/>
-              <a:buChar char=""/>
-              <a:defRPr kumimoji="0" sz="1600" kern="1200" baseline="0">
-                <a:solidFill>
-                  <a:schemeClr val="tx1"/>
-                </a:solidFill>
-                <a:latin typeface="+mn-lt"/>
-                <a:ea typeface="+mn-ea"/>
-                <a:cs typeface="+mn-cs"/>
-              </a:defRPr>
-            </a:lvl7pPr>
-            <a:lvl8pPr marL="2194560" indent="-182880" algn="l" rtl="0" eaLnBrk="1" latinLnBrk="0" hangingPunct="1">
-              <a:spcBef>
-                <a:spcPct val="20000"/>
-              </a:spcBef>
-              <a:buClr>
-                <a:schemeClr val="tx2"/>
-              </a:buClr>
-              <a:buChar char="•"/>
-              <a:defRPr kumimoji="0" sz="1600" kern="1200">
-                <a:solidFill>
-                  <a:schemeClr val="tx1"/>
-                </a:solidFill>
-                <a:latin typeface="+mn-lt"/>
-                <a:ea typeface="+mn-ea"/>
-                <a:cs typeface="+mn-cs"/>
-              </a:defRPr>
-            </a:lvl8pPr>
-            <a:lvl9pPr marL="2468880" indent="-182880" algn="l" rtl="0" eaLnBrk="1" latinLnBrk="0" hangingPunct="1">
-              <a:spcBef>
-                <a:spcPct val="20000"/>
-              </a:spcBef>
-              <a:buClr>
-                <a:schemeClr val="tx2"/>
-              </a:buClr>
-              <a:buFontTx/>
-              <a:buChar char="•"/>
-              <a:defRPr kumimoji="0" sz="1400" kern="1200" baseline="0">
-                <a:solidFill>
-                  <a:schemeClr val="tx1"/>
-                </a:solidFill>
-                <a:latin typeface="+mn-lt"/>
-                <a:ea typeface="+mn-ea"/>
-                <a:cs typeface="+mn-cs"/>
-              </a:defRPr>
-            </a:lvl9pPr>
-          </a:lstStyle>
-          <a:p>
-            <a:pPr marL="365760" lvl="1" indent="0">
-              <a:buNone/>
-            </a:pPr>
-            <a:endParaRPr lang="en-US" dirty="0" smtClean="0"/>
-          </a:p>
-        </p:txBody>
-      </p:sp>
-      <p:sp>
-        <p:nvSpPr>
-          <p:cNvPr id="4" name="TextBox 3"/>
-          <p:cNvSpPr txBox="1"/>
-          <p:nvPr/>
-        </p:nvSpPr>
-        <p:spPr>
-          <a:xfrm>
-            <a:off x="714348" y="1928802"/>
-            <a:ext cx="5715040" cy="2400657"/>
-          </a:xfrm>
-          <a:prstGeom prst="rect">
-            <a:avLst/>
-          </a:prstGeom>
-          <a:noFill/>
-        </p:spPr>
-        <p:txBody>
-          <a:bodyPr wrap="square" rtlCol="0">
-            <a:spAutoFit/>
-          </a:bodyPr>
-          <a:lstStyle/>
-          <a:p>
-            <a:endParaRPr lang="it-IT" sz="5000" i="1" dirty="0" smtClean="0"/>
-          </a:p>
-          <a:p>
-            <a:r>
-              <a:rPr lang="it-IT" sz="5000" i="1" dirty="0" smtClean="0"/>
-              <a:t>Cosa è andato per il verso giusto </a:t>
-            </a:r>
-            <a:endParaRPr lang="it-IT" sz="5000" i="1" dirty="0"/>
-          </a:p>
-        </p:txBody>
-      </p:sp>
-      <p:pic>
-        <p:nvPicPr>
-          <p:cNvPr id="11266" name="Picture 2" descr="D:\Tony\Omini\omino_ribbon.jpg"/>
-          <p:cNvPicPr>
-            <a:picLocks noChangeAspect="1" noChangeArrowheads="1"/>
-          </p:cNvPicPr>
-          <p:nvPr/>
-        </p:nvPicPr>
-        <p:blipFill>
-          <a:blip r:embed="rId3"/>
-          <a:srcRect/>
-          <a:stretch>
-            <a:fillRect/>
-          </a:stretch>
-        </p:blipFill>
-        <p:spPr bwMode="auto">
-          <a:xfrm>
-            <a:off x="5929322" y="3143248"/>
-            <a:ext cx="2500330" cy="2500330"/>
-          </a:xfrm>
-          <a:prstGeom prst="rect">
-            <a:avLst/>
-          </a:prstGeom>
-          <a:ln>
-            <a:noFill/>
-          </a:ln>
-          <a:effectLst>
-            <a:softEdge rad="112500"/>
-          </a:effectLst>
-        </p:spPr>
-      </p:pic>
-    </p:spTree>
-  </p:cSld>
-  <p:clrMapOvr>
-    <a:masterClrMapping/>
-  </p:clrMapOvr>
-  <p:timing>
-    <p:tnLst>
-      <p:par>
-        <p:cTn id="1" dur="indefinite" restart="never" nodeType="tmRoot">
-          <p:childTnLst>
-            <p:seq concurrent="1" nextAc="seek">
-              <p:cTn id="2" dur="indefinite" nodeType="mainSeq">
-                <p:childTnLst>
-                  <p:par>
-                    <p:cTn id="3" fill="hold">
-                      <p:stCondLst>
-                        <p:cond delay="indefinite"/>
-                      </p:stCondLst>
-                      <p:childTnLst>
-                        <p:par>
-                          <p:cTn id="4" fill="hold">
-                            <p:stCondLst>
-                              <p:cond delay="0"/>
-                            </p:stCondLst>
-                            <p:childTnLst>
-                              <p:par>
-                                <p:cTn id="5" presetID="22" presetClass="entr" presetSubtype="4" fill="hold" grpId="0" nodeType="clickEffect">
-                                  <p:stCondLst>
-                                    <p:cond delay="0"/>
-                                  </p:stCondLst>
-                                  <p:childTnLst>
-                                    <p:set>
-                                      <p:cBhvr>
-                                        <p:cTn id="6" dur="1" fill="hold">
-                                          <p:stCondLst>
-                                            <p:cond delay="0"/>
-                                          </p:stCondLst>
-                                        </p:cTn>
-                                        <p:tgtEl>
-                                          <p:spTgt spid="4"/>
-                                        </p:tgtEl>
-                                        <p:attrNameLst>
-                                          <p:attrName>style.visibility</p:attrName>
-                                        </p:attrNameLst>
-                                      </p:cBhvr>
-                                      <p:to>
-                                        <p:strVal val="visible"/>
-                                      </p:to>
-                                    </p:set>
-                                    <p:animEffect transition="in" filter="wipe(down)">
-                                      <p:cBhvr>
-                                        <p:cTn id="7" dur="500"/>
-                                        <p:tgtEl>
-                                          <p:spTgt spid="4"/>
-                                        </p:tgtEl>
-                                      </p:cBhvr>
-                                    </p:animEffect>
-                                  </p:childTnLst>
-                                </p:cTn>
-                              </p:par>
-                              <p:par>
-                                <p:cTn id="8" presetID="22" presetClass="entr" presetSubtype="4" fill="hold" nodeType="withEffect">
-                                  <p:stCondLst>
-                                    <p:cond delay="0"/>
-                                  </p:stCondLst>
-                                  <p:childTnLst>
-                                    <p:set>
-                                      <p:cBhvr>
-                                        <p:cTn id="9" dur="1" fill="hold">
-                                          <p:stCondLst>
-                                            <p:cond delay="0"/>
-                                          </p:stCondLst>
-                                        </p:cTn>
-                                        <p:tgtEl>
-                                          <p:spTgt spid="11266"/>
-                                        </p:tgtEl>
-                                        <p:attrNameLst>
-                                          <p:attrName>style.visibility</p:attrName>
-                                        </p:attrNameLst>
-                                      </p:cBhvr>
-                                      <p:to>
-                                        <p:strVal val="visible"/>
-                                      </p:to>
-                                    </p:set>
-                                    <p:animEffect transition="in" filter="wipe(down)">
-                                      <p:cBhvr>
-                                        <p:cTn id="10" dur="500"/>
-                                        <p:tgtEl>
-                                          <p:spTgt spid="11266"/>
-                                        </p:tgtEl>
-                                      </p:cBhvr>
-                                    </p:animEffect>
-                                  </p:childTnLst>
-                                </p:cTn>
-                              </p:par>
-                            </p:childTnLst>
-                          </p:cTn>
-                        </p:par>
-                      </p:childTnLst>
-                    </p:cTn>
-                  </p:par>
-                </p:childTnLst>
-              </p:cTn>
-              <p:prevCondLst>
-                <p:cond evt="onPrev" delay="0">
-                  <p:tgtEl>
-                    <p:sldTgt/>
-                  </p:tgtEl>
-                </p:cond>
-              </p:prevCondLst>
-              <p:nextCondLst>
-                <p:cond evt="onNext" delay="0">
-                  <p:tgtEl>
-                    <p:sldTgt/>
-                  </p:tgtEl>
-                </p:cond>
-              </p:nextCondLst>
-            </p:seq>
-          </p:childTnLst>
-        </p:cTn>
-      </p:par>
-    </p:tnLst>
-    <p:bldLst>
-      <p:bldP spid="4" grpId="0"/>
-    </p:bldLst>
-  </p:timing>
-</p:sld>
-</file>
-
 <file path=ppt/slides/slide4.xml><?xml version="1.0" encoding="utf-8"?>
 <p:sld xmlns:a="http://schemas.openxmlformats.org/drawingml/2006/main" xmlns:r="http://schemas.openxmlformats.org/officeDocument/2006/relationships" xmlns:p="http://schemas.openxmlformats.org/presentationml/2006/main">
   <p:cSld>
@@ -31317,6 +30991,444 @@
           </a:p>
         </p:txBody>
       </p:sp>
+      <p:sp>
+        <p:nvSpPr>
+          <p:cNvPr id="4" name="TextBox 3"/>
+          <p:cNvSpPr txBox="1"/>
+          <p:nvPr/>
+        </p:nvSpPr>
+        <p:spPr>
+          <a:xfrm>
+            <a:off x="714348" y="1928802"/>
+            <a:ext cx="5715040" cy="2400657"/>
+          </a:xfrm>
+          <a:prstGeom prst="rect">
+            <a:avLst/>
+          </a:prstGeom>
+          <a:noFill/>
+        </p:spPr>
+        <p:txBody>
+          <a:bodyPr wrap="square" rtlCol="0">
+            <a:spAutoFit/>
+          </a:bodyPr>
+          <a:lstStyle/>
+          <a:p>
+            <a:endParaRPr lang="it-IT" sz="5000" i="1" dirty="0" smtClean="0"/>
+          </a:p>
+          <a:p>
+            <a:r>
+              <a:rPr lang="it-IT" sz="5000" i="1" dirty="0" smtClean="0"/>
+              <a:t>Cosa è andato per il verso giusto </a:t>
+            </a:r>
+            <a:endParaRPr lang="it-IT" sz="5000" i="1" dirty="0"/>
+          </a:p>
+        </p:txBody>
+      </p:sp>
+      <p:pic>
+        <p:nvPicPr>
+          <p:cNvPr id="11266" name="Picture 2" descr="D:\Tony\Omini\omino_ribbon.jpg"/>
+          <p:cNvPicPr>
+            <a:picLocks noChangeAspect="1" noChangeArrowheads="1"/>
+          </p:cNvPicPr>
+          <p:nvPr/>
+        </p:nvPicPr>
+        <p:blipFill>
+          <a:blip r:embed="rId3"/>
+          <a:srcRect/>
+          <a:stretch>
+            <a:fillRect/>
+          </a:stretch>
+        </p:blipFill>
+        <p:spPr bwMode="auto">
+          <a:xfrm>
+            <a:off x="5929322" y="3143248"/>
+            <a:ext cx="2500330" cy="2500330"/>
+          </a:xfrm>
+          <a:prstGeom prst="rect">
+            <a:avLst/>
+          </a:prstGeom>
+          <a:ln>
+            <a:noFill/>
+          </a:ln>
+          <a:effectLst>
+            <a:softEdge rad="112500"/>
+          </a:effectLst>
+        </p:spPr>
+      </p:pic>
+    </p:spTree>
+  </p:cSld>
+  <p:clrMapOvr>
+    <a:masterClrMapping/>
+  </p:clrMapOvr>
+  <p:timing>
+    <p:tnLst>
+      <p:par>
+        <p:cTn id="1" dur="indefinite" restart="never" nodeType="tmRoot">
+          <p:childTnLst>
+            <p:seq concurrent="1" nextAc="seek">
+              <p:cTn id="2" dur="indefinite" nodeType="mainSeq">
+                <p:childTnLst>
+                  <p:par>
+                    <p:cTn id="3" fill="hold">
+                      <p:stCondLst>
+                        <p:cond delay="indefinite"/>
+                      </p:stCondLst>
+                      <p:childTnLst>
+                        <p:par>
+                          <p:cTn id="4" fill="hold">
+                            <p:stCondLst>
+                              <p:cond delay="0"/>
+                            </p:stCondLst>
+                            <p:childTnLst>
+                              <p:par>
+                                <p:cTn id="5" presetID="22" presetClass="entr" presetSubtype="4" fill="hold" grpId="0" nodeType="clickEffect">
+                                  <p:stCondLst>
+                                    <p:cond delay="0"/>
+                                  </p:stCondLst>
+                                  <p:childTnLst>
+                                    <p:set>
+                                      <p:cBhvr>
+                                        <p:cTn id="6" dur="1" fill="hold">
+                                          <p:stCondLst>
+                                            <p:cond delay="0"/>
+                                          </p:stCondLst>
+                                        </p:cTn>
+                                        <p:tgtEl>
+                                          <p:spTgt spid="4"/>
+                                        </p:tgtEl>
+                                        <p:attrNameLst>
+                                          <p:attrName>style.visibility</p:attrName>
+                                        </p:attrNameLst>
+                                      </p:cBhvr>
+                                      <p:to>
+                                        <p:strVal val="visible"/>
+                                      </p:to>
+                                    </p:set>
+                                    <p:animEffect transition="in" filter="wipe(down)">
+                                      <p:cBhvr>
+                                        <p:cTn id="7" dur="500"/>
+                                        <p:tgtEl>
+                                          <p:spTgt spid="4"/>
+                                        </p:tgtEl>
+                                      </p:cBhvr>
+                                    </p:animEffect>
+                                  </p:childTnLst>
+                                </p:cTn>
+                              </p:par>
+                              <p:par>
+                                <p:cTn id="8" presetID="22" presetClass="entr" presetSubtype="4" fill="hold" nodeType="withEffect">
+                                  <p:stCondLst>
+                                    <p:cond delay="0"/>
+                                  </p:stCondLst>
+                                  <p:childTnLst>
+                                    <p:set>
+                                      <p:cBhvr>
+                                        <p:cTn id="9" dur="1" fill="hold">
+                                          <p:stCondLst>
+                                            <p:cond delay="0"/>
+                                          </p:stCondLst>
+                                        </p:cTn>
+                                        <p:tgtEl>
+                                          <p:spTgt spid="11266"/>
+                                        </p:tgtEl>
+                                        <p:attrNameLst>
+                                          <p:attrName>style.visibility</p:attrName>
+                                        </p:attrNameLst>
+                                      </p:cBhvr>
+                                      <p:to>
+                                        <p:strVal val="visible"/>
+                                      </p:to>
+                                    </p:set>
+                                    <p:animEffect transition="in" filter="wipe(down)">
+                                      <p:cBhvr>
+                                        <p:cTn id="10" dur="500"/>
+                                        <p:tgtEl>
+                                          <p:spTgt spid="11266"/>
+                                        </p:tgtEl>
+                                      </p:cBhvr>
+                                    </p:animEffect>
+                                  </p:childTnLst>
+                                </p:cTn>
+                              </p:par>
+                            </p:childTnLst>
+                          </p:cTn>
+                        </p:par>
+                      </p:childTnLst>
+                    </p:cTn>
+                  </p:par>
+                </p:childTnLst>
+              </p:cTn>
+              <p:prevCondLst>
+                <p:cond evt="onPrev" delay="0">
+                  <p:tgtEl>
+                    <p:sldTgt/>
+                  </p:tgtEl>
+                </p:cond>
+              </p:prevCondLst>
+              <p:nextCondLst>
+                <p:cond evt="onNext" delay="0">
+                  <p:tgtEl>
+                    <p:sldTgt/>
+                  </p:tgtEl>
+                </p:cond>
+              </p:nextCondLst>
+            </p:seq>
+          </p:childTnLst>
+        </p:cTn>
+      </p:par>
+    </p:tnLst>
+    <p:bldLst>
+      <p:bldP spid="4" grpId="0"/>
+    </p:bldLst>
+  </p:timing>
+</p:sld>
+</file>
+
+<file path=ppt/slides/slide41.xml><?xml version="1.0" encoding="utf-8"?>
+<p:sld xmlns:a="http://schemas.openxmlformats.org/drawingml/2006/main" xmlns:r="http://schemas.openxmlformats.org/officeDocument/2006/relationships" xmlns:p="http://schemas.openxmlformats.org/presentationml/2006/main">
+  <p:cSld>
+    <p:spTree>
+      <p:nvGrpSpPr>
+        <p:cNvPr id="1" name=""/>
+        <p:cNvGrpSpPr/>
+        <p:nvPr/>
+      </p:nvGrpSpPr>
+      <p:grpSpPr>
+        <a:xfrm>
+          <a:off x="0" y="0"/>
+          <a:ext cx="0" cy="0"/>
+          <a:chOff x="0" y="0"/>
+          <a:chExt cx="0" cy="0"/>
+        </a:xfrm>
+      </p:grpSpPr>
+      <p:sp>
+        <p:nvSpPr>
+          <p:cNvPr id="2" name="CasellaDiTesto 1"/>
+          <p:cNvSpPr txBox="1"/>
+          <p:nvPr/>
+        </p:nvSpPr>
+        <p:spPr>
+          <a:xfrm>
+            <a:off x="642910" y="428604"/>
+            <a:ext cx="7715304" cy="1107996"/>
+          </a:xfrm>
+          <a:prstGeom prst="rect">
+            <a:avLst/>
+          </a:prstGeom>
+          <a:noFill/>
+        </p:spPr>
+        <p:txBody>
+          <a:bodyPr wrap="square" rtlCol="0">
+            <a:spAutoFit/>
+          </a:bodyPr>
+          <a:lstStyle/>
+          <a:p>
+            <a:pPr algn="ctr"/>
+            <a:r>
+              <a:rPr lang="it-IT" sz="4800" b="1" dirty="0" smtClean="0">
+                <a:latin typeface="+mj-lt"/>
+              </a:rPr>
+              <a:t>Conclusioni</a:t>
+            </a:r>
+            <a:endParaRPr lang="it-IT" sz="2800" b="1" dirty="0" smtClean="0">
+              <a:latin typeface="+mj-lt"/>
+            </a:endParaRPr>
+          </a:p>
+          <a:p>
+            <a:pPr algn="ctr"/>
+            <a:endParaRPr lang="it-IT" dirty="0">
+              <a:latin typeface="+mj-lt"/>
+            </a:endParaRPr>
+          </a:p>
+        </p:txBody>
+      </p:sp>
+      <p:sp>
+        <p:nvSpPr>
+          <p:cNvPr id="3" name="Content Placeholder 3"/>
+          <p:cNvSpPr txBox="1">
+            <a:spLocks/>
+          </p:cNvSpPr>
+          <p:nvPr/>
+        </p:nvSpPr>
+        <p:spPr>
+          <a:xfrm>
+            <a:off x="357158" y="2500306"/>
+            <a:ext cx="8429684" cy="3286148"/>
+          </a:xfrm>
+          <a:prstGeom prst="rect">
+            <a:avLst/>
+          </a:prstGeom>
+        </p:spPr>
+        <p:txBody>
+          <a:bodyPr tIns="0"/>
+          <a:lstStyle>
+            <a:lvl1pPr marL="274320" indent="-274320" algn="l" rtl="0" eaLnBrk="1" latinLnBrk="0" hangingPunct="1">
+              <a:spcBef>
+                <a:spcPct val="20000"/>
+              </a:spcBef>
+              <a:buClrTx/>
+              <a:buSzPct val="95000"/>
+              <a:buFont typeface="Wingdings" pitchFamily="2" charset="2"/>
+              <a:buChar char="v"/>
+              <a:defRPr kumimoji="0" sz="2800" kern="1200">
+                <a:solidFill>
+                  <a:schemeClr val="tx1"/>
+                </a:solidFill>
+                <a:latin typeface="+mn-lt"/>
+                <a:ea typeface="+mn-ea"/>
+                <a:cs typeface="+mn-cs"/>
+              </a:defRPr>
+            </a:lvl1pPr>
+            <a:lvl2pPr marL="640080" indent="-246888" algn="l" rtl="0" eaLnBrk="1" latinLnBrk="0" hangingPunct="1">
+              <a:spcBef>
+                <a:spcPct val="20000"/>
+              </a:spcBef>
+              <a:buClrTx/>
+              <a:buSzPct val="85000"/>
+              <a:buFont typeface="Courier New" pitchFamily="49" charset="0"/>
+              <a:buChar char="o"/>
+              <a:defRPr kumimoji="0" sz="2600" kern="1200">
+                <a:solidFill>
+                  <a:schemeClr val="tx1"/>
+                </a:solidFill>
+                <a:latin typeface="+mn-lt"/>
+                <a:ea typeface="+mn-ea"/>
+                <a:cs typeface="+mn-cs"/>
+              </a:defRPr>
+            </a:lvl2pPr>
+            <a:lvl3pPr marL="914400" indent="-246888" algn="l" rtl="0" eaLnBrk="1" latinLnBrk="0" hangingPunct="1">
+              <a:spcBef>
+                <a:spcPct val="20000"/>
+              </a:spcBef>
+              <a:buClrTx/>
+              <a:buSzPct val="70000"/>
+              <a:buFont typeface="Wingdings 2"/>
+              <a:buChar char=""/>
+              <a:defRPr kumimoji="0" sz="2400" kern="1200">
+                <a:solidFill>
+                  <a:schemeClr val="tx1"/>
+                </a:solidFill>
+                <a:latin typeface="+mn-lt"/>
+                <a:ea typeface="+mn-ea"/>
+                <a:cs typeface="+mn-cs"/>
+              </a:defRPr>
+            </a:lvl3pPr>
+            <a:lvl4pPr marL="1188720" indent="-210312" algn="l" rtl="0" eaLnBrk="1" latinLnBrk="0" hangingPunct="1">
+              <a:spcBef>
+                <a:spcPct val="20000"/>
+              </a:spcBef>
+              <a:buClrTx/>
+              <a:buSzPct val="65000"/>
+              <a:buFont typeface="Wingdings 2"/>
+              <a:buChar char=""/>
+              <a:defRPr kumimoji="0" sz="2000" kern="1200">
+                <a:solidFill>
+                  <a:schemeClr val="tx1"/>
+                </a:solidFill>
+                <a:latin typeface="+mn-lt"/>
+                <a:ea typeface="+mn-ea"/>
+                <a:cs typeface="+mn-cs"/>
+              </a:defRPr>
+            </a:lvl4pPr>
+            <a:lvl5pPr marL="1463040" indent="-210312" algn="l" rtl="0" eaLnBrk="1" latinLnBrk="0" hangingPunct="1">
+              <a:spcBef>
+                <a:spcPct val="20000"/>
+              </a:spcBef>
+              <a:buClrTx/>
+              <a:buSzPct val="65000"/>
+              <a:buFont typeface="Wingdings 2"/>
+              <a:buChar char=""/>
+              <a:defRPr kumimoji="0" sz="1800" kern="1200">
+                <a:solidFill>
+                  <a:schemeClr val="tx1"/>
+                </a:solidFill>
+                <a:latin typeface="+mn-lt"/>
+                <a:ea typeface="+mn-ea"/>
+                <a:cs typeface="+mn-cs"/>
+              </a:defRPr>
+            </a:lvl5pPr>
+            <a:lvl6pPr marL="1737360" indent="-210312" algn="l" rtl="0" eaLnBrk="1" latinLnBrk="0" hangingPunct="1">
+              <a:spcBef>
+                <a:spcPct val="20000"/>
+              </a:spcBef>
+              <a:buClr>
+                <a:schemeClr val="accent5"/>
+              </a:buClr>
+              <a:buSzPct val="80000"/>
+              <a:buFont typeface="Wingdings 2"/>
+              <a:buChar char=""/>
+              <a:defRPr kumimoji="0" sz="1800" kern="1200">
+                <a:solidFill>
+                  <a:schemeClr val="tx1"/>
+                </a:solidFill>
+                <a:latin typeface="+mn-lt"/>
+                <a:ea typeface="+mn-ea"/>
+                <a:cs typeface="+mn-cs"/>
+              </a:defRPr>
+            </a:lvl6pPr>
+            <a:lvl7pPr marL="1920240" indent="-182880" algn="l" rtl="0" eaLnBrk="1" latinLnBrk="0" hangingPunct="1">
+              <a:spcBef>
+                <a:spcPct val="20000"/>
+              </a:spcBef>
+              <a:buClr>
+                <a:schemeClr val="accent6"/>
+              </a:buClr>
+              <a:buSzPct val="80000"/>
+              <a:buFont typeface="Wingdings 2"/>
+              <a:buChar char=""/>
+              <a:defRPr kumimoji="0" sz="1600" kern="1200" baseline="0">
+                <a:solidFill>
+                  <a:schemeClr val="tx1"/>
+                </a:solidFill>
+                <a:latin typeface="+mn-lt"/>
+                <a:ea typeface="+mn-ea"/>
+                <a:cs typeface="+mn-cs"/>
+              </a:defRPr>
+            </a:lvl7pPr>
+            <a:lvl8pPr marL="2194560" indent="-182880" algn="l" rtl="0" eaLnBrk="1" latinLnBrk="0" hangingPunct="1">
+              <a:spcBef>
+                <a:spcPct val="20000"/>
+              </a:spcBef>
+              <a:buClr>
+                <a:schemeClr val="tx2"/>
+              </a:buClr>
+              <a:buChar char="•"/>
+              <a:defRPr kumimoji="0" sz="1600" kern="1200">
+                <a:solidFill>
+                  <a:schemeClr val="tx1"/>
+                </a:solidFill>
+                <a:latin typeface="+mn-lt"/>
+                <a:ea typeface="+mn-ea"/>
+                <a:cs typeface="+mn-cs"/>
+              </a:defRPr>
+            </a:lvl8pPr>
+            <a:lvl9pPr marL="2468880" indent="-182880" algn="l" rtl="0" eaLnBrk="1" latinLnBrk="0" hangingPunct="1">
+              <a:spcBef>
+                <a:spcPct val="20000"/>
+              </a:spcBef>
+              <a:buClr>
+                <a:schemeClr val="tx2"/>
+              </a:buClr>
+              <a:buFontTx/>
+              <a:buChar char="•"/>
+              <a:defRPr kumimoji="0" sz="1400" kern="1200" baseline="0">
+                <a:solidFill>
+                  <a:schemeClr val="tx1"/>
+                </a:solidFill>
+                <a:latin typeface="+mn-lt"/>
+                <a:ea typeface="+mn-ea"/>
+                <a:cs typeface="+mn-cs"/>
+              </a:defRPr>
+            </a:lvl9pPr>
+          </a:lstStyle>
+          <a:p>
+            <a:pPr marL="365760" lvl="1" indent="0">
+              <a:buNone/>
+            </a:pPr>
+            <a:endParaRPr lang="en-US" dirty="0" smtClean="0"/>
+          </a:p>
+        </p:txBody>
+      </p:sp>
       <p:pic>
         <p:nvPicPr>
           <p:cNvPr id="10242" name="Picture 2" descr="D:\Tony\Omini\omini_doctor.jpg"/>
@@ -31566,7 +31678,7 @@
 </p:sld>
 </file>
 
-<file path=ppt/slides/slide41.xml><?xml version="1.0" encoding="utf-8"?>
+<file path=ppt/slides/slide42.xml><?xml version="1.0" encoding="utf-8"?>
 <p:sld xmlns:a="http://schemas.openxmlformats.org/drawingml/2006/main" xmlns:r="http://schemas.openxmlformats.org/officeDocument/2006/relationships" xmlns:p="http://schemas.openxmlformats.org/presentationml/2006/main">
   <p:cSld>
     <p:spTree>
@@ -32001,7 +32113,7 @@
 </p:sld>
 </file>
 
-<file path=ppt/slides/slide42.xml><?xml version="1.0" encoding="utf-8"?>
+<file path=ppt/slides/slide43.xml><?xml version="1.0" encoding="utf-8"?>
 <p:sld xmlns:a="http://schemas.openxmlformats.org/drawingml/2006/main" xmlns:r="http://schemas.openxmlformats.org/officeDocument/2006/relationships" xmlns:p="http://schemas.openxmlformats.org/presentationml/2006/main">
   <p:cSld>
     <p:spTree>

--- a/trunk/Presentazione/Atsilo3/Atsilo_H_PresentazioneFinale.pptx
+++ b/trunk/Presentazione/Atsilo3/Atsilo_H_PresentazioneFinale.pptx
@@ -5,7 +5,7 @@
     <p:sldMasterId id="2147483684" r:id="rId1"/>
   </p:sldMasterIdLst>
   <p:notesMasterIdLst>
-    <p:notesMasterId r:id="rId45"/>
+    <p:notesMasterId r:id="rId46"/>
   </p:notesMasterIdLst>
   <p:sldIdLst>
     <p:sldId id="256" r:id="rId2"/>
@@ -38,19 +38,20 @@
     <p:sldId id="317" r:id="rId29"/>
     <p:sldId id="291" r:id="rId30"/>
     <p:sldId id="265" r:id="rId31"/>
-    <p:sldId id="268" r:id="rId32"/>
-    <p:sldId id="267" r:id="rId33"/>
-    <p:sldId id="320" r:id="rId34"/>
-    <p:sldId id="321" r:id="rId35"/>
-    <p:sldId id="323" r:id="rId36"/>
-    <p:sldId id="324" r:id="rId37"/>
-    <p:sldId id="325" r:id="rId38"/>
-    <p:sldId id="326" r:id="rId39"/>
-    <p:sldId id="322" r:id="rId40"/>
-    <p:sldId id="292" r:id="rId41"/>
-    <p:sldId id="293" r:id="rId42"/>
-    <p:sldId id="294" r:id="rId43"/>
-    <p:sldId id="295" r:id="rId44"/>
+    <p:sldId id="328" r:id="rId32"/>
+    <p:sldId id="329" r:id="rId33"/>
+    <p:sldId id="267" r:id="rId34"/>
+    <p:sldId id="320" r:id="rId35"/>
+    <p:sldId id="321" r:id="rId36"/>
+    <p:sldId id="323" r:id="rId37"/>
+    <p:sldId id="324" r:id="rId38"/>
+    <p:sldId id="325" r:id="rId39"/>
+    <p:sldId id="326" r:id="rId40"/>
+    <p:sldId id="322" r:id="rId41"/>
+    <p:sldId id="292" r:id="rId42"/>
+    <p:sldId id="293" r:id="rId43"/>
+    <p:sldId id="294" r:id="rId44"/>
+    <p:sldId id="295" r:id="rId45"/>
   </p:sldIdLst>
   <p:sldSz cx="9144000" cy="6858000" type="screen4x3"/>
   <p:notesSz cx="6858000" cy="9144000"/>
@@ -235,7 +236,7 @@
             <a:fld id="{38D78F4D-402C-46E0-A4BB-DF91EA86B14C}" type="datetimeFigureOut">
               <a:rPr lang="it-IT" smtClean="0"/>
               <a:pPr/>
-              <a:t>31/12/2012</a:t>
+              <a:t>01/01/2013</a:t>
             </a:fld>
             <a:endParaRPr lang="it-IT"/>
           </a:p>
@@ -404,7 +405,7 @@
     </p:spTree>
     <p:extLst>
       <p:ext uri="{BB962C8B-B14F-4D97-AF65-F5344CB8AC3E}">
-        <p14:creationId xmlns:p14="http://schemas.microsoft.com/office/powerpoint/2010/main" xmlns="" val="2126419590"/>
+        <p14:creationId xmlns="" xmlns:p14="http://schemas.microsoft.com/office/powerpoint/2010/main" val="2126419590"/>
       </p:ext>
     </p:extLst>
   </p:cSld>
@@ -601,7 +602,7 @@
     </p:spTree>
     <p:extLst>
       <p:ext uri="{BB962C8B-B14F-4D97-AF65-F5344CB8AC3E}">
-        <p14:creationId xmlns:p14="http://schemas.microsoft.com/office/powerpoint/2010/main" xmlns="" val="963420841"/>
+        <p14:creationId xmlns="" xmlns:p14="http://schemas.microsoft.com/office/powerpoint/2010/main" val="963420841"/>
       </p:ext>
     </p:extLst>
   </p:cSld>
@@ -708,7 +709,7 @@
     </p:spTree>
     <p:extLst>
       <p:ext uri="{BB962C8B-B14F-4D97-AF65-F5344CB8AC3E}">
-        <p14:creationId xmlns:p14="http://schemas.microsoft.com/office/powerpoint/2010/main" xmlns="" val="3361965342"/>
+        <p14:creationId xmlns="" xmlns:p14="http://schemas.microsoft.com/office/powerpoint/2010/main" val="3361965342"/>
       </p:ext>
     </p:extLst>
   </p:cSld>
@@ -851,7 +852,7 @@
     </p:spTree>
     <p:extLst>
       <p:ext uri="{BB962C8B-B14F-4D97-AF65-F5344CB8AC3E}">
-        <p14:creationId xmlns:p14="http://schemas.microsoft.com/office/powerpoint/2010/main" xmlns="" val="3314347345"/>
+        <p14:creationId xmlns="" xmlns:p14="http://schemas.microsoft.com/office/powerpoint/2010/main" val="3314347345"/>
       </p:ext>
     </p:extLst>
   </p:cSld>
@@ -988,7 +989,7 @@
     </p:spTree>
     <p:extLst>
       <p:ext uri="{BB962C8B-B14F-4D97-AF65-F5344CB8AC3E}">
-        <p14:creationId xmlns:p14="http://schemas.microsoft.com/office/powerpoint/2010/main" xmlns="" val="2265654022"/>
+        <p14:creationId xmlns="" xmlns:p14="http://schemas.microsoft.com/office/powerpoint/2010/main" val="2265654022"/>
       </p:ext>
     </p:extLst>
   </p:cSld>
@@ -1125,7 +1126,7 @@
     </p:spTree>
     <p:extLst>
       <p:ext uri="{BB962C8B-B14F-4D97-AF65-F5344CB8AC3E}">
-        <p14:creationId xmlns:p14="http://schemas.microsoft.com/office/powerpoint/2010/main" xmlns="" val="71143455"/>
+        <p14:creationId xmlns="" xmlns:p14="http://schemas.microsoft.com/office/powerpoint/2010/main" val="71143455"/>
       </p:ext>
     </p:extLst>
   </p:cSld>
@@ -1224,7 +1225,7 @@
     </p:spTree>
     <p:extLst>
       <p:ext uri="{BB962C8B-B14F-4D97-AF65-F5344CB8AC3E}">
-        <p14:creationId xmlns:p14="http://schemas.microsoft.com/office/powerpoint/2010/main" xmlns="" val="113696966"/>
+        <p14:creationId xmlns="" xmlns:p14="http://schemas.microsoft.com/office/powerpoint/2010/main" val="113696966"/>
       </p:ext>
     </p:extLst>
   </p:cSld>
@@ -1349,7 +1350,7 @@
     </p:spTree>
     <p:extLst>
       <p:ext uri="{BB962C8B-B14F-4D97-AF65-F5344CB8AC3E}">
-        <p14:creationId xmlns:p14="http://schemas.microsoft.com/office/powerpoint/2010/main" xmlns="" val="1063702567"/>
+        <p14:creationId xmlns="" xmlns:p14="http://schemas.microsoft.com/office/powerpoint/2010/main" val="1063702567"/>
       </p:ext>
     </p:extLst>
   </p:cSld>
@@ -1454,7 +1455,7 @@
     </p:spTree>
     <p:extLst>
       <p:ext uri="{BB962C8B-B14F-4D97-AF65-F5344CB8AC3E}">
-        <p14:creationId xmlns:p14="http://schemas.microsoft.com/office/powerpoint/2010/main" xmlns="" val="122959592"/>
+        <p14:creationId xmlns="" xmlns:p14="http://schemas.microsoft.com/office/powerpoint/2010/main" val="122959592"/>
       </p:ext>
     </p:extLst>
   </p:cSld>
@@ -1569,7 +1570,7 @@
     </p:spTree>
     <p:extLst>
       <p:ext uri="{BB962C8B-B14F-4D97-AF65-F5344CB8AC3E}">
-        <p14:creationId xmlns:p14="http://schemas.microsoft.com/office/powerpoint/2010/main" xmlns="" val="780286428"/>
+        <p14:creationId xmlns="" xmlns:p14="http://schemas.microsoft.com/office/powerpoint/2010/main" val="780286428"/>
       </p:ext>
     </p:extLst>
   </p:cSld>
@@ -1670,7 +1671,7 @@
     </p:spTree>
     <p:extLst>
       <p:ext uri="{BB962C8B-B14F-4D97-AF65-F5344CB8AC3E}">
-        <p14:creationId xmlns:p14="http://schemas.microsoft.com/office/powerpoint/2010/main" xmlns="" val="2418012031"/>
+        <p14:creationId xmlns="" xmlns:p14="http://schemas.microsoft.com/office/powerpoint/2010/main" val="2418012031"/>
       </p:ext>
     </p:extLst>
   </p:cSld>
@@ -1771,7 +1772,7 @@
     </p:spTree>
     <p:extLst>
       <p:ext uri="{BB962C8B-B14F-4D97-AF65-F5344CB8AC3E}">
-        <p14:creationId xmlns:p14="http://schemas.microsoft.com/office/powerpoint/2010/main" xmlns="" val="778008281"/>
+        <p14:creationId xmlns="" xmlns:p14="http://schemas.microsoft.com/office/powerpoint/2010/main" val="778008281"/>
       </p:ext>
     </p:extLst>
   </p:cSld>
@@ -1882,7 +1883,7 @@
     </p:spTree>
     <p:extLst>
       <p:ext uri="{BB962C8B-B14F-4D97-AF65-F5344CB8AC3E}">
-        <p14:creationId xmlns:p14="http://schemas.microsoft.com/office/powerpoint/2010/main" xmlns="" val="2781517378"/>
+        <p14:creationId xmlns="" xmlns:p14="http://schemas.microsoft.com/office/powerpoint/2010/main" val="2781517378"/>
       </p:ext>
     </p:extLst>
   </p:cSld>
@@ -1975,7 +1976,7 @@
     </p:spTree>
     <p:extLst>
       <p:ext uri="{BB962C8B-B14F-4D97-AF65-F5344CB8AC3E}">
-        <p14:creationId xmlns:p14="http://schemas.microsoft.com/office/powerpoint/2010/main" xmlns="" val="1377757052"/>
+        <p14:creationId xmlns="" xmlns:p14="http://schemas.microsoft.com/office/powerpoint/2010/main" val="1377757052"/>
       </p:ext>
     </p:extLst>
   </p:cSld>
@@ -2079,7 +2080,7 @@
     </p:spTree>
     <p:extLst>
       <p:ext uri="{BB962C8B-B14F-4D97-AF65-F5344CB8AC3E}">
-        <p14:creationId xmlns:p14="http://schemas.microsoft.com/office/powerpoint/2010/main" xmlns="" val="1394194668"/>
+        <p14:creationId xmlns="" xmlns:p14="http://schemas.microsoft.com/office/powerpoint/2010/main" val="1394194668"/>
       </p:ext>
     </p:extLst>
   </p:cSld>
@@ -2234,7 +2235,7 @@
     </p:spTree>
     <p:extLst>
       <p:ext uri="{BB962C8B-B14F-4D97-AF65-F5344CB8AC3E}">
-        <p14:creationId xmlns:p14="http://schemas.microsoft.com/office/powerpoint/2010/main" xmlns="" val="2972088584"/>
+        <p14:creationId xmlns="" xmlns:p14="http://schemas.microsoft.com/office/powerpoint/2010/main" val="2972088584"/>
       </p:ext>
     </p:extLst>
   </p:cSld>
@@ -2343,7 +2344,7 @@
     </p:spTree>
     <p:extLst>
       <p:ext uri="{BB962C8B-B14F-4D97-AF65-F5344CB8AC3E}">
-        <p14:creationId xmlns:p14="http://schemas.microsoft.com/office/powerpoint/2010/main" xmlns="" val="1417320036"/>
+        <p14:creationId xmlns="" xmlns:p14="http://schemas.microsoft.com/office/powerpoint/2010/main" val="1417320036"/>
       </p:ext>
     </p:extLst>
   </p:cSld>
@@ -2452,7 +2453,7 @@
     </p:spTree>
     <p:extLst>
       <p:ext uri="{BB962C8B-B14F-4D97-AF65-F5344CB8AC3E}">
-        <p14:creationId xmlns:p14="http://schemas.microsoft.com/office/powerpoint/2010/main" xmlns="" val="2176874561"/>
+        <p14:creationId xmlns="" xmlns:p14="http://schemas.microsoft.com/office/powerpoint/2010/main" val="2176874561"/>
       </p:ext>
     </p:extLst>
   </p:cSld>
@@ -2553,7 +2554,7 @@
     </p:spTree>
     <p:extLst>
       <p:ext uri="{BB962C8B-B14F-4D97-AF65-F5344CB8AC3E}">
-        <p14:creationId xmlns:p14="http://schemas.microsoft.com/office/powerpoint/2010/main" xmlns="" val="2428745919"/>
+        <p14:creationId xmlns="" xmlns:p14="http://schemas.microsoft.com/office/powerpoint/2010/main" val="2428745919"/>
       </p:ext>
     </p:extLst>
   </p:cSld>
@@ -2650,7 +2651,7 @@
     </p:spTree>
     <p:extLst>
       <p:ext uri="{BB962C8B-B14F-4D97-AF65-F5344CB8AC3E}">
-        <p14:creationId xmlns:p14="http://schemas.microsoft.com/office/powerpoint/2010/main" xmlns="" val="899854441"/>
+        <p14:creationId xmlns="" xmlns:p14="http://schemas.microsoft.com/office/powerpoint/2010/main" val="899854441"/>
       </p:ext>
     </p:extLst>
   </p:cSld>
@@ -2806,7 +2807,7 @@
     </p:spTree>
     <p:extLst>
       <p:ext uri="{BB962C8B-B14F-4D97-AF65-F5344CB8AC3E}">
-        <p14:creationId xmlns:p14="http://schemas.microsoft.com/office/powerpoint/2010/main" xmlns="" val="1218324987"/>
+        <p14:creationId xmlns="" xmlns:p14="http://schemas.microsoft.com/office/powerpoint/2010/main" val="1218324987"/>
       </p:ext>
     </p:extLst>
   </p:cSld>
@@ -2899,7 +2900,7 @@
     </p:spTree>
     <p:extLst>
       <p:ext uri="{BB962C8B-B14F-4D97-AF65-F5344CB8AC3E}">
-        <p14:creationId xmlns:p14="http://schemas.microsoft.com/office/powerpoint/2010/main" xmlns="" val="3928439017"/>
+        <p14:creationId xmlns="" xmlns:p14="http://schemas.microsoft.com/office/powerpoint/2010/main" val="3928439017"/>
       </p:ext>
     </p:extLst>
   </p:cSld>
@@ -2955,7 +2956,11 @@
           <a:p>
             <a:r>
               <a:rPr lang="it-IT" dirty="0" smtClean="0"/>
-              <a:t>Inserire la demo della compilazione</a:t>
+              <a:t>Cercare</a:t>
+            </a:r>
+            <a:r>
+              <a:rPr lang="it-IT" baseline="0" dirty="0" smtClean="0"/>
+              <a:t> di dire «abbiamo indicato gli obiettivi prima ora abbiamo cercato di applicarli, nel giro di 14 giorni»</a:t>
             </a:r>
             <a:endParaRPr lang="it-IT" dirty="0"/>
           </a:p>
@@ -2988,7 +2993,7 @@
     </p:spTree>
     <p:extLst>
       <p:ext uri="{BB962C8B-B14F-4D97-AF65-F5344CB8AC3E}">
-        <p14:creationId xmlns:p14="http://schemas.microsoft.com/office/powerpoint/2010/main" xmlns="" val="4040687285"/>
+        <p14:creationId xmlns="" xmlns:p14="http://schemas.microsoft.com/office/powerpoint/2010/main" val="3928439017"/>
       </p:ext>
     </p:extLst>
   </p:cSld>
@@ -3087,7 +3092,7 @@
     </p:spTree>
     <p:extLst>
       <p:ext uri="{BB962C8B-B14F-4D97-AF65-F5344CB8AC3E}">
-        <p14:creationId xmlns:p14="http://schemas.microsoft.com/office/powerpoint/2010/main" xmlns="" val="1025718114"/>
+        <p14:creationId xmlns="" xmlns:p14="http://schemas.microsoft.com/office/powerpoint/2010/main" val="1025718114"/>
       </p:ext>
     </p:extLst>
   </p:cSld>
@@ -3143,83 +3148,12 @@
           <a:p>
             <a:r>
               <a:rPr lang="it-IT" dirty="0" smtClean="0"/>
-              <a:t>Motivo dell’elevata complessità:</a:t>
-            </a:r>
-          </a:p>
-          <a:p>
-            <a:pPr marL="171450" indent="-171450">
-              <a:buFontTx/>
-              <a:buChar char="-"/>
-            </a:pPr>
-            <a:r>
-              <a:rPr lang="it-IT" dirty="0" smtClean="0"/>
-              <a:t>Mancanza di tempo per suddividere le responsabilità in </a:t>
-            </a:r>
-            <a:r>
-              <a:rPr lang="it-IT" dirty="0" err="1" smtClean="0"/>
-              <a:t>piu</a:t>
-            </a:r>
-            <a:r>
-              <a:rPr lang="it-IT" dirty="0" smtClean="0"/>
-              <a:t> classi</a:t>
-            </a:r>
-          </a:p>
-          <a:p>
-            <a:pPr marL="0" indent="0">
-              <a:buFontTx/>
-              <a:buNone/>
-            </a:pPr>
-            <a:r>
-              <a:rPr lang="it-IT" dirty="0" smtClean="0"/>
-              <a:t>Motivo</a:t>
+              <a:t>Cercare</a:t>
             </a:r>
             <a:r>
               <a:rPr lang="it-IT" baseline="0" dirty="0" smtClean="0"/>
-              <a:t> della mancanza di commenti</a:t>
-            </a:r>
-          </a:p>
-          <a:p>
-            <a:pPr marL="171450" indent="-171450">
-              <a:buFontTx/>
-              <a:buChar char="-"/>
-            </a:pPr>
-            <a:r>
-              <a:rPr lang="it-IT" baseline="0" dirty="0" smtClean="0"/>
-              <a:t>Poco tempo</a:t>
-            </a:r>
-          </a:p>
-          <a:p>
-            <a:pPr marL="0" indent="0">
-              <a:buFontTx/>
-              <a:buNone/>
-            </a:pPr>
-            <a:r>
-              <a:rPr lang="it-IT" dirty="0" smtClean="0"/>
-              <a:t>Motivo della mancanza di eccezioni</a:t>
-            </a:r>
-          </a:p>
-          <a:p>
-            <a:pPr marL="171450" indent="-171450">
-              <a:buFontTx/>
-              <a:buChar char="-"/>
-            </a:pPr>
-            <a:r>
-              <a:rPr lang="it-IT" dirty="0" smtClean="0"/>
-              <a:t>Poco tempo</a:t>
-            </a:r>
-          </a:p>
-          <a:p>
-            <a:pPr marL="171450" indent="-171450">
-              <a:buFontTx/>
-              <a:buChar char="-"/>
-            </a:pPr>
-            <a:endParaRPr lang="it-IT" dirty="0" smtClean="0"/>
-          </a:p>
-          <a:p>
-            <a:pPr marL="0" indent="0">
-              <a:buFontTx/>
-              <a:buNone/>
-            </a:pPr>
+              <a:t> di dire «abbiamo indicato gli obiettivi prima ora abbiamo cercato di applicarli, nel giro di 14 giorni»</a:t>
+            </a:r>
             <a:endParaRPr lang="it-IT" dirty="0"/>
           </a:p>
         </p:txBody>
@@ -3251,7 +3185,7 @@
     </p:spTree>
     <p:extLst>
       <p:ext uri="{BB962C8B-B14F-4D97-AF65-F5344CB8AC3E}">
-        <p14:creationId xmlns:p14="http://schemas.microsoft.com/office/powerpoint/2010/main" xmlns="" val="1047033234"/>
+        <p14:creationId xmlns="" xmlns:p14="http://schemas.microsoft.com/office/powerpoint/2010/main" val="3928439017"/>
       </p:ext>
     </p:extLst>
   </p:cSld>
@@ -3307,8 +3241,83 @@
           <a:p>
             <a:r>
               <a:rPr lang="it-IT" dirty="0" smtClean="0"/>
-              <a:t>Mettere anche dei pregi</a:t>
-            </a:r>
+              <a:t>Motivo dell’elevata complessità:</a:t>
+            </a:r>
+          </a:p>
+          <a:p>
+            <a:pPr marL="171450" indent="-171450">
+              <a:buFontTx/>
+              <a:buChar char="-"/>
+            </a:pPr>
+            <a:r>
+              <a:rPr lang="it-IT" dirty="0" smtClean="0"/>
+              <a:t>Mancanza di tempo per suddividere le responsabilità in </a:t>
+            </a:r>
+            <a:r>
+              <a:rPr lang="it-IT" dirty="0" err="1" smtClean="0"/>
+              <a:t>piu</a:t>
+            </a:r>
+            <a:r>
+              <a:rPr lang="it-IT" dirty="0" smtClean="0"/>
+              <a:t> classi</a:t>
+            </a:r>
+          </a:p>
+          <a:p>
+            <a:pPr marL="0" indent="0">
+              <a:buFontTx/>
+              <a:buNone/>
+            </a:pPr>
+            <a:r>
+              <a:rPr lang="it-IT" dirty="0" smtClean="0"/>
+              <a:t>Motivo</a:t>
+            </a:r>
+            <a:r>
+              <a:rPr lang="it-IT" baseline="0" dirty="0" smtClean="0"/>
+              <a:t> della mancanza di commenti</a:t>
+            </a:r>
+          </a:p>
+          <a:p>
+            <a:pPr marL="171450" indent="-171450">
+              <a:buFontTx/>
+              <a:buChar char="-"/>
+            </a:pPr>
+            <a:r>
+              <a:rPr lang="it-IT" baseline="0" dirty="0" smtClean="0"/>
+              <a:t>Poco tempo</a:t>
+            </a:r>
+          </a:p>
+          <a:p>
+            <a:pPr marL="0" indent="0">
+              <a:buFontTx/>
+              <a:buNone/>
+            </a:pPr>
+            <a:r>
+              <a:rPr lang="it-IT" dirty="0" smtClean="0"/>
+              <a:t>Motivo della mancanza di eccezioni</a:t>
+            </a:r>
+          </a:p>
+          <a:p>
+            <a:pPr marL="171450" indent="-171450">
+              <a:buFontTx/>
+              <a:buChar char="-"/>
+            </a:pPr>
+            <a:r>
+              <a:rPr lang="it-IT" dirty="0" smtClean="0"/>
+              <a:t>Poco tempo</a:t>
+            </a:r>
+          </a:p>
+          <a:p>
+            <a:pPr marL="171450" indent="-171450">
+              <a:buFontTx/>
+              <a:buChar char="-"/>
+            </a:pPr>
+            <a:endParaRPr lang="it-IT" dirty="0" smtClean="0"/>
+          </a:p>
+          <a:p>
+            <a:pPr marL="0" indent="0">
+              <a:buFontTx/>
+              <a:buNone/>
+            </a:pPr>
             <a:endParaRPr lang="it-IT" dirty="0"/>
           </a:p>
         </p:txBody>
@@ -3340,7 +3349,7 @@
     </p:spTree>
     <p:extLst>
       <p:ext uri="{BB962C8B-B14F-4D97-AF65-F5344CB8AC3E}">
-        <p14:creationId xmlns:p14="http://schemas.microsoft.com/office/powerpoint/2010/main" xmlns="" val="1047033234"/>
+        <p14:creationId xmlns="" xmlns:p14="http://schemas.microsoft.com/office/powerpoint/2010/main" val="1047033234"/>
       </p:ext>
     </p:extLst>
   </p:cSld>
@@ -3394,6 +3403,10 @@
           <a:bodyPr/>
           <a:lstStyle/>
           <a:p>
+            <a:r>
+              <a:rPr lang="it-IT" dirty="0" smtClean="0"/>
+              <a:t>Mettere anche dei pregi</a:t>
+            </a:r>
             <a:endParaRPr lang="it-IT" dirty="0"/>
           </a:p>
         </p:txBody>
@@ -3416,7 +3429,7 @@
             <a:fld id="{D70604CA-7593-4640-8FA1-5523937B8510}" type="slidenum">
               <a:rPr lang="it-IT" smtClean="0"/>
               <a:pPr/>
-              <a:t>38</a:t>
+              <a:t>34</a:t>
             </a:fld>
             <a:endParaRPr lang="it-IT"/>
           </a:p>
@@ -3425,7 +3438,7 @@
     </p:spTree>
     <p:extLst>
       <p:ext uri="{BB962C8B-B14F-4D97-AF65-F5344CB8AC3E}">
-        <p14:creationId xmlns:p14="http://schemas.microsoft.com/office/powerpoint/2010/main" xmlns="" val="742716072"/>
+        <p14:creationId xmlns="" xmlns:p14="http://schemas.microsoft.com/office/powerpoint/2010/main" val="1047033234"/>
       </p:ext>
     </p:extLst>
   </p:cSld>
@@ -3479,10 +3492,6 @@
           <a:bodyPr/>
           <a:lstStyle/>
           <a:p>
-            <a:r>
-              <a:rPr lang="it-IT" dirty="0" smtClean="0"/>
-              <a:t>Non obbligatoria</a:t>
-            </a:r>
             <a:endParaRPr lang="it-IT" dirty="0"/>
           </a:p>
         </p:txBody>
@@ -3514,7 +3523,7 @@
     </p:spTree>
     <p:extLst>
       <p:ext uri="{BB962C8B-B14F-4D97-AF65-F5344CB8AC3E}">
-        <p14:creationId xmlns:p14="http://schemas.microsoft.com/office/powerpoint/2010/main" xmlns="" val="1425725903"/>
+        <p14:creationId xmlns="" xmlns:p14="http://schemas.microsoft.com/office/powerpoint/2010/main" val="742716072"/>
       </p:ext>
     </p:extLst>
   </p:cSld>
@@ -3568,30 +3577,10 @@
           <a:bodyPr/>
           <a:lstStyle/>
           <a:p>
-            <a:pPr marL="0" marR="0" indent="0" algn="l" defTabSz="914400" rtl="0" eaLnBrk="1" fontAlgn="auto" latinLnBrk="0" hangingPunct="1">
-              <a:lnSpc>
-                <a:spcPct val="100000"/>
-              </a:lnSpc>
-              <a:spcBef>
-                <a:spcPts val="0"/>
-              </a:spcBef>
-              <a:spcAft>
-                <a:spcPts val="0"/>
-              </a:spcAft>
-              <a:buClrTx/>
-              <a:buSzTx/>
-              <a:buFontTx/>
-              <a:buNone/>
-              <a:tabLst/>
-              <a:defRPr/>
-            </a:pPr>
-            <a:r>
-              <a:rPr lang="it-IT" baseline="0" dirty="0" smtClean="0"/>
-              <a:t>------ POSSIBILITA DI RIPETEZIONE CON ALTRI TEAM ------</a:t>
-            </a:r>
-            <a:endParaRPr lang="it-IT" dirty="0" smtClean="0"/>
-          </a:p>
-          <a:p>
+            <a:r>
+              <a:rPr lang="it-IT" dirty="0" smtClean="0"/>
+              <a:t>Non obbligatoria</a:t>
+            </a:r>
             <a:endParaRPr lang="it-IT" dirty="0"/>
           </a:p>
         </p:txBody>
@@ -3623,7 +3612,7 @@
     </p:spTree>
     <p:extLst>
       <p:ext uri="{BB962C8B-B14F-4D97-AF65-F5344CB8AC3E}">
-        <p14:creationId xmlns:p14="http://schemas.microsoft.com/office/powerpoint/2010/main" xmlns="" val="880674728"/>
+        <p14:creationId xmlns="" xmlns:p14="http://schemas.microsoft.com/office/powerpoint/2010/main" val="1425725903"/>
       </p:ext>
     </p:extLst>
   </p:cSld>
@@ -3732,7 +3721,7 @@
     </p:spTree>
     <p:extLst>
       <p:ext uri="{BB962C8B-B14F-4D97-AF65-F5344CB8AC3E}">
-        <p14:creationId xmlns:p14="http://schemas.microsoft.com/office/powerpoint/2010/main" xmlns="" val="346945336"/>
+        <p14:creationId xmlns="" xmlns:p14="http://schemas.microsoft.com/office/powerpoint/2010/main" val="880674728"/>
       </p:ext>
     </p:extLst>
   </p:cSld>
@@ -3841,7 +3830,7 @@
     </p:spTree>
     <p:extLst>
       <p:ext uri="{BB962C8B-B14F-4D97-AF65-F5344CB8AC3E}">
-        <p14:creationId xmlns:p14="http://schemas.microsoft.com/office/powerpoint/2010/main" xmlns="" val="1778546328"/>
+        <p14:creationId xmlns="" xmlns:p14="http://schemas.microsoft.com/office/powerpoint/2010/main" val="346945336"/>
       </p:ext>
     </p:extLst>
   </p:cSld>
@@ -3950,7 +3939,116 @@
     </p:spTree>
     <p:extLst>
       <p:ext uri="{BB962C8B-B14F-4D97-AF65-F5344CB8AC3E}">
-        <p14:creationId xmlns:p14="http://schemas.microsoft.com/office/powerpoint/2010/main" xmlns="" val="604861763"/>
+        <p14:creationId xmlns="" xmlns:p14="http://schemas.microsoft.com/office/powerpoint/2010/main" val="1778546328"/>
+      </p:ext>
+    </p:extLst>
+  </p:cSld>
+  <p:clrMapOvr>
+    <a:masterClrMapping/>
+  </p:clrMapOvr>
+</p:notes>
+</file>
+
+<file path=ppt/notesSlides/notesSlide38.xml><?xml version="1.0" encoding="utf-8"?>
+<p:notes xmlns:a="http://schemas.openxmlformats.org/drawingml/2006/main" xmlns:r="http://schemas.openxmlformats.org/officeDocument/2006/relationships" xmlns:p="http://schemas.openxmlformats.org/presentationml/2006/main">
+  <p:cSld>
+    <p:spTree>
+      <p:nvGrpSpPr>
+        <p:cNvPr id="1" name=""/>
+        <p:cNvGrpSpPr/>
+        <p:nvPr/>
+      </p:nvGrpSpPr>
+      <p:grpSpPr>
+        <a:xfrm>
+          <a:off x="0" y="0"/>
+          <a:ext cx="0" cy="0"/>
+          <a:chOff x="0" y="0"/>
+          <a:chExt cx="0" cy="0"/>
+        </a:xfrm>
+      </p:grpSpPr>
+      <p:sp>
+        <p:nvSpPr>
+          <p:cNvPr id="2" name="Segnaposto immagine diapositiva 1"/>
+          <p:cNvSpPr>
+            <a:spLocks noGrp="1" noRot="1" noChangeAspect="1"/>
+          </p:cNvSpPr>
+          <p:nvPr>
+            <p:ph type="sldImg"/>
+          </p:nvPr>
+        </p:nvSpPr>
+        <p:spPr/>
+      </p:sp>
+      <p:sp>
+        <p:nvSpPr>
+          <p:cNvPr id="3" name="Segnaposto note 2"/>
+          <p:cNvSpPr>
+            <a:spLocks noGrp="1"/>
+          </p:cNvSpPr>
+          <p:nvPr>
+            <p:ph type="body" idx="1"/>
+          </p:nvPr>
+        </p:nvSpPr>
+        <p:spPr/>
+        <p:txBody>
+          <a:bodyPr/>
+          <a:lstStyle/>
+          <a:p>
+            <a:pPr marL="0" marR="0" indent="0" algn="l" defTabSz="914400" rtl="0" eaLnBrk="1" fontAlgn="auto" latinLnBrk="0" hangingPunct="1">
+              <a:lnSpc>
+                <a:spcPct val="100000"/>
+              </a:lnSpc>
+              <a:spcBef>
+                <a:spcPts val="0"/>
+              </a:spcBef>
+              <a:spcAft>
+                <a:spcPts val="0"/>
+              </a:spcAft>
+              <a:buClrTx/>
+              <a:buSzTx/>
+              <a:buFontTx/>
+              <a:buNone/>
+              <a:tabLst/>
+              <a:defRPr/>
+            </a:pPr>
+            <a:r>
+              <a:rPr lang="it-IT" baseline="0" dirty="0" smtClean="0"/>
+              <a:t>------ POSSIBILITA DI RIPETEZIONE CON ALTRI TEAM ------</a:t>
+            </a:r>
+            <a:endParaRPr lang="it-IT" dirty="0" smtClean="0"/>
+          </a:p>
+          <a:p>
+            <a:endParaRPr lang="it-IT" dirty="0"/>
+          </a:p>
+        </p:txBody>
+      </p:sp>
+      <p:sp>
+        <p:nvSpPr>
+          <p:cNvPr id="4" name="Segnaposto numero diapositiva 3"/>
+          <p:cNvSpPr>
+            <a:spLocks noGrp="1"/>
+          </p:cNvSpPr>
+          <p:nvPr>
+            <p:ph type="sldNum" sz="quarter" idx="10"/>
+          </p:nvPr>
+        </p:nvSpPr>
+        <p:spPr/>
+        <p:txBody>
+          <a:bodyPr/>
+          <a:lstStyle/>
+          <a:p>
+            <a:fld id="{D70604CA-7593-4640-8FA1-5523937B8510}" type="slidenum">
+              <a:rPr lang="it-IT" smtClean="0"/>
+              <a:pPr/>
+              <a:t>44</a:t>
+            </a:fld>
+            <a:endParaRPr lang="it-IT"/>
+          </a:p>
+        </p:txBody>
+      </p:sp>
+    </p:spTree>
+    <p:extLst>
+      <p:ext uri="{BB962C8B-B14F-4D97-AF65-F5344CB8AC3E}">
+        <p14:creationId xmlns="" xmlns:p14="http://schemas.microsoft.com/office/powerpoint/2010/main" val="604861763"/>
       </p:ext>
     </p:extLst>
   </p:cSld>
@@ -4039,7 +4137,7 @@
     </p:spTree>
     <p:extLst>
       <p:ext uri="{BB962C8B-B14F-4D97-AF65-F5344CB8AC3E}">
-        <p14:creationId xmlns:p14="http://schemas.microsoft.com/office/powerpoint/2010/main" xmlns="" val="1357369038"/>
+        <p14:creationId xmlns="" xmlns:p14="http://schemas.microsoft.com/office/powerpoint/2010/main" val="1357369038"/>
       </p:ext>
     </p:extLst>
   </p:cSld>
@@ -4153,7 +4251,7 @@
     </p:spTree>
     <p:extLst>
       <p:ext uri="{BB962C8B-B14F-4D97-AF65-F5344CB8AC3E}">
-        <p14:creationId xmlns:p14="http://schemas.microsoft.com/office/powerpoint/2010/main" xmlns="" val="3780346060"/>
+        <p14:creationId xmlns="" xmlns:p14="http://schemas.microsoft.com/office/powerpoint/2010/main" val="3780346060"/>
       </p:ext>
     </p:extLst>
   </p:cSld>
@@ -4258,7 +4356,7 @@
     </p:spTree>
     <p:extLst>
       <p:ext uri="{BB962C8B-B14F-4D97-AF65-F5344CB8AC3E}">
-        <p14:creationId xmlns:p14="http://schemas.microsoft.com/office/powerpoint/2010/main" xmlns="" val="41796055"/>
+        <p14:creationId xmlns="" xmlns:p14="http://schemas.microsoft.com/office/powerpoint/2010/main" val="41796055"/>
       </p:ext>
     </p:extLst>
   </p:cSld>
@@ -4381,7 +4479,7 @@
     </p:spTree>
     <p:extLst>
       <p:ext uri="{BB962C8B-B14F-4D97-AF65-F5344CB8AC3E}">
-        <p14:creationId xmlns:p14="http://schemas.microsoft.com/office/powerpoint/2010/main" xmlns="" val="555626785"/>
+        <p14:creationId xmlns="" xmlns:p14="http://schemas.microsoft.com/office/powerpoint/2010/main" val="555626785"/>
       </p:ext>
     </p:extLst>
   </p:cSld>
@@ -4474,7 +4572,7 @@
     </p:spTree>
     <p:extLst>
       <p:ext uri="{BB962C8B-B14F-4D97-AF65-F5344CB8AC3E}">
-        <p14:creationId xmlns:p14="http://schemas.microsoft.com/office/powerpoint/2010/main" xmlns="" val="855395126"/>
+        <p14:creationId xmlns="" xmlns:p14="http://schemas.microsoft.com/office/powerpoint/2010/main" val="855395126"/>
       </p:ext>
     </p:extLst>
   </p:cSld>
@@ -4587,7 +4685,7 @@
     </p:spTree>
     <p:extLst>
       <p:ext uri="{BB962C8B-B14F-4D97-AF65-F5344CB8AC3E}">
-        <p14:creationId xmlns:p14="http://schemas.microsoft.com/office/powerpoint/2010/main" xmlns="" val="802928497"/>
+        <p14:creationId xmlns="" xmlns:p14="http://schemas.microsoft.com/office/powerpoint/2010/main" val="802928497"/>
       </p:ext>
     </p:extLst>
   </p:cSld>
@@ -4763,7 +4861,7 @@
             <a:fld id="{63CABBC0-75E4-43BB-A6A6-84C2A96BDB82}" type="datetimeFigureOut">
               <a:rPr lang="it-IT" smtClean="0"/>
               <a:pPr/>
-              <a:t>31/12/2012</a:t>
+              <a:t>01/01/2013</a:t>
             </a:fld>
             <a:endParaRPr lang="it-IT"/>
           </a:p>
@@ -4945,7 +5043,7 @@
             <a:fld id="{63CABBC0-75E4-43BB-A6A6-84C2A96BDB82}" type="datetimeFigureOut">
               <a:rPr lang="it-IT" smtClean="0"/>
               <a:pPr/>
-              <a:t>31/12/2012</a:t>
+              <a:t>01/01/2013</a:t>
             </a:fld>
             <a:endParaRPr lang="it-IT"/>
           </a:p>
@@ -5137,7 +5235,7 @@
             <a:fld id="{63CABBC0-75E4-43BB-A6A6-84C2A96BDB82}" type="datetimeFigureOut">
               <a:rPr lang="it-IT" smtClean="0"/>
               <a:pPr/>
-              <a:t>31/12/2012</a:t>
+              <a:t>01/01/2013</a:t>
             </a:fld>
             <a:endParaRPr lang="it-IT"/>
           </a:p>
@@ -5319,7 +5417,7 @@
             <a:fld id="{63CABBC0-75E4-43BB-A6A6-84C2A96BDB82}" type="datetimeFigureOut">
               <a:rPr lang="it-IT" smtClean="0"/>
               <a:pPr/>
-              <a:t>31/12/2012</a:t>
+              <a:t>01/01/2013</a:t>
             </a:fld>
             <a:endParaRPr lang="it-IT"/>
           </a:p>
@@ -5562,7 +5660,7 @@
             <a:fld id="{63CABBC0-75E4-43BB-A6A6-84C2A96BDB82}" type="datetimeFigureOut">
               <a:rPr lang="it-IT" smtClean="0"/>
               <a:pPr/>
-              <a:t>31/12/2012</a:t>
+              <a:t>01/01/2013</a:t>
             </a:fld>
             <a:endParaRPr lang="it-IT"/>
           </a:p>
@@ -5843,7 +5941,7 @@
             <a:fld id="{63CABBC0-75E4-43BB-A6A6-84C2A96BDB82}" type="datetimeFigureOut">
               <a:rPr lang="it-IT" smtClean="0"/>
               <a:pPr/>
-              <a:t>31/12/2012</a:t>
+              <a:t>01/01/2013</a:t>
             </a:fld>
             <a:endParaRPr lang="it-IT"/>
           </a:p>
@@ -6234,7 +6332,7 @@
             <a:fld id="{63CABBC0-75E4-43BB-A6A6-84C2A96BDB82}" type="datetimeFigureOut">
               <a:rPr lang="it-IT" smtClean="0"/>
               <a:pPr/>
-              <a:t>31/12/2012</a:t>
+              <a:t>01/01/2013</a:t>
             </a:fld>
             <a:endParaRPr lang="it-IT"/>
           </a:p>
@@ -6393,7 +6491,7 @@
             <a:fld id="{63CABBC0-75E4-43BB-A6A6-84C2A96BDB82}" type="datetimeFigureOut">
               <a:rPr lang="it-IT" smtClean="0"/>
               <a:pPr/>
-              <a:t>31/12/2012</a:t>
+              <a:t>01/01/2013</a:t>
             </a:fld>
             <a:endParaRPr lang="it-IT"/>
           </a:p>
@@ -6492,7 +6590,7 @@
             <a:fld id="{63CABBC0-75E4-43BB-A6A6-84C2A96BDB82}" type="datetimeFigureOut">
               <a:rPr lang="it-IT" smtClean="0"/>
               <a:pPr/>
-              <a:t>31/12/2012</a:t>
+              <a:t>01/01/2013</a:t>
             </a:fld>
             <a:endParaRPr lang="it-IT"/>
           </a:p>
@@ -6762,7 +6860,7 @@
             <a:fld id="{63CABBC0-75E4-43BB-A6A6-84C2A96BDB82}" type="datetimeFigureOut">
               <a:rPr lang="it-IT" smtClean="0"/>
               <a:pPr/>
-              <a:t>31/12/2012</a:t>
+              <a:t>01/01/2013</a:t>
             </a:fld>
             <a:endParaRPr lang="it-IT"/>
           </a:p>
@@ -7059,7 +7157,7 @@
             <a:fld id="{63CABBC0-75E4-43BB-A6A6-84C2A96BDB82}" type="datetimeFigureOut">
               <a:rPr lang="it-IT" smtClean="0"/>
               <a:pPr/>
-              <a:t>31/12/2012</a:t>
+              <a:t>01/01/2013</a:t>
             </a:fld>
             <a:endParaRPr lang="it-IT"/>
           </a:p>
@@ -7839,7 +7937,7 @@
             <a:fld id="{63CABBC0-75E4-43BB-A6A6-84C2A96BDB82}" type="datetimeFigureOut">
               <a:rPr lang="it-IT" smtClean="0"/>
               <a:pPr/>
-              <a:t>31/12/2012</a:t>
+              <a:t>01/01/2013</a:t>
             </a:fld>
             <a:endParaRPr lang="it-IT"/>
           </a:p>
@@ -8525,7 +8623,7 @@
           <a:blip r:embed="rId2">
             <a:extLst>
               <a:ext uri="{28A0092B-C50C-407E-A947-70E740481C1C}">
-                <a14:useLocalDpi xmlns:a14="http://schemas.microsoft.com/office/drawing/2010/main" xmlns="" val="0"/>
+                <a14:useLocalDpi xmlns="" xmlns:a14="http://schemas.microsoft.com/office/drawing/2010/main" val="0"/>
               </a:ext>
             </a:extLst>
           </a:blip>
@@ -8549,14 +8647,14 @@
           <a:effectLst/>
           <a:extLst>
             <a:ext uri="{909E8E84-426E-40DD-AFC4-6F175D3DCCD1}">
-              <a14:hiddenFill xmlns:a14="http://schemas.microsoft.com/office/drawing/2010/main" xmlns="">
+              <a14:hiddenFill xmlns="" xmlns:a14="http://schemas.microsoft.com/office/drawing/2010/main">
                 <a:solidFill>
                   <a:schemeClr val="accent1"/>
                 </a:solidFill>
               </a14:hiddenFill>
             </a:ext>
             <a:ext uri="{91240B29-F687-4F45-9708-019B960494DF}">
-              <a14:hiddenLine xmlns:a14="http://schemas.microsoft.com/office/drawing/2010/main" xmlns="" w="9525">
+              <a14:hiddenLine xmlns="" xmlns:a14="http://schemas.microsoft.com/office/drawing/2010/main" w="9525">
                 <a:solidFill>
                   <a:schemeClr val="tx1"/>
                 </a:solidFill>
@@ -8566,7 +8664,7 @@
               </a14:hiddenLine>
             </a:ext>
             <a:ext uri="{AF507438-7753-43E0-B8FC-AC1667EBCBE1}">
-              <a14:hiddenEffects xmlns:a14="http://schemas.microsoft.com/office/drawing/2010/main" xmlns="">
+              <a14:hiddenEffects xmlns="" xmlns:a14="http://schemas.microsoft.com/office/drawing/2010/main">
                 <a:effectLst>
                   <a:outerShdw dist="35921" dir="2700000" algn="ctr" rotWithShape="0">
                     <a:schemeClr val="bg2"/>
@@ -8586,7 +8684,7 @@
           <p:nvPr>
             <p:extLst>
               <p:ext uri="{D42A27DB-BD31-4B8C-83A1-F6EECF244321}">
-                <p14:modId xmlns:p14="http://schemas.microsoft.com/office/powerpoint/2010/main" xmlns="" val="669990601"/>
+                <p14:modId xmlns="" xmlns:p14="http://schemas.microsoft.com/office/powerpoint/2010/main" val="669990601"/>
               </p:ext>
             </p:extLst>
           </p:nvPr>
@@ -8763,7 +8861,7 @@
           <p:nvPr>
             <p:extLst>
               <p:ext uri="{D42A27DB-BD31-4B8C-83A1-F6EECF244321}">
-                <p14:modId xmlns:p14="http://schemas.microsoft.com/office/powerpoint/2010/main" xmlns="" val="1867475245"/>
+                <p14:modId xmlns="" xmlns:p14="http://schemas.microsoft.com/office/powerpoint/2010/main" val="1867475245"/>
               </p:ext>
             </p:extLst>
           </p:nvPr>
@@ -8894,7 +8992,7 @@
     </p:spTree>
     <p:extLst>
       <p:ext uri="{BB962C8B-B14F-4D97-AF65-F5344CB8AC3E}">
-        <p14:creationId xmlns:p14="http://schemas.microsoft.com/office/powerpoint/2010/main" xmlns="" val="4165334171"/>
+        <p14:creationId xmlns="" xmlns:p14="http://schemas.microsoft.com/office/powerpoint/2010/main" val="4165334171"/>
       </p:ext>
     </p:extLst>
   </p:cSld>
@@ -9190,7 +9288,7 @@
     </p:spTree>
     <p:extLst>
       <p:ext uri="{BB962C8B-B14F-4D97-AF65-F5344CB8AC3E}">
-        <p14:creationId xmlns:p14="http://schemas.microsoft.com/office/powerpoint/2010/main" xmlns="" val="155874689"/>
+        <p14:creationId xmlns="" xmlns:p14="http://schemas.microsoft.com/office/powerpoint/2010/main" val="155874689"/>
       </p:ext>
     </p:extLst>
   </p:cSld>
@@ -9198,7 +9296,7 @@
     <a:masterClrMapping/>
   </p:clrMapOvr>
   <mc:AlternateContent xmlns:mc="http://schemas.openxmlformats.org/markup-compatibility/2006">
-    <mc:Choice xmlns:p14="http://schemas.microsoft.com/office/powerpoint/2010/main" xmlns="" Requires="p14">
+    <mc:Choice xmlns="" xmlns:p14="http://schemas.microsoft.com/office/powerpoint/2010/main" Requires="p14">
       <p:transition spd="slow" p14:dur="2000"/>
     </mc:Choice>
     <mc:Fallback>
@@ -9704,7 +9802,7 @@
     </p:spTree>
     <p:extLst>
       <p:ext uri="{BB962C8B-B14F-4D97-AF65-F5344CB8AC3E}">
-        <p14:creationId xmlns:p14="http://schemas.microsoft.com/office/powerpoint/2010/main" xmlns="" val="155874689"/>
+        <p14:creationId xmlns="" xmlns:p14="http://schemas.microsoft.com/office/powerpoint/2010/main" val="155874689"/>
       </p:ext>
     </p:extLst>
   </p:cSld>
@@ -9712,7 +9810,7 @@
     <a:masterClrMapping/>
   </p:clrMapOvr>
   <mc:AlternateContent xmlns:mc="http://schemas.openxmlformats.org/markup-compatibility/2006">
-    <mc:Choice xmlns:p14="http://schemas.microsoft.com/office/powerpoint/2010/main" xmlns="" Requires="p14">
+    <mc:Choice xmlns="" xmlns:p14="http://schemas.microsoft.com/office/powerpoint/2010/main" Requires="p14">
       <p:transition spd="slow" p14:dur="2000"/>
     </mc:Choice>
     <mc:Fallback>
@@ -10209,7 +10307,7 @@
     </p:spTree>
     <p:extLst>
       <p:ext uri="{BB962C8B-B14F-4D97-AF65-F5344CB8AC3E}">
-        <p14:creationId xmlns:p14="http://schemas.microsoft.com/office/powerpoint/2010/main" xmlns="" val="155874689"/>
+        <p14:creationId xmlns="" xmlns:p14="http://schemas.microsoft.com/office/powerpoint/2010/main" val="155874689"/>
       </p:ext>
     </p:extLst>
   </p:cSld>
@@ -10217,7 +10315,7 @@
     <a:masterClrMapping/>
   </p:clrMapOvr>
   <mc:AlternateContent xmlns:mc="http://schemas.openxmlformats.org/markup-compatibility/2006">
-    <mc:Choice xmlns:p14="http://schemas.microsoft.com/office/powerpoint/2010/main" xmlns="" Requires="p14">
+    <mc:Choice xmlns="" xmlns:p14="http://schemas.microsoft.com/office/powerpoint/2010/main" Requires="p14">
       <p:transition spd="slow" p14:dur="2000"/>
     </mc:Choice>
     <mc:Fallback>
@@ -12315,7 +12413,6 @@
               <a:rPr lang="it-IT" sz="2200" dirty="0" smtClean="0"/>
               <a:t>Obiettivo:</a:t>
             </a:r>
-            <a:endParaRPr lang="it-IT" sz="2200" dirty="0" smtClean="0"/>
           </a:p>
           <a:p>
             <a:pPr marL="742950" lvl="1" indent="-285750">
@@ -12395,7 +12492,7 @@
           <a:blip r:embed="rId3">
             <a:extLst>
               <a:ext uri="{28A0092B-C50C-407E-A947-70E740481C1C}">
-                <a14:useLocalDpi xmlns:a14="http://schemas.microsoft.com/office/drawing/2010/main" xmlns="" val="0"/>
+                <a14:useLocalDpi xmlns="" xmlns:a14="http://schemas.microsoft.com/office/drawing/2010/main" val="0"/>
               </a:ext>
             </a:extLst>
           </a:blip>
@@ -12415,7 +12512,7 @@
           <a:noFill/>
           <a:extLst>
             <a:ext uri="{909E8E84-426E-40DD-AFC4-6F175D3DCCD1}">
-              <a14:hiddenFill xmlns:a14="http://schemas.microsoft.com/office/drawing/2010/main" xmlns="">
+              <a14:hiddenFill xmlns="" xmlns:a14="http://schemas.microsoft.com/office/drawing/2010/main">
                 <a:solidFill>
                   <a:srgbClr val="FFFFFF"/>
                 </a:solidFill>
@@ -12436,7 +12533,7 @@
           <a:blip r:embed="rId4">
             <a:extLst>
               <a:ext uri="{28A0092B-C50C-407E-A947-70E740481C1C}">
-                <a14:useLocalDpi xmlns:a14="http://schemas.microsoft.com/office/drawing/2010/main" xmlns="" val="0"/>
+                <a14:useLocalDpi xmlns="" xmlns:a14="http://schemas.microsoft.com/office/drawing/2010/main" val="0"/>
               </a:ext>
             </a:extLst>
           </a:blip>
@@ -12456,7 +12553,7 @@
           <a:noFill/>
           <a:extLst>
             <a:ext uri="{909E8E84-426E-40DD-AFC4-6F175D3DCCD1}">
-              <a14:hiddenFill xmlns:a14="http://schemas.microsoft.com/office/drawing/2010/main" xmlns="">
+              <a14:hiddenFill xmlns="" xmlns:a14="http://schemas.microsoft.com/office/drawing/2010/main">
                 <a:solidFill>
                   <a:srgbClr val="FFFFFF"/>
                 </a:solidFill>
@@ -12502,7 +12599,7 @@
     </p:spTree>
     <p:extLst>
       <p:ext uri="{BB962C8B-B14F-4D97-AF65-F5344CB8AC3E}">
-        <p14:creationId xmlns:p14="http://schemas.microsoft.com/office/powerpoint/2010/main" xmlns="" val="1277526579"/>
+        <p14:creationId xmlns="" xmlns:p14="http://schemas.microsoft.com/office/powerpoint/2010/main" val="1277526579"/>
       </p:ext>
     </p:extLst>
   </p:cSld>
@@ -12814,7 +12911,7 @@
           <a:blip r:embed="rId3">
             <a:extLst>
               <a:ext uri="{28A0092B-C50C-407E-A947-70E740481C1C}">
-                <a14:useLocalDpi xmlns:a14="http://schemas.microsoft.com/office/drawing/2010/main" xmlns="" val="0"/>
+                <a14:useLocalDpi xmlns="" xmlns:a14="http://schemas.microsoft.com/office/drawing/2010/main" val="0"/>
               </a:ext>
             </a:extLst>
           </a:blip>
@@ -12834,7 +12931,7 @@
           <a:noFill/>
           <a:extLst>
             <a:ext uri="{909E8E84-426E-40DD-AFC4-6F175D3DCCD1}">
-              <a14:hiddenFill xmlns:a14="http://schemas.microsoft.com/office/drawing/2010/main" xmlns="">
+              <a14:hiddenFill xmlns="" xmlns:a14="http://schemas.microsoft.com/office/drawing/2010/main">
                 <a:solidFill>
                   <a:srgbClr val="FFFFFF"/>
                 </a:solidFill>
@@ -12855,7 +12952,7 @@
           <a:blip r:embed="rId4" cstate="print">
             <a:extLst>
               <a:ext uri="{28A0092B-C50C-407E-A947-70E740481C1C}">
-                <a14:useLocalDpi xmlns:a14="http://schemas.microsoft.com/office/drawing/2010/main" xmlns="" val="0"/>
+                <a14:useLocalDpi xmlns="" xmlns:a14="http://schemas.microsoft.com/office/drawing/2010/main" val="0"/>
               </a:ext>
             </a:extLst>
           </a:blip>
@@ -12875,7 +12972,7 @@
           <a:noFill/>
           <a:extLst>
             <a:ext uri="{909E8E84-426E-40DD-AFC4-6F175D3DCCD1}">
-              <a14:hiddenFill xmlns:a14="http://schemas.microsoft.com/office/drawing/2010/main" xmlns="">
+              <a14:hiddenFill xmlns="" xmlns:a14="http://schemas.microsoft.com/office/drawing/2010/main">
                 <a:solidFill>
                   <a:srgbClr val="FFFFFF"/>
                 </a:solidFill>
@@ -12896,7 +12993,7 @@
           <a:blip r:embed="rId5">
             <a:extLst>
               <a:ext uri="{28A0092B-C50C-407E-A947-70E740481C1C}">
-                <a14:useLocalDpi xmlns:a14="http://schemas.microsoft.com/office/drawing/2010/main" xmlns="" val="0"/>
+                <a14:useLocalDpi xmlns="" xmlns:a14="http://schemas.microsoft.com/office/drawing/2010/main" val="0"/>
               </a:ext>
             </a:extLst>
           </a:blip>
@@ -12916,7 +13013,7 @@
           <a:noFill/>
           <a:extLst>
             <a:ext uri="{909E8E84-426E-40DD-AFC4-6F175D3DCCD1}">
-              <a14:hiddenFill xmlns:a14="http://schemas.microsoft.com/office/drawing/2010/main" xmlns="">
+              <a14:hiddenFill xmlns="" xmlns:a14="http://schemas.microsoft.com/office/drawing/2010/main">
                 <a:solidFill>
                   <a:srgbClr val="FFFFFF"/>
                 </a:solidFill>
@@ -13018,7 +13115,7 @@
     </p:spTree>
     <p:extLst>
       <p:ext uri="{BB962C8B-B14F-4D97-AF65-F5344CB8AC3E}">
-        <p14:creationId xmlns:p14="http://schemas.microsoft.com/office/powerpoint/2010/main" xmlns="" val="418107373"/>
+        <p14:creationId xmlns="" xmlns:p14="http://schemas.microsoft.com/office/powerpoint/2010/main" val="418107373"/>
       </p:ext>
     </p:extLst>
   </p:cSld>
@@ -13484,7 +13581,7 @@
           <a:blip r:embed="rId4">
             <a:extLst>
               <a:ext uri="{28A0092B-C50C-407E-A947-70E740481C1C}">
-                <a14:useLocalDpi xmlns:a14="http://schemas.microsoft.com/office/drawing/2010/main" xmlns="" val="0"/>
+                <a14:useLocalDpi xmlns="" xmlns:a14="http://schemas.microsoft.com/office/drawing/2010/main" val="0"/>
               </a:ext>
             </a:extLst>
           </a:blip>
@@ -13504,7 +13601,7 @@
           <a:noFill/>
           <a:extLst>
             <a:ext uri="{909E8E84-426E-40DD-AFC4-6F175D3DCCD1}">
-              <a14:hiddenFill xmlns:a14="http://schemas.microsoft.com/office/drawing/2010/main" xmlns="">
+              <a14:hiddenFill xmlns="" xmlns:a14="http://schemas.microsoft.com/office/drawing/2010/main">
                 <a:solidFill>
                   <a:srgbClr val="FFFFFF"/>
                 </a:solidFill>
@@ -13951,7 +14048,7 @@
     </p:spTree>
     <p:extLst>
       <p:ext uri="{BB962C8B-B14F-4D97-AF65-F5344CB8AC3E}">
-        <p14:creationId xmlns:p14="http://schemas.microsoft.com/office/powerpoint/2010/main" xmlns="" val="2879521852"/>
+        <p14:creationId xmlns="" xmlns:p14="http://schemas.microsoft.com/office/powerpoint/2010/main" val="2879521852"/>
       </p:ext>
     </p:extLst>
   </p:cSld>
@@ -13959,7 +14056,7 @@
     <a:masterClrMapping/>
   </p:clrMapOvr>
   <mc:AlternateContent xmlns:mc="http://schemas.openxmlformats.org/markup-compatibility/2006">
-    <mc:Choice xmlns:p14="http://schemas.microsoft.com/office/powerpoint/2010/main" xmlns="" Requires="p14">
+    <mc:Choice xmlns="" xmlns:p14="http://schemas.microsoft.com/office/powerpoint/2010/main" Requires="p14">
       <p:transition spd="slow" p14:dur="2000"/>
     </mc:Choice>
     <mc:Fallback>
@@ -14282,7 +14379,7 @@
           <a:blip r:embed="rId3">
             <a:extLst>
               <a:ext uri="{28A0092B-C50C-407E-A947-70E740481C1C}">
-                <a14:useLocalDpi xmlns:a14="http://schemas.microsoft.com/office/drawing/2010/main" xmlns="" val="0"/>
+                <a14:useLocalDpi xmlns="" xmlns:a14="http://schemas.microsoft.com/office/drawing/2010/main" val="0"/>
               </a:ext>
             </a:extLst>
           </a:blip>
@@ -14302,7 +14399,7 @@
           <a:noFill/>
           <a:extLst>
             <a:ext uri="{909E8E84-426E-40DD-AFC4-6F175D3DCCD1}">
-              <a14:hiddenFill xmlns:a14="http://schemas.microsoft.com/office/drawing/2010/main" xmlns="">
+              <a14:hiddenFill xmlns="" xmlns:a14="http://schemas.microsoft.com/office/drawing/2010/main">
                 <a:solidFill>
                   <a:srgbClr val="FFFFFF"/>
                 </a:solidFill>
@@ -14823,7 +14920,7 @@
     </p:spTree>
     <p:extLst>
       <p:ext uri="{BB962C8B-B14F-4D97-AF65-F5344CB8AC3E}">
-        <p14:creationId xmlns:p14="http://schemas.microsoft.com/office/powerpoint/2010/main" xmlns="" val="202613363"/>
+        <p14:creationId xmlns="" xmlns:p14="http://schemas.microsoft.com/office/powerpoint/2010/main" val="202613363"/>
       </p:ext>
     </p:extLst>
   </p:cSld>
@@ -14831,7 +14928,7 @@
     <a:masterClrMapping/>
   </p:clrMapOvr>
   <mc:AlternateContent xmlns:mc="http://schemas.openxmlformats.org/markup-compatibility/2006">
-    <mc:Choice xmlns:p14="http://schemas.microsoft.com/office/powerpoint/2010/main" xmlns="" Requires="p14">
+    <mc:Choice xmlns="" xmlns:p14="http://schemas.microsoft.com/office/powerpoint/2010/main" Requires="p14">
       <p:transition spd="slow" p14:dur="2000"/>
     </mc:Choice>
     <mc:Fallback>
@@ -15156,7 +15253,7 @@
           <a:blip r:embed="rId3">
             <a:extLst>
               <a:ext uri="{28A0092B-C50C-407E-A947-70E740481C1C}">
-                <a14:useLocalDpi xmlns:a14="http://schemas.microsoft.com/office/drawing/2010/main" xmlns="" val="0"/>
+                <a14:useLocalDpi xmlns="" xmlns:a14="http://schemas.microsoft.com/office/drawing/2010/main" val="0"/>
               </a:ext>
             </a:extLst>
           </a:blip>
@@ -15176,7 +15273,7 @@
           <a:noFill/>
           <a:extLst>
             <a:ext uri="{909E8E84-426E-40DD-AFC4-6F175D3DCCD1}">
-              <a14:hiddenFill xmlns:a14="http://schemas.microsoft.com/office/drawing/2010/main" xmlns="">
+              <a14:hiddenFill xmlns="" xmlns:a14="http://schemas.microsoft.com/office/drawing/2010/main">
                 <a:solidFill>
                   <a:srgbClr val="FFFFFF"/>
                 </a:solidFill>
@@ -15197,7 +15294,7 @@
           <a:blip r:embed="rId4">
             <a:extLst>
               <a:ext uri="{28A0092B-C50C-407E-A947-70E740481C1C}">
-                <a14:useLocalDpi xmlns:a14="http://schemas.microsoft.com/office/drawing/2010/main" xmlns="" val="0"/>
+                <a14:useLocalDpi xmlns="" xmlns:a14="http://schemas.microsoft.com/office/drawing/2010/main" val="0"/>
               </a:ext>
             </a:extLst>
           </a:blip>
@@ -15217,7 +15314,7 @@
           <a:noFill/>
           <a:extLst>
             <a:ext uri="{909E8E84-426E-40DD-AFC4-6F175D3DCCD1}">
-              <a14:hiddenFill xmlns:a14="http://schemas.microsoft.com/office/drawing/2010/main" xmlns="">
+              <a14:hiddenFill xmlns="" xmlns:a14="http://schemas.microsoft.com/office/drawing/2010/main">
                 <a:solidFill>
                   <a:srgbClr val="FFFFFF"/>
                 </a:solidFill>
@@ -15541,7 +15638,7 @@
     </p:spTree>
     <p:extLst>
       <p:ext uri="{BB962C8B-B14F-4D97-AF65-F5344CB8AC3E}">
-        <p14:creationId xmlns:p14="http://schemas.microsoft.com/office/powerpoint/2010/main" xmlns="" val="1197112555"/>
+        <p14:creationId xmlns="" xmlns:p14="http://schemas.microsoft.com/office/powerpoint/2010/main" val="1197112555"/>
       </p:ext>
     </p:extLst>
   </p:cSld>
@@ -15549,7 +15646,7 @@
     <a:masterClrMapping/>
   </p:clrMapOvr>
   <mc:AlternateContent xmlns:mc="http://schemas.openxmlformats.org/markup-compatibility/2006">
-    <mc:Choice xmlns:p14="http://schemas.microsoft.com/office/powerpoint/2010/main" xmlns="" Requires="p14">
+    <mc:Choice xmlns="" xmlns:p14="http://schemas.microsoft.com/office/powerpoint/2010/main" Requires="p14">
       <p:transition spd="slow" p14:dur="2000"/>
     </mc:Choice>
     <mc:Fallback>
@@ -16636,7 +16733,7 @@
     </p:spTree>
     <p:extLst>
       <p:ext uri="{BB962C8B-B14F-4D97-AF65-F5344CB8AC3E}">
-        <p14:creationId xmlns:p14="http://schemas.microsoft.com/office/powerpoint/2010/main" xmlns="" val="155874689"/>
+        <p14:creationId xmlns="" xmlns:p14="http://schemas.microsoft.com/office/powerpoint/2010/main" val="155874689"/>
       </p:ext>
     </p:extLst>
   </p:cSld>
@@ -16644,7 +16741,7 @@
     <a:masterClrMapping/>
   </p:clrMapOvr>
   <mc:AlternateContent xmlns:mc="http://schemas.openxmlformats.org/markup-compatibility/2006">
-    <mc:Choice xmlns:p14="http://schemas.microsoft.com/office/powerpoint/2010/main" xmlns="" Requires="p14">
+    <mc:Choice xmlns="" xmlns:p14="http://schemas.microsoft.com/office/powerpoint/2010/main" Requires="p14">
       <p:transition spd="slow" p14:dur="2000"/>
     </mc:Choice>
     <mc:Fallback>
@@ -17008,7 +17105,7 @@
           <a:blip r:embed="rId3">
             <a:extLst>
               <a:ext uri="{28A0092B-C50C-407E-A947-70E740481C1C}">
-                <a14:useLocalDpi xmlns:a14="http://schemas.microsoft.com/office/drawing/2010/main" xmlns="" val="0"/>
+                <a14:useLocalDpi xmlns="" xmlns:a14="http://schemas.microsoft.com/office/drawing/2010/main" val="0"/>
               </a:ext>
             </a:extLst>
           </a:blip>
@@ -17028,7 +17125,7 @@
           <a:noFill/>
           <a:extLst>
             <a:ext uri="{909E8E84-426E-40DD-AFC4-6F175D3DCCD1}">
-              <a14:hiddenFill xmlns:a14="http://schemas.microsoft.com/office/drawing/2010/main" xmlns="">
+              <a14:hiddenFill xmlns="" xmlns:a14="http://schemas.microsoft.com/office/drawing/2010/main">
                 <a:solidFill>
                   <a:srgbClr val="FFFFFF"/>
                 </a:solidFill>
@@ -17049,7 +17146,7 @@
           <a:blip r:embed="rId4">
             <a:extLst>
               <a:ext uri="{28A0092B-C50C-407E-A947-70E740481C1C}">
-                <a14:useLocalDpi xmlns:a14="http://schemas.microsoft.com/office/drawing/2010/main" xmlns="" val="0"/>
+                <a14:useLocalDpi xmlns="" xmlns:a14="http://schemas.microsoft.com/office/drawing/2010/main" val="0"/>
               </a:ext>
             </a:extLst>
           </a:blip>
@@ -17078,7 +17175,7 @@
           </a:effectLst>
           <a:extLst>
             <a:ext uri="{909E8E84-426E-40DD-AFC4-6F175D3DCCD1}">
-              <a14:hiddenFill xmlns:a14="http://schemas.microsoft.com/office/drawing/2010/main" xmlns="">
+              <a14:hiddenFill xmlns="" xmlns:a14="http://schemas.microsoft.com/office/drawing/2010/main">
                 <a:solidFill>
                   <a:srgbClr val="FFFFFF"/>
                 </a:solidFill>
@@ -17116,7 +17213,7 @@
     </p:spTree>
     <p:extLst>
       <p:ext uri="{BB962C8B-B14F-4D97-AF65-F5344CB8AC3E}">
-        <p14:creationId xmlns:p14="http://schemas.microsoft.com/office/powerpoint/2010/main" xmlns="" val="700353664"/>
+        <p14:creationId xmlns="" xmlns:p14="http://schemas.microsoft.com/office/powerpoint/2010/main" val="700353664"/>
       </p:ext>
     </p:extLst>
   </p:cSld>
@@ -17124,7 +17221,7 @@
     <a:masterClrMapping/>
   </p:clrMapOvr>
   <mc:AlternateContent xmlns:mc="http://schemas.openxmlformats.org/markup-compatibility/2006">
-    <mc:Choice xmlns:p14="http://schemas.microsoft.com/office/powerpoint/2010/main" xmlns="" Requires="p14">
+    <mc:Choice xmlns="" xmlns:p14="http://schemas.microsoft.com/office/powerpoint/2010/main" Requires="p14">
       <p:transition spd="slow" p14:dur="2000"/>
     </mc:Choice>
     <mc:Fallback>
@@ -17983,7 +18080,7 @@
           <a:blip r:embed="rId3">
             <a:extLst>
               <a:ext uri="{28A0092B-C50C-407E-A947-70E740481C1C}">
-                <a14:useLocalDpi xmlns:a14="http://schemas.microsoft.com/office/drawing/2010/main" xmlns="" val="0"/>
+                <a14:useLocalDpi xmlns="" xmlns:a14="h